--- a/Airbnb Price Predictions (Model).pptx
+++ b/Airbnb Price Predictions (Model).pptx
@@ -5,12 +5,20 @@
     <p:sldMasterId id="2147483648" r:id="rId1"/>
   </p:sldMasterIdLst>
   <p:notesMasterIdLst>
-    <p:notesMasterId r:id="rId5"/>
+    <p:notesMasterId r:id="rId13"/>
   </p:notesMasterIdLst>
   <p:sldIdLst>
     <p:sldId id="280" r:id="rId2"/>
-    <p:sldId id="286" r:id="rId3"/>
-    <p:sldId id="274" r:id="rId4"/>
+    <p:sldId id="293" r:id="rId3"/>
+    <p:sldId id="294" r:id="rId4"/>
+    <p:sldId id="286" r:id="rId5"/>
+    <p:sldId id="287" r:id="rId6"/>
+    <p:sldId id="289" r:id="rId7"/>
+    <p:sldId id="290" r:id="rId8"/>
+    <p:sldId id="291" r:id="rId9"/>
+    <p:sldId id="292" r:id="rId10"/>
+    <p:sldId id="288" r:id="rId11"/>
+    <p:sldId id="274" r:id="rId12"/>
   </p:sldIdLst>
   <p:sldSz cx="12192000" cy="6858000"/>
   <p:notesSz cx="6858000" cy="9144000"/>
@@ -524,35 +532,27 @@
           <a:p>
             <a:r>
               <a:rPr lang="en-US" dirty="0"/>
-              <a:t>-To help users explore all listings available in NYC, we created a marker cluster map using Leaflet. </a:t>
-            </a:r>
-          </a:p>
-          <a:p>
+              <a:t>To predict prices, we decided to use the Random Forest &amp; LGBM Regressor methods to determine which features are the most important to price an </a:t>
+            </a:r>
+            <a:r>
+              <a:rPr lang="en-US" dirty="0" err="1"/>
+              <a:t>AirBNB</a:t>
+            </a:r>
             <a:r>
               <a:rPr lang="en-US" dirty="0"/>
-              <a:t>-The clusters display the number of listings with the different boroughs and </a:t>
-            </a:r>
-            <a:r>
-              <a:rPr lang="en-US" dirty="0" err="1"/>
-              <a:t>neighbourhoods</a:t>
-            </a:r>
+              <a:t>.</a:t>
+            </a:r>
+          </a:p>
+          <a:p>
             <a:r>
               <a:rPr lang="en-US" dirty="0"/>
-              <a:t> in NYC. </a:t>
+              <a:t>We then use the KNN Regressor to see how the price is affected with having listings close to your area.</a:t>
             </a:r>
           </a:p>
           <a:p>
             <a:r>
               <a:rPr lang="en-US" dirty="0"/>
-              <a:t>-In this example, we selected the the well-known New York borough of Manhattan, and then further zoomed in to the Upper West Side </a:t>
-            </a:r>
-            <a:r>
-              <a:rPr lang="en-US" dirty="0" err="1"/>
-              <a:t>neighbourhood</a:t>
-            </a:r>
-            <a:r>
-              <a:rPr lang="en-US" dirty="0"/>
-              <a:t>. </a:t>
+              <a:t>Finally, we used the Facebook Prophet to how prices are affected by time &amp; seasonality to predict Airbnb future prices.</a:t>
             </a:r>
           </a:p>
           <a:p>
@@ -587,6 +587,208 @@
     <p:extLst>
       <p:ext uri="{BB962C8B-B14F-4D97-AF65-F5344CB8AC3E}">
         <p14:creationId xmlns:p14="http://schemas.microsoft.com/office/powerpoint/2010/main" val="1301000147"/>
+      </p:ext>
+    </p:extLst>
+  </p:cSld>
+  <p:clrMapOvr>
+    <a:masterClrMapping/>
+  </p:clrMapOvr>
+</p:notes>
+</file>
+
+<file path=ppt/notesSlides/notesSlide10.xml><?xml version="1.0" encoding="utf-8"?>
+<p:notes xmlns:a="http://schemas.openxmlformats.org/drawingml/2006/main" xmlns:r="http://schemas.openxmlformats.org/officeDocument/2006/relationships" xmlns:p="http://schemas.openxmlformats.org/presentationml/2006/main">
+  <p:cSld>
+    <p:spTree>
+      <p:nvGrpSpPr>
+        <p:cNvPr id="1" name=""/>
+        <p:cNvGrpSpPr/>
+        <p:nvPr/>
+      </p:nvGrpSpPr>
+      <p:grpSpPr>
+        <a:xfrm>
+          <a:off x="0" y="0"/>
+          <a:ext cx="0" cy="0"/>
+          <a:chOff x="0" y="0"/>
+          <a:chExt cx="0" cy="0"/>
+        </a:xfrm>
+      </p:grpSpPr>
+      <p:sp>
+        <p:nvSpPr>
+          <p:cNvPr id="2" name="Slide Image Placeholder 1"/>
+          <p:cNvSpPr>
+            <a:spLocks noGrp="1" noRot="1" noChangeAspect="1"/>
+          </p:cNvSpPr>
+          <p:nvPr>
+            <p:ph type="sldImg"/>
+          </p:nvPr>
+        </p:nvSpPr>
+        <p:spPr/>
+      </p:sp>
+      <p:sp>
+        <p:nvSpPr>
+          <p:cNvPr id="3" name="Notes Placeholder 2"/>
+          <p:cNvSpPr>
+            <a:spLocks noGrp="1"/>
+          </p:cNvSpPr>
+          <p:nvPr>
+            <p:ph type="body" idx="1"/>
+          </p:nvPr>
+        </p:nvSpPr>
+        <p:spPr/>
+        <p:txBody>
+          <a:bodyPr/>
+          <a:lstStyle/>
+          <a:p>
+            <a:r>
+              <a:rPr lang="en-US" dirty="0"/>
+              <a:t>-To help users explore all listings available in NYC, we created a marker cluster map using Leaflet. </a:t>
+            </a:r>
+          </a:p>
+          <a:p>
+            <a:r>
+              <a:rPr lang="en-US" dirty="0"/>
+              <a:t>-The clusters display the number of listings with the different boroughs and </a:t>
+            </a:r>
+            <a:r>
+              <a:rPr lang="en-US" dirty="0" err="1"/>
+              <a:t>neighbourhoods</a:t>
+            </a:r>
+            <a:r>
+              <a:rPr lang="en-US" dirty="0"/>
+              <a:t> in NYC. </a:t>
+            </a:r>
+          </a:p>
+          <a:p>
+            <a:r>
+              <a:rPr lang="en-US" dirty="0"/>
+              <a:t>-In this example, we selected the the well-known New York borough of Manhattan, and then further zoomed in to the Upper West Side </a:t>
+            </a:r>
+            <a:r>
+              <a:rPr lang="en-US" dirty="0" err="1"/>
+              <a:t>neighbourhood</a:t>
+            </a:r>
+            <a:r>
+              <a:rPr lang="en-US" dirty="0"/>
+              <a:t>. </a:t>
+            </a:r>
+          </a:p>
+          <a:p>
+            <a:endParaRPr lang="en-US" dirty="0"/>
+          </a:p>
+        </p:txBody>
+      </p:sp>
+      <p:sp>
+        <p:nvSpPr>
+          <p:cNvPr id="4" name="Slide Number Placeholder 3"/>
+          <p:cNvSpPr>
+            <a:spLocks noGrp="1"/>
+          </p:cNvSpPr>
+          <p:nvPr>
+            <p:ph type="sldNum" sz="quarter" idx="5"/>
+          </p:nvPr>
+        </p:nvSpPr>
+        <p:spPr/>
+        <p:txBody>
+          <a:bodyPr/>
+          <a:lstStyle/>
+          <a:p>
+            <a:fld id="{DF2352D6-35AF-0544-A99E-554CC41E76C4}" type="slidenum">
+              <a:rPr lang="en-US" smtClean="0"/>
+              <a:t>10</a:t>
+            </a:fld>
+            <a:endParaRPr lang="en-US"/>
+          </a:p>
+        </p:txBody>
+      </p:sp>
+    </p:spTree>
+    <p:extLst>
+      <p:ext uri="{BB962C8B-B14F-4D97-AF65-F5344CB8AC3E}">
+        <p14:creationId xmlns:p14="http://schemas.microsoft.com/office/powerpoint/2010/main" val="498058897"/>
+      </p:ext>
+    </p:extLst>
+  </p:cSld>
+  <p:clrMapOvr>
+    <a:masterClrMapping/>
+  </p:clrMapOvr>
+</p:notes>
+</file>
+
+<file path=ppt/notesSlides/notesSlide11.xml><?xml version="1.0" encoding="utf-8"?>
+<p:notes xmlns:a="http://schemas.openxmlformats.org/drawingml/2006/main" xmlns:r="http://schemas.openxmlformats.org/officeDocument/2006/relationships" xmlns:p="http://schemas.openxmlformats.org/presentationml/2006/main">
+  <p:cSld>
+    <p:spTree>
+      <p:nvGrpSpPr>
+        <p:cNvPr id="1" name=""/>
+        <p:cNvGrpSpPr/>
+        <p:nvPr/>
+      </p:nvGrpSpPr>
+      <p:grpSpPr>
+        <a:xfrm>
+          <a:off x="0" y="0"/>
+          <a:ext cx="0" cy="0"/>
+          <a:chOff x="0" y="0"/>
+          <a:chExt cx="0" cy="0"/>
+        </a:xfrm>
+      </p:grpSpPr>
+      <p:sp>
+        <p:nvSpPr>
+          <p:cNvPr id="2" name="Slide Image Placeholder 1"/>
+          <p:cNvSpPr>
+            <a:spLocks noGrp="1" noRot="1" noChangeAspect="1"/>
+          </p:cNvSpPr>
+          <p:nvPr>
+            <p:ph type="sldImg"/>
+          </p:nvPr>
+        </p:nvSpPr>
+        <p:spPr/>
+      </p:sp>
+      <p:sp>
+        <p:nvSpPr>
+          <p:cNvPr id="3" name="Notes Placeholder 2"/>
+          <p:cNvSpPr>
+            <a:spLocks noGrp="1"/>
+          </p:cNvSpPr>
+          <p:nvPr>
+            <p:ph type="body" idx="1"/>
+          </p:nvPr>
+        </p:nvSpPr>
+        <p:spPr/>
+        <p:txBody>
+          <a:bodyPr/>
+          <a:lstStyle/>
+          <a:p>
+            <a:endParaRPr lang="en-US" dirty="0"/>
+          </a:p>
+        </p:txBody>
+      </p:sp>
+      <p:sp>
+        <p:nvSpPr>
+          <p:cNvPr id="4" name="Slide Number Placeholder 3"/>
+          <p:cNvSpPr>
+            <a:spLocks noGrp="1"/>
+          </p:cNvSpPr>
+          <p:nvPr>
+            <p:ph type="sldNum" sz="quarter" idx="5"/>
+          </p:nvPr>
+        </p:nvSpPr>
+        <p:spPr/>
+        <p:txBody>
+          <a:bodyPr/>
+          <a:lstStyle/>
+          <a:p>
+            <a:fld id="{DF2352D6-35AF-0544-A99E-554CC41E76C4}" type="slidenum">
+              <a:rPr lang="en-US" smtClean="0"/>
+              <a:t>11</a:t>
+            </a:fld>
+            <a:endParaRPr lang="en-US"/>
+          </a:p>
+        </p:txBody>
+      </p:sp>
+    </p:spTree>
+    <p:extLst>
+      <p:ext uri="{BB962C8B-B14F-4D97-AF65-F5344CB8AC3E}">
+        <p14:creationId xmlns:p14="http://schemas.microsoft.com/office/powerpoint/2010/main" val="2087272324"/>
       </p:ext>
     </p:extLst>
   </p:cSld>
@@ -642,38 +844,13 @@
           <a:p>
             <a:r>
               <a:rPr lang="en-US" dirty="0"/>
-              <a:t>-To help users explore all listings available in NYC, we created a marker cluster map using Leaflet. </a:t>
-            </a:r>
-          </a:p>
-          <a:p>
-            <a:r>
-              <a:rPr lang="en-US" dirty="0"/>
-              <a:t>-The clusters display the number of listings with the different boroughs and </a:t>
-            </a:r>
-            <a:r>
-              <a:rPr lang="en-US" dirty="0" err="1"/>
-              <a:t>neighbourhoods</a:t>
-            </a:r>
-            <a:r>
-              <a:rPr lang="en-US" dirty="0"/>
-              <a:t> in NYC. </a:t>
-            </a:r>
-          </a:p>
-          <a:p>
-            <a:r>
-              <a:rPr lang="en-US" dirty="0"/>
-              <a:t>-In this example, we selected the the well-known New York borough of Manhattan, and then further zoomed in to the Upper West Side </a:t>
-            </a:r>
-            <a:r>
-              <a:rPr lang="en-US" dirty="0" err="1"/>
-              <a:t>neighbourhood</a:t>
-            </a:r>
-            <a:r>
-              <a:rPr lang="en-US" dirty="0"/>
-              <a:t>. </a:t>
-            </a:r>
-          </a:p>
-          <a:p>
+              <a:t>The diagram summarizes the way we need to transform our data to run the Random Forest, LGBM &amp; KNN Regressor Models.</a:t>
+            </a:r>
+          </a:p>
+          <a:p>
+            <a:pPr marL="228600" indent="-228600">
+              <a:buAutoNum type="arabicParenR"/>
+            </a:pPr>
             <a:endParaRPr lang="en-US" dirty="0"/>
           </a:p>
         </p:txBody>
@@ -704,7 +881,7 @@
     </p:spTree>
     <p:extLst>
       <p:ext uri="{BB962C8B-B14F-4D97-AF65-F5344CB8AC3E}">
-        <p14:creationId xmlns:p14="http://schemas.microsoft.com/office/powerpoint/2010/main" val="818292738"/>
+        <p14:creationId xmlns:p14="http://schemas.microsoft.com/office/powerpoint/2010/main" val="382606239"/>
       </p:ext>
     </p:extLst>
   </p:cSld>
@@ -758,7 +935,36 @@
           <a:bodyPr/>
           <a:lstStyle/>
           <a:p>
-            <a:endParaRPr lang="en-US" dirty="0"/>
+            <a:pPr marL="228600" indent="-228600">
+              <a:buAutoNum type="arabicParenR"/>
+            </a:pPr>
+            <a:r>
+              <a:rPr lang="en-US" dirty="0"/>
+              <a:t>With existing numeric data, input N/A fields with the average value for that specific column.</a:t>
+            </a:r>
+          </a:p>
+          <a:p>
+            <a:pPr marL="228600" indent="-228600">
+              <a:buAutoNum type="arabicParenR"/>
+            </a:pPr>
+            <a:r>
+              <a:rPr lang="en-US" dirty="0"/>
+              <a:t>Then, for certain data like room type, boroughs, &amp; </a:t>
+            </a:r>
+            <a:r>
+              <a:rPr lang="en-US" dirty="0" err="1"/>
+              <a:t>neighbourhoods</a:t>
+            </a:r>
+            <a:r>
+              <a:rPr lang="en-US" dirty="0"/>
+              <a:t>, we need to categorize them into numbers.</a:t>
+            </a:r>
+          </a:p>
+          <a:p>
+            <a:r>
+              <a:rPr lang="en-US" dirty="0"/>
+              <a:t>3)   Finally, with text data, we need to vectorize them</a:t>
+            </a:r>
           </a:p>
         </p:txBody>
       </p:sp>
@@ -788,7 +994,715 @@
     </p:spTree>
     <p:extLst>
       <p:ext uri="{BB962C8B-B14F-4D97-AF65-F5344CB8AC3E}">
-        <p14:creationId xmlns:p14="http://schemas.microsoft.com/office/powerpoint/2010/main" val="2087272324"/>
+        <p14:creationId xmlns:p14="http://schemas.microsoft.com/office/powerpoint/2010/main" val="1451080133"/>
+      </p:ext>
+    </p:extLst>
+  </p:cSld>
+  <p:clrMapOvr>
+    <a:masterClrMapping/>
+  </p:clrMapOvr>
+</p:notes>
+</file>
+
+<file path=ppt/notesSlides/notesSlide4.xml><?xml version="1.0" encoding="utf-8"?>
+<p:notes xmlns:a="http://schemas.openxmlformats.org/drawingml/2006/main" xmlns:r="http://schemas.openxmlformats.org/officeDocument/2006/relationships" xmlns:p="http://schemas.openxmlformats.org/presentationml/2006/main">
+  <p:cSld>
+    <p:spTree>
+      <p:nvGrpSpPr>
+        <p:cNvPr id="1" name=""/>
+        <p:cNvGrpSpPr/>
+        <p:nvPr/>
+      </p:nvGrpSpPr>
+      <p:grpSpPr>
+        <a:xfrm>
+          <a:off x="0" y="0"/>
+          <a:ext cx="0" cy="0"/>
+          <a:chOff x="0" y="0"/>
+          <a:chExt cx="0" cy="0"/>
+        </a:xfrm>
+      </p:grpSpPr>
+      <p:sp>
+        <p:nvSpPr>
+          <p:cNvPr id="2" name="Slide Image Placeholder 1"/>
+          <p:cNvSpPr>
+            <a:spLocks noGrp="1" noRot="1" noChangeAspect="1"/>
+          </p:cNvSpPr>
+          <p:nvPr>
+            <p:ph type="sldImg"/>
+          </p:nvPr>
+        </p:nvSpPr>
+        <p:spPr/>
+      </p:sp>
+      <p:sp>
+        <p:nvSpPr>
+          <p:cNvPr id="3" name="Notes Placeholder 2"/>
+          <p:cNvSpPr>
+            <a:spLocks noGrp="1"/>
+          </p:cNvSpPr>
+          <p:nvPr>
+            <p:ph type="body" idx="1"/>
+          </p:nvPr>
+        </p:nvSpPr>
+        <p:spPr/>
+        <p:txBody>
+          <a:bodyPr/>
+          <a:lstStyle/>
+          <a:p>
+            <a:r>
+              <a:rPr lang="en-US" dirty="0"/>
+              <a:t>-To help users explore all listings available in NYC, we created a marker cluster map using Leaflet. </a:t>
+            </a:r>
+          </a:p>
+          <a:p>
+            <a:r>
+              <a:rPr lang="en-US" dirty="0"/>
+              <a:t>-The clusters display the number of listings with the different boroughs and </a:t>
+            </a:r>
+            <a:r>
+              <a:rPr lang="en-US" dirty="0" err="1"/>
+              <a:t>neighbourhoods</a:t>
+            </a:r>
+            <a:r>
+              <a:rPr lang="en-US" dirty="0"/>
+              <a:t> in NYC. </a:t>
+            </a:r>
+          </a:p>
+          <a:p>
+            <a:r>
+              <a:rPr lang="en-US" dirty="0"/>
+              <a:t>-In this example, we selected the the well-known New York borough of Manhattan, and then further zoomed in to the Upper West Side </a:t>
+            </a:r>
+            <a:r>
+              <a:rPr lang="en-US" dirty="0" err="1"/>
+              <a:t>neighbourhood</a:t>
+            </a:r>
+            <a:r>
+              <a:rPr lang="en-US" dirty="0"/>
+              <a:t>. </a:t>
+            </a:r>
+          </a:p>
+          <a:p>
+            <a:endParaRPr lang="en-US" dirty="0"/>
+          </a:p>
+        </p:txBody>
+      </p:sp>
+      <p:sp>
+        <p:nvSpPr>
+          <p:cNvPr id="4" name="Slide Number Placeholder 3"/>
+          <p:cNvSpPr>
+            <a:spLocks noGrp="1"/>
+          </p:cNvSpPr>
+          <p:nvPr>
+            <p:ph type="sldNum" sz="quarter" idx="5"/>
+          </p:nvPr>
+        </p:nvSpPr>
+        <p:spPr/>
+        <p:txBody>
+          <a:bodyPr/>
+          <a:lstStyle/>
+          <a:p>
+            <a:fld id="{DF2352D6-35AF-0544-A99E-554CC41E76C4}" type="slidenum">
+              <a:rPr lang="en-US" smtClean="0"/>
+              <a:t>4</a:t>
+            </a:fld>
+            <a:endParaRPr lang="en-US"/>
+          </a:p>
+        </p:txBody>
+      </p:sp>
+    </p:spTree>
+    <p:extLst>
+      <p:ext uri="{BB962C8B-B14F-4D97-AF65-F5344CB8AC3E}">
+        <p14:creationId xmlns:p14="http://schemas.microsoft.com/office/powerpoint/2010/main" val="818292738"/>
+      </p:ext>
+    </p:extLst>
+  </p:cSld>
+  <p:clrMapOvr>
+    <a:masterClrMapping/>
+  </p:clrMapOvr>
+</p:notes>
+</file>
+
+<file path=ppt/notesSlides/notesSlide5.xml><?xml version="1.0" encoding="utf-8"?>
+<p:notes xmlns:a="http://schemas.openxmlformats.org/drawingml/2006/main" xmlns:r="http://schemas.openxmlformats.org/officeDocument/2006/relationships" xmlns:p="http://schemas.openxmlformats.org/presentationml/2006/main">
+  <p:cSld>
+    <p:spTree>
+      <p:nvGrpSpPr>
+        <p:cNvPr id="1" name=""/>
+        <p:cNvGrpSpPr/>
+        <p:nvPr/>
+      </p:nvGrpSpPr>
+      <p:grpSpPr>
+        <a:xfrm>
+          <a:off x="0" y="0"/>
+          <a:ext cx="0" cy="0"/>
+          <a:chOff x="0" y="0"/>
+          <a:chExt cx="0" cy="0"/>
+        </a:xfrm>
+      </p:grpSpPr>
+      <p:sp>
+        <p:nvSpPr>
+          <p:cNvPr id="2" name="Slide Image Placeholder 1"/>
+          <p:cNvSpPr>
+            <a:spLocks noGrp="1" noRot="1" noChangeAspect="1"/>
+          </p:cNvSpPr>
+          <p:nvPr>
+            <p:ph type="sldImg"/>
+          </p:nvPr>
+        </p:nvSpPr>
+        <p:spPr/>
+      </p:sp>
+      <p:sp>
+        <p:nvSpPr>
+          <p:cNvPr id="3" name="Notes Placeholder 2"/>
+          <p:cNvSpPr>
+            <a:spLocks noGrp="1"/>
+          </p:cNvSpPr>
+          <p:nvPr>
+            <p:ph type="body" idx="1"/>
+          </p:nvPr>
+        </p:nvSpPr>
+        <p:spPr/>
+        <p:txBody>
+          <a:bodyPr/>
+          <a:lstStyle/>
+          <a:p>
+            <a:r>
+              <a:rPr lang="en-US" dirty="0"/>
+              <a:t>-To help users explore all listings available in NYC, we created a marker cluster map using Leaflet. </a:t>
+            </a:r>
+          </a:p>
+          <a:p>
+            <a:r>
+              <a:rPr lang="en-US" dirty="0"/>
+              <a:t>-The clusters display the number of listings with the different boroughs and </a:t>
+            </a:r>
+            <a:r>
+              <a:rPr lang="en-US" dirty="0" err="1"/>
+              <a:t>neighbourhoods</a:t>
+            </a:r>
+            <a:r>
+              <a:rPr lang="en-US" dirty="0"/>
+              <a:t> in NYC. </a:t>
+            </a:r>
+          </a:p>
+          <a:p>
+            <a:r>
+              <a:rPr lang="en-US" dirty="0"/>
+              <a:t>-In this example, we selected the the well-known New York borough of Manhattan, and then further zoomed in to the Upper West Side </a:t>
+            </a:r>
+            <a:r>
+              <a:rPr lang="en-US" dirty="0" err="1"/>
+              <a:t>neighbourhood</a:t>
+            </a:r>
+            <a:r>
+              <a:rPr lang="en-US" dirty="0"/>
+              <a:t>. </a:t>
+            </a:r>
+          </a:p>
+          <a:p>
+            <a:endParaRPr lang="en-US" dirty="0"/>
+          </a:p>
+        </p:txBody>
+      </p:sp>
+      <p:sp>
+        <p:nvSpPr>
+          <p:cNvPr id="4" name="Slide Number Placeholder 3"/>
+          <p:cNvSpPr>
+            <a:spLocks noGrp="1"/>
+          </p:cNvSpPr>
+          <p:nvPr>
+            <p:ph type="sldNum" sz="quarter" idx="5"/>
+          </p:nvPr>
+        </p:nvSpPr>
+        <p:spPr/>
+        <p:txBody>
+          <a:bodyPr/>
+          <a:lstStyle/>
+          <a:p>
+            <a:fld id="{DF2352D6-35AF-0544-A99E-554CC41E76C4}" type="slidenum">
+              <a:rPr lang="en-US" smtClean="0"/>
+              <a:t>5</a:t>
+            </a:fld>
+            <a:endParaRPr lang="en-US"/>
+          </a:p>
+        </p:txBody>
+      </p:sp>
+    </p:spTree>
+    <p:extLst>
+      <p:ext uri="{BB962C8B-B14F-4D97-AF65-F5344CB8AC3E}">
+        <p14:creationId xmlns:p14="http://schemas.microsoft.com/office/powerpoint/2010/main" val="2744486609"/>
+      </p:ext>
+    </p:extLst>
+  </p:cSld>
+  <p:clrMapOvr>
+    <a:masterClrMapping/>
+  </p:clrMapOvr>
+</p:notes>
+</file>
+
+<file path=ppt/notesSlides/notesSlide6.xml><?xml version="1.0" encoding="utf-8"?>
+<p:notes xmlns:a="http://schemas.openxmlformats.org/drawingml/2006/main" xmlns:r="http://schemas.openxmlformats.org/officeDocument/2006/relationships" xmlns:p="http://schemas.openxmlformats.org/presentationml/2006/main">
+  <p:cSld>
+    <p:spTree>
+      <p:nvGrpSpPr>
+        <p:cNvPr id="1" name=""/>
+        <p:cNvGrpSpPr/>
+        <p:nvPr/>
+      </p:nvGrpSpPr>
+      <p:grpSpPr>
+        <a:xfrm>
+          <a:off x="0" y="0"/>
+          <a:ext cx="0" cy="0"/>
+          <a:chOff x="0" y="0"/>
+          <a:chExt cx="0" cy="0"/>
+        </a:xfrm>
+      </p:grpSpPr>
+      <p:sp>
+        <p:nvSpPr>
+          <p:cNvPr id="2" name="Slide Image Placeholder 1"/>
+          <p:cNvSpPr>
+            <a:spLocks noGrp="1" noRot="1" noChangeAspect="1"/>
+          </p:cNvSpPr>
+          <p:nvPr>
+            <p:ph type="sldImg"/>
+          </p:nvPr>
+        </p:nvSpPr>
+        <p:spPr/>
+      </p:sp>
+      <p:sp>
+        <p:nvSpPr>
+          <p:cNvPr id="3" name="Notes Placeholder 2"/>
+          <p:cNvSpPr>
+            <a:spLocks noGrp="1"/>
+          </p:cNvSpPr>
+          <p:nvPr>
+            <p:ph type="body" idx="1"/>
+          </p:nvPr>
+        </p:nvSpPr>
+        <p:spPr/>
+        <p:txBody>
+          <a:bodyPr/>
+          <a:lstStyle/>
+          <a:p>
+            <a:r>
+              <a:rPr lang="en-US" dirty="0"/>
+              <a:t>-To help users explore all listings available in NYC, we created a marker cluster map using Leaflet. </a:t>
+            </a:r>
+          </a:p>
+          <a:p>
+            <a:r>
+              <a:rPr lang="en-US" dirty="0"/>
+              <a:t>-The clusters display the number of listings with the different boroughs and </a:t>
+            </a:r>
+            <a:r>
+              <a:rPr lang="en-US" dirty="0" err="1"/>
+              <a:t>neighbourhoods</a:t>
+            </a:r>
+            <a:r>
+              <a:rPr lang="en-US" dirty="0"/>
+              <a:t> in NYC. </a:t>
+            </a:r>
+          </a:p>
+          <a:p>
+            <a:r>
+              <a:rPr lang="en-US" dirty="0"/>
+              <a:t>-In this example, we selected the the well-known New York borough of Manhattan, and then further zoomed in to the Upper West Side </a:t>
+            </a:r>
+            <a:r>
+              <a:rPr lang="en-US" dirty="0" err="1"/>
+              <a:t>neighbourhood</a:t>
+            </a:r>
+            <a:r>
+              <a:rPr lang="en-US" dirty="0"/>
+              <a:t>. </a:t>
+            </a:r>
+          </a:p>
+          <a:p>
+            <a:endParaRPr lang="en-US" dirty="0"/>
+          </a:p>
+        </p:txBody>
+      </p:sp>
+      <p:sp>
+        <p:nvSpPr>
+          <p:cNvPr id="4" name="Slide Number Placeholder 3"/>
+          <p:cNvSpPr>
+            <a:spLocks noGrp="1"/>
+          </p:cNvSpPr>
+          <p:nvPr>
+            <p:ph type="sldNum" sz="quarter" idx="5"/>
+          </p:nvPr>
+        </p:nvSpPr>
+        <p:spPr/>
+        <p:txBody>
+          <a:bodyPr/>
+          <a:lstStyle/>
+          <a:p>
+            <a:fld id="{DF2352D6-35AF-0544-A99E-554CC41E76C4}" type="slidenum">
+              <a:rPr lang="en-US" smtClean="0"/>
+              <a:t>6</a:t>
+            </a:fld>
+            <a:endParaRPr lang="en-US"/>
+          </a:p>
+        </p:txBody>
+      </p:sp>
+    </p:spTree>
+    <p:extLst>
+      <p:ext uri="{BB962C8B-B14F-4D97-AF65-F5344CB8AC3E}">
+        <p14:creationId xmlns:p14="http://schemas.microsoft.com/office/powerpoint/2010/main" val="3177731070"/>
+      </p:ext>
+    </p:extLst>
+  </p:cSld>
+  <p:clrMapOvr>
+    <a:masterClrMapping/>
+  </p:clrMapOvr>
+</p:notes>
+</file>
+
+<file path=ppt/notesSlides/notesSlide7.xml><?xml version="1.0" encoding="utf-8"?>
+<p:notes xmlns:a="http://schemas.openxmlformats.org/drawingml/2006/main" xmlns:r="http://schemas.openxmlformats.org/officeDocument/2006/relationships" xmlns:p="http://schemas.openxmlformats.org/presentationml/2006/main">
+  <p:cSld>
+    <p:spTree>
+      <p:nvGrpSpPr>
+        <p:cNvPr id="1" name=""/>
+        <p:cNvGrpSpPr/>
+        <p:nvPr/>
+      </p:nvGrpSpPr>
+      <p:grpSpPr>
+        <a:xfrm>
+          <a:off x="0" y="0"/>
+          <a:ext cx="0" cy="0"/>
+          <a:chOff x="0" y="0"/>
+          <a:chExt cx="0" cy="0"/>
+        </a:xfrm>
+      </p:grpSpPr>
+      <p:sp>
+        <p:nvSpPr>
+          <p:cNvPr id="2" name="Slide Image Placeholder 1"/>
+          <p:cNvSpPr>
+            <a:spLocks noGrp="1" noRot="1" noChangeAspect="1"/>
+          </p:cNvSpPr>
+          <p:nvPr>
+            <p:ph type="sldImg"/>
+          </p:nvPr>
+        </p:nvSpPr>
+        <p:spPr/>
+      </p:sp>
+      <p:sp>
+        <p:nvSpPr>
+          <p:cNvPr id="3" name="Notes Placeholder 2"/>
+          <p:cNvSpPr>
+            <a:spLocks noGrp="1"/>
+          </p:cNvSpPr>
+          <p:nvPr>
+            <p:ph type="body" idx="1"/>
+          </p:nvPr>
+        </p:nvSpPr>
+        <p:spPr/>
+        <p:txBody>
+          <a:bodyPr/>
+          <a:lstStyle/>
+          <a:p>
+            <a:r>
+              <a:rPr lang="en-US" dirty="0"/>
+              <a:t>-To help users explore all listings available in NYC, we created a marker cluster map using Leaflet. </a:t>
+            </a:r>
+          </a:p>
+          <a:p>
+            <a:r>
+              <a:rPr lang="en-US" dirty="0"/>
+              <a:t>-The clusters display the number of listings with the different boroughs and </a:t>
+            </a:r>
+            <a:r>
+              <a:rPr lang="en-US" dirty="0" err="1"/>
+              <a:t>neighbourhoods</a:t>
+            </a:r>
+            <a:r>
+              <a:rPr lang="en-US" dirty="0"/>
+              <a:t> in NYC. </a:t>
+            </a:r>
+          </a:p>
+          <a:p>
+            <a:r>
+              <a:rPr lang="en-US" dirty="0"/>
+              <a:t>-In this example, we selected the the well-known New York borough of Manhattan, and then further zoomed in to the Upper West Side </a:t>
+            </a:r>
+            <a:r>
+              <a:rPr lang="en-US" dirty="0" err="1"/>
+              <a:t>neighbourhood</a:t>
+            </a:r>
+            <a:r>
+              <a:rPr lang="en-US" dirty="0"/>
+              <a:t>. </a:t>
+            </a:r>
+          </a:p>
+          <a:p>
+            <a:endParaRPr lang="en-US" dirty="0"/>
+          </a:p>
+        </p:txBody>
+      </p:sp>
+      <p:sp>
+        <p:nvSpPr>
+          <p:cNvPr id="4" name="Slide Number Placeholder 3"/>
+          <p:cNvSpPr>
+            <a:spLocks noGrp="1"/>
+          </p:cNvSpPr>
+          <p:nvPr>
+            <p:ph type="sldNum" sz="quarter" idx="5"/>
+          </p:nvPr>
+        </p:nvSpPr>
+        <p:spPr/>
+        <p:txBody>
+          <a:bodyPr/>
+          <a:lstStyle/>
+          <a:p>
+            <a:fld id="{DF2352D6-35AF-0544-A99E-554CC41E76C4}" type="slidenum">
+              <a:rPr lang="en-US" smtClean="0"/>
+              <a:t>7</a:t>
+            </a:fld>
+            <a:endParaRPr lang="en-US"/>
+          </a:p>
+        </p:txBody>
+      </p:sp>
+    </p:spTree>
+    <p:extLst>
+      <p:ext uri="{BB962C8B-B14F-4D97-AF65-F5344CB8AC3E}">
+        <p14:creationId xmlns:p14="http://schemas.microsoft.com/office/powerpoint/2010/main" val="266214348"/>
+      </p:ext>
+    </p:extLst>
+  </p:cSld>
+  <p:clrMapOvr>
+    <a:masterClrMapping/>
+  </p:clrMapOvr>
+</p:notes>
+</file>
+
+<file path=ppt/notesSlides/notesSlide8.xml><?xml version="1.0" encoding="utf-8"?>
+<p:notes xmlns:a="http://schemas.openxmlformats.org/drawingml/2006/main" xmlns:r="http://schemas.openxmlformats.org/officeDocument/2006/relationships" xmlns:p="http://schemas.openxmlformats.org/presentationml/2006/main">
+  <p:cSld>
+    <p:spTree>
+      <p:nvGrpSpPr>
+        <p:cNvPr id="1" name=""/>
+        <p:cNvGrpSpPr/>
+        <p:nvPr/>
+      </p:nvGrpSpPr>
+      <p:grpSpPr>
+        <a:xfrm>
+          <a:off x="0" y="0"/>
+          <a:ext cx="0" cy="0"/>
+          <a:chOff x="0" y="0"/>
+          <a:chExt cx="0" cy="0"/>
+        </a:xfrm>
+      </p:grpSpPr>
+      <p:sp>
+        <p:nvSpPr>
+          <p:cNvPr id="2" name="Slide Image Placeholder 1"/>
+          <p:cNvSpPr>
+            <a:spLocks noGrp="1" noRot="1" noChangeAspect="1"/>
+          </p:cNvSpPr>
+          <p:nvPr>
+            <p:ph type="sldImg"/>
+          </p:nvPr>
+        </p:nvSpPr>
+        <p:spPr/>
+      </p:sp>
+      <p:sp>
+        <p:nvSpPr>
+          <p:cNvPr id="3" name="Notes Placeholder 2"/>
+          <p:cNvSpPr>
+            <a:spLocks noGrp="1"/>
+          </p:cNvSpPr>
+          <p:nvPr>
+            <p:ph type="body" idx="1"/>
+          </p:nvPr>
+        </p:nvSpPr>
+        <p:spPr/>
+        <p:txBody>
+          <a:bodyPr/>
+          <a:lstStyle/>
+          <a:p>
+            <a:r>
+              <a:rPr lang="en-US" dirty="0"/>
+              <a:t>-To help users explore all listings available in NYC, we created a marker cluster map using Leaflet. </a:t>
+            </a:r>
+          </a:p>
+          <a:p>
+            <a:r>
+              <a:rPr lang="en-US" dirty="0"/>
+              <a:t>-The clusters display the number of listings with the different boroughs and </a:t>
+            </a:r>
+            <a:r>
+              <a:rPr lang="en-US" dirty="0" err="1"/>
+              <a:t>neighbourhoods</a:t>
+            </a:r>
+            <a:r>
+              <a:rPr lang="en-US" dirty="0"/>
+              <a:t> in NYC. </a:t>
+            </a:r>
+          </a:p>
+          <a:p>
+            <a:r>
+              <a:rPr lang="en-US" dirty="0"/>
+              <a:t>-In this example, we selected the the well-known New York borough of Manhattan, and then further zoomed in to the Upper West Side </a:t>
+            </a:r>
+            <a:r>
+              <a:rPr lang="en-US" dirty="0" err="1"/>
+              <a:t>neighbourhood</a:t>
+            </a:r>
+            <a:r>
+              <a:rPr lang="en-US" dirty="0"/>
+              <a:t>. </a:t>
+            </a:r>
+          </a:p>
+          <a:p>
+            <a:endParaRPr lang="en-US" dirty="0"/>
+          </a:p>
+        </p:txBody>
+      </p:sp>
+      <p:sp>
+        <p:nvSpPr>
+          <p:cNvPr id="4" name="Slide Number Placeholder 3"/>
+          <p:cNvSpPr>
+            <a:spLocks noGrp="1"/>
+          </p:cNvSpPr>
+          <p:nvPr>
+            <p:ph type="sldNum" sz="quarter" idx="5"/>
+          </p:nvPr>
+        </p:nvSpPr>
+        <p:spPr/>
+        <p:txBody>
+          <a:bodyPr/>
+          <a:lstStyle/>
+          <a:p>
+            <a:fld id="{DF2352D6-35AF-0544-A99E-554CC41E76C4}" type="slidenum">
+              <a:rPr lang="en-US" smtClean="0"/>
+              <a:t>8</a:t>
+            </a:fld>
+            <a:endParaRPr lang="en-US"/>
+          </a:p>
+        </p:txBody>
+      </p:sp>
+    </p:spTree>
+    <p:extLst>
+      <p:ext uri="{BB962C8B-B14F-4D97-AF65-F5344CB8AC3E}">
+        <p14:creationId xmlns:p14="http://schemas.microsoft.com/office/powerpoint/2010/main" val="847075339"/>
+      </p:ext>
+    </p:extLst>
+  </p:cSld>
+  <p:clrMapOvr>
+    <a:masterClrMapping/>
+  </p:clrMapOvr>
+</p:notes>
+</file>
+
+<file path=ppt/notesSlides/notesSlide9.xml><?xml version="1.0" encoding="utf-8"?>
+<p:notes xmlns:a="http://schemas.openxmlformats.org/drawingml/2006/main" xmlns:r="http://schemas.openxmlformats.org/officeDocument/2006/relationships" xmlns:p="http://schemas.openxmlformats.org/presentationml/2006/main">
+  <p:cSld>
+    <p:spTree>
+      <p:nvGrpSpPr>
+        <p:cNvPr id="1" name=""/>
+        <p:cNvGrpSpPr/>
+        <p:nvPr/>
+      </p:nvGrpSpPr>
+      <p:grpSpPr>
+        <a:xfrm>
+          <a:off x="0" y="0"/>
+          <a:ext cx="0" cy="0"/>
+          <a:chOff x="0" y="0"/>
+          <a:chExt cx="0" cy="0"/>
+        </a:xfrm>
+      </p:grpSpPr>
+      <p:sp>
+        <p:nvSpPr>
+          <p:cNvPr id="2" name="Slide Image Placeholder 1"/>
+          <p:cNvSpPr>
+            <a:spLocks noGrp="1" noRot="1" noChangeAspect="1"/>
+          </p:cNvSpPr>
+          <p:nvPr>
+            <p:ph type="sldImg"/>
+          </p:nvPr>
+        </p:nvSpPr>
+        <p:spPr/>
+      </p:sp>
+      <p:sp>
+        <p:nvSpPr>
+          <p:cNvPr id="3" name="Notes Placeholder 2"/>
+          <p:cNvSpPr>
+            <a:spLocks noGrp="1"/>
+          </p:cNvSpPr>
+          <p:nvPr>
+            <p:ph type="body" idx="1"/>
+          </p:nvPr>
+        </p:nvSpPr>
+        <p:spPr/>
+        <p:txBody>
+          <a:bodyPr/>
+          <a:lstStyle/>
+          <a:p>
+            <a:r>
+              <a:rPr lang="en-US" dirty="0"/>
+              <a:t>-To help users explore all listings available in NYC, we created a marker cluster map using Leaflet. </a:t>
+            </a:r>
+          </a:p>
+          <a:p>
+            <a:r>
+              <a:rPr lang="en-US" dirty="0"/>
+              <a:t>-The clusters display the number of listings with the different boroughs and </a:t>
+            </a:r>
+            <a:r>
+              <a:rPr lang="en-US" dirty="0" err="1"/>
+              <a:t>neighbourhoods</a:t>
+            </a:r>
+            <a:r>
+              <a:rPr lang="en-US" dirty="0"/>
+              <a:t> in NYC. </a:t>
+            </a:r>
+          </a:p>
+          <a:p>
+            <a:r>
+              <a:rPr lang="en-US" dirty="0"/>
+              <a:t>-In this example, we selected the the well-known New York borough of Manhattan, and then further zoomed in to the Upper West Side </a:t>
+            </a:r>
+            <a:r>
+              <a:rPr lang="en-US" dirty="0" err="1"/>
+              <a:t>neighbourhood</a:t>
+            </a:r>
+            <a:r>
+              <a:rPr lang="en-US" dirty="0"/>
+              <a:t>. </a:t>
+            </a:r>
+          </a:p>
+          <a:p>
+            <a:endParaRPr lang="en-US" dirty="0"/>
+          </a:p>
+        </p:txBody>
+      </p:sp>
+      <p:sp>
+        <p:nvSpPr>
+          <p:cNvPr id="4" name="Slide Number Placeholder 3"/>
+          <p:cNvSpPr>
+            <a:spLocks noGrp="1"/>
+          </p:cNvSpPr>
+          <p:nvPr>
+            <p:ph type="sldNum" sz="quarter" idx="5"/>
+          </p:nvPr>
+        </p:nvSpPr>
+        <p:spPr/>
+        <p:txBody>
+          <a:bodyPr/>
+          <a:lstStyle/>
+          <a:p>
+            <a:fld id="{DF2352D6-35AF-0544-A99E-554CC41E76C4}" type="slidenum">
+              <a:rPr lang="en-US" smtClean="0"/>
+              <a:t>9</a:t>
+            </a:fld>
+            <a:endParaRPr lang="en-US"/>
+          </a:p>
+        </p:txBody>
+      </p:sp>
+    </p:spTree>
+    <p:extLst>
+      <p:ext uri="{BB962C8B-B14F-4D97-AF65-F5344CB8AC3E}">
+        <p14:creationId xmlns:p14="http://schemas.microsoft.com/office/powerpoint/2010/main" val="533258538"/>
       </p:ext>
     </p:extLst>
   </p:cSld>
@@ -4030,21 +4944,23 @@
         </p:nvSpPr>
         <p:spPr>
           <a:xfrm>
-            <a:off x="4272238" y="588197"/>
+            <a:off x="3371495" y="696475"/>
             <a:ext cx="10515600" cy="1325563"/>
           </a:xfrm>
         </p:spPr>
         <p:txBody>
-          <a:bodyPr/>
-          <a:lstStyle/>
-          <a:p>
-            <a:r>
-              <a:rPr lang="en-US" dirty="0">
+          <a:bodyPr>
+            <a:normAutofit/>
+          </a:bodyPr>
+          <a:lstStyle/>
+          <a:p>
+            <a:r>
+              <a:rPr lang="en-US" sz="4000" dirty="0">
                 <a:solidFill>
                   <a:srgbClr val="EA5E46"/>
                 </a:solidFill>
               </a:rPr>
-              <a:t>Models</a:t>
+              <a:t>Price Predictor Models</a:t>
             </a:r>
           </a:p>
         </p:txBody>
@@ -4078,7 +4994,7 @@
         </p:blipFill>
         <p:spPr bwMode="auto">
           <a:xfrm>
-            <a:off x="2080820" y="0"/>
+            <a:off x="1180077" y="108278"/>
             <a:ext cx="2189605" cy="2022038"/>
           </a:xfrm>
           <a:prstGeom prst="rect">
@@ -4112,7 +5028,7 @@
         </p:nvCxnSpPr>
         <p:spPr>
           <a:xfrm>
-            <a:off x="2526110" y="1576551"/>
+            <a:off x="1625367" y="1684829"/>
             <a:ext cx="9518745" cy="1"/>
           </a:xfrm>
           <a:prstGeom prst="line">
@@ -4139,210 +5055,273 @@
           </a:fontRef>
         </p:style>
       </p:cxnSp>
-      <p:pic>
-        <p:nvPicPr>
-          <p:cNvPr id="2071" name="Picture 2070">
-            <a:extLst>
-              <a:ext uri="{FF2B5EF4-FFF2-40B4-BE49-F238E27FC236}">
-                <a16:creationId xmlns:a16="http://schemas.microsoft.com/office/drawing/2014/main" id="{93FFCA0F-EBBD-4B16-B1D9-64DE5B4E1326}"/>
-              </a:ext>
-            </a:extLst>
-          </p:cNvPr>
-          <p:cNvPicPr>
-            <a:picLocks noChangeAspect="1"/>
-          </p:cNvPicPr>
+      <p:grpSp>
+        <p:nvGrpSpPr>
+          <p:cNvPr id="4" name="Group 3">
+            <a:extLst>
+              <a:ext uri="{FF2B5EF4-FFF2-40B4-BE49-F238E27FC236}">
+                <a16:creationId xmlns:a16="http://schemas.microsoft.com/office/drawing/2014/main" id="{9B941F75-E90C-488B-AA2B-921C2318D973}"/>
+              </a:ext>
+            </a:extLst>
+          </p:cNvPr>
+          <p:cNvGrpSpPr/>
           <p:nvPr/>
-        </p:nvPicPr>
-        <p:blipFill>
-          <a:blip r:embed="rId4"/>
-          <a:stretch>
-            <a:fillRect/>
-          </a:stretch>
-        </p:blipFill>
-        <p:spPr>
+        </p:nvGrpSpPr>
+        <p:grpSpPr>
           <a:xfrm>
-            <a:off x="1508423" y="2845526"/>
-            <a:ext cx="2189605" cy="1657172"/>
+            <a:off x="1453073" y="2884453"/>
+            <a:ext cx="2845864" cy="2645488"/>
+            <a:chOff x="1404492" y="2564906"/>
+            <a:chExt cx="2845864" cy="2645488"/>
           </a:xfrm>
-          <a:prstGeom prst="rect">
-            <a:avLst/>
-          </a:prstGeom>
-        </p:spPr>
-      </p:pic>
-      <p:pic>
-        <p:nvPicPr>
-          <p:cNvPr id="2073" name="Picture 2072">
-            <a:extLst>
-              <a:ext uri="{FF2B5EF4-FFF2-40B4-BE49-F238E27FC236}">
-                <a16:creationId xmlns:a16="http://schemas.microsoft.com/office/drawing/2014/main" id="{673FC951-30E1-4E11-B7E0-DA9A36525151}"/>
-              </a:ext>
-            </a:extLst>
-          </p:cNvPr>
-          <p:cNvPicPr>
-            <a:picLocks noChangeAspect="1"/>
-          </p:cNvPicPr>
+        </p:grpSpPr>
+        <p:pic>
+          <p:nvPicPr>
+            <p:cNvPr id="2071" name="Picture 2070">
+              <a:extLst>
+                <a:ext uri="{FF2B5EF4-FFF2-40B4-BE49-F238E27FC236}">
+                  <a16:creationId xmlns:a16="http://schemas.microsoft.com/office/drawing/2014/main" id="{93FFCA0F-EBBD-4B16-B1D9-64DE5B4E1326}"/>
+                </a:ext>
+              </a:extLst>
+            </p:cNvPr>
+            <p:cNvPicPr>
+              <a:picLocks noChangeAspect="1"/>
+            </p:cNvPicPr>
+            <p:nvPr/>
+          </p:nvPicPr>
+          <p:blipFill>
+            <a:blip r:embed="rId4"/>
+            <a:stretch>
+              <a:fillRect/>
+            </a:stretch>
+          </p:blipFill>
+          <p:spPr>
+            <a:xfrm>
+              <a:off x="1418384" y="2564906"/>
+              <a:ext cx="2189605" cy="1657172"/>
+            </a:xfrm>
+            <a:prstGeom prst="rect">
+              <a:avLst/>
+            </a:prstGeom>
+          </p:spPr>
+        </p:pic>
+        <p:sp>
+          <p:nvSpPr>
+            <p:cNvPr id="35" name="TextBox 34">
+              <a:extLst>
+                <a:ext uri="{FF2B5EF4-FFF2-40B4-BE49-F238E27FC236}">
+                  <a16:creationId xmlns:a16="http://schemas.microsoft.com/office/drawing/2014/main" id="{1AE4750C-C8EA-444F-9B83-0A0518E8F8C0}"/>
+                </a:ext>
+              </a:extLst>
+            </p:cNvPr>
+            <p:cNvSpPr txBox="1"/>
+            <p:nvPr/>
+          </p:nvSpPr>
+          <p:spPr>
+            <a:xfrm>
+              <a:off x="1404492" y="4564063"/>
+              <a:ext cx="2845864" cy="646331"/>
+            </a:xfrm>
+            <a:prstGeom prst="rect">
+              <a:avLst/>
+            </a:prstGeom>
+            <a:noFill/>
+          </p:spPr>
+          <p:txBody>
+            <a:bodyPr wrap="square" rtlCol="0">
+              <a:spAutoFit/>
+            </a:bodyPr>
+            <a:lstStyle/>
+            <a:p>
+              <a:r>
+                <a:rPr lang="en-US" dirty="0"/>
+                <a:t>Random Forest </a:t>
+              </a:r>
+            </a:p>
+            <a:p>
+              <a:r>
+                <a:rPr lang="en-US" dirty="0"/>
+                <a:t>LGBM</a:t>
+              </a:r>
+              <a:endParaRPr lang="en-CA" dirty="0"/>
+            </a:p>
+          </p:txBody>
+        </p:sp>
+      </p:grpSp>
+      <p:grpSp>
+        <p:nvGrpSpPr>
+          <p:cNvPr id="7" name="Group 6">
+            <a:extLst>
+              <a:ext uri="{FF2B5EF4-FFF2-40B4-BE49-F238E27FC236}">
+                <a16:creationId xmlns:a16="http://schemas.microsoft.com/office/drawing/2014/main" id="{0FC5296A-CF7F-41B7-A45A-025B6F042A54}"/>
+              </a:ext>
+            </a:extLst>
+          </p:cNvPr>
+          <p:cNvGrpSpPr/>
           <p:nvPr/>
-        </p:nvPicPr>
-        <p:blipFill>
-          <a:blip r:embed="rId5"/>
-          <a:stretch>
-            <a:fillRect/>
-          </a:stretch>
-        </p:blipFill>
-        <p:spPr>
+        </p:nvGrpSpPr>
+        <p:grpSpPr>
           <a:xfrm>
-            <a:off x="5345917" y="2961319"/>
-            <a:ext cx="1708027" cy="1550966"/>
+            <a:off x="5304459" y="3000246"/>
+            <a:ext cx="3324836" cy="2281203"/>
+            <a:chOff x="5255878" y="2680699"/>
+            <a:chExt cx="3324836" cy="2281203"/>
           </a:xfrm>
-          <a:prstGeom prst="rect">
-            <a:avLst/>
-          </a:prstGeom>
-        </p:spPr>
-      </p:pic>
-      <p:pic>
-        <p:nvPicPr>
-          <p:cNvPr id="2079" name="Picture 2078">
-            <a:extLst>
-              <a:ext uri="{FF2B5EF4-FFF2-40B4-BE49-F238E27FC236}">
-                <a16:creationId xmlns:a16="http://schemas.microsoft.com/office/drawing/2014/main" id="{A5CA83BB-0863-4E6B-B621-304CD708D09A}"/>
-              </a:ext>
-            </a:extLst>
-          </p:cNvPr>
-          <p:cNvPicPr>
-            <a:picLocks noChangeAspect="1"/>
-          </p:cNvPicPr>
+        </p:grpSpPr>
+        <p:pic>
+          <p:nvPicPr>
+            <p:cNvPr id="2073" name="Picture 2072">
+              <a:extLst>
+                <a:ext uri="{FF2B5EF4-FFF2-40B4-BE49-F238E27FC236}">
+                  <a16:creationId xmlns:a16="http://schemas.microsoft.com/office/drawing/2014/main" id="{673FC951-30E1-4E11-B7E0-DA9A36525151}"/>
+                </a:ext>
+              </a:extLst>
+            </p:cNvPr>
+            <p:cNvPicPr>
+              <a:picLocks noChangeAspect="1"/>
+            </p:cNvPicPr>
+            <p:nvPr/>
+          </p:nvPicPr>
+          <p:blipFill>
+            <a:blip r:embed="rId5"/>
+            <a:stretch>
+              <a:fillRect/>
+            </a:stretch>
+          </p:blipFill>
+          <p:spPr>
+            <a:xfrm>
+              <a:off x="5255878" y="2680699"/>
+              <a:ext cx="1708027" cy="1550966"/>
+            </a:xfrm>
+            <a:prstGeom prst="rect">
+              <a:avLst/>
+            </a:prstGeom>
+          </p:spPr>
+        </p:pic>
+        <p:sp>
+          <p:nvSpPr>
+            <p:cNvPr id="78" name="TextBox 77">
+              <a:extLst>
+                <a:ext uri="{FF2B5EF4-FFF2-40B4-BE49-F238E27FC236}">
+                  <a16:creationId xmlns:a16="http://schemas.microsoft.com/office/drawing/2014/main" id="{E2C38085-80CC-4B83-9F32-B05BD09C9CB8}"/>
+                </a:ext>
+              </a:extLst>
+            </p:cNvPr>
+            <p:cNvSpPr txBox="1"/>
+            <p:nvPr/>
+          </p:nvSpPr>
+          <p:spPr>
+            <a:xfrm>
+              <a:off x="5734850" y="4592570"/>
+              <a:ext cx="2845864" cy="369332"/>
+            </a:xfrm>
+            <a:prstGeom prst="rect">
+              <a:avLst/>
+            </a:prstGeom>
+            <a:noFill/>
+          </p:spPr>
+          <p:txBody>
+            <a:bodyPr wrap="square" rtlCol="0">
+              <a:spAutoFit/>
+            </a:bodyPr>
+            <a:lstStyle/>
+            <a:p>
+              <a:r>
+                <a:rPr lang="en-US" dirty="0"/>
+                <a:t>KNN	</a:t>
+              </a:r>
+              <a:endParaRPr lang="en-CA" dirty="0"/>
+            </a:p>
+          </p:txBody>
+        </p:sp>
+      </p:grpSp>
+      <p:grpSp>
+        <p:nvGrpSpPr>
+          <p:cNvPr id="5" name="Group 4">
+            <a:extLst>
+              <a:ext uri="{FF2B5EF4-FFF2-40B4-BE49-F238E27FC236}">
+                <a16:creationId xmlns:a16="http://schemas.microsoft.com/office/drawing/2014/main" id="{CF2F19B8-C6DA-44BA-BFBD-7E63DC91250B}"/>
+              </a:ext>
+            </a:extLst>
+          </p:cNvPr>
+          <p:cNvGrpSpPr/>
           <p:nvPr/>
-        </p:nvPicPr>
-        <p:blipFill>
-          <a:blip r:embed="rId6"/>
-          <a:stretch>
-            <a:fillRect/>
-          </a:stretch>
-        </p:blipFill>
-        <p:spPr>
+        </p:nvGrpSpPr>
+        <p:grpSpPr>
           <a:xfrm>
-            <a:off x="8418122" y="3086726"/>
-            <a:ext cx="2378458" cy="1406358"/>
+            <a:off x="8376664" y="3125653"/>
+            <a:ext cx="3147076" cy="2156579"/>
+            <a:chOff x="8328083" y="2806106"/>
+            <a:chExt cx="3147076" cy="2156579"/>
           </a:xfrm>
-          <a:prstGeom prst="rect">
-            <a:avLst/>
-          </a:prstGeom>
-        </p:spPr>
-      </p:pic>
-      <p:sp>
-        <p:nvSpPr>
-          <p:cNvPr id="35" name="TextBox 34">
-            <a:extLst>
-              <a:ext uri="{FF2B5EF4-FFF2-40B4-BE49-F238E27FC236}">
-                <a16:creationId xmlns:a16="http://schemas.microsoft.com/office/drawing/2014/main" id="{1AE4750C-C8EA-444F-9B83-0A0518E8F8C0}"/>
-              </a:ext>
-            </a:extLst>
-          </p:cNvPr>
-          <p:cNvSpPr txBox="1"/>
-          <p:nvPr/>
-        </p:nvSpPr>
-        <p:spPr>
-          <a:xfrm>
-            <a:off x="1494531" y="4844683"/>
-            <a:ext cx="2845864" cy="646331"/>
-          </a:xfrm>
-          <a:prstGeom prst="rect">
-            <a:avLst/>
-          </a:prstGeom>
-          <a:noFill/>
-        </p:spPr>
-        <p:txBody>
-          <a:bodyPr wrap="square" rtlCol="0">
-            <a:spAutoFit/>
-          </a:bodyPr>
-          <a:lstStyle/>
-          <a:p>
-            <a:r>
-              <a:rPr lang="en-US" dirty="0"/>
-              <a:t>Random Forest Regressor</a:t>
-            </a:r>
-          </a:p>
-          <a:p>
-            <a:r>
-              <a:rPr lang="en-US" dirty="0"/>
-              <a:t>LGBM Regressor</a:t>
-            </a:r>
-            <a:endParaRPr lang="en-CA" dirty="0"/>
-          </a:p>
-        </p:txBody>
-      </p:sp>
-      <p:sp>
-        <p:nvSpPr>
-          <p:cNvPr id="78" name="TextBox 77">
-            <a:extLst>
-              <a:ext uri="{FF2B5EF4-FFF2-40B4-BE49-F238E27FC236}">
-                <a16:creationId xmlns:a16="http://schemas.microsoft.com/office/drawing/2014/main" id="{E2C38085-80CC-4B83-9F32-B05BD09C9CB8}"/>
-              </a:ext>
-            </a:extLst>
-          </p:cNvPr>
-          <p:cNvSpPr txBox="1"/>
-          <p:nvPr/>
-        </p:nvSpPr>
-        <p:spPr>
-          <a:xfrm>
-            <a:off x="5824889" y="4873190"/>
-            <a:ext cx="2845864" cy="369332"/>
-          </a:xfrm>
-          <a:prstGeom prst="rect">
-            <a:avLst/>
-          </a:prstGeom>
-          <a:noFill/>
-        </p:spPr>
-        <p:txBody>
-          <a:bodyPr wrap="square" rtlCol="0">
-            <a:spAutoFit/>
-          </a:bodyPr>
-          <a:lstStyle/>
-          <a:p>
-            <a:r>
-              <a:rPr lang="en-US" dirty="0"/>
-              <a:t>KNN	</a:t>
-            </a:r>
-            <a:endParaRPr lang="en-CA" dirty="0"/>
-          </a:p>
-        </p:txBody>
-      </p:sp>
-      <p:sp>
-        <p:nvSpPr>
-          <p:cNvPr id="79" name="TextBox 78">
-            <a:extLst>
-              <a:ext uri="{FF2B5EF4-FFF2-40B4-BE49-F238E27FC236}">
-                <a16:creationId xmlns:a16="http://schemas.microsoft.com/office/drawing/2014/main" id="{51610A38-B103-41F1-97A6-2590D50A7EDD}"/>
-              </a:ext>
-            </a:extLst>
-          </p:cNvPr>
-          <p:cNvSpPr txBox="1"/>
-          <p:nvPr/>
-        </p:nvSpPr>
-        <p:spPr>
-          <a:xfrm>
-            <a:off x="8719334" y="4873973"/>
-            <a:ext cx="2845864" cy="369332"/>
-          </a:xfrm>
-          <a:prstGeom prst="rect">
-            <a:avLst/>
-          </a:prstGeom>
-          <a:noFill/>
-        </p:spPr>
-        <p:txBody>
-          <a:bodyPr wrap="square" rtlCol="0">
-            <a:spAutoFit/>
-          </a:bodyPr>
-          <a:lstStyle/>
-          <a:p>
-            <a:r>
-              <a:rPr lang="en-US" dirty="0"/>
-              <a:t>Facebook Prophet	</a:t>
-            </a:r>
-            <a:endParaRPr lang="en-CA" dirty="0"/>
-          </a:p>
-        </p:txBody>
-      </p:sp>
+        </p:grpSpPr>
+        <p:pic>
+          <p:nvPicPr>
+            <p:cNvPr id="2079" name="Picture 2078">
+              <a:extLst>
+                <a:ext uri="{FF2B5EF4-FFF2-40B4-BE49-F238E27FC236}">
+                  <a16:creationId xmlns:a16="http://schemas.microsoft.com/office/drawing/2014/main" id="{A5CA83BB-0863-4E6B-B621-304CD708D09A}"/>
+                </a:ext>
+              </a:extLst>
+            </p:cNvPr>
+            <p:cNvPicPr>
+              <a:picLocks noChangeAspect="1"/>
+            </p:cNvPicPr>
+            <p:nvPr/>
+          </p:nvPicPr>
+          <p:blipFill>
+            <a:blip r:embed="rId6"/>
+            <a:stretch>
+              <a:fillRect/>
+            </a:stretch>
+          </p:blipFill>
+          <p:spPr>
+            <a:xfrm>
+              <a:off x="8328083" y="2806106"/>
+              <a:ext cx="2378458" cy="1406358"/>
+            </a:xfrm>
+            <a:prstGeom prst="rect">
+              <a:avLst/>
+            </a:prstGeom>
+          </p:spPr>
+        </p:pic>
+        <p:sp>
+          <p:nvSpPr>
+            <p:cNvPr id="79" name="TextBox 78">
+              <a:extLst>
+                <a:ext uri="{FF2B5EF4-FFF2-40B4-BE49-F238E27FC236}">
+                  <a16:creationId xmlns:a16="http://schemas.microsoft.com/office/drawing/2014/main" id="{51610A38-B103-41F1-97A6-2590D50A7EDD}"/>
+                </a:ext>
+              </a:extLst>
+            </p:cNvPr>
+            <p:cNvSpPr txBox="1"/>
+            <p:nvPr/>
+          </p:nvSpPr>
+          <p:spPr>
+            <a:xfrm>
+              <a:off x="8629295" y="4593353"/>
+              <a:ext cx="2845864" cy="369332"/>
+            </a:xfrm>
+            <a:prstGeom prst="rect">
+              <a:avLst/>
+            </a:prstGeom>
+            <a:noFill/>
+          </p:spPr>
+          <p:txBody>
+            <a:bodyPr wrap="square" rtlCol="0">
+              <a:spAutoFit/>
+            </a:bodyPr>
+            <a:lstStyle/>
+            <a:p>
+              <a:r>
+                <a:rPr lang="en-US" dirty="0"/>
+                <a:t>Facebook Prophet	</a:t>
+              </a:r>
+              <a:endParaRPr lang="en-CA" dirty="0"/>
+            </a:p>
+          </p:txBody>
+        </p:sp>
+      </p:grpSp>
     </p:spTree>
     <p:extLst>
       <p:ext uri="{BB962C8B-B14F-4D97-AF65-F5344CB8AC3E}">
@@ -4353,10 +5332,175 @@
   <p:clrMapOvr>
     <a:masterClrMapping/>
   </p:clrMapOvr>
+  <p:timing>
+    <p:tnLst>
+      <p:par>
+        <p:cTn id="1" dur="indefinite" restart="never" nodeType="tmRoot">
+          <p:childTnLst>
+            <p:seq concurrent="1" nextAc="seek">
+              <p:cTn id="2" dur="indefinite" nodeType="mainSeq">
+                <p:childTnLst>
+                  <p:par>
+                    <p:cTn id="3" fill="hold">
+                      <p:stCondLst>
+                        <p:cond delay="indefinite"/>
+                      </p:stCondLst>
+                      <p:childTnLst>
+                        <p:par>
+                          <p:cTn id="4" fill="hold">
+                            <p:stCondLst>
+                              <p:cond delay="0"/>
+                            </p:stCondLst>
+                            <p:childTnLst>
+                              <p:par>
+                                <p:cTn id="5" presetID="1" presetClass="entr" presetSubtype="0" fill="hold" nodeType="clickEffect">
+                                  <p:stCondLst>
+                                    <p:cond delay="0"/>
+                                  </p:stCondLst>
+                                  <p:childTnLst>
+                                    <p:set>
+                                      <p:cBhvr>
+                                        <p:cTn id="6" dur="1" fill="hold">
+                                          <p:stCondLst>
+                                            <p:cond delay="0"/>
+                                          </p:stCondLst>
+                                        </p:cTn>
+                                        <p:tgtEl>
+                                          <p:spTgt spid="4"/>
+                                        </p:tgtEl>
+                                        <p:attrNameLst>
+                                          <p:attrName>style.visibility</p:attrName>
+                                        </p:attrNameLst>
+                                      </p:cBhvr>
+                                      <p:to>
+                                        <p:strVal val="visible"/>
+                                      </p:to>
+                                    </p:set>
+                                  </p:childTnLst>
+                                </p:cTn>
+                              </p:par>
+                            </p:childTnLst>
+                          </p:cTn>
+                        </p:par>
+                      </p:childTnLst>
+                    </p:cTn>
+                  </p:par>
+                  <p:par>
+                    <p:cTn id="7" fill="hold">
+                      <p:stCondLst>
+                        <p:cond delay="indefinite"/>
+                      </p:stCondLst>
+                      <p:childTnLst>
+                        <p:par>
+                          <p:cTn id="8" fill="hold">
+                            <p:stCondLst>
+                              <p:cond delay="0"/>
+                            </p:stCondLst>
+                            <p:childTnLst>
+                              <p:par>
+                                <p:cTn id="9" presetID="1" presetClass="entr" presetSubtype="0" fill="hold" nodeType="clickEffect">
+                                  <p:stCondLst>
+                                    <p:cond delay="0"/>
+                                  </p:stCondLst>
+                                  <p:childTnLst>
+                                    <p:set>
+                                      <p:cBhvr>
+                                        <p:cTn id="10" dur="1" fill="hold">
+                                          <p:stCondLst>
+                                            <p:cond delay="0"/>
+                                          </p:stCondLst>
+                                        </p:cTn>
+                                        <p:tgtEl>
+                                          <p:spTgt spid="7"/>
+                                        </p:tgtEl>
+                                        <p:attrNameLst>
+                                          <p:attrName>style.visibility</p:attrName>
+                                        </p:attrNameLst>
+                                      </p:cBhvr>
+                                      <p:to>
+                                        <p:strVal val="visible"/>
+                                      </p:to>
+                                    </p:set>
+                                  </p:childTnLst>
+                                </p:cTn>
+                              </p:par>
+                            </p:childTnLst>
+                          </p:cTn>
+                        </p:par>
+                      </p:childTnLst>
+                    </p:cTn>
+                  </p:par>
+                  <p:par>
+                    <p:cTn id="11" fill="hold">
+                      <p:stCondLst>
+                        <p:cond delay="indefinite"/>
+                      </p:stCondLst>
+                      <p:childTnLst>
+                        <p:par>
+                          <p:cTn id="12" fill="hold">
+                            <p:stCondLst>
+                              <p:cond delay="0"/>
+                            </p:stCondLst>
+                            <p:childTnLst>
+                              <p:par>
+                                <p:cTn id="13" presetID="1" presetClass="entr" presetSubtype="0" fill="hold" nodeType="clickEffect">
+                                  <p:stCondLst>
+                                    <p:cond delay="0"/>
+                                  </p:stCondLst>
+                                  <p:childTnLst>
+                                    <p:set>
+                                      <p:cBhvr>
+                                        <p:cTn id="14" dur="1" fill="hold">
+                                          <p:stCondLst>
+                                            <p:cond delay="0"/>
+                                          </p:stCondLst>
+                                        </p:cTn>
+                                        <p:tgtEl>
+                                          <p:spTgt spid="5"/>
+                                        </p:tgtEl>
+                                        <p:attrNameLst>
+                                          <p:attrName>style.visibility</p:attrName>
+                                        </p:attrNameLst>
+                                      </p:cBhvr>
+                                      <p:to>
+                                        <p:strVal val="visible"/>
+                                      </p:to>
+                                    </p:set>
+                                  </p:childTnLst>
+                                </p:cTn>
+                              </p:par>
+                            </p:childTnLst>
+                          </p:cTn>
+                        </p:par>
+                      </p:childTnLst>
+                    </p:cTn>
+                  </p:par>
+                </p:childTnLst>
+              </p:cTn>
+              <p:prevCondLst>
+                <p:cond evt="onPrev" delay="0">
+                  <p:tgtEl>
+                    <p:sldTgt/>
+                  </p:tgtEl>
+                </p:cond>
+              </p:prevCondLst>
+              <p:nextCondLst>
+                <p:cond evt="onNext" delay="0">
+                  <p:tgtEl>
+                    <p:sldTgt/>
+                  </p:tgtEl>
+                </p:cond>
+              </p:nextCondLst>
+            </p:seq>
+          </p:childTnLst>
+        </p:cTn>
+      </p:par>
+    </p:tnLst>
+  </p:timing>
 </p:sld>
 </file>
 
-<file path=ppt/slides/slide2.xml><?xml version="1.0" encoding="utf-8"?>
+<file path=ppt/slides/slide10.xml><?xml version="1.0" encoding="utf-8"?>
 <p:sld xmlns:a="http://schemas.openxmlformats.org/drawingml/2006/main" xmlns:r="http://schemas.openxmlformats.org/officeDocument/2006/relationships" xmlns:p="http://schemas.openxmlformats.org/presentationml/2006/main">
   <p:cSld>
     <p:spTree>
@@ -4405,7 +5549,7 @@
                   <a:srgbClr val="EA5E46"/>
                 </a:solidFill>
               </a:rPr>
-              <a:t>Model Data Transformation</a:t>
+              <a:t>Results</a:t>
             </a:r>
           </a:p>
         </p:txBody>
@@ -4503,7 +5647,7 @@
     </p:spTree>
     <p:extLst>
       <p:ext uri="{BB962C8B-B14F-4D97-AF65-F5344CB8AC3E}">
-        <p14:creationId xmlns:p14="http://schemas.microsoft.com/office/powerpoint/2010/main" val="46653007"/>
+        <p14:creationId xmlns:p14="http://schemas.microsoft.com/office/powerpoint/2010/main" val="2559599854"/>
       </p:ext>
     </p:extLst>
   </p:cSld>
@@ -4513,7 +5657,7 @@
 </p:sld>
 </file>
 
-<file path=ppt/slides/slide3.xml><?xml version="1.0" encoding="utf-8"?>
+<file path=ppt/slides/slide11.xml><?xml version="1.0" encoding="utf-8"?>
 <p:sld xmlns:a="http://schemas.openxmlformats.org/drawingml/2006/main" xmlns:r="http://schemas.openxmlformats.org/officeDocument/2006/relationships" xmlns:p="http://schemas.openxmlformats.org/presentationml/2006/main">
   <p:cSld>
     <p:spTree>
@@ -4869,6 +6013,1742 @@
       <p:bldP spid="4" grpId="0"/>
     </p:bldLst>
   </p:timing>
+</p:sld>
+</file>
+
+<file path=ppt/slides/slide2.xml><?xml version="1.0" encoding="utf-8"?>
+<p:sld xmlns:a="http://schemas.openxmlformats.org/drawingml/2006/main" xmlns:r="http://schemas.openxmlformats.org/officeDocument/2006/relationships" xmlns:p="http://schemas.openxmlformats.org/presentationml/2006/main">
+  <p:cSld>
+    <p:spTree>
+      <p:nvGrpSpPr>
+        <p:cNvPr id="1" name=""/>
+        <p:cNvGrpSpPr/>
+        <p:nvPr/>
+      </p:nvGrpSpPr>
+      <p:grpSpPr>
+        <a:xfrm>
+          <a:off x="0" y="0"/>
+          <a:ext cx="0" cy="0"/>
+          <a:chOff x="0" y="0"/>
+          <a:chExt cx="0" cy="0"/>
+        </a:xfrm>
+      </p:grpSpPr>
+      <p:sp>
+        <p:nvSpPr>
+          <p:cNvPr id="2" name="Title 1">
+            <a:extLst>
+              <a:ext uri="{FF2B5EF4-FFF2-40B4-BE49-F238E27FC236}">
+                <a16:creationId xmlns:a16="http://schemas.microsoft.com/office/drawing/2014/main" id="{59B8B577-5676-3C4B-A107-E41DB331FD85}"/>
+              </a:ext>
+            </a:extLst>
+          </p:cNvPr>
+          <p:cNvSpPr>
+            <a:spLocks noGrp="1"/>
+          </p:cNvSpPr>
+          <p:nvPr>
+            <p:ph type="title"/>
+          </p:nvPr>
+        </p:nvSpPr>
+        <p:spPr>
+          <a:xfrm>
+            <a:off x="3371495" y="696475"/>
+            <a:ext cx="10515600" cy="1325563"/>
+          </a:xfrm>
+        </p:spPr>
+        <p:txBody>
+          <a:bodyPr>
+            <a:normAutofit/>
+          </a:bodyPr>
+          <a:lstStyle/>
+          <a:p>
+            <a:r>
+              <a:rPr lang="en-US" sz="4000" dirty="0">
+                <a:solidFill>
+                  <a:srgbClr val="EA5E46"/>
+                </a:solidFill>
+              </a:rPr>
+              <a:t>Model Data Transformation Process</a:t>
+            </a:r>
+          </a:p>
+        </p:txBody>
+      </p:sp>
+      <p:pic>
+        <p:nvPicPr>
+          <p:cNvPr id="2050" name="Picture 2" descr="Image result for air bnb logo">
+            <a:extLst>
+              <a:ext uri="{FF2B5EF4-FFF2-40B4-BE49-F238E27FC236}">
+                <a16:creationId xmlns:a16="http://schemas.microsoft.com/office/drawing/2014/main" id="{A162C291-208B-BE48-BF44-7D5CD7EF6151}"/>
+              </a:ext>
+            </a:extLst>
+          </p:cNvPr>
+          <p:cNvPicPr>
+            <a:picLocks noChangeAspect="1" noChangeArrowheads="1"/>
+          </p:cNvPicPr>
+          <p:nvPr/>
+        </p:nvPicPr>
+        <p:blipFill>
+          <a:blip r:embed="rId3">
+            <a:extLst>
+              <a:ext uri="{28A0092B-C50C-407E-A947-70E740481C1C}">
+                <a14:useLocalDpi xmlns:a14="http://schemas.microsoft.com/office/drawing/2010/main" val="0"/>
+              </a:ext>
+            </a:extLst>
+          </a:blip>
+          <a:srcRect/>
+          <a:stretch>
+            <a:fillRect/>
+          </a:stretch>
+        </p:blipFill>
+        <p:spPr bwMode="auto">
+          <a:xfrm>
+            <a:off x="1180077" y="108278"/>
+            <a:ext cx="2189605" cy="2022038"/>
+          </a:xfrm>
+          <a:prstGeom prst="rect">
+            <a:avLst/>
+          </a:prstGeom>
+          <a:noFill/>
+          <a:extLst>
+            <a:ext uri="{909E8E84-426E-40DD-AFC4-6F175D3DCCD1}">
+              <a14:hiddenFill xmlns:a14="http://schemas.microsoft.com/office/drawing/2010/main">
+                <a:solidFill>
+                  <a:srgbClr val="FFFFFF"/>
+                </a:solidFill>
+              </a14:hiddenFill>
+            </a:ext>
+          </a:extLst>
+        </p:spPr>
+      </p:pic>
+      <p:cxnSp>
+        <p:nvCxnSpPr>
+          <p:cNvPr id="6" name="Straight Connector 5">
+            <a:extLst>
+              <a:ext uri="{FF2B5EF4-FFF2-40B4-BE49-F238E27FC236}">
+                <a16:creationId xmlns:a16="http://schemas.microsoft.com/office/drawing/2014/main" id="{7D0926DC-6298-B648-9DF9-0D78D09F9FC8}"/>
+              </a:ext>
+            </a:extLst>
+          </p:cNvPr>
+          <p:cNvCxnSpPr>
+            <a:cxnSpLocks/>
+          </p:cNvCxnSpPr>
+          <p:nvPr/>
+        </p:nvCxnSpPr>
+        <p:spPr>
+          <a:xfrm>
+            <a:off x="1625367" y="1684829"/>
+            <a:ext cx="9518745" cy="1"/>
+          </a:xfrm>
+          <a:prstGeom prst="line">
+            <a:avLst/>
+          </a:prstGeom>
+          <a:ln w="12700">
+            <a:solidFill>
+              <a:srgbClr val="EA5E46"/>
+            </a:solidFill>
+          </a:ln>
+        </p:spPr>
+        <p:style>
+          <a:lnRef idx="1">
+            <a:schemeClr val="accent2"/>
+          </a:lnRef>
+          <a:fillRef idx="0">
+            <a:schemeClr val="accent2"/>
+          </a:fillRef>
+          <a:effectRef idx="0">
+            <a:schemeClr val="accent2"/>
+          </a:effectRef>
+          <a:fontRef idx="minor">
+            <a:schemeClr val="tx1"/>
+          </a:fontRef>
+        </p:style>
+      </p:cxnSp>
+      <p:pic>
+        <p:nvPicPr>
+          <p:cNvPr id="8" name="Picture 7">
+            <a:extLst>
+              <a:ext uri="{FF2B5EF4-FFF2-40B4-BE49-F238E27FC236}">
+                <a16:creationId xmlns:a16="http://schemas.microsoft.com/office/drawing/2014/main" id="{DC2D0061-8FD6-4F00-962B-F205E4AE0BA9}"/>
+              </a:ext>
+            </a:extLst>
+          </p:cNvPr>
+          <p:cNvPicPr>
+            <a:picLocks noChangeAspect="1"/>
+          </p:cNvPicPr>
+          <p:nvPr/>
+        </p:nvPicPr>
+        <p:blipFill>
+          <a:blip r:embed="rId4"/>
+          <a:stretch>
+            <a:fillRect/>
+          </a:stretch>
+        </p:blipFill>
+        <p:spPr>
+          <a:xfrm>
+            <a:off x="1720768" y="2022038"/>
+            <a:ext cx="7806003" cy="4108894"/>
+          </a:xfrm>
+          <a:prstGeom prst="rect">
+            <a:avLst/>
+          </a:prstGeom>
+        </p:spPr>
+      </p:pic>
+    </p:spTree>
+    <p:extLst>
+      <p:ext uri="{BB962C8B-B14F-4D97-AF65-F5344CB8AC3E}">
+        <p14:creationId xmlns:p14="http://schemas.microsoft.com/office/powerpoint/2010/main" val="3433687183"/>
+      </p:ext>
+    </p:extLst>
+  </p:cSld>
+  <p:clrMapOvr>
+    <a:masterClrMapping/>
+  </p:clrMapOvr>
+  <p:timing>
+    <p:tnLst>
+      <p:par>
+        <p:cTn id="1" dur="indefinite" restart="never" nodeType="tmRoot">
+          <p:childTnLst>
+            <p:seq concurrent="1" nextAc="seek">
+              <p:cTn id="2" dur="indefinite" nodeType="mainSeq">
+                <p:childTnLst>
+                  <p:par>
+                    <p:cTn id="3" fill="hold">
+                      <p:stCondLst>
+                        <p:cond delay="indefinite"/>
+                      </p:stCondLst>
+                      <p:childTnLst>
+                        <p:par>
+                          <p:cTn id="4" fill="hold">
+                            <p:stCondLst>
+                              <p:cond delay="0"/>
+                            </p:stCondLst>
+                            <p:childTnLst>
+                              <p:par>
+                                <p:cTn id="5" presetID="10" presetClass="entr" presetSubtype="0" fill="hold" nodeType="clickEffect">
+                                  <p:stCondLst>
+                                    <p:cond delay="0"/>
+                                  </p:stCondLst>
+                                  <p:childTnLst>
+                                    <p:set>
+                                      <p:cBhvr>
+                                        <p:cTn id="6" dur="1" fill="hold">
+                                          <p:stCondLst>
+                                            <p:cond delay="0"/>
+                                          </p:stCondLst>
+                                        </p:cTn>
+                                        <p:tgtEl>
+                                          <p:spTgt spid="8"/>
+                                        </p:tgtEl>
+                                        <p:attrNameLst>
+                                          <p:attrName>style.visibility</p:attrName>
+                                        </p:attrNameLst>
+                                      </p:cBhvr>
+                                      <p:to>
+                                        <p:strVal val="visible"/>
+                                      </p:to>
+                                    </p:set>
+                                    <p:animEffect transition="in" filter="fade">
+                                      <p:cBhvr>
+                                        <p:cTn id="7" dur="500"/>
+                                        <p:tgtEl>
+                                          <p:spTgt spid="8"/>
+                                        </p:tgtEl>
+                                      </p:cBhvr>
+                                    </p:animEffect>
+                                  </p:childTnLst>
+                                </p:cTn>
+                              </p:par>
+                            </p:childTnLst>
+                          </p:cTn>
+                        </p:par>
+                      </p:childTnLst>
+                    </p:cTn>
+                  </p:par>
+                </p:childTnLst>
+              </p:cTn>
+              <p:prevCondLst>
+                <p:cond evt="onPrev" delay="0">
+                  <p:tgtEl>
+                    <p:sldTgt/>
+                  </p:tgtEl>
+                </p:cond>
+              </p:prevCondLst>
+              <p:nextCondLst>
+                <p:cond evt="onNext" delay="0">
+                  <p:tgtEl>
+                    <p:sldTgt/>
+                  </p:tgtEl>
+                </p:cond>
+              </p:nextCondLst>
+            </p:seq>
+          </p:childTnLst>
+        </p:cTn>
+      </p:par>
+    </p:tnLst>
+  </p:timing>
+</p:sld>
+</file>
+
+<file path=ppt/slides/slide3.xml><?xml version="1.0" encoding="utf-8"?>
+<p:sld xmlns:a="http://schemas.openxmlformats.org/drawingml/2006/main" xmlns:r="http://schemas.openxmlformats.org/officeDocument/2006/relationships" xmlns:p="http://schemas.openxmlformats.org/presentationml/2006/main">
+  <p:cSld>
+    <p:spTree>
+      <p:nvGrpSpPr>
+        <p:cNvPr id="1" name=""/>
+        <p:cNvGrpSpPr/>
+        <p:nvPr/>
+      </p:nvGrpSpPr>
+      <p:grpSpPr>
+        <a:xfrm>
+          <a:off x="0" y="0"/>
+          <a:ext cx="0" cy="0"/>
+          <a:chOff x="0" y="0"/>
+          <a:chExt cx="0" cy="0"/>
+        </a:xfrm>
+      </p:grpSpPr>
+      <p:sp>
+        <p:nvSpPr>
+          <p:cNvPr id="2" name="Title 1">
+            <a:extLst>
+              <a:ext uri="{FF2B5EF4-FFF2-40B4-BE49-F238E27FC236}">
+                <a16:creationId xmlns:a16="http://schemas.microsoft.com/office/drawing/2014/main" id="{59B8B577-5676-3C4B-A107-E41DB331FD85}"/>
+              </a:ext>
+            </a:extLst>
+          </p:cNvPr>
+          <p:cNvSpPr>
+            <a:spLocks noGrp="1"/>
+          </p:cNvSpPr>
+          <p:nvPr>
+            <p:ph type="title"/>
+          </p:nvPr>
+        </p:nvSpPr>
+        <p:spPr>
+          <a:xfrm>
+            <a:off x="3371495" y="696475"/>
+            <a:ext cx="10515600" cy="1325563"/>
+          </a:xfrm>
+        </p:spPr>
+        <p:txBody>
+          <a:bodyPr>
+            <a:normAutofit/>
+          </a:bodyPr>
+          <a:lstStyle/>
+          <a:p>
+            <a:r>
+              <a:rPr lang="en-US" sz="4000" dirty="0">
+                <a:solidFill>
+                  <a:srgbClr val="EA5E46"/>
+                </a:solidFill>
+              </a:rPr>
+              <a:t>Model Data Transformation Breakdown</a:t>
+            </a:r>
+          </a:p>
+        </p:txBody>
+      </p:sp>
+      <p:pic>
+        <p:nvPicPr>
+          <p:cNvPr id="2050" name="Picture 2" descr="Image result for air bnb logo">
+            <a:extLst>
+              <a:ext uri="{FF2B5EF4-FFF2-40B4-BE49-F238E27FC236}">
+                <a16:creationId xmlns:a16="http://schemas.microsoft.com/office/drawing/2014/main" id="{A162C291-208B-BE48-BF44-7D5CD7EF6151}"/>
+              </a:ext>
+            </a:extLst>
+          </p:cNvPr>
+          <p:cNvPicPr>
+            <a:picLocks noChangeAspect="1" noChangeArrowheads="1"/>
+          </p:cNvPicPr>
+          <p:nvPr/>
+        </p:nvPicPr>
+        <p:blipFill>
+          <a:blip r:embed="rId3">
+            <a:extLst>
+              <a:ext uri="{28A0092B-C50C-407E-A947-70E740481C1C}">
+                <a14:useLocalDpi xmlns:a14="http://schemas.microsoft.com/office/drawing/2010/main" val="0"/>
+              </a:ext>
+            </a:extLst>
+          </a:blip>
+          <a:srcRect/>
+          <a:stretch>
+            <a:fillRect/>
+          </a:stretch>
+        </p:blipFill>
+        <p:spPr bwMode="auto">
+          <a:xfrm>
+            <a:off x="1180077" y="108278"/>
+            <a:ext cx="2189605" cy="2022038"/>
+          </a:xfrm>
+          <a:prstGeom prst="rect">
+            <a:avLst/>
+          </a:prstGeom>
+          <a:noFill/>
+          <a:extLst>
+            <a:ext uri="{909E8E84-426E-40DD-AFC4-6F175D3DCCD1}">
+              <a14:hiddenFill xmlns:a14="http://schemas.microsoft.com/office/drawing/2010/main">
+                <a:solidFill>
+                  <a:srgbClr val="FFFFFF"/>
+                </a:solidFill>
+              </a14:hiddenFill>
+            </a:ext>
+          </a:extLst>
+        </p:spPr>
+      </p:pic>
+      <p:cxnSp>
+        <p:nvCxnSpPr>
+          <p:cNvPr id="6" name="Straight Connector 5">
+            <a:extLst>
+              <a:ext uri="{FF2B5EF4-FFF2-40B4-BE49-F238E27FC236}">
+                <a16:creationId xmlns:a16="http://schemas.microsoft.com/office/drawing/2014/main" id="{7D0926DC-6298-B648-9DF9-0D78D09F9FC8}"/>
+              </a:ext>
+            </a:extLst>
+          </p:cNvPr>
+          <p:cNvCxnSpPr>
+            <a:cxnSpLocks/>
+          </p:cNvCxnSpPr>
+          <p:nvPr/>
+        </p:nvCxnSpPr>
+        <p:spPr>
+          <a:xfrm>
+            <a:off x="1625367" y="1684829"/>
+            <a:ext cx="9518745" cy="1"/>
+          </a:xfrm>
+          <a:prstGeom prst="line">
+            <a:avLst/>
+          </a:prstGeom>
+          <a:ln w="12700">
+            <a:solidFill>
+              <a:srgbClr val="EA5E46"/>
+            </a:solidFill>
+          </a:ln>
+        </p:spPr>
+        <p:style>
+          <a:lnRef idx="1">
+            <a:schemeClr val="accent2"/>
+          </a:lnRef>
+          <a:fillRef idx="0">
+            <a:schemeClr val="accent2"/>
+          </a:fillRef>
+          <a:effectRef idx="0">
+            <a:schemeClr val="accent2"/>
+          </a:effectRef>
+          <a:fontRef idx="minor">
+            <a:schemeClr val="tx1"/>
+          </a:fontRef>
+        </p:style>
+      </p:cxnSp>
+      <p:sp>
+        <p:nvSpPr>
+          <p:cNvPr id="5" name="TextBox 4">
+            <a:extLst>
+              <a:ext uri="{FF2B5EF4-FFF2-40B4-BE49-F238E27FC236}">
+                <a16:creationId xmlns:a16="http://schemas.microsoft.com/office/drawing/2014/main" id="{3C66E404-41EF-44AC-ABB8-1EEB513C9DE3}"/>
+              </a:ext>
+            </a:extLst>
+          </p:cNvPr>
+          <p:cNvSpPr txBox="1"/>
+          <p:nvPr/>
+        </p:nvSpPr>
+        <p:spPr>
+          <a:xfrm>
+            <a:off x="946298" y="2022038"/>
+            <a:ext cx="1607959" cy="369332"/>
+          </a:xfrm>
+          <a:prstGeom prst="rect">
+            <a:avLst/>
+          </a:prstGeom>
+          <a:noFill/>
+        </p:spPr>
+        <p:txBody>
+          <a:bodyPr wrap="square" rtlCol="0">
+            <a:spAutoFit/>
+          </a:bodyPr>
+          <a:lstStyle/>
+          <a:p>
+            <a:r>
+              <a:rPr lang="en-US" dirty="0"/>
+              <a:t>Numeric Data </a:t>
+            </a:r>
+            <a:endParaRPr lang="en-CA" dirty="0"/>
+          </a:p>
+        </p:txBody>
+      </p:sp>
+      <p:pic>
+        <p:nvPicPr>
+          <p:cNvPr id="9" name="Picture 8">
+            <a:extLst>
+              <a:ext uri="{FF2B5EF4-FFF2-40B4-BE49-F238E27FC236}">
+                <a16:creationId xmlns:a16="http://schemas.microsoft.com/office/drawing/2014/main" id="{5DFEE87E-C6D3-43BD-B9E3-E4588F1FAE24}"/>
+              </a:ext>
+            </a:extLst>
+          </p:cNvPr>
+          <p:cNvPicPr>
+            <a:picLocks noChangeAspect="1"/>
+          </p:cNvPicPr>
+          <p:nvPr/>
+        </p:nvPicPr>
+        <p:blipFill>
+          <a:blip r:embed="rId4"/>
+          <a:stretch>
+            <a:fillRect/>
+          </a:stretch>
+        </p:blipFill>
+        <p:spPr>
+          <a:xfrm>
+            <a:off x="1002228" y="2467523"/>
+            <a:ext cx="1634193" cy="1360197"/>
+          </a:xfrm>
+          <a:prstGeom prst="rect">
+            <a:avLst/>
+          </a:prstGeom>
+        </p:spPr>
+      </p:pic>
+      <p:sp>
+        <p:nvSpPr>
+          <p:cNvPr id="10" name="Arrow: Right 9">
+            <a:extLst>
+              <a:ext uri="{FF2B5EF4-FFF2-40B4-BE49-F238E27FC236}">
+                <a16:creationId xmlns:a16="http://schemas.microsoft.com/office/drawing/2014/main" id="{CD17D319-9A92-45E9-85CA-D73F4333A977}"/>
+              </a:ext>
+            </a:extLst>
+          </p:cNvPr>
+          <p:cNvSpPr/>
+          <p:nvPr/>
+        </p:nvSpPr>
+        <p:spPr>
+          <a:xfrm>
+            <a:off x="2972835" y="3207881"/>
+            <a:ext cx="552893" cy="352089"/>
+          </a:xfrm>
+          <a:prstGeom prst="rightArrow">
+            <a:avLst/>
+          </a:prstGeom>
+          <a:solidFill>
+            <a:schemeClr val="bg2">
+              <a:lumMod val="75000"/>
+            </a:schemeClr>
+          </a:solidFill>
+          <a:ln>
+            <a:solidFill>
+              <a:schemeClr val="bg2">
+                <a:lumMod val="75000"/>
+              </a:schemeClr>
+            </a:solidFill>
+          </a:ln>
+        </p:spPr>
+        <p:style>
+          <a:lnRef idx="2">
+            <a:schemeClr val="accent1">
+              <a:shade val="50000"/>
+            </a:schemeClr>
+          </a:lnRef>
+          <a:fillRef idx="1">
+            <a:schemeClr val="accent1"/>
+          </a:fillRef>
+          <a:effectRef idx="0">
+            <a:schemeClr val="accent1"/>
+          </a:effectRef>
+          <a:fontRef idx="minor">
+            <a:schemeClr val="lt1"/>
+          </a:fontRef>
+        </p:style>
+        <p:txBody>
+          <a:bodyPr rtlCol="0" anchor="ctr"/>
+          <a:lstStyle/>
+          <a:p>
+            <a:pPr algn="ctr"/>
+            <a:endParaRPr lang="en-CA"/>
+          </a:p>
+        </p:txBody>
+      </p:sp>
+      <p:pic>
+        <p:nvPicPr>
+          <p:cNvPr id="12" name="Picture 11">
+            <a:extLst>
+              <a:ext uri="{FF2B5EF4-FFF2-40B4-BE49-F238E27FC236}">
+                <a16:creationId xmlns:a16="http://schemas.microsoft.com/office/drawing/2014/main" id="{B3919613-C218-4BCD-A86F-E020C1E91AFE}"/>
+              </a:ext>
+            </a:extLst>
+          </p:cNvPr>
+          <p:cNvPicPr>
+            <a:picLocks noChangeAspect="1"/>
+          </p:cNvPicPr>
+          <p:nvPr/>
+        </p:nvPicPr>
+        <p:blipFill>
+          <a:blip r:embed="rId5"/>
+          <a:stretch>
+            <a:fillRect/>
+          </a:stretch>
+        </p:blipFill>
+        <p:spPr>
+          <a:xfrm>
+            <a:off x="8940509" y="2889663"/>
+            <a:ext cx="2509203" cy="1012486"/>
+          </a:xfrm>
+          <a:prstGeom prst="rect">
+            <a:avLst/>
+          </a:prstGeom>
+        </p:spPr>
+      </p:pic>
+      <p:sp>
+        <p:nvSpPr>
+          <p:cNvPr id="13" name="Rectangle 12">
+            <a:extLst>
+              <a:ext uri="{FF2B5EF4-FFF2-40B4-BE49-F238E27FC236}">
+                <a16:creationId xmlns:a16="http://schemas.microsoft.com/office/drawing/2014/main" id="{EDC53F4A-537D-43ED-BF9C-54DB52A0EBE7}"/>
+              </a:ext>
+            </a:extLst>
+          </p:cNvPr>
+          <p:cNvSpPr/>
+          <p:nvPr/>
+        </p:nvSpPr>
+        <p:spPr>
+          <a:xfrm>
+            <a:off x="10313581" y="3430377"/>
+            <a:ext cx="1136131" cy="471771"/>
+          </a:xfrm>
+          <a:prstGeom prst="rect">
+            <a:avLst/>
+          </a:prstGeom>
+          <a:noFill/>
+          <a:ln w="28575">
+            <a:solidFill>
+              <a:srgbClr val="EA6155"/>
+            </a:solidFill>
+          </a:ln>
+        </p:spPr>
+        <p:style>
+          <a:lnRef idx="2">
+            <a:schemeClr val="accent1">
+              <a:shade val="50000"/>
+            </a:schemeClr>
+          </a:lnRef>
+          <a:fillRef idx="1">
+            <a:schemeClr val="accent1"/>
+          </a:fillRef>
+          <a:effectRef idx="0">
+            <a:schemeClr val="accent1"/>
+          </a:effectRef>
+          <a:fontRef idx="minor">
+            <a:schemeClr val="lt1"/>
+          </a:fontRef>
+        </p:style>
+        <p:txBody>
+          <a:bodyPr rtlCol="0" anchor="ctr"/>
+          <a:lstStyle/>
+          <a:p>
+            <a:pPr algn="ctr"/>
+            <a:endParaRPr lang="en-CA"/>
+          </a:p>
+        </p:txBody>
+      </p:sp>
+      <p:sp>
+        <p:nvSpPr>
+          <p:cNvPr id="15" name="Rectangle 14">
+            <a:extLst>
+              <a:ext uri="{FF2B5EF4-FFF2-40B4-BE49-F238E27FC236}">
+                <a16:creationId xmlns:a16="http://schemas.microsoft.com/office/drawing/2014/main" id="{70C16DC1-FC18-471A-987D-87AF15CD5F9B}"/>
+              </a:ext>
+            </a:extLst>
+          </p:cNvPr>
+          <p:cNvSpPr/>
+          <p:nvPr/>
+        </p:nvSpPr>
+        <p:spPr>
+          <a:xfrm>
+            <a:off x="2083528" y="2953488"/>
+            <a:ext cx="552893" cy="874232"/>
+          </a:xfrm>
+          <a:prstGeom prst="rect">
+            <a:avLst/>
+          </a:prstGeom>
+          <a:noFill/>
+          <a:ln w="28575">
+            <a:solidFill>
+              <a:srgbClr val="EA6155"/>
+            </a:solidFill>
+          </a:ln>
+        </p:spPr>
+        <p:style>
+          <a:lnRef idx="2">
+            <a:schemeClr val="accent1">
+              <a:shade val="50000"/>
+            </a:schemeClr>
+          </a:lnRef>
+          <a:fillRef idx="1">
+            <a:schemeClr val="accent1"/>
+          </a:fillRef>
+          <a:effectRef idx="0">
+            <a:schemeClr val="accent1"/>
+          </a:effectRef>
+          <a:fontRef idx="minor">
+            <a:schemeClr val="lt1"/>
+          </a:fontRef>
+        </p:style>
+        <p:txBody>
+          <a:bodyPr rtlCol="0" anchor="ctr"/>
+          <a:lstStyle/>
+          <a:p>
+            <a:pPr algn="ctr"/>
+            <a:endParaRPr lang="en-CA"/>
+          </a:p>
+        </p:txBody>
+      </p:sp>
+      <p:pic>
+        <p:nvPicPr>
+          <p:cNvPr id="16" name="Picture 15">
+            <a:extLst>
+              <a:ext uri="{FF2B5EF4-FFF2-40B4-BE49-F238E27FC236}">
+                <a16:creationId xmlns:a16="http://schemas.microsoft.com/office/drawing/2014/main" id="{19B39FB3-2832-4113-821F-0B5ADFCC607D}"/>
+              </a:ext>
+            </a:extLst>
+          </p:cNvPr>
+          <p:cNvPicPr>
+            <a:picLocks noChangeAspect="1"/>
+          </p:cNvPicPr>
+          <p:nvPr/>
+        </p:nvPicPr>
+        <p:blipFill>
+          <a:blip r:embed="rId6"/>
+          <a:stretch>
+            <a:fillRect/>
+          </a:stretch>
+        </p:blipFill>
+        <p:spPr>
+          <a:xfrm>
+            <a:off x="3862141" y="2953488"/>
+            <a:ext cx="3883183" cy="948661"/>
+          </a:xfrm>
+          <a:prstGeom prst="rect">
+            <a:avLst/>
+          </a:prstGeom>
+        </p:spPr>
+      </p:pic>
+      <p:sp>
+        <p:nvSpPr>
+          <p:cNvPr id="18" name="Arrow: Right 17">
+            <a:extLst>
+              <a:ext uri="{FF2B5EF4-FFF2-40B4-BE49-F238E27FC236}">
+                <a16:creationId xmlns:a16="http://schemas.microsoft.com/office/drawing/2014/main" id="{A3AF85D0-FDA1-4910-8CD4-1F9E27056000}"/>
+              </a:ext>
+            </a:extLst>
+          </p:cNvPr>
+          <p:cNvSpPr/>
+          <p:nvPr/>
+        </p:nvSpPr>
+        <p:spPr>
+          <a:xfrm>
+            <a:off x="8066470" y="3175893"/>
+            <a:ext cx="552893" cy="352089"/>
+          </a:xfrm>
+          <a:prstGeom prst="rightArrow">
+            <a:avLst/>
+          </a:prstGeom>
+          <a:solidFill>
+            <a:schemeClr val="bg2">
+              <a:lumMod val="75000"/>
+            </a:schemeClr>
+          </a:solidFill>
+          <a:ln>
+            <a:solidFill>
+              <a:schemeClr val="bg2">
+                <a:lumMod val="75000"/>
+              </a:schemeClr>
+            </a:solidFill>
+          </a:ln>
+        </p:spPr>
+        <p:style>
+          <a:lnRef idx="2">
+            <a:schemeClr val="accent1">
+              <a:shade val="50000"/>
+            </a:schemeClr>
+          </a:lnRef>
+          <a:fillRef idx="1">
+            <a:schemeClr val="accent1"/>
+          </a:fillRef>
+          <a:effectRef idx="0">
+            <a:schemeClr val="accent1"/>
+          </a:effectRef>
+          <a:fontRef idx="minor">
+            <a:schemeClr val="lt1"/>
+          </a:fontRef>
+        </p:style>
+        <p:txBody>
+          <a:bodyPr rtlCol="0" anchor="ctr"/>
+          <a:lstStyle/>
+          <a:p>
+            <a:pPr algn="ctr"/>
+            <a:endParaRPr lang="en-CA"/>
+          </a:p>
+        </p:txBody>
+      </p:sp>
+    </p:spTree>
+    <p:extLst>
+      <p:ext uri="{BB962C8B-B14F-4D97-AF65-F5344CB8AC3E}">
+        <p14:creationId xmlns:p14="http://schemas.microsoft.com/office/powerpoint/2010/main" val="1946509034"/>
+      </p:ext>
+    </p:extLst>
+  </p:cSld>
+  <p:clrMapOvr>
+    <a:masterClrMapping/>
+  </p:clrMapOvr>
+</p:sld>
+</file>
+
+<file path=ppt/slides/slide4.xml><?xml version="1.0" encoding="utf-8"?>
+<p:sld xmlns:a="http://schemas.openxmlformats.org/drawingml/2006/main" xmlns:r="http://schemas.openxmlformats.org/officeDocument/2006/relationships" xmlns:p="http://schemas.openxmlformats.org/presentationml/2006/main">
+  <p:cSld>
+    <p:spTree>
+      <p:nvGrpSpPr>
+        <p:cNvPr id="1" name=""/>
+        <p:cNvGrpSpPr/>
+        <p:nvPr/>
+      </p:nvGrpSpPr>
+      <p:grpSpPr>
+        <a:xfrm>
+          <a:off x="0" y="0"/>
+          <a:ext cx="0" cy="0"/>
+          <a:chOff x="0" y="0"/>
+          <a:chExt cx="0" cy="0"/>
+        </a:xfrm>
+      </p:grpSpPr>
+      <p:sp>
+        <p:nvSpPr>
+          <p:cNvPr id="2" name="Title 1">
+            <a:extLst>
+              <a:ext uri="{FF2B5EF4-FFF2-40B4-BE49-F238E27FC236}">
+                <a16:creationId xmlns:a16="http://schemas.microsoft.com/office/drawing/2014/main" id="{59B8B577-5676-3C4B-A107-E41DB331FD85}"/>
+              </a:ext>
+            </a:extLst>
+          </p:cNvPr>
+          <p:cNvSpPr>
+            <a:spLocks noGrp="1"/>
+          </p:cNvSpPr>
+          <p:nvPr>
+            <p:ph type="title"/>
+          </p:nvPr>
+        </p:nvSpPr>
+        <p:spPr>
+          <a:xfrm>
+            <a:off x="4272238" y="588197"/>
+            <a:ext cx="10515600" cy="1325563"/>
+          </a:xfrm>
+        </p:spPr>
+        <p:txBody>
+          <a:bodyPr/>
+          <a:lstStyle/>
+          <a:p>
+            <a:r>
+              <a:rPr lang="en-US" dirty="0">
+                <a:solidFill>
+                  <a:srgbClr val="EA5E46"/>
+                </a:solidFill>
+              </a:rPr>
+              <a:t>Model Data Transformation</a:t>
+            </a:r>
+          </a:p>
+        </p:txBody>
+      </p:sp>
+      <p:pic>
+        <p:nvPicPr>
+          <p:cNvPr id="2050" name="Picture 2" descr="Image result for air bnb logo">
+            <a:extLst>
+              <a:ext uri="{FF2B5EF4-FFF2-40B4-BE49-F238E27FC236}">
+                <a16:creationId xmlns:a16="http://schemas.microsoft.com/office/drawing/2014/main" id="{A162C291-208B-BE48-BF44-7D5CD7EF6151}"/>
+              </a:ext>
+            </a:extLst>
+          </p:cNvPr>
+          <p:cNvPicPr>
+            <a:picLocks noChangeAspect="1" noChangeArrowheads="1"/>
+          </p:cNvPicPr>
+          <p:nvPr/>
+        </p:nvPicPr>
+        <p:blipFill>
+          <a:blip r:embed="rId3">
+            <a:extLst>
+              <a:ext uri="{28A0092B-C50C-407E-A947-70E740481C1C}">
+                <a14:useLocalDpi xmlns:a14="http://schemas.microsoft.com/office/drawing/2010/main" val="0"/>
+              </a:ext>
+            </a:extLst>
+          </a:blip>
+          <a:srcRect/>
+          <a:stretch>
+            <a:fillRect/>
+          </a:stretch>
+        </p:blipFill>
+        <p:spPr bwMode="auto">
+          <a:xfrm>
+            <a:off x="2082633" y="0"/>
+            <a:ext cx="2189605" cy="2022038"/>
+          </a:xfrm>
+          <a:prstGeom prst="rect">
+            <a:avLst/>
+          </a:prstGeom>
+          <a:noFill/>
+          <a:extLst>
+            <a:ext uri="{909E8E84-426E-40DD-AFC4-6F175D3DCCD1}">
+              <a14:hiddenFill xmlns:a14="http://schemas.microsoft.com/office/drawing/2010/main">
+                <a:solidFill>
+                  <a:srgbClr val="FFFFFF"/>
+                </a:solidFill>
+              </a14:hiddenFill>
+            </a:ext>
+          </a:extLst>
+        </p:spPr>
+      </p:pic>
+      <p:cxnSp>
+        <p:nvCxnSpPr>
+          <p:cNvPr id="6" name="Straight Connector 5">
+            <a:extLst>
+              <a:ext uri="{FF2B5EF4-FFF2-40B4-BE49-F238E27FC236}">
+                <a16:creationId xmlns:a16="http://schemas.microsoft.com/office/drawing/2014/main" id="{7D0926DC-6298-B648-9DF9-0D78D09F9FC8}"/>
+              </a:ext>
+            </a:extLst>
+          </p:cNvPr>
+          <p:cNvCxnSpPr>
+            <a:cxnSpLocks/>
+          </p:cNvCxnSpPr>
+          <p:nvPr/>
+        </p:nvCxnSpPr>
+        <p:spPr>
+          <a:xfrm>
+            <a:off x="2526110" y="1576551"/>
+            <a:ext cx="9518745" cy="1"/>
+          </a:xfrm>
+          <a:prstGeom prst="line">
+            <a:avLst/>
+          </a:prstGeom>
+          <a:ln w="12700">
+            <a:solidFill>
+              <a:srgbClr val="EA5E46"/>
+            </a:solidFill>
+          </a:ln>
+        </p:spPr>
+        <p:style>
+          <a:lnRef idx="1">
+            <a:schemeClr val="accent2"/>
+          </a:lnRef>
+          <a:fillRef idx="0">
+            <a:schemeClr val="accent2"/>
+          </a:fillRef>
+          <a:effectRef idx="0">
+            <a:schemeClr val="accent2"/>
+          </a:effectRef>
+          <a:fontRef idx="minor">
+            <a:schemeClr val="tx1"/>
+          </a:fontRef>
+        </p:style>
+      </p:cxnSp>
+    </p:spTree>
+    <p:extLst>
+      <p:ext uri="{BB962C8B-B14F-4D97-AF65-F5344CB8AC3E}">
+        <p14:creationId xmlns:p14="http://schemas.microsoft.com/office/powerpoint/2010/main" val="46653007"/>
+      </p:ext>
+    </p:extLst>
+  </p:cSld>
+  <p:clrMapOvr>
+    <a:masterClrMapping/>
+  </p:clrMapOvr>
+</p:sld>
+</file>
+
+<file path=ppt/slides/slide5.xml><?xml version="1.0" encoding="utf-8"?>
+<p:sld xmlns:a="http://schemas.openxmlformats.org/drawingml/2006/main" xmlns:r="http://schemas.openxmlformats.org/officeDocument/2006/relationships" xmlns:p="http://schemas.openxmlformats.org/presentationml/2006/main">
+  <p:cSld>
+    <p:spTree>
+      <p:nvGrpSpPr>
+        <p:cNvPr id="1" name=""/>
+        <p:cNvGrpSpPr/>
+        <p:nvPr/>
+      </p:nvGrpSpPr>
+      <p:grpSpPr>
+        <a:xfrm>
+          <a:off x="0" y="0"/>
+          <a:ext cx="0" cy="0"/>
+          <a:chOff x="0" y="0"/>
+          <a:chExt cx="0" cy="0"/>
+        </a:xfrm>
+      </p:grpSpPr>
+      <p:sp>
+        <p:nvSpPr>
+          <p:cNvPr id="2" name="Title 1">
+            <a:extLst>
+              <a:ext uri="{FF2B5EF4-FFF2-40B4-BE49-F238E27FC236}">
+                <a16:creationId xmlns:a16="http://schemas.microsoft.com/office/drawing/2014/main" id="{59B8B577-5676-3C4B-A107-E41DB331FD85}"/>
+              </a:ext>
+            </a:extLst>
+          </p:cNvPr>
+          <p:cNvSpPr>
+            <a:spLocks noGrp="1"/>
+          </p:cNvSpPr>
+          <p:nvPr>
+            <p:ph type="title"/>
+          </p:nvPr>
+        </p:nvSpPr>
+        <p:spPr>
+          <a:xfrm>
+            <a:off x="4272238" y="588197"/>
+            <a:ext cx="10515600" cy="1325563"/>
+          </a:xfrm>
+        </p:spPr>
+        <p:txBody>
+          <a:bodyPr/>
+          <a:lstStyle/>
+          <a:p>
+            <a:r>
+              <a:rPr lang="en-US" dirty="0">
+                <a:solidFill>
+                  <a:srgbClr val="EA5E46"/>
+                </a:solidFill>
+              </a:rPr>
+              <a:t>Model Challenges</a:t>
+            </a:r>
+          </a:p>
+        </p:txBody>
+      </p:sp>
+      <p:pic>
+        <p:nvPicPr>
+          <p:cNvPr id="2050" name="Picture 2" descr="Image result for air bnb logo">
+            <a:extLst>
+              <a:ext uri="{FF2B5EF4-FFF2-40B4-BE49-F238E27FC236}">
+                <a16:creationId xmlns:a16="http://schemas.microsoft.com/office/drawing/2014/main" id="{A162C291-208B-BE48-BF44-7D5CD7EF6151}"/>
+              </a:ext>
+            </a:extLst>
+          </p:cNvPr>
+          <p:cNvPicPr>
+            <a:picLocks noChangeAspect="1" noChangeArrowheads="1"/>
+          </p:cNvPicPr>
+          <p:nvPr/>
+        </p:nvPicPr>
+        <p:blipFill>
+          <a:blip r:embed="rId3">
+            <a:extLst>
+              <a:ext uri="{28A0092B-C50C-407E-A947-70E740481C1C}">
+                <a14:useLocalDpi xmlns:a14="http://schemas.microsoft.com/office/drawing/2010/main" val="0"/>
+              </a:ext>
+            </a:extLst>
+          </a:blip>
+          <a:srcRect/>
+          <a:stretch>
+            <a:fillRect/>
+          </a:stretch>
+        </p:blipFill>
+        <p:spPr bwMode="auto">
+          <a:xfrm>
+            <a:off x="2080820" y="0"/>
+            <a:ext cx="2189605" cy="2022038"/>
+          </a:xfrm>
+          <a:prstGeom prst="rect">
+            <a:avLst/>
+          </a:prstGeom>
+          <a:noFill/>
+          <a:extLst>
+            <a:ext uri="{909E8E84-426E-40DD-AFC4-6F175D3DCCD1}">
+              <a14:hiddenFill xmlns:a14="http://schemas.microsoft.com/office/drawing/2010/main">
+                <a:solidFill>
+                  <a:srgbClr val="FFFFFF"/>
+                </a:solidFill>
+              </a14:hiddenFill>
+            </a:ext>
+          </a:extLst>
+        </p:spPr>
+      </p:pic>
+      <p:cxnSp>
+        <p:nvCxnSpPr>
+          <p:cNvPr id="6" name="Straight Connector 5">
+            <a:extLst>
+              <a:ext uri="{FF2B5EF4-FFF2-40B4-BE49-F238E27FC236}">
+                <a16:creationId xmlns:a16="http://schemas.microsoft.com/office/drawing/2014/main" id="{7D0926DC-6298-B648-9DF9-0D78D09F9FC8}"/>
+              </a:ext>
+            </a:extLst>
+          </p:cNvPr>
+          <p:cNvCxnSpPr>
+            <a:cxnSpLocks/>
+          </p:cNvCxnSpPr>
+          <p:nvPr/>
+        </p:nvCxnSpPr>
+        <p:spPr>
+          <a:xfrm>
+            <a:off x="2526110" y="1576551"/>
+            <a:ext cx="9518745" cy="1"/>
+          </a:xfrm>
+          <a:prstGeom prst="line">
+            <a:avLst/>
+          </a:prstGeom>
+          <a:ln w="12700">
+            <a:solidFill>
+              <a:srgbClr val="EA5E46"/>
+            </a:solidFill>
+          </a:ln>
+        </p:spPr>
+        <p:style>
+          <a:lnRef idx="1">
+            <a:schemeClr val="accent2"/>
+          </a:lnRef>
+          <a:fillRef idx="0">
+            <a:schemeClr val="accent2"/>
+          </a:fillRef>
+          <a:effectRef idx="0">
+            <a:schemeClr val="accent2"/>
+          </a:effectRef>
+          <a:fontRef idx="minor">
+            <a:schemeClr val="tx1"/>
+          </a:fontRef>
+        </p:style>
+      </p:cxnSp>
+    </p:spTree>
+    <p:extLst>
+      <p:ext uri="{BB962C8B-B14F-4D97-AF65-F5344CB8AC3E}">
+        <p14:creationId xmlns:p14="http://schemas.microsoft.com/office/powerpoint/2010/main" val="2243286875"/>
+      </p:ext>
+    </p:extLst>
+  </p:cSld>
+  <p:clrMapOvr>
+    <a:masterClrMapping/>
+  </p:clrMapOvr>
+</p:sld>
+</file>
+
+<file path=ppt/slides/slide6.xml><?xml version="1.0" encoding="utf-8"?>
+<p:sld xmlns:a="http://schemas.openxmlformats.org/drawingml/2006/main" xmlns:r="http://schemas.openxmlformats.org/officeDocument/2006/relationships" xmlns:p="http://schemas.openxmlformats.org/presentationml/2006/main">
+  <p:cSld>
+    <p:spTree>
+      <p:nvGrpSpPr>
+        <p:cNvPr id="1" name=""/>
+        <p:cNvGrpSpPr/>
+        <p:nvPr/>
+      </p:nvGrpSpPr>
+      <p:grpSpPr>
+        <a:xfrm>
+          <a:off x="0" y="0"/>
+          <a:ext cx="0" cy="0"/>
+          <a:chOff x="0" y="0"/>
+          <a:chExt cx="0" cy="0"/>
+        </a:xfrm>
+      </p:grpSpPr>
+      <p:sp>
+        <p:nvSpPr>
+          <p:cNvPr id="2" name="Title 1">
+            <a:extLst>
+              <a:ext uri="{FF2B5EF4-FFF2-40B4-BE49-F238E27FC236}">
+                <a16:creationId xmlns:a16="http://schemas.microsoft.com/office/drawing/2014/main" id="{59B8B577-5676-3C4B-A107-E41DB331FD85}"/>
+              </a:ext>
+            </a:extLst>
+          </p:cNvPr>
+          <p:cNvSpPr>
+            <a:spLocks noGrp="1"/>
+          </p:cNvSpPr>
+          <p:nvPr>
+            <p:ph type="title"/>
+          </p:nvPr>
+        </p:nvSpPr>
+        <p:spPr>
+          <a:xfrm>
+            <a:off x="4123382" y="513769"/>
+            <a:ext cx="10515600" cy="1325563"/>
+          </a:xfrm>
+        </p:spPr>
+        <p:txBody>
+          <a:bodyPr/>
+          <a:lstStyle/>
+          <a:p>
+            <a:r>
+              <a:rPr lang="en-US" dirty="0">
+                <a:solidFill>
+                  <a:srgbClr val="EA5E46"/>
+                </a:solidFill>
+              </a:rPr>
+              <a:t>Model Findings – Price Correlation</a:t>
+            </a:r>
+          </a:p>
+        </p:txBody>
+      </p:sp>
+      <p:pic>
+        <p:nvPicPr>
+          <p:cNvPr id="2050" name="Picture 2" descr="Image result for air bnb logo">
+            <a:extLst>
+              <a:ext uri="{FF2B5EF4-FFF2-40B4-BE49-F238E27FC236}">
+                <a16:creationId xmlns:a16="http://schemas.microsoft.com/office/drawing/2014/main" id="{A162C291-208B-BE48-BF44-7D5CD7EF6151}"/>
+              </a:ext>
+            </a:extLst>
+          </p:cNvPr>
+          <p:cNvPicPr>
+            <a:picLocks noChangeAspect="1" noChangeArrowheads="1"/>
+          </p:cNvPicPr>
+          <p:nvPr/>
+        </p:nvPicPr>
+        <p:blipFill>
+          <a:blip r:embed="rId3">
+            <a:extLst>
+              <a:ext uri="{28A0092B-C50C-407E-A947-70E740481C1C}">
+                <a14:useLocalDpi xmlns:a14="http://schemas.microsoft.com/office/drawing/2010/main" val="0"/>
+              </a:ext>
+            </a:extLst>
+          </a:blip>
+          <a:srcRect/>
+          <a:stretch>
+            <a:fillRect/>
+          </a:stretch>
+        </p:blipFill>
+        <p:spPr bwMode="auto">
+          <a:xfrm>
+            <a:off x="2080820" y="0"/>
+            <a:ext cx="2189605" cy="2022038"/>
+          </a:xfrm>
+          <a:prstGeom prst="rect">
+            <a:avLst/>
+          </a:prstGeom>
+          <a:noFill/>
+          <a:extLst>
+            <a:ext uri="{909E8E84-426E-40DD-AFC4-6F175D3DCCD1}">
+              <a14:hiddenFill xmlns:a14="http://schemas.microsoft.com/office/drawing/2010/main">
+                <a:solidFill>
+                  <a:srgbClr val="FFFFFF"/>
+                </a:solidFill>
+              </a14:hiddenFill>
+            </a:ext>
+          </a:extLst>
+        </p:spPr>
+      </p:pic>
+      <p:cxnSp>
+        <p:nvCxnSpPr>
+          <p:cNvPr id="6" name="Straight Connector 5">
+            <a:extLst>
+              <a:ext uri="{FF2B5EF4-FFF2-40B4-BE49-F238E27FC236}">
+                <a16:creationId xmlns:a16="http://schemas.microsoft.com/office/drawing/2014/main" id="{7D0926DC-6298-B648-9DF9-0D78D09F9FC8}"/>
+              </a:ext>
+            </a:extLst>
+          </p:cNvPr>
+          <p:cNvCxnSpPr>
+            <a:cxnSpLocks/>
+          </p:cNvCxnSpPr>
+          <p:nvPr/>
+        </p:nvCxnSpPr>
+        <p:spPr>
+          <a:xfrm>
+            <a:off x="2526110" y="1576551"/>
+            <a:ext cx="9518745" cy="1"/>
+          </a:xfrm>
+          <a:prstGeom prst="line">
+            <a:avLst/>
+          </a:prstGeom>
+          <a:ln w="12700">
+            <a:solidFill>
+              <a:srgbClr val="EA5E46"/>
+            </a:solidFill>
+          </a:ln>
+        </p:spPr>
+        <p:style>
+          <a:lnRef idx="1">
+            <a:schemeClr val="accent2"/>
+          </a:lnRef>
+          <a:fillRef idx="0">
+            <a:schemeClr val="accent2"/>
+          </a:fillRef>
+          <a:effectRef idx="0">
+            <a:schemeClr val="accent2"/>
+          </a:effectRef>
+          <a:fontRef idx="minor">
+            <a:schemeClr val="tx1"/>
+          </a:fontRef>
+        </p:style>
+      </p:cxnSp>
+    </p:spTree>
+    <p:extLst>
+      <p:ext uri="{BB962C8B-B14F-4D97-AF65-F5344CB8AC3E}">
+        <p14:creationId xmlns:p14="http://schemas.microsoft.com/office/powerpoint/2010/main" val="191879790"/>
+      </p:ext>
+    </p:extLst>
+  </p:cSld>
+  <p:clrMapOvr>
+    <a:masterClrMapping/>
+  </p:clrMapOvr>
+</p:sld>
+</file>
+
+<file path=ppt/slides/slide7.xml><?xml version="1.0" encoding="utf-8"?>
+<p:sld xmlns:a="http://schemas.openxmlformats.org/drawingml/2006/main" xmlns:r="http://schemas.openxmlformats.org/officeDocument/2006/relationships" xmlns:p="http://schemas.openxmlformats.org/presentationml/2006/main">
+  <p:cSld>
+    <p:spTree>
+      <p:nvGrpSpPr>
+        <p:cNvPr id="1" name=""/>
+        <p:cNvGrpSpPr/>
+        <p:nvPr/>
+      </p:nvGrpSpPr>
+      <p:grpSpPr>
+        <a:xfrm>
+          <a:off x="0" y="0"/>
+          <a:ext cx="0" cy="0"/>
+          <a:chOff x="0" y="0"/>
+          <a:chExt cx="0" cy="0"/>
+        </a:xfrm>
+      </p:grpSpPr>
+      <p:sp>
+        <p:nvSpPr>
+          <p:cNvPr id="2" name="Title 1">
+            <a:extLst>
+              <a:ext uri="{FF2B5EF4-FFF2-40B4-BE49-F238E27FC236}">
+                <a16:creationId xmlns:a16="http://schemas.microsoft.com/office/drawing/2014/main" id="{59B8B577-5676-3C4B-A107-E41DB331FD85}"/>
+              </a:ext>
+            </a:extLst>
+          </p:cNvPr>
+          <p:cNvSpPr>
+            <a:spLocks noGrp="1"/>
+          </p:cNvSpPr>
+          <p:nvPr>
+            <p:ph type="title"/>
+          </p:nvPr>
+        </p:nvSpPr>
+        <p:spPr>
+          <a:xfrm>
+            <a:off x="4272238" y="588197"/>
+            <a:ext cx="10515600" cy="1325563"/>
+          </a:xfrm>
+        </p:spPr>
+        <p:txBody>
+          <a:bodyPr/>
+          <a:lstStyle/>
+          <a:p>
+            <a:r>
+              <a:rPr lang="en-US" dirty="0">
+                <a:solidFill>
+                  <a:srgbClr val="EA5E46"/>
+                </a:solidFill>
+              </a:rPr>
+              <a:t>Model Findings – Features </a:t>
+            </a:r>
+          </a:p>
+        </p:txBody>
+      </p:sp>
+      <p:pic>
+        <p:nvPicPr>
+          <p:cNvPr id="2050" name="Picture 2" descr="Image result for air bnb logo">
+            <a:extLst>
+              <a:ext uri="{FF2B5EF4-FFF2-40B4-BE49-F238E27FC236}">
+                <a16:creationId xmlns:a16="http://schemas.microsoft.com/office/drawing/2014/main" id="{A162C291-208B-BE48-BF44-7D5CD7EF6151}"/>
+              </a:ext>
+            </a:extLst>
+          </p:cNvPr>
+          <p:cNvPicPr>
+            <a:picLocks noChangeAspect="1" noChangeArrowheads="1"/>
+          </p:cNvPicPr>
+          <p:nvPr/>
+        </p:nvPicPr>
+        <p:blipFill>
+          <a:blip r:embed="rId3">
+            <a:extLst>
+              <a:ext uri="{28A0092B-C50C-407E-A947-70E740481C1C}">
+                <a14:useLocalDpi xmlns:a14="http://schemas.microsoft.com/office/drawing/2010/main" val="0"/>
+              </a:ext>
+            </a:extLst>
+          </a:blip>
+          <a:srcRect/>
+          <a:stretch>
+            <a:fillRect/>
+          </a:stretch>
+        </p:blipFill>
+        <p:spPr bwMode="auto">
+          <a:xfrm>
+            <a:off x="2080820" y="0"/>
+            <a:ext cx="2189605" cy="2022038"/>
+          </a:xfrm>
+          <a:prstGeom prst="rect">
+            <a:avLst/>
+          </a:prstGeom>
+          <a:noFill/>
+          <a:extLst>
+            <a:ext uri="{909E8E84-426E-40DD-AFC4-6F175D3DCCD1}">
+              <a14:hiddenFill xmlns:a14="http://schemas.microsoft.com/office/drawing/2010/main">
+                <a:solidFill>
+                  <a:srgbClr val="FFFFFF"/>
+                </a:solidFill>
+              </a14:hiddenFill>
+            </a:ext>
+          </a:extLst>
+        </p:spPr>
+      </p:pic>
+      <p:cxnSp>
+        <p:nvCxnSpPr>
+          <p:cNvPr id="6" name="Straight Connector 5">
+            <a:extLst>
+              <a:ext uri="{FF2B5EF4-FFF2-40B4-BE49-F238E27FC236}">
+                <a16:creationId xmlns:a16="http://schemas.microsoft.com/office/drawing/2014/main" id="{7D0926DC-6298-B648-9DF9-0D78D09F9FC8}"/>
+              </a:ext>
+            </a:extLst>
+          </p:cNvPr>
+          <p:cNvCxnSpPr>
+            <a:cxnSpLocks/>
+          </p:cNvCxnSpPr>
+          <p:nvPr/>
+        </p:nvCxnSpPr>
+        <p:spPr>
+          <a:xfrm>
+            <a:off x="2526110" y="1576551"/>
+            <a:ext cx="9518745" cy="1"/>
+          </a:xfrm>
+          <a:prstGeom prst="line">
+            <a:avLst/>
+          </a:prstGeom>
+          <a:ln w="12700">
+            <a:solidFill>
+              <a:srgbClr val="EA5E46"/>
+            </a:solidFill>
+          </a:ln>
+        </p:spPr>
+        <p:style>
+          <a:lnRef idx="1">
+            <a:schemeClr val="accent2"/>
+          </a:lnRef>
+          <a:fillRef idx="0">
+            <a:schemeClr val="accent2"/>
+          </a:fillRef>
+          <a:effectRef idx="0">
+            <a:schemeClr val="accent2"/>
+          </a:effectRef>
+          <a:fontRef idx="minor">
+            <a:schemeClr val="tx1"/>
+          </a:fontRef>
+        </p:style>
+      </p:cxnSp>
+    </p:spTree>
+    <p:extLst>
+      <p:ext uri="{BB962C8B-B14F-4D97-AF65-F5344CB8AC3E}">
+        <p14:creationId xmlns:p14="http://schemas.microsoft.com/office/powerpoint/2010/main" val="2072027101"/>
+      </p:ext>
+    </p:extLst>
+  </p:cSld>
+  <p:clrMapOvr>
+    <a:masterClrMapping/>
+  </p:clrMapOvr>
+</p:sld>
+</file>
+
+<file path=ppt/slides/slide8.xml><?xml version="1.0" encoding="utf-8"?>
+<p:sld xmlns:a="http://schemas.openxmlformats.org/drawingml/2006/main" xmlns:r="http://schemas.openxmlformats.org/officeDocument/2006/relationships" xmlns:p="http://schemas.openxmlformats.org/presentationml/2006/main">
+  <p:cSld>
+    <p:spTree>
+      <p:nvGrpSpPr>
+        <p:cNvPr id="1" name=""/>
+        <p:cNvGrpSpPr/>
+        <p:nvPr/>
+      </p:nvGrpSpPr>
+      <p:grpSpPr>
+        <a:xfrm>
+          <a:off x="0" y="0"/>
+          <a:ext cx="0" cy="0"/>
+          <a:chOff x="0" y="0"/>
+          <a:chExt cx="0" cy="0"/>
+        </a:xfrm>
+      </p:grpSpPr>
+      <p:sp>
+        <p:nvSpPr>
+          <p:cNvPr id="2" name="Title 1">
+            <a:extLst>
+              <a:ext uri="{FF2B5EF4-FFF2-40B4-BE49-F238E27FC236}">
+                <a16:creationId xmlns:a16="http://schemas.microsoft.com/office/drawing/2014/main" id="{59B8B577-5676-3C4B-A107-E41DB331FD85}"/>
+              </a:ext>
+            </a:extLst>
+          </p:cNvPr>
+          <p:cNvSpPr>
+            <a:spLocks noGrp="1"/>
+          </p:cNvSpPr>
+          <p:nvPr>
+            <p:ph type="title"/>
+          </p:nvPr>
+        </p:nvSpPr>
+        <p:spPr>
+          <a:xfrm>
+            <a:off x="4272238" y="588197"/>
+            <a:ext cx="10515600" cy="1325563"/>
+          </a:xfrm>
+        </p:spPr>
+        <p:txBody>
+          <a:bodyPr>
+            <a:normAutofit/>
+          </a:bodyPr>
+          <a:lstStyle/>
+          <a:p>
+            <a:r>
+              <a:rPr lang="en-US" sz="4000" dirty="0">
+                <a:solidFill>
+                  <a:srgbClr val="EA5E46"/>
+                </a:solidFill>
+              </a:rPr>
+              <a:t>Model Findings – Nearest </a:t>
+            </a:r>
+            <a:r>
+              <a:rPr lang="en-US" sz="4000" dirty="0" err="1">
+                <a:solidFill>
+                  <a:srgbClr val="EA5E46"/>
+                </a:solidFill>
+              </a:rPr>
+              <a:t>Neighbour</a:t>
+            </a:r>
+            <a:endParaRPr lang="en-US" sz="4000" dirty="0">
+              <a:solidFill>
+                <a:srgbClr val="EA5E46"/>
+              </a:solidFill>
+            </a:endParaRPr>
+          </a:p>
+        </p:txBody>
+      </p:sp>
+      <p:pic>
+        <p:nvPicPr>
+          <p:cNvPr id="2050" name="Picture 2" descr="Image result for air bnb logo">
+            <a:extLst>
+              <a:ext uri="{FF2B5EF4-FFF2-40B4-BE49-F238E27FC236}">
+                <a16:creationId xmlns:a16="http://schemas.microsoft.com/office/drawing/2014/main" id="{A162C291-208B-BE48-BF44-7D5CD7EF6151}"/>
+              </a:ext>
+            </a:extLst>
+          </p:cNvPr>
+          <p:cNvPicPr>
+            <a:picLocks noChangeAspect="1" noChangeArrowheads="1"/>
+          </p:cNvPicPr>
+          <p:nvPr/>
+        </p:nvPicPr>
+        <p:blipFill>
+          <a:blip r:embed="rId3">
+            <a:extLst>
+              <a:ext uri="{28A0092B-C50C-407E-A947-70E740481C1C}">
+                <a14:useLocalDpi xmlns:a14="http://schemas.microsoft.com/office/drawing/2010/main" val="0"/>
+              </a:ext>
+            </a:extLst>
+          </a:blip>
+          <a:srcRect/>
+          <a:stretch>
+            <a:fillRect/>
+          </a:stretch>
+        </p:blipFill>
+        <p:spPr bwMode="auto">
+          <a:xfrm>
+            <a:off x="2080820" y="0"/>
+            <a:ext cx="2189605" cy="2022038"/>
+          </a:xfrm>
+          <a:prstGeom prst="rect">
+            <a:avLst/>
+          </a:prstGeom>
+          <a:noFill/>
+          <a:extLst>
+            <a:ext uri="{909E8E84-426E-40DD-AFC4-6F175D3DCCD1}">
+              <a14:hiddenFill xmlns:a14="http://schemas.microsoft.com/office/drawing/2010/main">
+                <a:solidFill>
+                  <a:srgbClr val="FFFFFF"/>
+                </a:solidFill>
+              </a14:hiddenFill>
+            </a:ext>
+          </a:extLst>
+        </p:spPr>
+      </p:pic>
+      <p:cxnSp>
+        <p:nvCxnSpPr>
+          <p:cNvPr id="6" name="Straight Connector 5">
+            <a:extLst>
+              <a:ext uri="{FF2B5EF4-FFF2-40B4-BE49-F238E27FC236}">
+                <a16:creationId xmlns:a16="http://schemas.microsoft.com/office/drawing/2014/main" id="{7D0926DC-6298-B648-9DF9-0D78D09F9FC8}"/>
+              </a:ext>
+            </a:extLst>
+          </p:cNvPr>
+          <p:cNvCxnSpPr>
+            <a:cxnSpLocks/>
+          </p:cNvCxnSpPr>
+          <p:nvPr/>
+        </p:nvCxnSpPr>
+        <p:spPr>
+          <a:xfrm>
+            <a:off x="2526110" y="1576551"/>
+            <a:ext cx="9518745" cy="1"/>
+          </a:xfrm>
+          <a:prstGeom prst="line">
+            <a:avLst/>
+          </a:prstGeom>
+          <a:ln w="12700">
+            <a:solidFill>
+              <a:srgbClr val="EA5E46"/>
+            </a:solidFill>
+          </a:ln>
+        </p:spPr>
+        <p:style>
+          <a:lnRef idx="1">
+            <a:schemeClr val="accent2"/>
+          </a:lnRef>
+          <a:fillRef idx="0">
+            <a:schemeClr val="accent2"/>
+          </a:fillRef>
+          <a:effectRef idx="0">
+            <a:schemeClr val="accent2"/>
+          </a:effectRef>
+          <a:fontRef idx="minor">
+            <a:schemeClr val="tx1"/>
+          </a:fontRef>
+        </p:style>
+      </p:cxnSp>
+    </p:spTree>
+    <p:extLst>
+      <p:ext uri="{BB962C8B-B14F-4D97-AF65-F5344CB8AC3E}">
+        <p14:creationId xmlns:p14="http://schemas.microsoft.com/office/powerpoint/2010/main" val="1701961482"/>
+      </p:ext>
+    </p:extLst>
+  </p:cSld>
+  <p:clrMapOvr>
+    <a:masterClrMapping/>
+  </p:clrMapOvr>
+</p:sld>
+</file>
+
+<file path=ppt/slides/slide9.xml><?xml version="1.0" encoding="utf-8"?>
+<p:sld xmlns:a="http://schemas.openxmlformats.org/drawingml/2006/main" xmlns:r="http://schemas.openxmlformats.org/officeDocument/2006/relationships" xmlns:p="http://schemas.openxmlformats.org/presentationml/2006/main">
+  <p:cSld>
+    <p:spTree>
+      <p:nvGrpSpPr>
+        <p:cNvPr id="1" name=""/>
+        <p:cNvGrpSpPr/>
+        <p:nvPr/>
+      </p:nvGrpSpPr>
+      <p:grpSpPr>
+        <a:xfrm>
+          <a:off x="0" y="0"/>
+          <a:ext cx="0" cy="0"/>
+          <a:chOff x="0" y="0"/>
+          <a:chExt cx="0" cy="0"/>
+        </a:xfrm>
+      </p:grpSpPr>
+      <p:sp>
+        <p:nvSpPr>
+          <p:cNvPr id="2" name="Title 1">
+            <a:extLst>
+              <a:ext uri="{FF2B5EF4-FFF2-40B4-BE49-F238E27FC236}">
+                <a16:creationId xmlns:a16="http://schemas.microsoft.com/office/drawing/2014/main" id="{59B8B577-5676-3C4B-A107-E41DB331FD85}"/>
+              </a:ext>
+            </a:extLst>
+          </p:cNvPr>
+          <p:cNvSpPr>
+            <a:spLocks noGrp="1"/>
+          </p:cNvSpPr>
+          <p:nvPr>
+            <p:ph type="title"/>
+          </p:nvPr>
+        </p:nvSpPr>
+        <p:spPr>
+          <a:xfrm>
+            <a:off x="4272238" y="588197"/>
+            <a:ext cx="10515600" cy="1325563"/>
+          </a:xfrm>
+        </p:spPr>
+        <p:txBody>
+          <a:bodyPr>
+            <a:normAutofit/>
+          </a:bodyPr>
+          <a:lstStyle/>
+          <a:p>
+            <a:r>
+              <a:rPr lang="en-US" sz="4000" dirty="0">
+                <a:solidFill>
+                  <a:srgbClr val="EA5E46"/>
+                </a:solidFill>
+              </a:rPr>
+              <a:t>Model Findings – Trends &amp; Seasonality</a:t>
+            </a:r>
+          </a:p>
+        </p:txBody>
+      </p:sp>
+      <p:pic>
+        <p:nvPicPr>
+          <p:cNvPr id="2050" name="Picture 2" descr="Image result for air bnb logo">
+            <a:extLst>
+              <a:ext uri="{FF2B5EF4-FFF2-40B4-BE49-F238E27FC236}">
+                <a16:creationId xmlns:a16="http://schemas.microsoft.com/office/drawing/2014/main" id="{A162C291-208B-BE48-BF44-7D5CD7EF6151}"/>
+              </a:ext>
+            </a:extLst>
+          </p:cNvPr>
+          <p:cNvPicPr>
+            <a:picLocks noChangeAspect="1" noChangeArrowheads="1"/>
+          </p:cNvPicPr>
+          <p:nvPr/>
+        </p:nvPicPr>
+        <p:blipFill>
+          <a:blip r:embed="rId3">
+            <a:extLst>
+              <a:ext uri="{28A0092B-C50C-407E-A947-70E740481C1C}">
+                <a14:useLocalDpi xmlns:a14="http://schemas.microsoft.com/office/drawing/2010/main" val="0"/>
+              </a:ext>
+            </a:extLst>
+          </a:blip>
+          <a:srcRect/>
+          <a:stretch>
+            <a:fillRect/>
+          </a:stretch>
+        </p:blipFill>
+        <p:spPr bwMode="auto">
+          <a:xfrm>
+            <a:off x="2080820" y="0"/>
+            <a:ext cx="2189605" cy="2022038"/>
+          </a:xfrm>
+          <a:prstGeom prst="rect">
+            <a:avLst/>
+          </a:prstGeom>
+          <a:noFill/>
+          <a:extLst>
+            <a:ext uri="{909E8E84-426E-40DD-AFC4-6F175D3DCCD1}">
+              <a14:hiddenFill xmlns:a14="http://schemas.microsoft.com/office/drawing/2010/main">
+                <a:solidFill>
+                  <a:srgbClr val="FFFFFF"/>
+                </a:solidFill>
+              </a14:hiddenFill>
+            </a:ext>
+          </a:extLst>
+        </p:spPr>
+      </p:pic>
+      <p:cxnSp>
+        <p:nvCxnSpPr>
+          <p:cNvPr id="6" name="Straight Connector 5">
+            <a:extLst>
+              <a:ext uri="{FF2B5EF4-FFF2-40B4-BE49-F238E27FC236}">
+                <a16:creationId xmlns:a16="http://schemas.microsoft.com/office/drawing/2014/main" id="{7D0926DC-6298-B648-9DF9-0D78D09F9FC8}"/>
+              </a:ext>
+            </a:extLst>
+          </p:cNvPr>
+          <p:cNvCxnSpPr>
+            <a:cxnSpLocks/>
+          </p:cNvCxnSpPr>
+          <p:nvPr/>
+        </p:nvCxnSpPr>
+        <p:spPr>
+          <a:xfrm>
+            <a:off x="2526110" y="1576551"/>
+            <a:ext cx="9518745" cy="1"/>
+          </a:xfrm>
+          <a:prstGeom prst="line">
+            <a:avLst/>
+          </a:prstGeom>
+          <a:ln w="12700">
+            <a:solidFill>
+              <a:srgbClr val="EA5E46"/>
+            </a:solidFill>
+          </a:ln>
+        </p:spPr>
+        <p:style>
+          <a:lnRef idx="1">
+            <a:schemeClr val="accent2"/>
+          </a:lnRef>
+          <a:fillRef idx="0">
+            <a:schemeClr val="accent2"/>
+          </a:fillRef>
+          <a:effectRef idx="0">
+            <a:schemeClr val="accent2"/>
+          </a:effectRef>
+          <a:fontRef idx="minor">
+            <a:schemeClr val="tx1"/>
+          </a:fontRef>
+        </p:style>
+      </p:cxnSp>
+    </p:spTree>
+    <p:extLst>
+      <p:ext uri="{BB962C8B-B14F-4D97-AF65-F5344CB8AC3E}">
+        <p14:creationId xmlns:p14="http://schemas.microsoft.com/office/powerpoint/2010/main" val="2932517798"/>
+      </p:ext>
+    </p:extLst>
+  </p:cSld>
+  <p:clrMapOvr>
+    <a:masterClrMapping/>
+  </p:clrMapOvr>
 </p:sld>
 </file>
 

--- a/Airbnb Price Predictions (Model).pptx
+++ b/Airbnb Price Predictions (Model).pptx
@@ -5,20 +5,24 @@
     <p:sldMasterId id="2147483648" r:id="rId1"/>
   </p:sldMasterIdLst>
   <p:notesMasterIdLst>
-    <p:notesMasterId r:id="rId13"/>
+    <p:notesMasterId r:id="rId17"/>
   </p:notesMasterIdLst>
   <p:sldIdLst>
     <p:sldId id="280" r:id="rId2"/>
-    <p:sldId id="293" r:id="rId3"/>
-    <p:sldId id="294" r:id="rId4"/>
-    <p:sldId id="286" r:id="rId5"/>
-    <p:sldId id="287" r:id="rId6"/>
-    <p:sldId id="289" r:id="rId7"/>
-    <p:sldId id="290" r:id="rId8"/>
-    <p:sldId id="291" r:id="rId9"/>
-    <p:sldId id="292" r:id="rId10"/>
-    <p:sldId id="288" r:id="rId11"/>
-    <p:sldId id="274" r:id="rId12"/>
+    <p:sldId id="299" r:id="rId3"/>
+    <p:sldId id="296" r:id="rId4"/>
+    <p:sldId id="297" r:id="rId5"/>
+    <p:sldId id="300" r:id="rId6"/>
+    <p:sldId id="298" r:id="rId7"/>
+    <p:sldId id="295" r:id="rId8"/>
+    <p:sldId id="286" r:id="rId9"/>
+    <p:sldId id="287" r:id="rId10"/>
+    <p:sldId id="289" r:id="rId11"/>
+    <p:sldId id="290" r:id="rId12"/>
+    <p:sldId id="291" r:id="rId13"/>
+    <p:sldId id="292" r:id="rId14"/>
+    <p:sldId id="288" r:id="rId15"/>
+    <p:sldId id="274" r:id="rId16"/>
   </p:sldIdLst>
   <p:sldSz cx="12192000" cy="6858000"/>
   <p:notesSz cx="6858000" cy="9144000"/>
@@ -704,7 +708,7 @@
     </p:spTree>
     <p:extLst>
       <p:ext uri="{BB962C8B-B14F-4D97-AF65-F5344CB8AC3E}">
-        <p14:creationId xmlns:p14="http://schemas.microsoft.com/office/powerpoint/2010/main" val="498058897"/>
+        <p14:creationId xmlns:p14="http://schemas.microsoft.com/office/powerpoint/2010/main" val="3177731070"/>
       </p:ext>
     </p:extLst>
   </p:cSld>
@@ -758,6 +762,40 @@
           <a:bodyPr/>
           <a:lstStyle/>
           <a:p>
+            <a:r>
+              <a:rPr lang="en-US" dirty="0"/>
+              <a:t>-To help users explore all listings available in NYC, we created a marker cluster map using Leaflet. </a:t>
+            </a:r>
+          </a:p>
+          <a:p>
+            <a:r>
+              <a:rPr lang="en-US" dirty="0"/>
+              <a:t>-The clusters display the number of listings with the different boroughs and </a:t>
+            </a:r>
+            <a:r>
+              <a:rPr lang="en-US" dirty="0" err="1"/>
+              <a:t>neighbourhoods</a:t>
+            </a:r>
+            <a:r>
+              <a:rPr lang="en-US" dirty="0"/>
+              <a:t> in NYC. </a:t>
+            </a:r>
+          </a:p>
+          <a:p>
+            <a:r>
+              <a:rPr lang="en-US" dirty="0"/>
+              <a:t>-In this example, we selected the the well-known New York borough of Manhattan, and then further zoomed in to the Upper West Side </a:t>
+            </a:r>
+            <a:r>
+              <a:rPr lang="en-US" dirty="0" err="1"/>
+              <a:t>neighbourhood</a:t>
+            </a:r>
+            <a:r>
+              <a:rPr lang="en-US" dirty="0"/>
+              <a:t>. </a:t>
+            </a:r>
+          </a:p>
+          <a:p>
             <a:endParaRPr lang="en-US" dirty="0"/>
           </a:p>
         </p:txBody>
@@ -780,6 +818,444 @@
             <a:fld id="{DF2352D6-35AF-0544-A99E-554CC41E76C4}" type="slidenum">
               <a:rPr lang="en-US" smtClean="0"/>
               <a:t>11</a:t>
+            </a:fld>
+            <a:endParaRPr lang="en-US"/>
+          </a:p>
+        </p:txBody>
+      </p:sp>
+    </p:spTree>
+    <p:extLst>
+      <p:ext uri="{BB962C8B-B14F-4D97-AF65-F5344CB8AC3E}">
+        <p14:creationId xmlns:p14="http://schemas.microsoft.com/office/powerpoint/2010/main" val="266214348"/>
+      </p:ext>
+    </p:extLst>
+  </p:cSld>
+  <p:clrMapOvr>
+    <a:masterClrMapping/>
+  </p:clrMapOvr>
+</p:notes>
+</file>
+
+<file path=ppt/notesSlides/notesSlide12.xml><?xml version="1.0" encoding="utf-8"?>
+<p:notes xmlns:a="http://schemas.openxmlformats.org/drawingml/2006/main" xmlns:r="http://schemas.openxmlformats.org/officeDocument/2006/relationships" xmlns:p="http://schemas.openxmlformats.org/presentationml/2006/main">
+  <p:cSld>
+    <p:spTree>
+      <p:nvGrpSpPr>
+        <p:cNvPr id="1" name=""/>
+        <p:cNvGrpSpPr/>
+        <p:nvPr/>
+      </p:nvGrpSpPr>
+      <p:grpSpPr>
+        <a:xfrm>
+          <a:off x="0" y="0"/>
+          <a:ext cx="0" cy="0"/>
+          <a:chOff x="0" y="0"/>
+          <a:chExt cx="0" cy="0"/>
+        </a:xfrm>
+      </p:grpSpPr>
+      <p:sp>
+        <p:nvSpPr>
+          <p:cNvPr id="2" name="Slide Image Placeholder 1"/>
+          <p:cNvSpPr>
+            <a:spLocks noGrp="1" noRot="1" noChangeAspect="1"/>
+          </p:cNvSpPr>
+          <p:nvPr>
+            <p:ph type="sldImg"/>
+          </p:nvPr>
+        </p:nvSpPr>
+        <p:spPr/>
+      </p:sp>
+      <p:sp>
+        <p:nvSpPr>
+          <p:cNvPr id="3" name="Notes Placeholder 2"/>
+          <p:cNvSpPr>
+            <a:spLocks noGrp="1"/>
+          </p:cNvSpPr>
+          <p:nvPr>
+            <p:ph type="body" idx="1"/>
+          </p:nvPr>
+        </p:nvSpPr>
+        <p:spPr/>
+        <p:txBody>
+          <a:bodyPr/>
+          <a:lstStyle/>
+          <a:p>
+            <a:r>
+              <a:rPr lang="en-US" dirty="0"/>
+              <a:t>-To help users explore all listings available in NYC, we created a marker cluster map using Leaflet. </a:t>
+            </a:r>
+          </a:p>
+          <a:p>
+            <a:r>
+              <a:rPr lang="en-US" dirty="0"/>
+              <a:t>-The clusters display the number of listings with the different boroughs and </a:t>
+            </a:r>
+            <a:r>
+              <a:rPr lang="en-US" dirty="0" err="1"/>
+              <a:t>neighbourhoods</a:t>
+            </a:r>
+            <a:r>
+              <a:rPr lang="en-US" dirty="0"/>
+              <a:t> in NYC. </a:t>
+            </a:r>
+          </a:p>
+          <a:p>
+            <a:r>
+              <a:rPr lang="en-US" dirty="0"/>
+              <a:t>-In this example, we selected the the well-known New York borough of Manhattan, and then further zoomed in to the Upper West Side </a:t>
+            </a:r>
+            <a:r>
+              <a:rPr lang="en-US" dirty="0" err="1"/>
+              <a:t>neighbourhood</a:t>
+            </a:r>
+            <a:r>
+              <a:rPr lang="en-US" dirty="0"/>
+              <a:t>. </a:t>
+            </a:r>
+          </a:p>
+          <a:p>
+            <a:endParaRPr lang="en-US" dirty="0"/>
+          </a:p>
+        </p:txBody>
+      </p:sp>
+      <p:sp>
+        <p:nvSpPr>
+          <p:cNvPr id="4" name="Slide Number Placeholder 3"/>
+          <p:cNvSpPr>
+            <a:spLocks noGrp="1"/>
+          </p:cNvSpPr>
+          <p:nvPr>
+            <p:ph type="sldNum" sz="quarter" idx="5"/>
+          </p:nvPr>
+        </p:nvSpPr>
+        <p:spPr/>
+        <p:txBody>
+          <a:bodyPr/>
+          <a:lstStyle/>
+          <a:p>
+            <a:fld id="{DF2352D6-35AF-0544-A99E-554CC41E76C4}" type="slidenum">
+              <a:rPr lang="en-US" smtClean="0"/>
+              <a:t>12</a:t>
+            </a:fld>
+            <a:endParaRPr lang="en-US"/>
+          </a:p>
+        </p:txBody>
+      </p:sp>
+    </p:spTree>
+    <p:extLst>
+      <p:ext uri="{BB962C8B-B14F-4D97-AF65-F5344CB8AC3E}">
+        <p14:creationId xmlns:p14="http://schemas.microsoft.com/office/powerpoint/2010/main" val="847075339"/>
+      </p:ext>
+    </p:extLst>
+  </p:cSld>
+  <p:clrMapOvr>
+    <a:masterClrMapping/>
+  </p:clrMapOvr>
+</p:notes>
+</file>
+
+<file path=ppt/notesSlides/notesSlide13.xml><?xml version="1.0" encoding="utf-8"?>
+<p:notes xmlns:a="http://schemas.openxmlformats.org/drawingml/2006/main" xmlns:r="http://schemas.openxmlformats.org/officeDocument/2006/relationships" xmlns:p="http://schemas.openxmlformats.org/presentationml/2006/main">
+  <p:cSld>
+    <p:spTree>
+      <p:nvGrpSpPr>
+        <p:cNvPr id="1" name=""/>
+        <p:cNvGrpSpPr/>
+        <p:nvPr/>
+      </p:nvGrpSpPr>
+      <p:grpSpPr>
+        <a:xfrm>
+          <a:off x="0" y="0"/>
+          <a:ext cx="0" cy="0"/>
+          <a:chOff x="0" y="0"/>
+          <a:chExt cx="0" cy="0"/>
+        </a:xfrm>
+      </p:grpSpPr>
+      <p:sp>
+        <p:nvSpPr>
+          <p:cNvPr id="2" name="Slide Image Placeholder 1"/>
+          <p:cNvSpPr>
+            <a:spLocks noGrp="1" noRot="1" noChangeAspect="1"/>
+          </p:cNvSpPr>
+          <p:nvPr>
+            <p:ph type="sldImg"/>
+          </p:nvPr>
+        </p:nvSpPr>
+        <p:spPr/>
+      </p:sp>
+      <p:sp>
+        <p:nvSpPr>
+          <p:cNvPr id="3" name="Notes Placeholder 2"/>
+          <p:cNvSpPr>
+            <a:spLocks noGrp="1"/>
+          </p:cNvSpPr>
+          <p:nvPr>
+            <p:ph type="body" idx="1"/>
+          </p:nvPr>
+        </p:nvSpPr>
+        <p:spPr/>
+        <p:txBody>
+          <a:bodyPr/>
+          <a:lstStyle/>
+          <a:p>
+            <a:r>
+              <a:rPr lang="en-US" dirty="0"/>
+              <a:t>-To help users explore all listings available in NYC, we created a marker cluster map using Leaflet. </a:t>
+            </a:r>
+          </a:p>
+          <a:p>
+            <a:r>
+              <a:rPr lang="en-US" dirty="0"/>
+              <a:t>-The clusters display the number of listings with the different boroughs and </a:t>
+            </a:r>
+            <a:r>
+              <a:rPr lang="en-US" dirty="0" err="1"/>
+              <a:t>neighbourhoods</a:t>
+            </a:r>
+            <a:r>
+              <a:rPr lang="en-US" dirty="0"/>
+              <a:t> in NYC. </a:t>
+            </a:r>
+          </a:p>
+          <a:p>
+            <a:r>
+              <a:rPr lang="en-US" dirty="0"/>
+              <a:t>-In this example, we selected the the well-known New York borough of Manhattan, and then further zoomed in to the Upper West Side </a:t>
+            </a:r>
+            <a:r>
+              <a:rPr lang="en-US" dirty="0" err="1"/>
+              <a:t>neighbourhood</a:t>
+            </a:r>
+            <a:r>
+              <a:rPr lang="en-US" dirty="0"/>
+              <a:t>. </a:t>
+            </a:r>
+          </a:p>
+          <a:p>
+            <a:endParaRPr lang="en-US" dirty="0"/>
+          </a:p>
+        </p:txBody>
+      </p:sp>
+      <p:sp>
+        <p:nvSpPr>
+          <p:cNvPr id="4" name="Slide Number Placeholder 3"/>
+          <p:cNvSpPr>
+            <a:spLocks noGrp="1"/>
+          </p:cNvSpPr>
+          <p:nvPr>
+            <p:ph type="sldNum" sz="quarter" idx="5"/>
+          </p:nvPr>
+        </p:nvSpPr>
+        <p:spPr/>
+        <p:txBody>
+          <a:bodyPr/>
+          <a:lstStyle/>
+          <a:p>
+            <a:fld id="{DF2352D6-35AF-0544-A99E-554CC41E76C4}" type="slidenum">
+              <a:rPr lang="en-US" smtClean="0"/>
+              <a:t>13</a:t>
+            </a:fld>
+            <a:endParaRPr lang="en-US"/>
+          </a:p>
+        </p:txBody>
+      </p:sp>
+    </p:spTree>
+    <p:extLst>
+      <p:ext uri="{BB962C8B-B14F-4D97-AF65-F5344CB8AC3E}">
+        <p14:creationId xmlns:p14="http://schemas.microsoft.com/office/powerpoint/2010/main" val="533258538"/>
+      </p:ext>
+    </p:extLst>
+  </p:cSld>
+  <p:clrMapOvr>
+    <a:masterClrMapping/>
+  </p:clrMapOvr>
+</p:notes>
+</file>
+
+<file path=ppt/notesSlides/notesSlide14.xml><?xml version="1.0" encoding="utf-8"?>
+<p:notes xmlns:a="http://schemas.openxmlformats.org/drawingml/2006/main" xmlns:r="http://schemas.openxmlformats.org/officeDocument/2006/relationships" xmlns:p="http://schemas.openxmlformats.org/presentationml/2006/main">
+  <p:cSld>
+    <p:spTree>
+      <p:nvGrpSpPr>
+        <p:cNvPr id="1" name=""/>
+        <p:cNvGrpSpPr/>
+        <p:nvPr/>
+      </p:nvGrpSpPr>
+      <p:grpSpPr>
+        <a:xfrm>
+          <a:off x="0" y="0"/>
+          <a:ext cx="0" cy="0"/>
+          <a:chOff x="0" y="0"/>
+          <a:chExt cx="0" cy="0"/>
+        </a:xfrm>
+      </p:grpSpPr>
+      <p:sp>
+        <p:nvSpPr>
+          <p:cNvPr id="2" name="Slide Image Placeholder 1"/>
+          <p:cNvSpPr>
+            <a:spLocks noGrp="1" noRot="1" noChangeAspect="1"/>
+          </p:cNvSpPr>
+          <p:nvPr>
+            <p:ph type="sldImg"/>
+          </p:nvPr>
+        </p:nvSpPr>
+        <p:spPr/>
+      </p:sp>
+      <p:sp>
+        <p:nvSpPr>
+          <p:cNvPr id="3" name="Notes Placeholder 2"/>
+          <p:cNvSpPr>
+            <a:spLocks noGrp="1"/>
+          </p:cNvSpPr>
+          <p:nvPr>
+            <p:ph type="body" idx="1"/>
+          </p:nvPr>
+        </p:nvSpPr>
+        <p:spPr/>
+        <p:txBody>
+          <a:bodyPr/>
+          <a:lstStyle/>
+          <a:p>
+            <a:r>
+              <a:rPr lang="en-US" dirty="0"/>
+              <a:t>-To help users explore all listings available in NYC, we created a marker cluster map using Leaflet. </a:t>
+            </a:r>
+          </a:p>
+          <a:p>
+            <a:r>
+              <a:rPr lang="en-US" dirty="0"/>
+              <a:t>-The clusters display the number of listings with the different boroughs and </a:t>
+            </a:r>
+            <a:r>
+              <a:rPr lang="en-US" dirty="0" err="1"/>
+              <a:t>neighbourhoods</a:t>
+            </a:r>
+            <a:r>
+              <a:rPr lang="en-US" dirty="0"/>
+              <a:t> in NYC. </a:t>
+            </a:r>
+          </a:p>
+          <a:p>
+            <a:r>
+              <a:rPr lang="en-US" dirty="0"/>
+              <a:t>-In this example, we selected the the well-known New York borough of Manhattan, and then further zoomed in to the Upper West Side </a:t>
+            </a:r>
+            <a:r>
+              <a:rPr lang="en-US" dirty="0" err="1"/>
+              <a:t>neighbourhood</a:t>
+            </a:r>
+            <a:r>
+              <a:rPr lang="en-US" dirty="0"/>
+              <a:t>. </a:t>
+            </a:r>
+          </a:p>
+          <a:p>
+            <a:endParaRPr lang="en-US" dirty="0"/>
+          </a:p>
+        </p:txBody>
+      </p:sp>
+      <p:sp>
+        <p:nvSpPr>
+          <p:cNvPr id="4" name="Slide Number Placeholder 3"/>
+          <p:cNvSpPr>
+            <a:spLocks noGrp="1"/>
+          </p:cNvSpPr>
+          <p:nvPr>
+            <p:ph type="sldNum" sz="quarter" idx="5"/>
+          </p:nvPr>
+        </p:nvSpPr>
+        <p:spPr/>
+        <p:txBody>
+          <a:bodyPr/>
+          <a:lstStyle/>
+          <a:p>
+            <a:fld id="{DF2352D6-35AF-0544-A99E-554CC41E76C4}" type="slidenum">
+              <a:rPr lang="en-US" smtClean="0"/>
+              <a:t>14</a:t>
+            </a:fld>
+            <a:endParaRPr lang="en-US"/>
+          </a:p>
+        </p:txBody>
+      </p:sp>
+    </p:spTree>
+    <p:extLst>
+      <p:ext uri="{BB962C8B-B14F-4D97-AF65-F5344CB8AC3E}">
+        <p14:creationId xmlns:p14="http://schemas.microsoft.com/office/powerpoint/2010/main" val="498058897"/>
+      </p:ext>
+    </p:extLst>
+  </p:cSld>
+  <p:clrMapOvr>
+    <a:masterClrMapping/>
+  </p:clrMapOvr>
+</p:notes>
+</file>
+
+<file path=ppt/notesSlides/notesSlide15.xml><?xml version="1.0" encoding="utf-8"?>
+<p:notes xmlns:a="http://schemas.openxmlformats.org/drawingml/2006/main" xmlns:r="http://schemas.openxmlformats.org/officeDocument/2006/relationships" xmlns:p="http://schemas.openxmlformats.org/presentationml/2006/main">
+  <p:cSld>
+    <p:spTree>
+      <p:nvGrpSpPr>
+        <p:cNvPr id="1" name=""/>
+        <p:cNvGrpSpPr/>
+        <p:nvPr/>
+      </p:nvGrpSpPr>
+      <p:grpSpPr>
+        <a:xfrm>
+          <a:off x="0" y="0"/>
+          <a:ext cx="0" cy="0"/>
+          <a:chOff x="0" y="0"/>
+          <a:chExt cx="0" cy="0"/>
+        </a:xfrm>
+      </p:grpSpPr>
+      <p:sp>
+        <p:nvSpPr>
+          <p:cNvPr id="2" name="Slide Image Placeholder 1"/>
+          <p:cNvSpPr>
+            <a:spLocks noGrp="1" noRot="1" noChangeAspect="1"/>
+          </p:cNvSpPr>
+          <p:nvPr>
+            <p:ph type="sldImg"/>
+          </p:nvPr>
+        </p:nvSpPr>
+        <p:spPr/>
+      </p:sp>
+      <p:sp>
+        <p:nvSpPr>
+          <p:cNvPr id="3" name="Notes Placeholder 2"/>
+          <p:cNvSpPr>
+            <a:spLocks noGrp="1"/>
+          </p:cNvSpPr>
+          <p:nvPr>
+            <p:ph type="body" idx="1"/>
+          </p:nvPr>
+        </p:nvSpPr>
+        <p:spPr/>
+        <p:txBody>
+          <a:bodyPr/>
+          <a:lstStyle/>
+          <a:p>
+            <a:endParaRPr lang="en-US" dirty="0"/>
+          </a:p>
+        </p:txBody>
+      </p:sp>
+      <p:sp>
+        <p:nvSpPr>
+          <p:cNvPr id="4" name="Slide Number Placeholder 3"/>
+          <p:cNvSpPr>
+            <a:spLocks noGrp="1"/>
+          </p:cNvSpPr>
+          <p:nvPr>
+            <p:ph type="sldNum" sz="quarter" idx="5"/>
+          </p:nvPr>
+        </p:nvSpPr>
+        <p:spPr/>
+        <p:txBody>
+          <a:bodyPr/>
+          <a:lstStyle/>
+          <a:p>
+            <a:fld id="{DF2352D6-35AF-0544-A99E-554CC41E76C4}" type="slidenum">
+              <a:rPr lang="en-US" smtClean="0"/>
+              <a:t>15</a:t>
             </a:fld>
             <a:endParaRPr lang="en-US"/>
           </a:p>
@@ -844,13 +1320,30 @@
           <a:p>
             <a:r>
               <a:rPr lang="en-US" dirty="0"/>
-              <a:t>The diagram summarizes the way we need to transform our data to run the Random Forest, LGBM &amp; KNN Regressor Models.</a:t>
-            </a:r>
-          </a:p>
-          <a:p>
-            <a:pPr marL="228600" indent="-228600">
-              <a:buAutoNum type="arabicParenR"/>
-            </a:pPr>
+              <a:t>To predict prices, we decided to use the Random Forest &amp; LGBM Regressor methods to determine which features are the most important to price an </a:t>
+            </a:r>
+            <a:r>
+              <a:rPr lang="en-US" dirty="0" err="1"/>
+              <a:t>AirBNB</a:t>
+            </a:r>
+            <a:r>
+              <a:rPr lang="en-US" dirty="0"/>
+              <a:t>.</a:t>
+            </a:r>
+          </a:p>
+          <a:p>
+            <a:r>
+              <a:rPr lang="en-US" dirty="0"/>
+              <a:t>We then use the KNN Regressor to see how the price is affected with having listings close to your area.</a:t>
+            </a:r>
+          </a:p>
+          <a:p>
+            <a:r>
+              <a:rPr lang="en-US" dirty="0"/>
+              <a:t>Finally, we used the Facebook Prophet to how prices are affected by time &amp; seasonality to predict Airbnb future prices.</a:t>
+            </a:r>
+          </a:p>
+          <a:p>
             <a:endParaRPr lang="en-US" dirty="0"/>
           </a:p>
         </p:txBody>
@@ -881,7 +1374,7 @@
     </p:spTree>
     <p:extLst>
       <p:ext uri="{BB962C8B-B14F-4D97-AF65-F5344CB8AC3E}">
-        <p14:creationId xmlns:p14="http://schemas.microsoft.com/office/powerpoint/2010/main" val="382606239"/>
+        <p14:creationId xmlns:p14="http://schemas.microsoft.com/office/powerpoint/2010/main" val="1699898441"/>
       </p:ext>
     </p:extLst>
   </p:cSld>
@@ -935,36 +1428,33 @@
           <a:bodyPr/>
           <a:lstStyle/>
           <a:p>
-            <a:pPr marL="228600" indent="-228600">
-              <a:buAutoNum type="arabicParenR"/>
-            </a:pPr>
             <a:r>
               <a:rPr lang="en-US" dirty="0"/>
-              <a:t>With existing numeric data, input N/A fields with the average value for that specific column.</a:t>
-            </a:r>
-          </a:p>
-          <a:p>
-            <a:pPr marL="228600" indent="-228600">
-              <a:buAutoNum type="arabicParenR"/>
-            </a:pPr>
+              <a:t>To predict prices, we decided to use the Random Forest &amp; LGBM Regressor methods to determine which features are the most important to price an </a:t>
+            </a:r>
+            <a:r>
+              <a:rPr lang="en-US" dirty="0" err="1"/>
+              <a:t>AirBNB</a:t>
+            </a:r>
             <a:r>
               <a:rPr lang="en-US" dirty="0"/>
-              <a:t>Then, for certain data like room type, boroughs, &amp; </a:t>
-            </a:r>
-            <a:r>
-              <a:rPr lang="en-US" dirty="0" err="1"/>
-              <a:t>neighbourhoods</a:t>
-            </a:r>
+              <a:t>.</a:t>
+            </a:r>
+          </a:p>
+          <a:p>
             <a:r>
               <a:rPr lang="en-US" dirty="0"/>
-              <a:t>, we need to categorize them into numbers.</a:t>
+              <a:t>We then use the KNN Regressor to see how the price is affected with having listings close to your area.</a:t>
             </a:r>
           </a:p>
           <a:p>
             <a:r>
               <a:rPr lang="en-US" dirty="0"/>
-              <a:t>3)   Finally, with text data, we need to vectorize them</a:t>
-            </a:r>
+              <a:t>Finally, we used the Facebook Prophet to how prices are affected by time &amp; seasonality to predict Airbnb future prices.</a:t>
+            </a:r>
+          </a:p>
+          <a:p>
+            <a:endParaRPr lang="en-US" dirty="0"/>
           </a:p>
         </p:txBody>
       </p:sp>
@@ -994,7 +1484,7 @@
     </p:spTree>
     <p:extLst>
       <p:ext uri="{BB962C8B-B14F-4D97-AF65-F5344CB8AC3E}">
-        <p14:creationId xmlns:p14="http://schemas.microsoft.com/office/powerpoint/2010/main" val="1451080133"/>
+        <p14:creationId xmlns:p14="http://schemas.microsoft.com/office/powerpoint/2010/main" val="582048577"/>
       </p:ext>
     </p:extLst>
   </p:cSld>
@@ -1050,35 +1540,27 @@
           <a:p>
             <a:r>
               <a:rPr lang="en-US" dirty="0"/>
-              <a:t>-To help users explore all listings available in NYC, we created a marker cluster map using Leaflet. </a:t>
-            </a:r>
-          </a:p>
-          <a:p>
+              <a:t>To predict prices, we decided to use the Random Forest &amp; LGBM Regressor methods to determine which features are the most important to price an </a:t>
+            </a:r>
+            <a:r>
+              <a:rPr lang="en-US" dirty="0" err="1"/>
+              <a:t>AirBNB</a:t>
+            </a:r>
             <a:r>
               <a:rPr lang="en-US" dirty="0"/>
-              <a:t>-The clusters display the number of listings with the different boroughs and </a:t>
-            </a:r>
-            <a:r>
-              <a:rPr lang="en-US" dirty="0" err="1"/>
-              <a:t>neighbourhoods</a:t>
-            </a:r>
+              <a:t>.</a:t>
+            </a:r>
+          </a:p>
+          <a:p>
             <a:r>
               <a:rPr lang="en-US" dirty="0"/>
-              <a:t> in NYC. </a:t>
+              <a:t>We then use the KNN Regressor to see how the price is affected with having listings close to your area.</a:t>
             </a:r>
           </a:p>
           <a:p>
             <a:r>
               <a:rPr lang="en-US" dirty="0"/>
-              <a:t>-In this example, we selected the the well-known New York borough of Manhattan, and then further zoomed in to the Upper West Side </a:t>
-            </a:r>
-            <a:r>
-              <a:rPr lang="en-US" dirty="0" err="1"/>
-              <a:t>neighbourhood</a:t>
-            </a:r>
-            <a:r>
-              <a:rPr lang="en-US" dirty="0"/>
-              <a:t>. </a:t>
+              <a:t>Finally, we used the Facebook Prophet to how prices are affected by time &amp; seasonality to predict Airbnb future prices.</a:t>
             </a:r>
           </a:p>
           <a:p>
@@ -1112,7 +1594,7 @@
     </p:spTree>
     <p:extLst>
       <p:ext uri="{BB962C8B-B14F-4D97-AF65-F5344CB8AC3E}">
-        <p14:creationId xmlns:p14="http://schemas.microsoft.com/office/powerpoint/2010/main" val="818292738"/>
+        <p14:creationId xmlns:p14="http://schemas.microsoft.com/office/powerpoint/2010/main" val="4053816974"/>
       </p:ext>
     </p:extLst>
   </p:cSld>
@@ -1168,35 +1650,27 @@
           <a:p>
             <a:r>
               <a:rPr lang="en-US" dirty="0"/>
-              <a:t>-To help users explore all listings available in NYC, we created a marker cluster map using Leaflet. </a:t>
-            </a:r>
-          </a:p>
-          <a:p>
+              <a:t>To predict prices, we decided to use the Random Forest &amp; LGBM Regressor methods to determine which features are the most important to price an </a:t>
+            </a:r>
+            <a:r>
+              <a:rPr lang="en-US" dirty="0" err="1"/>
+              <a:t>AirBNB</a:t>
+            </a:r>
             <a:r>
               <a:rPr lang="en-US" dirty="0"/>
-              <a:t>-The clusters display the number of listings with the different boroughs and </a:t>
-            </a:r>
-            <a:r>
-              <a:rPr lang="en-US" dirty="0" err="1"/>
-              <a:t>neighbourhoods</a:t>
-            </a:r>
+              <a:t>.</a:t>
+            </a:r>
+          </a:p>
+          <a:p>
             <a:r>
               <a:rPr lang="en-US" dirty="0"/>
-              <a:t> in NYC. </a:t>
+              <a:t>We then use the KNN Regressor to see how the price is affected with having listings close to your area.</a:t>
             </a:r>
           </a:p>
           <a:p>
             <a:r>
               <a:rPr lang="en-US" dirty="0"/>
-              <a:t>-In this example, we selected the the well-known New York borough of Manhattan, and then further zoomed in to the Upper West Side </a:t>
-            </a:r>
-            <a:r>
-              <a:rPr lang="en-US" dirty="0" err="1"/>
-              <a:t>neighbourhood</a:t>
-            </a:r>
-            <a:r>
-              <a:rPr lang="en-US" dirty="0"/>
-              <a:t>. </a:t>
+              <a:t>Finally, we used the Facebook Prophet to how prices are affected by time &amp; seasonality to predict Airbnb future prices.</a:t>
             </a:r>
           </a:p>
           <a:p>
@@ -1230,7 +1704,7 @@
     </p:spTree>
     <p:extLst>
       <p:ext uri="{BB962C8B-B14F-4D97-AF65-F5344CB8AC3E}">
-        <p14:creationId xmlns:p14="http://schemas.microsoft.com/office/powerpoint/2010/main" val="2744486609"/>
+        <p14:creationId xmlns:p14="http://schemas.microsoft.com/office/powerpoint/2010/main" val="2102900166"/>
       </p:ext>
     </p:extLst>
   </p:cSld>
@@ -1286,35 +1760,27 @@
           <a:p>
             <a:r>
               <a:rPr lang="en-US" dirty="0"/>
-              <a:t>-To help users explore all listings available in NYC, we created a marker cluster map using Leaflet. </a:t>
-            </a:r>
-          </a:p>
-          <a:p>
+              <a:t>To predict prices, we decided to use the Random Forest &amp; LGBM Regressor methods to determine which features are the most important to price an </a:t>
+            </a:r>
+            <a:r>
+              <a:rPr lang="en-US" dirty="0" err="1"/>
+              <a:t>AirBNB</a:t>
+            </a:r>
             <a:r>
               <a:rPr lang="en-US" dirty="0"/>
-              <a:t>-The clusters display the number of listings with the different boroughs and </a:t>
-            </a:r>
-            <a:r>
-              <a:rPr lang="en-US" dirty="0" err="1"/>
-              <a:t>neighbourhoods</a:t>
-            </a:r>
+              <a:t>.</a:t>
+            </a:r>
+          </a:p>
+          <a:p>
             <a:r>
               <a:rPr lang="en-US" dirty="0"/>
-              <a:t> in NYC. </a:t>
+              <a:t>We then use the KNN Regressor to see how the price is affected with having listings close to your area.</a:t>
             </a:r>
           </a:p>
           <a:p>
             <a:r>
               <a:rPr lang="en-US" dirty="0"/>
-              <a:t>-In this example, we selected the the well-known New York borough of Manhattan, and then further zoomed in to the Upper West Side </a:t>
-            </a:r>
-            <a:r>
-              <a:rPr lang="en-US" dirty="0" err="1"/>
-              <a:t>neighbourhood</a:t>
-            </a:r>
-            <a:r>
-              <a:rPr lang="en-US" dirty="0"/>
-              <a:t>. </a:t>
+              <a:t>Finally, we used the Facebook Prophet to how prices are affected by time &amp; seasonality to predict Airbnb future prices.</a:t>
             </a:r>
           </a:p>
           <a:p>
@@ -1348,7 +1814,7 @@
     </p:spTree>
     <p:extLst>
       <p:ext uri="{BB962C8B-B14F-4D97-AF65-F5344CB8AC3E}">
-        <p14:creationId xmlns:p14="http://schemas.microsoft.com/office/powerpoint/2010/main" val="3177731070"/>
+        <p14:creationId xmlns:p14="http://schemas.microsoft.com/office/powerpoint/2010/main" val="1272532608"/>
       </p:ext>
     </p:extLst>
   </p:cSld>
@@ -1402,15 +1868,21 @@
           <a:bodyPr/>
           <a:lstStyle/>
           <a:p>
+            <a:pPr marL="228600" indent="-228600">
+              <a:buAutoNum type="arabicParenR"/>
+            </a:pPr>
             <a:r>
               <a:rPr lang="en-US" dirty="0"/>
-              <a:t>-To help users explore all listings available in NYC, we created a marker cluster map using Leaflet. </a:t>
-            </a:r>
-          </a:p>
-          <a:p>
+              <a:t>With existing numeric data, input N/A fields with the average value for that specific column.</a:t>
+            </a:r>
+          </a:p>
+          <a:p>
+            <a:pPr marL="228600" indent="-228600">
+              <a:buAutoNum type="arabicParenR"/>
+            </a:pPr>
             <a:r>
               <a:rPr lang="en-US" dirty="0"/>
-              <a:t>-The clusters display the number of listings with the different boroughs and </a:t>
+              <a:t>Then, for certain data like room type, boroughs, &amp; </a:t>
             </a:r>
             <a:r>
               <a:rPr lang="en-US" dirty="0" err="1"/>
@@ -1418,25 +1890,14 @@
             </a:r>
             <a:r>
               <a:rPr lang="en-US" dirty="0"/>
-              <a:t> in NYC. </a:t>
+              <a:t>, we need to categorize them into numbers.</a:t>
             </a:r>
           </a:p>
           <a:p>
             <a:r>
               <a:rPr lang="en-US" dirty="0"/>
-              <a:t>-In this example, we selected the the well-known New York borough of Manhattan, and then further zoomed in to the Upper West Side </a:t>
-            </a:r>
-            <a:r>
-              <a:rPr lang="en-US" dirty="0" err="1"/>
-              <a:t>neighbourhood</a:t>
-            </a:r>
-            <a:r>
-              <a:rPr lang="en-US" dirty="0"/>
-              <a:t>. </a:t>
-            </a:r>
-          </a:p>
-          <a:p>
-            <a:endParaRPr lang="en-US" dirty="0"/>
+              <a:t>3)   Finally, with text data, we need to vectorize them</a:t>
+            </a:r>
           </a:p>
         </p:txBody>
       </p:sp>
@@ -1466,7 +1927,7 @@
     </p:spTree>
     <p:extLst>
       <p:ext uri="{BB962C8B-B14F-4D97-AF65-F5344CB8AC3E}">
-        <p14:creationId xmlns:p14="http://schemas.microsoft.com/office/powerpoint/2010/main" val="266214348"/>
+        <p14:creationId xmlns:p14="http://schemas.microsoft.com/office/powerpoint/2010/main" val="627921549"/>
       </p:ext>
     </p:extLst>
   </p:cSld>
@@ -1584,7 +2045,7 @@
     </p:spTree>
     <p:extLst>
       <p:ext uri="{BB962C8B-B14F-4D97-AF65-F5344CB8AC3E}">
-        <p14:creationId xmlns:p14="http://schemas.microsoft.com/office/powerpoint/2010/main" val="847075339"/>
+        <p14:creationId xmlns:p14="http://schemas.microsoft.com/office/powerpoint/2010/main" val="818292738"/>
       </p:ext>
     </p:extLst>
   </p:cSld>
@@ -1702,7 +2163,7 @@
     </p:spTree>
     <p:extLst>
       <p:ext uri="{BB962C8B-B14F-4D97-AF65-F5344CB8AC3E}">
-        <p14:creationId xmlns:p14="http://schemas.microsoft.com/office/powerpoint/2010/main" val="533258538"/>
+        <p14:creationId xmlns:p14="http://schemas.microsoft.com/office/powerpoint/2010/main" val="2744486609"/>
       </p:ext>
     </p:extLst>
   </p:cSld>
@@ -4944,7 +5405,7 @@
         </p:nvSpPr>
         <p:spPr>
           <a:xfrm>
-            <a:off x="3371495" y="696475"/>
+            <a:off x="2721982" y="696475"/>
             <a:ext cx="10515600" cy="1325563"/>
           </a:xfrm>
         </p:spPr>
@@ -4994,7 +5455,7 @@
         </p:blipFill>
         <p:spPr bwMode="auto">
           <a:xfrm>
-            <a:off x="1180077" y="108278"/>
+            <a:off x="530564" y="108278"/>
             <a:ext cx="2189605" cy="2022038"/>
           </a:xfrm>
           <a:prstGeom prst="rect">
@@ -5028,7 +5489,7 @@
         </p:nvCxnSpPr>
         <p:spPr>
           <a:xfrm>
-            <a:off x="1625367" y="1684829"/>
+            <a:off x="975854" y="1684829"/>
             <a:ext cx="9518745" cy="1"/>
           </a:xfrm>
           <a:prstGeom prst="line">
@@ -5535,6 +5996,651 @@
         </p:nvSpPr>
         <p:spPr>
           <a:xfrm>
+            <a:off x="4123382" y="513769"/>
+            <a:ext cx="10515600" cy="1325563"/>
+          </a:xfrm>
+        </p:spPr>
+        <p:txBody>
+          <a:bodyPr/>
+          <a:lstStyle/>
+          <a:p>
+            <a:r>
+              <a:rPr lang="en-US" dirty="0">
+                <a:solidFill>
+                  <a:srgbClr val="EA5E46"/>
+                </a:solidFill>
+              </a:rPr>
+              <a:t>Model Findings – Price Correlation</a:t>
+            </a:r>
+          </a:p>
+        </p:txBody>
+      </p:sp>
+      <p:pic>
+        <p:nvPicPr>
+          <p:cNvPr id="2050" name="Picture 2" descr="Image result for air bnb logo">
+            <a:extLst>
+              <a:ext uri="{FF2B5EF4-FFF2-40B4-BE49-F238E27FC236}">
+                <a16:creationId xmlns:a16="http://schemas.microsoft.com/office/drawing/2014/main" id="{A162C291-208B-BE48-BF44-7D5CD7EF6151}"/>
+              </a:ext>
+            </a:extLst>
+          </p:cNvPr>
+          <p:cNvPicPr>
+            <a:picLocks noChangeAspect="1" noChangeArrowheads="1"/>
+          </p:cNvPicPr>
+          <p:nvPr/>
+        </p:nvPicPr>
+        <p:blipFill>
+          <a:blip r:embed="rId3">
+            <a:extLst>
+              <a:ext uri="{28A0092B-C50C-407E-A947-70E740481C1C}">
+                <a14:useLocalDpi xmlns:a14="http://schemas.microsoft.com/office/drawing/2010/main" val="0"/>
+              </a:ext>
+            </a:extLst>
+          </a:blip>
+          <a:srcRect/>
+          <a:stretch>
+            <a:fillRect/>
+          </a:stretch>
+        </p:blipFill>
+        <p:spPr bwMode="auto">
+          <a:xfrm>
+            <a:off x="2080820" y="0"/>
+            <a:ext cx="2189605" cy="2022038"/>
+          </a:xfrm>
+          <a:prstGeom prst="rect">
+            <a:avLst/>
+          </a:prstGeom>
+          <a:noFill/>
+          <a:extLst>
+            <a:ext uri="{909E8E84-426E-40DD-AFC4-6F175D3DCCD1}">
+              <a14:hiddenFill xmlns:a14="http://schemas.microsoft.com/office/drawing/2010/main">
+                <a:solidFill>
+                  <a:srgbClr val="FFFFFF"/>
+                </a:solidFill>
+              </a14:hiddenFill>
+            </a:ext>
+          </a:extLst>
+        </p:spPr>
+      </p:pic>
+      <p:cxnSp>
+        <p:nvCxnSpPr>
+          <p:cNvPr id="6" name="Straight Connector 5">
+            <a:extLst>
+              <a:ext uri="{FF2B5EF4-FFF2-40B4-BE49-F238E27FC236}">
+                <a16:creationId xmlns:a16="http://schemas.microsoft.com/office/drawing/2014/main" id="{7D0926DC-6298-B648-9DF9-0D78D09F9FC8}"/>
+              </a:ext>
+            </a:extLst>
+          </p:cNvPr>
+          <p:cNvCxnSpPr>
+            <a:cxnSpLocks/>
+          </p:cNvCxnSpPr>
+          <p:nvPr/>
+        </p:nvCxnSpPr>
+        <p:spPr>
+          <a:xfrm>
+            <a:off x="2526110" y="1576551"/>
+            <a:ext cx="9518745" cy="1"/>
+          </a:xfrm>
+          <a:prstGeom prst="line">
+            <a:avLst/>
+          </a:prstGeom>
+          <a:ln w="12700">
+            <a:solidFill>
+              <a:srgbClr val="EA5E46"/>
+            </a:solidFill>
+          </a:ln>
+        </p:spPr>
+        <p:style>
+          <a:lnRef idx="1">
+            <a:schemeClr val="accent2"/>
+          </a:lnRef>
+          <a:fillRef idx="0">
+            <a:schemeClr val="accent2"/>
+          </a:fillRef>
+          <a:effectRef idx="0">
+            <a:schemeClr val="accent2"/>
+          </a:effectRef>
+          <a:fontRef idx="minor">
+            <a:schemeClr val="tx1"/>
+          </a:fontRef>
+        </p:style>
+      </p:cxnSp>
+    </p:spTree>
+    <p:extLst>
+      <p:ext uri="{BB962C8B-B14F-4D97-AF65-F5344CB8AC3E}">
+        <p14:creationId xmlns:p14="http://schemas.microsoft.com/office/powerpoint/2010/main" val="191879790"/>
+      </p:ext>
+    </p:extLst>
+  </p:cSld>
+  <p:clrMapOvr>
+    <a:masterClrMapping/>
+  </p:clrMapOvr>
+</p:sld>
+</file>
+
+<file path=ppt/slides/slide11.xml><?xml version="1.0" encoding="utf-8"?>
+<p:sld xmlns:a="http://schemas.openxmlformats.org/drawingml/2006/main" xmlns:r="http://schemas.openxmlformats.org/officeDocument/2006/relationships" xmlns:p="http://schemas.openxmlformats.org/presentationml/2006/main">
+  <p:cSld>
+    <p:spTree>
+      <p:nvGrpSpPr>
+        <p:cNvPr id="1" name=""/>
+        <p:cNvGrpSpPr/>
+        <p:nvPr/>
+      </p:nvGrpSpPr>
+      <p:grpSpPr>
+        <a:xfrm>
+          <a:off x="0" y="0"/>
+          <a:ext cx="0" cy="0"/>
+          <a:chOff x="0" y="0"/>
+          <a:chExt cx="0" cy="0"/>
+        </a:xfrm>
+      </p:grpSpPr>
+      <p:sp>
+        <p:nvSpPr>
+          <p:cNvPr id="2" name="Title 1">
+            <a:extLst>
+              <a:ext uri="{FF2B5EF4-FFF2-40B4-BE49-F238E27FC236}">
+                <a16:creationId xmlns:a16="http://schemas.microsoft.com/office/drawing/2014/main" id="{59B8B577-5676-3C4B-A107-E41DB331FD85}"/>
+              </a:ext>
+            </a:extLst>
+          </p:cNvPr>
+          <p:cNvSpPr>
+            <a:spLocks noGrp="1"/>
+          </p:cNvSpPr>
+          <p:nvPr>
+            <p:ph type="title"/>
+          </p:nvPr>
+        </p:nvSpPr>
+        <p:spPr>
+          <a:xfrm>
+            <a:off x="4272238" y="588197"/>
+            <a:ext cx="10515600" cy="1325563"/>
+          </a:xfrm>
+        </p:spPr>
+        <p:txBody>
+          <a:bodyPr/>
+          <a:lstStyle/>
+          <a:p>
+            <a:r>
+              <a:rPr lang="en-US" dirty="0">
+                <a:solidFill>
+                  <a:srgbClr val="EA5E46"/>
+                </a:solidFill>
+              </a:rPr>
+              <a:t>Model Findings – Features </a:t>
+            </a:r>
+          </a:p>
+        </p:txBody>
+      </p:sp>
+      <p:pic>
+        <p:nvPicPr>
+          <p:cNvPr id="2050" name="Picture 2" descr="Image result for air bnb logo">
+            <a:extLst>
+              <a:ext uri="{FF2B5EF4-FFF2-40B4-BE49-F238E27FC236}">
+                <a16:creationId xmlns:a16="http://schemas.microsoft.com/office/drawing/2014/main" id="{A162C291-208B-BE48-BF44-7D5CD7EF6151}"/>
+              </a:ext>
+            </a:extLst>
+          </p:cNvPr>
+          <p:cNvPicPr>
+            <a:picLocks noChangeAspect="1" noChangeArrowheads="1"/>
+          </p:cNvPicPr>
+          <p:nvPr/>
+        </p:nvPicPr>
+        <p:blipFill>
+          <a:blip r:embed="rId3">
+            <a:extLst>
+              <a:ext uri="{28A0092B-C50C-407E-A947-70E740481C1C}">
+                <a14:useLocalDpi xmlns:a14="http://schemas.microsoft.com/office/drawing/2010/main" val="0"/>
+              </a:ext>
+            </a:extLst>
+          </a:blip>
+          <a:srcRect/>
+          <a:stretch>
+            <a:fillRect/>
+          </a:stretch>
+        </p:blipFill>
+        <p:spPr bwMode="auto">
+          <a:xfrm>
+            <a:off x="2080820" y="0"/>
+            <a:ext cx="2189605" cy="2022038"/>
+          </a:xfrm>
+          <a:prstGeom prst="rect">
+            <a:avLst/>
+          </a:prstGeom>
+          <a:noFill/>
+          <a:extLst>
+            <a:ext uri="{909E8E84-426E-40DD-AFC4-6F175D3DCCD1}">
+              <a14:hiddenFill xmlns:a14="http://schemas.microsoft.com/office/drawing/2010/main">
+                <a:solidFill>
+                  <a:srgbClr val="FFFFFF"/>
+                </a:solidFill>
+              </a14:hiddenFill>
+            </a:ext>
+          </a:extLst>
+        </p:spPr>
+      </p:pic>
+      <p:cxnSp>
+        <p:nvCxnSpPr>
+          <p:cNvPr id="6" name="Straight Connector 5">
+            <a:extLst>
+              <a:ext uri="{FF2B5EF4-FFF2-40B4-BE49-F238E27FC236}">
+                <a16:creationId xmlns:a16="http://schemas.microsoft.com/office/drawing/2014/main" id="{7D0926DC-6298-B648-9DF9-0D78D09F9FC8}"/>
+              </a:ext>
+            </a:extLst>
+          </p:cNvPr>
+          <p:cNvCxnSpPr>
+            <a:cxnSpLocks/>
+          </p:cNvCxnSpPr>
+          <p:nvPr/>
+        </p:nvCxnSpPr>
+        <p:spPr>
+          <a:xfrm>
+            <a:off x="2526110" y="1576551"/>
+            <a:ext cx="9518745" cy="1"/>
+          </a:xfrm>
+          <a:prstGeom prst="line">
+            <a:avLst/>
+          </a:prstGeom>
+          <a:ln w="12700">
+            <a:solidFill>
+              <a:srgbClr val="EA5E46"/>
+            </a:solidFill>
+          </a:ln>
+        </p:spPr>
+        <p:style>
+          <a:lnRef idx="1">
+            <a:schemeClr val="accent2"/>
+          </a:lnRef>
+          <a:fillRef idx="0">
+            <a:schemeClr val="accent2"/>
+          </a:fillRef>
+          <a:effectRef idx="0">
+            <a:schemeClr val="accent2"/>
+          </a:effectRef>
+          <a:fontRef idx="minor">
+            <a:schemeClr val="tx1"/>
+          </a:fontRef>
+        </p:style>
+      </p:cxnSp>
+    </p:spTree>
+    <p:extLst>
+      <p:ext uri="{BB962C8B-B14F-4D97-AF65-F5344CB8AC3E}">
+        <p14:creationId xmlns:p14="http://schemas.microsoft.com/office/powerpoint/2010/main" val="2072027101"/>
+      </p:ext>
+    </p:extLst>
+  </p:cSld>
+  <p:clrMapOvr>
+    <a:masterClrMapping/>
+  </p:clrMapOvr>
+</p:sld>
+</file>
+
+<file path=ppt/slides/slide12.xml><?xml version="1.0" encoding="utf-8"?>
+<p:sld xmlns:a="http://schemas.openxmlformats.org/drawingml/2006/main" xmlns:r="http://schemas.openxmlformats.org/officeDocument/2006/relationships" xmlns:p="http://schemas.openxmlformats.org/presentationml/2006/main">
+  <p:cSld>
+    <p:spTree>
+      <p:nvGrpSpPr>
+        <p:cNvPr id="1" name=""/>
+        <p:cNvGrpSpPr/>
+        <p:nvPr/>
+      </p:nvGrpSpPr>
+      <p:grpSpPr>
+        <a:xfrm>
+          <a:off x="0" y="0"/>
+          <a:ext cx="0" cy="0"/>
+          <a:chOff x="0" y="0"/>
+          <a:chExt cx="0" cy="0"/>
+        </a:xfrm>
+      </p:grpSpPr>
+      <p:sp>
+        <p:nvSpPr>
+          <p:cNvPr id="2" name="Title 1">
+            <a:extLst>
+              <a:ext uri="{FF2B5EF4-FFF2-40B4-BE49-F238E27FC236}">
+                <a16:creationId xmlns:a16="http://schemas.microsoft.com/office/drawing/2014/main" id="{59B8B577-5676-3C4B-A107-E41DB331FD85}"/>
+              </a:ext>
+            </a:extLst>
+          </p:cNvPr>
+          <p:cNvSpPr>
+            <a:spLocks noGrp="1"/>
+          </p:cNvSpPr>
+          <p:nvPr>
+            <p:ph type="title"/>
+          </p:nvPr>
+        </p:nvSpPr>
+        <p:spPr>
+          <a:xfrm>
+            <a:off x="4272238" y="588197"/>
+            <a:ext cx="10515600" cy="1325563"/>
+          </a:xfrm>
+        </p:spPr>
+        <p:txBody>
+          <a:bodyPr>
+            <a:normAutofit/>
+          </a:bodyPr>
+          <a:lstStyle/>
+          <a:p>
+            <a:r>
+              <a:rPr lang="en-US" sz="4000" dirty="0">
+                <a:solidFill>
+                  <a:srgbClr val="EA5E46"/>
+                </a:solidFill>
+              </a:rPr>
+              <a:t>Model Findings – Nearest </a:t>
+            </a:r>
+            <a:r>
+              <a:rPr lang="en-US" sz="4000" dirty="0" err="1">
+                <a:solidFill>
+                  <a:srgbClr val="EA5E46"/>
+                </a:solidFill>
+              </a:rPr>
+              <a:t>Neighbour</a:t>
+            </a:r>
+            <a:endParaRPr lang="en-US" sz="4000" dirty="0">
+              <a:solidFill>
+                <a:srgbClr val="EA5E46"/>
+              </a:solidFill>
+            </a:endParaRPr>
+          </a:p>
+        </p:txBody>
+      </p:sp>
+      <p:pic>
+        <p:nvPicPr>
+          <p:cNvPr id="2050" name="Picture 2" descr="Image result for air bnb logo">
+            <a:extLst>
+              <a:ext uri="{FF2B5EF4-FFF2-40B4-BE49-F238E27FC236}">
+                <a16:creationId xmlns:a16="http://schemas.microsoft.com/office/drawing/2014/main" id="{A162C291-208B-BE48-BF44-7D5CD7EF6151}"/>
+              </a:ext>
+            </a:extLst>
+          </p:cNvPr>
+          <p:cNvPicPr>
+            <a:picLocks noChangeAspect="1" noChangeArrowheads="1"/>
+          </p:cNvPicPr>
+          <p:nvPr/>
+        </p:nvPicPr>
+        <p:blipFill>
+          <a:blip r:embed="rId3">
+            <a:extLst>
+              <a:ext uri="{28A0092B-C50C-407E-A947-70E740481C1C}">
+                <a14:useLocalDpi xmlns:a14="http://schemas.microsoft.com/office/drawing/2010/main" val="0"/>
+              </a:ext>
+            </a:extLst>
+          </a:blip>
+          <a:srcRect/>
+          <a:stretch>
+            <a:fillRect/>
+          </a:stretch>
+        </p:blipFill>
+        <p:spPr bwMode="auto">
+          <a:xfrm>
+            <a:off x="2080820" y="0"/>
+            <a:ext cx="2189605" cy="2022038"/>
+          </a:xfrm>
+          <a:prstGeom prst="rect">
+            <a:avLst/>
+          </a:prstGeom>
+          <a:noFill/>
+          <a:extLst>
+            <a:ext uri="{909E8E84-426E-40DD-AFC4-6F175D3DCCD1}">
+              <a14:hiddenFill xmlns:a14="http://schemas.microsoft.com/office/drawing/2010/main">
+                <a:solidFill>
+                  <a:srgbClr val="FFFFFF"/>
+                </a:solidFill>
+              </a14:hiddenFill>
+            </a:ext>
+          </a:extLst>
+        </p:spPr>
+      </p:pic>
+      <p:cxnSp>
+        <p:nvCxnSpPr>
+          <p:cNvPr id="6" name="Straight Connector 5">
+            <a:extLst>
+              <a:ext uri="{FF2B5EF4-FFF2-40B4-BE49-F238E27FC236}">
+                <a16:creationId xmlns:a16="http://schemas.microsoft.com/office/drawing/2014/main" id="{7D0926DC-6298-B648-9DF9-0D78D09F9FC8}"/>
+              </a:ext>
+            </a:extLst>
+          </p:cNvPr>
+          <p:cNvCxnSpPr>
+            <a:cxnSpLocks/>
+          </p:cNvCxnSpPr>
+          <p:nvPr/>
+        </p:nvCxnSpPr>
+        <p:spPr>
+          <a:xfrm>
+            <a:off x="2526110" y="1576551"/>
+            <a:ext cx="9518745" cy="1"/>
+          </a:xfrm>
+          <a:prstGeom prst="line">
+            <a:avLst/>
+          </a:prstGeom>
+          <a:ln w="12700">
+            <a:solidFill>
+              <a:srgbClr val="EA5E46"/>
+            </a:solidFill>
+          </a:ln>
+        </p:spPr>
+        <p:style>
+          <a:lnRef idx="1">
+            <a:schemeClr val="accent2"/>
+          </a:lnRef>
+          <a:fillRef idx="0">
+            <a:schemeClr val="accent2"/>
+          </a:fillRef>
+          <a:effectRef idx="0">
+            <a:schemeClr val="accent2"/>
+          </a:effectRef>
+          <a:fontRef idx="minor">
+            <a:schemeClr val="tx1"/>
+          </a:fontRef>
+        </p:style>
+      </p:cxnSp>
+    </p:spTree>
+    <p:extLst>
+      <p:ext uri="{BB962C8B-B14F-4D97-AF65-F5344CB8AC3E}">
+        <p14:creationId xmlns:p14="http://schemas.microsoft.com/office/powerpoint/2010/main" val="1701961482"/>
+      </p:ext>
+    </p:extLst>
+  </p:cSld>
+  <p:clrMapOvr>
+    <a:masterClrMapping/>
+  </p:clrMapOvr>
+</p:sld>
+</file>
+
+<file path=ppt/slides/slide13.xml><?xml version="1.0" encoding="utf-8"?>
+<p:sld xmlns:a="http://schemas.openxmlformats.org/drawingml/2006/main" xmlns:r="http://schemas.openxmlformats.org/officeDocument/2006/relationships" xmlns:p="http://schemas.openxmlformats.org/presentationml/2006/main">
+  <p:cSld>
+    <p:spTree>
+      <p:nvGrpSpPr>
+        <p:cNvPr id="1" name=""/>
+        <p:cNvGrpSpPr/>
+        <p:nvPr/>
+      </p:nvGrpSpPr>
+      <p:grpSpPr>
+        <a:xfrm>
+          <a:off x="0" y="0"/>
+          <a:ext cx="0" cy="0"/>
+          <a:chOff x="0" y="0"/>
+          <a:chExt cx="0" cy="0"/>
+        </a:xfrm>
+      </p:grpSpPr>
+      <p:sp>
+        <p:nvSpPr>
+          <p:cNvPr id="2" name="Title 1">
+            <a:extLst>
+              <a:ext uri="{FF2B5EF4-FFF2-40B4-BE49-F238E27FC236}">
+                <a16:creationId xmlns:a16="http://schemas.microsoft.com/office/drawing/2014/main" id="{59B8B577-5676-3C4B-A107-E41DB331FD85}"/>
+              </a:ext>
+            </a:extLst>
+          </p:cNvPr>
+          <p:cNvSpPr>
+            <a:spLocks noGrp="1"/>
+          </p:cNvSpPr>
+          <p:nvPr>
+            <p:ph type="title"/>
+          </p:nvPr>
+        </p:nvSpPr>
+        <p:spPr>
+          <a:xfrm>
+            <a:off x="4272238" y="588197"/>
+            <a:ext cx="10515600" cy="1325563"/>
+          </a:xfrm>
+        </p:spPr>
+        <p:txBody>
+          <a:bodyPr>
+            <a:normAutofit/>
+          </a:bodyPr>
+          <a:lstStyle/>
+          <a:p>
+            <a:r>
+              <a:rPr lang="en-US" sz="4000" dirty="0">
+                <a:solidFill>
+                  <a:srgbClr val="EA5E46"/>
+                </a:solidFill>
+              </a:rPr>
+              <a:t>Model Findings – Trends &amp; Seasonality</a:t>
+            </a:r>
+          </a:p>
+        </p:txBody>
+      </p:sp>
+      <p:pic>
+        <p:nvPicPr>
+          <p:cNvPr id="2050" name="Picture 2" descr="Image result for air bnb logo">
+            <a:extLst>
+              <a:ext uri="{FF2B5EF4-FFF2-40B4-BE49-F238E27FC236}">
+                <a16:creationId xmlns:a16="http://schemas.microsoft.com/office/drawing/2014/main" id="{A162C291-208B-BE48-BF44-7D5CD7EF6151}"/>
+              </a:ext>
+            </a:extLst>
+          </p:cNvPr>
+          <p:cNvPicPr>
+            <a:picLocks noChangeAspect="1" noChangeArrowheads="1"/>
+          </p:cNvPicPr>
+          <p:nvPr/>
+        </p:nvPicPr>
+        <p:blipFill>
+          <a:blip r:embed="rId3">
+            <a:extLst>
+              <a:ext uri="{28A0092B-C50C-407E-A947-70E740481C1C}">
+                <a14:useLocalDpi xmlns:a14="http://schemas.microsoft.com/office/drawing/2010/main" val="0"/>
+              </a:ext>
+            </a:extLst>
+          </a:blip>
+          <a:srcRect/>
+          <a:stretch>
+            <a:fillRect/>
+          </a:stretch>
+        </p:blipFill>
+        <p:spPr bwMode="auto">
+          <a:xfrm>
+            <a:off x="2080820" y="0"/>
+            <a:ext cx="2189605" cy="2022038"/>
+          </a:xfrm>
+          <a:prstGeom prst="rect">
+            <a:avLst/>
+          </a:prstGeom>
+          <a:noFill/>
+          <a:extLst>
+            <a:ext uri="{909E8E84-426E-40DD-AFC4-6F175D3DCCD1}">
+              <a14:hiddenFill xmlns:a14="http://schemas.microsoft.com/office/drawing/2010/main">
+                <a:solidFill>
+                  <a:srgbClr val="FFFFFF"/>
+                </a:solidFill>
+              </a14:hiddenFill>
+            </a:ext>
+          </a:extLst>
+        </p:spPr>
+      </p:pic>
+      <p:cxnSp>
+        <p:nvCxnSpPr>
+          <p:cNvPr id="6" name="Straight Connector 5">
+            <a:extLst>
+              <a:ext uri="{FF2B5EF4-FFF2-40B4-BE49-F238E27FC236}">
+                <a16:creationId xmlns:a16="http://schemas.microsoft.com/office/drawing/2014/main" id="{7D0926DC-6298-B648-9DF9-0D78D09F9FC8}"/>
+              </a:ext>
+            </a:extLst>
+          </p:cNvPr>
+          <p:cNvCxnSpPr>
+            <a:cxnSpLocks/>
+          </p:cNvCxnSpPr>
+          <p:nvPr/>
+        </p:nvCxnSpPr>
+        <p:spPr>
+          <a:xfrm>
+            <a:off x="2526110" y="1576551"/>
+            <a:ext cx="9518745" cy="1"/>
+          </a:xfrm>
+          <a:prstGeom prst="line">
+            <a:avLst/>
+          </a:prstGeom>
+          <a:ln w="12700">
+            <a:solidFill>
+              <a:srgbClr val="EA5E46"/>
+            </a:solidFill>
+          </a:ln>
+        </p:spPr>
+        <p:style>
+          <a:lnRef idx="1">
+            <a:schemeClr val="accent2"/>
+          </a:lnRef>
+          <a:fillRef idx="0">
+            <a:schemeClr val="accent2"/>
+          </a:fillRef>
+          <a:effectRef idx="0">
+            <a:schemeClr val="accent2"/>
+          </a:effectRef>
+          <a:fontRef idx="minor">
+            <a:schemeClr val="tx1"/>
+          </a:fontRef>
+        </p:style>
+      </p:cxnSp>
+    </p:spTree>
+    <p:extLst>
+      <p:ext uri="{BB962C8B-B14F-4D97-AF65-F5344CB8AC3E}">
+        <p14:creationId xmlns:p14="http://schemas.microsoft.com/office/powerpoint/2010/main" val="2932517798"/>
+      </p:ext>
+    </p:extLst>
+  </p:cSld>
+  <p:clrMapOvr>
+    <a:masterClrMapping/>
+  </p:clrMapOvr>
+</p:sld>
+</file>
+
+<file path=ppt/slides/slide14.xml><?xml version="1.0" encoding="utf-8"?>
+<p:sld xmlns:a="http://schemas.openxmlformats.org/drawingml/2006/main" xmlns:r="http://schemas.openxmlformats.org/officeDocument/2006/relationships" xmlns:p="http://schemas.openxmlformats.org/presentationml/2006/main">
+  <p:cSld>
+    <p:spTree>
+      <p:nvGrpSpPr>
+        <p:cNvPr id="1" name=""/>
+        <p:cNvGrpSpPr/>
+        <p:nvPr/>
+      </p:nvGrpSpPr>
+      <p:grpSpPr>
+        <a:xfrm>
+          <a:off x="0" y="0"/>
+          <a:ext cx="0" cy="0"/>
+          <a:chOff x="0" y="0"/>
+          <a:chExt cx="0" cy="0"/>
+        </a:xfrm>
+      </p:grpSpPr>
+      <p:sp>
+        <p:nvSpPr>
+          <p:cNvPr id="2" name="Title 1">
+            <a:extLst>
+              <a:ext uri="{FF2B5EF4-FFF2-40B4-BE49-F238E27FC236}">
+                <a16:creationId xmlns:a16="http://schemas.microsoft.com/office/drawing/2014/main" id="{59B8B577-5676-3C4B-A107-E41DB331FD85}"/>
+              </a:ext>
+            </a:extLst>
+          </p:cNvPr>
+          <p:cNvSpPr>
+            <a:spLocks noGrp="1"/>
+          </p:cNvSpPr>
+          <p:nvPr>
+            <p:ph type="title"/>
+          </p:nvPr>
+        </p:nvSpPr>
+        <p:spPr>
+          <a:xfrm>
             <a:off x="4272238" y="588197"/>
             <a:ext cx="10515600" cy="1325563"/>
           </a:xfrm>
@@ -5657,7 +6763,7 @@
 </p:sld>
 </file>
 
-<file path=ppt/slides/slide11.xml><?xml version="1.0" encoding="utf-8"?>
+<file path=ppt/slides/slide15.xml><?xml version="1.0" encoding="utf-8"?>
 <p:sld xmlns:a="http://schemas.openxmlformats.org/drawingml/2006/main" xmlns:r="http://schemas.openxmlformats.org/officeDocument/2006/relationships" xmlns:p="http://schemas.openxmlformats.org/presentationml/2006/main">
   <p:cSld>
     <p:spTree>
@@ -6051,7 +7157,7 @@
         </p:nvSpPr>
         <p:spPr>
           <a:xfrm>
-            <a:off x="3371495" y="696475"/>
+            <a:off x="2721982" y="696475"/>
             <a:ext cx="10515600" cy="1325563"/>
           </a:xfrm>
         </p:spPr>
@@ -6067,7 +7173,7 @@
                   <a:srgbClr val="EA5E46"/>
                 </a:solidFill>
               </a:rPr>
-              <a:t>Model Data Transformation Process</a:t>
+              <a:t>Model Data Cleaning</a:t>
             </a:r>
           </a:p>
         </p:txBody>
@@ -6101,7 +7207,7 @@
         </p:blipFill>
         <p:spPr bwMode="auto">
           <a:xfrm>
-            <a:off x="1180077" y="108278"/>
+            <a:off x="530564" y="108278"/>
             <a:ext cx="2189605" cy="2022038"/>
           </a:xfrm>
           <a:prstGeom prst="rect">
@@ -6135,7 +7241,324 @@
         </p:nvCxnSpPr>
         <p:spPr>
           <a:xfrm>
-            <a:off x="1625367" y="1684829"/>
+            <a:off x="975854" y="1684829"/>
+            <a:ext cx="9518745" cy="1"/>
+          </a:xfrm>
+          <a:prstGeom prst="line">
+            <a:avLst/>
+          </a:prstGeom>
+          <a:ln w="12700">
+            <a:solidFill>
+              <a:srgbClr val="EA5E46"/>
+            </a:solidFill>
+          </a:ln>
+        </p:spPr>
+        <p:style>
+          <a:lnRef idx="1">
+            <a:schemeClr val="accent2"/>
+          </a:lnRef>
+          <a:fillRef idx="0">
+            <a:schemeClr val="accent2"/>
+          </a:fillRef>
+          <a:effectRef idx="0">
+            <a:schemeClr val="accent2"/>
+          </a:effectRef>
+          <a:fontRef idx="minor">
+            <a:schemeClr val="tx1"/>
+          </a:fontRef>
+        </p:style>
+      </p:cxnSp>
+      <p:sp>
+        <p:nvSpPr>
+          <p:cNvPr id="3" name="TextBox 2">
+            <a:extLst>
+              <a:ext uri="{FF2B5EF4-FFF2-40B4-BE49-F238E27FC236}">
+                <a16:creationId xmlns:a16="http://schemas.microsoft.com/office/drawing/2014/main" id="{76D81AFC-F7DB-49B4-89B6-57701799BA62}"/>
+              </a:ext>
+            </a:extLst>
+          </p:cNvPr>
+          <p:cNvSpPr txBox="1"/>
+          <p:nvPr/>
+        </p:nvSpPr>
+        <p:spPr>
+          <a:xfrm>
+            <a:off x="975853" y="2130317"/>
+            <a:ext cx="9518745" cy="369332"/>
+          </a:xfrm>
+          <a:prstGeom prst="rect">
+            <a:avLst/>
+          </a:prstGeom>
+          <a:noFill/>
+        </p:spPr>
+        <p:txBody>
+          <a:bodyPr wrap="square" rtlCol="0">
+            <a:spAutoFit/>
+          </a:bodyPr>
+          <a:lstStyle/>
+          <a:p>
+            <a:pPr marL="285750" indent="-285750">
+              <a:buFont typeface="Arial" panose="020B0604020202020204" pitchFamily="34" charset="0"/>
+              <a:buChar char="•"/>
+            </a:pPr>
+            <a:r>
+              <a:rPr lang="en-US" dirty="0"/>
+              <a:t>Added additional column to provide the total amenities count to see how it affects price</a:t>
+            </a:r>
+            <a:endParaRPr lang="en-CA" dirty="0"/>
+          </a:p>
+        </p:txBody>
+      </p:sp>
+      <p:pic>
+        <p:nvPicPr>
+          <p:cNvPr id="8" name="Picture 7">
+            <a:extLst>
+              <a:ext uri="{FF2B5EF4-FFF2-40B4-BE49-F238E27FC236}">
+                <a16:creationId xmlns:a16="http://schemas.microsoft.com/office/drawing/2014/main" id="{6C502A07-8C5A-4606-9D20-78216B8AD106}"/>
+              </a:ext>
+            </a:extLst>
+          </p:cNvPr>
+          <p:cNvPicPr>
+            <a:picLocks noChangeAspect="1"/>
+          </p:cNvPicPr>
+          <p:nvPr/>
+        </p:nvPicPr>
+        <p:blipFill>
+          <a:blip r:embed="rId4"/>
+          <a:stretch>
+            <a:fillRect/>
+          </a:stretch>
+        </p:blipFill>
+        <p:spPr>
+          <a:xfrm>
+            <a:off x="1309393" y="3116266"/>
+            <a:ext cx="3673158" cy="1181202"/>
+          </a:xfrm>
+          <a:prstGeom prst="rect">
+            <a:avLst/>
+          </a:prstGeom>
+        </p:spPr>
+      </p:pic>
+      <p:pic>
+        <p:nvPicPr>
+          <p:cNvPr id="10" name="Picture 9">
+            <a:extLst>
+              <a:ext uri="{FF2B5EF4-FFF2-40B4-BE49-F238E27FC236}">
+                <a16:creationId xmlns:a16="http://schemas.microsoft.com/office/drawing/2014/main" id="{0233D9E3-FACF-48F1-A3EF-8E158AFA9C30}"/>
+              </a:ext>
+            </a:extLst>
+          </p:cNvPr>
+          <p:cNvPicPr>
+            <a:picLocks noChangeAspect="1"/>
+          </p:cNvPicPr>
+          <p:nvPr/>
+        </p:nvPicPr>
+        <p:blipFill>
+          <a:blip r:embed="rId5"/>
+          <a:stretch>
+            <a:fillRect/>
+          </a:stretch>
+        </p:blipFill>
+        <p:spPr>
+          <a:xfrm>
+            <a:off x="7530687" y="3068390"/>
+            <a:ext cx="1158340" cy="1135478"/>
+          </a:xfrm>
+          <a:prstGeom prst="rect">
+            <a:avLst/>
+          </a:prstGeom>
+        </p:spPr>
+      </p:pic>
+      <p:sp>
+        <p:nvSpPr>
+          <p:cNvPr id="13" name="Arrow: Right 12">
+            <a:extLst>
+              <a:ext uri="{FF2B5EF4-FFF2-40B4-BE49-F238E27FC236}">
+                <a16:creationId xmlns:a16="http://schemas.microsoft.com/office/drawing/2014/main" id="{4909AE15-9CFE-4BEA-8959-FC97CF762308}"/>
+              </a:ext>
+            </a:extLst>
+          </p:cNvPr>
+          <p:cNvSpPr/>
+          <p:nvPr/>
+        </p:nvSpPr>
+        <p:spPr>
+          <a:xfrm>
+            <a:off x="5980172" y="3422544"/>
+            <a:ext cx="552893" cy="352089"/>
+          </a:xfrm>
+          <a:prstGeom prst="rightArrow">
+            <a:avLst/>
+          </a:prstGeom>
+          <a:solidFill>
+            <a:schemeClr val="bg2">
+              <a:lumMod val="75000"/>
+            </a:schemeClr>
+          </a:solidFill>
+          <a:ln>
+            <a:solidFill>
+              <a:schemeClr val="bg2">
+                <a:lumMod val="75000"/>
+              </a:schemeClr>
+            </a:solidFill>
+          </a:ln>
+        </p:spPr>
+        <p:style>
+          <a:lnRef idx="2">
+            <a:schemeClr val="accent1">
+              <a:shade val="50000"/>
+            </a:schemeClr>
+          </a:lnRef>
+          <a:fillRef idx="1">
+            <a:schemeClr val="accent1"/>
+          </a:fillRef>
+          <a:effectRef idx="0">
+            <a:schemeClr val="accent1"/>
+          </a:effectRef>
+          <a:fontRef idx="minor">
+            <a:schemeClr val="lt1"/>
+          </a:fontRef>
+        </p:style>
+        <p:txBody>
+          <a:bodyPr rtlCol="0" anchor="ctr"/>
+          <a:lstStyle/>
+          <a:p>
+            <a:pPr algn="ctr"/>
+            <a:endParaRPr lang="en-CA"/>
+          </a:p>
+        </p:txBody>
+      </p:sp>
+    </p:spTree>
+    <p:extLst>
+      <p:ext uri="{BB962C8B-B14F-4D97-AF65-F5344CB8AC3E}">
+        <p14:creationId xmlns:p14="http://schemas.microsoft.com/office/powerpoint/2010/main" val="513184334"/>
+      </p:ext>
+    </p:extLst>
+  </p:cSld>
+  <p:clrMapOvr>
+    <a:masterClrMapping/>
+  </p:clrMapOvr>
+</p:sld>
+</file>
+
+<file path=ppt/slides/slide3.xml><?xml version="1.0" encoding="utf-8"?>
+<p:sld xmlns:a="http://schemas.openxmlformats.org/drawingml/2006/main" xmlns:r="http://schemas.openxmlformats.org/officeDocument/2006/relationships" xmlns:p="http://schemas.openxmlformats.org/presentationml/2006/main">
+  <p:cSld>
+    <p:spTree>
+      <p:nvGrpSpPr>
+        <p:cNvPr id="1" name=""/>
+        <p:cNvGrpSpPr/>
+        <p:nvPr/>
+      </p:nvGrpSpPr>
+      <p:grpSpPr>
+        <a:xfrm>
+          <a:off x="0" y="0"/>
+          <a:ext cx="0" cy="0"/>
+          <a:chOff x="0" y="0"/>
+          <a:chExt cx="0" cy="0"/>
+        </a:xfrm>
+      </p:grpSpPr>
+      <p:sp>
+        <p:nvSpPr>
+          <p:cNvPr id="2" name="Title 1">
+            <a:extLst>
+              <a:ext uri="{FF2B5EF4-FFF2-40B4-BE49-F238E27FC236}">
+                <a16:creationId xmlns:a16="http://schemas.microsoft.com/office/drawing/2014/main" id="{59B8B577-5676-3C4B-A107-E41DB331FD85}"/>
+              </a:ext>
+            </a:extLst>
+          </p:cNvPr>
+          <p:cNvSpPr>
+            <a:spLocks noGrp="1"/>
+          </p:cNvSpPr>
+          <p:nvPr>
+            <p:ph type="title"/>
+          </p:nvPr>
+        </p:nvSpPr>
+        <p:spPr>
+          <a:xfrm>
+            <a:off x="2721982" y="696475"/>
+            <a:ext cx="10515600" cy="1325563"/>
+          </a:xfrm>
+        </p:spPr>
+        <p:txBody>
+          <a:bodyPr>
+            <a:normAutofit/>
+          </a:bodyPr>
+          <a:lstStyle/>
+          <a:p>
+            <a:r>
+              <a:rPr lang="en-US" sz="4000" dirty="0">
+                <a:solidFill>
+                  <a:srgbClr val="EA5E46"/>
+                </a:solidFill>
+              </a:rPr>
+              <a:t>Model Data Transformation Process</a:t>
+            </a:r>
+          </a:p>
+        </p:txBody>
+      </p:sp>
+      <p:pic>
+        <p:nvPicPr>
+          <p:cNvPr id="2050" name="Picture 2" descr="Image result for air bnb logo">
+            <a:extLst>
+              <a:ext uri="{FF2B5EF4-FFF2-40B4-BE49-F238E27FC236}">
+                <a16:creationId xmlns:a16="http://schemas.microsoft.com/office/drawing/2014/main" id="{A162C291-208B-BE48-BF44-7D5CD7EF6151}"/>
+              </a:ext>
+            </a:extLst>
+          </p:cNvPr>
+          <p:cNvPicPr>
+            <a:picLocks noChangeAspect="1" noChangeArrowheads="1"/>
+          </p:cNvPicPr>
+          <p:nvPr/>
+        </p:nvPicPr>
+        <p:blipFill>
+          <a:blip r:embed="rId3">
+            <a:extLst>
+              <a:ext uri="{28A0092B-C50C-407E-A947-70E740481C1C}">
+                <a14:useLocalDpi xmlns:a14="http://schemas.microsoft.com/office/drawing/2010/main" val="0"/>
+              </a:ext>
+            </a:extLst>
+          </a:blip>
+          <a:srcRect/>
+          <a:stretch>
+            <a:fillRect/>
+          </a:stretch>
+        </p:blipFill>
+        <p:spPr bwMode="auto">
+          <a:xfrm>
+            <a:off x="530564" y="108278"/>
+            <a:ext cx="2189605" cy="2022038"/>
+          </a:xfrm>
+          <a:prstGeom prst="rect">
+            <a:avLst/>
+          </a:prstGeom>
+          <a:noFill/>
+          <a:extLst>
+            <a:ext uri="{909E8E84-426E-40DD-AFC4-6F175D3DCCD1}">
+              <a14:hiddenFill xmlns:a14="http://schemas.microsoft.com/office/drawing/2010/main">
+                <a:solidFill>
+                  <a:srgbClr val="FFFFFF"/>
+                </a:solidFill>
+              </a14:hiddenFill>
+            </a:ext>
+          </a:extLst>
+        </p:spPr>
+      </p:pic>
+      <p:cxnSp>
+        <p:nvCxnSpPr>
+          <p:cNvPr id="6" name="Straight Connector 5">
+            <a:extLst>
+              <a:ext uri="{FF2B5EF4-FFF2-40B4-BE49-F238E27FC236}">
+                <a16:creationId xmlns:a16="http://schemas.microsoft.com/office/drawing/2014/main" id="{7D0926DC-6298-B648-9DF9-0D78D09F9FC8}"/>
+              </a:ext>
+            </a:extLst>
+          </p:cNvPr>
+          <p:cNvCxnSpPr>
+            <a:cxnSpLocks/>
+          </p:cNvCxnSpPr>
+          <p:nvPr/>
+        </p:nvCxnSpPr>
+        <p:spPr>
+          <a:xfrm>
+            <a:off x="975854" y="1684829"/>
             <a:ext cx="9518745" cy="1"/>
           </a:xfrm>
           <a:prstGeom prst="line">
@@ -6164,10 +7587,10 @@
       </p:cxnSp>
       <p:pic>
         <p:nvPicPr>
-          <p:cNvPr id="8" name="Picture 7">
-            <a:extLst>
-              <a:ext uri="{FF2B5EF4-FFF2-40B4-BE49-F238E27FC236}">
-                <a16:creationId xmlns:a16="http://schemas.microsoft.com/office/drawing/2014/main" id="{DC2D0061-8FD6-4F00-962B-F205E4AE0BA9}"/>
+          <p:cNvPr id="14" name="Picture 13">
+            <a:extLst>
+              <a:ext uri="{FF2B5EF4-FFF2-40B4-BE49-F238E27FC236}">
+                <a16:creationId xmlns:a16="http://schemas.microsoft.com/office/drawing/2014/main" id="{81C25E9C-AEF8-48C0-80CE-C88B373B1AE8}"/>
               </a:ext>
             </a:extLst>
           </p:cNvPr>
@@ -6184,7 +7607,7 @@
         </p:blipFill>
         <p:spPr>
           <a:xfrm>
-            <a:off x="1720768" y="2022038"/>
+            <a:off x="2025568" y="2130316"/>
             <a:ext cx="7806003" cy="4108894"/>
           </a:xfrm>
           <a:prstGeom prst="rect">
@@ -6195,7 +7618,7 @@
     </p:spTree>
     <p:extLst>
       <p:ext uri="{BB962C8B-B14F-4D97-AF65-F5344CB8AC3E}">
-        <p14:creationId xmlns:p14="http://schemas.microsoft.com/office/powerpoint/2010/main" val="3433687183"/>
+        <p14:creationId xmlns:p14="http://schemas.microsoft.com/office/powerpoint/2010/main" val="641962917"/>
       </p:ext>
     </p:extLst>
   </p:cSld>
@@ -6236,7 +7659,7 @@
                                           </p:stCondLst>
                                         </p:cTn>
                                         <p:tgtEl>
-                                          <p:spTgt spid="8"/>
+                                          <p:spTgt spid="14"/>
                                         </p:tgtEl>
                                         <p:attrNameLst>
                                           <p:attrName>style.visibility</p:attrName>
@@ -6250,7 +7673,7 @@
                                       <p:cBhvr>
                                         <p:cTn id="7" dur="500"/>
                                         <p:tgtEl>
-                                          <p:spTgt spid="8"/>
+                                          <p:spTgt spid="14"/>
                                         </p:tgtEl>
                                       </p:cBhvr>
                                     </p:animEffect>
@@ -6288,7 +7711,7 @@
 </p:sld>
 </file>
 
-<file path=ppt/slides/slide3.xml><?xml version="1.0" encoding="utf-8"?>
+<file path=ppt/slides/slide4.xml><?xml version="1.0" encoding="utf-8"?>
 <p:sld xmlns:a="http://schemas.openxmlformats.org/drawingml/2006/main" xmlns:r="http://schemas.openxmlformats.org/officeDocument/2006/relationships" xmlns:p="http://schemas.openxmlformats.org/presentationml/2006/main">
   <p:cSld>
     <p:spTree>
@@ -6323,7 +7746,7 @@
         </p:nvSpPr>
         <p:spPr>
           <a:xfrm>
-            <a:off x="3371495" y="696475"/>
+            <a:off x="2721982" y="696475"/>
             <a:ext cx="10515600" cy="1325563"/>
           </a:xfrm>
         </p:spPr>
@@ -6339,7 +7762,7 @@
                   <a:srgbClr val="EA5E46"/>
                 </a:solidFill>
               </a:rPr>
-              <a:t>Model Data Transformation Breakdown</a:t>
+              <a:t>Model Data Transformation Methods</a:t>
             </a:r>
           </a:p>
         </p:txBody>
@@ -6373,7 +7796,7 @@
         </p:blipFill>
         <p:spPr bwMode="auto">
           <a:xfrm>
-            <a:off x="1180077" y="108278"/>
+            <a:off x="530564" y="108278"/>
             <a:ext cx="2189605" cy="2022038"/>
           </a:xfrm>
           <a:prstGeom prst="rect">
@@ -6407,7 +7830,7 @@
         </p:nvCxnSpPr>
         <p:spPr>
           <a:xfrm>
-            <a:off x="1625367" y="1684829"/>
+            <a:off x="975854" y="1684829"/>
             <a:ext cx="9518745" cy="1"/>
           </a:xfrm>
           <a:prstGeom prst="line">
@@ -6436,10 +7859,10 @@
       </p:cxnSp>
       <p:sp>
         <p:nvSpPr>
-          <p:cNvPr id="5" name="TextBox 4">
-            <a:extLst>
-              <a:ext uri="{FF2B5EF4-FFF2-40B4-BE49-F238E27FC236}">
-                <a16:creationId xmlns:a16="http://schemas.microsoft.com/office/drawing/2014/main" id="{3C66E404-41EF-44AC-ABB8-1EEB513C9DE3}"/>
+          <p:cNvPr id="7" name="TextBox 6">
+            <a:extLst>
+              <a:ext uri="{FF2B5EF4-FFF2-40B4-BE49-F238E27FC236}">
+                <a16:creationId xmlns:a16="http://schemas.microsoft.com/office/drawing/2014/main" id="{1865850F-F88F-4006-B3AA-72BCC3C8DC47}"/>
               </a:ext>
             </a:extLst>
           </p:cNvPr>
@@ -6448,8 +7871,8 @@
         </p:nvSpPr>
         <p:spPr>
           <a:xfrm>
-            <a:off x="946298" y="2022038"/>
-            <a:ext cx="1607959" cy="369332"/>
+            <a:off x="957258" y="1935605"/>
+            <a:ext cx="4583645" cy="369332"/>
           </a:xfrm>
           <a:prstGeom prst="rect">
             <a:avLst/>
@@ -6464,7 +7887,7 @@
           <a:p>
             <a:r>
               <a:rPr lang="en-US" dirty="0"/>
-              <a:t>Numeric Data </a:t>
+              <a:t>1. Numerical Data – Impute Missing Values</a:t>
             </a:r>
             <a:endParaRPr lang="en-CA" dirty="0"/>
           </a:p>
@@ -6472,10 +7895,10 @@
       </p:sp>
       <p:pic>
         <p:nvPicPr>
-          <p:cNvPr id="9" name="Picture 8">
-            <a:extLst>
-              <a:ext uri="{FF2B5EF4-FFF2-40B4-BE49-F238E27FC236}">
-                <a16:creationId xmlns:a16="http://schemas.microsoft.com/office/drawing/2014/main" id="{5DFEE87E-C6D3-43BD-B9E3-E4588F1FAE24}"/>
+          <p:cNvPr id="8" name="Picture 7">
+            <a:extLst>
+              <a:ext uri="{FF2B5EF4-FFF2-40B4-BE49-F238E27FC236}">
+                <a16:creationId xmlns:a16="http://schemas.microsoft.com/office/drawing/2014/main" id="{0028919E-1E36-4323-863A-5D6F88EFE6F2}"/>
               </a:ext>
             </a:extLst>
           </p:cNvPr>
@@ -6492,8 +7915,8 @@
         </p:blipFill>
         <p:spPr>
           <a:xfrm>
-            <a:off x="1002228" y="2467523"/>
-            <a:ext cx="1634193" cy="1360197"/>
+            <a:off x="1013189" y="2304937"/>
+            <a:ext cx="1152574" cy="959328"/>
           </a:xfrm>
           <a:prstGeom prst="rect">
             <a:avLst/>
@@ -6502,10 +7925,10 @@
       </p:pic>
       <p:sp>
         <p:nvSpPr>
-          <p:cNvPr id="10" name="Arrow: Right 9">
-            <a:extLst>
-              <a:ext uri="{FF2B5EF4-FFF2-40B4-BE49-F238E27FC236}">
-                <a16:creationId xmlns:a16="http://schemas.microsoft.com/office/drawing/2014/main" id="{CD17D319-9A92-45E9-85CA-D73F4333A977}"/>
+          <p:cNvPr id="9" name="Arrow: Right 8">
+            <a:extLst>
+              <a:ext uri="{FF2B5EF4-FFF2-40B4-BE49-F238E27FC236}">
+                <a16:creationId xmlns:a16="http://schemas.microsoft.com/office/drawing/2014/main" id="{DA358ABB-CEBD-4DBB-99CA-634454236DEB}"/>
               </a:ext>
             </a:extLst>
           </p:cNvPr>
@@ -6514,7 +7937,7 @@
         </p:nvSpPr>
         <p:spPr>
           <a:xfrm>
-            <a:off x="2972835" y="3207881"/>
+            <a:off x="2792164" y="2784601"/>
             <a:ext cx="552893" cy="352089"/>
           </a:xfrm>
           <a:prstGeom prst="rightArrow">
@@ -6560,10 +7983,10 @@
       </p:sp>
       <p:pic>
         <p:nvPicPr>
-          <p:cNvPr id="12" name="Picture 11">
-            <a:extLst>
-              <a:ext uri="{FF2B5EF4-FFF2-40B4-BE49-F238E27FC236}">
-                <a16:creationId xmlns:a16="http://schemas.microsoft.com/office/drawing/2014/main" id="{B3919613-C218-4BCD-A86F-E020C1E91AFE}"/>
+          <p:cNvPr id="10" name="Picture 9">
+            <a:extLst>
+              <a:ext uri="{FF2B5EF4-FFF2-40B4-BE49-F238E27FC236}">
+                <a16:creationId xmlns:a16="http://schemas.microsoft.com/office/drawing/2014/main" id="{9B59E3D0-4537-41D9-90DE-A1ACFAEE402F}"/>
               </a:ext>
             </a:extLst>
           </p:cNvPr>
@@ -6580,8 +8003,8 @@
         </p:blipFill>
         <p:spPr>
           <a:xfrm>
-            <a:off x="8940509" y="2889663"/>
-            <a:ext cx="2509203" cy="1012486"/>
+            <a:off x="8199437" y="2612655"/>
+            <a:ext cx="1559822" cy="629402"/>
           </a:xfrm>
           <a:prstGeom prst="rect">
             <a:avLst/>
@@ -6590,10 +8013,10 @@
       </p:pic>
       <p:sp>
         <p:nvSpPr>
-          <p:cNvPr id="13" name="Rectangle 12">
-            <a:extLst>
-              <a:ext uri="{FF2B5EF4-FFF2-40B4-BE49-F238E27FC236}">
-                <a16:creationId xmlns:a16="http://schemas.microsoft.com/office/drawing/2014/main" id="{EDC53F4A-537D-43ED-BF9C-54DB52A0EBE7}"/>
+          <p:cNvPr id="11" name="Rectangle 10">
+            <a:extLst>
+              <a:ext uri="{FF2B5EF4-FFF2-40B4-BE49-F238E27FC236}">
+                <a16:creationId xmlns:a16="http://schemas.microsoft.com/office/drawing/2014/main" id="{2ACC4B44-271A-489E-88BE-398A531DD335}"/>
               </a:ext>
             </a:extLst>
           </p:cNvPr>
@@ -6602,8 +8025,8 @@
         </p:nvSpPr>
         <p:spPr>
           <a:xfrm>
-            <a:off x="10313581" y="3430377"/>
-            <a:ext cx="1136131" cy="471771"/>
+            <a:off x="9032965" y="2981269"/>
+            <a:ext cx="726294" cy="282997"/>
           </a:xfrm>
           <a:prstGeom prst="rect">
             <a:avLst/>
@@ -6642,10 +8065,10 @@
       </p:sp>
       <p:sp>
         <p:nvSpPr>
-          <p:cNvPr id="15" name="Rectangle 14">
-            <a:extLst>
-              <a:ext uri="{FF2B5EF4-FFF2-40B4-BE49-F238E27FC236}">
-                <a16:creationId xmlns:a16="http://schemas.microsoft.com/office/drawing/2014/main" id="{70C16DC1-FC18-471A-987D-87AF15CD5F9B}"/>
+          <p:cNvPr id="12" name="Rectangle 11">
+            <a:extLst>
+              <a:ext uri="{FF2B5EF4-FFF2-40B4-BE49-F238E27FC236}">
+                <a16:creationId xmlns:a16="http://schemas.microsoft.com/office/drawing/2014/main" id="{6A223A28-B730-4B94-B885-F9A86FB05512}"/>
               </a:ext>
             </a:extLst>
           </p:cNvPr>
@@ -6654,8 +8077,8 @@
         </p:nvSpPr>
         <p:spPr>
           <a:xfrm>
-            <a:off x="2083528" y="2953488"/>
-            <a:ext cx="552893" cy="874232"/>
+            <a:off x="1775966" y="2635886"/>
+            <a:ext cx="389797" cy="628380"/>
           </a:xfrm>
           <a:prstGeom prst="rect">
             <a:avLst/>
@@ -6694,10 +8117,10 @@
       </p:sp>
       <p:pic>
         <p:nvPicPr>
-          <p:cNvPr id="16" name="Picture 15">
-            <a:extLst>
-              <a:ext uri="{FF2B5EF4-FFF2-40B4-BE49-F238E27FC236}">
-                <a16:creationId xmlns:a16="http://schemas.microsoft.com/office/drawing/2014/main" id="{19B39FB3-2832-4113-821F-0B5ADFCC607D}"/>
+          <p:cNvPr id="13" name="Picture 12">
+            <a:extLst>
+              <a:ext uri="{FF2B5EF4-FFF2-40B4-BE49-F238E27FC236}">
+                <a16:creationId xmlns:a16="http://schemas.microsoft.com/office/drawing/2014/main" id="{1523FCCC-D0DE-4C78-8762-DB4ADA8FEF40}"/>
               </a:ext>
             </a:extLst>
           </p:cNvPr>
@@ -6714,8 +8137,8 @@
         </p:blipFill>
         <p:spPr>
           <a:xfrm>
-            <a:off x="3862141" y="2953488"/>
-            <a:ext cx="3883183" cy="948661"/>
+            <a:off x="3886096" y="2606616"/>
+            <a:ext cx="2572168" cy="628380"/>
           </a:xfrm>
           <a:prstGeom prst="rect">
             <a:avLst/>
@@ -6724,10 +8147,10 @@
       </p:pic>
       <p:sp>
         <p:nvSpPr>
-          <p:cNvPr id="18" name="Arrow: Right 17">
-            <a:extLst>
-              <a:ext uri="{FF2B5EF4-FFF2-40B4-BE49-F238E27FC236}">
-                <a16:creationId xmlns:a16="http://schemas.microsoft.com/office/drawing/2014/main" id="{A3AF85D0-FDA1-4910-8CD4-1F9E27056000}"/>
+          <p:cNvPr id="15" name="Arrow: Right 14">
+            <a:extLst>
+              <a:ext uri="{FF2B5EF4-FFF2-40B4-BE49-F238E27FC236}">
+                <a16:creationId xmlns:a16="http://schemas.microsoft.com/office/drawing/2014/main" id="{404B15BF-25FD-412E-9A04-7F882754FD89}"/>
               </a:ext>
             </a:extLst>
           </p:cNvPr>
@@ -6736,7 +8159,7 @@
         </p:nvSpPr>
         <p:spPr>
           <a:xfrm>
-            <a:off x="8066470" y="3175893"/>
+            <a:off x="7041741" y="2803229"/>
             <a:ext cx="552893" cy="352089"/>
           </a:xfrm>
           <a:prstGeom prst="rightArrow">
@@ -6780,10 +8203,318 @@
           </a:p>
         </p:txBody>
       </p:sp>
+      <p:sp>
+        <p:nvSpPr>
+          <p:cNvPr id="16" name="TextBox 15">
+            <a:extLst>
+              <a:ext uri="{FF2B5EF4-FFF2-40B4-BE49-F238E27FC236}">
+                <a16:creationId xmlns:a16="http://schemas.microsoft.com/office/drawing/2014/main" id="{DF7416E9-F43B-4AB6-8689-50D5C4C4BB22}"/>
+              </a:ext>
+            </a:extLst>
+          </p:cNvPr>
+          <p:cNvSpPr txBox="1"/>
+          <p:nvPr/>
+        </p:nvSpPr>
+        <p:spPr>
+          <a:xfrm>
+            <a:off x="975854" y="3503410"/>
+            <a:ext cx="4797517" cy="369332"/>
+          </a:xfrm>
+          <a:prstGeom prst="rect">
+            <a:avLst/>
+          </a:prstGeom>
+          <a:noFill/>
+        </p:spPr>
+        <p:txBody>
+          <a:bodyPr wrap="square" rtlCol="0">
+            <a:spAutoFit/>
+          </a:bodyPr>
+          <a:lstStyle/>
+          <a:p>
+            <a:r>
+              <a:rPr lang="en-US" dirty="0"/>
+              <a:t>2. Categorical Data – Encode</a:t>
+            </a:r>
+            <a:endParaRPr lang="en-CA" dirty="0"/>
+          </a:p>
+        </p:txBody>
+      </p:sp>
+      <p:sp>
+        <p:nvSpPr>
+          <p:cNvPr id="17" name="Arrow: Right 16">
+            <a:extLst>
+              <a:ext uri="{FF2B5EF4-FFF2-40B4-BE49-F238E27FC236}">
+                <a16:creationId xmlns:a16="http://schemas.microsoft.com/office/drawing/2014/main" id="{DC6FBA63-237E-47CE-A963-3821E3F4F252}"/>
+              </a:ext>
+            </a:extLst>
+          </p:cNvPr>
+          <p:cNvSpPr/>
+          <p:nvPr/>
+        </p:nvSpPr>
+        <p:spPr>
+          <a:xfrm>
+            <a:off x="2795027" y="4456461"/>
+            <a:ext cx="552893" cy="352089"/>
+          </a:xfrm>
+          <a:prstGeom prst="rightArrow">
+            <a:avLst/>
+          </a:prstGeom>
+          <a:solidFill>
+            <a:schemeClr val="bg2">
+              <a:lumMod val="75000"/>
+            </a:schemeClr>
+          </a:solidFill>
+          <a:ln>
+            <a:solidFill>
+              <a:schemeClr val="bg2">
+                <a:lumMod val="75000"/>
+              </a:schemeClr>
+            </a:solidFill>
+          </a:ln>
+        </p:spPr>
+        <p:style>
+          <a:lnRef idx="2">
+            <a:schemeClr val="accent1">
+              <a:shade val="50000"/>
+            </a:schemeClr>
+          </a:lnRef>
+          <a:fillRef idx="1">
+            <a:schemeClr val="accent1"/>
+          </a:fillRef>
+          <a:effectRef idx="0">
+            <a:schemeClr val="accent1"/>
+          </a:effectRef>
+          <a:fontRef idx="minor">
+            <a:schemeClr val="lt1"/>
+          </a:fontRef>
+        </p:style>
+        <p:txBody>
+          <a:bodyPr rtlCol="0" anchor="ctr"/>
+          <a:lstStyle/>
+          <a:p>
+            <a:pPr algn="ctr"/>
+            <a:endParaRPr lang="en-CA"/>
+          </a:p>
+        </p:txBody>
+      </p:sp>
+      <p:pic>
+        <p:nvPicPr>
+          <p:cNvPr id="18" name="Picture 17">
+            <a:extLst>
+              <a:ext uri="{FF2B5EF4-FFF2-40B4-BE49-F238E27FC236}">
+                <a16:creationId xmlns:a16="http://schemas.microsoft.com/office/drawing/2014/main" id="{1AE78CD3-F9E1-4165-A46B-4D09B040E6F2}"/>
+              </a:ext>
+            </a:extLst>
+          </p:cNvPr>
+          <p:cNvPicPr>
+            <a:picLocks noChangeAspect="1"/>
+          </p:cNvPicPr>
+          <p:nvPr/>
+        </p:nvPicPr>
+        <p:blipFill>
+          <a:blip r:embed="rId7"/>
+          <a:stretch>
+            <a:fillRect/>
+          </a:stretch>
+        </p:blipFill>
+        <p:spPr>
+          <a:xfrm>
+            <a:off x="1072717" y="4037153"/>
+            <a:ext cx="623138" cy="838615"/>
+          </a:xfrm>
+          <a:prstGeom prst="rect">
+            <a:avLst/>
+          </a:prstGeom>
+        </p:spPr>
+      </p:pic>
+      <p:pic>
+        <p:nvPicPr>
+          <p:cNvPr id="19" name="Picture 18">
+            <a:extLst>
+              <a:ext uri="{FF2B5EF4-FFF2-40B4-BE49-F238E27FC236}">
+                <a16:creationId xmlns:a16="http://schemas.microsoft.com/office/drawing/2014/main" id="{ACD958EF-27E4-413F-B65B-E87C0C4488E7}"/>
+              </a:ext>
+            </a:extLst>
+          </p:cNvPr>
+          <p:cNvPicPr>
+            <a:picLocks noChangeAspect="1"/>
+          </p:cNvPicPr>
+          <p:nvPr/>
+        </p:nvPicPr>
+        <p:blipFill>
+          <a:blip r:embed="rId8"/>
+          <a:stretch>
+            <a:fillRect/>
+          </a:stretch>
+        </p:blipFill>
+        <p:spPr>
+          <a:xfrm>
+            <a:off x="3875236" y="4089028"/>
+            <a:ext cx="688257" cy="901853"/>
+          </a:xfrm>
+          <a:prstGeom prst="rect">
+            <a:avLst/>
+          </a:prstGeom>
+        </p:spPr>
+      </p:pic>
+      <p:sp>
+        <p:nvSpPr>
+          <p:cNvPr id="20" name="TextBox 19">
+            <a:extLst>
+              <a:ext uri="{FF2B5EF4-FFF2-40B4-BE49-F238E27FC236}">
+                <a16:creationId xmlns:a16="http://schemas.microsoft.com/office/drawing/2014/main" id="{402E63BF-3E80-4CD6-BBC0-2D1687E375A9}"/>
+              </a:ext>
+            </a:extLst>
+          </p:cNvPr>
+          <p:cNvSpPr txBox="1"/>
+          <p:nvPr/>
+        </p:nvSpPr>
+        <p:spPr>
+          <a:xfrm>
+            <a:off x="975854" y="5092054"/>
+            <a:ext cx="3418873" cy="369332"/>
+          </a:xfrm>
+          <a:prstGeom prst="rect">
+            <a:avLst/>
+          </a:prstGeom>
+          <a:noFill/>
+        </p:spPr>
+        <p:txBody>
+          <a:bodyPr wrap="square" rtlCol="0">
+            <a:spAutoFit/>
+          </a:bodyPr>
+          <a:lstStyle/>
+          <a:p>
+            <a:r>
+              <a:rPr lang="en-US" dirty="0"/>
+              <a:t>3. Text Data - Vectorize</a:t>
+            </a:r>
+            <a:endParaRPr lang="en-CA" dirty="0"/>
+          </a:p>
+        </p:txBody>
+      </p:sp>
+      <p:sp>
+        <p:nvSpPr>
+          <p:cNvPr id="21" name="Arrow: Right 20">
+            <a:extLst>
+              <a:ext uri="{FF2B5EF4-FFF2-40B4-BE49-F238E27FC236}">
+                <a16:creationId xmlns:a16="http://schemas.microsoft.com/office/drawing/2014/main" id="{79203AC8-B69E-4FB6-A3DD-4706710BD628}"/>
+              </a:ext>
+            </a:extLst>
+          </p:cNvPr>
+          <p:cNvSpPr/>
+          <p:nvPr/>
+        </p:nvSpPr>
+        <p:spPr>
+          <a:xfrm>
+            <a:off x="4703675" y="5748610"/>
+            <a:ext cx="552893" cy="352089"/>
+          </a:xfrm>
+          <a:prstGeom prst="rightArrow">
+            <a:avLst/>
+          </a:prstGeom>
+          <a:solidFill>
+            <a:schemeClr val="bg2">
+              <a:lumMod val="75000"/>
+            </a:schemeClr>
+          </a:solidFill>
+          <a:ln>
+            <a:solidFill>
+              <a:schemeClr val="bg2">
+                <a:lumMod val="75000"/>
+              </a:schemeClr>
+            </a:solidFill>
+          </a:ln>
+        </p:spPr>
+        <p:style>
+          <a:lnRef idx="2">
+            <a:schemeClr val="accent1">
+              <a:shade val="50000"/>
+            </a:schemeClr>
+          </a:lnRef>
+          <a:fillRef idx="1">
+            <a:schemeClr val="accent1"/>
+          </a:fillRef>
+          <a:effectRef idx="0">
+            <a:schemeClr val="accent1"/>
+          </a:effectRef>
+          <a:fontRef idx="minor">
+            <a:schemeClr val="lt1"/>
+          </a:fontRef>
+        </p:style>
+        <p:txBody>
+          <a:bodyPr rtlCol="0" anchor="ctr"/>
+          <a:lstStyle/>
+          <a:p>
+            <a:pPr algn="ctr"/>
+            <a:endParaRPr lang="en-CA"/>
+          </a:p>
+        </p:txBody>
+      </p:sp>
+      <p:pic>
+        <p:nvPicPr>
+          <p:cNvPr id="22" name="Picture 21">
+            <a:extLst>
+              <a:ext uri="{FF2B5EF4-FFF2-40B4-BE49-F238E27FC236}">
+                <a16:creationId xmlns:a16="http://schemas.microsoft.com/office/drawing/2014/main" id="{C3DF3974-8E72-452C-85F3-F1019B6B97ED}"/>
+              </a:ext>
+            </a:extLst>
+          </p:cNvPr>
+          <p:cNvPicPr>
+            <a:picLocks noChangeAspect="1"/>
+          </p:cNvPicPr>
+          <p:nvPr/>
+        </p:nvPicPr>
+        <p:blipFill>
+          <a:blip r:embed="rId9"/>
+          <a:stretch>
+            <a:fillRect/>
+          </a:stretch>
+        </p:blipFill>
+        <p:spPr>
+          <a:xfrm>
+            <a:off x="1073058" y="5748532"/>
+            <a:ext cx="2984212" cy="364587"/>
+          </a:xfrm>
+          <a:prstGeom prst="rect">
+            <a:avLst/>
+          </a:prstGeom>
+        </p:spPr>
+      </p:pic>
+      <p:pic>
+        <p:nvPicPr>
+          <p:cNvPr id="23" name="Picture 22">
+            <a:extLst>
+              <a:ext uri="{FF2B5EF4-FFF2-40B4-BE49-F238E27FC236}">
+                <a16:creationId xmlns:a16="http://schemas.microsoft.com/office/drawing/2014/main" id="{852F8D74-023E-438B-A73A-BDADEDFC73F7}"/>
+              </a:ext>
+            </a:extLst>
+          </p:cNvPr>
+          <p:cNvPicPr>
+            <a:picLocks noChangeAspect="1"/>
+          </p:cNvPicPr>
+          <p:nvPr/>
+        </p:nvPicPr>
+        <p:blipFill>
+          <a:blip r:embed="rId10"/>
+          <a:stretch>
+            <a:fillRect/>
+          </a:stretch>
+        </p:blipFill>
+        <p:spPr>
+          <a:xfrm>
+            <a:off x="5902973" y="5748531"/>
+            <a:ext cx="5736663" cy="364587"/>
+          </a:xfrm>
+          <a:prstGeom prst="rect">
+            <a:avLst/>
+          </a:prstGeom>
+        </p:spPr>
+      </p:pic>
     </p:spTree>
     <p:extLst>
       <p:ext uri="{BB962C8B-B14F-4D97-AF65-F5344CB8AC3E}">
-        <p14:creationId xmlns:p14="http://schemas.microsoft.com/office/powerpoint/2010/main" val="1946509034"/>
+        <p14:creationId xmlns:p14="http://schemas.microsoft.com/office/powerpoint/2010/main" val="3565089974"/>
       </p:ext>
     </p:extLst>
   </p:cSld>
@@ -6793,7 +8524,1946 @@
 </p:sld>
 </file>
 
-<file path=ppt/slides/slide4.xml><?xml version="1.0" encoding="utf-8"?>
+<file path=ppt/slides/slide5.xml><?xml version="1.0" encoding="utf-8"?>
+<p:sld xmlns:a="http://schemas.openxmlformats.org/drawingml/2006/main" xmlns:r="http://schemas.openxmlformats.org/officeDocument/2006/relationships" xmlns:p="http://schemas.openxmlformats.org/presentationml/2006/main">
+  <p:cSld>
+    <p:spTree>
+      <p:nvGrpSpPr>
+        <p:cNvPr id="1" name=""/>
+        <p:cNvGrpSpPr/>
+        <p:nvPr/>
+      </p:nvGrpSpPr>
+      <p:grpSpPr>
+        <a:xfrm>
+          <a:off x="0" y="0"/>
+          <a:ext cx="0" cy="0"/>
+          <a:chOff x="0" y="0"/>
+          <a:chExt cx="0" cy="0"/>
+        </a:xfrm>
+      </p:grpSpPr>
+      <p:sp>
+        <p:nvSpPr>
+          <p:cNvPr id="2" name="Title 1">
+            <a:extLst>
+              <a:ext uri="{FF2B5EF4-FFF2-40B4-BE49-F238E27FC236}">
+                <a16:creationId xmlns:a16="http://schemas.microsoft.com/office/drawing/2014/main" id="{59B8B577-5676-3C4B-A107-E41DB331FD85}"/>
+              </a:ext>
+            </a:extLst>
+          </p:cNvPr>
+          <p:cNvSpPr>
+            <a:spLocks noGrp="1"/>
+          </p:cNvSpPr>
+          <p:nvPr>
+            <p:ph type="title"/>
+          </p:nvPr>
+        </p:nvSpPr>
+        <p:spPr>
+          <a:xfrm>
+            <a:off x="2721982" y="696475"/>
+            <a:ext cx="10515600" cy="1325563"/>
+          </a:xfrm>
+        </p:spPr>
+        <p:txBody>
+          <a:bodyPr>
+            <a:normAutofit/>
+          </a:bodyPr>
+          <a:lstStyle/>
+          <a:p>
+            <a:r>
+              <a:rPr lang="en-US" sz="4000" dirty="0">
+                <a:solidFill>
+                  <a:srgbClr val="EA5E46"/>
+                </a:solidFill>
+              </a:rPr>
+              <a:t>Model Data Transformation Methods</a:t>
+            </a:r>
+          </a:p>
+        </p:txBody>
+      </p:sp>
+      <p:pic>
+        <p:nvPicPr>
+          <p:cNvPr id="2050" name="Picture 2" descr="Image result for air bnb logo">
+            <a:extLst>
+              <a:ext uri="{FF2B5EF4-FFF2-40B4-BE49-F238E27FC236}">
+                <a16:creationId xmlns:a16="http://schemas.microsoft.com/office/drawing/2014/main" id="{A162C291-208B-BE48-BF44-7D5CD7EF6151}"/>
+              </a:ext>
+            </a:extLst>
+          </p:cNvPr>
+          <p:cNvPicPr>
+            <a:picLocks noChangeAspect="1" noChangeArrowheads="1"/>
+          </p:cNvPicPr>
+          <p:nvPr/>
+        </p:nvPicPr>
+        <p:blipFill>
+          <a:blip r:embed="rId3">
+            <a:extLst>
+              <a:ext uri="{28A0092B-C50C-407E-A947-70E740481C1C}">
+                <a14:useLocalDpi xmlns:a14="http://schemas.microsoft.com/office/drawing/2010/main" val="0"/>
+              </a:ext>
+            </a:extLst>
+          </a:blip>
+          <a:srcRect/>
+          <a:stretch>
+            <a:fillRect/>
+          </a:stretch>
+        </p:blipFill>
+        <p:spPr bwMode="auto">
+          <a:xfrm>
+            <a:off x="530564" y="108278"/>
+            <a:ext cx="2189605" cy="2022038"/>
+          </a:xfrm>
+          <a:prstGeom prst="rect">
+            <a:avLst/>
+          </a:prstGeom>
+          <a:noFill/>
+          <a:extLst>
+            <a:ext uri="{909E8E84-426E-40DD-AFC4-6F175D3DCCD1}">
+              <a14:hiddenFill xmlns:a14="http://schemas.microsoft.com/office/drawing/2010/main">
+                <a:solidFill>
+                  <a:srgbClr val="FFFFFF"/>
+                </a:solidFill>
+              </a14:hiddenFill>
+            </a:ext>
+          </a:extLst>
+        </p:spPr>
+      </p:pic>
+      <p:cxnSp>
+        <p:nvCxnSpPr>
+          <p:cNvPr id="6" name="Straight Connector 5">
+            <a:extLst>
+              <a:ext uri="{FF2B5EF4-FFF2-40B4-BE49-F238E27FC236}">
+                <a16:creationId xmlns:a16="http://schemas.microsoft.com/office/drawing/2014/main" id="{7D0926DC-6298-B648-9DF9-0D78D09F9FC8}"/>
+              </a:ext>
+            </a:extLst>
+          </p:cNvPr>
+          <p:cNvCxnSpPr>
+            <a:cxnSpLocks/>
+          </p:cNvCxnSpPr>
+          <p:nvPr/>
+        </p:nvCxnSpPr>
+        <p:spPr>
+          <a:xfrm>
+            <a:off x="975854" y="1684829"/>
+            <a:ext cx="9518745" cy="1"/>
+          </a:xfrm>
+          <a:prstGeom prst="line">
+            <a:avLst/>
+          </a:prstGeom>
+          <a:ln w="12700">
+            <a:solidFill>
+              <a:srgbClr val="EA5E46"/>
+            </a:solidFill>
+          </a:ln>
+        </p:spPr>
+        <p:style>
+          <a:lnRef idx="1">
+            <a:schemeClr val="accent2"/>
+          </a:lnRef>
+          <a:fillRef idx="0">
+            <a:schemeClr val="accent2"/>
+          </a:fillRef>
+          <a:effectRef idx="0">
+            <a:schemeClr val="accent2"/>
+          </a:effectRef>
+          <a:fontRef idx="minor">
+            <a:schemeClr val="tx1"/>
+          </a:fontRef>
+        </p:style>
+      </p:cxnSp>
+      <p:sp>
+        <p:nvSpPr>
+          <p:cNvPr id="7" name="TextBox 6">
+            <a:extLst>
+              <a:ext uri="{FF2B5EF4-FFF2-40B4-BE49-F238E27FC236}">
+                <a16:creationId xmlns:a16="http://schemas.microsoft.com/office/drawing/2014/main" id="{1865850F-F88F-4006-B3AA-72BCC3C8DC47}"/>
+              </a:ext>
+            </a:extLst>
+          </p:cNvPr>
+          <p:cNvSpPr txBox="1"/>
+          <p:nvPr/>
+        </p:nvSpPr>
+        <p:spPr>
+          <a:xfrm>
+            <a:off x="957258" y="1935605"/>
+            <a:ext cx="4583645" cy="369332"/>
+          </a:xfrm>
+          <a:prstGeom prst="rect">
+            <a:avLst/>
+          </a:prstGeom>
+          <a:noFill/>
+        </p:spPr>
+        <p:txBody>
+          <a:bodyPr wrap="square" rtlCol="0">
+            <a:spAutoFit/>
+          </a:bodyPr>
+          <a:lstStyle/>
+          <a:p>
+            <a:r>
+              <a:rPr lang="en-US" dirty="0"/>
+              <a:t>1. Numerical Data – Impute Missing Values</a:t>
+            </a:r>
+            <a:endParaRPr lang="en-CA" dirty="0"/>
+          </a:p>
+        </p:txBody>
+      </p:sp>
+      <p:pic>
+        <p:nvPicPr>
+          <p:cNvPr id="8" name="Picture 7">
+            <a:extLst>
+              <a:ext uri="{FF2B5EF4-FFF2-40B4-BE49-F238E27FC236}">
+                <a16:creationId xmlns:a16="http://schemas.microsoft.com/office/drawing/2014/main" id="{0028919E-1E36-4323-863A-5D6F88EFE6F2}"/>
+              </a:ext>
+            </a:extLst>
+          </p:cNvPr>
+          <p:cNvPicPr>
+            <a:picLocks noChangeAspect="1"/>
+          </p:cNvPicPr>
+          <p:nvPr/>
+        </p:nvPicPr>
+        <p:blipFill>
+          <a:blip r:embed="rId4"/>
+          <a:stretch>
+            <a:fillRect/>
+          </a:stretch>
+        </p:blipFill>
+        <p:spPr>
+          <a:xfrm>
+            <a:off x="1013189" y="2304937"/>
+            <a:ext cx="1152574" cy="959328"/>
+          </a:xfrm>
+          <a:prstGeom prst="rect">
+            <a:avLst/>
+          </a:prstGeom>
+        </p:spPr>
+      </p:pic>
+      <p:sp>
+        <p:nvSpPr>
+          <p:cNvPr id="9" name="Arrow: Right 8">
+            <a:extLst>
+              <a:ext uri="{FF2B5EF4-FFF2-40B4-BE49-F238E27FC236}">
+                <a16:creationId xmlns:a16="http://schemas.microsoft.com/office/drawing/2014/main" id="{DA358ABB-CEBD-4DBB-99CA-634454236DEB}"/>
+              </a:ext>
+            </a:extLst>
+          </p:cNvPr>
+          <p:cNvSpPr/>
+          <p:nvPr/>
+        </p:nvSpPr>
+        <p:spPr>
+          <a:xfrm>
+            <a:off x="2792164" y="2784601"/>
+            <a:ext cx="552893" cy="352089"/>
+          </a:xfrm>
+          <a:prstGeom prst="rightArrow">
+            <a:avLst/>
+          </a:prstGeom>
+          <a:solidFill>
+            <a:schemeClr val="bg2">
+              <a:lumMod val="75000"/>
+            </a:schemeClr>
+          </a:solidFill>
+          <a:ln>
+            <a:solidFill>
+              <a:schemeClr val="bg2">
+                <a:lumMod val="75000"/>
+              </a:schemeClr>
+            </a:solidFill>
+          </a:ln>
+        </p:spPr>
+        <p:style>
+          <a:lnRef idx="2">
+            <a:schemeClr val="accent1">
+              <a:shade val="50000"/>
+            </a:schemeClr>
+          </a:lnRef>
+          <a:fillRef idx="1">
+            <a:schemeClr val="accent1"/>
+          </a:fillRef>
+          <a:effectRef idx="0">
+            <a:schemeClr val="accent1"/>
+          </a:effectRef>
+          <a:fontRef idx="minor">
+            <a:schemeClr val="lt1"/>
+          </a:fontRef>
+        </p:style>
+        <p:txBody>
+          <a:bodyPr rtlCol="0" anchor="ctr"/>
+          <a:lstStyle/>
+          <a:p>
+            <a:pPr algn="ctr"/>
+            <a:endParaRPr lang="en-CA"/>
+          </a:p>
+        </p:txBody>
+      </p:sp>
+      <p:pic>
+        <p:nvPicPr>
+          <p:cNvPr id="10" name="Picture 9">
+            <a:extLst>
+              <a:ext uri="{FF2B5EF4-FFF2-40B4-BE49-F238E27FC236}">
+                <a16:creationId xmlns:a16="http://schemas.microsoft.com/office/drawing/2014/main" id="{9B59E3D0-4537-41D9-90DE-A1ACFAEE402F}"/>
+              </a:ext>
+            </a:extLst>
+          </p:cNvPr>
+          <p:cNvPicPr>
+            <a:picLocks noChangeAspect="1"/>
+          </p:cNvPicPr>
+          <p:nvPr/>
+        </p:nvPicPr>
+        <p:blipFill>
+          <a:blip r:embed="rId5"/>
+          <a:stretch>
+            <a:fillRect/>
+          </a:stretch>
+        </p:blipFill>
+        <p:spPr>
+          <a:xfrm>
+            <a:off x="8199437" y="2612655"/>
+            <a:ext cx="1559822" cy="629402"/>
+          </a:xfrm>
+          <a:prstGeom prst="rect">
+            <a:avLst/>
+          </a:prstGeom>
+        </p:spPr>
+      </p:pic>
+      <p:sp>
+        <p:nvSpPr>
+          <p:cNvPr id="11" name="Rectangle 10">
+            <a:extLst>
+              <a:ext uri="{FF2B5EF4-FFF2-40B4-BE49-F238E27FC236}">
+                <a16:creationId xmlns:a16="http://schemas.microsoft.com/office/drawing/2014/main" id="{2ACC4B44-271A-489E-88BE-398A531DD335}"/>
+              </a:ext>
+            </a:extLst>
+          </p:cNvPr>
+          <p:cNvSpPr/>
+          <p:nvPr/>
+        </p:nvSpPr>
+        <p:spPr>
+          <a:xfrm>
+            <a:off x="9032965" y="2981269"/>
+            <a:ext cx="726294" cy="282997"/>
+          </a:xfrm>
+          <a:prstGeom prst="rect">
+            <a:avLst/>
+          </a:prstGeom>
+          <a:noFill/>
+          <a:ln w="28575">
+            <a:solidFill>
+              <a:srgbClr val="EA6155"/>
+            </a:solidFill>
+          </a:ln>
+        </p:spPr>
+        <p:style>
+          <a:lnRef idx="2">
+            <a:schemeClr val="accent1">
+              <a:shade val="50000"/>
+            </a:schemeClr>
+          </a:lnRef>
+          <a:fillRef idx="1">
+            <a:schemeClr val="accent1"/>
+          </a:fillRef>
+          <a:effectRef idx="0">
+            <a:schemeClr val="accent1"/>
+          </a:effectRef>
+          <a:fontRef idx="minor">
+            <a:schemeClr val="lt1"/>
+          </a:fontRef>
+        </p:style>
+        <p:txBody>
+          <a:bodyPr rtlCol="0" anchor="ctr"/>
+          <a:lstStyle/>
+          <a:p>
+            <a:pPr algn="ctr"/>
+            <a:endParaRPr lang="en-CA"/>
+          </a:p>
+        </p:txBody>
+      </p:sp>
+      <p:sp>
+        <p:nvSpPr>
+          <p:cNvPr id="12" name="Rectangle 11">
+            <a:extLst>
+              <a:ext uri="{FF2B5EF4-FFF2-40B4-BE49-F238E27FC236}">
+                <a16:creationId xmlns:a16="http://schemas.microsoft.com/office/drawing/2014/main" id="{6A223A28-B730-4B94-B885-F9A86FB05512}"/>
+              </a:ext>
+            </a:extLst>
+          </p:cNvPr>
+          <p:cNvSpPr/>
+          <p:nvPr/>
+        </p:nvSpPr>
+        <p:spPr>
+          <a:xfrm>
+            <a:off x="1775966" y="2635886"/>
+            <a:ext cx="389797" cy="628380"/>
+          </a:xfrm>
+          <a:prstGeom prst="rect">
+            <a:avLst/>
+          </a:prstGeom>
+          <a:noFill/>
+          <a:ln w="28575">
+            <a:solidFill>
+              <a:srgbClr val="EA6155"/>
+            </a:solidFill>
+          </a:ln>
+        </p:spPr>
+        <p:style>
+          <a:lnRef idx="2">
+            <a:schemeClr val="accent1">
+              <a:shade val="50000"/>
+            </a:schemeClr>
+          </a:lnRef>
+          <a:fillRef idx="1">
+            <a:schemeClr val="accent1"/>
+          </a:fillRef>
+          <a:effectRef idx="0">
+            <a:schemeClr val="accent1"/>
+          </a:effectRef>
+          <a:fontRef idx="minor">
+            <a:schemeClr val="lt1"/>
+          </a:fontRef>
+        </p:style>
+        <p:txBody>
+          <a:bodyPr rtlCol="0" anchor="ctr"/>
+          <a:lstStyle/>
+          <a:p>
+            <a:pPr algn="ctr"/>
+            <a:endParaRPr lang="en-CA"/>
+          </a:p>
+        </p:txBody>
+      </p:sp>
+      <p:pic>
+        <p:nvPicPr>
+          <p:cNvPr id="13" name="Picture 12">
+            <a:extLst>
+              <a:ext uri="{FF2B5EF4-FFF2-40B4-BE49-F238E27FC236}">
+                <a16:creationId xmlns:a16="http://schemas.microsoft.com/office/drawing/2014/main" id="{1523FCCC-D0DE-4C78-8762-DB4ADA8FEF40}"/>
+              </a:ext>
+            </a:extLst>
+          </p:cNvPr>
+          <p:cNvPicPr>
+            <a:picLocks noChangeAspect="1"/>
+          </p:cNvPicPr>
+          <p:nvPr/>
+        </p:nvPicPr>
+        <p:blipFill>
+          <a:blip r:embed="rId6"/>
+          <a:stretch>
+            <a:fillRect/>
+          </a:stretch>
+        </p:blipFill>
+        <p:spPr>
+          <a:xfrm>
+            <a:off x="3886096" y="2606616"/>
+            <a:ext cx="2572168" cy="628380"/>
+          </a:xfrm>
+          <a:prstGeom prst="rect">
+            <a:avLst/>
+          </a:prstGeom>
+        </p:spPr>
+      </p:pic>
+      <p:sp>
+        <p:nvSpPr>
+          <p:cNvPr id="15" name="Arrow: Right 14">
+            <a:extLst>
+              <a:ext uri="{FF2B5EF4-FFF2-40B4-BE49-F238E27FC236}">
+                <a16:creationId xmlns:a16="http://schemas.microsoft.com/office/drawing/2014/main" id="{404B15BF-25FD-412E-9A04-7F882754FD89}"/>
+              </a:ext>
+            </a:extLst>
+          </p:cNvPr>
+          <p:cNvSpPr/>
+          <p:nvPr/>
+        </p:nvSpPr>
+        <p:spPr>
+          <a:xfrm>
+            <a:off x="7041741" y="2803229"/>
+            <a:ext cx="552893" cy="352089"/>
+          </a:xfrm>
+          <a:prstGeom prst="rightArrow">
+            <a:avLst/>
+          </a:prstGeom>
+          <a:solidFill>
+            <a:schemeClr val="bg2">
+              <a:lumMod val="75000"/>
+            </a:schemeClr>
+          </a:solidFill>
+          <a:ln>
+            <a:solidFill>
+              <a:schemeClr val="bg2">
+                <a:lumMod val="75000"/>
+              </a:schemeClr>
+            </a:solidFill>
+          </a:ln>
+        </p:spPr>
+        <p:style>
+          <a:lnRef idx="2">
+            <a:schemeClr val="accent1">
+              <a:shade val="50000"/>
+            </a:schemeClr>
+          </a:lnRef>
+          <a:fillRef idx="1">
+            <a:schemeClr val="accent1"/>
+          </a:fillRef>
+          <a:effectRef idx="0">
+            <a:schemeClr val="accent1"/>
+          </a:effectRef>
+          <a:fontRef idx="minor">
+            <a:schemeClr val="lt1"/>
+          </a:fontRef>
+        </p:style>
+        <p:txBody>
+          <a:bodyPr rtlCol="0" anchor="ctr"/>
+          <a:lstStyle/>
+          <a:p>
+            <a:pPr algn="ctr"/>
+            <a:endParaRPr lang="en-CA"/>
+          </a:p>
+        </p:txBody>
+      </p:sp>
+      <p:sp>
+        <p:nvSpPr>
+          <p:cNvPr id="16" name="TextBox 15">
+            <a:extLst>
+              <a:ext uri="{FF2B5EF4-FFF2-40B4-BE49-F238E27FC236}">
+                <a16:creationId xmlns:a16="http://schemas.microsoft.com/office/drawing/2014/main" id="{DF7416E9-F43B-4AB6-8689-50D5C4C4BB22}"/>
+              </a:ext>
+            </a:extLst>
+          </p:cNvPr>
+          <p:cNvSpPr txBox="1"/>
+          <p:nvPr/>
+        </p:nvSpPr>
+        <p:spPr>
+          <a:xfrm>
+            <a:off x="975854" y="3503410"/>
+            <a:ext cx="4797517" cy="369332"/>
+          </a:xfrm>
+          <a:prstGeom prst="rect">
+            <a:avLst/>
+          </a:prstGeom>
+          <a:noFill/>
+        </p:spPr>
+        <p:txBody>
+          <a:bodyPr wrap="square" rtlCol="0">
+            <a:spAutoFit/>
+          </a:bodyPr>
+          <a:lstStyle/>
+          <a:p>
+            <a:r>
+              <a:rPr lang="en-US" dirty="0"/>
+              <a:t>2. Categorical Data – Encode</a:t>
+            </a:r>
+            <a:endParaRPr lang="en-CA" dirty="0"/>
+          </a:p>
+        </p:txBody>
+      </p:sp>
+      <p:sp>
+        <p:nvSpPr>
+          <p:cNvPr id="17" name="Arrow: Right 16">
+            <a:extLst>
+              <a:ext uri="{FF2B5EF4-FFF2-40B4-BE49-F238E27FC236}">
+                <a16:creationId xmlns:a16="http://schemas.microsoft.com/office/drawing/2014/main" id="{DC6FBA63-237E-47CE-A963-3821E3F4F252}"/>
+              </a:ext>
+            </a:extLst>
+          </p:cNvPr>
+          <p:cNvSpPr/>
+          <p:nvPr/>
+        </p:nvSpPr>
+        <p:spPr>
+          <a:xfrm>
+            <a:off x="2795027" y="4456461"/>
+            <a:ext cx="552893" cy="352089"/>
+          </a:xfrm>
+          <a:prstGeom prst="rightArrow">
+            <a:avLst/>
+          </a:prstGeom>
+          <a:solidFill>
+            <a:schemeClr val="bg2">
+              <a:lumMod val="75000"/>
+            </a:schemeClr>
+          </a:solidFill>
+          <a:ln>
+            <a:solidFill>
+              <a:schemeClr val="bg2">
+                <a:lumMod val="75000"/>
+              </a:schemeClr>
+            </a:solidFill>
+          </a:ln>
+        </p:spPr>
+        <p:style>
+          <a:lnRef idx="2">
+            <a:schemeClr val="accent1">
+              <a:shade val="50000"/>
+            </a:schemeClr>
+          </a:lnRef>
+          <a:fillRef idx="1">
+            <a:schemeClr val="accent1"/>
+          </a:fillRef>
+          <a:effectRef idx="0">
+            <a:schemeClr val="accent1"/>
+          </a:effectRef>
+          <a:fontRef idx="minor">
+            <a:schemeClr val="lt1"/>
+          </a:fontRef>
+        </p:style>
+        <p:txBody>
+          <a:bodyPr rtlCol="0" anchor="ctr"/>
+          <a:lstStyle/>
+          <a:p>
+            <a:pPr algn="ctr"/>
+            <a:endParaRPr lang="en-CA"/>
+          </a:p>
+        </p:txBody>
+      </p:sp>
+      <p:pic>
+        <p:nvPicPr>
+          <p:cNvPr id="18" name="Picture 17">
+            <a:extLst>
+              <a:ext uri="{FF2B5EF4-FFF2-40B4-BE49-F238E27FC236}">
+                <a16:creationId xmlns:a16="http://schemas.microsoft.com/office/drawing/2014/main" id="{1AE78CD3-F9E1-4165-A46B-4D09B040E6F2}"/>
+              </a:ext>
+            </a:extLst>
+          </p:cNvPr>
+          <p:cNvPicPr>
+            <a:picLocks noChangeAspect="1"/>
+          </p:cNvPicPr>
+          <p:nvPr/>
+        </p:nvPicPr>
+        <p:blipFill>
+          <a:blip r:embed="rId7"/>
+          <a:stretch>
+            <a:fillRect/>
+          </a:stretch>
+        </p:blipFill>
+        <p:spPr>
+          <a:xfrm>
+            <a:off x="1072717" y="4037153"/>
+            <a:ext cx="623138" cy="838615"/>
+          </a:xfrm>
+          <a:prstGeom prst="rect">
+            <a:avLst/>
+          </a:prstGeom>
+        </p:spPr>
+      </p:pic>
+      <p:pic>
+        <p:nvPicPr>
+          <p:cNvPr id="19" name="Picture 18">
+            <a:extLst>
+              <a:ext uri="{FF2B5EF4-FFF2-40B4-BE49-F238E27FC236}">
+                <a16:creationId xmlns:a16="http://schemas.microsoft.com/office/drawing/2014/main" id="{ACD958EF-27E4-413F-B65B-E87C0C4488E7}"/>
+              </a:ext>
+            </a:extLst>
+          </p:cNvPr>
+          <p:cNvPicPr>
+            <a:picLocks noChangeAspect="1"/>
+          </p:cNvPicPr>
+          <p:nvPr/>
+        </p:nvPicPr>
+        <p:blipFill>
+          <a:blip r:embed="rId8"/>
+          <a:stretch>
+            <a:fillRect/>
+          </a:stretch>
+        </p:blipFill>
+        <p:spPr>
+          <a:xfrm>
+            <a:off x="3875236" y="4089028"/>
+            <a:ext cx="688257" cy="901853"/>
+          </a:xfrm>
+          <a:prstGeom prst="rect">
+            <a:avLst/>
+          </a:prstGeom>
+        </p:spPr>
+      </p:pic>
+      <p:sp>
+        <p:nvSpPr>
+          <p:cNvPr id="20" name="TextBox 19">
+            <a:extLst>
+              <a:ext uri="{FF2B5EF4-FFF2-40B4-BE49-F238E27FC236}">
+                <a16:creationId xmlns:a16="http://schemas.microsoft.com/office/drawing/2014/main" id="{402E63BF-3E80-4CD6-BBC0-2D1687E375A9}"/>
+              </a:ext>
+            </a:extLst>
+          </p:cNvPr>
+          <p:cNvSpPr txBox="1"/>
+          <p:nvPr/>
+        </p:nvSpPr>
+        <p:spPr>
+          <a:xfrm>
+            <a:off x="975854" y="5092054"/>
+            <a:ext cx="3418873" cy="369332"/>
+          </a:xfrm>
+          <a:prstGeom prst="rect">
+            <a:avLst/>
+          </a:prstGeom>
+          <a:noFill/>
+        </p:spPr>
+        <p:txBody>
+          <a:bodyPr wrap="square" rtlCol="0">
+            <a:spAutoFit/>
+          </a:bodyPr>
+          <a:lstStyle/>
+          <a:p>
+            <a:r>
+              <a:rPr lang="en-US" dirty="0"/>
+              <a:t>3. Text Data - Vectorize</a:t>
+            </a:r>
+            <a:endParaRPr lang="en-CA" dirty="0"/>
+          </a:p>
+        </p:txBody>
+      </p:sp>
+      <p:sp>
+        <p:nvSpPr>
+          <p:cNvPr id="21" name="Arrow: Right 20">
+            <a:extLst>
+              <a:ext uri="{FF2B5EF4-FFF2-40B4-BE49-F238E27FC236}">
+                <a16:creationId xmlns:a16="http://schemas.microsoft.com/office/drawing/2014/main" id="{79203AC8-B69E-4FB6-A3DD-4706710BD628}"/>
+              </a:ext>
+            </a:extLst>
+          </p:cNvPr>
+          <p:cNvSpPr/>
+          <p:nvPr/>
+        </p:nvSpPr>
+        <p:spPr>
+          <a:xfrm>
+            <a:off x="4703675" y="5748610"/>
+            <a:ext cx="552893" cy="352089"/>
+          </a:xfrm>
+          <a:prstGeom prst="rightArrow">
+            <a:avLst/>
+          </a:prstGeom>
+          <a:solidFill>
+            <a:schemeClr val="bg2">
+              <a:lumMod val="75000"/>
+            </a:schemeClr>
+          </a:solidFill>
+          <a:ln>
+            <a:solidFill>
+              <a:schemeClr val="bg2">
+                <a:lumMod val="75000"/>
+              </a:schemeClr>
+            </a:solidFill>
+          </a:ln>
+        </p:spPr>
+        <p:style>
+          <a:lnRef idx="2">
+            <a:schemeClr val="accent1">
+              <a:shade val="50000"/>
+            </a:schemeClr>
+          </a:lnRef>
+          <a:fillRef idx="1">
+            <a:schemeClr val="accent1"/>
+          </a:fillRef>
+          <a:effectRef idx="0">
+            <a:schemeClr val="accent1"/>
+          </a:effectRef>
+          <a:fontRef idx="minor">
+            <a:schemeClr val="lt1"/>
+          </a:fontRef>
+        </p:style>
+        <p:txBody>
+          <a:bodyPr rtlCol="0" anchor="ctr"/>
+          <a:lstStyle/>
+          <a:p>
+            <a:pPr algn="ctr"/>
+            <a:endParaRPr lang="en-CA"/>
+          </a:p>
+        </p:txBody>
+      </p:sp>
+      <p:pic>
+        <p:nvPicPr>
+          <p:cNvPr id="22" name="Picture 21">
+            <a:extLst>
+              <a:ext uri="{FF2B5EF4-FFF2-40B4-BE49-F238E27FC236}">
+                <a16:creationId xmlns:a16="http://schemas.microsoft.com/office/drawing/2014/main" id="{C3DF3974-8E72-452C-85F3-F1019B6B97ED}"/>
+              </a:ext>
+            </a:extLst>
+          </p:cNvPr>
+          <p:cNvPicPr>
+            <a:picLocks noChangeAspect="1"/>
+          </p:cNvPicPr>
+          <p:nvPr/>
+        </p:nvPicPr>
+        <p:blipFill>
+          <a:blip r:embed="rId9"/>
+          <a:stretch>
+            <a:fillRect/>
+          </a:stretch>
+        </p:blipFill>
+        <p:spPr>
+          <a:xfrm>
+            <a:off x="1073058" y="5748532"/>
+            <a:ext cx="2984212" cy="364587"/>
+          </a:xfrm>
+          <a:prstGeom prst="rect">
+            <a:avLst/>
+          </a:prstGeom>
+        </p:spPr>
+      </p:pic>
+      <p:pic>
+        <p:nvPicPr>
+          <p:cNvPr id="23" name="Picture 22">
+            <a:extLst>
+              <a:ext uri="{FF2B5EF4-FFF2-40B4-BE49-F238E27FC236}">
+                <a16:creationId xmlns:a16="http://schemas.microsoft.com/office/drawing/2014/main" id="{852F8D74-023E-438B-A73A-BDADEDFC73F7}"/>
+              </a:ext>
+            </a:extLst>
+          </p:cNvPr>
+          <p:cNvPicPr>
+            <a:picLocks noChangeAspect="1"/>
+          </p:cNvPicPr>
+          <p:nvPr/>
+        </p:nvPicPr>
+        <p:blipFill>
+          <a:blip r:embed="rId10"/>
+          <a:stretch>
+            <a:fillRect/>
+          </a:stretch>
+        </p:blipFill>
+        <p:spPr>
+          <a:xfrm>
+            <a:off x="5902973" y="5748531"/>
+            <a:ext cx="5736663" cy="364587"/>
+          </a:xfrm>
+          <a:prstGeom prst="rect">
+            <a:avLst/>
+          </a:prstGeom>
+        </p:spPr>
+      </p:pic>
+    </p:spTree>
+    <p:extLst>
+      <p:ext uri="{BB962C8B-B14F-4D97-AF65-F5344CB8AC3E}">
+        <p14:creationId xmlns:p14="http://schemas.microsoft.com/office/powerpoint/2010/main" val="3207546834"/>
+      </p:ext>
+    </p:extLst>
+  </p:cSld>
+  <p:clrMapOvr>
+    <a:masterClrMapping/>
+  </p:clrMapOvr>
+</p:sld>
+</file>
+
+<file path=ppt/slides/slide6.xml><?xml version="1.0" encoding="utf-8"?>
+<p:sld xmlns:a="http://schemas.openxmlformats.org/drawingml/2006/main" xmlns:r="http://schemas.openxmlformats.org/officeDocument/2006/relationships" xmlns:p="http://schemas.openxmlformats.org/presentationml/2006/main">
+  <p:cSld>
+    <p:spTree>
+      <p:nvGrpSpPr>
+        <p:cNvPr id="1" name=""/>
+        <p:cNvGrpSpPr/>
+        <p:nvPr/>
+      </p:nvGrpSpPr>
+      <p:grpSpPr>
+        <a:xfrm>
+          <a:off x="0" y="0"/>
+          <a:ext cx="0" cy="0"/>
+          <a:chOff x="0" y="0"/>
+          <a:chExt cx="0" cy="0"/>
+        </a:xfrm>
+      </p:grpSpPr>
+      <p:sp>
+        <p:nvSpPr>
+          <p:cNvPr id="2" name="Title 1">
+            <a:extLst>
+              <a:ext uri="{FF2B5EF4-FFF2-40B4-BE49-F238E27FC236}">
+                <a16:creationId xmlns:a16="http://schemas.microsoft.com/office/drawing/2014/main" id="{59B8B577-5676-3C4B-A107-E41DB331FD85}"/>
+              </a:ext>
+            </a:extLst>
+          </p:cNvPr>
+          <p:cNvSpPr>
+            <a:spLocks noGrp="1"/>
+          </p:cNvSpPr>
+          <p:nvPr>
+            <p:ph type="title"/>
+          </p:nvPr>
+        </p:nvSpPr>
+        <p:spPr>
+          <a:xfrm>
+            <a:off x="2721982" y="696475"/>
+            <a:ext cx="10515600" cy="1325563"/>
+          </a:xfrm>
+        </p:spPr>
+        <p:txBody>
+          <a:bodyPr>
+            <a:normAutofit/>
+          </a:bodyPr>
+          <a:lstStyle/>
+          <a:p>
+            <a:r>
+              <a:rPr lang="en-US" sz="4000" dirty="0">
+                <a:solidFill>
+                  <a:srgbClr val="EA5E46"/>
+                </a:solidFill>
+              </a:rPr>
+              <a:t>Model Data Transformation Methods</a:t>
+            </a:r>
+          </a:p>
+        </p:txBody>
+      </p:sp>
+      <p:pic>
+        <p:nvPicPr>
+          <p:cNvPr id="2050" name="Picture 2" descr="Image result for air bnb logo">
+            <a:extLst>
+              <a:ext uri="{FF2B5EF4-FFF2-40B4-BE49-F238E27FC236}">
+                <a16:creationId xmlns:a16="http://schemas.microsoft.com/office/drawing/2014/main" id="{A162C291-208B-BE48-BF44-7D5CD7EF6151}"/>
+              </a:ext>
+            </a:extLst>
+          </p:cNvPr>
+          <p:cNvPicPr>
+            <a:picLocks noChangeAspect="1" noChangeArrowheads="1"/>
+          </p:cNvPicPr>
+          <p:nvPr/>
+        </p:nvPicPr>
+        <p:blipFill>
+          <a:blip r:embed="rId3">
+            <a:extLst>
+              <a:ext uri="{28A0092B-C50C-407E-A947-70E740481C1C}">
+                <a14:useLocalDpi xmlns:a14="http://schemas.microsoft.com/office/drawing/2010/main" val="0"/>
+              </a:ext>
+            </a:extLst>
+          </a:blip>
+          <a:srcRect/>
+          <a:stretch>
+            <a:fillRect/>
+          </a:stretch>
+        </p:blipFill>
+        <p:spPr bwMode="auto">
+          <a:xfrm>
+            <a:off x="530564" y="108278"/>
+            <a:ext cx="2189605" cy="2022038"/>
+          </a:xfrm>
+          <a:prstGeom prst="rect">
+            <a:avLst/>
+          </a:prstGeom>
+          <a:noFill/>
+          <a:extLst>
+            <a:ext uri="{909E8E84-426E-40DD-AFC4-6F175D3DCCD1}">
+              <a14:hiddenFill xmlns:a14="http://schemas.microsoft.com/office/drawing/2010/main">
+                <a:solidFill>
+                  <a:srgbClr val="FFFFFF"/>
+                </a:solidFill>
+              </a14:hiddenFill>
+            </a:ext>
+          </a:extLst>
+        </p:spPr>
+      </p:pic>
+      <p:cxnSp>
+        <p:nvCxnSpPr>
+          <p:cNvPr id="6" name="Straight Connector 5">
+            <a:extLst>
+              <a:ext uri="{FF2B5EF4-FFF2-40B4-BE49-F238E27FC236}">
+                <a16:creationId xmlns:a16="http://schemas.microsoft.com/office/drawing/2014/main" id="{7D0926DC-6298-B648-9DF9-0D78D09F9FC8}"/>
+              </a:ext>
+            </a:extLst>
+          </p:cNvPr>
+          <p:cNvCxnSpPr>
+            <a:cxnSpLocks/>
+          </p:cNvCxnSpPr>
+          <p:nvPr/>
+        </p:nvCxnSpPr>
+        <p:spPr>
+          <a:xfrm>
+            <a:off x="975854" y="1684829"/>
+            <a:ext cx="9518745" cy="1"/>
+          </a:xfrm>
+          <a:prstGeom prst="line">
+            <a:avLst/>
+          </a:prstGeom>
+          <a:ln w="12700">
+            <a:solidFill>
+              <a:srgbClr val="EA5E46"/>
+            </a:solidFill>
+          </a:ln>
+        </p:spPr>
+        <p:style>
+          <a:lnRef idx="1">
+            <a:schemeClr val="accent2"/>
+          </a:lnRef>
+          <a:fillRef idx="0">
+            <a:schemeClr val="accent2"/>
+          </a:fillRef>
+          <a:effectRef idx="0">
+            <a:schemeClr val="accent2"/>
+          </a:effectRef>
+          <a:fontRef idx="minor">
+            <a:schemeClr val="tx1"/>
+          </a:fontRef>
+        </p:style>
+      </p:cxnSp>
+      <p:sp>
+        <p:nvSpPr>
+          <p:cNvPr id="20" name="TextBox 19">
+            <a:extLst>
+              <a:ext uri="{FF2B5EF4-FFF2-40B4-BE49-F238E27FC236}">
+                <a16:creationId xmlns:a16="http://schemas.microsoft.com/office/drawing/2014/main" id="{928097DE-506F-40FC-B650-5B06916D277D}"/>
+              </a:ext>
+            </a:extLst>
+          </p:cNvPr>
+          <p:cNvSpPr txBox="1"/>
+          <p:nvPr/>
+        </p:nvSpPr>
+        <p:spPr>
+          <a:xfrm>
+            <a:off x="934645" y="2077437"/>
+            <a:ext cx="3418873" cy="369332"/>
+          </a:xfrm>
+          <a:prstGeom prst="rect">
+            <a:avLst/>
+          </a:prstGeom>
+          <a:noFill/>
+        </p:spPr>
+        <p:txBody>
+          <a:bodyPr wrap="square" rtlCol="0">
+            <a:spAutoFit/>
+          </a:bodyPr>
+          <a:lstStyle/>
+          <a:p>
+            <a:r>
+              <a:rPr lang="en-US" dirty="0"/>
+              <a:t>Text Data - Vectorize</a:t>
+            </a:r>
+            <a:endParaRPr lang="en-CA" dirty="0"/>
+          </a:p>
+        </p:txBody>
+      </p:sp>
+      <p:sp>
+        <p:nvSpPr>
+          <p:cNvPr id="21" name="Arrow: Right 20">
+            <a:extLst>
+              <a:ext uri="{FF2B5EF4-FFF2-40B4-BE49-F238E27FC236}">
+                <a16:creationId xmlns:a16="http://schemas.microsoft.com/office/drawing/2014/main" id="{8EE0A187-602C-46F4-AD90-1D130DE5B185}"/>
+              </a:ext>
+            </a:extLst>
+          </p:cNvPr>
+          <p:cNvSpPr/>
+          <p:nvPr/>
+        </p:nvSpPr>
+        <p:spPr>
+          <a:xfrm>
+            <a:off x="4662466" y="2733993"/>
+            <a:ext cx="552893" cy="352089"/>
+          </a:xfrm>
+          <a:prstGeom prst="rightArrow">
+            <a:avLst/>
+          </a:prstGeom>
+          <a:solidFill>
+            <a:schemeClr val="bg2">
+              <a:lumMod val="75000"/>
+            </a:schemeClr>
+          </a:solidFill>
+          <a:ln>
+            <a:solidFill>
+              <a:schemeClr val="bg2">
+                <a:lumMod val="75000"/>
+              </a:schemeClr>
+            </a:solidFill>
+          </a:ln>
+        </p:spPr>
+        <p:style>
+          <a:lnRef idx="2">
+            <a:schemeClr val="accent1">
+              <a:shade val="50000"/>
+            </a:schemeClr>
+          </a:lnRef>
+          <a:fillRef idx="1">
+            <a:schemeClr val="accent1"/>
+          </a:fillRef>
+          <a:effectRef idx="0">
+            <a:schemeClr val="accent1"/>
+          </a:effectRef>
+          <a:fontRef idx="minor">
+            <a:schemeClr val="lt1"/>
+          </a:fontRef>
+        </p:style>
+        <p:txBody>
+          <a:bodyPr rtlCol="0" anchor="ctr"/>
+          <a:lstStyle/>
+          <a:p>
+            <a:pPr algn="ctr"/>
+            <a:endParaRPr lang="en-CA"/>
+          </a:p>
+        </p:txBody>
+      </p:sp>
+      <p:pic>
+        <p:nvPicPr>
+          <p:cNvPr id="22" name="Picture 21">
+            <a:extLst>
+              <a:ext uri="{FF2B5EF4-FFF2-40B4-BE49-F238E27FC236}">
+                <a16:creationId xmlns:a16="http://schemas.microsoft.com/office/drawing/2014/main" id="{1072C1DE-BAE0-403D-A94C-645817C91119}"/>
+              </a:ext>
+            </a:extLst>
+          </p:cNvPr>
+          <p:cNvPicPr>
+            <a:picLocks noChangeAspect="1"/>
+          </p:cNvPicPr>
+          <p:nvPr/>
+        </p:nvPicPr>
+        <p:blipFill>
+          <a:blip r:embed="rId4"/>
+          <a:stretch>
+            <a:fillRect/>
+          </a:stretch>
+        </p:blipFill>
+        <p:spPr>
+          <a:xfrm>
+            <a:off x="1031849" y="2733915"/>
+            <a:ext cx="2984212" cy="364587"/>
+          </a:xfrm>
+          <a:prstGeom prst="rect">
+            <a:avLst/>
+          </a:prstGeom>
+        </p:spPr>
+      </p:pic>
+      <p:pic>
+        <p:nvPicPr>
+          <p:cNvPr id="23" name="Picture 22">
+            <a:extLst>
+              <a:ext uri="{FF2B5EF4-FFF2-40B4-BE49-F238E27FC236}">
+                <a16:creationId xmlns:a16="http://schemas.microsoft.com/office/drawing/2014/main" id="{7E7C315F-27FB-447F-AF8A-5C0E74ED0602}"/>
+              </a:ext>
+            </a:extLst>
+          </p:cNvPr>
+          <p:cNvPicPr>
+            <a:picLocks noChangeAspect="1"/>
+          </p:cNvPicPr>
+          <p:nvPr/>
+        </p:nvPicPr>
+        <p:blipFill>
+          <a:blip r:embed="rId5"/>
+          <a:stretch>
+            <a:fillRect/>
+          </a:stretch>
+        </p:blipFill>
+        <p:spPr>
+          <a:xfrm>
+            <a:off x="5861764" y="2733914"/>
+            <a:ext cx="5736663" cy="364587"/>
+          </a:xfrm>
+          <a:prstGeom prst="rect">
+            <a:avLst/>
+          </a:prstGeom>
+        </p:spPr>
+      </p:pic>
+    </p:spTree>
+    <p:extLst>
+      <p:ext uri="{BB962C8B-B14F-4D97-AF65-F5344CB8AC3E}">
+        <p14:creationId xmlns:p14="http://schemas.microsoft.com/office/powerpoint/2010/main" val="2577355925"/>
+      </p:ext>
+    </p:extLst>
+  </p:cSld>
+  <p:clrMapOvr>
+    <a:masterClrMapping/>
+  </p:clrMapOvr>
+</p:sld>
+</file>
+
+<file path=ppt/slides/slide7.xml><?xml version="1.0" encoding="utf-8"?>
+<p:sld xmlns:a="http://schemas.openxmlformats.org/drawingml/2006/main" xmlns:r="http://schemas.openxmlformats.org/officeDocument/2006/relationships" xmlns:p="http://schemas.openxmlformats.org/presentationml/2006/main">
+  <p:cSld>
+    <p:spTree>
+      <p:nvGrpSpPr>
+        <p:cNvPr id="1" name=""/>
+        <p:cNvGrpSpPr/>
+        <p:nvPr/>
+      </p:nvGrpSpPr>
+      <p:grpSpPr>
+        <a:xfrm>
+          <a:off x="0" y="0"/>
+          <a:ext cx="0" cy="0"/>
+          <a:chOff x="0" y="0"/>
+          <a:chExt cx="0" cy="0"/>
+        </a:xfrm>
+      </p:grpSpPr>
+      <p:sp>
+        <p:nvSpPr>
+          <p:cNvPr id="2" name="Title 1">
+            <a:extLst>
+              <a:ext uri="{FF2B5EF4-FFF2-40B4-BE49-F238E27FC236}">
+                <a16:creationId xmlns:a16="http://schemas.microsoft.com/office/drawing/2014/main" id="{59B8B577-5676-3C4B-A107-E41DB331FD85}"/>
+              </a:ext>
+            </a:extLst>
+          </p:cNvPr>
+          <p:cNvSpPr>
+            <a:spLocks noGrp="1"/>
+          </p:cNvSpPr>
+          <p:nvPr>
+            <p:ph type="title"/>
+          </p:nvPr>
+        </p:nvSpPr>
+        <p:spPr>
+          <a:xfrm>
+            <a:off x="3371495" y="696475"/>
+            <a:ext cx="10515600" cy="1325563"/>
+          </a:xfrm>
+        </p:spPr>
+        <p:txBody>
+          <a:bodyPr>
+            <a:normAutofit/>
+          </a:bodyPr>
+          <a:lstStyle/>
+          <a:p>
+            <a:r>
+              <a:rPr lang="en-US" sz="4000" dirty="0">
+                <a:solidFill>
+                  <a:srgbClr val="EA5E46"/>
+                </a:solidFill>
+              </a:rPr>
+              <a:t>Model Data Transformation Breakdown</a:t>
+            </a:r>
+          </a:p>
+        </p:txBody>
+      </p:sp>
+      <p:pic>
+        <p:nvPicPr>
+          <p:cNvPr id="2050" name="Picture 2" descr="Image result for air bnb logo">
+            <a:extLst>
+              <a:ext uri="{FF2B5EF4-FFF2-40B4-BE49-F238E27FC236}">
+                <a16:creationId xmlns:a16="http://schemas.microsoft.com/office/drawing/2014/main" id="{A162C291-208B-BE48-BF44-7D5CD7EF6151}"/>
+              </a:ext>
+            </a:extLst>
+          </p:cNvPr>
+          <p:cNvPicPr>
+            <a:picLocks noChangeAspect="1" noChangeArrowheads="1"/>
+          </p:cNvPicPr>
+          <p:nvPr/>
+        </p:nvPicPr>
+        <p:blipFill>
+          <a:blip r:embed="rId3">
+            <a:extLst>
+              <a:ext uri="{28A0092B-C50C-407E-A947-70E740481C1C}">
+                <a14:useLocalDpi xmlns:a14="http://schemas.microsoft.com/office/drawing/2010/main" val="0"/>
+              </a:ext>
+            </a:extLst>
+          </a:blip>
+          <a:srcRect/>
+          <a:stretch>
+            <a:fillRect/>
+          </a:stretch>
+        </p:blipFill>
+        <p:spPr bwMode="auto">
+          <a:xfrm>
+            <a:off x="1180077" y="108278"/>
+            <a:ext cx="2189605" cy="2022038"/>
+          </a:xfrm>
+          <a:prstGeom prst="rect">
+            <a:avLst/>
+          </a:prstGeom>
+          <a:noFill/>
+          <a:extLst>
+            <a:ext uri="{909E8E84-426E-40DD-AFC4-6F175D3DCCD1}">
+              <a14:hiddenFill xmlns:a14="http://schemas.microsoft.com/office/drawing/2010/main">
+                <a:solidFill>
+                  <a:srgbClr val="FFFFFF"/>
+                </a:solidFill>
+              </a14:hiddenFill>
+            </a:ext>
+          </a:extLst>
+        </p:spPr>
+      </p:pic>
+      <p:cxnSp>
+        <p:nvCxnSpPr>
+          <p:cNvPr id="6" name="Straight Connector 5">
+            <a:extLst>
+              <a:ext uri="{FF2B5EF4-FFF2-40B4-BE49-F238E27FC236}">
+                <a16:creationId xmlns:a16="http://schemas.microsoft.com/office/drawing/2014/main" id="{7D0926DC-6298-B648-9DF9-0D78D09F9FC8}"/>
+              </a:ext>
+            </a:extLst>
+          </p:cNvPr>
+          <p:cNvCxnSpPr>
+            <a:cxnSpLocks/>
+          </p:cNvCxnSpPr>
+          <p:nvPr/>
+        </p:nvCxnSpPr>
+        <p:spPr>
+          <a:xfrm>
+            <a:off x="1625367" y="1684829"/>
+            <a:ext cx="9518745" cy="1"/>
+          </a:xfrm>
+          <a:prstGeom prst="line">
+            <a:avLst/>
+          </a:prstGeom>
+          <a:ln w="12700">
+            <a:solidFill>
+              <a:srgbClr val="EA5E46"/>
+            </a:solidFill>
+          </a:ln>
+        </p:spPr>
+        <p:style>
+          <a:lnRef idx="1">
+            <a:schemeClr val="accent2"/>
+          </a:lnRef>
+          <a:fillRef idx="0">
+            <a:schemeClr val="accent2"/>
+          </a:fillRef>
+          <a:effectRef idx="0">
+            <a:schemeClr val="accent2"/>
+          </a:effectRef>
+          <a:fontRef idx="minor">
+            <a:schemeClr val="tx1"/>
+          </a:fontRef>
+        </p:style>
+      </p:cxnSp>
+      <p:sp>
+        <p:nvSpPr>
+          <p:cNvPr id="5" name="TextBox 4">
+            <a:extLst>
+              <a:ext uri="{FF2B5EF4-FFF2-40B4-BE49-F238E27FC236}">
+                <a16:creationId xmlns:a16="http://schemas.microsoft.com/office/drawing/2014/main" id="{3C66E404-41EF-44AC-ABB8-1EEB513C9DE3}"/>
+              </a:ext>
+            </a:extLst>
+          </p:cNvPr>
+          <p:cNvSpPr txBox="1"/>
+          <p:nvPr/>
+        </p:nvSpPr>
+        <p:spPr>
+          <a:xfrm>
+            <a:off x="946298" y="2022039"/>
+            <a:ext cx="4583645" cy="369332"/>
+          </a:xfrm>
+          <a:prstGeom prst="rect">
+            <a:avLst/>
+          </a:prstGeom>
+          <a:noFill/>
+        </p:spPr>
+        <p:txBody>
+          <a:bodyPr wrap="square" rtlCol="0">
+            <a:spAutoFit/>
+          </a:bodyPr>
+          <a:lstStyle/>
+          <a:p>
+            <a:r>
+              <a:rPr lang="en-US" dirty="0"/>
+              <a:t>Numerical Data – Impute Missing Values</a:t>
+            </a:r>
+            <a:endParaRPr lang="en-CA" dirty="0"/>
+          </a:p>
+        </p:txBody>
+      </p:sp>
+      <p:pic>
+        <p:nvPicPr>
+          <p:cNvPr id="9" name="Picture 8">
+            <a:extLst>
+              <a:ext uri="{FF2B5EF4-FFF2-40B4-BE49-F238E27FC236}">
+                <a16:creationId xmlns:a16="http://schemas.microsoft.com/office/drawing/2014/main" id="{5DFEE87E-C6D3-43BD-B9E3-E4588F1FAE24}"/>
+              </a:ext>
+            </a:extLst>
+          </p:cNvPr>
+          <p:cNvPicPr>
+            <a:picLocks noChangeAspect="1"/>
+          </p:cNvPicPr>
+          <p:nvPr/>
+        </p:nvPicPr>
+        <p:blipFill>
+          <a:blip r:embed="rId4"/>
+          <a:stretch>
+            <a:fillRect/>
+          </a:stretch>
+        </p:blipFill>
+        <p:spPr>
+          <a:xfrm>
+            <a:off x="1002229" y="2391371"/>
+            <a:ext cx="1152574" cy="959328"/>
+          </a:xfrm>
+          <a:prstGeom prst="rect">
+            <a:avLst/>
+          </a:prstGeom>
+        </p:spPr>
+      </p:pic>
+      <p:sp>
+        <p:nvSpPr>
+          <p:cNvPr id="10" name="Arrow: Right 9">
+            <a:extLst>
+              <a:ext uri="{FF2B5EF4-FFF2-40B4-BE49-F238E27FC236}">
+                <a16:creationId xmlns:a16="http://schemas.microsoft.com/office/drawing/2014/main" id="{CD17D319-9A92-45E9-85CA-D73F4333A977}"/>
+              </a:ext>
+            </a:extLst>
+          </p:cNvPr>
+          <p:cNvSpPr/>
+          <p:nvPr/>
+        </p:nvSpPr>
+        <p:spPr>
+          <a:xfrm>
+            <a:off x="2781204" y="2871035"/>
+            <a:ext cx="552893" cy="352089"/>
+          </a:xfrm>
+          <a:prstGeom prst="rightArrow">
+            <a:avLst/>
+          </a:prstGeom>
+          <a:solidFill>
+            <a:schemeClr val="bg2">
+              <a:lumMod val="75000"/>
+            </a:schemeClr>
+          </a:solidFill>
+          <a:ln>
+            <a:solidFill>
+              <a:schemeClr val="bg2">
+                <a:lumMod val="75000"/>
+              </a:schemeClr>
+            </a:solidFill>
+          </a:ln>
+        </p:spPr>
+        <p:style>
+          <a:lnRef idx="2">
+            <a:schemeClr val="accent1">
+              <a:shade val="50000"/>
+            </a:schemeClr>
+          </a:lnRef>
+          <a:fillRef idx="1">
+            <a:schemeClr val="accent1"/>
+          </a:fillRef>
+          <a:effectRef idx="0">
+            <a:schemeClr val="accent1"/>
+          </a:effectRef>
+          <a:fontRef idx="minor">
+            <a:schemeClr val="lt1"/>
+          </a:fontRef>
+        </p:style>
+        <p:txBody>
+          <a:bodyPr rtlCol="0" anchor="ctr"/>
+          <a:lstStyle/>
+          <a:p>
+            <a:pPr algn="ctr"/>
+            <a:endParaRPr lang="en-CA"/>
+          </a:p>
+        </p:txBody>
+      </p:sp>
+      <p:pic>
+        <p:nvPicPr>
+          <p:cNvPr id="12" name="Picture 11">
+            <a:extLst>
+              <a:ext uri="{FF2B5EF4-FFF2-40B4-BE49-F238E27FC236}">
+                <a16:creationId xmlns:a16="http://schemas.microsoft.com/office/drawing/2014/main" id="{B3919613-C218-4BCD-A86F-E020C1E91AFE}"/>
+              </a:ext>
+            </a:extLst>
+          </p:cNvPr>
+          <p:cNvPicPr>
+            <a:picLocks noChangeAspect="1"/>
+          </p:cNvPicPr>
+          <p:nvPr/>
+        </p:nvPicPr>
+        <p:blipFill>
+          <a:blip r:embed="rId5"/>
+          <a:stretch>
+            <a:fillRect/>
+          </a:stretch>
+        </p:blipFill>
+        <p:spPr>
+          <a:xfrm>
+            <a:off x="8188477" y="2699089"/>
+            <a:ext cx="1559822" cy="629402"/>
+          </a:xfrm>
+          <a:prstGeom prst="rect">
+            <a:avLst/>
+          </a:prstGeom>
+        </p:spPr>
+      </p:pic>
+      <p:sp>
+        <p:nvSpPr>
+          <p:cNvPr id="13" name="Rectangle 12">
+            <a:extLst>
+              <a:ext uri="{FF2B5EF4-FFF2-40B4-BE49-F238E27FC236}">
+                <a16:creationId xmlns:a16="http://schemas.microsoft.com/office/drawing/2014/main" id="{EDC53F4A-537D-43ED-BF9C-54DB52A0EBE7}"/>
+              </a:ext>
+            </a:extLst>
+          </p:cNvPr>
+          <p:cNvSpPr/>
+          <p:nvPr/>
+        </p:nvSpPr>
+        <p:spPr>
+          <a:xfrm>
+            <a:off x="9022005" y="3067703"/>
+            <a:ext cx="726294" cy="282997"/>
+          </a:xfrm>
+          <a:prstGeom prst="rect">
+            <a:avLst/>
+          </a:prstGeom>
+          <a:noFill/>
+          <a:ln w="28575">
+            <a:solidFill>
+              <a:srgbClr val="EA6155"/>
+            </a:solidFill>
+          </a:ln>
+        </p:spPr>
+        <p:style>
+          <a:lnRef idx="2">
+            <a:schemeClr val="accent1">
+              <a:shade val="50000"/>
+            </a:schemeClr>
+          </a:lnRef>
+          <a:fillRef idx="1">
+            <a:schemeClr val="accent1"/>
+          </a:fillRef>
+          <a:effectRef idx="0">
+            <a:schemeClr val="accent1"/>
+          </a:effectRef>
+          <a:fontRef idx="minor">
+            <a:schemeClr val="lt1"/>
+          </a:fontRef>
+        </p:style>
+        <p:txBody>
+          <a:bodyPr rtlCol="0" anchor="ctr"/>
+          <a:lstStyle/>
+          <a:p>
+            <a:pPr algn="ctr"/>
+            <a:endParaRPr lang="en-CA"/>
+          </a:p>
+        </p:txBody>
+      </p:sp>
+      <p:sp>
+        <p:nvSpPr>
+          <p:cNvPr id="15" name="Rectangle 14">
+            <a:extLst>
+              <a:ext uri="{FF2B5EF4-FFF2-40B4-BE49-F238E27FC236}">
+                <a16:creationId xmlns:a16="http://schemas.microsoft.com/office/drawing/2014/main" id="{70C16DC1-FC18-471A-987D-87AF15CD5F9B}"/>
+              </a:ext>
+            </a:extLst>
+          </p:cNvPr>
+          <p:cNvSpPr/>
+          <p:nvPr/>
+        </p:nvSpPr>
+        <p:spPr>
+          <a:xfrm>
+            <a:off x="1765006" y="2722320"/>
+            <a:ext cx="389797" cy="628380"/>
+          </a:xfrm>
+          <a:prstGeom prst="rect">
+            <a:avLst/>
+          </a:prstGeom>
+          <a:noFill/>
+          <a:ln w="28575">
+            <a:solidFill>
+              <a:srgbClr val="EA6155"/>
+            </a:solidFill>
+          </a:ln>
+        </p:spPr>
+        <p:style>
+          <a:lnRef idx="2">
+            <a:schemeClr val="accent1">
+              <a:shade val="50000"/>
+            </a:schemeClr>
+          </a:lnRef>
+          <a:fillRef idx="1">
+            <a:schemeClr val="accent1"/>
+          </a:fillRef>
+          <a:effectRef idx="0">
+            <a:schemeClr val="accent1"/>
+          </a:effectRef>
+          <a:fontRef idx="minor">
+            <a:schemeClr val="lt1"/>
+          </a:fontRef>
+        </p:style>
+        <p:txBody>
+          <a:bodyPr rtlCol="0" anchor="ctr"/>
+          <a:lstStyle/>
+          <a:p>
+            <a:pPr algn="ctr"/>
+            <a:endParaRPr lang="en-CA"/>
+          </a:p>
+        </p:txBody>
+      </p:sp>
+      <p:pic>
+        <p:nvPicPr>
+          <p:cNvPr id="16" name="Picture 15">
+            <a:extLst>
+              <a:ext uri="{FF2B5EF4-FFF2-40B4-BE49-F238E27FC236}">
+                <a16:creationId xmlns:a16="http://schemas.microsoft.com/office/drawing/2014/main" id="{19B39FB3-2832-4113-821F-0B5ADFCC607D}"/>
+              </a:ext>
+            </a:extLst>
+          </p:cNvPr>
+          <p:cNvPicPr>
+            <a:picLocks noChangeAspect="1"/>
+          </p:cNvPicPr>
+          <p:nvPr/>
+        </p:nvPicPr>
+        <p:blipFill>
+          <a:blip r:embed="rId6"/>
+          <a:stretch>
+            <a:fillRect/>
+          </a:stretch>
+        </p:blipFill>
+        <p:spPr>
+          <a:xfrm>
+            <a:off x="3875136" y="2693050"/>
+            <a:ext cx="2572168" cy="628380"/>
+          </a:xfrm>
+          <a:prstGeom prst="rect">
+            <a:avLst/>
+          </a:prstGeom>
+        </p:spPr>
+      </p:pic>
+      <p:sp>
+        <p:nvSpPr>
+          <p:cNvPr id="18" name="Arrow: Right 17">
+            <a:extLst>
+              <a:ext uri="{FF2B5EF4-FFF2-40B4-BE49-F238E27FC236}">
+                <a16:creationId xmlns:a16="http://schemas.microsoft.com/office/drawing/2014/main" id="{A3AF85D0-FDA1-4910-8CD4-1F9E27056000}"/>
+              </a:ext>
+            </a:extLst>
+          </p:cNvPr>
+          <p:cNvSpPr/>
+          <p:nvPr/>
+        </p:nvSpPr>
+        <p:spPr>
+          <a:xfrm>
+            <a:off x="7030781" y="2889663"/>
+            <a:ext cx="552893" cy="352089"/>
+          </a:xfrm>
+          <a:prstGeom prst="rightArrow">
+            <a:avLst/>
+          </a:prstGeom>
+          <a:solidFill>
+            <a:schemeClr val="bg2">
+              <a:lumMod val="75000"/>
+            </a:schemeClr>
+          </a:solidFill>
+          <a:ln>
+            <a:solidFill>
+              <a:schemeClr val="bg2">
+                <a:lumMod val="75000"/>
+              </a:schemeClr>
+            </a:solidFill>
+          </a:ln>
+        </p:spPr>
+        <p:style>
+          <a:lnRef idx="2">
+            <a:schemeClr val="accent1">
+              <a:shade val="50000"/>
+            </a:schemeClr>
+          </a:lnRef>
+          <a:fillRef idx="1">
+            <a:schemeClr val="accent1"/>
+          </a:fillRef>
+          <a:effectRef idx="0">
+            <a:schemeClr val="accent1"/>
+          </a:effectRef>
+          <a:fontRef idx="minor">
+            <a:schemeClr val="lt1"/>
+          </a:fontRef>
+        </p:style>
+        <p:txBody>
+          <a:bodyPr rtlCol="0" anchor="ctr"/>
+          <a:lstStyle/>
+          <a:p>
+            <a:pPr algn="ctr"/>
+            <a:endParaRPr lang="en-CA"/>
+          </a:p>
+        </p:txBody>
+      </p:sp>
+      <p:sp>
+        <p:nvSpPr>
+          <p:cNvPr id="14" name="TextBox 13">
+            <a:extLst>
+              <a:ext uri="{FF2B5EF4-FFF2-40B4-BE49-F238E27FC236}">
+                <a16:creationId xmlns:a16="http://schemas.microsoft.com/office/drawing/2014/main" id="{6DF76CAB-5499-4486-8441-478E8BE1139C}"/>
+              </a:ext>
+            </a:extLst>
+          </p:cNvPr>
+          <p:cNvSpPr txBox="1"/>
+          <p:nvPr/>
+        </p:nvSpPr>
+        <p:spPr>
+          <a:xfrm>
+            <a:off x="961026" y="3598589"/>
+            <a:ext cx="4797517" cy="369332"/>
+          </a:xfrm>
+          <a:prstGeom prst="rect">
+            <a:avLst/>
+          </a:prstGeom>
+          <a:noFill/>
+        </p:spPr>
+        <p:txBody>
+          <a:bodyPr wrap="square" rtlCol="0">
+            <a:spAutoFit/>
+          </a:bodyPr>
+          <a:lstStyle/>
+          <a:p>
+            <a:r>
+              <a:rPr lang="en-US" dirty="0"/>
+              <a:t>Categorical Data – Encode</a:t>
+            </a:r>
+            <a:endParaRPr lang="en-CA" dirty="0"/>
+          </a:p>
+        </p:txBody>
+      </p:sp>
+      <p:sp>
+        <p:nvSpPr>
+          <p:cNvPr id="19" name="Arrow: Right 18">
+            <a:extLst>
+              <a:ext uri="{FF2B5EF4-FFF2-40B4-BE49-F238E27FC236}">
+                <a16:creationId xmlns:a16="http://schemas.microsoft.com/office/drawing/2014/main" id="{A92180FA-4AFA-4DBC-8F19-4C1C04DDA213}"/>
+              </a:ext>
+            </a:extLst>
+          </p:cNvPr>
+          <p:cNvSpPr/>
+          <p:nvPr/>
+        </p:nvSpPr>
+        <p:spPr>
+          <a:xfrm>
+            <a:off x="2780199" y="4551640"/>
+            <a:ext cx="552893" cy="352089"/>
+          </a:xfrm>
+          <a:prstGeom prst="rightArrow">
+            <a:avLst/>
+          </a:prstGeom>
+          <a:solidFill>
+            <a:schemeClr val="bg2">
+              <a:lumMod val="75000"/>
+            </a:schemeClr>
+          </a:solidFill>
+          <a:ln>
+            <a:solidFill>
+              <a:schemeClr val="bg2">
+                <a:lumMod val="75000"/>
+              </a:schemeClr>
+            </a:solidFill>
+          </a:ln>
+        </p:spPr>
+        <p:style>
+          <a:lnRef idx="2">
+            <a:schemeClr val="accent1">
+              <a:shade val="50000"/>
+            </a:schemeClr>
+          </a:lnRef>
+          <a:fillRef idx="1">
+            <a:schemeClr val="accent1"/>
+          </a:fillRef>
+          <a:effectRef idx="0">
+            <a:schemeClr val="accent1"/>
+          </a:effectRef>
+          <a:fontRef idx="minor">
+            <a:schemeClr val="lt1"/>
+          </a:fontRef>
+        </p:style>
+        <p:txBody>
+          <a:bodyPr rtlCol="0" anchor="ctr"/>
+          <a:lstStyle/>
+          <a:p>
+            <a:pPr algn="ctr"/>
+            <a:endParaRPr lang="en-CA"/>
+          </a:p>
+        </p:txBody>
+      </p:sp>
+      <p:pic>
+        <p:nvPicPr>
+          <p:cNvPr id="21" name="Picture 20">
+            <a:extLst>
+              <a:ext uri="{FF2B5EF4-FFF2-40B4-BE49-F238E27FC236}">
+                <a16:creationId xmlns:a16="http://schemas.microsoft.com/office/drawing/2014/main" id="{6DC3566A-257C-4244-89A5-CA163D6EA75C}"/>
+              </a:ext>
+            </a:extLst>
+          </p:cNvPr>
+          <p:cNvPicPr>
+            <a:picLocks noChangeAspect="1"/>
+          </p:cNvPicPr>
+          <p:nvPr/>
+        </p:nvPicPr>
+        <p:blipFill>
+          <a:blip r:embed="rId7"/>
+          <a:stretch>
+            <a:fillRect/>
+          </a:stretch>
+        </p:blipFill>
+        <p:spPr>
+          <a:xfrm>
+            <a:off x="1057889" y="4132332"/>
+            <a:ext cx="623138" cy="838615"/>
+          </a:xfrm>
+          <a:prstGeom prst="rect">
+            <a:avLst/>
+          </a:prstGeom>
+        </p:spPr>
+      </p:pic>
+      <p:pic>
+        <p:nvPicPr>
+          <p:cNvPr id="23" name="Picture 22">
+            <a:extLst>
+              <a:ext uri="{FF2B5EF4-FFF2-40B4-BE49-F238E27FC236}">
+                <a16:creationId xmlns:a16="http://schemas.microsoft.com/office/drawing/2014/main" id="{F329B7E1-68B0-4894-A420-92A8F05D5A39}"/>
+              </a:ext>
+            </a:extLst>
+          </p:cNvPr>
+          <p:cNvPicPr>
+            <a:picLocks noChangeAspect="1"/>
+          </p:cNvPicPr>
+          <p:nvPr/>
+        </p:nvPicPr>
+        <p:blipFill>
+          <a:blip r:embed="rId8"/>
+          <a:stretch>
+            <a:fillRect/>
+          </a:stretch>
+        </p:blipFill>
+        <p:spPr>
+          <a:xfrm>
+            <a:off x="3860408" y="4184207"/>
+            <a:ext cx="688257" cy="901853"/>
+          </a:xfrm>
+          <a:prstGeom prst="rect">
+            <a:avLst/>
+          </a:prstGeom>
+        </p:spPr>
+      </p:pic>
+      <p:sp>
+        <p:nvSpPr>
+          <p:cNvPr id="25" name="TextBox 24">
+            <a:extLst>
+              <a:ext uri="{FF2B5EF4-FFF2-40B4-BE49-F238E27FC236}">
+                <a16:creationId xmlns:a16="http://schemas.microsoft.com/office/drawing/2014/main" id="{69F909F2-9044-40F7-B61E-91C619DE6BC3}"/>
+              </a:ext>
+            </a:extLst>
+          </p:cNvPr>
+          <p:cNvSpPr txBox="1"/>
+          <p:nvPr/>
+        </p:nvSpPr>
+        <p:spPr>
+          <a:xfrm>
+            <a:off x="946298" y="5211351"/>
+            <a:ext cx="3418873" cy="369332"/>
+          </a:xfrm>
+          <a:prstGeom prst="rect">
+            <a:avLst/>
+          </a:prstGeom>
+          <a:noFill/>
+        </p:spPr>
+        <p:txBody>
+          <a:bodyPr wrap="square" rtlCol="0">
+            <a:spAutoFit/>
+          </a:bodyPr>
+          <a:lstStyle/>
+          <a:p>
+            <a:r>
+              <a:rPr lang="en-US" dirty="0"/>
+              <a:t>Text Data - Vectorize</a:t>
+            </a:r>
+            <a:endParaRPr lang="en-CA" dirty="0"/>
+          </a:p>
+        </p:txBody>
+      </p:sp>
+      <p:sp>
+        <p:nvSpPr>
+          <p:cNvPr id="26" name="Arrow: Right 25">
+            <a:extLst>
+              <a:ext uri="{FF2B5EF4-FFF2-40B4-BE49-F238E27FC236}">
+                <a16:creationId xmlns:a16="http://schemas.microsoft.com/office/drawing/2014/main" id="{8FB7D03B-EBFD-4FF8-8629-EF32C3A3E5C5}"/>
+              </a:ext>
+            </a:extLst>
+          </p:cNvPr>
+          <p:cNvSpPr/>
+          <p:nvPr/>
+        </p:nvSpPr>
+        <p:spPr>
+          <a:xfrm>
+            <a:off x="4674119" y="5867907"/>
+            <a:ext cx="552893" cy="352089"/>
+          </a:xfrm>
+          <a:prstGeom prst="rightArrow">
+            <a:avLst/>
+          </a:prstGeom>
+          <a:solidFill>
+            <a:schemeClr val="bg2">
+              <a:lumMod val="75000"/>
+            </a:schemeClr>
+          </a:solidFill>
+          <a:ln>
+            <a:solidFill>
+              <a:schemeClr val="bg2">
+                <a:lumMod val="75000"/>
+              </a:schemeClr>
+            </a:solidFill>
+          </a:ln>
+        </p:spPr>
+        <p:style>
+          <a:lnRef idx="2">
+            <a:schemeClr val="accent1">
+              <a:shade val="50000"/>
+            </a:schemeClr>
+          </a:lnRef>
+          <a:fillRef idx="1">
+            <a:schemeClr val="accent1"/>
+          </a:fillRef>
+          <a:effectRef idx="0">
+            <a:schemeClr val="accent1"/>
+          </a:effectRef>
+          <a:fontRef idx="minor">
+            <a:schemeClr val="lt1"/>
+          </a:fontRef>
+        </p:style>
+        <p:txBody>
+          <a:bodyPr rtlCol="0" anchor="ctr"/>
+          <a:lstStyle/>
+          <a:p>
+            <a:pPr algn="ctr"/>
+            <a:endParaRPr lang="en-CA"/>
+          </a:p>
+        </p:txBody>
+      </p:sp>
+      <p:pic>
+        <p:nvPicPr>
+          <p:cNvPr id="29" name="Picture 28">
+            <a:extLst>
+              <a:ext uri="{FF2B5EF4-FFF2-40B4-BE49-F238E27FC236}">
+                <a16:creationId xmlns:a16="http://schemas.microsoft.com/office/drawing/2014/main" id="{A195455D-BFF4-406B-9EEF-59C0691FAC4B}"/>
+              </a:ext>
+            </a:extLst>
+          </p:cNvPr>
+          <p:cNvPicPr>
+            <a:picLocks noChangeAspect="1"/>
+          </p:cNvPicPr>
+          <p:nvPr/>
+        </p:nvPicPr>
+        <p:blipFill>
+          <a:blip r:embed="rId9"/>
+          <a:stretch>
+            <a:fillRect/>
+          </a:stretch>
+        </p:blipFill>
+        <p:spPr>
+          <a:xfrm>
+            <a:off x="1043502" y="5867829"/>
+            <a:ext cx="2984212" cy="364587"/>
+          </a:xfrm>
+          <a:prstGeom prst="rect">
+            <a:avLst/>
+          </a:prstGeom>
+        </p:spPr>
+      </p:pic>
+      <p:pic>
+        <p:nvPicPr>
+          <p:cNvPr id="2054" name="Picture 2053">
+            <a:extLst>
+              <a:ext uri="{FF2B5EF4-FFF2-40B4-BE49-F238E27FC236}">
+                <a16:creationId xmlns:a16="http://schemas.microsoft.com/office/drawing/2014/main" id="{65A07F8D-FD5E-4F98-9399-FD09EE622FAB}"/>
+              </a:ext>
+            </a:extLst>
+          </p:cNvPr>
+          <p:cNvPicPr>
+            <a:picLocks noChangeAspect="1"/>
+          </p:cNvPicPr>
+          <p:nvPr/>
+        </p:nvPicPr>
+        <p:blipFill>
+          <a:blip r:embed="rId10"/>
+          <a:stretch>
+            <a:fillRect/>
+          </a:stretch>
+        </p:blipFill>
+        <p:spPr>
+          <a:xfrm>
+            <a:off x="5873417" y="5867828"/>
+            <a:ext cx="5736663" cy="364587"/>
+          </a:xfrm>
+          <a:prstGeom prst="rect">
+            <a:avLst/>
+          </a:prstGeom>
+        </p:spPr>
+      </p:pic>
+    </p:spTree>
+    <p:extLst>
+      <p:ext uri="{BB962C8B-B14F-4D97-AF65-F5344CB8AC3E}">
+        <p14:creationId xmlns:p14="http://schemas.microsoft.com/office/powerpoint/2010/main" val="2261808181"/>
+      </p:ext>
+    </p:extLst>
+  </p:cSld>
+  <p:clrMapOvr>
+    <a:masterClrMapping/>
+  </p:clrMapOvr>
+</p:sld>
+</file>
+
+<file path=ppt/slides/slide8.xml><?xml version="1.0" encoding="utf-8"?>
 <p:sld xmlns:a="http://schemas.openxmlformats.org/drawingml/2006/main" xmlns:r="http://schemas.openxmlformats.org/officeDocument/2006/relationships" xmlns:p="http://schemas.openxmlformats.org/presentationml/2006/main">
   <p:cSld>
     <p:spTree>
@@ -6950,7 +10620,7 @@
 </p:sld>
 </file>
 
-<file path=ppt/slides/slide5.xml><?xml version="1.0" encoding="utf-8"?>
+<file path=ppt/slides/slide9.xml><?xml version="1.0" encoding="utf-8"?>
 <p:sld xmlns:a="http://schemas.openxmlformats.org/drawingml/2006/main" xmlns:r="http://schemas.openxmlformats.org/officeDocument/2006/relationships" xmlns:p="http://schemas.openxmlformats.org/presentationml/2006/main">
   <p:cSld>
     <p:spTree>
@@ -7098,651 +10768,6 @@
     <p:extLst>
       <p:ext uri="{BB962C8B-B14F-4D97-AF65-F5344CB8AC3E}">
         <p14:creationId xmlns:p14="http://schemas.microsoft.com/office/powerpoint/2010/main" val="2243286875"/>
-      </p:ext>
-    </p:extLst>
-  </p:cSld>
-  <p:clrMapOvr>
-    <a:masterClrMapping/>
-  </p:clrMapOvr>
-</p:sld>
-</file>
-
-<file path=ppt/slides/slide6.xml><?xml version="1.0" encoding="utf-8"?>
-<p:sld xmlns:a="http://schemas.openxmlformats.org/drawingml/2006/main" xmlns:r="http://schemas.openxmlformats.org/officeDocument/2006/relationships" xmlns:p="http://schemas.openxmlformats.org/presentationml/2006/main">
-  <p:cSld>
-    <p:spTree>
-      <p:nvGrpSpPr>
-        <p:cNvPr id="1" name=""/>
-        <p:cNvGrpSpPr/>
-        <p:nvPr/>
-      </p:nvGrpSpPr>
-      <p:grpSpPr>
-        <a:xfrm>
-          <a:off x="0" y="0"/>
-          <a:ext cx="0" cy="0"/>
-          <a:chOff x="0" y="0"/>
-          <a:chExt cx="0" cy="0"/>
-        </a:xfrm>
-      </p:grpSpPr>
-      <p:sp>
-        <p:nvSpPr>
-          <p:cNvPr id="2" name="Title 1">
-            <a:extLst>
-              <a:ext uri="{FF2B5EF4-FFF2-40B4-BE49-F238E27FC236}">
-                <a16:creationId xmlns:a16="http://schemas.microsoft.com/office/drawing/2014/main" id="{59B8B577-5676-3C4B-A107-E41DB331FD85}"/>
-              </a:ext>
-            </a:extLst>
-          </p:cNvPr>
-          <p:cNvSpPr>
-            <a:spLocks noGrp="1"/>
-          </p:cNvSpPr>
-          <p:nvPr>
-            <p:ph type="title"/>
-          </p:nvPr>
-        </p:nvSpPr>
-        <p:spPr>
-          <a:xfrm>
-            <a:off x="4123382" y="513769"/>
-            <a:ext cx="10515600" cy="1325563"/>
-          </a:xfrm>
-        </p:spPr>
-        <p:txBody>
-          <a:bodyPr/>
-          <a:lstStyle/>
-          <a:p>
-            <a:r>
-              <a:rPr lang="en-US" dirty="0">
-                <a:solidFill>
-                  <a:srgbClr val="EA5E46"/>
-                </a:solidFill>
-              </a:rPr>
-              <a:t>Model Findings – Price Correlation</a:t>
-            </a:r>
-          </a:p>
-        </p:txBody>
-      </p:sp>
-      <p:pic>
-        <p:nvPicPr>
-          <p:cNvPr id="2050" name="Picture 2" descr="Image result for air bnb logo">
-            <a:extLst>
-              <a:ext uri="{FF2B5EF4-FFF2-40B4-BE49-F238E27FC236}">
-                <a16:creationId xmlns:a16="http://schemas.microsoft.com/office/drawing/2014/main" id="{A162C291-208B-BE48-BF44-7D5CD7EF6151}"/>
-              </a:ext>
-            </a:extLst>
-          </p:cNvPr>
-          <p:cNvPicPr>
-            <a:picLocks noChangeAspect="1" noChangeArrowheads="1"/>
-          </p:cNvPicPr>
-          <p:nvPr/>
-        </p:nvPicPr>
-        <p:blipFill>
-          <a:blip r:embed="rId3">
-            <a:extLst>
-              <a:ext uri="{28A0092B-C50C-407E-A947-70E740481C1C}">
-                <a14:useLocalDpi xmlns:a14="http://schemas.microsoft.com/office/drawing/2010/main" val="0"/>
-              </a:ext>
-            </a:extLst>
-          </a:blip>
-          <a:srcRect/>
-          <a:stretch>
-            <a:fillRect/>
-          </a:stretch>
-        </p:blipFill>
-        <p:spPr bwMode="auto">
-          <a:xfrm>
-            <a:off x="2080820" y="0"/>
-            <a:ext cx="2189605" cy="2022038"/>
-          </a:xfrm>
-          <a:prstGeom prst="rect">
-            <a:avLst/>
-          </a:prstGeom>
-          <a:noFill/>
-          <a:extLst>
-            <a:ext uri="{909E8E84-426E-40DD-AFC4-6F175D3DCCD1}">
-              <a14:hiddenFill xmlns:a14="http://schemas.microsoft.com/office/drawing/2010/main">
-                <a:solidFill>
-                  <a:srgbClr val="FFFFFF"/>
-                </a:solidFill>
-              </a14:hiddenFill>
-            </a:ext>
-          </a:extLst>
-        </p:spPr>
-      </p:pic>
-      <p:cxnSp>
-        <p:nvCxnSpPr>
-          <p:cNvPr id="6" name="Straight Connector 5">
-            <a:extLst>
-              <a:ext uri="{FF2B5EF4-FFF2-40B4-BE49-F238E27FC236}">
-                <a16:creationId xmlns:a16="http://schemas.microsoft.com/office/drawing/2014/main" id="{7D0926DC-6298-B648-9DF9-0D78D09F9FC8}"/>
-              </a:ext>
-            </a:extLst>
-          </p:cNvPr>
-          <p:cNvCxnSpPr>
-            <a:cxnSpLocks/>
-          </p:cNvCxnSpPr>
-          <p:nvPr/>
-        </p:nvCxnSpPr>
-        <p:spPr>
-          <a:xfrm>
-            <a:off x="2526110" y="1576551"/>
-            <a:ext cx="9518745" cy="1"/>
-          </a:xfrm>
-          <a:prstGeom prst="line">
-            <a:avLst/>
-          </a:prstGeom>
-          <a:ln w="12700">
-            <a:solidFill>
-              <a:srgbClr val="EA5E46"/>
-            </a:solidFill>
-          </a:ln>
-        </p:spPr>
-        <p:style>
-          <a:lnRef idx="1">
-            <a:schemeClr val="accent2"/>
-          </a:lnRef>
-          <a:fillRef idx="0">
-            <a:schemeClr val="accent2"/>
-          </a:fillRef>
-          <a:effectRef idx="0">
-            <a:schemeClr val="accent2"/>
-          </a:effectRef>
-          <a:fontRef idx="minor">
-            <a:schemeClr val="tx1"/>
-          </a:fontRef>
-        </p:style>
-      </p:cxnSp>
-    </p:spTree>
-    <p:extLst>
-      <p:ext uri="{BB962C8B-B14F-4D97-AF65-F5344CB8AC3E}">
-        <p14:creationId xmlns:p14="http://schemas.microsoft.com/office/powerpoint/2010/main" val="191879790"/>
-      </p:ext>
-    </p:extLst>
-  </p:cSld>
-  <p:clrMapOvr>
-    <a:masterClrMapping/>
-  </p:clrMapOvr>
-</p:sld>
-</file>
-
-<file path=ppt/slides/slide7.xml><?xml version="1.0" encoding="utf-8"?>
-<p:sld xmlns:a="http://schemas.openxmlformats.org/drawingml/2006/main" xmlns:r="http://schemas.openxmlformats.org/officeDocument/2006/relationships" xmlns:p="http://schemas.openxmlformats.org/presentationml/2006/main">
-  <p:cSld>
-    <p:spTree>
-      <p:nvGrpSpPr>
-        <p:cNvPr id="1" name=""/>
-        <p:cNvGrpSpPr/>
-        <p:nvPr/>
-      </p:nvGrpSpPr>
-      <p:grpSpPr>
-        <a:xfrm>
-          <a:off x="0" y="0"/>
-          <a:ext cx="0" cy="0"/>
-          <a:chOff x="0" y="0"/>
-          <a:chExt cx="0" cy="0"/>
-        </a:xfrm>
-      </p:grpSpPr>
-      <p:sp>
-        <p:nvSpPr>
-          <p:cNvPr id="2" name="Title 1">
-            <a:extLst>
-              <a:ext uri="{FF2B5EF4-FFF2-40B4-BE49-F238E27FC236}">
-                <a16:creationId xmlns:a16="http://schemas.microsoft.com/office/drawing/2014/main" id="{59B8B577-5676-3C4B-A107-E41DB331FD85}"/>
-              </a:ext>
-            </a:extLst>
-          </p:cNvPr>
-          <p:cNvSpPr>
-            <a:spLocks noGrp="1"/>
-          </p:cNvSpPr>
-          <p:nvPr>
-            <p:ph type="title"/>
-          </p:nvPr>
-        </p:nvSpPr>
-        <p:spPr>
-          <a:xfrm>
-            <a:off x="4272238" y="588197"/>
-            <a:ext cx="10515600" cy="1325563"/>
-          </a:xfrm>
-        </p:spPr>
-        <p:txBody>
-          <a:bodyPr/>
-          <a:lstStyle/>
-          <a:p>
-            <a:r>
-              <a:rPr lang="en-US" dirty="0">
-                <a:solidFill>
-                  <a:srgbClr val="EA5E46"/>
-                </a:solidFill>
-              </a:rPr>
-              <a:t>Model Findings – Features </a:t>
-            </a:r>
-          </a:p>
-        </p:txBody>
-      </p:sp>
-      <p:pic>
-        <p:nvPicPr>
-          <p:cNvPr id="2050" name="Picture 2" descr="Image result for air bnb logo">
-            <a:extLst>
-              <a:ext uri="{FF2B5EF4-FFF2-40B4-BE49-F238E27FC236}">
-                <a16:creationId xmlns:a16="http://schemas.microsoft.com/office/drawing/2014/main" id="{A162C291-208B-BE48-BF44-7D5CD7EF6151}"/>
-              </a:ext>
-            </a:extLst>
-          </p:cNvPr>
-          <p:cNvPicPr>
-            <a:picLocks noChangeAspect="1" noChangeArrowheads="1"/>
-          </p:cNvPicPr>
-          <p:nvPr/>
-        </p:nvPicPr>
-        <p:blipFill>
-          <a:blip r:embed="rId3">
-            <a:extLst>
-              <a:ext uri="{28A0092B-C50C-407E-A947-70E740481C1C}">
-                <a14:useLocalDpi xmlns:a14="http://schemas.microsoft.com/office/drawing/2010/main" val="0"/>
-              </a:ext>
-            </a:extLst>
-          </a:blip>
-          <a:srcRect/>
-          <a:stretch>
-            <a:fillRect/>
-          </a:stretch>
-        </p:blipFill>
-        <p:spPr bwMode="auto">
-          <a:xfrm>
-            <a:off x="2080820" y="0"/>
-            <a:ext cx="2189605" cy="2022038"/>
-          </a:xfrm>
-          <a:prstGeom prst="rect">
-            <a:avLst/>
-          </a:prstGeom>
-          <a:noFill/>
-          <a:extLst>
-            <a:ext uri="{909E8E84-426E-40DD-AFC4-6F175D3DCCD1}">
-              <a14:hiddenFill xmlns:a14="http://schemas.microsoft.com/office/drawing/2010/main">
-                <a:solidFill>
-                  <a:srgbClr val="FFFFFF"/>
-                </a:solidFill>
-              </a14:hiddenFill>
-            </a:ext>
-          </a:extLst>
-        </p:spPr>
-      </p:pic>
-      <p:cxnSp>
-        <p:nvCxnSpPr>
-          <p:cNvPr id="6" name="Straight Connector 5">
-            <a:extLst>
-              <a:ext uri="{FF2B5EF4-FFF2-40B4-BE49-F238E27FC236}">
-                <a16:creationId xmlns:a16="http://schemas.microsoft.com/office/drawing/2014/main" id="{7D0926DC-6298-B648-9DF9-0D78D09F9FC8}"/>
-              </a:ext>
-            </a:extLst>
-          </p:cNvPr>
-          <p:cNvCxnSpPr>
-            <a:cxnSpLocks/>
-          </p:cNvCxnSpPr>
-          <p:nvPr/>
-        </p:nvCxnSpPr>
-        <p:spPr>
-          <a:xfrm>
-            <a:off x="2526110" y="1576551"/>
-            <a:ext cx="9518745" cy="1"/>
-          </a:xfrm>
-          <a:prstGeom prst="line">
-            <a:avLst/>
-          </a:prstGeom>
-          <a:ln w="12700">
-            <a:solidFill>
-              <a:srgbClr val="EA5E46"/>
-            </a:solidFill>
-          </a:ln>
-        </p:spPr>
-        <p:style>
-          <a:lnRef idx="1">
-            <a:schemeClr val="accent2"/>
-          </a:lnRef>
-          <a:fillRef idx="0">
-            <a:schemeClr val="accent2"/>
-          </a:fillRef>
-          <a:effectRef idx="0">
-            <a:schemeClr val="accent2"/>
-          </a:effectRef>
-          <a:fontRef idx="minor">
-            <a:schemeClr val="tx1"/>
-          </a:fontRef>
-        </p:style>
-      </p:cxnSp>
-    </p:spTree>
-    <p:extLst>
-      <p:ext uri="{BB962C8B-B14F-4D97-AF65-F5344CB8AC3E}">
-        <p14:creationId xmlns:p14="http://schemas.microsoft.com/office/powerpoint/2010/main" val="2072027101"/>
-      </p:ext>
-    </p:extLst>
-  </p:cSld>
-  <p:clrMapOvr>
-    <a:masterClrMapping/>
-  </p:clrMapOvr>
-</p:sld>
-</file>
-
-<file path=ppt/slides/slide8.xml><?xml version="1.0" encoding="utf-8"?>
-<p:sld xmlns:a="http://schemas.openxmlformats.org/drawingml/2006/main" xmlns:r="http://schemas.openxmlformats.org/officeDocument/2006/relationships" xmlns:p="http://schemas.openxmlformats.org/presentationml/2006/main">
-  <p:cSld>
-    <p:spTree>
-      <p:nvGrpSpPr>
-        <p:cNvPr id="1" name=""/>
-        <p:cNvGrpSpPr/>
-        <p:nvPr/>
-      </p:nvGrpSpPr>
-      <p:grpSpPr>
-        <a:xfrm>
-          <a:off x="0" y="0"/>
-          <a:ext cx="0" cy="0"/>
-          <a:chOff x="0" y="0"/>
-          <a:chExt cx="0" cy="0"/>
-        </a:xfrm>
-      </p:grpSpPr>
-      <p:sp>
-        <p:nvSpPr>
-          <p:cNvPr id="2" name="Title 1">
-            <a:extLst>
-              <a:ext uri="{FF2B5EF4-FFF2-40B4-BE49-F238E27FC236}">
-                <a16:creationId xmlns:a16="http://schemas.microsoft.com/office/drawing/2014/main" id="{59B8B577-5676-3C4B-A107-E41DB331FD85}"/>
-              </a:ext>
-            </a:extLst>
-          </p:cNvPr>
-          <p:cNvSpPr>
-            <a:spLocks noGrp="1"/>
-          </p:cNvSpPr>
-          <p:nvPr>
-            <p:ph type="title"/>
-          </p:nvPr>
-        </p:nvSpPr>
-        <p:spPr>
-          <a:xfrm>
-            <a:off x="4272238" y="588197"/>
-            <a:ext cx="10515600" cy="1325563"/>
-          </a:xfrm>
-        </p:spPr>
-        <p:txBody>
-          <a:bodyPr>
-            <a:normAutofit/>
-          </a:bodyPr>
-          <a:lstStyle/>
-          <a:p>
-            <a:r>
-              <a:rPr lang="en-US" sz="4000" dirty="0">
-                <a:solidFill>
-                  <a:srgbClr val="EA5E46"/>
-                </a:solidFill>
-              </a:rPr>
-              <a:t>Model Findings – Nearest </a:t>
-            </a:r>
-            <a:r>
-              <a:rPr lang="en-US" sz="4000" dirty="0" err="1">
-                <a:solidFill>
-                  <a:srgbClr val="EA5E46"/>
-                </a:solidFill>
-              </a:rPr>
-              <a:t>Neighbour</a:t>
-            </a:r>
-            <a:endParaRPr lang="en-US" sz="4000" dirty="0">
-              <a:solidFill>
-                <a:srgbClr val="EA5E46"/>
-              </a:solidFill>
-            </a:endParaRPr>
-          </a:p>
-        </p:txBody>
-      </p:sp>
-      <p:pic>
-        <p:nvPicPr>
-          <p:cNvPr id="2050" name="Picture 2" descr="Image result for air bnb logo">
-            <a:extLst>
-              <a:ext uri="{FF2B5EF4-FFF2-40B4-BE49-F238E27FC236}">
-                <a16:creationId xmlns:a16="http://schemas.microsoft.com/office/drawing/2014/main" id="{A162C291-208B-BE48-BF44-7D5CD7EF6151}"/>
-              </a:ext>
-            </a:extLst>
-          </p:cNvPr>
-          <p:cNvPicPr>
-            <a:picLocks noChangeAspect="1" noChangeArrowheads="1"/>
-          </p:cNvPicPr>
-          <p:nvPr/>
-        </p:nvPicPr>
-        <p:blipFill>
-          <a:blip r:embed="rId3">
-            <a:extLst>
-              <a:ext uri="{28A0092B-C50C-407E-A947-70E740481C1C}">
-                <a14:useLocalDpi xmlns:a14="http://schemas.microsoft.com/office/drawing/2010/main" val="0"/>
-              </a:ext>
-            </a:extLst>
-          </a:blip>
-          <a:srcRect/>
-          <a:stretch>
-            <a:fillRect/>
-          </a:stretch>
-        </p:blipFill>
-        <p:spPr bwMode="auto">
-          <a:xfrm>
-            <a:off x="2080820" y="0"/>
-            <a:ext cx="2189605" cy="2022038"/>
-          </a:xfrm>
-          <a:prstGeom prst="rect">
-            <a:avLst/>
-          </a:prstGeom>
-          <a:noFill/>
-          <a:extLst>
-            <a:ext uri="{909E8E84-426E-40DD-AFC4-6F175D3DCCD1}">
-              <a14:hiddenFill xmlns:a14="http://schemas.microsoft.com/office/drawing/2010/main">
-                <a:solidFill>
-                  <a:srgbClr val="FFFFFF"/>
-                </a:solidFill>
-              </a14:hiddenFill>
-            </a:ext>
-          </a:extLst>
-        </p:spPr>
-      </p:pic>
-      <p:cxnSp>
-        <p:nvCxnSpPr>
-          <p:cNvPr id="6" name="Straight Connector 5">
-            <a:extLst>
-              <a:ext uri="{FF2B5EF4-FFF2-40B4-BE49-F238E27FC236}">
-                <a16:creationId xmlns:a16="http://schemas.microsoft.com/office/drawing/2014/main" id="{7D0926DC-6298-B648-9DF9-0D78D09F9FC8}"/>
-              </a:ext>
-            </a:extLst>
-          </p:cNvPr>
-          <p:cNvCxnSpPr>
-            <a:cxnSpLocks/>
-          </p:cNvCxnSpPr>
-          <p:nvPr/>
-        </p:nvCxnSpPr>
-        <p:spPr>
-          <a:xfrm>
-            <a:off x="2526110" y="1576551"/>
-            <a:ext cx="9518745" cy="1"/>
-          </a:xfrm>
-          <a:prstGeom prst="line">
-            <a:avLst/>
-          </a:prstGeom>
-          <a:ln w="12700">
-            <a:solidFill>
-              <a:srgbClr val="EA5E46"/>
-            </a:solidFill>
-          </a:ln>
-        </p:spPr>
-        <p:style>
-          <a:lnRef idx="1">
-            <a:schemeClr val="accent2"/>
-          </a:lnRef>
-          <a:fillRef idx="0">
-            <a:schemeClr val="accent2"/>
-          </a:fillRef>
-          <a:effectRef idx="0">
-            <a:schemeClr val="accent2"/>
-          </a:effectRef>
-          <a:fontRef idx="minor">
-            <a:schemeClr val="tx1"/>
-          </a:fontRef>
-        </p:style>
-      </p:cxnSp>
-    </p:spTree>
-    <p:extLst>
-      <p:ext uri="{BB962C8B-B14F-4D97-AF65-F5344CB8AC3E}">
-        <p14:creationId xmlns:p14="http://schemas.microsoft.com/office/powerpoint/2010/main" val="1701961482"/>
-      </p:ext>
-    </p:extLst>
-  </p:cSld>
-  <p:clrMapOvr>
-    <a:masterClrMapping/>
-  </p:clrMapOvr>
-</p:sld>
-</file>
-
-<file path=ppt/slides/slide9.xml><?xml version="1.0" encoding="utf-8"?>
-<p:sld xmlns:a="http://schemas.openxmlformats.org/drawingml/2006/main" xmlns:r="http://schemas.openxmlformats.org/officeDocument/2006/relationships" xmlns:p="http://schemas.openxmlformats.org/presentationml/2006/main">
-  <p:cSld>
-    <p:spTree>
-      <p:nvGrpSpPr>
-        <p:cNvPr id="1" name=""/>
-        <p:cNvGrpSpPr/>
-        <p:nvPr/>
-      </p:nvGrpSpPr>
-      <p:grpSpPr>
-        <a:xfrm>
-          <a:off x="0" y="0"/>
-          <a:ext cx="0" cy="0"/>
-          <a:chOff x="0" y="0"/>
-          <a:chExt cx="0" cy="0"/>
-        </a:xfrm>
-      </p:grpSpPr>
-      <p:sp>
-        <p:nvSpPr>
-          <p:cNvPr id="2" name="Title 1">
-            <a:extLst>
-              <a:ext uri="{FF2B5EF4-FFF2-40B4-BE49-F238E27FC236}">
-                <a16:creationId xmlns:a16="http://schemas.microsoft.com/office/drawing/2014/main" id="{59B8B577-5676-3C4B-A107-E41DB331FD85}"/>
-              </a:ext>
-            </a:extLst>
-          </p:cNvPr>
-          <p:cNvSpPr>
-            <a:spLocks noGrp="1"/>
-          </p:cNvSpPr>
-          <p:nvPr>
-            <p:ph type="title"/>
-          </p:nvPr>
-        </p:nvSpPr>
-        <p:spPr>
-          <a:xfrm>
-            <a:off x="4272238" y="588197"/>
-            <a:ext cx="10515600" cy="1325563"/>
-          </a:xfrm>
-        </p:spPr>
-        <p:txBody>
-          <a:bodyPr>
-            <a:normAutofit/>
-          </a:bodyPr>
-          <a:lstStyle/>
-          <a:p>
-            <a:r>
-              <a:rPr lang="en-US" sz="4000" dirty="0">
-                <a:solidFill>
-                  <a:srgbClr val="EA5E46"/>
-                </a:solidFill>
-              </a:rPr>
-              <a:t>Model Findings – Trends &amp; Seasonality</a:t>
-            </a:r>
-          </a:p>
-        </p:txBody>
-      </p:sp>
-      <p:pic>
-        <p:nvPicPr>
-          <p:cNvPr id="2050" name="Picture 2" descr="Image result for air bnb logo">
-            <a:extLst>
-              <a:ext uri="{FF2B5EF4-FFF2-40B4-BE49-F238E27FC236}">
-                <a16:creationId xmlns:a16="http://schemas.microsoft.com/office/drawing/2014/main" id="{A162C291-208B-BE48-BF44-7D5CD7EF6151}"/>
-              </a:ext>
-            </a:extLst>
-          </p:cNvPr>
-          <p:cNvPicPr>
-            <a:picLocks noChangeAspect="1" noChangeArrowheads="1"/>
-          </p:cNvPicPr>
-          <p:nvPr/>
-        </p:nvPicPr>
-        <p:blipFill>
-          <a:blip r:embed="rId3">
-            <a:extLst>
-              <a:ext uri="{28A0092B-C50C-407E-A947-70E740481C1C}">
-                <a14:useLocalDpi xmlns:a14="http://schemas.microsoft.com/office/drawing/2010/main" val="0"/>
-              </a:ext>
-            </a:extLst>
-          </a:blip>
-          <a:srcRect/>
-          <a:stretch>
-            <a:fillRect/>
-          </a:stretch>
-        </p:blipFill>
-        <p:spPr bwMode="auto">
-          <a:xfrm>
-            <a:off x="2080820" y="0"/>
-            <a:ext cx="2189605" cy="2022038"/>
-          </a:xfrm>
-          <a:prstGeom prst="rect">
-            <a:avLst/>
-          </a:prstGeom>
-          <a:noFill/>
-          <a:extLst>
-            <a:ext uri="{909E8E84-426E-40DD-AFC4-6F175D3DCCD1}">
-              <a14:hiddenFill xmlns:a14="http://schemas.microsoft.com/office/drawing/2010/main">
-                <a:solidFill>
-                  <a:srgbClr val="FFFFFF"/>
-                </a:solidFill>
-              </a14:hiddenFill>
-            </a:ext>
-          </a:extLst>
-        </p:spPr>
-      </p:pic>
-      <p:cxnSp>
-        <p:nvCxnSpPr>
-          <p:cNvPr id="6" name="Straight Connector 5">
-            <a:extLst>
-              <a:ext uri="{FF2B5EF4-FFF2-40B4-BE49-F238E27FC236}">
-                <a16:creationId xmlns:a16="http://schemas.microsoft.com/office/drawing/2014/main" id="{7D0926DC-6298-B648-9DF9-0D78D09F9FC8}"/>
-              </a:ext>
-            </a:extLst>
-          </p:cNvPr>
-          <p:cNvCxnSpPr>
-            <a:cxnSpLocks/>
-          </p:cNvCxnSpPr>
-          <p:nvPr/>
-        </p:nvCxnSpPr>
-        <p:spPr>
-          <a:xfrm>
-            <a:off x="2526110" y="1576551"/>
-            <a:ext cx="9518745" cy="1"/>
-          </a:xfrm>
-          <a:prstGeom prst="line">
-            <a:avLst/>
-          </a:prstGeom>
-          <a:ln w="12700">
-            <a:solidFill>
-              <a:srgbClr val="EA5E46"/>
-            </a:solidFill>
-          </a:ln>
-        </p:spPr>
-        <p:style>
-          <a:lnRef idx="1">
-            <a:schemeClr val="accent2"/>
-          </a:lnRef>
-          <a:fillRef idx="0">
-            <a:schemeClr val="accent2"/>
-          </a:fillRef>
-          <a:effectRef idx="0">
-            <a:schemeClr val="accent2"/>
-          </a:effectRef>
-          <a:fontRef idx="minor">
-            <a:schemeClr val="tx1"/>
-          </a:fontRef>
-        </p:style>
-      </p:cxnSp>
-    </p:spTree>
-    <p:extLst>
-      <p:ext uri="{BB962C8B-B14F-4D97-AF65-F5344CB8AC3E}">
-        <p14:creationId xmlns:p14="http://schemas.microsoft.com/office/powerpoint/2010/main" val="2932517798"/>
       </p:ext>
     </p:extLst>
   </p:cSld>

--- a/Airbnb Price Predictions (Model).pptx
+++ b/Airbnb Price Predictions (Model).pptx
@@ -5,24 +5,23 @@
     <p:sldMasterId id="2147483648" r:id="rId1"/>
   </p:sldMasterIdLst>
   <p:notesMasterIdLst>
-    <p:notesMasterId r:id="rId17"/>
+    <p:notesMasterId r:id="rId16"/>
   </p:notesMasterIdLst>
   <p:sldIdLst>
     <p:sldId id="280" r:id="rId2"/>
     <p:sldId id="299" r:id="rId3"/>
     <p:sldId id="296" r:id="rId4"/>
-    <p:sldId id="297" r:id="rId5"/>
-    <p:sldId id="300" r:id="rId6"/>
-    <p:sldId id="298" r:id="rId7"/>
-    <p:sldId id="295" r:id="rId8"/>
-    <p:sldId id="286" r:id="rId9"/>
-    <p:sldId id="287" r:id="rId10"/>
-    <p:sldId id="289" r:id="rId11"/>
-    <p:sldId id="290" r:id="rId12"/>
-    <p:sldId id="291" r:id="rId13"/>
-    <p:sldId id="292" r:id="rId14"/>
-    <p:sldId id="288" r:id="rId15"/>
-    <p:sldId id="274" r:id="rId16"/>
+    <p:sldId id="300" r:id="rId5"/>
+    <p:sldId id="298" r:id="rId6"/>
+    <p:sldId id="295" r:id="rId7"/>
+    <p:sldId id="286" r:id="rId8"/>
+    <p:sldId id="287" r:id="rId9"/>
+    <p:sldId id="289" r:id="rId10"/>
+    <p:sldId id="290" r:id="rId11"/>
+    <p:sldId id="291" r:id="rId12"/>
+    <p:sldId id="292" r:id="rId13"/>
+    <p:sldId id="288" r:id="rId14"/>
+    <p:sldId id="274" r:id="rId15"/>
   </p:sldIdLst>
   <p:sldSz cx="12192000" cy="6858000"/>
   <p:notesSz cx="6858000" cy="9144000"/>
@@ -708,7 +707,7 @@
     </p:spTree>
     <p:extLst>
       <p:ext uri="{BB962C8B-B14F-4D97-AF65-F5344CB8AC3E}">
-        <p14:creationId xmlns:p14="http://schemas.microsoft.com/office/powerpoint/2010/main" val="3177731070"/>
+        <p14:creationId xmlns:p14="http://schemas.microsoft.com/office/powerpoint/2010/main" val="266214348"/>
       </p:ext>
     </p:extLst>
   </p:cSld>
@@ -826,7 +825,7 @@
     </p:spTree>
     <p:extLst>
       <p:ext uri="{BB962C8B-B14F-4D97-AF65-F5344CB8AC3E}">
-        <p14:creationId xmlns:p14="http://schemas.microsoft.com/office/powerpoint/2010/main" val="266214348"/>
+        <p14:creationId xmlns:p14="http://schemas.microsoft.com/office/powerpoint/2010/main" val="847075339"/>
       </p:ext>
     </p:extLst>
   </p:cSld>
@@ -944,7 +943,7 @@
     </p:spTree>
     <p:extLst>
       <p:ext uri="{BB962C8B-B14F-4D97-AF65-F5344CB8AC3E}">
-        <p14:creationId xmlns:p14="http://schemas.microsoft.com/office/powerpoint/2010/main" val="847075339"/>
+        <p14:creationId xmlns:p14="http://schemas.microsoft.com/office/powerpoint/2010/main" val="533258538"/>
       </p:ext>
     </p:extLst>
   </p:cSld>
@@ -1062,7 +1061,7 @@
     </p:spTree>
     <p:extLst>
       <p:ext uri="{BB962C8B-B14F-4D97-AF65-F5344CB8AC3E}">
-        <p14:creationId xmlns:p14="http://schemas.microsoft.com/office/powerpoint/2010/main" val="533258538"/>
+        <p14:creationId xmlns:p14="http://schemas.microsoft.com/office/powerpoint/2010/main" val="498058897"/>
       </p:ext>
     </p:extLst>
   </p:cSld>
@@ -1116,40 +1115,6 @@
           <a:bodyPr/>
           <a:lstStyle/>
           <a:p>
-            <a:r>
-              <a:rPr lang="en-US" dirty="0"/>
-              <a:t>-To help users explore all listings available in NYC, we created a marker cluster map using Leaflet. </a:t>
-            </a:r>
-          </a:p>
-          <a:p>
-            <a:r>
-              <a:rPr lang="en-US" dirty="0"/>
-              <a:t>-The clusters display the number of listings with the different boroughs and </a:t>
-            </a:r>
-            <a:r>
-              <a:rPr lang="en-US" dirty="0" err="1"/>
-              <a:t>neighbourhoods</a:t>
-            </a:r>
-            <a:r>
-              <a:rPr lang="en-US" dirty="0"/>
-              <a:t> in NYC. </a:t>
-            </a:r>
-          </a:p>
-          <a:p>
-            <a:r>
-              <a:rPr lang="en-US" dirty="0"/>
-              <a:t>-In this example, we selected the the well-known New York borough of Manhattan, and then further zoomed in to the Upper West Side </a:t>
-            </a:r>
-            <a:r>
-              <a:rPr lang="en-US" dirty="0" err="1"/>
-              <a:t>neighbourhood</a:t>
-            </a:r>
-            <a:r>
-              <a:rPr lang="en-US" dirty="0"/>
-              <a:t>. </a:t>
-            </a:r>
-          </a:p>
-          <a:p>
             <a:endParaRPr lang="en-US" dirty="0"/>
           </a:p>
         </p:txBody>
@@ -1172,90 +1137,6 @@
             <a:fld id="{DF2352D6-35AF-0544-A99E-554CC41E76C4}" type="slidenum">
               <a:rPr lang="en-US" smtClean="0"/>
               <a:t>14</a:t>
-            </a:fld>
-            <a:endParaRPr lang="en-US"/>
-          </a:p>
-        </p:txBody>
-      </p:sp>
-    </p:spTree>
-    <p:extLst>
-      <p:ext uri="{BB962C8B-B14F-4D97-AF65-F5344CB8AC3E}">
-        <p14:creationId xmlns:p14="http://schemas.microsoft.com/office/powerpoint/2010/main" val="498058897"/>
-      </p:ext>
-    </p:extLst>
-  </p:cSld>
-  <p:clrMapOvr>
-    <a:masterClrMapping/>
-  </p:clrMapOvr>
-</p:notes>
-</file>
-
-<file path=ppt/notesSlides/notesSlide15.xml><?xml version="1.0" encoding="utf-8"?>
-<p:notes xmlns:a="http://schemas.openxmlformats.org/drawingml/2006/main" xmlns:r="http://schemas.openxmlformats.org/officeDocument/2006/relationships" xmlns:p="http://schemas.openxmlformats.org/presentationml/2006/main">
-  <p:cSld>
-    <p:spTree>
-      <p:nvGrpSpPr>
-        <p:cNvPr id="1" name=""/>
-        <p:cNvGrpSpPr/>
-        <p:nvPr/>
-      </p:nvGrpSpPr>
-      <p:grpSpPr>
-        <a:xfrm>
-          <a:off x="0" y="0"/>
-          <a:ext cx="0" cy="0"/>
-          <a:chOff x="0" y="0"/>
-          <a:chExt cx="0" cy="0"/>
-        </a:xfrm>
-      </p:grpSpPr>
-      <p:sp>
-        <p:nvSpPr>
-          <p:cNvPr id="2" name="Slide Image Placeholder 1"/>
-          <p:cNvSpPr>
-            <a:spLocks noGrp="1" noRot="1" noChangeAspect="1"/>
-          </p:cNvSpPr>
-          <p:nvPr>
-            <p:ph type="sldImg"/>
-          </p:nvPr>
-        </p:nvSpPr>
-        <p:spPr/>
-      </p:sp>
-      <p:sp>
-        <p:nvSpPr>
-          <p:cNvPr id="3" name="Notes Placeholder 2"/>
-          <p:cNvSpPr>
-            <a:spLocks noGrp="1"/>
-          </p:cNvSpPr>
-          <p:nvPr>
-            <p:ph type="body" idx="1"/>
-          </p:nvPr>
-        </p:nvSpPr>
-        <p:spPr/>
-        <p:txBody>
-          <a:bodyPr/>
-          <a:lstStyle/>
-          <a:p>
-            <a:endParaRPr lang="en-US" dirty="0"/>
-          </a:p>
-        </p:txBody>
-      </p:sp>
-      <p:sp>
-        <p:nvSpPr>
-          <p:cNvPr id="4" name="Slide Number Placeholder 3"/>
-          <p:cNvSpPr>
-            <a:spLocks noGrp="1"/>
-          </p:cNvSpPr>
-          <p:nvPr>
-            <p:ph type="sldNum" sz="quarter" idx="5"/>
-          </p:nvPr>
-        </p:nvSpPr>
-        <p:spPr/>
-        <p:txBody>
-          <a:bodyPr/>
-          <a:lstStyle/>
-          <a:p>
-            <a:fld id="{DF2352D6-35AF-0544-A99E-554CC41E76C4}" type="slidenum">
-              <a:rPr lang="en-US" smtClean="0"/>
-              <a:t>15</a:t>
             </a:fld>
             <a:endParaRPr lang="en-US"/>
           </a:p>
@@ -1320,27 +1201,7 @@
           <a:p>
             <a:r>
               <a:rPr lang="en-US" dirty="0"/>
-              <a:t>To predict prices, we decided to use the Random Forest &amp; LGBM Regressor methods to determine which features are the most important to price an </a:t>
-            </a:r>
-            <a:r>
-              <a:rPr lang="en-US" dirty="0" err="1"/>
-              <a:t>AirBNB</a:t>
-            </a:r>
-            <a:r>
-              <a:rPr lang="en-US" dirty="0"/>
-              <a:t>.</a:t>
-            </a:r>
-          </a:p>
-          <a:p>
-            <a:r>
-              <a:rPr lang="en-US" dirty="0"/>
-              <a:t>We then use the KNN Regressor to see how the price is affected with having listings close to your area.</a:t>
-            </a:r>
-          </a:p>
-          <a:p>
-            <a:r>
-              <a:rPr lang="en-US" dirty="0"/>
-              <a:t>Finally, we used the Facebook Prophet to how prices are affected by time &amp; seasonality to predict Airbnb future prices.</a:t>
+              <a:t>To clean the database, we added the amenities count column to the existing dataset to see if there is a positive correlation between the listing price.</a:t>
             </a:r>
           </a:p>
           <a:p>
@@ -1594,7 +1455,7 @@
     </p:spTree>
     <p:extLst>
       <p:ext uri="{BB962C8B-B14F-4D97-AF65-F5344CB8AC3E}">
-        <p14:creationId xmlns:p14="http://schemas.microsoft.com/office/powerpoint/2010/main" val="4053816974"/>
+        <p14:creationId xmlns:p14="http://schemas.microsoft.com/office/powerpoint/2010/main" val="2102900166"/>
       </p:ext>
     </p:extLst>
   </p:cSld>
@@ -1704,7 +1565,7 @@
     </p:spTree>
     <p:extLst>
       <p:ext uri="{BB962C8B-B14F-4D97-AF65-F5344CB8AC3E}">
-        <p14:creationId xmlns:p14="http://schemas.microsoft.com/office/powerpoint/2010/main" val="2102900166"/>
+        <p14:creationId xmlns:p14="http://schemas.microsoft.com/office/powerpoint/2010/main" val="1272532608"/>
       </p:ext>
     </p:extLst>
   </p:cSld>
@@ -1758,33 +1619,36 @@
           <a:bodyPr/>
           <a:lstStyle/>
           <a:p>
+            <a:pPr marL="228600" indent="-228600">
+              <a:buAutoNum type="arabicParenR"/>
+            </a:pPr>
             <a:r>
               <a:rPr lang="en-US" dirty="0"/>
-              <a:t>To predict prices, we decided to use the Random Forest &amp; LGBM Regressor methods to determine which features are the most important to price an </a:t>
+              <a:t>With existing numeric data, input N/A fields with the average value for that specific column.</a:t>
+            </a:r>
+          </a:p>
+          <a:p>
+            <a:pPr marL="228600" indent="-228600">
+              <a:buAutoNum type="arabicParenR"/>
+            </a:pPr>
+            <a:r>
+              <a:rPr lang="en-US" dirty="0"/>
+              <a:t>Then, for certain data like room type, boroughs, &amp; </a:t>
             </a:r>
             <a:r>
               <a:rPr lang="en-US" dirty="0" err="1"/>
-              <a:t>AirBNB</a:t>
+              <a:t>neighbourhoods</a:t>
             </a:r>
             <a:r>
               <a:rPr lang="en-US" dirty="0"/>
-              <a:t>.</a:t>
+              <a:t>, we need to categorize them into numbers.</a:t>
             </a:r>
           </a:p>
           <a:p>
             <a:r>
               <a:rPr lang="en-US" dirty="0"/>
-              <a:t>We then use the KNN Regressor to see how the price is affected with having listings close to your area.</a:t>
-            </a:r>
-          </a:p>
-          <a:p>
-            <a:r>
-              <a:rPr lang="en-US" dirty="0"/>
-              <a:t>Finally, we used the Facebook Prophet to how prices are affected by time &amp; seasonality to predict Airbnb future prices.</a:t>
-            </a:r>
-          </a:p>
-          <a:p>
-            <a:endParaRPr lang="en-US" dirty="0"/>
+              <a:t>3)   Finally, with text data, we need to vectorize them</a:t>
+            </a:r>
           </a:p>
         </p:txBody>
       </p:sp>
@@ -1814,7 +1678,7 @@
     </p:spTree>
     <p:extLst>
       <p:ext uri="{BB962C8B-B14F-4D97-AF65-F5344CB8AC3E}">
-        <p14:creationId xmlns:p14="http://schemas.microsoft.com/office/powerpoint/2010/main" val="1272532608"/>
+        <p14:creationId xmlns:p14="http://schemas.microsoft.com/office/powerpoint/2010/main" val="627921549"/>
       </p:ext>
     </p:extLst>
   </p:cSld>
@@ -1868,21 +1732,15 @@
           <a:bodyPr/>
           <a:lstStyle/>
           <a:p>
-            <a:pPr marL="228600" indent="-228600">
-              <a:buAutoNum type="arabicParenR"/>
-            </a:pPr>
             <a:r>
               <a:rPr lang="en-US" dirty="0"/>
-              <a:t>With existing numeric data, input N/A fields with the average value for that specific column.</a:t>
-            </a:r>
-          </a:p>
-          <a:p>
-            <a:pPr marL="228600" indent="-228600">
-              <a:buAutoNum type="arabicParenR"/>
-            </a:pPr>
+              <a:t>-To help users explore all listings available in NYC, we created a marker cluster map using Leaflet. </a:t>
+            </a:r>
+          </a:p>
+          <a:p>
             <a:r>
               <a:rPr lang="en-US" dirty="0"/>
-              <a:t>Then, for certain data like room type, boroughs, &amp; </a:t>
+              <a:t>-The clusters display the number of listings with the different boroughs and </a:t>
             </a:r>
             <a:r>
               <a:rPr lang="en-US" dirty="0" err="1"/>
@@ -1890,14 +1748,25 @@
             </a:r>
             <a:r>
               <a:rPr lang="en-US" dirty="0"/>
-              <a:t>, we need to categorize them into numbers.</a:t>
+              <a:t> in NYC. </a:t>
             </a:r>
           </a:p>
           <a:p>
             <a:r>
               <a:rPr lang="en-US" dirty="0"/>
-              <a:t>3)   Finally, with text data, we need to vectorize them</a:t>
-            </a:r>
+              <a:t>-In this example, we selected the the well-known New York borough of Manhattan, and then further zoomed in to the Upper West Side </a:t>
+            </a:r>
+            <a:r>
+              <a:rPr lang="en-US" dirty="0" err="1"/>
+              <a:t>neighbourhood</a:t>
+            </a:r>
+            <a:r>
+              <a:rPr lang="en-US" dirty="0"/>
+              <a:t>. </a:t>
+            </a:r>
+          </a:p>
+          <a:p>
+            <a:endParaRPr lang="en-US" dirty="0"/>
           </a:p>
         </p:txBody>
       </p:sp>
@@ -1927,7 +1796,7 @@
     </p:spTree>
     <p:extLst>
       <p:ext uri="{BB962C8B-B14F-4D97-AF65-F5344CB8AC3E}">
-        <p14:creationId xmlns:p14="http://schemas.microsoft.com/office/powerpoint/2010/main" val="627921549"/>
+        <p14:creationId xmlns:p14="http://schemas.microsoft.com/office/powerpoint/2010/main" val="818292738"/>
       </p:ext>
     </p:extLst>
   </p:cSld>
@@ -2045,7 +1914,7 @@
     </p:spTree>
     <p:extLst>
       <p:ext uri="{BB962C8B-B14F-4D97-AF65-F5344CB8AC3E}">
-        <p14:creationId xmlns:p14="http://schemas.microsoft.com/office/powerpoint/2010/main" val="818292738"/>
+        <p14:creationId xmlns:p14="http://schemas.microsoft.com/office/powerpoint/2010/main" val="2744486609"/>
       </p:ext>
     </p:extLst>
   </p:cSld>
@@ -2163,7 +2032,7 @@
     </p:spTree>
     <p:extLst>
       <p:ext uri="{BB962C8B-B14F-4D97-AF65-F5344CB8AC3E}">
-        <p14:creationId xmlns:p14="http://schemas.microsoft.com/office/powerpoint/2010/main" val="2744486609"/>
+        <p14:creationId xmlns:p14="http://schemas.microsoft.com/office/powerpoint/2010/main" val="3177731070"/>
       </p:ext>
     </p:extLst>
   </p:cSld>
@@ -5996,163 +5865,6 @@
         </p:nvSpPr>
         <p:spPr>
           <a:xfrm>
-            <a:off x="4123382" y="513769"/>
-            <a:ext cx="10515600" cy="1325563"/>
-          </a:xfrm>
-        </p:spPr>
-        <p:txBody>
-          <a:bodyPr/>
-          <a:lstStyle/>
-          <a:p>
-            <a:r>
-              <a:rPr lang="en-US" dirty="0">
-                <a:solidFill>
-                  <a:srgbClr val="EA5E46"/>
-                </a:solidFill>
-              </a:rPr>
-              <a:t>Model Findings – Price Correlation</a:t>
-            </a:r>
-          </a:p>
-        </p:txBody>
-      </p:sp>
-      <p:pic>
-        <p:nvPicPr>
-          <p:cNvPr id="2050" name="Picture 2" descr="Image result for air bnb logo">
-            <a:extLst>
-              <a:ext uri="{FF2B5EF4-FFF2-40B4-BE49-F238E27FC236}">
-                <a16:creationId xmlns:a16="http://schemas.microsoft.com/office/drawing/2014/main" id="{A162C291-208B-BE48-BF44-7D5CD7EF6151}"/>
-              </a:ext>
-            </a:extLst>
-          </p:cNvPr>
-          <p:cNvPicPr>
-            <a:picLocks noChangeAspect="1" noChangeArrowheads="1"/>
-          </p:cNvPicPr>
-          <p:nvPr/>
-        </p:nvPicPr>
-        <p:blipFill>
-          <a:blip r:embed="rId3">
-            <a:extLst>
-              <a:ext uri="{28A0092B-C50C-407E-A947-70E740481C1C}">
-                <a14:useLocalDpi xmlns:a14="http://schemas.microsoft.com/office/drawing/2010/main" val="0"/>
-              </a:ext>
-            </a:extLst>
-          </a:blip>
-          <a:srcRect/>
-          <a:stretch>
-            <a:fillRect/>
-          </a:stretch>
-        </p:blipFill>
-        <p:spPr bwMode="auto">
-          <a:xfrm>
-            <a:off x="2080820" y="0"/>
-            <a:ext cx="2189605" cy="2022038"/>
-          </a:xfrm>
-          <a:prstGeom prst="rect">
-            <a:avLst/>
-          </a:prstGeom>
-          <a:noFill/>
-          <a:extLst>
-            <a:ext uri="{909E8E84-426E-40DD-AFC4-6F175D3DCCD1}">
-              <a14:hiddenFill xmlns:a14="http://schemas.microsoft.com/office/drawing/2010/main">
-                <a:solidFill>
-                  <a:srgbClr val="FFFFFF"/>
-                </a:solidFill>
-              </a14:hiddenFill>
-            </a:ext>
-          </a:extLst>
-        </p:spPr>
-      </p:pic>
-      <p:cxnSp>
-        <p:nvCxnSpPr>
-          <p:cNvPr id="6" name="Straight Connector 5">
-            <a:extLst>
-              <a:ext uri="{FF2B5EF4-FFF2-40B4-BE49-F238E27FC236}">
-                <a16:creationId xmlns:a16="http://schemas.microsoft.com/office/drawing/2014/main" id="{7D0926DC-6298-B648-9DF9-0D78D09F9FC8}"/>
-              </a:ext>
-            </a:extLst>
-          </p:cNvPr>
-          <p:cNvCxnSpPr>
-            <a:cxnSpLocks/>
-          </p:cNvCxnSpPr>
-          <p:nvPr/>
-        </p:nvCxnSpPr>
-        <p:spPr>
-          <a:xfrm>
-            <a:off x="2526110" y="1576551"/>
-            <a:ext cx="9518745" cy="1"/>
-          </a:xfrm>
-          <a:prstGeom prst="line">
-            <a:avLst/>
-          </a:prstGeom>
-          <a:ln w="12700">
-            <a:solidFill>
-              <a:srgbClr val="EA5E46"/>
-            </a:solidFill>
-          </a:ln>
-        </p:spPr>
-        <p:style>
-          <a:lnRef idx="1">
-            <a:schemeClr val="accent2"/>
-          </a:lnRef>
-          <a:fillRef idx="0">
-            <a:schemeClr val="accent2"/>
-          </a:fillRef>
-          <a:effectRef idx="0">
-            <a:schemeClr val="accent2"/>
-          </a:effectRef>
-          <a:fontRef idx="minor">
-            <a:schemeClr val="tx1"/>
-          </a:fontRef>
-        </p:style>
-      </p:cxnSp>
-    </p:spTree>
-    <p:extLst>
-      <p:ext uri="{BB962C8B-B14F-4D97-AF65-F5344CB8AC3E}">
-        <p14:creationId xmlns:p14="http://schemas.microsoft.com/office/powerpoint/2010/main" val="191879790"/>
-      </p:ext>
-    </p:extLst>
-  </p:cSld>
-  <p:clrMapOvr>
-    <a:masterClrMapping/>
-  </p:clrMapOvr>
-</p:sld>
-</file>
-
-<file path=ppt/slides/slide11.xml><?xml version="1.0" encoding="utf-8"?>
-<p:sld xmlns:a="http://schemas.openxmlformats.org/drawingml/2006/main" xmlns:r="http://schemas.openxmlformats.org/officeDocument/2006/relationships" xmlns:p="http://schemas.openxmlformats.org/presentationml/2006/main">
-  <p:cSld>
-    <p:spTree>
-      <p:nvGrpSpPr>
-        <p:cNvPr id="1" name=""/>
-        <p:cNvGrpSpPr/>
-        <p:nvPr/>
-      </p:nvGrpSpPr>
-      <p:grpSpPr>
-        <a:xfrm>
-          <a:off x="0" y="0"/>
-          <a:ext cx="0" cy="0"/>
-          <a:chOff x="0" y="0"/>
-          <a:chExt cx="0" cy="0"/>
-        </a:xfrm>
-      </p:grpSpPr>
-      <p:sp>
-        <p:nvSpPr>
-          <p:cNvPr id="2" name="Title 1">
-            <a:extLst>
-              <a:ext uri="{FF2B5EF4-FFF2-40B4-BE49-F238E27FC236}">
-                <a16:creationId xmlns:a16="http://schemas.microsoft.com/office/drawing/2014/main" id="{59B8B577-5676-3C4B-A107-E41DB331FD85}"/>
-              </a:ext>
-            </a:extLst>
-          </p:cNvPr>
-          <p:cNvSpPr>
-            <a:spLocks noGrp="1"/>
-          </p:cNvSpPr>
-          <p:nvPr>
-            <p:ph type="title"/>
-          </p:nvPr>
-        </p:nvSpPr>
-        <p:spPr>
-          <a:xfrm>
             <a:off x="4272238" y="588197"/>
             <a:ext cx="10515600" cy="1325563"/>
           </a:xfrm>
@@ -6275,7 +5987,7 @@
 </p:sld>
 </file>
 
-<file path=ppt/slides/slide12.xml><?xml version="1.0" encoding="utf-8"?>
+<file path=ppt/slides/slide11.xml><?xml version="1.0" encoding="utf-8"?>
 <p:sld xmlns:a="http://schemas.openxmlformats.org/drawingml/2006/main" xmlns:r="http://schemas.openxmlformats.org/officeDocument/2006/relationships" xmlns:p="http://schemas.openxmlformats.org/presentationml/2006/main">
   <p:cSld>
     <p:spTree>
@@ -6447,7 +6159,7 @@
 </p:sld>
 </file>
 
-<file path=ppt/slides/slide13.xml><?xml version="1.0" encoding="utf-8"?>
+<file path=ppt/slides/slide12.xml><?xml version="1.0" encoding="utf-8"?>
 <p:sld xmlns:a="http://schemas.openxmlformats.org/drawingml/2006/main" xmlns:r="http://schemas.openxmlformats.org/officeDocument/2006/relationships" xmlns:p="http://schemas.openxmlformats.org/presentationml/2006/main">
   <p:cSld>
     <p:spTree>
@@ -6606,7 +6318,7 @@
 </p:sld>
 </file>
 
-<file path=ppt/slides/slide14.xml><?xml version="1.0" encoding="utf-8"?>
+<file path=ppt/slides/slide13.xml><?xml version="1.0" encoding="utf-8"?>
 <p:sld xmlns:a="http://schemas.openxmlformats.org/drawingml/2006/main" xmlns:r="http://schemas.openxmlformats.org/officeDocument/2006/relationships" xmlns:p="http://schemas.openxmlformats.org/presentationml/2006/main">
   <p:cSld>
     <p:spTree>
@@ -6763,7 +6475,7 @@
 </p:sld>
 </file>
 
-<file path=ppt/slides/slide15.xml><?xml version="1.0" encoding="utf-8"?>
+<file path=ppt/slides/slide14.xml><?xml version="1.0" encoding="utf-8"?>
 <p:sld xmlns:a="http://schemas.openxmlformats.org/drawingml/2006/main" xmlns:r="http://schemas.openxmlformats.org/officeDocument/2006/relationships" xmlns:p="http://schemas.openxmlformats.org/presentationml/2006/main">
   <p:cSld>
     <p:spTree>
@@ -7173,7 +6885,7 @@
                   <a:srgbClr val="EA5E46"/>
                 </a:solidFill>
               </a:rPr>
-              <a:t>Model Data Cleaning</a:t>
+              <a:t>Model Data Cleaning – Adding Columns</a:t>
             </a:r>
           </a:p>
         </p:txBody>
@@ -7268,106 +6980,6 @@
           </a:fontRef>
         </p:style>
       </p:cxnSp>
-      <p:sp>
-        <p:nvSpPr>
-          <p:cNvPr id="3" name="TextBox 2">
-            <a:extLst>
-              <a:ext uri="{FF2B5EF4-FFF2-40B4-BE49-F238E27FC236}">
-                <a16:creationId xmlns:a16="http://schemas.microsoft.com/office/drawing/2014/main" id="{76D81AFC-F7DB-49B4-89B6-57701799BA62}"/>
-              </a:ext>
-            </a:extLst>
-          </p:cNvPr>
-          <p:cNvSpPr txBox="1"/>
-          <p:nvPr/>
-        </p:nvSpPr>
-        <p:spPr>
-          <a:xfrm>
-            <a:off x="975853" y="2130317"/>
-            <a:ext cx="9518745" cy="369332"/>
-          </a:xfrm>
-          <a:prstGeom prst="rect">
-            <a:avLst/>
-          </a:prstGeom>
-          <a:noFill/>
-        </p:spPr>
-        <p:txBody>
-          <a:bodyPr wrap="square" rtlCol="0">
-            <a:spAutoFit/>
-          </a:bodyPr>
-          <a:lstStyle/>
-          <a:p>
-            <a:pPr marL="285750" indent="-285750">
-              <a:buFont typeface="Arial" panose="020B0604020202020204" pitchFamily="34" charset="0"/>
-              <a:buChar char="•"/>
-            </a:pPr>
-            <a:r>
-              <a:rPr lang="en-US" dirty="0"/>
-              <a:t>Added additional column to provide the total amenities count to see how it affects price</a:t>
-            </a:r>
-            <a:endParaRPr lang="en-CA" dirty="0"/>
-          </a:p>
-        </p:txBody>
-      </p:sp>
-      <p:pic>
-        <p:nvPicPr>
-          <p:cNvPr id="8" name="Picture 7">
-            <a:extLst>
-              <a:ext uri="{FF2B5EF4-FFF2-40B4-BE49-F238E27FC236}">
-                <a16:creationId xmlns:a16="http://schemas.microsoft.com/office/drawing/2014/main" id="{6C502A07-8C5A-4606-9D20-78216B8AD106}"/>
-              </a:ext>
-            </a:extLst>
-          </p:cNvPr>
-          <p:cNvPicPr>
-            <a:picLocks noChangeAspect="1"/>
-          </p:cNvPicPr>
-          <p:nvPr/>
-        </p:nvPicPr>
-        <p:blipFill>
-          <a:blip r:embed="rId4"/>
-          <a:stretch>
-            <a:fillRect/>
-          </a:stretch>
-        </p:blipFill>
-        <p:spPr>
-          <a:xfrm>
-            <a:off x="1309393" y="3116266"/>
-            <a:ext cx="3673158" cy="1181202"/>
-          </a:xfrm>
-          <a:prstGeom prst="rect">
-            <a:avLst/>
-          </a:prstGeom>
-        </p:spPr>
-      </p:pic>
-      <p:pic>
-        <p:nvPicPr>
-          <p:cNvPr id="10" name="Picture 9">
-            <a:extLst>
-              <a:ext uri="{FF2B5EF4-FFF2-40B4-BE49-F238E27FC236}">
-                <a16:creationId xmlns:a16="http://schemas.microsoft.com/office/drawing/2014/main" id="{0233D9E3-FACF-48F1-A3EF-8E158AFA9C30}"/>
-              </a:ext>
-            </a:extLst>
-          </p:cNvPr>
-          <p:cNvPicPr>
-            <a:picLocks noChangeAspect="1"/>
-          </p:cNvPicPr>
-          <p:nvPr/>
-        </p:nvPicPr>
-        <p:blipFill>
-          <a:blip r:embed="rId5"/>
-          <a:stretch>
-            <a:fillRect/>
-          </a:stretch>
-        </p:blipFill>
-        <p:spPr>
-          <a:xfrm>
-            <a:off x="7530687" y="3068390"/>
-            <a:ext cx="1158340" cy="1135478"/>
-          </a:xfrm>
-          <a:prstGeom prst="rect">
-            <a:avLst/>
-          </a:prstGeom>
-        </p:spPr>
-      </p:pic>
       <p:sp>
         <p:nvSpPr>
           <p:cNvPr id="13" name="Arrow: Right 12">
@@ -7426,6 +7038,184 @@
           </a:p>
         </p:txBody>
       </p:sp>
+      <p:graphicFrame>
+        <p:nvGraphicFramePr>
+          <p:cNvPr id="4" name="Table 4">
+            <a:extLst>
+              <a:ext uri="{FF2B5EF4-FFF2-40B4-BE49-F238E27FC236}">
+                <a16:creationId xmlns:a16="http://schemas.microsoft.com/office/drawing/2014/main" id="{21B26308-D3E0-4424-8F97-2E7634C3FA7A}"/>
+              </a:ext>
+            </a:extLst>
+          </p:cNvPr>
+          <p:cNvGraphicFramePr>
+            <a:graphicFrameLocks noGrp="1"/>
+          </p:cNvGraphicFramePr>
+          <p:nvPr>
+            <p:extLst>
+              <p:ext uri="{D42A27DB-BD31-4B8C-83A1-F6EECF244321}">
+                <p14:modId xmlns:p14="http://schemas.microsoft.com/office/powerpoint/2010/main" val="2000541183"/>
+              </p:ext>
+            </p:extLst>
+          </p:nvPr>
+        </p:nvGraphicFramePr>
+        <p:xfrm>
+          <a:off x="1061616" y="2906771"/>
+          <a:ext cx="4611395" cy="1089728"/>
+        </p:xfrm>
+        <a:graphic>
+          <a:graphicData uri="http://schemas.openxmlformats.org/drawingml/2006/table">
+            <a:tbl>
+              <a:tblPr firstRow="1" bandRow="1">
+                <a:tableStyleId>{073A0DAA-6AF3-43AB-8588-CEC1D06C72B9}</a:tableStyleId>
+              </a:tblPr>
+              <a:tblGrid>
+                <a:gridCol w="4611395">
+                  <a:extLst>
+                    <a:ext uri="{9D8B030D-6E8A-4147-A177-3AD203B41FA5}">
+                      <a16:colId xmlns:a16="http://schemas.microsoft.com/office/drawing/2014/main" val="2478899434"/>
+                    </a:ext>
+                  </a:extLst>
+                </a:gridCol>
+              </a:tblGrid>
+              <a:tr h="511685">
+                <a:tc>
+                  <a:txBody>
+                    <a:bodyPr/>
+                    <a:lstStyle/>
+                    <a:p>
+                      <a:r>
+                        <a:rPr lang="en-US" dirty="0"/>
+                        <a:t>amenities</a:t>
+                      </a:r>
+                      <a:endParaRPr lang="en-CA" dirty="0"/>
+                    </a:p>
+                  </a:txBody>
+                  <a:tcPr/>
+                </a:tc>
+                <a:extLst>
+                  <a:ext uri="{0D108BD9-81ED-4DB2-BD59-A6C34878D82A}">
+                    <a16:rowId xmlns:a16="http://schemas.microsoft.com/office/drawing/2014/main" val="2665256824"/>
+                  </a:ext>
+                </a:extLst>
+              </a:tr>
+              <a:tr h="578043">
+                <a:tc>
+                  <a:txBody>
+                    <a:bodyPr/>
+                    <a:lstStyle/>
+                    <a:p>
+                      <a:r>
+                        <a:rPr lang="en-US" dirty="0"/>
+                        <a:t>[“</a:t>
+                      </a:r>
+                      <a:r>
+                        <a:rPr lang="en-US" dirty="0" err="1"/>
+                        <a:t>Wifi</a:t>
+                      </a:r>
+                      <a:r>
+                        <a:rPr lang="en-US" dirty="0"/>
+                        <a:t>”, “Kitchen”, “Heating”, “Air Conditioning]</a:t>
+                      </a:r>
+                      <a:endParaRPr lang="en-CA" dirty="0"/>
+                    </a:p>
+                  </a:txBody>
+                  <a:tcPr/>
+                </a:tc>
+                <a:extLst>
+                  <a:ext uri="{0D108BD9-81ED-4DB2-BD59-A6C34878D82A}">
+                    <a16:rowId xmlns:a16="http://schemas.microsoft.com/office/drawing/2014/main" val="1667322077"/>
+                  </a:ext>
+                </a:extLst>
+              </a:tr>
+            </a:tbl>
+          </a:graphicData>
+        </a:graphic>
+      </p:graphicFrame>
+      <p:graphicFrame>
+        <p:nvGraphicFramePr>
+          <p:cNvPr id="11" name="Table 4">
+            <a:extLst>
+              <a:ext uri="{FF2B5EF4-FFF2-40B4-BE49-F238E27FC236}">
+                <a16:creationId xmlns:a16="http://schemas.microsoft.com/office/drawing/2014/main" id="{08D2C7D8-9F85-4228-B2F2-8B108D86BB77}"/>
+              </a:ext>
+            </a:extLst>
+          </p:cNvPr>
+          <p:cNvGraphicFramePr>
+            <a:graphicFrameLocks noGrp="1"/>
+          </p:cNvGraphicFramePr>
+          <p:nvPr>
+            <p:extLst>
+              <p:ext uri="{D42A27DB-BD31-4B8C-83A1-F6EECF244321}">
+                <p14:modId xmlns:p14="http://schemas.microsoft.com/office/powerpoint/2010/main" val="3170007013"/>
+              </p:ext>
+            </p:extLst>
+          </p:nvPr>
+        </p:nvGraphicFramePr>
+        <p:xfrm>
+          <a:off x="6840226" y="2906771"/>
+          <a:ext cx="4611395" cy="1089728"/>
+        </p:xfrm>
+        <a:graphic>
+          <a:graphicData uri="http://schemas.openxmlformats.org/drawingml/2006/table">
+            <a:tbl>
+              <a:tblPr firstRow="1" bandRow="1">
+                <a:tableStyleId>{073A0DAA-6AF3-43AB-8588-CEC1D06C72B9}</a:tableStyleId>
+              </a:tblPr>
+              <a:tblGrid>
+                <a:gridCol w="4611395">
+                  <a:extLst>
+                    <a:ext uri="{9D8B030D-6E8A-4147-A177-3AD203B41FA5}">
+                      <a16:colId xmlns:a16="http://schemas.microsoft.com/office/drawing/2014/main" val="2478899434"/>
+                    </a:ext>
+                  </a:extLst>
+                </a:gridCol>
+              </a:tblGrid>
+              <a:tr h="511685">
+                <a:tc>
+                  <a:txBody>
+                    <a:bodyPr/>
+                    <a:lstStyle/>
+                    <a:p>
+                      <a:r>
+                        <a:rPr lang="en-US" dirty="0" err="1"/>
+                        <a:t>amenities_count</a:t>
+                      </a:r>
+                      <a:endParaRPr lang="en-CA" dirty="0"/>
+                    </a:p>
+                  </a:txBody>
+                  <a:tcPr/>
+                </a:tc>
+                <a:extLst>
+                  <a:ext uri="{0D108BD9-81ED-4DB2-BD59-A6C34878D82A}">
+                    <a16:rowId xmlns:a16="http://schemas.microsoft.com/office/drawing/2014/main" val="2665256824"/>
+                  </a:ext>
+                </a:extLst>
+              </a:tr>
+              <a:tr h="578043">
+                <a:tc>
+                  <a:txBody>
+                    <a:bodyPr/>
+                    <a:lstStyle/>
+                    <a:p>
+                      <a:r>
+                        <a:rPr lang="en-US" dirty="0"/>
+                        <a:t>4</a:t>
+                      </a:r>
+                      <a:endParaRPr lang="en-CA" dirty="0"/>
+                    </a:p>
+                  </a:txBody>
+                  <a:tcPr/>
+                </a:tc>
+                <a:extLst>
+                  <a:ext uri="{0D108BD9-81ED-4DB2-BD59-A6C34878D82A}">
+                    <a16:rowId xmlns:a16="http://schemas.microsoft.com/office/drawing/2014/main" val="1667322077"/>
+                  </a:ext>
+                </a:extLst>
+              </a:tr>
+            </a:tbl>
+          </a:graphicData>
+        </a:graphic>
+      </p:graphicFrame>
     </p:spTree>
     <p:extLst>
       <p:ext uri="{BB962C8B-B14F-4D97-AF65-F5344CB8AC3E}">
@@ -7887,7 +7677,7 @@
           <a:p>
             <a:r>
               <a:rPr lang="en-US" dirty="0"/>
-              <a:t>1. Numerical Data – Impute Missing Values</a:t>
+              <a:t>1. Imputing Missing Numerical Data</a:t>
             </a:r>
             <a:endParaRPr lang="en-CA" dirty="0"/>
           </a:p>
@@ -8233,7 +8023,7 @@
           <a:p>
             <a:r>
               <a:rPr lang="en-US" dirty="0"/>
-              <a:t>2. Categorical Data – Encode</a:t>
+              <a:t>2. Encoding Categorical Data</a:t>
             </a:r>
             <a:endParaRPr lang="en-CA" dirty="0"/>
           </a:p>
@@ -8387,7 +8177,7 @@
           <a:p>
             <a:r>
               <a:rPr lang="en-US" dirty="0"/>
-              <a:t>3. Text Data - Vectorize</a:t>
+              <a:t>3. Vectorizing Text Data </a:t>
             </a:r>
             <a:endParaRPr lang="en-CA" dirty="0"/>
           </a:p>
@@ -8514,7 +8304,7 @@
     </p:spTree>
     <p:extLst>
       <p:ext uri="{BB962C8B-B14F-4D97-AF65-F5344CB8AC3E}">
-        <p14:creationId xmlns:p14="http://schemas.microsoft.com/office/powerpoint/2010/main" val="3565089974"/>
+        <p14:creationId xmlns:p14="http://schemas.microsoft.com/office/powerpoint/2010/main" val="3207546834"/>
       </p:ext>
     </p:extLst>
   </p:cSld>
@@ -8672,10 +8462,10 @@
       </p:cxnSp>
       <p:sp>
         <p:nvSpPr>
-          <p:cNvPr id="7" name="TextBox 6">
-            <a:extLst>
-              <a:ext uri="{FF2B5EF4-FFF2-40B4-BE49-F238E27FC236}">
-                <a16:creationId xmlns:a16="http://schemas.microsoft.com/office/drawing/2014/main" id="{1865850F-F88F-4006-B3AA-72BCC3C8DC47}"/>
+          <p:cNvPr id="3" name="TextBox 2">
+            <a:extLst>
+              <a:ext uri="{FF2B5EF4-FFF2-40B4-BE49-F238E27FC236}">
+                <a16:creationId xmlns:a16="http://schemas.microsoft.com/office/drawing/2014/main" id="{30193E11-24DC-41C6-98FD-B1F7EC80C36D}"/>
               </a:ext>
             </a:extLst>
           </p:cNvPr>
@@ -8684,8 +8474,8 @@
         </p:nvSpPr>
         <p:spPr>
           <a:xfrm>
-            <a:off x="957258" y="1935605"/>
-            <a:ext cx="4583645" cy="369332"/>
+            <a:off x="975854" y="1986170"/>
+            <a:ext cx="10052930" cy="369332"/>
           </a:xfrm>
           <a:prstGeom prst="rect">
             <a:avLst/>
@@ -8700,7 +8490,7 @@
           <a:p>
             <a:r>
               <a:rPr lang="en-US" dirty="0"/>
-              <a:t>1. Numerical Data – Impute Missing Values</a:t>
+              <a:t>4.  Normalizing Data </a:t>
             </a:r>
             <a:endParaRPr lang="en-CA" dirty="0"/>
           </a:p>
@@ -8708,10 +8498,10 @@
       </p:sp>
       <p:pic>
         <p:nvPicPr>
-          <p:cNvPr id="8" name="Picture 7">
-            <a:extLst>
-              <a:ext uri="{FF2B5EF4-FFF2-40B4-BE49-F238E27FC236}">
-                <a16:creationId xmlns:a16="http://schemas.microsoft.com/office/drawing/2014/main" id="{0028919E-1E36-4323-863A-5D6F88EFE6F2}"/>
+          <p:cNvPr id="24" name="Picture 23" descr="Shape&#10;&#10;Description automatically generated">
+            <a:extLst>
+              <a:ext uri="{FF2B5EF4-FFF2-40B4-BE49-F238E27FC236}">
+                <a16:creationId xmlns:a16="http://schemas.microsoft.com/office/drawing/2014/main" id="{B9BB8CC3-7E67-4727-85D8-D15B7BC3EDDD}"/>
               </a:ext>
             </a:extLst>
           </p:cNvPr>
@@ -8728,20 +8518,110 @@
         </p:blipFill>
         <p:spPr>
           <a:xfrm>
-            <a:off x="1013189" y="2304937"/>
-            <a:ext cx="1152574" cy="959328"/>
+            <a:off x="823359" y="4502499"/>
+            <a:ext cx="3482149" cy="2180569"/>
           </a:xfrm>
           <a:prstGeom prst="rect">
             <a:avLst/>
           </a:prstGeom>
         </p:spPr>
       </p:pic>
-      <p:sp>
-        <p:nvSpPr>
-          <p:cNvPr id="9" name="Arrow: Right 8">
-            <a:extLst>
-              <a:ext uri="{FF2B5EF4-FFF2-40B4-BE49-F238E27FC236}">
-                <a16:creationId xmlns:a16="http://schemas.microsoft.com/office/drawing/2014/main" id="{DA358ABB-CEBD-4DBB-99CA-634454236DEB}"/>
+      <p:pic>
+        <p:nvPicPr>
+          <p:cNvPr id="26" name="Picture 25" descr="Chart, histogram&#10;&#10;Description automatically generated">
+            <a:extLst>
+              <a:ext uri="{FF2B5EF4-FFF2-40B4-BE49-F238E27FC236}">
+                <a16:creationId xmlns:a16="http://schemas.microsoft.com/office/drawing/2014/main" id="{A10DB8E1-4FF7-418D-BF81-9DF24A091652}"/>
+              </a:ext>
+            </a:extLst>
+          </p:cNvPr>
+          <p:cNvPicPr>
+            <a:picLocks noChangeAspect="1"/>
+          </p:cNvPicPr>
+          <p:nvPr/>
+        </p:nvPicPr>
+        <p:blipFill>
+          <a:blip r:embed="rId5"/>
+          <a:stretch>
+            <a:fillRect/>
+          </a:stretch>
+        </p:blipFill>
+        <p:spPr>
+          <a:xfrm>
+            <a:off x="7012450" y="2340338"/>
+            <a:ext cx="3482149" cy="2231280"/>
+          </a:xfrm>
+          <a:prstGeom prst="rect">
+            <a:avLst/>
+          </a:prstGeom>
+        </p:spPr>
+      </p:pic>
+      <p:pic>
+        <p:nvPicPr>
+          <p:cNvPr id="28" name="Picture 27" descr="Shape&#10;&#10;Description automatically generated">
+            <a:extLst>
+              <a:ext uri="{FF2B5EF4-FFF2-40B4-BE49-F238E27FC236}">
+                <a16:creationId xmlns:a16="http://schemas.microsoft.com/office/drawing/2014/main" id="{D387D988-FBE0-40B6-BE19-490A1FDF03CB}"/>
+              </a:ext>
+            </a:extLst>
+          </p:cNvPr>
+          <p:cNvPicPr>
+            <a:picLocks noChangeAspect="1"/>
+          </p:cNvPicPr>
+          <p:nvPr/>
+        </p:nvPicPr>
+        <p:blipFill>
+          <a:blip r:embed="rId6"/>
+          <a:stretch>
+            <a:fillRect/>
+          </a:stretch>
+        </p:blipFill>
+        <p:spPr>
+          <a:xfrm>
+            <a:off x="857069" y="2325173"/>
+            <a:ext cx="3504687" cy="2231280"/>
+          </a:xfrm>
+          <a:prstGeom prst="rect">
+            <a:avLst/>
+          </a:prstGeom>
+        </p:spPr>
+      </p:pic>
+      <p:pic>
+        <p:nvPicPr>
+          <p:cNvPr id="30" name="Picture 29" descr="Chart, histogram&#10;&#10;Description automatically generated">
+            <a:extLst>
+              <a:ext uri="{FF2B5EF4-FFF2-40B4-BE49-F238E27FC236}">
+                <a16:creationId xmlns:a16="http://schemas.microsoft.com/office/drawing/2014/main" id="{487734C5-23B7-4D65-9D50-3812F6EB4E95}"/>
+              </a:ext>
+            </a:extLst>
+          </p:cNvPr>
+          <p:cNvPicPr>
+            <a:picLocks noChangeAspect="1"/>
+          </p:cNvPicPr>
+          <p:nvPr/>
+        </p:nvPicPr>
+        <p:blipFill>
+          <a:blip r:embed="rId7"/>
+          <a:stretch>
+            <a:fillRect/>
+          </a:stretch>
+        </p:blipFill>
+        <p:spPr>
+          <a:xfrm>
+            <a:off x="7068698" y="4502498"/>
+            <a:ext cx="3482149" cy="2180569"/>
+          </a:xfrm>
+          <a:prstGeom prst="rect">
+            <a:avLst/>
+          </a:prstGeom>
+        </p:spPr>
+      </p:pic>
+      <p:sp>
+        <p:nvSpPr>
+          <p:cNvPr id="32" name="Arrow: Right 31">
+            <a:extLst>
+              <a:ext uri="{FF2B5EF4-FFF2-40B4-BE49-F238E27FC236}">
+                <a16:creationId xmlns:a16="http://schemas.microsoft.com/office/drawing/2014/main" id="{C96885B1-378A-4AD3-A948-77D3FF6628BA}"/>
               </a:ext>
             </a:extLst>
           </p:cNvPr>
@@ -8750,8 +8630,8 @@
         </p:nvSpPr>
         <p:spPr>
           <a:xfrm>
-            <a:off x="2792164" y="2784601"/>
-            <a:ext cx="552893" cy="352089"/>
+            <a:off x="5382533" y="3480802"/>
+            <a:ext cx="954767" cy="1701830"/>
           </a:xfrm>
           <a:prstGeom prst="rightArrow">
             <a:avLst/>
@@ -8794,249 +8674,67 @@
           </a:p>
         </p:txBody>
       </p:sp>
-      <p:pic>
-        <p:nvPicPr>
-          <p:cNvPr id="10" name="Picture 9">
-            <a:extLst>
-              <a:ext uri="{FF2B5EF4-FFF2-40B4-BE49-F238E27FC236}">
-                <a16:creationId xmlns:a16="http://schemas.microsoft.com/office/drawing/2014/main" id="{9B59E3D0-4537-41D9-90DE-A1ACFAEE402F}"/>
-              </a:ext>
-            </a:extLst>
-          </p:cNvPr>
-          <p:cNvPicPr>
-            <a:picLocks noChangeAspect="1"/>
-          </p:cNvPicPr>
+      <p:sp>
+        <p:nvSpPr>
+          <p:cNvPr id="2048" name="TextBox 2047">
+            <a:extLst>
+              <a:ext uri="{FF2B5EF4-FFF2-40B4-BE49-F238E27FC236}">
+                <a16:creationId xmlns:a16="http://schemas.microsoft.com/office/drawing/2014/main" id="{9E617A20-72C8-4A71-A613-5884ED092595}"/>
+              </a:ext>
+            </a:extLst>
+          </p:cNvPr>
+          <p:cNvSpPr txBox="1"/>
           <p:nvPr/>
-        </p:nvPicPr>
-        <p:blipFill>
-          <a:blip r:embed="rId5"/>
-          <a:stretch>
-            <a:fillRect/>
-          </a:stretch>
-        </p:blipFill>
+        </p:nvSpPr>
         <p:spPr>
           <a:xfrm>
-            <a:off x="8199437" y="2612655"/>
-            <a:ext cx="1559822" cy="629402"/>
-          </a:xfrm>
-          <a:prstGeom prst="rect">
-            <a:avLst/>
-          </a:prstGeom>
-        </p:spPr>
-      </p:pic>
-      <p:sp>
-        <p:nvSpPr>
-          <p:cNvPr id="11" name="Rectangle 10">
-            <a:extLst>
-              <a:ext uri="{FF2B5EF4-FFF2-40B4-BE49-F238E27FC236}">
-                <a16:creationId xmlns:a16="http://schemas.microsoft.com/office/drawing/2014/main" id="{2ACC4B44-271A-489E-88BE-398A531DD335}"/>
-              </a:ext>
-            </a:extLst>
-          </p:cNvPr>
-          <p:cNvSpPr/>
-          <p:nvPr/>
-        </p:nvSpPr>
-        <p:spPr>
-          <a:xfrm>
-            <a:off x="9032965" y="2981269"/>
-            <a:ext cx="726294" cy="282997"/>
+            <a:off x="4884175" y="2425419"/>
+            <a:ext cx="1790700" cy="646331"/>
           </a:xfrm>
           <a:prstGeom prst="rect">
             <a:avLst/>
           </a:prstGeom>
           <a:noFill/>
-          <a:ln w="28575">
-            <a:solidFill>
-              <a:srgbClr val="EA6155"/>
-            </a:solidFill>
-          </a:ln>
-        </p:spPr>
-        <p:style>
-          <a:lnRef idx="2">
-            <a:schemeClr val="accent1">
-              <a:shade val="50000"/>
-            </a:schemeClr>
-          </a:lnRef>
-          <a:fillRef idx="1">
-            <a:schemeClr val="accent1"/>
-          </a:fillRef>
-          <a:effectRef idx="0">
-            <a:schemeClr val="accent1"/>
-          </a:effectRef>
-          <a:fontRef idx="minor">
-            <a:schemeClr val="lt1"/>
-          </a:fontRef>
-        </p:style>
-        <p:txBody>
-          <a:bodyPr rtlCol="0" anchor="ctr"/>
-          <a:lstStyle/>
-          <a:p>
-            <a:pPr algn="ctr"/>
-            <a:endParaRPr lang="en-CA"/>
-          </a:p>
-        </p:txBody>
-      </p:sp>
-      <p:sp>
-        <p:nvSpPr>
-          <p:cNvPr id="12" name="Rectangle 11">
-            <a:extLst>
-              <a:ext uri="{FF2B5EF4-FFF2-40B4-BE49-F238E27FC236}">
-                <a16:creationId xmlns:a16="http://schemas.microsoft.com/office/drawing/2014/main" id="{6A223A28-B730-4B94-B885-F9A86FB05512}"/>
-              </a:ext>
-            </a:extLst>
-          </p:cNvPr>
-          <p:cNvSpPr/>
+        </p:spPr>
+        <p:txBody>
+          <a:bodyPr wrap="square" rtlCol="0">
+            <a:spAutoFit/>
+          </a:bodyPr>
+          <a:lstStyle/>
+          <a:p>
+            <a:r>
+              <a:rPr lang="en-US" dirty="0" err="1"/>
+              <a:t>Neighbourhood</a:t>
+            </a:r>
+            <a:r>
+              <a:rPr lang="en-US" dirty="0"/>
+              <a:t> Over 100 Listings</a:t>
+            </a:r>
+            <a:endParaRPr lang="en-CA" dirty="0"/>
+          </a:p>
+        </p:txBody>
+      </p:sp>
+      <p:sp>
+        <p:nvSpPr>
+          <p:cNvPr id="35" name="TextBox 34">
+            <a:extLst>
+              <a:ext uri="{FF2B5EF4-FFF2-40B4-BE49-F238E27FC236}">
+                <a16:creationId xmlns:a16="http://schemas.microsoft.com/office/drawing/2014/main" id="{A5DC83BF-506A-4F89-AB3A-D9AB2C410C96}"/>
+              </a:ext>
+            </a:extLst>
+          </p:cNvPr>
+          <p:cNvSpPr txBox="1"/>
           <p:nvPr/>
         </p:nvSpPr>
         <p:spPr>
           <a:xfrm>
-            <a:off x="1775966" y="2635886"/>
-            <a:ext cx="389797" cy="628380"/>
+            <a:off x="4884175" y="5469925"/>
+            <a:ext cx="1790700" cy="646331"/>
           </a:xfrm>
           <a:prstGeom prst="rect">
             <a:avLst/>
           </a:prstGeom>
           <a:noFill/>
-          <a:ln w="28575">
-            <a:solidFill>
-              <a:srgbClr val="EA6155"/>
-            </a:solidFill>
-          </a:ln>
-        </p:spPr>
-        <p:style>
-          <a:lnRef idx="2">
-            <a:schemeClr val="accent1">
-              <a:shade val="50000"/>
-            </a:schemeClr>
-          </a:lnRef>
-          <a:fillRef idx="1">
-            <a:schemeClr val="accent1"/>
-          </a:fillRef>
-          <a:effectRef idx="0">
-            <a:schemeClr val="accent1"/>
-          </a:effectRef>
-          <a:fontRef idx="minor">
-            <a:schemeClr val="lt1"/>
-          </a:fontRef>
-        </p:style>
-        <p:txBody>
-          <a:bodyPr rtlCol="0" anchor="ctr"/>
-          <a:lstStyle/>
-          <a:p>
-            <a:pPr algn="ctr"/>
-            <a:endParaRPr lang="en-CA"/>
-          </a:p>
-        </p:txBody>
-      </p:sp>
-      <p:pic>
-        <p:nvPicPr>
-          <p:cNvPr id="13" name="Picture 12">
-            <a:extLst>
-              <a:ext uri="{FF2B5EF4-FFF2-40B4-BE49-F238E27FC236}">
-                <a16:creationId xmlns:a16="http://schemas.microsoft.com/office/drawing/2014/main" id="{1523FCCC-D0DE-4C78-8762-DB4ADA8FEF40}"/>
-              </a:ext>
-            </a:extLst>
-          </p:cNvPr>
-          <p:cNvPicPr>
-            <a:picLocks noChangeAspect="1"/>
-          </p:cNvPicPr>
-          <p:nvPr/>
-        </p:nvPicPr>
-        <p:blipFill>
-          <a:blip r:embed="rId6"/>
-          <a:stretch>
-            <a:fillRect/>
-          </a:stretch>
-        </p:blipFill>
-        <p:spPr>
-          <a:xfrm>
-            <a:off x="3886096" y="2606616"/>
-            <a:ext cx="2572168" cy="628380"/>
-          </a:xfrm>
-          <a:prstGeom prst="rect">
-            <a:avLst/>
-          </a:prstGeom>
-        </p:spPr>
-      </p:pic>
-      <p:sp>
-        <p:nvSpPr>
-          <p:cNvPr id="15" name="Arrow: Right 14">
-            <a:extLst>
-              <a:ext uri="{FF2B5EF4-FFF2-40B4-BE49-F238E27FC236}">
-                <a16:creationId xmlns:a16="http://schemas.microsoft.com/office/drawing/2014/main" id="{404B15BF-25FD-412E-9A04-7F882754FD89}"/>
-              </a:ext>
-            </a:extLst>
-          </p:cNvPr>
-          <p:cNvSpPr/>
-          <p:nvPr/>
-        </p:nvSpPr>
-        <p:spPr>
-          <a:xfrm>
-            <a:off x="7041741" y="2803229"/>
-            <a:ext cx="552893" cy="352089"/>
-          </a:xfrm>
-          <a:prstGeom prst="rightArrow">
-            <a:avLst/>
-          </a:prstGeom>
-          <a:solidFill>
-            <a:schemeClr val="bg2">
-              <a:lumMod val="75000"/>
-            </a:schemeClr>
-          </a:solidFill>
-          <a:ln>
-            <a:solidFill>
-              <a:schemeClr val="bg2">
-                <a:lumMod val="75000"/>
-              </a:schemeClr>
-            </a:solidFill>
-          </a:ln>
-        </p:spPr>
-        <p:style>
-          <a:lnRef idx="2">
-            <a:schemeClr val="accent1">
-              <a:shade val="50000"/>
-            </a:schemeClr>
-          </a:lnRef>
-          <a:fillRef idx="1">
-            <a:schemeClr val="accent1"/>
-          </a:fillRef>
-          <a:effectRef idx="0">
-            <a:schemeClr val="accent1"/>
-          </a:effectRef>
-          <a:fontRef idx="minor">
-            <a:schemeClr val="lt1"/>
-          </a:fontRef>
-        </p:style>
-        <p:txBody>
-          <a:bodyPr rtlCol="0" anchor="ctr"/>
-          <a:lstStyle/>
-          <a:p>
-            <a:pPr algn="ctr"/>
-            <a:endParaRPr lang="en-CA"/>
-          </a:p>
-        </p:txBody>
-      </p:sp>
-      <p:sp>
-        <p:nvSpPr>
-          <p:cNvPr id="16" name="TextBox 15">
-            <a:extLst>
-              <a:ext uri="{FF2B5EF4-FFF2-40B4-BE49-F238E27FC236}">
-                <a16:creationId xmlns:a16="http://schemas.microsoft.com/office/drawing/2014/main" id="{DF7416E9-F43B-4AB6-8689-50D5C4C4BB22}"/>
-              </a:ext>
-            </a:extLst>
-          </p:cNvPr>
-          <p:cNvSpPr txBox="1"/>
-          <p:nvPr/>
-        </p:nvSpPr>
-        <p:spPr>
-          <a:xfrm>
-            <a:off x="975854" y="3503410"/>
-            <a:ext cx="4797517" cy="369332"/>
-          </a:xfrm>
-          <a:prstGeom prst="rect">
-            <a:avLst/>
-          </a:prstGeom>
-          <a:noFill/>
         </p:spPr>
         <p:txBody>
           <a:bodyPr wrap="square" rtlCol="0">
@@ -9046,288 +8744,16 @@
           <a:p>
             <a:r>
               <a:rPr lang="en-US" dirty="0"/>
-              <a:t>2. Categorical Data – Encode</a:t>
+              <a:t>Listing Prices Under 600</a:t>
             </a:r>
             <a:endParaRPr lang="en-CA" dirty="0"/>
           </a:p>
         </p:txBody>
       </p:sp>
-      <p:sp>
-        <p:nvSpPr>
-          <p:cNvPr id="17" name="Arrow: Right 16">
-            <a:extLst>
-              <a:ext uri="{FF2B5EF4-FFF2-40B4-BE49-F238E27FC236}">
-                <a16:creationId xmlns:a16="http://schemas.microsoft.com/office/drawing/2014/main" id="{DC6FBA63-237E-47CE-A963-3821E3F4F252}"/>
-              </a:ext>
-            </a:extLst>
-          </p:cNvPr>
-          <p:cNvSpPr/>
-          <p:nvPr/>
-        </p:nvSpPr>
-        <p:spPr>
-          <a:xfrm>
-            <a:off x="2795027" y="4456461"/>
-            <a:ext cx="552893" cy="352089"/>
-          </a:xfrm>
-          <a:prstGeom prst="rightArrow">
-            <a:avLst/>
-          </a:prstGeom>
-          <a:solidFill>
-            <a:schemeClr val="bg2">
-              <a:lumMod val="75000"/>
-            </a:schemeClr>
-          </a:solidFill>
-          <a:ln>
-            <a:solidFill>
-              <a:schemeClr val="bg2">
-                <a:lumMod val="75000"/>
-              </a:schemeClr>
-            </a:solidFill>
-          </a:ln>
-        </p:spPr>
-        <p:style>
-          <a:lnRef idx="2">
-            <a:schemeClr val="accent1">
-              <a:shade val="50000"/>
-            </a:schemeClr>
-          </a:lnRef>
-          <a:fillRef idx="1">
-            <a:schemeClr val="accent1"/>
-          </a:fillRef>
-          <a:effectRef idx="0">
-            <a:schemeClr val="accent1"/>
-          </a:effectRef>
-          <a:fontRef idx="minor">
-            <a:schemeClr val="lt1"/>
-          </a:fontRef>
-        </p:style>
-        <p:txBody>
-          <a:bodyPr rtlCol="0" anchor="ctr"/>
-          <a:lstStyle/>
-          <a:p>
-            <a:pPr algn="ctr"/>
-            <a:endParaRPr lang="en-CA"/>
-          </a:p>
-        </p:txBody>
-      </p:sp>
-      <p:pic>
-        <p:nvPicPr>
-          <p:cNvPr id="18" name="Picture 17">
-            <a:extLst>
-              <a:ext uri="{FF2B5EF4-FFF2-40B4-BE49-F238E27FC236}">
-                <a16:creationId xmlns:a16="http://schemas.microsoft.com/office/drawing/2014/main" id="{1AE78CD3-F9E1-4165-A46B-4D09B040E6F2}"/>
-              </a:ext>
-            </a:extLst>
-          </p:cNvPr>
-          <p:cNvPicPr>
-            <a:picLocks noChangeAspect="1"/>
-          </p:cNvPicPr>
-          <p:nvPr/>
-        </p:nvPicPr>
-        <p:blipFill>
-          <a:blip r:embed="rId7"/>
-          <a:stretch>
-            <a:fillRect/>
-          </a:stretch>
-        </p:blipFill>
-        <p:spPr>
-          <a:xfrm>
-            <a:off x="1072717" y="4037153"/>
-            <a:ext cx="623138" cy="838615"/>
-          </a:xfrm>
-          <a:prstGeom prst="rect">
-            <a:avLst/>
-          </a:prstGeom>
-        </p:spPr>
-      </p:pic>
-      <p:pic>
-        <p:nvPicPr>
-          <p:cNvPr id="19" name="Picture 18">
-            <a:extLst>
-              <a:ext uri="{FF2B5EF4-FFF2-40B4-BE49-F238E27FC236}">
-                <a16:creationId xmlns:a16="http://schemas.microsoft.com/office/drawing/2014/main" id="{ACD958EF-27E4-413F-B65B-E87C0C4488E7}"/>
-              </a:ext>
-            </a:extLst>
-          </p:cNvPr>
-          <p:cNvPicPr>
-            <a:picLocks noChangeAspect="1"/>
-          </p:cNvPicPr>
-          <p:nvPr/>
-        </p:nvPicPr>
-        <p:blipFill>
-          <a:blip r:embed="rId8"/>
-          <a:stretch>
-            <a:fillRect/>
-          </a:stretch>
-        </p:blipFill>
-        <p:spPr>
-          <a:xfrm>
-            <a:off x="3875236" y="4089028"/>
-            <a:ext cx="688257" cy="901853"/>
-          </a:xfrm>
-          <a:prstGeom prst="rect">
-            <a:avLst/>
-          </a:prstGeom>
-        </p:spPr>
-      </p:pic>
-      <p:sp>
-        <p:nvSpPr>
-          <p:cNvPr id="20" name="TextBox 19">
-            <a:extLst>
-              <a:ext uri="{FF2B5EF4-FFF2-40B4-BE49-F238E27FC236}">
-                <a16:creationId xmlns:a16="http://schemas.microsoft.com/office/drawing/2014/main" id="{402E63BF-3E80-4CD6-BBC0-2D1687E375A9}"/>
-              </a:ext>
-            </a:extLst>
-          </p:cNvPr>
-          <p:cNvSpPr txBox="1"/>
-          <p:nvPr/>
-        </p:nvSpPr>
-        <p:spPr>
-          <a:xfrm>
-            <a:off x="975854" y="5092054"/>
-            <a:ext cx="3418873" cy="369332"/>
-          </a:xfrm>
-          <a:prstGeom prst="rect">
-            <a:avLst/>
-          </a:prstGeom>
-          <a:noFill/>
-        </p:spPr>
-        <p:txBody>
-          <a:bodyPr wrap="square" rtlCol="0">
-            <a:spAutoFit/>
-          </a:bodyPr>
-          <a:lstStyle/>
-          <a:p>
-            <a:r>
-              <a:rPr lang="en-US" dirty="0"/>
-              <a:t>3. Text Data - Vectorize</a:t>
-            </a:r>
-            <a:endParaRPr lang="en-CA" dirty="0"/>
-          </a:p>
-        </p:txBody>
-      </p:sp>
-      <p:sp>
-        <p:nvSpPr>
-          <p:cNvPr id="21" name="Arrow: Right 20">
-            <a:extLst>
-              <a:ext uri="{FF2B5EF4-FFF2-40B4-BE49-F238E27FC236}">
-                <a16:creationId xmlns:a16="http://schemas.microsoft.com/office/drawing/2014/main" id="{79203AC8-B69E-4FB6-A3DD-4706710BD628}"/>
-              </a:ext>
-            </a:extLst>
-          </p:cNvPr>
-          <p:cNvSpPr/>
-          <p:nvPr/>
-        </p:nvSpPr>
-        <p:spPr>
-          <a:xfrm>
-            <a:off x="4703675" y="5748610"/>
-            <a:ext cx="552893" cy="352089"/>
-          </a:xfrm>
-          <a:prstGeom prst="rightArrow">
-            <a:avLst/>
-          </a:prstGeom>
-          <a:solidFill>
-            <a:schemeClr val="bg2">
-              <a:lumMod val="75000"/>
-            </a:schemeClr>
-          </a:solidFill>
-          <a:ln>
-            <a:solidFill>
-              <a:schemeClr val="bg2">
-                <a:lumMod val="75000"/>
-              </a:schemeClr>
-            </a:solidFill>
-          </a:ln>
-        </p:spPr>
-        <p:style>
-          <a:lnRef idx="2">
-            <a:schemeClr val="accent1">
-              <a:shade val="50000"/>
-            </a:schemeClr>
-          </a:lnRef>
-          <a:fillRef idx="1">
-            <a:schemeClr val="accent1"/>
-          </a:fillRef>
-          <a:effectRef idx="0">
-            <a:schemeClr val="accent1"/>
-          </a:effectRef>
-          <a:fontRef idx="minor">
-            <a:schemeClr val="lt1"/>
-          </a:fontRef>
-        </p:style>
-        <p:txBody>
-          <a:bodyPr rtlCol="0" anchor="ctr"/>
-          <a:lstStyle/>
-          <a:p>
-            <a:pPr algn="ctr"/>
-            <a:endParaRPr lang="en-CA"/>
-          </a:p>
-        </p:txBody>
-      </p:sp>
-      <p:pic>
-        <p:nvPicPr>
-          <p:cNvPr id="22" name="Picture 21">
-            <a:extLst>
-              <a:ext uri="{FF2B5EF4-FFF2-40B4-BE49-F238E27FC236}">
-                <a16:creationId xmlns:a16="http://schemas.microsoft.com/office/drawing/2014/main" id="{C3DF3974-8E72-452C-85F3-F1019B6B97ED}"/>
-              </a:ext>
-            </a:extLst>
-          </p:cNvPr>
-          <p:cNvPicPr>
-            <a:picLocks noChangeAspect="1"/>
-          </p:cNvPicPr>
-          <p:nvPr/>
-        </p:nvPicPr>
-        <p:blipFill>
-          <a:blip r:embed="rId9"/>
-          <a:stretch>
-            <a:fillRect/>
-          </a:stretch>
-        </p:blipFill>
-        <p:spPr>
-          <a:xfrm>
-            <a:off x="1073058" y="5748532"/>
-            <a:ext cx="2984212" cy="364587"/>
-          </a:xfrm>
-          <a:prstGeom prst="rect">
-            <a:avLst/>
-          </a:prstGeom>
-        </p:spPr>
-      </p:pic>
-      <p:pic>
-        <p:nvPicPr>
-          <p:cNvPr id="23" name="Picture 22">
-            <a:extLst>
-              <a:ext uri="{FF2B5EF4-FFF2-40B4-BE49-F238E27FC236}">
-                <a16:creationId xmlns:a16="http://schemas.microsoft.com/office/drawing/2014/main" id="{852F8D74-023E-438B-A73A-BDADEDFC73F7}"/>
-              </a:ext>
-            </a:extLst>
-          </p:cNvPr>
-          <p:cNvPicPr>
-            <a:picLocks noChangeAspect="1"/>
-          </p:cNvPicPr>
-          <p:nvPr/>
-        </p:nvPicPr>
-        <p:blipFill>
-          <a:blip r:embed="rId10"/>
-          <a:stretch>
-            <a:fillRect/>
-          </a:stretch>
-        </p:blipFill>
-        <p:spPr>
-          <a:xfrm>
-            <a:off x="5902973" y="5748531"/>
-            <a:ext cx="5736663" cy="364587"/>
-          </a:xfrm>
-          <a:prstGeom prst="rect">
-            <a:avLst/>
-          </a:prstGeom>
-        </p:spPr>
-      </p:pic>
     </p:spTree>
     <p:extLst>
       <p:ext uri="{BB962C8B-B14F-4D97-AF65-F5344CB8AC3E}">
-        <p14:creationId xmlns:p14="http://schemas.microsoft.com/office/powerpoint/2010/main" val="3207546834"/>
+        <p14:creationId xmlns:p14="http://schemas.microsoft.com/office/powerpoint/2010/main" val="2577355925"/>
       </p:ext>
     </p:extLst>
   </p:cSld>
@@ -9372,7 +8798,7 @@
         </p:nvSpPr>
         <p:spPr>
           <a:xfrm>
-            <a:off x="2721982" y="696475"/>
+            <a:off x="3371495" y="696475"/>
             <a:ext cx="10515600" cy="1325563"/>
           </a:xfrm>
         </p:spPr>
@@ -9388,7 +8814,7 @@
                   <a:srgbClr val="EA5E46"/>
                 </a:solidFill>
               </a:rPr>
-              <a:t>Model Data Transformation Methods</a:t>
+              <a:t>Model Data Transformation Breakdown</a:t>
             </a:r>
           </a:p>
         </p:txBody>
@@ -9422,7 +8848,7 @@
         </p:blipFill>
         <p:spPr bwMode="auto">
           <a:xfrm>
-            <a:off x="530564" y="108278"/>
+            <a:off x="1180077" y="108278"/>
             <a:ext cx="2189605" cy="2022038"/>
           </a:xfrm>
           <a:prstGeom prst="rect">
@@ -9456,7 +8882,7 @@
         </p:nvCxnSpPr>
         <p:spPr>
           <a:xfrm>
-            <a:off x="975854" y="1684829"/>
+            <a:off x="1625367" y="1684829"/>
             <a:ext cx="9518745" cy="1"/>
           </a:xfrm>
           <a:prstGeom prst="line">
@@ -9485,10 +8911,10 @@
       </p:cxnSp>
       <p:sp>
         <p:nvSpPr>
-          <p:cNvPr id="20" name="TextBox 19">
-            <a:extLst>
-              <a:ext uri="{FF2B5EF4-FFF2-40B4-BE49-F238E27FC236}">
-                <a16:creationId xmlns:a16="http://schemas.microsoft.com/office/drawing/2014/main" id="{928097DE-506F-40FC-B650-5B06916D277D}"/>
+          <p:cNvPr id="5" name="TextBox 4">
+            <a:extLst>
+              <a:ext uri="{FF2B5EF4-FFF2-40B4-BE49-F238E27FC236}">
+                <a16:creationId xmlns:a16="http://schemas.microsoft.com/office/drawing/2014/main" id="{3C66E404-41EF-44AC-ABB8-1EEB513C9DE3}"/>
               </a:ext>
             </a:extLst>
           </p:cNvPr>
@@ -9497,8 +8923,8 @@
         </p:nvSpPr>
         <p:spPr>
           <a:xfrm>
-            <a:off x="934645" y="2077437"/>
-            <a:ext cx="3418873" cy="369332"/>
+            <a:off x="946298" y="2022039"/>
+            <a:ext cx="4583645" cy="369332"/>
           </a:xfrm>
           <a:prstGeom prst="rect">
             <a:avLst/>
@@ -9513,18 +8939,48 @@
           <a:p>
             <a:r>
               <a:rPr lang="en-US" dirty="0"/>
-              <a:t>Text Data - Vectorize</a:t>
+              <a:t>Numerical Data – Impute Missing Values</a:t>
             </a:r>
             <a:endParaRPr lang="en-CA" dirty="0"/>
           </a:p>
         </p:txBody>
       </p:sp>
-      <p:sp>
-        <p:nvSpPr>
-          <p:cNvPr id="21" name="Arrow: Right 20">
-            <a:extLst>
-              <a:ext uri="{FF2B5EF4-FFF2-40B4-BE49-F238E27FC236}">
-                <a16:creationId xmlns:a16="http://schemas.microsoft.com/office/drawing/2014/main" id="{8EE0A187-602C-46F4-AD90-1D130DE5B185}"/>
+      <p:pic>
+        <p:nvPicPr>
+          <p:cNvPr id="9" name="Picture 8">
+            <a:extLst>
+              <a:ext uri="{FF2B5EF4-FFF2-40B4-BE49-F238E27FC236}">
+                <a16:creationId xmlns:a16="http://schemas.microsoft.com/office/drawing/2014/main" id="{5DFEE87E-C6D3-43BD-B9E3-E4588F1FAE24}"/>
+              </a:ext>
+            </a:extLst>
+          </p:cNvPr>
+          <p:cNvPicPr>
+            <a:picLocks noChangeAspect="1"/>
+          </p:cNvPicPr>
+          <p:nvPr/>
+        </p:nvPicPr>
+        <p:blipFill>
+          <a:blip r:embed="rId4"/>
+          <a:stretch>
+            <a:fillRect/>
+          </a:stretch>
+        </p:blipFill>
+        <p:spPr>
+          <a:xfrm>
+            <a:off x="1002229" y="2391371"/>
+            <a:ext cx="1152574" cy="959328"/>
+          </a:xfrm>
+          <a:prstGeom prst="rect">
+            <a:avLst/>
+          </a:prstGeom>
+        </p:spPr>
+      </p:pic>
+      <p:sp>
+        <p:nvSpPr>
+          <p:cNvPr id="10" name="Arrow: Right 9">
+            <a:extLst>
+              <a:ext uri="{FF2B5EF4-FFF2-40B4-BE49-F238E27FC236}">
+                <a16:creationId xmlns:a16="http://schemas.microsoft.com/office/drawing/2014/main" id="{CD17D319-9A92-45E9-85CA-D73F4333A977}"/>
               </a:ext>
             </a:extLst>
           </p:cNvPr>
@@ -9533,7 +8989,7 @@
         </p:nvSpPr>
         <p:spPr>
           <a:xfrm>
-            <a:off x="4662466" y="2733993"/>
+            <a:off x="2781204" y="2871035"/>
             <a:ext cx="552893" cy="352089"/>
           </a:xfrm>
           <a:prstGeom prst="rightArrow">
@@ -9579,40 +9035,10 @@
       </p:sp>
       <p:pic>
         <p:nvPicPr>
-          <p:cNvPr id="22" name="Picture 21">
-            <a:extLst>
-              <a:ext uri="{FF2B5EF4-FFF2-40B4-BE49-F238E27FC236}">
-                <a16:creationId xmlns:a16="http://schemas.microsoft.com/office/drawing/2014/main" id="{1072C1DE-BAE0-403D-A94C-645817C91119}"/>
-              </a:ext>
-            </a:extLst>
-          </p:cNvPr>
-          <p:cNvPicPr>
-            <a:picLocks noChangeAspect="1"/>
-          </p:cNvPicPr>
-          <p:nvPr/>
-        </p:nvPicPr>
-        <p:blipFill>
-          <a:blip r:embed="rId4"/>
-          <a:stretch>
-            <a:fillRect/>
-          </a:stretch>
-        </p:blipFill>
-        <p:spPr>
-          <a:xfrm>
-            <a:off x="1031849" y="2733915"/>
-            <a:ext cx="2984212" cy="364587"/>
-          </a:xfrm>
-          <a:prstGeom prst="rect">
-            <a:avLst/>
-          </a:prstGeom>
-        </p:spPr>
-      </p:pic>
-      <p:pic>
-        <p:nvPicPr>
-          <p:cNvPr id="23" name="Picture 22">
-            <a:extLst>
-              <a:ext uri="{FF2B5EF4-FFF2-40B4-BE49-F238E27FC236}">
-                <a16:creationId xmlns:a16="http://schemas.microsoft.com/office/drawing/2014/main" id="{7E7C315F-27FB-447F-AF8A-5C0E74ED0602}"/>
+          <p:cNvPr id="12" name="Picture 11">
+            <a:extLst>
+              <a:ext uri="{FF2B5EF4-FFF2-40B4-BE49-F238E27FC236}">
+                <a16:creationId xmlns:a16="http://schemas.microsoft.com/office/drawing/2014/main" id="{B3919613-C218-4BCD-A86F-E020C1E91AFE}"/>
               </a:ext>
             </a:extLst>
           </p:cNvPr>
@@ -9629,269 +9055,38 @@
         </p:blipFill>
         <p:spPr>
           <a:xfrm>
-            <a:off x="5861764" y="2733914"/>
-            <a:ext cx="5736663" cy="364587"/>
+            <a:off x="8188477" y="2699089"/>
+            <a:ext cx="1559822" cy="629402"/>
           </a:xfrm>
           <a:prstGeom prst="rect">
             <a:avLst/>
           </a:prstGeom>
         </p:spPr>
       </p:pic>
-    </p:spTree>
-    <p:extLst>
-      <p:ext uri="{BB962C8B-B14F-4D97-AF65-F5344CB8AC3E}">
-        <p14:creationId xmlns:p14="http://schemas.microsoft.com/office/powerpoint/2010/main" val="2577355925"/>
-      </p:ext>
-    </p:extLst>
-  </p:cSld>
-  <p:clrMapOvr>
-    <a:masterClrMapping/>
-  </p:clrMapOvr>
-</p:sld>
-</file>
-
-<file path=ppt/slides/slide7.xml><?xml version="1.0" encoding="utf-8"?>
-<p:sld xmlns:a="http://schemas.openxmlformats.org/drawingml/2006/main" xmlns:r="http://schemas.openxmlformats.org/officeDocument/2006/relationships" xmlns:p="http://schemas.openxmlformats.org/presentationml/2006/main">
-  <p:cSld>
-    <p:spTree>
-      <p:nvGrpSpPr>
-        <p:cNvPr id="1" name=""/>
-        <p:cNvGrpSpPr/>
-        <p:nvPr/>
-      </p:nvGrpSpPr>
-      <p:grpSpPr>
-        <a:xfrm>
-          <a:off x="0" y="0"/>
-          <a:ext cx="0" cy="0"/>
-          <a:chOff x="0" y="0"/>
-          <a:chExt cx="0" cy="0"/>
-        </a:xfrm>
-      </p:grpSpPr>
-      <p:sp>
-        <p:nvSpPr>
-          <p:cNvPr id="2" name="Title 1">
-            <a:extLst>
-              <a:ext uri="{FF2B5EF4-FFF2-40B4-BE49-F238E27FC236}">
-                <a16:creationId xmlns:a16="http://schemas.microsoft.com/office/drawing/2014/main" id="{59B8B577-5676-3C4B-A107-E41DB331FD85}"/>
-              </a:ext>
-            </a:extLst>
-          </p:cNvPr>
-          <p:cNvSpPr>
-            <a:spLocks noGrp="1"/>
-          </p:cNvSpPr>
-          <p:nvPr>
-            <p:ph type="title"/>
-          </p:nvPr>
+      <p:sp>
+        <p:nvSpPr>
+          <p:cNvPr id="13" name="Rectangle 12">
+            <a:extLst>
+              <a:ext uri="{FF2B5EF4-FFF2-40B4-BE49-F238E27FC236}">
+                <a16:creationId xmlns:a16="http://schemas.microsoft.com/office/drawing/2014/main" id="{EDC53F4A-537D-43ED-BF9C-54DB52A0EBE7}"/>
+              </a:ext>
+            </a:extLst>
+          </p:cNvPr>
+          <p:cNvSpPr/>
+          <p:nvPr/>
         </p:nvSpPr>
         <p:spPr>
           <a:xfrm>
-            <a:off x="3371495" y="696475"/>
-            <a:ext cx="10515600" cy="1325563"/>
-          </a:xfrm>
-        </p:spPr>
-        <p:txBody>
-          <a:bodyPr>
-            <a:normAutofit/>
-          </a:bodyPr>
-          <a:lstStyle/>
-          <a:p>
-            <a:r>
-              <a:rPr lang="en-US" sz="4000" dirty="0">
-                <a:solidFill>
-                  <a:srgbClr val="EA5E46"/>
-                </a:solidFill>
-              </a:rPr>
-              <a:t>Model Data Transformation Breakdown</a:t>
-            </a:r>
-          </a:p>
-        </p:txBody>
-      </p:sp>
-      <p:pic>
-        <p:nvPicPr>
-          <p:cNvPr id="2050" name="Picture 2" descr="Image result for air bnb logo">
-            <a:extLst>
-              <a:ext uri="{FF2B5EF4-FFF2-40B4-BE49-F238E27FC236}">
-                <a16:creationId xmlns:a16="http://schemas.microsoft.com/office/drawing/2014/main" id="{A162C291-208B-BE48-BF44-7D5CD7EF6151}"/>
-              </a:ext>
-            </a:extLst>
-          </p:cNvPr>
-          <p:cNvPicPr>
-            <a:picLocks noChangeAspect="1" noChangeArrowheads="1"/>
-          </p:cNvPicPr>
-          <p:nvPr/>
-        </p:nvPicPr>
-        <p:blipFill>
-          <a:blip r:embed="rId3">
-            <a:extLst>
-              <a:ext uri="{28A0092B-C50C-407E-A947-70E740481C1C}">
-                <a14:useLocalDpi xmlns:a14="http://schemas.microsoft.com/office/drawing/2010/main" val="0"/>
-              </a:ext>
-            </a:extLst>
-          </a:blip>
-          <a:srcRect/>
-          <a:stretch>
-            <a:fillRect/>
-          </a:stretch>
-        </p:blipFill>
-        <p:spPr bwMode="auto">
-          <a:xfrm>
-            <a:off x="1180077" y="108278"/>
-            <a:ext cx="2189605" cy="2022038"/>
+            <a:off x="9022005" y="3067703"/>
+            <a:ext cx="726294" cy="282997"/>
           </a:xfrm>
           <a:prstGeom prst="rect">
             <a:avLst/>
           </a:prstGeom>
           <a:noFill/>
-          <a:extLst>
-            <a:ext uri="{909E8E84-426E-40DD-AFC4-6F175D3DCCD1}">
-              <a14:hiddenFill xmlns:a14="http://schemas.microsoft.com/office/drawing/2010/main">
-                <a:solidFill>
-                  <a:srgbClr val="FFFFFF"/>
-                </a:solidFill>
-              </a14:hiddenFill>
-            </a:ext>
-          </a:extLst>
-        </p:spPr>
-      </p:pic>
-      <p:cxnSp>
-        <p:nvCxnSpPr>
-          <p:cNvPr id="6" name="Straight Connector 5">
-            <a:extLst>
-              <a:ext uri="{FF2B5EF4-FFF2-40B4-BE49-F238E27FC236}">
-                <a16:creationId xmlns:a16="http://schemas.microsoft.com/office/drawing/2014/main" id="{7D0926DC-6298-B648-9DF9-0D78D09F9FC8}"/>
-              </a:ext>
-            </a:extLst>
-          </p:cNvPr>
-          <p:cNvCxnSpPr>
-            <a:cxnSpLocks/>
-          </p:cNvCxnSpPr>
-          <p:nvPr/>
-        </p:nvCxnSpPr>
-        <p:spPr>
-          <a:xfrm>
-            <a:off x="1625367" y="1684829"/>
-            <a:ext cx="9518745" cy="1"/>
-          </a:xfrm>
-          <a:prstGeom prst="line">
-            <a:avLst/>
-          </a:prstGeom>
-          <a:ln w="12700">
+          <a:ln w="28575">
             <a:solidFill>
-              <a:srgbClr val="EA5E46"/>
-            </a:solidFill>
-          </a:ln>
-        </p:spPr>
-        <p:style>
-          <a:lnRef idx="1">
-            <a:schemeClr val="accent2"/>
-          </a:lnRef>
-          <a:fillRef idx="0">
-            <a:schemeClr val="accent2"/>
-          </a:fillRef>
-          <a:effectRef idx="0">
-            <a:schemeClr val="accent2"/>
-          </a:effectRef>
-          <a:fontRef idx="minor">
-            <a:schemeClr val="tx1"/>
-          </a:fontRef>
-        </p:style>
-      </p:cxnSp>
-      <p:sp>
-        <p:nvSpPr>
-          <p:cNvPr id="5" name="TextBox 4">
-            <a:extLst>
-              <a:ext uri="{FF2B5EF4-FFF2-40B4-BE49-F238E27FC236}">
-                <a16:creationId xmlns:a16="http://schemas.microsoft.com/office/drawing/2014/main" id="{3C66E404-41EF-44AC-ABB8-1EEB513C9DE3}"/>
-              </a:ext>
-            </a:extLst>
-          </p:cNvPr>
-          <p:cNvSpPr txBox="1"/>
-          <p:nvPr/>
-        </p:nvSpPr>
-        <p:spPr>
-          <a:xfrm>
-            <a:off x="946298" y="2022039"/>
-            <a:ext cx="4583645" cy="369332"/>
-          </a:xfrm>
-          <a:prstGeom prst="rect">
-            <a:avLst/>
-          </a:prstGeom>
-          <a:noFill/>
-        </p:spPr>
-        <p:txBody>
-          <a:bodyPr wrap="square" rtlCol="0">
-            <a:spAutoFit/>
-          </a:bodyPr>
-          <a:lstStyle/>
-          <a:p>
-            <a:r>
-              <a:rPr lang="en-US" dirty="0"/>
-              <a:t>Numerical Data – Impute Missing Values</a:t>
-            </a:r>
-            <a:endParaRPr lang="en-CA" dirty="0"/>
-          </a:p>
-        </p:txBody>
-      </p:sp>
-      <p:pic>
-        <p:nvPicPr>
-          <p:cNvPr id="9" name="Picture 8">
-            <a:extLst>
-              <a:ext uri="{FF2B5EF4-FFF2-40B4-BE49-F238E27FC236}">
-                <a16:creationId xmlns:a16="http://schemas.microsoft.com/office/drawing/2014/main" id="{5DFEE87E-C6D3-43BD-B9E3-E4588F1FAE24}"/>
-              </a:ext>
-            </a:extLst>
-          </p:cNvPr>
-          <p:cNvPicPr>
-            <a:picLocks noChangeAspect="1"/>
-          </p:cNvPicPr>
-          <p:nvPr/>
-        </p:nvPicPr>
-        <p:blipFill>
-          <a:blip r:embed="rId4"/>
-          <a:stretch>
-            <a:fillRect/>
-          </a:stretch>
-        </p:blipFill>
-        <p:spPr>
-          <a:xfrm>
-            <a:off x="1002229" y="2391371"/>
-            <a:ext cx="1152574" cy="959328"/>
-          </a:xfrm>
-          <a:prstGeom prst="rect">
-            <a:avLst/>
-          </a:prstGeom>
-        </p:spPr>
-      </p:pic>
-      <p:sp>
-        <p:nvSpPr>
-          <p:cNvPr id="10" name="Arrow: Right 9">
-            <a:extLst>
-              <a:ext uri="{FF2B5EF4-FFF2-40B4-BE49-F238E27FC236}">
-                <a16:creationId xmlns:a16="http://schemas.microsoft.com/office/drawing/2014/main" id="{CD17D319-9A92-45E9-85CA-D73F4333A977}"/>
-              </a:ext>
-            </a:extLst>
-          </p:cNvPr>
-          <p:cNvSpPr/>
-          <p:nvPr/>
-        </p:nvSpPr>
-        <p:spPr>
-          <a:xfrm>
-            <a:off x="2781204" y="2871035"/>
-            <a:ext cx="552893" cy="352089"/>
-          </a:xfrm>
-          <a:prstGeom prst="rightArrow">
-            <a:avLst/>
-          </a:prstGeom>
-          <a:solidFill>
-            <a:schemeClr val="bg2">
-              <a:lumMod val="75000"/>
-            </a:schemeClr>
-          </a:solidFill>
-          <a:ln>
-            <a:solidFill>
-              <a:schemeClr val="bg2">
-                <a:lumMod val="75000"/>
-              </a:schemeClr>
+              <a:srgbClr val="EA6155"/>
             </a:solidFill>
           </a:ln>
         </p:spPr>
@@ -9920,42 +9115,12 @@
           </a:p>
         </p:txBody>
       </p:sp>
-      <p:pic>
-        <p:nvPicPr>
-          <p:cNvPr id="12" name="Picture 11">
-            <a:extLst>
-              <a:ext uri="{FF2B5EF4-FFF2-40B4-BE49-F238E27FC236}">
-                <a16:creationId xmlns:a16="http://schemas.microsoft.com/office/drawing/2014/main" id="{B3919613-C218-4BCD-A86F-E020C1E91AFE}"/>
-              </a:ext>
-            </a:extLst>
-          </p:cNvPr>
-          <p:cNvPicPr>
-            <a:picLocks noChangeAspect="1"/>
-          </p:cNvPicPr>
-          <p:nvPr/>
-        </p:nvPicPr>
-        <p:blipFill>
-          <a:blip r:embed="rId5"/>
-          <a:stretch>
-            <a:fillRect/>
-          </a:stretch>
-        </p:blipFill>
-        <p:spPr>
-          <a:xfrm>
-            <a:off x="8188477" y="2699089"/>
-            <a:ext cx="1559822" cy="629402"/>
-          </a:xfrm>
-          <a:prstGeom prst="rect">
-            <a:avLst/>
-          </a:prstGeom>
-        </p:spPr>
-      </p:pic>
-      <p:sp>
-        <p:nvSpPr>
-          <p:cNvPr id="13" name="Rectangle 12">
-            <a:extLst>
-              <a:ext uri="{FF2B5EF4-FFF2-40B4-BE49-F238E27FC236}">
-                <a16:creationId xmlns:a16="http://schemas.microsoft.com/office/drawing/2014/main" id="{EDC53F4A-537D-43ED-BF9C-54DB52A0EBE7}"/>
+      <p:sp>
+        <p:nvSpPr>
+          <p:cNvPr id="15" name="Rectangle 14">
+            <a:extLst>
+              <a:ext uri="{FF2B5EF4-FFF2-40B4-BE49-F238E27FC236}">
+                <a16:creationId xmlns:a16="http://schemas.microsoft.com/office/drawing/2014/main" id="{70C16DC1-FC18-471A-987D-87AF15CD5F9B}"/>
               </a:ext>
             </a:extLst>
           </p:cNvPr>
@@ -9964,8 +9129,8 @@
         </p:nvSpPr>
         <p:spPr>
           <a:xfrm>
-            <a:off x="9022005" y="3067703"/>
-            <a:ext cx="726294" cy="282997"/>
+            <a:off x="1765006" y="2722320"/>
+            <a:ext cx="389797" cy="628380"/>
           </a:xfrm>
           <a:prstGeom prst="rect">
             <a:avLst/>
@@ -10002,30 +9167,66 @@
           </a:p>
         </p:txBody>
       </p:sp>
-      <p:sp>
-        <p:nvSpPr>
-          <p:cNvPr id="15" name="Rectangle 14">
-            <a:extLst>
-              <a:ext uri="{FF2B5EF4-FFF2-40B4-BE49-F238E27FC236}">
-                <a16:creationId xmlns:a16="http://schemas.microsoft.com/office/drawing/2014/main" id="{70C16DC1-FC18-471A-987D-87AF15CD5F9B}"/>
-              </a:ext>
-            </a:extLst>
-          </p:cNvPr>
-          <p:cNvSpPr/>
+      <p:pic>
+        <p:nvPicPr>
+          <p:cNvPr id="16" name="Picture 15">
+            <a:extLst>
+              <a:ext uri="{FF2B5EF4-FFF2-40B4-BE49-F238E27FC236}">
+                <a16:creationId xmlns:a16="http://schemas.microsoft.com/office/drawing/2014/main" id="{19B39FB3-2832-4113-821F-0B5ADFCC607D}"/>
+              </a:ext>
+            </a:extLst>
+          </p:cNvPr>
+          <p:cNvPicPr>
+            <a:picLocks noChangeAspect="1"/>
+          </p:cNvPicPr>
           <p:nvPr/>
-        </p:nvSpPr>
+        </p:nvPicPr>
+        <p:blipFill>
+          <a:blip r:embed="rId6"/>
+          <a:stretch>
+            <a:fillRect/>
+          </a:stretch>
+        </p:blipFill>
         <p:spPr>
           <a:xfrm>
-            <a:off x="1765006" y="2722320"/>
-            <a:ext cx="389797" cy="628380"/>
+            <a:off x="3875136" y="2693050"/>
+            <a:ext cx="2572168" cy="628380"/>
           </a:xfrm>
           <a:prstGeom prst="rect">
             <a:avLst/>
           </a:prstGeom>
-          <a:noFill/>
-          <a:ln w="28575">
+        </p:spPr>
+      </p:pic>
+      <p:sp>
+        <p:nvSpPr>
+          <p:cNvPr id="18" name="Arrow: Right 17">
+            <a:extLst>
+              <a:ext uri="{FF2B5EF4-FFF2-40B4-BE49-F238E27FC236}">
+                <a16:creationId xmlns:a16="http://schemas.microsoft.com/office/drawing/2014/main" id="{A3AF85D0-FDA1-4910-8CD4-1F9E27056000}"/>
+              </a:ext>
+            </a:extLst>
+          </p:cNvPr>
+          <p:cNvSpPr/>
+          <p:nvPr/>
+        </p:nvSpPr>
+        <p:spPr>
+          <a:xfrm>
+            <a:off x="7030781" y="2889663"/>
+            <a:ext cx="552893" cy="352089"/>
+          </a:xfrm>
+          <a:prstGeom prst="rightArrow">
+            <a:avLst/>
+          </a:prstGeom>
+          <a:solidFill>
+            <a:schemeClr val="bg2">
+              <a:lumMod val="75000"/>
+            </a:schemeClr>
+          </a:solidFill>
+          <a:ln>
             <a:solidFill>
-              <a:srgbClr val="EA6155"/>
+              <a:schemeClr val="bg2">
+                <a:lumMod val="75000"/>
+              </a:schemeClr>
             </a:solidFill>
           </a:ln>
         </p:spPr>
@@ -10054,42 +9255,48 @@
           </a:p>
         </p:txBody>
       </p:sp>
-      <p:pic>
-        <p:nvPicPr>
-          <p:cNvPr id="16" name="Picture 15">
-            <a:extLst>
-              <a:ext uri="{FF2B5EF4-FFF2-40B4-BE49-F238E27FC236}">
-                <a16:creationId xmlns:a16="http://schemas.microsoft.com/office/drawing/2014/main" id="{19B39FB3-2832-4113-821F-0B5ADFCC607D}"/>
-              </a:ext>
-            </a:extLst>
-          </p:cNvPr>
-          <p:cNvPicPr>
-            <a:picLocks noChangeAspect="1"/>
-          </p:cNvPicPr>
+      <p:sp>
+        <p:nvSpPr>
+          <p:cNvPr id="14" name="TextBox 13">
+            <a:extLst>
+              <a:ext uri="{FF2B5EF4-FFF2-40B4-BE49-F238E27FC236}">
+                <a16:creationId xmlns:a16="http://schemas.microsoft.com/office/drawing/2014/main" id="{6DF76CAB-5499-4486-8441-478E8BE1139C}"/>
+              </a:ext>
+            </a:extLst>
+          </p:cNvPr>
+          <p:cNvSpPr txBox="1"/>
           <p:nvPr/>
-        </p:nvPicPr>
-        <p:blipFill>
-          <a:blip r:embed="rId6"/>
-          <a:stretch>
-            <a:fillRect/>
-          </a:stretch>
-        </p:blipFill>
+        </p:nvSpPr>
         <p:spPr>
           <a:xfrm>
-            <a:off x="3875136" y="2693050"/>
-            <a:ext cx="2572168" cy="628380"/>
+            <a:off x="961026" y="3598589"/>
+            <a:ext cx="4797517" cy="369332"/>
           </a:xfrm>
           <a:prstGeom prst="rect">
             <a:avLst/>
           </a:prstGeom>
-        </p:spPr>
-      </p:pic>
-      <p:sp>
-        <p:nvSpPr>
-          <p:cNvPr id="18" name="Arrow: Right 17">
-            <a:extLst>
-              <a:ext uri="{FF2B5EF4-FFF2-40B4-BE49-F238E27FC236}">
-                <a16:creationId xmlns:a16="http://schemas.microsoft.com/office/drawing/2014/main" id="{A3AF85D0-FDA1-4910-8CD4-1F9E27056000}"/>
+          <a:noFill/>
+        </p:spPr>
+        <p:txBody>
+          <a:bodyPr wrap="square" rtlCol="0">
+            <a:spAutoFit/>
+          </a:bodyPr>
+          <a:lstStyle/>
+          <a:p>
+            <a:r>
+              <a:rPr lang="en-US" dirty="0"/>
+              <a:t>Categorical Data – Encode</a:t>
+            </a:r>
+            <a:endParaRPr lang="en-CA" dirty="0"/>
+          </a:p>
+        </p:txBody>
+      </p:sp>
+      <p:sp>
+        <p:nvSpPr>
+          <p:cNvPr id="19" name="Arrow: Right 18">
+            <a:extLst>
+              <a:ext uri="{FF2B5EF4-FFF2-40B4-BE49-F238E27FC236}">
+                <a16:creationId xmlns:a16="http://schemas.microsoft.com/office/drawing/2014/main" id="{A92180FA-4AFA-4DBC-8F19-4C1C04DDA213}"/>
               </a:ext>
             </a:extLst>
           </p:cNvPr>
@@ -10098,7 +9305,7 @@
         </p:nvSpPr>
         <p:spPr>
           <a:xfrm>
-            <a:off x="7030781" y="2889663"/>
+            <a:off x="2780199" y="4551640"/>
             <a:ext cx="552893" cy="352089"/>
           </a:xfrm>
           <a:prstGeom prst="rightArrow">
@@ -10142,12 +9349,72 @@
           </a:p>
         </p:txBody>
       </p:sp>
-      <p:sp>
-        <p:nvSpPr>
-          <p:cNvPr id="14" name="TextBox 13">
-            <a:extLst>
-              <a:ext uri="{FF2B5EF4-FFF2-40B4-BE49-F238E27FC236}">
-                <a16:creationId xmlns:a16="http://schemas.microsoft.com/office/drawing/2014/main" id="{6DF76CAB-5499-4486-8441-478E8BE1139C}"/>
+      <p:pic>
+        <p:nvPicPr>
+          <p:cNvPr id="21" name="Picture 20">
+            <a:extLst>
+              <a:ext uri="{FF2B5EF4-FFF2-40B4-BE49-F238E27FC236}">
+                <a16:creationId xmlns:a16="http://schemas.microsoft.com/office/drawing/2014/main" id="{6DC3566A-257C-4244-89A5-CA163D6EA75C}"/>
+              </a:ext>
+            </a:extLst>
+          </p:cNvPr>
+          <p:cNvPicPr>
+            <a:picLocks noChangeAspect="1"/>
+          </p:cNvPicPr>
+          <p:nvPr/>
+        </p:nvPicPr>
+        <p:blipFill>
+          <a:blip r:embed="rId7"/>
+          <a:stretch>
+            <a:fillRect/>
+          </a:stretch>
+        </p:blipFill>
+        <p:spPr>
+          <a:xfrm>
+            <a:off x="1057889" y="4132332"/>
+            <a:ext cx="623138" cy="838615"/>
+          </a:xfrm>
+          <a:prstGeom prst="rect">
+            <a:avLst/>
+          </a:prstGeom>
+        </p:spPr>
+      </p:pic>
+      <p:pic>
+        <p:nvPicPr>
+          <p:cNvPr id="23" name="Picture 22">
+            <a:extLst>
+              <a:ext uri="{FF2B5EF4-FFF2-40B4-BE49-F238E27FC236}">
+                <a16:creationId xmlns:a16="http://schemas.microsoft.com/office/drawing/2014/main" id="{F329B7E1-68B0-4894-A420-92A8F05D5A39}"/>
+              </a:ext>
+            </a:extLst>
+          </p:cNvPr>
+          <p:cNvPicPr>
+            <a:picLocks noChangeAspect="1"/>
+          </p:cNvPicPr>
+          <p:nvPr/>
+        </p:nvPicPr>
+        <p:blipFill>
+          <a:blip r:embed="rId8"/>
+          <a:stretch>
+            <a:fillRect/>
+          </a:stretch>
+        </p:blipFill>
+        <p:spPr>
+          <a:xfrm>
+            <a:off x="3860408" y="4184207"/>
+            <a:ext cx="688257" cy="901853"/>
+          </a:xfrm>
+          <a:prstGeom prst="rect">
+            <a:avLst/>
+          </a:prstGeom>
+        </p:spPr>
+      </p:pic>
+      <p:sp>
+        <p:nvSpPr>
+          <p:cNvPr id="25" name="TextBox 24">
+            <a:extLst>
+              <a:ext uri="{FF2B5EF4-FFF2-40B4-BE49-F238E27FC236}">
+                <a16:creationId xmlns:a16="http://schemas.microsoft.com/office/drawing/2014/main" id="{69F909F2-9044-40F7-B61E-91C619DE6BC3}"/>
               </a:ext>
             </a:extLst>
           </p:cNvPr>
@@ -10156,8 +9423,8 @@
         </p:nvSpPr>
         <p:spPr>
           <a:xfrm>
-            <a:off x="961026" y="3598589"/>
-            <a:ext cx="4797517" cy="369332"/>
+            <a:off x="946298" y="5211351"/>
+            <a:ext cx="3418873" cy="369332"/>
           </a:xfrm>
           <a:prstGeom prst="rect">
             <a:avLst/>
@@ -10172,7 +9439,7 @@
           <a:p>
             <a:r>
               <a:rPr lang="en-US" dirty="0"/>
-              <a:t>Categorical Data – Encode</a:t>
+              <a:t>Text Data - Vectorize</a:t>
             </a:r>
             <a:endParaRPr lang="en-CA" dirty="0"/>
           </a:p>
@@ -10180,10 +9447,10 @@
       </p:sp>
       <p:sp>
         <p:nvSpPr>
-          <p:cNvPr id="19" name="Arrow: Right 18">
-            <a:extLst>
-              <a:ext uri="{FF2B5EF4-FFF2-40B4-BE49-F238E27FC236}">
-                <a16:creationId xmlns:a16="http://schemas.microsoft.com/office/drawing/2014/main" id="{A92180FA-4AFA-4DBC-8F19-4C1C04DDA213}"/>
+          <p:cNvPr id="26" name="Arrow: Right 25">
+            <a:extLst>
+              <a:ext uri="{FF2B5EF4-FFF2-40B4-BE49-F238E27FC236}">
+                <a16:creationId xmlns:a16="http://schemas.microsoft.com/office/drawing/2014/main" id="{8FB7D03B-EBFD-4FF8-8629-EF32C3A3E5C5}"/>
               </a:ext>
             </a:extLst>
           </p:cNvPr>
@@ -10192,7 +9459,7 @@
         </p:nvSpPr>
         <p:spPr>
           <a:xfrm>
-            <a:off x="2780199" y="4551640"/>
+            <a:off x="4674119" y="5867907"/>
             <a:ext cx="552893" cy="352089"/>
           </a:xfrm>
           <a:prstGeom prst="rightArrow">
@@ -10238,160 +9505,6 @@
       </p:sp>
       <p:pic>
         <p:nvPicPr>
-          <p:cNvPr id="21" name="Picture 20">
-            <a:extLst>
-              <a:ext uri="{FF2B5EF4-FFF2-40B4-BE49-F238E27FC236}">
-                <a16:creationId xmlns:a16="http://schemas.microsoft.com/office/drawing/2014/main" id="{6DC3566A-257C-4244-89A5-CA163D6EA75C}"/>
-              </a:ext>
-            </a:extLst>
-          </p:cNvPr>
-          <p:cNvPicPr>
-            <a:picLocks noChangeAspect="1"/>
-          </p:cNvPicPr>
-          <p:nvPr/>
-        </p:nvPicPr>
-        <p:blipFill>
-          <a:blip r:embed="rId7"/>
-          <a:stretch>
-            <a:fillRect/>
-          </a:stretch>
-        </p:blipFill>
-        <p:spPr>
-          <a:xfrm>
-            <a:off x="1057889" y="4132332"/>
-            <a:ext cx="623138" cy="838615"/>
-          </a:xfrm>
-          <a:prstGeom prst="rect">
-            <a:avLst/>
-          </a:prstGeom>
-        </p:spPr>
-      </p:pic>
-      <p:pic>
-        <p:nvPicPr>
-          <p:cNvPr id="23" name="Picture 22">
-            <a:extLst>
-              <a:ext uri="{FF2B5EF4-FFF2-40B4-BE49-F238E27FC236}">
-                <a16:creationId xmlns:a16="http://schemas.microsoft.com/office/drawing/2014/main" id="{F329B7E1-68B0-4894-A420-92A8F05D5A39}"/>
-              </a:ext>
-            </a:extLst>
-          </p:cNvPr>
-          <p:cNvPicPr>
-            <a:picLocks noChangeAspect="1"/>
-          </p:cNvPicPr>
-          <p:nvPr/>
-        </p:nvPicPr>
-        <p:blipFill>
-          <a:blip r:embed="rId8"/>
-          <a:stretch>
-            <a:fillRect/>
-          </a:stretch>
-        </p:blipFill>
-        <p:spPr>
-          <a:xfrm>
-            <a:off x="3860408" y="4184207"/>
-            <a:ext cx="688257" cy="901853"/>
-          </a:xfrm>
-          <a:prstGeom prst="rect">
-            <a:avLst/>
-          </a:prstGeom>
-        </p:spPr>
-      </p:pic>
-      <p:sp>
-        <p:nvSpPr>
-          <p:cNvPr id="25" name="TextBox 24">
-            <a:extLst>
-              <a:ext uri="{FF2B5EF4-FFF2-40B4-BE49-F238E27FC236}">
-                <a16:creationId xmlns:a16="http://schemas.microsoft.com/office/drawing/2014/main" id="{69F909F2-9044-40F7-B61E-91C619DE6BC3}"/>
-              </a:ext>
-            </a:extLst>
-          </p:cNvPr>
-          <p:cNvSpPr txBox="1"/>
-          <p:nvPr/>
-        </p:nvSpPr>
-        <p:spPr>
-          <a:xfrm>
-            <a:off x="946298" y="5211351"/>
-            <a:ext cx="3418873" cy="369332"/>
-          </a:xfrm>
-          <a:prstGeom prst="rect">
-            <a:avLst/>
-          </a:prstGeom>
-          <a:noFill/>
-        </p:spPr>
-        <p:txBody>
-          <a:bodyPr wrap="square" rtlCol="0">
-            <a:spAutoFit/>
-          </a:bodyPr>
-          <a:lstStyle/>
-          <a:p>
-            <a:r>
-              <a:rPr lang="en-US" dirty="0"/>
-              <a:t>Text Data - Vectorize</a:t>
-            </a:r>
-            <a:endParaRPr lang="en-CA" dirty="0"/>
-          </a:p>
-        </p:txBody>
-      </p:sp>
-      <p:sp>
-        <p:nvSpPr>
-          <p:cNvPr id="26" name="Arrow: Right 25">
-            <a:extLst>
-              <a:ext uri="{FF2B5EF4-FFF2-40B4-BE49-F238E27FC236}">
-                <a16:creationId xmlns:a16="http://schemas.microsoft.com/office/drawing/2014/main" id="{8FB7D03B-EBFD-4FF8-8629-EF32C3A3E5C5}"/>
-              </a:ext>
-            </a:extLst>
-          </p:cNvPr>
-          <p:cNvSpPr/>
-          <p:nvPr/>
-        </p:nvSpPr>
-        <p:spPr>
-          <a:xfrm>
-            <a:off x="4674119" y="5867907"/>
-            <a:ext cx="552893" cy="352089"/>
-          </a:xfrm>
-          <a:prstGeom prst="rightArrow">
-            <a:avLst/>
-          </a:prstGeom>
-          <a:solidFill>
-            <a:schemeClr val="bg2">
-              <a:lumMod val="75000"/>
-            </a:schemeClr>
-          </a:solidFill>
-          <a:ln>
-            <a:solidFill>
-              <a:schemeClr val="bg2">
-                <a:lumMod val="75000"/>
-              </a:schemeClr>
-            </a:solidFill>
-          </a:ln>
-        </p:spPr>
-        <p:style>
-          <a:lnRef idx="2">
-            <a:schemeClr val="accent1">
-              <a:shade val="50000"/>
-            </a:schemeClr>
-          </a:lnRef>
-          <a:fillRef idx="1">
-            <a:schemeClr val="accent1"/>
-          </a:fillRef>
-          <a:effectRef idx="0">
-            <a:schemeClr val="accent1"/>
-          </a:effectRef>
-          <a:fontRef idx="minor">
-            <a:schemeClr val="lt1"/>
-          </a:fontRef>
-        </p:style>
-        <p:txBody>
-          <a:bodyPr rtlCol="0" anchor="ctr"/>
-          <a:lstStyle/>
-          <a:p>
-            <a:pPr algn="ctr"/>
-            <a:endParaRPr lang="en-CA"/>
-          </a:p>
-        </p:txBody>
-      </p:sp>
-      <p:pic>
-        <p:nvPicPr>
           <p:cNvPr id="29" name="Picture 28">
             <a:extLst>
               <a:ext uri="{FF2B5EF4-FFF2-40B4-BE49-F238E27FC236}">
@@ -10463,7 +9576,7 @@
 </p:sld>
 </file>
 
-<file path=ppt/slides/slide8.xml><?xml version="1.0" encoding="utf-8"?>
+<file path=ppt/slides/slide7.xml><?xml version="1.0" encoding="utf-8"?>
 <p:sld xmlns:a="http://schemas.openxmlformats.org/drawingml/2006/main" xmlns:r="http://schemas.openxmlformats.org/officeDocument/2006/relationships" xmlns:p="http://schemas.openxmlformats.org/presentationml/2006/main">
   <p:cSld>
     <p:spTree>
@@ -10620,7 +9733,7 @@
 </p:sld>
 </file>
 
-<file path=ppt/slides/slide9.xml><?xml version="1.0" encoding="utf-8"?>
+<file path=ppt/slides/slide8.xml><?xml version="1.0" encoding="utf-8"?>
 <p:sld xmlns:a="http://schemas.openxmlformats.org/drawingml/2006/main" xmlns:r="http://schemas.openxmlformats.org/officeDocument/2006/relationships" xmlns:p="http://schemas.openxmlformats.org/presentationml/2006/main">
   <p:cSld>
     <p:spTree>
@@ -10768,6 +9881,163 @@
     <p:extLst>
       <p:ext uri="{BB962C8B-B14F-4D97-AF65-F5344CB8AC3E}">
         <p14:creationId xmlns:p14="http://schemas.microsoft.com/office/powerpoint/2010/main" val="2243286875"/>
+      </p:ext>
+    </p:extLst>
+  </p:cSld>
+  <p:clrMapOvr>
+    <a:masterClrMapping/>
+  </p:clrMapOvr>
+</p:sld>
+</file>
+
+<file path=ppt/slides/slide9.xml><?xml version="1.0" encoding="utf-8"?>
+<p:sld xmlns:a="http://schemas.openxmlformats.org/drawingml/2006/main" xmlns:r="http://schemas.openxmlformats.org/officeDocument/2006/relationships" xmlns:p="http://schemas.openxmlformats.org/presentationml/2006/main">
+  <p:cSld>
+    <p:spTree>
+      <p:nvGrpSpPr>
+        <p:cNvPr id="1" name=""/>
+        <p:cNvGrpSpPr/>
+        <p:nvPr/>
+      </p:nvGrpSpPr>
+      <p:grpSpPr>
+        <a:xfrm>
+          <a:off x="0" y="0"/>
+          <a:ext cx="0" cy="0"/>
+          <a:chOff x="0" y="0"/>
+          <a:chExt cx="0" cy="0"/>
+        </a:xfrm>
+      </p:grpSpPr>
+      <p:sp>
+        <p:nvSpPr>
+          <p:cNvPr id="2" name="Title 1">
+            <a:extLst>
+              <a:ext uri="{FF2B5EF4-FFF2-40B4-BE49-F238E27FC236}">
+                <a16:creationId xmlns:a16="http://schemas.microsoft.com/office/drawing/2014/main" id="{59B8B577-5676-3C4B-A107-E41DB331FD85}"/>
+              </a:ext>
+            </a:extLst>
+          </p:cNvPr>
+          <p:cNvSpPr>
+            <a:spLocks noGrp="1"/>
+          </p:cNvSpPr>
+          <p:nvPr>
+            <p:ph type="title"/>
+          </p:nvPr>
+        </p:nvSpPr>
+        <p:spPr>
+          <a:xfrm>
+            <a:off x="4123382" y="513769"/>
+            <a:ext cx="10515600" cy="1325563"/>
+          </a:xfrm>
+        </p:spPr>
+        <p:txBody>
+          <a:bodyPr/>
+          <a:lstStyle/>
+          <a:p>
+            <a:r>
+              <a:rPr lang="en-US" dirty="0">
+                <a:solidFill>
+                  <a:srgbClr val="EA5E46"/>
+                </a:solidFill>
+              </a:rPr>
+              <a:t>Model Findings – Price Correlation</a:t>
+            </a:r>
+          </a:p>
+        </p:txBody>
+      </p:sp>
+      <p:pic>
+        <p:nvPicPr>
+          <p:cNvPr id="2050" name="Picture 2" descr="Image result for air bnb logo">
+            <a:extLst>
+              <a:ext uri="{FF2B5EF4-FFF2-40B4-BE49-F238E27FC236}">
+                <a16:creationId xmlns:a16="http://schemas.microsoft.com/office/drawing/2014/main" id="{A162C291-208B-BE48-BF44-7D5CD7EF6151}"/>
+              </a:ext>
+            </a:extLst>
+          </p:cNvPr>
+          <p:cNvPicPr>
+            <a:picLocks noChangeAspect="1" noChangeArrowheads="1"/>
+          </p:cNvPicPr>
+          <p:nvPr/>
+        </p:nvPicPr>
+        <p:blipFill>
+          <a:blip r:embed="rId3">
+            <a:extLst>
+              <a:ext uri="{28A0092B-C50C-407E-A947-70E740481C1C}">
+                <a14:useLocalDpi xmlns:a14="http://schemas.microsoft.com/office/drawing/2010/main" val="0"/>
+              </a:ext>
+            </a:extLst>
+          </a:blip>
+          <a:srcRect/>
+          <a:stretch>
+            <a:fillRect/>
+          </a:stretch>
+        </p:blipFill>
+        <p:spPr bwMode="auto">
+          <a:xfrm>
+            <a:off x="2080820" y="0"/>
+            <a:ext cx="2189605" cy="2022038"/>
+          </a:xfrm>
+          <a:prstGeom prst="rect">
+            <a:avLst/>
+          </a:prstGeom>
+          <a:noFill/>
+          <a:extLst>
+            <a:ext uri="{909E8E84-426E-40DD-AFC4-6F175D3DCCD1}">
+              <a14:hiddenFill xmlns:a14="http://schemas.microsoft.com/office/drawing/2010/main">
+                <a:solidFill>
+                  <a:srgbClr val="FFFFFF"/>
+                </a:solidFill>
+              </a14:hiddenFill>
+            </a:ext>
+          </a:extLst>
+        </p:spPr>
+      </p:pic>
+      <p:cxnSp>
+        <p:nvCxnSpPr>
+          <p:cNvPr id="6" name="Straight Connector 5">
+            <a:extLst>
+              <a:ext uri="{FF2B5EF4-FFF2-40B4-BE49-F238E27FC236}">
+                <a16:creationId xmlns:a16="http://schemas.microsoft.com/office/drawing/2014/main" id="{7D0926DC-6298-B648-9DF9-0D78D09F9FC8}"/>
+              </a:ext>
+            </a:extLst>
+          </p:cNvPr>
+          <p:cNvCxnSpPr>
+            <a:cxnSpLocks/>
+          </p:cNvCxnSpPr>
+          <p:nvPr/>
+        </p:nvCxnSpPr>
+        <p:spPr>
+          <a:xfrm>
+            <a:off x="2526110" y="1576551"/>
+            <a:ext cx="9518745" cy="1"/>
+          </a:xfrm>
+          <a:prstGeom prst="line">
+            <a:avLst/>
+          </a:prstGeom>
+          <a:ln w="12700">
+            <a:solidFill>
+              <a:srgbClr val="EA5E46"/>
+            </a:solidFill>
+          </a:ln>
+        </p:spPr>
+        <p:style>
+          <a:lnRef idx="1">
+            <a:schemeClr val="accent2"/>
+          </a:lnRef>
+          <a:fillRef idx="0">
+            <a:schemeClr val="accent2"/>
+          </a:fillRef>
+          <a:effectRef idx="0">
+            <a:schemeClr val="accent2"/>
+          </a:effectRef>
+          <a:fontRef idx="minor">
+            <a:schemeClr val="tx1"/>
+          </a:fontRef>
+        </p:style>
+      </p:cxnSp>
+    </p:spTree>
+    <p:extLst>
+      <p:ext uri="{BB962C8B-B14F-4D97-AF65-F5344CB8AC3E}">
+        <p14:creationId xmlns:p14="http://schemas.microsoft.com/office/powerpoint/2010/main" val="191879790"/>
       </p:ext>
     </p:extLst>
   </p:cSld>

--- a/Airbnb Price Predictions (Model).pptx
+++ b/Airbnb Price Predictions (Model).pptx
@@ -5,7 +5,7 @@
     <p:sldMasterId id="2147483648" r:id="rId1"/>
   </p:sldMasterIdLst>
   <p:notesMasterIdLst>
-    <p:notesMasterId r:id="rId16"/>
+    <p:notesMasterId r:id="rId18"/>
   </p:notesMasterIdLst>
   <p:sldIdLst>
     <p:sldId id="280" r:id="rId2"/>
@@ -13,15 +13,17 @@
     <p:sldId id="296" r:id="rId4"/>
     <p:sldId id="300" r:id="rId5"/>
     <p:sldId id="298" r:id="rId6"/>
-    <p:sldId id="295" r:id="rId7"/>
-    <p:sldId id="286" r:id="rId8"/>
-    <p:sldId id="287" r:id="rId9"/>
-    <p:sldId id="289" r:id="rId10"/>
-    <p:sldId id="290" r:id="rId11"/>
-    <p:sldId id="291" r:id="rId12"/>
-    <p:sldId id="292" r:id="rId13"/>
-    <p:sldId id="288" r:id="rId14"/>
-    <p:sldId id="274" r:id="rId15"/>
+    <p:sldId id="303" r:id="rId7"/>
+    <p:sldId id="301" r:id="rId8"/>
+    <p:sldId id="302" r:id="rId9"/>
+    <p:sldId id="286" r:id="rId10"/>
+    <p:sldId id="287" r:id="rId11"/>
+    <p:sldId id="289" r:id="rId12"/>
+    <p:sldId id="290" r:id="rId13"/>
+    <p:sldId id="291" r:id="rId14"/>
+    <p:sldId id="292" r:id="rId15"/>
+    <p:sldId id="288" r:id="rId16"/>
+    <p:sldId id="274" r:id="rId17"/>
   </p:sldIdLst>
   <p:sldSz cx="12192000" cy="6858000"/>
   <p:notesSz cx="6858000" cy="9144000"/>
@@ -707,7 +709,7 @@
     </p:spTree>
     <p:extLst>
       <p:ext uri="{BB962C8B-B14F-4D97-AF65-F5344CB8AC3E}">
-        <p14:creationId xmlns:p14="http://schemas.microsoft.com/office/powerpoint/2010/main" val="266214348"/>
+        <p14:creationId xmlns:p14="http://schemas.microsoft.com/office/powerpoint/2010/main" val="2744486609"/>
       </p:ext>
     </p:extLst>
   </p:cSld>
@@ -825,7 +827,7 @@
     </p:spTree>
     <p:extLst>
       <p:ext uri="{BB962C8B-B14F-4D97-AF65-F5344CB8AC3E}">
-        <p14:creationId xmlns:p14="http://schemas.microsoft.com/office/powerpoint/2010/main" val="847075339"/>
+        <p14:creationId xmlns:p14="http://schemas.microsoft.com/office/powerpoint/2010/main" val="3177731070"/>
       </p:ext>
     </p:extLst>
   </p:cSld>
@@ -943,7 +945,7 @@
     </p:spTree>
     <p:extLst>
       <p:ext uri="{BB962C8B-B14F-4D97-AF65-F5344CB8AC3E}">
-        <p14:creationId xmlns:p14="http://schemas.microsoft.com/office/powerpoint/2010/main" val="533258538"/>
+        <p14:creationId xmlns:p14="http://schemas.microsoft.com/office/powerpoint/2010/main" val="266214348"/>
       </p:ext>
     </p:extLst>
   </p:cSld>
@@ -1061,7 +1063,7 @@
     </p:spTree>
     <p:extLst>
       <p:ext uri="{BB962C8B-B14F-4D97-AF65-F5344CB8AC3E}">
-        <p14:creationId xmlns:p14="http://schemas.microsoft.com/office/powerpoint/2010/main" val="498058897"/>
+        <p14:creationId xmlns:p14="http://schemas.microsoft.com/office/powerpoint/2010/main" val="847075339"/>
       </p:ext>
     </p:extLst>
   </p:cSld>
@@ -1115,6 +1117,40 @@
           <a:bodyPr/>
           <a:lstStyle/>
           <a:p>
+            <a:r>
+              <a:rPr lang="en-US" dirty="0"/>
+              <a:t>-To help users explore all listings available in NYC, we created a marker cluster map using Leaflet. </a:t>
+            </a:r>
+          </a:p>
+          <a:p>
+            <a:r>
+              <a:rPr lang="en-US" dirty="0"/>
+              <a:t>-The clusters display the number of listings with the different boroughs and </a:t>
+            </a:r>
+            <a:r>
+              <a:rPr lang="en-US" dirty="0" err="1"/>
+              <a:t>neighbourhoods</a:t>
+            </a:r>
+            <a:r>
+              <a:rPr lang="en-US" dirty="0"/>
+              <a:t> in NYC. </a:t>
+            </a:r>
+          </a:p>
+          <a:p>
+            <a:r>
+              <a:rPr lang="en-US" dirty="0"/>
+              <a:t>-In this example, we selected the the well-known New York borough of Manhattan, and then further zoomed in to the Upper West Side </a:t>
+            </a:r>
+            <a:r>
+              <a:rPr lang="en-US" dirty="0" err="1"/>
+              <a:t>neighbourhood</a:t>
+            </a:r>
+            <a:r>
+              <a:rPr lang="en-US" dirty="0"/>
+              <a:t>. </a:t>
+            </a:r>
+          </a:p>
+          <a:p>
             <a:endParaRPr lang="en-US" dirty="0"/>
           </a:p>
         </p:txBody>
@@ -1137,6 +1173,208 @@
             <a:fld id="{DF2352D6-35AF-0544-A99E-554CC41E76C4}" type="slidenum">
               <a:rPr lang="en-US" smtClean="0"/>
               <a:t>14</a:t>
+            </a:fld>
+            <a:endParaRPr lang="en-US"/>
+          </a:p>
+        </p:txBody>
+      </p:sp>
+    </p:spTree>
+    <p:extLst>
+      <p:ext uri="{BB962C8B-B14F-4D97-AF65-F5344CB8AC3E}">
+        <p14:creationId xmlns:p14="http://schemas.microsoft.com/office/powerpoint/2010/main" val="533258538"/>
+      </p:ext>
+    </p:extLst>
+  </p:cSld>
+  <p:clrMapOvr>
+    <a:masterClrMapping/>
+  </p:clrMapOvr>
+</p:notes>
+</file>
+
+<file path=ppt/notesSlides/notesSlide15.xml><?xml version="1.0" encoding="utf-8"?>
+<p:notes xmlns:a="http://schemas.openxmlformats.org/drawingml/2006/main" xmlns:r="http://schemas.openxmlformats.org/officeDocument/2006/relationships" xmlns:p="http://schemas.openxmlformats.org/presentationml/2006/main">
+  <p:cSld>
+    <p:spTree>
+      <p:nvGrpSpPr>
+        <p:cNvPr id="1" name=""/>
+        <p:cNvGrpSpPr/>
+        <p:nvPr/>
+      </p:nvGrpSpPr>
+      <p:grpSpPr>
+        <a:xfrm>
+          <a:off x="0" y="0"/>
+          <a:ext cx="0" cy="0"/>
+          <a:chOff x="0" y="0"/>
+          <a:chExt cx="0" cy="0"/>
+        </a:xfrm>
+      </p:grpSpPr>
+      <p:sp>
+        <p:nvSpPr>
+          <p:cNvPr id="2" name="Slide Image Placeholder 1"/>
+          <p:cNvSpPr>
+            <a:spLocks noGrp="1" noRot="1" noChangeAspect="1"/>
+          </p:cNvSpPr>
+          <p:nvPr>
+            <p:ph type="sldImg"/>
+          </p:nvPr>
+        </p:nvSpPr>
+        <p:spPr/>
+      </p:sp>
+      <p:sp>
+        <p:nvSpPr>
+          <p:cNvPr id="3" name="Notes Placeholder 2"/>
+          <p:cNvSpPr>
+            <a:spLocks noGrp="1"/>
+          </p:cNvSpPr>
+          <p:nvPr>
+            <p:ph type="body" idx="1"/>
+          </p:nvPr>
+        </p:nvSpPr>
+        <p:spPr/>
+        <p:txBody>
+          <a:bodyPr/>
+          <a:lstStyle/>
+          <a:p>
+            <a:r>
+              <a:rPr lang="en-US" dirty="0"/>
+              <a:t>-To help users explore all listings available in NYC, we created a marker cluster map using Leaflet. </a:t>
+            </a:r>
+          </a:p>
+          <a:p>
+            <a:r>
+              <a:rPr lang="en-US" dirty="0"/>
+              <a:t>-The clusters display the number of listings with the different boroughs and </a:t>
+            </a:r>
+            <a:r>
+              <a:rPr lang="en-US" dirty="0" err="1"/>
+              <a:t>neighbourhoods</a:t>
+            </a:r>
+            <a:r>
+              <a:rPr lang="en-US" dirty="0"/>
+              <a:t> in NYC. </a:t>
+            </a:r>
+          </a:p>
+          <a:p>
+            <a:r>
+              <a:rPr lang="en-US" dirty="0"/>
+              <a:t>-In this example, we selected the the well-known New York borough of Manhattan, and then further zoomed in to the Upper West Side </a:t>
+            </a:r>
+            <a:r>
+              <a:rPr lang="en-US" dirty="0" err="1"/>
+              <a:t>neighbourhood</a:t>
+            </a:r>
+            <a:r>
+              <a:rPr lang="en-US" dirty="0"/>
+              <a:t>. </a:t>
+            </a:r>
+          </a:p>
+          <a:p>
+            <a:endParaRPr lang="en-US" dirty="0"/>
+          </a:p>
+        </p:txBody>
+      </p:sp>
+      <p:sp>
+        <p:nvSpPr>
+          <p:cNvPr id="4" name="Slide Number Placeholder 3"/>
+          <p:cNvSpPr>
+            <a:spLocks noGrp="1"/>
+          </p:cNvSpPr>
+          <p:nvPr>
+            <p:ph type="sldNum" sz="quarter" idx="5"/>
+          </p:nvPr>
+        </p:nvSpPr>
+        <p:spPr/>
+        <p:txBody>
+          <a:bodyPr/>
+          <a:lstStyle/>
+          <a:p>
+            <a:fld id="{DF2352D6-35AF-0544-A99E-554CC41E76C4}" type="slidenum">
+              <a:rPr lang="en-US" smtClean="0"/>
+              <a:t>15</a:t>
+            </a:fld>
+            <a:endParaRPr lang="en-US"/>
+          </a:p>
+        </p:txBody>
+      </p:sp>
+    </p:spTree>
+    <p:extLst>
+      <p:ext uri="{BB962C8B-B14F-4D97-AF65-F5344CB8AC3E}">
+        <p14:creationId xmlns:p14="http://schemas.microsoft.com/office/powerpoint/2010/main" val="498058897"/>
+      </p:ext>
+    </p:extLst>
+  </p:cSld>
+  <p:clrMapOvr>
+    <a:masterClrMapping/>
+  </p:clrMapOvr>
+</p:notes>
+</file>
+
+<file path=ppt/notesSlides/notesSlide16.xml><?xml version="1.0" encoding="utf-8"?>
+<p:notes xmlns:a="http://schemas.openxmlformats.org/drawingml/2006/main" xmlns:r="http://schemas.openxmlformats.org/officeDocument/2006/relationships" xmlns:p="http://schemas.openxmlformats.org/presentationml/2006/main">
+  <p:cSld>
+    <p:spTree>
+      <p:nvGrpSpPr>
+        <p:cNvPr id="1" name=""/>
+        <p:cNvGrpSpPr/>
+        <p:nvPr/>
+      </p:nvGrpSpPr>
+      <p:grpSpPr>
+        <a:xfrm>
+          <a:off x="0" y="0"/>
+          <a:ext cx="0" cy="0"/>
+          <a:chOff x="0" y="0"/>
+          <a:chExt cx="0" cy="0"/>
+        </a:xfrm>
+      </p:grpSpPr>
+      <p:sp>
+        <p:nvSpPr>
+          <p:cNvPr id="2" name="Slide Image Placeholder 1"/>
+          <p:cNvSpPr>
+            <a:spLocks noGrp="1" noRot="1" noChangeAspect="1"/>
+          </p:cNvSpPr>
+          <p:nvPr>
+            <p:ph type="sldImg"/>
+          </p:nvPr>
+        </p:nvSpPr>
+        <p:spPr/>
+      </p:sp>
+      <p:sp>
+        <p:nvSpPr>
+          <p:cNvPr id="3" name="Notes Placeholder 2"/>
+          <p:cNvSpPr>
+            <a:spLocks noGrp="1"/>
+          </p:cNvSpPr>
+          <p:nvPr>
+            <p:ph type="body" idx="1"/>
+          </p:nvPr>
+        </p:nvSpPr>
+        <p:spPr/>
+        <p:txBody>
+          <a:bodyPr/>
+          <a:lstStyle/>
+          <a:p>
+            <a:endParaRPr lang="en-US" dirty="0"/>
+          </a:p>
+        </p:txBody>
+      </p:sp>
+      <p:sp>
+        <p:nvSpPr>
+          <p:cNvPr id="4" name="Slide Number Placeholder 3"/>
+          <p:cNvSpPr>
+            <a:spLocks noGrp="1"/>
+          </p:cNvSpPr>
+          <p:nvPr>
+            <p:ph type="sldNum" sz="quarter" idx="5"/>
+          </p:nvPr>
+        </p:nvSpPr>
+        <p:spPr/>
+        <p:txBody>
+          <a:bodyPr/>
+          <a:lstStyle/>
+          <a:p>
+            <a:fld id="{DF2352D6-35AF-0544-A99E-554CC41E76C4}" type="slidenum">
+              <a:rPr lang="en-US" smtClean="0"/>
+              <a:t>16</a:t>
             </a:fld>
             <a:endParaRPr lang="en-US"/>
           </a:p>
@@ -1201,7 +1439,13 @@
           <a:p>
             <a:r>
               <a:rPr lang="en-US" dirty="0"/>
-              <a:t>To clean the database, we added the amenities count column to the existing dataset to see if there is a positive correlation between the listing price.</a:t>
+              <a:t>Before we actually run the model, we have to clean the database by adding certain information that may add value to our findings.</a:t>
+            </a:r>
+          </a:p>
+          <a:p>
+            <a:r>
+              <a:rPr lang="en-US" dirty="0"/>
+              <a:t>So we added the amenities count column because we believe that it has a positive correlation to the listing price.</a:t>
             </a:r>
           </a:p>
           <a:p>
@@ -1291,27 +1535,7 @@
           <a:p>
             <a:r>
               <a:rPr lang="en-US" dirty="0"/>
-              <a:t>To predict prices, we decided to use the Random Forest &amp; LGBM Regressor methods to determine which features are the most important to price an </a:t>
-            </a:r>
-            <a:r>
-              <a:rPr lang="en-US" dirty="0" err="1"/>
-              <a:t>AirBNB</a:t>
-            </a:r>
-            <a:r>
-              <a:rPr lang="en-US" dirty="0"/>
-              <a:t>.</a:t>
-            </a:r>
-          </a:p>
-          <a:p>
-            <a:r>
-              <a:rPr lang="en-US" dirty="0"/>
-              <a:t>We then use the KNN Regressor to see how the price is affected with having listings close to your area.</a:t>
-            </a:r>
-          </a:p>
-          <a:p>
-            <a:r>
-              <a:rPr lang="en-US" dirty="0"/>
-              <a:t>Finally, we used the Facebook Prophet to how prices are affected by time &amp; seasonality to predict Airbnb future prices.</a:t>
+              <a:t>This table provides an overview of what we need to do to try to find the best fit for the model.  The next few slides will provide a breakdown of what we did to transform the data.</a:t>
             </a:r>
           </a:p>
           <a:p>
@@ -1401,27 +1625,13 @@
           <a:p>
             <a:r>
               <a:rPr lang="en-US" dirty="0"/>
-              <a:t>To predict prices, we decided to use the Random Forest &amp; LGBM Regressor methods to determine which features are the most important to price an </a:t>
-            </a:r>
-            <a:r>
-              <a:rPr lang="en-US" dirty="0" err="1"/>
-              <a:t>AirBNB</a:t>
-            </a:r>
+              <a:t>First, we needed to replace the blank fields with the averages for that specific column</a:t>
+            </a:r>
+          </a:p>
+          <a:p>
             <a:r>
               <a:rPr lang="en-US" dirty="0"/>
-              <a:t>.</a:t>
-            </a:r>
-          </a:p>
-          <a:p>
-            <a:r>
-              <a:rPr lang="en-US" dirty="0"/>
-              <a:t>We then use the KNN Regressor to see how the price is affected with having listings close to your area.</a:t>
-            </a:r>
-          </a:p>
-          <a:p>
-            <a:r>
-              <a:rPr lang="en-US" dirty="0"/>
-              <a:t>Finally, we used the Facebook Prophet to how prices are affected by time &amp; seasonality to predict Airbnb future prices.</a:t>
+              <a:t>Second, we need to put the data by categories </a:t>
             </a:r>
           </a:p>
           <a:p>
@@ -1511,31 +1721,22 @@
           <a:p>
             <a:r>
               <a:rPr lang="en-US" dirty="0"/>
-              <a:t>To predict prices, we decided to use the Random Forest &amp; LGBM Regressor methods to determine which features are the most important to price an </a:t>
+              <a:t>We filtered out major outliers to get the best selection of listings that best represents NYC Airbnb market.</a:t>
+            </a:r>
+          </a:p>
+          <a:p>
+            <a:r>
+              <a:rPr lang="en-US" dirty="0"/>
+              <a:t>We filtered out the outliers by only keeping the </a:t>
             </a:r>
             <a:r>
               <a:rPr lang="en-US" dirty="0" err="1"/>
-              <a:t>AirBNB</a:t>
+              <a:t>neighbourhoods</a:t>
             </a:r>
             <a:r>
               <a:rPr lang="en-US" dirty="0"/>
-              <a:t>.</a:t>
-            </a:r>
-          </a:p>
-          <a:p>
-            <a:r>
-              <a:rPr lang="en-US" dirty="0"/>
-              <a:t>We then use the KNN Regressor to see how the price is affected with having listings close to your area.</a:t>
-            </a:r>
-          </a:p>
-          <a:p>
-            <a:r>
-              <a:rPr lang="en-US" dirty="0"/>
-              <a:t>Finally, we used the Facebook Prophet to how prices are affected by time &amp; seasonality to predict Airbnb future prices.</a:t>
-            </a:r>
-          </a:p>
-          <a:p>
-            <a:endParaRPr lang="en-US" dirty="0"/>
+              <a:t> that  with over 100 listings &amp; the listing prices under $600 so it is more normally distributed.</a:t>
+            </a:r>
           </a:p>
         </p:txBody>
       </p:sp>
@@ -1619,21 +1820,15 @@
           <a:bodyPr/>
           <a:lstStyle/>
           <a:p>
-            <a:pPr marL="228600" indent="-228600">
-              <a:buAutoNum type="arabicParenR"/>
-            </a:pPr>
             <a:r>
               <a:rPr lang="en-US" dirty="0"/>
-              <a:t>With existing numeric data, input N/A fields with the average value for that specific column.</a:t>
-            </a:r>
-          </a:p>
-          <a:p>
-            <a:pPr marL="228600" indent="-228600">
-              <a:buAutoNum type="arabicParenR"/>
-            </a:pPr>
+              <a:t>We filtered out major outliers to get the best selection of listings that best represents NYC Airbnb market.</a:t>
+            </a:r>
+          </a:p>
+          <a:p>
             <a:r>
               <a:rPr lang="en-US" dirty="0"/>
-              <a:t>Then, for certain data like room type, boroughs, &amp; </a:t>
+              <a:t>We filtered out the outliers by only keeping the </a:t>
             </a:r>
             <a:r>
               <a:rPr lang="en-US" dirty="0" err="1"/>
@@ -1641,13 +1836,7 @@
             </a:r>
             <a:r>
               <a:rPr lang="en-US" dirty="0"/>
-              <a:t>, we need to categorize them into numbers.</a:t>
-            </a:r>
-          </a:p>
-          <a:p>
-            <a:r>
-              <a:rPr lang="en-US" dirty="0"/>
-              <a:t>3)   Finally, with text data, we need to vectorize them</a:t>
+              <a:t> that  with over 100 listings &amp; the listing prices under $600 so it is more normally distributed.</a:t>
             </a:r>
           </a:p>
         </p:txBody>
@@ -1678,7 +1867,7 @@
     </p:spTree>
     <p:extLst>
       <p:ext uri="{BB962C8B-B14F-4D97-AF65-F5344CB8AC3E}">
-        <p14:creationId xmlns:p14="http://schemas.microsoft.com/office/powerpoint/2010/main" val="627921549"/>
+        <p14:creationId xmlns:p14="http://schemas.microsoft.com/office/powerpoint/2010/main" val="326417004"/>
       </p:ext>
     </p:extLst>
   </p:cSld>
@@ -1734,39 +1923,8 @@
           <a:p>
             <a:r>
               <a:rPr lang="en-US" dirty="0"/>
-              <a:t>-To help users explore all listings available in NYC, we created a marker cluster map using Leaflet. </a:t>
-            </a:r>
-          </a:p>
-          <a:p>
-            <a:r>
-              <a:rPr lang="en-US" dirty="0"/>
-              <a:t>-The clusters display the number of listings with the different boroughs and </a:t>
-            </a:r>
-            <a:r>
-              <a:rPr lang="en-US" dirty="0" err="1"/>
-              <a:t>neighbourhoods</a:t>
-            </a:r>
-            <a:r>
-              <a:rPr lang="en-US" dirty="0"/>
-              <a:t> in NYC. </a:t>
-            </a:r>
-          </a:p>
-          <a:p>
-            <a:r>
-              <a:rPr lang="en-US" dirty="0"/>
-              <a:t>-In this example, we selected the the well-known New York borough of Manhattan, and then further zoomed in to the Upper West Side </a:t>
-            </a:r>
-            <a:r>
-              <a:rPr lang="en-US" dirty="0" err="1"/>
-              <a:t>neighbourhood</a:t>
-            </a:r>
-            <a:r>
-              <a:rPr lang="en-US" dirty="0"/>
-              <a:t>. </a:t>
-            </a:r>
-          </a:p>
-          <a:p>
-            <a:endParaRPr lang="en-US" dirty="0"/>
+              <a:t>We need to select the features that will have the biggest impact on price</a:t>
+            </a:r>
           </a:p>
         </p:txBody>
       </p:sp>
@@ -1796,7 +1954,7 @@
     </p:spTree>
     <p:extLst>
       <p:ext uri="{BB962C8B-B14F-4D97-AF65-F5344CB8AC3E}">
-        <p14:creationId xmlns:p14="http://schemas.microsoft.com/office/powerpoint/2010/main" val="818292738"/>
+        <p14:creationId xmlns:p14="http://schemas.microsoft.com/office/powerpoint/2010/main" val="2538897603"/>
       </p:ext>
     </p:extLst>
   </p:cSld>
@@ -1852,38 +2010,20 @@
           <a:p>
             <a:r>
               <a:rPr lang="en-US" dirty="0"/>
-              <a:t>-To help users explore all listings available in NYC, we created a marker cluster map using Leaflet. </a:t>
-            </a:r>
-          </a:p>
-          <a:p>
-            <a:r>
-              <a:rPr lang="en-US" dirty="0"/>
-              <a:t>-The clusters display the number of listings with the different boroughs and </a:t>
-            </a:r>
-            <a:r>
-              <a:rPr lang="en-US" dirty="0" err="1"/>
-              <a:t>neighbourhoods</a:t>
-            </a:r>
-            <a:r>
-              <a:rPr lang="en-US" dirty="0"/>
-              <a:t> in NYC. </a:t>
-            </a:r>
-          </a:p>
-          <a:p>
-            <a:r>
-              <a:rPr lang="en-US" dirty="0"/>
-              <a:t>-In this example, we selected the the well-known New York borough of Manhattan, and then further zoomed in to the Upper West Side </a:t>
-            </a:r>
-            <a:r>
-              <a:rPr lang="en-US" dirty="0" err="1"/>
-              <a:t>neighbourhood</a:t>
-            </a:r>
-            <a:r>
-              <a:rPr lang="en-US" dirty="0"/>
-              <a:t>. </a:t>
-            </a:r>
-          </a:p>
-          <a:p>
+              <a:t>We changed the default settings of the test data from 25% to 35% so that will have more data to give a more realistic results of predicting prices.</a:t>
+            </a:r>
+          </a:p>
+          <a:p>
+            <a:r>
+              <a:rPr lang="en-US" b="0" i="0" dirty="0">
+                <a:solidFill>
+                  <a:srgbClr val="202124"/>
+                </a:solidFill>
+                <a:effectLst/>
+                <a:latin typeface="arial" panose="020B0604020202020204" pitchFamily="34" charset="0"/>
+              </a:rPr>
+              <a:t>common scale, without distorting differences in the ranges of values or losing information.</a:t>
+            </a:r>
             <a:endParaRPr lang="en-US" dirty="0"/>
           </a:p>
         </p:txBody>
@@ -1914,7 +2054,7 @@
     </p:spTree>
     <p:extLst>
       <p:ext uri="{BB962C8B-B14F-4D97-AF65-F5344CB8AC3E}">
-        <p14:creationId xmlns:p14="http://schemas.microsoft.com/office/powerpoint/2010/main" val="2744486609"/>
+        <p14:creationId xmlns:p14="http://schemas.microsoft.com/office/powerpoint/2010/main" val="3053377067"/>
       </p:ext>
     </p:extLst>
   </p:cSld>
@@ -2032,7 +2172,7 @@
     </p:spTree>
     <p:extLst>
       <p:ext uri="{BB962C8B-B14F-4D97-AF65-F5344CB8AC3E}">
-        <p14:creationId xmlns:p14="http://schemas.microsoft.com/office/powerpoint/2010/main" val="3177731070"/>
+        <p14:creationId xmlns:p14="http://schemas.microsoft.com/office/powerpoint/2010/main" val="818292738"/>
       </p:ext>
     </p:extLst>
   </p:cSld>
@@ -5879,6 +6019,320 @@
                   <a:srgbClr val="EA5E46"/>
                 </a:solidFill>
               </a:rPr>
+              <a:t>Model Challenges</a:t>
+            </a:r>
+          </a:p>
+        </p:txBody>
+      </p:sp>
+      <p:pic>
+        <p:nvPicPr>
+          <p:cNvPr id="2050" name="Picture 2" descr="Image result for air bnb logo">
+            <a:extLst>
+              <a:ext uri="{FF2B5EF4-FFF2-40B4-BE49-F238E27FC236}">
+                <a16:creationId xmlns:a16="http://schemas.microsoft.com/office/drawing/2014/main" id="{A162C291-208B-BE48-BF44-7D5CD7EF6151}"/>
+              </a:ext>
+            </a:extLst>
+          </p:cNvPr>
+          <p:cNvPicPr>
+            <a:picLocks noChangeAspect="1" noChangeArrowheads="1"/>
+          </p:cNvPicPr>
+          <p:nvPr/>
+        </p:nvPicPr>
+        <p:blipFill>
+          <a:blip r:embed="rId3">
+            <a:extLst>
+              <a:ext uri="{28A0092B-C50C-407E-A947-70E740481C1C}">
+                <a14:useLocalDpi xmlns:a14="http://schemas.microsoft.com/office/drawing/2010/main" val="0"/>
+              </a:ext>
+            </a:extLst>
+          </a:blip>
+          <a:srcRect/>
+          <a:stretch>
+            <a:fillRect/>
+          </a:stretch>
+        </p:blipFill>
+        <p:spPr bwMode="auto">
+          <a:xfrm>
+            <a:off x="2080820" y="0"/>
+            <a:ext cx="2189605" cy="2022038"/>
+          </a:xfrm>
+          <a:prstGeom prst="rect">
+            <a:avLst/>
+          </a:prstGeom>
+          <a:noFill/>
+          <a:extLst>
+            <a:ext uri="{909E8E84-426E-40DD-AFC4-6F175D3DCCD1}">
+              <a14:hiddenFill xmlns:a14="http://schemas.microsoft.com/office/drawing/2010/main">
+                <a:solidFill>
+                  <a:srgbClr val="FFFFFF"/>
+                </a:solidFill>
+              </a14:hiddenFill>
+            </a:ext>
+          </a:extLst>
+        </p:spPr>
+      </p:pic>
+      <p:cxnSp>
+        <p:nvCxnSpPr>
+          <p:cNvPr id="6" name="Straight Connector 5">
+            <a:extLst>
+              <a:ext uri="{FF2B5EF4-FFF2-40B4-BE49-F238E27FC236}">
+                <a16:creationId xmlns:a16="http://schemas.microsoft.com/office/drawing/2014/main" id="{7D0926DC-6298-B648-9DF9-0D78D09F9FC8}"/>
+              </a:ext>
+            </a:extLst>
+          </p:cNvPr>
+          <p:cNvCxnSpPr>
+            <a:cxnSpLocks/>
+          </p:cNvCxnSpPr>
+          <p:nvPr/>
+        </p:nvCxnSpPr>
+        <p:spPr>
+          <a:xfrm>
+            <a:off x="2526110" y="1576551"/>
+            <a:ext cx="9518745" cy="1"/>
+          </a:xfrm>
+          <a:prstGeom prst="line">
+            <a:avLst/>
+          </a:prstGeom>
+          <a:ln w="12700">
+            <a:solidFill>
+              <a:srgbClr val="EA5E46"/>
+            </a:solidFill>
+          </a:ln>
+        </p:spPr>
+        <p:style>
+          <a:lnRef idx="1">
+            <a:schemeClr val="accent2"/>
+          </a:lnRef>
+          <a:fillRef idx="0">
+            <a:schemeClr val="accent2"/>
+          </a:fillRef>
+          <a:effectRef idx="0">
+            <a:schemeClr val="accent2"/>
+          </a:effectRef>
+          <a:fontRef idx="minor">
+            <a:schemeClr val="tx1"/>
+          </a:fontRef>
+        </p:style>
+      </p:cxnSp>
+    </p:spTree>
+    <p:extLst>
+      <p:ext uri="{BB962C8B-B14F-4D97-AF65-F5344CB8AC3E}">
+        <p14:creationId xmlns:p14="http://schemas.microsoft.com/office/powerpoint/2010/main" val="2243286875"/>
+      </p:ext>
+    </p:extLst>
+  </p:cSld>
+  <p:clrMapOvr>
+    <a:masterClrMapping/>
+  </p:clrMapOvr>
+</p:sld>
+</file>
+
+<file path=ppt/slides/slide11.xml><?xml version="1.0" encoding="utf-8"?>
+<p:sld xmlns:a="http://schemas.openxmlformats.org/drawingml/2006/main" xmlns:r="http://schemas.openxmlformats.org/officeDocument/2006/relationships" xmlns:p="http://schemas.openxmlformats.org/presentationml/2006/main">
+  <p:cSld>
+    <p:spTree>
+      <p:nvGrpSpPr>
+        <p:cNvPr id="1" name=""/>
+        <p:cNvGrpSpPr/>
+        <p:nvPr/>
+      </p:nvGrpSpPr>
+      <p:grpSpPr>
+        <a:xfrm>
+          <a:off x="0" y="0"/>
+          <a:ext cx="0" cy="0"/>
+          <a:chOff x="0" y="0"/>
+          <a:chExt cx="0" cy="0"/>
+        </a:xfrm>
+      </p:grpSpPr>
+      <p:sp>
+        <p:nvSpPr>
+          <p:cNvPr id="2" name="Title 1">
+            <a:extLst>
+              <a:ext uri="{FF2B5EF4-FFF2-40B4-BE49-F238E27FC236}">
+                <a16:creationId xmlns:a16="http://schemas.microsoft.com/office/drawing/2014/main" id="{59B8B577-5676-3C4B-A107-E41DB331FD85}"/>
+              </a:ext>
+            </a:extLst>
+          </p:cNvPr>
+          <p:cNvSpPr>
+            <a:spLocks noGrp="1"/>
+          </p:cNvSpPr>
+          <p:nvPr>
+            <p:ph type="title"/>
+          </p:nvPr>
+        </p:nvSpPr>
+        <p:spPr>
+          <a:xfrm>
+            <a:off x="4123382" y="513769"/>
+            <a:ext cx="10515600" cy="1325563"/>
+          </a:xfrm>
+        </p:spPr>
+        <p:txBody>
+          <a:bodyPr/>
+          <a:lstStyle/>
+          <a:p>
+            <a:r>
+              <a:rPr lang="en-US" dirty="0">
+                <a:solidFill>
+                  <a:srgbClr val="EA5E46"/>
+                </a:solidFill>
+              </a:rPr>
+              <a:t>Model Findings – Price Correlation</a:t>
+            </a:r>
+          </a:p>
+        </p:txBody>
+      </p:sp>
+      <p:pic>
+        <p:nvPicPr>
+          <p:cNvPr id="2050" name="Picture 2" descr="Image result for air bnb logo">
+            <a:extLst>
+              <a:ext uri="{FF2B5EF4-FFF2-40B4-BE49-F238E27FC236}">
+                <a16:creationId xmlns:a16="http://schemas.microsoft.com/office/drawing/2014/main" id="{A162C291-208B-BE48-BF44-7D5CD7EF6151}"/>
+              </a:ext>
+            </a:extLst>
+          </p:cNvPr>
+          <p:cNvPicPr>
+            <a:picLocks noChangeAspect="1" noChangeArrowheads="1"/>
+          </p:cNvPicPr>
+          <p:nvPr/>
+        </p:nvPicPr>
+        <p:blipFill>
+          <a:blip r:embed="rId3">
+            <a:extLst>
+              <a:ext uri="{28A0092B-C50C-407E-A947-70E740481C1C}">
+                <a14:useLocalDpi xmlns:a14="http://schemas.microsoft.com/office/drawing/2010/main" val="0"/>
+              </a:ext>
+            </a:extLst>
+          </a:blip>
+          <a:srcRect/>
+          <a:stretch>
+            <a:fillRect/>
+          </a:stretch>
+        </p:blipFill>
+        <p:spPr bwMode="auto">
+          <a:xfrm>
+            <a:off x="2080820" y="0"/>
+            <a:ext cx="2189605" cy="2022038"/>
+          </a:xfrm>
+          <a:prstGeom prst="rect">
+            <a:avLst/>
+          </a:prstGeom>
+          <a:noFill/>
+          <a:extLst>
+            <a:ext uri="{909E8E84-426E-40DD-AFC4-6F175D3DCCD1}">
+              <a14:hiddenFill xmlns:a14="http://schemas.microsoft.com/office/drawing/2010/main">
+                <a:solidFill>
+                  <a:srgbClr val="FFFFFF"/>
+                </a:solidFill>
+              </a14:hiddenFill>
+            </a:ext>
+          </a:extLst>
+        </p:spPr>
+      </p:pic>
+      <p:cxnSp>
+        <p:nvCxnSpPr>
+          <p:cNvPr id="6" name="Straight Connector 5">
+            <a:extLst>
+              <a:ext uri="{FF2B5EF4-FFF2-40B4-BE49-F238E27FC236}">
+                <a16:creationId xmlns:a16="http://schemas.microsoft.com/office/drawing/2014/main" id="{7D0926DC-6298-B648-9DF9-0D78D09F9FC8}"/>
+              </a:ext>
+            </a:extLst>
+          </p:cNvPr>
+          <p:cNvCxnSpPr>
+            <a:cxnSpLocks/>
+          </p:cNvCxnSpPr>
+          <p:nvPr/>
+        </p:nvCxnSpPr>
+        <p:spPr>
+          <a:xfrm>
+            <a:off x="2526110" y="1576551"/>
+            <a:ext cx="9518745" cy="1"/>
+          </a:xfrm>
+          <a:prstGeom prst="line">
+            <a:avLst/>
+          </a:prstGeom>
+          <a:ln w="12700">
+            <a:solidFill>
+              <a:srgbClr val="EA5E46"/>
+            </a:solidFill>
+          </a:ln>
+        </p:spPr>
+        <p:style>
+          <a:lnRef idx="1">
+            <a:schemeClr val="accent2"/>
+          </a:lnRef>
+          <a:fillRef idx="0">
+            <a:schemeClr val="accent2"/>
+          </a:fillRef>
+          <a:effectRef idx="0">
+            <a:schemeClr val="accent2"/>
+          </a:effectRef>
+          <a:fontRef idx="minor">
+            <a:schemeClr val="tx1"/>
+          </a:fontRef>
+        </p:style>
+      </p:cxnSp>
+    </p:spTree>
+    <p:extLst>
+      <p:ext uri="{BB962C8B-B14F-4D97-AF65-F5344CB8AC3E}">
+        <p14:creationId xmlns:p14="http://schemas.microsoft.com/office/powerpoint/2010/main" val="191879790"/>
+      </p:ext>
+    </p:extLst>
+  </p:cSld>
+  <p:clrMapOvr>
+    <a:masterClrMapping/>
+  </p:clrMapOvr>
+</p:sld>
+</file>
+
+<file path=ppt/slides/slide12.xml><?xml version="1.0" encoding="utf-8"?>
+<p:sld xmlns:a="http://schemas.openxmlformats.org/drawingml/2006/main" xmlns:r="http://schemas.openxmlformats.org/officeDocument/2006/relationships" xmlns:p="http://schemas.openxmlformats.org/presentationml/2006/main">
+  <p:cSld>
+    <p:spTree>
+      <p:nvGrpSpPr>
+        <p:cNvPr id="1" name=""/>
+        <p:cNvGrpSpPr/>
+        <p:nvPr/>
+      </p:nvGrpSpPr>
+      <p:grpSpPr>
+        <a:xfrm>
+          <a:off x="0" y="0"/>
+          <a:ext cx="0" cy="0"/>
+          <a:chOff x="0" y="0"/>
+          <a:chExt cx="0" cy="0"/>
+        </a:xfrm>
+      </p:grpSpPr>
+      <p:sp>
+        <p:nvSpPr>
+          <p:cNvPr id="2" name="Title 1">
+            <a:extLst>
+              <a:ext uri="{FF2B5EF4-FFF2-40B4-BE49-F238E27FC236}">
+                <a16:creationId xmlns:a16="http://schemas.microsoft.com/office/drawing/2014/main" id="{59B8B577-5676-3C4B-A107-E41DB331FD85}"/>
+              </a:ext>
+            </a:extLst>
+          </p:cNvPr>
+          <p:cNvSpPr>
+            <a:spLocks noGrp="1"/>
+          </p:cNvSpPr>
+          <p:nvPr>
+            <p:ph type="title"/>
+          </p:nvPr>
+        </p:nvSpPr>
+        <p:spPr>
+          <a:xfrm>
+            <a:off x="4272238" y="588197"/>
+            <a:ext cx="10515600" cy="1325563"/>
+          </a:xfrm>
+        </p:spPr>
+        <p:txBody>
+          <a:bodyPr/>
+          <a:lstStyle/>
+          <a:p>
+            <a:r>
+              <a:rPr lang="en-US" dirty="0">
+                <a:solidFill>
+                  <a:srgbClr val="EA5E46"/>
+                </a:solidFill>
+              </a:rPr>
               <a:t>Model Findings – Features </a:t>
             </a:r>
           </a:p>
@@ -5987,7 +6441,7 @@
 </p:sld>
 </file>
 
-<file path=ppt/slides/slide11.xml><?xml version="1.0" encoding="utf-8"?>
+<file path=ppt/slides/slide13.xml><?xml version="1.0" encoding="utf-8"?>
 <p:sld xmlns:a="http://schemas.openxmlformats.org/drawingml/2006/main" xmlns:r="http://schemas.openxmlformats.org/officeDocument/2006/relationships" xmlns:p="http://schemas.openxmlformats.org/presentationml/2006/main">
   <p:cSld>
     <p:spTree>
@@ -6159,7 +6613,7 @@
 </p:sld>
 </file>
 
-<file path=ppt/slides/slide12.xml><?xml version="1.0" encoding="utf-8"?>
+<file path=ppt/slides/slide14.xml><?xml version="1.0" encoding="utf-8"?>
 <p:sld xmlns:a="http://schemas.openxmlformats.org/drawingml/2006/main" xmlns:r="http://schemas.openxmlformats.org/officeDocument/2006/relationships" xmlns:p="http://schemas.openxmlformats.org/presentationml/2006/main">
   <p:cSld>
     <p:spTree>
@@ -6318,7 +6772,7 @@
 </p:sld>
 </file>
 
-<file path=ppt/slides/slide13.xml><?xml version="1.0" encoding="utf-8"?>
+<file path=ppt/slides/slide15.xml><?xml version="1.0" encoding="utf-8"?>
 <p:sld xmlns:a="http://schemas.openxmlformats.org/drawingml/2006/main" xmlns:r="http://schemas.openxmlformats.org/officeDocument/2006/relationships" xmlns:p="http://schemas.openxmlformats.org/presentationml/2006/main">
   <p:cSld>
     <p:spTree>
@@ -6475,7 +6929,7 @@
 </p:sld>
 </file>
 
-<file path=ppt/slides/slide14.xml><?xml version="1.0" encoding="utf-8"?>
+<file path=ppt/slides/slide16.xml><?xml version="1.0" encoding="utf-8"?>
 <p:sld xmlns:a="http://schemas.openxmlformats.org/drawingml/2006/main" xmlns:r="http://schemas.openxmlformats.org/officeDocument/2006/relationships" xmlns:p="http://schemas.openxmlformats.org/presentationml/2006/main">
   <p:cSld>
     <p:spTree>
@@ -8490,7 +8944,7 @@
           <a:p>
             <a:r>
               <a:rPr lang="en-US" dirty="0"/>
-              <a:t>4.  Normalizing Data </a:t>
+              <a:t>4.  Removing Outliers</a:t>
             </a:r>
             <a:endParaRPr lang="en-CA" dirty="0"/>
           </a:p>
@@ -8702,6 +9156,7 @@
           </a:bodyPr>
           <a:lstStyle/>
           <a:p>
+            <a:pPr algn="ctr"/>
             <a:r>
               <a:rPr lang="en-US" dirty="0" err="1"/>
               <a:t>Neighbourhood</a:t>
@@ -8742,6 +9197,7 @@
           </a:bodyPr>
           <a:lstStyle/>
           <a:p>
+            <a:pPr algn="ctr"/>
             <a:r>
               <a:rPr lang="en-US" dirty="0"/>
               <a:t>Listing Prices Under 600</a:t>
@@ -8798,7 +9254,7 @@
         </p:nvSpPr>
         <p:spPr>
           <a:xfrm>
-            <a:off x="3371495" y="696475"/>
+            <a:off x="2721982" y="696475"/>
             <a:ext cx="10515600" cy="1325563"/>
           </a:xfrm>
         </p:spPr>
@@ -8814,7 +9270,7 @@
                   <a:srgbClr val="EA5E46"/>
                 </a:solidFill>
               </a:rPr>
-              <a:t>Model Data Transformation Breakdown</a:t>
+              <a:t>Model Data Transformation Methods</a:t>
             </a:r>
           </a:p>
         </p:txBody>
@@ -8848,7 +9304,7 @@
         </p:blipFill>
         <p:spPr bwMode="auto">
           <a:xfrm>
-            <a:off x="1180077" y="108278"/>
+            <a:off x="530564" y="108278"/>
             <a:ext cx="2189605" cy="2022038"/>
           </a:xfrm>
           <a:prstGeom prst="rect">
@@ -8882,7 +9338,7 @@
         </p:nvCxnSpPr>
         <p:spPr>
           <a:xfrm>
-            <a:off x="1625367" y="1684829"/>
+            <a:off x="975854" y="1684829"/>
             <a:ext cx="9518745" cy="1"/>
           </a:xfrm>
           <a:prstGeom prst="line">
@@ -8911,10 +9367,10 @@
       </p:cxnSp>
       <p:sp>
         <p:nvSpPr>
-          <p:cNvPr id="5" name="TextBox 4">
-            <a:extLst>
-              <a:ext uri="{FF2B5EF4-FFF2-40B4-BE49-F238E27FC236}">
-                <a16:creationId xmlns:a16="http://schemas.microsoft.com/office/drawing/2014/main" id="{3C66E404-41EF-44AC-ABB8-1EEB513C9DE3}"/>
+          <p:cNvPr id="3" name="TextBox 2">
+            <a:extLst>
+              <a:ext uri="{FF2B5EF4-FFF2-40B4-BE49-F238E27FC236}">
+                <a16:creationId xmlns:a16="http://schemas.microsoft.com/office/drawing/2014/main" id="{30193E11-24DC-41C6-98FD-B1F7EC80C36D}"/>
               </a:ext>
             </a:extLst>
           </p:cNvPr>
@@ -8923,8 +9379,8 @@
         </p:nvSpPr>
         <p:spPr>
           <a:xfrm>
-            <a:off x="946298" y="2022039"/>
-            <a:ext cx="4583645" cy="369332"/>
+            <a:off x="975854" y="1986170"/>
+            <a:ext cx="10052930" cy="369332"/>
           </a:xfrm>
           <a:prstGeom prst="rect">
             <a:avLst/>
@@ -8939,634 +9395,24 @@
           <a:p>
             <a:r>
               <a:rPr lang="en-US" dirty="0"/>
-              <a:t>Numerical Data – Impute Missing Values</a:t>
+              <a:t>5. Create New </a:t>
+            </a:r>
+            <a:r>
+              <a:rPr lang="en-US" dirty="0" err="1"/>
+              <a:t>Dataframes</a:t>
+            </a:r>
+            <a:r>
+              <a:rPr lang="en-US" dirty="0"/>
+              <a:t> for Prophet Model</a:t>
             </a:r>
             <a:endParaRPr lang="en-CA" dirty="0"/>
           </a:p>
         </p:txBody>
       </p:sp>
-      <p:pic>
-        <p:nvPicPr>
-          <p:cNvPr id="9" name="Picture 8">
-            <a:extLst>
-              <a:ext uri="{FF2B5EF4-FFF2-40B4-BE49-F238E27FC236}">
-                <a16:creationId xmlns:a16="http://schemas.microsoft.com/office/drawing/2014/main" id="{5DFEE87E-C6D3-43BD-B9E3-E4588F1FAE24}"/>
-              </a:ext>
-            </a:extLst>
-          </p:cNvPr>
-          <p:cNvPicPr>
-            <a:picLocks noChangeAspect="1"/>
-          </p:cNvPicPr>
-          <p:nvPr/>
-        </p:nvPicPr>
-        <p:blipFill>
-          <a:blip r:embed="rId4"/>
-          <a:stretch>
-            <a:fillRect/>
-          </a:stretch>
-        </p:blipFill>
-        <p:spPr>
-          <a:xfrm>
-            <a:off x="1002229" y="2391371"/>
-            <a:ext cx="1152574" cy="959328"/>
-          </a:xfrm>
-          <a:prstGeom prst="rect">
-            <a:avLst/>
-          </a:prstGeom>
-        </p:spPr>
-      </p:pic>
-      <p:sp>
-        <p:nvSpPr>
-          <p:cNvPr id="10" name="Arrow: Right 9">
-            <a:extLst>
-              <a:ext uri="{FF2B5EF4-FFF2-40B4-BE49-F238E27FC236}">
-                <a16:creationId xmlns:a16="http://schemas.microsoft.com/office/drawing/2014/main" id="{CD17D319-9A92-45E9-85CA-D73F4333A977}"/>
-              </a:ext>
-            </a:extLst>
-          </p:cNvPr>
-          <p:cNvSpPr/>
-          <p:nvPr/>
-        </p:nvSpPr>
-        <p:spPr>
-          <a:xfrm>
-            <a:off x="2781204" y="2871035"/>
-            <a:ext cx="552893" cy="352089"/>
-          </a:xfrm>
-          <a:prstGeom prst="rightArrow">
-            <a:avLst/>
-          </a:prstGeom>
-          <a:solidFill>
-            <a:schemeClr val="bg2">
-              <a:lumMod val="75000"/>
-            </a:schemeClr>
-          </a:solidFill>
-          <a:ln>
-            <a:solidFill>
-              <a:schemeClr val="bg2">
-                <a:lumMod val="75000"/>
-              </a:schemeClr>
-            </a:solidFill>
-          </a:ln>
-        </p:spPr>
-        <p:style>
-          <a:lnRef idx="2">
-            <a:schemeClr val="accent1">
-              <a:shade val="50000"/>
-            </a:schemeClr>
-          </a:lnRef>
-          <a:fillRef idx="1">
-            <a:schemeClr val="accent1"/>
-          </a:fillRef>
-          <a:effectRef idx="0">
-            <a:schemeClr val="accent1"/>
-          </a:effectRef>
-          <a:fontRef idx="minor">
-            <a:schemeClr val="lt1"/>
-          </a:fontRef>
-        </p:style>
-        <p:txBody>
-          <a:bodyPr rtlCol="0" anchor="ctr"/>
-          <a:lstStyle/>
-          <a:p>
-            <a:pPr algn="ctr"/>
-            <a:endParaRPr lang="en-CA"/>
-          </a:p>
-        </p:txBody>
-      </p:sp>
-      <p:pic>
-        <p:nvPicPr>
-          <p:cNvPr id="12" name="Picture 11">
-            <a:extLst>
-              <a:ext uri="{FF2B5EF4-FFF2-40B4-BE49-F238E27FC236}">
-                <a16:creationId xmlns:a16="http://schemas.microsoft.com/office/drawing/2014/main" id="{B3919613-C218-4BCD-A86F-E020C1E91AFE}"/>
-              </a:ext>
-            </a:extLst>
-          </p:cNvPr>
-          <p:cNvPicPr>
-            <a:picLocks noChangeAspect="1"/>
-          </p:cNvPicPr>
-          <p:nvPr/>
-        </p:nvPicPr>
-        <p:blipFill>
-          <a:blip r:embed="rId5"/>
-          <a:stretch>
-            <a:fillRect/>
-          </a:stretch>
-        </p:blipFill>
-        <p:spPr>
-          <a:xfrm>
-            <a:off x="8188477" y="2699089"/>
-            <a:ext cx="1559822" cy="629402"/>
-          </a:xfrm>
-          <a:prstGeom prst="rect">
-            <a:avLst/>
-          </a:prstGeom>
-        </p:spPr>
-      </p:pic>
-      <p:sp>
-        <p:nvSpPr>
-          <p:cNvPr id="13" name="Rectangle 12">
-            <a:extLst>
-              <a:ext uri="{FF2B5EF4-FFF2-40B4-BE49-F238E27FC236}">
-                <a16:creationId xmlns:a16="http://schemas.microsoft.com/office/drawing/2014/main" id="{EDC53F4A-537D-43ED-BF9C-54DB52A0EBE7}"/>
-              </a:ext>
-            </a:extLst>
-          </p:cNvPr>
-          <p:cNvSpPr/>
-          <p:nvPr/>
-        </p:nvSpPr>
-        <p:spPr>
-          <a:xfrm>
-            <a:off x="9022005" y="3067703"/>
-            <a:ext cx="726294" cy="282997"/>
-          </a:xfrm>
-          <a:prstGeom prst="rect">
-            <a:avLst/>
-          </a:prstGeom>
-          <a:noFill/>
-          <a:ln w="28575">
-            <a:solidFill>
-              <a:srgbClr val="EA6155"/>
-            </a:solidFill>
-          </a:ln>
-        </p:spPr>
-        <p:style>
-          <a:lnRef idx="2">
-            <a:schemeClr val="accent1">
-              <a:shade val="50000"/>
-            </a:schemeClr>
-          </a:lnRef>
-          <a:fillRef idx="1">
-            <a:schemeClr val="accent1"/>
-          </a:fillRef>
-          <a:effectRef idx="0">
-            <a:schemeClr val="accent1"/>
-          </a:effectRef>
-          <a:fontRef idx="minor">
-            <a:schemeClr val="lt1"/>
-          </a:fontRef>
-        </p:style>
-        <p:txBody>
-          <a:bodyPr rtlCol="0" anchor="ctr"/>
-          <a:lstStyle/>
-          <a:p>
-            <a:pPr algn="ctr"/>
-            <a:endParaRPr lang="en-CA"/>
-          </a:p>
-        </p:txBody>
-      </p:sp>
-      <p:sp>
-        <p:nvSpPr>
-          <p:cNvPr id="15" name="Rectangle 14">
-            <a:extLst>
-              <a:ext uri="{FF2B5EF4-FFF2-40B4-BE49-F238E27FC236}">
-                <a16:creationId xmlns:a16="http://schemas.microsoft.com/office/drawing/2014/main" id="{70C16DC1-FC18-471A-987D-87AF15CD5F9B}"/>
-              </a:ext>
-            </a:extLst>
-          </p:cNvPr>
-          <p:cNvSpPr/>
-          <p:nvPr/>
-        </p:nvSpPr>
-        <p:spPr>
-          <a:xfrm>
-            <a:off x="1765006" y="2722320"/>
-            <a:ext cx="389797" cy="628380"/>
-          </a:xfrm>
-          <a:prstGeom prst="rect">
-            <a:avLst/>
-          </a:prstGeom>
-          <a:noFill/>
-          <a:ln w="28575">
-            <a:solidFill>
-              <a:srgbClr val="EA6155"/>
-            </a:solidFill>
-          </a:ln>
-        </p:spPr>
-        <p:style>
-          <a:lnRef idx="2">
-            <a:schemeClr val="accent1">
-              <a:shade val="50000"/>
-            </a:schemeClr>
-          </a:lnRef>
-          <a:fillRef idx="1">
-            <a:schemeClr val="accent1"/>
-          </a:fillRef>
-          <a:effectRef idx="0">
-            <a:schemeClr val="accent1"/>
-          </a:effectRef>
-          <a:fontRef idx="minor">
-            <a:schemeClr val="lt1"/>
-          </a:fontRef>
-        </p:style>
-        <p:txBody>
-          <a:bodyPr rtlCol="0" anchor="ctr"/>
-          <a:lstStyle/>
-          <a:p>
-            <a:pPr algn="ctr"/>
-            <a:endParaRPr lang="en-CA"/>
-          </a:p>
-        </p:txBody>
-      </p:sp>
-      <p:pic>
-        <p:nvPicPr>
-          <p:cNvPr id="16" name="Picture 15">
-            <a:extLst>
-              <a:ext uri="{FF2B5EF4-FFF2-40B4-BE49-F238E27FC236}">
-                <a16:creationId xmlns:a16="http://schemas.microsoft.com/office/drawing/2014/main" id="{19B39FB3-2832-4113-821F-0B5ADFCC607D}"/>
-              </a:ext>
-            </a:extLst>
-          </p:cNvPr>
-          <p:cNvPicPr>
-            <a:picLocks noChangeAspect="1"/>
-          </p:cNvPicPr>
-          <p:nvPr/>
-        </p:nvPicPr>
-        <p:blipFill>
-          <a:blip r:embed="rId6"/>
-          <a:stretch>
-            <a:fillRect/>
-          </a:stretch>
-        </p:blipFill>
-        <p:spPr>
-          <a:xfrm>
-            <a:off x="3875136" y="2693050"/>
-            <a:ext cx="2572168" cy="628380"/>
-          </a:xfrm>
-          <a:prstGeom prst="rect">
-            <a:avLst/>
-          </a:prstGeom>
-        </p:spPr>
-      </p:pic>
-      <p:sp>
-        <p:nvSpPr>
-          <p:cNvPr id="18" name="Arrow: Right 17">
-            <a:extLst>
-              <a:ext uri="{FF2B5EF4-FFF2-40B4-BE49-F238E27FC236}">
-                <a16:creationId xmlns:a16="http://schemas.microsoft.com/office/drawing/2014/main" id="{A3AF85D0-FDA1-4910-8CD4-1F9E27056000}"/>
-              </a:ext>
-            </a:extLst>
-          </p:cNvPr>
-          <p:cNvSpPr/>
-          <p:nvPr/>
-        </p:nvSpPr>
-        <p:spPr>
-          <a:xfrm>
-            <a:off x="7030781" y="2889663"/>
-            <a:ext cx="552893" cy="352089"/>
-          </a:xfrm>
-          <a:prstGeom prst="rightArrow">
-            <a:avLst/>
-          </a:prstGeom>
-          <a:solidFill>
-            <a:schemeClr val="bg2">
-              <a:lumMod val="75000"/>
-            </a:schemeClr>
-          </a:solidFill>
-          <a:ln>
-            <a:solidFill>
-              <a:schemeClr val="bg2">
-                <a:lumMod val="75000"/>
-              </a:schemeClr>
-            </a:solidFill>
-          </a:ln>
-        </p:spPr>
-        <p:style>
-          <a:lnRef idx="2">
-            <a:schemeClr val="accent1">
-              <a:shade val="50000"/>
-            </a:schemeClr>
-          </a:lnRef>
-          <a:fillRef idx="1">
-            <a:schemeClr val="accent1"/>
-          </a:fillRef>
-          <a:effectRef idx="0">
-            <a:schemeClr val="accent1"/>
-          </a:effectRef>
-          <a:fontRef idx="minor">
-            <a:schemeClr val="lt1"/>
-          </a:fontRef>
-        </p:style>
-        <p:txBody>
-          <a:bodyPr rtlCol="0" anchor="ctr"/>
-          <a:lstStyle/>
-          <a:p>
-            <a:pPr algn="ctr"/>
-            <a:endParaRPr lang="en-CA"/>
-          </a:p>
-        </p:txBody>
-      </p:sp>
-      <p:sp>
-        <p:nvSpPr>
-          <p:cNvPr id="14" name="TextBox 13">
-            <a:extLst>
-              <a:ext uri="{FF2B5EF4-FFF2-40B4-BE49-F238E27FC236}">
-                <a16:creationId xmlns:a16="http://schemas.microsoft.com/office/drawing/2014/main" id="{6DF76CAB-5499-4486-8441-478E8BE1139C}"/>
-              </a:ext>
-            </a:extLst>
-          </p:cNvPr>
-          <p:cNvSpPr txBox="1"/>
-          <p:nvPr/>
-        </p:nvSpPr>
-        <p:spPr>
-          <a:xfrm>
-            <a:off x="961026" y="3598589"/>
-            <a:ext cx="4797517" cy="369332"/>
-          </a:xfrm>
-          <a:prstGeom prst="rect">
-            <a:avLst/>
-          </a:prstGeom>
-          <a:noFill/>
-        </p:spPr>
-        <p:txBody>
-          <a:bodyPr wrap="square" rtlCol="0">
-            <a:spAutoFit/>
-          </a:bodyPr>
-          <a:lstStyle/>
-          <a:p>
-            <a:r>
-              <a:rPr lang="en-US" dirty="0"/>
-              <a:t>Categorical Data – Encode</a:t>
-            </a:r>
-            <a:endParaRPr lang="en-CA" dirty="0"/>
-          </a:p>
-        </p:txBody>
-      </p:sp>
-      <p:sp>
-        <p:nvSpPr>
-          <p:cNvPr id="19" name="Arrow: Right 18">
-            <a:extLst>
-              <a:ext uri="{FF2B5EF4-FFF2-40B4-BE49-F238E27FC236}">
-                <a16:creationId xmlns:a16="http://schemas.microsoft.com/office/drawing/2014/main" id="{A92180FA-4AFA-4DBC-8F19-4C1C04DDA213}"/>
-              </a:ext>
-            </a:extLst>
-          </p:cNvPr>
-          <p:cNvSpPr/>
-          <p:nvPr/>
-        </p:nvSpPr>
-        <p:spPr>
-          <a:xfrm>
-            <a:off x="2780199" y="4551640"/>
-            <a:ext cx="552893" cy="352089"/>
-          </a:xfrm>
-          <a:prstGeom prst="rightArrow">
-            <a:avLst/>
-          </a:prstGeom>
-          <a:solidFill>
-            <a:schemeClr val="bg2">
-              <a:lumMod val="75000"/>
-            </a:schemeClr>
-          </a:solidFill>
-          <a:ln>
-            <a:solidFill>
-              <a:schemeClr val="bg2">
-                <a:lumMod val="75000"/>
-              </a:schemeClr>
-            </a:solidFill>
-          </a:ln>
-        </p:spPr>
-        <p:style>
-          <a:lnRef idx="2">
-            <a:schemeClr val="accent1">
-              <a:shade val="50000"/>
-            </a:schemeClr>
-          </a:lnRef>
-          <a:fillRef idx="1">
-            <a:schemeClr val="accent1"/>
-          </a:fillRef>
-          <a:effectRef idx="0">
-            <a:schemeClr val="accent1"/>
-          </a:effectRef>
-          <a:fontRef idx="minor">
-            <a:schemeClr val="lt1"/>
-          </a:fontRef>
-        </p:style>
-        <p:txBody>
-          <a:bodyPr rtlCol="0" anchor="ctr"/>
-          <a:lstStyle/>
-          <a:p>
-            <a:pPr algn="ctr"/>
-            <a:endParaRPr lang="en-CA"/>
-          </a:p>
-        </p:txBody>
-      </p:sp>
-      <p:pic>
-        <p:nvPicPr>
-          <p:cNvPr id="21" name="Picture 20">
-            <a:extLst>
-              <a:ext uri="{FF2B5EF4-FFF2-40B4-BE49-F238E27FC236}">
-                <a16:creationId xmlns:a16="http://schemas.microsoft.com/office/drawing/2014/main" id="{6DC3566A-257C-4244-89A5-CA163D6EA75C}"/>
-              </a:ext>
-            </a:extLst>
-          </p:cNvPr>
-          <p:cNvPicPr>
-            <a:picLocks noChangeAspect="1"/>
-          </p:cNvPicPr>
-          <p:nvPr/>
-        </p:nvPicPr>
-        <p:blipFill>
-          <a:blip r:embed="rId7"/>
-          <a:stretch>
-            <a:fillRect/>
-          </a:stretch>
-        </p:blipFill>
-        <p:spPr>
-          <a:xfrm>
-            <a:off x="1057889" y="4132332"/>
-            <a:ext cx="623138" cy="838615"/>
-          </a:xfrm>
-          <a:prstGeom prst="rect">
-            <a:avLst/>
-          </a:prstGeom>
-        </p:spPr>
-      </p:pic>
-      <p:pic>
-        <p:nvPicPr>
-          <p:cNvPr id="23" name="Picture 22">
-            <a:extLst>
-              <a:ext uri="{FF2B5EF4-FFF2-40B4-BE49-F238E27FC236}">
-                <a16:creationId xmlns:a16="http://schemas.microsoft.com/office/drawing/2014/main" id="{F329B7E1-68B0-4894-A420-92A8F05D5A39}"/>
-              </a:ext>
-            </a:extLst>
-          </p:cNvPr>
-          <p:cNvPicPr>
-            <a:picLocks noChangeAspect="1"/>
-          </p:cNvPicPr>
-          <p:nvPr/>
-        </p:nvPicPr>
-        <p:blipFill>
-          <a:blip r:embed="rId8"/>
-          <a:stretch>
-            <a:fillRect/>
-          </a:stretch>
-        </p:blipFill>
-        <p:spPr>
-          <a:xfrm>
-            <a:off x="3860408" y="4184207"/>
-            <a:ext cx="688257" cy="901853"/>
-          </a:xfrm>
-          <a:prstGeom prst="rect">
-            <a:avLst/>
-          </a:prstGeom>
-        </p:spPr>
-      </p:pic>
-      <p:sp>
-        <p:nvSpPr>
-          <p:cNvPr id="25" name="TextBox 24">
-            <a:extLst>
-              <a:ext uri="{FF2B5EF4-FFF2-40B4-BE49-F238E27FC236}">
-                <a16:creationId xmlns:a16="http://schemas.microsoft.com/office/drawing/2014/main" id="{69F909F2-9044-40F7-B61E-91C619DE6BC3}"/>
-              </a:ext>
-            </a:extLst>
-          </p:cNvPr>
-          <p:cNvSpPr txBox="1"/>
-          <p:nvPr/>
-        </p:nvSpPr>
-        <p:spPr>
-          <a:xfrm>
-            <a:off x="946298" y="5211351"/>
-            <a:ext cx="3418873" cy="369332"/>
-          </a:xfrm>
-          <a:prstGeom prst="rect">
-            <a:avLst/>
-          </a:prstGeom>
-          <a:noFill/>
-        </p:spPr>
-        <p:txBody>
-          <a:bodyPr wrap="square" rtlCol="0">
-            <a:spAutoFit/>
-          </a:bodyPr>
-          <a:lstStyle/>
-          <a:p>
-            <a:r>
-              <a:rPr lang="en-US" dirty="0"/>
-              <a:t>Text Data - Vectorize</a:t>
-            </a:r>
-            <a:endParaRPr lang="en-CA" dirty="0"/>
-          </a:p>
-        </p:txBody>
-      </p:sp>
-      <p:sp>
-        <p:nvSpPr>
-          <p:cNvPr id="26" name="Arrow: Right 25">
-            <a:extLst>
-              <a:ext uri="{FF2B5EF4-FFF2-40B4-BE49-F238E27FC236}">
-                <a16:creationId xmlns:a16="http://schemas.microsoft.com/office/drawing/2014/main" id="{8FB7D03B-EBFD-4FF8-8629-EF32C3A3E5C5}"/>
-              </a:ext>
-            </a:extLst>
-          </p:cNvPr>
-          <p:cNvSpPr/>
-          <p:nvPr/>
-        </p:nvSpPr>
-        <p:spPr>
-          <a:xfrm>
-            <a:off x="4674119" y="5867907"/>
-            <a:ext cx="552893" cy="352089"/>
-          </a:xfrm>
-          <a:prstGeom prst="rightArrow">
-            <a:avLst/>
-          </a:prstGeom>
-          <a:solidFill>
-            <a:schemeClr val="bg2">
-              <a:lumMod val="75000"/>
-            </a:schemeClr>
-          </a:solidFill>
-          <a:ln>
-            <a:solidFill>
-              <a:schemeClr val="bg2">
-                <a:lumMod val="75000"/>
-              </a:schemeClr>
-            </a:solidFill>
-          </a:ln>
-        </p:spPr>
-        <p:style>
-          <a:lnRef idx="2">
-            <a:schemeClr val="accent1">
-              <a:shade val="50000"/>
-            </a:schemeClr>
-          </a:lnRef>
-          <a:fillRef idx="1">
-            <a:schemeClr val="accent1"/>
-          </a:fillRef>
-          <a:effectRef idx="0">
-            <a:schemeClr val="accent1"/>
-          </a:effectRef>
-          <a:fontRef idx="minor">
-            <a:schemeClr val="lt1"/>
-          </a:fontRef>
-        </p:style>
-        <p:txBody>
-          <a:bodyPr rtlCol="0" anchor="ctr"/>
-          <a:lstStyle/>
-          <a:p>
-            <a:pPr algn="ctr"/>
-            <a:endParaRPr lang="en-CA"/>
-          </a:p>
-        </p:txBody>
-      </p:sp>
-      <p:pic>
-        <p:nvPicPr>
-          <p:cNvPr id="29" name="Picture 28">
-            <a:extLst>
-              <a:ext uri="{FF2B5EF4-FFF2-40B4-BE49-F238E27FC236}">
-                <a16:creationId xmlns:a16="http://schemas.microsoft.com/office/drawing/2014/main" id="{A195455D-BFF4-406B-9EEF-59C0691FAC4B}"/>
-              </a:ext>
-            </a:extLst>
-          </p:cNvPr>
-          <p:cNvPicPr>
-            <a:picLocks noChangeAspect="1"/>
-          </p:cNvPicPr>
-          <p:nvPr/>
-        </p:nvPicPr>
-        <p:blipFill>
-          <a:blip r:embed="rId9"/>
-          <a:stretch>
-            <a:fillRect/>
-          </a:stretch>
-        </p:blipFill>
-        <p:spPr>
-          <a:xfrm>
-            <a:off x="1043502" y="5867829"/>
-            <a:ext cx="2984212" cy="364587"/>
-          </a:xfrm>
-          <a:prstGeom prst="rect">
-            <a:avLst/>
-          </a:prstGeom>
-        </p:spPr>
-      </p:pic>
-      <p:pic>
-        <p:nvPicPr>
-          <p:cNvPr id="2054" name="Picture 2053">
-            <a:extLst>
-              <a:ext uri="{FF2B5EF4-FFF2-40B4-BE49-F238E27FC236}">
-                <a16:creationId xmlns:a16="http://schemas.microsoft.com/office/drawing/2014/main" id="{65A07F8D-FD5E-4F98-9399-FD09EE622FAB}"/>
-              </a:ext>
-            </a:extLst>
-          </p:cNvPr>
-          <p:cNvPicPr>
-            <a:picLocks noChangeAspect="1"/>
-          </p:cNvPicPr>
-          <p:nvPr/>
-        </p:nvPicPr>
-        <p:blipFill>
-          <a:blip r:embed="rId10"/>
-          <a:stretch>
-            <a:fillRect/>
-          </a:stretch>
-        </p:blipFill>
-        <p:spPr>
-          <a:xfrm>
-            <a:off x="5873417" y="5867828"/>
-            <a:ext cx="5736663" cy="364587"/>
-          </a:xfrm>
-          <a:prstGeom prst="rect">
-            <a:avLst/>
-          </a:prstGeom>
-        </p:spPr>
-      </p:pic>
     </p:spTree>
     <p:extLst>
       <p:ext uri="{BB962C8B-B14F-4D97-AF65-F5344CB8AC3E}">
-        <p14:creationId xmlns:p14="http://schemas.microsoft.com/office/powerpoint/2010/main" val="2261808181"/>
+        <p14:creationId xmlns:p14="http://schemas.microsoft.com/office/powerpoint/2010/main" val="751418253"/>
       </p:ext>
     </p:extLst>
   </p:cSld>
@@ -9577,6 +9423,560 @@
 </file>
 
 <file path=ppt/slides/slide7.xml><?xml version="1.0" encoding="utf-8"?>
+<p:sld xmlns:a="http://schemas.openxmlformats.org/drawingml/2006/main" xmlns:r="http://schemas.openxmlformats.org/officeDocument/2006/relationships" xmlns:p="http://schemas.openxmlformats.org/presentationml/2006/main">
+  <p:cSld>
+    <p:spTree>
+      <p:nvGrpSpPr>
+        <p:cNvPr id="1" name=""/>
+        <p:cNvGrpSpPr/>
+        <p:nvPr/>
+      </p:nvGrpSpPr>
+      <p:grpSpPr>
+        <a:xfrm>
+          <a:off x="0" y="0"/>
+          <a:ext cx="0" cy="0"/>
+          <a:chOff x="0" y="0"/>
+          <a:chExt cx="0" cy="0"/>
+        </a:xfrm>
+      </p:grpSpPr>
+      <p:sp>
+        <p:nvSpPr>
+          <p:cNvPr id="2" name="Title 1">
+            <a:extLst>
+              <a:ext uri="{FF2B5EF4-FFF2-40B4-BE49-F238E27FC236}">
+                <a16:creationId xmlns:a16="http://schemas.microsoft.com/office/drawing/2014/main" id="{59B8B577-5676-3C4B-A107-E41DB331FD85}"/>
+              </a:ext>
+            </a:extLst>
+          </p:cNvPr>
+          <p:cNvSpPr>
+            <a:spLocks noGrp="1"/>
+          </p:cNvSpPr>
+          <p:nvPr>
+            <p:ph type="title"/>
+          </p:nvPr>
+        </p:nvSpPr>
+        <p:spPr>
+          <a:xfrm>
+            <a:off x="2721982" y="696475"/>
+            <a:ext cx="10515600" cy="1325563"/>
+          </a:xfrm>
+        </p:spPr>
+        <p:txBody>
+          <a:bodyPr>
+            <a:normAutofit/>
+          </a:bodyPr>
+          <a:lstStyle/>
+          <a:p>
+            <a:r>
+              <a:rPr lang="en-US" sz="4000" dirty="0">
+                <a:solidFill>
+                  <a:srgbClr val="EA5E46"/>
+                </a:solidFill>
+              </a:rPr>
+              <a:t>Model Feature Selection</a:t>
+            </a:r>
+          </a:p>
+        </p:txBody>
+      </p:sp>
+      <p:pic>
+        <p:nvPicPr>
+          <p:cNvPr id="2050" name="Picture 2" descr="Image result for air bnb logo">
+            <a:extLst>
+              <a:ext uri="{FF2B5EF4-FFF2-40B4-BE49-F238E27FC236}">
+                <a16:creationId xmlns:a16="http://schemas.microsoft.com/office/drawing/2014/main" id="{A162C291-208B-BE48-BF44-7D5CD7EF6151}"/>
+              </a:ext>
+            </a:extLst>
+          </p:cNvPr>
+          <p:cNvPicPr>
+            <a:picLocks noChangeAspect="1" noChangeArrowheads="1"/>
+          </p:cNvPicPr>
+          <p:nvPr/>
+        </p:nvPicPr>
+        <p:blipFill>
+          <a:blip r:embed="rId3">
+            <a:extLst>
+              <a:ext uri="{28A0092B-C50C-407E-A947-70E740481C1C}">
+                <a14:useLocalDpi xmlns:a14="http://schemas.microsoft.com/office/drawing/2010/main" val="0"/>
+              </a:ext>
+            </a:extLst>
+          </a:blip>
+          <a:srcRect/>
+          <a:stretch>
+            <a:fillRect/>
+          </a:stretch>
+        </p:blipFill>
+        <p:spPr bwMode="auto">
+          <a:xfrm>
+            <a:off x="530564" y="108278"/>
+            <a:ext cx="2189605" cy="2022038"/>
+          </a:xfrm>
+          <a:prstGeom prst="rect">
+            <a:avLst/>
+          </a:prstGeom>
+          <a:noFill/>
+          <a:extLst>
+            <a:ext uri="{909E8E84-426E-40DD-AFC4-6F175D3DCCD1}">
+              <a14:hiddenFill xmlns:a14="http://schemas.microsoft.com/office/drawing/2010/main">
+                <a:solidFill>
+                  <a:srgbClr val="FFFFFF"/>
+                </a:solidFill>
+              </a14:hiddenFill>
+            </a:ext>
+          </a:extLst>
+        </p:spPr>
+      </p:pic>
+      <p:cxnSp>
+        <p:nvCxnSpPr>
+          <p:cNvPr id="6" name="Straight Connector 5">
+            <a:extLst>
+              <a:ext uri="{FF2B5EF4-FFF2-40B4-BE49-F238E27FC236}">
+                <a16:creationId xmlns:a16="http://schemas.microsoft.com/office/drawing/2014/main" id="{7D0926DC-6298-B648-9DF9-0D78D09F9FC8}"/>
+              </a:ext>
+            </a:extLst>
+          </p:cNvPr>
+          <p:cNvCxnSpPr>
+            <a:cxnSpLocks/>
+          </p:cNvCxnSpPr>
+          <p:nvPr/>
+        </p:nvCxnSpPr>
+        <p:spPr>
+          <a:xfrm>
+            <a:off x="975854" y="1684829"/>
+            <a:ext cx="9518745" cy="1"/>
+          </a:xfrm>
+          <a:prstGeom prst="line">
+            <a:avLst/>
+          </a:prstGeom>
+          <a:ln w="12700">
+            <a:solidFill>
+              <a:srgbClr val="EA5E46"/>
+            </a:solidFill>
+          </a:ln>
+        </p:spPr>
+        <p:style>
+          <a:lnRef idx="1">
+            <a:schemeClr val="accent2"/>
+          </a:lnRef>
+          <a:fillRef idx="0">
+            <a:schemeClr val="accent2"/>
+          </a:fillRef>
+          <a:effectRef idx="0">
+            <a:schemeClr val="accent2"/>
+          </a:effectRef>
+          <a:fontRef idx="minor">
+            <a:schemeClr val="tx1"/>
+          </a:fontRef>
+        </p:style>
+      </p:cxnSp>
+      <p:sp>
+        <p:nvSpPr>
+          <p:cNvPr id="3" name="TextBox 2">
+            <a:extLst>
+              <a:ext uri="{FF2B5EF4-FFF2-40B4-BE49-F238E27FC236}">
+                <a16:creationId xmlns:a16="http://schemas.microsoft.com/office/drawing/2014/main" id="{30193E11-24DC-41C6-98FD-B1F7EC80C36D}"/>
+              </a:ext>
+            </a:extLst>
+          </p:cNvPr>
+          <p:cNvSpPr txBox="1"/>
+          <p:nvPr/>
+        </p:nvSpPr>
+        <p:spPr>
+          <a:xfrm>
+            <a:off x="975854" y="1986170"/>
+            <a:ext cx="10052930" cy="4524315"/>
+          </a:xfrm>
+          <a:prstGeom prst="rect">
+            <a:avLst/>
+          </a:prstGeom>
+          <a:noFill/>
+        </p:spPr>
+        <p:txBody>
+          <a:bodyPr wrap="square" rtlCol="0">
+            <a:spAutoFit/>
+          </a:bodyPr>
+          <a:lstStyle/>
+          <a:p>
+            <a:r>
+              <a:rPr lang="en-US" b="1" dirty="0"/>
+              <a:t>X-value of features listed below that may have the most impact y-value of the listing price:</a:t>
+            </a:r>
+          </a:p>
+          <a:p>
+            <a:endParaRPr lang="en-US" dirty="0"/>
+          </a:p>
+          <a:p>
+            <a:pPr marL="285750" indent="-285750">
+              <a:buFont typeface="Arial" panose="020B0604020202020204" pitchFamily="34" charset="0"/>
+              <a:buChar char="•"/>
+            </a:pPr>
+            <a:r>
+              <a:rPr lang="en-CA" dirty="0"/>
+              <a:t>Neighbourhood</a:t>
+            </a:r>
+          </a:p>
+          <a:p>
+            <a:pPr marL="285750" indent="-285750">
+              <a:buFont typeface="Arial" panose="020B0604020202020204" pitchFamily="34" charset="0"/>
+              <a:buChar char="•"/>
+            </a:pPr>
+            <a:r>
+              <a:rPr lang="en-CA" dirty="0"/>
+              <a:t>Host Identity Verified</a:t>
+            </a:r>
+          </a:p>
+          <a:p>
+            <a:pPr marL="285750" indent="-285750">
+              <a:buFont typeface="Arial" panose="020B0604020202020204" pitchFamily="34" charset="0"/>
+              <a:buChar char="•"/>
+            </a:pPr>
+            <a:r>
+              <a:rPr lang="en-CA" dirty="0"/>
+              <a:t>Host Listing Counts</a:t>
+            </a:r>
+          </a:p>
+          <a:p>
+            <a:pPr marL="285750" indent="-285750">
+              <a:buFont typeface="Arial" panose="020B0604020202020204" pitchFamily="34" charset="0"/>
+              <a:buChar char="•"/>
+            </a:pPr>
+            <a:r>
+              <a:rPr lang="en-CA" dirty="0"/>
+              <a:t>Super Host Listings</a:t>
+            </a:r>
+          </a:p>
+          <a:p>
+            <a:pPr marL="285750" indent="-285750">
+              <a:buFont typeface="Arial" panose="020B0604020202020204" pitchFamily="34" charset="0"/>
+              <a:buChar char="•"/>
+            </a:pPr>
+            <a:r>
+              <a:rPr lang="en-CA" dirty="0"/>
+              <a:t>Room Type</a:t>
+            </a:r>
+          </a:p>
+          <a:p>
+            <a:pPr marL="285750" indent="-285750">
+              <a:buFont typeface="Arial" panose="020B0604020202020204" pitchFamily="34" charset="0"/>
+              <a:buChar char="•"/>
+            </a:pPr>
+            <a:r>
+              <a:rPr lang="en-CA" dirty="0"/>
+              <a:t>Number of People that the Listing can Accommodate</a:t>
+            </a:r>
+          </a:p>
+          <a:p>
+            <a:pPr marL="285750" indent="-285750">
+              <a:buFont typeface="Arial" panose="020B0604020202020204" pitchFamily="34" charset="0"/>
+              <a:buChar char="•"/>
+            </a:pPr>
+            <a:r>
+              <a:rPr lang="en-CA" dirty="0"/>
+              <a:t>Number of Amenities Provided</a:t>
+            </a:r>
+          </a:p>
+          <a:p>
+            <a:pPr marL="285750" indent="-285750">
+              <a:buFont typeface="Arial" panose="020B0604020202020204" pitchFamily="34" charset="0"/>
+              <a:buChar char="•"/>
+            </a:pPr>
+            <a:r>
+              <a:rPr lang="en-CA" dirty="0"/>
+              <a:t>Number of Bathrooms</a:t>
+            </a:r>
+          </a:p>
+          <a:p>
+            <a:pPr marL="285750" indent="-285750">
+              <a:buFont typeface="Arial" panose="020B0604020202020204" pitchFamily="34" charset="0"/>
+              <a:buChar char="•"/>
+            </a:pPr>
+            <a:r>
+              <a:rPr lang="en-CA" dirty="0"/>
+              <a:t>Number of Bedrooms</a:t>
+            </a:r>
+          </a:p>
+          <a:p>
+            <a:pPr marL="285750" indent="-285750">
+              <a:buFont typeface="Arial" panose="020B0604020202020204" pitchFamily="34" charset="0"/>
+              <a:buChar char="•"/>
+            </a:pPr>
+            <a:r>
+              <a:rPr lang="en-CA" dirty="0"/>
+              <a:t>Number of Beds</a:t>
+            </a:r>
+          </a:p>
+          <a:p>
+            <a:pPr marL="285750" indent="-285750">
+              <a:buFont typeface="Arial" panose="020B0604020202020204" pitchFamily="34" charset="0"/>
+              <a:buChar char="•"/>
+            </a:pPr>
+            <a:r>
+              <a:rPr lang="en-CA" dirty="0"/>
+              <a:t>Amenities like Heating, Parking Dryer, Daily Essentials, Kitchen </a:t>
+            </a:r>
+            <a:r>
+              <a:rPr lang="en-CA" dirty="0" err="1"/>
+              <a:t>etc</a:t>
+            </a:r>
+            <a:endParaRPr lang="en-CA" dirty="0"/>
+          </a:p>
+          <a:p>
+            <a:pPr marL="285750" indent="-285750">
+              <a:buFont typeface="Arial" panose="020B0604020202020204" pitchFamily="34" charset="0"/>
+              <a:buChar char="•"/>
+            </a:pPr>
+            <a:r>
+              <a:rPr lang="en-CA" dirty="0"/>
+              <a:t>Minimum Nights to be Booked</a:t>
+            </a:r>
+          </a:p>
+          <a:p>
+            <a:pPr marL="285750" indent="-285750">
+              <a:buFont typeface="Arial" panose="020B0604020202020204" pitchFamily="34" charset="0"/>
+              <a:buChar char="•"/>
+            </a:pPr>
+            <a:r>
+              <a:rPr lang="en-CA" dirty="0"/>
+              <a:t>Number of Reviews</a:t>
+            </a:r>
+          </a:p>
+          <a:p>
+            <a:pPr marL="285750" indent="-285750">
+              <a:buFont typeface="Arial" panose="020B0604020202020204" pitchFamily="34" charset="0"/>
+              <a:buChar char="•"/>
+            </a:pPr>
+            <a:r>
+              <a:rPr lang="en-CA" dirty="0"/>
+              <a:t>Review Score Ratings</a:t>
+            </a:r>
+          </a:p>
+        </p:txBody>
+      </p:sp>
+    </p:spTree>
+    <p:extLst>
+      <p:ext uri="{BB962C8B-B14F-4D97-AF65-F5344CB8AC3E}">
+        <p14:creationId xmlns:p14="http://schemas.microsoft.com/office/powerpoint/2010/main" val="2347957569"/>
+      </p:ext>
+    </p:extLst>
+  </p:cSld>
+  <p:clrMapOvr>
+    <a:masterClrMapping/>
+  </p:clrMapOvr>
+</p:sld>
+</file>
+
+<file path=ppt/slides/slide8.xml><?xml version="1.0" encoding="utf-8"?>
+<p:sld xmlns:a="http://schemas.openxmlformats.org/drawingml/2006/main" xmlns:r="http://schemas.openxmlformats.org/officeDocument/2006/relationships" xmlns:p="http://schemas.openxmlformats.org/presentationml/2006/main">
+  <p:cSld>
+    <p:spTree>
+      <p:nvGrpSpPr>
+        <p:cNvPr id="1" name=""/>
+        <p:cNvGrpSpPr/>
+        <p:nvPr/>
+      </p:nvGrpSpPr>
+      <p:grpSpPr>
+        <a:xfrm>
+          <a:off x="0" y="0"/>
+          <a:ext cx="0" cy="0"/>
+          <a:chOff x="0" y="0"/>
+          <a:chExt cx="0" cy="0"/>
+        </a:xfrm>
+      </p:grpSpPr>
+      <p:sp>
+        <p:nvSpPr>
+          <p:cNvPr id="2" name="Title 1">
+            <a:extLst>
+              <a:ext uri="{FF2B5EF4-FFF2-40B4-BE49-F238E27FC236}">
+                <a16:creationId xmlns:a16="http://schemas.microsoft.com/office/drawing/2014/main" id="{59B8B577-5676-3C4B-A107-E41DB331FD85}"/>
+              </a:ext>
+            </a:extLst>
+          </p:cNvPr>
+          <p:cNvSpPr>
+            <a:spLocks noGrp="1"/>
+          </p:cNvSpPr>
+          <p:nvPr>
+            <p:ph type="title"/>
+          </p:nvPr>
+        </p:nvSpPr>
+        <p:spPr>
+          <a:xfrm>
+            <a:off x="2721982" y="696475"/>
+            <a:ext cx="10515600" cy="1325563"/>
+          </a:xfrm>
+        </p:spPr>
+        <p:txBody>
+          <a:bodyPr>
+            <a:normAutofit/>
+          </a:bodyPr>
+          <a:lstStyle/>
+          <a:p>
+            <a:r>
+              <a:rPr lang="en-US" sz="4000" dirty="0">
+                <a:solidFill>
+                  <a:srgbClr val="EA5E46"/>
+                </a:solidFill>
+              </a:rPr>
+              <a:t>Model Train-Test Split &amp; Preprocessing</a:t>
+            </a:r>
+          </a:p>
+        </p:txBody>
+      </p:sp>
+      <p:pic>
+        <p:nvPicPr>
+          <p:cNvPr id="2050" name="Picture 2" descr="Image result for air bnb logo">
+            <a:extLst>
+              <a:ext uri="{FF2B5EF4-FFF2-40B4-BE49-F238E27FC236}">
+                <a16:creationId xmlns:a16="http://schemas.microsoft.com/office/drawing/2014/main" id="{A162C291-208B-BE48-BF44-7D5CD7EF6151}"/>
+              </a:ext>
+            </a:extLst>
+          </p:cNvPr>
+          <p:cNvPicPr>
+            <a:picLocks noChangeAspect="1" noChangeArrowheads="1"/>
+          </p:cNvPicPr>
+          <p:nvPr/>
+        </p:nvPicPr>
+        <p:blipFill>
+          <a:blip r:embed="rId3">
+            <a:extLst>
+              <a:ext uri="{28A0092B-C50C-407E-A947-70E740481C1C}">
+                <a14:useLocalDpi xmlns:a14="http://schemas.microsoft.com/office/drawing/2010/main" val="0"/>
+              </a:ext>
+            </a:extLst>
+          </a:blip>
+          <a:srcRect/>
+          <a:stretch>
+            <a:fillRect/>
+          </a:stretch>
+        </p:blipFill>
+        <p:spPr bwMode="auto">
+          <a:xfrm>
+            <a:off x="530564" y="108278"/>
+            <a:ext cx="2189605" cy="2022038"/>
+          </a:xfrm>
+          <a:prstGeom prst="rect">
+            <a:avLst/>
+          </a:prstGeom>
+          <a:noFill/>
+          <a:extLst>
+            <a:ext uri="{909E8E84-426E-40DD-AFC4-6F175D3DCCD1}">
+              <a14:hiddenFill xmlns:a14="http://schemas.microsoft.com/office/drawing/2010/main">
+                <a:solidFill>
+                  <a:srgbClr val="FFFFFF"/>
+                </a:solidFill>
+              </a14:hiddenFill>
+            </a:ext>
+          </a:extLst>
+        </p:spPr>
+      </p:pic>
+      <p:cxnSp>
+        <p:nvCxnSpPr>
+          <p:cNvPr id="6" name="Straight Connector 5">
+            <a:extLst>
+              <a:ext uri="{FF2B5EF4-FFF2-40B4-BE49-F238E27FC236}">
+                <a16:creationId xmlns:a16="http://schemas.microsoft.com/office/drawing/2014/main" id="{7D0926DC-6298-B648-9DF9-0D78D09F9FC8}"/>
+              </a:ext>
+            </a:extLst>
+          </p:cNvPr>
+          <p:cNvCxnSpPr>
+            <a:cxnSpLocks/>
+          </p:cNvCxnSpPr>
+          <p:nvPr/>
+        </p:nvCxnSpPr>
+        <p:spPr>
+          <a:xfrm>
+            <a:off x="975854" y="1684829"/>
+            <a:ext cx="9518745" cy="1"/>
+          </a:xfrm>
+          <a:prstGeom prst="line">
+            <a:avLst/>
+          </a:prstGeom>
+          <a:ln w="12700">
+            <a:solidFill>
+              <a:srgbClr val="EA5E46"/>
+            </a:solidFill>
+          </a:ln>
+        </p:spPr>
+        <p:style>
+          <a:lnRef idx="1">
+            <a:schemeClr val="accent2"/>
+          </a:lnRef>
+          <a:fillRef idx="0">
+            <a:schemeClr val="accent2"/>
+          </a:fillRef>
+          <a:effectRef idx="0">
+            <a:schemeClr val="accent2"/>
+          </a:effectRef>
+          <a:fontRef idx="minor">
+            <a:schemeClr val="tx1"/>
+          </a:fontRef>
+        </p:style>
+      </p:cxnSp>
+      <p:sp>
+        <p:nvSpPr>
+          <p:cNvPr id="3" name="TextBox 2">
+            <a:extLst>
+              <a:ext uri="{FF2B5EF4-FFF2-40B4-BE49-F238E27FC236}">
+                <a16:creationId xmlns:a16="http://schemas.microsoft.com/office/drawing/2014/main" id="{30193E11-24DC-41C6-98FD-B1F7EC80C36D}"/>
+              </a:ext>
+            </a:extLst>
+          </p:cNvPr>
+          <p:cNvSpPr txBox="1"/>
+          <p:nvPr/>
+        </p:nvSpPr>
+        <p:spPr>
+          <a:xfrm>
+            <a:off x="975854" y="2644077"/>
+            <a:ext cx="10052930" cy="2554545"/>
+          </a:xfrm>
+          <a:prstGeom prst="rect">
+            <a:avLst/>
+          </a:prstGeom>
+          <a:noFill/>
+        </p:spPr>
+        <p:txBody>
+          <a:bodyPr wrap="square" rtlCol="0">
+            <a:spAutoFit/>
+          </a:bodyPr>
+          <a:lstStyle/>
+          <a:p>
+            <a:pPr marL="285750" indent="-285750">
+              <a:buFont typeface="Arial" panose="020B0604020202020204" pitchFamily="34" charset="0"/>
+              <a:buChar char="•"/>
+            </a:pPr>
+            <a:r>
+              <a:rPr lang="en-US" sz="3200" dirty="0"/>
+              <a:t>Change test data from 25% to 35% to provide more data to increase accuracy of the models.</a:t>
+            </a:r>
+          </a:p>
+          <a:p>
+            <a:pPr lvl="1"/>
+            <a:endParaRPr lang="en-US" sz="3200" dirty="0"/>
+          </a:p>
+          <a:p>
+            <a:pPr marL="285750" indent="-285750">
+              <a:buFont typeface="Arial" panose="020B0604020202020204" pitchFamily="34" charset="0"/>
+              <a:buChar char="•"/>
+            </a:pPr>
+            <a:r>
+              <a:rPr lang="en-CA" sz="3200" dirty="0"/>
+              <a:t>Scale the X-values for normalizations to ensure all features are the same unit.</a:t>
+            </a:r>
+          </a:p>
+        </p:txBody>
+      </p:sp>
+    </p:spTree>
+    <p:extLst>
+      <p:ext uri="{BB962C8B-B14F-4D97-AF65-F5344CB8AC3E}">
+        <p14:creationId xmlns:p14="http://schemas.microsoft.com/office/powerpoint/2010/main" val="732769293"/>
+      </p:ext>
+    </p:extLst>
+  </p:cSld>
+  <p:clrMapOvr>
+    <a:masterClrMapping/>
+  </p:clrMapOvr>
+</p:sld>
+</file>
+
+<file path=ppt/slides/slide9.xml><?xml version="1.0" encoding="utf-8"?>
 <p:sld xmlns:a="http://schemas.openxmlformats.org/drawingml/2006/main" xmlns:r="http://schemas.openxmlformats.org/officeDocument/2006/relationships" xmlns:p="http://schemas.openxmlformats.org/presentationml/2006/main">
   <p:cSld>
     <p:spTree>
@@ -9724,320 +10124,6 @@
     <p:extLst>
       <p:ext uri="{BB962C8B-B14F-4D97-AF65-F5344CB8AC3E}">
         <p14:creationId xmlns:p14="http://schemas.microsoft.com/office/powerpoint/2010/main" val="46653007"/>
-      </p:ext>
-    </p:extLst>
-  </p:cSld>
-  <p:clrMapOvr>
-    <a:masterClrMapping/>
-  </p:clrMapOvr>
-</p:sld>
-</file>
-
-<file path=ppt/slides/slide8.xml><?xml version="1.0" encoding="utf-8"?>
-<p:sld xmlns:a="http://schemas.openxmlformats.org/drawingml/2006/main" xmlns:r="http://schemas.openxmlformats.org/officeDocument/2006/relationships" xmlns:p="http://schemas.openxmlformats.org/presentationml/2006/main">
-  <p:cSld>
-    <p:spTree>
-      <p:nvGrpSpPr>
-        <p:cNvPr id="1" name=""/>
-        <p:cNvGrpSpPr/>
-        <p:nvPr/>
-      </p:nvGrpSpPr>
-      <p:grpSpPr>
-        <a:xfrm>
-          <a:off x="0" y="0"/>
-          <a:ext cx="0" cy="0"/>
-          <a:chOff x="0" y="0"/>
-          <a:chExt cx="0" cy="0"/>
-        </a:xfrm>
-      </p:grpSpPr>
-      <p:sp>
-        <p:nvSpPr>
-          <p:cNvPr id="2" name="Title 1">
-            <a:extLst>
-              <a:ext uri="{FF2B5EF4-FFF2-40B4-BE49-F238E27FC236}">
-                <a16:creationId xmlns:a16="http://schemas.microsoft.com/office/drawing/2014/main" id="{59B8B577-5676-3C4B-A107-E41DB331FD85}"/>
-              </a:ext>
-            </a:extLst>
-          </p:cNvPr>
-          <p:cNvSpPr>
-            <a:spLocks noGrp="1"/>
-          </p:cNvSpPr>
-          <p:nvPr>
-            <p:ph type="title"/>
-          </p:nvPr>
-        </p:nvSpPr>
-        <p:spPr>
-          <a:xfrm>
-            <a:off x="4272238" y="588197"/>
-            <a:ext cx="10515600" cy="1325563"/>
-          </a:xfrm>
-        </p:spPr>
-        <p:txBody>
-          <a:bodyPr/>
-          <a:lstStyle/>
-          <a:p>
-            <a:r>
-              <a:rPr lang="en-US" dirty="0">
-                <a:solidFill>
-                  <a:srgbClr val="EA5E46"/>
-                </a:solidFill>
-              </a:rPr>
-              <a:t>Model Challenges</a:t>
-            </a:r>
-          </a:p>
-        </p:txBody>
-      </p:sp>
-      <p:pic>
-        <p:nvPicPr>
-          <p:cNvPr id="2050" name="Picture 2" descr="Image result for air bnb logo">
-            <a:extLst>
-              <a:ext uri="{FF2B5EF4-FFF2-40B4-BE49-F238E27FC236}">
-                <a16:creationId xmlns:a16="http://schemas.microsoft.com/office/drawing/2014/main" id="{A162C291-208B-BE48-BF44-7D5CD7EF6151}"/>
-              </a:ext>
-            </a:extLst>
-          </p:cNvPr>
-          <p:cNvPicPr>
-            <a:picLocks noChangeAspect="1" noChangeArrowheads="1"/>
-          </p:cNvPicPr>
-          <p:nvPr/>
-        </p:nvPicPr>
-        <p:blipFill>
-          <a:blip r:embed="rId3">
-            <a:extLst>
-              <a:ext uri="{28A0092B-C50C-407E-A947-70E740481C1C}">
-                <a14:useLocalDpi xmlns:a14="http://schemas.microsoft.com/office/drawing/2010/main" val="0"/>
-              </a:ext>
-            </a:extLst>
-          </a:blip>
-          <a:srcRect/>
-          <a:stretch>
-            <a:fillRect/>
-          </a:stretch>
-        </p:blipFill>
-        <p:spPr bwMode="auto">
-          <a:xfrm>
-            <a:off x="2080820" y="0"/>
-            <a:ext cx="2189605" cy="2022038"/>
-          </a:xfrm>
-          <a:prstGeom prst="rect">
-            <a:avLst/>
-          </a:prstGeom>
-          <a:noFill/>
-          <a:extLst>
-            <a:ext uri="{909E8E84-426E-40DD-AFC4-6F175D3DCCD1}">
-              <a14:hiddenFill xmlns:a14="http://schemas.microsoft.com/office/drawing/2010/main">
-                <a:solidFill>
-                  <a:srgbClr val="FFFFFF"/>
-                </a:solidFill>
-              </a14:hiddenFill>
-            </a:ext>
-          </a:extLst>
-        </p:spPr>
-      </p:pic>
-      <p:cxnSp>
-        <p:nvCxnSpPr>
-          <p:cNvPr id="6" name="Straight Connector 5">
-            <a:extLst>
-              <a:ext uri="{FF2B5EF4-FFF2-40B4-BE49-F238E27FC236}">
-                <a16:creationId xmlns:a16="http://schemas.microsoft.com/office/drawing/2014/main" id="{7D0926DC-6298-B648-9DF9-0D78D09F9FC8}"/>
-              </a:ext>
-            </a:extLst>
-          </p:cNvPr>
-          <p:cNvCxnSpPr>
-            <a:cxnSpLocks/>
-          </p:cNvCxnSpPr>
-          <p:nvPr/>
-        </p:nvCxnSpPr>
-        <p:spPr>
-          <a:xfrm>
-            <a:off x="2526110" y="1576551"/>
-            <a:ext cx="9518745" cy="1"/>
-          </a:xfrm>
-          <a:prstGeom prst="line">
-            <a:avLst/>
-          </a:prstGeom>
-          <a:ln w="12700">
-            <a:solidFill>
-              <a:srgbClr val="EA5E46"/>
-            </a:solidFill>
-          </a:ln>
-        </p:spPr>
-        <p:style>
-          <a:lnRef idx="1">
-            <a:schemeClr val="accent2"/>
-          </a:lnRef>
-          <a:fillRef idx="0">
-            <a:schemeClr val="accent2"/>
-          </a:fillRef>
-          <a:effectRef idx="0">
-            <a:schemeClr val="accent2"/>
-          </a:effectRef>
-          <a:fontRef idx="minor">
-            <a:schemeClr val="tx1"/>
-          </a:fontRef>
-        </p:style>
-      </p:cxnSp>
-    </p:spTree>
-    <p:extLst>
-      <p:ext uri="{BB962C8B-B14F-4D97-AF65-F5344CB8AC3E}">
-        <p14:creationId xmlns:p14="http://schemas.microsoft.com/office/powerpoint/2010/main" val="2243286875"/>
-      </p:ext>
-    </p:extLst>
-  </p:cSld>
-  <p:clrMapOvr>
-    <a:masterClrMapping/>
-  </p:clrMapOvr>
-</p:sld>
-</file>
-
-<file path=ppt/slides/slide9.xml><?xml version="1.0" encoding="utf-8"?>
-<p:sld xmlns:a="http://schemas.openxmlformats.org/drawingml/2006/main" xmlns:r="http://schemas.openxmlformats.org/officeDocument/2006/relationships" xmlns:p="http://schemas.openxmlformats.org/presentationml/2006/main">
-  <p:cSld>
-    <p:spTree>
-      <p:nvGrpSpPr>
-        <p:cNvPr id="1" name=""/>
-        <p:cNvGrpSpPr/>
-        <p:nvPr/>
-      </p:nvGrpSpPr>
-      <p:grpSpPr>
-        <a:xfrm>
-          <a:off x="0" y="0"/>
-          <a:ext cx="0" cy="0"/>
-          <a:chOff x="0" y="0"/>
-          <a:chExt cx="0" cy="0"/>
-        </a:xfrm>
-      </p:grpSpPr>
-      <p:sp>
-        <p:nvSpPr>
-          <p:cNvPr id="2" name="Title 1">
-            <a:extLst>
-              <a:ext uri="{FF2B5EF4-FFF2-40B4-BE49-F238E27FC236}">
-                <a16:creationId xmlns:a16="http://schemas.microsoft.com/office/drawing/2014/main" id="{59B8B577-5676-3C4B-A107-E41DB331FD85}"/>
-              </a:ext>
-            </a:extLst>
-          </p:cNvPr>
-          <p:cNvSpPr>
-            <a:spLocks noGrp="1"/>
-          </p:cNvSpPr>
-          <p:nvPr>
-            <p:ph type="title"/>
-          </p:nvPr>
-        </p:nvSpPr>
-        <p:spPr>
-          <a:xfrm>
-            <a:off x="4123382" y="513769"/>
-            <a:ext cx="10515600" cy="1325563"/>
-          </a:xfrm>
-        </p:spPr>
-        <p:txBody>
-          <a:bodyPr/>
-          <a:lstStyle/>
-          <a:p>
-            <a:r>
-              <a:rPr lang="en-US" dirty="0">
-                <a:solidFill>
-                  <a:srgbClr val="EA5E46"/>
-                </a:solidFill>
-              </a:rPr>
-              <a:t>Model Findings – Price Correlation</a:t>
-            </a:r>
-          </a:p>
-        </p:txBody>
-      </p:sp>
-      <p:pic>
-        <p:nvPicPr>
-          <p:cNvPr id="2050" name="Picture 2" descr="Image result for air bnb logo">
-            <a:extLst>
-              <a:ext uri="{FF2B5EF4-FFF2-40B4-BE49-F238E27FC236}">
-                <a16:creationId xmlns:a16="http://schemas.microsoft.com/office/drawing/2014/main" id="{A162C291-208B-BE48-BF44-7D5CD7EF6151}"/>
-              </a:ext>
-            </a:extLst>
-          </p:cNvPr>
-          <p:cNvPicPr>
-            <a:picLocks noChangeAspect="1" noChangeArrowheads="1"/>
-          </p:cNvPicPr>
-          <p:nvPr/>
-        </p:nvPicPr>
-        <p:blipFill>
-          <a:blip r:embed="rId3">
-            <a:extLst>
-              <a:ext uri="{28A0092B-C50C-407E-A947-70E740481C1C}">
-                <a14:useLocalDpi xmlns:a14="http://schemas.microsoft.com/office/drawing/2010/main" val="0"/>
-              </a:ext>
-            </a:extLst>
-          </a:blip>
-          <a:srcRect/>
-          <a:stretch>
-            <a:fillRect/>
-          </a:stretch>
-        </p:blipFill>
-        <p:spPr bwMode="auto">
-          <a:xfrm>
-            <a:off x="2080820" y="0"/>
-            <a:ext cx="2189605" cy="2022038"/>
-          </a:xfrm>
-          <a:prstGeom prst="rect">
-            <a:avLst/>
-          </a:prstGeom>
-          <a:noFill/>
-          <a:extLst>
-            <a:ext uri="{909E8E84-426E-40DD-AFC4-6F175D3DCCD1}">
-              <a14:hiddenFill xmlns:a14="http://schemas.microsoft.com/office/drawing/2010/main">
-                <a:solidFill>
-                  <a:srgbClr val="FFFFFF"/>
-                </a:solidFill>
-              </a14:hiddenFill>
-            </a:ext>
-          </a:extLst>
-        </p:spPr>
-      </p:pic>
-      <p:cxnSp>
-        <p:nvCxnSpPr>
-          <p:cNvPr id="6" name="Straight Connector 5">
-            <a:extLst>
-              <a:ext uri="{FF2B5EF4-FFF2-40B4-BE49-F238E27FC236}">
-                <a16:creationId xmlns:a16="http://schemas.microsoft.com/office/drawing/2014/main" id="{7D0926DC-6298-B648-9DF9-0D78D09F9FC8}"/>
-              </a:ext>
-            </a:extLst>
-          </p:cNvPr>
-          <p:cNvCxnSpPr>
-            <a:cxnSpLocks/>
-          </p:cNvCxnSpPr>
-          <p:nvPr/>
-        </p:nvCxnSpPr>
-        <p:spPr>
-          <a:xfrm>
-            <a:off x="2526110" y="1576551"/>
-            <a:ext cx="9518745" cy="1"/>
-          </a:xfrm>
-          <a:prstGeom prst="line">
-            <a:avLst/>
-          </a:prstGeom>
-          <a:ln w="12700">
-            <a:solidFill>
-              <a:srgbClr val="EA5E46"/>
-            </a:solidFill>
-          </a:ln>
-        </p:spPr>
-        <p:style>
-          <a:lnRef idx="1">
-            <a:schemeClr val="accent2"/>
-          </a:lnRef>
-          <a:fillRef idx="0">
-            <a:schemeClr val="accent2"/>
-          </a:fillRef>
-          <a:effectRef idx="0">
-            <a:schemeClr val="accent2"/>
-          </a:effectRef>
-          <a:fontRef idx="minor">
-            <a:schemeClr val="tx1"/>
-          </a:fontRef>
-        </p:style>
-      </p:cxnSp>
-    </p:spTree>
-    <p:extLst>
-      <p:ext uri="{BB962C8B-B14F-4D97-AF65-F5344CB8AC3E}">
-        <p14:creationId xmlns:p14="http://schemas.microsoft.com/office/powerpoint/2010/main" val="191879790"/>
       </p:ext>
     </p:extLst>
   </p:cSld>

--- a/Airbnb Price Predictions (Model).pptx
+++ b/Airbnb Price Predictions (Model).pptx
@@ -5,7 +5,7 @@
     <p:sldMasterId id="2147483648" r:id="rId1"/>
   </p:sldMasterIdLst>
   <p:notesMasterIdLst>
-    <p:notesMasterId r:id="rId18"/>
+    <p:notesMasterId r:id="rId19"/>
   </p:notesMasterIdLst>
   <p:sldIdLst>
     <p:sldId id="280" r:id="rId2"/>
@@ -16,14 +16,15 @@
     <p:sldId id="303" r:id="rId7"/>
     <p:sldId id="301" r:id="rId8"/>
     <p:sldId id="302" r:id="rId9"/>
-    <p:sldId id="286" r:id="rId10"/>
-    <p:sldId id="287" r:id="rId11"/>
-    <p:sldId id="289" r:id="rId12"/>
-    <p:sldId id="290" r:id="rId13"/>
-    <p:sldId id="291" r:id="rId14"/>
-    <p:sldId id="292" r:id="rId15"/>
-    <p:sldId id="288" r:id="rId16"/>
-    <p:sldId id="274" r:id="rId17"/>
+    <p:sldId id="304" r:id="rId10"/>
+    <p:sldId id="286" r:id="rId11"/>
+    <p:sldId id="287" r:id="rId12"/>
+    <p:sldId id="289" r:id="rId13"/>
+    <p:sldId id="290" r:id="rId14"/>
+    <p:sldId id="291" r:id="rId15"/>
+    <p:sldId id="292" r:id="rId16"/>
+    <p:sldId id="288" r:id="rId17"/>
+    <p:sldId id="274" r:id="rId18"/>
   </p:sldIdLst>
   <p:sldSz cx="12192000" cy="6858000"/>
   <p:notesSz cx="6858000" cy="9144000"/>
@@ -709,7 +710,7 @@
     </p:spTree>
     <p:extLst>
       <p:ext uri="{BB962C8B-B14F-4D97-AF65-F5344CB8AC3E}">
-        <p14:creationId xmlns:p14="http://schemas.microsoft.com/office/powerpoint/2010/main" val="2744486609"/>
+        <p14:creationId xmlns:p14="http://schemas.microsoft.com/office/powerpoint/2010/main" val="818292738"/>
       </p:ext>
     </p:extLst>
   </p:cSld>
@@ -827,7 +828,7 @@
     </p:spTree>
     <p:extLst>
       <p:ext uri="{BB962C8B-B14F-4D97-AF65-F5344CB8AC3E}">
-        <p14:creationId xmlns:p14="http://schemas.microsoft.com/office/powerpoint/2010/main" val="3177731070"/>
+        <p14:creationId xmlns:p14="http://schemas.microsoft.com/office/powerpoint/2010/main" val="2744486609"/>
       </p:ext>
     </p:extLst>
   </p:cSld>
@@ -945,7 +946,7 @@
     </p:spTree>
     <p:extLst>
       <p:ext uri="{BB962C8B-B14F-4D97-AF65-F5344CB8AC3E}">
-        <p14:creationId xmlns:p14="http://schemas.microsoft.com/office/powerpoint/2010/main" val="266214348"/>
+        <p14:creationId xmlns:p14="http://schemas.microsoft.com/office/powerpoint/2010/main" val="3177731070"/>
       </p:ext>
     </p:extLst>
   </p:cSld>
@@ -1063,7 +1064,7 @@
     </p:spTree>
     <p:extLst>
       <p:ext uri="{BB962C8B-B14F-4D97-AF65-F5344CB8AC3E}">
-        <p14:creationId xmlns:p14="http://schemas.microsoft.com/office/powerpoint/2010/main" val="847075339"/>
+        <p14:creationId xmlns:p14="http://schemas.microsoft.com/office/powerpoint/2010/main" val="266214348"/>
       </p:ext>
     </p:extLst>
   </p:cSld>
@@ -1181,7 +1182,7 @@
     </p:spTree>
     <p:extLst>
       <p:ext uri="{BB962C8B-B14F-4D97-AF65-F5344CB8AC3E}">
-        <p14:creationId xmlns:p14="http://schemas.microsoft.com/office/powerpoint/2010/main" val="533258538"/>
+        <p14:creationId xmlns:p14="http://schemas.microsoft.com/office/powerpoint/2010/main" val="847075339"/>
       </p:ext>
     </p:extLst>
   </p:cSld>
@@ -1299,7 +1300,7 @@
     </p:spTree>
     <p:extLst>
       <p:ext uri="{BB962C8B-B14F-4D97-AF65-F5344CB8AC3E}">
-        <p14:creationId xmlns:p14="http://schemas.microsoft.com/office/powerpoint/2010/main" val="498058897"/>
+        <p14:creationId xmlns:p14="http://schemas.microsoft.com/office/powerpoint/2010/main" val="533258538"/>
       </p:ext>
     </p:extLst>
   </p:cSld>
@@ -1353,6 +1354,40 @@
           <a:bodyPr/>
           <a:lstStyle/>
           <a:p>
+            <a:r>
+              <a:rPr lang="en-US" dirty="0"/>
+              <a:t>-To help users explore all listings available in NYC, we created a marker cluster map using Leaflet. </a:t>
+            </a:r>
+          </a:p>
+          <a:p>
+            <a:r>
+              <a:rPr lang="en-US" dirty="0"/>
+              <a:t>-The clusters display the number of listings with the different boroughs and </a:t>
+            </a:r>
+            <a:r>
+              <a:rPr lang="en-US" dirty="0" err="1"/>
+              <a:t>neighbourhoods</a:t>
+            </a:r>
+            <a:r>
+              <a:rPr lang="en-US" dirty="0"/>
+              <a:t> in NYC. </a:t>
+            </a:r>
+          </a:p>
+          <a:p>
+            <a:r>
+              <a:rPr lang="en-US" dirty="0"/>
+              <a:t>-In this example, we selected the the well-known New York borough of Manhattan, and then further zoomed in to the Upper West Side </a:t>
+            </a:r>
+            <a:r>
+              <a:rPr lang="en-US" dirty="0" err="1"/>
+              <a:t>neighbourhood</a:t>
+            </a:r>
+            <a:r>
+              <a:rPr lang="en-US" dirty="0"/>
+              <a:t>. </a:t>
+            </a:r>
+          </a:p>
+          <a:p>
             <a:endParaRPr lang="en-US" dirty="0"/>
           </a:p>
         </p:txBody>
@@ -1375,6 +1410,90 @@
             <a:fld id="{DF2352D6-35AF-0544-A99E-554CC41E76C4}" type="slidenum">
               <a:rPr lang="en-US" smtClean="0"/>
               <a:t>16</a:t>
+            </a:fld>
+            <a:endParaRPr lang="en-US"/>
+          </a:p>
+        </p:txBody>
+      </p:sp>
+    </p:spTree>
+    <p:extLst>
+      <p:ext uri="{BB962C8B-B14F-4D97-AF65-F5344CB8AC3E}">
+        <p14:creationId xmlns:p14="http://schemas.microsoft.com/office/powerpoint/2010/main" val="498058897"/>
+      </p:ext>
+    </p:extLst>
+  </p:cSld>
+  <p:clrMapOvr>
+    <a:masterClrMapping/>
+  </p:clrMapOvr>
+</p:notes>
+</file>
+
+<file path=ppt/notesSlides/notesSlide17.xml><?xml version="1.0" encoding="utf-8"?>
+<p:notes xmlns:a="http://schemas.openxmlformats.org/drawingml/2006/main" xmlns:r="http://schemas.openxmlformats.org/officeDocument/2006/relationships" xmlns:p="http://schemas.openxmlformats.org/presentationml/2006/main">
+  <p:cSld>
+    <p:spTree>
+      <p:nvGrpSpPr>
+        <p:cNvPr id="1" name=""/>
+        <p:cNvGrpSpPr/>
+        <p:nvPr/>
+      </p:nvGrpSpPr>
+      <p:grpSpPr>
+        <a:xfrm>
+          <a:off x="0" y="0"/>
+          <a:ext cx="0" cy="0"/>
+          <a:chOff x="0" y="0"/>
+          <a:chExt cx="0" cy="0"/>
+        </a:xfrm>
+      </p:grpSpPr>
+      <p:sp>
+        <p:nvSpPr>
+          <p:cNvPr id="2" name="Slide Image Placeholder 1"/>
+          <p:cNvSpPr>
+            <a:spLocks noGrp="1" noRot="1" noChangeAspect="1"/>
+          </p:cNvSpPr>
+          <p:nvPr>
+            <p:ph type="sldImg"/>
+          </p:nvPr>
+        </p:nvSpPr>
+        <p:spPr/>
+      </p:sp>
+      <p:sp>
+        <p:nvSpPr>
+          <p:cNvPr id="3" name="Notes Placeholder 2"/>
+          <p:cNvSpPr>
+            <a:spLocks noGrp="1"/>
+          </p:cNvSpPr>
+          <p:nvPr>
+            <p:ph type="body" idx="1"/>
+          </p:nvPr>
+        </p:nvSpPr>
+        <p:spPr/>
+        <p:txBody>
+          <a:bodyPr/>
+          <a:lstStyle/>
+          <a:p>
+            <a:endParaRPr lang="en-US" dirty="0"/>
+          </a:p>
+        </p:txBody>
+      </p:sp>
+      <p:sp>
+        <p:nvSpPr>
+          <p:cNvPr id="4" name="Slide Number Placeholder 3"/>
+          <p:cNvSpPr>
+            <a:spLocks noGrp="1"/>
+          </p:cNvSpPr>
+          <p:nvPr>
+            <p:ph type="sldNum" sz="quarter" idx="5"/>
+          </p:nvPr>
+        </p:nvSpPr>
+        <p:spPr/>
+        <p:txBody>
+          <a:bodyPr/>
+          <a:lstStyle/>
+          <a:p>
+            <a:fld id="{DF2352D6-35AF-0544-A99E-554CC41E76C4}" type="slidenum">
+              <a:rPr lang="en-US" smtClean="0"/>
+              <a:t>17</a:t>
             </a:fld>
             <a:endParaRPr lang="en-US"/>
           </a:p>
@@ -1923,7 +2042,7 @@
           <a:p>
             <a:r>
               <a:rPr lang="en-US" dirty="0"/>
-              <a:t>We need to select the features that will have the biggest impact on price</a:t>
+              <a:t>We have collectively gone through the feature selection process to determine which features we feel that will have the most impact on the listing price.</a:t>
             </a:r>
           </a:p>
         </p:txBody>
@@ -2022,7 +2141,7 @@
                 <a:effectLst/>
                 <a:latin typeface="arial" panose="020B0604020202020204" pitchFamily="34" charset="0"/>
               </a:rPr>
-              <a:t>common scale, without distorting differences in the ranges of values or losing information.</a:t>
+              <a:t>We need to scale the data to the same units so differences won’t be distorted.  If this is not done, the test results will have major fluctuations.</a:t>
             </a:r>
             <a:endParaRPr lang="en-US" dirty="0"/>
           </a:p>
@@ -2110,38 +2229,20 @@
           <a:p>
             <a:r>
               <a:rPr lang="en-US" dirty="0"/>
-              <a:t>-To help users explore all listings available in NYC, we created a marker cluster map using Leaflet. </a:t>
-            </a:r>
-          </a:p>
-          <a:p>
-            <a:r>
-              <a:rPr lang="en-US" dirty="0"/>
-              <a:t>-The clusters display the number of listings with the different boroughs and </a:t>
-            </a:r>
-            <a:r>
-              <a:rPr lang="en-US" dirty="0" err="1"/>
-              <a:t>neighbourhoods</a:t>
-            </a:r>
-            <a:r>
-              <a:rPr lang="en-US" dirty="0"/>
-              <a:t> in NYC. </a:t>
-            </a:r>
-          </a:p>
-          <a:p>
-            <a:r>
-              <a:rPr lang="en-US" dirty="0"/>
-              <a:t>-In this example, we selected the the well-known New York borough of Manhattan, and then further zoomed in to the Upper West Side </a:t>
-            </a:r>
-            <a:r>
-              <a:rPr lang="en-US" dirty="0" err="1"/>
-              <a:t>neighbourhood</a:t>
-            </a:r>
-            <a:r>
-              <a:rPr lang="en-US" dirty="0"/>
-              <a:t>. </a:t>
-            </a:r>
-          </a:p>
-          <a:p>
+              <a:t>We changed the default settings of the test data from 25% to 35% so that will have more data to give a more realistic results of predicting prices.</a:t>
+            </a:r>
+          </a:p>
+          <a:p>
+            <a:r>
+              <a:rPr lang="en-US" b="0" i="0" dirty="0">
+                <a:solidFill>
+                  <a:srgbClr val="202124"/>
+                </a:solidFill>
+                <a:effectLst/>
+                <a:latin typeface="arial" panose="020B0604020202020204" pitchFamily="34" charset="0"/>
+              </a:rPr>
+              <a:t>We need to scale the data to the same units so differences won’t be distorted.  If this is not done, the test results will have major fluctuations.</a:t>
+            </a:r>
             <a:endParaRPr lang="en-US" dirty="0"/>
           </a:p>
         </p:txBody>
@@ -2172,7 +2273,7 @@
     </p:spTree>
     <p:extLst>
       <p:ext uri="{BB962C8B-B14F-4D97-AF65-F5344CB8AC3E}">
-        <p14:creationId xmlns:p14="http://schemas.microsoft.com/office/powerpoint/2010/main" val="818292738"/>
+        <p14:creationId xmlns:p14="http://schemas.microsoft.com/office/powerpoint/2010/main" val="4084500735"/>
       </p:ext>
     </p:extLst>
   </p:cSld>
@@ -6019,6 +6120,163 @@
                   <a:srgbClr val="EA5E46"/>
                 </a:solidFill>
               </a:rPr>
+              <a:t>Running the model</a:t>
+            </a:r>
+          </a:p>
+        </p:txBody>
+      </p:sp>
+      <p:pic>
+        <p:nvPicPr>
+          <p:cNvPr id="2050" name="Picture 2" descr="Image result for air bnb logo">
+            <a:extLst>
+              <a:ext uri="{FF2B5EF4-FFF2-40B4-BE49-F238E27FC236}">
+                <a16:creationId xmlns:a16="http://schemas.microsoft.com/office/drawing/2014/main" id="{A162C291-208B-BE48-BF44-7D5CD7EF6151}"/>
+              </a:ext>
+            </a:extLst>
+          </p:cNvPr>
+          <p:cNvPicPr>
+            <a:picLocks noChangeAspect="1" noChangeArrowheads="1"/>
+          </p:cNvPicPr>
+          <p:nvPr/>
+        </p:nvPicPr>
+        <p:blipFill>
+          <a:blip r:embed="rId3">
+            <a:extLst>
+              <a:ext uri="{28A0092B-C50C-407E-A947-70E740481C1C}">
+                <a14:useLocalDpi xmlns:a14="http://schemas.microsoft.com/office/drawing/2010/main" val="0"/>
+              </a:ext>
+            </a:extLst>
+          </a:blip>
+          <a:srcRect/>
+          <a:stretch>
+            <a:fillRect/>
+          </a:stretch>
+        </p:blipFill>
+        <p:spPr bwMode="auto">
+          <a:xfrm>
+            <a:off x="2082633" y="0"/>
+            <a:ext cx="2189605" cy="2022038"/>
+          </a:xfrm>
+          <a:prstGeom prst="rect">
+            <a:avLst/>
+          </a:prstGeom>
+          <a:noFill/>
+          <a:extLst>
+            <a:ext uri="{909E8E84-426E-40DD-AFC4-6F175D3DCCD1}">
+              <a14:hiddenFill xmlns:a14="http://schemas.microsoft.com/office/drawing/2010/main">
+                <a:solidFill>
+                  <a:srgbClr val="FFFFFF"/>
+                </a:solidFill>
+              </a14:hiddenFill>
+            </a:ext>
+          </a:extLst>
+        </p:spPr>
+      </p:pic>
+      <p:cxnSp>
+        <p:nvCxnSpPr>
+          <p:cNvPr id="6" name="Straight Connector 5">
+            <a:extLst>
+              <a:ext uri="{FF2B5EF4-FFF2-40B4-BE49-F238E27FC236}">
+                <a16:creationId xmlns:a16="http://schemas.microsoft.com/office/drawing/2014/main" id="{7D0926DC-6298-B648-9DF9-0D78D09F9FC8}"/>
+              </a:ext>
+            </a:extLst>
+          </p:cNvPr>
+          <p:cNvCxnSpPr>
+            <a:cxnSpLocks/>
+          </p:cNvCxnSpPr>
+          <p:nvPr/>
+        </p:nvCxnSpPr>
+        <p:spPr>
+          <a:xfrm>
+            <a:off x="2526110" y="1576551"/>
+            <a:ext cx="9518745" cy="1"/>
+          </a:xfrm>
+          <a:prstGeom prst="line">
+            <a:avLst/>
+          </a:prstGeom>
+          <a:ln w="12700">
+            <a:solidFill>
+              <a:srgbClr val="EA5E46"/>
+            </a:solidFill>
+          </a:ln>
+        </p:spPr>
+        <p:style>
+          <a:lnRef idx="1">
+            <a:schemeClr val="accent2"/>
+          </a:lnRef>
+          <a:fillRef idx="0">
+            <a:schemeClr val="accent2"/>
+          </a:fillRef>
+          <a:effectRef idx="0">
+            <a:schemeClr val="accent2"/>
+          </a:effectRef>
+          <a:fontRef idx="minor">
+            <a:schemeClr val="tx1"/>
+          </a:fontRef>
+        </p:style>
+      </p:cxnSp>
+    </p:spTree>
+    <p:extLst>
+      <p:ext uri="{BB962C8B-B14F-4D97-AF65-F5344CB8AC3E}">
+        <p14:creationId xmlns:p14="http://schemas.microsoft.com/office/powerpoint/2010/main" val="46653007"/>
+      </p:ext>
+    </p:extLst>
+  </p:cSld>
+  <p:clrMapOvr>
+    <a:masterClrMapping/>
+  </p:clrMapOvr>
+</p:sld>
+</file>
+
+<file path=ppt/slides/slide11.xml><?xml version="1.0" encoding="utf-8"?>
+<p:sld xmlns:a="http://schemas.openxmlformats.org/drawingml/2006/main" xmlns:r="http://schemas.openxmlformats.org/officeDocument/2006/relationships" xmlns:p="http://schemas.openxmlformats.org/presentationml/2006/main">
+  <p:cSld>
+    <p:spTree>
+      <p:nvGrpSpPr>
+        <p:cNvPr id="1" name=""/>
+        <p:cNvGrpSpPr/>
+        <p:nvPr/>
+      </p:nvGrpSpPr>
+      <p:grpSpPr>
+        <a:xfrm>
+          <a:off x="0" y="0"/>
+          <a:ext cx="0" cy="0"/>
+          <a:chOff x="0" y="0"/>
+          <a:chExt cx="0" cy="0"/>
+        </a:xfrm>
+      </p:grpSpPr>
+      <p:sp>
+        <p:nvSpPr>
+          <p:cNvPr id="2" name="Title 1">
+            <a:extLst>
+              <a:ext uri="{FF2B5EF4-FFF2-40B4-BE49-F238E27FC236}">
+                <a16:creationId xmlns:a16="http://schemas.microsoft.com/office/drawing/2014/main" id="{59B8B577-5676-3C4B-A107-E41DB331FD85}"/>
+              </a:ext>
+            </a:extLst>
+          </p:cNvPr>
+          <p:cNvSpPr>
+            <a:spLocks noGrp="1"/>
+          </p:cNvSpPr>
+          <p:nvPr>
+            <p:ph type="title"/>
+          </p:nvPr>
+        </p:nvSpPr>
+        <p:spPr>
+          <a:xfrm>
+            <a:off x="4272238" y="588197"/>
+            <a:ext cx="10515600" cy="1325563"/>
+          </a:xfrm>
+        </p:spPr>
+        <p:txBody>
+          <a:bodyPr/>
+          <a:lstStyle/>
+          <a:p>
+            <a:r>
+              <a:rPr lang="en-US" dirty="0">
+                <a:solidFill>
+                  <a:srgbClr val="EA5E46"/>
+                </a:solidFill>
+              </a:rPr>
               <a:t>Model Challenges</a:t>
             </a:r>
           </a:p>
@@ -6127,7 +6385,7 @@
 </p:sld>
 </file>
 
-<file path=ppt/slides/slide11.xml><?xml version="1.0" encoding="utf-8"?>
+<file path=ppt/slides/slide12.xml><?xml version="1.0" encoding="utf-8"?>
 <p:sld xmlns:a="http://schemas.openxmlformats.org/drawingml/2006/main" xmlns:r="http://schemas.openxmlformats.org/officeDocument/2006/relationships" xmlns:p="http://schemas.openxmlformats.org/presentationml/2006/main">
   <p:cSld>
     <p:spTree>
@@ -6284,7 +6542,7 @@
 </p:sld>
 </file>
 
-<file path=ppt/slides/slide12.xml><?xml version="1.0" encoding="utf-8"?>
+<file path=ppt/slides/slide13.xml><?xml version="1.0" encoding="utf-8"?>
 <p:sld xmlns:a="http://schemas.openxmlformats.org/drawingml/2006/main" xmlns:r="http://schemas.openxmlformats.org/officeDocument/2006/relationships" xmlns:p="http://schemas.openxmlformats.org/presentationml/2006/main">
   <p:cSld>
     <p:spTree>
@@ -6441,7 +6699,7 @@
 </p:sld>
 </file>
 
-<file path=ppt/slides/slide13.xml><?xml version="1.0" encoding="utf-8"?>
+<file path=ppt/slides/slide14.xml><?xml version="1.0" encoding="utf-8"?>
 <p:sld xmlns:a="http://schemas.openxmlformats.org/drawingml/2006/main" xmlns:r="http://schemas.openxmlformats.org/officeDocument/2006/relationships" xmlns:p="http://schemas.openxmlformats.org/presentationml/2006/main">
   <p:cSld>
     <p:spTree>
@@ -6613,7 +6871,7 @@
 </p:sld>
 </file>
 
-<file path=ppt/slides/slide14.xml><?xml version="1.0" encoding="utf-8"?>
+<file path=ppt/slides/slide15.xml><?xml version="1.0" encoding="utf-8"?>
 <p:sld xmlns:a="http://schemas.openxmlformats.org/drawingml/2006/main" xmlns:r="http://schemas.openxmlformats.org/officeDocument/2006/relationships" xmlns:p="http://schemas.openxmlformats.org/presentationml/2006/main">
   <p:cSld>
     <p:spTree>
@@ -6772,7 +7030,7 @@
 </p:sld>
 </file>
 
-<file path=ppt/slides/slide15.xml><?xml version="1.0" encoding="utf-8"?>
+<file path=ppt/slides/slide16.xml><?xml version="1.0" encoding="utf-8"?>
 <p:sld xmlns:a="http://schemas.openxmlformats.org/drawingml/2006/main" xmlns:r="http://schemas.openxmlformats.org/officeDocument/2006/relationships" xmlns:p="http://schemas.openxmlformats.org/presentationml/2006/main">
   <p:cSld>
     <p:spTree>
@@ -6929,7 +7187,7 @@
 </p:sld>
 </file>
 
-<file path=ppt/slides/slide16.xml><?xml version="1.0" encoding="utf-8"?>
+<file path=ppt/slides/slide17.xml><?xml version="1.0" encoding="utf-8"?>
 <p:sld xmlns:a="http://schemas.openxmlformats.org/drawingml/2006/main" xmlns:r="http://schemas.openxmlformats.org/officeDocument/2006/relationships" xmlns:p="http://schemas.openxmlformats.org/presentationml/2006/main">
   <p:cSld>
     <p:spTree>
@@ -7448,7 +7706,7 @@
         </p:nvSpPr>
         <p:spPr>
           <a:xfrm>
-            <a:off x="5980172" y="3422544"/>
+            <a:off x="5980172" y="3777154"/>
             <a:ext cx="552893" cy="352089"/>
           </a:xfrm>
           <a:prstGeom prst="rightArrow">
@@ -7507,13 +7765,13 @@
           <p:nvPr>
             <p:extLst>
               <p:ext uri="{D42A27DB-BD31-4B8C-83A1-F6EECF244321}">
-                <p14:modId xmlns:p14="http://schemas.microsoft.com/office/powerpoint/2010/main" val="2000541183"/>
+                <p14:modId xmlns:p14="http://schemas.microsoft.com/office/powerpoint/2010/main" val="147169135"/>
               </p:ext>
             </p:extLst>
           </p:nvPr>
         </p:nvGraphicFramePr>
         <p:xfrm>
-          <a:off x="1061616" y="2906771"/>
+          <a:off x="1061616" y="3261381"/>
           <a:ext cx="4611395" cy="1089728"/>
         </p:xfrm>
         <a:graphic>
@@ -7600,13 +7858,13 @@
           <p:nvPr>
             <p:extLst>
               <p:ext uri="{D42A27DB-BD31-4B8C-83A1-F6EECF244321}">
-                <p14:modId xmlns:p14="http://schemas.microsoft.com/office/powerpoint/2010/main" val="3170007013"/>
+                <p14:modId xmlns:p14="http://schemas.microsoft.com/office/powerpoint/2010/main" val="1012773955"/>
               </p:ext>
             </p:extLst>
           </p:nvPr>
         </p:nvGraphicFramePr>
         <p:xfrm>
-          <a:off x="6840226" y="2906771"/>
+          <a:off x="6840226" y="3261381"/>
           <a:ext cx="4611395" cy="1089728"/>
         </p:xfrm>
         <a:graphic>
@@ -7670,6 +7928,42 @@
           </a:graphicData>
         </a:graphic>
       </p:graphicFrame>
+      <p:sp>
+        <p:nvSpPr>
+          <p:cNvPr id="5" name="TextBox 4">
+            <a:extLst>
+              <a:ext uri="{FF2B5EF4-FFF2-40B4-BE49-F238E27FC236}">
+                <a16:creationId xmlns:a16="http://schemas.microsoft.com/office/drawing/2014/main" id="{0B1F14FF-D320-49A9-9FFD-98A5063749C8}"/>
+              </a:ext>
+            </a:extLst>
+          </p:cNvPr>
+          <p:cNvSpPr txBox="1"/>
+          <p:nvPr/>
+        </p:nvSpPr>
+        <p:spPr>
+          <a:xfrm>
+            <a:off x="975853" y="2130318"/>
+            <a:ext cx="7179605" cy="461665"/>
+          </a:xfrm>
+          <a:prstGeom prst="rect">
+            <a:avLst/>
+          </a:prstGeom>
+          <a:noFill/>
+        </p:spPr>
+        <p:txBody>
+          <a:bodyPr wrap="square" rtlCol="0">
+            <a:spAutoFit/>
+          </a:bodyPr>
+          <a:lstStyle/>
+          <a:p>
+            <a:r>
+              <a:rPr lang="en-US" sz="2400" b="1" dirty="0"/>
+              <a:t>How will this new feature will impact the price?</a:t>
+            </a:r>
+            <a:endParaRPr lang="en-CA" sz="2400" b="1" dirty="0"/>
+          </a:p>
+        </p:txBody>
+      </p:sp>
     </p:spTree>
     <p:extLst>
       <p:ext uri="{BB962C8B-B14F-4D97-AF65-F5344CB8AC3E}">
@@ -10011,22 +10305,29 @@
         </p:nvSpPr>
         <p:spPr>
           <a:xfrm>
-            <a:off x="4272238" y="588197"/>
+            <a:off x="2721982" y="696475"/>
             <a:ext cx="10515600" cy="1325563"/>
           </a:xfrm>
         </p:spPr>
         <p:txBody>
-          <a:bodyPr/>
-          <a:lstStyle/>
-          <a:p>
-            <a:r>
-              <a:rPr lang="en-US" dirty="0">
+          <a:bodyPr>
+            <a:normAutofit/>
+          </a:bodyPr>
+          <a:lstStyle/>
+          <a:p>
+            <a:r>
+              <a:rPr lang="en-US" sz="4000">
                 <a:solidFill>
                   <a:srgbClr val="EA5E46"/>
                 </a:solidFill>
               </a:rPr>
-              <a:t>Model Data Transformation</a:t>
-            </a:r>
+              <a:t>Running the Model</a:t>
+            </a:r>
+            <a:endParaRPr lang="en-US" sz="4000" dirty="0">
+              <a:solidFill>
+                <a:srgbClr val="EA5E46"/>
+              </a:solidFill>
+            </a:endParaRPr>
           </a:p>
         </p:txBody>
       </p:sp>
@@ -10059,7 +10360,7 @@
         </p:blipFill>
         <p:spPr bwMode="auto">
           <a:xfrm>
-            <a:off x="2082633" y="0"/>
+            <a:off x="530564" y="108278"/>
             <a:ext cx="2189605" cy="2022038"/>
           </a:xfrm>
           <a:prstGeom prst="rect">
@@ -10093,7 +10394,7 @@
         </p:nvCxnSpPr>
         <p:spPr>
           <a:xfrm>
-            <a:off x="2526110" y="1576551"/>
+            <a:off x="975854" y="1684829"/>
             <a:ext cx="9518745" cy="1"/>
           </a:xfrm>
           <a:prstGeom prst="line">
@@ -10120,10 +10421,63 @@
           </a:fontRef>
         </p:style>
       </p:cxnSp>
+      <p:sp>
+        <p:nvSpPr>
+          <p:cNvPr id="3" name="TextBox 2">
+            <a:extLst>
+              <a:ext uri="{FF2B5EF4-FFF2-40B4-BE49-F238E27FC236}">
+                <a16:creationId xmlns:a16="http://schemas.microsoft.com/office/drawing/2014/main" id="{30193E11-24DC-41C6-98FD-B1F7EC80C36D}"/>
+              </a:ext>
+            </a:extLst>
+          </p:cNvPr>
+          <p:cNvSpPr txBox="1"/>
+          <p:nvPr/>
+        </p:nvSpPr>
+        <p:spPr>
+          <a:xfrm>
+            <a:off x="975854" y="2644077"/>
+            <a:ext cx="10052930" cy="2554545"/>
+          </a:xfrm>
+          <a:prstGeom prst="rect">
+            <a:avLst/>
+          </a:prstGeom>
+          <a:noFill/>
+        </p:spPr>
+        <p:txBody>
+          <a:bodyPr wrap="square" rtlCol="0">
+            <a:spAutoFit/>
+          </a:bodyPr>
+          <a:lstStyle/>
+          <a:p>
+            <a:pPr marL="285750" indent="-285750">
+              <a:buFont typeface="Arial" panose="020B0604020202020204" pitchFamily="34" charset="0"/>
+              <a:buChar char="•"/>
+            </a:pPr>
+            <a:r>
+              <a:rPr lang="en-US" sz="3200" dirty="0"/>
+              <a:t>Change test data from 25% to 35% to provide more data to increase accuracy of the models.</a:t>
+            </a:r>
+          </a:p>
+          <a:p>
+            <a:pPr lvl="1"/>
+            <a:endParaRPr lang="en-US" sz="3200" dirty="0"/>
+          </a:p>
+          <a:p>
+            <a:pPr marL="285750" indent="-285750">
+              <a:buFont typeface="Arial" panose="020B0604020202020204" pitchFamily="34" charset="0"/>
+              <a:buChar char="•"/>
+            </a:pPr>
+            <a:r>
+              <a:rPr lang="en-CA" sz="3200" dirty="0"/>
+              <a:t>Scale the X-values for normalizations to ensure all features are the same unit.</a:t>
+            </a:r>
+          </a:p>
+        </p:txBody>
+      </p:sp>
     </p:spTree>
     <p:extLst>
       <p:ext uri="{BB962C8B-B14F-4D97-AF65-F5344CB8AC3E}">
-        <p14:creationId xmlns:p14="http://schemas.microsoft.com/office/powerpoint/2010/main" val="46653007"/>
+        <p14:creationId xmlns:p14="http://schemas.microsoft.com/office/powerpoint/2010/main" val="1816392171"/>
       </p:ext>
     </p:extLst>
   </p:cSld>

--- a/Airbnb Price Predictions (Model).pptx
+++ b/Airbnb Price Predictions (Model).pptx
@@ -5,7 +5,7 @@
     <p:sldMasterId id="2147483648" r:id="rId1"/>
   </p:sldMasterIdLst>
   <p:notesMasterIdLst>
-    <p:notesMasterId r:id="rId19"/>
+    <p:notesMasterId r:id="rId20"/>
   </p:notesMasterIdLst>
   <p:sldIdLst>
     <p:sldId id="280" r:id="rId2"/>
@@ -14,17 +14,18 @@
     <p:sldId id="300" r:id="rId5"/>
     <p:sldId id="298" r:id="rId6"/>
     <p:sldId id="303" r:id="rId7"/>
-    <p:sldId id="301" r:id="rId8"/>
-    <p:sldId id="302" r:id="rId9"/>
-    <p:sldId id="304" r:id="rId10"/>
-    <p:sldId id="286" r:id="rId11"/>
-    <p:sldId id="287" r:id="rId12"/>
-    <p:sldId id="289" r:id="rId13"/>
-    <p:sldId id="290" r:id="rId14"/>
-    <p:sldId id="291" r:id="rId15"/>
-    <p:sldId id="292" r:id="rId16"/>
-    <p:sldId id="288" r:id="rId17"/>
-    <p:sldId id="274" r:id="rId18"/>
+    <p:sldId id="305" r:id="rId8"/>
+    <p:sldId id="301" r:id="rId9"/>
+    <p:sldId id="302" r:id="rId10"/>
+    <p:sldId id="304" r:id="rId11"/>
+    <p:sldId id="286" r:id="rId12"/>
+    <p:sldId id="287" r:id="rId13"/>
+    <p:sldId id="289" r:id="rId14"/>
+    <p:sldId id="290" r:id="rId15"/>
+    <p:sldId id="291" r:id="rId16"/>
+    <p:sldId id="292" r:id="rId17"/>
+    <p:sldId id="288" r:id="rId18"/>
+    <p:sldId id="274" r:id="rId19"/>
   </p:sldIdLst>
   <p:sldSz cx="12192000" cy="6858000"/>
   <p:notesSz cx="6858000" cy="9144000"/>
@@ -225,7 +226,7 @@
           <a:p>
             <a:fld id="{4CCFD3AE-9071-224A-B675-15A76FB69B01}" type="datetimeFigureOut">
               <a:rPr lang="en-US" smtClean="0"/>
-              <a:t>3/20/2021</a:t>
+              <a:t>3/21/2021</a:t>
             </a:fld>
             <a:endParaRPr lang="en-US"/>
           </a:p>
@@ -648,38 +649,20 @@
           <a:p>
             <a:r>
               <a:rPr lang="en-US" dirty="0"/>
-              <a:t>-To help users explore all listings available in NYC, we created a marker cluster map using Leaflet. </a:t>
-            </a:r>
-          </a:p>
-          <a:p>
-            <a:r>
-              <a:rPr lang="en-US" dirty="0"/>
-              <a:t>-The clusters display the number of listings with the different boroughs and </a:t>
-            </a:r>
-            <a:r>
-              <a:rPr lang="en-US" dirty="0" err="1"/>
-              <a:t>neighbourhoods</a:t>
-            </a:r>
-            <a:r>
-              <a:rPr lang="en-US" dirty="0"/>
-              <a:t> in NYC. </a:t>
-            </a:r>
-          </a:p>
-          <a:p>
-            <a:r>
-              <a:rPr lang="en-US" dirty="0"/>
-              <a:t>-In this example, we selected the the well-known New York borough of Manhattan, and then further zoomed in to the Upper West Side </a:t>
-            </a:r>
-            <a:r>
-              <a:rPr lang="en-US" dirty="0" err="1"/>
-              <a:t>neighbourhood</a:t>
-            </a:r>
-            <a:r>
-              <a:rPr lang="en-US" dirty="0"/>
-              <a:t>. </a:t>
-            </a:r>
-          </a:p>
-          <a:p>
+              <a:t>We changed the default settings of the test data from 25% to 35% so that will have more data to give a more realistic results of predicting prices.</a:t>
+            </a:r>
+          </a:p>
+          <a:p>
+            <a:r>
+              <a:rPr lang="en-US" b="0" i="0" dirty="0">
+                <a:solidFill>
+                  <a:srgbClr val="202124"/>
+                </a:solidFill>
+                <a:effectLst/>
+                <a:latin typeface="arial" panose="020B0604020202020204" pitchFamily="34" charset="0"/>
+              </a:rPr>
+              <a:t>We need to scale the data to the same units so differences won’t be distorted.  If this is not done, the test results will have major fluctuations.</a:t>
+            </a:r>
             <a:endParaRPr lang="en-US" dirty="0"/>
           </a:p>
         </p:txBody>
@@ -710,7 +693,7 @@
     </p:spTree>
     <p:extLst>
       <p:ext uri="{BB962C8B-B14F-4D97-AF65-F5344CB8AC3E}">
-        <p14:creationId xmlns:p14="http://schemas.microsoft.com/office/powerpoint/2010/main" val="818292738"/>
+        <p14:creationId xmlns:p14="http://schemas.microsoft.com/office/powerpoint/2010/main" val="4084500735"/>
       </p:ext>
     </p:extLst>
   </p:cSld>
@@ -828,7 +811,7 @@
     </p:spTree>
     <p:extLst>
       <p:ext uri="{BB962C8B-B14F-4D97-AF65-F5344CB8AC3E}">
-        <p14:creationId xmlns:p14="http://schemas.microsoft.com/office/powerpoint/2010/main" val="2744486609"/>
+        <p14:creationId xmlns:p14="http://schemas.microsoft.com/office/powerpoint/2010/main" val="818292738"/>
       </p:ext>
     </p:extLst>
   </p:cSld>
@@ -946,7 +929,7 @@
     </p:spTree>
     <p:extLst>
       <p:ext uri="{BB962C8B-B14F-4D97-AF65-F5344CB8AC3E}">
-        <p14:creationId xmlns:p14="http://schemas.microsoft.com/office/powerpoint/2010/main" val="3177731070"/>
+        <p14:creationId xmlns:p14="http://schemas.microsoft.com/office/powerpoint/2010/main" val="2744486609"/>
       </p:ext>
     </p:extLst>
   </p:cSld>
@@ -1064,7 +1047,7 @@
     </p:spTree>
     <p:extLst>
       <p:ext uri="{BB962C8B-B14F-4D97-AF65-F5344CB8AC3E}">
-        <p14:creationId xmlns:p14="http://schemas.microsoft.com/office/powerpoint/2010/main" val="266214348"/>
+        <p14:creationId xmlns:p14="http://schemas.microsoft.com/office/powerpoint/2010/main" val="3177731070"/>
       </p:ext>
     </p:extLst>
   </p:cSld>
@@ -1182,7 +1165,7 @@
     </p:spTree>
     <p:extLst>
       <p:ext uri="{BB962C8B-B14F-4D97-AF65-F5344CB8AC3E}">
-        <p14:creationId xmlns:p14="http://schemas.microsoft.com/office/powerpoint/2010/main" val="847075339"/>
+        <p14:creationId xmlns:p14="http://schemas.microsoft.com/office/powerpoint/2010/main" val="266214348"/>
       </p:ext>
     </p:extLst>
   </p:cSld>
@@ -1300,7 +1283,7 @@
     </p:spTree>
     <p:extLst>
       <p:ext uri="{BB962C8B-B14F-4D97-AF65-F5344CB8AC3E}">
-        <p14:creationId xmlns:p14="http://schemas.microsoft.com/office/powerpoint/2010/main" val="533258538"/>
+        <p14:creationId xmlns:p14="http://schemas.microsoft.com/office/powerpoint/2010/main" val="847075339"/>
       </p:ext>
     </p:extLst>
   </p:cSld>
@@ -1418,7 +1401,7 @@
     </p:spTree>
     <p:extLst>
       <p:ext uri="{BB962C8B-B14F-4D97-AF65-F5344CB8AC3E}">
-        <p14:creationId xmlns:p14="http://schemas.microsoft.com/office/powerpoint/2010/main" val="498058897"/>
+        <p14:creationId xmlns:p14="http://schemas.microsoft.com/office/powerpoint/2010/main" val="533258538"/>
       </p:ext>
     </p:extLst>
   </p:cSld>
@@ -1472,6 +1455,40 @@
           <a:bodyPr/>
           <a:lstStyle/>
           <a:p>
+            <a:r>
+              <a:rPr lang="en-US" dirty="0"/>
+              <a:t>-To help users explore all listings available in NYC, we created a marker cluster map using Leaflet. </a:t>
+            </a:r>
+          </a:p>
+          <a:p>
+            <a:r>
+              <a:rPr lang="en-US" dirty="0"/>
+              <a:t>-The clusters display the number of listings with the different boroughs and </a:t>
+            </a:r>
+            <a:r>
+              <a:rPr lang="en-US" dirty="0" err="1"/>
+              <a:t>neighbourhoods</a:t>
+            </a:r>
+            <a:r>
+              <a:rPr lang="en-US" dirty="0"/>
+              <a:t> in NYC. </a:t>
+            </a:r>
+          </a:p>
+          <a:p>
+            <a:r>
+              <a:rPr lang="en-US" dirty="0"/>
+              <a:t>-In this example, we selected the the well-known New York borough of Manhattan, and then further zoomed in to the Upper West Side </a:t>
+            </a:r>
+            <a:r>
+              <a:rPr lang="en-US" dirty="0" err="1"/>
+              <a:t>neighbourhood</a:t>
+            </a:r>
+            <a:r>
+              <a:rPr lang="en-US" dirty="0"/>
+              <a:t>. </a:t>
+            </a:r>
+          </a:p>
+          <a:p>
             <a:endParaRPr lang="en-US" dirty="0"/>
           </a:p>
         </p:txBody>
@@ -1494,6 +1511,90 @@
             <a:fld id="{DF2352D6-35AF-0544-A99E-554CC41E76C4}" type="slidenum">
               <a:rPr lang="en-US" smtClean="0"/>
               <a:t>17</a:t>
+            </a:fld>
+            <a:endParaRPr lang="en-US"/>
+          </a:p>
+        </p:txBody>
+      </p:sp>
+    </p:spTree>
+    <p:extLst>
+      <p:ext uri="{BB962C8B-B14F-4D97-AF65-F5344CB8AC3E}">
+        <p14:creationId xmlns:p14="http://schemas.microsoft.com/office/powerpoint/2010/main" val="498058897"/>
+      </p:ext>
+    </p:extLst>
+  </p:cSld>
+  <p:clrMapOvr>
+    <a:masterClrMapping/>
+  </p:clrMapOvr>
+</p:notes>
+</file>
+
+<file path=ppt/notesSlides/notesSlide18.xml><?xml version="1.0" encoding="utf-8"?>
+<p:notes xmlns:a="http://schemas.openxmlformats.org/drawingml/2006/main" xmlns:r="http://schemas.openxmlformats.org/officeDocument/2006/relationships" xmlns:p="http://schemas.openxmlformats.org/presentationml/2006/main">
+  <p:cSld>
+    <p:spTree>
+      <p:nvGrpSpPr>
+        <p:cNvPr id="1" name=""/>
+        <p:cNvGrpSpPr/>
+        <p:nvPr/>
+      </p:nvGrpSpPr>
+      <p:grpSpPr>
+        <a:xfrm>
+          <a:off x="0" y="0"/>
+          <a:ext cx="0" cy="0"/>
+          <a:chOff x="0" y="0"/>
+          <a:chExt cx="0" cy="0"/>
+        </a:xfrm>
+      </p:grpSpPr>
+      <p:sp>
+        <p:nvSpPr>
+          <p:cNvPr id="2" name="Slide Image Placeholder 1"/>
+          <p:cNvSpPr>
+            <a:spLocks noGrp="1" noRot="1" noChangeAspect="1"/>
+          </p:cNvSpPr>
+          <p:nvPr>
+            <p:ph type="sldImg"/>
+          </p:nvPr>
+        </p:nvSpPr>
+        <p:spPr/>
+      </p:sp>
+      <p:sp>
+        <p:nvSpPr>
+          <p:cNvPr id="3" name="Notes Placeholder 2"/>
+          <p:cNvSpPr>
+            <a:spLocks noGrp="1"/>
+          </p:cNvSpPr>
+          <p:nvPr>
+            <p:ph type="body" idx="1"/>
+          </p:nvPr>
+        </p:nvSpPr>
+        <p:spPr/>
+        <p:txBody>
+          <a:bodyPr/>
+          <a:lstStyle/>
+          <a:p>
+            <a:endParaRPr lang="en-US" dirty="0"/>
+          </a:p>
+        </p:txBody>
+      </p:sp>
+      <p:sp>
+        <p:nvSpPr>
+          <p:cNvPr id="4" name="Slide Number Placeholder 3"/>
+          <p:cNvSpPr>
+            <a:spLocks noGrp="1"/>
+          </p:cNvSpPr>
+          <p:nvPr>
+            <p:ph type="sldNum" sz="quarter" idx="5"/>
+          </p:nvPr>
+        </p:nvSpPr>
+        <p:spPr/>
+        <p:txBody>
+          <a:bodyPr/>
+          <a:lstStyle/>
+          <a:p>
+            <a:fld id="{DF2352D6-35AF-0544-A99E-554CC41E76C4}" type="slidenum">
+              <a:rPr lang="en-US" smtClean="0"/>
+              <a:t>18</a:t>
             </a:fld>
             <a:endParaRPr lang="en-US"/>
           </a:p>
@@ -1941,22 +2042,52 @@
           <a:p>
             <a:r>
               <a:rPr lang="en-US" dirty="0"/>
-              <a:t>We filtered out major outliers to get the best selection of listings that best represents NYC Airbnb market.</a:t>
-            </a:r>
-          </a:p>
-          <a:p>
-            <a:r>
-              <a:rPr lang="en-US" dirty="0"/>
-              <a:t>We filtered out the outliers by only keeping the </a:t>
-            </a:r>
-            <a:r>
-              <a:rPr lang="en-US" dirty="0" err="1"/>
-              <a:t>neighbourhoods</a:t>
-            </a:r>
-            <a:r>
-              <a:rPr lang="en-US" dirty="0"/>
-              <a:t> that  with over 100 listings &amp; the listing prices under $600 so it is more normally distributed.</a:t>
-            </a:r>
+              <a:t>Also, we had to create another dataset for FB prophet as the model runs differently from the other regressor model.</a:t>
+            </a:r>
+          </a:p>
+          <a:p>
+            <a:endParaRPr lang="en-US" dirty="0"/>
+          </a:p>
+          <a:p>
+            <a:pPr marL="285750" indent="-285750">
+              <a:buFont typeface="Arial" panose="020B0604020202020204" pitchFamily="34" charset="0"/>
+              <a:buChar char="•"/>
+            </a:pPr>
+            <a:r>
+              <a:rPr lang="en-US" sz="1200" dirty="0"/>
+              <a:t>Filter for date and price columns</a:t>
+            </a:r>
+          </a:p>
+          <a:p>
+            <a:pPr marL="285750" indent="-285750">
+              <a:buFont typeface="Arial" panose="020B0604020202020204" pitchFamily="34" charset="0"/>
+              <a:buChar char="•"/>
+            </a:pPr>
+            <a:r>
+              <a:rPr lang="en-US" sz="1200" dirty="0"/>
+              <a:t>Format the date to datetime and price to float</a:t>
+            </a:r>
+          </a:p>
+          <a:p>
+            <a:pPr marL="285750" indent="-285750">
+              <a:buFont typeface="Arial" panose="020B0604020202020204" pitchFamily="34" charset="0"/>
+              <a:buChar char="•"/>
+            </a:pPr>
+            <a:r>
+              <a:rPr lang="en-US" sz="1200" dirty="0"/>
+              <a:t>Calculate the daily average for the price</a:t>
+            </a:r>
+          </a:p>
+          <a:p>
+            <a:pPr marL="285750" indent="-285750">
+              <a:buFont typeface="Arial" panose="020B0604020202020204" pitchFamily="34" charset="0"/>
+              <a:buChar char="•"/>
+            </a:pPr>
+            <a:r>
+              <a:rPr lang="en-US" sz="1200" dirty="0"/>
+              <a:t>Rename the date column to ds and price to y</a:t>
+            </a:r>
+            <a:endParaRPr lang="en-US" dirty="0"/>
           </a:p>
         </p:txBody>
       </p:sp>
@@ -2042,8 +2173,52 @@
           <a:p>
             <a:r>
               <a:rPr lang="en-US" dirty="0"/>
-              <a:t>We have collectively gone through the feature selection process to determine which features we feel that will have the most impact on the listing price.</a:t>
-            </a:r>
+              <a:t>Also, we had to create another dataset for FB prophet as the model runs differently from the other regressor model.</a:t>
+            </a:r>
+          </a:p>
+          <a:p>
+            <a:endParaRPr lang="en-US" dirty="0"/>
+          </a:p>
+          <a:p>
+            <a:pPr marL="285750" indent="-285750">
+              <a:buFont typeface="Arial" panose="020B0604020202020204" pitchFamily="34" charset="0"/>
+              <a:buChar char="•"/>
+            </a:pPr>
+            <a:r>
+              <a:rPr lang="en-US" sz="1200" dirty="0"/>
+              <a:t>Filter for date and price columns</a:t>
+            </a:r>
+          </a:p>
+          <a:p>
+            <a:pPr marL="285750" indent="-285750">
+              <a:buFont typeface="Arial" panose="020B0604020202020204" pitchFamily="34" charset="0"/>
+              <a:buChar char="•"/>
+            </a:pPr>
+            <a:r>
+              <a:rPr lang="en-US" sz="1200" dirty="0"/>
+              <a:t>Format the date to datetime and price to float</a:t>
+            </a:r>
+          </a:p>
+          <a:p>
+            <a:pPr marL="285750" indent="-285750">
+              <a:buFont typeface="Arial" panose="020B0604020202020204" pitchFamily="34" charset="0"/>
+              <a:buChar char="•"/>
+            </a:pPr>
+            <a:r>
+              <a:rPr lang="en-US" sz="1200" dirty="0"/>
+              <a:t>Calculate the daily average for the price</a:t>
+            </a:r>
+          </a:p>
+          <a:p>
+            <a:pPr marL="285750" indent="-285750">
+              <a:buFont typeface="Arial" panose="020B0604020202020204" pitchFamily="34" charset="0"/>
+              <a:buChar char="•"/>
+            </a:pPr>
+            <a:r>
+              <a:rPr lang="en-US" sz="1200" dirty="0"/>
+              <a:t>Rename the date column to ds and price to y</a:t>
+            </a:r>
+            <a:endParaRPr lang="en-US" dirty="0"/>
           </a:p>
         </p:txBody>
       </p:sp>
@@ -2073,7 +2248,7 @@
     </p:spTree>
     <p:extLst>
       <p:ext uri="{BB962C8B-B14F-4D97-AF65-F5344CB8AC3E}">
-        <p14:creationId xmlns:p14="http://schemas.microsoft.com/office/powerpoint/2010/main" val="2538897603"/>
+        <p14:creationId xmlns:p14="http://schemas.microsoft.com/office/powerpoint/2010/main" val="909365500"/>
       </p:ext>
     </p:extLst>
   </p:cSld>
@@ -2129,21 +2304,8 @@
           <a:p>
             <a:r>
               <a:rPr lang="en-US" dirty="0"/>
-              <a:t>We changed the default settings of the test data from 25% to 35% so that will have more data to give a more realistic results of predicting prices.</a:t>
-            </a:r>
-          </a:p>
-          <a:p>
-            <a:r>
-              <a:rPr lang="en-US" b="0" i="0" dirty="0">
-                <a:solidFill>
-                  <a:srgbClr val="202124"/>
-                </a:solidFill>
-                <a:effectLst/>
-                <a:latin typeface="arial" panose="020B0604020202020204" pitchFamily="34" charset="0"/>
-              </a:rPr>
-              <a:t>We need to scale the data to the same units so differences won’t be distorted.  If this is not done, the test results will have major fluctuations.</a:t>
-            </a:r>
-            <a:endParaRPr lang="en-US" dirty="0"/>
+              <a:t>We have collectively gone through the feature selection process to determine which features we feel that will have the most impact on the listing price.</a:t>
+            </a:r>
           </a:p>
         </p:txBody>
       </p:sp>
@@ -2173,7 +2335,7 @@
     </p:spTree>
     <p:extLst>
       <p:ext uri="{BB962C8B-B14F-4D97-AF65-F5344CB8AC3E}">
-        <p14:creationId xmlns:p14="http://schemas.microsoft.com/office/powerpoint/2010/main" val="3053377067"/>
+        <p14:creationId xmlns:p14="http://schemas.microsoft.com/office/powerpoint/2010/main" val="2538897603"/>
       </p:ext>
     </p:extLst>
   </p:cSld>
@@ -2273,7 +2435,7 @@
     </p:spTree>
     <p:extLst>
       <p:ext uri="{BB962C8B-B14F-4D97-AF65-F5344CB8AC3E}">
-        <p14:creationId xmlns:p14="http://schemas.microsoft.com/office/powerpoint/2010/main" val="4084500735"/>
+        <p14:creationId xmlns:p14="http://schemas.microsoft.com/office/powerpoint/2010/main" val="3053377067"/>
       </p:ext>
     </p:extLst>
   </p:cSld>
@@ -2430,7 +2592,7 @@
           <a:p>
             <a:fld id="{F7EC48CD-57E2-ED46-8391-F2D890161E05}" type="datetimeFigureOut">
               <a:rPr lang="en-US" smtClean="0"/>
-              <a:t>3/20/2021</a:t>
+              <a:t>3/21/2021</a:t>
             </a:fld>
             <a:endParaRPr lang="en-US"/>
           </a:p>
@@ -2628,7 +2790,7 @@
           <a:p>
             <a:fld id="{F7EC48CD-57E2-ED46-8391-F2D890161E05}" type="datetimeFigureOut">
               <a:rPr lang="en-US" smtClean="0"/>
-              <a:t>3/20/2021</a:t>
+              <a:t>3/21/2021</a:t>
             </a:fld>
             <a:endParaRPr lang="en-US"/>
           </a:p>
@@ -2836,7 +2998,7 @@
           <a:p>
             <a:fld id="{F7EC48CD-57E2-ED46-8391-F2D890161E05}" type="datetimeFigureOut">
               <a:rPr lang="en-US" smtClean="0"/>
-              <a:t>3/20/2021</a:t>
+              <a:t>3/21/2021</a:t>
             </a:fld>
             <a:endParaRPr lang="en-US"/>
           </a:p>
@@ -3034,7 +3196,7 @@
           <a:p>
             <a:fld id="{F7EC48CD-57E2-ED46-8391-F2D890161E05}" type="datetimeFigureOut">
               <a:rPr lang="en-US" smtClean="0"/>
-              <a:t>3/20/2021</a:t>
+              <a:t>3/21/2021</a:t>
             </a:fld>
             <a:endParaRPr lang="en-US"/>
           </a:p>
@@ -3309,7 +3471,7 @@
           <a:p>
             <a:fld id="{F7EC48CD-57E2-ED46-8391-F2D890161E05}" type="datetimeFigureOut">
               <a:rPr lang="en-US" smtClean="0"/>
-              <a:t>3/20/2021</a:t>
+              <a:t>3/21/2021</a:t>
             </a:fld>
             <a:endParaRPr lang="en-US"/>
           </a:p>
@@ -3574,7 +3736,7 @@
           <a:p>
             <a:fld id="{F7EC48CD-57E2-ED46-8391-F2D890161E05}" type="datetimeFigureOut">
               <a:rPr lang="en-US" smtClean="0"/>
-              <a:t>3/20/2021</a:t>
+              <a:t>3/21/2021</a:t>
             </a:fld>
             <a:endParaRPr lang="en-US"/>
           </a:p>
@@ -3986,7 +4148,7 @@
           <a:p>
             <a:fld id="{F7EC48CD-57E2-ED46-8391-F2D890161E05}" type="datetimeFigureOut">
               <a:rPr lang="en-US" smtClean="0"/>
-              <a:t>3/20/2021</a:t>
+              <a:t>3/21/2021</a:t>
             </a:fld>
             <a:endParaRPr lang="en-US"/>
           </a:p>
@@ -4127,7 +4289,7 @@
           <a:p>
             <a:fld id="{F7EC48CD-57E2-ED46-8391-F2D890161E05}" type="datetimeFigureOut">
               <a:rPr lang="en-US" smtClean="0"/>
-              <a:t>3/20/2021</a:t>
+              <a:t>3/21/2021</a:t>
             </a:fld>
             <a:endParaRPr lang="en-US"/>
           </a:p>
@@ -4240,7 +4402,7 @@
           <a:p>
             <a:fld id="{F7EC48CD-57E2-ED46-8391-F2D890161E05}" type="datetimeFigureOut">
               <a:rPr lang="en-US" smtClean="0"/>
-              <a:t>3/20/2021</a:t>
+              <a:t>3/21/2021</a:t>
             </a:fld>
             <a:endParaRPr lang="en-US"/>
           </a:p>
@@ -4551,7 +4713,7 @@
           <a:p>
             <a:fld id="{F7EC48CD-57E2-ED46-8391-F2D890161E05}" type="datetimeFigureOut">
               <a:rPr lang="en-US" smtClean="0"/>
-              <a:t>3/20/2021</a:t>
+              <a:t>3/21/2021</a:t>
             </a:fld>
             <a:endParaRPr lang="en-US"/>
           </a:p>
@@ -4839,7 +5001,7 @@
           <a:p>
             <a:fld id="{F7EC48CD-57E2-ED46-8391-F2D890161E05}" type="datetimeFigureOut">
               <a:rPr lang="en-US" smtClean="0"/>
-              <a:t>3/20/2021</a:t>
+              <a:t>3/21/2021</a:t>
             </a:fld>
             <a:endParaRPr lang="en-US"/>
           </a:p>
@@ -5080,7 +5242,7 @@
           <a:p>
             <a:fld id="{F7EC48CD-57E2-ED46-8391-F2D890161E05}" type="datetimeFigureOut">
               <a:rPr lang="en-US" smtClean="0"/>
-              <a:t>3/20/2021</a:t>
+              <a:t>3/21/2021</a:t>
             </a:fld>
             <a:endParaRPr lang="en-US"/>
           </a:p>
@@ -5531,7 +5693,7 @@
                   <a:srgbClr val="EA5E46"/>
                 </a:solidFill>
               </a:rPr>
-              <a:t>Price Predictor Models</a:t>
+              <a:t>Price Predictor Regression Models</a:t>
             </a:r>
           </a:p>
         </p:txBody>
@@ -6106,6 +6268,223 @@
         </p:nvSpPr>
         <p:spPr>
           <a:xfrm>
+            <a:off x="2721982" y="696475"/>
+            <a:ext cx="10515600" cy="1325563"/>
+          </a:xfrm>
+        </p:spPr>
+        <p:txBody>
+          <a:bodyPr>
+            <a:normAutofit/>
+          </a:bodyPr>
+          <a:lstStyle/>
+          <a:p>
+            <a:r>
+              <a:rPr lang="en-US" sz="4000">
+                <a:solidFill>
+                  <a:srgbClr val="EA5E46"/>
+                </a:solidFill>
+              </a:rPr>
+              <a:t>Running the Model</a:t>
+            </a:r>
+            <a:endParaRPr lang="en-US" sz="4000" dirty="0">
+              <a:solidFill>
+                <a:srgbClr val="EA5E46"/>
+              </a:solidFill>
+            </a:endParaRPr>
+          </a:p>
+        </p:txBody>
+      </p:sp>
+      <p:pic>
+        <p:nvPicPr>
+          <p:cNvPr id="2050" name="Picture 2" descr="Image result for air bnb logo">
+            <a:extLst>
+              <a:ext uri="{FF2B5EF4-FFF2-40B4-BE49-F238E27FC236}">
+                <a16:creationId xmlns:a16="http://schemas.microsoft.com/office/drawing/2014/main" id="{A162C291-208B-BE48-BF44-7D5CD7EF6151}"/>
+              </a:ext>
+            </a:extLst>
+          </p:cNvPr>
+          <p:cNvPicPr>
+            <a:picLocks noChangeAspect="1" noChangeArrowheads="1"/>
+          </p:cNvPicPr>
+          <p:nvPr/>
+        </p:nvPicPr>
+        <p:blipFill>
+          <a:blip r:embed="rId3">
+            <a:extLst>
+              <a:ext uri="{28A0092B-C50C-407E-A947-70E740481C1C}">
+                <a14:useLocalDpi xmlns:a14="http://schemas.microsoft.com/office/drawing/2010/main" val="0"/>
+              </a:ext>
+            </a:extLst>
+          </a:blip>
+          <a:srcRect/>
+          <a:stretch>
+            <a:fillRect/>
+          </a:stretch>
+        </p:blipFill>
+        <p:spPr bwMode="auto">
+          <a:xfrm>
+            <a:off x="530564" y="108278"/>
+            <a:ext cx="2189605" cy="2022038"/>
+          </a:xfrm>
+          <a:prstGeom prst="rect">
+            <a:avLst/>
+          </a:prstGeom>
+          <a:noFill/>
+          <a:extLst>
+            <a:ext uri="{909E8E84-426E-40DD-AFC4-6F175D3DCCD1}">
+              <a14:hiddenFill xmlns:a14="http://schemas.microsoft.com/office/drawing/2010/main">
+                <a:solidFill>
+                  <a:srgbClr val="FFFFFF"/>
+                </a:solidFill>
+              </a14:hiddenFill>
+            </a:ext>
+          </a:extLst>
+        </p:spPr>
+      </p:pic>
+      <p:cxnSp>
+        <p:nvCxnSpPr>
+          <p:cNvPr id="6" name="Straight Connector 5">
+            <a:extLst>
+              <a:ext uri="{FF2B5EF4-FFF2-40B4-BE49-F238E27FC236}">
+                <a16:creationId xmlns:a16="http://schemas.microsoft.com/office/drawing/2014/main" id="{7D0926DC-6298-B648-9DF9-0D78D09F9FC8}"/>
+              </a:ext>
+            </a:extLst>
+          </p:cNvPr>
+          <p:cNvCxnSpPr>
+            <a:cxnSpLocks/>
+          </p:cNvCxnSpPr>
+          <p:nvPr/>
+        </p:nvCxnSpPr>
+        <p:spPr>
+          <a:xfrm>
+            <a:off x="975854" y="1684829"/>
+            <a:ext cx="9518745" cy="1"/>
+          </a:xfrm>
+          <a:prstGeom prst="line">
+            <a:avLst/>
+          </a:prstGeom>
+          <a:ln w="12700">
+            <a:solidFill>
+              <a:srgbClr val="EA5E46"/>
+            </a:solidFill>
+          </a:ln>
+        </p:spPr>
+        <p:style>
+          <a:lnRef idx="1">
+            <a:schemeClr val="accent2"/>
+          </a:lnRef>
+          <a:fillRef idx="0">
+            <a:schemeClr val="accent2"/>
+          </a:fillRef>
+          <a:effectRef idx="0">
+            <a:schemeClr val="accent2"/>
+          </a:effectRef>
+          <a:fontRef idx="minor">
+            <a:schemeClr val="tx1"/>
+          </a:fontRef>
+        </p:style>
+      </p:cxnSp>
+      <p:sp>
+        <p:nvSpPr>
+          <p:cNvPr id="3" name="TextBox 2">
+            <a:extLst>
+              <a:ext uri="{FF2B5EF4-FFF2-40B4-BE49-F238E27FC236}">
+                <a16:creationId xmlns:a16="http://schemas.microsoft.com/office/drawing/2014/main" id="{30193E11-24DC-41C6-98FD-B1F7EC80C36D}"/>
+              </a:ext>
+            </a:extLst>
+          </p:cNvPr>
+          <p:cNvSpPr txBox="1"/>
+          <p:nvPr/>
+        </p:nvSpPr>
+        <p:spPr>
+          <a:xfrm>
+            <a:off x="975854" y="2644077"/>
+            <a:ext cx="10052930" cy="2554545"/>
+          </a:xfrm>
+          <a:prstGeom prst="rect">
+            <a:avLst/>
+          </a:prstGeom>
+          <a:noFill/>
+        </p:spPr>
+        <p:txBody>
+          <a:bodyPr wrap="square" rtlCol="0">
+            <a:spAutoFit/>
+          </a:bodyPr>
+          <a:lstStyle/>
+          <a:p>
+            <a:pPr marL="285750" indent="-285750">
+              <a:buFont typeface="Arial" panose="020B0604020202020204" pitchFamily="34" charset="0"/>
+              <a:buChar char="•"/>
+            </a:pPr>
+            <a:r>
+              <a:rPr lang="en-US" sz="3200" dirty="0"/>
+              <a:t>Change test data from 25% to 35% to provide more data to increase accuracy of the models.</a:t>
+            </a:r>
+          </a:p>
+          <a:p>
+            <a:pPr lvl="1"/>
+            <a:endParaRPr lang="en-US" sz="3200" dirty="0"/>
+          </a:p>
+          <a:p>
+            <a:pPr marL="285750" indent="-285750">
+              <a:buFont typeface="Arial" panose="020B0604020202020204" pitchFamily="34" charset="0"/>
+              <a:buChar char="•"/>
+            </a:pPr>
+            <a:r>
+              <a:rPr lang="en-CA" sz="3200" dirty="0"/>
+              <a:t>Scale the X-values for normalizations to ensure all features are the same unit.</a:t>
+            </a:r>
+          </a:p>
+        </p:txBody>
+      </p:sp>
+    </p:spTree>
+    <p:extLst>
+      <p:ext uri="{BB962C8B-B14F-4D97-AF65-F5344CB8AC3E}">
+        <p14:creationId xmlns:p14="http://schemas.microsoft.com/office/powerpoint/2010/main" val="1816392171"/>
+      </p:ext>
+    </p:extLst>
+  </p:cSld>
+  <p:clrMapOvr>
+    <a:masterClrMapping/>
+  </p:clrMapOvr>
+</p:sld>
+</file>
+
+<file path=ppt/slides/slide11.xml><?xml version="1.0" encoding="utf-8"?>
+<p:sld xmlns:a="http://schemas.openxmlformats.org/drawingml/2006/main" xmlns:r="http://schemas.openxmlformats.org/officeDocument/2006/relationships" xmlns:p="http://schemas.openxmlformats.org/presentationml/2006/main">
+  <p:cSld>
+    <p:spTree>
+      <p:nvGrpSpPr>
+        <p:cNvPr id="1" name=""/>
+        <p:cNvGrpSpPr/>
+        <p:nvPr/>
+      </p:nvGrpSpPr>
+      <p:grpSpPr>
+        <a:xfrm>
+          <a:off x="0" y="0"/>
+          <a:ext cx="0" cy="0"/>
+          <a:chOff x="0" y="0"/>
+          <a:chExt cx="0" cy="0"/>
+        </a:xfrm>
+      </p:grpSpPr>
+      <p:sp>
+        <p:nvSpPr>
+          <p:cNvPr id="2" name="Title 1">
+            <a:extLst>
+              <a:ext uri="{FF2B5EF4-FFF2-40B4-BE49-F238E27FC236}">
+                <a16:creationId xmlns:a16="http://schemas.microsoft.com/office/drawing/2014/main" id="{59B8B577-5676-3C4B-A107-E41DB331FD85}"/>
+              </a:ext>
+            </a:extLst>
+          </p:cNvPr>
+          <p:cNvSpPr>
+            <a:spLocks noGrp="1"/>
+          </p:cNvSpPr>
+          <p:nvPr>
+            <p:ph type="title"/>
+          </p:nvPr>
+        </p:nvSpPr>
+        <p:spPr>
+          <a:xfrm>
             <a:off x="4272238" y="588197"/>
             <a:ext cx="10515600" cy="1325563"/>
           </a:xfrm>
@@ -6228,7 +6607,7 @@
 </p:sld>
 </file>
 
-<file path=ppt/slides/slide11.xml><?xml version="1.0" encoding="utf-8"?>
+<file path=ppt/slides/slide12.xml><?xml version="1.0" encoding="utf-8"?>
 <p:sld xmlns:a="http://schemas.openxmlformats.org/drawingml/2006/main" xmlns:r="http://schemas.openxmlformats.org/officeDocument/2006/relationships" xmlns:p="http://schemas.openxmlformats.org/presentationml/2006/main">
   <p:cSld>
     <p:spTree>
@@ -6385,7 +6764,7 @@
 </p:sld>
 </file>
 
-<file path=ppt/slides/slide12.xml><?xml version="1.0" encoding="utf-8"?>
+<file path=ppt/slides/slide13.xml><?xml version="1.0" encoding="utf-8"?>
 <p:sld xmlns:a="http://schemas.openxmlformats.org/drawingml/2006/main" xmlns:r="http://schemas.openxmlformats.org/officeDocument/2006/relationships" xmlns:p="http://schemas.openxmlformats.org/presentationml/2006/main">
   <p:cSld>
     <p:spTree>
@@ -6542,7 +6921,7 @@
 </p:sld>
 </file>
 
-<file path=ppt/slides/slide13.xml><?xml version="1.0" encoding="utf-8"?>
+<file path=ppt/slides/slide14.xml><?xml version="1.0" encoding="utf-8"?>
 <p:sld xmlns:a="http://schemas.openxmlformats.org/drawingml/2006/main" xmlns:r="http://schemas.openxmlformats.org/officeDocument/2006/relationships" xmlns:p="http://schemas.openxmlformats.org/presentationml/2006/main">
   <p:cSld>
     <p:spTree>
@@ -6699,7 +7078,7 @@
 </p:sld>
 </file>
 
-<file path=ppt/slides/slide14.xml><?xml version="1.0" encoding="utf-8"?>
+<file path=ppt/slides/slide15.xml><?xml version="1.0" encoding="utf-8"?>
 <p:sld xmlns:a="http://schemas.openxmlformats.org/drawingml/2006/main" xmlns:r="http://schemas.openxmlformats.org/officeDocument/2006/relationships" xmlns:p="http://schemas.openxmlformats.org/presentationml/2006/main">
   <p:cSld>
     <p:spTree>
@@ -6871,7 +7250,7 @@
 </p:sld>
 </file>
 
-<file path=ppt/slides/slide15.xml><?xml version="1.0" encoding="utf-8"?>
+<file path=ppt/slides/slide16.xml><?xml version="1.0" encoding="utf-8"?>
 <p:sld xmlns:a="http://schemas.openxmlformats.org/drawingml/2006/main" xmlns:r="http://schemas.openxmlformats.org/officeDocument/2006/relationships" xmlns:p="http://schemas.openxmlformats.org/presentationml/2006/main">
   <p:cSld>
     <p:spTree>
@@ -7030,7 +7409,7 @@
 </p:sld>
 </file>
 
-<file path=ppt/slides/slide16.xml><?xml version="1.0" encoding="utf-8"?>
+<file path=ppt/slides/slide17.xml><?xml version="1.0" encoding="utf-8"?>
 <p:sld xmlns:a="http://schemas.openxmlformats.org/drawingml/2006/main" xmlns:r="http://schemas.openxmlformats.org/officeDocument/2006/relationships" xmlns:p="http://schemas.openxmlformats.org/presentationml/2006/main">
   <p:cSld>
     <p:spTree>
@@ -7187,7 +7566,7 @@
 </p:sld>
 </file>
 
-<file path=ppt/slides/slide17.xml><?xml version="1.0" encoding="utf-8"?>
+<file path=ppt/slides/slide18.xml><?xml version="1.0" encoding="utf-8"?>
 <p:sld xmlns:a="http://schemas.openxmlformats.org/drawingml/2006/main" xmlns:r="http://schemas.openxmlformats.org/officeDocument/2006/relationships" xmlns:p="http://schemas.openxmlformats.org/presentationml/2006/main">
   <p:cSld>
     <p:spTree>
@@ -8145,7 +8524,7 @@
         </p:blipFill>
         <p:spPr>
           <a:xfrm>
-            <a:off x="2025568" y="2130316"/>
+            <a:off x="2083682" y="1767443"/>
             <a:ext cx="7806003" cy="4108894"/>
           </a:xfrm>
           <a:prstGeom prst="rect">
@@ -8153,6 +8532,42 @@
           </a:prstGeom>
         </p:spPr>
       </p:pic>
+      <p:sp>
+        <p:nvSpPr>
+          <p:cNvPr id="3" name="TextBox 2">
+            <a:extLst>
+              <a:ext uri="{FF2B5EF4-FFF2-40B4-BE49-F238E27FC236}">
+                <a16:creationId xmlns:a16="http://schemas.microsoft.com/office/drawing/2014/main" id="{60518D2B-5A6E-4114-AF9D-C5BF6A84A679}"/>
+              </a:ext>
+            </a:extLst>
+          </p:cNvPr>
+          <p:cNvSpPr txBox="1"/>
+          <p:nvPr/>
+        </p:nvSpPr>
+        <p:spPr>
+          <a:xfrm>
+            <a:off x="1136491" y="6028879"/>
+            <a:ext cx="9700384" cy="369332"/>
+          </a:xfrm>
+          <a:prstGeom prst="rect">
+            <a:avLst/>
+          </a:prstGeom>
+          <a:noFill/>
+        </p:spPr>
+        <p:txBody>
+          <a:bodyPr wrap="square" rtlCol="0">
+            <a:spAutoFit/>
+          </a:bodyPr>
+          <a:lstStyle/>
+          <a:p>
+            <a:r>
+              <a:rPr lang="en-US" dirty="0"/>
+              <a:t>Note: Used for Random Forest, LGBM and KNN Regressor Models only</a:t>
+            </a:r>
+            <a:endParaRPr lang="en-CA" dirty="0"/>
+          </a:p>
+        </p:txBody>
+      </p:sp>
     </p:spTree>
     <p:extLst>
       <p:ext uri="{BB962C8B-B14F-4D97-AF65-F5344CB8AC3E}">
@@ -9378,8 +9793,8 @@
         </p:nvSpPr>
         <p:spPr>
           <a:xfrm>
-            <a:off x="5382533" y="3480802"/>
-            <a:ext cx="954767" cy="1701830"/>
+            <a:off x="4796364" y="3261382"/>
+            <a:ext cx="1913356" cy="2039668"/>
           </a:xfrm>
           <a:prstGeom prst="rightArrow">
             <a:avLst/>
@@ -9417,86 +9832,23 @@
           <a:bodyPr rtlCol="0" anchor="ctr"/>
           <a:lstStyle/>
           <a:p>
-            <a:pPr algn="ctr"/>
-            <a:endParaRPr lang="en-CA"/>
-          </a:p>
-        </p:txBody>
-      </p:sp>
-      <p:sp>
-        <p:nvSpPr>
-          <p:cNvPr id="2048" name="TextBox 2047">
-            <a:extLst>
-              <a:ext uri="{FF2B5EF4-FFF2-40B4-BE49-F238E27FC236}">
-                <a16:creationId xmlns:a16="http://schemas.microsoft.com/office/drawing/2014/main" id="{9E617A20-72C8-4A71-A613-5884ED092595}"/>
-              </a:ext>
-            </a:extLst>
-          </p:cNvPr>
-          <p:cNvSpPr txBox="1"/>
-          <p:nvPr/>
-        </p:nvSpPr>
-        <p:spPr>
-          <a:xfrm>
-            <a:off x="4884175" y="2425419"/>
-            <a:ext cx="1790700" cy="646331"/>
-          </a:xfrm>
-          <a:prstGeom prst="rect">
-            <a:avLst/>
-          </a:prstGeom>
-          <a:noFill/>
-        </p:spPr>
-        <p:txBody>
-          <a:bodyPr wrap="square" rtlCol="0">
-            <a:spAutoFit/>
-          </a:bodyPr>
-          <a:lstStyle/>
-          <a:p>
-            <a:pPr algn="ctr"/>
-            <a:r>
-              <a:rPr lang="en-US" dirty="0" err="1"/>
-              <a:t>Neighbourhood</a:t>
-            </a:r>
-            <a:r>
-              <a:rPr lang="en-US" dirty="0"/>
-              <a:t> Over 100 Listings</a:t>
-            </a:r>
-            <a:endParaRPr lang="en-CA" dirty="0"/>
-          </a:p>
-        </p:txBody>
-      </p:sp>
-      <p:sp>
-        <p:nvSpPr>
-          <p:cNvPr id="35" name="TextBox 34">
-            <a:extLst>
-              <a:ext uri="{FF2B5EF4-FFF2-40B4-BE49-F238E27FC236}">
-                <a16:creationId xmlns:a16="http://schemas.microsoft.com/office/drawing/2014/main" id="{A5DC83BF-506A-4F89-AB3A-D9AB2C410C96}"/>
-              </a:ext>
-            </a:extLst>
-          </p:cNvPr>
-          <p:cNvSpPr txBox="1"/>
-          <p:nvPr/>
-        </p:nvSpPr>
-        <p:spPr>
-          <a:xfrm>
-            <a:off x="4884175" y="5469925"/>
-            <a:ext cx="1790700" cy="646331"/>
-          </a:xfrm>
-          <a:prstGeom prst="rect">
-            <a:avLst/>
-          </a:prstGeom>
-          <a:noFill/>
-        </p:spPr>
-        <p:txBody>
-          <a:bodyPr wrap="square" rtlCol="0">
-            <a:spAutoFit/>
-          </a:bodyPr>
-          <a:lstStyle/>
-          <a:p>
-            <a:pPr algn="ctr"/>
-            <a:r>
-              <a:rPr lang="en-US" dirty="0"/>
-              <a:t>Listing Prices Under 600</a:t>
-            </a:r>
-            <a:endParaRPr lang="en-CA" dirty="0"/>
+            <a:r>
+              <a:rPr lang="en-US" sz="1400" b="1" dirty="0"/>
+              <a:t>Filter for:</a:t>
+            </a:r>
+          </a:p>
+          <a:p>
+            <a:r>
+              <a:rPr lang="en-US" sz="1400" b="1" dirty="0"/>
+              <a:t>1.  ≥100 Listings</a:t>
+            </a:r>
+          </a:p>
+          <a:p>
+            <a:r>
+              <a:rPr lang="en-US" sz="1400" b="1" dirty="0"/>
+              <a:t>2.  ≤ $600/night</a:t>
+            </a:r>
+            <a:endParaRPr lang="en-CA" sz="1400" b="1" dirty="0"/>
           </a:p>
         </p:txBody>
       </p:sp>
@@ -9674,7 +10026,7 @@
         <p:spPr>
           <a:xfrm>
             <a:off x="975854" y="1986170"/>
-            <a:ext cx="10052930" cy="369332"/>
+            <a:ext cx="10052930" cy="646331"/>
           </a:xfrm>
           <a:prstGeom prst="rect">
             <a:avLst/>
@@ -9689,17 +10041,238 @@
           <a:p>
             <a:r>
               <a:rPr lang="en-US" dirty="0"/>
-              <a:t>5. Create New </a:t>
-            </a:r>
-            <a:r>
-              <a:rPr lang="en-US" dirty="0" err="1"/>
-              <a:t>Dataframes</a:t>
-            </a:r>
-            <a:r>
-              <a:rPr lang="en-US" dirty="0"/>
-              <a:t> for Prophet Model</a:t>
-            </a:r>
-            <a:endParaRPr lang="en-CA" dirty="0"/>
+              <a:t>5. Create New Datasets for the Prophet Model</a:t>
+            </a:r>
+          </a:p>
+          <a:p>
+            <a:endParaRPr lang="en-US" dirty="0"/>
+          </a:p>
+        </p:txBody>
+      </p:sp>
+      <p:pic>
+        <p:nvPicPr>
+          <p:cNvPr id="14" name="Picture 13">
+            <a:extLst>
+              <a:ext uri="{FF2B5EF4-FFF2-40B4-BE49-F238E27FC236}">
+                <a16:creationId xmlns:a16="http://schemas.microsoft.com/office/drawing/2014/main" id="{3B62EEA7-B492-4F27-8067-C707411D2268}"/>
+              </a:ext>
+            </a:extLst>
+          </p:cNvPr>
+          <p:cNvPicPr>
+            <a:picLocks noChangeAspect="1"/>
+          </p:cNvPicPr>
+          <p:nvPr/>
+        </p:nvPicPr>
+        <p:blipFill>
+          <a:blip r:embed="rId4"/>
+          <a:stretch>
+            <a:fillRect/>
+          </a:stretch>
+        </p:blipFill>
+        <p:spPr>
+          <a:xfrm>
+            <a:off x="975854" y="3026025"/>
+            <a:ext cx="4821936" cy="2447411"/>
+          </a:xfrm>
+          <a:prstGeom prst="rect">
+            <a:avLst/>
+          </a:prstGeom>
+        </p:spPr>
+      </p:pic>
+      <p:sp>
+        <p:nvSpPr>
+          <p:cNvPr id="16" name="Arrow: Right 15">
+            <a:extLst>
+              <a:ext uri="{FF2B5EF4-FFF2-40B4-BE49-F238E27FC236}">
+                <a16:creationId xmlns:a16="http://schemas.microsoft.com/office/drawing/2014/main" id="{ADF4D416-7CB8-4016-89A8-FB9462E17BE7}"/>
+              </a:ext>
+            </a:extLst>
+          </p:cNvPr>
+          <p:cNvSpPr/>
+          <p:nvPr/>
+        </p:nvSpPr>
+        <p:spPr>
+          <a:xfrm>
+            <a:off x="6308868" y="3062968"/>
+            <a:ext cx="1699837" cy="2110203"/>
+          </a:xfrm>
+          <a:prstGeom prst="rightArrow">
+            <a:avLst/>
+          </a:prstGeom>
+          <a:solidFill>
+            <a:schemeClr val="bg2">
+              <a:lumMod val="75000"/>
+            </a:schemeClr>
+          </a:solidFill>
+          <a:ln>
+            <a:solidFill>
+              <a:schemeClr val="bg2">
+                <a:lumMod val="75000"/>
+              </a:schemeClr>
+            </a:solidFill>
+          </a:ln>
+        </p:spPr>
+        <p:style>
+          <a:lnRef idx="2">
+            <a:schemeClr val="accent1">
+              <a:shade val="50000"/>
+            </a:schemeClr>
+          </a:lnRef>
+          <a:fillRef idx="1">
+            <a:schemeClr val="accent1"/>
+          </a:fillRef>
+          <a:effectRef idx="0">
+            <a:schemeClr val="accent1"/>
+          </a:effectRef>
+          <a:fontRef idx="minor">
+            <a:schemeClr val="lt1"/>
+          </a:fontRef>
+        </p:style>
+        <p:txBody>
+          <a:bodyPr rtlCol="0" anchor="ctr"/>
+          <a:lstStyle/>
+          <a:p>
+            <a:pPr marL="342900" indent="-342900">
+              <a:buFont typeface="+mj-lt"/>
+              <a:buAutoNum type="arabicPeriod"/>
+            </a:pPr>
+            <a:r>
+              <a:rPr lang="en-US" sz="1400" b="1" dirty="0"/>
+              <a:t>Filter</a:t>
+            </a:r>
+          </a:p>
+          <a:p>
+            <a:pPr marL="342900" indent="-342900">
+              <a:buFont typeface="+mj-lt"/>
+              <a:buAutoNum type="arabicPeriod"/>
+            </a:pPr>
+            <a:r>
+              <a:rPr lang="en-US" sz="1400" b="1" dirty="0"/>
+              <a:t>Format</a:t>
+            </a:r>
+          </a:p>
+          <a:p>
+            <a:pPr marL="342900" indent="-342900">
+              <a:buFont typeface="+mj-lt"/>
+              <a:buAutoNum type="arabicPeriod"/>
+            </a:pPr>
+            <a:r>
+              <a:rPr lang="en-US" sz="1400" b="1" dirty="0"/>
+              <a:t>Calculate</a:t>
+            </a:r>
+          </a:p>
+          <a:p>
+            <a:pPr marL="342900" indent="-342900">
+              <a:buFont typeface="+mj-lt"/>
+              <a:buAutoNum type="arabicPeriod"/>
+            </a:pPr>
+            <a:r>
+              <a:rPr lang="en-US" sz="1400" b="1" dirty="0"/>
+              <a:t>Rename</a:t>
+            </a:r>
+            <a:endParaRPr lang="en-CA" sz="1400" b="1" dirty="0"/>
+          </a:p>
+        </p:txBody>
+      </p:sp>
+      <p:pic>
+        <p:nvPicPr>
+          <p:cNvPr id="17" name="Picture 16">
+            <a:extLst>
+              <a:ext uri="{FF2B5EF4-FFF2-40B4-BE49-F238E27FC236}">
+                <a16:creationId xmlns:a16="http://schemas.microsoft.com/office/drawing/2014/main" id="{D67F436D-5DF2-4BD6-8BE9-E0D09FA1A0AD}"/>
+              </a:ext>
+            </a:extLst>
+          </p:cNvPr>
+          <p:cNvPicPr>
+            <a:picLocks noChangeAspect="1"/>
+          </p:cNvPicPr>
+          <p:nvPr/>
+        </p:nvPicPr>
+        <p:blipFill>
+          <a:blip r:embed="rId5"/>
+          <a:stretch>
+            <a:fillRect/>
+          </a:stretch>
+        </p:blipFill>
+        <p:spPr>
+          <a:xfrm>
+            <a:off x="8519784" y="2902949"/>
+            <a:ext cx="1699838" cy="2558607"/>
+          </a:xfrm>
+          <a:prstGeom prst="rect">
+            <a:avLst/>
+          </a:prstGeom>
+        </p:spPr>
+      </p:pic>
+      <p:sp>
+        <p:nvSpPr>
+          <p:cNvPr id="18" name="TextBox 17">
+            <a:extLst>
+              <a:ext uri="{FF2B5EF4-FFF2-40B4-BE49-F238E27FC236}">
+                <a16:creationId xmlns:a16="http://schemas.microsoft.com/office/drawing/2014/main" id="{748E87E0-E2F3-4FAC-B123-BE4421168453}"/>
+              </a:ext>
+            </a:extLst>
+          </p:cNvPr>
+          <p:cNvSpPr txBox="1"/>
+          <p:nvPr/>
+        </p:nvSpPr>
+        <p:spPr>
+          <a:xfrm>
+            <a:off x="975855" y="2425147"/>
+            <a:ext cx="2521108" cy="338554"/>
+          </a:xfrm>
+          <a:prstGeom prst="rect">
+            <a:avLst/>
+          </a:prstGeom>
+          <a:noFill/>
+        </p:spPr>
+        <p:txBody>
+          <a:bodyPr wrap="square" rtlCol="0">
+            <a:spAutoFit/>
+          </a:bodyPr>
+          <a:lstStyle/>
+          <a:p>
+            <a:r>
+              <a:rPr lang="en-US" sz="1600" dirty="0"/>
+              <a:t>2017-2021 Average Rates</a:t>
+            </a:r>
+            <a:endParaRPr lang="en-CA" sz="1600" dirty="0"/>
+          </a:p>
+        </p:txBody>
+      </p:sp>
+      <p:sp>
+        <p:nvSpPr>
+          <p:cNvPr id="21" name="TextBox 20">
+            <a:extLst>
+              <a:ext uri="{FF2B5EF4-FFF2-40B4-BE49-F238E27FC236}">
+                <a16:creationId xmlns:a16="http://schemas.microsoft.com/office/drawing/2014/main" id="{0666DEC4-4435-4DBA-864C-9FDAD2D72324}"/>
+              </a:ext>
+            </a:extLst>
+          </p:cNvPr>
+          <p:cNvSpPr txBox="1"/>
+          <p:nvPr/>
+        </p:nvSpPr>
+        <p:spPr>
+          <a:xfrm>
+            <a:off x="8351521" y="2440958"/>
+            <a:ext cx="2864624" cy="338554"/>
+          </a:xfrm>
+          <a:prstGeom prst="rect">
+            <a:avLst/>
+          </a:prstGeom>
+          <a:noFill/>
+        </p:spPr>
+        <p:txBody>
+          <a:bodyPr wrap="square" rtlCol="0">
+            <a:spAutoFit/>
+          </a:bodyPr>
+          <a:lstStyle/>
+          <a:p>
+            <a:r>
+              <a:rPr lang="en-US" sz="1600" dirty="0"/>
+              <a:t>Final Output for Prophet Model</a:t>
+            </a:r>
+            <a:endParaRPr lang="en-CA" sz="1600" dirty="0"/>
           </a:p>
         </p:txBody>
       </p:sp>
@@ -9767,7 +10340,7 @@
                   <a:srgbClr val="EA5E46"/>
                 </a:solidFill>
               </a:rPr>
-              <a:t>Model Feature Selection</a:t>
+              <a:t>Model Data Transformation Methods</a:t>
             </a:r>
           </a:p>
         </p:txBody>
@@ -9877,7 +10450,7 @@
         <p:spPr>
           <a:xfrm>
             <a:off x="975854" y="1986170"/>
-            <a:ext cx="10052930" cy="4524315"/>
+            <a:ext cx="10052930" cy="646331"/>
           </a:xfrm>
           <a:prstGeom prst="rect">
             <a:avLst/>
@@ -9891,164 +10464,19 @@
           <a:lstStyle/>
           <a:p>
             <a:r>
-              <a:rPr lang="en-US" b="1" dirty="0"/>
-              <a:t>X-value of features listed below that may have the most impact y-value of the listing price:</a:t>
+              <a:rPr lang="en-US" dirty="0"/>
+              <a:t>6. Create Price Predictor Model by Borough and Room Type</a:t>
             </a:r>
           </a:p>
           <a:p>
             <a:endParaRPr lang="en-US" dirty="0"/>
-          </a:p>
-          <a:p>
-            <a:pPr marL="285750" indent="-285750">
-              <a:buFont typeface="Arial" panose="020B0604020202020204" pitchFamily="34" charset="0"/>
-              <a:buChar char="•"/>
-            </a:pPr>
-            <a:r>
-              <a:rPr lang="en-CA" dirty="0"/>
-              <a:t>Neighbourhood</a:t>
-            </a:r>
-          </a:p>
-          <a:p>
-            <a:pPr marL="285750" indent="-285750">
-              <a:buFont typeface="Arial" panose="020B0604020202020204" pitchFamily="34" charset="0"/>
-              <a:buChar char="•"/>
-            </a:pPr>
-            <a:r>
-              <a:rPr lang="en-CA" dirty="0"/>
-              <a:t>Host Identity Verified</a:t>
-            </a:r>
-          </a:p>
-          <a:p>
-            <a:pPr marL="285750" indent="-285750">
-              <a:buFont typeface="Arial" panose="020B0604020202020204" pitchFamily="34" charset="0"/>
-              <a:buChar char="•"/>
-            </a:pPr>
-            <a:r>
-              <a:rPr lang="en-CA" dirty="0"/>
-              <a:t>Host Listing Counts</a:t>
-            </a:r>
-          </a:p>
-          <a:p>
-            <a:pPr marL="285750" indent="-285750">
-              <a:buFont typeface="Arial" panose="020B0604020202020204" pitchFamily="34" charset="0"/>
-              <a:buChar char="•"/>
-            </a:pPr>
-            <a:r>
-              <a:rPr lang="en-CA" dirty="0"/>
-              <a:t>Super Host Listings</a:t>
-            </a:r>
-          </a:p>
-          <a:p>
-            <a:pPr marL="285750" indent="-285750">
-              <a:buFont typeface="Arial" panose="020B0604020202020204" pitchFamily="34" charset="0"/>
-              <a:buChar char="•"/>
-            </a:pPr>
-            <a:r>
-              <a:rPr lang="en-CA" dirty="0"/>
-              <a:t>Room Type</a:t>
-            </a:r>
-          </a:p>
-          <a:p>
-            <a:pPr marL="285750" indent="-285750">
-              <a:buFont typeface="Arial" panose="020B0604020202020204" pitchFamily="34" charset="0"/>
-              <a:buChar char="•"/>
-            </a:pPr>
-            <a:r>
-              <a:rPr lang="en-CA" dirty="0"/>
-              <a:t>Number of People that the Listing can Accommodate</a:t>
-            </a:r>
-          </a:p>
-          <a:p>
-            <a:pPr marL="285750" indent="-285750">
-              <a:buFont typeface="Arial" panose="020B0604020202020204" pitchFamily="34" charset="0"/>
-              <a:buChar char="•"/>
-            </a:pPr>
-            <a:r>
-              <a:rPr lang="en-CA" dirty="0"/>
-              <a:t>Number of Amenities Provided</a:t>
-            </a:r>
-          </a:p>
-          <a:p>
-            <a:pPr marL="285750" indent="-285750">
-              <a:buFont typeface="Arial" panose="020B0604020202020204" pitchFamily="34" charset="0"/>
-              <a:buChar char="•"/>
-            </a:pPr>
-            <a:r>
-              <a:rPr lang="en-CA" dirty="0"/>
-              <a:t>Number of Bathrooms</a:t>
-            </a:r>
-          </a:p>
-          <a:p>
-            <a:pPr marL="285750" indent="-285750">
-              <a:buFont typeface="Arial" panose="020B0604020202020204" pitchFamily="34" charset="0"/>
-              <a:buChar char="•"/>
-            </a:pPr>
-            <a:r>
-              <a:rPr lang="en-CA" dirty="0"/>
-              <a:t>Number of Bedrooms</a:t>
-            </a:r>
-          </a:p>
-          <a:p>
-            <a:pPr marL="285750" indent="-285750">
-              <a:buFont typeface="Arial" panose="020B0604020202020204" pitchFamily="34" charset="0"/>
-              <a:buChar char="•"/>
-            </a:pPr>
-            <a:r>
-              <a:rPr lang="en-CA" dirty="0"/>
-              <a:t>Number of Beds</a:t>
-            </a:r>
-          </a:p>
-          <a:p>
-            <a:pPr marL="285750" indent="-285750">
-              <a:buFont typeface="Arial" panose="020B0604020202020204" pitchFamily="34" charset="0"/>
-              <a:buChar char="•"/>
-            </a:pPr>
-            <a:r>
-              <a:rPr lang="en-CA" dirty="0"/>
-              <a:t>Amenities like Heating, Parking Dryer, Daily Essentials, Kitchen </a:t>
-            </a:r>
-            <a:r>
-              <a:rPr lang="en-CA" dirty="0" err="1"/>
-              <a:t>etc</a:t>
-            </a:r>
-            <a:endParaRPr lang="en-CA" dirty="0"/>
-          </a:p>
-          <a:p>
-            <a:pPr marL="285750" indent="-285750">
-              <a:buFont typeface="Arial" panose="020B0604020202020204" pitchFamily="34" charset="0"/>
-              <a:buChar char="•"/>
-            </a:pPr>
-            <a:r>
-              <a:rPr lang="en-CA" dirty="0"/>
-              <a:t>Minimum Nights to be Booked</a:t>
-            </a:r>
-          </a:p>
-          <a:p>
-            <a:pPr marL="285750" indent="-285750">
-              <a:buFont typeface="Arial" panose="020B0604020202020204" pitchFamily="34" charset="0"/>
-              <a:buChar char="•"/>
-            </a:pPr>
-            <a:r>
-              <a:rPr lang="en-CA" dirty="0"/>
-              <a:t>Number of Reviews</a:t>
-            </a:r>
-          </a:p>
-          <a:p>
-            <a:pPr marL="285750" indent="-285750">
-              <a:buFont typeface="Arial" panose="020B0604020202020204" pitchFamily="34" charset="0"/>
-              <a:buChar char="•"/>
-            </a:pPr>
-            <a:r>
-              <a:rPr lang="en-CA" dirty="0"/>
-              <a:t>Review Score Ratings</a:t>
-            </a:r>
           </a:p>
         </p:txBody>
       </p:sp>
     </p:spTree>
     <p:extLst>
       <p:ext uri="{BB962C8B-B14F-4D97-AF65-F5344CB8AC3E}">
-        <p14:creationId xmlns:p14="http://schemas.microsoft.com/office/powerpoint/2010/main" val="2347957569"/>
+        <p14:creationId xmlns:p14="http://schemas.microsoft.com/office/powerpoint/2010/main" val="1996090480"/>
       </p:ext>
     </p:extLst>
   </p:cSld>
@@ -10109,7 +10537,7 @@
                   <a:srgbClr val="EA5E46"/>
                 </a:solidFill>
               </a:rPr>
-              <a:t>Model Train-Test Split &amp; Preprocessing</a:t>
+              <a:t>Model Feature Selection</a:t>
             </a:r>
           </a:p>
         </p:txBody>
@@ -10218,8 +10646,8 @@
         </p:nvSpPr>
         <p:spPr>
           <a:xfrm>
-            <a:off x="975854" y="2644077"/>
-            <a:ext cx="10052930" cy="2554545"/>
+            <a:off x="975854" y="1986170"/>
+            <a:ext cx="10052930" cy="4524315"/>
           </a:xfrm>
           <a:prstGeom prst="rect">
             <a:avLst/>
@@ -10232,18 +10660,23 @@
           </a:bodyPr>
           <a:lstStyle/>
           <a:p>
+            <a:r>
+              <a:rPr lang="en-US" b="1" dirty="0"/>
+              <a:t>X-value of features listed below that may have the most impact y-value of the listing price:</a:t>
+            </a:r>
+          </a:p>
+          <a:p>
+            <a:endParaRPr lang="en-US" dirty="0"/>
+          </a:p>
+          <a:p>
             <a:pPr marL="285750" indent="-285750">
               <a:buFont typeface="Arial" panose="020B0604020202020204" pitchFamily="34" charset="0"/>
               <a:buChar char="•"/>
             </a:pPr>
             <a:r>
-              <a:rPr lang="en-US" sz="3200" dirty="0"/>
-              <a:t>Change test data from 25% to 35% to provide more data to increase accuracy of the models.</a:t>
-            </a:r>
-          </a:p>
-          <a:p>
-            <a:pPr lvl="1"/>
-            <a:endParaRPr lang="en-US" sz="3200" dirty="0"/>
+              <a:rPr lang="en-CA" dirty="0"/>
+              <a:t>Neighbourhood</a:t>
+            </a:r>
           </a:p>
           <a:p>
             <a:pPr marL="285750" indent="-285750">
@@ -10251,8 +10684,133 @@
               <a:buChar char="•"/>
             </a:pPr>
             <a:r>
-              <a:rPr lang="en-CA" sz="3200" dirty="0"/>
-              <a:t>Scale the X-values for normalizations to ensure all features are the same unit.</a:t>
+              <a:rPr lang="en-CA" dirty="0"/>
+              <a:t>Host Identity Verified</a:t>
+            </a:r>
+          </a:p>
+          <a:p>
+            <a:pPr marL="285750" indent="-285750">
+              <a:buFont typeface="Arial" panose="020B0604020202020204" pitchFamily="34" charset="0"/>
+              <a:buChar char="•"/>
+            </a:pPr>
+            <a:r>
+              <a:rPr lang="en-CA" dirty="0"/>
+              <a:t>Host Listing Counts</a:t>
+            </a:r>
+          </a:p>
+          <a:p>
+            <a:pPr marL="285750" indent="-285750">
+              <a:buFont typeface="Arial" panose="020B0604020202020204" pitchFamily="34" charset="0"/>
+              <a:buChar char="•"/>
+            </a:pPr>
+            <a:r>
+              <a:rPr lang="en-CA" dirty="0"/>
+              <a:t>Super Host Listings</a:t>
+            </a:r>
+          </a:p>
+          <a:p>
+            <a:pPr marL="285750" indent="-285750">
+              <a:buFont typeface="Arial" panose="020B0604020202020204" pitchFamily="34" charset="0"/>
+              <a:buChar char="•"/>
+            </a:pPr>
+            <a:r>
+              <a:rPr lang="en-CA" dirty="0"/>
+              <a:t>Room Type</a:t>
+            </a:r>
+          </a:p>
+          <a:p>
+            <a:pPr marL="285750" indent="-285750">
+              <a:buFont typeface="Arial" panose="020B0604020202020204" pitchFamily="34" charset="0"/>
+              <a:buChar char="•"/>
+            </a:pPr>
+            <a:r>
+              <a:rPr lang="en-CA" dirty="0"/>
+              <a:t>Number of People that the Listing can Accommodate</a:t>
+            </a:r>
+          </a:p>
+          <a:p>
+            <a:pPr marL="285750" indent="-285750">
+              <a:buFont typeface="Arial" panose="020B0604020202020204" pitchFamily="34" charset="0"/>
+              <a:buChar char="•"/>
+            </a:pPr>
+            <a:r>
+              <a:rPr lang="en-CA" dirty="0"/>
+              <a:t>Number of Amenities Provided</a:t>
+            </a:r>
+          </a:p>
+          <a:p>
+            <a:pPr marL="285750" indent="-285750">
+              <a:buFont typeface="Arial" panose="020B0604020202020204" pitchFamily="34" charset="0"/>
+              <a:buChar char="•"/>
+            </a:pPr>
+            <a:r>
+              <a:rPr lang="en-CA" dirty="0"/>
+              <a:t>Number of Bathrooms</a:t>
+            </a:r>
+          </a:p>
+          <a:p>
+            <a:pPr marL="285750" indent="-285750">
+              <a:buFont typeface="Arial" panose="020B0604020202020204" pitchFamily="34" charset="0"/>
+              <a:buChar char="•"/>
+            </a:pPr>
+            <a:r>
+              <a:rPr lang="en-CA" dirty="0"/>
+              <a:t>Number of Bedrooms</a:t>
+            </a:r>
+          </a:p>
+          <a:p>
+            <a:pPr marL="285750" indent="-285750">
+              <a:buFont typeface="Arial" panose="020B0604020202020204" pitchFamily="34" charset="0"/>
+              <a:buChar char="•"/>
+            </a:pPr>
+            <a:r>
+              <a:rPr lang="en-CA" dirty="0"/>
+              <a:t>Number of Beds</a:t>
+            </a:r>
+          </a:p>
+          <a:p>
+            <a:pPr marL="285750" indent="-285750">
+              <a:buFont typeface="Arial" panose="020B0604020202020204" pitchFamily="34" charset="0"/>
+              <a:buChar char="•"/>
+            </a:pPr>
+            <a:r>
+              <a:rPr lang="en-CA" dirty="0"/>
+              <a:t>Amenities like Heating, Parking Dryer, Daily Essentials, Kitchen </a:t>
+            </a:r>
+            <a:r>
+              <a:rPr lang="en-CA" dirty="0" err="1"/>
+              <a:t>etc</a:t>
+            </a:r>
+            <a:endParaRPr lang="en-CA" dirty="0"/>
+          </a:p>
+          <a:p>
+            <a:pPr marL="285750" indent="-285750">
+              <a:buFont typeface="Arial" panose="020B0604020202020204" pitchFamily="34" charset="0"/>
+              <a:buChar char="•"/>
+            </a:pPr>
+            <a:r>
+              <a:rPr lang="en-CA" dirty="0"/>
+              <a:t>Minimum Nights to be Booked</a:t>
+            </a:r>
+          </a:p>
+          <a:p>
+            <a:pPr marL="285750" indent="-285750">
+              <a:buFont typeface="Arial" panose="020B0604020202020204" pitchFamily="34" charset="0"/>
+              <a:buChar char="•"/>
+            </a:pPr>
+            <a:r>
+              <a:rPr lang="en-CA" dirty="0"/>
+              <a:t>Number of Reviews</a:t>
+            </a:r>
+          </a:p>
+          <a:p>
+            <a:pPr marL="285750" indent="-285750">
+              <a:buFont typeface="Arial" panose="020B0604020202020204" pitchFamily="34" charset="0"/>
+              <a:buChar char="•"/>
+            </a:pPr>
+            <a:r>
+              <a:rPr lang="en-CA" dirty="0"/>
+              <a:t>Review Score Ratings</a:t>
             </a:r>
           </a:p>
         </p:txBody>
@@ -10260,7 +10818,7 @@
     </p:spTree>
     <p:extLst>
       <p:ext uri="{BB962C8B-B14F-4D97-AF65-F5344CB8AC3E}">
-        <p14:creationId xmlns:p14="http://schemas.microsoft.com/office/powerpoint/2010/main" val="732769293"/>
+        <p14:creationId xmlns:p14="http://schemas.microsoft.com/office/powerpoint/2010/main" val="2347957569"/>
       </p:ext>
     </p:extLst>
   </p:cSld>
@@ -10316,18 +10874,13 @@
           <a:lstStyle/>
           <a:p>
             <a:r>
-              <a:rPr lang="en-US" sz="4000">
+              <a:rPr lang="en-US" sz="4000" dirty="0">
                 <a:solidFill>
                   <a:srgbClr val="EA5E46"/>
                 </a:solidFill>
               </a:rPr>
-              <a:t>Running the Model</a:t>
-            </a:r>
-            <a:endParaRPr lang="en-US" sz="4000" dirty="0">
-              <a:solidFill>
-                <a:srgbClr val="EA5E46"/>
-              </a:solidFill>
-            </a:endParaRPr>
+              <a:t>Model Train-Test Split &amp; Preprocessing</a:t>
+            </a:r>
           </a:p>
         </p:txBody>
       </p:sp>
@@ -10477,7 +11030,7 @@
     </p:spTree>
     <p:extLst>
       <p:ext uri="{BB962C8B-B14F-4D97-AF65-F5344CB8AC3E}">
-        <p14:creationId xmlns:p14="http://schemas.microsoft.com/office/powerpoint/2010/main" val="1816392171"/>
+        <p14:creationId xmlns:p14="http://schemas.microsoft.com/office/powerpoint/2010/main" val="732769293"/>
       </p:ext>
     </p:extLst>
   </p:cSld>

--- a/Airbnb Price Predictions (Model).pptx
+++ b/Airbnb Price Predictions (Model).pptx
@@ -8407,7 +8407,7 @@
                   <a:srgbClr val="EA5E46"/>
                 </a:solidFill>
               </a:rPr>
-              <a:t>Model Data Transformation Process</a:t>
+              <a:t>Model Data Transformation - Regressor</a:t>
             </a:r>
           </a:p>
         </p:txBody>
@@ -8715,7 +8715,7 @@
                   <a:srgbClr val="EA5E46"/>
                 </a:solidFill>
               </a:rPr>
-              <a:t>Model Data Transformation Methods</a:t>
+              <a:t>Model Data Transformation Methods </a:t>
             </a:r>
           </a:p>
         </p:txBody>
@@ -10025,7 +10025,7 @@
         </p:nvSpPr>
         <p:spPr>
           <a:xfrm>
-            <a:off x="975854" y="1986170"/>
+            <a:off x="897777" y="1876021"/>
             <a:ext cx="10052930" cy="646331"/>
           </a:xfrm>
           <a:prstGeom prst="rect">
@@ -10071,8 +10071,8 @@
         </p:blipFill>
         <p:spPr>
           <a:xfrm>
-            <a:off x="975854" y="3026025"/>
-            <a:ext cx="4821936" cy="2447411"/>
+            <a:off x="975854" y="3026026"/>
+            <a:ext cx="3423151" cy="1737447"/>
           </a:xfrm>
           <a:prstGeom prst="rect">
             <a:avLst/>
@@ -10093,8 +10093,8 @@
         </p:nvSpPr>
         <p:spPr>
           <a:xfrm>
-            <a:off x="6308868" y="3062968"/>
-            <a:ext cx="1699837" cy="2110203"/>
+            <a:off x="5344935" y="2934876"/>
+            <a:ext cx="1699837" cy="1709809"/>
           </a:xfrm>
           <a:prstGeom prst="rightArrow">
             <a:avLst/>
@@ -10196,8 +10196,8 @@
         </p:blipFill>
         <p:spPr>
           <a:xfrm>
-            <a:off x="8519784" y="2902949"/>
-            <a:ext cx="1699838" cy="2558607"/>
+            <a:off x="8034116" y="2857678"/>
+            <a:ext cx="1377978" cy="2074141"/>
           </a:xfrm>
           <a:prstGeom prst="rect">
             <a:avLst/>
@@ -10254,7 +10254,7 @@
         </p:nvSpPr>
         <p:spPr>
           <a:xfrm>
-            <a:off x="8351521" y="2440958"/>
+            <a:off x="7979782" y="2503907"/>
             <a:ext cx="2864624" cy="338554"/>
           </a:xfrm>
           <a:prstGeom prst="rect">
@@ -10276,6 +10276,71 @@
           </a:p>
         </p:txBody>
       </p:sp>
+      <p:sp>
+        <p:nvSpPr>
+          <p:cNvPr id="19" name="TextBox 18">
+            <a:extLst>
+              <a:ext uri="{FF2B5EF4-FFF2-40B4-BE49-F238E27FC236}">
+                <a16:creationId xmlns:a16="http://schemas.microsoft.com/office/drawing/2014/main" id="{E42A3C08-B7C1-4B1A-99A6-E9055F13251D}"/>
+              </a:ext>
+            </a:extLst>
+          </p:cNvPr>
+          <p:cNvSpPr txBox="1"/>
+          <p:nvPr/>
+        </p:nvSpPr>
+        <p:spPr>
+          <a:xfrm>
+            <a:off x="897777" y="5186609"/>
+            <a:ext cx="6617042" cy="369332"/>
+          </a:xfrm>
+          <a:prstGeom prst="rect">
+            <a:avLst/>
+          </a:prstGeom>
+          <a:noFill/>
+        </p:spPr>
+        <p:txBody>
+          <a:bodyPr wrap="square">
+            <a:spAutoFit/>
+          </a:bodyPr>
+          <a:lstStyle/>
+          <a:p>
+            <a:r>
+              <a:rPr lang="en-US" dirty="0"/>
+              <a:t>6. Create New Holiday Dataset for the Prophet Model</a:t>
+            </a:r>
+          </a:p>
+        </p:txBody>
+      </p:sp>
+      <p:pic>
+        <p:nvPicPr>
+          <p:cNvPr id="11" name="Picture 10">
+            <a:extLst>
+              <a:ext uri="{FF2B5EF4-FFF2-40B4-BE49-F238E27FC236}">
+                <a16:creationId xmlns:a16="http://schemas.microsoft.com/office/drawing/2014/main" id="{D3F91F5A-C03E-42C7-B053-99DF10DF6E9D}"/>
+              </a:ext>
+            </a:extLst>
+          </p:cNvPr>
+          <p:cNvPicPr>
+            <a:picLocks noChangeAspect="1"/>
+          </p:cNvPicPr>
+          <p:nvPr/>
+        </p:nvPicPr>
+        <p:blipFill>
+          <a:blip r:embed="rId6"/>
+          <a:stretch>
+            <a:fillRect/>
+          </a:stretch>
+        </p:blipFill>
+        <p:spPr>
+          <a:xfrm>
+            <a:off x="955481" y="5751125"/>
+            <a:ext cx="4237087" cy="693480"/>
+          </a:xfrm>
+          <a:prstGeom prst="rect">
+            <a:avLst/>
+          </a:prstGeom>
+        </p:spPr>
+      </p:pic>
     </p:spTree>
     <p:extLst>
       <p:ext uri="{BB962C8B-B14F-4D97-AF65-F5344CB8AC3E}">

--- a/Airbnb Price Predictions (Model).pptx
+++ b/Airbnb Price Predictions (Model).pptx
@@ -9,14 +9,14 @@
   </p:notesMasterIdLst>
   <p:sldIdLst>
     <p:sldId id="280" r:id="rId2"/>
-    <p:sldId id="299" r:id="rId3"/>
-    <p:sldId id="296" r:id="rId4"/>
-    <p:sldId id="300" r:id="rId5"/>
-    <p:sldId id="298" r:id="rId6"/>
-    <p:sldId id="303" r:id="rId7"/>
-    <p:sldId id="305" r:id="rId8"/>
-    <p:sldId id="301" r:id="rId9"/>
-    <p:sldId id="302" r:id="rId10"/>
+    <p:sldId id="308" r:id="rId3"/>
+    <p:sldId id="299" r:id="rId4"/>
+    <p:sldId id="296" r:id="rId5"/>
+    <p:sldId id="300" r:id="rId6"/>
+    <p:sldId id="298" r:id="rId7"/>
+    <p:sldId id="307" r:id="rId8"/>
+    <p:sldId id="306" r:id="rId9"/>
+    <p:sldId id="301" r:id="rId10"/>
     <p:sldId id="304" r:id="rId11"/>
     <p:sldId id="286" r:id="rId12"/>
     <p:sldId id="287" r:id="rId13"/>
@@ -142,6 +142,5200 @@
     </p:extLst>
   </p:cmAuthor>
 </p:cmAuthorLst>
+</file>
+
+<file path=ppt/diagrams/colors1.xml><?xml version="1.0" encoding="utf-8"?>
+<dgm:colorsDef xmlns:dgm="http://schemas.openxmlformats.org/drawingml/2006/diagram" xmlns:a="http://schemas.openxmlformats.org/drawingml/2006/main" uniqueId="urn:microsoft.com/office/officeart/2005/8/colors/accent1_2">
+  <dgm:title val=""/>
+  <dgm:desc val=""/>
+  <dgm:catLst>
+    <dgm:cat type="accent1" pri="11200"/>
+  </dgm:catLst>
+  <dgm:styleLbl name="node0">
+    <dgm:fillClrLst meth="repeat">
+      <a:schemeClr val="accent1"/>
+    </dgm:fillClrLst>
+    <dgm:linClrLst meth="repeat">
+      <a:schemeClr val="lt1"/>
+    </dgm:linClrLst>
+    <dgm:effectClrLst/>
+    <dgm:txLinClrLst/>
+    <dgm:txFillClrLst/>
+    <dgm:txEffectClrLst/>
+  </dgm:styleLbl>
+  <dgm:styleLbl name="alignNode1">
+    <dgm:fillClrLst meth="repeat">
+      <a:schemeClr val="accent1"/>
+    </dgm:fillClrLst>
+    <dgm:linClrLst meth="repeat">
+      <a:schemeClr val="accent1"/>
+    </dgm:linClrLst>
+    <dgm:effectClrLst/>
+    <dgm:txLinClrLst/>
+    <dgm:txFillClrLst/>
+    <dgm:txEffectClrLst/>
+  </dgm:styleLbl>
+  <dgm:styleLbl name="node1">
+    <dgm:fillClrLst meth="repeat">
+      <a:schemeClr val="accent1"/>
+    </dgm:fillClrLst>
+    <dgm:linClrLst meth="repeat">
+      <a:schemeClr val="lt1"/>
+    </dgm:linClrLst>
+    <dgm:effectClrLst/>
+    <dgm:txLinClrLst/>
+    <dgm:txFillClrLst/>
+    <dgm:txEffectClrLst/>
+  </dgm:styleLbl>
+  <dgm:styleLbl name="lnNode1">
+    <dgm:fillClrLst meth="repeat">
+      <a:schemeClr val="accent1"/>
+    </dgm:fillClrLst>
+    <dgm:linClrLst meth="repeat">
+      <a:schemeClr val="lt1"/>
+    </dgm:linClrLst>
+    <dgm:effectClrLst/>
+    <dgm:txLinClrLst/>
+    <dgm:txFillClrLst/>
+    <dgm:txEffectClrLst/>
+  </dgm:styleLbl>
+  <dgm:styleLbl name="vennNode1">
+    <dgm:fillClrLst meth="repeat">
+      <a:schemeClr val="accent1">
+        <a:alpha val="50000"/>
+      </a:schemeClr>
+    </dgm:fillClrLst>
+    <dgm:linClrLst meth="repeat">
+      <a:schemeClr val="lt1"/>
+    </dgm:linClrLst>
+    <dgm:effectClrLst/>
+    <dgm:txLinClrLst/>
+    <dgm:txFillClrLst/>
+    <dgm:txEffectClrLst/>
+  </dgm:styleLbl>
+  <dgm:styleLbl name="node2">
+    <dgm:fillClrLst meth="repeat">
+      <a:schemeClr val="accent1"/>
+    </dgm:fillClrLst>
+    <dgm:linClrLst meth="repeat">
+      <a:schemeClr val="lt1"/>
+    </dgm:linClrLst>
+    <dgm:effectClrLst/>
+    <dgm:txLinClrLst/>
+    <dgm:txFillClrLst/>
+    <dgm:txEffectClrLst/>
+  </dgm:styleLbl>
+  <dgm:styleLbl name="node3">
+    <dgm:fillClrLst meth="repeat">
+      <a:schemeClr val="accent1"/>
+    </dgm:fillClrLst>
+    <dgm:linClrLst meth="repeat">
+      <a:schemeClr val="lt1"/>
+    </dgm:linClrLst>
+    <dgm:effectClrLst/>
+    <dgm:txLinClrLst/>
+    <dgm:txFillClrLst/>
+    <dgm:txEffectClrLst/>
+  </dgm:styleLbl>
+  <dgm:styleLbl name="node4">
+    <dgm:fillClrLst meth="repeat">
+      <a:schemeClr val="accent1"/>
+    </dgm:fillClrLst>
+    <dgm:linClrLst meth="repeat">
+      <a:schemeClr val="lt1"/>
+    </dgm:linClrLst>
+    <dgm:effectClrLst/>
+    <dgm:txLinClrLst/>
+    <dgm:txFillClrLst/>
+    <dgm:txEffectClrLst/>
+  </dgm:styleLbl>
+  <dgm:styleLbl name="fgImgPlace1">
+    <dgm:fillClrLst meth="repeat">
+      <a:schemeClr val="accent1">
+        <a:tint val="50000"/>
+      </a:schemeClr>
+    </dgm:fillClrLst>
+    <dgm:linClrLst meth="repeat">
+      <a:schemeClr val="lt1"/>
+    </dgm:linClrLst>
+    <dgm:effectClrLst/>
+    <dgm:txLinClrLst/>
+    <dgm:txFillClrLst meth="repeat">
+      <a:schemeClr val="lt1"/>
+    </dgm:txFillClrLst>
+    <dgm:txEffectClrLst/>
+  </dgm:styleLbl>
+  <dgm:styleLbl name="alignImgPlace1">
+    <dgm:fillClrLst meth="repeat">
+      <a:schemeClr val="accent1">
+        <a:tint val="50000"/>
+      </a:schemeClr>
+    </dgm:fillClrLst>
+    <dgm:linClrLst meth="repeat">
+      <a:schemeClr val="lt1"/>
+    </dgm:linClrLst>
+    <dgm:effectClrLst/>
+    <dgm:txLinClrLst/>
+    <dgm:txFillClrLst meth="repeat">
+      <a:schemeClr val="lt1"/>
+    </dgm:txFillClrLst>
+    <dgm:txEffectClrLst/>
+  </dgm:styleLbl>
+  <dgm:styleLbl name="bgImgPlace1">
+    <dgm:fillClrLst meth="repeat">
+      <a:schemeClr val="accent1">
+        <a:tint val="50000"/>
+      </a:schemeClr>
+    </dgm:fillClrLst>
+    <dgm:linClrLst meth="repeat">
+      <a:schemeClr val="lt1"/>
+    </dgm:linClrLst>
+    <dgm:effectClrLst/>
+    <dgm:txLinClrLst/>
+    <dgm:txFillClrLst meth="repeat">
+      <a:schemeClr val="lt1"/>
+    </dgm:txFillClrLst>
+    <dgm:txEffectClrLst/>
+  </dgm:styleLbl>
+  <dgm:styleLbl name="sibTrans2D1">
+    <dgm:fillClrLst meth="repeat">
+      <a:schemeClr val="accent1">
+        <a:tint val="60000"/>
+      </a:schemeClr>
+    </dgm:fillClrLst>
+    <dgm:linClrLst meth="repeat">
+      <a:schemeClr val="accent1">
+        <a:tint val="60000"/>
+      </a:schemeClr>
+    </dgm:linClrLst>
+    <dgm:effectClrLst/>
+    <dgm:txLinClrLst/>
+    <dgm:txFillClrLst/>
+    <dgm:txEffectClrLst/>
+  </dgm:styleLbl>
+  <dgm:styleLbl name="fgSibTrans2D1">
+    <dgm:fillClrLst meth="repeat">
+      <a:schemeClr val="accent1">
+        <a:tint val="60000"/>
+      </a:schemeClr>
+    </dgm:fillClrLst>
+    <dgm:linClrLst meth="repeat">
+      <a:schemeClr val="accent1">
+        <a:tint val="60000"/>
+      </a:schemeClr>
+    </dgm:linClrLst>
+    <dgm:effectClrLst/>
+    <dgm:txLinClrLst/>
+    <dgm:txFillClrLst/>
+    <dgm:txEffectClrLst/>
+  </dgm:styleLbl>
+  <dgm:styleLbl name="bgSibTrans2D1">
+    <dgm:fillClrLst meth="repeat">
+      <a:schemeClr val="accent1">
+        <a:tint val="60000"/>
+      </a:schemeClr>
+    </dgm:fillClrLst>
+    <dgm:linClrLst meth="repeat">
+      <a:schemeClr val="accent1">
+        <a:tint val="60000"/>
+      </a:schemeClr>
+    </dgm:linClrLst>
+    <dgm:effectClrLst/>
+    <dgm:txLinClrLst/>
+    <dgm:txFillClrLst/>
+    <dgm:txEffectClrLst/>
+  </dgm:styleLbl>
+  <dgm:styleLbl name="sibTrans1D1">
+    <dgm:fillClrLst meth="repeat">
+      <a:schemeClr val="accent1"/>
+    </dgm:fillClrLst>
+    <dgm:linClrLst meth="repeat">
+      <a:schemeClr val="accent1"/>
+    </dgm:linClrLst>
+    <dgm:effectClrLst/>
+    <dgm:txLinClrLst/>
+    <dgm:txFillClrLst meth="repeat">
+      <a:schemeClr val="tx1"/>
+    </dgm:txFillClrLst>
+    <dgm:txEffectClrLst/>
+  </dgm:styleLbl>
+  <dgm:styleLbl name="callout">
+    <dgm:fillClrLst meth="repeat">
+      <a:schemeClr val="accent1"/>
+    </dgm:fillClrLst>
+    <dgm:linClrLst meth="repeat">
+      <a:schemeClr val="accent1">
+        <a:tint val="50000"/>
+      </a:schemeClr>
+    </dgm:linClrLst>
+    <dgm:effectClrLst/>
+    <dgm:txLinClrLst/>
+    <dgm:txFillClrLst meth="repeat">
+      <a:schemeClr val="tx1"/>
+    </dgm:txFillClrLst>
+    <dgm:txEffectClrLst/>
+  </dgm:styleLbl>
+  <dgm:styleLbl name="asst0">
+    <dgm:fillClrLst meth="repeat">
+      <a:schemeClr val="accent1"/>
+    </dgm:fillClrLst>
+    <dgm:linClrLst meth="repeat">
+      <a:schemeClr val="lt1"/>
+    </dgm:linClrLst>
+    <dgm:effectClrLst/>
+    <dgm:txLinClrLst/>
+    <dgm:txFillClrLst/>
+    <dgm:txEffectClrLst/>
+  </dgm:styleLbl>
+  <dgm:styleLbl name="asst1">
+    <dgm:fillClrLst meth="repeat">
+      <a:schemeClr val="accent1"/>
+    </dgm:fillClrLst>
+    <dgm:linClrLst meth="repeat">
+      <a:schemeClr val="lt1"/>
+    </dgm:linClrLst>
+    <dgm:effectClrLst/>
+    <dgm:txLinClrLst/>
+    <dgm:txFillClrLst/>
+    <dgm:txEffectClrLst/>
+  </dgm:styleLbl>
+  <dgm:styleLbl name="asst2">
+    <dgm:fillClrLst meth="repeat">
+      <a:schemeClr val="accent1"/>
+    </dgm:fillClrLst>
+    <dgm:linClrLst meth="repeat">
+      <a:schemeClr val="lt1"/>
+    </dgm:linClrLst>
+    <dgm:effectClrLst/>
+    <dgm:txLinClrLst/>
+    <dgm:txFillClrLst/>
+    <dgm:txEffectClrLst/>
+  </dgm:styleLbl>
+  <dgm:styleLbl name="asst3">
+    <dgm:fillClrLst meth="repeat">
+      <a:schemeClr val="accent1"/>
+    </dgm:fillClrLst>
+    <dgm:linClrLst meth="repeat">
+      <a:schemeClr val="lt1"/>
+    </dgm:linClrLst>
+    <dgm:effectClrLst/>
+    <dgm:txLinClrLst/>
+    <dgm:txFillClrLst/>
+    <dgm:txEffectClrLst/>
+  </dgm:styleLbl>
+  <dgm:styleLbl name="asst4">
+    <dgm:fillClrLst meth="repeat">
+      <a:schemeClr val="accent1"/>
+    </dgm:fillClrLst>
+    <dgm:linClrLst meth="repeat">
+      <a:schemeClr val="lt1"/>
+    </dgm:linClrLst>
+    <dgm:effectClrLst/>
+    <dgm:txLinClrLst/>
+    <dgm:txFillClrLst/>
+    <dgm:txEffectClrLst/>
+  </dgm:styleLbl>
+  <dgm:styleLbl name="parChTrans2D1">
+    <dgm:fillClrLst meth="repeat">
+      <a:schemeClr val="accent1">
+        <a:tint val="60000"/>
+      </a:schemeClr>
+    </dgm:fillClrLst>
+    <dgm:linClrLst meth="repeat">
+      <a:schemeClr val="accent1">
+        <a:tint val="60000"/>
+      </a:schemeClr>
+    </dgm:linClrLst>
+    <dgm:effectClrLst/>
+    <dgm:txLinClrLst/>
+    <dgm:txFillClrLst meth="repeat">
+      <a:schemeClr val="lt1"/>
+    </dgm:txFillClrLst>
+    <dgm:txEffectClrLst/>
+  </dgm:styleLbl>
+  <dgm:styleLbl name="parChTrans2D2">
+    <dgm:fillClrLst meth="repeat">
+      <a:schemeClr val="accent1"/>
+    </dgm:fillClrLst>
+    <dgm:linClrLst meth="repeat">
+      <a:schemeClr val="accent1"/>
+    </dgm:linClrLst>
+    <dgm:effectClrLst/>
+    <dgm:txLinClrLst/>
+    <dgm:txFillClrLst meth="repeat">
+      <a:schemeClr val="lt1"/>
+    </dgm:txFillClrLst>
+    <dgm:txEffectClrLst/>
+  </dgm:styleLbl>
+  <dgm:styleLbl name="parChTrans2D3">
+    <dgm:fillClrLst meth="repeat">
+      <a:schemeClr val="accent1"/>
+    </dgm:fillClrLst>
+    <dgm:linClrLst meth="repeat">
+      <a:schemeClr val="accent1"/>
+    </dgm:linClrLst>
+    <dgm:effectClrLst/>
+    <dgm:txLinClrLst/>
+    <dgm:txFillClrLst meth="repeat">
+      <a:schemeClr val="lt1"/>
+    </dgm:txFillClrLst>
+    <dgm:txEffectClrLst/>
+  </dgm:styleLbl>
+  <dgm:styleLbl name="parChTrans2D4">
+    <dgm:fillClrLst meth="repeat">
+      <a:schemeClr val="accent1"/>
+    </dgm:fillClrLst>
+    <dgm:linClrLst meth="repeat">
+      <a:schemeClr val="accent1"/>
+    </dgm:linClrLst>
+    <dgm:effectClrLst/>
+    <dgm:txLinClrLst/>
+    <dgm:txFillClrLst meth="repeat">
+      <a:schemeClr val="lt1"/>
+    </dgm:txFillClrLst>
+    <dgm:txEffectClrLst/>
+  </dgm:styleLbl>
+  <dgm:styleLbl name="parChTrans1D1">
+    <dgm:fillClrLst meth="repeat">
+      <a:schemeClr val="accent1"/>
+    </dgm:fillClrLst>
+    <dgm:linClrLst meth="repeat">
+      <a:schemeClr val="accent1">
+        <a:shade val="60000"/>
+      </a:schemeClr>
+    </dgm:linClrLst>
+    <dgm:effectClrLst/>
+    <dgm:txLinClrLst/>
+    <dgm:txFillClrLst meth="repeat">
+      <a:schemeClr val="tx1"/>
+    </dgm:txFillClrLst>
+    <dgm:txEffectClrLst/>
+  </dgm:styleLbl>
+  <dgm:styleLbl name="parChTrans1D2">
+    <dgm:fillClrLst meth="repeat">
+      <a:schemeClr val="accent1"/>
+    </dgm:fillClrLst>
+    <dgm:linClrLst meth="repeat">
+      <a:schemeClr val="accent1">
+        <a:shade val="60000"/>
+      </a:schemeClr>
+    </dgm:linClrLst>
+    <dgm:effectClrLst/>
+    <dgm:txLinClrLst/>
+    <dgm:txFillClrLst meth="repeat">
+      <a:schemeClr val="tx1"/>
+    </dgm:txFillClrLst>
+    <dgm:txEffectClrLst/>
+  </dgm:styleLbl>
+  <dgm:styleLbl name="parChTrans1D3">
+    <dgm:fillClrLst meth="repeat">
+      <a:schemeClr val="accent1"/>
+    </dgm:fillClrLst>
+    <dgm:linClrLst meth="repeat">
+      <a:schemeClr val="accent1">
+        <a:shade val="80000"/>
+      </a:schemeClr>
+    </dgm:linClrLst>
+    <dgm:effectClrLst/>
+    <dgm:txLinClrLst/>
+    <dgm:txFillClrLst meth="repeat">
+      <a:schemeClr val="tx1"/>
+    </dgm:txFillClrLst>
+    <dgm:txEffectClrLst/>
+  </dgm:styleLbl>
+  <dgm:styleLbl name="parChTrans1D4">
+    <dgm:fillClrLst meth="repeat">
+      <a:schemeClr val="accent1"/>
+    </dgm:fillClrLst>
+    <dgm:linClrLst meth="repeat">
+      <a:schemeClr val="accent1">
+        <a:shade val="80000"/>
+      </a:schemeClr>
+    </dgm:linClrLst>
+    <dgm:effectClrLst/>
+    <dgm:txLinClrLst/>
+    <dgm:txFillClrLst meth="repeat">
+      <a:schemeClr val="tx1"/>
+    </dgm:txFillClrLst>
+    <dgm:txEffectClrLst/>
+  </dgm:styleLbl>
+  <dgm:styleLbl name="fgAcc1">
+    <dgm:fillClrLst meth="repeat">
+      <a:schemeClr val="lt1">
+        <a:alpha val="90000"/>
+      </a:schemeClr>
+    </dgm:fillClrLst>
+    <dgm:linClrLst meth="repeat">
+      <a:schemeClr val="accent1"/>
+    </dgm:linClrLst>
+    <dgm:effectClrLst/>
+    <dgm:txLinClrLst/>
+    <dgm:txFillClrLst meth="repeat">
+      <a:schemeClr val="dk1"/>
+    </dgm:txFillClrLst>
+    <dgm:txEffectClrLst/>
+  </dgm:styleLbl>
+  <dgm:styleLbl name="conFgAcc1">
+    <dgm:fillClrLst meth="repeat">
+      <a:schemeClr val="lt1">
+        <a:alpha val="90000"/>
+      </a:schemeClr>
+    </dgm:fillClrLst>
+    <dgm:linClrLst meth="repeat">
+      <a:schemeClr val="accent1"/>
+    </dgm:linClrLst>
+    <dgm:effectClrLst/>
+    <dgm:txLinClrLst/>
+    <dgm:txFillClrLst meth="repeat">
+      <a:schemeClr val="dk1"/>
+    </dgm:txFillClrLst>
+    <dgm:txEffectClrLst/>
+  </dgm:styleLbl>
+  <dgm:styleLbl name="alignAcc1">
+    <dgm:fillClrLst meth="repeat">
+      <a:schemeClr val="lt1">
+        <a:alpha val="90000"/>
+      </a:schemeClr>
+    </dgm:fillClrLst>
+    <dgm:linClrLst meth="repeat">
+      <a:schemeClr val="accent1"/>
+    </dgm:linClrLst>
+    <dgm:effectClrLst/>
+    <dgm:txLinClrLst/>
+    <dgm:txFillClrLst meth="repeat">
+      <a:schemeClr val="dk1"/>
+    </dgm:txFillClrLst>
+    <dgm:txEffectClrLst/>
+  </dgm:styleLbl>
+  <dgm:styleLbl name="trAlignAcc1">
+    <dgm:fillClrLst meth="repeat">
+      <a:schemeClr val="lt1">
+        <a:alpha val="40000"/>
+      </a:schemeClr>
+    </dgm:fillClrLst>
+    <dgm:linClrLst meth="repeat">
+      <a:schemeClr val="accent1"/>
+    </dgm:linClrLst>
+    <dgm:effectClrLst/>
+    <dgm:txLinClrLst/>
+    <dgm:txFillClrLst meth="repeat">
+      <a:schemeClr val="dk1"/>
+    </dgm:txFillClrLst>
+    <dgm:txEffectClrLst/>
+  </dgm:styleLbl>
+  <dgm:styleLbl name="bgAcc1">
+    <dgm:fillClrLst meth="repeat">
+      <a:schemeClr val="lt1">
+        <a:alpha val="90000"/>
+      </a:schemeClr>
+    </dgm:fillClrLst>
+    <dgm:linClrLst meth="repeat">
+      <a:schemeClr val="accent1"/>
+    </dgm:linClrLst>
+    <dgm:effectClrLst/>
+    <dgm:txLinClrLst/>
+    <dgm:txFillClrLst meth="repeat">
+      <a:schemeClr val="dk1"/>
+    </dgm:txFillClrLst>
+    <dgm:txEffectClrLst/>
+  </dgm:styleLbl>
+  <dgm:styleLbl name="solidFgAcc1">
+    <dgm:fillClrLst meth="repeat">
+      <a:schemeClr val="lt1"/>
+    </dgm:fillClrLst>
+    <dgm:linClrLst meth="repeat">
+      <a:schemeClr val="accent1"/>
+    </dgm:linClrLst>
+    <dgm:effectClrLst/>
+    <dgm:txLinClrLst/>
+    <dgm:txFillClrLst meth="repeat">
+      <a:schemeClr val="dk1"/>
+    </dgm:txFillClrLst>
+    <dgm:txEffectClrLst/>
+  </dgm:styleLbl>
+  <dgm:styleLbl name="solidAlignAcc1">
+    <dgm:fillClrLst meth="repeat">
+      <a:schemeClr val="lt1"/>
+    </dgm:fillClrLst>
+    <dgm:linClrLst meth="repeat">
+      <a:schemeClr val="accent1"/>
+    </dgm:linClrLst>
+    <dgm:effectClrLst/>
+    <dgm:txLinClrLst/>
+    <dgm:txFillClrLst meth="repeat">
+      <a:schemeClr val="dk1"/>
+    </dgm:txFillClrLst>
+    <dgm:txEffectClrLst/>
+  </dgm:styleLbl>
+  <dgm:styleLbl name="solidBgAcc1">
+    <dgm:fillClrLst meth="repeat">
+      <a:schemeClr val="lt1"/>
+    </dgm:fillClrLst>
+    <dgm:linClrLst meth="repeat">
+      <a:schemeClr val="accent1"/>
+    </dgm:linClrLst>
+    <dgm:effectClrLst/>
+    <dgm:txLinClrLst/>
+    <dgm:txFillClrLst meth="repeat">
+      <a:schemeClr val="dk1"/>
+    </dgm:txFillClrLst>
+    <dgm:txEffectClrLst/>
+  </dgm:styleLbl>
+  <dgm:styleLbl name="fgAccFollowNode1">
+    <dgm:fillClrLst meth="repeat">
+      <a:schemeClr val="accent1">
+        <a:alpha val="90000"/>
+        <a:tint val="40000"/>
+      </a:schemeClr>
+    </dgm:fillClrLst>
+    <dgm:linClrLst meth="repeat">
+      <a:schemeClr val="accent1">
+        <a:alpha val="90000"/>
+        <a:tint val="40000"/>
+      </a:schemeClr>
+    </dgm:linClrLst>
+    <dgm:effectClrLst/>
+    <dgm:txLinClrLst/>
+    <dgm:txFillClrLst meth="repeat">
+      <a:schemeClr val="dk1"/>
+    </dgm:txFillClrLst>
+    <dgm:txEffectClrLst/>
+  </dgm:styleLbl>
+  <dgm:styleLbl name="alignAccFollowNode1">
+    <dgm:fillClrLst meth="repeat">
+      <a:schemeClr val="accent1">
+        <a:alpha val="90000"/>
+        <a:tint val="40000"/>
+      </a:schemeClr>
+    </dgm:fillClrLst>
+    <dgm:linClrLst meth="repeat">
+      <a:schemeClr val="accent1">
+        <a:alpha val="90000"/>
+        <a:tint val="40000"/>
+      </a:schemeClr>
+    </dgm:linClrLst>
+    <dgm:effectClrLst/>
+    <dgm:txLinClrLst/>
+    <dgm:txFillClrLst meth="repeat">
+      <a:schemeClr val="dk1"/>
+    </dgm:txFillClrLst>
+    <dgm:txEffectClrLst/>
+  </dgm:styleLbl>
+  <dgm:styleLbl name="bgAccFollowNode1">
+    <dgm:fillClrLst meth="repeat">
+      <a:schemeClr val="accent1">
+        <a:alpha val="90000"/>
+        <a:tint val="40000"/>
+      </a:schemeClr>
+    </dgm:fillClrLst>
+    <dgm:linClrLst meth="repeat">
+      <a:schemeClr val="accent1">
+        <a:alpha val="90000"/>
+        <a:tint val="40000"/>
+      </a:schemeClr>
+    </dgm:linClrLst>
+    <dgm:effectClrLst/>
+    <dgm:txLinClrLst/>
+    <dgm:txFillClrLst meth="repeat">
+      <a:schemeClr val="dk1"/>
+    </dgm:txFillClrLst>
+    <dgm:txEffectClrLst/>
+  </dgm:styleLbl>
+  <dgm:styleLbl name="fgAcc0">
+    <dgm:fillClrLst meth="repeat">
+      <a:schemeClr val="lt1">
+        <a:alpha val="90000"/>
+      </a:schemeClr>
+    </dgm:fillClrLst>
+    <dgm:linClrLst meth="repeat">
+      <a:schemeClr val="accent1"/>
+    </dgm:linClrLst>
+    <dgm:effectClrLst/>
+    <dgm:txLinClrLst/>
+    <dgm:txFillClrLst meth="repeat">
+      <a:schemeClr val="dk1"/>
+    </dgm:txFillClrLst>
+    <dgm:txEffectClrLst/>
+  </dgm:styleLbl>
+  <dgm:styleLbl name="fgAcc2">
+    <dgm:fillClrLst meth="repeat">
+      <a:schemeClr val="lt1">
+        <a:alpha val="90000"/>
+      </a:schemeClr>
+    </dgm:fillClrLst>
+    <dgm:linClrLst meth="repeat">
+      <a:schemeClr val="accent1"/>
+    </dgm:linClrLst>
+    <dgm:effectClrLst/>
+    <dgm:txLinClrLst/>
+    <dgm:txFillClrLst meth="repeat">
+      <a:schemeClr val="dk1"/>
+    </dgm:txFillClrLst>
+    <dgm:txEffectClrLst/>
+  </dgm:styleLbl>
+  <dgm:styleLbl name="fgAcc3">
+    <dgm:fillClrLst meth="repeat">
+      <a:schemeClr val="lt1">
+        <a:alpha val="90000"/>
+      </a:schemeClr>
+    </dgm:fillClrLst>
+    <dgm:linClrLst meth="repeat">
+      <a:schemeClr val="accent1"/>
+    </dgm:linClrLst>
+    <dgm:effectClrLst/>
+    <dgm:txLinClrLst/>
+    <dgm:txFillClrLst meth="repeat">
+      <a:schemeClr val="dk1"/>
+    </dgm:txFillClrLst>
+    <dgm:txEffectClrLst/>
+  </dgm:styleLbl>
+  <dgm:styleLbl name="fgAcc4">
+    <dgm:fillClrLst meth="repeat">
+      <a:schemeClr val="lt1">
+        <a:alpha val="90000"/>
+      </a:schemeClr>
+    </dgm:fillClrLst>
+    <dgm:linClrLst meth="repeat">
+      <a:schemeClr val="accent1"/>
+    </dgm:linClrLst>
+    <dgm:effectClrLst/>
+    <dgm:txLinClrLst/>
+    <dgm:txFillClrLst meth="repeat">
+      <a:schemeClr val="dk1"/>
+    </dgm:txFillClrLst>
+    <dgm:txEffectClrLst/>
+  </dgm:styleLbl>
+  <dgm:styleLbl name="bgShp">
+    <dgm:fillClrLst meth="repeat">
+      <a:schemeClr val="accent1">
+        <a:tint val="40000"/>
+      </a:schemeClr>
+    </dgm:fillClrLst>
+    <dgm:linClrLst meth="repeat">
+      <a:schemeClr val="accent1"/>
+    </dgm:linClrLst>
+    <dgm:effectClrLst/>
+    <dgm:txLinClrLst/>
+    <dgm:txFillClrLst meth="repeat">
+      <a:schemeClr val="dk1"/>
+    </dgm:txFillClrLst>
+    <dgm:txEffectClrLst/>
+  </dgm:styleLbl>
+  <dgm:styleLbl name="dkBgShp">
+    <dgm:fillClrLst meth="repeat">
+      <a:schemeClr val="accent1">
+        <a:shade val="80000"/>
+      </a:schemeClr>
+    </dgm:fillClrLst>
+    <dgm:linClrLst meth="repeat">
+      <a:schemeClr val="accent1"/>
+    </dgm:linClrLst>
+    <dgm:effectClrLst/>
+    <dgm:txLinClrLst/>
+    <dgm:txFillClrLst meth="repeat">
+      <a:schemeClr val="lt1"/>
+    </dgm:txFillClrLst>
+    <dgm:txEffectClrLst/>
+  </dgm:styleLbl>
+  <dgm:styleLbl name="trBgShp">
+    <dgm:fillClrLst meth="repeat">
+      <a:schemeClr val="accent1">
+        <a:tint val="50000"/>
+        <a:alpha val="40000"/>
+      </a:schemeClr>
+    </dgm:fillClrLst>
+    <dgm:linClrLst meth="repeat">
+      <a:schemeClr val="accent1"/>
+    </dgm:linClrLst>
+    <dgm:effectClrLst/>
+    <dgm:txLinClrLst/>
+    <dgm:txFillClrLst meth="repeat">
+      <a:schemeClr val="lt1"/>
+    </dgm:txFillClrLst>
+    <dgm:txEffectClrLst/>
+  </dgm:styleLbl>
+  <dgm:styleLbl name="fgShp">
+    <dgm:fillClrLst meth="repeat">
+      <a:schemeClr val="accent1">
+        <a:tint val="60000"/>
+      </a:schemeClr>
+    </dgm:fillClrLst>
+    <dgm:linClrLst meth="repeat">
+      <a:schemeClr val="lt1"/>
+    </dgm:linClrLst>
+    <dgm:effectClrLst/>
+    <dgm:txLinClrLst/>
+    <dgm:txFillClrLst meth="repeat">
+      <a:schemeClr val="dk1"/>
+    </dgm:txFillClrLst>
+    <dgm:txEffectClrLst/>
+  </dgm:styleLbl>
+  <dgm:styleLbl name="revTx">
+    <dgm:fillClrLst meth="repeat">
+      <a:schemeClr val="lt1">
+        <a:alpha val="0"/>
+      </a:schemeClr>
+    </dgm:fillClrLst>
+    <dgm:linClrLst meth="repeat">
+      <a:schemeClr val="dk1">
+        <a:alpha val="0"/>
+      </a:schemeClr>
+    </dgm:linClrLst>
+    <dgm:effectClrLst/>
+    <dgm:txLinClrLst/>
+    <dgm:txFillClrLst meth="repeat">
+      <a:schemeClr val="tx1"/>
+    </dgm:txFillClrLst>
+    <dgm:txEffectClrLst/>
+  </dgm:styleLbl>
+</dgm:colorsDef>
+</file>
+
+<file path=ppt/diagrams/colors2.xml><?xml version="1.0" encoding="utf-8"?>
+<dgm:colorsDef xmlns:dgm="http://schemas.openxmlformats.org/drawingml/2006/diagram" xmlns:a="http://schemas.openxmlformats.org/drawingml/2006/main" uniqueId="urn:microsoft.com/office/officeart/2005/8/colors/accent1_2">
+  <dgm:title val=""/>
+  <dgm:desc val=""/>
+  <dgm:catLst>
+    <dgm:cat type="accent1" pri="11200"/>
+  </dgm:catLst>
+  <dgm:styleLbl name="node0">
+    <dgm:fillClrLst meth="repeat">
+      <a:schemeClr val="accent1"/>
+    </dgm:fillClrLst>
+    <dgm:linClrLst meth="repeat">
+      <a:schemeClr val="lt1"/>
+    </dgm:linClrLst>
+    <dgm:effectClrLst/>
+    <dgm:txLinClrLst/>
+    <dgm:txFillClrLst/>
+    <dgm:txEffectClrLst/>
+  </dgm:styleLbl>
+  <dgm:styleLbl name="alignNode1">
+    <dgm:fillClrLst meth="repeat">
+      <a:schemeClr val="accent1"/>
+    </dgm:fillClrLst>
+    <dgm:linClrLst meth="repeat">
+      <a:schemeClr val="accent1"/>
+    </dgm:linClrLst>
+    <dgm:effectClrLst/>
+    <dgm:txLinClrLst/>
+    <dgm:txFillClrLst/>
+    <dgm:txEffectClrLst/>
+  </dgm:styleLbl>
+  <dgm:styleLbl name="node1">
+    <dgm:fillClrLst meth="repeat">
+      <a:schemeClr val="accent1"/>
+    </dgm:fillClrLst>
+    <dgm:linClrLst meth="repeat">
+      <a:schemeClr val="lt1"/>
+    </dgm:linClrLst>
+    <dgm:effectClrLst/>
+    <dgm:txLinClrLst/>
+    <dgm:txFillClrLst/>
+    <dgm:txEffectClrLst/>
+  </dgm:styleLbl>
+  <dgm:styleLbl name="lnNode1">
+    <dgm:fillClrLst meth="repeat">
+      <a:schemeClr val="accent1"/>
+    </dgm:fillClrLst>
+    <dgm:linClrLst meth="repeat">
+      <a:schemeClr val="lt1"/>
+    </dgm:linClrLst>
+    <dgm:effectClrLst/>
+    <dgm:txLinClrLst/>
+    <dgm:txFillClrLst/>
+    <dgm:txEffectClrLst/>
+  </dgm:styleLbl>
+  <dgm:styleLbl name="vennNode1">
+    <dgm:fillClrLst meth="repeat">
+      <a:schemeClr val="accent1">
+        <a:alpha val="50000"/>
+      </a:schemeClr>
+    </dgm:fillClrLst>
+    <dgm:linClrLst meth="repeat">
+      <a:schemeClr val="lt1"/>
+    </dgm:linClrLst>
+    <dgm:effectClrLst/>
+    <dgm:txLinClrLst/>
+    <dgm:txFillClrLst/>
+    <dgm:txEffectClrLst/>
+  </dgm:styleLbl>
+  <dgm:styleLbl name="node2">
+    <dgm:fillClrLst meth="repeat">
+      <a:schemeClr val="accent1"/>
+    </dgm:fillClrLst>
+    <dgm:linClrLst meth="repeat">
+      <a:schemeClr val="lt1"/>
+    </dgm:linClrLst>
+    <dgm:effectClrLst/>
+    <dgm:txLinClrLst/>
+    <dgm:txFillClrLst/>
+    <dgm:txEffectClrLst/>
+  </dgm:styleLbl>
+  <dgm:styleLbl name="node3">
+    <dgm:fillClrLst meth="repeat">
+      <a:schemeClr val="accent1"/>
+    </dgm:fillClrLst>
+    <dgm:linClrLst meth="repeat">
+      <a:schemeClr val="lt1"/>
+    </dgm:linClrLst>
+    <dgm:effectClrLst/>
+    <dgm:txLinClrLst/>
+    <dgm:txFillClrLst/>
+    <dgm:txEffectClrLst/>
+  </dgm:styleLbl>
+  <dgm:styleLbl name="node4">
+    <dgm:fillClrLst meth="repeat">
+      <a:schemeClr val="accent1"/>
+    </dgm:fillClrLst>
+    <dgm:linClrLst meth="repeat">
+      <a:schemeClr val="lt1"/>
+    </dgm:linClrLst>
+    <dgm:effectClrLst/>
+    <dgm:txLinClrLst/>
+    <dgm:txFillClrLst/>
+    <dgm:txEffectClrLst/>
+  </dgm:styleLbl>
+  <dgm:styleLbl name="fgImgPlace1">
+    <dgm:fillClrLst meth="repeat">
+      <a:schemeClr val="accent1">
+        <a:tint val="50000"/>
+      </a:schemeClr>
+    </dgm:fillClrLst>
+    <dgm:linClrLst meth="repeat">
+      <a:schemeClr val="lt1"/>
+    </dgm:linClrLst>
+    <dgm:effectClrLst/>
+    <dgm:txLinClrLst/>
+    <dgm:txFillClrLst meth="repeat">
+      <a:schemeClr val="lt1"/>
+    </dgm:txFillClrLst>
+    <dgm:txEffectClrLst/>
+  </dgm:styleLbl>
+  <dgm:styleLbl name="alignImgPlace1">
+    <dgm:fillClrLst meth="repeat">
+      <a:schemeClr val="accent1">
+        <a:tint val="50000"/>
+      </a:schemeClr>
+    </dgm:fillClrLst>
+    <dgm:linClrLst meth="repeat">
+      <a:schemeClr val="lt1"/>
+    </dgm:linClrLst>
+    <dgm:effectClrLst/>
+    <dgm:txLinClrLst/>
+    <dgm:txFillClrLst meth="repeat">
+      <a:schemeClr val="lt1"/>
+    </dgm:txFillClrLst>
+    <dgm:txEffectClrLst/>
+  </dgm:styleLbl>
+  <dgm:styleLbl name="bgImgPlace1">
+    <dgm:fillClrLst meth="repeat">
+      <a:schemeClr val="accent1">
+        <a:tint val="50000"/>
+      </a:schemeClr>
+    </dgm:fillClrLst>
+    <dgm:linClrLst meth="repeat">
+      <a:schemeClr val="lt1"/>
+    </dgm:linClrLst>
+    <dgm:effectClrLst/>
+    <dgm:txLinClrLst/>
+    <dgm:txFillClrLst meth="repeat">
+      <a:schemeClr val="lt1"/>
+    </dgm:txFillClrLst>
+    <dgm:txEffectClrLst/>
+  </dgm:styleLbl>
+  <dgm:styleLbl name="sibTrans2D1">
+    <dgm:fillClrLst meth="repeat">
+      <a:schemeClr val="accent1">
+        <a:tint val="60000"/>
+      </a:schemeClr>
+    </dgm:fillClrLst>
+    <dgm:linClrLst meth="repeat">
+      <a:schemeClr val="accent1">
+        <a:tint val="60000"/>
+      </a:schemeClr>
+    </dgm:linClrLst>
+    <dgm:effectClrLst/>
+    <dgm:txLinClrLst/>
+    <dgm:txFillClrLst/>
+    <dgm:txEffectClrLst/>
+  </dgm:styleLbl>
+  <dgm:styleLbl name="fgSibTrans2D1">
+    <dgm:fillClrLst meth="repeat">
+      <a:schemeClr val="accent1">
+        <a:tint val="60000"/>
+      </a:schemeClr>
+    </dgm:fillClrLst>
+    <dgm:linClrLst meth="repeat">
+      <a:schemeClr val="accent1">
+        <a:tint val="60000"/>
+      </a:schemeClr>
+    </dgm:linClrLst>
+    <dgm:effectClrLst/>
+    <dgm:txLinClrLst/>
+    <dgm:txFillClrLst/>
+    <dgm:txEffectClrLst/>
+  </dgm:styleLbl>
+  <dgm:styleLbl name="bgSibTrans2D1">
+    <dgm:fillClrLst meth="repeat">
+      <a:schemeClr val="accent1">
+        <a:tint val="60000"/>
+      </a:schemeClr>
+    </dgm:fillClrLst>
+    <dgm:linClrLst meth="repeat">
+      <a:schemeClr val="accent1">
+        <a:tint val="60000"/>
+      </a:schemeClr>
+    </dgm:linClrLst>
+    <dgm:effectClrLst/>
+    <dgm:txLinClrLst/>
+    <dgm:txFillClrLst/>
+    <dgm:txEffectClrLst/>
+  </dgm:styleLbl>
+  <dgm:styleLbl name="sibTrans1D1">
+    <dgm:fillClrLst meth="repeat">
+      <a:schemeClr val="accent1"/>
+    </dgm:fillClrLst>
+    <dgm:linClrLst meth="repeat">
+      <a:schemeClr val="accent1"/>
+    </dgm:linClrLst>
+    <dgm:effectClrLst/>
+    <dgm:txLinClrLst/>
+    <dgm:txFillClrLst meth="repeat">
+      <a:schemeClr val="tx1"/>
+    </dgm:txFillClrLst>
+    <dgm:txEffectClrLst/>
+  </dgm:styleLbl>
+  <dgm:styleLbl name="callout">
+    <dgm:fillClrLst meth="repeat">
+      <a:schemeClr val="accent1"/>
+    </dgm:fillClrLst>
+    <dgm:linClrLst meth="repeat">
+      <a:schemeClr val="accent1">
+        <a:tint val="50000"/>
+      </a:schemeClr>
+    </dgm:linClrLst>
+    <dgm:effectClrLst/>
+    <dgm:txLinClrLst/>
+    <dgm:txFillClrLst meth="repeat">
+      <a:schemeClr val="tx1"/>
+    </dgm:txFillClrLst>
+    <dgm:txEffectClrLst/>
+  </dgm:styleLbl>
+  <dgm:styleLbl name="asst0">
+    <dgm:fillClrLst meth="repeat">
+      <a:schemeClr val="accent1"/>
+    </dgm:fillClrLst>
+    <dgm:linClrLst meth="repeat">
+      <a:schemeClr val="lt1"/>
+    </dgm:linClrLst>
+    <dgm:effectClrLst/>
+    <dgm:txLinClrLst/>
+    <dgm:txFillClrLst/>
+    <dgm:txEffectClrLst/>
+  </dgm:styleLbl>
+  <dgm:styleLbl name="asst1">
+    <dgm:fillClrLst meth="repeat">
+      <a:schemeClr val="accent1"/>
+    </dgm:fillClrLst>
+    <dgm:linClrLst meth="repeat">
+      <a:schemeClr val="lt1"/>
+    </dgm:linClrLst>
+    <dgm:effectClrLst/>
+    <dgm:txLinClrLst/>
+    <dgm:txFillClrLst/>
+    <dgm:txEffectClrLst/>
+  </dgm:styleLbl>
+  <dgm:styleLbl name="asst2">
+    <dgm:fillClrLst meth="repeat">
+      <a:schemeClr val="accent1"/>
+    </dgm:fillClrLst>
+    <dgm:linClrLst meth="repeat">
+      <a:schemeClr val="lt1"/>
+    </dgm:linClrLst>
+    <dgm:effectClrLst/>
+    <dgm:txLinClrLst/>
+    <dgm:txFillClrLst/>
+    <dgm:txEffectClrLst/>
+  </dgm:styleLbl>
+  <dgm:styleLbl name="asst3">
+    <dgm:fillClrLst meth="repeat">
+      <a:schemeClr val="accent1"/>
+    </dgm:fillClrLst>
+    <dgm:linClrLst meth="repeat">
+      <a:schemeClr val="lt1"/>
+    </dgm:linClrLst>
+    <dgm:effectClrLst/>
+    <dgm:txLinClrLst/>
+    <dgm:txFillClrLst/>
+    <dgm:txEffectClrLst/>
+  </dgm:styleLbl>
+  <dgm:styleLbl name="asst4">
+    <dgm:fillClrLst meth="repeat">
+      <a:schemeClr val="accent1"/>
+    </dgm:fillClrLst>
+    <dgm:linClrLst meth="repeat">
+      <a:schemeClr val="lt1"/>
+    </dgm:linClrLst>
+    <dgm:effectClrLst/>
+    <dgm:txLinClrLst/>
+    <dgm:txFillClrLst/>
+    <dgm:txEffectClrLst/>
+  </dgm:styleLbl>
+  <dgm:styleLbl name="parChTrans2D1">
+    <dgm:fillClrLst meth="repeat">
+      <a:schemeClr val="accent1">
+        <a:tint val="60000"/>
+      </a:schemeClr>
+    </dgm:fillClrLst>
+    <dgm:linClrLst meth="repeat">
+      <a:schemeClr val="accent1">
+        <a:tint val="60000"/>
+      </a:schemeClr>
+    </dgm:linClrLst>
+    <dgm:effectClrLst/>
+    <dgm:txLinClrLst/>
+    <dgm:txFillClrLst meth="repeat">
+      <a:schemeClr val="lt1"/>
+    </dgm:txFillClrLst>
+    <dgm:txEffectClrLst/>
+  </dgm:styleLbl>
+  <dgm:styleLbl name="parChTrans2D2">
+    <dgm:fillClrLst meth="repeat">
+      <a:schemeClr val="accent1"/>
+    </dgm:fillClrLst>
+    <dgm:linClrLst meth="repeat">
+      <a:schemeClr val="accent1"/>
+    </dgm:linClrLst>
+    <dgm:effectClrLst/>
+    <dgm:txLinClrLst/>
+    <dgm:txFillClrLst meth="repeat">
+      <a:schemeClr val="lt1"/>
+    </dgm:txFillClrLst>
+    <dgm:txEffectClrLst/>
+  </dgm:styleLbl>
+  <dgm:styleLbl name="parChTrans2D3">
+    <dgm:fillClrLst meth="repeat">
+      <a:schemeClr val="accent1"/>
+    </dgm:fillClrLst>
+    <dgm:linClrLst meth="repeat">
+      <a:schemeClr val="accent1"/>
+    </dgm:linClrLst>
+    <dgm:effectClrLst/>
+    <dgm:txLinClrLst/>
+    <dgm:txFillClrLst meth="repeat">
+      <a:schemeClr val="lt1"/>
+    </dgm:txFillClrLst>
+    <dgm:txEffectClrLst/>
+  </dgm:styleLbl>
+  <dgm:styleLbl name="parChTrans2D4">
+    <dgm:fillClrLst meth="repeat">
+      <a:schemeClr val="accent1"/>
+    </dgm:fillClrLst>
+    <dgm:linClrLst meth="repeat">
+      <a:schemeClr val="accent1"/>
+    </dgm:linClrLst>
+    <dgm:effectClrLst/>
+    <dgm:txLinClrLst/>
+    <dgm:txFillClrLst meth="repeat">
+      <a:schemeClr val="lt1"/>
+    </dgm:txFillClrLst>
+    <dgm:txEffectClrLst/>
+  </dgm:styleLbl>
+  <dgm:styleLbl name="parChTrans1D1">
+    <dgm:fillClrLst meth="repeat">
+      <a:schemeClr val="accent1"/>
+    </dgm:fillClrLst>
+    <dgm:linClrLst meth="repeat">
+      <a:schemeClr val="accent1">
+        <a:shade val="60000"/>
+      </a:schemeClr>
+    </dgm:linClrLst>
+    <dgm:effectClrLst/>
+    <dgm:txLinClrLst/>
+    <dgm:txFillClrLst meth="repeat">
+      <a:schemeClr val="tx1"/>
+    </dgm:txFillClrLst>
+    <dgm:txEffectClrLst/>
+  </dgm:styleLbl>
+  <dgm:styleLbl name="parChTrans1D2">
+    <dgm:fillClrLst meth="repeat">
+      <a:schemeClr val="accent1"/>
+    </dgm:fillClrLst>
+    <dgm:linClrLst meth="repeat">
+      <a:schemeClr val="accent1">
+        <a:shade val="60000"/>
+      </a:schemeClr>
+    </dgm:linClrLst>
+    <dgm:effectClrLst/>
+    <dgm:txLinClrLst/>
+    <dgm:txFillClrLst meth="repeat">
+      <a:schemeClr val="tx1"/>
+    </dgm:txFillClrLst>
+    <dgm:txEffectClrLst/>
+  </dgm:styleLbl>
+  <dgm:styleLbl name="parChTrans1D3">
+    <dgm:fillClrLst meth="repeat">
+      <a:schemeClr val="accent1"/>
+    </dgm:fillClrLst>
+    <dgm:linClrLst meth="repeat">
+      <a:schemeClr val="accent1">
+        <a:shade val="80000"/>
+      </a:schemeClr>
+    </dgm:linClrLst>
+    <dgm:effectClrLst/>
+    <dgm:txLinClrLst/>
+    <dgm:txFillClrLst meth="repeat">
+      <a:schemeClr val="tx1"/>
+    </dgm:txFillClrLst>
+    <dgm:txEffectClrLst/>
+  </dgm:styleLbl>
+  <dgm:styleLbl name="parChTrans1D4">
+    <dgm:fillClrLst meth="repeat">
+      <a:schemeClr val="accent1"/>
+    </dgm:fillClrLst>
+    <dgm:linClrLst meth="repeat">
+      <a:schemeClr val="accent1">
+        <a:shade val="80000"/>
+      </a:schemeClr>
+    </dgm:linClrLst>
+    <dgm:effectClrLst/>
+    <dgm:txLinClrLst/>
+    <dgm:txFillClrLst meth="repeat">
+      <a:schemeClr val="tx1"/>
+    </dgm:txFillClrLst>
+    <dgm:txEffectClrLst/>
+  </dgm:styleLbl>
+  <dgm:styleLbl name="fgAcc1">
+    <dgm:fillClrLst meth="repeat">
+      <a:schemeClr val="lt1">
+        <a:alpha val="90000"/>
+      </a:schemeClr>
+    </dgm:fillClrLst>
+    <dgm:linClrLst meth="repeat">
+      <a:schemeClr val="accent1"/>
+    </dgm:linClrLst>
+    <dgm:effectClrLst/>
+    <dgm:txLinClrLst/>
+    <dgm:txFillClrLst meth="repeat">
+      <a:schemeClr val="dk1"/>
+    </dgm:txFillClrLst>
+    <dgm:txEffectClrLst/>
+  </dgm:styleLbl>
+  <dgm:styleLbl name="conFgAcc1">
+    <dgm:fillClrLst meth="repeat">
+      <a:schemeClr val="lt1">
+        <a:alpha val="90000"/>
+      </a:schemeClr>
+    </dgm:fillClrLst>
+    <dgm:linClrLst meth="repeat">
+      <a:schemeClr val="accent1"/>
+    </dgm:linClrLst>
+    <dgm:effectClrLst/>
+    <dgm:txLinClrLst/>
+    <dgm:txFillClrLst meth="repeat">
+      <a:schemeClr val="dk1"/>
+    </dgm:txFillClrLst>
+    <dgm:txEffectClrLst/>
+  </dgm:styleLbl>
+  <dgm:styleLbl name="alignAcc1">
+    <dgm:fillClrLst meth="repeat">
+      <a:schemeClr val="lt1">
+        <a:alpha val="90000"/>
+      </a:schemeClr>
+    </dgm:fillClrLst>
+    <dgm:linClrLst meth="repeat">
+      <a:schemeClr val="accent1"/>
+    </dgm:linClrLst>
+    <dgm:effectClrLst/>
+    <dgm:txLinClrLst/>
+    <dgm:txFillClrLst meth="repeat">
+      <a:schemeClr val="dk1"/>
+    </dgm:txFillClrLst>
+    <dgm:txEffectClrLst/>
+  </dgm:styleLbl>
+  <dgm:styleLbl name="trAlignAcc1">
+    <dgm:fillClrLst meth="repeat">
+      <a:schemeClr val="lt1">
+        <a:alpha val="40000"/>
+      </a:schemeClr>
+    </dgm:fillClrLst>
+    <dgm:linClrLst meth="repeat">
+      <a:schemeClr val="accent1"/>
+    </dgm:linClrLst>
+    <dgm:effectClrLst/>
+    <dgm:txLinClrLst/>
+    <dgm:txFillClrLst meth="repeat">
+      <a:schemeClr val="dk1"/>
+    </dgm:txFillClrLst>
+    <dgm:txEffectClrLst/>
+  </dgm:styleLbl>
+  <dgm:styleLbl name="bgAcc1">
+    <dgm:fillClrLst meth="repeat">
+      <a:schemeClr val="lt1">
+        <a:alpha val="90000"/>
+      </a:schemeClr>
+    </dgm:fillClrLst>
+    <dgm:linClrLst meth="repeat">
+      <a:schemeClr val="accent1"/>
+    </dgm:linClrLst>
+    <dgm:effectClrLst/>
+    <dgm:txLinClrLst/>
+    <dgm:txFillClrLst meth="repeat">
+      <a:schemeClr val="dk1"/>
+    </dgm:txFillClrLst>
+    <dgm:txEffectClrLst/>
+  </dgm:styleLbl>
+  <dgm:styleLbl name="solidFgAcc1">
+    <dgm:fillClrLst meth="repeat">
+      <a:schemeClr val="lt1"/>
+    </dgm:fillClrLst>
+    <dgm:linClrLst meth="repeat">
+      <a:schemeClr val="accent1"/>
+    </dgm:linClrLst>
+    <dgm:effectClrLst/>
+    <dgm:txLinClrLst/>
+    <dgm:txFillClrLst meth="repeat">
+      <a:schemeClr val="dk1"/>
+    </dgm:txFillClrLst>
+    <dgm:txEffectClrLst/>
+  </dgm:styleLbl>
+  <dgm:styleLbl name="solidAlignAcc1">
+    <dgm:fillClrLst meth="repeat">
+      <a:schemeClr val="lt1"/>
+    </dgm:fillClrLst>
+    <dgm:linClrLst meth="repeat">
+      <a:schemeClr val="accent1"/>
+    </dgm:linClrLst>
+    <dgm:effectClrLst/>
+    <dgm:txLinClrLst/>
+    <dgm:txFillClrLst meth="repeat">
+      <a:schemeClr val="dk1"/>
+    </dgm:txFillClrLst>
+    <dgm:txEffectClrLst/>
+  </dgm:styleLbl>
+  <dgm:styleLbl name="solidBgAcc1">
+    <dgm:fillClrLst meth="repeat">
+      <a:schemeClr val="lt1"/>
+    </dgm:fillClrLst>
+    <dgm:linClrLst meth="repeat">
+      <a:schemeClr val="accent1"/>
+    </dgm:linClrLst>
+    <dgm:effectClrLst/>
+    <dgm:txLinClrLst/>
+    <dgm:txFillClrLst meth="repeat">
+      <a:schemeClr val="dk1"/>
+    </dgm:txFillClrLst>
+    <dgm:txEffectClrLst/>
+  </dgm:styleLbl>
+  <dgm:styleLbl name="fgAccFollowNode1">
+    <dgm:fillClrLst meth="repeat">
+      <a:schemeClr val="accent1">
+        <a:alpha val="90000"/>
+        <a:tint val="40000"/>
+      </a:schemeClr>
+    </dgm:fillClrLst>
+    <dgm:linClrLst meth="repeat">
+      <a:schemeClr val="accent1">
+        <a:alpha val="90000"/>
+        <a:tint val="40000"/>
+      </a:schemeClr>
+    </dgm:linClrLst>
+    <dgm:effectClrLst/>
+    <dgm:txLinClrLst/>
+    <dgm:txFillClrLst meth="repeat">
+      <a:schemeClr val="dk1"/>
+    </dgm:txFillClrLst>
+    <dgm:txEffectClrLst/>
+  </dgm:styleLbl>
+  <dgm:styleLbl name="alignAccFollowNode1">
+    <dgm:fillClrLst meth="repeat">
+      <a:schemeClr val="accent1">
+        <a:alpha val="90000"/>
+        <a:tint val="40000"/>
+      </a:schemeClr>
+    </dgm:fillClrLst>
+    <dgm:linClrLst meth="repeat">
+      <a:schemeClr val="accent1">
+        <a:alpha val="90000"/>
+        <a:tint val="40000"/>
+      </a:schemeClr>
+    </dgm:linClrLst>
+    <dgm:effectClrLst/>
+    <dgm:txLinClrLst/>
+    <dgm:txFillClrLst meth="repeat">
+      <a:schemeClr val="dk1"/>
+    </dgm:txFillClrLst>
+    <dgm:txEffectClrLst/>
+  </dgm:styleLbl>
+  <dgm:styleLbl name="bgAccFollowNode1">
+    <dgm:fillClrLst meth="repeat">
+      <a:schemeClr val="accent1">
+        <a:alpha val="90000"/>
+        <a:tint val="40000"/>
+      </a:schemeClr>
+    </dgm:fillClrLst>
+    <dgm:linClrLst meth="repeat">
+      <a:schemeClr val="accent1">
+        <a:alpha val="90000"/>
+        <a:tint val="40000"/>
+      </a:schemeClr>
+    </dgm:linClrLst>
+    <dgm:effectClrLst/>
+    <dgm:txLinClrLst/>
+    <dgm:txFillClrLst meth="repeat">
+      <a:schemeClr val="dk1"/>
+    </dgm:txFillClrLst>
+    <dgm:txEffectClrLst/>
+  </dgm:styleLbl>
+  <dgm:styleLbl name="fgAcc0">
+    <dgm:fillClrLst meth="repeat">
+      <a:schemeClr val="lt1">
+        <a:alpha val="90000"/>
+      </a:schemeClr>
+    </dgm:fillClrLst>
+    <dgm:linClrLst meth="repeat">
+      <a:schemeClr val="accent1"/>
+    </dgm:linClrLst>
+    <dgm:effectClrLst/>
+    <dgm:txLinClrLst/>
+    <dgm:txFillClrLst meth="repeat">
+      <a:schemeClr val="dk1"/>
+    </dgm:txFillClrLst>
+    <dgm:txEffectClrLst/>
+  </dgm:styleLbl>
+  <dgm:styleLbl name="fgAcc2">
+    <dgm:fillClrLst meth="repeat">
+      <a:schemeClr val="lt1">
+        <a:alpha val="90000"/>
+      </a:schemeClr>
+    </dgm:fillClrLst>
+    <dgm:linClrLst meth="repeat">
+      <a:schemeClr val="accent1"/>
+    </dgm:linClrLst>
+    <dgm:effectClrLst/>
+    <dgm:txLinClrLst/>
+    <dgm:txFillClrLst meth="repeat">
+      <a:schemeClr val="dk1"/>
+    </dgm:txFillClrLst>
+    <dgm:txEffectClrLst/>
+  </dgm:styleLbl>
+  <dgm:styleLbl name="fgAcc3">
+    <dgm:fillClrLst meth="repeat">
+      <a:schemeClr val="lt1">
+        <a:alpha val="90000"/>
+      </a:schemeClr>
+    </dgm:fillClrLst>
+    <dgm:linClrLst meth="repeat">
+      <a:schemeClr val="accent1"/>
+    </dgm:linClrLst>
+    <dgm:effectClrLst/>
+    <dgm:txLinClrLst/>
+    <dgm:txFillClrLst meth="repeat">
+      <a:schemeClr val="dk1"/>
+    </dgm:txFillClrLst>
+    <dgm:txEffectClrLst/>
+  </dgm:styleLbl>
+  <dgm:styleLbl name="fgAcc4">
+    <dgm:fillClrLst meth="repeat">
+      <a:schemeClr val="lt1">
+        <a:alpha val="90000"/>
+      </a:schemeClr>
+    </dgm:fillClrLst>
+    <dgm:linClrLst meth="repeat">
+      <a:schemeClr val="accent1"/>
+    </dgm:linClrLst>
+    <dgm:effectClrLst/>
+    <dgm:txLinClrLst/>
+    <dgm:txFillClrLst meth="repeat">
+      <a:schemeClr val="dk1"/>
+    </dgm:txFillClrLst>
+    <dgm:txEffectClrLst/>
+  </dgm:styleLbl>
+  <dgm:styleLbl name="bgShp">
+    <dgm:fillClrLst meth="repeat">
+      <a:schemeClr val="accent1">
+        <a:tint val="40000"/>
+      </a:schemeClr>
+    </dgm:fillClrLst>
+    <dgm:linClrLst meth="repeat">
+      <a:schemeClr val="accent1"/>
+    </dgm:linClrLst>
+    <dgm:effectClrLst/>
+    <dgm:txLinClrLst/>
+    <dgm:txFillClrLst meth="repeat">
+      <a:schemeClr val="dk1"/>
+    </dgm:txFillClrLst>
+    <dgm:txEffectClrLst/>
+  </dgm:styleLbl>
+  <dgm:styleLbl name="dkBgShp">
+    <dgm:fillClrLst meth="repeat">
+      <a:schemeClr val="accent1">
+        <a:shade val="80000"/>
+      </a:schemeClr>
+    </dgm:fillClrLst>
+    <dgm:linClrLst meth="repeat">
+      <a:schemeClr val="accent1"/>
+    </dgm:linClrLst>
+    <dgm:effectClrLst/>
+    <dgm:txLinClrLst/>
+    <dgm:txFillClrLst meth="repeat">
+      <a:schemeClr val="lt1"/>
+    </dgm:txFillClrLst>
+    <dgm:txEffectClrLst/>
+  </dgm:styleLbl>
+  <dgm:styleLbl name="trBgShp">
+    <dgm:fillClrLst meth="repeat">
+      <a:schemeClr val="accent1">
+        <a:tint val="50000"/>
+        <a:alpha val="40000"/>
+      </a:schemeClr>
+    </dgm:fillClrLst>
+    <dgm:linClrLst meth="repeat">
+      <a:schemeClr val="accent1"/>
+    </dgm:linClrLst>
+    <dgm:effectClrLst/>
+    <dgm:txLinClrLst/>
+    <dgm:txFillClrLst meth="repeat">
+      <a:schemeClr val="lt1"/>
+    </dgm:txFillClrLst>
+    <dgm:txEffectClrLst/>
+  </dgm:styleLbl>
+  <dgm:styleLbl name="fgShp">
+    <dgm:fillClrLst meth="repeat">
+      <a:schemeClr val="accent1">
+        <a:tint val="60000"/>
+      </a:schemeClr>
+    </dgm:fillClrLst>
+    <dgm:linClrLst meth="repeat">
+      <a:schemeClr val="lt1"/>
+    </dgm:linClrLst>
+    <dgm:effectClrLst/>
+    <dgm:txLinClrLst/>
+    <dgm:txFillClrLst meth="repeat">
+      <a:schemeClr val="dk1"/>
+    </dgm:txFillClrLst>
+    <dgm:txEffectClrLst/>
+  </dgm:styleLbl>
+  <dgm:styleLbl name="revTx">
+    <dgm:fillClrLst meth="repeat">
+      <a:schemeClr val="lt1">
+        <a:alpha val="0"/>
+      </a:schemeClr>
+    </dgm:fillClrLst>
+    <dgm:linClrLst meth="repeat">
+      <a:schemeClr val="dk1">
+        <a:alpha val="0"/>
+      </a:schemeClr>
+    </dgm:linClrLst>
+    <dgm:effectClrLst/>
+    <dgm:txLinClrLst/>
+    <dgm:txFillClrLst meth="repeat">
+      <a:schemeClr val="tx1"/>
+    </dgm:txFillClrLst>
+    <dgm:txEffectClrLst/>
+  </dgm:styleLbl>
+</dgm:colorsDef>
+</file>
+
+<file path=ppt/diagrams/data1.xml><?xml version="1.0" encoding="utf-8"?>
+<dgm:dataModel xmlns:dgm="http://schemas.openxmlformats.org/drawingml/2006/diagram" xmlns:a="http://schemas.openxmlformats.org/drawingml/2006/main">
+  <dgm:ptLst>
+    <dgm:pt modelId="{4165E466-F821-48EC-8A89-8666854D5810}" type="doc">
+      <dgm:prSet loTypeId="urn:microsoft.com/office/officeart/2005/8/layout/arrow5" loCatId="process" qsTypeId="urn:microsoft.com/office/officeart/2005/8/quickstyle/simple1" qsCatId="simple" csTypeId="urn:microsoft.com/office/officeart/2005/8/colors/accent1_2" csCatId="accent1" phldr="1"/>
+      <dgm:spPr/>
+      <dgm:t>
+        <a:bodyPr/>
+        <a:lstStyle/>
+        <a:p>
+          <a:endParaRPr lang="en-CA"/>
+        </a:p>
+      </dgm:t>
+    </dgm:pt>
+    <dgm:pt modelId="{3109CA06-F7C2-4503-BCCF-DCBA29772BD2}">
+      <dgm:prSet phldrT="[Text]"/>
+      <dgm:spPr>
+        <a:solidFill>
+          <a:schemeClr val="bg2">
+            <a:lumMod val="75000"/>
+          </a:schemeClr>
+        </a:solidFill>
+      </dgm:spPr>
+      <dgm:t>
+        <a:bodyPr/>
+        <a:lstStyle/>
+        <a:p>
+          <a:pPr algn="l"/>
+          <a:r>
+            <a:rPr lang="en-US" dirty="0"/>
+            <a:t>Listings Masters</a:t>
+          </a:r>
+        </a:p>
+        <a:p>
+          <a:pPr algn="l"/>
+          <a:r>
+            <a:rPr lang="en-US" dirty="0"/>
+            <a:t>Borough ID</a:t>
+          </a:r>
+        </a:p>
+        <a:p>
+          <a:pPr algn="l"/>
+          <a:r>
+            <a:rPr lang="en-US" dirty="0" err="1"/>
+            <a:t>Neighbourhood</a:t>
+          </a:r>
+          <a:r>
+            <a:rPr lang="en-US" dirty="0"/>
+            <a:t> ID</a:t>
+          </a:r>
+        </a:p>
+        <a:p>
+          <a:pPr algn="l"/>
+          <a:r>
+            <a:rPr lang="en-US" dirty="0"/>
+            <a:t>Room Type ID</a:t>
+          </a:r>
+        </a:p>
+        <a:p>
+          <a:pPr algn="l"/>
+          <a:r>
+            <a:rPr lang="en-US" dirty="0"/>
+            <a:t>Yearly Rates</a:t>
+          </a:r>
+          <a:endParaRPr lang="en-CA" dirty="0"/>
+        </a:p>
+      </dgm:t>
+    </dgm:pt>
+    <dgm:pt modelId="{95253C47-38E7-4F94-93D5-11121723984F}" type="parTrans" cxnId="{34F09C04-837E-4196-B0C4-267A309036FC}">
+      <dgm:prSet/>
+      <dgm:spPr/>
+      <dgm:t>
+        <a:bodyPr/>
+        <a:lstStyle/>
+        <a:p>
+          <a:endParaRPr lang="en-CA"/>
+        </a:p>
+      </dgm:t>
+    </dgm:pt>
+    <dgm:pt modelId="{FFB90B88-8C07-4F88-9316-CCA35D6EEDCB}" type="sibTrans" cxnId="{34F09C04-837E-4196-B0C4-267A309036FC}">
+      <dgm:prSet/>
+      <dgm:spPr/>
+      <dgm:t>
+        <a:bodyPr/>
+        <a:lstStyle/>
+        <a:p>
+          <a:endParaRPr lang="en-CA"/>
+        </a:p>
+      </dgm:t>
+    </dgm:pt>
+    <dgm:pt modelId="{DEB0D0C3-5C29-4F2F-BE48-671771982745}">
+      <dgm:prSet phldrT="[Text]"/>
+      <dgm:spPr>
+        <a:solidFill>
+          <a:srgbClr val="E87572"/>
+        </a:solidFill>
+        <a:ln>
+          <a:solidFill>
+            <a:srgbClr val="E9766F"/>
+          </a:solidFill>
+        </a:ln>
+      </dgm:spPr>
+      <dgm:t>
+        <a:bodyPr/>
+        <a:lstStyle/>
+        <a:p>
+          <a:pPr algn="r"/>
+          <a:r>
+            <a:rPr lang="en-US" b="1" dirty="0"/>
+            <a:t>Monthly Rates</a:t>
+          </a:r>
+        </a:p>
+        <a:p>
+          <a:pPr algn="r"/>
+          <a:r>
+            <a:rPr lang="en-US" b="1" dirty="0"/>
+            <a:t>Day of Week Rates</a:t>
+          </a:r>
+        </a:p>
+        <a:p>
+          <a:pPr algn="r"/>
+          <a:r>
+            <a:rPr lang="en-US" b="1" dirty="0"/>
+            <a:t>Predicted Rates </a:t>
+          </a:r>
+          <a:endParaRPr lang="en-CA" b="1" dirty="0"/>
+        </a:p>
+      </dgm:t>
+    </dgm:pt>
+    <dgm:pt modelId="{8549E871-9E4F-4A80-8041-AB6166EDC6B9}" type="parTrans" cxnId="{4832EC36-774A-408F-93F0-445EC9F4F3E4}">
+      <dgm:prSet/>
+      <dgm:spPr/>
+      <dgm:t>
+        <a:bodyPr/>
+        <a:lstStyle/>
+        <a:p>
+          <a:endParaRPr lang="en-CA"/>
+        </a:p>
+      </dgm:t>
+    </dgm:pt>
+    <dgm:pt modelId="{CE8B65E7-4988-4A80-AF0E-FC8E10D8A9C8}" type="sibTrans" cxnId="{4832EC36-774A-408F-93F0-445EC9F4F3E4}">
+      <dgm:prSet/>
+      <dgm:spPr/>
+      <dgm:t>
+        <a:bodyPr/>
+        <a:lstStyle/>
+        <a:p>
+          <a:endParaRPr lang="en-CA"/>
+        </a:p>
+      </dgm:t>
+    </dgm:pt>
+    <dgm:pt modelId="{14713A3F-A4B9-4C6D-AB14-727A3404CF7E}" type="pres">
+      <dgm:prSet presAssocID="{4165E466-F821-48EC-8A89-8666854D5810}" presName="diagram" presStyleCnt="0">
+        <dgm:presLayoutVars>
+          <dgm:dir/>
+          <dgm:resizeHandles val="exact"/>
+        </dgm:presLayoutVars>
+      </dgm:prSet>
+      <dgm:spPr/>
+    </dgm:pt>
+    <dgm:pt modelId="{5E808E4E-CC85-4D13-B150-A7AC6BF77982}" type="pres">
+      <dgm:prSet presAssocID="{3109CA06-F7C2-4503-BCCF-DCBA29772BD2}" presName="arrow" presStyleLbl="node1" presStyleIdx="0" presStyleCnt="2">
+        <dgm:presLayoutVars>
+          <dgm:bulletEnabled val="1"/>
+        </dgm:presLayoutVars>
+      </dgm:prSet>
+      <dgm:spPr/>
+    </dgm:pt>
+    <dgm:pt modelId="{EA3CC5D8-883A-483C-9FAF-E04734012F84}" type="pres">
+      <dgm:prSet presAssocID="{DEB0D0C3-5C29-4F2F-BE48-671771982745}" presName="arrow" presStyleLbl="node1" presStyleIdx="1" presStyleCnt="2" custRadScaleRad="100031" custRadScaleInc="445">
+        <dgm:presLayoutVars>
+          <dgm:bulletEnabled val="1"/>
+        </dgm:presLayoutVars>
+      </dgm:prSet>
+      <dgm:spPr/>
+    </dgm:pt>
+  </dgm:ptLst>
+  <dgm:cxnLst>
+    <dgm:cxn modelId="{34F09C04-837E-4196-B0C4-267A309036FC}" srcId="{4165E466-F821-48EC-8A89-8666854D5810}" destId="{3109CA06-F7C2-4503-BCCF-DCBA29772BD2}" srcOrd="0" destOrd="0" parTransId="{95253C47-38E7-4F94-93D5-11121723984F}" sibTransId="{FFB90B88-8C07-4F88-9316-CCA35D6EEDCB}"/>
+    <dgm:cxn modelId="{84B3B721-EEA5-41F4-A407-5DDB879340A9}" type="presOf" srcId="{4165E466-F821-48EC-8A89-8666854D5810}" destId="{14713A3F-A4B9-4C6D-AB14-727A3404CF7E}" srcOrd="0" destOrd="0" presId="urn:microsoft.com/office/officeart/2005/8/layout/arrow5"/>
+    <dgm:cxn modelId="{4832EC36-774A-408F-93F0-445EC9F4F3E4}" srcId="{4165E466-F821-48EC-8A89-8666854D5810}" destId="{DEB0D0C3-5C29-4F2F-BE48-671771982745}" srcOrd="1" destOrd="0" parTransId="{8549E871-9E4F-4A80-8041-AB6166EDC6B9}" sibTransId="{CE8B65E7-4988-4A80-AF0E-FC8E10D8A9C8}"/>
+    <dgm:cxn modelId="{2FC5425B-1B66-4B89-AB42-990CA9962D68}" type="presOf" srcId="{3109CA06-F7C2-4503-BCCF-DCBA29772BD2}" destId="{5E808E4E-CC85-4D13-B150-A7AC6BF77982}" srcOrd="0" destOrd="0" presId="urn:microsoft.com/office/officeart/2005/8/layout/arrow5"/>
+    <dgm:cxn modelId="{6CB3725C-6D4E-4B8C-96FB-A282263EB331}" type="presOf" srcId="{DEB0D0C3-5C29-4F2F-BE48-671771982745}" destId="{EA3CC5D8-883A-483C-9FAF-E04734012F84}" srcOrd="0" destOrd="0" presId="urn:microsoft.com/office/officeart/2005/8/layout/arrow5"/>
+    <dgm:cxn modelId="{E30351F5-79C3-4DEF-913B-6D22AB222B3C}" type="presParOf" srcId="{14713A3F-A4B9-4C6D-AB14-727A3404CF7E}" destId="{5E808E4E-CC85-4D13-B150-A7AC6BF77982}" srcOrd="0" destOrd="0" presId="urn:microsoft.com/office/officeart/2005/8/layout/arrow5"/>
+    <dgm:cxn modelId="{EB5EF149-BB94-46BD-A349-0EA9D18220F7}" type="presParOf" srcId="{14713A3F-A4B9-4C6D-AB14-727A3404CF7E}" destId="{EA3CC5D8-883A-483C-9FAF-E04734012F84}" srcOrd="1" destOrd="0" presId="urn:microsoft.com/office/officeart/2005/8/layout/arrow5"/>
+  </dgm:cxnLst>
+  <dgm:bg/>
+  <dgm:whole/>
+  <dgm:extLst>
+    <a:ext uri="http://schemas.microsoft.com/office/drawing/2008/diagram">
+      <dsp:dataModelExt xmlns:dsp="http://schemas.microsoft.com/office/drawing/2008/diagram" relId="rId8" minVer="http://schemas.openxmlformats.org/drawingml/2006/diagram"/>
+    </a:ext>
+  </dgm:extLst>
+</dgm:dataModel>
+</file>
+
+<file path=ppt/diagrams/data2.xml><?xml version="1.0" encoding="utf-8"?>
+<dgm:dataModel xmlns:dgm="http://schemas.openxmlformats.org/drawingml/2006/diagram" xmlns:a="http://schemas.openxmlformats.org/drawingml/2006/main">
+  <dgm:ptLst>
+    <dgm:pt modelId="{7C5ABE33-3752-4B8E-B757-686C1E403F42}" type="doc">
+      <dgm:prSet loTypeId="urn:microsoft.com/office/officeart/2005/8/layout/radial4" loCatId="relationship" qsTypeId="urn:microsoft.com/office/officeart/2005/8/quickstyle/simple1" qsCatId="simple" csTypeId="urn:microsoft.com/office/officeart/2005/8/colors/accent1_2" csCatId="accent1" phldr="1"/>
+      <dgm:spPr/>
+      <dgm:t>
+        <a:bodyPr/>
+        <a:lstStyle/>
+        <a:p>
+          <a:endParaRPr lang="en-CA"/>
+        </a:p>
+      </dgm:t>
+    </dgm:pt>
+    <dgm:pt modelId="{06270177-95FD-4F32-B155-FFD2CFECC3B8}">
+      <dgm:prSet phldrT="[Text]" custT="1"/>
+      <dgm:spPr>
+        <a:solidFill>
+          <a:srgbClr val="E87572"/>
+        </a:solidFill>
+        <a:ln>
+          <a:solidFill>
+            <a:srgbClr val="E9766F"/>
+          </a:solidFill>
+        </a:ln>
+      </dgm:spPr>
+      <dgm:t>
+        <a:bodyPr/>
+        <a:lstStyle/>
+        <a:p>
+          <a:r>
+            <a:rPr lang="en-US" sz="2400" b="1" dirty="0"/>
+            <a:t>Prophet Model Datasets</a:t>
+          </a:r>
+          <a:endParaRPr lang="en-CA" sz="2400" b="1" dirty="0"/>
+        </a:p>
+      </dgm:t>
+    </dgm:pt>
+    <dgm:pt modelId="{20856487-89AA-45BF-BB30-298AE0BF74E4}" type="parTrans" cxnId="{AC1EF471-9A71-491D-9769-5EBBE37CC16B}">
+      <dgm:prSet/>
+      <dgm:spPr/>
+      <dgm:t>
+        <a:bodyPr/>
+        <a:lstStyle/>
+        <a:p>
+          <a:endParaRPr lang="en-CA"/>
+        </a:p>
+      </dgm:t>
+    </dgm:pt>
+    <dgm:pt modelId="{EEF2958D-B05B-4E2D-B1B5-578096C1A834}" type="sibTrans" cxnId="{AC1EF471-9A71-491D-9769-5EBBE37CC16B}">
+      <dgm:prSet/>
+      <dgm:spPr/>
+      <dgm:t>
+        <a:bodyPr/>
+        <a:lstStyle/>
+        <a:p>
+          <a:endParaRPr lang="en-CA"/>
+        </a:p>
+      </dgm:t>
+    </dgm:pt>
+    <dgm:pt modelId="{49F461CE-B5B2-4154-A0CF-7F46C4792958}">
+      <dgm:prSet phldrT="[Text]" custT="1"/>
+      <dgm:spPr>
+        <a:solidFill>
+          <a:schemeClr val="bg2">
+            <a:lumMod val="75000"/>
+          </a:schemeClr>
+        </a:solidFill>
+        <a:ln>
+          <a:solidFill>
+            <a:schemeClr val="bg2">
+              <a:lumMod val="75000"/>
+            </a:schemeClr>
+          </a:solidFill>
+        </a:ln>
+      </dgm:spPr>
+      <dgm:t>
+        <a:bodyPr/>
+        <a:lstStyle/>
+        <a:p>
+          <a:r>
+            <a:rPr lang="en-US" sz="2400" b="1" dirty="0"/>
+            <a:t>Listings Masters</a:t>
+          </a:r>
+          <a:endParaRPr lang="en-CA" sz="2400" b="1" dirty="0"/>
+        </a:p>
+      </dgm:t>
+    </dgm:pt>
+    <dgm:pt modelId="{14567733-91E1-40BD-B6B3-FE7C08BA7D79}" type="parTrans" cxnId="{2378EAF9-BF23-4FC0-B831-C74F41EF9D7B}">
+      <dgm:prSet/>
+      <dgm:spPr>
+        <a:solidFill>
+          <a:schemeClr val="bg2">
+            <a:lumMod val="90000"/>
+          </a:schemeClr>
+        </a:solidFill>
+      </dgm:spPr>
+      <dgm:t>
+        <a:bodyPr/>
+        <a:lstStyle/>
+        <a:p>
+          <a:endParaRPr lang="en-CA"/>
+        </a:p>
+      </dgm:t>
+    </dgm:pt>
+    <dgm:pt modelId="{771074D3-6D5D-4D1A-835D-E2A2C350427F}" type="sibTrans" cxnId="{2378EAF9-BF23-4FC0-B831-C74F41EF9D7B}">
+      <dgm:prSet/>
+      <dgm:spPr/>
+      <dgm:t>
+        <a:bodyPr/>
+        <a:lstStyle/>
+        <a:p>
+          <a:endParaRPr lang="en-CA"/>
+        </a:p>
+      </dgm:t>
+    </dgm:pt>
+    <dgm:pt modelId="{35F0203A-77F0-47D6-80E4-C4D2EF36B0B5}">
+      <dgm:prSet phldrT="[Text]"/>
+      <dgm:spPr>
+        <a:solidFill>
+          <a:srgbClr val="E87572"/>
+        </a:solidFill>
+        <a:ln>
+          <a:solidFill>
+            <a:srgbClr val="E9766F"/>
+          </a:solidFill>
+        </a:ln>
+      </dgm:spPr>
+    </dgm:pt>
+    <dgm:pt modelId="{DD9F47C1-A15C-4E20-B19F-FD269217124F}" type="parTrans" cxnId="{0B0FC375-E0AF-44E4-A0D2-2B1FC88B2478}">
+      <dgm:prSet/>
+      <dgm:spPr/>
+      <dgm:t>
+        <a:bodyPr/>
+        <a:lstStyle/>
+        <a:p>
+          <a:endParaRPr lang="en-CA"/>
+        </a:p>
+      </dgm:t>
+    </dgm:pt>
+    <dgm:pt modelId="{D77361DE-30A6-427C-9822-E0C1F95C2E48}" type="sibTrans" cxnId="{0B0FC375-E0AF-44E4-A0D2-2B1FC88B2478}">
+      <dgm:prSet/>
+      <dgm:spPr/>
+      <dgm:t>
+        <a:bodyPr/>
+        <a:lstStyle/>
+        <a:p>
+          <a:endParaRPr lang="en-CA"/>
+        </a:p>
+      </dgm:t>
+    </dgm:pt>
+    <dgm:pt modelId="{A36A22A8-D198-4EB4-8D3E-B55170EDACF9}">
+      <dgm:prSet phldrT="[Text]"/>
+      <dgm:spPr>
+        <a:solidFill>
+          <a:srgbClr val="E87572"/>
+        </a:solidFill>
+        <a:ln>
+          <a:solidFill>
+            <a:srgbClr val="E9766F"/>
+          </a:solidFill>
+        </a:ln>
+      </dgm:spPr>
+    </dgm:pt>
+    <dgm:pt modelId="{E9954E9D-9379-4505-82A4-72D16ED764B3}" type="parTrans" cxnId="{8D5C8E5D-687D-4714-9DB6-516A533DD859}">
+      <dgm:prSet/>
+      <dgm:spPr/>
+      <dgm:t>
+        <a:bodyPr/>
+        <a:lstStyle/>
+        <a:p>
+          <a:endParaRPr lang="en-CA"/>
+        </a:p>
+      </dgm:t>
+    </dgm:pt>
+    <dgm:pt modelId="{DA32BD71-2546-4BE3-8962-960E16AFB8A5}" type="sibTrans" cxnId="{8D5C8E5D-687D-4714-9DB6-516A533DD859}">
+      <dgm:prSet/>
+      <dgm:spPr/>
+      <dgm:t>
+        <a:bodyPr/>
+        <a:lstStyle/>
+        <a:p>
+          <a:endParaRPr lang="en-CA"/>
+        </a:p>
+      </dgm:t>
+    </dgm:pt>
+    <dgm:pt modelId="{81CA294A-F9D4-4217-AD9F-612944DF2CC8}">
+      <dgm:prSet phldrT="[Text]" custT="1"/>
+      <dgm:spPr>
+        <a:solidFill>
+          <a:schemeClr val="bg2">
+            <a:lumMod val="75000"/>
+          </a:schemeClr>
+        </a:solidFill>
+        <a:ln>
+          <a:solidFill>
+            <a:schemeClr val="bg2">
+              <a:lumMod val="75000"/>
+            </a:schemeClr>
+          </a:solidFill>
+        </a:ln>
+      </dgm:spPr>
+      <dgm:t>
+        <a:bodyPr/>
+        <a:lstStyle/>
+        <a:p>
+          <a:pPr>
+            <a:buFont typeface="Arial" panose="020B0604020202020204" pitchFamily="34" charset="0"/>
+            <a:buChar char="•"/>
+          </a:pPr>
+          <a:endParaRPr lang="en-CA" sz="2400" dirty="0"/>
+        </a:p>
+      </dgm:t>
+    </dgm:pt>
+    <dgm:pt modelId="{10495540-FF4E-4E35-AABC-F521213B1BA6}" type="parTrans" cxnId="{43F81414-5227-4483-A76D-75703B0560E0}">
+      <dgm:prSet/>
+      <dgm:spPr/>
+      <dgm:t>
+        <a:bodyPr/>
+        <a:lstStyle/>
+        <a:p>
+          <a:endParaRPr lang="en-CA"/>
+        </a:p>
+      </dgm:t>
+    </dgm:pt>
+    <dgm:pt modelId="{2692F91A-315F-43F2-9AEB-A47669BE8AAA}" type="sibTrans" cxnId="{43F81414-5227-4483-A76D-75703B0560E0}">
+      <dgm:prSet/>
+      <dgm:spPr/>
+      <dgm:t>
+        <a:bodyPr/>
+        <a:lstStyle/>
+        <a:p>
+          <a:endParaRPr lang="en-CA"/>
+        </a:p>
+      </dgm:t>
+    </dgm:pt>
+    <dgm:pt modelId="{AFF7352F-C655-4355-BD9C-7400F12C4FEB}">
+      <dgm:prSet phldrT="[Text]" custT="1"/>
+      <dgm:spPr>
+        <a:solidFill>
+          <a:schemeClr val="bg2">
+            <a:lumMod val="75000"/>
+          </a:schemeClr>
+        </a:solidFill>
+        <a:ln>
+          <a:solidFill>
+            <a:schemeClr val="bg2">
+              <a:lumMod val="75000"/>
+            </a:schemeClr>
+          </a:solidFill>
+        </a:ln>
+      </dgm:spPr>
+      <dgm:t>
+        <a:bodyPr/>
+        <a:lstStyle/>
+        <a:p>
+          <a:r>
+            <a:rPr lang="en-US" sz="2400" b="1" dirty="0"/>
+            <a:t>Historical Rates</a:t>
+          </a:r>
+        </a:p>
+        <a:p>
+          <a:r>
+            <a:rPr lang="en-US" sz="2400" b="1" dirty="0"/>
+            <a:t>Holiday Dates</a:t>
+          </a:r>
+          <a:endParaRPr lang="en-CA" sz="2400" b="1" dirty="0"/>
+        </a:p>
+      </dgm:t>
+    </dgm:pt>
+    <dgm:pt modelId="{6062F9C1-64BB-43D0-BAD9-611AE87CFEF1}" type="parTrans" cxnId="{387769A2-A1EC-4073-95B2-A5D0E9FFA720}">
+      <dgm:prSet/>
+      <dgm:spPr>
+        <a:solidFill>
+          <a:schemeClr val="bg2">
+            <a:lumMod val="90000"/>
+          </a:schemeClr>
+        </a:solidFill>
+        <a:ln>
+          <a:solidFill>
+            <a:schemeClr val="bg2">
+              <a:lumMod val="90000"/>
+            </a:schemeClr>
+          </a:solidFill>
+        </a:ln>
+      </dgm:spPr>
+      <dgm:t>
+        <a:bodyPr/>
+        <a:lstStyle/>
+        <a:p>
+          <a:endParaRPr lang="en-CA"/>
+        </a:p>
+      </dgm:t>
+    </dgm:pt>
+    <dgm:pt modelId="{B2DAD4C3-55D5-45C5-809D-3CC7D437CB97}" type="sibTrans" cxnId="{387769A2-A1EC-4073-95B2-A5D0E9FFA720}">
+      <dgm:prSet/>
+      <dgm:spPr/>
+      <dgm:t>
+        <a:bodyPr/>
+        <a:lstStyle/>
+        <a:p>
+          <a:endParaRPr lang="en-CA"/>
+        </a:p>
+      </dgm:t>
+    </dgm:pt>
+    <dgm:pt modelId="{4DF446F7-91A1-4F73-862B-7F22C655C3CA}" type="pres">
+      <dgm:prSet presAssocID="{7C5ABE33-3752-4B8E-B757-686C1E403F42}" presName="cycle" presStyleCnt="0">
+        <dgm:presLayoutVars>
+          <dgm:chMax val="1"/>
+          <dgm:dir/>
+          <dgm:animLvl val="ctr"/>
+          <dgm:resizeHandles val="exact"/>
+        </dgm:presLayoutVars>
+      </dgm:prSet>
+      <dgm:spPr/>
+    </dgm:pt>
+    <dgm:pt modelId="{66618B8E-1834-4EC1-A1E4-9F31414195A2}" type="pres">
+      <dgm:prSet presAssocID="{06270177-95FD-4F32-B155-FFD2CFECC3B8}" presName="centerShape" presStyleLbl="node0" presStyleIdx="0" presStyleCnt="1"/>
+      <dgm:spPr/>
+    </dgm:pt>
+    <dgm:pt modelId="{9F13E8C8-6F35-4074-AD7B-725ADBED3D93}" type="pres">
+      <dgm:prSet presAssocID="{14567733-91E1-40BD-B6B3-FE7C08BA7D79}" presName="parTrans" presStyleLbl="bgSibTrans2D1" presStyleIdx="0" presStyleCnt="2" custLinFactNeighborY="6473"/>
+      <dgm:spPr/>
+    </dgm:pt>
+    <dgm:pt modelId="{41B7D854-DF66-4F3C-8B6F-390125A7E557}" type="pres">
+      <dgm:prSet presAssocID="{49F461CE-B5B2-4154-A0CF-7F46C4792958}" presName="node" presStyleLbl="node1" presStyleIdx="0" presStyleCnt="2" custRadScaleRad="107366" custRadScaleInc="-4655">
+        <dgm:presLayoutVars>
+          <dgm:bulletEnabled val="1"/>
+        </dgm:presLayoutVars>
+      </dgm:prSet>
+      <dgm:spPr/>
+    </dgm:pt>
+    <dgm:pt modelId="{21DEBEFC-2772-4203-9A23-027184068AE1}" type="pres">
+      <dgm:prSet presAssocID="{6062F9C1-64BB-43D0-BAD9-611AE87CFEF1}" presName="parTrans" presStyleLbl="bgSibTrans2D1" presStyleIdx="1" presStyleCnt="2"/>
+      <dgm:spPr/>
+    </dgm:pt>
+    <dgm:pt modelId="{4BA38B1E-F83F-43B3-9BA9-759C058399C8}" type="pres">
+      <dgm:prSet presAssocID="{AFF7352F-C655-4355-BD9C-7400F12C4FEB}" presName="node" presStyleLbl="node1" presStyleIdx="1" presStyleCnt="2" custRadScaleRad="109499" custRadScaleInc="5392">
+        <dgm:presLayoutVars>
+          <dgm:bulletEnabled val="1"/>
+        </dgm:presLayoutVars>
+      </dgm:prSet>
+      <dgm:spPr/>
+    </dgm:pt>
+  </dgm:ptLst>
+  <dgm:cxnLst>
+    <dgm:cxn modelId="{34B37F02-481B-4AD6-9EB5-0F1FFA18F28C}" type="presOf" srcId="{49F461CE-B5B2-4154-A0CF-7F46C4792958}" destId="{41B7D854-DF66-4F3C-8B6F-390125A7E557}" srcOrd="0" destOrd="0" presId="urn:microsoft.com/office/officeart/2005/8/layout/radial4"/>
+    <dgm:cxn modelId="{43F81414-5227-4483-A76D-75703B0560E0}" srcId="{7C5ABE33-3752-4B8E-B757-686C1E403F42}" destId="{81CA294A-F9D4-4217-AD9F-612944DF2CC8}" srcOrd="1" destOrd="0" parTransId="{10495540-FF4E-4E35-AABC-F521213B1BA6}" sibTransId="{2692F91A-315F-43F2-9AEB-A47669BE8AAA}"/>
+    <dgm:cxn modelId="{BCBA2516-B581-425C-9504-9FD8935F9521}" type="presOf" srcId="{14567733-91E1-40BD-B6B3-FE7C08BA7D79}" destId="{9F13E8C8-6F35-4074-AD7B-725ADBED3D93}" srcOrd="0" destOrd="0" presId="urn:microsoft.com/office/officeart/2005/8/layout/radial4"/>
+    <dgm:cxn modelId="{04EE1B17-55D5-4F05-928B-ACC5B20F41CB}" type="presOf" srcId="{7C5ABE33-3752-4B8E-B757-686C1E403F42}" destId="{4DF446F7-91A1-4F73-862B-7F22C655C3CA}" srcOrd="0" destOrd="0" presId="urn:microsoft.com/office/officeart/2005/8/layout/radial4"/>
+    <dgm:cxn modelId="{8008A12D-2B28-4354-9F6B-8BB9C15A72F9}" type="presOf" srcId="{AFF7352F-C655-4355-BD9C-7400F12C4FEB}" destId="{4BA38B1E-F83F-43B3-9BA9-759C058399C8}" srcOrd="0" destOrd="0" presId="urn:microsoft.com/office/officeart/2005/8/layout/radial4"/>
+    <dgm:cxn modelId="{8D5C8E5D-687D-4714-9DB6-516A533DD859}" srcId="{7C5ABE33-3752-4B8E-B757-686C1E403F42}" destId="{A36A22A8-D198-4EB4-8D3E-B55170EDACF9}" srcOrd="2" destOrd="0" parTransId="{E9954E9D-9379-4505-82A4-72D16ED764B3}" sibTransId="{DA32BD71-2546-4BE3-8962-960E16AFB8A5}"/>
+    <dgm:cxn modelId="{AC1EF471-9A71-491D-9769-5EBBE37CC16B}" srcId="{7C5ABE33-3752-4B8E-B757-686C1E403F42}" destId="{06270177-95FD-4F32-B155-FFD2CFECC3B8}" srcOrd="0" destOrd="0" parTransId="{20856487-89AA-45BF-BB30-298AE0BF74E4}" sibTransId="{EEF2958D-B05B-4E2D-B1B5-578096C1A834}"/>
+    <dgm:cxn modelId="{0B0FC375-E0AF-44E4-A0D2-2B1FC88B2478}" srcId="{7C5ABE33-3752-4B8E-B757-686C1E403F42}" destId="{35F0203A-77F0-47D6-80E4-C4D2EF36B0B5}" srcOrd="3" destOrd="0" parTransId="{DD9F47C1-A15C-4E20-B19F-FD269217124F}" sibTransId="{D77361DE-30A6-427C-9822-E0C1F95C2E48}"/>
+    <dgm:cxn modelId="{387769A2-A1EC-4073-95B2-A5D0E9FFA720}" srcId="{06270177-95FD-4F32-B155-FFD2CFECC3B8}" destId="{AFF7352F-C655-4355-BD9C-7400F12C4FEB}" srcOrd="1" destOrd="0" parTransId="{6062F9C1-64BB-43D0-BAD9-611AE87CFEF1}" sibTransId="{B2DAD4C3-55D5-45C5-809D-3CC7D437CB97}"/>
+    <dgm:cxn modelId="{054D6CD5-D33C-411C-AE13-A77940C7F17C}" type="presOf" srcId="{6062F9C1-64BB-43D0-BAD9-611AE87CFEF1}" destId="{21DEBEFC-2772-4203-9A23-027184068AE1}" srcOrd="0" destOrd="0" presId="urn:microsoft.com/office/officeart/2005/8/layout/radial4"/>
+    <dgm:cxn modelId="{0876F9D8-644F-411C-8995-F9C8801D9AD8}" type="presOf" srcId="{06270177-95FD-4F32-B155-FFD2CFECC3B8}" destId="{66618B8E-1834-4EC1-A1E4-9F31414195A2}" srcOrd="0" destOrd="0" presId="urn:microsoft.com/office/officeart/2005/8/layout/radial4"/>
+    <dgm:cxn modelId="{2378EAF9-BF23-4FC0-B831-C74F41EF9D7B}" srcId="{06270177-95FD-4F32-B155-FFD2CFECC3B8}" destId="{49F461CE-B5B2-4154-A0CF-7F46C4792958}" srcOrd="0" destOrd="0" parTransId="{14567733-91E1-40BD-B6B3-FE7C08BA7D79}" sibTransId="{771074D3-6D5D-4D1A-835D-E2A2C350427F}"/>
+    <dgm:cxn modelId="{5F603E21-1E7A-450A-B420-599E6D473CE4}" type="presParOf" srcId="{4DF446F7-91A1-4F73-862B-7F22C655C3CA}" destId="{66618B8E-1834-4EC1-A1E4-9F31414195A2}" srcOrd="0" destOrd="0" presId="urn:microsoft.com/office/officeart/2005/8/layout/radial4"/>
+    <dgm:cxn modelId="{1900C15C-18BA-4C37-B3DB-BFFBC1A5A2C5}" type="presParOf" srcId="{4DF446F7-91A1-4F73-862B-7F22C655C3CA}" destId="{9F13E8C8-6F35-4074-AD7B-725ADBED3D93}" srcOrd="1" destOrd="0" presId="urn:microsoft.com/office/officeart/2005/8/layout/radial4"/>
+    <dgm:cxn modelId="{D4DB3CEE-31F8-422C-AC09-AEB5ECC38104}" type="presParOf" srcId="{4DF446F7-91A1-4F73-862B-7F22C655C3CA}" destId="{41B7D854-DF66-4F3C-8B6F-390125A7E557}" srcOrd="2" destOrd="0" presId="urn:microsoft.com/office/officeart/2005/8/layout/radial4"/>
+    <dgm:cxn modelId="{7B6541BE-21E5-4A5F-AD6E-F12D79AB49B1}" type="presParOf" srcId="{4DF446F7-91A1-4F73-862B-7F22C655C3CA}" destId="{21DEBEFC-2772-4203-9A23-027184068AE1}" srcOrd="3" destOrd="0" presId="urn:microsoft.com/office/officeart/2005/8/layout/radial4"/>
+    <dgm:cxn modelId="{8C7631B7-ADDD-4AD9-A543-5A038D0BC82E}" type="presParOf" srcId="{4DF446F7-91A1-4F73-862B-7F22C655C3CA}" destId="{4BA38B1E-F83F-43B3-9BA9-759C058399C8}" srcOrd="4" destOrd="0" presId="urn:microsoft.com/office/officeart/2005/8/layout/radial4"/>
+  </dgm:cxnLst>
+  <dgm:bg/>
+  <dgm:whole/>
+  <dgm:extLst>
+    <a:ext uri="http://schemas.microsoft.com/office/drawing/2008/diagram">
+      <dsp:dataModelExt xmlns:dsp="http://schemas.microsoft.com/office/drawing/2008/diagram" relId="rId8" minVer="http://schemas.openxmlformats.org/drawingml/2006/diagram"/>
+    </a:ext>
+  </dgm:extLst>
+</dgm:dataModel>
+</file>
+
+<file path=ppt/diagrams/drawing1.xml><?xml version="1.0" encoding="utf-8"?>
+<dsp:drawing xmlns:dgm="http://schemas.openxmlformats.org/drawingml/2006/diagram" xmlns:dsp="http://schemas.microsoft.com/office/drawing/2008/diagram" xmlns:a="http://schemas.openxmlformats.org/drawingml/2006/main">
+  <dsp:spTree>
+    <dsp:nvGrpSpPr>
+      <dsp:cNvPr id="0" name=""/>
+      <dsp:cNvGrpSpPr/>
+    </dsp:nvGrpSpPr>
+    <dsp:grpSpPr/>
+    <dsp:sp modelId="{5E808E4E-CC85-4D13-B150-A7AC6BF77982}">
+      <dsp:nvSpPr>
+        <dsp:cNvPr id="0" name=""/>
+        <dsp:cNvSpPr/>
+      </dsp:nvSpPr>
+      <dsp:spPr>
+        <a:xfrm rot="16200000">
+          <a:off x="447" y="572229"/>
+          <a:ext cx="3936999" cy="3936999"/>
+        </a:xfrm>
+        <a:prstGeom prst="downArrow">
+          <a:avLst>
+            <a:gd name="adj1" fmla="val 50000"/>
+            <a:gd name="adj2" fmla="val 35000"/>
+          </a:avLst>
+        </a:prstGeom>
+        <a:solidFill>
+          <a:schemeClr val="bg2">
+            <a:lumMod val="75000"/>
+          </a:schemeClr>
+        </a:solidFill>
+        <a:ln w="12700" cap="flat" cmpd="sng" algn="ctr">
+          <a:solidFill>
+            <a:schemeClr val="lt1">
+              <a:hueOff val="0"/>
+              <a:satOff val="0"/>
+              <a:lumOff val="0"/>
+              <a:alphaOff val="0"/>
+            </a:schemeClr>
+          </a:solidFill>
+          <a:prstDash val="solid"/>
+          <a:miter lim="800000"/>
+        </a:ln>
+        <a:effectLst/>
+      </dsp:spPr>
+      <dsp:style>
+        <a:lnRef idx="2">
+          <a:scrgbClr r="0" g="0" b="0"/>
+        </a:lnRef>
+        <a:fillRef idx="1">
+          <a:scrgbClr r="0" g="0" b="0"/>
+        </a:fillRef>
+        <a:effectRef idx="0">
+          <a:scrgbClr r="0" g="0" b="0"/>
+        </a:effectRef>
+        <a:fontRef idx="minor">
+          <a:schemeClr val="lt1"/>
+        </a:fontRef>
+      </dsp:style>
+      <dsp:txBody>
+        <a:bodyPr spcFirstLastPara="0" vert="horz" wrap="square" lIns="128016" tIns="128016" rIns="128016" bIns="128016" numCol="1" spcCol="1270" anchor="ctr" anchorCtr="0">
+          <a:noAutofit/>
+        </a:bodyPr>
+        <a:lstStyle/>
+        <a:p>
+          <a:pPr marL="0" lvl="0" indent="0" algn="l" defTabSz="800100">
+            <a:lnSpc>
+              <a:spcPct val="90000"/>
+            </a:lnSpc>
+            <a:spcBef>
+              <a:spcPct val="0"/>
+            </a:spcBef>
+            <a:spcAft>
+              <a:spcPct val="35000"/>
+            </a:spcAft>
+            <a:buNone/>
+          </a:pPr>
+          <a:r>
+            <a:rPr lang="en-US" sz="1800" kern="1200" dirty="0"/>
+            <a:t>Listings Masters</a:t>
+          </a:r>
+        </a:p>
+        <a:p>
+          <a:pPr marL="0" lvl="0" indent="0" algn="l" defTabSz="800100">
+            <a:lnSpc>
+              <a:spcPct val="90000"/>
+            </a:lnSpc>
+            <a:spcBef>
+              <a:spcPct val="0"/>
+            </a:spcBef>
+            <a:spcAft>
+              <a:spcPct val="35000"/>
+            </a:spcAft>
+            <a:buNone/>
+          </a:pPr>
+          <a:r>
+            <a:rPr lang="en-US" sz="1800" kern="1200" dirty="0"/>
+            <a:t>Borough ID</a:t>
+          </a:r>
+        </a:p>
+        <a:p>
+          <a:pPr marL="0" lvl="0" indent="0" algn="l" defTabSz="800100">
+            <a:lnSpc>
+              <a:spcPct val="90000"/>
+            </a:lnSpc>
+            <a:spcBef>
+              <a:spcPct val="0"/>
+            </a:spcBef>
+            <a:spcAft>
+              <a:spcPct val="35000"/>
+            </a:spcAft>
+            <a:buNone/>
+          </a:pPr>
+          <a:r>
+            <a:rPr lang="en-US" sz="1800" kern="1200" dirty="0" err="1"/>
+            <a:t>Neighbourhood</a:t>
+          </a:r>
+          <a:r>
+            <a:rPr lang="en-US" sz="1800" kern="1200" dirty="0"/>
+            <a:t> ID</a:t>
+          </a:r>
+        </a:p>
+        <a:p>
+          <a:pPr marL="0" lvl="0" indent="0" algn="l" defTabSz="800100">
+            <a:lnSpc>
+              <a:spcPct val="90000"/>
+            </a:lnSpc>
+            <a:spcBef>
+              <a:spcPct val="0"/>
+            </a:spcBef>
+            <a:spcAft>
+              <a:spcPct val="35000"/>
+            </a:spcAft>
+            <a:buNone/>
+          </a:pPr>
+          <a:r>
+            <a:rPr lang="en-US" sz="1800" kern="1200" dirty="0"/>
+            <a:t>Room Type ID</a:t>
+          </a:r>
+        </a:p>
+        <a:p>
+          <a:pPr marL="0" lvl="0" indent="0" algn="l" defTabSz="800100">
+            <a:lnSpc>
+              <a:spcPct val="90000"/>
+            </a:lnSpc>
+            <a:spcBef>
+              <a:spcPct val="0"/>
+            </a:spcBef>
+            <a:spcAft>
+              <a:spcPct val="35000"/>
+            </a:spcAft>
+            <a:buNone/>
+          </a:pPr>
+          <a:r>
+            <a:rPr lang="en-US" sz="1800" kern="1200" dirty="0"/>
+            <a:t>Yearly Rates</a:t>
+          </a:r>
+          <a:endParaRPr lang="en-CA" sz="1800" kern="1200" dirty="0"/>
+        </a:p>
+      </dsp:txBody>
+      <dsp:txXfrm rot="5400000">
+        <a:off x="448" y="1556479"/>
+        <a:ext cx="3248024" cy="1968499"/>
+      </dsp:txXfrm>
+    </dsp:sp>
+    <dsp:sp modelId="{EA3CC5D8-883A-483C-9FAF-E04734012F84}">
+      <dsp:nvSpPr>
+        <dsp:cNvPr id="0" name=""/>
+        <dsp:cNvSpPr/>
+      </dsp:nvSpPr>
+      <dsp:spPr>
+        <a:xfrm rot="5400000">
+          <a:off x="4190996" y="601526"/>
+          <a:ext cx="3936999" cy="3936999"/>
+        </a:xfrm>
+        <a:prstGeom prst="downArrow">
+          <a:avLst>
+            <a:gd name="adj1" fmla="val 50000"/>
+            <a:gd name="adj2" fmla="val 35000"/>
+          </a:avLst>
+        </a:prstGeom>
+        <a:solidFill>
+          <a:srgbClr val="E87572"/>
+        </a:solidFill>
+        <a:ln w="12700" cap="flat" cmpd="sng" algn="ctr">
+          <a:solidFill>
+            <a:srgbClr val="E9766F"/>
+          </a:solidFill>
+          <a:prstDash val="solid"/>
+          <a:miter lim="800000"/>
+        </a:ln>
+        <a:effectLst/>
+      </dsp:spPr>
+      <dsp:style>
+        <a:lnRef idx="2">
+          <a:scrgbClr r="0" g="0" b="0"/>
+        </a:lnRef>
+        <a:fillRef idx="1">
+          <a:scrgbClr r="0" g="0" b="0"/>
+        </a:fillRef>
+        <a:effectRef idx="0">
+          <a:scrgbClr r="0" g="0" b="0"/>
+        </a:effectRef>
+        <a:fontRef idx="minor">
+          <a:schemeClr val="lt1"/>
+        </a:fontRef>
+      </dsp:style>
+      <dsp:txBody>
+        <a:bodyPr spcFirstLastPara="0" vert="horz" wrap="square" lIns="128016" tIns="128016" rIns="128016" bIns="128016" numCol="1" spcCol="1270" anchor="ctr" anchorCtr="0">
+          <a:noAutofit/>
+        </a:bodyPr>
+        <a:lstStyle/>
+        <a:p>
+          <a:pPr marL="0" lvl="0" indent="0" algn="r" defTabSz="800100">
+            <a:lnSpc>
+              <a:spcPct val="90000"/>
+            </a:lnSpc>
+            <a:spcBef>
+              <a:spcPct val="0"/>
+            </a:spcBef>
+            <a:spcAft>
+              <a:spcPct val="35000"/>
+            </a:spcAft>
+            <a:buNone/>
+          </a:pPr>
+          <a:r>
+            <a:rPr lang="en-US" sz="1800" b="1" kern="1200" dirty="0"/>
+            <a:t>Monthly Rates</a:t>
+          </a:r>
+        </a:p>
+        <a:p>
+          <a:pPr marL="0" lvl="0" indent="0" algn="r" defTabSz="800100">
+            <a:lnSpc>
+              <a:spcPct val="90000"/>
+            </a:lnSpc>
+            <a:spcBef>
+              <a:spcPct val="0"/>
+            </a:spcBef>
+            <a:spcAft>
+              <a:spcPct val="35000"/>
+            </a:spcAft>
+            <a:buNone/>
+          </a:pPr>
+          <a:r>
+            <a:rPr lang="en-US" sz="1800" b="1" kern="1200" dirty="0"/>
+            <a:t>Day of Week Rates</a:t>
+          </a:r>
+        </a:p>
+        <a:p>
+          <a:pPr marL="0" lvl="0" indent="0" algn="r" defTabSz="800100">
+            <a:lnSpc>
+              <a:spcPct val="90000"/>
+            </a:lnSpc>
+            <a:spcBef>
+              <a:spcPct val="0"/>
+            </a:spcBef>
+            <a:spcAft>
+              <a:spcPct val="35000"/>
+            </a:spcAft>
+            <a:buNone/>
+          </a:pPr>
+          <a:r>
+            <a:rPr lang="en-US" sz="1800" b="1" kern="1200" dirty="0"/>
+            <a:t>Predicted Rates </a:t>
+          </a:r>
+          <a:endParaRPr lang="en-CA" sz="1800" b="1" kern="1200" dirty="0"/>
+        </a:p>
+      </dsp:txBody>
+      <dsp:txXfrm rot="-5400000">
+        <a:off x="4879972" y="1585776"/>
+        <a:ext cx="3248024" cy="1968499"/>
+      </dsp:txXfrm>
+    </dsp:sp>
+  </dsp:spTree>
+</dsp:drawing>
+</file>
+
+<file path=ppt/diagrams/drawing2.xml><?xml version="1.0" encoding="utf-8"?>
+<dsp:drawing xmlns:dgm="http://schemas.openxmlformats.org/drawingml/2006/diagram" xmlns:dsp="http://schemas.microsoft.com/office/drawing/2008/diagram" xmlns:a="http://schemas.openxmlformats.org/drawingml/2006/main">
+  <dsp:spTree>
+    <dsp:nvGrpSpPr>
+      <dsp:cNvPr id="0" name=""/>
+      <dsp:cNvGrpSpPr/>
+    </dsp:nvGrpSpPr>
+    <dsp:grpSpPr/>
+    <dsp:sp modelId="{66618B8E-1834-4EC1-A1E4-9F31414195A2}">
+      <dsp:nvSpPr>
+        <dsp:cNvPr id="0" name=""/>
+        <dsp:cNvSpPr/>
+      </dsp:nvSpPr>
+      <dsp:spPr>
+        <a:xfrm>
+          <a:off x="2922110" y="1394901"/>
+          <a:ext cx="2161561" cy="2161561"/>
+        </a:xfrm>
+        <a:prstGeom prst="ellipse">
+          <a:avLst/>
+        </a:prstGeom>
+        <a:solidFill>
+          <a:srgbClr val="E87572"/>
+        </a:solidFill>
+        <a:ln w="12700" cap="flat" cmpd="sng" algn="ctr">
+          <a:solidFill>
+            <a:srgbClr val="E9766F"/>
+          </a:solidFill>
+          <a:prstDash val="solid"/>
+          <a:miter lim="800000"/>
+        </a:ln>
+        <a:effectLst/>
+      </dsp:spPr>
+      <dsp:style>
+        <a:lnRef idx="2">
+          <a:scrgbClr r="0" g="0" b="0"/>
+        </a:lnRef>
+        <a:fillRef idx="1">
+          <a:scrgbClr r="0" g="0" b="0"/>
+        </a:fillRef>
+        <a:effectRef idx="0">
+          <a:scrgbClr r="0" g="0" b="0"/>
+        </a:effectRef>
+        <a:fontRef idx="minor">
+          <a:schemeClr val="lt1"/>
+        </a:fontRef>
+      </dsp:style>
+      <dsp:txBody>
+        <a:bodyPr spcFirstLastPara="0" vert="horz" wrap="square" lIns="15240" tIns="15240" rIns="15240" bIns="15240" numCol="1" spcCol="1270" anchor="ctr" anchorCtr="0">
+          <a:noAutofit/>
+        </a:bodyPr>
+        <a:lstStyle/>
+        <a:p>
+          <a:pPr marL="0" lvl="0" indent="0" algn="ctr" defTabSz="1066800">
+            <a:lnSpc>
+              <a:spcPct val="90000"/>
+            </a:lnSpc>
+            <a:spcBef>
+              <a:spcPct val="0"/>
+            </a:spcBef>
+            <a:spcAft>
+              <a:spcPct val="35000"/>
+            </a:spcAft>
+            <a:buNone/>
+          </a:pPr>
+          <a:r>
+            <a:rPr lang="en-US" sz="2400" b="1" kern="1200" dirty="0"/>
+            <a:t>Prophet Model Datasets</a:t>
+          </a:r>
+          <a:endParaRPr lang="en-CA" sz="2400" b="1" kern="1200" dirty="0"/>
+        </a:p>
+      </dsp:txBody>
+      <dsp:txXfrm>
+        <a:off x="3238663" y="1711454"/>
+        <a:ext cx="1528455" cy="1528455"/>
+      </dsp:txXfrm>
+    </dsp:sp>
+    <dsp:sp modelId="{9F13E8C8-6F35-4074-AD7B-725ADBED3D93}">
+      <dsp:nvSpPr>
+        <dsp:cNvPr id="0" name=""/>
+        <dsp:cNvSpPr/>
+      </dsp:nvSpPr>
+      <dsp:spPr>
+        <a:xfrm rot="12648630">
+          <a:off x="1213144" y="1110554"/>
+          <a:ext cx="1900615" cy="616045"/>
+        </a:xfrm>
+        <a:prstGeom prst="leftArrow">
+          <a:avLst>
+            <a:gd name="adj1" fmla="val 60000"/>
+            <a:gd name="adj2" fmla="val 50000"/>
+          </a:avLst>
+        </a:prstGeom>
+        <a:solidFill>
+          <a:schemeClr val="bg2">
+            <a:lumMod val="90000"/>
+          </a:schemeClr>
+        </a:solidFill>
+        <a:ln>
+          <a:noFill/>
+        </a:ln>
+        <a:effectLst/>
+      </dsp:spPr>
+      <dsp:style>
+        <a:lnRef idx="0">
+          <a:scrgbClr r="0" g="0" b="0"/>
+        </a:lnRef>
+        <a:fillRef idx="1">
+          <a:scrgbClr r="0" g="0" b="0"/>
+        </a:fillRef>
+        <a:effectRef idx="0">
+          <a:scrgbClr r="0" g="0" b="0"/>
+        </a:effectRef>
+        <a:fontRef idx="minor">
+          <a:schemeClr val="lt1"/>
+        </a:fontRef>
+      </dsp:style>
+    </dsp:sp>
+    <dsp:sp modelId="{41B7D854-DF66-4F3C-8B6F-390125A7E557}">
+      <dsp:nvSpPr>
+        <dsp:cNvPr id="0" name=""/>
+        <dsp:cNvSpPr/>
+      </dsp:nvSpPr>
+      <dsp:spPr>
+        <a:xfrm>
+          <a:off x="320523" y="70558"/>
+          <a:ext cx="2053483" cy="1642786"/>
+        </a:xfrm>
+        <a:prstGeom prst="roundRect">
+          <a:avLst>
+            <a:gd name="adj" fmla="val 10000"/>
+          </a:avLst>
+        </a:prstGeom>
+        <a:solidFill>
+          <a:schemeClr val="bg2">
+            <a:lumMod val="75000"/>
+          </a:schemeClr>
+        </a:solidFill>
+        <a:ln w="12700" cap="flat" cmpd="sng" algn="ctr">
+          <a:solidFill>
+            <a:schemeClr val="bg2">
+              <a:lumMod val="75000"/>
+            </a:schemeClr>
+          </a:solidFill>
+          <a:prstDash val="solid"/>
+          <a:miter lim="800000"/>
+        </a:ln>
+        <a:effectLst/>
+      </dsp:spPr>
+      <dsp:style>
+        <a:lnRef idx="2">
+          <a:scrgbClr r="0" g="0" b="0"/>
+        </a:lnRef>
+        <a:fillRef idx="1">
+          <a:scrgbClr r="0" g="0" b="0"/>
+        </a:fillRef>
+        <a:effectRef idx="0">
+          <a:scrgbClr r="0" g="0" b="0"/>
+        </a:effectRef>
+        <a:fontRef idx="minor">
+          <a:schemeClr val="lt1"/>
+        </a:fontRef>
+      </dsp:style>
+      <dsp:txBody>
+        <a:bodyPr spcFirstLastPara="0" vert="horz" wrap="square" lIns="45720" tIns="45720" rIns="45720" bIns="45720" numCol="1" spcCol="1270" anchor="ctr" anchorCtr="0">
+          <a:noAutofit/>
+        </a:bodyPr>
+        <a:lstStyle/>
+        <a:p>
+          <a:pPr marL="0" lvl="0" indent="0" algn="ctr" defTabSz="1066800">
+            <a:lnSpc>
+              <a:spcPct val="90000"/>
+            </a:lnSpc>
+            <a:spcBef>
+              <a:spcPct val="0"/>
+            </a:spcBef>
+            <a:spcAft>
+              <a:spcPct val="35000"/>
+            </a:spcAft>
+            <a:buNone/>
+          </a:pPr>
+          <a:r>
+            <a:rPr lang="en-US" sz="2400" b="1" kern="1200" dirty="0"/>
+            <a:t>Listings Masters</a:t>
+          </a:r>
+          <a:endParaRPr lang="en-CA" sz="2400" b="1" kern="1200" dirty="0"/>
+        </a:p>
+      </dsp:txBody>
+      <dsp:txXfrm>
+        <a:off x="368639" y="118674"/>
+        <a:ext cx="1957251" cy="1546554"/>
+      </dsp:txXfrm>
+    </dsp:sp>
+    <dsp:sp modelId="{21DEBEFC-2772-4203-9A23-027184068AE1}">
+      <dsp:nvSpPr>
+        <dsp:cNvPr id="0" name=""/>
+        <dsp:cNvSpPr/>
+      </dsp:nvSpPr>
+      <dsp:spPr>
+        <a:xfrm rot="19791168">
+          <a:off x="4903594" y="1075771"/>
+          <a:ext cx="1958665" cy="616045"/>
+        </a:xfrm>
+        <a:prstGeom prst="leftArrow">
+          <a:avLst>
+            <a:gd name="adj1" fmla="val 60000"/>
+            <a:gd name="adj2" fmla="val 50000"/>
+          </a:avLst>
+        </a:prstGeom>
+        <a:solidFill>
+          <a:schemeClr val="bg2">
+            <a:lumMod val="90000"/>
+          </a:schemeClr>
+        </a:solidFill>
+        <a:ln>
+          <a:solidFill>
+            <a:schemeClr val="bg2">
+              <a:lumMod val="90000"/>
+            </a:schemeClr>
+          </a:solidFill>
+        </a:ln>
+        <a:effectLst/>
+      </dsp:spPr>
+      <dsp:style>
+        <a:lnRef idx="0">
+          <a:scrgbClr r="0" g="0" b="0"/>
+        </a:lnRef>
+        <a:fillRef idx="1">
+          <a:scrgbClr r="0" g="0" b="0"/>
+        </a:fillRef>
+        <a:effectRef idx="0">
+          <a:scrgbClr r="0" g="0" b="0"/>
+        </a:effectRef>
+        <a:fontRef idx="minor">
+          <a:schemeClr val="lt1"/>
+        </a:fontRef>
+      </dsp:style>
+    </dsp:sp>
+    <dsp:sp modelId="{4BA38B1E-F83F-43B3-9BA9-759C058399C8}">
+      <dsp:nvSpPr>
+        <dsp:cNvPr id="0" name=""/>
+        <dsp:cNvSpPr/>
+      </dsp:nvSpPr>
+      <dsp:spPr>
+        <a:xfrm>
+          <a:off x="5703050" y="70557"/>
+          <a:ext cx="2053483" cy="1642786"/>
+        </a:xfrm>
+        <a:prstGeom prst="roundRect">
+          <a:avLst>
+            <a:gd name="adj" fmla="val 10000"/>
+          </a:avLst>
+        </a:prstGeom>
+        <a:solidFill>
+          <a:schemeClr val="bg2">
+            <a:lumMod val="75000"/>
+          </a:schemeClr>
+        </a:solidFill>
+        <a:ln w="12700" cap="flat" cmpd="sng" algn="ctr">
+          <a:solidFill>
+            <a:schemeClr val="bg2">
+              <a:lumMod val="75000"/>
+            </a:schemeClr>
+          </a:solidFill>
+          <a:prstDash val="solid"/>
+          <a:miter lim="800000"/>
+        </a:ln>
+        <a:effectLst/>
+      </dsp:spPr>
+      <dsp:style>
+        <a:lnRef idx="2">
+          <a:scrgbClr r="0" g="0" b="0"/>
+        </a:lnRef>
+        <a:fillRef idx="1">
+          <a:scrgbClr r="0" g="0" b="0"/>
+        </a:fillRef>
+        <a:effectRef idx="0">
+          <a:scrgbClr r="0" g="0" b="0"/>
+        </a:effectRef>
+        <a:fontRef idx="minor">
+          <a:schemeClr val="lt1"/>
+        </a:fontRef>
+      </dsp:style>
+      <dsp:txBody>
+        <a:bodyPr spcFirstLastPara="0" vert="horz" wrap="square" lIns="45720" tIns="45720" rIns="45720" bIns="45720" numCol="1" spcCol="1270" anchor="ctr" anchorCtr="0">
+          <a:noAutofit/>
+        </a:bodyPr>
+        <a:lstStyle/>
+        <a:p>
+          <a:pPr marL="0" lvl="0" indent="0" algn="ctr" defTabSz="1066800">
+            <a:lnSpc>
+              <a:spcPct val="90000"/>
+            </a:lnSpc>
+            <a:spcBef>
+              <a:spcPct val="0"/>
+            </a:spcBef>
+            <a:spcAft>
+              <a:spcPct val="35000"/>
+            </a:spcAft>
+            <a:buNone/>
+          </a:pPr>
+          <a:r>
+            <a:rPr lang="en-US" sz="2400" b="1" kern="1200" dirty="0"/>
+            <a:t>Historical Rates</a:t>
+          </a:r>
+        </a:p>
+        <a:p>
+          <a:pPr marL="0" lvl="0" indent="0" algn="ctr" defTabSz="1066800">
+            <a:lnSpc>
+              <a:spcPct val="90000"/>
+            </a:lnSpc>
+            <a:spcBef>
+              <a:spcPct val="0"/>
+            </a:spcBef>
+            <a:spcAft>
+              <a:spcPct val="35000"/>
+            </a:spcAft>
+            <a:buNone/>
+          </a:pPr>
+          <a:r>
+            <a:rPr lang="en-US" sz="2400" b="1" kern="1200" dirty="0"/>
+            <a:t>Holiday Dates</a:t>
+          </a:r>
+          <a:endParaRPr lang="en-CA" sz="2400" b="1" kern="1200" dirty="0"/>
+        </a:p>
+      </dsp:txBody>
+      <dsp:txXfrm>
+        <a:off x="5751166" y="118673"/>
+        <a:ext cx="1957251" cy="1546554"/>
+      </dsp:txXfrm>
+    </dsp:sp>
+  </dsp:spTree>
+</dsp:drawing>
+</file>
+
+<file path=ppt/diagrams/layout1.xml><?xml version="1.0" encoding="utf-8"?>
+<dgm:layoutDef xmlns:dgm="http://schemas.openxmlformats.org/drawingml/2006/diagram" xmlns:a="http://schemas.openxmlformats.org/drawingml/2006/main" uniqueId="urn:microsoft.com/office/officeart/2005/8/layout/arrow5">
+  <dgm:title val=""/>
+  <dgm:desc val=""/>
+  <dgm:catLst>
+    <dgm:cat type="relationship" pri="6000"/>
+    <dgm:cat type="process" pri="31000"/>
+  </dgm:catLst>
+  <dgm:sampData>
+    <dgm:dataModel>
+      <dgm:ptLst>
+        <dgm:pt modelId="0" type="doc"/>
+        <dgm:pt modelId="1">
+          <dgm:prSet phldr="1"/>
+        </dgm:pt>
+        <dgm:pt modelId="2">
+          <dgm:prSet phldr="1"/>
+        </dgm:pt>
+      </dgm:ptLst>
+      <dgm:cxnLst>
+        <dgm:cxn modelId="4" srcId="0" destId="1" srcOrd="0" destOrd="0"/>
+        <dgm:cxn modelId="5" srcId="0" destId="2" srcOrd="1" destOrd="0"/>
+      </dgm:cxnLst>
+      <dgm:bg/>
+      <dgm:whole/>
+    </dgm:dataModel>
+  </dgm:sampData>
+  <dgm:styleData>
+    <dgm:dataModel>
+      <dgm:ptLst>
+        <dgm:pt modelId="0" type="doc"/>
+        <dgm:pt modelId="1"/>
+        <dgm:pt modelId="2"/>
+      </dgm:ptLst>
+      <dgm:cxnLst>
+        <dgm:cxn modelId="3" srcId="0" destId="1" srcOrd="0" destOrd="0"/>
+        <dgm:cxn modelId="4" srcId="0" destId="2" srcOrd="1" destOrd="0"/>
+      </dgm:cxnLst>
+      <dgm:bg/>
+      <dgm:whole/>
+    </dgm:dataModel>
+  </dgm:styleData>
+  <dgm:clrData>
+    <dgm:dataModel>
+      <dgm:ptLst>
+        <dgm:pt modelId="0" type="doc"/>
+        <dgm:pt modelId="1"/>
+        <dgm:pt modelId="2"/>
+        <dgm:pt modelId="3"/>
+        <dgm:pt modelId="4"/>
+      </dgm:ptLst>
+      <dgm:cxnLst>
+        <dgm:cxn modelId="5" srcId="0" destId="1" srcOrd="0" destOrd="0"/>
+        <dgm:cxn modelId="6" srcId="0" destId="2" srcOrd="1" destOrd="0"/>
+        <dgm:cxn modelId="7" srcId="0" destId="3" srcOrd="2" destOrd="0"/>
+        <dgm:cxn modelId="8" srcId="0" destId="4" srcOrd="3" destOrd="0"/>
+      </dgm:cxnLst>
+      <dgm:bg/>
+      <dgm:whole/>
+    </dgm:dataModel>
+  </dgm:clrData>
+  <dgm:layoutNode name="diagram">
+    <dgm:varLst>
+      <dgm:dir/>
+      <dgm:resizeHandles val="exact"/>
+    </dgm:varLst>
+    <dgm:choose name="Name0">
+      <dgm:if name="Name1" axis="ch" ptType="node" func="cnt" op="equ" val="2">
+        <dgm:choose name="Name2">
+          <dgm:if name="Name3" func="var" arg="dir" op="equ" val="norm">
+            <dgm:alg type="cycle">
+              <dgm:param type="rotPath" val="alongPath"/>
+              <dgm:param type="stAng" val="270"/>
+            </dgm:alg>
+          </dgm:if>
+          <dgm:else name="Name4">
+            <dgm:alg type="cycle">
+              <dgm:param type="rotPath" val="alongPath"/>
+              <dgm:param type="stAng" val="90"/>
+              <dgm:param type="spanAng" val="-360"/>
+            </dgm:alg>
+          </dgm:else>
+        </dgm:choose>
+      </dgm:if>
+      <dgm:else name="Name5">
+        <dgm:choose name="Name6">
+          <dgm:if name="Name7" func="var" arg="dir" op="equ" val="norm">
+            <dgm:alg type="cycle">
+              <dgm:param type="rotPath" val="alongPath"/>
+            </dgm:alg>
+          </dgm:if>
+          <dgm:else name="Name8">
+            <dgm:alg type="cycle">
+              <dgm:param type="rotPath" val="alongPath"/>
+              <dgm:param type="spanAng" val="-360"/>
+            </dgm:alg>
+          </dgm:else>
+        </dgm:choose>
+      </dgm:else>
+    </dgm:choose>
+    <dgm:shape xmlns:r="http://schemas.openxmlformats.org/officeDocument/2006/relationships" r:blip="">
+      <dgm:adjLst/>
+    </dgm:shape>
+    <dgm:presOf/>
+    <dgm:choose name="Name9">
+      <dgm:if name="Name10" axis="ch" ptType="node" func="cnt" op="lte" val="2">
+        <dgm:constrLst>
+          <dgm:constr type="primFontSz" for="ch" ptType="node" op="equ" val="65"/>
+          <dgm:constr type="w" for="ch" ptType="node" refType="w"/>
+          <dgm:constr type="h" for="ch" ptType="node" refType="w" refFor="ch" refPtType="node" op="equ"/>
+          <dgm:constr type="sibSp" refType="w" refFor="ch" refPtType="node" fact="0.1"/>
+          <dgm:constr type="sibSp" refType="h" op="lte" fact="0.1"/>
+          <dgm:constr type="diam" refType="w" refFor="ch" refPtType="node" op="equ" fact="1.1"/>
+        </dgm:constrLst>
+      </dgm:if>
+      <dgm:if name="Name11" axis="ch" ptType="node" func="cnt" op="equ" val="5">
+        <dgm:constrLst>
+          <dgm:constr type="primFontSz" for="ch" ptType="node" op="equ" val="65"/>
+          <dgm:constr type="w" for="ch" ptType="node" refType="w"/>
+          <dgm:constr type="h" for="ch" ptType="node" refType="w" refFor="ch" refPtType="node" op="equ"/>
+          <dgm:constr type="sibSp" refType="w" refFor="ch" refPtType="node" fact="-0.2"/>
+          <dgm:constr type="sibSp" refType="h" op="lte" fact="0.1"/>
+        </dgm:constrLst>
+      </dgm:if>
+      <dgm:if name="Name12" axis="ch" ptType="node" func="cnt" op="equ" val="6">
+        <dgm:constrLst>
+          <dgm:constr type="primFontSz" for="ch" ptType="node" op="equ" val="65"/>
+          <dgm:constr type="w" for="ch" ptType="node" refType="w"/>
+          <dgm:constr type="h" for="ch" ptType="node" refType="w" refFor="ch" refPtType="node" op="equ"/>
+          <dgm:constr type="sibSp" refType="w" refFor="ch" refPtType="node" fact="-0.1"/>
+          <dgm:constr type="sibSp" refType="h" op="lte" fact="0.1"/>
+        </dgm:constrLst>
+      </dgm:if>
+      <dgm:if name="Name13" axis="ch" ptType="node" func="cnt" op="equ" val="7">
+        <dgm:constrLst>
+          <dgm:constr type="primFontSz" for="ch" ptType="node" op="equ" val="65"/>
+          <dgm:constr type="w" for="ch" ptType="node" refType="w"/>
+          <dgm:constr type="h" for="ch" ptType="node" refType="w" refFor="ch" refPtType="node" op="equ"/>
+          <dgm:constr type="sibSp" refType="w" refFor="ch" refPtType="node" fact="-0.1"/>
+          <dgm:constr type="sibSp" refType="h" op="lte" fact="0.1"/>
+        </dgm:constrLst>
+      </dgm:if>
+      <dgm:if name="Name14" axis="ch" ptType="node" func="cnt" op="equ" val="8">
+        <dgm:constrLst>
+          <dgm:constr type="primFontSz" for="ch" ptType="node" op="equ" val="65"/>
+          <dgm:constr type="w" for="ch" ptType="node" refType="w"/>
+          <dgm:constr type="h" for="ch" ptType="node" refType="w" refFor="ch" refPtType="node" op="equ"/>
+          <dgm:constr type="sibSp"/>
+          <dgm:constr type="sibSp" refType="h" op="lte" fact="0.1"/>
+        </dgm:constrLst>
+      </dgm:if>
+      <dgm:if name="Name15" axis="ch" ptType="node" func="cnt" op="gte" val="9">
+        <dgm:constrLst>
+          <dgm:constr type="primFontSz" for="ch" ptType="node" op="equ" val="65"/>
+          <dgm:constr type="w" for="ch" ptType="node" refType="w"/>
+          <dgm:constr type="h" for="ch" ptType="node" refType="w" refFor="ch" refPtType="node" op="equ"/>
+          <dgm:constr type="sibSp" refType="w" refFor="ch" refPtType="node" fact="-0.1"/>
+          <dgm:constr type="sibSp" refType="h" op="lte" fact="0.1"/>
+        </dgm:constrLst>
+      </dgm:if>
+      <dgm:else name="Name16">
+        <dgm:constrLst>
+          <dgm:constr type="primFontSz" for="ch" ptType="node" op="equ" val="65"/>
+          <dgm:constr type="w" for="ch" ptType="node" refType="w"/>
+          <dgm:constr type="h" for="ch" ptType="node" refType="w" refFor="ch" refPtType="node" op="equ"/>
+          <dgm:constr type="sibSp" refType="w" refFor="ch" refPtType="node" fact="-0.35"/>
+        </dgm:constrLst>
+      </dgm:else>
+    </dgm:choose>
+    <dgm:ruleLst/>
+    <dgm:forEach name="Name17" axis="ch" ptType="node">
+      <dgm:layoutNode name="arrow">
+        <dgm:varLst>
+          <dgm:bulletEnabled val="1"/>
+        </dgm:varLst>
+        <dgm:alg type="tx"/>
+        <dgm:shape xmlns:r="http://schemas.openxmlformats.org/officeDocument/2006/relationships" type="downArrow" r:blip="">
+          <dgm:adjLst>
+            <dgm:adj idx="2" val="0.35"/>
+          </dgm:adjLst>
+        </dgm:shape>
+        <dgm:presOf axis="desOrSelf" ptType="node"/>
+        <dgm:constrLst/>
+        <dgm:ruleLst>
+          <dgm:rule type="primFontSz" val="5" fact="NaN" max="NaN"/>
+        </dgm:ruleLst>
+      </dgm:layoutNode>
+    </dgm:forEach>
+  </dgm:layoutNode>
+</dgm:layoutDef>
+</file>
+
+<file path=ppt/diagrams/layout2.xml><?xml version="1.0" encoding="utf-8"?>
+<dgm:layoutDef xmlns:dgm="http://schemas.openxmlformats.org/drawingml/2006/diagram" xmlns:a="http://schemas.openxmlformats.org/drawingml/2006/main" uniqueId="urn:microsoft.com/office/officeart/2005/8/layout/radial4">
+  <dgm:title val=""/>
+  <dgm:desc val=""/>
+  <dgm:catLst>
+    <dgm:cat type="relationship" pri="19000"/>
+  </dgm:catLst>
+  <dgm:sampData>
+    <dgm:dataModel>
+      <dgm:ptLst>
+        <dgm:pt modelId="0" type="doc"/>
+        <dgm:pt modelId="1">
+          <dgm:prSet phldr="1"/>
+        </dgm:pt>
+        <dgm:pt modelId="11">
+          <dgm:prSet phldr="1"/>
+        </dgm:pt>
+        <dgm:pt modelId="12">
+          <dgm:prSet phldr="1"/>
+        </dgm:pt>
+        <dgm:pt modelId="13">
+          <dgm:prSet phldr="1"/>
+        </dgm:pt>
+      </dgm:ptLst>
+      <dgm:cxnLst>
+        <dgm:cxn modelId="2" srcId="0" destId="1" srcOrd="0" destOrd="0"/>
+        <dgm:cxn modelId="3" srcId="1" destId="11" srcOrd="0" destOrd="0"/>
+        <dgm:cxn modelId="4" srcId="1" destId="12" srcOrd="1" destOrd="0"/>
+        <dgm:cxn modelId="5" srcId="1" destId="13" srcOrd="2" destOrd="0"/>
+      </dgm:cxnLst>
+      <dgm:bg/>
+      <dgm:whole/>
+    </dgm:dataModel>
+  </dgm:sampData>
+  <dgm:styleData>
+    <dgm:dataModel>
+      <dgm:ptLst>
+        <dgm:pt modelId="0" type="doc"/>
+        <dgm:pt modelId="1"/>
+        <dgm:pt modelId="11"/>
+        <dgm:pt modelId="12"/>
+      </dgm:ptLst>
+      <dgm:cxnLst>
+        <dgm:cxn modelId="2" srcId="0" destId="1" srcOrd="0" destOrd="0"/>
+        <dgm:cxn modelId="15" srcId="1" destId="11" srcOrd="0" destOrd="0"/>
+        <dgm:cxn modelId="16" srcId="1" destId="12" srcOrd="1" destOrd="0"/>
+      </dgm:cxnLst>
+      <dgm:bg/>
+      <dgm:whole/>
+    </dgm:dataModel>
+  </dgm:styleData>
+  <dgm:clrData>
+    <dgm:dataModel>
+      <dgm:ptLst>
+        <dgm:pt modelId="0" type="doc"/>
+        <dgm:pt modelId="1"/>
+        <dgm:pt modelId="11"/>
+        <dgm:pt modelId="12"/>
+        <dgm:pt modelId="13"/>
+        <dgm:pt modelId="14"/>
+        <dgm:pt modelId="15"/>
+        <dgm:pt modelId="16"/>
+      </dgm:ptLst>
+      <dgm:cxnLst>
+        <dgm:cxn modelId="2" srcId="0" destId="1" srcOrd="0" destOrd="0"/>
+        <dgm:cxn modelId="16" srcId="1" destId="11" srcOrd="0" destOrd="0"/>
+        <dgm:cxn modelId="17" srcId="1" destId="12" srcOrd="1" destOrd="0"/>
+        <dgm:cxn modelId="18" srcId="1" destId="13" srcOrd="2" destOrd="0"/>
+        <dgm:cxn modelId="19" srcId="1" destId="14" srcOrd="3" destOrd="0"/>
+        <dgm:cxn modelId="20" srcId="1" destId="15" srcOrd="4" destOrd="0"/>
+        <dgm:cxn modelId="21" srcId="1" destId="16" srcOrd="5" destOrd="0"/>
+      </dgm:cxnLst>
+      <dgm:bg/>
+      <dgm:whole/>
+    </dgm:dataModel>
+  </dgm:clrData>
+  <dgm:layoutNode name="cycle">
+    <dgm:varLst>
+      <dgm:chMax val="1"/>
+      <dgm:dir/>
+      <dgm:animLvl val="ctr"/>
+      <dgm:resizeHandles val="exact"/>
+    </dgm:varLst>
+    <dgm:choose name="Name0">
+      <dgm:if name="Name1" func="var" arg="dir" op="equ" val="norm">
+        <dgm:choose name="Name2">
+          <dgm:if name="Name3" axis="ch ch" ptType="node node" st="1 1" cnt="1 0" func="cnt" op="lte" val="1">
+            <dgm:alg type="cycle">
+              <dgm:param type="stAng" val="0"/>
+              <dgm:param type="spanAng" val="360"/>
+              <dgm:param type="ctrShpMap" val="fNode"/>
+            </dgm:alg>
+          </dgm:if>
+          <dgm:else name="Name4">
+            <dgm:choose name="Name5">
+              <dgm:if name="Name6" axis="ch ch" ptType="node node" st="1 1" cnt="1 0" func="cnt" op="lte" val="3">
+                <dgm:alg type="cycle">
+                  <dgm:param type="stAng" val="-55"/>
+                  <dgm:param type="spanAng" val="110"/>
+                  <dgm:param type="ctrShpMap" val="fNode"/>
+                </dgm:alg>
+              </dgm:if>
+              <dgm:else name="Name7">
+                <dgm:choose name="Name8">
+                  <dgm:if name="Name9" axis="ch ch" ptType="node node" st="1 1" cnt="1 0" func="cnt" op="equ" val="4">
+                    <dgm:alg type="cycle">
+                      <dgm:param type="stAng" val="-75"/>
+                      <dgm:param type="spanAng" val="150"/>
+                      <dgm:param type="ctrShpMap" val="fNode"/>
+                    </dgm:alg>
+                  </dgm:if>
+                  <dgm:else name="Name10">
+                    <dgm:alg type="cycle">
+                      <dgm:param type="stAng" val="-90"/>
+                      <dgm:param type="spanAng" val="180"/>
+                      <dgm:param type="ctrShpMap" val="fNode"/>
+                    </dgm:alg>
+                  </dgm:else>
+                </dgm:choose>
+              </dgm:else>
+            </dgm:choose>
+          </dgm:else>
+        </dgm:choose>
+      </dgm:if>
+      <dgm:else name="Name11">
+        <dgm:choose name="Name12">
+          <dgm:if name="Name13" axis="ch ch" ptType="node node" st="1 1" cnt="1 0" func="cnt" op="lte" val="1">
+            <dgm:alg type="cycle">
+              <dgm:param type="stAng" val="0"/>
+              <dgm:param type="spanAng" val="-360"/>
+              <dgm:param type="ctrShpMap" val="fNode"/>
+            </dgm:alg>
+          </dgm:if>
+          <dgm:else name="Name14">
+            <dgm:choose name="Name15">
+              <dgm:if name="Name16" axis="ch ch" ptType="node node" st="1 1" cnt="1 0" func="cnt" op="lte" val="3">
+                <dgm:alg type="cycle">
+                  <dgm:param type="stAng" val="55"/>
+                  <dgm:param type="spanAng" val="-110"/>
+                  <dgm:param type="ctrShpMap" val="fNode"/>
+                </dgm:alg>
+              </dgm:if>
+              <dgm:else name="Name17">
+                <dgm:choose name="Name18">
+                  <dgm:if name="Name19" axis="ch ch" ptType="node node" st="1 1" cnt="1 0" func="cnt" op="equ" val="4">
+                    <dgm:alg type="cycle">
+                      <dgm:param type="stAng" val="75"/>
+                      <dgm:param type="spanAng" val="-150"/>
+                      <dgm:param type="ctrShpMap" val="fNode"/>
+                    </dgm:alg>
+                  </dgm:if>
+                  <dgm:else name="Name20">
+                    <dgm:alg type="cycle">
+                      <dgm:param type="stAng" val="90"/>
+                      <dgm:param type="spanAng" val="-180"/>
+                      <dgm:param type="ctrShpMap" val="fNode"/>
+                    </dgm:alg>
+                  </dgm:else>
+                </dgm:choose>
+              </dgm:else>
+            </dgm:choose>
+          </dgm:else>
+        </dgm:choose>
+      </dgm:else>
+    </dgm:choose>
+    <dgm:shape xmlns:r="http://schemas.openxmlformats.org/officeDocument/2006/relationships" r:blip="">
+      <dgm:adjLst/>
+    </dgm:shape>
+    <dgm:presOf/>
+    <dgm:constrLst>
+      <dgm:constr type="w" for="ch" forName="centerShape" refType="w"/>
+      <dgm:constr type="w" for="ch" forName="node" refType="w" refFor="ch" refForName="centerShape" fact="0.95"/>
+      <dgm:constr type="h" for="ch" forName="parTrans" refType="w" refFor="ch" refForName="centerShape" fact="0.285"/>
+      <dgm:constr type="sp" refType="w" refFor="ch" refForName="centerShape" op="equ" fact="0.23"/>
+      <dgm:constr type="sibSp" refType="w" refFor="ch" refForName="node" fact="0.1"/>
+      <dgm:constr type="primFontSz" for="ch" forName="node" op="equ"/>
+    </dgm:constrLst>
+    <dgm:choose name="Name21">
+      <dgm:if name="Name22" axis="ch ch" ptType="node node" st="1 1" cnt="1 0" func="cnt" op="lte" val="5">
+        <dgm:ruleLst>
+          <dgm:rule type="w" for="ch" forName="centerShape" val="NaN" fact="0.27" max="NaN"/>
+        </dgm:ruleLst>
+      </dgm:if>
+      <dgm:else name="Name23">
+        <dgm:ruleLst>
+          <dgm:rule type="w" for="ch" forName="centerShape" val="NaN" fact="0.27" max="NaN"/>
+          <dgm:rule type="w" for="ch" forName="node" val="NaN" fact="0.7" max="NaN"/>
+        </dgm:ruleLst>
+      </dgm:else>
+    </dgm:choose>
+    <dgm:forEach name="Name24" axis="ch" ptType="node" cnt="1">
+      <dgm:layoutNode name="centerShape" styleLbl="node0">
+        <dgm:alg type="tx"/>
+        <dgm:shape xmlns:r="http://schemas.openxmlformats.org/officeDocument/2006/relationships" type="ellipse" r:blip="">
+          <dgm:adjLst/>
+        </dgm:shape>
+        <dgm:presOf axis="self"/>
+        <dgm:constrLst>
+          <dgm:constr type="tMarg" refType="primFontSz" fact="0.05"/>
+          <dgm:constr type="bMarg" refType="primFontSz" fact="0.05"/>
+          <dgm:constr type="lMarg" refType="primFontSz" fact="0.05"/>
+          <dgm:constr type="rMarg" refType="primFontSz" fact="0.05"/>
+          <dgm:constr type="primFontSz" val="65"/>
+          <dgm:constr type="h" refType="w"/>
+        </dgm:constrLst>
+        <dgm:ruleLst>
+          <dgm:rule type="primFontSz" val="5" fact="NaN" max="NaN"/>
+        </dgm:ruleLst>
+      </dgm:layoutNode>
+      <dgm:forEach name="Name25" axis="ch">
+        <dgm:forEach name="Name26" axis="self" ptType="parTrans">
+          <dgm:layoutNode name="parTrans" styleLbl="bgSibTrans2D1">
+            <dgm:alg type="conn">
+              <dgm:param type="begPts" val="auto"/>
+              <dgm:param type="endPts" val="ctr"/>
+              <dgm:param type="endSty" val="noArr"/>
+              <dgm:param type="begSty" val="arr"/>
+            </dgm:alg>
+            <dgm:shape xmlns:r="http://schemas.openxmlformats.org/officeDocument/2006/relationships" type="conn" r:blip="">
+              <dgm:adjLst/>
+            </dgm:shape>
+            <dgm:presOf axis="self"/>
+            <dgm:constrLst>
+              <dgm:constr type="begPad" refType="connDist" fact="0.055"/>
+              <dgm:constr type="endPad"/>
+            </dgm:constrLst>
+            <dgm:ruleLst/>
+          </dgm:layoutNode>
+        </dgm:forEach>
+        <dgm:forEach name="Name27" axis="self" ptType="node">
+          <dgm:layoutNode name="node" styleLbl="node1">
+            <dgm:varLst>
+              <dgm:bulletEnabled val="1"/>
+            </dgm:varLst>
+            <dgm:alg type="tx"/>
+            <dgm:shape xmlns:r="http://schemas.openxmlformats.org/officeDocument/2006/relationships" type="roundRect" r:blip="">
+              <dgm:adjLst>
+                <dgm:adj idx="1" val="0.1"/>
+              </dgm:adjLst>
+            </dgm:shape>
+            <dgm:presOf axis="desOrSelf" ptType="node"/>
+            <dgm:constrLst>
+              <dgm:constr type="primFontSz" val="65"/>
+              <dgm:constr type="h" refType="w" fact="0.8"/>
+              <dgm:constr type="tMarg" refType="primFontSz" fact="0.15"/>
+              <dgm:constr type="bMarg" refType="primFontSz" fact="0.15"/>
+              <dgm:constr type="lMarg" refType="primFontSz" fact="0.15"/>
+              <dgm:constr type="rMarg" refType="primFontSz" fact="0.15"/>
+            </dgm:constrLst>
+            <dgm:ruleLst>
+              <dgm:rule type="primFontSz" val="5" fact="NaN" max="NaN"/>
+            </dgm:ruleLst>
+          </dgm:layoutNode>
+        </dgm:forEach>
+      </dgm:forEach>
+    </dgm:forEach>
+  </dgm:layoutNode>
+</dgm:layoutDef>
+</file>
+
+<file path=ppt/diagrams/quickStyle1.xml><?xml version="1.0" encoding="utf-8"?>
+<dgm:styleDef xmlns:dgm="http://schemas.openxmlformats.org/drawingml/2006/diagram" xmlns:a="http://schemas.openxmlformats.org/drawingml/2006/main" uniqueId="urn:microsoft.com/office/officeart/2005/8/quickstyle/simple1">
+  <dgm:title val=""/>
+  <dgm:desc val=""/>
+  <dgm:catLst>
+    <dgm:cat type="simple" pri="10100"/>
+  </dgm:catLst>
+  <dgm:scene3d>
+    <a:camera prst="orthographicFront"/>
+    <a:lightRig rig="threePt" dir="t"/>
+  </dgm:scene3d>
+  <dgm:styleLbl name="node0">
+    <dgm:scene3d>
+      <a:camera prst="orthographicFront"/>
+      <a:lightRig rig="threePt" dir="t"/>
+    </dgm:scene3d>
+    <dgm:sp3d/>
+    <dgm:txPr/>
+    <dgm:style>
+      <a:lnRef idx="2">
+        <a:scrgbClr r="0" g="0" b="0"/>
+      </a:lnRef>
+      <a:fillRef idx="1">
+        <a:scrgbClr r="0" g="0" b="0"/>
+      </a:fillRef>
+      <a:effectRef idx="0">
+        <a:scrgbClr r="0" g="0" b="0"/>
+      </a:effectRef>
+      <a:fontRef idx="minor">
+        <a:schemeClr val="lt1"/>
+      </a:fontRef>
+    </dgm:style>
+  </dgm:styleLbl>
+  <dgm:styleLbl name="lnNode1">
+    <dgm:scene3d>
+      <a:camera prst="orthographicFront"/>
+      <a:lightRig rig="threePt" dir="t"/>
+    </dgm:scene3d>
+    <dgm:sp3d/>
+    <dgm:txPr/>
+    <dgm:style>
+      <a:lnRef idx="2">
+        <a:scrgbClr r="0" g="0" b="0"/>
+      </a:lnRef>
+      <a:fillRef idx="1">
+        <a:scrgbClr r="0" g="0" b="0"/>
+      </a:fillRef>
+      <a:effectRef idx="0">
+        <a:scrgbClr r="0" g="0" b="0"/>
+      </a:effectRef>
+      <a:fontRef idx="minor">
+        <a:schemeClr val="lt1"/>
+      </a:fontRef>
+    </dgm:style>
+  </dgm:styleLbl>
+  <dgm:styleLbl name="vennNode1">
+    <dgm:scene3d>
+      <a:camera prst="orthographicFront"/>
+      <a:lightRig rig="threePt" dir="t"/>
+    </dgm:scene3d>
+    <dgm:sp3d/>
+    <dgm:txPr/>
+    <dgm:style>
+      <a:lnRef idx="2">
+        <a:scrgbClr r="0" g="0" b="0"/>
+      </a:lnRef>
+      <a:fillRef idx="1">
+        <a:scrgbClr r="0" g="0" b="0"/>
+      </a:fillRef>
+      <a:effectRef idx="0">
+        <a:scrgbClr r="0" g="0" b="0"/>
+      </a:effectRef>
+      <a:fontRef idx="minor">
+        <a:schemeClr val="tx1"/>
+      </a:fontRef>
+    </dgm:style>
+  </dgm:styleLbl>
+  <dgm:styleLbl name="alignNode1">
+    <dgm:scene3d>
+      <a:camera prst="orthographicFront"/>
+      <a:lightRig rig="threePt" dir="t"/>
+    </dgm:scene3d>
+    <dgm:sp3d/>
+    <dgm:txPr/>
+    <dgm:style>
+      <a:lnRef idx="2">
+        <a:scrgbClr r="0" g="0" b="0"/>
+      </a:lnRef>
+      <a:fillRef idx="1">
+        <a:scrgbClr r="0" g="0" b="0"/>
+      </a:fillRef>
+      <a:effectRef idx="0">
+        <a:scrgbClr r="0" g="0" b="0"/>
+      </a:effectRef>
+      <a:fontRef idx="minor">
+        <a:schemeClr val="lt1"/>
+      </a:fontRef>
+    </dgm:style>
+  </dgm:styleLbl>
+  <dgm:styleLbl name="node1">
+    <dgm:scene3d>
+      <a:camera prst="orthographicFront"/>
+      <a:lightRig rig="threePt" dir="t"/>
+    </dgm:scene3d>
+    <dgm:sp3d/>
+    <dgm:txPr/>
+    <dgm:style>
+      <a:lnRef idx="2">
+        <a:scrgbClr r="0" g="0" b="0"/>
+      </a:lnRef>
+      <a:fillRef idx="1">
+        <a:scrgbClr r="0" g="0" b="0"/>
+      </a:fillRef>
+      <a:effectRef idx="0">
+        <a:scrgbClr r="0" g="0" b="0"/>
+      </a:effectRef>
+      <a:fontRef idx="minor">
+        <a:schemeClr val="lt1"/>
+      </a:fontRef>
+    </dgm:style>
+  </dgm:styleLbl>
+  <dgm:styleLbl name="node2">
+    <dgm:scene3d>
+      <a:camera prst="orthographicFront"/>
+      <a:lightRig rig="threePt" dir="t"/>
+    </dgm:scene3d>
+    <dgm:sp3d/>
+    <dgm:txPr/>
+    <dgm:style>
+      <a:lnRef idx="2">
+        <a:scrgbClr r="0" g="0" b="0"/>
+      </a:lnRef>
+      <a:fillRef idx="1">
+        <a:scrgbClr r="0" g="0" b="0"/>
+      </a:fillRef>
+      <a:effectRef idx="0">
+        <a:scrgbClr r="0" g="0" b="0"/>
+      </a:effectRef>
+      <a:fontRef idx="minor">
+        <a:schemeClr val="lt1"/>
+      </a:fontRef>
+    </dgm:style>
+  </dgm:styleLbl>
+  <dgm:styleLbl name="node3">
+    <dgm:scene3d>
+      <a:camera prst="orthographicFront"/>
+      <a:lightRig rig="threePt" dir="t"/>
+    </dgm:scene3d>
+    <dgm:sp3d/>
+    <dgm:txPr/>
+    <dgm:style>
+      <a:lnRef idx="2">
+        <a:scrgbClr r="0" g="0" b="0"/>
+      </a:lnRef>
+      <a:fillRef idx="1">
+        <a:scrgbClr r="0" g="0" b="0"/>
+      </a:fillRef>
+      <a:effectRef idx="0">
+        <a:scrgbClr r="0" g="0" b="0"/>
+      </a:effectRef>
+      <a:fontRef idx="minor">
+        <a:schemeClr val="lt1"/>
+      </a:fontRef>
+    </dgm:style>
+  </dgm:styleLbl>
+  <dgm:styleLbl name="node4">
+    <dgm:scene3d>
+      <a:camera prst="orthographicFront"/>
+      <a:lightRig rig="threePt" dir="t"/>
+    </dgm:scene3d>
+    <dgm:sp3d/>
+    <dgm:txPr/>
+    <dgm:style>
+      <a:lnRef idx="2">
+        <a:scrgbClr r="0" g="0" b="0"/>
+      </a:lnRef>
+      <a:fillRef idx="1">
+        <a:scrgbClr r="0" g="0" b="0"/>
+      </a:fillRef>
+      <a:effectRef idx="0">
+        <a:scrgbClr r="0" g="0" b="0"/>
+      </a:effectRef>
+      <a:fontRef idx="minor">
+        <a:schemeClr val="lt1"/>
+      </a:fontRef>
+    </dgm:style>
+  </dgm:styleLbl>
+  <dgm:styleLbl name="fgImgPlace1">
+    <dgm:scene3d>
+      <a:camera prst="orthographicFront"/>
+      <a:lightRig rig="threePt" dir="t"/>
+    </dgm:scene3d>
+    <dgm:sp3d/>
+    <dgm:txPr/>
+    <dgm:style>
+      <a:lnRef idx="2">
+        <a:scrgbClr r="0" g="0" b="0"/>
+      </a:lnRef>
+      <a:fillRef idx="1">
+        <a:scrgbClr r="0" g="0" b="0"/>
+      </a:fillRef>
+      <a:effectRef idx="0">
+        <a:scrgbClr r="0" g="0" b="0"/>
+      </a:effectRef>
+      <a:fontRef idx="minor"/>
+    </dgm:style>
+  </dgm:styleLbl>
+  <dgm:styleLbl name="alignImgPlace1">
+    <dgm:scene3d>
+      <a:camera prst="orthographicFront"/>
+      <a:lightRig rig="threePt" dir="t"/>
+    </dgm:scene3d>
+    <dgm:sp3d/>
+    <dgm:txPr/>
+    <dgm:style>
+      <a:lnRef idx="2">
+        <a:scrgbClr r="0" g="0" b="0"/>
+      </a:lnRef>
+      <a:fillRef idx="1">
+        <a:scrgbClr r="0" g="0" b="0"/>
+      </a:fillRef>
+      <a:effectRef idx="0">
+        <a:scrgbClr r="0" g="0" b="0"/>
+      </a:effectRef>
+      <a:fontRef idx="minor"/>
+    </dgm:style>
+  </dgm:styleLbl>
+  <dgm:styleLbl name="bgImgPlace1">
+    <dgm:scene3d>
+      <a:camera prst="orthographicFront"/>
+      <a:lightRig rig="threePt" dir="t"/>
+    </dgm:scene3d>
+    <dgm:sp3d/>
+    <dgm:txPr/>
+    <dgm:style>
+      <a:lnRef idx="2">
+        <a:scrgbClr r="0" g="0" b="0"/>
+      </a:lnRef>
+      <a:fillRef idx="1">
+        <a:scrgbClr r="0" g="0" b="0"/>
+      </a:fillRef>
+      <a:effectRef idx="0">
+        <a:scrgbClr r="0" g="0" b="0"/>
+      </a:effectRef>
+      <a:fontRef idx="minor"/>
+    </dgm:style>
+  </dgm:styleLbl>
+  <dgm:styleLbl name="sibTrans2D1">
+    <dgm:scene3d>
+      <a:camera prst="orthographicFront"/>
+      <a:lightRig rig="threePt" dir="t"/>
+    </dgm:scene3d>
+    <dgm:sp3d/>
+    <dgm:txPr/>
+    <dgm:style>
+      <a:lnRef idx="0">
+        <a:scrgbClr r="0" g="0" b="0"/>
+      </a:lnRef>
+      <a:fillRef idx="1">
+        <a:scrgbClr r="0" g="0" b="0"/>
+      </a:fillRef>
+      <a:effectRef idx="0">
+        <a:scrgbClr r="0" g="0" b="0"/>
+      </a:effectRef>
+      <a:fontRef idx="minor">
+        <a:schemeClr val="lt1"/>
+      </a:fontRef>
+    </dgm:style>
+  </dgm:styleLbl>
+  <dgm:styleLbl name="fgSibTrans2D1">
+    <dgm:scene3d>
+      <a:camera prst="orthographicFront"/>
+      <a:lightRig rig="threePt" dir="t"/>
+    </dgm:scene3d>
+    <dgm:sp3d/>
+    <dgm:txPr/>
+    <dgm:style>
+      <a:lnRef idx="0">
+        <a:scrgbClr r="0" g="0" b="0"/>
+      </a:lnRef>
+      <a:fillRef idx="1">
+        <a:scrgbClr r="0" g="0" b="0"/>
+      </a:fillRef>
+      <a:effectRef idx="0">
+        <a:scrgbClr r="0" g="0" b="0"/>
+      </a:effectRef>
+      <a:fontRef idx="minor">
+        <a:schemeClr val="lt1"/>
+      </a:fontRef>
+    </dgm:style>
+  </dgm:styleLbl>
+  <dgm:styleLbl name="bgSibTrans2D1">
+    <dgm:scene3d>
+      <a:camera prst="orthographicFront"/>
+      <a:lightRig rig="threePt" dir="t"/>
+    </dgm:scene3d>
+    <dgm:sp3d/>
+    <dgm:txPr/>
+    <dgm:style>
+      <a:lnRef idx="0">
+        <a:scrgbClr r="0" g="0" b="0"/>
+      </a:lnRef>
+      <a:fillRef idx="1">
+        <a:scrgbClr r="0" g="0" b="0"/>
+      </a:fillRef>
+      <a:effectRef idx="0">
+        <a:scrgbClr r="0" g="0" b="0"/>
+      </a:effectRef>
+      <a:fontRef idx="minor">
+        <a:schemeClr val="lt1"/>
+      </a:fontRef>
+    </dgm:style>
+  </dgm:styleLbl>
+  <dgm:styleLbl name="sibTrans1D1">
+    <dgm:scene3d>
+      <a:camera prst="orthographicFront"/>
+      <a:lightRig rig="threePt" dir="t"/>
+    </dgm:scene3d>
+    <dgm:sp3d/>
+    <dgm:txPr/>
+    <dgm:style>
+      <a:lnRef idx="1">
+        <a:scrgbClr r="0" g="0" b="0"/>
+      </a:lnRef>
+      <a:fillRef idx="0">
+        <a:scrgbClr r="0" g="0" b="0"/>
+      </a:fillRef>
+      <a:effectRef idx="0">
+        <a:scrgbClr r="0" g="0" b="0"/>
+      </a:effectRef>
+      <a:fontRef idx="minor"/>
+    </dgm:style>
+  </dgm:styleLbl>
+  <dgm:styleLbl name="callout">
+    <dgm:scene3d>
+      <a:camera prst="orthographicFront"/>
+      <a:lightRig rig="threePt" dir="t"/>
+    </dgm:scene3d>
+    <dgm:sp3d/>
+    <dgm:txPr/>
+    <dgm:style>
+      <a:lnRef idx="2">
+        <a:scrgbClr r="0" g="0" b="0"/>
+      </a:lnRef>
+      <a:fillRef idx="1">
+        <a:scrgbClr r="0" g="0" b="0"/>
+      </a:fillRef>
+      <a:effectRef idx="0">
+        <a:scrgbClr r="0" g="0" b="0"/>
+      </a:effectRef>
+      <a:fontRef idx="minor"/>
+    </dgm:style>
+  </dgm:styleLbl>
+  <dgm:styleLbl name="asst0">
+    <dgm:scene3d>
+      <a:camera prst="orthographicFront"/>
+      <a:lightRig rig="threePt" dir="t"/>
+    </dgm:scene3d>
+    <dgm:sp3d/>
+    <dgm:txPr/>
+    <dgm:style>
+      <a:lnRef idx="2">
+        <a:scrgbClr r="0" g="0" b="0"/>
+      </a:lnRef>
+      <a:fillRef idx="1">
+        <a:scrgbClr r="0" g="0" b="0"/>
+      </a:fillRef>
+      <a:effectRef idx="0">
+        <a:scrgbClr r="0" g="0" b="0"/>
+      </a:effectRef>
+      <a:fontRef idx="minor">
+        <a:schemeClr val="lt1"/>
+      </a:fontRef>
+    </dgm:style>
+  </dgm:styleLbl>
+  <dgm:styleLbl name="asst1">
+    <dgm:scene3d>
+      <a:camera prst="orthographicFront"/>
+      <a:lightRig rig="threePt" dir="t"/>
+    </dgm:scene3d>
+    <dgm:sp3d/>
+    <dgm:txPr/>
+    <dgm:style>
+      <a:lnRef idx="2">
+        <a:scrgbClr r="0" g="0" b="0"/>
+      </a:lnRef>
+      <a:fillRef idx="1">
+        <a:scrgbClr r="0" g="0" b="0"/>
+      </a:fillRef>
+      <a:effectRef idx="0">
+        <a:scrgbClr r="0" g="0" b="0"/>
+      </a:effectRef>
+      <a:fontRef idx="minor">
+        <a:schemeClr val="lt1"/>
+      </a:fontRef>
+    </dgm:style>
+  </dgm:styleLbl>
+  <dgm:styleLbl name="asst2">
+    <dgm:scene3d>
+      <a:camera prst="orthographicFront"/>
+      <a:lightRig rig="threePt" dir="t"/>
+    </dgm:scene3d>
+    <dgm:sp3d/>
+    <dgm:txPr/>
+    <dgm:style>
+      <a:lnRef idx="2">
+        <a:scrgbClr r="0" g="0" b="0"/>
+      </a:lnRef>
+      <a:fillRef idx="1">
+        <a:scrgbClr r="0" g="0" b="0"/>
+      </a:fillRef>
+      <a:effectRef idx="0">
+        <a:scrgbClr r="0" g="0" b="0"/>
+      </a:effectRef>
+      <a:fontRef idx="minor">
+        <a:schemeClr val="lt1"/>
+      </a:fontRef>
+    </dgm:style>
+  </dgm:styleLbl>
+  <dgm:styleLbl name="asst3">
+    <dgm:scene3d>
+      <a:camera prst="orthographicFront"/>
+      <a:lightRig rig="threePt" dir="t"/>
+    </dgm:scene3d>
+    <dgm:sp3d/>
+    <dgm:txPr/>
+    <dgm:style>
+      <a:lnRef idx="2">
+        <a:scrgbClr r="0" g="0" b="0"/>
+      </a:lnRef>
+      <a:fillRef idx="1">
+        <a:scrgbClr r="0" g="0" b="0"/>
+      </a:fillRef>
+      <a:effectRef idx="0">
+        <a:scrgbClr r="0" g="0" b="0"/>
+      </a:effectRef>
+      <a:fontRef idx="minor">
+        <a:schemeClr val="lt1"/>
+      </a:fontRef>
+    </dgm:style>
+  </dgm:styleLbl>
+  <dgm:styleLbl name="asst4">
+    <dgm:scene3d>
+      <a:camera prst="orthographicFront"/>
+      <a:lightRig rig="threePt" dir="t"/>
+    </dgm:scene3d>
+    <dgm:sp3d/>
+    <dgm:txPr/>
+    <dgm:style>
+      <a:lnRef idx="2">
+        <a:scrgbClr r="0" g="0" b="0"/>
+      </a:lnRef>
+      <a:fillRef idx="1">
+        <a:scrgbClr r="0" g="0" b="0"/>
+      </a:fillRef>
+      <a:effectRef idx="0">
+        <a:scrgbClr r="0" g="0" b="0"/>
+      </a:effectRef>
+      <a:fontRef idx="minor">
+        <a:schemeClr val="lt1"/>
+      </a:fontRef>
+    </dgm:style>
+  </dgm:styleLbl>
+  <dgm:styleLbl name="parChTrans2D1">
+    <dgm:scene3d>
+      <a:camera prst="orthographicFront"/>
+      <a:lightRig rig="threePt" dir="t"/>
+    </dgm:scene3d>
+    <dgm:sp3d/>
+    <dgm:txPr/>
+    <dgm:style>
+      <a:lnRef idx="2">
+        <a:scrgbClr r="0" g="0" b="0"/>
+      </a:lnRef>
+      <a:fillRef idx="1">
+        <a:scrgbClr r="0" g="0" b="0"/>
+      </a:fillRef>
+      <a:effectRef idx="0">
+        <a:scrgbClr r="0" g="0" b="0"/>
+      </a:effectRef>
+      <a:fontRef idx="minor">
+        <a:schemeClr val="lt1"/>
+      </a:fontRef>
+    </dgm:style>
+  </dgm:styleLbl>
+  <dgm:styleLbl name="parChTrans2D2">
+    <dgm:scene3d>
+      <a:camera prst="orthographicFront"/>
+      <a:lightRig rig="threePt" dir="t"/>
+    </dgm:scene3d>
+    <dgm:sp3d/>
+    <dgm:txPr/>
+    <dgm:style>
+      <a:lnRef idx="2">
+        <a:scrgbClr r="0" g="0" b="0"/>
+      </a:lnRef>
+      <a:fillRef idx="1">
+        <a:scrgbClr r="0" g="0" b="0"/>
+      </a:fillRef>
+      <a:effectRef idx="0">
+        <a:scrgbClr r="0" g="0" b="0"/>
+      </a:effectRef>
+      <a:fontRef idx="minor">
+        <a:schemeClr val="lt1"/>
+      </a:fontRef>
+    </dgm:style>
+  </dgm:styleLbl>
+  <dgm:styleLbl name="parChTrans2D3">
+    <dgm:scene3d>
+      <a:camera prst="orthographicFront"/>
+      <a:lightRig rig="threePt" dir="t"/>
+    </dgm:scene3d>
+    <dgm:sp3d/>
+    <dgm:txPr/>
+    <dgm:style>
+      <a:lnRef idx="2">
+        <a:scrgbClr r="0" g="0" b="0"/>
+      </a:lnRef>
+      <a:fillRef idx="1">
+        <a:scrgbClr r="0" g="0" b="0"/>
+      </a:fillRef>
+      <a:effectRef idx="0">
+        <a:scrgbClr r="0" g="0" b="0"/>
+      </a:effectRef>
+      <a:fontRef idx="minor">
+        <a:schemeClr val="lt1"/>
+      </a:fontRef>
+    </dgm:style>
+  </dgm:styleLbl>
+  <dgm:styleLbl name="parChTrans2D4">
+    <dgm:scene3d>
+      <a:camera prst="orthographicFront"/>
+      <a:lightRig rig="threePt" dir="t"/>
+    </dgm:scene3d>
+    <dgm:sp3d/>
+    <dgm:txPr/>
+    <dgm:style>
+      <a:lnRef idx="2">
+        <a:scrgbClr r="0" g="0" b="0"/>
+      </a:lnRef>
+      <a:fillRef idx="1">
+        <a:scrgbClr r="0" g="0" b="0"/>
+      </a:fillRef>
+      <a:effectRef idx="0">
+        <a:scrgbClr r="0" g="0" b="0"/>
+      </a:effectRef>
+      <a:fontRef idx="minor">
+        <a:schemeClr val="lt1"/>
+      </a:fontRef>
+    </dgm:style>
+  </dgm:styleLbl>
+  <dgm:styleLbl name="parChTrans1D1">
+    <dgm:scene3d>
+      <a:camera prst="orthographicFront"/>
+      <a:lightRig rig="threePt" dir="t"/>
+    </dgm:scene3d>
+    <dgm:sp3d/>
+    <dgm:txPr/>
+    <dgm:style>
+      <a:lnRef idx="2">
+        <a:scrgbClr r="0" g="0" b="0"/>
+      </a:lnRef>
+      <a:fillRef idx="0">
+        <a:scrgbClr r="0" g="0" b="0"/>
+      </a:fillRef>
+      <a:effectRef idx="0">
+        <a:scrgbClr r="0" g="0" b="0"/>
+      </a:effectRef>
+      <a:fontRef idx="minor"/>
+    </dgm:style>
+  </dgm:styleLbl>
+  <dgm:styleLbl name="parChTrans1D2">
+    <dgm:scene3d>
+      <a:camera prst="orthographicFront"/>
+      <a:lightRig rig="threePt" dir="t"/>
+    </dgm:scene3d>
+    <dgm:sp3d/>
+    <dgm:txPr/>
+    <dgm:style>
+      <a:lnRef idx="2">
+        <a:scrgbClr r="0" g="0" b="0"/>
+      </a:lnRef>
+      <a:fillRef idx="0">
+        <a:scrgbClr r="0" g="0" b="0"/>
+      </a:fillRef>
+      <a:effectRef idx="0">
+        <a:scrgbClr r="0" g="0" b="0"/>
+      </a:effectRef>
+      <a:fontRef idx="minor"/>
+    </dgm:style>
+  </dgm:styleLbl>
+  <dgm:styleLbl name="parChTrans1D3">
+    <dgm:scene3d>
+      <a:camera prst="orthographicFront"/>
+      <a:lightRig rig="threePt" dir="t"/>
+    </dgm:scene3d>
+    <dgm:sp3d/>
+    <dgm:txPr/>
+    <dgm:style>
+      <a:lnRef idx="2">
+        <a:scrgbClr r="0" g="0" b="0"/>
+      </a:lnRef>
+      <a:fillRef idx="0">
+        <a:scrgbClr r="0" g="0" b="0"/>
+      </a:fillRef>
+      <a:effectRef idx="0">
+        <a:scrgbClr r="0" g="0" b="0"/>
+      </a:effectRef>
+      <a:fontRef idx="minor"/>
+    </dgm:style>
+  </dgm:styleLbl>
+  <dgm:styleLbl name="parChTrans1D4">
+    <dgm:scene3d>
+      <a:camera prst="orthographicFront"/>
+      <a:lightRig rig="threePt" dir="t"/>
+    </dgm:scene3d>
+    <dgm:sp3d/>
+    <dgm:txPr/>
+    <dgm:style>
+      <a:lnRef idx="2">
+        <a:scrgbClr r="0" g="0" b="0"/>
+      </a:lnRef>
+      <a:fillRef idx="0">
+        <a:scrgbClr r="0" g="0" b="0"/>
+      </a:fillRef>
+      <a:effectRef idx="0">
+        <a:scrgbClr r="0" g="0" b="0"/>
+      </a:effectRef>
+      <a:fontRef idx="minor"/>
+    </dgm:style>
+  </dgm:styleLbl>
+  <dgm:styleLbl name="fgAcc1">
+    <dgm:scene3d>
+      <a:camera prst="orthographicFront"/>
+      <a:lightRig rig="threePt" dir="t"/>
+    </dgm:scene3d>
+    <dgm:sp3d/>
+    <dgm:txPr/>
+    <dgm:style>
+      <a:lnRef idx="2">
+        <a:scrgbClr r="0" g="0" b="0"/>
+      </a:lnRef>
+      <a:fillRef idx="1">
+        <a:scrgbClr r="0" g="0" b="0"/>
+      </a:fillRef>
+      <a:effectRef idx="0">
+        <a:scrgbClr r="0" g="0" b="0"/>
+      </a:effectRef>
+      <a:fontRef idx="minor"/>
+    </dgm:style>
+  </dgm:styleLbl>
+  <dgm:styleLbl name="conFgAcc1">
+    <dgm:scene3d>
+      <a:camera prst="orthographicFront"/>
+      <a:lightRig rig="threePt" dir="t"/>
+    </dgm:scene3d>
+    <dgm:sp3d/>
+    <dgm:txPr/>
+    <dgm:style>
+      <a:lnRef idx="2">
+        <a:scrgbClr r="0" g="0" b="0"/>
+      </a:lnRef>
+      <a:fillRef idx="1">
+        <a:scrgbClr r="0" g="0" b="0"/>
+      </a:fillRef>
+      <a:effectRef idx="0">
+        <a:scrgbClr r="0" g="0" b="0"/>
+      </a:effectRef>
+      <a:fontRef idx="minor"/>
+    </dgm:style>
+  </dgm:styleLbl>
+  <dgm:styleLbl name="alignAcc1">
+    <dgm:scene3d>
+      <a:camera prst="orthographicFront"/>
+      <a:lightRig rig="threePt" dir="t"/>
+    </dgm:scene3d>
+    <dgm:sp3d/>
+    <dgm:txPr/>
+    <dgm:style>
+      <a:lnRef idx="2">
+        <a:scrgbClr r="0" g="0" b="0"/>
+      </a:lnRef>
+      <a:fillRef idx="1">
+        <a:scrgbClr r="0" g="0" b="0"/>
+      </a:fillRef>
+      <a:effectRef idx="0">
+        <a:scrgbClr r="0" g="0" b="0"/>
+      </a:effectRef>
+      <a:fontRef idx="minor"/>
+    </dgm:style>
+  </dgm:styleLbl>
+  <dgm:styleLbl name="trAlignAcc1">
+    <dgm:scene3d>
+      <a:camera prst="orthographicFront"/>
+      <a:lightRig rig="threePt" dir="t"/>
+    </dgm:scene3d>
+    <dgm:sp3d/>
+    <dgm:txPr/>
+    <dgm:style>
+      <a:lnRef idx="1">
+        <a:scrgbClr r="0" g="0" b="0"/>
+      </a:lnRef>
+      <a:fillRef idx="1">
+        <a:scrgbClr r="0" g="0" b="0"/>
+      </a:fillRef>
+      <a:effectRef idx="0">
+        <a:scrgbClr r="0" g="0" b="0"/>
+      </a:effectRef>
+      <a:fontRef idx="minor"/>
+    </dgm:style>
+  </dgm:styleLbl>
+  <dgm:styleLbl name="bgAcc1">
+    <dgm:scene3d>
+      <a:camera prst="orthographicFront"/>
+      <a:lightRig rig="threePt" dir="t"/>
+    </dgm:scene3d>
+    <dgm:sp3d/>
+    <dgm:txPr/>
+    <dgm:style>
+      <a:lnRef idx="2">
+        <a:scrgbClr r="0" g="0" b="0"/>
+      </a:lnRef>
+      <a:fillRef idx="1">
+        <a:scrgbClr r="0" g="0" b="0"/>
+      </a:fillRef>
+      <a:effectRef idx="0">
+        <a:scrgbClr r="0" g="0" b="0"/>
+      </a:effectRef>
+      <a:fontRef idx="minor"/>
+    </dgm:style>
+  </dgm:styleLbl>
+  <dgm:styleLbl name="solidFgAcc1">
+    <dgm:scene3d>
+      <a:camera prst="orthographicFront"/>
+      <a:lightRig rig="threePt" dir="t"/>
+    </dgm:scene3d>
+    <dgm:sp3d/>
+    <dgm:txPr/>
+    <dgm:style>
+      <a:lnRef idx="2">
+        <a:scrgbClr r="0" g="0" b="0"/>
+      </a:lnRef>
+      <a:fillRef idx="1">
+        <a:scrgbClr r="0" g="0" b="0"/>
+      </a:fillRef>
+      <a:effectRef idx="0">
+        <a:scrgbClr r="0" g="0" b="0"/>
+      </a:effectRef>
+      <a:fontRef idx="minor"/>
+    </dgm:style>
+  </dgm:styleLbl>
+  <dgm:styleLbl name="solidAlignAcc1">
+    <dgm:scene3d>
+      <a:camera prst="orthographicFront"/>
+      <a:lightRig rig="threePt" dir="t"/>
+    </dgm:scene3d>
+    <dgm:sp3d/>
+    <dgm:txPr/>
+    <dgm:style>
+      <a:lnRef idx="2">
+        <a:scrgbClr r="0" g="0" b="0"/>
+      </a:lnRef>
+      <a:fillRef idx="1">
+        <a:scrgbClr r="0" g="0" b="0"/>
+      </a:fillRef>
+      <a:effectRef idx="0">
+        <a:scrgbClr r="0" g="0" b="0"/>
+      </a:effectRef>
+      <a:fontRef idx="minor"/>
+    </dgm:style>
+  </dgm:styleLbl>
+  <dgm:styleLbl name="solidBgAcc1">
+    <dgm:scene3d>
+      <a:camera prst="orthographicFront"/>
+      <a:lightRig rig="threePt" dir="t"/>
+    </dgm:scene3d>
+    <dgm:sp3d/>
+    <dgm:txPr/>
+    <dgm:style>
+      <a:lnRef idx="2">
+        <a:scrgbClr r="0" g="0" b="0"/>
+      </a:lnRef>
+      <a:fillRef idx="1">
+        <a:scrgbClr r="0" g="0" b="0"/>
+      </a:fillRef>
+      <a:effectRef idx="0">
+        <a:scrgbClr r="0" g="0" b="0"/>
+      </a:effectRef>
+      <a:fontRef idx="minor"/>
+    </dgm:style>
+  </dgm:styleLbl>
+  <dgm:styleLbl name="fgAccFollowNode1">
+    <dgm:scene3d>
+      <a:camera prst="orthographicFront"/>
+      <a:lightRig rig="threePt" dir="t"/>
+    </dgm:scene3d>
+    <dgm:sp3d/>
+    <dgm:txPr/>
+    <dgm:style>
+      <a:lnRef idx="2">
+        <a:scrgbClr r="0" g="0" b="0"/>
+      </a:lnRef>
+      <a:fillRef idx="1">
+        <a:scrgbClr r="0" g="0" b="0"/>
+      </a:fillRef>
+      <a:effectRef idx="0">
+        <a:scrgbClr r="0" g="0" b="0"/>
+      </a:effectRef>
+      <a:fontRef idx="minor"/>
+    </dgm:style>
+  </dgm:styleLbl>
+  <dgm:styleLbl name="alignAccFollowNode1">
+    <dgm:scene3d>
+      <a:camera prst="orthographicFront"/>
+      <a:lightRig rig="threePt" dir="t"/>
+    </dgm:scene3d>
+    <dgm:sp3d/>
+    <dgm:txPr/>
+    <dgm:style>
+      <a:lnRef idx="2">
+        <a:scrgbClr r="0" g="0" b="0"/>
+      </a:lnRef>
+      <a:fillRef idx="1">
+        <a:scrgbClr r="0" g="0" b="0"/>
+      </a:fillRef>
+      <a:effectRef idx="0">
+        <a:scrgbClr r="0" g="0" b="0"/>
+      </a:effectRef>
+      <a:fontRef idx="minor"/>
+    </dgm:style>
+  </dgm:styleLbl>
+  <dgm:styleLbl name="bgAccFollowNode1">
+    <dgm:scene3d>
+      <a:camera prst="orthographicFront"/>
+      <a:lightRig rig="threePt" dir="t"/>
+    </dgm:scene3d>
+    <dgm:sp3d/>
+    <dgm:txPr/>
+    <dgm:style>
+      <a:lnRef idx="2">
+        <a:scrgbClr r="0" g="0" b="0"/>
+      </a:lnRef>
+      <a:fillRef idx="1">
+        <a:scrgbClr r="0" g="0" b="0"/>
+      </a:fillRef>
+      <a:effectRef idx="0">
+        <a:scrgbClr r="0" g="0" b="0"/>
+      </a:effectRef>
+      <a:fontRef idx="minor"/>
+    </dgm:style>
+  </dgm:styleLbl>
+  <dgm:styleLbl name="fgAcc0">
+    <dgm:scene3d>
+      <a:camera prst="orthographicFront"/>
+      <a:lightRig rig="threePt" dir="t"/>
+    </dgm:scene3d>
+    <dgm:sp3d/>
+    <dgm:txPr/>
+    <dgm:style>
+      <a:lnRef idx="2">
+        <a:scrgbClr r="0" g="0" b="0"/>
+      </a:lnRef>
+      <a:fillRef idx="1">
+        <a:scrgbClr r="0" g="0" b="0"/>
+      </a:fillRef>
+      <a:effectRef idx="0">
+        <a:scrgbClr r="0" g="0" b="0"/>
+      </a:effectRef>
+      <a:fontRef idx="minor"/>
+    </dgm:style>
+  </dgm:styleLbl>
+  <dgm:styleLbl name="fgAcc2">
+    <dgm:scene3d>
+      <a:camera prst="orthographicFront"/>
+      <a:lightRig rig="threePt" dir="t"/>
+    </dgm:scene3d>
+    <dgm:sp3d/>
+    <dgm:txPr/>
+    <dgm:style>
+      <a:lnRef idx="2">
+        <a:scrgbClr r="0" g="0" b="0"/>
+      </a:lnRef>
+      <a:fillRef idx="1">
+        <a:scrgbClr r="0" g="0" b="0"/>
+      </a:fillRef>
+      <a:effectRef idx="0">
+        <a:scrgbClr r="0" g="0" b="0"/>
+      </a:effectRef>
+      <a:fontRef idx="minor"/>
+    </dgm:style>
+  </dgm:styleLbl>
+  <dgm:styleLbl name="fgAcc3">
+    <dgm:scene3d>
+      <a:camera prst="orthographicFront"/>
+      <a:lightRig rig="threePt" dir="t"/>
+    </dgm:scene3d>
+    <dgm:sp3d/>
+    <dgm:txPr/>
+    <dgm:style>
+      <a:lnRef idx="2">
+        <a:scrgbClr r="0" g="0" b="0"/>
+      </a:lnRef>
+      <a:fillRef idx="1">
+        <a:scrgbClr r="0" g="0" b="0"/>
+      </a:fillRef>
+      <a:effectRef idx="0">
+        <a:scrgbClr r="0" g="0" b="0"/>
+      </a:effectRef>
+      <a:fontRef idx="minor"/>
+    </dgm:style>
+  </dgm:styleLbl>
+  <dgm:styleLbl name="fgAcc4">
+    <dgm:scene3d>
+      <a:camera prst="orthographicFront"/>
+      <a:lightRig rig="threePt" dir="t"/>
+    </dgm:scene3d>
+    <dgm:sp3d/>
+    <dgm:txPr/>
+    <dgm:style>
+      <a:lnRef idx="2">
+        <a:scrgbClr r="0" g="0" b="0"/>
+      </a:lnRef>
+      <a:fillRef idx="1">
+        <a:scrgbClr r="0" g="0" b="0"/>
+      </a:fillRef>
+      <a:effectRef idx="0">
+        <a:scrgbClr r="0" g="0" b="0"/>
+      </a:effectRef>
+      <a:fontRef idx="minor"/>
+    </dgm:style>
+  </dgm:styleLbl>
+  <dgm:styleLbl name="bgShp">
+    <dgm:scene3d>
+      <a:camera prst="orthographicFront"/>
+      <a:lightRig rig="threePt" dir="t"/>
+    </dgm:scene3d>
+    <dgm:sp3d/>
+    <dgm:txPr/>
+    <dgm:style>
+      <a:lnRef idx="0">
+        <a:scrgbClr r="0" g="0" b="0"/>
+      </a:lnRef>
+      <a:fillRef idx="1">
+        <a:scrgbClr r="0" g="0" b="0"/>
+      </a:fillRef>
+      <a:effectRef idx="0">
+        <a:scrgbClr r="0" g="0" b="0"/>
+      </a:effectRef>
+      <a:fontRef idx="minor"/>
+    </dgm:style>
+  </dgm:styleLbl>
+  <dgm:styleLbl name="dkBgShp">
+    <dgm:scene3d>
+      <a:camera prst="orthographicFront"/>
+      <a:lightRig rig="threePt" dir="t"/>
+    </dgm:scene3d>
+    <dgm:sp3d/>
+    <dgm:txPr/>
+    <dgm:style>
+      <a:lnRef idx="0">
+        <a:scrgbClr r="0" g="0" b="0"/>
+      </a:lnRef>
+      <a:fillRef idx="1">
+        <a:scrgbClr r="0" g="0" b="0"/>
+      </a:fillRef>
+      <a:effectRef idx="0">
+        <a:scrgbClr r="0" g="0" b="0"/>
+      </a:effectRef>
+      <a:fontRef idx="minor"/>
+    </dgm:style>
+  </dgm:styleLbl>
+  <dgm:styleLbl name="trBgShp">
+    <dgm:scene3d>
+      <a:camera prst="orthographicFront"/>
+      <a:lightRig rig="threePt" dir="t"/>
+    </dgm:scene3d>
+    <dgm:sp3d/>
+    <dgm:txPr/>
+    <dgm:style>
+      <a:lnRef idx="0">
+        <a:scrgbClr r="0" g="0" b="0"/>
+      </a:lnRef>
+      <a:fillRef idx="1">
+        <a:scrgbClr r="0" g="0" b="0"/>
+      </a:fillRef>
+      <a:effectRef idx="0">
+        <a:scrgbClr r="0" g="0" b="0"/>
+      </a:effectRef>
+      <a:fontRef idx="minor"/>
+    </dgm:style>
+  </dgm:styleLbl>
+  <dgm:styleLbl name="fgShp">
+    <dgm:scene3d>
+      <a:camera prst="orthographicFront"/>
+      <a:lightRig rig="threePt" dir="t"/>
+    </dgm:scene3d>
+    <dgm:sp3d/>
+    <dgm:txPr/>
+    <dgm:style>
+      <a:lnRef idx="2">
+        <a:scrgbClr r="0" g="0" b="0"/>
+      </a:lnRef>
+      <a:fillRef idx="1">
+        <a:scrgbClr r="0" g="0" b="0"/>
+      </a:fillRef>
+      <a:effectRef idx="0">
+        <a:scrgbClr r="0" g="0" b="0"/>
+      </a:effectRef>
+      <a:fontRef idx="minor"/>
+    </dgm:style>
+  </dgm:styleLbl>
+  <dgm:styleLbl name="revTx">
+    <dgm:scene3d>
+      <a:camera prst="orthographicFront"/>
+      <a:lightRig rig="threePt" dir="t"/>
+    </dgm:scene3d>
+    <dgm:sp3d/>
+    <dgm:txPr/>
+    <dgm:style>
+      <a:lnRef idx="0">
+        <a:scrgbClr r="0" g="0" b="0"/>
+      </a:lnRef>
+      <a:fillRef idx="0">
+        <a:scrgbClr r="0" g="0" b="0"/>
+      </a:fillRef>
+      <a:effectRef idx="0">
+        <a:scrgbClr r="0" g="0" b="0"/>
+      </a:effectRef>
+      <a:fontRef idx="minor"/>
+    </dgm:style>
+  </dgm:styleLbl>
+</dgm:styleDef>
+</file>
+
+<file path=ppt/diagrams/quickStyle2.xml><?xml version="1.0" encoding="utf-8"?>
+<dgm:styleDef xmlns:dgm="http://schemas.openxmlformats.org/drawingml/2006/diagram" xmlns:a="http://schemas.openxmlformats.org/drawingml/2006/main" uniqueId="urn:microsoft.com/office/officeart/2005/8/quickstyle/simple1">
+  <dgm:title val=""/>
+  <dgm:desc val=""/>
+  <dgm:catLst>
+    <dgm:cat type="simple" pri="10100"/>
+  </dgm:catLst>
+  <dgm:scene3d>
+    <a:camera prst="orthographicFront"/>
+    <a:lightRig rig="threePt" dir="t"/>
+  </dgm:scene3d>
+  <dgm:styleLbl name="node0">
+    <dgm:scene3d>
+      <a:camera prst="orthographicFront"/>
+      <a:lightRig rig="threePt" dir="t"/>
+    </dgm:scene3d>
+    <dgm:sp3d/>
+    <dgm:txPr/>
+    <dgm:style>
+      <a:lnRef idx="2">
+        <a:scrgbClr r="0" g="0" b="0"/>
+      </a:lnRef>
+      <a:fillRef idx="1">
+        <a:scrgbClr r="0" g="0" b="0"/>
+      </a:fillRef>
+      <a:effectRef idx="0">
+        <a:scrgbClr r="0" g="0" b="0"/>
+      </a:effectRef>
+      <a:fontRef idx="minor">
+        <a:schemeClr val="lt1"/>
+      </a:fontRef>
+    </dgm:style>
+  </dgm:styleLbl>
+  <dgm:styleLbl name="lnNode1">
+    <dgm:scene3d>
+      <a:camera prst="orthographicFront"/>
+      <a:lightRig rig="threePt" dir="t"/>
+    </dgm:scene3d>
+    <dgm:sp3d/>
+    <dgm:txPr/>
+    <dgm:style>
+      <a:lnRef idx="2">
+        <a:scrgbClr r="0" g="0" b="0"/>
+      </a:lnRef>
+      <a:fillRef idx="1">
+        <a:scrgbClr r="0" g="0" b="0"/>
+      </a:fillRef>
+      <a:effectRef idx="0">
+        <a:scrgbClr r="0" g="0" b="0"/>
+      </a:effectRef>
+      <a:fontRef idx="minor">
+        <a:schemeClr val="lt1"/>
+      </a:fontRef>
+    </dgm:style>
+  </dgm:styleLbl>
+  <dgm:styleLbl name="vennNode1">
+    <dgm:scene3d>
+      <a:camera prst="orthographicFront"/>
+      <a:lightRig rig="threePt" dir="t"/>
+    </dgm:scene3d>
+    <dgm:sp3d/>
+    <dgm:txPr/>
+    <dgm:style>
+      <a:lnRef idx="2">
+        <a:scrgbClr r="0" g="0" b="0"/>
+      </a:lnRef>
+      <a:fillRef idx="1">
+        <a:scrgbClr r="0" g="0" b="0"/>
+      </a:fillRef>
+      <a:effectRef idx="0">
+        <a:scrgbClr r="0" g="0" b="0"/>
+      </a:effectRef>
+      <a:fontRef idx="minor">
+        <a:schemeClr val="tx1"/>
+      </a:fontRef>
+    </dgm:style>
+  </dgm:styleLbl>
+  <dgm:styleLbl name="alignNode1">
+    <dgm:scene3d>
+      <a:camera prst="orthographicFront"/>
+      <a:lightRig rig="threePt" dir="t"/>
+    </dgm:scene3d>
+    <dgm:sp3d/>
+    <dgm:txPr/>
+    <dgm:style>
+      <a:lnRef idx="2">
+        <a:scrgbClr r="0" g="0" b="0"/>
+      </a:lnRef>
+      <a:fillRef idx="1">
+        <a:scrgbClr r="0" g="0" b="0"/>
+      </a:fillRef>
+      <a:effectRef idx="0">
+        <a:scrgbClr r="0" g="0" b="0"/>
+      </a:effectRef>
+      <a:fontRef idx="minor">
+        <a:schemeClr val="lt1"/>
+      </a:fontRef>
+    </dgm:style>
+  </dgm:styleLbl>
+  <dgm:styleLbl name="node1">
+    <dgm:scene3d>
+      <a:camera prst="orthographicFront"/>
+      <a:lightRig rig="threePt" dir="t"/>
+    </dgm:scene3d>
+    <dgm:sp3d/>
+    <dgm:txPr/>
+    <dgm:style>
+      <a:lnRef idx="2">
+        <a:scrgbClr r="0" g="0" b="0"/>
+      </a:lnRef>
+      <a:fillRef idx="1">
+        <a:scrgbClr r="0" g="0" b="0"/>
+      </a:fillRef>
+      <a:effectRef idx="0">
+        <a:scrgbClr r="0" g="0" b="0"/>
+      </a:effectRef>
+      <a:fontRef idx="minor">
+        <a:schemeClr val="lt1"/>
+      </a:fontRef>
+    </dgm:style>
+  </dgm:styleLbl>
+  <dgm:styleLbl name="node2">
+    <dgm:scene3d>
+      <a:camera prst="orthographicFront"/>
+      <a:lightRig rig="threePt" dir="t"/>
+    </dgm:scene3d>
+    <dgm:sp3d/>
+    <dgm:txPr/>
+    <dgm:style>
+      <a:lnRef idx="2">
+        <a:scrgbClr r="0" g="0" b="0"/>
+      </a:lnRef>
+      <a:fillRef idx="1">
+        <a:scrgbClr r="0" g="0" b="0"/>
+      </a:fillRef>
+      <a:effectRef idx="0">
+        <a:scrgbClr r="0" g="0" b="0"/>
+      </a:effectRef>
+      <a:fontRef idx="minor">
+        <a:schemeClr val="lt1"/>
+      </a:fontRef>
+    </dgm:style>
+  </dgm:styleLbl>
+  <dgm:styleLbl name="node3">
+    <dgm:scene3d>
+      <a:camera prst="orthographicFront"/>
+      <a:lightRig rig="threePt" dir="t"/>
+    </dgm:scene3d>
+    <dgm:sp3d/>
+    <dgm:txPr/>
+    <dgm:style>
+      <a:lnRef idx="2">
+        <a:scrgbClr r="0" g="0" b="0"/>
+      </a:lnRef>
+      <a:fillRef idx="1">
+        <a:scrgbClr r="0" g="0" b="0"/>
+      </a:fillRef>
+      <a:effectRef idx="0">
+        <a:scrgbClr r="0" g="0" b="0"/>
+      </a:effectRef>
+      <a:fontRef idx="minor">
+        <a:schemeClr val="lt1"/>
+      </a:fontRef>
+    </dgm:style>
+  </dgm:styleLbl>
+  <dgm:styleLbl name="node4">
+    <dgm:scene3d>
+      <a:camera prst="orthographicFront"/>
+      <a:lightRig rig="threePt" dir="t"/>
+    </dgm:scene3d>
+    <dgm:sp3d/>
+    <dgm:txPr/>
+    <dgm:style>
+      <a:lnRef idx="2">
+        <a:scrgbClr r="0" g="0" b="0"/>
+      </a:lnRef>
+      <a:fillRef idx="1">
+        <a:scrgbClr r="0" g="0" b="0"/>
+      </a:fillRef>
+      <a:effectRef idx="0">
+        <a:scrgbClr r="0" g="0" b="0"/>
+      </a:effectRef>
+      <a:fontRef idx="minor">
+        <a:schemeClr val="lt1"/>
+      </a:fontRef>
+    </dgm:style>
+  </dgm:styleLbl>
+  <dgm:styleLbl name="fgImgPlace1">
+    <dgm:scene3d>
+      <a:camera prst="orthographicFront"/>
+      <a:lightRig rig="threePt" dir="t"/>
+    </dgm:scene3d>
+    <dgm:sp3d/>
+    <dgm:txPr/>
+    <dgm:style>
+      <a:lnRef idx="2">
+        <a:scrgbClr r="0" g="0" b="0"/>
+      </a:lnRef>
+      <a:fillRef idx="1">
+        <a:scrgbClr r="0" g="0" b="0"/>
+      </a:fillRef>
+      <a:effectRef idx="0">
+        <a:scrgbClr r="0" g="0" b="0"/>
+      </a:effectRef>
+      <a:fontRef idx="minor"/>
+    </dgm:style>
+  </dgm:styleLbl>
+  <dgm:styleLbl name="alignImgPlace1">
+    <dgm:scene3d>
+      <a:camera prst="orthographicFront"/>
+      <a:lightRig rig="threePt" dir="t"/>
+    </dgm:scene3d>
+    <dgm:sp3d/>
+    <dgm:txPr/>
+    <dgm:style>
+      <a:lnRef idx="2">
+        <a:scrgbClr r="0" g="0" b="0"/>
+      </a:lnRef>
+      <a:fillRef idx="1">
+        <a:scrgbClr r="0" g="0" b="0"/>
+      </a:fillRef>
+      <a:effectRef idx="0">
+        <a:scrgbClr r="0" g="0" b="0"/>
+      </a:effectRef>
+      <a:fontRef idx="minor"/>
+    </dgm:style>
+  </dgm:styleLbl>
+  <dgm:styleLbl name="bgImgPlace1">
+    <dgm:scene3d>
+      <a:camera prst="orthographicFront"/>
+      <a:lightRig rig="threePt" dir="t"/>
+    </dgm:scene3d>
+    <dgm:sp3d/>
+    <dgm:txPr/>
+    <dgm:style>
+      <a:lnRef idx="2">
+        <a:scrgbClr r="0" g="0" b="0"/>
+      </a:lnRef>
+      <a:fillRef idx="1">
+        <a:scrgbClr r="0" g="0" b="0"/>
+      </a:fillRef>
+      <a:effectRef idx="0">
+        <a:scrgbClr r="0" g="0" b="0"/>
+      </a:effectRef>
+      <a:fontRef idx="minor"/>
+    </dgm:style>
+  </dgm:styleLbl>
+  <dgm:styleLbl name="sibTrans2D1">
+    <dgm:scene3d>
+      <a:camera prst="orthographicFront"/>
+      <a:lightRig rig="threePt" dir="t"/>
+    </dgm:scene3d>
+    <dgm:sp3d/>
+    <dgm:txPr/>
+    <dgm:style>
+      <a:lnRef idx="0">
+        <a:scrgbClr r="0" g="0" b="0"/>
+      </a:lnRef>
+      <a:fillRef idx="1">
+        <a:scrgbClr r="0" g="0" b="0"/>
+      </a:fillRef>
+      <a:effectRef idx="0">
+        <a:scrgbClr r="0" g="0" b="0"/>
+      </a:effectRef>
+      <a:fontRef idx="minor">
+        <a:schemeClr val="lt1"/>
+      </a:fontRef>
+    </dgm:style>
+  </dgm:styleLbl>
+  <dgm:styleLbl name="fgSibTrans2D1">
+    <dgm:scene3d>
+      <a:camera prst="orthographicFront"/>
+      <a:lightRig rig="threePt" dir="t"/>
+    </dgm:scene3d>
+    <dgm:sp3d/>
+    <dgm:txPr/>
+    <dgm:style>
+      <a:lnRef idx="0">
+        <a:scrgbClr r="0" g="0" b="0"/>
+      </a:lnRef>
+      <a:fillRef idx="1">
+        <a:scrgbClr r="0" g="0" b="0"/>
+      </a:fillRef>
+      <a:effectRef idx="0">
+        <a:scrgbClr r="0" g="0" b="0"/>
+      </a:effectRef>
+      <a:fontRef idx="minor">
+        <a:schemeClr val="lt1"/>
+      </a:fontRef>
+    </dgm:style>
+  </dgm:styleLbl>
+  <dgm:styleLbl name="bgSibTrans2D1">
+    <dgm:scene3d>
+      <a:camera prst="orthographicFront"/>
+      <a:lightRig rig="threePt" dir="t"/>
+    </dgm:scene3d>
+    <dgm:sp3d/>
+    <dgm:txPr/>
+    <dgm:style>
+      <a:lnRef idx="0">
+        <a:scrgbClr r="0" g="0" b="0"/>
+      </a:lnRef>
+      <a:fillRef idx="1">
+        <a:scrgbClr r="0" g="0" b="0"/>
+      </a:fillRef>
+      <a:effectRef idx="0">
+        <a:scrgbClr r="0" g="0" b="0"/>
+      </a:effectRef>
+      <a:fontRef idx="minor">
+        <a:schemeClr val="lt1"/>
+      </a:fontRef>
+    </dgm:style>
+  </dgm:styleLbl>
+  <dgm:styleLbl name="sibTrans1D1">
+    <dgm:scene3d>
+      <a:camera prst="orthographicFront"/>
+      <a:lightRig rig="threePt" dir="t"/>
+    </dgm:scene3d>
+    <dgm:sp3d/>
+    <dgm:txPr/>
+    <dgm:style>
+      <a:lnRef idx="1">
+        <a:scrgbClr r="0" g="0" b="0"/>
+      </a:lnRef>
+      <a:fillRef idx="0">
+        <a:scrgbClr r="0" g="0" b="0"/>
+      </a:fillRef>
+      <a:effectRef idx="0">
+        <a:scrgbClr r="0" g="0" b="0"/>
+      </a:effectRef>
+      <a:fontRef idx="minor"/>
+    </dgm:style>
+  </dgm:styleLbl>
+  <dgm:styleLbl name="callout">
+    <dgm:scene3d>
+      <a:camera prst="orthographicFront"/>
+      <a:lightRig rig="threePt" dir="t"/>
+    </dgm:scene3d>
+    <dgm:sp3d/>
+    <dgm:txPr/>
+    <dgm:style>
+      <a:lnRef idx="2">
+        <a:scrgbClr r="0" g="0" b="0"/>
+      </a:lnRef>
+      <a:fillRef idx="1">
+        <a:scrgbClr r="0" g="0" b="0"/>
+      </a:fillRef>
+      <a:effectRef idx="0">
+        <a:scrgbClr r="0" g="0" b="0"/>
+      </a:effectRef>
+      <a:fontRef idx="minor"/>
+    </dgm:style>
+  </dgm:styleLbl>
+  <dgm:styleLbl name="asst0">
+    <dgm:scene3d>
+      <a:camera prst="orthographicFront"/>
+      <a:lightRig rig="threePt" dir="t"/>
+    </dgm:scene3d>
+    <dgm:sp3d/>
+    <dgm:txPr/>
+    <dgm:style>
+      <a:lnRef idx="2">
+        <a:scrgbClr r="0" g="0" b="0"/>
+      </a:lnRef>
+      <a:fillRef idx="1">
+        <a:scrgbClr r="0" g="0" b="0"/>
+      </a:fillRef>
+      <a:effectRef idx="0">
+        <a:scrgbClr r="0" g="0" b="0"/>
+      </a:effectRef>
+      <a:fontRef idx="minor">
+        <a:schemeClr val="lt1"/>
+      </a:fontRef>
+    </dgm:style>
+  </dgm:styleLbl>
+  <dgm:styleLbl name="asst1">
+    <dgm:scene3d>
+      <a:camera prst="orthographicFront"/>
+      <a:lightRig rig="threePt" dir="t"/>
+    </dgm:scene3d>
+    <dgm:sp3d/>
+    <dgm:txPr/>
+    <dgm:style>
+      <a:lnRef idx="2">
+        <a:scrgbClr r="0" g="0" b="0"/>
+      </a:lnRef>
+      <a:fillRef idx="1">
+        <a:scrgbClr r="0" g="0" b="0"/>
+      </a:fillRef>
+      <a:effectRef idx="0">
+        <a:scrgbClr r="0" g="0" b="0"/>
+      </a:effectRef>
+      <a:fontRef idx="minor">
+        <a:schemeClr val="lt1"/>
+      </a:fontRef>
+    </dgm:style>
+  </dgm:styleLbl>
+  <dgm:styleLbl name="asst2">
+    <dgm:scene3d>
+      <a:camera prst="orthographicFront"/>
+      <a:lightRig rig="threePt" dir="t"/>
+    </dgm:scene3d>
+    <dgm:sp3d/>
+    <dgm:txPr/>
+    <dgm:style>
+      <a:lnRef idx="2">
+        <a:scrgbClr r="0" g="0" b="0"/>
+      </a:lnRef>
+      <a:fillRef idx="1">
+        <a:scrgbClr r="0" g="0" b="0"/>
+      </a:fillRef>
+      <a:effectRef idx="0">
+        <a:scrgbClr r="0" g="0" b="0"/>
+      </a:effectRef>
+      <a:fontRef idx="minor">
+        <a:schemeClr val="lt1"/>
+      </a:fontRef>
+    </dgm:style>
+  </dgm:styleLbl>
+  <dgm:styleLbl name="asst3">
+    <dgm:scene3d>
+      <a:camera prst="orthographicFront"/>
+      <a:lightRig rig="threePt" dir="t"/>
+    </dgm:scene3d>
+    <dgm:sp3d/>
+    <dgm:txPr/>
+    <dgm:style>
+      <a:lnRef idx="2">
+        <a:scrgbClr r="0" g="0" b="0"/>
+      </a:lnRef>
+      <a:fillRef idx="1">
+        <a:scrgbClr r="0" g="0" b="0"/>
+      </a:fillRef>
+      <a:effectRef idx="0">
+        <a:scrgbClr r="0" g="0" b="0"/>
+      </a:effectRef>
+      <a:fontRef idx="minor">
+        <a:schemeClr val="lt1"/>
+      </a:fontRef>
+    </dgm:style>
+  </dgm:styleLbl>
+  <dgm:styleLbl name="asst4">
+    <dgm:scene3d>
+      <a:camera prst="orthographicFront"/>
+      <a:lightRig rig="threePt" dir="t"/>
+    </dgm:scene3d>
+    <dgm:sp3d/>
+    <dgm:txPr/>
+    <dgm:style>
+      <a:lnRef idx="2">
+        <a:scrgbClr r="0" g="0" b="0"/>
+      </a:lnRef>
+      <a:fillRef idx="1">
+        <a:scrgbClr r="0" g="0" b="0"/>
+      </a:fillRef>
+      <a:effectRef idx="0">
+        <a:scrgbClr r="0" g="0" b="0"/>
+      </a:effectRef>
+      <a:fontRef idx="minor">
+        <a:schemeClr val="lt1"/>
+      </a:fontRef>
+    </dgm:style>
+  </dgm:styleLbl>
+  <dgm:styleLbl name="parChTrans2D1">
+    <dgm:scene3d>
+      <a:camera prst="orthographicFront"/>
+      <a:lightRig rig="threePt" dir="t"/>
+    </dgm:scene3d>
+    <dgm:sp3d/>
+    <dgm:txPr/>
+    <dgm:style>
+      <a:lnRef idx="2">
+        <a:scrgbClr r="0" g="0" b="0"/>
+      </a:lnRef>
+      <a:fillRef idx="1">
+        <a:scrgbClr r="0" g="0" b="0"/>
+      </a:fillRef>
+      <a:effectRef idx="0">
+        <a:scrgbClr r="0" g="0" b="0"/>
+      </a:effectRef>
+      <a:fontRef idx="minor">
+        <a:schemeClr val="lt1"/>
+      </a:fontRef>
+    </dgm:style>
+  </dgm:styleLbl>
+  <dgm:styleLbl name="parChTrans2D2">
+    <dgm:scene3d>
+      <a:camera prst="orthographicFront"/>
+      <a:lightRig rig="threePt" dir="t"/>
+    </dgm:scene3d>
+    <dgm:sp3d/>
+    <dgm:txPr/>
+    <dgm:style>
+      <a:lnRef idx="2">
+        <a:scrgbClr r="0" g="0" b="0"/>
+      </a:lnRef>
+      <a:fillRef idx="1">
+        <a:scrgbClr r="0" g="0" b="0"/>
+      </a:fillRef>
+      <a:effectRef idx="0">
+        <a:scrgbClr r="0" g="0" b="0"/>
+      </a:effectRef>
+      <a:fontRef idx="minor">
+        <a:schemeClr val="lt1"/>
+      </a:fontRef>
+    </dgm:style>
+  </dgm:styleLbl>
+  <dgm:styleLbl name="parChTrans2D3">
+    <dgm:scene3d>
+      <a:camera prst="orthographicFront"/>
+      <a:lightRig rig="threePt" dir="t"/>
+    </dgm:scene3d>
+    <dgm:sp3d/>
+    <dgm:txPr/>
+    <dgm:style>
+      <a:lnRef idx="2">
+        <a:scrgbClr r="0" g="0" b="0"/>
+      </a:lnRef>
+      <a:fillRef idx="1">
+        <a:scrgbClr r="0" g="0" b="0"/>
+      </a:fillRef>
+      <a:effectRef idx="0">
+        <a:scrgbClr r="0" g="0" b="0"/>
+      </a:effectRef>
+      <a:fontRef idx="minor">
+        <a:schemeClr val="lt1"/>
+      </a:fontRef>
+    </dgm:style>
+  </dgm:styleLbl>
+  <dgm:styleLbl name="parChTrans2D4">
+    <dgm:scene3d>
+      <a:camera prst="orthographicFront"/>
+      <a:lightRig rig="threePt" dir="t"/>
+    </dgm:scene3d>
+    <dgm:sp3d/>
+    <dgm:txPr/>
+    <dgm:style>
+      <a:lnRef idx="2">
+        <a:scrgbClr r="0" g="0" b="0"/>
+      </a:lnRef>
+      <a:fillRef idx="1">
+        <a:scrgbClr r="0" g="0" b="0"/>
+      </a:fillRef>
+      <a:effectRef idx="0">
+        <a:scrgbClr r="0" g="0" b="0"/>
+      </a:effectRef>
+      <a:fontRef idx="minor">
+        <a:schemeClr val="lt1"/>
+      </a:fontRef>
+    </dgm:style>
+  </dgm:styleLbl>
+  <dgm:styleLbl name="parChTrans1D1">
+    <dgm:scene3d>
+      <a:camera prst="orthographicFront"/>
+      <a:lightRig rig="threePt" dir="t"/>
+    </dgm:scene3d>
+    <dgm:sp3d/>
+    <dgm:txPr/>
+    <dgm:style>
+      <a:lnRef idx="2">
+        <a:scrgbClr r="0" g="0" b="0"/>
+      </a:lnRef>
+      <a:fillRef idx="0">
+        <a:scrgbClr r="0" g="0" b="0"/>
+      </a:fillRef>
+      <a:effectRef idx="0">
+        <a:scrgbClr r="0" g="0" b="0"/>
+      </a:effectRef>
+      <a:fontRef idx="minor"/>
+    </dgm:style>
+  </dgm:styleLbl>
+  <dgm:styleLbl name="parChTrans1D2">
+    <dgm:scene3d>
+      <a:camera prst="orthographicFront"/>
+      <a:lightRig rig="threePt" dir="t"/>
+    </dgm:scene3d>
+    <dgm:sp3d/>
+    <dgm:txPr/>
+    <dgm:style>
+      <a:lnRef idx="2">
+        <a:scrgbClr r="0" g="0" b="0"/>
+      </a:lnRef>
+      <a:fillRef idx="0">
+        <a:scrgbClr r="0" g="0" b="0"/>
+      </a:fillRef>
+      <a:effectRef idx="0">
+        <a:scrgbClr r="0" g="0" b="0"/>
+      </a:effectRef>
+      <a:fontRef idx="minor"/>
+    </dgm:style>
+  </dgm:styleLbl>
+  <dgm:styleLbl name="parChTrans1D3">
+    <dgm:scene3d>
+      <a:camera prst="orthographicFront"/>
+      <a:lightRig rig="threePt" dir="t"/>
+    </dgm:scene3d>
+    <dgm:sp3d/>
+    <dgm:txPr/>
+    <dgm:style>
+      <a:lnRef idx="2">
+        <a:scrgbClr r="0" g="0" b="0"/>
+      </a:lnRef>
+      <a:fillRef idx="0">
+        <a:scrgbClr r="0" g="0" b="0"/>
+      </a:fillRef>
+      <a:effectRef idx="0">
+        <a:scrgbClr r="0" g="0" b="0"/>
+      </a:effectRef>
+      <a:fontRef idx="minor"/>
+    </dgm:style>
+  </dgm:styleLbl>
+  <dgm:styleLbl name="parChTrans1D4">
+    <dgm:scene3d>
+      <a:camera prst="orthographicFront"/>
+      <a:lightRig rig="threePt" dir="t"/>
+    </dgm:scene3d>
+    <dgm:sp3d/>
+    <dgm:txPr/>
+    <dgm:style>
+      <a:lnRef idx="2">
+        <a:scrgbClr r="0" g="0" b="0"/>
+      </a:lnRef>
+      <a:fillRef idx="0">
+        <a:scrgbClr r="0" g="0" b="0"/>
+      </a:fillRef>
+      <a:effectRef idx="0">
+        <a:scrgbClr r="0" g="0" b="0"/>
+      </a:effectRef>
+      <a:fontRef idx="minor"/>
+    </dgm:style>
+  </dgm:styleLbl>
+  <dgm:styleLbl name="fgAcc1">
+    <dgm:scene3d>
+      <a:camera prst="orthographicFront"/>
+      <a:lightRig rig="threePt" dir="t"/>
+    </dgm:scene3d>
+    <dgm:sp3d/>
+    <dgm:txPr/>
+    <dgm:style>
+      <a:lnRef idx="2">
+        <a:scrgbClr r="0" g="0" b="0"/>
+      </a:lnRef>
+      <a:fillRef idx="1">
+        <a:scrgbClr r="0" g="0" b="0"/>
+      </a:fillRef>
+      <a:effectRef idx="0">
+        <a:scrgbClr r="0" g="0" b="0"/>
+      </a:effectRef>
+      <a:fontRef idx="minor"/>
+    </dgm:style>
+  </dgm:styleLbl>
+  <dgm:styleLbl name="conFgAcc1">
+    <dgm:scene3d>
+      <a:camera prst="orthographicFront"/>
+      <a:lightRig rig="threePt" dir="t"/>
+    </dgm:scene3d>
+    <dgm:sp3d/>
+    <dgm:txPr/>
+    <dgm:style>
+      <a:lnRef idx="2">
+        <a:scrgbClr r="0" g="0" b="0"/>
+      </a:lnRef>
+      <a:fillRef idx="1">
+        <a:scrgbClr r="0" g="0" b="0"/>
+      </a:fillRef>
+      <a:effectRef idx="0">
+        <a:scrgbClr r="0" g="0" b="0"/>
+      </a:effectRef>
+      <a:fontRef idx="minor"/>
+    </dgm:style>
+  </dgm:styleLbl>
+  <dgm:styleLbl name="alignAcc1">
+    <dgm:scene3d>
+      <a:camera prst="orthographicFront"/>
+      <a:lightRig rig="threePt" dir="t"/>
+    </dgm:scene3d>
+    <dgm:sp3d/>
+    <dgm:txPr/>
+    <dgm:style>
+      <a:lnRef idx="2">
+        <a:scrgbClr r="0" g="0" b="0"/>
+      </a:lnRef>
+      <a:fillRef idx="1">
+        <a:scrgbClr r="0" g="0" b="0"/>
+      </a:fillRef>
+      <a:effectRef idx="0">
+        <a:scrgbClr r="0" g="0" b="0"/>
+      </a:effectRef>
+      <a:fontRef idx="minor"/>
+    </dgm:style>
+  </dgm:styleLbl>
+  <dgm:styleLbl name="trAlignAcc1">
+    <dgm:scene3d>
+      <a:camera prst="orthographicFront"/>
+      <a:lightRig rig="threePt" dir="t"/>
+    </dgm:scene3d>
+    <dgm:sp3d/>
+    <dgm:txPr/>
+    <dgm:style>
+      <a:lnRef idx="1">
+        <a:scrgbClr r="0" g="0" b="0"/>
+      </a:lnRef>
+      <a:fillRef idx="1">
+        <a:scrgbClr r="0" g="0" b="0"/>
+      </a:fillRef>
+      <a:effectRef idx="0">
+        <a:scrgbClr r="0" g="0" b="0"/>
+      </a:effectRef>
+      <a:fontRef idx="minor"/>
+    </dgm:style>
+  </dgm:styleLbl>
+  <dgm:styleLbl name="bgAcc1">
+    <dgm:scene3d>
+      <a:camera prst="orthographicFront"/>
+      <a:lightRig rig="threePt" dir="t"/>
+    </dgm:scene3d>
+    <dgm:sp3d/>
+    <dgm:txPr/>
+    <dgm:style>
+      <a:lnRef idx="2">
+        <a:scrgbClr r="0" g="0" b="0"/>
+      </a:lnRef>
+      <a:fillRef idx="1">
+        <a:scrgbClr r="0" g="0" b="0"/>
+      </a:fillRef>
+      <a:effectRef idx="0">
+        <a:scrgbClr r="0" g="0" b="0"/>
+      </a:effectRef>
+      <a:fontRef idx="minor"/>
+    </dgm:style>
+  </dgm:styleLbl>
+  <dgm:styleLbl name="solidFgAcc1">
+    <dgm:scene3d>
+      <a:camera prst="orthographicFront"/>
+      <a:lightRig rig="threePt" dir="t"/>
+    </dgm:scene3d>
+    <dgm:sp3d/>
+    <dgm:txPr/>
+    <dgm:style>
+      <a:lnRef idx="2">
+        <a:scrgbClr r="0" g="0" b="0"/>
+      </a:lnRef>
+      <a:fillRef idx="1">
+        <a:scrgbClr r="0" g="0" b="0"/>
+      </a:fillRef>
+      <a:effectRef idx="0">
+        <a:scrgbClr r="0" g="0" b="0"/>
+      </a:effectRef>
+      <a:fontRef idx="minor"/>
+    </dgm:style>
+  </dgm:styleLbl>
+  <dgm:styleLbl name="solidAlignAcc1">
+    <dgm:scene3d>
+      <a:camera prst="orthographicFront"/>
+      <a:lightRig rig="threePt" dir="t"/>
+    </dgm:scene3d>
+    <dgm:sp3d/>
+    <dgm:txPr/>
+    <dgm:style>
+      <a:lnRef idx="2">
+        <a:scrgbClr r="0" g="0" b="0"/>
+      </a:lnRef>
+      <a:fillRef idx="1">
+        <a:scrgbClr r="0" g="0" b="0"/>
+      </a:fillRef>
+      <a:effectRef idx="0">
+        <a:scrgbClr r="0" g="0" b="0"/>
+      </a:effectRef>
+      <a:fontRef idx="minor"/>
+    </dgm:style>
+  </dgm:styleLbl>
+  <dgm:styleLbl name="solidBgAcc1">
+    <dgm:scene3d>
+      <a:camera prst="orthographicFront"/>
+      <a:lightRig rig="threePt" dir="t"/>
+    </dgm:scene3d>
+    <dgm:sp3d/>
+    <dgm:txPr/>
+    <dgm:style>
+      <a:lnRef idx="2">
+        <a:scrgbClr r="0" g="0" b="0"/>
+      </a:lnRef>
+      <a:fillRef idx="1">
+        <a:scrgbClr r="0" g="0" b="0"/>
+      </a:fillRef>
+      <a:effectRef idx="0">
+        <a:scrgbClr r="0" g="0" b="0"/>
+      </a:effectRef>
+      <a:fontRef idx="minor"/>
+    </dgm:style>
+  </dgm:styleLbl>
+  <dgm:styleLbl name="fgAccFollowNode1">
+    <dgm:scene3d>
+      <a:camera prst="orthographicFront"/>
+      <a:lightRig rig="threePt" dir="t"/>
+    </dgm:scene3d>
+    <dgm:sp3d/>
+    <dgm:txPr/>
+    <dgm:style>
+      <a:lnRef idx="2">
+        <a:scrgbClr r="0" g="0" b="0"/>
+      </a:lnRef>
+      <a:fillRef idx="1">
+        <a:scrgbClr r="0" g="0" b="0"/>
+      </a:fillRef>
+      <a:effectRef idx="0">
+        <a:scrgbClr r="0" g="0" b="0"/>
+      </a:effectRef>
+      <a:fontRef idx="minor"/>
+    </dgm:style>
+  </dgm:styleLbl>
+  <dgm:styleLbl name="alignAccFollowNode1">
+    <dgm:scene3d>
+      <a:camera prst="orthographicFront"/>
+      <a:lightRig rig="threePt" dir="t"/>
+    </dgm:scene3d>
+    <dgm:sp3d/>
+    <dgm:txPr/>
+    <dgm:style>
+      <a:lnRef idx="2">
+        <a:scrgbClr r="0" g="0" b="0"/>
+      </a:lnRef>
+      <a:fillRef idx="1">
+        <a:scrgbClr r="0" g="0" b="0"/>
+      </a:fillRef>
+      <a:effectRef idx="0">
+        <a:scrgbClr r="0" g="0" b="0"/>
+      </a:effectRef>
+      <a:fontRef idx="minor"/>
+    </dgm:style>
+  </dgm:styleLbl>
+  <dgm:styleLbl name="bgAccFollowNode1">
+    <dgm:scene3d>
+      <a:camera prst="orthographicFront"/>
+      <a:lightRig rig="threePt" dir="t"/>
+    </dgm:scene3d>
+    <dgm:sp3d/>
+    <dgm:txPr/>
+    <dgm:style>
+      <a:lnRef idx="2">
+        <a:scrgbClr r="0" g="0" b="0"/>
+      </a:lnRef>
+      <a:fillRef idx="1">
+        <a:scrgbClr r="0" g="0" b="0"/>
+      </a:fillRef>
+      <a:effectRef idx="0">
+        <a:scrgbClr r="0" g="0" b="0"/>
+      </a:effectRef>
+      <a:fontRef idx="minor"/>
+    </dgm:style>
+  </dgm:styleLbl>
+  <dgm:styleLbl name="fgAcc0">
+    <dgm:scene3d>
+      <a:camera prst="orthographicFront"/>
+      <a:lightRig rig="threePt" dir="t"/>
+    </dgm:scene3d>
+    <dgm:sp3d/>
+    <dgm:txPr/>
+    <dgm:style>
+      <a:lnRef idx="2">
+        <a:scrgbClr r="0" g="0" b="0"/>
+      </a:lnRef>
+      <a:fillRef idx="1">
+        <a:scrgbClr r="0" g="0" b="0"/>
+      </a:fillRef>
+      <a:effectRef idx="0">
+        <a:scrgbClr r="0" g="0" b="0"/>
+      </a:effectRef>
+      <a:fontRef idx="minor"/>
+    </dgm:style>
+  </dgm:styleLbl>
+  <dgm:styleLbl name="fgAcc2">
+    <dgm:scene3d>
+      <a:camera prst="orthographicFront"/>
+      <a:lightRig rig="threePt" dir="t"/>
+    </dgm:scene3d>
+    <dgm:sp3d/>
+    <dgm:txPr/>
+    <dgm:style>
+      <a:lnRef idx="2">
+        <a:scrgbClr r="0" g="0" b="0"/>
+      </a:lnRef>
+      <a:fillRef idx="1">
+        <a:scrgbClr r="0" g="0" b="0"/>
+      </a:fillRef>
+      <a:effectRef idx="0">
+        <a:scrgbClr r="0" g="0" b="0"/>
+      </a:effectRef>
+      <a:fontRef idx="minor"/>
+    </dgm:style>
+  </dgm:styleLbl>
+  <dgm:styleLbl name="fgAcc3">
+    <dgm:scene3d>
+      <a:camera prst="orthographicFront"/>
+      <a:lightRig rig="threePt" dir="t"/>
+    </dgm:scene3d>
+    <dgm:sp3d/>
+    <dgm:txPr/>
+    <dgm:style>
+      <a:lnRef idx="2">
+        <a:scrgbClr r="0" g="0" b="0"/>
+      </a:lnRef>
+      <a:fillRef idx="1">
+        <a:scrgbClr r="0" g="0" b="0"/>
+      </a:fillRef>
+      <a:effectRef idx="0">
+        <a:scrgbClr r="0" g="0" b="0"/>
+      </a:effectRef>
+      <a:fontRef idx="minor"/>
+    </dgm:style>
+  </dgm:styleLbl>
+  <dgm:styleLbl name="fgAcc4">
+    <dgm:scene3d>
+      <a:camera prst="orthographicFront"/>
+      <a:lightRig rig="threePt" dir="t"/>
+    </dgm:scene3d>
+    <dgm:sp3d/>
+    <dgm:txPr/>
+    <dgm:style>
+      <a:lnRef idx="2">
+        <a:scrgbClr r="0" g="0" b="0"/>
+      </a:lnRef>
+      <a:fillRef idx="1">
+        <a:scrgbClr r="0" g="0" b="0"/>
+      </a:fillRef>
+      <a:effectRef idx="0">
+        <a:scrgbClr r="0" g="0" b="0"/>
+      </a:effectRef>
+      <a:fontRef idx="minor"/>
+    </dgm:style>
+  </dgm:styleLbl>
+  <dgm:styleLbl name="bgShp">
+    <dgm:scene3d>
+      <a:camera prst="orthographicFront"/>
+      <a:lightRig rig="threePt" dir="t"/>
+    </dgm:scene3d>
+    <dgm:sp3d/>
+    <dgm:txPr/>
+    <dgm:style>
+      <a:lnRef idx="0">
+        <a:scrgbClr r="0" g="0" b="0"/>
+      </a:lnRef>
+      <a:fillRef idx="1">
+        <a:scrgbClr r="0" g="0" b="0"/>
+      </a:fillRef>
+      <a:effectRef idx="0">
+        <a:scrgbClr r="0" g="0" b="0"/>
+      </a:effectRef>
+      <a:fontRef idx="minor"/>
+    </dgm:style>
+  </dgm:styleLbl>
+  <dgm:styleLbl name="dkBgShp">
+    <dgm:scene3d>
+      <a:camera prst="orthographicFront"/>
+      <a:lightRig rig="threePt" dir="t"/>
+    </dgm:scene3d>
+    <dgm:sp3d/>
+    <dgm:txPr/>
+    <dgm:style>
+      <a:lnRef idx="0">
+        <a:scrgbClr r="0" g="0" b="0"/>
+      </a:lnRef>
+      <a:fillRef idx="1">
+        <a:scrgbClr r="0" g="0" b="0"/>
+      </a:fillRef>
+      <a:effectRef idx="0">
+        <a:scrgbClr r="0" g="0" b="0"/>
+      </a:effectRef>
+      <a:fontRef idx="minor"/>
+    </dgm:style>
+  </dgm:styleLbl>
+  <dgm:styleLbl name="trBgShp">
+    <dgm:scene3d>
+      <a:camera prst="orthographicFront"/>
+      <a:lightRig rig="threePt" dir="t"/>
+    </dgm:scene3d>
+    <dgm:sp3d/>
+    <dgm:txPr/>
+    <dgm:style>
+      <a:lnRef idx="0">
+        <a:scrgbClr r="0" g="0" b="0"/>
+      </a:lnRef>
+      <a:fillRef idx="1">
+        <a:scrgbClr r="0" g="0" b="0"/>
+      </a:fillRef>
+      <a:effectRef idx="0">
+        <a:scrgbClr r="0" g="0" b="0"/>
+      </a:effectRef>
+      <a:fontRef idx="minor"/>
+    </dgm:style>
+  </dgm:styleLbl>
+  <dgm:styleLbl name="fgShp">
+    <dgm:scene3d>
+      <a:camera prst="orthographicFront"/>
+      <a:lightRig rig="threePt" dir="t"/>
+    </dgm:scene3d>
+    <dgm:sp3d/>
+    <dgm:txPr/>
+    <dgm:style>
+      <a:lnRef idx="2">
+        <a:scrgbClr r="0" g="0" b="0"/>
+      </a:lnRef>
+      <a:fillRef idx="1">
+        <a:scrgbClr r="0" g="0" b="0"/>
+      </a:fillRef>
+      <a:effectRef idx="0">
+        <a:scrgbClr r="0" g="0" b="0"/>
+      </a:effectRef>
+      <a:fontRef idx="minor"/>
+    </dgm:style>
+  </dgm:styleLbl>
+  <dgm:styleLbl name="revTx">
+    <dgm:scene3d>
+      <a:camera prst="orthographicFront"/>
+      <a:lightRig rig="threePt" dir="t"/>
+    </dgm:scene3d>
+    <dgm:sp3d/>
+    <dgm:txPr/>
+    <dgm:style>
+      <a:lnRef idx="0">
+        <a:scrgbClr r="0" g="0" b="0"/>
+      </a:lnRef>
+      <a:fillRef idx="0">
+        <a:scrgbClr r="0" g="0" b="0"/>
+      </a:fillRef>
+      <a:effectRef idx="0">
+        <a:scrgbClr r="0" g="0" b="0"/>
+      </a:effectRef>
+      <a:fontRef idx="minor"/>
+    </dgm:style>
+  </dgm:styleLbl>
+</dgm:styleDef>
 </file>
 
 <file path=ppt/notesMasters/notesMaster1.xml><?xml version="1.0" encoding="utf-8"?>
@@ -1699,7 +6893,7 @@
     </p:spTree>
     <p:extLst>
       <p:ext uri="{BB962C8B-B14F-4D97-AF65-F5344CB8AC3E}">
-        <p14:creationId xmlns:p14="http://schemas.microsoft.com/office/powerpoint/2010/main" val="1699898441"/>
+        <p14:creationId xmlns:p14="http://schemas.microsoft.com/office/powerpoint/2010/main" val="74110409"/>
       </p:ext>
     </p:extLst>
   </p:cSld>
@@ -1755,7 +6949,13 @@
           <a:p>
             <a:r>
               <a:rPr lang="en-US" dirty="0"/>
-              <a:t>This table provides an overview of what we need to do to try to find the best fit for the model.  The next few slides will provide a breakdown of what we did to transform the data.</a:t>
+              <a:t>Before we actually run the model, we have to clean the database by adding certain information that may add value to our findings.</a:t>
+            </a:r>
+          </a:p>
+          <a:p>
+            <a:r>
+              <a:rPr lang="en-US" dirty="0"/>
+              <a:t>So we added the amenities count column because we believe that it has a positive correlation to the listing price.</a:t>
             </a:r>
           </a:p>
           <a:p>
@@ -1789,7 +6989,7 @@
     </p:spTree>
     <p:extLst>
       <p:ext uri="{BB962C8B-B14F-4D97-AF65-F5344CB8AC3E}">
-        <p14:creationId xmlns:p14="http://schemas.microsoft.com/office/powerpoint/2010/main" val="582048577"/>
+        <p14:creationId xmlns:p14="http://schemas.microsoft.com/office/powerpoint/2010/main" val="1699898441"/>
       </p:ext>
     </p:extLst>
   </p:cSld>
@@ -1845,13 +7045,7 @@
           <a:p>
             <a:r>
               <a:rPr lang="en-US" dirty="0"/>
-              <a:t>First, we needed to replace the blank fields with the averages for that specific column</a:t>
-            </a:r>
-          </a:p>
-          <a:p>
-            <a:r>
-              <a:rPr lang="en-US" dirty="0"/>
-              <a:t>Second, we need to put the data by categories </a:t>
+              <a:t>This table provides an overview of what we need to do to try to find the best fit for the model.  The next few slides will provide a breakdown of what we did to transform the data.</a:t>
             </a:r>
           </a:p>
           <a:p>
@@ -1885,7 +7079,7 @@
     </p:spTree>
     <p:extLst>
       <p:ext uri="{BB962C8B-B14F-4D97-AF65-F5344CB8AC3E}">
-        <p14:creationId xmlns:p14="http://schemas.microsoft.com/office/powerpoint/2010/main" val="2102900166"/>
+        <p14:creationId xmlns:p14="http://schemas.microsoft.com/office/powerpoint/2010/main" val="582048577"/>
       </p:ext>
     </p:extLst>
   </p:cSld>
@@ -1941,13 +7135,13 @@
           <a:p>
             <a:r>
               <a:rPr lang="en-US" dirty="0"/>
-              <a:t>We filtered out major outliers to get the best selection of listings that best represents NYC Airbnb market.</a:t>
+              <a:t>First, we needed to replace the blank fields with the averages for that specific column</a:t>
             </a:r>
           </a:p>
           <a:p>
             <a:r>
               <a:rPr lang="en-US" dirty="0"/>
-              <a:t>We filtered out the outliers by only keeping the </a:t>
+              <a:t>Second, we need to put the data by categorize our data by numerical values which was done from our last project for boroughs, </a:t>
             </a:r>
             <a:r>
               <a:rPr lang="en-US" dirty="0" err="1"/>
@@ -1955,8 +7149,17 @@
             </a:r>
             <a:r>
               <a:rPr lang="en-US" dirty="0"/>
-              <a:t> that  with over 100 listings &amp; the listing prices under $600 so it is more normally distributed.</a:t>
-            </a:r>
+              <a:t> &amp; room type.</a:t>
+            </a:r>
+          </a:p>
+          <a:p>
+            <a:r>
+              <a:rPr lang="en-US" dirty="0"/>
+              <a:t>Then we also, vectorize the most important amenities to get a count for each listing.</a:t>
+            </a:r>
+          </a:p>
+          <a:p>
+            <a:endParaRPr lang="en-US" dirty="0"/>
           </a:p>
         </p:txBody>
       </p:sp>
@@ -1986,7 +7189,7 @@
     </p:spTree>
     <p:extLst>
       <p:ext uri="{BB962C8B-B14F-4D97-AF65-F5344CB8AC3E}">
-        <p14:creationId xmlns:p14="http://schemas.microsoft.com/office/powerpoint/2010/main" val="1272532608"/>
+        <p14:creationId xmlns:p14="http://schemas.microsoft.com/office/powerpoint/2010/main" val="2102900166"/>
       </p:ext>
     </p:extLst>
   </p:cSld>
@@ -2042,52 +7245,16 @@
           <a:p>
             <a:r>
               <a:rPr lang="en-US" dirty="0"/>
-              <a:t>Also, we had to create another dataset for FB prophet as the model runs differently from the other regressor model.</a:t>
-            </a:r>
-          </a:p>
-          <a:p>
-            <a:endParaRPr lang="en-US" dirty="0"/>
-          </a:p>
-          <a:p>
-            <a:pPr marL="285750" indent="-285750">
-              <a:buFont typeface="Arial" panose="020B0604020202020204" pitchFamily="34" charset="0"/>
-              <a:buChar char="•"/>
-            </a:pPr>
-            <a:r>
-              <a:rPr lang="en-US" sz="1200" dirty="0"/>
-              <a:t>Filter for date and price columns</a:t>
-            </a:r>
-          </a:p>
-          <a:p>
-            <a:pPr marL="285750" indent="-285750">
-              <a:buFont typeface="Arial" panose="020B0604020202020204" pitchFamily="34" charset="0"/>
-              <a:buChar char="•"/>
-            </a:pPr>
-            <a:r>
-              <a:rPr lang="en-US" sz="1200" dirty="0"/>
-              <a:t>Format the date to datetime and price to float</a:t>
-            </a:r>
-          </a:p>
-          <a:p>
-            <a:pPr marL="285750" indent="-285750">
-              <a:buFont typeface="Arial" panose="020B0604020202020204" pitchFamily="34" charset="0"/>
-              <a:buChar char="•"/>
-            </a:pPr>
-            <a:r>
-              <a:rPr lang="en-US" sz="1200" dirty="0"/>
-              <a:t>Calculate the daily average for the price</a:t>
-            </a:r>
-          </a:p>
-          <a:p>
-            <a:pPr marL="285750" indent="-285750">
-              <a:buFont typeface="Arial" panose="020B0604020202020204" pitchFamily="34" charset="0"/>
-              <a:buChar char="•"/>
-            </a:pPr>
-            <a:r>
-              <a:rPr lang="en-US" sz="1200" dirty="0"/>
-              <a:t>Rename the date column to ds and price to y</a:t>
-            </a:r>
-            <a:endParaRPr lang="en-US" dirty="0"/>
+              <a:t>To get the best selection of listings that best represents NYC Airbnb market, 2e filtered out the outliers by only keeping the </a:t>
+            </a:r>
+            <a:r>
+              <a:rPr lang="en-US" dirty="0" err="1"/>
+              <a:t>neighbourhoods</a:t>
+            </a:r>
+            <a:r>
+              <a:rPr lang="en-US" dirty="0"/>
+              <a:t> that  with over 100 listings &amp; the listing prices under $600 so it is more normally distributed.</a:t>
+            </a:r>
           </a:p>
         </p:txBody>
       </p:sp>
@@ -2117,7 +7284,7 @@
     </p:spTree>
     <p:extLst>
       <p:ext uri="{BB962C8B-B14F-4D97-AF65-F5344CB8AC3E}">
-        <p14:creationId xmlns:p14="http://schemas.microsoft.com/office/powerpoint/2010/main" val="326417004"/>
+        <p14:creationId xmlns:p14="http://schemas.microsoft.com/office/powerpoint/2010/main" val="1272532608"/>
       </p:ext>
     </p:extLst>
   </p:cSld>
@@ -2173,52 +7340,48 @@
           <a:p>
             <a:r>
               <a:rPr lang="en-US" dirty="0"/>
-              <a:t>Also, we had to create another dataset for FB prophet as the model runs differently from the other regressor model.</a:t>
-            </a:r>
-          </a:p>
-          <a:p>
-            <a:endParaRPr lang="en-US" dirty="0"/>
-          </a:p>
-          <a:p>
-            <a:pPr marL="285750" indent="-285750">
-              <a:buFont typeface="Arial" panose="020B0604020202020204" pitchFamily="34" charset="0"/>
-              <a:buChar char="•"/>
-            </a:pPr>
-            <a:r>
-              <a:rPr lang="en-US" sz="1200" dirty="0"/>
-              <a:t>Filter for date and price columns</a:t>
-            </a:r>
-          </a:p>
-          <a:p>
-            <a:pPr marL="285750" indent="-285750">
-              <a:buFont typeface="Arial" panose="020B0604020202020204" pitchFamily="34" charset="0"/>
-              <a:buChar char="•"/>
-            </a:pPr>
-            <a:r>
-              <a:rPr lang="en-US" sz="1200" dirty="0"/>
-              <a:t>Format the date to datetime and price to float</a:t>
-            </a:r>
-          </a:p>
-          <a:p>
-            <a:pPr marL="285750" indent="-285750">
-              <a:buFont typeface="Arial" panose="020B0604020202020204" pitchFamily="34" charset="0"/>
-              <a:buChar char="•"/>
-            </a:pPr>
-            <a:r>
-              <a:rPr lang="en-US" sz="1200" dirty="0"/>
-              <a:t>Calculate the daily average for the price</a:t>
-            </a:r>
-          </a:p>
-          <a:p>
-            <a:pPr marL="285750" indent="-285750">
-              <a:buFont typeface="Arial" panose="020B0604020202020204" pitchFamily="34" charset="0"/>
-              <a:buChar char="•"/>
-            </a:pPr>
-            <a:r>
-              <a:rPr lang="en-US" sz="1200" dirty="0"/>
-              <a:t>Rename the date column to ds and price to y</a:t>
-            </a:r>
-            <a:endParaRPr lang="en-US" dirty="0"/>
+              <a:t>The </a:t>
+            </a:r>
+            <a:r>
+              <a:rPr lang="en-US" dirty="0" err="1"/>
+              <a:t>facebook</a:t>
+            </a:r>
+            <a:r>
+              <a:rPr lang="en-US" dirty="0"/>
+              <a:t> prophet runs differently than the other regressor model, so we need to create another dataset for this. </a:t>
+            </a:r>
+          </a:p>
+          <a:p>
+            <a:r>
+              <a:rPr lang="en-US" dirty="0"/>
+              <a:t>We used our existing data to find the listings masters data to get the borough and room type.  </a:t>
+            </a:r>
+          </a:p>
+          <a:p>
+            <a:r>
+              <a:rPr lang="en-US" dirty="0"/>
+              <a:t>Then we need to created new datasets to find all the </a:t>
+            </a:r>
+            <a:r>
+              <a:rPr lang="en-US" dirty="0" err="1"/>
+              <a:t>historial</a:t>
+            </a:r>
+            <a:r>
+              <a:rPr lang="en-US" dirty="0"/>
+              <a:t> rates &amp; holiday dates from 2017-2021.  All this information is found on the inside Airbnb &amp; us holiday calendar website. </a:t>
+            </a:r>
+          </a:p>
+          <a:p>
+            <a:r>
+              <a:rPr lang="en-US" dirty="0"/>
+              <a:t>Various methods like concatenation, filtering, merging, renaming columns and calculating the mean were used in Pandas to get our Final output</a:t>
+            </a:r>
+          </a:p>
+          <a:p>
+            <a:r>
+              <a:rPr lang="en-US" dirty="0"/>
+              <a:t>We believe that putting all of this together can help us accurately predict prices based on location, size, trends and seasonality.</a:t>
+            </a:r>
           </a:p>
         </p:txBody>
       </p:sp>
@@ -2248,7 +7411,7 @@
     </p:spTree>
     <p:extLst>
       <p:ext uri="{BB962C8B-B14F-4D97-AF65-F5344CB8AC3E}">
-        <p14:creationId xmlns:p14="http://schemas.microsoft.com/office/powerpoint/2010/main" val="909365500"/>
+        <p14:creationId xmlns:p14="http://schemas.microsoft.com/office/powerpoint/2010/main" val="3798830468"/>
       </p:ext>
     </p:extLst>
   </p:cSld>
@@ -2304,7 +7467,27 @@
           <a:p>
             <a:r>
               <a:rPr lang="en-US" dirty="0"/>
-              <a:t>We have collectively gone through the feature selection process to determine which features we feel that will have the most impact on the listing price.</a:t>
+              <a:t>The next step is that we need to select the right features that impact the price.  We collectively agreed that features like location, the room type, # of bedrooms/bathrooms, amenities count are some of the major driving force that impacts what the hosts charge for </a:t>
+            </a:r>
+            <a:r>
+              <a:rPr lang="en-US"/>
+              <a:t>their Airbnb.</a:t>
+            </a:r>
+          </a:p>
+          <a:p>
+            <a:endParaRPr lang="en-US"/>
+          </a:p>
+          <a:p>
+            <a:endParaRPr lang="en-US"/>
+          </a:p>
+          <a:p>
+            <a:r>
+              <a:rPr lang="en-US"/>
+              <a:t> </a:t>
+            </a:r>
+            <a:r>
+              <a:rPr lang="en-US" dirty="0"/>
+              <a:t>find the optimal train-test data split and to normalize the X-values so that they are in the same units for the model to produce to correct results.</a:t>
             </a:r>
           </a:p>
         </p:txBody>
@@ -2335,7 +7518,7 @@
     </p:spTree>
     <p:extLst>
       <p:ext uri="{BB962C8B-B14F-4D97-AF65-F5344CB8AC3E}">
-        <p14:creationId xmlns:p14="http://schemas.microsoft.com/office/powerpoint/2010/main" val="2538897603"/>
+        <p14:creationId xmlns:p14="http://schemas.microsoft.com/office/powerpoint/2010/main" val="3299870767"/>
       </p:ext>
     </p:extLst>
   </p:cSld>
@@ -2391,21 +7574,8 @@
           <a:p>
             <a:r>
               <a:rPr lang="en-US" dirty="0"/>
-              <a:t>We changed the default settings of the test data from 25% to 35% so that will have more data to give a more realistic results of predicting prices.</a:t>
-            </a:r>
-          </a:p>
-          <a:p>
-            <a:r>
-              <a:rPr lang="en-US" b="0" i="0" dirty="0">
-                <a:solidFill>
-                  <a:srgbClr val="202124"/>
-                </a:solidFill>
-                <a:effectLst/>
-                <a:latin typeface="arial" panose="020B0604020202020204" pitchFamily="34" charset="0"/>
-              </a:rPr>
-              <a:t>We need to scale the data to the same units so differences won’t be distorted.  If this is not done, the test results will have major fluctuations.</a:t>
-            </a:r>
-            <a:endParaRPr lang="en-US" dirty="0"/>
+              <a:t>We have collectively gone through the feature selection process to determine which features we feel that will have the most impact on the listing price.</a:t>
+            </a:r>
           </a:p>
         </p:txBody>
       </p:sp>
@@ -2435,7 +7605,7 @@
     </p:spTree>
     <p:extLst>
       <p:ext uri="{BB962C8B-B14F-4D97-AF65-F5344CB8AC3E}">
-        <p14:creationId xmlns:p14="http://schemas.microsoft.com/office/powerpoint/2010/main" val="3053377067"/>
+        <p14:creationId xmlns:p14="http://schemas.microsoft.com/office/powerpoint/2010/main" val="2538897603"/>
       </p:ext>
     </p:extLst>
   </p:cSld>
@@ -6048,7 +11218,7 @@
             <a:p>
               <a:r>
                 <a:rPr lang="en-US" dirty="0"/>
-                <a:t>Facebook Prophet	</a:t>
+                <a:t>Facebook Prophet 	</a:t>
               </a:r>
               <a:endParaRPr lang="en-CA" dirty="0"/>
             </a:p>
@@ -6279,18 +11449,13 @@
           <a:lstStyle/>
           <a:p>
             <a:r>
-              <a:rPr lang="en-US" sz="4000">
+              <a:rPr lang="en-US" sz="4000" dirty="0">
                 <a:solidFill>
                   <a:srgbClr val="EA5E46"/>
                 </a:solidFill>
               </a:rPr>
-              <a:t>Running the Model</a:t>
-            </a:r>
-            <a:endParaRPr lang="en-US" sz="4000" dirty="0">
-              <a:solidFill>
-                <a:srgbClr val="EA5E46"/>
-              </a:solidFill>
-            </a:endParaRPr>
+              <a:t>Model Results</a:t>
+            </a:r>
           </a:p>
         </p:txBody>
       </p:sp>
@@ -6384,59 +11549,6 @@
           </a:fontRef>
         </p:style>
       </p:cxnSp>
-      <p:sp>
-        <p:nvSpPr>
-          <p:cNvPr id="3" name="TextBox 2">
-            <a:extLst>
-              <a:ext uri="{FF2B5EF4-FFF2-40B4-BE49-F238E27FC236}">
-                <a16:creationId xmlns:a16="http://schemas.microsoft.com/office/drawing/2014/main" id="{30193E11-24DC-41C6-98FD-B1F7EC80C36D}"/>
-              </a:ext>
-            </a:extLst>
-          </p:cNvPr>
-          <p:cNvSpPr txBox="1"/>
-          <p:nvPr/>
-        </p:nvSpPr>
-        <p:spPr>
-          <a:xfrm>
-            <a:off x="975854" y="2644077"/>
-            <a:ext cx="10052930" cy="2554545"/>
-          </a:xfrm>
-          <a:prstGeom prst="rect">
-            <a:avLst/>
-          </a:prstGeom>
-          <a:noFill/>
-        </p:spPr>
-        <p:txBody>
-          <a:bodyPr wrap="square" rtlCol="0">
-            <a:spAutoFit/>
-          </a:bodyPr>
-          <a:lstStyle/>
-          <a:p>
-            <a:pPr marL="285750" indent="-285750">
-              <a:buFont typeface="Arial" panose="020B0604020202020204" pitchFamily="34" charset="0"/>
-              <a:buChar char="•"/>
-            </a:pPr>
-            <a:r>
-              <a:rPr lang="en-US" sz="3200" dirty="0"/>
-              <a:t>Change test data from 25% to 35% to provide more data to increase accuracy of the models.</a:t>
-            </a:r>
-          </a:p>
-          <a:p>
-            <a:pPr lvl="1"/>
-            <a:endParaRPr lang="en-US" sz="3200" dirty="0"/>
-          </a:p>
-          <a:p>
-            <a:pPr marL="285750" indent="-285750">
-              <a:buFont typeface="Arial" panose="020B0604020202020204" pitchFamily="34" charset="0"/>
-              <a:buChar char="•"/>
-            </a:pPr>
-            <a:r>
-              <a:rPr lang="en-CA" sz="3200" dirty="0"/>
-              <a:t>Scale the X-values for normalizations to ensure all features are the same unit.</a:t>
-            </a:r>
-          </a:p>
-        </p:txBody>
-      </p:sp>
     </p:spTree>
     <p:extLst>
       <p:ext uri="{BB962C8B-B14F-4D97-AF65-F5344CB8AC3E}">
@@ -7976,6 +13088,265 @@
                   <a:srgbClr val="EA5E46"/>
                 </a:solidFill>
               </a:rPr>
+              <a:t>Database Transformation</a:t>
+            </a:r>
+          </a:p>
+        </p:txBody>
+      </p:sp>
+      <p:pic>
+        <p:nvPicPr>
+          <p:cNvPr id="2050" name="Picture 2" descr="Image result for air bnb logo">
+            <a:extLst>
+              <a:ext uri="{FF2B5EF4-FFF2-40B4-BE49-F238E27FC236}">
+                <a16:creationId xmlns:a16="http://schemas.microsoft.com/office/drawing/2014/main" id="{A162C291-208B-BE48-BF44-7D5CD7EF6151}"/>
+              </a:ext>
+            </a:extLst>
+          </p:cNvPr>
+          <p:cNvPicPr>
+            <a:picLocks noChangeAspect="1" noChangeArrowheads="1"/>
+          </p:cNvPicPr>
+          <p:nvPr/>
+        </p:nvPicPr>
+        <p:blipFill>
+          <a:blip r:embed="rId3">
+            <a:extLst>
+              <a:ext uri="{28A0092B-C50C-407E-A947-70E740481C1C}">
+                <a14:useLocalDpi xmlns:a14="http://schemas.microsoft.com/office/drawing/2010/main" val="0"/>
+              </a:ext>
+            </a:extLst>
+          </a:blip>
+          <a:srcRect/>
+          <a:stretch>
+            <a:fillRect/>
+          </a:stretch>
+        </p:blipFill>
+        <p:spPr bwMode="auto">
+          <a:xfrm>
+            <a:off x="469817" y="108280"/>
+            <a:ext cx="2189605" cy="2022038"/>
+          </a:xfrm>
+          <a:prstGeom prst="rect">
+            <a:avLst/>
+          </a:prstGeom>
+          <a:noFill/>
+          <a:extLst>
+            <a:ext uri="{909E8E84-426E-40DD-AFC4-6F175D3DCCD1}">
+              <a14:hiddenFill xmlns:a14="http://schemas.microsoft.com/office/drawing/2010/main">
+                <a:solidFill>
+                  <a:srgbClr val="FFFFFF"/>
+                </a:solidFill>
+              </a14:hiddenFill>
+            </a:ext>
+          </a:extLst>
+        </p:spPr>
+      </p:pic>
+      <p:cxnSp>
+        <p:nvCxnSpPr>
+          <p:cNvPr id="6" name="Straight Connector 5">
+            <a:extLst>
+              <a:ext uri="{FF2B5EF4-FFF2-40B4-BE49-F238E27FC236}">
+                <a16:creationId xmlns:a16="http://schemas.microsoft.com/office/drawing/2014/main" id="{7D0926DC-6298-B648-9DF9-0D78D09F9FC8}"/>
+              </a:ext>
+            </a:extLst>
+          </p:cNvPr>
+          <p:cNvCxnSpPr>
+            <a:cxnSpLocks/>
+          </p:cNvCxnSpPr>
+          <p:nvPr/>
+        </p:nvCxnSpPr>
+        <p:spPr>
+          <a:xfrm>
+            <a:off x="975854" y="1822090"/>
+            <a:ext cx="9518745" cy="1"/>
+          </a:xfrm>
+          <a:prstGeom prst="line">
+            <a:avLst/>
+          </a:prstGeom>
+          <a:ln w="12700">
+            <a:solidFill>
+              <a:srgbClr val="EA5E46"/>
+            </a:solidFill>
+          </a:ln>
+        </p:spPr>
+        <p:style>
+          <a:lnRef idx="1">
+            <a:schemeClr val="accent2"/>
+          </a:lnRef>
+          <a:fillRef idx="0">
+            <a:schemeClr val="accent2"/>
+          </a:fillRef>
+          <a:effectRef idx="0">
+            <a:schemeClr val="accent2"/>
+          </a:effectRef>
+          <a:fontRef idx="minor">
+            <a:schemeClr val="tx1"/>
+          </a:fontRef>
+        </p:style>
+      </p:cxnSp>
+      <p:graphicFrame>
+        <p:nvGraphicFramePr>
+          <p:cNvPr id="3" name="Diagram 2">
+            <a:extLst>
+              <a:ext uri="{FF2B5EF4-FFF2-40B4-BE49-F238E27FC236}">
+                <a16:creationId xmlns:a16="http://schemas.microsoft.com/office/drawing/2014/main" id="{82C71FB5-8767-4B13-B6DC-A6E8570B3750}"/>
+              </a:ext>
+            </a:extLst>
+          </p:cNvPr>
+          <p:cNvGraphicFramePr/>
+          <p:nvPr>
+            <p:extLst>
+              <p:ext uri="{D42A27DB-BD31-4B8C-83A1-F6EECF244321}">
+                <p14:modId xmlns:p14="http://schemas.microsoft.com/office/powerpoint/2010/main" val="419941829"/>
+              </p:ext>
+            </p:extLst>
+          </p:nvPr>
+        </p:nvGraphicFramePr>
+        <p:xfrm>
+          <a:off x="2032000" y="2022038"/>
+          <a:ext cx="8128000" cy="5081459"/>
+        </p:xfrm>
+        <a:graphic>
+          <a:graphicData uri="http://schemas.openxmlformats.org/drawingml/2006/diagram">
+            <dgm:relIds xmlns:dgm="http://schemas.openxmlformats.org/drawingml/2006/diagram" xmlns:r="http://schemas.openxmlformats.org/officeDocument/2006/relationships" r:dm="rId4" r:lo="rId5" r:qs="rId6" r:cs="rId7"/>
+          </a:graphicData>
+        </a:graphic>
+      </p:graphicFrame>
+      <p:sp>
+        <p:nvSpPr>
+          <p:cNvPr id="7" name="TextBox 6">
+            <a:extLst>
+              <a:ext uri="{FF2B5EF4-FFF2-40B4-BE49-F238E27FC236}">
+                <a16:creationId xmlns:a16="http://schemas.microsoft.com/office/drawing/2014/main" id="{CF63465F-BC18-4EF3-8BBF-2C44DF33E3C6}"/>
+              </a:ext>
+            </a:extLst>
+          </p:cNvPr>
+          <p:cNvSpPr txBox="1"/>
+          <p:nvPr/>
+        </p:nvSpPr>
+        <p:spPr>
+          <a:xfrm>
+            <a:off x="1880946" y="2307280"/>
+            <a:ext cx="1556951" cy="461665"/>
+          </a:xfrm>
+          <a:prstGeom prst="rect">
+            <a:avLst/>
+          </a:prstGeom>
+          <a:noFill/>
+        </p:spPr>
+        <p:txBody>
+          <a:bodyPr wrap="square" rtlCol="0">
+            <a:spAutoFit/>
+          </a:bodyPr>
+          <a:lstStyle/>
+          <a:p>
+            <a:r>
+              <a:rPr lang="en-US" sz="2400" b="1" dirty="0"/>
+              <a:t>EXISTING</a:t>
+            </a:r>
+            <a:endParaRPr lang="en-CA" sz="2400" b="1" dirty="0"/>
+          </a:p>
+        </p:txBody>
+      </p:sp>
+      <p:sp>
+        <p:nvSpPr>
+          <p:cNvPr id="12" name="TextBox 11">
+            <a:extLst>
+              <a:ext uri="{FF2B5EF4-FFF2-40B4-BE49-F238E27FC236}">
+                <a16:creationId xmlns:a16="http://schemas.microsoft.com/office/drawing/2014/main" id="{F7D516A4-D57F-43E9-9281-41F4A8C9416F}"/>
+              </a:ext>
+            </a:extLst>
+          </p:cNvPr>
+          <p:cNvSpPr txBox="1"/>
+          <p:nvPr/>
+        </p:nvSpPr>
+        <p:spPr>
+          <a:xfrm>
+            <a:off x="9499221" y="2254420"/>
+            <a:ext cx="995378" cy="461665"/>
+          </a:xfrm>
+          <a:prstGeom prst="rect">
+            <a:avLst/>
+          </a:prstGeom>
+          <a:noFill/>
+        </p:spPr>
+        <p:txBody>
+          <a:bodyPr wrap="square" rtlCol="0">
+            <a:spAutoFit/>
+          </a:bodyPr>
+          <a:lstStyle/>
+          <a:p>
+            <a:r>
+              <a:rPr lang="en-US" sz="2400" b="1" dirty="0"/>
+              <a:t>NEW</a:t>
+            </a:r>
+            <a:endParaRPr lang="en-CA" sz="2400" b="1" dirty="0"/>
+          </a:p>
+        </p:txBody>
+      </p:sp>
+    </p:spTree>
+    <p:extLst>
+      <p:ext uri="{BB962C8B-B14F-4D97-AF65-F5344CB8AC3E}">
+        <p14:creationId xmlns:p14="http://schemas.microsoft.com/office/powerpoint/2010/main" val="2227089696"/>
+      </p:ext>
+    </p:extLst>
+  </p:cSld>
+  <p:clrMapOvr>
+    <a:masterClrMapping/>
+  </p:clrMapOvr>
+</p:sld>
+</file>
+
+<file path=ppt/slides/slide3.xml><?xml version="1.0" encoding="utf-8"?>
+<p:sld xmlns:a="http://schemas.openxmlformats.org/drawingml/2006/main" xmlns:r="http://schemas.openxmlformats.org/officeDocument/2006/relationships" xmlns:p="http://schemas.openxmlformats.org/presentationml/2006/main">
+  <p:cSld>
+    <p:spTree>
+      <p:nvGrpSpPr>
+        <p:cNvPr id="1" name=""/>
+        <p:cNvGrpSpPr/>
+        <p:nvPr/>
+      </p:nvGrpSpPr>
+      <p:grpSpPr>
+        <a:xfrm>
+          <a:off x="0" y="0"/>
+          <a:ext cx="0" cy="0"/>
+          <a:chOff x="0" y="0"/>
+          <a:chExt cx="0" cy="0"/>
+        </a:xfrm>
+      </p:grpSpPr>
+      <p:sp>
+        <p:nvSpPr>
+          <p:cNvPr id="2" name="Title 1">
+            <a:extLst>
+              <a:ext uri="{FF2B5EF4-FFF2-40B4-BE49-F238E27FC236}">
+                <a16:creationId xmlns:a16="http://schemas.microsoft.com/office/drawing/2014/main" id="{59B8B577-5676-3C4B-A107-E41DB331FD85}"/>
+              </a:ext>
+            </a:extLst>
+          </p:cNvPr>
+          <p:cNvSpPr>
+            <a:spLocks noGrp="1"/>
+          </p:cNvSpPr>
+          <p:nvPr>
+            <p:ph type="title"/>
+          </p:nvPr>
+        </p:nvSpPr>
+        <p:spPr>
+          <a:xfrm>
+            <a:off x="2721982" y="696475"/>
+            <a:ext cx="10515600" cy="1325563"/>
+          </a:xfrm>
+        </p:spPr>
+        <p:txBody>
+          <a:bodyPr>
+            <a:normAutofit/>
+          </a:bodyPr>
+          <a:lstStyle/>
+          <a:p>
+            <a:r>
+              <a:rPr lang="en-US" sz="4000" dirty="0">
+                <a:solidFill>
+                  <a:srgbClr val="EA5E46"/>
+                </a:solidFill>
+              </a:rPr>
               <a:t>Model Data Cleaning – Adding Columns</a:t>
             </a:r>
           </a:p>
@@ -8356,7 +13727,7 @@
 </p:sld>
 </file>
 
-<file path=ppt/slides/slide3.xml><?xml version="1.0" encoding="utf-8"?>
+<file path=ppt/slides/slide4.xml><?xml version="1.0" encoding="utf-8"?>
 <p:sld xmlns:a="http://schemas.openxmlformats.org/drawingml/2006/main" xmlns:r="http://schemas.openxmlformats.org/officeDocument/2006/relationships" xmlns:p="http://schemas.openxmlformats.org/presentationml/2006/main">
   <p:cSld>
     <p:spTree>
@@ -8407,7 +13778,7 @@
                   <a:srgbClr val="EA5E46"/>
                 </a:solidFill>
               </a:rPr>
-              <a:t>Model Data Transformation - Regressor</a:t>
+              <a:t>Model Data Transformation – RF, LGBM, KNN</a:t>
             </a:r>
           </a:p>
         </p:txBody>
@@ -8664,7 +14035,7 @@
 </p:sld>
 </file>
 
-<file path=ppt/slides/slide4.xml><?xml version="1.0" encoding="utf-8"?>
+<file path=ppt/slides/slide5.xml><?xml version="1.0" encoding="utf-8"?>
 <p:sld xmlns:a="http://schemas.openxmlformats.org/drawingml/2006/main" xmlns:r="http://schemas.openxmlformats.org/officeDocument/2006/relationships" xmlns:p="http://schemas.openxmlformats.org/presentationml/2006/main">
   <p:cSld>
     <p:spTree>
@@ -8715,7 +14086,7 @@
                   <a:srgbClr val="EA5E46"/>
                 </a:solidFill>
               </a:rPr>
-              <a:t>Model Data Transformation Methods </a:t>
+              <a:t>Model Data Transformation - RF, LGBM, KNN</a:t>
             </a:r>
           </a:p>
         </p:txBody>
@@ -9477,7 +14848,7 @@
 </p:sld>
 </file>
 
-<file path=ppt/slides/slide5.xml><?xml version="1.0" encoding="utf-8"?>
+<file path=ppt/slides/slide6.xml><?xml version="1.0" encoding="utf-8"?>
 <p:sld xmlns:a="http://schemas.openxmlformats.org/drawingml/2006/main" xmlns:r="http://schemas.openxmlformats.org/officeDocument/2006/relationships" xmlns:p="http://schemas.openxmlformats.org/presentationml/2006/main">
   <p:cSld>
     <p:spTree>
@@ -9528,7 +14899,7 @@
                   <a:srgbClr val="EA5E46"/>
                 </a:solidFill>
               </a:rPr>
-              <a:t>Model Data Transformation Methods</a:t>
+              <a:t>Model Data Transformation - RF, LGBM, KNN</a:t>
             </a:r>
           </a:p>
         </p:txBody>
@@ -9865,7 +15236,7 @@
 </p:sld>
 </file>
 
-<file path=ppt/slides/slide6.xml><?xml version="1.0" encoding="utf-8"?>
+<file path=ppt/slides/slide7.xml><?xml version="1.0" encoding="utf-8"?>
 <p:sld xmlns:a="http://schemas.openxmlformats.org/drawingml/2006/main" xmlns:r="http://schemas.openxmlformats.org/officeDocument/2006/relationships" xmlns:p="http://schemas.openxmlformats.org/presentationml/2006/main">
   <p:cSld>
     <p:spTree>
@@ -9916,7 +15287,552 @@
                   <a:srgbClr val="EA5E46"/>
                 </a:solidFill>
               </a:rPr>
-              <a:t>Model Data Transformation Methods</a:t>
+              <a:t>Model Data Transformation – FB Prophet</a:t>
+            </a:r>
+          </a:p>
+        </p:txBody>
+      </p:sp>
+      <p:pic>
+        <p:nvPicPr>
+          <p:cNvPr id="2050" name="Picture 2" descr="Image result for air bnb logo">
+            <a:extLst>
+              <a:ext uri="{FF2B5EF4-FFF2-40B4-BE49-F238E27FC236}">
+                <a16:creationId xmlns:a16="http://schemas.microsoft.com/office/drawing/2014/main" id="{A162C291-208B-BE48-BF44-7D5CD7EF6151}"/>
+              </a:ext>
+            </a:extLst>
+          </p:cNvPr>
+          <p:cNvPicPr>
+            <a:picLocks noChangeAspect="1" noChangeArrowheads="1"/>
+          </p:cNvPicPr>
+          <p:nvPr/>
+        </p:nvPicPr>
+        <p:blipFill>
+          <a:blip r:embed="rId3">
+            <a:extLst>
+              <a:ext uri="{28A0092B-C50C-407E-A947-70E740481C1C}">
+                <a14:useLocalDpi xmlns:a14="http://schemas.microsoft.com/office/drawing/2010/main" val="0"/>
+              </a:ext>
+            </a:extLst>
+          </a:blip>
+          <a:srcRect/>
+          <a:stretch>
+            <a:fillRect/>
+          </a:stretch>
+        </p:blipFill>
+        <p:spPr bwMode="auto">
+          <a:xfrm>
+            <a:off x="602598" y="108278"/>
+            <a:ext cx="2189605" cy="2022038"/>
+          </a:xfrm>
+          <a:prstGeom prst="rect">
+            <a:avLst/>
+          </a:prstGeom>
+          <a:noFill/>
+          <a:extLst>
+            <a:ext uri="{909E8E84-426E-40DD-AFC4-6F175D3DCCD1}">
+              <a14:hiddenFill xmlns:a14="http://schemas.microsoft.com/office/drawing/2010/main">
+                <a:solidFill>
+                  <a:srgbClr val="FFFFFF"/>
+                </a:solidFill>
+              </a14:hiddenFill>
+            </a:ext>
+          </a:extLst>
+        </p:spPr>
+      </p:pic>
+      <p:cxnSp>
+        <p:nvCxnSpPr>
+          <p:cNvPr id="6" name="Straight Connector 5">
+            <a:extLst>
+              <a:ext uri="{FF2B5EF4-FFF2-40B4-BE49-F238E27FC236}">
+                <a16:creationId xmlns:a16="http://schemas.microsoft.com/office/drawing/2014/main" id="{7D0926DC-6298-B648-9DF9-0D78D09F9FC8}"/>
+              </a:ext>
+            </a:extLst>
+          </p:cNvPr>
+          <p:cNvCxnSpPr>
+            <a:cxnSpLocks/>
+          </p:cNvCxnSpPr>
+          <p:nvPr/>
+        </p:nvCxnSpPr>
+        <p:spPr>
+          <a:xfrm>
+            <a:off x="975854" y="1684829"/>
+            <a:ext cx="9518745" cy="1"/>
+          </a:xfrm>
+          <a:prstGeom prst="line">
+            <a:avLst/>
+          </a:prstGeom>
+          <a:ln w="12700">
+            <a:solidFill>
+              <a:srgbClr val="EA5E46"/>
+            </a:solidFill>
+          </a:ln>
+        </p:spPr>
+        <p:style>
+          <a:lnRef idx="1">
+            <a:schemeClr val="accent2"/>
+          </a:lnRef>
+          <a:fillRef idx="0">
+            <a:schemeClr val="accent2"/>
+          </a:fillRef>
+          <a:effectRef idx="0">
+            <a:schemeClr val="accent2"/>
+          </a:effectRef>
+          <a:fontRef idx="minor">
+            <a:schemeClr val="tx1"/>
+          </a:fontRef>
+        </p:style>
+      </p:cxnSp>
+      <p:grpSp>
+        <p:nvGrpSpPr>
+          <p:cNvPr id="12" name="Group 11">
+            <a:extLst>
+              <a:ext uri="{FF2B5EF4-FFF2-40B4-BE49-F238E27FC236}">
+                <a16:creationId xmlns:a16="http://schemas.microsoft.com/office/drawing/2014/main" id="{89A3254F-F0E8-46BA-BB4A-9D8BD97E785F}"/>
+              </a:ext>
+            </a:extLst>
+          </p:cNvPr>
+          <p:cNvGrpSpPr/>
+          <p:nvPr/>
+        </p:nvGrpSpPr>
+        <p:grpSpPr>
+          <a:xfrm>
+            <a:off x="2202587" y="2130316"/>
+            <a:ext cx="8005783" cy="3558920"/>
+            <a:chOff x="2400295" y="2343113"/>
+            <a:chExt cx="8005783" cy="3558920"/>
+          </a:xfrm>
+        </p:grpSpPr>
+        <p:graphicFrame>
+          <p:nvGraphicFramePr>
+            <p:cNvPr id="5" name="Diagram 4">
+              <a:extLst>
+                <a:ext uri="{FF2B5EF4-FFF2-40B4-BE49-F238E27FC236}">
+                  <a16:creationId xmlns:a16="http://schemas.microsoft.com/office/drawing/2014/main" id="{BD296E75-AC53-4B31-BF69-2D4E95D588CF}"/>
+                </a:ext>
+              </a:extLst>
+            </p:cNvPr>
+            <p:cNvGraphicFramePr/>
+            <p:nvPr>
+              <p:extLst>
+                <p:ext uri="{D42A27DB-BD31-4B8C-83A1-F6EECF244321}">
+                  <p14:modId xmlns:p14="http://schemas.microsoft.com/office/powerpoint/2010/main" val="2413022529"/>
+                </p:ext>
+              </p:extLst>
+            </p:nvPr>
+          </p:nvGraphicFramePr>
+          <p:xfrm>
+            <a:off x="2400295" y="2343113"/>
+            <a:ext cx="8005783" cy="3558920"/>
+          </p:xfrm>
+          <a:graphic>
+            <a:graphicData uri="http://schemas.openxmlformats.org/drawingml/2006/diagram">
+              <dgm:relIds xmlns:dgm="http://schemas.openxmlformats.org/drawingml/2006/diagram" xmlns:r="http://schemas.openxmlformats.org/officeDocument/2006/relationships" r:dm="rId4" r:lo="rId5" r:qs="rId6" r:cs="rId7"/>
+            </a:graphicData>
+          </a:graphic>
+        </p:graphicFrame>
+        <p:sp>
+          <p:nvSpPr>
+            <p:cNvPr id="10" name="TextBox 9">
+              <a:extLst>
+                <a:ext uri="{FF2B5EF4-FFF2-40B4-BE49-F238E27FC236}">
+                  <a16:creationId xmlns:a16="http://schemas.microsoft.com/office/drawing/2014/main" id="{06EFE355-60A1-431A-A607-B061532E9198}"/>
+                </a:ext>
+              </a:extLst>
+            </p:cNvPr>
+            <p:cNvSpPr txBox="1"/>
+            <p:nvPr/>
+          </p:nvSpPr>
+          <p:spPr>
+            <a:xfrm>
+              <a:off x="7137506" y="3289512"/>
+              <a:ext cx="790833" cy="369332"/>
+            </a:xfrm>
+            <a:prstGeom prst="rect">
+              <a:avLst/>
+            </a:prstGeom>
+            <a:noFill/>
+          </p:spPr>
+          <p:txBody>
+            <a:bodyPr wrap="square" rtlCol="0">
+              <a:spAutoFit/>
+            </a:bodyPr>
+            <a:lstStyle/>
+            <a:p>
+              <a:r>
+                <a:rPr lang="en-US" dirty="0"/>
+                <a:t>New</a:t>
+              </a:r>
+              <a:endParaRPr lang="en-CA" dirty="0"/>
+            </a:p>
+          </p:txBody>
+        </p:sp>
+        <p:sp>
+          <p:nvSpPr>
+            <p:cNvPr id="24" name="TextBox 23">
+              <a:extLst>
+                <a:ext uri="{FF2B5EF4-FFF2-40B4-BE49-F238E27FC236}">
+                  <a16:creationId xmlns:a16="http://schemas.microsoft.com/office/drawing/2014/main" id="{1FC8B2AF-BB21-42AF-8C43-60C1F213F3DF}"/>
+                </a:ext>
+              </a:extLst>
+            </p:cNvPr>
+            <p:cNvSpPr txBox="1"/>
+            <p:nvPr/>
+          </p:nvSpPr>
+          <p:spPr>
+            <a:xfrm>
+              <a:off x="5010295" y="3290353"/>
+              <a:ext cx="922639" cy="369332"/>
+            </a:xfrm>
+            <a:prstGeom prst="rect">
+              <a:avLst/>
+            </a:prstGeom>
+            <a:noFill/>
+          </p:spPr>
+          <p:txBody>
+            <a:bodyPr wrap="square" rtlCol="0">
+              <a:spAutoFit/>
+            </a:bodyPr>
+            <a:lstStyle/>
+            <a:p>
+              <a:r>
+                <a:rPr lang="en-US" dirty="0"/>
+                <a:t>Existing</a:t>
+              </a:r>
+              <a:endParaRPr lang="en-CA" dirty="0"/>
+            </a:p>
+          </p:txBody>
+        </p:sp>
+      </p:grpSp>
+    </p:spTree>
+    <p:extLst>
+      <p:ext uri="{BB962C8B-B14F-4D97-AF65-F5344CB8AC3E}">
+        <p14:creationId xmlns:p14="http://schemas.microsoft.com/office/powerpoint/2010/main" val="3072209215"/>
+      </p:ext>
+    </p:extLst>
+  </p:cSld>
+  <p:clrMapOvr>
+    <a:masterClrMapping/>
+  </p:clrMapOvr>
+</p:sld>
+</file>
+
+<file path=ppt/slides/slide8.xml><?xml version="1.0" encoding="utf-8"?>
+<p:sld xmlns:a="http://schemas.openxmlformats.org/drawingml/2006/main" xmlns:r="http://schemas.openxmlformats.org/officeDocument/2006/relationships" xmlns:p="http://schemas.openxmlformats.org/presentationml/2006/main">
+  <p:cSld>
+    <p:spTree>
+      <p:nvGrpSpPr>
+        <p:cNvPr id="1" name=""/>
+        <p:cNvGrpSpPr/>
+        <p:nvPr/>
+      </p:nvGrpSpPr>
+      <p:grpSpPr>
+        <a:xfrm>
+          <a:off x="0" y="0"/>
+          <a:ext cx="0" cy="0"/>
+          <a:chOff x="0" y="0"/>
+          <a:chExt cx="0" cy="0"/>
+        </a:xfrm>
+      </p:grpSpPr>
+      <p:sp>
+        <p:nvSpPr>
+          <p:cNvPr id="2" name="Title 1">
+            <a:extLst>
+              <a:ext uri="{FF2B5EF4-FFF2-40B4-BE49-F238E27FC236}">
+                <a16:creationId xmlns:a16="http://schemas.microsoft.com/office/drawing/2014/main" id="{59B8B577-5676-3C4B-A107-E41DB331FD85}"/>
+              </a:ext>
+            </a:extLst>
+          </p:cNvPr>
+          <p:cNvSpPr>
+            <a:spLocks noGrp="1"/>
+          </p:cNvSpPr>
+          <p:nvPr>
+            <p:ph type="title"/>
+          </p:nvPr>
+        </p:nvSpPr>
+        <p:spPr>
+          <a:xfrm>
+            <a:off x="2721982" y="696475"/>
+            <a:ext cx="10515600" cy="1325563"/>
+          </a:xfrm>
+        </p:spPr>
+        <p:txBody>
+          <a:bodyPr>
+            <a:normAutofit/>
+          </a:bodyPr>
+          <a:lstStyle/>
+          <a:p>
+            <a:r>
+              <a:rPr lang="en-US" sz="4000" dirty="0">
+                <a:solidFill>
+                  <a:srgbClr val="EA5E46"/>
+                </a:solidFill>
+              </a:rPr>
+              <a:t>Model Data Preprocessing</a:t>
+            </a:r>
+          </a:p>
+        </p:txBody>
+      </p:sp>
+      <p:pic>
+        <p:nvPicPr>
+          <p:cNvPr id="2050" name="Picture 2" descr="Image result for air bnb logo">
+            <a:extLst>
+              <a:ext uri="{FF2B5EF4-FFF2-40B4-BE49-F238E27FC236}">
+                <a16:creationId xmlns:a16="http://schemas.microsoft.com/office/drawing/2014/main" id="{A162C291-208B-BE48-BF44-7D5CD7EF6151}"/>
+              </a:ext>
+            </a:extLst>
+          </p:cNvPr>
+          <p:cNvPicPr>
+            <a:picLocks noChangeAspect="1" noChangeArrowheads="1"/>
+          </p:cNvPicPr>
+          <p:nvPr/>
+        </p:nvPicPr>
+        <p:blipFill>
+          <a:blip r:embed="rId3">
+            <a:extLst>
+              <a:ext uri="{28A0092B-C50C-407E-A947-70E740481C1C}">
+                <a14:useLocalDpi xmlns:a14="http://schemas.microsoft.com/office/drawing/2010/main" val="0"/>
+              </a:ext>
+            </a:extLst>
+          </a:blip>
+          <a:srcRect/>
+          <a:stretch>
+            <a:fillRect/>
+          </a:stretch>
+        </p:blipFill>
+        <p:spPr bwMode="auto">
+          <a:xfrm>
+            <a:off x="530564" y="108278"/>
+            <a:ext cx="2189605" cy="2022038"/>
+          </a:xfrm>
+          <a:prstGeom prst="rect">
+            <a:avLst/>
+          </a:prstGeom>
+          <a:noFill/>
+          <a:extLst>
+            <a:ext uri="{909E8E84-426E-40DD-AFC4-6F175D3DCCD1}">
+              <a14:hiddenFill xmlns:a14="http://schemas.microsoft.com/office/drawing/2010/main">
+                <a:solidFill>
+                  <a:srgbClr val="FFFFFF"/>
+                </a:solidFill>
+              </a14:hiddenFill>
+            </a:ext>
+          </a:extLst>
+        </p:spPr>
+      </p:pic>
+      <p:cxnSp>
+        <p:nvCxnSpPr>
+          <p:cNvPr id="6" name="Straight Connector 5">
+            <a:extLst>
+              <a:ext uri="{FF2B5EF4-FFF2-40B4-BE49-F238E27FC236}">
+                <a16:creationId xmlns:a16="http://schemas.microsoft.com/office/drawing/2014/main" id="{7D0926DC-6298-B648-9DF9-0D78D09F9FC8}"/>
+              </a:ext>
+            </a:extLst>
+          </p:cNvPr>
+          <p:cNvCxnSpPr>
+            <a:cxnSpLocks/>
+          </p:cNvCxnSpPr>
+          <p:nvPr/>
+        </p:nvCxnSpPr>
+        <p:spPr>
+          <a:xfrm>
+            <a:off x="975854" y="1684829"/>
+            <a:ext cx="9518745" cy="1"/>
+          </a:xfrm>
+          <a:prstGeom prst="line">
+            <a:avLst/>
+          </a:prstGeom>
+          <a:ln w="12700">
+            <a:solidFill>
+              <a:srgbClr val="EA5E46"/>
+            </a:solidFill>
+          </a:ln>
+        </p:spPr>
+        <p:style>
+          <a:lnRef idx="1">
+            <a:schemeClr val="accent2"/>
+          </a:lnRef>
+          <a:fillRef idx="0">
+            <a:schemeClr val="accent2"/>
+          </a:fillRef>
+          <a:effectRef idx="0">
+            <a:schemeClr val="accent2"/>
+          </a:effectRef>
+          <a:fontRef idx="minor">
+            <a:schemeClr val="tx1"/>
+          </a:fontRef>
+        </p:style>
+      </p:cxnSp>
+      <p:sp>
+        <p:nvSpPr>
+          <p:cNvPr id="4" name="TextBox 3">
+            <a:extLst>
+              <a:ext uri="{FF2B5EF4-FFF2-40B4-BE49-F238E27FC236}">
+                <a16:creationId xmlns:a16="http://schemas.microsoft.com/office/drawing/2014/main" id="{31BE652E-86DC-4FCA-A4E6-8A23BE7D34FE}"/>
+              </a:ext>
+            </a:extLst>
+          </p:cNvPr>
+          <p:cNvSpPr txBox="1"/>
+          <p:nvPr/>
+        </p:nvSpPr>
+        <p:spPr>
+          <a:xfrm>
+            <a:off x="1192261" y="2130316"/>
+            <a:ext cx="9085929" cy="4585871"/>
+          </a:xfrm>
+          <a:prstGeom prst="rect">
+            <a:avLst/>
+          </a:prstGeom>
+          <a:noFill/>
+        </p:spPr>
+        <p:txBody>
+          <a:bodyPr wrap="square" rtlCol="0">
+            <a:spAutoFit/>
+          </a:bodyPr>
+          <a:lstStyle/>
+          <a:p>
+            <a:r>
+              <a:rPr lang="en-US" sz="2400" dirty="0"/>
+              <a:t>RF, LGBM, KNN Regressors</a:t>
+            </a:r>
+          </a:p>
+          <a:p>
+            <a:endParaRPr lang="en-US" sz="1400" dirty="0"/>
+          </a:p>
+          <a:p>
+            <a:pPr marL="457200" indent="-457200">
+              <a:buFont typeface="Arial" panose="020B0604020202020204" pitchFamily="34" charset="0"/>
+              <a:buChar char="•"/>
+            </a:pPr>
+            <a:r>
+              <a:rPr lang="en-US" sz="2000" dirty="0"/>
+              <a:t>X-value of features listed below that may have the most impact y-value of the listing price</a:t>
+            </a:r>
+          </a:p>
+          <a:p>
+            <a:endParaRPr lang="en-US" sz="1200" dirty="0"/>
+          </a:p>
+          <a:p>
+            <a:pPr marL="457200" indent="-457200">
+              <a:buFont typeface="Arial" panose="020B0604020202020204" pitchFamily="34" charset="0"/>
+              <a:buChar char="•"/>
+            </a:pPr>
+            <a:r>
+              <a:rPr lang="en-US" sz="2000" dirty="0"/>
+              <a:t>Change test data from 25% to 35% to provide more data to increase accuracy of the models.</a:t>
+            </a:r>
+          </a:p>
+          <a:p>
+            <a:endParaRPr lang="en-US" sz="1200" dirty="0"/>
+          </a:p>
+          <a:p>
+            <a:pPr marL="457200" indent="-457200">
+              <a:buFont typeface="Arial" panose="020B0604020202020204" pitchFamily="34" charset="0"/>
+              <a:buChar char="•"/>
+            </a:pPr>
+            <a:r>
+              <a:rPr lang="en-CA" sz="2000" dirty="0"/>
+              <a:t>Scale the X-values for normalizations to ensure all features are the same unit.</a:t>
+            </a:r>
+          </a:p>
+          <a:p>
+            <a:endParaRPr lang="en-CA" sz="2800" dirty="0"/>
+          </a:p>
+          <a:p>
+            <a:r>
+              <a:rPr lang="en-US" sz="2400" dirty="0"/>
+              <a:t>FB Prophet</a:t>
+            </a:r>
+          </a:p>
+          <a:p>
+            <a:endParaRPr lang="en-US" sz="1400" dirty="0"/>
+          </a:p>
+          <a:p>
+            <a:pPr marL="457200" indent="-457200">
+              <a:buFont typeface="Arial" panose="020B0604020202020204" pitchFamily="34" charset="0"/>
+              <a:buChar char="•"/>
+            </a:pPr>
+            <a:r>
+              <a:rPr lang="en-US" sz="2000" dirty="0"/>
+              <a:t>Add the holiday features, borough and room type information to predict prices.</a:t>
+            </a:r>
+          </a:p>
+          <a:p>
+            <a:pPr marL="457200" indent="-457200">
+              <a:buFont typeface="Arial" panose="020B0604020202020204" pitchFamily="34" charset="0"/>
+              <a:buChar char="•"/>
+            </a:pPr>
+            <a:endParaRPr lang="en-US" dirty="0"/>
+          </a:p>
+          <a:p>
+            <a:endParaRPr lang="en-US" dirty="0"/>
+          </a:p>
+        </p:txBody>
+      </p:sp>
+    </p:spTree>
+    <p:extLst>
+      <p:ext uri="{BB962C8B-B14F-4D97-AF65-F5344CB8AC3E}">
+        <p14:creationId xmlns:p14="http://schemas.microsoft.com/office/powerpoint/2010/main" val="2679202115"/>
+      </p:ext>
+    </p:extLst>
+  </p:cSld>
+  <p:clrMapOvr>
+    <a:masterClrMapping/>
+  </p:clrMapOvr>
+</p:sld>
+</file>
+
+<file path=ppt/slides/slide9.xml><?xml version="1.0" encoding="utf-8"?>
+<p:sld xmlns:a="http://schemas.openxmlformats.org/drawingml/2006/main" xmlns:r="http://schemas.openxmlformats.org/officeDocument/2006/relationships" xmlns:p="http://schemas.openxmlformats.org/presentationml/2006/main">
+  <p:cSld>
+    <p:spTree>
+      <p:nvGrpSpPr>
+        <p:cNvPr id="1" name=""/>
+        <p:cNvGrpSpPr/>
+        <p:nvPr/>
+      </p:nvGrpSpPr>
+      <p:grpSpPr>
+        <a:xfrm>
+          <a:off x="0" y="0"/>
+          <a:ext cx="0" cy="0"/>
+          <a:chOff x="0" y="0"/>
+          <a:chExt cx="0" cy="0"/>
+        </a:xfrm>
+      </p:grpSpPr>
+      <p:sp>
+        <p:nvSpPr>
+          <p:cNvPr id="2" name="Title 1">
+            <a:extLst>
+              <a:ext uri="{FF2B5EF4-FFF2-40B4-BE49-F238E27FC236}">
+                <a16:creationId xmlns:a16="http://schemas.microsoft.com/office/drawing/2014/main" id="{59B8B577-5676-3C4B-A107-E41DB331FD85}"/>
+              </a:ext>
+            </a:extLst>
+          </p:cNvPr>
+          <p:cNvSpPr>
+            <a:spLocks noGrp="1"/>
+          </p:cNvSpPr>
+          <p:nvPr>
+            <p:ph type="title"/>
+          </p:nvPr>
+        </p:nvSpPr>
+        <p:spPr>
+          <a:xfrm>
+            <a:off x="2721982" y="696475"/>
+            <a:ext cx="10515600" cy="1325563"/>
+          </a:xfrm>
+        </p:spPr>
+        <p:txBody>
+          <a:bodyPr>
+            <a:normAutofit/>
+          </a:bodyPr>
+          <a:lstStyle/>
+          <a:p>
+            <a:r>
+              <a:rPr lang="en-US" sz="4000" dirty="0">
+                <a:solidFill>
+                  <a:srgbClr val="EA5E46"/>
+                </a:solidFill>
+              </a:rPr>
+              <a:t>Model Feature Selection </a:t>
             </a:r>
           </a:p>
         </p:txBody>
@@ -10025,692 +15941,6 @@
         </p:nvSpPr>
         <p:spPr>
           <a:xfrm>
-            <a:off x="897777" y="1876021"/>
-            <a:ext cx="10052930" cy="646331"/>
-          </a:xfrm>
-          <a:prstGeom prst="rect">
-            <a:avLst/>
-          </a:prstGeom>
-          <a:noFill/>
-        </p:spPr>
-        <p:txBody>
-          <a:bodyPr wrap="square" rtlCol="0">
-            <a:spAutoFit/>
-          </a:bodyPr>
-          <a:lstStyle/>
-          <a:p>
-            <a:r>
-              <a:rPr lang="en-US" dirty="0"/>
-              <a:t>5. Create New Datasets for the Prophet Model</a:t>
-            </a:r>
-          </a:p>
-          <a:p>
-            <a:endParaRPr lang="en-US" dirty="0"/>
-          </a:p>
-        </p:txBody>
-      </p:sp>
-      <p:pic>
-        <p:nvPicPr>
-          <p:cNvPr id="14" name="Picture 13">
-            <a:extLst>
-              <a:ext uri="{FF2B5EF4-FFF2-40B4-BE49-F238E27FC236}">
-                <a16:creationId xmlns:a16="http://schemas.microsoft.com/office/drawing/2014/main" id="{3B62EEA7-B492-4F27-8067-C707411D2268}"/>
-              </a:ext>
-            </a:extLst>
-          </p:cNvPr>
-          <p:cNvPicPr>
-            <a:picLocks noChangeAspect="1"/>
-          </p:cNvPicPr>
-          <p:nvPr/>
-        </p:nvPicPr>
-        <p:blipFill>
-          <a:blip r:embed="rId4"/>
-          <a:stretch>
-            <a:fillRect/>
-          </a:stretch>
-        </p:blipFill>
-        <p:spPr>
-          <a:xfrm>
-            <a:off x="975854" y="3026026"/>
-            <a:ext cx="3423151" cy="1737447"/>
-          </a:xfrm>
-          <a:prstGeom prst="rect">
-            <a:avLst/>
-          </a:prstGeom>
-        </p:spPr>
-      </p:pic>
-      <p:sp>
-        <p:nvSpPr>
-          <p:cNvPr id="16" name="Arrow: Right 15">
-            <a:extLst>
-              <a:ext uri="{FF2B5EF4-FFF2-40B4-BE49-F238E27FC236}">
-                <a16:creationId xmlns:a16="http://schemas.microsoft.com/office/drawing/2014/main" id="{ADF4D416-7CB8-4016-89A8-FB9462E17BE7}"/>
-              </a:ext>
-            </a:extLst>
-          </p:cNvPr>
-          <p:cNvSpPr/>
-          <p:nvPr/>
-        </p:nvSpPr>
-        <p:spPr>
-          <a:xfrm>
-            <a:off x="5344935" y="2934876"/>
-            <a:ext cx="1699837" cy="1709809"/>
-          </a:xfrm>
-          <a:prstGeom prst="rightArrow">
-            <a:avLst/>
-          </a:prstGeom>
-          <a:solidFill>
-            <a:schemeClr val="bg2">
-              <a:lumMod val="75000"/>
-            </a:schemeClr>
-          </a:solidFill>
-          <a:ln>
-            <a:solidFill>
-              <a:schemeClr val="bg2">
-                <a:lumMod val="75000"/>
-              </a:schemeClr>
-            </a:solidFill>
-          </a:ln>
-        </p:spPr>
-        <p:style>
-          <a:lnRef idx="2">
-            <a:schemeClr val="accent1">
-              <a:shade val="50000"/>
-            </a:schemeClr>
-          </a:lnRef>
-          <a:fillRef idx="1">
-            <a:schemeClr val="accent1"/>
-          </a:fillRef>
-          <a:effectRef idx="0">
-            <a:schemeClr val="accent1"/>
-          </a:effectRef>
-          <a:fontRef idx="minor">
-            <a:schemeClr val="lt1"/>
-          </a:fontRef>
-        </p:style>
-        <p:txBody>
-          <a:bodyPr rtlCol="0" anchor="ctr"/>
-          <a:lstStyle/>
-          <a:p>
-            <a:pPr marL="342900" indent="-342900">
-              <a:buFont typeface="+mj-lt"/>
-              <a:buAutoNum type="arabicPeriod"/>
-            </a:pPr>
-            <a:r>
-              <a:rPr lang="en-US" sz="1400" b="1" dirty="0"/>
-              <a:t>Filter</a:t>
-            </a:r>
-          </a:p>
-          <a:p>
-            <a:pPr marL="342900" indent="-342900">
-              <a:buFont typeface="+mj-lt"/>
-              <a:buAutoNum type="arabicPeriod"/>
-            </a:pPr>
-            <a:r>
-              <a:rPr lang="en-US" sz="1400" b="1" dirty="0"/>
-              <a:t>Format</a:t>
-            </a:r>
-          </a:p>
-          <a:p>
-            <a:pPr marL="342900" indent="-342900">
-              <a:buFont typeface="+mj-lt"/>
-              <a:buAutoNum type="arabicPeriod"/>
-            </a:pPr>
-            <a:r>
-              <a:rPr lang="en-US" sz="1400" b="1" dirty="0"/>
-              <a:t>Calculate</a:t>
-            </a:r>
-          </a:p>
-          <a:p>
-            <a:pPr marL="342900" indent="-342900">
-              <a:buFont typeface="+mj-lt"/>
-              <a:buAutoNum type="arabicPeriod"/>
-            </a:pPr>
-            <a:r>
-              <a:rPr lang="en-US" sz="1400" b="1" dirty="0"/>
-              <a:t>Rename</a:t>
-            </a:r>
-            <a:endParaRPr lang="en-CA" sz="1400" b="1" dirty="0"/>
-          </a:p>
-        </p:txBody>
-      </p:sp>
-      <p:pic>
-        <p:nvPicPr>
-          <p:cNvPr id="17" name="Picture 16">
-            <a:extLst>
-              <a:ext uri="{FF2B5EF4-FFF2-40B4-BE49-F238E27FC236}">
-                <a16:creationId xmlns:a16="http://schemas.microsoft.com/office/drawing/2014/main" id="{D67F436D-5DF2-4BD6-8BE9-E0D09FA1A0AD}"/>
-              </a:ext>
-            </a:extLst>
-          </p:cNvPr>
-          <p:cNvPicPr>
-            <a:picLocks noChangeAspect="1"/>
-          </p:cNvPicPr>
-          <p:nvPr/>
-        </p:nvPicPr>
-        <p:blipFill>
-          <a:blip r:embed="rId5"/>
-          <a:stretch>
-            <a:fillRect/>
-          </a:stretch>
-        </p:blipFill>
-        <p:spPr>
-          <a:xfrm>
-            <a:off x="8034116" y="2857678"/>
-            <a:ext cx="1377978" cy="2074141"/>
-          </a:xfrm>
-          <a:prstGeom prst="rect">
-            <a:avLst/>
-          </a:prstGeom>
-        </p:spPr>
-      </p:pic>
-      <p:sp>
-        <p:nvSpPr>
-          <p:cNvPr id="18" name="TextBox 17">
-            <a:extLst>
-              <a:ext uri="{FF2B5EF4-FFF2-40B4-BE49-F238E27FC236}">
-                <a16:creationId xmlns:a16="http://schemas.microsoft.com/office/drawing/2014/main" id="{748E87E0-E2F3-4FAC-B123-BE4421168453}"/>
-              </a:ext>
-            </a:extLst>
-          </p:cNvPr>
-          <p:cNvSpPr txBox="1"/>
-          <p:nvPr/>
-        </p:nvSpPr>
-        <p:spPr>
-          <a:xfrm>
-            <a:off x="975855" y="2425147"/>
-            <a:ext cx="2521108" cy="338554"/>
-          </a:xfrm>
-          <a:prstGeom prst="rect">
-            <a:avLst/>
-          </a:prstGeom>
-          <a:noFill/>
-        </p:spPr>
-        <p:txBody>
-          <a:bodyPr wrap="square" rtlCol="0">
-            <a:spAutoFit/>
-          </a:bodyPr>
-          <a:lstStyle/>
-          <a:p>
-            <a:r>
-              <a:rPr lang="en-US" sz="1600" dirty="0"/>
-              <a:t>2017-2021 Average Rates</a:t>
-            </a:r>
-            <a:endParaRPr lang="en-CA" sz="1600" dirty="0"/>
-          </a:p>
-        </p:txBody>
-      </p:sp>
-      <p:sp>
-        <p:nvSpPr>
-          <p:cNvPr id="21" name="TextBox 20">
-            <a:extLst>
-              <a:ext uri="{FF2B5EF4-FFF2-40B4-BE49-F238E27FC236}">
-                <a16:creationId xmlns:a16="http://schemas.microsoft.com/office/drawing/2014/main" id="{0666DEC4-4435-4DBA-864C-9FDAD2D72324}"/>
-              </a:ext>
-            </a:extLst>
-          </p:cNvPr>
-          <p:cNvSpPr txBox="1"/>
-          <p:nvPr/>
-        </p:nvSpPr>
-        <p:spPr>
-          <a:xfrm>
-            <a:off x="7979782" y="2503907"/>
-            <a:ext cx="2864624" cy="338554"/>
-          </a:xfrm>
-          <a:prstGeom prst="rect">
-            <a:avLst/>
-          </a:prstGeom>
-          <a:noFill/>
-        </p:spPr>
-        <p:txBody>
-          <a:bodyPr wrap="square" rtlCol="0">
-            <a:spAutoFit/>
-          </a:bodyPr>
-          <a:lstStyle/>
-          <a:p>
-            <a:r>
-              <a:rPr lang="en-US" sz="1600" dirty="0"/>
-              <a:t>Final Output for Prophet Model</a:t>
-            </a:r>
-            <a:endParaRPr lang="en-CA" sz="1600" dirty="0"/>
-          </a:p>
-        </p:txBody>
-      </p:sp>
-      <p:sp>
-        <p:nvSpPr>
-          <p:cNvPr id="19" name="TextBox 18">
-            <a:extLst>
-              <a:ext uri="{FF2B5EF4-FFF2-40B4-BE49-F238E27FC236}">
-                <a16:creationId xmlns:a16="http://schemas.microsoft.com/office/drawing/2014/main" id="{E42A3C08-B7C1-4B1A-99A6-E9055F13251D}"/>
-              </a:ext>
-            </a:extLst>
-          </p:cNvPr>
-          <p:cNvSpPr txBox="1"/>
-          <p:nvPr/>
-        </p:nvSpPr>
-        <p:spPr>
-          <a:xfrm>
-            <a:off x="897777" y="5186609"/>
-            <a:ext cx="6617042" cy="369332"/>
-          </a:xfrm>
-          <a:prstGeom prst="rect">
-            <a:avLst/>
-          </a:prstGeom>
-          <a:noFill/>
-        </p:spPr>
-        <p:txBody>
-          <a:bodyPr wrap="square">
-            <a:spAutoFit/>
-          </a:bodyPr>
-          <a:lstStyle/>
-          <a:p>
-            <a:r>
-              <a:rPr lang="en-US" dirty="0"/>
-              <a:t>6. Create New Holiday Dataset for the Prophet Model</a:t>
-            </a:r>
-          </a:p>
-        </p:txBody>
-      </p:sp>
-      <p:pic>
-        <p:nvPicPr>
-          <p:cNvPr id="11" name="Picture 10">
-            <a:extLst>
-              <a:ext uri="{FF2B5EF4-FFF2-40B4-BE49-F238E27FC236}">
-                <a16:creationId xmlns:a16="http://schemas.microsoft.com/office/drawing/2014/main" id="{D3F91F5A-C03E-42C7-B053-99DF10DF6E9D}"/>
-              </a:ext>
-            </a:extLst>
-          </p:cNvPr>
-          <p:cNvPicPr>
-            <a:picLocks noChangeAspect="1"/>
-          </p:cNvPicPr>
-          <p:nvPr/>
-        </p:nvPicPr>
-        <p:blipFill>
-          <a:blip r:embed="rId6"/>
-          <a:stretch>
-            <a:fillRect/>
-          </a:stretch>
-        </p:blipFill>
-        <p:spPr>
-          <a:xfrm>
-            <a:off x="955481" y="5751125"/>
-            <a:ext cx="4237087" cy="693480"/>
-          </a:xfrm>
-          <a:prstGeom prst="rect">
-            <a:avLst/>
-          </a:prstGeom>
-        </p:spPr>
-      </p:pic>
-    </p:spTree>
-    <p:extLst>
-      <p:ext uri="{BB962C8B-B14F-4D97-AF65-F5344CB8AC3E}">
-        <p14:creationId xmlns:p14="http://schemas.microsoft.com/office/powerpoint/2010/main" val="751418253"/>
-      </p:ext>
-    </p:extLst>
-  </p:cSld>
-  <p:clrMapOvr>
-    <a:masterClrMapping/>
-  </p:clrMapOvr>
-</p:sld>
-</file>
-
-<file path=ppt/slides/slide7.xml><?xml version="1.0" encoding="utf-8"?>
-<p:sld xmlns:a="http://schemas.openxmlformats.org/drawingml/2006/main" xmlns:r="http://schemas.openxmlformats.org/officeDocument/2006/relationships" xmlns:p="http://schemas.openxmlformats.org/presentationml/2006/main">
-  <p:cSld>
-    <p:spTree>
-      <p:nvGrpSpPr>
-        <p:cNvPr id="1" name=""/>
-        <p:cNvGrpSpPr/>
-        <p:nvPr/>
-      </p:nvGrpSpPr>
-      <p:grpSpPr>
-        <a:xfrm>
-          <a:off x="0" y="0"/>
-          <a:ext cx="0" cy="0"/>
-          <a:chOff x="0" y="0"/>
-          <a:chExt cx="0" cy="0"/>
-        </a:xfrm>
-      </p:grpSpPr>
-      <p:sp>
-        <p:nvSpPr>
-          <p:cNvPr id="2" name="Title 1">
-            <a:extLst>
-              <a:ext uri="{FF2B5EF4-FFF2-40B4-BE49-F238E27FC236}">
-                <a16:creationId xmlns:a16="http://schemas.microsoft.com/office/drawing/2014/main" id="{59B8B577-5676-3C4B-A107-E41DB331FD85}"/>
-              </a:ext>
-            </a:extLst>
-          </p:cNvPr>
-          <p:cNvSpPr>
-            <a:spLocks noGrp="1"/>
-          </p:cNvSpPr>
-          <p:nvPr>
-            <p:ph type="title"/>
-          </p:nvPr>
-        </p:nvSpPr>
-        <p:spPr>
-          <a:xfrm>
-            <a:off x="2721982" y="696475"/>
-            <a:ext cx="10515600" cy="1325563"/>
-          </a:xfrm>
-        </p:spPr>
-        <p:txBody>
-          <a:bodyPr>
-            <a:normAutofit/>
-          </a:bodyPr>
-          <a:lstStyle/>
-          <a:p>
-            <a:r>
-              <a:rPr lang="en-US" sz="4000" dirty="0">
-                <a:solidFill>
-                  <a:srgbClr val="EA5E46"/>
-                </a:solidFill>
-              </a:rPr>
-              <a:t>Model Data Transformation Methods</a:t>
-            </a:r>
-          </a:p>
-        </p:txBody>
-      </p:sp>
-      <p:pic>
-        <p:nvPicPr>
-          <p:cNvPr id="2050" name="Picture 2" descr="Image result for air bnb logo">
-            <a:extLst>
-              <a:ext uri="{FF2B5EF4-FFF2-40B4-BE49-F238E27FC236}">
-                <a16:creationId xmlns:a16="http://schemas.microsoft.com/office/drawing/2014/main" id="{A162C291-208B-BE48-BF44-7D5CD7EF6151}"/>
-              </a:ext>
-            </a:extLst>
-          </p:cNvPr>
-          <p:cNvPicPr>
-            <a:picLocks noChangeAspect="1" noChangeArrowheads="1"/>
-          </p:cNvPicPr>
-          <p:nvPr/>
-        </p:nvPicPr>
-        <p:blipFill>
-          <a:blip r:embed="rId3">
-            <a:extLst>
-              <a:ext uri="{28A0092B-C50C-407E-A947-70E740481C1C}">
-                <a14:useLocalDpi xmlns:a14="http://schemas.microsoft.com/office/drawing/2010/main" val="0"/>
-              </a:ext>
-            </a:extLst>
-          </a:blip>
-          <a:srcRect/>
-          <a:stretch>
-            <a:fillRect/>
-          </a:stretch>
-        </p:blipFill>
-        <p:spPr bwMode="auto">
-          <a:xfrm>
-            <a:off x="530564" y="108278"/>
-            <a:ext cx="2189605" cy="2022038"/>
-          </a:xfrm>
-          <a:prstGeom prst="rect">
-            <a:avLst/>
-          </a:prstGeom>
-          <a:noFill/>
-          <a:extLst>
-            <a:ext uri="{909E8E84-426E-40DD-AFC4-6F175D3DCCD1}">
-              <a14:hiddenFill xmlns:a14="http://schemas.microsoft.com/office/drawing/2010/main">
-                <a:solidFill>
-                  <a:srgbClr val="FFFFFF"/>
-                </a:solidFill>
-              </a14:hiddenFill>
-            </a:ext>
-          </a:extLst>
-        </p:spPr>
-      </p:pic>
-      <p:cxnSp>
-        <p:nvCxnSpPr>
-          <p:cNvPr id="6" name="Straight Connector 5">
-            <a:extLst>
-              <a:ext uri="{FF2B5EF4-FFF2-40B4-BE49-F238E27FC236}">
-                <a16:creationId xmlns:a16="http://schemas.microsoft.com/office/drawing/2014/main" id="{7D0926DC-6298-B648-9DF9-0D78D09F9FC8}"/>
-              </a:ext>
-            </a:extLst>
-          </p:cNvPr>
-          <p:cNvCxnSpPr>
-            <a:cxnSpLocks/>
-          </p:cNvCxnSpPr>
-          <p:nvPr/>
-        </p:nvCxnSpPr>
-        <p:spPr>
-          <a:xfrm>
-            <a:off x="975854" y="1684829"/>
-            <a:ext cx="9518745" cy="1"/>
-          </a:xfrm>
-          <a:prstGeom prst="line">
-            <a:avLst/>
-          </a:prstGeom>
-          <a:ln w="12700">
-            <a:solidFill>
-              <a:srgbClr val="EA5E46"/>
-            </a:solidFill>
-          </a:ln>
-        </p:spPr>
-        <p:style>
-          <a:lnRef idx="1">
-            <a:schemeClr val="accent2"/>
-          </a:lnRef>
-          <a:fillRef idx="0">
-            <a:schemeClr val="accent2"/>
-          </a:fillRef>
-          <a:effectRef idx="0">
-            <a:schemeClr val="accent2"/>
-          </a:effectRef>
-          <a:fontRef idx="minor">
-            <a:schemeClr val="tx1"/>
-          </a:fontRef>
-        </p:style>
-      </p:cxnSp>
-      <p:sp>
-        <p:nvSpPr>
-          <p:cNvPr id="3" name="TextBox 2">
-            <a:extLst>
-              <a:ext uri="{FF2B5EF4-FFF2-40B4-BE49-F238E27FC236}">
-                <a16:creationId xmlns:a16="http://schemas.microsoft.com/office/drawing/2014/main" id="{30193E11-24DC-41C6-98FD-B1F7EC80C36D}"/>
-              </a:ext>
-            </a:extLst>
-          </p:cNvPr>
-          <p:cNvSpPr txBox="1"/>
-          <p:nvPr/>
-        </p:nvSpPr>
-        <p:spPr>
-          <a:xfrm>
-            <a:off x="975854" y="1986170"/>
-            <a:ext cx="10052930" cy="646331"/>
-          </a:xfrm>
-          <a:prstGeom prst="rect">
-            <a:avLst/>
-          </a:prstGeom>
-          <a:noFill/>
-        </p:spPr>
-        <p:txBody>
-          <a:bodyPr wrap="square" rtlCol="0">
-            <a:spAutoFit/>
-          </a:bodyPr>
-          <a:lstStyle/>
-          <a:p>
-            <a:r>
-              <a:rPr lang="en-US" dirty="0"/>
-              <a:t>6. Create Price Predictor Model by Borough and Room Type</a:t>
-            </a:r>
-          </a:p>
-          <a:p>
-            <a:endParaRPr lang="en-US" dirty="0"/>
-          </a:p>
-        </p:txBody>
-      </p:sp>
-    </p:spTree>
-    <p:extLst>
-      <p:ext uri="{BB962C8B-B14F-4D97-AF65-F5344CB8AC3E}">
-        <p14:creationId xmlns:p14="http://schemas.microsoft.com/office/powerpoint/2010/main" val="1996090480"/>
-      </p:ext>
-    </p:extLst>
-  </p:cSld>
-  <p:clrMapOvr>
-    <a:masterClrMapping/>
-  </p:clrMapOvr>
-</p:sld>
-</file>
-
-<file path=ppt/slides/slide8.xml><?xml version="1.0" encoding="utf-8"?>
-<p:sld xmlns:a="http://schemas.openxmlformats.org/drawingml/2006/main" xmlns:r="http://schemas.openxmlformats.org/officeDocument/2006/relationships" xmlns:p="http://schemas.openxmlformats.org/presentationml/2006/main">
-  <p:cSld>
-    <p:spTree>
-      <p:nvGrpSpPr>
-        <p:cNvPr id="1" name=""/>
-        <p:cNvGrpSpPr/>
-        <p:nvPr/>
-      </p:nvGrpSpPr>
-      <p:grpSpPr>
-        <a:xfrm>
-          <a:off x="0" y="0"/>
-          <a:ext cx="0" cy="0"/>
-          <a:chOff x="0" y="0"/>
-          <a:chExt cx="0" cy="0"/>
-        </a:xfrm>
-      </p:grpSpPr>
-      <p:sp>
-        <p:nvSpPr>
-          <p:cNvPr id="2" name="Title 1">
-            <a:extLst>
-              <a:ext uri="{FF2B5EF4-FFF2-40B4-BE49-F238E27FC236}">
-                <a16:creationId xmlns:a16="http://schemas.microsoft.com/office/drawing/2014/main" id="{59B8B577-5676-3C4B-A107-E41DB331FD85}"/>
-              </a:ext>
-            </a:extLst>
-          </p:cNvPr>
-          <p:cNvSpPr>
-            <a:spLocks noGrp="1"/>
-          </p:cNvSpPr>
-          <p:nvPr>
-            <p:ph type="title"/>
-          </p:nvPr>
-        </p:nvSpPr>
-        <p:spPr>
-          <a:xfrm>
-            <a:off x="2721982" y="696475"/>
-            <a:ext cx="10515600" cy="1325563"/>
-          </a:xfrm>
-        </p:spPr>
-        <p:txBody>
-          <a:bodyPr>
-            <a:normAutofit/>
-          </a:bodyPr>
-          <a:lstStyle/>
-          <a:p>
-            <a:r>
-              <a:rPr lang="en-US" sz="4000" dirty="0">
-                <a:solidFill>
-                  <a:srgbClr val="EA5E46"/>
-                </a:solidFill>
-              </a:rPr>
-              <a:t>Model Feature Selection</a:t>
-            </a:r>
-          </a:p>
-        </p:txBody>
-      </p:sp>
-      <p:pic>
-        <p:nvPicPr>
-          <p:cNvPr id="2050" name="Picture 2" descr="Image result for air bnb logo">
-            <a:extLst>
-              <a:ext uri="{FF2B5EF4-FFF2-40B4-BE49-F238E27FC236}">
-                <a16:creationId xmlns:a16="http://schemas.microsoft.com/office/drawing/2014/main" id="{A162C291-208B-BE48-BF44-7D5CD7EF6151}"/>
-              </a:ext>
-            </a:extLst>
-          </p:cNvPr>
-          <p:cNvPicPr>
-            <a:picLocks noChangeAspect="1" noChangeArrowheads="1"/>
-          </p:cNvPicPr>
-          <p:nvPr/>
-        </p:nvPicPr>
-        <p:blipFill>
-          <a:blip r:embed="rId3">
-            <a:extLst>
-              <a:ext uri="{28A0092B-C50C-407E-A947-70E740481C1C}">
-                <a14:useLocalDpi xmlns:a14="http://schemas.microsoft.com/office/drawing/2010/main" val="0"/>
-              </a:ext>
-            </a:extLst>
-          </a:blip>
-          <a:srcRect/>
-          <a:stretch>
-            <a:fillRect/>
-          </a:stretch>
-        </p:blipFill>
-        <p:spPr bwMode="auto">
-          <a:xfrm>
-            <a:off x="530564" y="108278"/>
-            <a:ext cx="2189605" cy="2022038"/>
-          </a:xfrm>
-          <a:prstGeom prst="rect">
-            <a:avLst/>
-          </a:prstGeom>
-          <a:noFill/>
-          <a:extLst>
-            <a:ext uri="{909E8E84-426E-40DD-AFC4-6F175D3DCCD1}">
-              <a14:hiddenFill xmlns:a14="http://schemas.microsoft.com/office/drawing/2010/main">
-                <a:solidFill>
-                  <a:srgbClr val="FFFFFF"/>
-                </a:solidFill>
-              </a14:hiddenFill>
-            </a:ext>
-          </a:extLst>
-        </p:spPr>
-      </p:pic>
-      <p:cxnSp>
-        <p:nvCxnSpPr>
-          <p:cNvPr id="6" name="Straight Connector 5">
-            <a:extLst>
-              <a:ext uri="{FF2B5EF4-FFF2-40B4-BE49-F238E27FC236}">
-                <a16:creationId xmlns:a16="http://schemas.microsoft.com/office/drawing/2014/main" id="{7D0926DC-6298-B648-9DF9-0D78D09F9FC8}"/>
-              </a:ext>
-            </a:extLst>
-          </p:cNvPr>
-          <p:cNvCxnSpPr>
-            <a:cxnSpLocks/>
-          </p:cNvCxnSpPr>
-          <p:nvPr/>
-        </p:nvCxnSpPr>
-        <p:spPr>
-          <a:xfrm>
-            <a:off x="975854" y="1684829"/>
-            <a:ext cx="9518745" cy="1"/>
-          </a:xfrm>
-          <a:prstGeom prst="line">
-            <a:avLst/>
-          </a:prstGeom>
-          <a:ln w="12700">
-            <a:solidFill>
-              <a:srgbClr val="EA5E46"/>
-            </a:solidFill>
-          </a:ln>
-        </p:spPr>
-        <p:style>
-          <a:lnRef idx="1">
-            <a:schemeClr val="accent2"/>
-          </a:lnRef>
-          <a:fillRef idx="0">
-            <a:schemeClr val="accent2"/>
-          </a:fillRef>
-          <a:effectRef idx="0">
-            <a:schemeClr val="accent2"/>
-          </a:effectRef>
-          <a:fontRef idx="minor">
-            <a:schemeClr val="tx1"/>
-          </a:fontRef>
-        </p:style>
-      </p:cxnSp>
-      <p:sp>
-        <p:nvSpPr>
-          <p:cNvPr id="3" name="TextBox 2">
-            <a:extLst>
-              <a:ext uri="{FF2B5EF4-FFF2-40B4-BE49-F238E27FC236}">
-                <a16:creationId xmlns:a16="http://schemas.microsoft.com/office/drawing/2014/main" id="{30193E11-24DC-41C6-98FD-B1F7EC80C36D}"/>
-              </a:ext>
-            </a:extLst>
-          </p:cNvPr>
-          <p:cNvSpPr txBox="1"/>
-          <p:nvPr/>
-        </p:nvSpPr>
-        <p:spPr>
-          <a:xfrm>
             <a:off x="975854" y="1986170"/>
             <a:ext cx="10052930" cy="4524315"/>
           </a:xfrm>
@@ -10884,218 +16114,6 @@
     <p:extLst>
       <p:ext uri="{BB962C8B-B14F-4D97-AF65-F5344CB8AC3E}">
         <p14:creationId xmlns:p14="http://schemas.microsoft.com/office/powerpoint/2010/main" val="2347957569"/>
-      </p:ext>
-    </p:extLst>
-  </p:cSld>
-  <p:clrMapOvr>
-    <a:masterClrMapping/>
-  </p:clrMapOvr>
-</p:sld>
-</file>
-
-<file path=ppt/slides/slide9.xml><?xml version="1.0" encoding="utf-8"?>
-<p:sld xmlns:a="http://schemas.openxmlformats.org/drawingml/2006/main" xmlns:r="http://schemas.openxmlformats.org/officeDocument/2006/relationships" xmlns:p="http://schemas.openxmlformats.org/presentationml/2006/main">
-  <p:cSld>
-    <p:spTree>
-      <p:nvGrpSpPr>
-        <p:cNvPr id="1" name=""/>
-        <p:cNvGrpSpPr/>
-        <p:nvPr/>
-      </p:nvGrpSpPr>
-      <p:grpSpPr>
-        <a:xfrm>
-          <a:off x="0" y="0"/>
-          <a:ext cx="0" cy="0"/>
-          <a:chOff x="0" y="0"/>
-          <a:chExt cx="0" cy="0"/>
-        </a:xfrm>
-      </p:grpSpPr>
-      <p:sp>
-        <p:nvSpPr>
-          <p:cNvPr id="2" name="Title 1">
-            <a:extLst>
-              <a:ext uri="{FF2B5EF4-FFF2-40B4-BE49-F238E27FC236}">
-                <a16:creationId xmlns:a16="http://schemas.microsoft.com/office/drawing/2014/main" id="{59B8B577-5676-3C4B-A107-E41DB331FD85}"/>
-              </a:ext>
-            </a:extLst>
-          </p:cNvPr>
-          <p:cNvSpPr>
-            <a:spLocks noGrp="1"/>
-          </p:cNvSpPr>
-          <p:nvPr>
-            <p:ph type="title"/>
-          </p:nvPr>
-        </p:nvSpPr>
-        <p:spPr>
-          <a:xfrm>
-            <a:off x="2721982" y="696475"/>
-            <a:ext cx="10515600" cy="1325563"/>
-          </a:xfrm>
-        </p:spPr>
-        <p:txBody>
-          <a:bodyPr>
-            <a:normAutofit/>
-          </a:bodyPr>
-          <a:lstStyle/>
-          <a:p>
-            <a:r>
-              <a:rPr lang="en-US" sz="4000" dirty="0">
-                <a:solidFill>
-                  <a:srgbClr val="EA5E46"/>
-                </a:solidFill>
-              </a:rPr>
-              <a:t>Model Train-Test Split &amp; Preprocessing</a:t>
-            </a:r>
-          </a:p>
-        </p:txBody>
-      </p:sp>
-      <p:pic>
-        <p:nvPicPr>
-          <p:cNvPr id="2050" name="Picture 2" descr="Image result for air bnb logo">
-            <a:extLst>
-              <a:ext uri="{FF2B5EF4-FFF2-40B4-BE49-F238E27FC236}">
-                <a16:creationId xmlns:a16="http://schemas.microsoft.com/office/drawing/2014/main" id="{A162C291-208B-BE48-BF44-7D5CD7EF6151}"/>
-              </a:ext>
-            </a:extLst>
-          </p:cNvPr>
-          <p:cNvPicPr>
-            <a:picLocks noChangeAspect="1" noChangeArrowheads="1"/>
-          </p:cNvPicPr>
-          <p:nvPr/>
-        </p:nvPicPr>
-        <p:blipFill>
-          <a:blip r:embed="rId3">
-            <a:extLst>
-              <a:ext uri="{28A0092B-C50C-407E-A947-70E740481C1C}">
-                <a14:useLocalDpi xmlns:a14="http://schemas.microsoft.com/office/drawing/2010/main" val="0"/>
-              </a:ext>
-            </a:extLst>
-          </a:blip>
-          <a:srcRect/>
-          <a:stretch>
-            <a:fillRect/>
-          </a:stretch>
-        </p:blipFill>
-        <p:spPr bwMode="auto">
-          <a:xfrm>
-            <a:off x="530564" y="108278"/>
-            <a:ext cx="2189605" cy="2022038"/>
-          </a:xfrm>
-          <a:prstGeom prst="rect">
-            <a:avLst/>
-          </a:prstGeom>
-          <a:noFill/>
-          <a:extLst>
-            <a:ext uri="{909E8E84-426E-40DD-AFC4-6F175D3DCCD1}">
-              <a14:hiddenFill xmlns:a14="http://schemas.microsoft.com/office/drawing/2010/main">
-                <a:solidFill>
-                  <a:srgbClr val="FFFFFF"/>
-                </a:solidFill>
-              </a14:hiddenFill>
-            </a:ext>
-          </a:extLst>
-        </p:spPr>
-      </p:pic>
-      <p:cxnSp>
-        <p:nvCxnSpPr>
-          <p:cNvPr id="6" name="Straight Connector 5">
-            <a:extLst>
-              <a:ext uri="{FF2B5EF4-FFF2-40B4-BE49-F238E27FC236}">
-                <a16:creationId xmlns:a16="http://schemas.microsoft.com/office/drawing/2014/main" id="{7D0926DC-6298-B648-9DF9-0D78D09F9FC8}"/>
-              </a:ext>
-            </a:extLst>
-          </p:cNvPr>
-          <p:cNvCxnSpPr>
-            <a:cxnSpLocks/>
-          </p:cNvCxnSpPr>
-          <p:nvPr/>
-        </p:nvCxnSpPr>
-        <p:spPr>
-          <a:xfrm>
-            <a:off x="975854" y="1684829"/>
-            <a:ext cx="9518745" cy="1"/>
-          </a:xfrm>
-          <a:prstGeom prst="line">
-            <a:avLst/>
-          </a:prstGeom>
-          <a:ln w="12700">
-            <a:solidFill>
-              <a:srgbClr val="EA5E46"/>
-            </a:solidFill>
-          </a:ln>
-        </p:spPr>
-        <p:style>
-          <a:lnRef idx="1">
-            <a:schemeClr val="accent2"/>
-          </a:lnRef>
-          <a:fillRef idx="0">
-            <a:schemeClr val="accent2"/>
-          </a:fillRef>
-          <a:effectRef idx="0">
-            <a:schemeClr val="accent2"/>
-          </a:effectRef>
-          <a:fontRef idx="minor">
-            <a:schemeClr val="tx1"/>
-          </a:fontRef>
-        </p:style>
-      </p:cxnSp>
-      <p:sp>
-        <p:nvSpPr>
-          <p:cNvPr id="3" name="TextBox 2">
-            <a:extLst>
-              <a:ext uri="{FF2B5EF4-FFF2-40B4-BE49-F238E27FC236}">
-                <a16:creationId xmlns:a16="http://schemas.microsoft.com/office/drawing/2014/main" id="{30193E11-24DC-41C6-98FD-B1F7EC80C36D}"/>
-              </a:ext>
-            </a:extLst>
-          </p:cNvPr>
-          <p:cNvSpPr txBox="1"/>
-          <p:nvPr/>
-        </p:nvSpPr>
-        <p:spPr>
-          <a:xfrm>
-            <a:off x="975854" y="2644077"/>
-            <a:ext cx="10052930" cy="2554545"/>
-          </a:xfrm>
-          <a:prstGeom prst="rect">
-            <a:avLst/>
-          </a:prstGeom>
-          <a:noFill/>
-        </p:spPr>
-        <p:txBody>
-          <a:bodyPr wrap="square" rtlCol="0">
-            <a:spAutoFit/>
-          </a:bodyPr>
-          <a:lstStyle/>
-          <a:p>
-            <a:pPr marL="285750" indent="-285750">
-              <a:buFont typeface="Arial" panose="020B0604020202020204" pitchFamily="34" charset="0"/>
-              <a:buChar char="•"/>
-            </a:pPr>
-            <a:r>
-              <a:rPr lang="en-US" sz="3200" dirty="0"/>
-              <a:t>Change test data from 25% to 35% to provide more data to increase accuracy of the models.</a:t>
-            </a:r>
-          </a:p>
-          <a:p>
-            <a:pPr lvl="1"/>
-            <a:endParaRPr lang="en-US" sz="3200" dirty="0"/>
-          </a:p>
-          <a:p>
-            <a:pPr marL="285750" indent="-285750">
-              <a:buFont typeface="Arial" panose="020B0604020202020204" pitchFamily="34" charset="0"/>
-              <a:buChar char="•"/>
-            </a:pPr>
-            <a:r>
-              <a:rPr lang="en-CA" sz="3200" dirty="0"/>
-              <a:t>Scale the X-values for normalizations to ensure all features are the same unit.</a:t>
-            </a:r>
-          </a:p>
-        </p:txBody>
-      </p:sp>
-    </p:spTree>
-    <p:extLst>
-      <p:ext uri="{BB962C8B-B14F-4D97-AF65-F5344CB8AC3E}">
-        <p14:creationId xmlns:p14="http://schemas.microsoft.com/office/powerpoint/2010/main" val="732769293"/>
       </p:ext>
     </p:extLst>
   </p:cSld>

--- a/Airbnb Price Predictions (Model).pptx
+++ b/Airbnb Price Predictions (Model).pptx
@@ -5,7 +5,7 @@
     <p:sldMasterId id="2147483648" r:id="rId1"/>
   </p:sldMasterIdLst>
   <p:notesMasterIdLst>
-    <p:notesMasterId r:id="rId21"/>
+    <p:notesMasterId r:id="rId18"/>
   </p:notesMasterIdLst>
   <p:sldIdLst>
     <p:sldId id="280" r:id="rId2"/>
@@ -20,13 +20,10 @@
     <p:sldId id="304" r:id="rId11"/>
     <p:sldId id="311" r:id="rId12"/>
     <p:sldId id="310" r:id="rId13"/>
-    <p:sldId id="286" r:id="rId14"/>
-    <p:sldId id="287" r:id="rId15"/>
-    <p:sldId id="289" r:id="rId16"/>
-    <p:sldId id="290" r:id="rId17"/>
-    <p:sldId id="291" r:id="rId18"/>
-    <p:sldId id="292" r:id="rId19"/>
-    <p:sldId id="274" r:id="rId20"/>
+    <p:sldId id="312" r:id="rId14"/>
+    <p:sldId id="291" r:id="rId15"/>
+    <p:sldId id="292" r:id="rId16"/>
+    <p:sldId id="274" r:id="rId17"/>
   </p:sldIdLst>
   <p:sldSz cx="12192000" cy="6858000"/>
   <p:notesSz cx="6858000" cy="9144000"/>
@@ -1024,36 +1021,32 @@
           <a:p>
             <a:r>
               <a:rPr lang="en-US" dirty="0"/>
-              <a:t>-To help users explore all listings available in NYC, we created a marker cluster map using Leaflet. </a:t>
+              <a:t>This table shows you the coefficient of correlation (R2) &amp; Mean Squared Error (MSE)</a:t>
             </a:r>
           </a:p>
           <a:p>
             <a:r>
               <a:rPr lang="en-US" dirty="0"/>
-              <a:t>-The clusters display the number of listings with the different boroughs and </a:t>
-            </a:r>
-            <a:r>
-              <a:rPr lang="en-US" dirty="0" err="1"/>
-              <a:t>neighbourhoods</a:t>
-            </a:r>
+              <a:t>The r2 tells you how close the data fits to the regression line.  MSE is the squared average difference between the actual &amp; predicted values.</a:t>
+            </a:r>
+          </a:p>
+          <a:p>
             <a:r>
               <a:rPr lang="en-US" dirty="0"/>
-              <a:t> in NYC. </a:t>
-            </a:r>
-          </a:p>
-          <a:p>
-            <a:r>
-              <a:rPr lang="en-US" dirty="0"/>
-              <a:t>-In this example, we selected the the well-known New York borough of Manhattan, and then further zoomed in to the Upper West Side </a:t>
-            </a:r>
-            <a:r>
-              <a:rPr lang="en-US" dirty="0" err="1"/>
-              <a:t>neighbourhood</a:t>
-            </a:r>
-            <a:r>
-              <a:rPr lang="en-US" dirty="0"/>
-              <a:t>. </a:t>
-            </a:r>
+              <a:t>Based on the model,  it tells us that the time trends have the strong impact on the price.  The features have a moderate correlation to the price and the clustering have a fairly weak correlation</a:t>
+            </a:r>
+          </a:p>
+          <a:p>
+            <a:endParaRPr lang="en-US" dirty="0"/>
+          </a:p>
+          <a:p>
+            <a:endParaRPr lang="en-US" dirty="0"/>
+          </a:p>
+          <a:p>
+            <a:endParaRPr lang="en-US" dirty="0"/>
+          </a:p>
+          <a:p>
+            <a:endParaRPr lang="en-US" dirty="0"/>
           </a:p>
           <a:p>
             <a:endParaRPr lang="en-US" dirty="0"/>
@@ -1086,7 +1079,7 @@
     </p:spTree>
     <p:extLst>
       <p:ext uri="{BB962C8B-B14F-4D97-AF65-F5344CB8AC3E}">
-        <p14:creationId xmlns:p14="http://schemas.microsoft.com/office/powerpoint/2010/main" val="818292738"/>
+        <p14:creationId xmlns:p14="http://schemas.microsoft.com/office/powerpoint/2010/main" val="733089083"/>
       </p:ext>
     </p:extLst>
   </p:cSld>
@@ -1204,7 +1197,7 @@
     </p:spTree>
     <p:extLst>
       <p:ext uri="{BB962C8B-B14F-4D97-AF65-F5344CB8AC3E}">
-        <p14:creationId xmlns:p14="http://schemas.microsoft.com/office/powerpoint/2010/main" val="2744486609"/>
+        <p14:creationId xmlns:p14="http://schemas.microsoft.com/office/powerpoint/2010/main" val="847075339"/>
       </p:ext>
     </p:extLst>
   </p:cSld>
@@ -1322,7 +1315,7 @@
     </p:spTree>
     <p:extLst>
       <p:ext uri="{BB962C8B-B14F-4D97-AF65-F5344CB8AC3E}">
-        <p14:creationId xmlns:p14="http://schemas.microsoft.com/office/powerpoint/2010/main" val="3177731070"/>
+        <p14:creationId xmlns:p14="http://schemas.microsoft.com/office/powerpoint/2010/main" val="533258538"/>
       </p:ext>
     </p:extLst>
   </p:cSld>
@@ -1376,40 +1369,6 @@
           <a:bodyPr/>
           <a:lstStyle/>
           <a:p>
-            <a:r>
-              <a:rPr lang="en-US" dirty="0"/>
-              <a:t>-To help users explore all listings available in NYC, we created a marker cluster map using Leaflet. </a:t>
-            </a:r>
-          </a:p>
-          <a:p>
-            <a:r>
-              <a:rPr lang="en-US" dirty="0"/>
-              <a:t>-The clusters display the number of listings with the different boroughs and </a:t>
-            </a:r>
-            <a:r>
-              <a:rPr lang="en-US" dirty="0" err="1"/>
-              <a:t>neighbourhoods</a:t>
-            </a:r>
-            <a:r>
-              <a:rPr lang="en-US" dirty="0"/>
-              <a:t> in NYC. </a:t>
-            </a:r>
-          </a:p>
-          <a:p>
-            <a:r>
-              <a:rPr lang="en-US" dirty="0"/>
-              <a:t>-In this example, we selected the the well-known New York borough of Manhattan, and then further zoomed in to the Upper West Side </a:t>
-            </a:r>
-            <a:r>
-              <a:rPr lang="en-US" dirty="0" err="1"/>
-              <a:t>neighbourhood</a:t>
-            </a:r>
-            <a:r>
-              <a:rPr lang="en-US" dirty="0"/>
-              <a:t>. </a:t>
-            </a:r>
-          </a:p>
-          <a:p>
             <a:endParaRPr lang="en-US" dirty="0"/>
           </a:p>
         </p:txBody>
@@ -1432,326 +1391,6 @@
             <a:fld id="{DF2352D6-35AF-0544-A99E-554CC41E76C4}" type="slidenum">
               <a:rPr lang="en-US" smtClean="0"/>
               <a:t>16</a:t>
-            </a:fld>
-            <a:endParaRPr lang="en-US"/>
-          </a:p>
-        </p:txBody>
-      </p:sp>
-    </p:spTree>
-    <p:extLst>
-      <p:ext uri="{BB962C8B-B14F-4D97-AF65-F5344CB8AC3E}">
-        <p14:creationId xmlns:p14="http://schemas.microsoft.com/office/powerpoint/2010/main" val="266214348"/>
-      </p:ext>
-    </p:extLst>
-  </p:cSld>
-  <p:clrMapOvr>
-    <a:masterClrMapping/>
-  </p:clrMapOvr>
-</p:notes>
-</file>
-
-<file path=ppt/notesSlides/notesSlide17.xml><?xml version="1.0" encoding="utf-8"?>
-<p:notes xmlns:a="http://schemas.openxmlformats.org/drawingml/2006/main" xmlns:r="http://schemas.openxmlformats.org/officeDocument/2006/relationships" xmlns:p="http://schemas.openxmlformats.org/presentationml/2006/main">
-  <p:cSld>
-    <p:spTree>
-      <p:nvGrpSpPr>
-        <p:cNvPr id="1" name=""/>
-        <p:cNvGrpSpPr/>
-        <p:nvPr/>
-      </p:nvGrpSpPr>
-      <p:grpSpPr>
-        <a:xfrm>
-          <a:off x="0" y="0"/>
-          <a:ext cx="0" cy="0"/>
-          <a:chOff x="0" y="0"/>
-          <a:chExt cx="0" cy="0"/>
-        </a:xfrm>
-      </p:grpSpPr>
-      <p:sp>
-        <p:nvSpPr>
-          <p:cNvPr id="2" name="Slide Image Placeholder 1"/>
-          <p:cNvSpPr>
-            <a:spLocks noGrp="1" noRot="1" noChangeAspect="1"/>
-          </p:cNvSpPr>
-          <p:nvPr>
-            <p:ph type="sldImg"/>
-          </p:nvPr>
-        </p:nvSpPr>
-        <p:spPr/>
-      </p:sp>
-      <p:sp>
-        <p:nvSpPr>
-          <p:cNvPr id="3" name="Notes Placeholder 2"/>
-          <p:cNvSpPr>
-            <a:spLocks noGrp="1"/>
-          </p:cNvSpPr>
-          <p:nvPr>
-            <p:ph type="body" idx="1"/>
-          </p:nvPr>
-        </p:nvSpPr>
-        <p:spPr/>
-        <p:txBody>
-          <a:bodyPr/>
-          <a:lstStyle/>
-          <a:p>
-            <a:r>
-              <a:rPr lang="en-US" dirty="0"/>
-              <a:t>-To help users explore all listings available in NYC, we created a marker cluster map using Leaflet. </a:t>
-            </a:r>
-          </a:p>
-          <a:p>
-            <a:r>
-              <a:rPr lang="en-US" dirty="0"/>
-              <a:t>-The clusters display the number of listings with the different boroughs and </a:t>
-            </a:r>
-            <a:r>
-              <a:rPr lang="en-US" dirty="0" err="1"/>
-              <a:t>neighbourhoods</a:t>
-            </a:r>
-            <a:r>
-              <a:rPr lang="en-US" dirty="0"/>
-              <a:t> in NYC. </a:t>
-            </a:r>
-          </a:p>
-          <a:p>
-            <a:r>
-              <a:rPr lang="en-US" dirty="0"/>
-              <a:t>-In this example, we selected the the well-known New York borough of Manhattan, and then further zoomed in to the Upper West Side </a:t>
-            </a:r>
-            <a:r>
-              <a:rPr lang="en-US" dirty="0" err="1"/>
-              <a:t>neighbourhood</a:t>
-            </a:r>
-            <a:r>
-              <a:rPr lang="en-US" dirty="0"/>
-              <a:t>. </a:t>
-            </a:r>
-          </a:p>
-          <a:p>
-            <a:endParaRPr lang="en-US" dirty="0"/>
-          </a:p>
-        </p:txBody>
-      </p:sp>
-      <p:sp>
-        <p:nvSpPr>
-          <p:cNvPr id="4" name="Slide Number Placeholder 3"/>
-          <p:cNvSpPr>
-            <a:spLocks noGrp="1"/>
-          </p:cNvSpPr>
-          <p:nvPr>
-            <p:ph type="sldNum" sz="quarter" idx="5"/>
-          </p:nvPr>
-        </p:nvSpPr>
-        <p:spPr/>
-        <p:txBody>
-          <a:bodyPr/>
-          <a:lstStyle/>
-          <a:p>
-            <a:fld id="{DF2352D6-35AF-0544-A99E-554CC41E76C4}" type="slidenum">
-              <a:rPr lang="en-US" smtClean="0"/>
-              <a:t>17</a:t>
-            </a:fld>
-            <a:endParaRPr lang="en-US"/>
-          </a:p>
-        </p:txBody>
-      </p:sp>
-    </p:spTree>
-    <p:extLst>
-      <p:ext uri="{BB962C8B-B14F-4D97-AF65-F5344CB8AC3E}">
-        <p14:creationId xmlns:p14="http://schemas.microsoft.com/office/powerpoint/2010/main" val="847075339"/>
-      </p:ext>
-    </p:extLst>
-  </p:cSld>
-  <p:clrMapOvr>
-    <a:masterClrMapping/>
-  </p:clrMapOvr>
-</p:notes>
-</file>
-
-<file path=ppt/notesSlides/notesSlide18.xml><?xml version="1.0" encoding="utf-8"?>
-<p:notes xmlns:a="http://schemas.openxmlformats.org/drawingml/2006/main" xmlns:r="http://schemas.openxmlformats.org/officeDocument/2006/relationships" xmlns:p="http://schemas.openxmlformats.org/presentationml/2006/main">
-  <p:cSld>
-    <p:spTree>
-      <p:nvGrpSpPr>
-        <p:cNvPr id="1" name=""/>
-        <p:cNvGrpSpPr/>
-        <p:nvPr/>
-      </p:nvGrpSpPr>
-      <p:grpSpPr>
-        <a:xfrm>
-          <a:off x="0" y="0"/>
-          <a:ext cx="0" cy="0"/>
-          <a:chOff x="0" y="0"/>
-          <a:chExt cx="0" cy="0"/>
-        </a:xfrm>
-      </p:grpSpPr>
-      <p:sp>
-        <p:nvSpPr>
-          <p:cNvPr id="2" name="Slide Image Placeholder 1"/>
-          <p:cNvSpPr>
-            <a:spLocks noGrp="1" noRot="1" noChangeAspect="1"/>
-          </p:cNvSpPr>
-          <p:nvPr>
-            <p:ph type="sldImg"/>
-          </p:nvPr>
-        </p:nvSpPr>
-        <p:spPr/>
-      </p:sp>
-      <p:sp>
-        <p:nvSpPr>
-          <p:cNvPr id="3" name="Notes Placeholder 2"/>
-          <p:cNvSpPr>
-            <a:spLocks noGrp="1"/>
-          </p:cNvSpPr>
-          <p:nvPr>
-            <p:ph type="body" idx="1"/>
-          </p:nvPr>
-        </p:nvSpPr>
-        <p:spPr/>
-        <p:txBody>
-          <a:bodyPr/>
-          <a:lstStyle/>
-          <a:p>
-            <a:r>
-              <a:rPr lang="en-US" dirty="0"/>
-              <a:t>-To help users explore all listings available in NYC, we created a marker cluster map using Leaflet. </a:t>
-            </a:r>
-          </a:p>
-          <a:p>
-            <a:r>
-              <a:rPr lang="en-US" dirty="0"/>
-              <a:t>-The clusters display the number of listings with the different boroughs and </a:t>
-            </a:r>
-            <a:r>
-              <a:rPr lang="en-US" dirty="0" err="1"/>
-              <a:t>neighbourhoods</a:t>
-            </a:r>
-            <a:r>
-              <a:rPr lang="en-US" dirty="0"/>
-              <a:t> in NYC. </a:t>
-            </a:r>
-          </a:p>
-          <a:p>
-            <a:r>
-              <a:rPr lang="en-US" dirty="0"/>
-              <a:t>-In this example, we selected the the well-known New York borough of Manhattan, and then further zoomed in to the Upper West Side </a:t>
-            </a:r>
-            <a:r>
-              <a:rPr lang="en-US" dirty="0" err="1"/>
-              <a:t>neighbourhood</a:t>
-            </a:r>
-            <a:r>
-              <a:rPr lang="en-US" dirty="0"/>
-              <a:t>. </a:t>
-            </a:r>
-          </a:p>
-          <a:p>
-            <a:endParaRPr lang="en-US" dirty="0"/>
-          </a:p>
-        </p:txBody>
-      </p:sp>
-      <p:sp>
-        <p:nvSpPr>
-          <p:cNvPr id="4" name="Slide Number Placeholder 3"/>
-          <p:cNvSpPr>
-            <a:spLocks noGrp="1"/>
-          </p:cNvSpPr>
-          <p:nvPr>
-            <p:ph type="sldNum" sz="quarter" idx="5"/>
-          </p:nvPr>
-        </p:nvSpPr>
-        <p:spPr/>
-        <p:txBody>
-          <a:bodyPr/>
-          <a:lstStyle/>
-          <a:p>
-            <a:fld id="{DF2352D6-35AF-0544-A99E-554CC41E76C4}" type="slidenum">
-              <a:rPr lang="en-US" smtClean="0"/>
-              <a:t>18</a:t>
-            </a:fld>
-            <a:endParaRPr lang="en-US"/>
-          </a:p>
-        </p:txBody>
-      </p:sp>
-    </p:spTree>
-    <p:extLst>
-      <p:ext uri="{BB962C8B-B14F-4D97-AF65-F5344CB8AC3E}">
-        <p14:creationId xmlns:p14="http://schemas.microsoft.com/office/powerpoint/2010/main" val="533258538"/>
-      </p:ext>
-    </p:extLst>
-  </p:cSld>
-  <p:clrMapOvr>
-    <a:masterClrMapping/>
-  </p:clrMapOvr>
-</p:notes>
-</file>
-
-<file path=ppt/notesSlides/notesSlide19.xml><?xml version="1.0" encoding="utf-8"?>
-<p:notes xmlns:a="http://schemas.openxmlformats.org/drawingml/2006/main" xmlns:r="http://schemas.openxmlformats.org/officeDocument/2006/relationships" xmlns:p="http://schemas.openxmlformats.org/presentationml/2006/main">
-  <p:cSld>
-    <p:spTree>
-      <p:nvGrpSpPr>
-        <p:cNvPr id="1" name=""/>
-        <p:cNvGrpSpPr/>
-        <p:nvPr/>
-      </p:nvGrpSpPr>
-      <p:grpSpPr>
-        <a:xfrm>
-          <a:off x="0" y="0"/>
-          <a:ext cx="0" cy="0"/>
-          <a:chOff x="0" y="0"/>
-          <a:chExt cx="0" cy="0"/>
-        </a:xfrm>
-      </p:grpSpPr>
-      <p:sp>
-        <p:nvSpPr>
-          <p:cNvPr id="2" name="Slide Image Placeholder 1"/>
-          <p:cNvSpPr>
-            <a:spLocks noGrp="1" noRot="1" noChangeAspect="1"/>
-          </p:cNvSpPr>
-          <p:nvPr>
-            <p:ph type="sldImg"/>
-          </p:nvPr>
-        </p:nvSpPr>
-        <p:spPr/>
-      </p:sp>
-      <p:sp>
-        <p:nvSpPr>
-          <p:cNvPr id="3" name="Notes Placeholder 2"/>
-          <p:cNvSpPr>
-            <a:spLocks noGrp="1"/>
-          </p:cNvSpPr>
-          <p:nvPr>
-            <p:ph type="body" idx="1"/>
-          </p:nvPr>
-        </p:nvSpPr>
-        <p:spPr/>
-        <p:txBody>
-          <a:bodyPr/>
-          <a:lstStyle/>
-          <a:p>
-            <a:endParaRPr lang="en-US" dirty="0"/>
-          </a:p>
-        </p:txBody>
-      </p:sp>
-      <p:sp>
-        <p:nvSpPr>
-          <p:cNvPr id="4" name="Slide Number Placeholder 3"/>
-          <p:cNvSpPr>
-            <a:spLocks noGrp="1"/>
-          </p:cNvSpPr>
-          <p:nvPr>
-            <p:ph type="sldNum" sz="quarter" idx="5"/>
-          </p:nvPr>
-        </p:nvSpPr>
-        <p:spPr/>
-        <p:txBody>
-          <a:bodyPr/>
-          <a:lstStyle/>
-          <a:p>
-            <a:fld id="{DF2352D6-35AF-0544-A99E-554CC41E76C4}" type="slidenum">
-              <a:rPr lang="en-US" smtClean="0"/>
-              <a:t>19</a:t>
             </a:fld>
             <a:endParaRPr lang="en-US"/>
           </a:p>
@@ -7516,21 +7155,23 @@
         </p:nvSpPr>
         <p:spPr>
           <a:xfrm>
-            <a:off x="4272238" y="588197"/>
+            <a:off x="2721982" y="696475"/>
             <a:ext cx="10515600" cy="1325563"/>
           </a:xfrm>
         </p:spPr>
         <p:txBody>
-          <a:bodyPr/>
+          <a:bodyPr>
+            <a:normAutofit/>
+          </a:bodyPr>
           <a:lstStyle/>
           <a:p>
             <a:r>
-              <a:rPr lang="en-US" dirty="0">
+              <a:rPr lang="en-US" sz="4000" dirty="0">
                 <a:solidFill>
                   <a:srgbClr val="EA5E46"/>
                 </a:solidFill>
               </a:rPr>
-              <a:t>Running the model</a:t>
+              <a:t>Model Results Breakdown- Features</a:t>
             </a:r>
           </a:p>
         </p:txBody>
@@ -7564,7 +7205,7 @@
         </p:blipFill>
         <p:spPr bwMode="auto">
           <a:xfrm>
-            <a:off x="2082633" y="0"/>
+            <a:off x="530564" y="108278"/>
             <a:ext cx="2189605" cy="2022038"/>
           </a:xfrm>
           <a:prstGeom prst="rect">
@@ -7598,7 +7239,7 @@
         </p:nvCxnSpPr>
         <p:spPr>
           <a:xfrm>
-            <a:off x="2526110" y="1576551"/>
+            <a:off x="975854" y="1684829"/>
             <a:ext cx="9518745" cy="1"/>
           </a:xfrm>
           <a:prstGeom prst="line">
@@ -7625,10 +7266,70 @@
           </a:fontRef>
         </p:style>
       </p:cxnSp>
+      <p:pic>
+        <p:nvPicPr>
+          <p:cNvPr id="4" name="Picture 3" descr="Chart, funnel chart&#10;&#10;Description automatically generated">
+            <a:extLst>
+              <a:ext uri="{FF2B5EF4-FFF2-40B4-BE49-F238E27FC236}">
+                <a16:creationId xmlns:a16="http://schemas.microsoft.com/office/drawing/2014/main" id="{5B4E1BDA-A6E4-4FBD-A0F3-8DCCAB5E65B2}"/>
+              </a:ext>
+            </a:extLst>
+          </p:cNvPr>
+          <p:cNvPicPr>
+            <a:picLocks noChangeAspect="1"/>
+          </p:cNvPicPr>
+          <p:nvPr/>
+        </p:nvPicPr>
+        <p:blipFill>
+          <a:blip r:embed="rId4"/>
+          <a:stretch>
+            <a:fillRect/>
+          </a:stretch>
+        </p:blipFill>
+        <p:spPr>
+          <a:xfrm>
+            <a:off x="6096000" y="1914369"/>
+            <a:ext cx="5158438" cy="2959635"/>
+          </a:xfrm>
+          <a:prstGeom prst="rect">
+            <a:avLst/>
+          </a:prstGeom>
+        </p:spPr>
+      </p:pic>
+      <p:pic>
+        <p:nvPicPr>
+          <p:cNvPr id="8" name="Picture 7" descr="Chart, funnel chart&#10;&#10;Description automatically generated">
+            <a:extLst>
+              <a:ext uri="{FF2B5EF4-FFF2-40B4-BE49-F238E27FC236}">
+                <a16:creationId xmlns:a16="http://schemas.microsoft.com/office/drawing/2014/main" id="{1434DA53-9BF7-4870-A791-EEDA2843BB15}"/>
+              </a:ext>
+            </a:extLst>
+          </p:cNvPr>
+          <p:cNvPicPr>
+            <a:picLocks noChangeAspect="1"/>
+          </p:cNvPicPr>
+          <p:nvPr/>
+        </p:nvPicPr>
+        <p:blipFill>
+          <a:blip r:embed="rId5"/>
+          <a:stretch>
+            <a:fillRect/>
+          </a:stretch>
+        </p:blipFill>
+        <p:spPr>
+          <a:xfrm>
+            <a:off x="773387" y="1952242"/>
+            <a:ext cx="5234522" cy="2959635"/>
+          </a:xfrm>
+          <a:prstGeom prst="rect">
+            <a:avLst/>
+          </a:prstGeom>
+        </p:spPr>
+      </p:pic>
     </p:spTree>
     <p:extLst>
       <p:ext uri="{BB962C8B-B14F-4D97-AF65-F5344CB8AC3E}">
-        <p14:creationId xmlns:p14="http://schemas.microsoft.com/office/powerpoint/2010/main" val="46653007"/>
+        <p14:creationId xmlns:p14="http://schemas.microsoft.com/office/powerpoint/2010/main" val="861530257"/>
       </p:ext>
     </p:extLst>
   </p:cSld>
@@ -7639,477 +7340,6 @@
 </file>
 
 <file path=ppt/slides/slide14.xml><?xml version="1.0" encoding="utf-8"?>
-<p:sld xmlns:a="http://schemas.openxmlformats.org/drawingml/2006/main" xmlns:r="http://schemas.openxmlformats.org/officeDocument/2006/relationships" xmlns:p="http://schemas.openxmlformats.org/presentationml/2006/main">
-  <p:cSld>
-    <p:spTree>
-      <p:nvGrpSpPr>
-        <p:cNvPr id="1" name=""/>
-        <p:cNvGrpSpPr/>
-        <p:nvPr/>
-      </p:nvGrpSpPr>
-      <p:grpSpPr>
-        <a:xfrm>
-          <a:off x="0" y="0"/>
-          <a:ext cx="0" cy="0"/>
-          <a:chOff x="0" y="0"/>
-          <a:chExt cx="0" cy="0"/>
-        </a:xfrm>
-      </p:grpSpPr>
-      <p:sp>
-        <p:nvSpPr>
-          <p:cNvPr id="2" name="Title 1">
-            <a:extLst>
-              <a:ext uri="{FF2B5EF4-FFF2-40B4-BE49-F238E27FC236}">
-                <a16:creationId xmlns:a16="http://schemas.microsoft.com/office/drawing/2014/main" id="{59B8B577-5676-3C4B-A107-E41DB331FD85}"/>
-              </a:ext>
-            </a:extLst>
-          </p:cNvPr>
-          <p:cNvSpPr>
-            <a:spLocks noGrp="1"/>
-          </p:cNvSpPr>
-          <p:nvPr>
-            <p:ph type="title"/>
-          </p:nvPr>
-        </p:nvSpPr>
-        <p:spPr>
-          <a:xfrm>
-            <a:off x="4272238" y="588197"/>
-            <a:ext cx="10515600" cy="1325563"/>
-          </a:xfrm>
-        </p:spPr>
-        <p:txBody>
-          <a:bodyPr/>
-          <a:lstStyle/>
-          <a:p>
-            <a:r>
-              <a:rPr lang="en-US" dirty="0">
-                <a:solidFill>
-                  <a:srgbClr val="EA5E46"/>
-                </a:solidFill>
-              </a:rPr>
-              <a:t>Model Challenges</a:t>
-            </a:r>
-          </a:p>
-        </p:txBody>
-      </p:sp>
-      <p:pic>
-        <p:nvPicPr>
-          <p:cNvPr id="2050" name="Picture 2" descr="Image result for air bnb logo">
-            <a:extLst>
-              <a:ext uri="{FF2B5EF4-FFF2-40B4-BE49-F238E27FC236}">
-                <a16:creationId xmlns:a16="http://schemas.microsoft.com/office/drawing/2014/main" id="{A162C291-208B-BE48-BF44-7D5CD7EF6151}"/>
-              </a:ext>
-            </a:extLst>
-          </p:cNvPr>
-          <p:cNvPicPr>
-            <a:picLocks noChangeAspect="1" noChangeArrowheads="1"/>
-          </p:cNvPicPr>
-          <p:nvPr/>
-        </p:nvPicPr>
-        <p:blipFill>
-          <a:blip r:embed="rId3">
-            <a:extLst>
-              <a:ext uri="{28A0092B-C50C-407E-A947-70E740481C1C}">
-                <a14:useLocalDpi xmlns:a14="http://schemas.microsoft.com/office/drawing/2010/main" val="0"/>
-              </a:ext>
-            </a:extLst>
-          </a:blip>
-          <a:srcRect/>
-          <a:stretch>
-            <a:fillRect/>
-          </a:stretch>
-        </p:blipFill>
-        <p:spPr bwMode="auto">
-          <a:xfrm>
-            <a:off x="2080820" y="0"/>
-            <a:ext cx="2189605" cy="2022038"/>
-          </a:xfrm>
-          <a:prstGeom prst="rect">
-            <a:avLst/>
-          </a:prstGeom>
-          <a:noFill/>
-          <a:extLst>
-            <a:ext uri="{909E8E84-426E-40DD-AFC4-6F175D3DCCD1}">
-              <a14:hiddenFill xmlns:a14="http://schemas.microsoft.com/office/drawing/2010/main">
-                <a:solidFill>
-                  <a:srgbClr val="FFFFFF"/>
-                </a:solidFill>
-              </a14:hiddenFill>
-            </a:ext>
-          </a:extLst>
-        </p:spPr>
-      </p:pic>
-      <p:cxnSp>
-        <p:nvCxnSpPr>
-          <p:cNvPr id="6" name="Straight Connector 5">
-            <a:extLst>
-              <a:ext uri="{FF2B5EF4-FFF2-40B4-BE49-F238E27FC236}">
-                <a16:creationId xmlns:a16="http://schemas.microsoft.com/office/drawing/2014/main" id="{7D0926DC-6298-B648-9DF9-0D78D09F9FC8}"/>
-              </a:ext>
-            </a:extLst>
-          </p:cNvPr>
-          <p:cNvCxnSpPr>
-            <a:cxnSpLocks/>
-          </p:cNvCxnSpPr>
-          <p:nvPr/>
-        </p:nvCxnSpPr>
-        <p:spPr>
-          <a:xfrm>
-            <a:off x="2526110" y="1576551"/>
-            <a:ext cx="9518745" cy="1"/>
-          </a:xfrm>
-          <a:prstGeom prst="line">
-            <a:avLst/>
-          </a:prstGeom>
-          <a:ln w="12700">
-            <a:solidFill>
-              <a:srgbClr val="EA5E46"/>
-            </a:solidFill>
-          </a:ln>
-        </p:spPr>
-        <p:style>
-          <a:lnRef idx="1">
-            <a:schemeClr val="accent2"/>
-          </a:lnRef>
-          <a:fillRef idx="0">
-            <a:schemeClr val="accent2"/>
-          </a:fillRef>
-          <a:effectRef idx="0">
-            <a:schemeClr val="accent2"/>
-          </a:effectRef>
-          <a:fontRef idx="minor">
-            <a:schemeClr val="tx1"/>
-          </a:fontRef>
-        </p:style>
-      </p:cxnSp>
-    </p:spTree>
-    <p:extLst>
-      <p:ext uri="{BB962C8B-B14F-4D97-AF65-F5344CB8AC3E}">
-        <p14:creationId xmlns:p14="http://schemas.microsoft.com/office/powerpoint/2010/main" val="2243286875"/>
-      </p:ext>
-    </p:extLst>
-  </p:cSld>
-  <p:clrMapOvr>
-    <a:masterClrMapping/>
-  </p:clrMapOvr>
-</p:sld>
-</file>
-
-<file path=ppt/slides/slide15.xml><?xml version="1.0" encoding="utf-8"?>
-<p:sld xmlns:a="http://schemas.openxmlformats.org/drawingml/2006/main" xmlns:r="http://schemas.openxmlformats.org/officeDocument/2006/relationships" xmlns:p="http://schemas.openxmlformats.org/presentationml/2006/main">
-  <p:cSld>
-    <p:spTree>
-      <p:nvGrpSpPr>
-        <p:cNvPr id="1" name=""/>
-        <p:cNvGrpSpPr/>
-        <p:nvPr/>
-      </p:nvGrpSpPr>
-      <p:grpSpPr>
-        <a:xfrm>
-          <a:off x="0" y="0"/>
-          <a:ext cx="0" cy="0"/>
-          <a:chOff x="0" y="0"/>
-          <a:chExt cx="0" cy="0"/>
-        </a:xfrm>
-      </p:grpSpPr>
-      <p:sp>
-        <p:nvSpPr>
-          <p:cNvPr id="2" name="Title 1">
-            <a:extLst>
-              <a:ext uri="{FF2B5EF4-FFF2-40B4-BE49-F238E27FC236}">
-                <a16:creationId xmlns:a16="http://schemas.microsoft.com/office/drawing/2014/main" id="{59B8B577-5676-3C4B-A107-E41DB331FD85}"/>
-              </a:ext>
-            </a:extLst>
-          </p:cNvPr>
-          <p:cNvSpPr>
-            <a:spLocks noGrp="1"/>
-          </p:cNvSpPr>
-          <p:nvPr>
-            <p:ph type="title"/>
-          </p:nvPr>
-        </p:nvSpPr>
-        <p:spPr>
-          <a:xfrm>
-            <a:off x="4123382" y="513769"/>
-            <a:ext cx="10515600" cy="1325563"/>
-          </a:xfrm>
-        </p:spPr>
-        <p:txBody>
-          <a:bodyPr/>
-          <a:lstStyle/>
-          <a:p>
-            <a:r>
-              <a:rPr lang="en-US" dirty="0">
-                <a:solidFill>
-                  <a:srgbClr val="EA5E46"/>
-                </a:solidFill>
-              </a:rPr>
-              <a:t>Model Findings – Price Correlation</a:t>
-            </a:r>
-          </a:p>
-        </p:txBody>
-      </p:sp>
-      <p:pic>
-        <p:nvPicPr>
-          <p:cNvPr id="2050" name="Picture 2" descr="Image result for air bnb logo">
-            <a:extLst>
-              <a:ext uri="{FF2B5EF4-FFF2-40B4-BE49-F238E27FC236}">
-                <a16:creationId xmlns:a16="http://schemas.microsoft.com/office/drawing/2014/main" id="{A162C291-208B-BE48-BF44-7D5CD7EF6151}"/>
-              </a:ext>
-            </a:extLst>
-          </p:cNvPr>
-          <p:cNvPicPr>
-            <a:picLocks noChangeAspect="1" noChangeArrowheads="1"/>
-          </p:cNvPicPr>
-          <p:nvPr/>
-        </p:nvPicPr>
-        <p:blipFill>
-          <a:blip r:embed="rId3">
-            <a:extLst>
-              <a:ext uri="{28A0092B-C50C-407E-A947-70E740481C1C}">
-                <a14:useLocalDpi xmlns:a14="http://schemas.microsoft.com/office/drawing/2010/main" val="0"/>
-              </a:ext>
-            </a:extLst>
-          </a:blip>
-          <a:srcRect/>
-          <a:stretch>
-            <a:fillRect/>
-          </a:stretch>
-        </p:blipFill>
-        <p:spPr bwMode="auto">
-          <a:xfrm>
-            <a:off x="2080820" y="0"/>
-            <a:ext cx="2189605" cy="2022038"/>
-          </a:xfrm>
-          <a:prstGeom prst="rect">
-            <a:avLst/>
-          </a:prstGeom>
-          <a:noFill/>
-          <a:extLst>
-            <a:ext uri="{909E8E84-426E-40DD-AFC4-6F175D3DCCD1}">
-              <a14:hiddenFill xmlns:a14="http://schemas.microsoft.com/office/drawing/2010/main">
-                <a:solidFill>
-                  <a:srgbClr val="FFFFFF"/>
-                </a:solidFill>
-              </a14:hiddenFill>
-            </a:ext>
-          </a:extLst>
-        </p:spPr>
-      </p:pic>
-      <p:cxnSp>
-        <p:nvCxnSpPr>
-          <p:cNvPr id="6" name="Straight Connector 5">
-            <a:extLst>
-              <a:ext uri="{FF2B5EF4-FFF2-40B4-BE49-F238E27FC236}">
-                <a16:creationId xmlns:a16="http://schemas.microsoft.com/office/drawing/2014/main" id="{7D0926DC-6298-B648-9DF9-0D78D09F9FC8}"/>
-              </a:ext>
-            </a:extLst>
-          </p:cNvPr>
-          <p:cNvCxnSpPr>
-            <a:cxnSpLocks/>
-          </p:cNvCxnSpPr>
-          <p:nvPr/>
-        </p:nvCxnSpPr>
-        <p:spPr>
-          <a:xfrm>
-            <a:off x="2526110" y="1576551"/>
-            <a:ext cx="9518745" cy="1"/>
-          </a:xfrm>
-          <a:prstGeom prst="line">
-            <a:avLst/>
-          </a:prstGeom>
-          <a:ln w="12700">
-            <a:solidFill>
-              <a:srgbClr val="EA5E46"/>
-            </a:solidFill>
-          </a:ln>
-        </p:spPr>
-        <p:style>
-          <a:lnRef idx="1">
-            <a:schemeClr val="accent2"/>
-          </a:lnRef>
-          <a:fillRef idx="0">
-            <a:schemeClr val="accent2"/>
-          </a:fillRef>
-          <a:effectRef idx="0">
-            <a:schemeClr val="accent2"/>
-          </a:effectRef>
-          <a:fontRef idx="minor">
-            <a:schemeClr val="tx1"/>
-          </a:fontRef>
-        </p:style>
-      </p:cxnSp>
-    </p:spTree>
-    <p:extLst>
-      <p:ext uri="{BB962C8B-B14F-4D97-AF65-F5344CB8AC3E}">
-        <p14:creationId xmlns:p14="http://schemas.microsoft.com/office/powerpoint/2010/main" val="191879790"/>
-      </p:ext>
-    </p:extLst>
-  </p:cSld>
-  <p:clrMapOvr>
-    <a:masterClrMapping/>
-  </p:clrMapOvr>
-</p:sld>
-</file>
-
-<file path=ppt/slides/slide16.xml><?xml version="1.0" encoding="utf-8"?>
-<p:sld xmlns:a="http://schemas.openxmlformats.org/drawingml/2006/main" xmlns:r="http://schemas.openxmlformats.org/officeDocument/2006/relationships" xmlns:p="http://schemas.openxmlformats.org/presentationml/2006/main">
-  <p:cSld>
-    <p:spTree>
-      <p:nvGrpSpPr>
-        <p:cNvPr id="1" name=""/>
-        <p:cNvGrpSpPr/>
-        <p:nvPr/>
-      </p:nvGrpSpPr>
-      <p:grpSpPr>
-        <a:xfrm>
-          <a:off x="0" y="0"/>
-          <a:ext cx="0" cy="0"/>
-          <a:chOff x="0" y="0"/>
-          <a:chExt cx="0" cy="0"/>
-        </a:xfrm>
-      </p:grpSpPr>
-      <p:sp>
-        <p:nvSpPr>
-          <p:cNvPr id="2" name="Title 1">
-            <a:extLst>
-              <a:ext uri="{FF2B5EF4-FFF2-40B4-BE49-F238E27FC236}">
-                <a16:creationId xmlns:a16="http://schemas.microsoft.com/office/drawing/2014/main" id="{59B8B577-5676-3C4B-A107-E41DB331FD85}"/>
-              </a:ext>
-            </a:extLst>
-          </p:cNvPr>
-          <p:cNvSpPr>
-            <a:spLocks noGrp="1"/>
-          </p:cNvSpPr>
-          <p:nvPr>
-            <p:ph type="title"/>
-          </p:nvPr>
-        </p:nvSpPr>
-        <p:spPr>
-          <a:xfrm>
-            <a:off x="4272238" y="588197"/>
-            <a:ext cx="10515600" cy="1325563"/>
-          </a:xfrm>
-        </p:spPr>
-        <p:txBody>
-          <a:bodyPr/>
-          <a:lstStyle/>
-          <a:p>
-            <a:r>
-              <a:rPr lang="en-US" dirty="0">
-                <a:solidFill>
-                  <a:srgbClr val="EA5E46"/>
-                </a:solidFill>
-              </a:rPr>
-              <a:t>Model Findings – Features </a:t>
-            </a:r>
-          </a:p>
-        </p:txBody>
-      </p:sp>
-      <p:pic>
-        <p:nvPicPr>
-          <p:cNvPr id="2050" name="Picture 2" descr="Image result for air bnb logo">
-            <a:extLst>
-              <a:ext uri="{FF2B5EF4-FFF2-40B4-BE49-F238E27FC236}">
-                <a16:creationId xmlns:a16="http://schemas.microsoft.com/office/drawing/2014/main" id="{A162C291-208B-BE48-BF44-7D5CD7EF6151}"/>
-              </a:ext>
-            </a:extLst>
-          </p:cNvPr>
-          <p:cNvPicPr>
-            <a:picLocks noChangeAspect="1" noChangeArrowheads="1"/>
-          </p:cNvPicPr>
-          <p:nvPr/>
-        </p:nvPicPr>
-        <p:blipFill>
-          <a:blip r:embed="rId3">
-            <a:extLst>
-              <a:ext uri="{28A0092B-C50C-407E-A947-70E740481C1C}">
-                <a14:useLocalDpi xmlns:a14="http://schemas.microsoft.com/office/drawing/2010/main" val="0"/>
-              </a:ext>
-            </a:extLst>
-          </a:blip>
-          <a:srcRect/>
-          <a:stretch>
-            <a:fillRect/>
-          </a:stretch>
-        </p:blipFill>
-        <p:spPr bwMode="auto">
-          <a:xfrm>
-            <a:off x="2080820" y="0"/>
-            <a:ext cx="2189605" cy="2022038"/>
-          </a:xfrm>
-          <a:prstGeom prst="rect">
-            <a:avLst/>
-          </a:prstGeom>
-          <a:noFill/>
-          <a:extLst>
-            <a:ext uri="{909E8E84-426E-40DD-AFC4-6F175D3DCCD1}">
-              <a14:hiddenFill xmlns:a14="http://schemas.microsoft.com/office/drawing/2010/main">
-                <a:solidFill>
-                  <a:srgbClr val="FFFFFF"/>
-                </a:solidFill>
-              </a14:hiddenFill>
-            </a:ext>
-          </a:extLst>
-        </p:spPr>
-      </p:pic>
-      <p:cxnSp>
-        <p:nvCxnSpPr>
-          <p:cNvPr id="6" name="Straight Connector 5">
-            <a:extLst>
-              <a:ext uri="{FF2B5EF4-FFF2-40B4-BE49-F238E27FC236}">
-                <a16:creationId xmlns:a16="http://schemas.microsoft.com/office/drawing/2014/main" id="{7D0926DC-6298-B648-9DF9-0D78D09F9FC8}"/>
-              </a:ext>
-            </a:extLst>
-          </p:cNvPr>
-          <p:cNvCxnSpPr>
-            <a:cxnSpLocks/>
-          </p:cNvCxnSpPr>
-          <p:nvPr/>
-        </p:nvCxnSpPr>
-        <p:spPr>
-          <a:xfrm>
-            <a:off x="2526110" y="1576551"/>
-            <a:ext cx="9518745" cy="1"/>
-          </a:xfrm>
-          <a:prstGeom prst="line">
-            <a:avLst/>
-          </a:prstGeom>
-          <a:ln w="12700">
-            <a:solidFill>
-              <a:srgbClr val="EA5E46"/>
-            </a:solidFill>
-          </a:ln>
-        </p:spPr>
-        <p:style>
-          <a:lnRef idx="1">
-            <a:schemeClr val="accent2"/>
-          </a:lnRef>
-          <a:fillRef idx="0">
-            <a:schemeClr val="accent2"/>
-          </a:fillRef>
-          <a:effectRef idx="0">
-            <a:schemeClr val="accent2"/>
-          </a:effectRef>
-          <a:fontRef idx="minor">
-            <a:schemeClr val="tx1"/>
-          </a:fontRef>
-        </p:style>
-      </p:cxnSp>
-    </p:spTree>
-    <p:extLst>
-      <p:ext uri="{BB962C8B-B14F-4D97-AF65-F5344CB8AC3E}">
-        <p14:creationId xmlns:p14="http://schemas.microsoft.com/office/powerpoint/2010/main" val="2072027101"/>
-      </p:ext>
-    </p:extLst>
-  </p:cSld>
-  <p:clrMapOvr>
-    <a:masterClrMapping/>
-  </p:clrMapOvr>
-</p:sld>
-</file>
-
-<file path=ppt/slides/slide17.xml><?xml version="1.0" encoding="utf-8"?>
 <p:sld xmlns:a="http://schemas.openxmlformats.org/drawingml/2006/main" xmlns:r="http://schemas.openxmlformats.org/officeDocument/2006/relationships" xmlns:p="http://schemas.openxmlformats.org/presentationml/2006/main">
   <p:cSld>
     <p:spTree>
@@ -8281,7 +7511,7 @@
 </p:sld>
 </file>
 
-<file path=ppt/slides/slide18.xml><?xml version="1.0" encoding="utf-8"?>
+<file path=ppt/slides/slide15.xml><?xml version="1.0" encoding="utf-8"?>
 <p:sld xmlns:a="http://schemas.openxmlformats.org/drawingml/2006/main" xmlns:r="http://schemas.openxmlformats.org/officeDocument/2006/relationships" xmlns:p="http://schemas.openxmlformats.org/presentationml/2006/main">
   <p:cSld>
     <p:spTree>
@@ -8440,7 +7670,7 @@
 </p:sld>
 </file>
 
-<file path=ppt/slides/slide19.xml><?xml version="1.0" encoding="utf-8"?>
+<file path=ppt/slides/slide16.xml><?xml version="1.0" encoding="utf-8"?>
 <p:sld xmlns:a="http://schemas.openxmlformats.org/drawingml/2006/main" xmlns:r="http://schemas.openxmlformats.org/officeDocument/2006/relationships" xmlns:p="http://schemas.openxmlformats.org/presentationml/2006/main">
   <p:cSld>
     <p:spTree>

--- a/Airbnb Price Predictions (Model).pptx
+++ b/Airbnb Price Predictions (Model).pptx
@@ -12,17 +12,17 @@
     <p:sldId id="320" r:id="rId3"/>
     <p:sldId id="321" r:id="rId4"/>
     <p:sldId id="324" r:id="rId5"/>
-    <p:sldId id="323" r:id="rId6"/>
+    <p:sldId id="309" r:id="rId6"/>
     <p:sldId id="308" r:id="rId7"/>
     <p:sldId id="280" r:id="rId8"/>
     <p:sldId id="315" r:id="rId9"/>
-    <p:sldId id="296" r:id="rId10"/>
-    <p:sldId id="300" r:id="rId11"/>
-    <p:sldId id="299" r:id="rId12"/>
+    <p:sldId id="299" r:id="rId10"/>
+    <p:sldId id="296" r:id="rId11"/>
+    <p:sldId id="300" r:id="rId12"/>
     <p:sldId id="298" r:id="rId13"/>
     <p:sldId id="307" r:id="rId14"/>
     <p:sldId id="306" r:id="rId15"/>
-    <p:sldId id="309" r:id="rId16"/>
+    <p:sldId id="325" r:id="rId16"/>
     <p:sldId id="304" r:id="rId17"/>
     <p:sldId id="311" r:id="rId18"/>
     <p:sldId id="310" r:id="rId19"/>
@@ -630,27 +630,7 @@
           <a:p>
             <a:r>
               <a:rPr lang="en-US" dirty="0"/>
-              <a:t>First, we needed to replace the blank fields with the averages for that specific column</a:t>
-            </a:r>
-          </a:p>
-          <a:p>
-            <a:r>
-              <a:rPr lang="en-US" dirty="0"/>
-              <a:t>Second, we need to put the data by categorize our data by numerical values which was done from our last project for boroughs, </a:t>
-            </a:r>
-            <a:r>
-              <a:rPr lang="en-US" dirty="0" err="1"/>
-              <a:t>neighbourhoods</a:t>
-            </a:r>
-            <a:r>
-              <a:rPr lang="en-US" dirty="0"/>
-              <a:t> &amp; room type.</a:t>
-            </a:r>
-          </a:p>
-          <a:p>
-            <a:r>
-              <a:rPr lang="en-US" dirty="0"/>
-              <a:t>Then we also, vectorize the most important amenities to get a count for each listing.</a:t>
+              <a:t>This table provides an overview of what we need to do to try to find the best fit for the model.  The next few slides will provide a breakdown of what we did to transform the data.</a:t>
             </a:r>
           </a:p>
           <a:p>
@@ -684,7 +664,7 @@
     </p:spTree>
     <p:extLst>
       <p:ext uri="{BB962C8B-B14F-4D97-AF65-F5344CB8AC3E}">
-        <p14:creationId xmlns:p14="http://schemas.microsoft.com/office/powerpoint/2010/main" val="2102900166"/>
+        <p14:creationId xmlns:p14="http://schemas.microsoft.com/office/powerpoint/2010/main" val="582048577"/>
       </p:ext>
     </p:extLst>
   </p:cSld>
@@ -740,13 +720,27 @@
           <a:p>
             <a:r>
               <a:rPr lang="en-US" dirty="0"/>
-              <a:t>Before we actually run the model, we have to clean the database by adding certain information that may add value to our findings.</a:t>
+              <a:t>First, we needed to replace the blank fields with the averages for that specific column</a:t>
             </a:r>
           </a:p>
           <a:p>
             <a:r>
               <a:rPr lang="en-US" dirty="0"/>
-              <a:t>So we added the amenities count column because we believe that it has a positive correlation to the listing price.</a:t>
+              <a:t>Second, we need to put the data by categorize our data by numerical values which was done from our last project for boroughs, </a:t>
+            </a:r>
+            <a:r>
+              <a:rPr lang="en-US" dirty="0" err="1"/>
+              <a:t>neighbourhoods</a:t>
+            </a:r>
+            <a:r>
+              <a:rPr lang="en-US" dirty="0"/>
+              <a:t> &amp; room type.</a:t>
+            </a:r>
+          </a:p>
+          <a:p>
+            <a:r>
+              <a:rPr lang="en-US" dirty="0"/>
+              <a:t>Then we also, vectorize the most important amenities to get a count for each listing.</a:t>
             </a:r>
           </a:p>
           <a:p>
@@ -780,7 +774,7 @@
     </p:spTree>
     <p:extLst>
       <p:ext uri="{BB962C8B-B14F-4D97-AF65-F5344CB8AC3E}">
-        <p14:creationId xmlns:p14="http://schemas.microsoft.com/office/powerpoint/2010/main" val="1699898441"/>
+        <p14:creationId xmlns:p14="http://schemas.microsoft.com/office/powerpoint/2010/main" val="2102900166"/>
       </p:ext>
     </p:extLst>
   </p:cSld>
@@ -1186,23 +1180,14 @@
           <a:p>
             <a:r>
               <a:rPr lang="en-US" dirty="0"/>
-              <a:t>There is never the perfect dataset for the project… requires lots of cleaning, transformation &amp; formatting to make it useful for our project. </a:t>
+              <a:t>This table shows you the coefficient of correlation (R2) &amp; Mean Squared Error (MSE)</a:t>
             </a:r>
           </a:p>
           <a:p>
             <a:r>
               <a:rPr lang="en-US" dirty="0"/>
-              <a:t>Large datasets slows down the process as it has lots of memory which will slow down the system.  It will take longer for you to get the desired output.</a:t>
-            </a:r>
-          </a:p>
-          <a:p>
-            <a:r>
-              <a:rPr lang="en-US" dirty="0"/>
-              <a:t>The database have limited connection pr</a:t>
-            </a:r>
-          </a:p>
-          <a:p>
-            <a:endParaRPr lang="en-US" dirty="0"/>
+              <a:t>The r2 tells you how close the data fits to the regression line.  MSE is the squared average difference between the actual &amp; predicted values.</a:t>
+            </a:r>
           </a:p>
         </p:txBody>
       </p:sp>
@@ -1232,7 +1217,7 @@
     </p:spTree>
     <p:extLst>
       <p:ext uri="{BB962C8B-B14F-4D97-AF65-F5344CB8AC3E}">
-        <p14:creationId xmlns:p14="http://schemas.microsoft.com/office/powerpoint/2010/main" val="3157092588"/>
+        <p14:creationId xmlns:p14="http://schemas.microsoft.com/office/powerpoint/2010/main" val="2903025816"/>
       </p:ext>
     </p:extLst>
   </p:cSld>
@@ -1285,18 +1270,6 @@
         <p:txBody>
           <a:bodyPr/>
           <a:lstStyle/>
-          <a:p>
-            <a:r>
-              <a:rPr lang="en-US" dirty="0"/>
-              <a:t>This table shows you the coefficient of correlation (R2) &amp; Mean Squared Error (MSE)</a:t>
-            </a:r>
-          </a:p>
-          <a:p>
-            <a:r>
-              <a:rPr lang="en-US" dirty="0"/>
-              <a:t>The r2 tells you how close the data fits to the regression line.  MSE is the squared average difference between the actual &amp; predicted values.</a:t>
-            </a:r>
-          </a:p>
           <a:p>
             <a:r>
               <a:rPr lang="en-US" dirty="0"/>
@@ -2778,7 +2751,19 @@
           <a:p>
             <a:r>
               <a:rPr lang="en-US" dirty="0"/>
-              <a:t>We have the following tables in our existing database.  To strengthen our price model, we added 3 new tables to see how different factors like monthly, day of week &amp; predicted prices can help hosts price their Airbnb units</a:t>
+              <a:t>There is never the perfect dataset for the project… requires lots of cleaning, transformation &amp; formatting to make it useful for our project. </a:t>
+            </a:r>
+          </a:p>
+          <a:p>
+            <a:r>
+              <a:rPr lang="en-US" dirty="0"/>
+              <a:t>Large datasets slows down the process as it has lots of memory which will slow down the system.  It will take longer for you to get the desired output.</a:t>
+            </a:r>
+          </a:p>
+          <a:p>
+            <a:r>
+              <a:rPr lang="en-US" dirty="0"/>
+              <a:t>The database have limited connection pr</a:t>
             </a:r>
           </a:p>
           <a:p>
@@ -2812,7 +2797,7 @@
     </p:spTree>
     <p:extLst>
       <p:ext uri="{BB962C8B-B14F-4D97-AF65-F5344CB8AC3E}">
-        <p14:creationId xmlns:p14="http://schemas.microsoft.com/office/powerpoint/2010/main" val="4156912336"/>
+        <p14:creationId xmlns:p14="http://schemas.microsoft.com/office/powerpoint/2010/main" val="3157092588"/>
       </p:ext>
     </p:extLst>
   </p:cSld>
@@ -3182,7 +3167,13 @@
           <a:p>
             <a:r>
               <a:rPr lang="en-US" dirty="0"/>
-              <a:t>This table provides an overview of what we need to do to try to find the best fit for the model.  The next few slides will provide a breakdown of what we did to transform the data.</a:t>
+              <a:t>Before we actually run the model, we have to clean the database by adding certain information that may add value to our findings.</a:t>
+            </a:r>
+          </a:p>
+          <a:p>
+            <a:r>
+              <a:rPr lang="en-US" dirty="0"/>
+              <a:t>So we added the amenities count column because we believe that it has a positive correlation to the listing price.</a:t>
             </a:r>
           </a:p>
           <a:p>
@@ -3216,7 +3207,7 @@
     </p:spTree>
     <p:extLst>
       <p:ext uri="{BB962C8B-B14F-4D97-AF65-F5344CB8AC3E}">
-        <p14:creationId xmlns:p14="http://schemas.microsoft.com/office/powerpoint/2010/main" val="582048577"/>
+        <p14:creationId xmlns:p14="http://schemas.microsoft.com/office/powerpoint/2010/main" val="1699898441"/>
       </p:ext>
     </p:extLst>
   </p:cSld>
@@ -6645,6 +6636,314 @@
                   <a:srgbClr val="EA5E46"/>
                 </a:solidFill>
               </a:rPr>
+              <a:t>Model Data Transformation – RF, LGBM, KNN</a:t>
+            </a:r>
+          </a:p>
+        </p:txBody>
+      </p:sp>
+      <p:pic>
+        <p:nvPicPr>
+          <p:cNvPr id="2050" name="Picture 2" descr="Image result for air bnb logo">
+            <a:extLst>
+              <a:ext uri="{FF2B5EF4-FFF2-40B4-BE49-F238E27FC236}">
+                <a16:creationId xmlns:a16="http://schemas.microsoft.com/office/drawing/2014/main" id="{A162C291-208B-BE48-BF44-7D5CD7EF6151}"/>
+              </a:ext>
+            </a:extLst>
+          </p:cNvPr>
+          <p:cNvPicPr>
+            <a:picLocks noChangeAspect="1" noChangeArrowheads="1"/>
+          </p:cNvPicPr>
+          <p:nvPr/>
+        </p:nvPicPr>
+        <p:blipFill>
+          <a:blip r:embed="rId3">
+            <a:extLst>
+              <a:ext uri="{28A0092B-C50C-407E-A947-70E740481C1C}">
+                <a14:useLocalDpi xmlns:a14="http://schemas.microsoft.com/office/drawing/2010/main" val="0"/>
+              </a:ext>
+            </a:extLst>
+          </a:blip>
+          <a:srcRect/>
+          <a:stretch>
+            <a:fillRect/>
+          </a:stretch>
+        </p:blipFill>
+        <p:spPr bwMode="auto">
+          <a:xfrm>
+            <a:off x="530564" y="108278"/>
+            <a:ext cx="2189605" cy="2022038"/>
+          </a:xfrm>
+          <a:prstGeom prst="rect">
+            <a:avLst/>
+          </a:prstGeom>
+          <a:noFill/>
+          <a:extLst>
+            <a:ext uri="{909E8E84-426E-40DD-AFC4-6F175D3DCCD1}">
+              <a14:hiddenFill xmlns:a14="http://schemas.microsoft.com/office/drawing/2010/main">
+                <a:solidFill>
+                  <a:srgbClr val="FFFFFF"/>
+                </a:solidFill>
+              </a14:hiddenFill>
+            </a:ext>
+          </a:extLst>
+        </p:spPr>
+      </p:pic>
+      <p:cxnSp>
+        <p:nvCxnSpPr>
+          <p:cNvPr id="6" name="Straight Connector 5">
+            <a:extLst>
+              <a:ext uri="{FF2B5EF4-FFF2-40B4-BE49-F238E27FC236}">
+                <a16:creationId xmlns:a16="http://schemas.microsoft.com/office/drawing/2014/main" id="{7D0926DC-6298-B648-9DF9-0D78D09F9FC8}"/>
+              </a:ext>
+            </a:extLst>
+          </p:cNvPr>
+          <p:cNvCxnSpPr>
+            <a:cxnSpLocks/>
+          </p:cNvCxnSpPr>
+          <p:nvPr/>
+        </p:nvCxnSpPr>
+        <p:spPr>
+          <a:xfrm>
+            <a:off x="975854" y="1684829"/>
+            <a:ext cx="9518745" cy="1"/>
+          </a:xfrm>
+          <a:prstGeom prst="line">
+            <a:avLst/>
+          </a:prstGeom>
+          <a:ln w="12700">
+            <a:solidFill>
+              <a:srgbClr val="EA5E46"/>
+            </a:solidFill>
+          </a:ln>
+        </p:spPr>
+        <p:style>
+          <a:lnRef idx="1">
+            <a:schemeClr val="accent2"/>
+          </a:lnRef>
+          <a:fillRef idx="0">
+            <a:schemeClr val="accent2"/>
+          </a:fillRef>
+          <a:effectRef idx="0">
+            <a:schemeClr val="accent2"/>
+          </a:effectRef>
+          <a:fontRef idx="minor">
+            <a:schemeClr val="tx1"/>
+          </a:fontRef>
+        </p:style>
+      </p:cxnSp>
+      <p:pic>
+        <p:nvPicPr>
+          <p:cNvPr id="14" name="Picture 13">
+            <a:extLst>
+              <a:ext uri="{FF2B5EF4-FFF2-40B4-BE49-F238E27FC236}">
+                <a16:creationId xmlns:a16="http://schemas.microsoft.com/office/drawing/2014/main" id="{81C25E9C-AEF8-48C0-80CE-C88B373B1AE8}"/>
+              </a:ext>
+            </a:extLst>
+          </p:cNvPr>
+          <p:cNvPicPr>
+            <a:picLocks noChangeAspect="1"/>
+          </p:cNvPicPr>
+          <p:nvPr/>
+        </p:nvPicPr>
+        <p:blipFill>
+          <a:blip r:embed="rId4"/>
+          <a:stretch>
+            <a:fillRect/>
+          </a:stretch>
+        </p:blipFill>
+        <p:spPr>
+          <a:xfrm>
+            <a:off x="2083682" y="1767443"/>
+            <a:ext cx="7806003" cy="4108894"/>
+          </a:xfrm>
+          <a:prstGeom prst="rect">
+            <a:avLst/>
+          </a:prstGeom>
+        </p:spPr>
+      </p:pic>
+      <p:sp>
+        <p:nvSpPr>
+          <p:cNvPr id="3" name="TextBox 2">
+            <a:extLst>
+              <a:ext uri="{FF2B5EF4-FFF2-40B4-BE49-F238E27FC236}">
+                <a16:creationId xmlns:a16="http://schemas.microsoft.com/office/drawing/2014/main" id="{60518D2B-5A6E-4114-AF9D-C5BF6A84A679}"/>
+              </a:ext>
+            </a:extLst>
+          </p:cNvPr>
+          <p:cNvSpPr txBox="1"/>
+          <p:nvPr/>
+        </p:nvSpPr>
+        <p:spPr>
+          <a:xfrm>
+            <a:off x="1136491" y="6028879"/>
+            <a:ext cx="9700384" cy="369332"/>
+          </a:xfrm>
+          <a:prstGeom prst="rect">
+            <a:avLst/>
+          </a:prstGeom>
+          <a:noFill/>
+        </p:spPr>
+        <p:txBody>
+          <a:bodyPr wrap="square" rtlCol="0">
+            <a:spAutoFit/>
+          </a:bodyPr>
+          <a:lstStyle/>
+          <a:p>
+            <a:r>
+              <a:rPr lang="en-US" dirty="0"/>
+              <a:t>Note: Used for Random Forest, LGBM and KNN Regressor Models only</a:t>
+            </a:r>
+            <a:endParaRPr lang="en-CA" dirty="0"/>
+          </a:p>
+        </p:txBody>
+      </p:sp>
+    </p:spTree>
+    <p:extLst>
+      <p:ext uri="{BB962C8B-B14F-4D97-AF65-F5344CB8AC3E}">
+        <p14:creationId xmlns:p14="http://schemas.microsoft.com/office/powerpoint/2010/main" val="641962917"/>
+      </p:ext>
+    </p:extLst>
+  </p:cSld>
+  <p:clrMapOvr>
+    <a:masterClrMapping/>
+  </p:clrMapOvr>
+  <p:timing>
+    <p:tnLst>
+      <p:par>
+        <p:cTn id="1" dur="indefinite" restart="never" nodeType="tmRoot">
+          <p:childTnLst>
+            <p:seq concurrent="1" nextAc="seek">
+              <p:cTn id="2" dur="indefinite" nodeType="mainSeq">
+                <p:childTnLst>
+                  <p:par>
+                    <p:cTn id="3" fill="hold">
+                      <p:stCondLst>
+                        <p:cond delay="indefinite"/>
+                      </p:stCondLst>
+                      <p:childTnLst>
+                        <p:par>
+                          <p:cTn id="4" fill="hold">
+                            <p:stCondLst>
+                              <p:cond delay="0"/>
+                            </p:stCondLst>
+                            <p:childTnLst>
+                              <p:par>
+                                <p:cTn id="5" presetID="16" presetClass="entr" presetSubtype="21" fill="hold" nodeType="clickEffect">
+                                  <p:stCondLst>
+                                    <p:cond delay="0"/>
+                                  </p:stCondLst>
+                                  <p:childTnLst>
+                                    <p:set>
+                                      <p:cBhvr>
+                                        <p:cTn id="6" dur="1" fill="hold">
+                                          <p:stCondLst>
+                                            <p:cond delay="0"/>
+                                          </p:stCondLst>
+                                        </p:cTn>
+                                        <p:tgtEl>
+                                          <p:spTgt spid="14"/>
+                                        </p:tgtEl>
+                                        <p:attrNameLst>
+                                          <p:attrName>style.visibility</p:attrName>
+                                        </p:attrNameLst>
+                                      </p:cBhvr>
+                                      <p:to>
+                                        <p:strVal val="visible"/>
+                                      </p:to>
+                                    </p:set>
+                                    <p:animEffect transition="in" filter="barn(inVertical)">
+                                      <p:cBhvr>
+                                        <p:cTn id="7" dur="500"/>
+                                        <p:tgtEl>
+                                          <p:spTgt spid="14"/>
+                                        </p:tgtEl>
+                                      </p:cBhvr>
+                                    </p:animEffect>
+                                  </p:childTnLst>
+                                </p:cTn>
+                              </p:par>
+                            </p:childTnLst>
+                          </p:cTn>
+                        </p:par>
+                      </p:childTnLst>
+                    </p:cTn>
+                  </p:par>
+                </p:childTnLst>
+              </p:cTn>
+              <p:prevCondLst>
+                <p:cond evt="onPrev" delay="0">
+                  <p:tgtEl>
+                    <p:sldTgt/>
+                  </p:tgtEl>
+                </p:cond>
+              </p:prevCondLst>
+              <p:nextCondLst>
+                <p:cond evt="onNext" delay="0">
+                  <p:tgtEl>
+                    <p:sldTgt/>
+                  </p:tgtEl>
+                </p:cond>
+              </p:nextCondLst>
+            </p:seq>
+          </p:childTnLst>
+        </p:cTn>
+      </p:par>
+    </p:tnLst>
+  </p:timing>
+</p:sld>
+</file>
+
+<file path=ppt/slides/slide11.xml><?xml version="1.0" encoding="utf-8"?>
+<p:sld xmlns:a="http://schemas.openxmlformats.org/drawingml/2006/main" xmlns:r="http://schemas.openxmlformats.org/officeDocument/2006/relationships" xmlns:p="http://schemas.openxmlformats.org/presentationml/2006/main">
+  <p:cSld>
+    <p:spTree>
+      <p:nvGrpSpPr>
+        <p:cNvPr id="1" name=""/>
+        <p:cNvGrpSpPr/>
+        <p:nvPr/>
+      </p:nvGrpSpPr>
+      <p:grpSpPr>
+        <a:xfrm>
+          <a:off x="0" y="0"/>
+          <a:ext cx="0" cy="0"/>
+          <a:chOff x="0" y="0"/>
+          <a:chExt cx="0" cy="0"/>
+        </a:xfrm>
+      </p:grpSpPr>
+      <p:sp>
+        <p:nvSpPr>
+          <p:cNvPr id="2" name="Title 1">
+            <a:extLst>
+              <a:ext uri="{FF2B5EF4-FFF2-40B4-BE49-F238E27FC236}">
+                <a16:creationId xmlns:a16="http://schemas.microsoft.com/office/drawing/2014/main" id="{59B8B577-5676-3C4B-A107-E41DB331FD85}"/>
+              </a:ext>
+            </a:extLst>
+          </p:cNvPr>
+          <p:cNvSpPr>
+            <a:spLocks noGrp="1"/>
+          </p:cNvSpPr>
+          <p:nvPr>
+            <p:ph type="title"/>
+          </p:nvPr>
+        </p:nvSpPr>
+        <p:spPr>
+          <a:xfrm>
+            <a:off x="2721982" y="696475"/>
+            <a:ext cx="10515600" cy="1325563"/>
+          </a:xfrm>
+        </p:spPr>
+        <p:txBody>
+          <a:bodyPr>
+            <a:normAutofit/>
+          </a:bodyPr>
+          <a:lstStyle/>
+          <a:p>
+            <a:r>
+              <a:rPr lang="en-US" sz="4000" dirty="0">
+                <a:solidFill>
+                  <a:srgbClr val="EA5E46"/>
+                </a:solidFill>
+              </a:rPr>
               <a:t>Model Data Transformation - RF, LGBM, KNN</a:t>
             </a:r>
           </a:p>
@@ -7404,835 +7703,6 @@
   <p:clrMapOvr>
     <a:masterClrMapping/>
   </p:clrMapOvr>
-</p:sld>
-</file>
-
-<file path=ppt/slides/slide11.xml><?xml version="1.0" encoding="utf-8"?>
-<p:sld xmlns:a="http://schemas.openxmlformats.org/drawingml/2006/main" xmlns:r="http://schemas.openxmlformats.org/officeDocument/2006/relationships" xmlns:p="http://schemas.openxmlformats.org/presentationml/2006/main">
-  <p:cSld>
-    <p:spTree>
-      <p:nvGrpSpPr>
-        <p:cNvPr id="1" name=""/>
-        <p:cNvGrpSpPr/>
-        <p:nvPr/>
-      </p:nvGrpSpPr>
-      <p:grpSpPr>
-        <a:xfrm>
-          <a:off x="0" y="0"/>
-          <a:ext cx="0" cy="0"/>
-          <a:chOff x="0" y="0"/>
-          <a:chExt cx="0" cy="0"/>
-        </a:xfrm>
-      </p:grpSpPr>
-      <p:sp>
-        <p:nvSpPr>
-          <p:cNvPr id="2" name="Title 1">
-            <a:extLst>
-              <a:ext uri="{FF2B5EF4-FFF2-40B4-BE49-F238E27FC236}">
-                <a16:creationId xmlns:a16="http://schemas.microsoft.com/office/drawing/2014/main" id="{59B8B577-5676-3C4B-A107-E41DB331FD85}"/>
-              </a:ext>
-            </a:extLst>
-          </p:cNvPr>
-          <p:cNvSpPr>
-            <a:spLocks noGrp="1"/>
-          </p:cNvSpPr>
-          <p:nvPr>
-            <p:ph type="title"/>
-          </p:nvPr>
-        </p:nvSpPr>
-        <p:spPr>
-          <a:xfrm>
-            <a:off x="2721982" y="696475"/>
-            <a:ext cx="10515600" cy="1325563"/>
-          </a:xfrm>
-        </p:spPr>
-        <p:txBody>
-          <a:bodyPr>
-            <a:normAutofit/>
-          </a:bodyPr>
-          <a:lstStyle/>
-          <a:p>
-            <a:r>
-              <a:rPr lang="en-US" sz="4000" dirty="0">
-                <a:solidFill>
-                  <a:srgbClr val="EA5E46"/>
-                </a:solidFill>
-              </a:rPr>
-              <a:t>Model Data Cleaning – Adding Columns</a:t>
-            </a:r>
-          </a:p>
-        </p:txBody>
-      </p:sp>
-      <p:pic>
-        <p:nvPicPr>
-          <p:cNvPr id="2050" name="Picture 2" descr="Image result for air bnb logo">
-            <a:extLst>
-              <a:ext uri="{FF2B5EF4-FFF2-40B4-BE49-F238E27FC236}">
-                <a16:creationId xmlns:a16="http://schemas.microsoft.com/office/drawing/2014/main" id="{A162C291-208B-BE48-BF44-7D5CD7EF6151}"/>
-              </a:ext>
-            </a:extLst>
-          </p:cNvPr>
-          <p:cNvPicPr>
-            <a:picLocks noChangeAspect="1" noChangeArrowheads="1"/>
-          </p:cNvPicPr>
-          <p:nvPr/>
-        </p:nvPicPr>
-        <p:blipFill>
-          <a:blip r:embed="rId3">
-            <a:extLst>
-              <a:ext uri="{28A0092B-C50C-407E-A947-70E740481C1C}">
-                <a14:useLocalDpi xmlns:a14="http://schemas.microsoft.com/office/drawing/2010/main" val="0"/>
-              </a:ext>
-            </a:extLst>
-          </a:blip>
-          <a:srcRect/>
-          <a:stretch>
-            <a:fillRect/>
-          </a:stretch>
-        </p:blipFill>
-        <p:spPr bwMode="auto">
-          <a:xfrm>
-            <a:off x="530564" y="108278"/>
-            <a:ext cx="2189605" cy="2022038"/>
-          </a:xfrm>
-          <a:prstGeom prst="rect">
-            <a:avLst/>
-          </a:prstGeom>
-          <a:noFill/>
-          <a:extLst>
-            <a:ext uri="{909E8E84-426E-40DD-AFC4-6F175D3DCCD1}">
-              <a14:hiddenFill xmlns:a14="http://schemas.microsoft.com/office/drawing/2010/main">
-                <a:solidFill>
-                  <a:srgbClr val="FFFFFF"/>
-                </a:solidFill>
-              </a14:hiddenFill>
-            </a:ext>
-          </a:extLst>
-        </p:spPr>
-      </p:pic>
-      <p:cxnSp>
-        <p:nvCxnSpPr>
-          <p:cNvPr id="6" name="Straight Connector 5">
-            <a:extLst>
-              <a:ext uri="{FF2B5EF4-FFF2-40B4-BE49-F238E27FC236}">
-                <a16:creationId xmlns:a16="http://schemas.microsoft.com/office/drawing/2014/main" id="{7D0926DC-6298-B648-9DF9-0D78D09F9FC8}"/>
-              </a:ext>
-            </a:extLst>
-          </p:cNvPr>
-          <p:cNvCxnSpPr>
-            <a:cxnSpLocks/>
-          </p:cNvCxnSpPr>
-          <p:nvPr/>
-        </p:nvCxnSpPr>
-        <p:spPr>
-          <a:xfrm>
-            <a:off x="975854" y="1684829"/>
-            <a:ext cx="9518745" cy="1"/>
-          </a:xfrm>
-          <a:prstGeom prst="line">
-            <a:avLst/>
-          </a:prstGeom>
-          <a:ln w="12700">
-            <a:solidFill>
-              <a:srgbClr val="EA5E46"/>
-            </a:solidFill>
-          </a:ln>
-        </p:spPr>
-        <p:style>
-          <a:lnRef idx="1">
-            <a:schemeClr val="accent2"/>
-          </a:lnRef>
-          <a:fillRef idx="0">
-            <a:schemeClr val="accent2"/>
-          </a:fillRef>
-          <a:effectRef idx="0">
-            <a:schemeClr val="accent2"/>
-          </a:effectRef>
-          <a:fontRef idx="minor">
-            <a:schemeClr val="tx1"/>
-          </a:fontRef>
-        </p:style>
-      </p:cxnSp>
-      <p:sp>
-        <p:nvSpPr>
-          <p:cNvPr id="13" name="Arrow: Right 12">
-            <a:extLst>
-              <a:ext uri="{FF2B5EF4-FFF2-40B4-BE49-F238E27FC236}">
-                <a16:creationId xmlns:a16="http://schemas.microsoft.com/office/drawing/2014/main" id="{4909AE15-9CFE-4BEA-8959-FC97CF762308}"/>
-              </a:ext>
-            </a:extLst>
-          </p:cNvPr>
-          <p:cNvSpPr/>
-          <p:nvPr/>
-        </p:nvSpPr>
-        <p:spPr>
-          <a:xfrm>
-            <a:off x="5980172" y="3777154"/>
-            <a:ext cx="552893" cy="352089"/>
-          </a:xfrm>
-          <a:prstGeom prst="rightArrow">
-            <a:avLst/>
-          </a:prstGeom>
-          <a:solidFill>
-            <a:schemeClr val="bg2">
-              <a:lumMod val="75000"/>
-            </a:schemeClr>
-          </a:solidFill>
-          <a:ln>
-            <a:solidFill>
-              <a:schemeClr val="bg2">
-                <a:lumMod val="75000"/>
-              </a:schemeClr>
-            </a:solidFill>
-          </a:ln>
-        </p:spPr>
-        <p:style>
-          <a:lnRef idx="2">
-            <a:schemeClr val="accent1">
-              <a:shade val="50000"/>
-            </a:schemeClr>
-          </a:lnRef>
-          <a:fillRef idx="1">
-            <a:schemeClr val="accent1"/>
-          </a:fillRef>
-          <a:effectRef idx="0">
-            <a:schemeClr val="accent1"/>
-          </a:effectRef>
-          <a:fontRef idx="minor">
-            <a:schemeClr val="lt1"/>
-          </a:fontRef>
-        </p:style>
-        <p:txBody>
-          <a:bodyPr rtlCol="0" anchor="ctr"/>
-          <a:lstStyle/>
-          <a:p>
-            <a:pPr algn="ctr"/>
-            <a:endParaRPr lang="en-CA"/>
-          </a:p>
-        </p:txBody>
-      </p:sp>
-      <p:graphicFrame>
-        <p:nvGraphicFramePr>
-          <p:cNvPr id="4" name="Table 4">
-            <a:extLst>
-              <a:ext uri="{FF2B5EF4-FFF2-40B4-BE49-F238E27FC236}">
-                <a16:creationId xmlns:a16="http://schemas.microsoft.com/office/drawing/2014/main" id="{21B26308-D3E0-4424-8F97-2E7634C3FA7A}"/>
-              </a:ext>
-            </a:extLst>
-          </p:cNvPr>
-          <p:cNvGraphicFramePr>
-            <a:graphicFrameLocks noGrp="1"/>
-          </p:cNvGraphicFramePr>
-          <p:nvPr>
-            <p:extLst>
-              <p:ext uri="{D42A27DB-BD31-4B8C-83A1-F6EECF244321}">
-                <p14:modId xmlns:p14="http://schemas.microsoft.com/office/powerpoint/2010/main" val="147169135"/>
-              </p:ext>
-            </p:extLst>
-          </p:nvPr>
-        </p:nvGraphicFramePr>
-        <p:xfrm>
-          <a:off x="1061616" y="3261381"/>
-          <a:ext cx="4611395" cy="1089728"/>
-        </p:xfrm>
-        <a:graphic>
-          <a:graphicData uri="http://schemas.openxmlformats.org/drawingml/2006/table">
-            <a:tbl>
-              <a:tblPr firstRow="1" bandRow="1">
-                <a:tableStyleId>{073A0DAA-6AF3-43AB-8588-CEC1D06C72B9}</a:tableStyleId>
-              </a:tblPr>
-              <a:tblGrid>
-                <a:gridCol w="4611395">
-                  <a:extLst>
-                    <a:ext uri="{9D8B030D-6E8A-4147-A177-3AD203B41FA5}">
-                      <a16:colId xmlns:a16="http://schemas.microsoft.com/office/drawing/2014/main" val="2478899434"/>
-                    </a:ext>
-                  </a:extLst>
-                </a:gridCol>
-              </a:tblGrid>
-              <a:tr h="511685">
-                <a:tc>
-                  <a:txBody>
-                    <a:bodyPr/>
-                    <a:lstStyle/>
-                    <a:p>
-                      <a:r>
-                        <a:rPr lang="en-US" dirty="0"/>
-                        <a:t>amenities</a:t>
-                      </a:r>
-                      <a:endParaRPr lang="en-CA" dirty="0"/>
-                    </a:p>
-                  </a:txBody>
-                  <a:tcPr/>
-                </a:tc>
-                <a:extLst>
-                  <a:ext uri="{0D108BD9-81ED-4DB2-BD59-A6C34878D82A}">
-                    <a16:rowId xmlns:a16="http://schemas.microsoft.com/office/drawing/2014/main" val="2665256824"/>
-                  </a:ext>
-                </a:extLst>
-              </a:tr>
-              <a:tr h="578043">
-                <a:tc>
-                  <a:txBody>
-                    <a:bodyPr/>
-                    <a:lstStyle/>
-                    <a:p>
-                      <a:r>
-                        <a:rPr lang="en-US" dirty="0"/>
-                        <a:t>[“</a:t>
-                      </a:r>
-                      <a:r>
-                        <a:rPr lang="en-US" dirty="0" err="1"/>
-                        <a:t>Wifi</a:t>
-                      </a:r>
-                      <a:r>
-                        <a:rPr lang="en-US" dirty="0"/>
-                        <a:t>”, “Kitchen”, “Heating”, “Air Conditioning]</a:t>
-                      </a:r>
-                      <a:endParaRPr lang="en-CA" dirty="0"/>
-                    </a:p>
-                  </a:txBody>
-                  <a:tcPr/>
-                </a:tc>
-                <a:extLst>
-                  <a:ext uri="{0D108BD9-81ED-4DB2-BD59-A6C34878D82A}">
-                    <a16:rowId xmlns:a16="http://schemas.microsoft.com/office/drawing/2014/main" val="1667322077"/>
-                  </a:ext>
-                </a:extLst>
-              </a:tr>
-            </a:tbl>
-          </a:graphicData>
-        </a:graphic>
-      </p:graphicFrame>
-      <p:graphicFrame>
-        <p:nvGraphicFramePr>
-          <p:cNvPr id="11" name="Table 4">
-            <a:extLst>
-              <a:ext uri="{FF2B5EF4-FFF2-40B4-BE49-F238E27FC236}">
-                <a16:creationId xmlns:a16="http://schemas.microsoft.com/office/drawing/2014/main" id="{08D2C7D8-9F85-4228-B2F2-8B108D86BB77}"/>
-              </a:ext>
-            </a:extLst>
-          </p:cNvPr>
-          <p:cNvGraphicFramePr>
-            <a:graphicFrameLocks noGrp="1"/>
-          </p:cNvGraphicFramePr>
-          <p:nvPr>
-            <p:extLst>
-              <p:ext uri="{D42A27DB-BD31-4B8C-83A1-F6EECF244321}">
-                <p14:modId xmlns:p14="http://schemas.microsoft.com/office/powerpoint/2010/main" val="1012773955"/>
-              </p:ext>
-            </p:extLst>
-          </p:nvPr>
-        </p:nvGraphicFramePr>
-        <p:xfrm>
-          <a:off x="6840226" y="3261381"/>
-          <a:ext cx="4611395" cy="1089728"/>
-        </p:xfrm>
-        <a:graphic>
-          <a:graphicData uri="http://schemas.openxmlformats.org/drawingml/2006/table">
-            <a:tbl>
-              <a:tblPr firstRow="1" bandRow="1">
-                <a:tableStyleId>{073A0DAA-6AF3-43AB-8588-CEC1D06C72B9}</a:tableStyleId>
-              </a:tblPr>
-              <a:tblGrid>
-                <a:gridCol w="4611395">
-                  <a:extLst>
-                    <a:ext uri="{9D8B030D-6E8A-4147-A177-3AD203B41FA5}">
-                      <a16:colId xmlns:a16="http://schemas.microsoft.com/office/drawing/2014/main" val="2478899434"/>
-                    </a:ext>
-                  </a:extLst>
-                </a:gridCol>
-              </a:tblGrid>
-              <a:tr h="511685">
-                <a:tc>
-                  <a:txBody>
-                    <a:bodyPr/>
-                    <a:lstStyle/>
-                    <a:p>
-                      <a:r>
-                        <a:rPr lang="en-US" dirty="0" err="1"/>
-                        <a:t>amenities_count</a:t>
-                      </a:r>
-                      <a:endParaRPr lang="en-CA" dirty="0"/>
-                    </a:p>
-                  </a:txBody>
-                  <a:tcPr/>
-                </a:tc>
-                <a:extLst>
-                  <a:ext uri="{0D108BD9-81ED-4DB2-BD59-A6C34878D82A}">
-                    <a16:rowId xmlns:a16="http://schemas.microsoft.com/office/drawing/2014/main" val="2665256824"/>
-                  </a:ext>
-                </a:extLst>
-              </a:tr>
-              <a:tr h="578043">
-                <a:tc>
-                  <a:txBody>
-                    <a:bodyPr/>
-                    <a:lstStyle/>
-                    <a:p>
-                      <a:r>
-                        <a:rPr lang="en-US" dirty="0"/>
-                        <a:t>4</a:t>
-                      </a:r>
-                      <a:endParaRPr lang="en-CA" dirty="0"/>
-                    </a:p>
-                  </a:txBody>
-                  <a:tcPr/>
-                </a:tc>
-                <a:extLst>
-                  <a:ext uri="{0D108BD9-81ED-4DB2-BD59-A6C34878D82A}">
-                    <a16:rowId xmlns:a16="http://schemas.microsoft.com/office/drawing/2014/main" val="1667322077"/>
-                  </a:ext>
-                </a:extLst>
-              </a:tr>
-            </a:tbl>
-          </a:graphicData>
-        </a:graphic>
-      </p:graphicFrame>
-      <p:sp>
-        <p:nvSpPr>
-          <p:cNvPr id="5" name="TextBox 4">
-            <a:extLst>
-              <a:ext uri="{FF2B5EF4-FFF2-40B4-BE49-F238E27FC236}">
-                <a16:creationId xmlns:a16="http://schemas.microsoft.com/office/drawing/2014/main" id="{0B1F14FF-D320-49A9-9FFD-98A5063749C8}"/>
-              </a:ext>
-            </a:extLst>
-          </p:cNvPr>
-          <p:cNvSpPr txBox="1"/>
-          <p:nvPr/>
-        </p:nvSpPr>
-        <p:spPr>
-          <a:xfrm>
-            <a:off x="975853" y="2130318"/>
-            <a:ext cx="7179605" cy="461665"/>
-          </a:xfrm>
-          <a:prstGeom prst="rect">
-            <a:avLst/>
-          </a:prstGeom>
-          <a:noFill/>
-        </p:spPr>
-        <p:txBody>
-          <a:bodyPr wrap="square" rtlCol="0">
-            <a:spAutoFit/>
-          </a:bodyPr>
-          <a:lstStyle/>
-          <a:p>
-            <a:r>
-              <a:rPr lang="en-US" sz="2400" b="1" dirty="0"/>
-              <a:t>How will this new feature will impact the price?</a:t>
-            </a:r>
-            <a:endParaRPr lang="en-CA" sz="2400" b="1" dirty="0"/>
-          </a:p>
-        </p:txBody>
-      </p:sp>
-    </p:spTree>
-    <p:extLst>
-      <p:ext uri="{BB962C8B-B14F-4D97-AF65-F5344CB8AC3E}">
-        <p14:creationId xmlns:p14="http://schemas.microsoft.com/office/powerpoint/2010/main" val="513184334"/>
-      </p:ext>
-    </p:extLst>
-  </p:cSld>
-  <p:clrMapOvr>
-    <a:masterClrMapping/>
-  </p:clrMapOvr>
-  <p:timing>
-    <p:tnLst>
-      <p:par>
-        <p:cTn id="1" dur="indefinite" restart="never" nodeType="tmRoot">
-          <p:childTnLst>
-            <p:seq concurrent="1" nextAc="seek">
-              <p:cTn id="2" dur="indefinite" nodeType="mainSeq">
-                <p:childTnLst>
-                  <p:par>
-                    <p:cTn id="3" fill="hold">
-                      <p:stCondLst>
-                        <p:cond delay="indefinite"/>
-                      </p:stCondLst>
-                      <p:childTnLst>
-                        <p:par>
-                          <p:cTn id="4" fill="hold">
-                            <p:stCondLst>
-                              <p:cond delay="0"/>
-                            </p:stCondLst>
-                            <p:childTnLst>
-                              <p:par>
-                                <p:cTn id="5" presetID="2" presetClass="entr" presetSubtype="1" fill="hold" grpId="0" nodeType="clickEffect">
-                                  <p:stCondLst>
-                                    <p:cond delay="0"/>
-                                  </p:stCondLst>
-                                  <p:childTnLst>
-                                    <p:set>
-                                      <p:cBhvr>
-                                        <p:cTn id="6" dur="1" fill="hold">
-                                          <p:stCondLst>
-                                            <p:cond delay="0"/>
-                                          </p:stCondLst>
-                                        </p:cTn>
-                                        <p:tgtEl>
-                                          <p:spTgt spid="5"/>
-                                        </p:tgtEl>
-                                        <p:attrNameLst>
-                                          <p:attrName>style.visibility</p:attrName>
-                                        </p:attrNameLst>
-                                      </p:cBhvr>
-                                      <p:to>
-                                        <p:strVal val="visible"/>
-                                      </p:to>
-                                    </p:set>
-                                    <p:anim calcmode="lin" valueType="num">
-                                      <p:cBhvr additive="base">
-                                        <p:cTn id="7" dur="500" fill="hold"/>
-                                        <p:tgtEl>
-                                          <p:spTgt spid="5"/>
-                                        </p:tgtEl>
-                                        <p:attrNameLst>
-                                          <p:attrName>ppt_x</p:attrName>
-                                        </p:attrNameLst>
-                                      </p:cBhvr>
-                                      <p:tavLst>
-                                        <p:tav tm="0">
-                                          <p:val>
-                                            <p:strVal val="#ppt_x"/>
-                                          </p:val>
-                                        </p:tav>
-                                        <p:tav tm="100000">
-                                          <p:val>
-                                            <p:strVal val="#ppt_x"/>
-                                          </p:val>
-                                        </p:tav>
-                                      </p:tavLst>
-                                    </p:anim>
-                                    <p:anim calcmode="lin" valueType="num">
-                                      <p:cBhvr additive="base">
-                                        <p:cTn id="8" dur="500" fill="hold"/>
-                                        <p:tgtEl>
-                                          <p:spTgt spid="5"/>
-                                        </p:tgtEl>
-                                        <p:attrNameLst>
-                                          <p:attrName>ppt_y</p:attrName>
-                                        </p:attrNameLst>
-                                      </p:cBhvr>
-                                      <p:tavLst>
-                                        <p:tav tm="0">
-                                          <p:val>
-                                            <p:strVal val="0-#ppt_h/2"/>
-                                          </p:val>
-                                        </p:tav>
-                                        <p:tav tm="100000">
-                                          <p:val>
-                                            <p:strVal val="#ppt_y"/>
-                                          </p:val>
-                                        </p:tav>
-                                      </p:tavLst>
-                                    </p:anim>
-                                  </p:childTnLst>
-                                </p:cTn>
-                              </p:par>
-                            </p:childTnLst>
-                          </p:cTn>
-                        </p:par>
-                      </p:childTnLst>
-                    </p:cTn>
-                  </p:par>
-                  <p:par>
-                    <p:cTn id="9" fill="hold">
-                      <p:stCondLst>
-                        <p:cond delay="indefinite"/>
-                      </p:stCondLst>
-                      <p:childTnLst>
-                        <p:par>
-                          <p:cTn id="10" fill="hold">
-                            <p:stCondLst>
-                              <p:cond delay="0"/>
-                            </p:stCondLst>
-                            <p:childTnLst>
-                              <p:par>
-                                <p:cTn id="11" presetID="2" presetClass="entr" presetSubtype="8" fill="hold" nodeType="clickEffect">
-                                  <p:stCondLst>
-                                    <p:cond delay="0"/>
-                                  </p:stCondLst>
-                                  <p:childTnLst>
-                                    <p:set>
-                                      <p:cBhvr>
-                                        <p:cTn id="12" dur="1" fill="hold">
-                                          <p:stCondLst>
-                                            <p:cond delay="0"/>
-                                          </p:stCondLst>
-                                        </p:cTn>
-                                        <p:tgtEl>
-                                          <p:spTgt spid="4"/>
-                                        </p:tgtEl>
-                                        <p:attrNameLst>
-                                          <p:attrName>style.visibility</p:attrName>
-                                        </p:attrNameLst>
-                                      </p:cBhvr>
-                                      <p:to>
-                                        <p:strVal val="visible"/>
-                                      </p:to>
-                                    </p:set>
-                                    <p:anim calcmode="lin" valueType="num">
-                                      <p:cBhvr additive="base">
-                                        <p:cTn id="13" dur="500" fill="hold"/>
-                                        <p:tgtEl>
-                                          <p:spTgt spid="4"/>
-                                        </p:tgtEl>
-                                        <p:attrNameLst>
-                                          <p:attrName>ppt_x</p:attrName>
-                                        </p:attrNameLst>
-                                      </p:cBhvr>
-                                      <p:tavLst>
-                                        <p:tav tm="0">
-                                          <p:val>
-                                            <p:strVal val="0-#ppt_w/2"/>
-                                          </p:val>
-                                        </p:tav>
-                                        <p:tav tm="100000">
-                                          <p:val>
-                                            <p:strVal val="#ppt_x"/>
-                                          </p:val>
-                                        </p:tav>
-                                      </p:tavLst>
-                                    </p:anim>
-                                    <p:anim calcmode="lin" valueType="num">
-                                      <p:cBhvr additive="base">
-                                        <p:cTn id="14" dur="500" fill="hold"/>
-                                        <p:tgtEl>
-                                          <p:spTgt spid="4"/>
-                                        </p:tgtEl>
-                                        <p:attrNameLst>
-                                          <p:attrName>ppt_y</p:attrName>
-                                        </p:attrNameLst>
-                                      </p:cBhvr>
-                                      <p:tavLst>
-                                        <p:tav tm="0">
-                                          <p:val>
-                                            <p:strVal val="#ppt_y"/>
-                                          </p:val>
-                                        </p:tav>
-                                        <p:tav tm="100000">
-                                          <p:val>
-                                            <p:strVal val="#ppt_y"/>
-                                          </p:val>
-                                        </p:tav>
-                                      </p:tavLst>
-                                    </p:anim>
-                                  </p:childTnLst>
-                                </p:cTn>
-                              </p:par>
-                            </p:childTnLst>
-                          </p:cTn>
-                        </p:par>
-                      </p:childTnLst>
-                    </p:cTn>
-                  </p:par>
-                  <p:par>
-                    <p:cTn id="15" fill="hold">
-                      <p:stCondLst>
-                        <p:cond delay="indefinite"/>
-                      </p:stCondLst>
-                      <p:childTnLst>
-                        <p:par>
-                          <p:cTn id="16" fill="hold">
-                            <p:stCondLst>
-                              <p:cond delay="0"/>
-                            </p:stCondLst>
-                            <p:childTnLst>
-                              <p:par>
-                                <p:cTn id="17" presetID="2" presetClass="entr" presetSubtype="8" fill="hold" grpId="0" nodeType="clickEffect">
-                                  <p:stCondLst>
-                                    <p:cond delay="0"/>
-                                  </p:stCondLst>
-                                  <p:childTnLst>
-                                    <p:set>
-                                      <p:cBhvr>
-                                        <p:cTn id="18" dur="1" fill="hold">
-                                          <p:stCondLst>
-                                            <p:cond delay="0"/>
-                                          </p:stCondLst>
-                                        </p:cTn>
-                                        <p:tgtEl>
-                                          <p:spTgt spid="13"/>
-                                        </p:tgtEl>
-                                        <p:attrNameLst>
-                                          <p:attrName>style.visibility</p:attrName>
-                                        </p:attrNameLst>
-                                      </p:cBhvr>
-                                      <p:to>
-                                        <p:strVal val="visible"/>
-                                      </p:to>
-                                    </p:set>
-                                    <p:anim calcmode="lin" valueType="num">
-                                      <p:cBhvr additive="base">
-                                        <p:cTn id="19" dur="500" fill="hold"/>
-                                        <p:tgtEl>
-                                          <p:spTgt spid="13"/>
-                                        </p:tgtEl>
-                                        <p:attrNameLst>
-                                          <p:attrName>ppt_x</p:attrName>
-                                        </p:attrNameLst>
-                                      </p:cBhvr>
-                                      <p:tavLst>
-                                        <p:tav tm="0">
-                                          <p:val>
-                                            <p:strVal val="0-#ppt_w/2"/>
-                                          </p:val>
-                                        </p:tav>
-                                        <p:tav tm="100000">
-                                          <p:val>
-                                            <p:strVal val="#ppt_x"/>
-                                          </p:val>
-                                        </p:tav>
-                                      </p:tavLst>
-                                    </p:anim>
-                                    <p:anim calcmode="lin" valueType="num">
-                                      <p:cBhvr additive="base">
-                                        <p:cTn id="20" dur="500" fill="hold"/>
-                                        <p:tgtEl>
-                                          <p:spTgt spid="13"/>
-                                        </p:tgtEl>
-                                        <p:attrNameLst>
-                                          <p:attrName>ppt_y</p:attrName>
-                                        </p:attrNameLst>
-                                      </p:cBhvr>
-                                      <p:tavLst>
-                                        <p:tav tm="0">
-                                          <p:val>
-                                            <p:strVal val="#ppt_y"/>
-                                          </p:val>
-                                        </p:tav>
-                                        <p:tav tm="100000">
-                                          <p:val>
-                                            <p:strVal val="#ppt_y"/>
-                                          </p:val>
-                                        </p:tav>
-                                      </p:tavLst>
-                                    </p:anim>
-                                  </p:childTnLst>
-                                </p:cTn>
-                              </p:par>
-                            </p:childTnLst>
-                          </p:cTn>
-                        </p:par>
-                      </p:childTnLst>
-                    </p:cTn>
-                  </p:par>
-                  <p:par>
-                    <p:cTn id="21" fill="hold">
-                      <p:stCondLst>
-                        <p:cond delay="indefinite"/>
-                      </p:stCondLst>
-                      <p:childTnLst>
-                        <p:par>
-                          <p:cTn id="22" fill="hold">
-                            <p:stCondLst>
-                              <p:cond delay="0"/>
-                            </p:stCondLst>
-                            <p:childTnLst>
-                              <p:par>
-                                <p:cTn id="23" presetID="2" presetClass="entr" presetSubtype="8" fill="hold" nodeType="clickEffect">
-                                  <p:stCondLst>
-                                    <p:cond delay="0"/>
-                                  </p:stCondLst>
-                                  <p:childTnLst>
-                                    <p:set>
-                                      <p:cBhvr>
-                                        <p:cTn id="24" dur="1" fill="hold">
-                                          <p:stCondLst>
-                                            <p:cond delay="0"/>
-                                          </p:stCondLst>
-                                        </p:cTn>
-                                        <p:tgtEl>
-                                          <p:spTgt spid="11"/>
-                                        </p:tgtEl>
-                                        <p:attrNameLst>
-                                          <p:attrName>style.visibility</p:attrName>
-                                        </p:attrNameLst>
-                                      </p:cBhvr>
-                                      <p:to>
-                                        <p:strVal val="visible"/>
-                                      </p:to>
-                                    </p:set>
-                                    <p:anim calcmode="lin" valueType="num">
-                                      <p:cBhvr additive="base">
-                                        <p:cTn id="25" dur="500" fill="hold"/>
-                                        <p:tgtEl>
-                                          <p:spTgt spid="11"/>
-                                        </p:tgtEl>
-                                        <p:attrNameLst>
-                                          <p:attrName>ppt_x</p:attrName>
-                                        </p:attrNameLst>
-                                      </p:cBhvr>
-                                      <p:tavLst>
-                                        <p:tav tm="0">
-                                          <p:val>
-                                            <p:strVal val="0-#ppt_w/2"/>
-                                          </p:val>
-                                        </p:tav>
-                                        <p:tav tm="100000">
-                                          <p:val>
-                                            <p:strVal val="#ppt_x"/>
-                                          </p:val>
-                                        </p:tav>
-                                      </p:tavLst>
-                                    </p:anim>
-                                    <p:anim calcmode="lin" valueType="num">
-                                      <p:cBhvr additive="base">
-                                        <p:cTn id="26" dur="500" fill="hold"/>
-                                        <p:tgtEl>
-                                          <p:spTgt spid="11"/>
-                                        </p:tgtEl>
-                                        <p:attrNameLst>
-                                          <p:attrName>ppt_y</p:attrName>
-                                        </p:attrNameLst>
-                                      </p:cBhvr>
-                                      <p:tavLst>
-                                        <p:tav tm="0">
-                                          <p:val>
-                                            <p:strVal val="#ppt_y"/>
-                                          </p:val>
-                                        </p:tav>
-                                        <p:tav tm="100000">
-                                          <p:val>
-                                            <p:strVal val="#ppt_y"/>
-                                          </p:val>
-                                        </p:tav>
-                                      </p:tavLst>
-                                    </p:anim>
-                                  </p:childTnLst>
-                                </p:cTn>
-                              </p:par>
-                            </p:childTnLst>
-                          </p:cTn>
-                        </p:par>
-                      </p:childTnLst>
-                    </p:cTn>
-                  </p:par>
-                </p:childTnLst>
-              </p:cTn>
-              <p:prevCondLst>
-                <p:cond evt="onPrev" delay="0">
-                  <p:tgtEl>
-                    <p:sldTgt/>
-                  </p:tgtEl>
-                </p:cond>
-              </p:prevCondLst>
-              <p:nextCondLst>
-                <p:cond evt="onNext" delay="0">
-                  <p:tgtEl>
-                    <p:sldTgt/>
-                  </p:tgtEl>
-                </p:cond>
-              </p:nextCondLst>
-            </p:seq>
-          </p:childTnLst>
-        </p:cTn>
-      </p:par>
-    </p:tnLst>
-    <p:bldLst>
-      <p:bldP spid="13" grpId="0" animBg="1"/>
-      <p:bldP spid="5" grpId="0"/>
-    </p:bldLst>
-  </p:timing>
 </p:sld>
 </file>
 
@@ -10369,7 +9839,7 @@
                   <a:srgbClr val="EA5E46"/>
                 </a:solidFill>
               </a:rPr>
-              <a:t>Model Data Preprocessing</a:t>
+              <a:t>Preprocessing Model Data</a:t>
             </a:r>
           </a:p>
         </p:txBody>
@@ -10922,7 +10392,7 @@
                   <a:srgbClr val="EA5E46"/>
                 </a:solidFill>
               </a:rPr>
-              <a:t>Model Data Challenges</a:t>
+              <a:t>Running the Preprocessing</a:t>
             </a:r>
           </a:p>
         </p:txBody>
@@ -11032,7 +10502,7 @@
         <p:spPr>
           <a:xfrm>
             <a:off x="1192261" y="2130316"/>
-            <a:ext cx="9085929" cy="5970865"/>
+            <a:ext cx="9085929" cy="2954655"/>
           </a:xfrm>
           <a:prstGeom prst="rect">
             <a:avLst/>
@@ -11050,23 +10520,12 @@
               <a:buChar char="•"/>
             </a:pPr>
             <a:r>
-              <a:rPr lang="en-US" sz="2000" dirty="0">
-                <a:latin typeface="Calibri" panose="020F0502020204030204" pitchFamily="34" charset="0"/>
-                <a:ea typeface="Calibri" panose="020F0502020204030204" pitchFamily="34" charset="0"/>
-                <a:cs typeface="Times New Roman" panose="02020603050405020304" pitchFamily="18" charset="0"/>
-              </a:rPr>
-              <a:t>There is no such thing as a perfect dataset  for the project.</a:t>
-            </a:r>
-          </a:p>
-          <a:p>
-            <a:r>
-              <a:rPr lang="en-US" sz="2000" dirty="0">
-                <a:latin typeface="Calibri" panose="020F0502020204030204" pitchFamily="34" charset="0"/>
-                <a:ea typeface="Calibri" panose="020F0502020204030204" pitchFamily="34" charset="0"/>
-                <a:cs typeface="Times New Roman" panose="02020603050405020304" pitchFamily="18" charset="0"/>
-              </a:rPr>
-              <a:t> </a:t>
-            </a:r>
+              <a:rPr lang="en-US" sz="2400" dirty="0"/>
+              <a:t>Run the model by fitting the X &amp; y training data</a:t>
+            </a:r>
+          </a:p>
+          <a:p>
+            <a:endParaRPr lang="en-US" sz="2400" dirty="0"/>
           </a:p>
           <a:p>
             <a:pPr marL="285750" indent="-285750">
@@ -11074,41 +10533,16 @@
               <a:buChar char="•"/>
             </a:pPr>
             <a:r>
-              <a:rPr lang="en-US" sz="2000" dirty="0">
-                <a:latin typeface="Calibri" panose="020F0502020204030204" pitchFamily="34" charset="0"/>
-                <a:ea typeface="Calibri" panose="020F0502020204030204" pitchFamily="34" charset="0"/>
-                <a:cs typeface="Times New Roman" panose="02020603050405020304" pitchFamily="18" charset="0"/>
-              </a:rPr>
-              <a:t>Large datasets slows down the process.</a:t>
-            </a:r>
-          </a:p>
-          <a:p>
-            <a:endParaRPr lang="en-US" sz="2000" dirty="0">
-              <a:latin typeface="Calibri" panose="020F0502020204030204" pitchFamily="34" charset="0"/>
-              <a:ea typeface="Calibri" panose="020F0502020204030204" pitchFamily="34" charset="0"/>
-              <a:cs typeface="Times New Roman" panose="02020603050405020304" pitchFamily="18" charset="0"/>
-            </a:endParaRPr>
+              <a:rPr lang="en-US" sz="2400" dirty="0"/>
+              <a:t>Determine Coefficient correlation (r^2) </a:t>
+            </a:r>
           </a:p>
           <a:p>
             <a:pPr marL="285750" indent="-285750">
               <a:buFont typeface="Arial" panose="020B0604020202020204" pitchFamily="34" charset="0"/>
               <a:buChar char="•"/>
             </a:pPr>
-            <a:r>
-              <a:rPr lang="en-US" sz="2000" dirty="0">
-                <a:latin typeface="Calibri" panose="020F0502020204030204" pitchFamily="34" charset="0"/>
-                <a:ea typeface="Calibri" panose="020F0502020204030204" pitchFamily="34" charset="0"/>
-                <a:cs typeface="Times New Roman" panose="02020603050405020304" pitchFamily="18" charset="0"/>
-              </a:rPr>
-              <a:t>Limited Connections to run the free version of the PostgreSQL.</a:t>
-            </a:r>
-          </a:p>
-          <a:p>
-            <a:endParaRPr lang="en-US" sz="2000" dirty="0">
-              <a:latin typeface="Calibri" panose="020F0502020204030204" pitchFamily="34" charset="0"/>
-              <a:ea typeface="Calibri" panose="020F0502020204030204" pitchFamily="34" charset="0"/>
-              <a:cs typeface="Times New Roman" panose="02020603050405020304" pitchFamily="18" charset="0"/>
-            </a:endParaRPr>
+            <a:endParaRPr lang="en-US" sz="2400" dirty="0"/>
           </a:p>
           <a:p>
             <a:pPr marL="285750" indent="-285750">
@@ -11116,12 +10550,8 @@
               <a:buChar char="•"/>
             </a:pPr>
             <a:r>
-              <a:rPr lang="en-US" sz="2000" dirty="0">
-                <a:latin typeface="Calibri" panose="020F0502020204030204" pitchFamily="34" charset="0"/>
-                <a:ea typeface="Calibri" panose="020F0502020204030204" pitchFamily="34" charset="0"/>
-                <a:cs typeface="Times New Roman" panose="02020603050405020304" pitchFamily="18" charset="0"/>
-              </a:rPr>
-              <a:t>Requires many trial runs to select the right features to find the best fit for the model.</a:t>
+              <a:rPr lang="en-US" sz="2400" dirty="0"/>
+              <a:t>Determine Mean Squared Error (MSE)</a:t>
             </a:r>
           </a:p>
           <a:p>
@@ -11129,11 +10559,7 @@
               <a:buFont typeface="Arial" panose="020B0604020202020204" pitchFamily="34" charset="0"/>
               <a:buChar char="•"/>
             </a:pPr>
-            <a:endParaRPr lang="en-US" sz="2000" dirty="0">
-              <a:latin typeface="Calibri" panose="020F0502020204030204" pitchFamily="34" charset="0"/>
-              <a:ea typeface="Calibri" panose="020F0502020204030204" pitchFamily="34" charset="0"/>
-              <a:cs typeface="Times New Roman" panose="02020603050405020304" pitchFamily="18" charset="0"/>
-            </a:endParaRPr>
+            <a:endParaRPr lang="en-US" sz="2400" dirty="0"/>
           </a:p>
           <a:p>
             <a:pPr marL="285750" indent="-285750">
@@ -11141,99 +10567,12 @@
               <a:buChar char="•"/>
             </a:pPr>
             <a:r>
-              <a:rPr lang="en-US" sz="2000" dirty="0">
-                <a:latin typeface="Calibri" panose="020F0502020204030204" pitchFamily="34" charset="0"/>
-                <a:ea typeface="Calibri" panose="020F0502020204030204" pitchFamily="34" charset="0"/>
-                <a:cs typeface="Times New Roman" panose="02020603050405020304" pitchFamily="18" charset="0"/>
-              </a:rPr>
-              <a:t>Time Consuming to run the Hyperparameter Tuning for the test results as many combinations are tested to determine the overall test score.</a:t>
-            </a:r>
-          </a:p>
-          <a:p>
-            <a:pPr marL="285750" indent="-285750">
-              <a:buFont typeface="Arial" panose="020B0604020202020204" pitchFamily="34" charset="0"/>
-              <a:buChar char="•"/>
-            </a:pPr>
-            <a:endParaRPr lang="en-US" dirty="0">
-              <a:latin typeface="Calibri" panose="020F0502020204030204" pitchFamily="34" charset="0"/>
-              <a:ea typeface="Calibri" panose="020F0502020204030204" pitchFamily="34" charset="0"/>
-              <a:cs typeface="Times New Roman" panose="02020603050405020304" pitchFamily="18" charset="0"/>
-            </a:endParaRPr>
-          </a:p>
-          <a:p>
-            <a:pPr marL="285750" indent="-285750">
-              <a:buFont typeface="Arial" panose="020B0604020202020204" pitchFamily="34" charset="0"/>
-              <a:buChar char="•"/>
-            </a:pPr>
-            <a:endParaRPr lang="en-US" dirty="0">
-              <a:latin typeface="Calibri" panose="020F0502020204030204" pitchFamily="34" charset="0"/>
-              <a:ea typeface="Calibri" panose="020F0502020204030204" pitchFamily="34" charset="0"/>
-              <a:cs typeface="Times New Roman" panose="02020603050405020304" pitchFamily="18" charset="0"/>
-            </a:endParaRPr>
-          </a:p>
-          <a:p>
-            <a:pPr marL="285750" indent="-285750">
-              <a:buFont typeface="Arial" panose="020B0604020202020204" pitchFamily="34" charset="0"/>
-              <a:buChar char="•"/>
-            </a:pPr>
-            <a:endParaRPr lang="en-US" dirty="0">
-              <a:latin typeface="Calibri" panose="020F0502020204030204" pitchFamily="34" charset="0"/>
-              <a:ea typeface="Calibri" panose="020F0502020204030204" pitchFamily="34" charset="0"/>
-              <a:cs typeface="Times New Roman" panose="02020603050405020304" pitchFamily="18" charset="0"/>
-            </a:endParaRPr>
-          </a:p>
-          <a:p>
-            <a:pPr marL="285750" indent="-285750">
-              <a:buFont typeface="Arial" panose="020B0604020202020204" pitchFamily="34" charset="0"/>
-              <a:buChar char="•"/>
-            </a:pPr>
-            <a:endParaRPr lang="en-US" dirty="0">
-              <a:latin typeface="Calibri" panose="020F0502020204030204" pitchFamily="34" charset="0"/>
-              <a:ea typeface="Calibri" panose="020F0502020204030204" pitchFamily="34" charset="0"/>
-              <a:cs typeface="Times New Roman" panose="02020603050405020304" pitchFamily="18" charset="0"/>
-            </a:endParaRPr>
-          </a:p>
-          <a:p>
-            <a:endParaRPr lang="en-US" dirty="0">
-              <a:latin typeface="Calibri" panose="020F0502020204030204" pitchFamily="34" charset="0"/>
-              <a:ea typeface="Calibri" panose="020F0502020204030204" pitchFamily="34" charset="0"/>
-              <a:cs typeface="Times New Roman" panose="02020603050405020304" pitchFamily="18" charset="0"/>
-            </a:endParaRPr>
-          </a:p>
-          <a:p>
-            <a:endParaRPr lang="en-US" dirty="0">
-              <a:latin typeface="Calibri" panose="020F0502020204030204" pitchFamily="34" charset="0"/>
-              <a:ea typeface="Calibri" panose="020F0502020204030204" pitchFamily="34" charset="0"/>
-              <a:cs typeface="Times New Roman" panose="02020603050405020304" pitchFamily="18" charset="0"/>
-            </a:endParaRPr>
-          </a:p>
-          <a:p>
-            <a:pPr marL="285750" indent="-285750">
-              <a:buFont typeface="Arial" panose="020B0604020202020204" pitchFamily="34" charset="0"/>
-              <a:buChar char="•"/>
-            </a:pPr>
-            <a:endParaRPr lang="en-US" dirty="0">
-              <a:latin typeface="Calibri" panose="020F0502020204030204" pitchFamily="34" charset="0"/>
-              <a:ea typeface="Calibri" panose="020F0502020204030204" pitchFamily="34" charset="0"/>
-              <a:cs typeface="Times New Roman" panose="02020603050405020304" pitchFamily="18" charset="0"/>
-            </a:endParaRPr>
-          </a:p>
-          <a:p>
-            <a:pPr marL="285750" indent="-285750">
-              <a:buFont typeface="Arial" panose="020B0604020202020204" pitchFamily="34" charset="0"/>
-              <a:buChar char="•"/>
-            </a:pPr>
-            <a:endParaRPr lang="en-US" dirty="0">
-              <a:latin typeface="Calibri" panose="020F0502020204030204" pitchFamily="34" charset="0"/>
-              <a:ea typeface="Calibri" panose="020F0502020204030204" pitchFamily="34" charset="0"/>
-              <a:cs typeface="Times New Roman" panose="02020603050405020304" pitchFamily="18" charset="0"/>
-            </a:endParaRPr>
-          </a:p>
-          <a:p>
-            <a:pPr marL="285750" indent="-285750">
-              <a:buFont typeface="Arial" panose="020B0604020202020204" pitchFamily="34" charset="0"/>
-              <a:buChar char="•"/>
-            </a:pPr>
+              <a:rPr lang="en-US" sz="2400" dirty="0"/>
+              <a:t>Hyperparameter Tune the Model </a:t>
+            </a:r>
+            <a:endParaRPr lang="en-US" dirty="0"/>
+          </a:p>
+          <a:p>
             <a:endParaRPr lang="en-US" dirty="0"/>
           </a:p>
         </p:txBody>
@@ -11241,337 +10580,13 @@
     </p:spTree>
     <p:extLst>
       <p:ext uri="{BB962C8B-B14F-4D97-AF65-F5344CB8AC3E}">
-        <p14:creationId xmlns:p14="http://schemas.microsoft.com/office/powerpoint/2010/main" val="2081102554"/>
+        <p14:creationId xmlns:p14="http://schemas.microsoft.com/office/powerpoint/2010/main" val="2673286843"/>
       </p:ext>
     </p:extLst>
   </p:cSld>
   <p:clrMapOvr>
     <a:masterClrMapping/>
   </p:clrMapOvr>
-  <p:timing>
-    <p:tnLst>
-      <p:par>
-        <p:cTn id="1" dur="indefinite" restart="never" nodeType="tmRoot">
-          <p:childTnLst>
-            <p:seq concurrent="1" nextAc="seek">
-              <p:cTn id="2" dur="indefinite" nodeType="mainSeq">
-                <p:childTnLst>
-                  <p:par>
-                    <p:cTn id="3" fill="hold">
-                      <p:stCondLst>
-                        <p:cond delay="indefinite"/>
-                      </p:stCondLst>
-                      <p:childTnLst>
-                        <p:par>
-                          <p:cTn id="4" fill="hold">
-                            <p:stCondLst>
-                              <p:cond delay="0"/>
-                            </p:stCondLst>
-                            <p:childTnLst>
-                              <p:par>
-                                <p:cTn id="5" presetID="1" presetClass="entr" presetSubtype="0" fill="hold" nodeType="clickEffect">
-                                  <p:stCondLst>
-                                    <p:cond delay="0"/>
-                                  </p:stCondLst>
-                                  <p:childTnLst>
-                                    <p:set>
-                                      <p:cBhvr>
-                                        <p:cTn id="6" dur="1" fill="hold">
-                                          <p:stCondLst>
-                                            <p:cond delay="0"/>
-                                          </p:stCondLst>
-                                        </p:cTn>
-                                        <p:tgtEl>
-                                          <p:spTgt spid="4">
-                                            <p:txEl>
-                                              <p:pRg st="6" end="6"/>
-                                            </p:txEl>
-                                          </p:spTgt>
-                                        </p:tgtEl>
-                                        <p:attrNameLst>
-                                          <p:attrName>style.visibility</p:attrName>
-                                        </p:attrNameLst>
-                                      </p:cBhvr>
-                                      <p:to>
-                                        <p:strVal val="visible"/>
-                                      </p:to>
-                                    </p:set>
-                                  </p:childTnLst>
-                                </p:cTn>
-                              </p:par>
-                            </p:childTnLst>
-                          </p:cTn>
-                        </p:par>
-                      </p:childTnLst>
-                    </p:cTn>
-                  </p:par>
-                  <p:par>
-                    <p:cTn id="7" fill="hold">
-                      <p:stCondLst>
-                        <p:cond delay="indefinite"/>
-                      </p:stCondLst>
-                      <p:childTnLst>
-                        <p:par>
-                          <p:cTn id="8" fill="hold">
-                            <p:stCondLst>
-                              <p:cond delay="0"/>
-                            </p:stCondLst>
-                            <p:childTnLst>
-                              <p:par>
-                                <p:cTn id="9" presetID="1" presetClass="entr" presetSubtype="0" fill="hold" nodeType="clickEffect">
-                                  <p:stCondLst>
-                                    <p:cond delay="0"/>
-                                  </p:stCondLst>
-                                  <p:childTnLst>
-                                    <p:set>
-                                      <p:cBhvr>
-                                        <p:cTn id="10" dur="1" fill="hold">
-                                          <p:stCondLst>
-                                            <p:cond delay="0"/>
-                                          </p:stCondLst>
-                                        </p:cTn>
-                                        <p:tgtEl>
-                                          <p:spTgt spid="4">
-                                            <p:txEl>
-                                              <p:pRg st="2" end="2"/>
-                                            </p:txEl>
-                                          </p:spTgt>
-                                        </p:tgtEl>
-                                        <p:attrNameLst>
-                                          <p:attrName>style.visibility</p:attrName>
-                                        </p:attrNameLst>
-                                      </p:cBhvr>
-                                      <p:to>
-                                        <p:strVal val="visible"/>
-                                      </p:to>
-                                    </p:set>
-                                  </p:childTnLst>
-                                </p:cTn>
-                              </p:par>
-                            </p:childTnLst>
-                          </p:cTn>
-                        </p:par>
-                      </p:childTnLst>
-                    </p:cTn>
-                  </p:par>
-                  <p:par>
-                    <p:cTn id="11" fill="hold">
-                      <p:stCondLst>
-                        <p:cond delay="indefinite"/>
-                      </p:stCondLst>
-                      <p:childTnLst>
-                        <p:par>
-                          <p:cTn id="12" fill="hold">
-                            <p:stCondLst>
-                              <p:cond delay="0"/>
-                            </p:stCondLst>
-                            <p:childTnLst>
-                              <p:par>
-                                <p:cTn id="13" presetID="1" presetClass="entr" presetSubtype="0" fill="hold" nodeType="clickEffect">
-                                  <p:stCondLst>
-                                    <p:cond delay="0"/>
-                                  </p:stCondLst>
-                                  <p:childTnLst>
-                                    <p:set>
-                                      <p:cBhvr>
-                                        <p:cTn id="14" dur="1" fill="hold">
-                                          <p:stCondLst>
-                                            <p:cond delay="0"/>
-                                          </p:stCondLst>
-                                        </p:cTn>
-                                        <p:tgtEl>
-                                          <p:spTgt spid="4">
-                                            <p:txEl>
-                                              <p:pRg st="0" end="0"/>
-                                            </p:txEl>
-                                          </p:spTgt>
-                                        </p:tgtEl>
-                                        <p:attrNameLst>
-                                          <p:attrName>style.visibility</p:attrName>
-                                        </p:attrNameLst>
-                                      </p:cBhvr>
-                                      <p:to>
-                                        <p:strVal val="visible"/>
-                                      </p:to>
-                                    </p:set>
-                                  </p:childTnLst>
-                                </p:cTn>
-                              </p:par>
-                            </p:childTnLst>
-                          </p:cTn>
-                        </p:par>
-                      </p:childTnLst>
-                    </p:cTn>
-                  </p:par>
-                  <p:par>
-                    <p:cTn id="15" fill="hold">
-                      <p:stCondLst>
-                        <p:cond delay="indefinite"/>
-                      </p:stCondLst>
-                      <p:childTnLst>
-                        <p:par>
-                          <p:cTn id="16" fill="hold">
-                            <p:stCondLst>
-                              <p:cond delay="0"/>
-                            </p:stCondLst>
-                            <p:childTnLst>
-                              <p:par>
-                                <p:cTn id="17" presetID="1" presetClass="entr" presetSubtype="0" fill="hold" nodeType="clickEffect">
-                                  <p:stCondLst>
-                                    <p:cond delay="0"/>
-                                  </p:stCondLst>
-                                  <p:childTnLst>
-                                    <p:set>
-                                      <p:cBhvr>
-                                        <p:cTn id="18" dur="1" fill="hold">
-                                          <p:stCondLst>
-                                            <p:cond delay="0"/>
-                                          </p:stCondLst>
-                                        </p:cTn>
-                                        <p:tgtEl>
-                                          <p:spTgt spid="4">
-                                            <p:txEl>
-                                              <p:pRg st="1" end="1"/>
-                                            </p:txEl>
-                                          </p:spTgt>
-                                        </p:tgtEl>
-                                        <p:attrNameLst>
-                                          <p:attrName>style.visibility</p:attrName>
-                                        </p:attrNameLst>
-                                      </p:cBhvr>
-                                      <p:to>
-                                        <p:strVal val="visible"/>
-                                      </p:to>
-                                    </p:set>
-                                  </p:childTnLst>
-                                </p:cTn>
-                              </p:par>
-                            </p:childTnLst>
-                          </p:cTn>
-                        </p:par>
-                      </p:childTnLst>
-                    </p:cTn>
-                  </p:par>
-                  <p:par>
-                    <p:cTn id="19" fill="hold">
-                      <p:stCondLst>
-                        <p:cond delay="indefinite"/>
-                      </p:stCondLst>
-                      <p:childTnLst>
-                        <p:par>
-                          <p:cTn id="20" fill="hold">
-                            <p:stCondLst>
-                              <p:cond delay="0"/>
-                            </p:stCondLst>
-                            <p:childTnLst>
-                              <p:par>
-                                <p:cTn id="21" presetID="1" presetClass="entr" presetSubtype="0" fill="hold" nodeType="clickEffect">
-                                  <p:stCondLst>
-                                    <p:cond delay="0"/>
-                                  </p:stCondLst>
-                                  <p:childTnLst>
-                                    <p:set>
-                                      <p:cBhvr>
-                                        <p:cTn id="22" dur="1" fill="hold">
-                                          <p:stCondLst>
-                                            <p:cond delay="0"/>
-                                          </p:stCondLst>
-                                        </p:cTn>
-                                        <p:tgtEl>
-                                          <p:spTgt spid="4">
-                                            <p:txEl>
-                                              <p:pRg st="4" end="4"/>
-                                            </p:txEl>
-                                          </p:spTgt>
-                                        </p:tgtEl>
-                                        <p:attrNameLst>
-                                          <p:attrName>style.visibility</p:attrName>
-                                        </p:attrNameLst>
-                                      </p:cBhvr>
-                                      <p:to>
-                                        <p:strVal val="visible"/>
-                                      </p:to>
-                                    </p:set>
-                                  </p:childTnLst>
-                                </p:cTn>
-                              </p:par>
-                            </p:childTnLst>
-                          </p:cTn>
-                        </p:par>
-                      </p:childTnLst>
-                    </p:cTn>
-                  </p:par>
-                  <p:par>
-                    <p:cTn id="23" fill="hold">
-                      <p:stCondLst>
-                        <p:cond delay="indefinite"/>
-                      </p:stCondLst>
-                      <p:childTnLst>
-                        <p:par>
-                          <p:cTn id="24" fill="hold">
-                            <p:stCondLst>
-                              <p:cond delay="0"/>
-                            </p:stCondLst>
-                            <p:childTnLst>
-                              <p:par>
-                                <p:cTn id="25" presetID="1" presetClass="entr" presetSubtype="0" fill="hold" nodeType="clickEffect">
-                                  <p:stCondLst>
-                                    <p:cond delay="0"/>
-                                  </p:stCondLst>
-                                  <p:childTnLst>
-                                    <p:set>
-                                      <p:cBhvr>
-                                        <p:cTn id="26" dur="1" fill="hold">
-                                          <p:stCondLst>
-                                            <p:cond delay="0"/>
-                                          </p:stCondLst>
-                                        </p:cTn>
-                                        <p:tgtEl>
-                                          <p:spTgt spid="4">
-                                            <p:txEl>
-                                              <p:pRg st="8" end="8"/>
-                                            </p:txEl>
-                                          </p:spTgt>
-                                        </p:tgtEl>
-                                        <p:attrNameLst>
-                                          <p:attrName>style.visibility</p:attrName>
-                                        </p:attrNameLst>
-                                      </p:cBhvr>
-                                      <p:to>
-                                        <p:strVal val="visible"/>
-                                      </p:to>
-                                    </p:set>
-                                  </p:childTnLst>
-                                </p:cTn>
-                              </p:par>
-                            </p:childTnLst>
-                          </p:cTn>
-                        </p:par>
-                      </p:childTnLst>
-                    </p:cTn>
-                  </p:par>
-                </p:childTnLst>
-              </p:cTn>
-              <p:prevCondLst>
-                <p:cond evt="onPrev" delay="0">
-                  <p:tgtEl>
-                    <p:sldTgt/>
-                  </p:tgtEl>
-                </p:cond>
-              </p:prevCondLst>
-              <p:nextCondLst>
-                <p:cond evt="onNext" delay="0">
-                  <p:tgtEl>
-                    <p:sldTgt/>
-                  </p:tgtEl>
-                </p:cond>
-              </p:nextCondLst>
-            </p:seq>
-          </p:childTnLst>
-        </p:cTn>
-      </p:par>
-    </p:tnLst>
-  </p:timing>
 </p:sld>
 </file>
 
@@ -13638,8 +12653,8 @@
         </p:nvSpPr>
         <p:spPr>
           <a:xfrm>
-            <a:off x="1055716" y="1749397"/>
-            <a:ext cx="8537171" cy="3416320"/>
+            <a:off x="1055716" y="2073264"/>
+            <a:ext cx="8537171" cy="3693319"/>
           </a:xfrm>
           <a:prstGeom prst="rect">
             <a:avLst/>
@@ -13652,6 +12667,16 @@
           </a:bodyPr>
           <a:lstStyle/>
           <a:p>
+            <a:r>
+              <a:rPr lang="en-CA" b="1" dirty="0"/>
+              <a:t>In Order of Importance</a:t>
+            </a:r>
+          </a:p>
+          <a:p>
+            <a:pPr marL="285750" indent="-285750">
+              <a:buFont typeface="Arial" panose="020B0604020202020204" pitchFamily="34" charset="0"/>
+              <a:buChar char="•"/>
+            </a:pPr>
             <a:endParaRPr lang="en-CA" dirty="0"/>
           </a:p>
           <a:p>
@@ -14156,7 +13181,7 @@
         <p:spPr>
           <a:xfrm>
             <a:off x="1263535" y="1837113"/>
-            <a:ext cx="8761614" cy="3416320"/>
+            <a:ext cx="8761614" cy="3693319"/>
           </a:xfrm>
           <a:prstGeom prst="rect">
             <a:avLst/>
@@ -14238,6 +13263,23 @@
               <a:buFont typeface="Arial" panose="020B0604020202020204" pitchFamily="34" charset="0"/>
               <a:buChar char="•"/>
             </a:pPr>
+            <a:endParaRPr lang="en-US" dirty="0"/>
+          </a:p>
+          <a:p>
+            <a:pPr marL="285750" indent="-285750">
+              <a:buFont typeface="Arial" panose="020B0604020202020204" pitchFamily="34" charset="0"/>
+              <a:buChar char="•"/>
+            </a:pPr>
+            <a:r>
+              <a:rPr lang="en-US" dirty="0"/>
+              <a:t>[Gentrification] </a:t>
+            </a:r>
+            <a:r>
+              <a:rPr lang="en-US" dirty="0">
+                <a:sym typeface="Wingdings" panose="05000000000000000000" pitchFamily="2" charset="2"/>
+              </a:rPr>
+              <a:t> Amaris to provide input</a:t>
+            </a:r>
             <a:endParaRPr lang="en-US" dirty="0"/>
           </a:p>
           <a:p>
@@ -14811,7 +13853,7 @@
                   <a:srgbClr val="EA5E46"/>
                 </a:solidFill>
               </a:rPr>
-              <a:t>  Dashboard Outputs</a:t>
+              <a:t>Project Challenges</a:t>
             </a:r>
           </a:p>
         </p:txBody>
@@ -14845,7 +13887,7 @@
         </p:blipFill>
         <p:spPr bwMode="auto">
           <a:xfrm>
-            <a:off x="469817" y="108280"/>
+            <a:off x="530564" y="108278"/>
             <a:ext cx="2189605" cy="2022038"/>
           </a:xfrm>
           <a:prstGeom prst="rect">
@@ -14879,7 +13921,7 @@
         </p:nvCxnSpPr>
         <p:spPr>
           <a:xfrm>
-            <a:off x="975854" y="1822090"/>
+            <a:off x="975854" y="1684829"/>
             <a:ext cx="9518745" cy="1"/>
           </a:xfrm>
           <a:prstGeom prst="line">
@@ -14906,16 +13948,561 @@
           </a:fontRef>
         </p:style>
       </p:cxnSp>
+      <p:sp>
+        <p:nvSpPr>
+          <p:cNvPr id="4" name="TextBox 3">
+            <a:extLst>
+              <a:ext uri="{FF2B5EF4-FFF2-40B4-BE49-F238E27FC236}">
+                <a16:creationId xmlns:a16="http://schemas.microsoft.com/office/drawing/2014/main" id="{31BE652E-86DC-4FCA-A4E6-8A23BE7D34FE}"/>
+              </a:ext>
+            </a:extLst>
+          </p:cNvPr>
+          <p:cNvSpPr txBox="1"/>
+          <p:nvPr/>
+        </p:nvSpPr>
+        <p:spPr>
+          <a:xfrm>
+            <a:off x="1192261" y="2130316"/>
+            <a:ext cx="9085929" cy="5970865"/>
+          </a:xfrm>
+          <a:prstGeom prst="rect">
+            <a:avLst/>
+          </a:prstGeom>
+          <a:noFill/>
+        </p:spPr>
+        <p:txBody>
+          <a:bodyPr wrap="square" rtlCol="0">
+            <a:spAutoFit/>
+          </a:bodyPr>
+          <a:lstStyle/>
+          <a:p>
+            <a:pPr marL="285750" indent="-285750">
+              <a:buFont typeface="Arial" panose="020B0604020202020204" pitchFamily="34" charset="0"/>
+              <a:buChar char="•"/>
+            </a:pPr>
+            <a:r>
+              <a:rPr lang="en-US" sz="2000" dirty="0">
+                <a:latin typeface="Calibri" panose="020F0502020204030204" pitchFamily="34" charset="0"/>
+                <a:ea typeface="Calibri" panose="020F0502020204030204" pitchFamily="34" charset="0"/>
+                <a:cs typeface="Times New Roman" panose="02020603050405020304" pitchFamily="18" charset="0"/>
+              </a:rPr>
+              <a:t>There is no such thing as a perfect dataset  for the project.</a:t>
+            </a:r>
+          </a:p>
+          <a:p>
+            <a:r>
+              <a:rPr lang="en-US" sz="2000" dirty="0">
+                <a:latin typeface="Calibri" panose="020F0502020204030204" pitchFamily="34" charset="0"/>
+                <a:ea typeface="Calibri" panose="020F0502020204030204" pitchFamily="34" charset="0"/>
+                <a:cs typeface="Times New Roman" panose="02020603050405020304" pitchFamily="18" charset="0"/>
+              </a:rPr>
+              <a:t> </a:t>
+            </a:r>
+          </a:p>
+          <a:p>
+            <a:pPr marL="285750" indent="-285750">
+              <a:buFont typeface="Arial" panose="020B0604020202020204" pitchFamily="34" charset="0"/>
+              <a:buChar char="•"/>
+            </a:pPr>
+            <a:r>
+              <a:rPr lang="en-US" sz="2000" dirty="0">
+                <a:latin typeface="Calibri" panose="020F0502020204030204" pitchFamily="34" charset="0"/>
+                <a:ea typeface="Calibri" panose="020F0502020204030204" pitchFamily="34" charset="0"/>
+                <a:cs typeface="Times New Roman" panose="02020603050405020304" pitchFamily="18" charset="0"/>
+              </a:rPr>
+              <a:t>Large datasets slows down the process.</a:t>
+            </a:r>
+          </a:p>
+          <a:p>
+            <a:endParaRPr lang="en-US" sz="2000" dirty="0">
+              <a:latin typeface="Calibri" panose="020F0502020204030204" pitchFamily="34" charset="0"/>
+              <a:ea typeface="Calibri" panose="020F0502020204030204" pitchFamily="34" charset="0"/>
+              <a:cs typeface="Times New Roman" panose="02020603050405020304" pitchFamily="18" charset="0"/>
+            </a:endParaRPr>
+          </a:p>
+          <a:p>
+            <a:pPr marL="285750" indent="-285750">
+              <a:buFont typeface="Arial" panose="020B0604020202020204" pitchFamily="34" charset="0"/>
+              <a:buChar char="•"/>
+            </a:pPr>
+            <a:r>
+              <a:rPr lang="en-US" sz="2000" dirty="0">
+                <a:latin typeface="Calibri" panose="020F0502020204030204" pitchFamily="34" charset="0"/>
+                <a:ea typeface="Calibri" panose="020F0502020204030204" pitchFamily="34" charset="0"/>
+                <a:cs typeface="Times New Roman" panose="02020603050405020304" pitchFamily="18" charset="0"/>
+              </a:rPr>
+              <a:t>Limited Connections to run the free version of the PostgreSQL.</a:t>
+            </a:r>
+          </a:p>
+          <a:p>
+            <a:endParaRPr lang="en-US" sz="2000" dirty="0">
+              <a:latin typeface="Calibri" panose="020F0502020204030204" pitchFamily="34" charset="0"/>
+              <a:ea typeface="Calibri" panose="020F0502020204030204" pitchFamily="34" charset="0"/>
+              <a:cs typeface="Times New Roman" panose="02020603050405020304" pitchFamily="18" charset="0"/>
+            </a:endParaRPr>
+          </a:p>
+          <a:p>
+            <a:pPr marL="285750" indent="-285750">
+              <a:buFont typeface="Arial" panose="020B0604020202020204" pitchFamily="34" charset="0"/>
+              <a:buChar char="•"/>
+            </a:pPr>
+            <a:r>
+              <a:rPr lang="en-US" sz="2000" dirty="0">
+                <a:latin typeface="Calibri" panose="020F0502020204030204" pitchFamily="34" charset="0"/>
+                <a:ea typeface="Calibri" panose="020F0502020204030204" pitchFamily="34" charset="0"/>
+                <a:cs typeface="Times New Roman" panose="02020603050405020304" pitchFamily="18" charset="0"/>
+              </a:rPr>
+              <a:t>Requires many trial runs to select the right features to find the best fit for the model.</a:t>
+            </a:r>
+          </a:p>
+          <a:p>
+            <a:pPr marL="285750" indent="-285750">
+              <a:buFont typeface="Arial" panose="020B0604020202020204" pitchFamily="34" charset="0"/>
+              <a:buChar char="•"/>
+            </a:pPr>
+            <a:endParaRPr lang="en-US" sz="2000" dirty="0">
+              <a:latin typeface="Calibri" panose="020F0502020204030204" pitchFamily="34" charset="0"/>
+              <a:ea typeface="Calibri" panose="020F0502020204030204" pitchFamily="34" charset="0"/>
+              <a:cs typeface="Times New Roman" panose="02020603050405020304" pitchFamily="18" charset="0"/>
+            </a:endParaRPr>
+          </a:p>
+          <a:p>
+            <a:pPr marL="285750" indent="-285750">
+              <a:buFont typeface="Arial" panose="020B0604020202020204" pitchFamily="34" charset="0"/>
+              <a:buChar char="•"/>
+            </a:pPr>
+            <a:r>
+              <a:rPr lang="en-US" sz="2000" dirty="0">
+                <a:latin typeface="Calibri" panose="020F0502020204030204" pitchFamily="34" charset="0"/>
+                <a:ea typeface="Calibri" panose="020F0502020204030204" pitchFamily="34" charset="0"/>
+                <a:cs typeface="Times New Roman" panose="02020603050405020304" pitchFamily="18" charset="0"/>
+              </a:rPr>
+              <a:t>Time Consuming to run the Hyperparameter Tuning for the test results as many combinations are tested to determine the overall test score.</a:t>
+            </a:r>
+          </a:p>
+          <a:p>
+            <a:pPr marL="285750" indent="-285750">
+              <a:buFont typeface="Arial" panose="020B0604020202020204" pitchFamily="34" charset="0"/>
+              <a:buChar char="•"/>
+            </a:pPr>
+            <a:endParaRPr lang="en-US" dirty="0">
+              <a:latin typeface="Calibri" panose="020F0502020204030204" pitchFamily="34" charset="0"/>
+              <a:ea typeface="Calibri" panose="020F0502020204030204" pitchFamily="34" charset="0"/>
+              <a:cs typeface="Times New Roman" panose="02020603050405020304" pitchFamily="18" charset="0"/>
+            </a:endParaRPr>
+          </a:p>
+          <a:p>
+            <a:pPr marL="285750" indent="-285750">
+              <a:buFont typeface="Arial" panose="020B0604020202020204" pitchFamily="34" charset="0"/>
+              <a:buChar char="•"/>
+            </a:pPr>
+            <a:endParaRPr lang="en-US" dirty="0">
+              <a:latin typeface="Calibri" panose="020F0502020204030204" pitchFamily="34" charset="0"/>
+              <a:ea typeface="Calibri" panose="020F0502020204030204" pitchFamily="34" charset="0"/>
+              <a:cs typeface="Times New Roman" panose="02020603050405020304" pitchFamily="18" charset="0"/>
+            </a:endParaRPr>
+          </a:p>
+          <a:p>
+            <a:pPr marL="285750" indent="-285750">
+              <a:buFont typeface="Arial" panose="020B0604020202020204" pitchFamily="34" charset="0"/>
+              <a:buChar char="•"/>
+            </a:pPr>
+            <a:endParaRPr lang="en-US" dirty="0">
+              <a:latin typeface="Calibri" panose="020F0502020204030204" pitchFamily="34" charset="0"/>
+              <a:ea typeface="Calibri" panose="020F0502020204030204" pitchFamily="34" charset="0"/>
+              <a:cs typeface="Times New Roman" panose="02020603050405020304" pitchFamily="18" charset="0"/>
+            </a:endParaRPr>
+          </a:p>
+          <a:p>
+            <a:pPr marL="285750" indent="-285750">
+              <a:buFont typeface="Arial" panose="020B0604020202020204" pitchFamily="34" charset="0"/>
+              <a:buChar char="•"/>
+            </a:pPr>
+            <a:endParaRPr lang="en-US" dirty="0">
+              <a:latin typeface="Calibri" panose="020F0502020204030204" pitchFamily="34" charset="0"/>
+              <a:ea typeface="Calibri" panose="020F0502020204030204" pitchFamily="34" charset="0"/>
+              <a:cs typeface="Times New Roman" panose="02020603050405020304" pitchFamily="18" charset="0"/>
+            </a:endParaRPr>
+          </a:p>
+          <a:p>
+            <a:endParaRPr lang="en-US" dirty="0">
+              <a:latin typeface="Calibri" panose="020F0502020204030204" pitchFamily="34" charset="0"/>
+              <a:ea typeface="Calibri" panose="020F0502020204030204" pitchFamily="34" charset="0"/>
+              <a:cs typeface="Times New Roman" panose="02020603050405020304" pitchFamily="18" charset="0"/>
+            </a:endParaRPr>
+          </a:p>
+          <a:p>
+            <a:endParaRPr lang="en-US" dirty="0">
+              <a:latin typeface="Calibri" panose="020F0502020204030204" pitchFamily="34" charset="0"/>
+              <a:ea typeface="Calibri" panose="020F0502020204030204" pitchFamily="34" charset="0"/>
+              <a:cs typeface="Times New Roman" panose="02020603050405020304" pitchFamily="18" charset="0"/>
+            </a:endParaRPr>
+          </a:p>
+          <a:p>
+            <a:pPr marL="285750" indent="-285750">
+              <a:buFont typeface="Arial" panose="020B0604020202020204" pitchFamily="34" charset="0"/>
+              <a:buChar char="•"/>
+            </a:pPr>
+            <a:endParaRPr lang="en-US" dirty="0">
+              <a:latin typeface="Calibri" panose="020F0502020204030204" pitchFamily="34" charset="0"/>
+              <a:ea typeface="Calibri" panose="020F0502020204030204" pitchFamily="34" charset="0"/>
+              <a:cs typeface="Times New Roman" panose="02020603050405020304" pitchFamily="18" charset="0"/>
+            </a:endParaRPr>
+          </a:p>
+          <a:p>
+            <a:pPr marL="285750" indent="-285750">
+              <a:buFont typeface="Arial" panose="020B0604020202020204" pitchFamily="34" charset="0"/>
+              <a:buChar char="•"/>
+            </a:pPr>
+            <a:endParaRPr lang="en-US" dirty="0">
+              <a:latin typeface="Calibri" panose="020F0502020204030204" pitchFamily="34" charset="0"/>
+              <a:ea typeface="Calibri" panose="020F0502020204030204" pitchFamily="34" charset="0"/>
+              <a:cs typeface="Times New Roman" panose="02020603050405020304" pitchFamily="18" charset="0"/>
+            </a:endParaRPr>
+          </a:p>
+          <a:p>
+            <a:pPr marL="285750" indent="-285750">
+              <a:buFont typeface="Arial" panose="020B0604020202020204" pitchFamily="34" charset="0"/>
+              <a:buChar char="•"/>
+            </a:pPr>
+            <a:endParaRPr lang="en-US" dirty="0"/>
+          </a:p>
+        </p:txBody>
+      </p:sp>
     </p:spTree>
     <p:extLst>
       <p:ext uri="{BB962C8B-B14F-4D97-AF65-F5344CB8AC3E}">
-        <p14:creationId xmlns:p14="http://schemas.microsoft.com/office/powerpoint/2010/main" val="212128021"/>
+        <p14:creationId xmlns:p14="http://schemas.microsoft.com/office/powerpoint/2010/main" val="2081102554"/>
       </p:ext>
     </p:extLst>
   </p:cSld>
   <p:clrMapOvr>
     <a:masterClrMapping/>
   </p:clrMapOvr>
+  <p:timing>
+    <p:tnLst>
+      <p:par>
+        <p:cTn id="1" dur="indefinite" restart="never" nodeType="tmRoot">
+          <p:childTnLst>
+            <p:seq concurrent="1" nextAc="seek">
+              <p:cTn id="2" dur="indefinite" nodeType="mainSeq">
+                <p:childTnLst>
+                  <p:par>
+                    <p:cTn id="3" fill="hold">
+                      <p:stCondLst>
+                        <p:cond delay="indefinite"/>
+                      </p:stCondLst>
+                      <p:childTnLst>
+                        <p:par>
+                          <p:cTn id="4" fill="hold">
+                            <p:stCondLst>
+                              <p:cond delay="0"/>
+                            </p:stCondLst>
+                            <p:childTnLst>
+                              <p:par>
+                                <p:cTn id="5" presetID="1" presetClass="entr" presetSubtype="0" fill="hold" nodeType="clickEffect">
+                                  <p:stCondLst>
+                                    <p:cond delay="0"/>
+                                  </p:stCondLst>
+                                  <p:childTnLst>
+                                    <p:set>
+                                      <p:cBhvr>
+                                        <p:cTn id="6" dur="1" fill="hold">
+                                          <p:stCondLst>
+                                            <p:cond delay="0"/>
+                                          </p:stCondLst>
+                                        </p:cTn>
+                                        <p:tgtEl>
+                                          <p:spTgt spid="4">
+                                            <p:txEl>
+                                              <p:pRg st="6" end="6"/>
+                                            </p:txEl>
+                                          </p:spTgt>
+                                        </p:tgtEl>
+                                        <p:attrNameLst>
+                                          <p:attrName>style.visibility</p:attrName>
+                                        </p:attrNameLst>
+                                      </p:cBhvr>
+                                      <p:to>
+                                        <p:strVal val="visible"/>
+                                      </p:to>
+                                    </p:set>
+                                  </p:childTnLst>
+                                </p:cTn>
+                              </p:par>
+                            </p:childTnLst>
+                          </p:cTn>
+                        </p:par>
+                      </p:childTnLst>
+                    </p:cTn>
+                  </p:par>
+                  <p:par>
+                    <p:cTn id="7" fill="hold">
+                      <p:stCondLst>
+                        <p:cond delay="indefinite"/>
+                      </p:stCondLst>
+                      <p:childTnLst>
+                        <p:par>
+                          <p:cTn id="8" fill="hold">
+                            <p:stCondLst>
+                              <p:cond delay="0"/>
+                            </p:stCondLst>
+                            <p:childTnLst>
+                              <p:par>
+                                <p:cTn id="9" presetID="1" presetClass="entr" presetSubtype="0" fill="hold" nodeType="clickEffect">
+                                  <p:stCondLst>
+                                    <p:cond delay="0"/>
+                                  </p:stCondLst>
+                                  <p:childTnLst>
+                                    <p:set>
+                                      <p:cBhvr>
+                                        <p:cTn id="10" dur="1" fill="hold">
+                                          <p:stCondLst>
+                                            <p:cond delay="0"/>
+                                          </p:stCondLst>
+                                        </p:cTn>
+                                        <p:tgtEl>
+                                          <p:spTgt spid="4">
+                                            <p:txEl>
+                                              <p:pRg st="2" end="2"/>
+                                            </p:txEl>
+                                          </p:spTgt>
+                                        </p:tgtEl>
+                                        <p:attrNameLst>
+                                          <p:attrName>style.visibility</p:attrName>
+                                        </p:attrNameLst>
+                                      </p:cBhvr>
+                                      <p:to>
+                                        <p:strVal val="visible"/>
+                                      </p:to>
+                                    </p:set>
+                                  </p:childTnLst>
+                                </p:cTn>
+                              </p:par>
+                            </p:childTnLst>
+                          </p:cTn>
+                        </p:par>
+                      </p:childTnLst>
+                    </p:cTn>
+                  </p:par>
+                  <p:par>
+                    <p:cTn id="11" fill="hold">
+                      <p:stCondLst>
+                        <p:cond delay="indefinite"/>
+                      </p:stCondLst>
+                      <p:childTnLst>
+                        <p:par>
+                          <p:cTn id="12" fill="hold">
+                            <p:stCondLst>
+                              <p:cond delay="0"/>
+                            </p:stCondLst>
+                            <p:childTnLst>
+                              <p:par>
+                                <p:cTn id="13" presetID="1" presetClass="entr" presetSubtype="0" fill="hold" nodeType="clickEffect">
+                                  <p:stCondLst>
+                                    <p:cond delay="0"/>
+                                  </p:stCondLst>
+                                  <p:childTnLst>
+                                    <p:set>
+                                      <p:cBhvr>
+                                        <p:cTn id="14" dur="1" fill="hold">
+                                          <p:stCondLst>
+                                            <p:cond delay="0"/>
+                                          </p:stCondLst>
+                                        </p:cTn>
+                                        <p:tgtEl>
+                                          <p:spTgt spid="4">
+                                            <p:txEl>
+                                              <p:pRg st="0" end="0"/>
+                                            </p:txEl>
+                                          </p:spTgt>
+                                        </p:tgtEl>
+                                        <p:attrNameLst>
+                                          <p:attrName>style.visibility</p:attrName>
+                                        </p:attrNameLst>
+                                      </p:cBhvr>
+                                      <p:to>
+                                        <p:strVal val="visible"/>
+                                      </p:to>
+                                    </p:set>
+                                  </p:childTnLst>
+                                </p:cTn>
+                              </p:par>
+                            </p:childTnLst>
+                          </p:cTn>
+                        </p:par>
+                      </p:childTnLst>
+                    </p:cTn>
+                  </p:par>
+                  <p:par>
+                    <p:cTn id="15" fill="hold">
+                      <p:stCondLst>
+                        <p:cond delay="indefinite"/>
+                      </p:stCondLst>
+                      <p:childTnLst>
+                        <p:par>
+                          <p:cTn id="16" fill="hold">
+                            <p:stCondLst>
+                              <p:cond delay="0"/>
+                            </p:stCondLst>
+                            <p:childTnLst>
+                              <p:par>
+                                <p:cTn id="17" presetID="1" presetClass="entr" presetSubtype="0" fill="hold" nodeType="clickEffect">
+                                  <p:stCondLst>
+                                    <p:cond delay="0"/>
+                                  </p:stCondLst>
+                                  <p:childTnLst>
+                                    <p:set>
+                                      <p:cBhvr>
+                                        <p:cTn id="18" dur="1" fill="hold">
+                                          <p:stCondLst>
+                                            <p:cond delay="0"/>
+                                          </p:stCondLst>
+                                        </p:cTn>
+                                        <p:tgtEl>
+                                          <p:spTgt spid="4">
+                                            <p:txEl>
+                                              <p:pRg st="1" end="1"/>
+                                            </p:txEl>
+                                          </p:spTgt>
+                                        </p:tgtEl>
+                                        <p:attrNameLst>
+                                          <p:attrName>style.visibility</p:attrName>
+                                        </p:attrNameLst>
+                                      </p:cBhvr>
+                                      <p:to>
+                                        <p:strVal val="visible"/>
+                                      </p:to>
+                                    </p:set>
+                                  </p:childTnLst>
+                                </p:cTn>
+                              </p:par>
+                            </p:childTnLst>
+                          </p:cTn>
+                        </p:par>
+                      </p:childTnLst>
+                    </p:cTn>
+                  </p:par>
+                  <p:par>
+                    <p:cTn id="19" fill="hold">
+                      <p:stCondLst>
+                        <p:cond delay="indefinite"/>
+                      </p:stCondLst>
+                      <p:childTnLst>
+                        <p:par>
+                          <p:cTn id="20" fill="hold">
+                            <p:stCondLst>
+                              <p:cond delay="0"/>
+                            </p:stCondLst>
+                            <p:childTnLst>
+                              <p:par>
+                                <p:cTn id="21" presetID="1" presetClass="entr" presetSubtype="0" fill="hold" nodeType="clickEffect">
+                                  <p:stCondLst>
+                                    <p:cond delay="0"/>
+                                  </p:stCondLst>
+                                  <p:childTnLst>
+                                    <p:set>
+                                      <p:cBhvr>
+                                        <p:cTn id="22" dur="1" fill="hold">
+                                          <p:stCondLst>
+                                            <p:cond delay="0"/>
+                                          </p:stCondLst>
+                                        </p:cTn>
+                                        <p:tgtEl>
+                                          <p:spTgt spid="4">
+                                            <p:txEl>
+                                              <p:pRg st="4" end="4"/>
+                                            </p:txEl>
+                                          </p:spTgt>
+                                        </p:tgtEl>
+                                        <p:attrNameLst>
+                                          <p:attrName>style.visibility</p:attrName>
+                                        </p:attrNameLst>
+                                      </p:cBhvr>
+                                      <p:to>
+                                        <p:strVal val="visible"/>
+                                      </p:to>
+                                    </p:set>
+                                  </p:childTnLst>
+                                </p:cTn>
+                              </p:par>
+                            </p:childTnLst>
+                          </p:cTn>
+                        </p:par>
+                      </p:childTnLst>
+                    </p:cTn>
+                  </p:par>
+                  <p:par>
+                    <p:cTn id="23" fill="hold">
+                      <p:stCondLst>
+                        <p:cond delay="indefinite"/>
+                      </p:stCondLst>
+                      <p:childTnLst>
+                        <p:par>
+                          <p:cTn id="24" fill="hold">
+                            <p:stCondLst>
+                              <p:cond delay="0"/>
+                            </p:stCondLst>
+                            <p:childTnLst>
+                              <p:par>
+                                <p:cTn id="25" presetID="1" presetClass="entr" presetSubtype="0" fill="hold" nodeType="clickEffect">
+                                  <p:stCondLst>
+                                    <p:cond delay="0"/>
+                                  </p:stCondLst>
+                                  <p:childTnLst>
+                                    <p:set>
+                                      <p:cBhvr>
+                                        <p:cTn id="26" dur="1" fill="hold">
+                                          <p:stCondLst>
+                                            <p:cond delay="0"/>
+                                          </p:stCondLst>
+                                        </p:cTn>
+                                        <p:tgtEl>
+                                          <p:spTgt spid="4">
+                                            <p:txEl>
+                                              <p:pRg st="8" end="8"/>
+                                            </p:txEl>
+                                          </p:spTgt>
+                                        </p:tgtEl>
+                                        <p:attrNameLst>
+                                          <p:attrName>style.visibility</p:attrName>
+                                        </p:attrNameLst>
+                                      </p:cBhvr>
+                                      <p:to>
+                                        <p:strVal val="visible"/>
+                                      </p:to>
+                                    </p:set>
+                                  </p:childTnLst>
+                                </p:cTn>
+                              </p:par>
+                            </p:childTnLst>
+                          </p:cTn>
+                        </p:par>
+                      </p:childTnLst>
+                    </p:cTn>
+                  </p:par>
+                </p:childTnLst>
+              </p:cTn>
+              <p:prevCondLst>
+                <p:cond evt="onPrev" delay="0">
+                  <p:tgtEl>
+                    <p:sldTgt/>
+                  </p:tgtEl>
+                </p:cond>
+              </p:prevCondLst>
+              <p:nextCondLst>
+                <p:cond evt="onNext" delay="0">
+                  <p:tgtEl>
+                    <p:sldTgt/>
+                  </p:tgtEl>
+                </p:cond>
+              </p:nextCondLst>
+            </p:seq>
+          </p:childTnLst>
+        </p:cTn>
+      </p:par>
+    </p:tnLst>
+  </p:timing>
 </p:sld>
 </file>
 
@@ -15977,7 +15564,7 @@
                   <a:srgbClr val="EA5E46"/>
                 </a:solidFill>
               </a:rPr>
-              <a:t>Price Predictor Regression Models</a:t>
+              <a:t>Model Analysis</a:t>
             </a:r>
           </a:p>
         </p:txBody>
@@ -16678,7 +16265,7 @@
         <p:spPr>
           <a:xfrm>
             <a:off x="1055716" y="1899026"/>
-            <a:ext cx="8537171" cy="11449288"/>
+            <a:ext cx="8537171" cy="4247317"/>
           </a:xfrm>
           <a:prstGeom prst="rect">
             <a:avLst/>
@@ -16697,7 +16284,7 @@
             </a:pPr>
             <a:r>
               <a:rPr lang="en-US" dirty="0"/>
-              <a:t>Important Features for Pricing</a:t>
+              <a:t>Important Features for pricing includes </a:t>
             </a:r>
           </a:p>
           <a:p>
@@ -16819,163 +16406,6 @@
               <a:buAutoNum type="arabicPeriod" startAt="3"/>
             </a:pPr>
             <a:endParaRPr lang="en-US" dirty="0"/>
-          </a:p>
-          <a:p>
-            <a:pPr marL="342900" indent="-342900">
-              <a:buAutoNum type="arabicPeriod" startAt="3"/>
-            </a:pPr>
-            <a:endParaRPr lang="en-US" dirty="0"/>
-          </a:p>
-          <a:p>
-            <a:pPr marL="285750" indent="-285750">
-              <a:buFont typeface="Arial" panose="020B0604020202020204" pitchFamily="34" charset="0"/>
-              <a:buChar char="•"/>
-            </a:pPr>
-            <a:endParaRPr lang="en-CA" dirty="0"/>
-          </a:p>
-          <a:p>
-            <a:pPr marL="285750" indent="-285750">
-              <a:buFont typeface="Arial" panose="020B0604020202020204" pitchFamily="34" charset="0"/>
-              <a:buChar char="•"/>
-            </a:pPr>
-            <a:endParaRPr lang="en-CA" dirty="0"/>
-          </a:p>
-          <a:p>
-            <a:pPr marL="285750" indent="-285750">
-              <a:buFont typeface="Arial" panose="020B0604020202020204" pitchFamily="34" charset="0"/>
-              <a:buChar char="•"/>
-            </a:pPr>
-            <a:r>
-              <a:rPr lang="en-CA" dirty="0"/>
-              <a:t>Hosts should consider pricing their units at different rates during different times of the year.</a:t>
-            </a:r>
-          </a:p>
-          <a:p>
-            <a:endParaRPr lang="en-CA" dirty="0"/>
-          </a:p>
-          <a:p>
-            <a:pPr marL="285750" indent="-285750">
-              <a:buFont typeface="Arial" panose="020B0604020202020204" pitchFamily="34" charset="0"/>
-              <a:buChar char="•"/>
-            </a:pPr>
-            <a:r>
-              <a:rPr lang="en-CA" dirty="0"/>
-              <a:t>Wider range of upper and lower limit further away in the future when predicting future prices for the unit.</a:t>
-            </a:r>
-          </a:p>
-          <a:p>
-            <a:pPr marL="285750" indent="-285750">
-              <a:buFont typeface="Arial" panose="020B0604020202020204" pitchFamily="34" charset="0"/>
-              <a:buChar char="•"/>
-            </a:pPr>
-            <a:endParaRPr lang="en-CA" dirty="0"/>
-          </a:p>
-          <a:p>
-            <a:pPr marL="285750" indent="-285750">
-              <a:buFont typeface="Arial" panose="020B0604020202020204" pitchFamily="34" charset="0"/>
-              <a:buChar char="•"/>
-            </a:pPr>
-            <a:r>
-              <a:rPr lang="en-CA" dirty="0"/>
-              <a:t>Room Type &amp; Location are two of the most important features in pricing your listing.</a:t>
-            </a:r>
-          </a:p>
-          <a:p>
-            <a:pPr marL="285750" indent="-285750">
-              <a:buFont typeface="Arial" panose="020B0604020202020204" pitchFamily="34" charset="0"/>
-              <a:buChar char="•"/>
-            </a:pPr>
-            <a:endParaRPr lang="en-CA" dirty="0"/>
-          </a:p>
-          <a:p>
-            <a:pPr marL="285750" indent="-285750">
-              <a:buFont typeface="Arial" panose="020B0604020202020204" pitchFamily="34" charset="0"/>
-              <a:buChar char="•"/>
-            </a:pPr>
-            <a:r>
-              <a:rPr lang="en-CA" dirty="0"/>
-              <a:t>Number of people accommodate </a:t>
-            </a:r>
-          </a:p>
-          <a:p>
-            <a:pPr marL="285750" indent="-285750">
-              <a:buFont typeface="Arial" panose="020B0604020202020204" pitchFamily="34" charset="0"/>
-              <a:buChar char="•"/>
-            </a:pPr>
-            <a:endParaRPr lang="en-CA" dirty="0"/>
-          </a:p>
-          <a:p>
-            <a:pPr marL="285750" indent="-285750">
-              <a:buFont typeface="Arial" panose="020B0604020202020204" pitchFamily="34" charset="0"/>
-              <a:buChar char="•"/>
-            </a:pPr>
-            <a:endParaRPr lang="en-CA" dirty="0"/>
-          </a:p>
-          <a:p>
-            <a:endParaRPr lang="en-CA" dirty="0"/>
-          </a:p>
-          <a:p>
-            <a:pPr marL="285750" indent="-285750">
-              <a:buFont typeface="Arial" panose="020B0604020202020204" pitchFamily="34" charset="0"/>
-              <a:buChar char="•"/>
-            </a:pPr>
-            <a:endParaRPr lang="en-CA" dirty="0"/>
-          </a:p>
-          <a:p>
-            <a:endParaRPr lang="en-CA" dirty="0"/>
-          </a:p>
-          <a:p>
-            <a:pPr marL="285750" indent="-285750">
-              <a:buFont typeface="Arial" panose="020B0604020202020204" pitchFamily="34" charset="0"/>
-              <a:buChar char="•"/>
-            </a:pPr>
-            <a:r>
-              <a:rPr lang="en-US" dirty="0"/>
-              <a:t>Room Type and Location a</a:t>
-            </a:r>
-          </a:p>
-          <a:p>
-            <a:endParaRPr lang="en-CA" dirty="0"/>
-          </a:p>
-          <a:p>
-            <a:pPr marL="285750" indent="-285750">
-              <a:buFont typeface="Arial" panose="020B0604020202020204" pitchFamily="34" charset="0"/>
-              <a:buChar char="•"/>
-            </a:pPr>
-            <a:r>
-              <a:rPr lang="en-US" dirty="0"/>
-              <a:t>Hosts can charge more with more amenities</a:t>
-            </a:r>
-          </a:p>
-          <a:p>
-            <a:endParaRPr lang="en-US" dirty="0"/>
-          </a:p>
-          <a:p>
-            <a:pPr marL="285750" indent="-285750">
-              <a:buFont typeface="Arial" panose="020B0604020202020204" pitchFamily="34" charset="0"/>
-              <a:buChar char="•"/>
-            </a:pPr>
-            <a:r>
-              <a:rPr lang="en-CA" dirty="0"/>
-              <a:t>Model shows that number of reviews and review scores do not have a high correlation to price and is not a top 5 feature</a:t>
-            </a:r>
-          </a:p>
-          <a:p>
-            <a:pPr marL="285750" indent="-285750">
-              <a:buFont typeface="Arial" panose="020B0604020202020204" pitchFamily="34" charset="0"/>
-              <a:buChar char="•"/>
-            </a:pPr>
-            <a:endParaRPr lang="en-CA" dirty="0"/>
-          </a:p>
-          <a:p>
-            <a:pPr marL="285750" indent="-285750">
-              <a:buFont typeface="Arial" panose="020B0604020202020204" pitchFamily="34" charset="0"/>
-              <a:buChar char="•"/>
-            </a:pPr>
-            <a:r>
-              <a:rPr lang="en-CA" dirty="0"/>
-              <a:t>Nearest Neighbours do not have a strong impact on price.  This maybe due to the dataset having a wide variety of room types with different room numbers.</a:t>
-            </a:r>
           </a:p>
         </p:txBody>
       </p:sp>
@@ -17043,7 +16473,7 @@
                   <a:srgbClr val="EA5E46"/>
                 </a:solidFill>
               </a:rPr>
-              <a:t>Model Data Transformation – RF, LGBM, KNN</a:t>
+              <a:t>Model Data Cleaning – Adding Columns</a:t>
             </a:r>
           </a:p>
         </p:txBody>
@@ -17138,42 +16568,248 @@
           </a:fontRef>
         </p:style>
       </p:cxnSp>
-      <p:pic>
-        <p:nvPicPr>
-          <p:cNvPr id="14" name="Picture 13">
-            <a:extLst>
-              <a:ext uri="{FF2B5EF4-FFF2-40B4-BE49-F238E27FC236}">
-                <a16:creationId xmlns:a16="http://schemas.microsoft.com/office/drawing/2014/main" id="{81C25E9C-AEF8-48C0-80CE-C88B373B1AE8}"/>
-              </a:ext>
-            </a:extLst>
-          </p:cNvPr>
-          <p:cNvPicPr>
-            <a:picLocks noChangeAspect="1"/>
-          </p:cNvPicPr>
+      <p:sp>
+        <p:nvSpPr>
+          <p:cNvPr id="13" name="Arrow: Right 12">
+            <a:extLst>
+              <a:ext uri="{FF2B5EF4-FFF2-40B4-BE49-F238E27FC236}">
+                <a16:creationId xmlns:a16="http://schemas.microsoft.com/office/drawing/2014/main" id="{4909AE15-9CFE-4BEA-8959-FC97CF762308}"/>
+              </a:ext>
+            </a:extLst>
+          </p:cNvPr>
+          <p:cNvSpPr/>
           <p:nvPr/>
-        </p:nvPicPr>
-        <p:blipFill>
-          <a:blip r:embed="rId4"/>
-          <a:stretch>
-            <a:fillRect/>
-          </a:stretch>
-        </p:blipFill>
+        </p:nvSpPr>
         <p:spPr>
           <a:xfrm>
-            <a:off x="2083682" y="1767443"/>
-            <a:ext cx="7806003" cy="4108894"/>
+            <a:off x="5980172" y="3777154"/>
+            <a:ext cx="552893" cy="352089"/>
           </a:xfrm>
-          <a:prstGeom prst="rect">
+          <a:prstGeom prst="rightArrow">
             <a:avLst/>
           </a:prstGeom>
+          <a:solidFill>
+            <a:schemeClr val="bg2">
+              <a:lumMod val="75000"/>
+            </a:schemeClr>
+          </a:solidFill>
+          <a:ln>
+            <a:solidFill>
+              <a:schemeClr val="bg2">
+                <a:lumMod val="75000"/>
+              </a:schemeClr>
+            </a:solidFill>
+          </a:ln>
         </p:spPr>
-      </p:pic>
-      <p:sp>
-        <p:nvSpPr>
-          <p:cNvPr id="3" name="TextBox 2">
-            <a:extLst>
-              <a:ext uri="{FF2B5EF4-FFF2-40B4-BE49-F238E27FC236}">
-                <a16:creationId xmlns:a16="http://schemas.microsoft.com/office/drawing/2014/main" id="{60518D2B-5A6E-4114-AF9D-C5BF6A84A679}"/>
+        <p:style>
+          <a:lnRef idx="2">
+            <a:schemeClr val="accent1">
+              <a:shade val="50000"/>
+            </a:schemeClr>
+          </a:lnRef>
+          <a:fillRef idx="1">
+            <a:schemeClr val="accent1"/>
+          </a:fillRef>
+          <a:effectRef idx="0">
+            <a:schemeClr val="accent1"/>
+          </a:effectRef>
+          <a:fontRef idx="minor">
+            <a:schemeClr val="lt1"/>
+          </a:fontRef>
+        </p:style>
+        <p:txBody>
+          <a:bodyPr rtlCol="0" anchor="ctr"/>
+          <a:lstStyle/>
+          <a:p>
+            <a:pPr algn="ctr"/>
+            <a:endParaRPr lang="en-CA"/>
+          </a:p>
+        </p:txBody>
+      </p:sp>
+      <p:graphicFrame>
+        <p:nvGraphicFramePr>
+          <p:cNvPr id="4" name="Table 4">
+            <a:extLst>
+              <a:ext uri="{FF2B5EF4-FFF2-40B4-BE49-F238E27FC236}">
+                <a16:creationId xmlns:a16="http://schemas.microsoft.com/office/drawing/2014/main" id="{21B26308-D3E0-4424-8F97-2E7634C3FA7A}"/>
+              </a:ext>
+            </a:extLst>
+          </p:cNvPr>
+          <p:cNvGraphicFramePr>
+            <a:graphicFrameLocks noGrp="1"/>
+          </p:cNvGraphicFramePr>
+          <p:nvPr>
+            <p:extLst>
+              <p:ext uri="{D42A27DB-BD31-4B8C-83A1-F6EECF244321}">
+                <p14:modId xmlns:p14="http://schemas.microsoft.com/office/powerpoint/2010/main" val="147169135"/>
+              </p:ext>
+            </p:extLst>
+          </p:nvPr>
+        </p:nvGraphicFramePr>
+        <p:xfrm>
+          <a:off x="1061616" y="3261381"/>
+          <a:ext cx="4611395" cy="1089728"/>
+        </p:xfrm>
+        <a:graphic>
+          <a:graphicData uri="http://schemas.openxmlformats.org/drawingml/2006/table">
+            <a:tbl>
+              <a:tblPr firstRow="1" bandRow="1">
+                <a:tableStyleId>{073A0DAA-6AF3-43AB-8588-CEC1D06C72B9}</a:tableStyleId>
+              </a:tblPr>
+              <a:tblGrid>
+                <a:gridCol w="4611395">
+                  <a:extLst>
+                    <a:ext uri="{9D8B030D-6E8A-4147-A177-3AD203B41FA5}">
+                      <a16:colId xmlns:a16="http://schemas.microsoft.com/office/drawing/2014/main" val="2478899434"/>
+                    </a:ext>
+                  </a:extLst>
+                </a:gridCol>
+              </a:tblGrid>
+              <a:tr h="511685">
+                <a:tc>
+                  <a:txBody>
+                    <a:bodyPr/>
+                    <a:lstStyle/>
+                    <a:p>
+                      <a:r>
+                        <a:rPr lang="en-US" dirty="0"/>
+                        <a:t>amenities</a:t>
+                      </a:r>
+                      <a:endParaRPr lang="en-CA" dirty="0"/>
+                    </a:p>
+                  </a:txBody>
+                  <a:tcPr/>
+                </a:tc>
+                <a:extLst>
+                  <a:ext uri="{0D108BD9-81ED-4DB2-BD59-A6C34878D82A}">
+                    <a16:rowId xmlns:a16="http://schemas.microsoft.com/office/drawing/2014/main" val="2665256824"/>
+                  </a:ext>
+                </a:extLst>
+              </a:tr>
+              <a:tr h="578043">
+                <a:tc>
+                  <a:txBody>
+                    <a:bodyPr/>
+                    <a:lstStyle/>
+                    <a:p>
+                      <a:r>
+                        <a:rPr lang="en-US" dirty="0"/>
+                        <a:t>[“</a:t>
+                      </a:r>
+                      <a:r>
+                        <a:rPr lang="en-US" dirty="0" err="1"/>
+                        <a:t>Wifi</a:t>
+                      </a:r>
+                      <a:r>
+                        <a:rPr lang="en-US" dirty="0"/>
+                        <a:t>”, “Kitchen”, “Heating”, “Air Conditioning]</a:t>
+                      </a:r>
+                      <a:endParaRPr lang="en-CA" dirty="0"/>
+                    </a:p>
+                  </a:txBody>
+                  <a:tcPr/>
+                </a:tc>
+                <a:extLst>
+                  <a:ext uri="{0D108BD9-81ED-4DB2-BD59-A6C34878D82A}">
+                    <a16:rowId xmlns:a16="http://schemas.microsoft.com/office/drawing/2014/main" val="1667322077"/>
+                  </a:ext>
+                </a:extLst>
+              </a:tr>
+            </a:tbl>
+          </a:graphicData>
+        </a:graphic>
+      </p:graphicFrame>
+      <p:graphicFrame>
+        <p:nvGraphicFramePr>
+          <p:cNvPr id="11" name="Table 4">
+            <a:extLst>
+              <a:ext uri="{FF2B5EF4-FFF2-40B4-BE49-F238E27FC236}">
+                <a16:creationId xmlns:a16="http://schemas.microsoft.com/office/drawing/2014/main" id="{08D2C7D8-9F85-4228-B2F2-8B108D86BB77}"/>
+              </a:ext>
+            </a:extLst>
+          </p:cNvPr>
+          <p:cNvGraphicFramePr>
+            <a:graphicFrameLocks noGrp="1"/>
+          </p:cNvGraphicFramePr>
+          <p:nvPr>
+            <p:extLst>
+              <p:ext uri="{D42A27DB-BD31-4B8C-83A1-F6EECF244321}">
+                <p14:modId xmlns:p14="http://schemas.microsoft.com/office/powerpoint/2010/main" val="1012773955"/>
+              </p:ext>
+            </p:extLst>
+          </p:nvPr>
+        </p:nvGraphicFramePr>
+        <p:xfrm>
+          <a:off x="6840226" y="3261381"/>
+          <a:ext cx="4611395" cy="1089728"/>
+        </p:xfrm>
+        <a:graphic>
+          <a:graphicData uri="http://schemas.openxmlformats.org/drawingml/2006/table">
+            <a:tbl>
+              <a:tblPr firstRow="1" bandRow="1">
+                <a:tableStyleId>{073A0DAA-6AF3-43AB-8588-CEC1D06C72B9}</a:tableStyleId>
+              </a:tblPr>
+              <a:tblGrid>
+                <a:gridCol w="4611395">
+                  <a:extLst>
+                    <a:ext uri="{9D8B030D-6E8A-4147-A177-3AD203B41FA5}">
+                      <a16:colId xmlns:a16="http://schemas.microsoft.com/office/drawing/2014/main" val="2478899434"/>
+                    </a:ext>
+                  </a:extLst>
+                </a:gridCol>
+              </a:tblGrid>
+              <a:tr h="511685">
+                <a:tc>
+                  <a:txBody>
+                    <a:bodyPr/>
+                    <a:lstStyle/>
+                    <a:p>
+                      <a:r>
+                        <a:rPr lang="en-US" dirty="0" err="1"/>
+                        <a:t>amenities_count</a:t>
+                      </a:r>
+                      <a:endParaRPr lang="en-CA" dirty="0"/>
+                    </a:p>
+                  </a:txBody>
+                  <a:tcPr/>
+                </a:tc>
+                <a:extLst>
+                  <a:ext uri="{0D108BD9-81ED-4DB2-BD59-A6C34878D82A}">
+                    <a16:rowId xmlns:a16="http://schemas.microsoft.com/office/drawing/2014/main" val="2665256824"/>
+                  </a:ext>
+                </a:extLst>
+              </a:tr>
+              <a:tr h="578043">
+                <a:tc>
+                  <a:txBody>
+                    <a:bodyPr/>
+                    <a:lstStyle/>
+                    <a:p>
+                      <a:r>
+                        <a:rPr lang="en-US" dirty="0"/>
+                        <a:t>4</a:t>
+                      </a:r>
+                      <a:endParaRPr lang="en-CA" dirty="0"/>
+                    </a:p>
+                  </a:txBody>
+                  <a:tcPr/>
+                </a:tc>
+                <a:extLst>
+                  <a:ext uri="{0D108BD9-81ED-4DB2-BD59-A6C34878D82A}">
+                    <a16:rowId xmlns:a16="http://schemas.microsoft.com/office/drawing/2014/main" val="1667322077"/>
+                  </a:ext>
+                </a:extLst>
+              </a:tr>
+            </a:tbl>
+          </a:graphicData>
+        </a:graphic>
+      </p:graphicFrame>
+      <p:sp>
+        <p:nvSpPr>
+          <p:cNvPr id="5" name="TextBox 4">
+            <a:extLst>
+              <a:ext uri="{FF2B5EF4-FFF2-40B4-BE49-F238E27FC236}">
+                <a16:creationId xmlns:a16="http://schemas.microsoft.com/office/drawing/2014/main" id="{0B1F14FF-D320-49A9-9FFD-98A5063749C8}"/>
               </a:ext>
             </a:extLst>
           </p:cNvPr>
@@ -17182,8 +16818,8 @@
         </p:nvSpPr>
         <p:spPr>
           <a:xfrm>
-            <a:off x="1136491" y="6028879"/>
-            <a:ext cx="9700384" cy="369332"/>
+            <a:off x="975853" y="2130318"/>
+            <a:ext cx="7179605" cy="461665"/>
           </a:xfrm>
           <a:prstGeom prst="rect">
             <a:avLst/>
@@ -17197,17 +16833,17 @@
           <a:lstStyle/>
           <a:p>
             <a:r>
-              <a:rPr lang="en-US" dirty="0"/>
-              <a:t>Note: Used for Random Forest, LGBM and KNN Regressor Models only</a:t>
-            </a:r>
-            <a:endParaRPr lang="en-CA" dirty="0"/>
+              <a:rPr lang="en-US" sz="2400" b="1" dirty="0"/>
+              <a:t>How will this new feature will impact the price?</a:t>
+            </a:r>
+            <a:endParaRPr lang="en-CA" sz="2400" b="1" dirty="0"/>
           </a:p>
         </p:txBody>
       </p:sp>
     </p:spTree>
     <p:extLst>
       <p:ext uri="{BB962C8B-B14F-4D97-AF65-F5344CB8AC3E}">
-        <p14:creationId xmlns:p14="http://schemas.microsoft.com/office/powerpoint/2010/main" val="641962917"/>
+        <p14:creationId xmlns:p14="http://schemas.microsoft.com/office/powerpoint/2010/main" val="513184334"/>
       </p:ext>
     </p:extLst>
   </p:cSld>
@@ -17235,7 +16871,7 @@
                             </p:stCondLst>
                             <p:childTnLst>
                               <p:par>
-                                <p:cTn id="5" presetID="16" presetClass="entr" presetSubtype="21" fill="hold" nodeType="clickEffect">
+                                <p:cTn id="5" presetID="2" presetClass="entr" presetSubtype="1" fill="hold" grpId="0" nodeType="clickEffect">
                                   <p:stCondLst>
                                     <p:cond delay="0"/>
                                   </p:stCondLst>
@@ -17248,7 +16884,7 @@
                                           </p:stCondLst>
                                         </p:cTn>
                                         <p:tgtEl>
-                                          <p:spTgt spid="14"/>
+                                          <p:spTgt spid="5"/>
                                         </p:tgtEl>
                                         <p:attrNameLst>
                                           <p:attrName>style.visibility</p:attrName>
@@ -17258,14 +16894,325 @@
                                         <p:strVal val="visible"/>
                                       </p:to>
                                     </p:set>
-                                    <p:animEffect transition="in" filter="barn(inVertical)">
+                                    <p:anim calcmode="lin" valueType="num">
+                                      <p:cBhvr additive="base">
+                                        <p:cTn id="7" dur="500" fill="hold"/>
+                                        <p:tgtEl>
+                                          <p:spTgt spid="5"/>
+                                        </p:tgtEl>
+                                        <p:attrNameLst>
+                                          <p:attrName>ppt_x</p:attrName>
+                                        </p:attrNameLst>
+                                      </p:cBhvr>
+                                      <p:tavLst>
+                                        <p:tav tm="0">
+                                          <p:val>
+                                            <p:strVal val="#ppt_x"/>
+                                          </p:val>
+                                        </p:tav>
+                                        <p:tav tm="100000">
+                                          <p:val>
+                                            <p:strVal val="#ppt_x"/>
+                                          </p:val>
+                                        </p:tav>
+                                      </p:tavLst>
+                                    </p:anim>
+                                    <p:anim calcmode="lin" valueType="num">
+                                      <p:cBhvr additive="base">
+                                        <p:cTn id="8" dur="500" fill="hold"/>
+                                        <p:tgtEl>
+                                          <p:spTgt spid="5"/>
+                                        </p:tgtEl>
+                                        <p:attrNameLst>
+                                          <p:attrName>ppt_y</p:attrName>
+                                        </p:attrNameLst>
+                                      </p:cBhvr>
+                                      <p:tavLst>
+                                        <p:tav tm="0">
+                                          <p:val>
+                                            <p:strVal val="0-#ppt_h/2"/>
+                                          </p:val>
+                                        </p:tav>
+                                        <p:tav tm="100000">
+                                          <p:val>
+                                            <p:strVal val="#ppt_y"/>
+                                          </p:val>
+                                        </p:tav>
+                                      </p:tavLst>
+                                    </p:anim>
+                                  </p:childTnLst>
+                                </p:cTn>
+                              </p:par>
+                            </p:childTnLst>
+                          </p:cTn>
+                        </p:par>
+                      </p:childTnLst>
+                    </p:cTn>
+                  </p:par>
+                  <p:par>
+                    <p:cTn id="9" fill="hold">
+                      <p:stCondLst>
+                        <p:cond delay="indefinite"/>
+                      </p:stCondLst>
+                      <p:childTnLst>
+                        <p:par>
+                          <p:cTn id="10" fill="hold">
+                            <p:stCondLst>
+                              <p:cond delay="0"/>
+                            </p:stCondLst>
+                            <p:childTnLst>
+                              <p:par>
+                                <p:cTn id="11" presetID="2" presetClass="entr" presetSubtype="8" fill="hold" nodeType="clickEffect">
+                                  <p:stCondLst>
+                                    <p:cond delay="0"/>
+                                  </p:stCondLst>
+                                  <p:childTnLst>
+                                    <p:set>
                                       <p:cBhvr>
-                                        <p:cTn id="7" dur="500"/>
+                                        <p:cTn id="12" dur="1" fill="hold">
+                                          <p:stCondLst>
+                                            <p:cond delay="0"/>
+                                          </p:stCondLst>
+                                        </p:cTn>
                                         <p:tgtEl>
-                                          <p:spTgt spid="14"/>
+                                          <p:spTgt spid="4"/>
                                         </p:tgtEl>
+                                        <p:attrNameLst>
+                                          <p:attrName>style.visibility</p:attrName>
+                                        </p:attrNameLst>
                                       </p:cBhvr>
-                                    </p:animEffect>
+                                      <p:to>
+                                        <p:strVal val="visible"/>
+                                      </p:to>
+                                    </p:set>
+                                    <p:anim calcmode="lin" valueType="num">
+                                      <p:cBhvr additive="base">
+                                        <p:cTn id="13" dur="500" fill="hold"/>
+                                        <p:tgtEl>
+                                          <p:spTgt spid="4"/>
+                                        </p:tgtEl>
+                                        <p:attrNameLst>
+                                          <p:attrName>ppt_x</p:attrName>
+                                        </p:attrNameLst>
+                                      </p:cBhvr>
+                                      <p:tavLst>
+                                        <p:tav tm="0">
+                                          <p:val>
+                                            <p:strVal val="0-#ppt_w/2"/>
+                                          </p:val>
+                                        </p:tav>
+                                        <p:tav tm="100000">
+                                          <p:val>
+                                            <p:strVal val="#ppt_x"/>
+                                          </p:val>
+                                        </p:tav>
+                                      </p:tavLst>
+                                    </p:anim>
+                                    <p:anim calcmode="lin" valueType="num">
+                                      <p:cBhvr additive="base">
+                                        <p:cTn id="14" dur="500" fill="hold"/>
+                                        <p:tgtEl>
+                                          <p:spTgt spid="4"/>
+                                        </p:tgtEl>
+                                        <p:attrNameLst>
+                                          <p:attrName>ppt_y</p:attrName>
+                                        </p:attrNameLst>
+                                      </p:cBhvr>
+                                      <p:tavLst>
+                                        <p:tav tm="0">
+                                          <p:val>
+                                            <p:strVal val="#ppt_y"/>
+                                          </p:val>
+                                        </p:tav>
+                                        <p:tav tm="100000">
+                                          <p:val>
+                                            <p:strVal val="#ppt_y"/>
+                                          </p:val>
+                                        </p:tav>
+                                      </p:tavLst>
+                                    </p:anim>
+                                  </p:childTnLst>
+                                </p:cTn>
+                              </p:par>
+                            </p:childTnLst>
+                          </p:cTn>
+                        </p:par>
+                      </p:childTnLst>
+                    </p:cTn>
+                  </p:par>
+                  <p:par>
+                    <p:cTn id="15" fill="hold">
+                      <p:stCondLst>
+                        <p:cond delay="indefinite"/>
+                      </p:stCondLst>
+                      <p:childTnLst>
+                        <p:par>
+                          <p:cTn id="16" fill="hold">
+                            <p:stCondLst>
+                              <p:cond delay="0"/>
+                            </p:stCondLst>
+                            <p:childTnLst>
+                              <p:par>
+                                <p:cTn id="17" presetID="2" presetClass="entr" presetSubtype="8" fill="hold" grpId="0" nodeType="clickEffect">
+                                  <p:stCondLst>
+                                    <p:cond delay="0"/>
+                                  </p:stCondLst>
+                                  <p:childTnLst>
+                                    <p:set>
+                                      <p:cBhvr>
+                                        <p:cTn id="18" dur="1" fill="hold">
+                                          <p:stCondLst>
+                                            <p:cond delay="0"/>
+                                          </p:stCondLst>
+                                        </p:cTn>
+                                        <p:tgtEl>
+                                          <p:spTgt spid="13"/>
+                                        </p:tgtEl>
+                                        <p:attrNameLst>
+                                          <p:attrName>style.visibility</p:attrName>
+                                        </p:attrNameLst>
+                                      </p:cBhvr>
+                                      <p:to>
+                                        <p:strVal val="visible"/>
+                                      </p:to>
+                                    </p:set>
+                                    <p:anim calcmode="lin" valueType="num">
+                                      <p:cBhvr additive="base">
+                                        <p:cTn id="19" dur="500" fill="hold"/>
+                                        <p:tgtEl>
+                                          <p:spTgt spid="13"/>
+                                        </p:tgtEl>
+                                        <p:attrNameLst>
+                                          <p:attrName>ppt_x</p:attrName>
+                                        </p:attrNameLst>
+                                      </p:cBhvr>
+                                      <p:tavLst>
+                                        <p:tav tm="0">
+                                          <p:val>
+                                            <p:strVal val="0-#ppt_w/2"/>
+                                          </p:val>
+                                        </p:tav>
+                                        <p:tav tm="100000">
+                                          <p:val>
+                                            <p:strVal val="#ppt_x"/>
+                                          </p:val>
+                                        </p:tav>
+                                      </p:tavLst>
+                                    </p:anim>
+                                    <p:anim calcmode="lin" valueType="num">
+                                      <p:cBhvr additive="base">
+                                        <p:cTn id="20" dur="500" fill="hold"/>
+                                        <p:tgtEl>
+                                          <p:spTgt spid="13"/>
+                                        </p:tgtEl>
+                                        <p:attrNameLst>
+                                          <p:attrName>ppt_y</p:attrName>
+                                        </p:attrNameLst>
+                                      </p:cBhvr>
+                                      <p:tavLst>
+                                        <p:tav tm="0">
+                                          <p:val>
+                                            <p:strVal val="#ppt_y"/>
+                                          </p:val>
+                                        </p:tav>
+                                        <p:tav tm="100000">
+                                          <p:val>
+                                            <p:strVal val="#ppt_y"/>
+                                          </p:val>
+                                        </p:tav>
+                                      </p:tavLst>
+                                    </p:anim>
+                                  </p:childTnLst>
+                                </p:cTn>
+                              </p:par>
+                            </p:childTnLst>
+                          </p:cTn>
+                        </p:par>
+                      </p:childTnLst>
+                    </p:cTn>
+                  </p:par>
+                  <p:par>
+                    <p:cTn id="21" fill="hold">
+                      <p:stCondLst>
+                        <p:cond delay="indefinite"/>
+                      </p:stCondLst>
+                      <p:childTnLst>
+                        <p:par>
+                          <p:cTn id="22" fill="hold">
+                            <p:stCondLst>
+                              <p:cond delay="0"/>
+                            </p:stCondLst>
+                            <p:childTnLst>
+                              <p:par>
+                                <p:cTn id="23" presetID="2" presetClass="entr" presetSubtype="8" fill="hold" nodeType="clickEffect">
+                                  <p:stCondLst>
+                                    <p:cond delay="0"/>
+                                  </p:stCondLst>
+                                  <p:childTnLst>
+                                    <p:set>
+                                      <p:cBhvr>
+                                        <p:cTn id="24" dur="1" fill="hold">
+                                          <p:stCondLst>
+                                            <p:cond delay="0"/>
+                                          </p:stCondLst>
+                                        </p:cTn>
+                                        <p:tgtEl>
+                                          <p:spTgt spid="11"/>
+                                        </p:tgtEl>
+                                        <p:attrNameLst>
+                                          <p:attrName>style.visibility</p:attrName>
+                                        </p:attrNameLst>
+                                      </p:cBhvr>
+                                      <p:to>
+                                        <p:strVal val="visible"/>
+                                      </p:to>
+                                    </p:set>
+                                    <p:anim calcmode="lin" valueType="num">
+                                      <p:cBhvr additive="base">
+                                        <p:cTn id="25" dur="500" fill="hold"/>
+                                        <p:tgtEl>
+                                          <p:spTgt spid="11"/>
+                                        </p:tgtEl>
+                                        <p:attrNameLst>
+                                          <p:attrName>ppt_x</p:attrName>
+                                        </p:attrNameLst>
+                                      </p:cBhvr>
+                                      <p:tavLst>
+                                        <p:tav tm="0">
+                                          <p:val>
+                                            <p:strVal val="0-#ppt_w/2"/>
+                                          </p:val>
+                                        </p:tav>
+                                        <p:tav tm="100000">
+                                          <p:val>
+                                            <p:strVal val="#ppt_x"/>
+                                          </p:val>
+                                        </p:tav>
+                                      </p:tavLst>
+                                    </p:anim>
+                                    <p:anim calcmode="lin" valueType="num">
+                                      <p:cBhvr additive="base">
+                                        <p:cTn id="26" dur="500" fill="hold"/>
+                                        <p:tgtEl>
+                                          <p:spTgt spid="11"/>
+                                        </p:tgtEl>
+                                        <p:attrNameLst>
+                                          <p:attrName>ppt_y</p:attrName>
+                                        </p:attrNameLst>
+                                      </p:cBhvr>
+                                      <p:tavLst>
+                                        <p:tav tm="0">
+                                          <p:val>
+                                            <p:strVal val="#ppt_y"/>
+                                          </p:val>
+                                        </p:tav>
+                                        <p:tav tm="100000">
+                                          <p:val>
+                                            <p:strVal val="#ppt_y"/>
+                                          </p:val>
+                                        </p:tav>
+                                      </p:tavLst>
+                                    </p:anim>
                                   </p:childTnLst>
                                 </p:cTn>
                               </p:par>
@@ -17296,6 +17243,10 @@
         </p:cTn>
       </p:par>
     </p:tnLst>
+    <p:bldLst>
+      <p:bldP spid="13" grpId="0" animBg="1"/>
+      <p:bldP spid="5" grpId="0"/>
+    </p:bldLst>
   </p:timing>
 </p:sld>
 </file>

--- a/Airbnb Price Predictions (Model).pptx
+++ b/Airbnb Price Predictions (Model).pptx
@@ -5,7 +5,7 @@
     <p:sldMasterId id="2147483648" r:id="rId1"/>
   </p:sldMasterIdLst>
   <p:notesMasterIdLst>
-    <p:notesMasterId r:id="rId27"/>
+    <p:notesMasterId r:id="rId26"/>
   </p:notesMasterIdLst>
   <p:sldIdLst>
     <p:sldId id="257" r:id="rId2"/>
@@ -16,23 +16,22 @@
     <p:sldId id="308" r:id="rId7"/>
     <p:sldId id="280" r:id="rId8"/>
     <p:sldId id="315" r:id="rId9"/>
-    <p:sldId id="299" r:id="rId10"/>
-    <p:sldId id="296" r:id="rId11"/>
-    <p:sldId id="300" r:id="rId12"/>
-    <p:sldId id="298" r:id="rId13"/>
-    <p:sldId id="307" r:id="rId14"/>
-    <p:sldId id="306" r:id="rId15"/>
-    <p:sldId id="325" r:id="rId16"/>
-    <p:sldId id="304" r:id="rId17"/>
-    <p:sldId id="311" r:id="rId18"/>
-    <p:sldId id="310" r:id="rId19"/>
-    <p:sldId id="312" r:id="rId20"/>
-    <p:sldId id="313" r:id="rId21"/>
-    <p:sldId id="314" r:id="rId22"/>
-    <p:sldId id="319" r:id="rId23"/>
-    <p:sldId id="318" r:id="rId24"/>
-    <p:sldId id="316" r:id="rId25"/>
-    <p:sldId id="317" r:id="rId26"/>
+    <p:sldId id="296" r:id="rId10"/>
+    <p:sldId id="300" r:id="rId11"/>
+    <p:sldId id="298" r:id="rId12"/>
+    <p:sldId id="307" r:id="rId13"/>
+    <p:sldId id="306" r:id="rId14"/>
+    <p:sldId id="325" r:id="rId15"/>
+    <p:sldId id="304" r:id="rId16"/>
+    <p:sldId id="311" r:id="rId17"/>
+    <p:sldId id="310" r:id="rId18"/>
+    <p:sldId id="312" r:id="rId19"/>
+    <p:sldId id="313" r:id="rId20"/>
+    <p:sldId id="314" r:id="rId21"/>
+    <p:sldId id="319" r:id="rId22"/>
+    <p:sldId id="318" r:id="rId23"/>
+    <p:sldId id="316" r:id="rId24"/>
+    <p:sldId id="317" r:id="rId25"/>
   </p:sldIdLst>
   <p:sldSz cx="12192000" cy="6858000"/>
   <p:notesSz cx="6858000" cy="9144000"/>
@@ -233,7 +232,7 @@
           <a:p>
             <a:fld id="{4CCFD3AE-9071-224A-B675-15A76FB69B01}" type="datetimeFigureOut">
               <a:rPr lang="en-US" smtClean="0"/>
-              <a:t>3/21/2021</a:t>
+              <a:t>3/22/2021</a:t>
             </a:fld>
             <a:endParaRPr lang="en-US"/>
           </a:p>
@@ -630,7 +629,27 @@
           <a:p>
             <a:r>
               <a:rPr lang="en-US" dirty="0"/>
-              <a:t>This table provides an overview of what we need to do to try to find the best fit for the model.  The next few slides will provide a breakdown of what we did to transform the data.</a:t>
+              <a:t>First, we needed to replace the blank fields with the averages for that specific column</a:t>
+            </a:r>
+          </a:p>
+          <a:p>
+            <a:r>
+              <a:rPr lang="en-US" dirty="0"/>
+              <a:t>Second, we need to put the data by categorize our data by numerical values which was done from our last project for boroughs, </a:t>
+            </a:r>
+            <a:r>
+              <a:rPr lang="en-US" dirty="0" err="1"/>
+              <a:t>neighbourhoods</a:t>
+            </a:r>
+            <a:r>
+              <a:rPr lang="en-US" dirty="0"/>
+              <a:t> &amp; room type.</a:t>
+            </a:r>
+          </a:p>
+          <a:p>
+            <a:r>
+              <a:rPr lang="en-US" dirty="0"/>
+              <a:t>Then we also, vectorize the most important amenities to get a count for each listing.</a:t>
             </a:r>
           </a:p>
           <a:p>
@@ -664,7 +683,7 @@
     </p:spTree>
     <p:extLst>
       <p:ext uri="{BB962C8B-B14F-4D97-AF65-F5344CB8AC3E}">
-        <p14:creationId xmlns:p14="http://schemas.microsoft.com/office/powerpoint/2010/main" val="582048577"/>
+        <p14:creationId xmlns:p14="http://schemas.microsoft.com/office/powerpoint/2010/main" val="2102900166"/>
       </p:ext>
     </p:extLst>
   </p:cSld>
@@ -720,13 +739,7 @@
           <a:p>
             <a:r>
               <a:rPr lang="en-US" dirty="0"/>
-              <a:t>First, we needed to replace the blank fields with the averages for that specific column</a:t>
-            </a:r>
-          </a:p>
-          <a:p>
-            <a:r>
-              <a:rPr lang="en-US" dirty="0"/>
-              <a:t>Second, we need to put the data by categorize our data by numerical values which was done from our last project for boroughs, </a:t>
+              <a:t>To get the best selection of listings that best represents NYC Airbnb market, 2e filtered out the outliers by only keeping the </a:t>
             </a:r>
             <a:r>
               <a:rPr lang="en-US" dirty="0" err="1"/>
@@ -734,17 +747,8 @@
             </a:r>
             <a:r>
               <a:rPr lang="en-US" dirty="0"/>
-              <a:t> &amp; room type.</a:t>
-            </a:r>
-          </a:p>
-          <a:p>
-            <a:r>
-              <a:rPr lang="en-US" dirty="0"/>
-              <a:t>Then we also, vectorize the most important amenities to get a count for each listing.</a:t>
-            </a:r>
-          </a:p>
-          <a:p>
-            <a:endParaRPr lang="en-US" dirty="0"/>
+              <a:t> that  with over 100 listings &amp; the listing prices under $600 so it is more normally distributed.</a:t>
+            </a:r>
           </a:p>
         </p:txBody>
       </p:sp>
@@ -774,7 +778,7 @@
     </p:spTree>
     <p:extLst>
       <p:ext uri="{BB962C8B-B14F-4D97-AF65-F5344CB8AC3E}">
-        <p14:creationId xmlns:p14="http://schemas.microsoft.com/office/powerpoint/2010/main" val="2102900166"/>
+        <p14:creationId xmlns:p14="http://schemas.microsoft.com/office/powerpoint/2010/main" val="1272532608"/>
       </p:ext>
     </p:extLst>
   </p:cSld>
@@ -830,15 +834,47 @@
           <a:p>
             <a:r>
               <a:rPr lang="en-US" dirty="0"/>
-              <a:t>To get the best selection of listings that best represents NYC Airbnb market, 2e filtered out the outliers by only keeping the </a:t>
+              <a:t>The </a:t>
             </a:r>
             <a:r>
               <a:rPr lang="en-US" dirty="0" err="1"/>
-              <a:t>neighbourhoods</a:t>
+              <a:t>facebook</a:t>
             </a:r>
             <a:r>
               <a:rPr lang="en-US" dirty="0"/>
-              <a:t> that  with over 100 listings &amp; the listing prices under $600 so it is more normally distributed.</a:t>
+              <a:t> prophet runs differently than the other regressor model and another dataset needs to be created.</a:t>
+            </a:r>
+          </a:p>
+          <a:p>
+            <a:r>
+              <a:rPr lang="en-US" dirty="0"/>
+              <a:t>We used our existing data to find the listings masters data to get the borough and room type.  </a:t>
+            </a:r>
+          </a:p>
+          <a:p>
+            <a:r>
+              <a:rPr lang="en-US" dirty="0"/>
+              <a:t>Then we need to created new datasets to find all the </a:t>
+            </a:r>
+            <a:r>
+              <a:rPr lang="en-US" dirty="0" err="1"/>
+              <a:t>historial</a:t>
+            </a:r>
+            <a:r>
+              <a:rPr lang="en-US" dirty="0"/>
+              <a:t> rates &amp; holiday dates from 2017-2021.  All this information is found on the inside Airbnb &amp; us holiday calendar website. </a:t>
+            </a:r>
+          </a:p>
+          <a:p>
+            <a:r>
+              <a:rPr lang="en-US" dirty="0"/>
+              <a:t>Various methods like concatenation, filtering, merging, renaming columns and calculating the mean were used in Pandas to get our Final output</a:t>
+            </a:r>
+          </a:p>
+          <a:p>
+            <a:r>
+              <a:rPr lang="en-US" dirty="0"/>
+              <a:t>We believe that putting all of this together can help us accurately predict prices based on location, size, trends and seasonality.</a:t>
             </a:r>
           </a:p>
         </p:txBody>
@@ -869,7 +905,7 @@
     </p:spTree>
     <p:extLst>
       <p:ext uri="{BB962C8B-B14F-4D97-AF65-F5344CB8AC3E}">
-        <p14:creationId xmlns:p14="http://schemas.microsoft.com/office/powerpoint/2010/main" val="1272532608"/>
+        <p14:creationId xmlns:p14="http://schemas.microsoft.com/office/powerpoint/2010/main" val="3798830468"/>
       </p:ext>
     </p:extLst>
   </p:cSld>
@@ -925,47 +961,48 @@
           <a:p>
             <a:r>
               <a:rPr lang="en-US" dirty="0"/>
-              <a:t>The </a:t>
+              <a:t>The next step is that we need to select the right features that impact the price.  We collectively agreed that features like location, the room type, # of bedrooms/bathrooms, amenities count review scores, # of reviews are some of the major driving force that impacts what the hosts charge for their Airbnb.</a:t>
+            </a:r>
+          </a:p>
+          <a:p>
+            <a:endParaRPr lang="en-US" dirty="0"/>
+          </a:p>
+          <a:p>
+            <a:r>
+              <a:rPr lang="en-US" dirty="0"/>
+              <a:t>Then we increased the dataset size by 10% so that more listing simples can be tested to increase the accuracy of the test scores.</a:t>
+            </a:r>
+          </a:p>
+          <a:p>
+            <a:endParaRPr lang="en-US" dirty="0"/>
+          </a:p>
+          <a:p>
+            <a:r>
+              <a:rPr lang="en-US" dirty="0"/>
+              <a:t>We must ensure that all x-values need to be scaled to the same unit so that it doesn’t give us the wrong </a:t>
             </a:r>
             <a:r>
               <a:rPr lang="en-US" dirty="0" err="1"/>
-              <a:t>facebook</a:t>
+              <a:t>scorres</a:t>
             </a:r>
             <a:r>
               <a:rPr lang="en-US" dirty="0"/>
-              <a:t> prophet runs differently than the other regressor model, so we need to create another dataset for this. </a:t>
-            </a:r>
+              <a:t>.</a:t>
+            </a:r>
+          </a:p>
+          <a:p>
+            <a:endParaRPr lang="en-US" dirty="0"/>
           </a:p>
           <a:p>
             <a:r>
               <a:rPr lang="en-US" dirty="0"/>
-              <a:t>We used our existing data to find the listings masters data to get the borough and room type.  </a:t>
+              <a:t>As for the prophet model, we added the holiday feature, borough and room type info form the original default code we have to </a:t>
             </a:r>
           </a:p>
           <a:p>
             <a:r>
               <a:rPr lang="en-US" dirty="0"/>
-              <a:t>Then we need to created new datasets to find all the </a:t>
-            </a:r>
-            <a:r>
-              <a:rPr lang="en-US" dirty="0" err="1"/>
-              <a:t>historial</a:t>
-            </a:r>
-            <a:r>
-              <a:rPr lang="en-US" dirty="0"/>
-              <a:t> rates &amp; holiday dates from 2017-2021.  All this information is found on the inside Airbnb &amp; us holiday calendar website. </a:t>
-            </a:r>
-          </a:p>
-          <a:p>
-            <a:r>
-              <a:rPr lang="en-US" dirty="0"/>
-              <a:t>Various methods like concatenation, filtering, merging, renaming columns and calculating the mean were used in Pandas to get our Final output</a:t>
-            </a:r>
-          </a:p>
-          <a:p>
-            <a:r>
-              <a:rPr lang="en-US" dirty="0"/>
-              <a:t>We believe that putting all of this together can help us accurately predict prices based on location, size, trends and seasonality.</a:t>
+              <a:t> find the optimal train-test data split and to normalize the X-values so that they are in the same units for the model to produce to correct results.</a:t>
             </a:r>
           </a:p>
         </p:txBody>
@@ -996,7 +1033,7 @@
     </p:spTree>
     <p:extLst>
       <p:ext uri="{BB962C8B-B14F-4D97-AF65-F5344CB8AC3E}">
-        <p14:creationId xmlns:p14="http://schemas.microsoft.com/office/powerpoint/2010/main" val="3798830468"/>
+        <p14:creationId xmlns:p14="http://schemas.microsoft.com/office/powerpoint/2010/main" val="3299870767"/>
       </p:ext>
     </p:extLst>
   </p:cSld>
@@ -1052,48 +1089,13 @@
           <a:p>
             <a:r>
               <a:rPr lang="en-US" dirty="0"/>
-              <a:t>The next step is that we need to select the right features that impact the price.  We collectively agreed that features like location, the room type, # of bedrooms/bathrooms, amenities count review scores, # of reviews are some of the major driving force that impacts what the hosts charge for their Airbnb.</a:t>
-            </a:r>
-          </a:p>
-          <a:p>
-            <a:endParaRPr lang="en-US" dirty="0"/>
+              <a:t>This table shows you the coefficient of correlation (R2) &amp; Mean Squared Error (MSE)</a:t>
+            </a:r>
           </a:p>
           <a:p>
             <a:r>
               <a:rPr lang="en-US" dirty="0"/>
-              <a:t>Then we increased the dataset size by 10% so that more listing simples can be tested to increase the accuracy of the test scores.</a:t>
-            </a:r>
-          </a:p>
-          <a:p>
-            <a:endParaRPr lang="en-US" dirty="0"/>
-          </a:p>
-          <a:p>
-            <a:r>
-              <a:rPr lang="en-US" dirty="0"/>
-              <a:t>We must ensure that all x-values need to be scaled to the same unit so that it doesn’t give us the wrong </a:t>
-            </a:r>
-            <a:r>
-              <a:rPr lang="en-US" dirty="0" err="1"/>
-              <a:t>scorres</a:t>
-            </a:r>
-            <a:r>
-              <a:rPr lang="en-US" dirty="0"/>
-              <a:t>.</a:t>
-            </a:r>
-          </a:p>
-          <a:p>
-            <a:endParaRPr lang="en-US" dirty="0"/>
-          </a:p>
-          <a:p>
-            <a:r>
-              <a:rPr lang="en-US" dirty="0"/>
-              <a:t>As for the prophet model, we added the holiday feature, borough and room type info form the original default code we have to </a:t>
-            </a:r>
-          </a:p>
-          <a:p>
-            <a:r>
-              <a:rPr lang="en-US" dirty="0"/>
-              <a:t> find the optimal train-test data split and to normalize the X-values so that they are in the same units for the model to produce to correct results.</a:t>
+              <a:t>The r2 tells you how close the data fits to the regression line.  MSE is the squared average difference between the actual &amp; predicted values.</a:t>
             </a:r>
           </a:p>
         </p:txBody>
@@ -1124,7 +1126,7 @@
     </p:spTree>
     <p:extLst>
       <p:ext uri="{BB962C8B-B14F-4D97-AF65-F5344CB8AC3E}">
-        <p14:creationId xmlns:p14="http://schemas.microsoft.com/office/powerpoint/2010/main" val="3299870767"/>
+        <p14:creationId xmlns:p14="http://schemas.microsoft.com/office/powerpoint/2010/main" val="2903025816"/>
       </p:ext>
     </p:extLst>
   </p:cSld>
@@ -1180,13 +1182,42 @@
           <a:p>
             <a:r>
               <a:rPr lang="en-US" dirty="0"/>
-              <a:t>This table shows you the coefficient of correlation (R2) &amp; Mean Squared Error (MSE)</a:t>
-            </a:r>
-          </a:p>
-          <a:p>
+              <a:t>This table displays the model r2 &amp; </a:t>
+            </a:r>
+            <a:r>
+              <a:rPr lang="en-US" dirty="0" err="1"/>
+              <a:t>mse</a:t>
+            </a:r>
             <a:r>
               <a:rPr lang="en-US" dirty="0"/>
-              <a:t>The r2 tells you how close the data fits to the regression line.  MSE is the squared average difference between the actual &amp; predicted values.</a:t>
+              <a:t> scores.  I have also listed the factors that the model takes in when predicting prices for the units.  </a:t>
+            </a:r>
+          </a:p>
+          <a:p>
+            <a:r>
+              <a:rPr lang="en-US" dirty="0"/>
+              <a:t>Looking at the results, we cannot solely price your unit based on the average rates of the area as the KNN Regressor Model shows the lowest accuracy scores.</a:t>
+            </a:r>
+          </a:p>
+          <a:p>
+            <a:r>
+              <a:rPr lang="en-US" dirty="0"/>
+              <a:t>The hosts will need to look deeper into factors like room type, amenities, and other features to scale their rates accordingly.</a:t>
+            </a:r>
+          </a:p>
+          <a:p>
+            <a:r>
+              <a:rPr lang="en-US" dirty="0"/>
+              <a:t>Finally, the hosts maximize their revenue by looking at the traveling demands during different times of the year.  For example, rates can be priced higher during the weekends, summer months, and on major holidays like Christmas.</a:t>
+            </a:r>
+          </a:p>
+          <a:p>
+            <a:endParaRPr lang="en-US" dirty="0"/>
+          </a:p>
+          <a:p>
+            <a:r>
+              <a:rPr lang="en-US" dirty="0"/>
+              <a:t>The next slide will show the result breakdown of the Airbnb pricing model.</a:t>
             </a:r>
           </a:p>
         </p:txBody>
@@ -1217,7 +1248,7 @@
     </p:spTree>
     <p:extLst>
       <p:ext uri="{BB962C8B-B14F-4D97-AF65-F5344CB8AC3E}">
-        <p14:creationId xmlns:p14="http://schemas.microsoft.com/office/powerpoint/2010/main" val="2903025816"/>
+        <p14:creationId xmlns:p14="http://schemas.microsoft.com/office/powerpoint/2010/main" val="4084500735"/>
       </p:ext>
     </p:extLst>
   </p:cSld>
@@ -1273,54 +1304,26 @@
           <a:p>
             <a:r>
               <a:rPr lang="en-US" dirty="0"/>
-              <a:t>Based on the results, it tells us 3 things:</a:t>
-            </a:r>
-          </a:p>
-          <a:p>
-            <a:pPr marL="228600" indent="-228600">
-              <a:buAutoNum type="arabicParenR"/>
-            </a:pPr>
+              <a:t>In this slide we look at the price correlation versus the accommodations and amenities in the yellow box.  </a:t>
+            </a:r>
+          </a:p>
+          <a:p>
             <a:r>
               <a:rPr lang="en-US" dirty="0"/>
-              <a:t>FB Prophet has the highest R-squared  score and  lowest MSE.  This </a:t>
-            </a:r>
-            <a:r>
-              <a:rPr lang="en-US" dirty="0" err="1"/>
-              <a:t>indicatesthat</a:t>
-            </a:r>
-            <a:r>
-              <a:rPr lang="en-US" dirty="0"/>
-              <a:t> timing has a strong impact to the price.  The host can consider pricing them differently on the day of the week, month, seasons &amp; holidays.</a:t>
-            </a:r>
-          </a:p>
-          <a:p>
-            <a:pPr marL="228600" indent="-228600">
-              <a:buAutoNum type="arabicParenR"/>
-            </a:pPr>
-            <a:r>
-              <a:rPr lang="en-US" dirty="0"/>
-              <a:t>Having more features/amenities can help you increase the price too with the correlation being over 50%.  However, another factor to consider is that </a:t>
-            </a:r>
-          </a:p>
-          <a:p>
-            <a:pPr marL="228600" indent="-228600">
-              <a:buAutoNum type="arabicParenR"/>
-            </a:pPr>
-            <a:r>
-              <a:rPr lang="en-US" dirty="0"/>
-              <a:t>Surprisingly, the KNN score is quite low, </a:t>
-            </a:r>
-          </a:p>
-          <a:p>
-            <a:endParaRPr lang="en-US" dirty="0"/>
-          </a:p>
-          <a:p>
-            <a:endParaRPr lang="en-US" dirty="0"/>
-          </a:p>
-          <a:p>
-            <a:endParaRPr lang="en-US" dirty="0"/>
-          </a:p>
-          <a:p>
+              <a:t>Just by looking at the correlation figures, the heatmap implies that size and basic accommodations have a moderate impact on the prices.  Having more amenities like washer and air conditioning are nice to have features that can help increase the rates.</a:t>
+            </a:r>
+          </a:p>
+          <a:p>
+            <a:r>
+              <a:rPr lang="en-US" b="0" i="0" dirty="0">
+                <a:solidFill>
+                  <a:srgbClr val="292929"/>
+                </a:solidFill>
+                <a:effectLst/>
+                <a:latin typeface="charter"/>
+              </a:rPr>
+              <a:t>  </a:t>
+            </a:r>
             <a:endParaRPr lang="en-US" dirty="0"/>
           </a:p>
         </p:txBody>
@@ -1351,7 +1354,7 @@
     </p:spTree>
     <p:extLst>
       <p:ext uri="{BB962C8B-B14F-4D97-AF65-F5344CB8AC3E}">
-        <p14:creationId xmlns:p14="http://schemas.microsoft.com/office/powerpoint/2010/main" val="4084500735"/>
+        <p14:creationId xmlns:p14="http://schemas.microsoft.com/office/powerpoint/2010/main" val="771449764"/>
       </p:ext>
     </p:extLst>
   </p:cSld>
@@ -1405,22 +1408,7 @@
           <a:bodyPr/>
           <a:lstStyle/>
           <a:p>
-            <a:r>
-              <a:rPr lang="en-US" dirty="0"/>
-              <a:t>This table shows you the coefficient of correlation (R2) &amp; Mean Squared Error (MSE)</a:t>
-            </a:r>
-          </a:p>
-          <a:p>
-            <a:r>
-              <a:rPr lang="en-US" dirty="0"/>
-              <a:t>The r2 tells you how close the data fits to the regression line.  MSE is the squared average difference between the actual &amp; predicted values.</a:t>
-            </a:r>
-          </a:p>
-          <a:p>
-            <a:r>
-              <a:rPr lang="en-US" dirty="0"/>
-              <a:t>Based on the model,  it tells us that the time trends have the strong impact on the price.  The features have a moderate correlation to the price and the clustering have a fairly weak correlation</a:t>
-            </a:r>
+            <a:endParaRPr lang="en-US" dirty="0"/>
           </a:p>
           <a:p>
             <a:endParaRPr lang="en-US" dirty="0"/>
@@ -1465,7 +1453,7 @@
     </p:spTree>
     <p:extLst>
       <p:ext uri="{BB962C8B-B14F-4D97-AF65-F5344CB8AC3E}">
-        <p14:creationId xmlns:p14="http://schemas.microsoft.com/office/powerpoint/2010/main" val="771449764"/>
+        <p14:creationId xmlns:p14="http://schemas.microsoft.com/office/powerpoint/2010/main" val="1755046140"/>
       </p:ext>
     </p:extLst>
   </p:cSld>
@@ -1579,7 +1567,7 @@
     </p:spTree>
     <p:extLst>
       <p:ext uri="{BB962C8B-B14F-4D97-AF65-F5344CB8AC3E}">
-        <p14:creationId xmlns:p14="http://schemas.microsoft.com/office/powerpoint/2010/main" val="1755046140"/>
+        <p14:creationId xmlns:p14="http://schemas.microsoft.com/office/powerpoint/2010/main" val="733089083"/>
       </p:ext>
     </p:extLst>
   </p:cSld>
@@ -1693,7 +1681,7 @@
     </p:spTree>
     <p:extLst>
       <p:ext uri="{BB962C8B-B14F-4D97-AF65-F5344CB8AC3E}">
-        <p14:creationId xmlns:p14="http://schemas.microsoft.com/office/powerpoint/2010/main" val="733089083"/>
+        <p14:creationId xmlns:p14="http://schemas.microsoft.com/office/powerpoint/2010/main" val="4017738238"/>
       </p:ext>
     </p:extLst>
   </p:cSld>
@@ -1921,7 +1909,7 @@
     </p:spTree>
     <p:extLst>
       <p:ext uri="{BB962C8B-B14F-4D97-AF65-F5344CB8AC3E}">
-        <p14:creationId xmlns:p14="http://schemas.microsoft.com/office/powerpoint/2010/main" val="4017738238"/>
+        <p14:creationId xmlns:p14="http://schemas.microsoft.com/office/powerpoint/2010/main" val="3672969067"/>
       </p:ext>
     </p:extLst>
   </p:cSld>
@@ -2035,7 +2023,7 @@
     </p:spTree>
     <p:extLst>
       <p:ext uri="{BB962C8B-B14F-4D97-AF65-F5344CB8AC3E}">
-        <p14:creationId xmlns:p14="http://schemas.microsoft.com/office/powerpoint/2010/main" val="3672969067"/>
+        <p14:creationId xmlns:p14="http://schemas.microsoft.com/office/powerpoint/2010/main" val="2401572066"/>
       </p:ext>
     </p:extLst>
   </p:cSld>
@@ -2149,7 +2137,7 @@
     </p:spTree>
     <p:extLst>
       <p:ext uri="{BB962C8B-B14F-4D97-AF65-F5344CB8AC3E}">
-        <p14:creationId xmlns:p14="http://schemas.microsoft.com/office/powerpoint/2010/main" val="2401572066"/>
+        <p14:creationId xmlns:p14="http://schemas.microsoft.com/office/powerpoint/2010/main" val="544332648"/>
       </p:ext>
     </p:extLst>
   </p:cSld>
@@ -2263,7 +2251,7 @@
     </p:spTree>
     <p:extLst>
       <p:ext uri="{BB962C8B-B14F-4D97-AF65-F5344CB8AC3E}">
-        <p14:creationId xmlns:p14="http://schemas.microsoft.com/office/powerpoint/2010/main" val="544332648"/>
+        <p14:creationId xmlns:p14="http://schemas.microsoft.com/office/powerpoint/2010/main" val="318162139"/>
       </p:ext>
     </p:extLst>
   </p:cSld>
@@ -2319,23 +2307,8 @@
           <a:p>
             <a:r>
               <a:rPr lang="en-US" dirty="0"/>
-              <a:t>This table shows you the coefficient of correlation (R2) &amp; Mean Squared Error (MSE)</a:t>
-            </a:r>
-          </a:p>
-          <a:p>
-            <a:r>
-              <a:rPr lang="en-US" dirty="0"/>
-              <a:t>The r2 tells you how close the data fits to the regression line.  MSE is the squared average difference between the actual &amp; predicted values.</a:t>
-            </a:r>
-          </a:p>
-          <a:p>
-            <a:r>
-              <a:rPr lang="en-US" dirty="0"/>
-              <a:t>Based on the model,  it tells us that the time trends have the strong impact on the price.  The features have a moderate correlation to the price and the clustering have a fairly weak correlation</a:t>
-            </a:r>
-          </a:p>
-          <a:p>
-            <a:endParaRPr lang="en-US" dirty="0"/>
+              <a:t>So &amp; so we demo the dashboard</a:t>
+            </a:r>
           </a:p>
           <a:p>
             <a:endParaRPr lang="en-US" dirty="0"/>
@@ -2369,120 +2342,6 @@
             <a:fld id="{DF2352D6-35AF-0544-A99E-554CC41E76C4}" type="slidenum">
               <a:rPr lang="en-US" smtClean="0"/>
               <a:t>24</a:t>
-            </a:fld>
-            <a:endParaRPr lang="en-US"/>
-          </a:p>
-        </p:txBody>
-      </p:sp>
-    </p:spTree>
-    <p:extLst>
-      <p:ext uri="{BB962C8B-B14F-4D97-AF65-F5344CB8AC3E}">
-        <p14:creationId xmlns:p14="http://schemas.microsoft.com/office/powerpoint/2010/main" val="318162139"/>
-      </p:ext>
-    </p:extLst>
-  </p:cSld>
-  <p:clrMapOvr>
-    <a:masterClrMapping/>
-  </p:clrMapOvr>
-</p:notes>
-</file>
-
-<file path=ppt/notesSlides/notesSlide25.xml><?xml version="1.0" encoding="utf-8"?>
-<p:notes xmlns:a="http://schemas.openxmlformats.org/drawingml/2006/main" xmlns:r="http://schemas.openxmlformats.org/officeDocument/2006/relationships" xmlns:p="http://schemas.openxmlformats.org/presentationml/2006/main">
-  <p:cSld>
-    <p:spTree>
-      <p:nvGrpSpPr>
-        <p:cNvPr id="1" name=""/>
-        <p:cNvGrpSpPr/>
-        <p:nvPr/>
-      </p:nvGrpSpPr>
-      <p:grpSpPr>
-        <a:xfrm>
-          <a:off x="0" y="0"/>
-          <a:ext cx="0" cy="0"/>
-          <a:chOff x="0" y="0"/>
-          <a:chExt cx="0" cy="0"/>
-        </a:xfrm>
-      </p:grpSpPr>
-      <p:sp>
-        <p:nvSpPr>
-          <p:cNvPr id="2" name="Slide Image Placeholder 1"/>
-          <p:cNvSpPr>
-            <a:spLocks noGrp="1" noRot="1" noChangeAspect="1"/>
-          </p:cNvSpPr>
-          <p:nvPr>
-            <p:ph type="sldImg"/>
-          </p:nvPr>
-        </p:nvSpPr>
-        <p:spPr/>
-      </p:sp>
-      <p:sp>
-        <p:nvSpPr>
-          <p:cNvPr id="3" name="Notes Placeholder 2"/>
-          <p:cNvSpPr>
-            <a:spLocks noGrp="1"/>
-          </p:cNvSpPr>
-          <p:nvPr>
-            <p:ph type="body" idx="1"/>
-          </p:nvPr>
-        </p:nvSpPr>
-        <p:spPr/>
-        <p:txBody>
-          <a:bodyPr/>
-          <a:lstStyle/>
-          <a:p>
-            <a:r>
-              <a:rPr lang="en-US" dirty="0"/>
-              <a:t>This table shows you the coefficient of correlation (R2) &amp; Mean Squared Error (MSE)</a:t>
-            </a:r>
-          </a:p>
-          <a:p>
-            <a:r>
-              <a:rPr lang="en-US" dirty="0"/>
-              <a:t>The r2 tells you how close the data fits to the regression line.  MSE is the squared average difference between the actual &amp; predicted values.</a:t>
-            </a:r>
-          </a:p>
-          <a:p>
-            <a:r>
-              <a:rPr lang="en-US" dirty="0"/>
-              <a:t>Based on the model,  it tells us that the time trends have the strong impact on the price.  The features have a moderate correlation to the price and the clustering have a fairly weak correlation</a:t>
-            </a:r>
-          </a:p>
-          <a:p>
-            <a:endParaRPr lang="en-US" dirty="0"/>
-          </a:p>
-          <a:p>
-            <a:endParaRPr lang="en-US" dirty="0"/>
-          </a:p>
-          <a:p>
-            <a:endParaRPr lang="en-US" dirty="0"/>
-          </a:p>
-          <a:p>
-            <a:endParaRPr lang="en-US" dirty="0"/>
-          </a:p>
-          <a:p>
-            <a:endParaRPr lang="en-US" dirty="0"/>
-          </a:p>
-        </p:txBody>
-      </p:sp>
-      <p:sp>
-        <p:nvSpPr>
-          <p:cNvPr id="4" name="Slide Number Placeholder 3"/>
-          <p:cNvSpPr>
-            <a:spLocks noGrp="1"/>
-          </p:cNvSpPr>
-          <p:nvPr>
-            <p:ph type="sldNum" sz="quarter" idx="5"/>
-          </p:nvPr>
-        </p:nvSpPr>
-        <p:spPr/>
-        <p:txBody>
-          <a:bodyPr/>
-          <a:lstStyle/>
-          <a:p>
-            <a:fld id="{DF2352D6-35AF-0544-A99E-554CC41E76C4}" type="slidenum">
-              <a:rPr lang="en-US" smtClean="0"/>
-              <a:t>25</a:t>
             </a:fld>
             <a:endParaRPr lang="en-US"/>
           </a:p>
@@ -2750,21 +2609,12 @@
           <a:lstStyle/>
           <a:p>
             <a:r>
-              <a:rPr lang="en-US" dirty="0"/>
-              <a:t>There is never the perfect dataset for the project… requires lots of cleaning, transformation &amp; formatting to make it useful for our project. </a:t>
-            </a:r>
-          </a:p>
-          <a:p>
-            <a:r>
-              <a:rPr lang="en-US" dirty="0"/>
-              <a:t>Large datasets slows down the process as it has lots of memory which will slow down the system.  It will take longer for you to get the desired output.</a:t>
-            </a:r>
-          </a:p>
-          <a:p>
-            <a:r>
-              <a:rPr lang="en-US" dirty="0"/>
-              <a:t>The database have limited connection pr</a:t>
-            </a:r>
+              <a:rPr lang="en-US" dirty="0">
+                <a:sym typeface="Wingdings" panose="05000000000000000000" pitchFamily="2" charset="2"/>
+              </a:rPr>
+              <a:t> Rest of the team to add inputs</a:t>
+            </a:r>
+            <a:endParaRPr lang="en-US" dirty="0"/>
           </a:p>
           <a:p>
             <a:endParaRPr lang="en-US" dirty="0"/>
@@ -2943,7 +2793,7 @@
           <a:p>
             <a:r>
               <a:rPr lang="en-US" dirty="0"/>
-              <a:t>To predict prices, we decided to use the Random Forest &amp; LGBM Regressor methods to determine which features are the most important to price an </a:t>
+              <a:t>To cover majority of the factors in pricing a unit, we used the Random Forest &amp; LGBM Regressor methods to determine which features are the most important to price an </a:t>
             </a:r>
             <a:r>
               <a:rPr lang="en-US" dirty="0" err="1"/>
@@ -3053,32 +2903,8 @@
           <a:p>
             <a:r>
               <a:rPr lang="en-US" dirty="0"/>
-              <a:t>This table shows you the coefficient of correlation (R2) &amp; Mean Squared Error (MSE)</a:t>
-            </a:r>
-          </a:p>
-          <a:p>
-            <a:r>
-              <a:rPr lang="en-US" dirty="0"/>
-              <a:t>The r2 tells you how close the data fits to the regression line.  MSE is the squared average difference between the actual &amp; predicted values.</a:t>
-            </a:r>
-          </a:p>
-          <a:p>
-            <a:r>
-              <a:rPr lang="en-US" dirty="0"/>
-              <a:t>Based on the model,  it tells us that the time trends have the strong impact on the price.  The features have a moderate correlation to the price and the clustering have a fairly weak correlation</a:t>
-            </a:r>
-          </a:p>
-          <a:p>
-            <a:endParaRPr lang="en-US" dirty="0"/>
-          </a:p>
-          <a:p>
-            <a:endParaRPr lang="en-US" dirty="0"/>
-          </a:p>
-          <a:p>
-            <a:endParaRPr lang="en-US" dirty="0"/>
-          </a:p>
-          <a:p>
-            <a:endParaRPr lang="en-US" dirty="0"/>
+              <a:t>Before I go into explaining the modeling process, here are some of our key findings</a:t>
+            </a:r>
           </a:p>
           <a:p>
             <a:endParaRPr lang="en-US" dirty="0"/>
@@ -3167,13 +2993,7 @@
           <a:p>
             <a:r>
               <a:rPr lang="en-US" dirty="0"/>
-              <a:t>Before we actually run the model, we have to clean the database by adding certain information that may add value to our findings.</a:t>
-            </a:r>
-          </a:p>
-          <a:p>
-            <a:r>
-              <a:rPr lang="en-US" dirty="0"/>
-              <a:t>So we added the amenities count column because we believe that it has a positive correlation to the listing price.</a:t>
+              <a:t>This table provides an overview of what we need to do to try to find the best fit for the model.  The next few slides will provide a breakdown of what we did to transform the data.</a:t>
             </a:r>
           </a:p>
           <a:p>
@@ -3207,7 +3027,7 @@
     </p:spTree>
     <p:extLst>
       <p:ext uri="{BB962C8B-B14F-4D97-AF65-F5344CB8AC3E}">
-        <p14:creationId xmlns:p14="http://schemas.microsoft.com/office/powerpoint/2010/main" val="1699898441"/>
+        <p14:creationId xmlns:p14="http://schemas.microsoft.com/office/powerpoint/2010/main" val="582048577"/>
       </p:ext>
     </p:extLst>
   </p:cSld>
@@ -3364,7 +3184,7 @@
           <a:p>
             <a:fld id="{F7EC48CD-57E2-ED46-8391-F2D890161E05}" type="datetimeFigureOut">
               <a:rPr lang="en-US" smtClean="0"/>
-              <a:t>3/21/2021</a:t>
+              <a:t>3/22/2021</a:t>
             </a:fld>
             <a:endParaRPr lang="en-US"/>
           </a:p>
@@ -3562,7 +3382,7 @@
           <a:p>
             <a:fld id="{F7EC48CD-57E2-ED46-8391-F2D890161E05}" type="datetimeFigureOut">
               <a:rPr lang="en-US" smtClean="0"/>
-              <a:t>3/21/2021</a:t>
+              <a:t>3/22/2021</a:t>
             </a:fld>
             <a:endParaRPr lang="en-US"/>
           </a:p>
@@ -3770,7 +3590,7 @@
           <a:p>
             <a:fld id="{F7EC48CD-57E2-ED46-8391-F2D890161E05}" type="datetimeFigureOut">
               <a:rPr lang="en-US" smtClean="0"/>
-              <a:t>3/21/2021</a:t>
+              <a:t>3/22/2021</a:t>
             </a:fld>
             <a:endParaRPr lang="en-US"/>
           </a:p>
@@ -3968,7 +3788,7 @@
           <a:p>
             <a:fld id="{F7EC48CD-57E2-ED46-8391-F2D890161E05}" type="datetimeFigureOut">
               <a:rPr lang="en-US" smtClean="0"/>
-              <a:t>3/21/2021</a:t>
+              <a:t>3/22/2021</a:t>
             </a:fld>
             <a:endParaRPr lang="en-US"/>
           </a:p>
@@ -4243,7 +4063,7 @@
           <a:p>
             <a:fld id="{F7EC48CD-57E2-ED46-8391-F2D890161E05}" type="datetimeFigureOut">
               <a:rPr lang="en-US" smtClean="0"/>
-              <a:t>3/21/2021</a:t>
+              <a:t>3/22/2021</a:t>
             </a:fld>
             <a:endParaRPr lang="en-US"/>
           </a:p>
@@ -4508,7 +4328,7 @@
           <a:p>
             <a:fld id="{F7EC48CD-57E2-ED46-8391-F2D890161E05}" type="datetimeFigureOut">
               <a:rPr lang="en-US" smtClean="0"/>
-              <a:t>3/21/2021</a:t>
+              <a:t>3/22/2021</a:t>
             </a:fld>
             <a:endParaRPr lang="en-US"/>
           </a:p>
@@ -4920,7 +4740,7 @@
           <a:p>
             <a:fld id="{F7EC48CD-57E2-ED46-8391-F2D890161E05}" type="datetimeFigureOut">
               <a:rPr lang="en-US" smtClean="0"/>
-              <a:t>3/21/2021</a:t>
+              <a:t>3/22/2021</a:t>
             </a:fld>
             <a:endParaRPr lang="en-US"/>
           </a:p>
@@ -5061,7 +4881,7 @@
           <a:p>
             <a:fld id="{F7EC48CD-57E2-ED46-8391-F2D890161E05}" type="datetimeFigureOut">
               <a:rPr lang="en-US" smtClean="0"/>
-              <a:t>3/21/2021</a:t>
+              <a:t>3/22/2021</a:t>
             </a:fld>
             <a:endParaRPr lang="en-US"/>
           </a:p>
@@ -5174,7 +4994,7 @@
           <a:p>
             <a:fld id="{F7EC48CD-57E2-ED46-8391-F2D890161E05}" type="datetimeFigureOut">
               <a:rPr lang="en-US" smtClean="0"/>
-              <a:t>3/21/2021</a:t>
+              <a:t>3/22/2021</a:t>
             </a:fld>
             <a:endParaRPr lang="en-US"/>
           </a:p>
@@ -5485,7 +5305,7 @@
           <a:p>
             <a:fld id="{F7EC48CD-57E2-ED46-8391-F2D890161E05}" type="datetimeFigureOut">
               <a:rPr lang="en-US" smtClean="0"/>
-              <a:t>3/21/2021</a:t>
+              <a:t>3/22/2021</a:t>
             </a:fld>
             <a:endParaRPr lang="en-US"/>
           </a:p>
@@ -5773,7 +5593,7 @@
           <a:p>
             <a:fld id="{F7EC48CD-57E2-ED46-8391-F2D890161E05}" type="datetimeFigureOut">
               <a:rPr lang="en-US" smtClean="0"/>
-              <a:t>3/21/2021</a:t>
+              <a:t>3/22/2021</a:t>
             </a:fld>
             <a:endParaRPr lang="en-US"/>
           </a:p>
@@ -6014,7 +5834,7 @@
           <a:p>
             <a:fld id="{F7EC48CD-57E2-ED46-8391-F2D890161E05}" type="datetimeFigureOut">
               <a:rPr lang="en-US" smtClean="0"/>
-              <a:t>3/21/2021</a:t>
+              <a:t>3/22/2021</a:t>
             </a:fld>
             <a:endParaRPr lang="en-US"/>
           </a:p>
@@ -6636,314 +6456,6 @@
                   <a:srgbClr val="EA5E46"/>
                 </a:solidFill>
               </a:rPr>
-              <a:t>Model Data Transformation – RF, LGBM, KNN</a:t>
-            </a:r>
-          </a:p>
-        </p:txBody>
-      </p:sp>
-      <p:pic>
-        <p:nvPicPr>
-          <p:cNvPr id="2050" name="Picture 2" descr="Image result for air bnb logo">
-            <a:extLst>
-              <a:ext uri="{FF2B5EF4-FFF2-40B4-BE49-F238E27FC236}">
-                <a16:creationId xmlns:a16="http://schemas.microsoft.com/office/drawing/2014/main" id="{A162C291-208B-BE48-BF44-7D5CD7EF6151}"/>
-              </a:ext>
-            </a:extLst>
-          </p:cNvPr>
-          <p:cNvPicPr>
-            <a:picLocks noChangeAspect="1" noChangeArrowheads="1"/>
-          </p:cNvPicPr>
-          <p:nvPr/>
-        </p:nvPicPr>
-        <p:blipFill>
-          <a:blip r:embed="rId3">
-            <a:extLst>
-              <a:ext uri="{28A0092B-C50C-407E-A947-70E740481C1C}">
-                <a14:useLocalDpi xmlns:a14="http://schemas.microsoft.com/office/drawing/2010/main" val="0"/>
-              </a:ext>
-            </a:extLst>
-          </a:blip>
-          <a:srcRect/>
-          <a:stretch>
-            <a:fillRect/>
-          </a:stretch>
-        </p:blipFill>
-        <p:spPr bwMode="auto">
-          <a:xfrm>
-            <a:off x="530564" y="108278"/>
-            <a:ext cx="2189605" cy="2022038"/>
-          </a:xfrm>
-          <a:prstGeom prst="rect">
-            <a:avLst/>
-          </a:prstGeom>
-          <a:noFill/>
-          <a:extLst>
-            <a:ext uri="{909E8E84-426E-40DD-AFC4-6F175D3DCCD1}">
-              <a14:hiddenFill xmlns:a14="http://schemas.microsoft.com/office/drawing/2010/main">
-                <a:solidFill>
-                  <a:srgbClr val="FFFFFF"/>
-                </a:solidFill>
-              </a14:hiddenFill>
-            </a:ext>
-          </a:extLst>
-        </p:spPr>
-      </p:pic>
-      <p:cxnSp>
-        <p:nvCxnSpPr>
-          <p:cNvPr id="6" name="Straight Connector 5">
-            <a:extLst>
-              <a:ext uri="{FF2B5EF4-FFF2-40B4-BE49-F238E27FC236}">
-                <a16:creationId xmlns:a16="http://schemas.microsoft.com/office/drawing/2014/main" id="{7D0926DC-6298-B648-9DF9-0D78D09F9FC8}"/>
-              </a:ext>
-            </a:extLst>
-          </p:cNvPr>
-          <p:cNvCxnSpPr>
-            <a:cxnSpLocks/>
-          </p:cNvCxnSpPr>
-          <p:nvPr/>
-        </p:nvCxnSpPr>
-        <p:spPr>
-          <a:xfrm>
-            <a:off x="975854" y="1684829"/>
-            <a:ext cx="9518745" cy="1"/>
-          </a:xfrm>
-          <a:prstGeom prst="line">
-            <a:avLst/>
-          </a:prstGeom>
-          <a:ln w="12700">
-            <a:solidFill>
-              <a:srgbClr val="EA5E46"/>
-            </a:solidFill>
-          </a:ln>
-        </p:spPr>
-        <p:style>
-          <a:lnRef idx="1">
-            <a:schemeClr val="accent2"/>
-          </a:lnRef>
-          <a:fillRef idx="0">
-            <a:schemeClr val="accent2"/>
-          </a:fillRef>
-          <a:effectRef idx="0">
-            <a:schemeClr val="accent2"/>
-          </a:effectRef>
-          <a:fontRef idx="minor">
-            <a:schemeClr val="tx1"/>
-          </a:fontRef>
-        </p:style>
-      </p:cxnSp>
-      <p:pic>
-        <p:nvPicPr>
-          <p:cNvPr id="14" name="Picture 13">
-            <a:extLst>
-              <a:ext uri="{FF2B5EF4-FFF2-40B4-BE49-F238E27FC236}">
-                <a16:creationId xmlns:a16="http://schemas.microsoft.com/office/drawing/2014/main" id="{81C25E9C-AEF8-48C0-80CE-C88B373B1AE8}"/>
-              </a:ext>
-            </a:extLst>
-          </p:cNvPr>
-          <p:cNvPicPr>
-            <a:picLocks noChangeAspect="1"/>
-          </p:cNvPicPr>
-          <p:nvPr/>
-        </p:nvPicPr>
-        <p:blipFill>
-          <a:blip r:embed="rId4"/>
-          <a:stretch>
-            <a:fillRect/>
-          </a:stretch>
-        </p:blipFill>
-        <p:spPr>
-          <a:xfrm>
-            <a:off x="2083682" y="1767443"/>
-            <a:ext cx="7806003" cy="4108894"/>
-          </a:xfrm>
-          <a:prstGeom prst="rect">
-            <a:avLst/>
-          </a:prstGeom>
-        </p:spPr>
-      </p:pic>
-      <p:sp>
-        <p:nvSpPr>
-          <p:cNvPr id="3" name="TextBox 2">
-            <a:extLst>
-              <a:ext uri="{FF2B5EF4-FFF2-40B4-BE49-F238E27FC236}">
-                <a16:creationId xmlns:a16="http://schemas.microsoft.com/office/drawing/2014/main" id="{60518D2B-5A6E-4114-AF9D-C5BF6A84A679}"/>
-              </a:ext>
-            </a:extLst>
-          </p:cNvPr>
-          <p:cNvSpPr txBox="1"/>
-          <p:nvPr/>
-        </p:nvSpPr>
-        <p:spPr>
-          <a:xfrm>
-            <a:off x="1136491" y="6028879"/>
-            <a:ext cx="9700384" cy="369332"/>
-          </a:xfrm>
-          <a:prstGeom prst="rect">
-            <a:avLst/>
-          </a:prstGeom>
-          <a:noFill/>
-        </p:spPr>
-        <p:txBody>
-          <a:bodyPr wrap="square" rtlCol="0">
-            <a:spAutoFit/>
-          </a:bodyPr>
-          <a:lstStyle/>
-          <a:p>
-            <a:r>
-              <a:rPr lang="en-US" dirty="0"/>
-              <a:t>Note: Used for Random Forest, LGBM and KNN Regressor Models only</a:t>
-            </a:r>
-            <a:endParaRPr lang="en-CA" dirty="0"/>
-          </a:p>
-        </p:txBody>
-      </p:sp>
-    </p:spTree>
-    <p:extLst>
-      <p:ext uri="{BB962C8B-B14F-4D97-AF65-F5344CB8AC3E}">
-        <p14:creationId xmlns:p14="http://schemas.microsoft.com/office/powerpoint/2010/main" val="641962917"/>
-      </p:ext>
-    </p:extLst>
-  </p:cSld>
-  <p:clrMapOvr>
-    <a:masterClrMapping/>
-  </p:clrMapOvr>
-  <p:timing>
-    <p:tnLst>
-      <p:par>
-        <p:cTn id="1" dur="indefinite" restart="never" nodeType="tmRoot">
-          <p:childTnLst>
-            <p:seq concurrent="1" nextAc="seek">
-              <p:cTn id="2" dur="indefinite" nodeType="mainSeq">
-                <p:childTnLst>
-                  <p:par>
-                    <p:cTn id="3" fill="hold">
-                      <p:stCondLst>
-                        <p:cond delay="indefinite"/>
-                      </p:stCondLst>
-                      <p:childTnLst>
-                        <p:par>
-                          <p:cTn id="4" fill="hold">
-                            <p:stCondLst>
-                              <p:cond delay="0"/>
-                            </p:stCondLst>
-                            <p:childTnLst>
-                              <p:par>
-                                <p:cTn id="5" presetID="16" presetClass="entr" presetSubtype="21" fill="hold" nodeType="clickEffect">
-                                  <p:stCondLst>
-                                    <p:cond delay="0"/>
-                                  </p:stCondLst>
-                                  <p:childTnLst>
-                                    <p:set>
-                                      <p:cBhvr>
-                                        <p:cTn id="6" dur="1" fill="hold">
-                                          <p:stCondLst>
-                                            <p:cond delay="0"/>
-                                          </p:stCondLst>
-                                        </p:cTn>
-                                        <p:tgtEl>
-                                          <p:spTgt spid="14"/>
-                                        </p:tgtEl>
-                                        <p:attrNameLst>
-                                          <p:attrName>style.visibility</p:attrName>
-                                        </p:attrNameLst>
-                                      </p:cBhvr>
-                                      <p:to>
-                                        <p:strVal val="visible"/>
-                                      </p:to>
-                                    </p:set>
-                                    <p:animEffect transition="in" filter="barn(inVertical)">
-                                      <p:cBhvr>
-                                        <p:cTn id="7" dur="500"/>
-                                        <p:tgtEl>
-                                          <p:spTgt spid="14"/>
-                                        </p:tgtEl>
-                                      </p:cBhvr>
-                                    </p:animEffect>
-                                  </p:childTnLst>
-                                </p:cTn>
-                              </p:par>
-                            </p:childTnLst>
-                          </p:cTn>
-                        </p:par>
-                      </p:childTnLst>
-                    </p:cTn>
-                  </p:par>
-                </p:childTnLst>
-              </p:cTn>
-              <p:prevCondLst>
-                <p:cond evt="onPrev" delay="0">
-                  <p:tgtEl>
-                    <p:sldTgt/>
-                  </p:tgtEl>
-                </p:cond>
-              </p:prevCondLst>
-              <p:nextCondLst>
-                <p:cond evt="onNext" delay="0">
-                  <p:tgtEl>
-                    <p:sldTgt/>
-                  </p:tgtEl>
-                </p:cond>
-              </p:nextCondLst>
-            </p:seq>
-          </p:childTnLst>
-        </p:cTn>
-      </p:par>
-    </p:tnLst>
-  </p:timing>
-</p:sld>
-</file>
-
-<file path=ppt/slides/slide11.xml><?xml version="1.0" encoding="utf-8"?>
-<p:sld xmlns:a="http://schemas.openxmlformats.org/drawingml/2006/main" xmlns:r="http://schemas.openxmlformats.org/officeDocument/2006/relationships" xmlns:p="http://schemas.openxmlformats.org/presentationml/2006/main">
-  <p:cSld>
-    <p:spTree>
-      <p:nvGrpSpPr>
-        <p:cNvPr id="1" name=""/>
-        <p:cNvGrpSpPr/>
-        <p:nvPr/>
-      </p:nvGrpSpPr>
-      <p:grpSpPr>
-        <a:xfrm>
-          <a:off x="0" y="0"/>
-          <a:ext cx="0" cy="0"/>
-          <a:chOff x="0" y="0"/>
-          <a:chExt cx="0" cy="0"/>
-        </a:xfrm>
-      </p:grpSpPr>
-      <p:sp>
-        <p:nvSpPr>
-          <p:cNvPr id="2" name="Title 1">
-            <a:extLst>
-              <a:ext uri="{FF2B5EF4-FFF2-40B4-BE49-F238E27FC236}">
-                <a16:creationId xmlns:a16="http://schemas.microsoft.com/office/drawing/2014/main" id="{59B8B577-5676-3C4B-A107-E41DB331FD85}"/>
-              </a:ext>
-            </a:extLst>
-          </p:cNvPr>
-          <p:cNvSpPr>
-            <a:spLocks noGrp="1"/>
-          </p:cNvSpPr>
-          <p:nvPr>
-            <p:ph type="title"/>
-          </p:nvPr>
-        </p:nvSpPr>
-        <p:spPr>
-          <a:xfrm>
-            <a:off x="2721982" y="696475"/>
-            <a:ext cx="10515600" cy="1325563"/>
-          </a:xfrm>
-        </p:spPr>
-        <p:txBody>
-          <a:bodyPr>
-            <a:normAutofit/>
-          </a:bodyPr>
-          <a:lstStyle/>
-          <a:p>
-            <a:r>
-              <a:rPr lang="en-US" sz="4000" dirty="0">
-                <a:solidFill>
-                  <a:srgbClr val="EA5E46"/>
-                </a:solidFill>
-              </a:rPr>
               <a:t>Model Data Transformation - RF, LGBM, KNN</a:t>
             </a:r>
           </a:p>
@@ -7706,7 +7218,7 @@
 </p:sld>
 </file>
 
-<file path=ppt/slides/slide12.xml><?xml version="1.0" encoding="utf-8"?>
+<file path=ppt/slides/slide11.xml><?xml version="1.0" encoding="utf-8"?>
 <p:sld xmlns:a="http://schemas.openxmlformats.org/drawingml/2006/main" xmlns:r="http://schemas.openxmlformats.org/officeDocument/2006/relationships" xmlns:p="http://schemas.openxmlformats.org/presentationml/2006/main">
   <p:cSld>
     <p:spTree>
@@ -8599,7 +8111,7 @@
 </p:sld>
 </file>
 
-<file path=ppt/slides/slide13.xml><?xml version="1.0" encoding="utf-8"?>
+<file path=ppt/slides/slide12.xml><?xml version="1.0" encoding="utf-8"?>
 <p:sld xmlns:a="http://schemas.openxmlformats.org/drawingml/2006/main" xmlns:r="http://schemas.openxmlformats.org/officeDocument/2006/relationships" xmlns:p="http://schemas.openxmlformats.org/presentationml/2006/main">
   <p:cSld>
     <p:spTree>
@@ -9788,7 +9300,7 @@
 </p:sld>
 </file>
 
-<file path=ppt/slides/slide14.xml><?xml version="1.0" encoding="utf-8"?>
+<file path=ppt/slides/slide13.xml><?xml version="1.0" encoding="utf-8"?>
 <p:sld xmlns:a="http://schemas.openxmlformats.org/drawingml/2006/main" xmlns:r="http://schemas.openxmlformats.org/officeDocument/2006/relationships" xmlns:p="http://schemas.openxmlformats.org/presentationml/2006/main">
   <p:cSld>
     <p:spTree>
@@ -10341,7 +9853,7 @@
 </p:sld>
 </file>
 
-<file path=ppt/slides/slide15.xml><?xml version="1.0" encoding="utf-8"?>
+<file path=ppt/slides/slide14.xml><?xml version="1.0" encoding="utf-8"?>
 <p:sld xmlns:a="http://schemas.openxmlformats.org/drawingml/2006/main" xmlns:r="http://schemas.openxmlformats.org/officeDocument/2006/relationships" xmlns:p="http://schemas.openxmlformats.org/presentationml/2006/main">
   <p:cSld>
     <p:spTree>
@@ -10521,7 +10033,7 @@
             </a:pPr>
             <a:r>
               <a:rPr lang="en-US" sz="2400" dirty="0"/>
-              <a:t>Run the model by fitting the X &amp; y training data</a:t>
+              <a:t>Run the model by fitting the X and y data</a:t>
             </a:r>
           </a:p>
           <a:p>
@@ -10590,7 +10102,7 @@
 </p:sld>
 </file>
 
-<file path=ppt/slides/slide16.xml><?xml version="1.0" encoding="utf-8"?>
+<file path=ppt/slides/slide15.xml><?xml version="1.0" encoding="utf-8"?>
 <p:sld xmlns:a="http://schemas.openxmlformats.org/drawingml/2006/main" xmlns:r="http://schemas.openxmlformats.org/officeDocument/2006/relationships" xmlns:p="http://schemas.openxmlformats.org/presentationml/2006/main">
   <p:cSld>
     <p:spTree>
@@ -11215,7 +10727,7 @@
 </p:sld>
 </file>
 
-<file path=ppt/slides/slide17.xml><?xml version="1.0" encoding="utf-8"?>
+<file path=ppt/slides/slide16.xml><?xml version="1.0" encoding="utf-8"?>
 <p:sld xmlns:a="http://schemas.openxmlformats.org/drawingml/2006/main" xmlns:r="http://schemas.openxmlformats.org/officeDocument/2006/relationships" xmlns:p="http://schemas.openxmlformats.org/presentationml/2006/main">
   <p:cSld>
     <p:spTree>
@@ -11535,7 +11047,7 @@
 </p:sld>
 </file>
 
-<file path=ppt/slides/slide18.xml><?xml version="1.0" encoding="utf-8"?>
+<file path=ppt/slides/slide17.xml><?xml version="1.0" encoding="utf-8"?>
 <p:sld xmlns:a="http://schemas.openxmlformats.org/drawingml/2006/main" xmlns:r="http://schemas.openxmlformats.org/officeDocument/2006/relationships" xmlns:p="http://schemas.openxmlformats.org/presentationml/2006/main">
   <p:cSld>
     <p:spTree>
@@ -11754,7 +11266,7 @@
 </p:sld>
 </file>
 
-<file path=ppt/slides/slide19.xml><?xml version="1.0" encoding="utf-8"?>
+<file path=ppt/slides/slide18.xml><?xml version="1.0" encoding="utf-8"?>
 <p:sld xmlns:a="http://schemas.openxmlformats.org/drawingml/2006/main" xmlns:r="http://schemas.openxmlformats.org/officeDocument/2006/relationships" xmlns:p="http://schemas.openxmlformats.org/presentationml/2006/main">
   <p:cSld>
     <p:spTree>
@@ -11947,6 +11459,195 @@
     <p:extLst>
       <p:ext uri="{BB962C8B-B14F-4D97-AF65-F5344CB8AC3E}">
         <p14:creationId xmlns:p14="http://schemas.microsoft.com/office/powerpoint/2010/main" val="861530257"/>
+      </p:ext>
+    </p:extLst>
+  </p:cSld>
+  <p:clrMapOvr>
+    <a:masterClrMapping/>
+  </p:clrMapOvr>
+</p:sld>
+</file>
+
+<file path=ppt/slides/slide19.xml><?xml version="1.0" encoding="utf-8"?>
+<p:sld xmlns:a="http://schemas.openxmlformats.org/drawingml/2006/main" xmlns:r="http://schemas.openxmlformats.org/officeDocument/2006/relationships" xmlns:p="http://schemas.openxmlformats.org/presentationml/2006/main">
+  <p:cSld>
+    <p:spTree>
+      <p:nvGrpSpPr>
+        <p:cNvPr id="1" name=""/>
+        <p:cNvGrpSpPr/>
+        <p:nvPr/>
+      </p:nvGrpSpPr>
+      <p:grpSpPr>
+        <a:xfrm>
+          <a:off x="0" y="0"/>
+          <a:ext cx="0" cy="0"/>
+          <a:chOff x="0" y="0"/>
+          <a:chExt cx="0" cy="0"/>
+        </a:xfrm>
+      </p:grpSpPr>
+      <p:sp>
+        <p:nvSpPr>
+          <p:cNvPr id="2" name="Title 1">
+            <a:extLst>
+              <a:ext uri="{FF2B5EF4-FFF2-40B4-BE49-F238E27FC236}">
+                <a16:creationId xmlns:a16="http://schemas.microsoft.com/office/drawing/2014/main" id="{59B8B577-5676-3C4B-A107-E41DB331FD85}"/>
+              </a:ext>
+            </a:extLst>
+          </p:cNvPr>
+          <p:cNvSpPr>
+            <a:spLocks noGrp="1"/>
+          </p:cNvSpPr>
+          <p:nvPr>
+            <p:ph type="title"/>
+          </p:nvPr>
+        </p:nvSpPr>
+        <p:spPr>
+          <a:xfrm>
+            <a:off x="2721982" y="696475"/>
+            <a:ext cx="10515600" cy="1325563"/>
+          </a:xfrm>
+        </p:spPr>
+        <p:txBody>
+          <a:bodyPr>
+            <a:normAutofit/>
+          </a:bodyPr>
+          <a:lstStyle/>
+          <a:p>
+            <a:r>
+              <a:rPr lang="en-US" sz="4000" dirty="0">
+                <a:solidFill>
+                  <a:srgbClr val="EA5E46"/>
+                </a:solidFill>
+              </a:rPr>
+              <a:t>Model Results – Trends &amp; Seasonality</a:t>
+            </a:r>
+          </a:p>
+        </p:txBody>
+      </p:sp>
+      <p:pic>
+        <p:nvPicPr>
+          <p:cNvPr id="2050" name="Picture 2" descr="Image result for air bnb logo">
+            <a:extLst>
+              <a:ext uri="{FF2B5EF4-FFF2-40B4-BE49-F238E27FC236}">
+                <a16:creationId xmlns:a16="http://schemas.microsoft.com/office/drawing/2014/main" id="{A162C291-208B-BE48-BF44-7D5CD7EF6151}"/>
+              </a:ext>
+            </a:extLst>
+          </p:cNvPr>
+          <p:cNvPicPr>
+            <a:picLocks noChangeAspect="1" noChangeArrowheads="1"/>
+          </p:cNvPicPr>
+          <p:nvPr/>
+        </p:nvPicPr>
+        <p:blipFill>
+          <a:blip r:embed="rId3">
+            <a:extLst>
+              <a:ext uri="{28A0092B-C50C-407E-A947-70E740481C1C}">
+                <a14:useLocalDpi xmlns:a14="http://schemas.microsoft.com/office/drawing/2010/main" val="0"/>
+              </a:ext>
+            </a:extLst>
+          </a:blip>
+          <a:srcRect/>
+          <a:stretch>
+            <a:fillRect/>
+          </a:stretch>
+        </p:blipFill>
+        <p:spPr bwMode="auto">
+          <a:xfrm>
+            <a:off x="530564" y="108278"/>
+            <a:ext cx="2189605" cy="2022038"/>
+          </a:xfrm>
+          <a:prstGeom prst="rect">
+            <a:avLst/>
+          </a:prstGeom>
+          <a:noFill/>
+          <a:extLst>
+            <a:ext uri="{909E8E84-426E-40DD-AFC4-6F175D3DCCD1}">
+              <a14:hiddenFill xmlns:a14="http://schemas.microsoft.com/office/drawing/2010/main">
+                <a:solidFill>
+                  <a:srgbClr val="FFFFFF"/>
+                </a:solidFill>
+              </a14:hiddenFill>
+            </a:ext>
+          </a:extLst>
+        </p:spPr>
+      </p:pic>
+      <p:cxnSp>
+        <p:nvCxnSpPr>
+          <p:cNvPr id="6" name="Straight Connector 5">
+            <a:extLst>
+              <a:ext uri="{FF2B5EF4-FFF2-40B4-BE49-F238E27FC236}">
+                <a16:creationId xmlns:a16="http://schemas.microsoft.com/office/drawing/2014/main" id="{7D0926DC-6298-B648-9DF9-0D78D09F9FC8}"/>
+              </a:ext>
+            </a:extLst>
+          </p:cNvPr>
+          <p:cNvCxnSpPr>
+            <a:cxnSpLocks/>
+          </p:cNvCxnSpPr>
+          <p:nvPr/>
+        </p:nvCxnSpPr>
+        <p:spPr>
+          <a:xfrm>
+            <a:off x="975854" y="1684829"/>
+            <a:ext cx="9518745" cy="1"/>
+          </a:xfrm>
+          <a:prstGeom prst="line">
+            <a:avLst/>
+          </a:prstGeom>
+          <a:ln w="12700">
+            <a:solidFill>
+              <a:srgbClr val="EA5E46"/>
+            </a:solidFill>
+          </a:ln>
+        </p:spPr>
+        <p:style>
+          <a:lnRef idx="1">
+            <a:schemeClr val="accent2"/>
+          </a:lnRef>
+          <a:fillRef idx="0">
+            <a:schemeClr val="accent2"/>
+          </a:fillRef>
+          <a:effectRef idx="0">
+            <a:schemeClr val="accent2"/>
+          </a:effectRef>
+          <a:fontRef idx="minor">
+            <a:schemeClr val="tx1"/>
+          </a:fontRef>
+        </p:style>
+      </p:cxnSp>
+      <p:pic>
+        <p:nvPicPr>
+          <p:cNvPr id="4" name="Picture 3" descr="Chart&#10;&#10;Description automatically generated">
+            <a:extLst>
+              <a:ext uri="{FF2B5EF4-FFF2-40B4-BE49-F238E27FC236}">
+                <a16:creationId xmlns:a16="http://schemas.microsoft.com/office/drawing/2014/main" id="{7121DC31-8812-4B0A-B617-0282A4548A46}"/>
+              </a:ext>
+            </a:extLst>
+          </p:cNvPr>
+          <p:cNvPicPr>
+            <a:picLocks noChangeAspect="1"/>
+          </p:cNvPicPr>
+          <p:nvPr/>
+        </p:nvPicPr>
+        <p:blipFill>
+          <a:blip r:embed="rId4"/>
+          <a:stretch>
+            <a:fillRect/>
+          </a:stretch>
+        </p:blipFill>
+        <p:spPr>
+          <a:xfrm>
+            <a:off x="975854" y="1858468"/>
+            <a:ext cx="3523671" cy="4727684"/>
+          </a:xfrm>
+          <a:prstGeom prst="rect">
+            <a:avLst/>
+          </a:prstGeom>
+        </p:spPr>
+      </p:pic>
+    </p:spTree>
+    <p:extLst>
+      <p:ext uri="{BB962C8B-B14F-4D97-AF65-F5344CB8AC3E}">
+        <p14:creationId xmlns:p14="http://schemas.microsoft.com/office/powerpoint/2010/main" val="2252165630"/>
       </p:ext>
     </p:extLst>
   </p:cSld>
@@ -12166,7 +11867,7 @@
                   <a:srgbClr val="EA5E46"/>
                 </a:solidFill>
               </a:rPr>
-              <a:t>Model Results – Trends &amp; Seasonality</a:t>
+              <a:t>Model Results – Predict the Future</a:t>
             </a:r>
           </a:p>
         </p:txBody>
@@ -12266,7 +11967,7 @@
           <p:cNvPr id="4" name="Picture 3" descr="Chart&#10;&#10;Description automatically generated">
             <a:extLst>
               <a:ext uri="{FF2B5EF4-FFF2-40B4-BE49-F238E27FC236}">
-                <a16:creationId xmlns:a16="http://schemas.microsoft.com/office/drawing/2014/main" id="{7121DC31-8812-4B0A-B617-0282A4548A46}"/>
+                <a16:creationId xmlns:a16="http://schemas.microsoft.com/office/drawing/2014/main" id="{EFD90DCF-FFB1-4890-97D3-C58A8610BA8C}"/>
               </a:ext>
             </a:extLst>
           </p:cNvPr>
@@ -12283,8 +11984,8 @@
         </p:blipFill>
         <p:spPr>
           <a:xfrm>
-            <a:off x="975854" y="1858468"/>
-            <a:ext cx="3523671" cy="4727684"/>
+            <a:off x="2166241" y="2043452"/>
+            <a:ext cx="7137969" cy="4250700"/>
           </a:xfrm>
           <a:prstGeom prst="rect">
             <a:avLst/>
@@ -12294,7 +11995,7 @@
     </p:spTree>
     <p:extLst>
       <p:ext uri="{BB962C8B-B14F-4D97-AF65-F5344CB8AC3E}">
-        <p14:creationId xmlns:p14="http://schemas.microsoft.com/office/powerpoint/2010/main" val="2252165630"/>
+        <p14:creationId xmlns:p14="http://schemas.microsoft.com/office/powerpoint/2010/main" val="745515619"/>
       </p:ext>
     </p:extLst>
   </p:cSld>
@@ -12355,7 +12056,534 @@
                   <a:srgbClr val="EA5E46"/>
                 </a:solidFill>
               </a:rPr>
-              <a:t>Model Results – Predict the Future</a:t>
+              <a:t>Pricing Considerations</a:t>
+            </a:r>
+          </a:p>
+        </p:txBody>
+      </p:sp>
+      <p:pic>
+        <p:nvPicPr>
+          <p:cNvPr id="2050" name="Picture 2" descr="Image result for air bnb logo">
+            <a:extLst>
+              <a:ext uri="{FF2B5EF4-FFF2-40B4-BE49-F238E27FC236}">
+                <a16:creationId xmlns:a16="http://schemas.microsoft.com/office/drawing/2014/main" id="{A162C291-208B-BE48-BF44-7D5CD7EF6151}"/>
+              </a:ext>
+            </a:extLst>
+          </p:cNvPr>
+          <p:cNvPicPr>
+            <a:picLocks noChangeAspect="1" noChangeArrowheads="1"/>
+          </p:cNvPicPr>
+          <p:nvPr/>
+        </p:nvPicPr>
+        <p:blipFill>
+          <a:blip r:embed="rId3">
+            <a:extLst>
+              <a:ext uri="{28A0092B-C50C-407E-A947-70E740481C1C}">
+                <a14:useLocalDpi xmlns:a14="http://schemas.microsoft.com/office/drawing/2010/main" val="0"/>
+              </a:ext>
+            </a:extLst>
+          </a:blip>
+          <a:srcRect/>
+          <a:stretch>
+            <a:fillRect/>
+          </a:stretch>
+        </p:blipFill>
+        <p:spPr bwMode="auto">
+          <a:xfrm>
+            <a:off x="530564" y="108278"/>
+            <a:ext cx="2189605" cy="2022038"/>
+          </a:xfrm>
+          <a:prstGeom prst="rect">
+            <a:avLst/>
+          </a:prstGeom>
+          <a:noFill/>
+          <a:extLst>
+            <a:ext uri="{909E8E84-426E-40DD-AFC4-6F175D3DCCD1}">
+              <a14:hiddenFill xmlns:a14="http://schemas.microsoft.com/office/drawing/2010/main">
+                <a:solidFill>
+                  <a:srgbClr val="FFFFFF"/>
+                </a:solidFill>
+              </a14:hiddenFill>
+            </a:ext>
+          </a:extLst>
+        </p:spPr>
+      </p:pic>
+      <p:cxnSp>
+        <p:nvCxnSpPr>
+          <p:cNvPr id="6" name="Straight Connector 5">
+            <a:extLst>
+              <a:ext uri="{FF2B5EF4-FFF2-40B4-BE49-F238E27FC236}">
+                <a16:creationId xmlns:a16="http://schemas.microsoft.com/office/drawing/2014/main" id="{7D0926DC-6298-B648-9DF9-0D78D09F9FC8}"/>
+              </a:ext>
+            </a:extLst>
+          </p:cNvPr>
+          <p:cNvCxnSpPr>
+            <a:cxnSpLocks/>
+          </p:cNvCxnSpPr>
+          <p:nvPr/>
+        </p:nvCxnSpPr>
+        <p:spPr>
+          <a:xfrm>
+            <a:off x="975854" y="1684830"/>
+            <a:ext cx="9518745" cy="1"/>
+          </a:xfrm>
+          <a:prstGeom prst="line">
+            <a:avLst/>
+          </a:prstGeom>
+          <a:ln w="12700">
+            <a:solidFill>
+              <a:srgbClr val="EA5E46"/>
+            </a:solidFill>
+          </a:ln>
+        </p:spPr>
+        <p:style>
+          <a:lnRef idx="1">
+            <a:schemeClr val="accent2"/>
+          </a:lnRef>
+          <a:fillRef idx="0">
+            <a:schemeClr val="accent2"/>
+          </a:fillRef>
+          <a:effectRef idx="0">
+            <a:schemeClr val="accent2"/>
+          </a:effectRef>
+          <a:fontRef idx="minor">
+            <a:schemeClr val="tx1"/>
+          </a:fontRef>
+        </p:style>
+      </p:cxnSp>
+      <p:sp>
+        <p:nvSpPr>
+          <p:cNvPr id="5" name="TextBox 4">
+            <a:extLst>
+              <a:ext uri="{FF2B5EF4-FFF2-40B4-BE49-F238E27FC236}">
+                <a16:creationId xmlns:a16="http://schemas.microsoft.com/office/drawing/2014/main" id="{88997E98-9845-407E-BB5E-5C9DA5A601C7}"/>
+              </a:ext>
+            </a:extLst>
+          </p:cNvPr>
+          <p:cNvSpPr txBox="1"/>
+          <p:nvPr/>
+        </p:nvSpPr>
+        <p:spPr>
+          <a:xfrm>
+            <a:off x="1055716" y="2073264"/>
+            <a:ext cx="8537171" cy="3693319"/>
+          </a:xfrm>
+          <a:prstGeom prst="rect">
+            <a:avLst/>
+          </a:prstGeom>
+          <a:noFill/>
+        </p:spPr>
+        <p:txBody>
+          <a:bodyPr wrap="square" rtlCol="0">
+            <a:spAutoFit/>
+          </a:bodyPr>
+          <a:lstStyle/>
+          <a:p>
+            <a:r>
+              <a:rPr lang="en-CA" b="1" dirty="0"/>
+              <a:t>In Order of Importance</a:t>
+            </a:r>
+          </a:p>
+          <a:p>
+            <a:pPr marL="285750" indent="-285750">
+              <a:buFont typeface="Arial" panose="020B0604020202020204" pitchFamily="34" charset="0"/>
+              <a:buChar char="•"/>
+            </a:pPr>
+            <a:endParaRPr lang="en-CA" dirty="0"/>
+          </a:p>
+          <a:p>
+            <a:pPr marL="285750" indent="-285750">
+              <a:buFont typeface="Arial" panose="020B0604020202020204" pitchFamily="34" charset="0"/>
+              <a:buChar char="•"/>
+            </a:pPr>
+            <a:r>
+              <a:rPr lang="en-CA" dirty="0"/>
+              <a:t>Price the units at different rates during different times of the year.</a:t>
+            </a:r>
+          </a:p>
+          <a:p>
+            <a:pPr marL="285750" indent="-285750">
+              <a:buFont typeface="Arial" panose="020B0604020202020204" pitchFamily="34" charset="0"/>
+              <a:buChar char="•"/>
+            </a:pPr>
+            <a:endParaRPr lang="en-CA" dirty="0"/>
+          </a:p>
+          <a:p>
+            <a:pPr marL="285750" indent="-285750">
+              <a:buFont typeface="Arial" panose="020B0604020202020204" pitchFamily="34" charset="0"/>
+              <a:buChar char="•"/>
+            </a:pPr>
+            <a:r>
+              <a:rPr lang="en-CA" dirty="0"/>
+              <a:t>Hosts can determine the pricing range based on the location and the size of their unit.</a:t>
+            </a:r>
+          </a:p>
+          <a:p>
+            <a:pPr marL="285750" indent="-285750">
+              <a:buFont typeface="Arial" panose="020B0604020202020204" pitchFamily="34" charset="0"/>
+              <a:buChar char="•"/>
+            </a:pPr>
+            <a:endParaRPr lang="en-CA" dirty="0"/>
+          </a:p>
+          <a:p>
+            <a:pPr marL="285750" indent="-285750">
+              <a:buFont typeface="Arial" panose="020B0604020202020204" pitchFamily="34" charset="0"/>
+              <a:buChar char="•"/>
+            </a:pPr>
+            <a:r>
+              <a:rPr lang="en-CA" dirty="0"/>
+              <a:t>Prices can increase with more bedrooms &amp; bathrooms.</a:t>
+            </a:r>
+          </a:p>
+          <a:p>
+            <a:pPr marL="285750" indent="-285750">
+              <a:buFont typeface="Arial" panose="020B0604020202020204" pitchFamily="34" charset="0"/>
+              <a:buChar char="•"/>
+            </a:pPr>
+            <a:endParaRPr lang="en-CA" dirty="0"/>
+          </a:p>
+          <a:p>
+            <a:pPr marL="285750" indent="-285750">
+              <a:buFont typeface="Arial" panose="020B0604020202020204" pitchFamily="34" charset="0"/>
+              <a:buChar char="•"/>
+            </a:pPr>
+            <a:r>
+              <a:rPr lang="en-CA" dirty="0"/>
+              <a:t>Hosts can charge a bit more by providing more amenities.</a:t>
+            </a:r>
+          </a:p>
+          <a:p>
+            <a:pPr marL="285750" indent="-285750">
+              <a:buFont typeface="Arial" panose="020B0604020202020204" pitchFamily="34" charset="0"/>
+              <a:buChar char="•"/>
+            </a:pPr>
+            <a:endParaRPr lang="en-CA" dirty="0"/>
+          </a:p>
+          <a:p>
+            <a:pPr marL="285750" indent="-285750">
+              <a:buFont typeface="Arial" panose="020B0604020202020204" pitchFamily="34" charset="0"/>
+              <a:buChar char="•"/>
+            </a:pPr>
+            <a:r>
+              <a:rPr lang="en-CA" dirty="0"/>
+              <a:t>Do extensive research on how neighbours price their units considering the room type they have.</a:t>
+            </a:r>
+          </a:p>
+          <a:p>
+            <a:endParaRPr lang="en-CA" dirty="0"/>
+          </a:p>
+        </p:txBody>
+      </p:sp>
+    </p:spTree>
+    <p:extLst>
+      <p:ext uri="{BB962C8B-B14F-4D97-AF65-F5344CB8AC3E}">
+        <p14:creationId xmlns:p14="http://schemas.microsoft.com/office/powerpoint/2010/main" val="1843293363"/>
+      </p:ext>
+    </p:extLst>
+  </p:cSld>
+  <p:clrMapOvr>
+    <a:masterClrMapping/>
+  </p:clrMapOvr>
+</p:sld>
+</file>
+
+<file path=ppt/slides/slide22.xml><?xml version="1.0" encoding="utf-8"?>
+<p:sld xmlns:a="http://schemas.openxmlformats.org/drawingml/2006/main" xmlns:r="http://schemas.openxmlformats.org/officeDocument/2006/relationships" xmlns:p="http://schemas.openxmlformats.org/presentationml/2006/main">
+  <p:cSld>
+    <p:spTree>
+      <p:nvGrpSpPr>
+        <p:cNvPr id="1" name=""/>
+        <p:cNvGrpSpPr/>
+        <p:nvPr/>
+      </p:nvGrpSpPr>
+      <p:grpSpPr>
+        <a:xfrm>
+          <a:off x="0" y="0"/>
+          <a:ext cx="0" cy="0"/>
+          <a:chOff x="0" y="0"/>
+          <a:chExt cx="0" cy="0"/>
+        </a:xfrm>
+      </p:grpSpPr>
+      <p:sp>
+        <p:nvSpPr>
+          <p:cNvPr id="2" name="Title 1">
+            <a:extLst>
+              <a:ext uri="{FF2B5EF4-FFF2-40B4-BE49-F238E27FC236}">
+                <a16:creationId xmlns:a16="http://schemas.microsoft.com/office/drawing/2014/main" id="{59B8B577-5676-3C4B-A107-E41DB331FD85}"/>
+              </a:ext>
+            </a:extLst>
+          </p:cNvPr>
+          <p:cNvSpPr>
+            <a:spLocks noGrp="1"/>
+          </p:cNvSpPr>
+          <p:nvPr>
+            <p:ph type="title"/>
+          </p:nvPr>
+        </p:nvSpPr>
+        <p:spPr>
+          <a:xfrm>
+            <a:off x="2721982" y="696475"/>
+            <a:ext cx="10515600" cy="1325563"/>
+          </a:xfrm>
+        </p:spPr>
+        <p:txBody>
+          <a:bodyPr>
+            <a:normAutofit/>
+          </a:bodyPr>
+          <a:lstStyle/>
+          <a:p>
+            <a:r>
+              <a:rPr lang="en-US" sz="4000" dirty="0">
+                <a:solidFill>
+                  <a:srgbClr val="EA5E46"/>
+                </a:solidFill>
+              </a:rPr>
+              <a:t>Final Price Predictor Model</a:t>
+            </a:r>
+          </a:p>
+        </p:txBody>
+      </p:sp>
+      <p:pic>
+        <p:nvPicPr>
+          <p:cNvPr id="2050" name="Picture 2" descr="Image result for air bnb logo">
+            <a:extLst>
+              <a:ext uri="{FF2B5EF4-FFF2-40B4-BE49-F238E27FC236}">
+                <a16:creationId xmlns:a16="http://schemas.microsoft.com/office/drawing/2014/main" id="{A162C291-208B-BE48-BF44-7D5CD7EF6151}"/>
+              </a:ext>
+            </a:extLst>
+          </p:cNvPr>
+          <p:cNvPicPr>
+            <a:picLocks noChangeAspect="1" noChangeArrowheads="1"/>
+          </p:cNvPicPr>
+          <p:nvPr/>
+        </p:nvPicPr>
+        <p:blipFill>
+          <a:blip r:embed="rId3">
+            <a:extLst>
+              <a:ext uri="{28A0092B-C50C-407E-A947-70E740481C1C}">
+                <a14:useLocalDpi xmlns:a14="http://schemas.microsoft.com/office/drawing/2010/main" val="0"/>
+              </a:ext>
+            </a:extLst>
+          </a:blip>
+          <a:srcRect/>
+          <a:stretch>
+            <a:fillRect/>
+          </a:stretch>
+        </p:blipFill>
+        <p:spPr bwMode="auto">
+          <a:xfrm>
+            <a:off x="530564" y="108278"/>
+            <a:ext cx="2189605" cy="2022038"/>
+          </a:xfrm>
+          <a:prstGeom prst="rect">
+            <a:avLst/>
+          </a:prstGeom>
+          <a:noFill/>
+          <a:extLst>
+            <a:ext uri="{909E8E84-426E-40DD-AFC4-6F175D3DCCD1}">
+              <a14:hiddenFill xmlns:a14="http://schemas.microsoft.com/office/drawing/2010/main">
+                <a:solidFill>
+                  <a:srgbClr val="FFFFFF"/>
+                </a:solidFill>
+              </a14:hiddenFill>
+            </a:ext>
+          </a:extLst>
+        </p:spPr>
+      </p:pic>
+      <p:cxnSp>
+        <p:nvCxnSpPr>
+          <p:cNvPr id="6" name="Straight Connector 5">
+            <a:extLst>
+              <a:ext uri="{FF2B5EF4-FFF2-40B4-BE49-F238E27FC236}">
+                <a16:creationId xmlns:a16="http://schemas.microsoft.com/office/drawing/2014/main" id="{7D0926DC-6298-B648-9DF9-0D78D09F9FC8}"/>
+              </a:ext>
+            </a:extLst>
+          </p:cNvPr>
+          <p:cNvCxnSpPr>
+            <a:cxnSpLocks/>
+          </p:cNvCxnSpPr>
+          <p:nvPr/>
+        </p:nvCxnSpPr>
+        <p:spPr>
+          <a:xfrm>
+            <a:off x="975854" y="1684830"/>
+            <a:ext cx="9518745" cy="1"/>
+          </a:xfrm>
+          <a:prstGeom prst="line">
+            <a:avLst/>
+          </a:prstGeom>
+          <a:ln w="12700">
+            <a:solidFill>
+              <a:srgbClr val="EA5E46"/>
+            </a:solidFill>
+          </a:ln>
+        </p:spPr>
+        <p:style>
+          <a:lnRef idx="1">
+            <a:schemeClr val="accent2"/>
+          </a:lnRef>
+          <a:fillRef idx="0">
+            <a:schemeClr val="accent2"/>
+          </a:fillRef>
+          <a:effectRef idx="0">
+            <a:schemeClr val="accent2"/>
+          </a:effectRef>
+          <a:fontRef idx="minor">
+            <a:schemeClr val="tx1"/>
+          </a:fontRef>
+        </p:style>
+      </p:cxnSp>
+      <p:sp>
+        <p:nvSpPr>
+          <p:cNvPr id="5" name="TextBox 4">
+            <a:extLst>
+              <a:ext uri="{FF2B5EF4-FFF2-40B4-BE49-F238E27FC236}">
+                <a16:creationId xmlns:a16="http://schemas.microsoft.com/office/drawing/2014/main" id="{88997E98-9845-407E-BB5E-5C9DA5A601C7}"/>
+              </a:ext>
+            </a:extLst>
+          </p:cNvPr>
+          <p:cNvSpPr txBox="1"/>
+          <p:nvPr/>
+        </p:nvSpPr>
+        <p:spPr>
+          <a:xfrm>
+            <a:off x="872836" y="2228671"/>
+            <a:ext cx="8537171" cy="1754326"/>
+          </a:xfrm>
+          <a:prstGeom prst="rect">
+            <a:avLst/>
+          </a:prstGeom>
+          <a:noFill/>
+        </p:spPr>
+        <p:txBody>
+          <a:bodyPr wrap="square" rtlCol="0">
+            <a:spAutoFit/>
+          </a:bodyPr>
+          <a:lstStyle/>
+          <a:p>
+            <a:pPr marL="285750" indent="-285750">
+              <a:buFont typeface="Arial" panose="020B0604020202020204" pitchFamily="34" charset="0"/>
+              <a:buChar char="•"/>
+            </a:pPr>
+            <a:r>
+              <a:rPr lang="en-US" dirty="0"/>
+              <a:t>Modified Facebook Prophet Model that predict prices :</a:t>
+            </a:r>
+          </a:p>
+          <a:p>
+            <a:pPr marL="742950" lvl="1" indent="-285750">
+              <a:buFont typeface="Arial" panose="020B0604020202020204" pitchFamily="34" charset="0"/>
+              <a:buChar char="•"/>
+            </a:pPr>
+            <a:r>
+              <a:rPr lang="en-US" dirty="0"/>
+              <a:t>From 2017 - 2023</a:t>
+            </a:r>
+          </a:p>
+          <a:p>
+            <a:pPr marL="742950" lvl="1" indent="-285750">
+              <a:buFont typeface="Arial" panose="020B0604020202020204" pitchFamily="34" charset="0"/>
+              <a:buChar char="•"/>
+            </a:pPr>
+            <a:r>
+              <a:rPr lang="en-US" dirty="0"/>
+              <a:t>By Boroughs</a:t>
+            </a:r>
+          </a:p>
+          <a:p>
+            <a:pPr marL="742950" lvl="1" indent="-285750">
+              <a:buFont typeface="Arial" panose="020B0604020202020204" pitchFamily="34" charset="0"/>
+              <a:buChar char="•"/>
+            </a:pPr>
+            <a:r>
+              <a:rPr lang="en-US" dirty="0"/>
+              <a:t>By Room Type</a:t>
+            </a:r>
+          </a:p>
+          <a:p>
+            <a:pPr marL="742950" lvl="1" indent="-285750">
+              <a:buFont typeface="Arial" panose="020B0604020202020204" pitchFamily="34" charset="0"/>
+              <a:buChar char="•"/>
+            </a:pPr>
+            <a:endParaRPr lang="en-US" dirty="0"/>
+          </a:p>
+          <a:p>
+            <a:pPr marL="742950" lvl="1" indent="-285750">
+              <a:buFont typeface="Arial" panose="020B0604020202020204" pitchFamily="34" charset="0"/>
+              <a:buChar char="•"/>
+            </a:pPr>
+            <a:r>
+              <a:rPr lang="en-US" dirty="0"/>
+              <a:t>Show Dashboard Image</a:t>
+            </a:r>
+          </a:p>
+        </p:txBody>
+      </p:sp>
+    </p:spTree>
+    <p:extLst>
+      <p:ext uri="{BB962C8B-B14F-4D97-AF65-F5344CB8AC3E}">
+        <p14:creationId xmlns:p14="http://schemas.microsoft.com/office/powerpoint/2010/main" val="3921467598"/>
+      </p:ext>
+    </p:extLst>
+  </p:cSld>
+  <p:clrMapOvr>
+    <a:masterClrMapping/>
+  </p:clrMapOvr>
+</p:sld>
+</file>
+
+<file path=ppt/slides/slide23.xml><?xml version="1.0" encoding="utf-8"?>
+<p:sld xmlns:a="http://schemas.openxmlformats.org/drawingml/2006/main" xmlns:r="http://schemas.openxmlformats.org/officeDocument/2006/relationships" xmlns:p="http://schemas.openxmlformats.org/presentationml/2006/main">
+  <p:cSld>
+    <p:spTree>
+      <p:nvGrpSpPr>
+        <p:cNvPr id="1" name=""/>
+        <p:cNvGrpSpPr/>
+        <p:nvPr/>
+      </p:nvGrpSpPr>
+      <p:grpSpPr>
+        <a:xfrm>
+          <a:off x="0" y="0"/>
+          <a:ext cx="0" cy="0"/>
+          <a:chOff x="0" y="0"/>
+          <a:chExt cx="0" cy="0"/>
+        </a:xfrm>
+      </p:grpSpPr>
+      <p:sp>
+        <p:nvSpPr>
+          <p:cNvPr id="2" name="Title 1">
+            <a:extLst>
+              <a:ext uri="{FF2B5EF4-FFF2-40B4-BE49-F238E27FC236}">
+                <a16:creationId xmlns:a16="http://schemas.microsoft.com/office/drawing/2014/main" id="{59B8B577-5676-3C4B-A107-E41DB331FD85}"/>
+              </a:ext>
+            </a:extLst>
+          </p:cNvPr>
+          <p:cNvSpPr>
+            <a:spLocks noGrp="1"/>
+          </p:cNvSpPr>
+          <p:nvPr>
+            <p:ph type="title"/>
+          </p:nvPr>
+        </p:nvSpPr>
+        <p:spPr>
+          <a:xfrm>
+            <a:off x="2721982" y="696475"/>
+            <a:ext cx="10515600" cy="1325563"/>
+          </a:xfrm>
+        </p:spPr>
+        <p:txBody>
+          <a:bodyPr>
+            <a:normAutofit/>
+          </a:bodyPr>
+          <a:lstStyle/>
+          <a:p>
+            <a:r>
+              <a:rPr lang="en-US" sz="4000" dirty="0">
+                <a:solidFill>
+                  <a:srgbClr val="EA5E46"/>
+                </a:solidFill>
+              </a:rPr>
+              <a:t>Next Steps</a:t>
             </a:r>
           </a:p>
         </p:txBody>
@@ -12450,722 +12678,6 @@
           </a:fontRef>
         </p:style>
       </p:cxnSp>
-      <p:pic>
-        <p:nvPicPr>
-          <p:cNvPr id="4" name="Picture 3" descr="Chart&#10;&#10;Description automatically generated">
-            <a:extLst>
-              <a:ext uri="{FF2B5EF4-FFF2-40B4-BE49-F238E27FC236}">
-                <a16:creationId xmlns:a16="http://schemas.microsoft.com/office/drawing/2014/main" id="{EFD90DCF-FFB1-4890-97D3-C58A8610BA8C}"/>
-              </a:ext>
-            </a:extLst>
-          </p:cNvPr>
-          <p:cNvPicPr>
-            <a:picLocks noChangeAspect="1"/>
-          </p:cNvPicPr>
-          <p:nvPr/>
-        </p:nvPicPr>
-        <p:blipFill>
-          <a:blip r:embed="rId4"/>
-          <a:stretch>
-            <a:fillRect/>
-          </a:stretch>
-        </p:blipFill>
-        <p:spPr>
-          <a:xfrm>
-            <a:off x="2166241" y="2043452"/>
-            <a:ext cx="7137969" cy="4250700"/>
-          </a:xfrm>
-          <a:prstGeom prst="rect">
-            <a:avLst/>
-          </a:prstGeom>
-        </p:spPr>
-      </p:pic>
-    </p:spTree>
-    <p:extLst>
-      <p:ext uri="{BB962C8B-B14F-4D97-AF65-F5344CB8AC3E}">
-        <p14:creationId xmlns:p14="http://schemas.microsoft.com/office/powerpoint/2010/main" val="745515619"/>
-      </p:ext>
-    </p:extLst>
-  </p:cSld>
-  <p:clrMapOvr>
-    <a:masterClrMapping/>
-  </p:clrMapOvr>
-</p:sld>
-</file>
-
-<file path=ppt/slides/slide22.xml><?xml version="1.0" encoding="utf-8"?>
-<p:sld xmlns:a="http://schemas.openxmlformats.org/drawingml/2006/main" xmlns:r="http://schemas.openxmlformats.org/officeDocument/2006/relationships" xmlns:p="http://schemas.openxmlformats.org/presentationml/2006/main">
-  <p:cSld>
-    <p:spTree>
-      <p:nvGrpSpPr>
-        <p:cNvPr id="1" name=""/>
-        <p:cNvGrpSpPr/>
-        <p:nvPr/>
-      </p:nvGrpSpPr>
-      <p:grpSpPr>
-        <a:xfrm>
-          <a:off x="0" y="0"/>
-          <a:ext cx="0" cy="0"/>
-          <a:chOff x="0" y="0"/>
-          <a:chExt cx="0" cy="0"/>
-        </a:xfrm>
-      </p:grpSpPr>
-      <p:sp>
-        <p:nvSpPr>
-          <p:cNvPr id="2" name="Title 1">
-            <a:extLst>
-              <a:ext uri="{FF2B5EF4-FFF2-40B4-BE49-F238E27FC236}">
-                <a16:creationId xmlns:a16="http://schemas.microsoft.com/office/drawing/2014/main" id="{59B8B577-5676-3C4B-A107-E41DB331FD85}"/>
-              </a:ext>
-            </a:extLst>
-          </p:cNvPr>
-          <p:cNvSpPr>
-            <a:spLocks noGrp="1"/>
-          </p:cNvSpPr>
-          <p:nvPr>
-            <p:ph type="title"/>
-          </p:nvPr>
-        </p:nvSpPr>
-        <p:spPr>
-          <a:xfrm>
-            <a:off x="2721982" y="696475"/>
-            <a:ext cx="10515600" cy="1325563"/>
-          </a:xfrm>
-        </p:spPr>
-        <p:txBody>
-          <a:bodyPr>
-            <a:normAutofit/>
-          </a:bodyPr>
-          <a:lstStyle/>
-          <a:p>
-            <a:r>
-              <a:rPr lang="en-US" sz="4000" dirty="0">
-                <a:solidFill>
-                  <a:srgbClr val="EA5E46"/>
-                </a:solidFill>
-              </a:rPr>
-              <a:t>Pricing Considerations</a:t>
-            </a:r>
-          </a:p>
-        </p:txBody>
-      </p:sp>
-      <p:pic>
-        <p:nvPicPr>
-          <p:cNvPr id="2050" name="Picture 2" descr="Image result for air bnb logo">
-            <a:extLst>
-              <a:ext uri="{FF2B5EF4-FFF2-40B4-BE49-F238E27FC236}">
-                <a16:creationId xmlns:a16="http://schemas.microsoft.com/office/drawing/2014/main" id="{A162C291-208B-BE48-BF44-7D5CD7EF6151}"/>
-              </a:ext>
-            </a:extLst>
-          </p:cNvPr>
-          <p:cNvPicPr>
-            <a:picLocks noChangeAspect="1" noChangeArrowheads="1"/>
-          </p:cNvPicPr>
-          <p:nvPr/>
-        </p:nvPicPr>
-        <p:blipFill>
-          <a:blip r:embed="rId3">
-            <a:extLst>
-              <a:ext uri="{28A0092B-C50C-407E-A947-70E740481C1C}">
-                <a14:useLocalDpi xmlns:a14="http://schemas.microsoft.com/office/drawing/2010/main" val="0"/>
-              </a:ext>
-            </a:extLst>
-          </a:blip>
-          <a:srcRect/>
-          <a:stretch>
-            <a:fillRect/>
-          </a:stretch>
-        </p:blipFill>
-        <p:spPr bwMode="auto">
-          <a:xfrm>
-            <a:off x="530564" y="108278"/>
-            <a:ext cx="2189605" cy="2022038"/>
-          </a:xfrm>
-          <a:prstGeom prst="rect">
-            <a:avLst/>
-          </a:prstGeom>
-          <a:noFill/>
-          <a:extLst>
-            <a:ext uri="{909E8E84-426E-40DD-AFC4-6F175D3DCCD1}">
-              <a14:hiddenFill xmlns:a14="http://schemas.microsoft.com/office/drawing/2010/main">
-                <a:solidFill>
-                  <a:srgbClr val="FFFFFF"/>
-                </a:solidFill>
-              </a14:hiddenFill>
-            </a:ext>
-          </a:extLst>
-        </p:spPr>
-      </p:pic>
-      <p:cxnSp>
-        <p:nvCxnSpPr>
-          <p:cNvPr id="6" name="Straight Connector 5">
-            <a:extLst>
-              <a:ext uri="{FF2B5EF4-FFF2-40B4-BE49-F238E27FC236}">
-                <a16:creationId xmlns:a16="http://schemas.microsoft.com/office/drawing/2014/main" id="{7D0926DC-6298-B648-9DF9-0D78D09F9FC8}"/>
-              </a:ext>
-            </a:extLst>
-          </p:cNvPr>
-          <p:cNvCxnSpPr>
-            <a:cxnSpLocks/>
-          </p:cNvCxnSpPr>
-          <p:nvPr/>
-        </p:nvCxnSpPr>
-        <p:spPr>
-          <a:xfrm>
-            <a:off x="975854" y="1684830"/>
-            <a:ext cx="9518745" cy="1"/>
-          </a:xfrm>
-          <a:prstGeom prst="line">
-            <a:avLst/>
-          </a:prstGeom>
-          <a:ln w="12700">
-            <a:solidFill>
-              <a:srgbClr val="EA5E46"/>
-            </a:solidFill>
-          </a:ln>
-        </p:spPr>
-        <p:style>
-          <a:lnRef idx="1">
-            <a:schemeClr val="accent2"/>
-          </a:lnRef>
-          <a:fillRef idx="0">
-            <a:schemeClr val="accent2"/>
-          </a:fillRef>
-          <a:effectRef idx="0">
-            <a:schemeClr val="accent2"/>
-          </a:effectRef>
-          <a:fontRef idx="minor">
-            <a:schemeClr val="tx1"/>
-          </a:fontRef>
-        </p:style>
-      </p:cxnSp>
-      <p:sp>
-        <p:nvSpPr>
-          <p:cNvPr id="5" name="TextBox 4">
-            <a:extLst>
-              <a:ext uri="{FF2B5EF4-FFF2-40B4-BE49-F238E27FC236}">
-                <a16:creationId xmlns:a16="http://schemas.microsoft.com/office/drawing/2014/main" id="{88997E98-9845-407E-BB5E-5C9DA5A601C7}"/>
-              </a:ext>
-            </a:extLst>
-          </p:cNvPr>
-          <p:cNvSpPr txBox="1"/>
-          <p:nvPr/>
-        </p:nvSpPr>
-        <p:spPr>
-          <a:xfrm>
-            <a:off x="1055716" y="2073264"/>
-            <a:ext cx="8537171" cy="3693319"/>
-          </a:xfrm>
-          <a:prstGeom prst="rect">
-            <a:avLst/>
-          </a:prstGeom>
-          <a:noFill/>
-        </p:spPr>
-        <p:txBody>
-          <a:bodyPr wrap="square" rtlCol="0">
-            <a:spAutoFit/>
-          </a:bodyPr>
-          <a:lstStyle/>
-          <a:p>
-            <a:r>
-              <a:rPr lang="en-CA" b="1" dirty="0"/>
-              <a:t>In Order of Importance</a:t>
-            </a:r>
-          </a:p>
-          <a:p>
-            <a:pPr marL="285750" indent="-285750">
-              <a:buFont typeface="Arial" panose="020B0604020202020204" pitchFamily="34" charset="0"/>
-              <a:buChar char="•"/>
-            </a:pPr>
-            <a:endParaRPr lang="en-CA" dirty="0"/>
-          </a:p>
-          <a:p>
-            <a:pPr marL="285750" indent="-285750">
-              <a:buFont typeface="Arial" panose="020B0604020202020204" pitchFamily="34" charset="0"/>
-              <a:buChar char="•"/>
-            </a:pPr>
-            <a:r>
-              <a:rPr lang="en-CA" dirty="0"/>
-              <a:t>Price the units at different rates during different times of the year.</a:t>
-            </a:r>
-          </a:p>
-          <a:p>
-            <a:pPr marL="285750" indent="-285750">
-              <a:buFont typeface="Arial" panose="020B0604020202020204" pitchFamily="34" charset="0"/>
-              <a:buChar char="•"/>
-            </a:pPr>
-            <a:endParaRPr lang="en-CA" dirty="0"/>
-          </a:p>
-          <a:p>
-            <a:pPr marL="285750" indent="-285750">
-              <a:buFont typeface="Arial" panose="020B0604020202020204" pitchFamily="34" charset="0"/>
-              <a:buChar char="•"/>
-            </a:pPr>
-            <a:r>
-              <a:rPr lang="en-CA" dirty="0"/>
-              <a:t>Hosts can determine the pricing range based on the location and the size of their unit.</a:t>
-            </a:r>
-          </a:p>
-          <a:p>
-            <a:pPr marL="285750" indent="-285750">
-              <a:buFont typeface="Arial" panose="020B0604020202020204" pitchFamily="34" charset="0"/>
-              <a:buChar char="•"/>
-            </a:pPr>
-            <a:endParaRPr lang="en-CA" dirty="0"/>
-          </a:p>
-          <a:p>
-            <a:pPr marL="285750" indent="-285750">
-              <a:buFont typeface="Arial" panose="020B0604020202020204" pitchFamily="34" charset="0"/>
-              <a:buChar char="•"/>
-            </a:pPr>
-            <a:r>
-              <a:rPr lang="en-CA" dirty="0"/>
-              <a:t>Prices can increase with more bedrooms &amp; bathrooms.</a:t>
-            </a:r>
-          </a:p>
-          <a:p>
-            <a:pPr marL="285750" indent="-285750">
-              <a:buFont typeface="Arial" panose="020B0604020202020204" pitchFamily="34" charset="0"/>
-              <a:buChar char="•"/>
-            </a:pPr>
-            <a:endParaRPr lang="en-CA" dirty="0"/>
-          </a:p>
-          <a:p>
-            <a:pPr marL="285750" indent="-285750">
-              <a:buFont typeface="Arial" panose="020B0604020202020204" pitchFamily="34" charset="0"/>
-              <a:buChar char="•"/>
-            </a:pPr>
-            <a:r>
-              <a:rPr lang="en-CA" dirty="0"/>
-              <a:t>Hosts can charge a bit more by providing more amenities.</a:t>
-            </a:r>
-          </a:p>
-          <a:p>
-            <a:pPr marL="285750" indent="-285750">
-              <a:buFont typeface="Arial" panose="020B0604020202020204" pitchFamily="34" charset="0"/>
-              <a:buChar char="•"/>
-            </a:pPr>
-            <a:endParaRPr lang="en-CA" dirty="0"/>
-          </a:p>
-          <a:p>
-            <a:pPr marL="285750" indent="-285750">
-              <a:buFont typeface="Arial" panose="020B0604020202020204" pitchFamily="34" charset="0"/>
-              <a:buChar char="•"/>
-            </a:pPr>
-            <a:r>
-              <a:rPr lang="en-CA" dirty="0"/>
-              <a:t>Do extensive research on how neighbours price their units considering the room type they have.</a:t>
-            </a:r>
-          </a:p>
-          <a:p>
-            <a:endParaRPr lang="en-CA" dirty="0"/>
-          </a:p>
-        </p:txBody>
-      </p:sp>
-    </p:spTree>
-    <p:extLst>
-      <p:ext uri="{BB962C8B-B14F-4D97-AF65-F5344CB8AC3E}">
-        <p14:creationId xmlns:p14="http://schemas.microsoft.com/office/powerpoint/2010/main" val="1843293363"/>
-      </p:ext>
-    </p:extLst>
-  </p:cSld>
-  <p:clrMapOvr>
-    <a:masterClrMapping/>
-  </p:clrMapOvr>
-</p:sld>
-</file>
-
-<file path=ppt/slides/slide23.xml><?xml version="1.0" encoding="utf-8"?>
-<p:sld xmlns:a="http://schemas.openxmlformats.org/drawingml/2006/main" xmlns:r="http://schemas.openxmlformats.org/officeDocument/2006/relationships" xmlns:p="http://schemas.openxmlformats.org/presentationml/2006/main">
-  <p:cSld>
-    <p:spTree>
-      <p:nvGrpSpPr>
-        <p:cNvPr id="1" name=""/>
-        <p:cNvGrpSpPr/>
-        <p:nvPr/>
-      </p:nvGrpSpPr>
-      <p:grpSpPr>
-        <a:xfrm>
-          <a:off x="0" y="0"/>
-          <a:ext cx="0" cy="0"/>
-          <a:chOff x="0" y="0"/>
-          <a:chExt cx="0" cy="0"/>
-        </a:xfrm>
-      </p:grpSpPr>
-      <p:sp>
-        <p:nvSpPr>
-          <p:cNvPr id="2" name="Title 1">
-            <a:extLst>
-              <a:ext uri="{FF2B5EF4-FFF2-40B4-BE49-F238E27FC236}">
-                <a16:creationId xmlns:a16="http://schemas.microsoft.com/office/drawing/2014/main" id="{59B8B577-5676-3C4B-A107-E41DB331FD85}"/>
-              </a:ext>
-            </a:extLst>
-          </p:cNvPr>
-          <p:cNvSpPr>
-            <a:spLocks noGrp="1"/>
-          </p:cNvSpPr>
-          <p:nvPr>
-            <p:ph type="title"/>
-          </p:nvPr>
-        </p:nvSpPr>
-        <p:spPr>
-          <a:xfrm>
-            <a:off x="2721982" y="696475"/>
-            <a:ext cx="10515600" cy="1325563"/>
-          </a:xfrm>
-        </p:spPr>
-        <p:txBody>
-          <a:bodyPr>
-            <a:normAutofit/>
-          </a:bodyPr>
-          <a:lstStyle/>
-          <a:p>
-            <a:r>
-              <a:rPr lang="en-US" sz="4000" dirty="0">
-                <a:solidFill>
-                  <a:srgbClr val="EA5E46"/>
-                </a:solidFill>
-              </a:rPr>
-              <a:t>Final Price Predictor Model</a:t>
-            </a:r>
-          </a:p>
-        </p:txBody>
-      </p:sp>
-      <p:pic>
-        <p:nvPicPr>
-          <p:cNvPr id="2050" name="Picture 2" descr="Image result for air bnb logo">
-            <a:extLst>
-              <a:ext uri="{FF2B5EF4-FFF2-40B4-BE49-F238E27FC236}">
-                <a16:creationId xmlns:a16="http://schemas.microsoft.com/office/drawing/2014/main" id="{A162C291-208B-BE48-BF44-7D5CD7EF6151}"/>
-              </a:ext>
-            </a:extLst>
-          </p:cNvPr>
-          <p:cNvPicPr>
-            <a:picLocks noChangeAspect="1" noChangeArrowheads="1"/>
-          </p:cNvPicPr>
-          <p:nvPr/>
-        </p:nvPicPr>
-        <p:blipFill>
-          <a:blip r:embed="rId3">
-            <a:extLst>
-              <a:ext uri="{28A0092B-C50C-407E-A947-70E740481C1C}">
-                <a14:useLocalDpi xmlns:a14="http://schemas.microsoft.com/office/drawing/2010/main" val="0"/>
-              </a:ext>
-            </a:extLst>
-          </a:blip>
-          <a:srcRect/>
-          <a:stretch>
-            <a:fillRect/>
-          </a:stretch>
-        </p:blipFill>
-        <p:spPr bwMode="auto">
-          <a:xfrm>
-            <a:off x="530564" y="108278"/>
-            <a:ext cx="2189605" cy="2022038"/>
-          </a:xfrm>
-          <a:prstGeom prst="rect">
-            <a:avLst/>
-          </a:prstGeom>
-          <a:noFill/>
-          <a:extLst>
-            <a:ext uri="{909E8E84-426E-40DD-AFC4-6F175D3DCCD1}">
-              <a14:hiddenFill xmlns:a14="http://schemas.microsoft.com/office/drawing/2010/main">
-                <a:solidFill>
-                  <a:srgbClr val="FFFFFF"/>
-                </a:solidFill>
-              </a14:hiddenFill>
-            </a:ext>
-          </a:extLst>
-        </p:spPr>
-      </p:pic>
-      <p:cxnSp>
-        <p:nvCxnSpPr>
-          <p:cNvPr id="6" name="Straight Connector 5">
-            <a:extLst>
-              <a:ext uri="{FF2B5EF4-FFF2-40B4-BE49-F238E27FC236}">
-                <a16:creationId xmlns:a16="http://schemas.microsoft.com/office/drawing/2014/main" id="{7D0926DC-6298-B648-9DF9-0D78D09F9FC8}"/>
-              </a:ext>
-            </a:extLst>
-          </p:cNvPr>
-          <p:cNvCxnSpPr>
-            <a:cxnSpLocks/>
-          </p:cNvCxnSpPr>
-          <p:nvPr/>
-        </p:nvCxnSpPr>
-        <p:spPr>
-          <a:xfrm>
-            <a:off x="975854" y="1684830"/>
-            <a:ext cx="9518745" cy="1"/>
-          </a:xfrm>
-          <a:prstGeom prst="line">
-            <a:avLst/>
-          </a:prstGeom>
-          <a:ln w="12700">
-            <a:solidFill>
-              <a:srgbClr val="EA5E46"/>
-            </a:solidFill>
-          </a:ln>
-        </p:spPr>
-        <p:style>
-          <a:lnRef idx="1">
-            <a:schemeClr val="accent2"/>
-          </a:lnRef>
-          <a:fillRef idx="0">
-            <a:schemeClr val="accent2"/>
-          </a:fillRef>
-          <a:effectRef idx="0">
-            <a:schemeClr val="accent2"/>
-          </a:effectRef>
-          <a:fontRef idx="minor">
-            <a:schemeClr val="tx1"/>
-          </a:fontRef>
-        </p:style>
-      </p:cxnSp>
-      <p:sp>
-        <p:nvSpPr>
-          <p:cNvPr id="5" name="TextBox 4">
-            <a:extLst>
-              <a:ext uri="{FF2B5EF4-FFF2-40B4-BE49-F238E27FC236}">
-                <a16:creationId xmlns:a16="http://schemas.microsoft.com/office/drawing/2014/main" id="{88997E98-9845-407E-BB5E-5C9DA5A601C7}"/>
-              </a:ext>
-            </a:extLst>
-          </p:cNvPr>
-          <p:cNvSpPr txBox="1"/>
-          <p:nvPr/>
-        </p:nvSpPr>
-        <p:spPr>
-          <a:xfrm>
-            <a:off x="872836" y="2228671"/>
-            <a:ext cx="8537171" cy="1754326"/>
-          </a:xfrm>
-          <a:prstGeom prst="rect">
-            <a:avLst/>
-          </a:prstGeom>
-          <a:noFill/>
-        </p:spPr>
-        <p:txBody>
-          <a:bodyPr wrap="square" rtlCol="0">
-            <a:spAutoFit/>
-          </a:bodyPr>
-          <a:lstStyle/>
-          <a:p>
-            <a:pPr marL="285750" indent="-285750">
-              <a:buFont typeface="Arial" panose="020B0604020202020204" pitchFamily="34" charset="0"/>
-              <a:buChar char="•"/>
-            </a:pPr>
-            <a:r>
-              <a:rPr lang="en-US" dirty="0"/>
-              <a:t>Modified Facebook Prophet Model that predict prices :</a:t>
-            </a:r>
-          </a:p>
-          <a:p>
-            <a:pPr marL="742950" lvl="1" indent="-285750">
-              <a:buFont typeface="Arial" panose="020B0604020202020204" pitchFamily="34" charset="0"/>
-              <a:buChar char="•"/>
-            </a:pPr>
-            <a:r>
-              <a:rPr lang="en-US" dirty="0"/>
-              <a:t>From 2017 - 2023</a:t>
-            </a:r>
-          </a:p>
-          <a:p>
-            <a:pPr marL="742950" lvl="1" indent="-285750">
-              <a:buFont typeface="Arial" panose="020B0604020202020204" pitchFamily="34" charset="0"/>
-              <a:buChar char="•"/>
-            </a:pPr>
-            <a:r>
-              <a:rPr lang="en-US" dirty="0"/>
-              <a:t>By Boroughs</a:t>
-            </a:r>
-          </a:p>
-          <a:p>
-            <a:pPr marL="742950" lvl="1" indent="-285750">
-              <a:buFont typeface="Arial" panose="020B0604020202020204" pitchFamily="34" charset="0"/>
-              <a:buChar char="•"/>
-            </a:pPr>
-            <a:r>
-              <a:rPr lang="en-US" dirty="0"/>
-              <a:t>By Room Type</a:t>
-            </a:r>
-          </a:p>
-          <a:p>
-            <a:pPr marL="742950" lvl="1" indent="-285750">
-              <a:buFont typeface="Arial" panose="020B0604020202020204" pitchFamily="34" charset="0"/>
-              <a:buChar char="•"/>
-            </a:pPr>
-            <a:endParaRPr lang="en-US" dirty="0"/>
-          </a:p>
-          <a:p>
-            <a:pPr marL="742950" lvl="1" indent="-285750">
-              <a:buFont typeface="Arial" panose="020B0604020202020204" pitchFamily="34" charset="0"/>
-              <a:buChar char="•"/>
-            </a:pPr>
-            <a:r>
-              <a:rPr lang="en-US" dirty="0"/>
-              <a:t>Show Dashboard Image</a:t>
-            </a:r>
-          </a:p>
-        </p:txBody>
-      </p:sp>
-    </p:spTree>
-    <p:extLst>
-      <p:ext uri="{BB962C8B-B14F-4D97-AF65-F5344CB8AC3E}">
-        <p14:creationId xmlns:p14="http://schemas.microsoft.com/office/powerpoint/2010/main" val="3921467598"/>
-      </p:ext>
-    </p:extLst>
-  </p:cSld>
-  <p:clrMapOvr>
-    <a:masterClrMapping/>
-  </p:clrMapOvr>
-</p:sld>
-</file>
-
-<file path=ppt/slides/slide24.xml><?xml version="1.0" encoding="utf-8"?>
-<p:sld xmlns:a="http://schemas.openxmlformats.org/drawingml/2006/main" xmlns:r="http://schemas.openxmlformats.org/officeDocument/2006/relationships" xmlns:p="http://schemas.openxmlformats.org/presentationml/2006/main">
-  <p:cSld>
-    <p:spTree>
-      <p:nvGrpSpPr>
-        <p:cNvPr id="1" name=""/>
-        <p:cNvGrpSpPr/>
-        <p:nvPr/>
-      </p:nvGrpSpPr>
-      <p:grpSpPr>
-        <a:xfrm>
-          <a:off x="0" y="0"/>
-          <a:ext cx="0" cy="0"/>
-          <a:chOff x="0" y="0"/>
-          <a:chExt cx="0" cy="0"/>
-        </a:xfrm>
-      </p:grpSpPr>
-      <p:sp>
-        <p:nvSpPr>
-          <p:cNvPr id="2" name="Title 1">
-            <a:extLst>
-              <a:ext uri="{FF2B5EF4-FFF2-40B4-BE49-F238E27FC236}">
-                <a16:creationId xmlns:a16="http://schemas.microsoft.com/office/drawing/2014/main" id="{59B8B577-5676-3C4B-A107-E41DB331FD85}"/>
-              </a:ext>
-            </a:extLst>
-          </p:cNvPr>
-          <p:cNvSpPr>
-            <a:spLocks noGrp="1"/>
-          </p:cNvSpPr>
-          <p:nvPr>
-            <p:ph type="title"/>
-          </p:nvPr>
-        </p:nvSpPr>
-        <p:spPr>
-          <a:xfrm>
-            <a:off x="2721982" y="696475"/>
-            <a:ext cx="10515600" cy="1325563"/>
-          </a:xfrm>
-        </p:spPr>
-        <p:txBody>
-          <a:bodyPr>
-            <a:normAutofit/>
-          </a:bodyPr>
-          <a:lstStyle/>
-          <a:p>
-            <a:r>
-              <a:rPr lang="en-US" sz="4000" dirty="0">
-                <a:solidFill>
-                  <a:srgbClr val="EA5E46"/>
-                </a:solidFill>
-              </a:rPr>
-              <a:t>Next Steps</a:t>
-            </a:r>
-          </a:p>
-        </p:txBody>
-      </p:sp>
-      <p:pic>
-        <p:nvPicPr>
-          <p:cNvPr id="2050" name="Picture 2" descr="Image result for air bnb logo">
-            <a:extLst>
-              <a:ext uri="{FF2B5EF4-FFF2-40B4-BE49-F238E27FC236}">
-                <a16:creationId xmlns:a16="http://schemas.microsoft.com/office/drawing/2014/main" id="{A162C291-208B-BE48-BF44-7D5CD7EF6151}"/>
-              </a:ext>
-            </a:extLst>
-          </p:cNvPr>
-          <p:cNvPicPr>
-            <a:picLocks noChangeAspect="1" noChangeArrowheads="1"/>
-          </p:cNvPicPr>
-          <p:nvPr/>
-        </p:nvPicPr>
-        <p:blipFill>
-          <a:blip r:embed="rId3">
-            <a:extLst>
-              <a:ext uri="{28A0092B-C50C-407E-A947-70E740481C1C}">
-                <a14:useLocalDpi xmlns:a14="http://schemas.microsoft.com/office/drawing/2010/main" val="0"/>
-              </a:ext>
-            </a:extLst>
-          </a:blip>
-          <a:srcRect/>
-          <a:stretch>
-            <a:fillRect/>
-          </a:stretch>
-        </p:blipFill>
-        <p:spPr bwMode="auto">
-          <a:xfrm>
-            <a:off x="530564" y="108278"/>
-            <a:ext cx="2189605" cy="2022038"/>
-          </a:xfrm>
-          <a:prstGeom prst="rect">
-            <a:avLst/>
-          </a:prstGeom>
-          <a:noFill/>
-          <a:extLst>
-            <a:ext uri="{909E8E84-426E-40DD-AFC4-6F175D3DCCD1}">
-              <a14:hiddenFill xmlns:a14="http://schemas.microsoft.com/office/drawing/2010/main">
-                <a:solidFill>
-                  <a:srgbClr val="FFFFFF"/>
-                </a:solidFill>
-              </a14:hiddenFill>
-            </a:ext>
-          </a:extLst>
-        </p:spPr>
-      </p:pic>
-      <p:cxnSp>
-        <p:nvCxnSpPr>
-          <p:cNvPr id="6" name="Straight Connector 5">
-            <a:extLst>
-              <a:ext uri="{FF2B5EF4-FFF2-40B4-BE49-F238E27FC236}">
-                <a16:creationId xmlns:a16="http://schemas.microsoft.com/office/drawing/2014/main" id="{7D0926DC-6298-B648-9DF9-0D78D09F9FC8}"/>
-              </a:ext>
-            </a:extLst>
-          </p:cNvPr>
-          <p:cNvCxnSpPr>
-            <a:cxnSpLocks/>
-          </p:cNvCxnSpPr>
-          <p:nvPr/>
-        </p:nvCxnSpPr>
-        <p:spPr>
-          <a:xfrm>
-            <a:off x="975854" y="1684829"/>
-            <a:ext cx="9518745" cy="1"/>
-          </a:xfrm>
-          <a:prstGeom prst="line">
-            <a:avLst/>
-          </a:prstGeom>
-          <a:ln w="12700">
-            <a:solidFill>
-              <a:srgbClr val="EA5E46"/>
-            </a:solidFill>
-          </a:ln>
-        </p:spPr>
-        <p:style>
-          <a:lnRef idx="1">
-            <a:schemeClr val="accent2"/>
-          </a:lnRef>
-          <a:fillRef idx="0">
-            <a:schemeClr val="accent2"/>
-          </a:fillRef>
-          <a:effectRef idx="0">
-            <a:schemeClr val="accent2"/>
-          </a:effectRef>
-          <a:fontRef idx="minor">
-            <a:schemeClr val="tx1"/>
-          </a:fontRef>
-        </p:style>
-      </p:cxnSp>
       <p:sp>
         <p:nvSpPr>
           <p:cNvPr id="3" name="TextBox 2">
@@ -13325,7 +12837,7 @@
 </p:sld>
 </file>
 
-<file path=ppt/slides/slide25.xml><?xml version="1.0" encoding="utf-8"?>
+<file path=ppt/slides/slide24.xml><?xml version="1.0" encoding="utf-8"?>
 <p:sld xmlns:a="http://schemas.openxmlformats.org/drawingml/2006/main" xmlns:r="http://schemas.openxmlformats.org/officeDocument/2006/relationships" xmlns:p="http://schemas.openxmlformats.org/presentationml/2006/main">
   <p:cSld>
     <p:spTree>
@@ -13962,8 +13474,8 @@
         </p:nvSpPr>
         <p:spPr>
           <a:xfrm>
-            <a:off x="1192261" y="2130316"/>
-            <a:ext cx="9085929" cy="5970865"/>
+            <a:off x="4927054" y="1850531"/>
+            <a:ext cx="6069810" cy="6894195"/>
           </a:xfrm>
           <a:prstGeom prst="rect">
             <a:avLst/>
@@ -13986,7 +13498,7 @@
                 <a:ea typeface="Calibri" panose="020F0502020204030204" pitchFamily="34" charset="0"/>
                 <a:cs typeface="Times New Roman" panose="02020603050405020304" pitchFamily="18" charset="0"/>
               </a:rPr>
-              <a:t>There is no such thing as a perfect dataset  for the project.</a:t>
+              <a:t>Consolidating new datasets to the existing database.</a:t>
             </a:r>
           </a:p>
           <a:p>
@@ -14010,7 +13522,7 @@
                 <a:ea typeface="Calibri" panose="020F0502020204030204" pitchFamily="34" charset="0"/>
                 <a:cs typeface="Times New Roman" panose="02020603050405020304" pitchFamily="18" charset="0"/>
               </a:rPr>
-              <a:t>Large datasets slows down the process.</a:t>
+              <a:t>Large datasets slows down the process during the data transformation process.</a:t>
             </a:r>
           </a:p>
           <a:p>
@@ -14169,6 +13681,36 @@
           </a:p>
         </p:txBody>
       </p:sp>
+      <p:pic>
+        <p:nvPicPr>
+          <p:cNvPr id="5" name="Picture 4">
+            <a:extLst>
+              <a:ext uri="{FF2B5EF4-FFF2-40B4-BE49-F238E27FC236}">
+                <a16:creationId xmlns:a16="http://schemas.microsoft.com/office/drawing/2014/main" id="{7889FAE2-2351-4D30-9962-91B6866B6122}"/>
+              </a:ext>
+            </a:extLst>
+          </p:cNvPr>
+          <p:cNvPicPr>
+            <a:picLocks noChangeAspect="1"/>
+          </p:cNvPicPr>
+          <p:nvPr/>
+        </p:nvPicPr>
+        <p:blipFill>
+          <a:blip r:embed="rId4"/>
+          <a:stretch>
+            <a:fillRect/>
+          </a:stretch>
+        </p:blipFill>
+        <p:spPr>
+          <a:xfrm>
+            <a:off x="975854" y="1835264"/>
+            <a:ext cx="3791292" cy="4326260"/>
+          </a:xfrm>
+          <a:prstGeom prst="rect">
+            <a:avLst/>
+          </a:prstGeom>
+        </p:spPr>
+      </p:pic>
     </p:spTree>
     <p:extLst>
       <p:ext uri="{BB962C8B-B14F-4D97-AF65-F5344CB8AC3E}">
@@ -14313,7 +13855,7 @@
                                         <p:tgtEl>
                                           <p:spTgt spid="4">
                                             <p:txEl>
-                                              <p:pRg st="0" end="0"/>
+                                              <p:pRg st="1" end="1"/>
                                             </p:txEl>
                                           </p:spTgt>
                                         </p:tgtEl>
@@ -14362,7 +13904,7 @@
                                         <p:tgtEl>
                                           <p:spTgt spid="4">
                                             <p:txEl>
-                                              <p:pRg st="1" end="1"/>
+                                              <p:pRg st="0" end="0"/>
                                             </p:txEl>
                                           </p:spTgt>
                                         </p:tgtEl>
@@ -16264,8 +15806,8 @@
         </p:nvSpPr>
         <p:spPr>
           <a:xfrm>
-            <a:off x="1055716" y="1899026"/>
-            <a:ext cx="8537171" cy="4247317"/>
+            <a:off x="1055716" y="1899025"/>
+            <a:ext cx="5259115" cy="3693319"/>
           </a:xfrm>
           <a:prstGeom prst="rect">
             <a:avLst/>
@@ -16284,38 +15826,7 @@
             </a:pPr>
             <a:r>
               <a:rPr lang="en-US" dirty="0"/>
-              <a:t>Important Features for pricing includes </a:t>
-            </a:r>
-          </a:p>
-          <a:p>
-            <a:pPr marL="742950" lvl="1" indent="-285750">
-              <a:buFont typeface="Arial" panose="020B0604020202020204" pitchFamily="34" charset="0"/>
-              <a:buChar char="•"/>
-            </a:pPr>
-            <a:r>
-              <a:rPr lang="en-US" dirty="0" err="1"/>
-              <a:t>Neighbourhood</a:t>
-            </a:r>
-            <a:endParaRPr lang="en-US" dirty="0"/>
-          </a:p>
-          <a:p>
-            <a:pPr marL="742950" lvl="1" indent="-285750">
-              <a:buFont typeface="Arial" panose="020B0604020202020204" pitchFamily="34" charset="0"/>
-              <a:buChar char="•"/>
-            </a:pPr>
-            <a:r>
-              <a:rPr lang="en-US" dirty="0"/>
-              <a:t>Room Type</a:t>
-            </a:r>
-          </a:p>
-          <a:p>
-            <a:pPr marL="742950" lvl="1" indent="-285750">
-              <a:buFont typeface="Arial" panose="020B0604020202020204" pitchFamily="34" charset="0"/>
-              <a:buChar char="•"/>
-            </a:pPr>
-            <a:r>
-              <a:rPr lang="en-US" dirty="0"/>
-              <a:t>Bathrooms</a:t>
+              <a:t>Location, room types, and number of bathrooms of a listing are important features to price a listing.</a:t>
             </a:r>
           </a:p>
           <a:p>
@@ -16332,27 +15843,7 @@
             </a:pPr>
             <a:r>
               <a:rPr lang="en-US" dirty="0"/>
-              <a:t>Highest Price Correlation</a:t>
-            </a:r>
-          </a:p>
-          <a:p>
-            <a:pPr marL="800100" lvl="1" indent="-342900">
-              <a:buFont typeface="Arial" panose="020B0604020202020204" pitchFamily="34" charset="0"/>
-              <a:buChar char="•"/>
-            </a:pPr>
-            <a:r>
-              <a:rPr lang="en-US" dirty="0"/>
-              <a:t>Number of People Listings can Accommodate</a:t>
-            </a:r>
-          </a:p>
-          <a:p>
-            <a:pPr marL="800100" lvl="1" indent="-342900">
-              <a:buFont typeface="Arial" panose="020B0604020202020204" pitchFamily="34" charset="0"/>
-              <a:buChar char="•"/>
-            </a:pPr>
-            <a:r>
-              <a:rPr lang="en-US" dirty="0"/>
-              <a:t>Number of Bedrooms</a:t>
+              <a:t>Moderate increase in price as the listing size increases.</a:t>
             </a:r>
           </a:p>
           <a:p>
@@ -16368,7 +15859,7 @@
             </a:pPr>
             <a:r>
               <a:rPr lang="en-US" dirty="0"/>
-              <a:t>Low-Moderate Correlation on Clustering</a:t>
+              <a:t>Low-Moderate impact in predicting outcome based on local average of a specific area.</a:t>
             </a:r>
           </a:p>
           <a:p>
@@ -16409,6 +15900,36 @@
           </a:p>
         </p:txBody>
       </p:sp>
+      <p:pic>
+        <p:nvPicPr>
+          <p:cNvPr id="4" name="Picture 3" descr="A picture containing text, person, hand, suit&#10;&#10;Description automatically generated">
+            <a:extLst>
+              <a:ext uri="{FF2B5EF4-FFF2-40B4-BE49-F238E27FC236}">
+                <a16:creationId xmlns:a16="http://schemas.microsoft.com/office/drawing/2014/main" id="{42C23BBE-6798-4B82-8237-6370C56FE51A}"/>
+              </a:ext>
+            </a:extLst>
+          </p:cNvPr>
+          <p:cNvPicPr>
+            <a:picLocks noChangeAspect="1"/>
+          </p:cNvPicPr>
+          <p:nvPr/>
+        </p:nvPicPr>
+        <p:blipFill>
+          <a:blip r:embed="rId4"/>
+          <a:stretch>
+            <a:fillRect/>
+          </a:stretch>
+        </p:blipFill>
+        <p:spPr>
+          <a:xfrm>
+            <a:off x="6893705" y="1831027"/>
+            <a:ext cx="3505688" cy="4315313"/>
+          </a:xfrm>
+          <a:prstGeom prst="rect">
+            <a:avLst/>
+          </a:prstGeom>
+        </p:spPr>
+      </p:pic>
     </p:spTree>
     <p:extLst>
       <p:ext uri="{BB962C8B-B14F-4D97-AF65-F5344CB8AC3E}">
@@ -16473,7 +15994,7 @@
                   <a:srgbClr val="EA5E46"/>
                 </a:solidFill>
               </a:rPr>
-              <a:t>Model Data Cleaning – Adding Columns</a:t>
+              <a:t>Model Data Transformation – RF, LGBM, KNN</a:t>
             </a:r>
           </a:p>
         </p:txBody>
@@ -16568,248 +16089,42 @@
           </a:fontRef>
         </p:style>
       </p:cxnSp>
-      <p:sp>
-        <p:nvSpPr>
-          <p:cNvPr id="13" name="Arrow: Right 12">
-            <a:extLst>
-              <a:ext uri="{FF2B5EF4-FFF2-40B4-BE49-F238E27FC236}">
-                <a16:creationId xmlns:a16="http://schemas.microsoft.com/office/drawing/2014/main" id="{4909AE15-9CFE-4BEA-8959-FC97CF762308}"/>
-              </a:ext>
-            </a:extLst>
-          </p:cNvPr>
-          <p:cNvSpPr/>
+      <p:pic>
+        <p:nvPicPr>
+          <p:cNvPr id="14" name="Picture 13">
+            <a:extLst>
+              <a:ext uri="{FF2B5EF4-FFF2-40B4-BE49-F238E27FC236}">
+                <a16:creationId xmlns:a16="http://schemas.microsoft.com/office/drawing/2014/main" id="{81C25E9C-AEF8-48C0-80CE-C88B373B1AE8}"/>
+              </a:ext>
+            </a:extLst>
+          </p:cNvPr>
+          <p:cNvPicPr>
+            <a:picLocks noChangeAspect="1"/>
+          </p:cNvPicPr>
           <p:nvPr/>
-        </p:nvSpPr>
+        </p:nvPicPr>
+        <p:blipFill>
+          <a:blip r:embed="rId4"/>
+          <a:stretch>
+            <a:fillRect/>
+          </a:stretch>
+        </p:blipFill>
         <p:spPr>
           <a:xfrm>
-            <a:off x="5980172" y="3777154"/>
-            <a:ext cx="552893" cy="352089"/>
+            <a:off x="2083682" y="1767443"/>
+            <a:ext cx="7806003" cy="4108894"/>
           </a:xfrm>
-          <a:prstGeom prst="rightArrow">
+          <a:prstGeom prst="rect">
             <a:avLst/>
           </a:prstGeom>
-          <a:solidFill>
-            <a:schemeClr val="bg2">
-              <a:lumMod val="75000"/>
-            </a:schemeClr>
-          </a:solidFill>
-          <a:ln>
-            <a:solidFill>
-              <a:schemeClr val="bg2">
-                <a:lumMod val="75000"/>
-              </a:schemeClr>
-            </a:solidFill>
-          </a:ln>
         </p:spPr>
-        <p:style>
-          <a:lnRef idx="2">
-            <a:schemeClr val="accent1">
-              <a:shade val="50000"/>
-            </a:schemeClr>
-          </a:lnRef>
-          <a:fillRef idx="1">
-            <a:schemeClr val="accent1"/>
-          </a:fillRef>
-          <a:effectRef idx="0">
-            <a:schemeClr val="accent1"/>
-          </a:effectRef>
-          <a:fontRef idx="minor">
-            <a:schemeClr val="lt1"/>
-          </a:fontRef>
-        </p:style>
-        <p:txBody>
-          <a:bodyPr rtlCol="0" anchor="ctr"/>
-          <a:lstStyle/>
-          <a:p>
-            <a:pPr algn="ctr"/>
-            <a:endParaRPr lang="en-CA"/>
-          </a:p>
-        </p:txBody>
-      </p:sp>
-      <p:graphicFrame>
-        <p:nvGraphicFramePr>
-          <p:cNvPr id="4" name="Table 4">
-            <a:extLst>
-              <a:ext uri="{FF2B5EF4-FFF2-40B4-BE49-F238E27FC236}">
-                <a16:creationId xmlns:a16="http://schemas.microsoft.com/office/drawing/2014/main" id="{21B26308-D3E0-4424-8F97-2E7634C3FA7A}"/>
-              </a:ext>
-            </a:extLst>
-          </p:cNvPr>
-          <p:cNvGraphicFramePr>
-            <a:graphicFrameLocks noGrp="1"/>
-          </p:cNvGraphicFramePr>
-          <p:nvPr>
-            <p:extLst>
-              <p:ext uri="{D42A27DB-BD31-4B8C-83A1-F6EECF244321}">
-                <p14:modId xmlns:p14="http://schemas.microsoft.com/office/powerpoint/2010/main" val="147169135"/>
-              </p:ext>
-            </p:extLst>
-          </p:nvPr>
-        </p:nvGraphicFramePr>
-        <p:xfrm>
-          <a:off x="1061616" y="3261381"/>
-          <a:ext cx="4611395" cy="1089728"/>
-        </p:xfrm>
-        <a:graphic>
-          <a:graphicData uri="http://schemas.openxmlformats.org/drawingml/2006/table">
-            <a:tbl>
-              <a:tblPr firstRow="1" bandRow="1">
-                <a:tableStyleId>{073A0DAA-6AF3-43AB-8588-CEC1D06C72B9}</a:tableStyleId>
-              </a:tblPr>
-              <a:tblGrid>
-                <a:gridCol w="4611395">
-                  <a:extLst>
-                    <a:ext uri="{9D8B030D-6E8A-4147-A177-3AD203B41FA5}">
-                      <a16:colId xmlns:a16="http://schemas.microsoft.com/office/drawing/2014/main" val="2478899434"/>
-                    </a:ext>
-                  </a:extLst>
-                </a:gridCol>
-              </a:tblGrid>
-              <a:tr h="511685">
-                <a:tc>
-                  <a:txBody>
-                    <a:bodyPr/>
-                    <a:lstStyle/>
-                    <a:p>
-                      <a:r>
-                        <a:rPr lang="en-US" dirty="0"/>
-                        <a:t>amenities</a:t>
-                      </a:r>
-                      <a:endParaRPr lang="en-CA" dirty="0"/>
-                    </a:p>
-                  </a:txBody>
-                  <a:tcPr/>
-                </a:tc>
-                <a:extLst>
-                  <a:ext uri="{0D108BD9-81ED-4DB2-BD59-A6C34878D82A}">
-                    <a16:rowId xmlns:a16="http://schemas.microsoft.com/office/drawing/2014/main" val="2665256824"/>
-                  </a:ext>
-                </a:extLst>
-              </a:tr>
-              <a:tr h="578043">
-                <a:tc>
-                  <a:txBody>
-                    <a:bodyPr/>
-                    <a:lstStyle/>
-                    <a:p>
-                      <a:r>
-                        <a:rPr lang="en-US" dirty="0"/>
-                        <a:t>[“</a:t>
-                      </a:r>
-                      <a:r>
-                        <a:rPr lang="en-US" dirty="0" err="1"/>
-                        <a:t>Wifi</a:t>
-                      </a:r>
-                      <a:r>
-                        <a:rPr lang="en-US" dirty="0"/>
-                        <a:t>”, “Kitchen”, “Heating”, “Air Conditioning]</a:t>
-                      </a:r>
-                      <a:endParaRPr lang="en-CA" dirty="0"/>
-                    </a:p>
-                  </a:txBody>
-                  <a:tcPr/>
-                </a:tc>
-                <a:extLst>
-                  <a:ext uri="{0D108BD9-81ED-4DB2-BD59-A6C34878D82A}">
-                    <a16:rowId xmlns:a16="http://schemas.microsoft.com/office/drawing/2014/main" val="1667322077"/>
-                  </a:ext>
-                </a:extLst>
-              </a:tr>
-            </a:tbl>
-          </a:graphicData>
-        </a:graphic>
-      </p:graphicFrame>
-      <p:graphicFrame>
-        <p:nvGraphicFramePr>
-          <p:cNvPr id="11" name="Table 4">
-            <a:extLst>
-              <a:ext uri="{FF2B5EF4-FFF2-40B4-BE49-F238E27FC236}">
-                <a16:creationId xmlns:a16="http://schemas.microsoft.com/office/drawing/2014/main" id="{08D2C7D8-9F85-4228-B2F2-8B108D86BB77}"/>
-              </a:ext>
-            </a:extLst>
-          </p:cNvPr>
-          <p:cNvGraphicFramePr>
-            <a:graphicFrameLocks noGrp="1"/>
-          </p:cNvGraphicFramePr>
-          <p:nvPr>
-            <p:extLst>
-              <p:ext uri="{D42A27DB-BD31-4B8C-83A1-F6EECF244321}">
-                <p14:modId xmlns:p14="http://schemas.microsoft.com/office/powerpoint/2010/main" val="1012773955"/>
-              </p:ext>
-            </p:extLst>
-          </p:nvPr>
-        </p:nvGraphicFramePr>
-        <p:xfrm>
-          <a:off x="6840226" y="3261381"/>
-          <a:ext cx="4611395" cy="1089728"/>
-        </p:xfrm>
-        <a:graphic>
-          <a:graphicData uri="http://schemas.openxmlformats.org/drawingml/2006/table">
-            <a:tbl>
-              <a:tblPr firstRow="1" bandRow="1">
-                <a:tableStyleId>{073A0DAA-6AF3-43AB-8588-CEC1D06C72B9}</a:tableStyleId>
-              </a:tblPr>
-              <a:tblGrid>
-                <a:gridCol w="4611395">
-                  <a:extLst>
-                    <a:ext uri="{9D8B030D-6E8A-4147-A177-3AD203B41FA5}">
-                      <a16:colId xmlns:a16="http://schemas.microsoft.com/office/drawing/2014/main" val="2478899434"/>
-                    </a:ext>
-                  </a:extLst>
-                </a:gridCol>
-              </a:tblGrid>
-              <a:tr h="511685">
-                <a:tc>
-                  <a:txBody>
-                    <a:bodyPr/>
-                    <a:lstStyle/>
-                    <a:p>
-                      <a:r>
-                        <a:rPr lang="en-US" dirty="0" err="1"/>
-                        <a:t>amenities_count</a:t>
-                      </a:r>
-                      <a:endParaRPr lang="en-CA" dirty="0"/>
-                    </a:p>
-                  </a:txBody>
-                  <a:tcPr/>
-                </a:tc>
-                <a:extLst>
-                  <a:ext uri="{0D108BD9-81ED-4DB2-BD59-A6C34878D82A}">
-                    <a16:rowId xmlns:a16="http://schemas.microsoft.com/office/drawing/2014/main" val="2665256824"/>
-                  </a:ext>
-                </a:extLst>
-              </a:tr>
-              <a:tr h="578043">
-                <a:tc>
-                  <a:txBody>
-                    <a:bodyPr/>
-                    <a:lstStyle/>
-                    <a:p>
-                      <a:r>
-                        <a:rPr lang="en-US" dirty="0"/>
-                        <a:t>4</a:t>
-                      </a:r>
-                      <a:endParaRPr lang="en-CA" dirty="0"/>
-                    </a:p>
-                  </a:txBody>
-                  <a:tcPr/>
-                </a:tc>
-                <a:extLst>
-                  <a:ext uri="{0D108BD9-81ED-4DB2-BD59-A6C34878D82A}">
-                    <a16:rowId xmlns:a16="http://schemas.microsoft.com/office/drawing/2014/main" val="1667322077"/>
-                  </a:ext>
-                </a:extLst>
-              </a:tr>
-            </a:tbl>
-          </a:graphicData>
-        </a:graphic>
-      </p:graphicFrame>
-      <p:sp>
-        <p:nvSpPr>
-          <p:cNvPr id="5" name="TextBox 4">
-            <a:extLst>
-              <a:ext uri="{FF2B5EF4-FFF2-40B4-BE49-F238E27FC236}">
-                <a16:creationId xmlns:a16="http://schemas.microsoft.com/office/drawing/2014/main" id="{0B1F14FF-D320-49A9-9FFD-98A5063749C8}"/>
+      </p:pic>
+      <p:sp>
+        <p:nvSpPr>
+          <p:cNvPr id="3" name="TextBox 2">
+            <a:extLst>
+              <a:ext uri="{FF2B5EF4-FFF2-40B4-BE49-F238E27FC236}">
+                <a16:creationId xmlns:a16="http://schemas.microsoft.com/office/drawing/2014/main" id="{60518D2B-5A6E-4114-AF9D-C5BF6A84A679}"/>
               </a:ext>
             </a:extLst>
           </p:cNvPr>
@@ -16818,8 +16133,8 @@
         </p:nvSpPr>
         <p:spPr>
           <a:xfrm>
-            <a:off x="975853" y="2130318"/>
-            <a:ext cx="7179605" cy="461665"/>
+            <a:off x="1136491" y="6028879"/>
+            <a:ext cx="9700384" cy="369332"/>
           </a:xfrm>
           <a:prstGeom prst="rect">
             <a:avLst/>
@@ -16833,17 +16148,17 @@
           <a:lstStyle/>
           <a:p>
             <a:r>
-              <a:rPr lang="en-US" sz="2400" b="1" dirty="0"/>
-              <a:t>How will this new feature will impact the price?</a:t>
-            </a:r>
-            <a:endParaRPr lang="en-CA" sz="2400" b="1" dirty="0"/>
+              <a:rPr lang="en-US" dirty="0"/>
+              <a:t>Note: Used for Random Forest, LGBM and KNN Regressor Models only</a:t>
+            </a:r>
+            <a:endParaRPr lang="en-CA" dirty="0"/>
           </a:p>
         </p:txBody>
       </p:sp>
     </p:spTree>
     <p:extLst>
       <p:ext uri="{BB962C8B-B14F-4D97-AF65-F5344CB8AC3E}">
-        <p14:creationId xmlns:p14="http://schemas.microsoft.com/office/powerpoint/2010/main" val="513184334"/>
+        <p14:creationId xmlns:p14="http://schemas.microsoft.com/office/powerpoint/2010/main" val="641962917"/>
       </p:ext>
     </p:extLst>
   </p:cSld>
@@ -16871,7 +16186,7 @@
                             </p:stCondLst>
                             <p:childTnLst>
                               <p:par>
-                                <p:cTn id="5" presetID="2" presetClass="entr" presetSubtype="1" fill="hold" grpId="0" nodeType="clickEffect">
+                                <p:cTn id="5" presetID="16" presetClass="entr" presetSubtype="21" fill="hold" nodeType="clickEffect">
                                   <p:stCondLst>
                                     <p:cond delay="0"/>
                                   </p:stCondLst>
@@ -16884,7 +16199,7 @@
                                           </p:stCondLst>
                                         </p:cTn>
                                         <p:tgtEl>
-                                          <p:spTgt spid="5"/>
+                                          <p:spTgt spid="14"/>
                                         </p:tgtEl>
                                         <p:attrNameLst>
                                           <p:attrName>style.visibility</p:attrName>
@@ -16894,325 +16209,14 @@
                                         <p:strVal val="visible"/>
                                       </p:to>
                                     </p:set>
-                                    <p:anim calcmode="lin" valueType="num">
-                                      <p:cBhvr additive="base">
-                                        <p:cTn id="7" dur="500" fill="hold"/>
+                                    <p:animEffect transition="in" filter="barn(inVertical)">
+                                      <p:cBhvr>
+                                        <p:cTn id="7" dur="500"/>
                                         <p:tgtEl>
-                                          <p:spTgt spid="5"/>
+                                          <p:spTgt spid="14"/>
                                         </p:tgtEl>
-                                        <p:attrNameLst>
-                                          <p:attrName>ppt_x</p:attrName>
-                                        </p:attrNameLst>
                                       </p:cBhvr>
-                                      <p:tavLst>
-                                        <p:tav tm="0">
-                                          <p:val>
-                                            <p:strVal val="#ppt_x"/>
-                                          </p:val>
-                                        </p:tav>
-                                        <p:tav tm="100000">
-                                          <p:val>
-                                            <p:strVal val="#ppt_x"/>
-                                          </p:val>
-                                        </p:tav>
-                                      </p:tavLst>
-                                    </p:anim>
-                                    <p:anim calcmode="lin" valueType="num">
-                                      <p:cBhvr additive="base">
-                                        <p:cTn id="8" dur="500" fill="hold"/>
-                                        <p:tgtEl>
-                                          <p:spTgt spid="5"/>
-                                        </p:tgtEl>
-                                        <p:attrNameLst>
-                                          <p:attrName>ppt_y</p:attrName>
-                                        </p:attrNameLst>
-                                      </p:cBhvr>
-                                      <p:tavLst>
-                                        <p:tav tm="0">
-                                          <p:val>
-                                            <p:strVal val="0-#ppt_h/2"/>
-                                          </p:val>
-                                        </p:tav>
-                                        <p:tav tm="100000">
-                                          <p:val>
-                                            <p:strVal val="#ppt_y"/>
-                                          </p:val>
-                                        </p:tav>
-                                      </p:tavLst>
-                                    </p:anim>
-                                  </p:childTnLst>
-                                </p:cTn>
-                              </p:par>
-                            </p:childTnLst>
-                          </p:cTn>
-                        </p:par>
-                      </p:childTnLst>
-                    </p:cTn>
-                  </p:par>
-                  <p:par>
-                    <p:cTn id="9" fill="hold">
-                      <p:stCondLst>
-                        <p:cond delay="indefinite"/>
-                      </p:stCondLst>
-                      <p:childTnLst>
-                        <p:par>
-                          <p:cTn id="10" fill="hold">
-                            <p:stCondLst>
-                              <p:cond delay="0"/>
-                            </p:stCondLst>
-                            <p:childTnLst>
-                              <p:par>
-                                <p:cTn id="11" presetID="2" presetClass="entr" presetSubtype="8" fill="hold" nodeType="clickEffect">
-                                  <p:stCondLst>
-                                    <p:cond delay="0"/>
-                                  </p:stCondLst>
-                                  <p:childTnLst>
-                                    <p:set>
-                                      <p:cBhvr>
-                                        <p:cTn id="12" dur="1" fill="hold">
-                                          <p:stCondLst>
-                                            <p:cond delay="0"/>
-                                          </p:stCondLst>
-                                        </p:cTn>
-                                        <p:tgtEl>
-                                          <p:spTgt spid="4"/>
-                                        </p:tgtEl>
-                                        <p:attrNameLst>
-                                          <p:attrName>style.visibility</p:attrName>
-                                        </p:attrNameLst>
-                                      </p:cBhvr>
-                                      <p:to>
-                                        <p:strVal val="visible"/>
-                                      </p:to>
-                                    </p:set>
-                                    <p:anim calcmode="lin" valueType="num">
-                                      <p:cBhvr additive="base">
-                                        <p:cTn id="13" dur="500" fill="hold"/>
-                                        <p:tgtEl>
-                                          <p:spTgt spid="4"/>
-                                        </p:tgtEl>
-                                        <p:attrNameLst>
-                                          <p:attrName>ppt_x</p:attrName>
-                                        </p:attrNameLst>
-                                      </p:cBhvr>
-                                      <p:tavLst>
-                                        <p:tav tm="0">
-                                          <p:val>
-                                            <p:strVal val="0-#ppt_w/2"/>
-                                          </p:val>
-                                        </p:tav>
-                                        <p:tav tm="100000">
-                                          <p:val>
-                                            <p:strVal val="#ppt_x"/>
-                                          </p:val>
-                                        </p:tav>
-                                      </p:tavLst>
-                                    </p:anim>
-                                    <p:anim calcmode="lin" valueType="num">
-                                      <p:cBhvr additive="base">
-                                        <p:cTn id="14" dur="500" fill="hold"/>
-                                        <p:tgtEl>
-                                          <p:spTgt spid="4"/>
-                                        </p:tgtEl>
-                                        <p:attrNameLst>
-                                          <p:attrName>ppt_y</p:attrName>
-                                        </p:attrNameLst>
-                                      </p:cBhvr>
-                                      <p:tavLst>
-                                        <p:tav tm="0">
-                                          <p:val>
-                                            <p:strVal val="#ppt_y"/>
-                                          </p:val>
-                                        </p:tav>
-                                        <p:tav tm="100000">
-                                          <p:val>
-                                            <p:strVal val="#ppt_y"/>
-                                          </p:val>
-                                        </p:tav>
-                                      </p:tavLst>
-                                    </p:anim>
-                                  </p:childTnLst>
-                                </p:cTn>
-                              </p:par>
-                            </p:childTnLst>
-                          </p:cTn>
-                        </p:par>
-                      </p:childTnLst>
-                    </p:cTn>
-                  </p:par>
-                  <p:par>
-                    <p:cTn id="15" fill="hold">
-                      <p:stCondLst>
-                        <p:cond delay="indefinite"/>
-                      </p:stCondLst>
-                      <p:childTnLst>
-                        <p:par>
-                          <p:cTn id="16" fill="hold">
-                            <p:stCondLst>
-                              <p:cond delay="0"/>
-                            </p:stCondLst>
-                            <p:childTnLst>
-                              <p:par>
-                                <p:cTn id="17" presetID="2" presetClass="entr" presetSubtype="8" fill="hold" grpId="0" nodeType="clickEffect">
-                                  <p:stCondLst>
-                                    <p:cond delay="0"/>
-                                  </p:stCondLst>
-                                  <p:childTnLst>
-                                    <p:set>
-                                      <p:cBhvr>
-                                        <p:cTn id="18" dur="1" fill="hold">
-                                          <p:stCondLst>
-                                            <p:cond delay="0"/>
-                                          </p:stCondLst>
-                                        </p:cTn>
-                                        <p:tgtEl>
-                                          <p:spTgt spid="13"/>
-                                        </p:tgtEl>
-                                        <p:attrNameLst>
-                                          <p:attrName>style.visibility</p:attrName>
-                                        </p:attrNameLst>
-                                      </p:cBhvr>
-                                      <p:to>
-                                        <p:strVal val="visible"/>
-                                      </p:to>
-                                    </p:set>
-                                    <p:anim calcmode="lin" valueType="num">
-                                      <p:cBhvr additive="base">
-                                        <p:cTn id="19" dur="500" fill="hold"/>
-                                        <p:tgtEl>
-                                          <p:spTgt spid="13"/>
-                                        </p:tgtEl>
-                                        <p:attrNameLst>
-                                          <p:attrName>ppt_x</p:attrName>
-                                        </p:attrNameLst>
-                                      </p:cBhvr>
-                                      <p:tavLst>
-                                        <p:tav tm="0">
-                                          <p:val>
-                                            <p:strVal val="0-#ppt_w/2"/>
-                                          </p:val>
-                                        </p:tav>
-                                        <p:tav tm="100000">
-                                          <p:val>
-                                            <p:strVal val="#ppt_x"/>
-                                          </p:val>
-                                        </p:tav>
-                                      </p:tavLst>
-                                    </p:anim>
-                                    <p:anim calcmode="lin" valueType="num">
-                                      <p:cBhvr additive="base">
-                                        <p:cTn id="20" dur="500" fill="hold"/>
-                                        <p:tgtEl>
-                                          <p:spTgt spid="13"/>
-                                        </p:tgtEl>
-                                        <p:attrNameLst>
-                                          <p:attrName>ppt_y</p:attrName>
-                                        </p:attrNameLst>
-                                      </p:cBhvr>
-                                      <p:tavLst>
-                                        <p:tav tm="0">
-                                          <p:val>
-                                            <p:strVal val="#ppt_y"/>
-                                          </p:val>
-                                        </p:tav>
-                                        <p:tav tm="100000">
-                                          <p:val>
-                                            <p:strVal val="#ppt_y"/>
-                                          </p:val>
-                                        </p:tav>
-                                      </p:tavLst>
-                                    </p:anim>
-                                  </p:childTnLst>
-                                </p:cTn>
-                              </p:par>
-                            </p:childTnLst>
-                          </p:cTn>
-                        </p:par>
-                      </p:childTnLst>
-                    </p:cTn>
-                  </p:par>
-                  <p:par>
-                    <p:cTn id="21" fill="hold">
-                      <p:stCondLst>
-                        <p:cond delay="indefinite"/>
-                      </p:stCondLst>
-                      <p:childTnLst>
-                        <p:par>
-                          <p:cTn id="22" fill="hold">
-                            <p:stCondLst>
-                              <p:cond delay="0"/>
-                            </p:stCondLst>
-                            <p:childTnLst>
-                              <p:par>
-                                <p:cTn id="23" presetID="2" presetClass="entr" presetSubtype="8" fill="hold" nodeType="clickEffect">
-                                  <p:stCondLst>
-                                    <p:cond delay="0"/>
-                                  </p:stCondLst>
-                                  <p:childTnLst>
-                                    <p:set>
-                                      <p:cBhvr>
-                                        <p:cTn id="24" dur="1" fill="hold">
-                                          <p:stCondLst>
-                                            <p:cond delay="0"/>
-                                          </p:stCondLst>
-                                        </p:cTn>
-                                        <p:tgtEl>
-                                          <p:spTgt spid="11"/>
-                                        </p:tgtEl>
-                                        <p:attrNameLst>
-                                          <p:attrName>style.visibility</p:attrName>
-                                        </p:attrNameLst>
-                                      </p:cBhvr>
-                                      <p:to>
-                                        <p:strVal val="visible"/>
-                                      </p:to>
-                                    </p:set>
-                                    <p:anim calcmode="lin" valueType="num">
-                                      <p:cBhvr additive="base">
-                                        <p:cTn id="25" dur="500" fill="hold"/>
-                                        <p:tgtEl>
-                                          <p:spTgt spid="11"/>
-                                        </p:tgtEl>
-                                        <p:attrNameLst>
-                                          <p:attrName>ppt_x</p:attrName>
-                                        </p:attrNameLst>
-                                      </p:cBhvr>
-                                      <p:tavLst>
-                                        <p:tav tm="0">
-                                          <p:val>
-                                            <p:strVal val="0-#ppt_w/2"/>
-                                          </p:val>
-                                        </p:tav>
-                                        <p:tav tm="100000">
-                                          <p:val>
-                                            <p:strVal val="#ppt_x"/>
-                                          </p:val>
-                                        </p:tav>
-                                      </p:tavLst>
-                                    </p:anim>
-                                    <p:anim calcmode="lin" valueType="num">
-                                      <p:cBhvr additive="base">
-                                        <p:cTn id="26" dur="500" fill="hold"/>
-                                        <p:tgtEl>
-                                          <p:spTgt spid="11"/>
-                                        </p:tgtEl>
-                                        <p:attrNameLst>
-                                          <p:attrName>ppt_y</p:attrName>
-                                        </p:attrNameLst>
-                                      </p:cBhvr>
-                                      <p:tavLst>
-                                        <p:tav tm="0">
-                                          <p:val>
-                                            <p:strVal val="#ppt_y"/>
-                                          </p:val>
-                                        </p:tav>
-                                        <p:tav tm="100000">
-                                          <p:val>
-                                            <p:strVal val="#ppt_y"/>
-                                          </p:val>
-                                        </p:tav>
-                                      </p:tavLst>
-                                    </p:anim>
+                                    </p:animEffect>
                                   </p:childTnLst>
                                 </p:cTn>
                               </p:par>
@@ -17243,10 +16247,6 @@
         </p:cTn>
       </p:par>
     </p:tnLst>
-    <p:bldLst>
-      <p:bldP spid="13" grpId="0" animBg="1"/>
-      <p:bldP spid="5" grpId="0"/>
-    </p:bldLst>
   </p:timing>
 </p:sld>
 </file>

--- a/Airbnb Price Predictions (Model).pptx
+++ b/Airbnb Price Predictions (Model).pptx
@@ -26,10 +26,10 @@
     <p:sldId id="311" r:id="rId17"/>
     <p:sldId id="310" r:id="rId18"/>
     <p:sldId id="312" r:id="rId19"/>
-    <p:sldId id="313" r:id="rId20"/>
-    <p:sldId id="314" r:id="rId21"/>
-    <p:sldId id="319" r:id="rId22"/>
-    <p:sldId id="318" r:id="rId23"/>
+    <p:sldId id="314" r:id="rId20"/>
+    <p:sldId id="313" r:id="rId21"/>
+    <p:sldId id="318" r:id="rId22"/>
+    <p:sldId id="319" r:id="rId23"/>
     <p:sldId id="316" r:id="rId24"/>
     <p:sldId id="317" r:id="rId25"/>
   </p:sldIdLst>
@@ -1304,13 +1304,19 @@
           <a:p>
             <a:r>
               <a:rPr lang="en-US" dirty="0"/>
-              <a:t>In this slide we look at the price correlation versus the accommodations and amenities in the yellow box.  </a:t>
+              <a:t>In this slide we look at the price correlation versus the accommodations and amenities. he yellow box based on the newly transformed database for the model.  </a:t>
             </a:r>
           </a:p>
           <a:p>
             <a:r>
               <a:rPr lang="en-US" dirty="0"/>
-              <a:t>Just by looking at the correlation figures, the heatmap implies that size and basic accommodations have a moderate impact on the prices.  Having more amenities like washer and air conditioning are nice to have features that can help increase the rates.</a:t>
+              <a:t>On the right side of the slide, we listed the top 5 features that drive the price. </a:t>
+            </a:r>
+          </a:p>
+          <a:p>
+            <a:r>
+              <a:rPr lang="en-US" dirty="0"/>
+              <a:t>Just by looking figures, the heatmap implies that size and basic accommodations have a moderate impact on the prices.  Having more amenities like washer and air conditioning are nice to have features that can help increase the rates/</a:t>
             </a:r>
           </a:p>
           <a:p>
@@ -1408,10 +1414,24 @@
           <a:bodyPr/>
           <a:lstStyle/>
           <a:p>
-            <a:endParaRPr lang="en-US" dirty="0"/>
-          </a:p>
-          <a:p>
-            <a:endParaRPr lang="en-US" dirty="0"/>
+            <a:r>
+              <a:rPr lang="en-US" dirty="0"/>
+              <a:t>In this slide, we ran random forest and LGBM Regressor model and  got the 5 most important features.</a:t>
+            </a:r>
+          </a:p>
+          <a:p>
+            <a:r>
+              <a:rPr lang="en-US" dirty="0"/>
+              <a:t>Both models show that the most important features to predict prices includes the room type, the </a:t>
+            </a:r>
+            <a:r>
+              <a:rPr lang="en-US" dirty="0" err="1"/>
+              <a:t>neighbourhood</a:t>
+            </a:r>
+            <a:r>
+              <a:rPr lang="en-US" dirty="0"/>
+              <a:t> and the # of bathrooms the unit has.  Once again, size &amp; accommodation requirements are the major forces of determining the prices.  Another implication from this model tells us that where the listing is located is also very important</a:t>
+            </a:r>
           </a:p>
           <a:p>
             <a:endParaRPr lang="en-US" dirty="0"/>
@@ -1509,32 +1529,33 @@
           <a:p>
             <a:r>
               <a:rPr lang="en-US" dirty="0"/>
-              <a:t>This table shows you the coefficient of correlation (R2) &amp; Mean Squared Error (MSE)</a:t>
-            </a:r>
-          </a:p>
-          <a:p>
+              <a:t>Since location is one of the stronger components based on the RF &amp; LGBM model, we wanted to use the KNN model to determine how effective it is with averaging the price of your model to your nearest </a:t>
+            </a:r>
+            <a:r>
+              <a:rPr lang="en-US" dirty="0" err="1"/>
+              <a:t>neighbour</a:t>
+            </a:r>
             <a:r>
               <a:rPr lang="en-US" dirty="0"/>
-              <a:t>The r2 tells you how close the data fits to the regression line.  MSE is the squared average difference between the actual &amp; predicted values.</a:t>
-            </a:r>
+              <a:t>.  </a:t>
+            </a:r>
+          </a:p>
+          <a:p>
+            <a:endParaRPr lang="en-US" dirty="0"/>
           </a:p>
           <a:p>
             <a:r>
               <a:rPr lang="en-US" dirty="0"/>
-              <a:t>Based on the model,  it tells us that the time trends have the strong impact on the price.  The features have a moderate correlation to the price and the clustering have a fairly weak correlation</a:t>
-            </a:r>
-          </a:p>
-          <a:p>
-            <a:endParaRPr lang="en-US" dirty="0"/>
-          </a:p>
-          <a:p>
-            <a:endParaRPr lang="en-US" dirty="0"/>
-          </a:p>
-          <a:p>
-            <a:endParaRPr lang="en-US" dirty="0"/>
-          </a:p>
-          <a:p>
-            <a:endParaRPr lang="en-US" dirty="0"/>
+              <a:t>As you can see in this graph, the model score is quite low.  This may potentially be since NYC is a large city that offers various units in different room types in just one </a:t>
+            </a:r>
+            <a:r>
+              <a:rPr lang="en-US" dirty="0" err="1"/>
+              <a:t>neighbourhood</a:t>
+            </a:r>
+            <a:r>
+              <a:rPr lang="en-US" dirty="0"/>
+              <a:t>.  As you know the price range is quite large between an entire home vs a shared room.  So when the host price their units, they can’t just factor in their location, they need to look also into the accommodation and the size of their units.</a:t>
+            </a:r>
           </a:p>
           <a:p>
             <a:endParaRPr lang="en-US" dirty="0"/>
@@ -1621,34 +1642,78 @@
           <a:bodyPr/>
           <a:lstStyle/>
           <a:p>
+            <a:pPr marL="457200" indent="-457200">
+              <a:buFont typeface="Arial" panose="020B0604020202020204" pitchFamily="34" charset="0"/>
+              <a:buChar char="•"/>
+            </a:pPr>
+            <a:r>
+              <a:rPr lang="en-US" sz="1200" dirty="0"/>
+              <a:t>Graph shows the overall actual trends &amp; predictions.  The black dots are the actual average daily prices from our datasets. The dark blue lines are the predicted prices and the light blue area are the upper &amp; lower limits of the predicted prices.</a:t>
+            </a:r>
+          </a:p>
+          <a:p>
+            <a:pPr marL="457200" indent="-457200">
+              <a:buFont typeface="Arial" panose="020B0604020202020204" pitchFamily="34" charset="0"/>
+              <a:buChar char="•"/>
+            </a:pPr>
+            <a:r>
+              <a:rPr lang="en-US" sz="1200" dirty="0"/>
+              <a:t>As you go further in the future, the limits increase as there are more uncertainty factors.</a:t>
+            </a:r>
+          </a:p>
+          <a:p>
+            <a:pPr marL="0" indent="0">
+              <a:buFont typeface="Arial" panose="020B0604020202020204" pitchFamily="34" charset="0"/>
+              <a:buNone/>
+            </a:pPr>
+            <a:r>
+              <a:rPr lang="en-US" sz="1200" dirty="0"/>
+              <a:t>Overall trends of this graphs shows that </a:t>
+            </a:r>
+          </a:p>
+          <a:p>
+            <a:pPr marL="457200" indent="-457200">
+              <a:buFont typeface="Arial" panose="020B0604020202020204" pitchFamily="34" charset="0"/>
+              <a:buChar char="•"/>
+            </a:pPr>
+            <a:r>
+              <a:rPr lang="en-US" sz="1200" dirty="0"/>
+              <a:t>Prices has been increasing from 2017 </a:t>
+            </a:r>
             <a:r>
               <a:rPr lang="en-US" dirty="0"/>
-              <a:t>This table shows you the coefficient of correlation (R2) &amp; Mean Squared Error (MSE)</a:t>
-            </a:r>
-          </a:p>
-          <a:p>
+              <a:t>up to the first part of 2020.</a:t>
+            </a:r>
+          </a:p>
+          <a:p>
+            <a:pPr marL="457200" indent="-457200">
+              <a:buFont typeface="Arial" panose="020B0604020202020204" pitchFamily="34" charset="0"/>
+              <a:buChar char="•"/>
+            </a:pPr>
             <a:r>
               <a:rPr lang="en-US" dirty="0"/>
-              <a:t>The r2 tells you how close the data fits to the regression line.  MSE is the squared average difference between the actual &amp; predicted values.</a:t>
-            </a:r>
-          </a:p>
-          <a:p>
+              <a:t>Downward trend after the second part of 2020 due to Covid-19.</a:t>
+            </a:r>
+          </a:p>
+          <a:p>
+            <a:pPr marL="457200" indent="-457200">
+              <a:buFont typeface="Arial" panose="020B0604020202020204" pitchFamily="34" charset="0"/>
+              <a:buChar char="•"/>
+            </a:pPr>
             <a:r>
               <a:rPr lang="en-US" dirty="0"/>
-              <a:t>Based on the model,  it tells us that the time trends have the strong impact on the price.  The features have a moderate correlation to the price and the clustering have a fairly weak correlation</a:t>
-            </a:r>
-          </a:p>
-          <a:p>
-            <a:endParaRPr lang="en-US" dirty="0"/>
-          </a:p>
-          <a:p>
-            <a:endParaRPr lang="en-US" dirty="0"/>
-          </a:p>
-          <a:p>
-            <a:endParaRPr lang="en-US" dirty="0"/>
-          </a:p>
-          <a:p>
-            <a:endParaRPr lang="en-US" dirty="0"/>
+              <a:t>2021 rates is at the lowest as the economy is greatly impacted by the pandemic.</a:t>
+            </a:r>
+          </a:p>
+          <a:p>
+            <a:pPr marL="457200" indent="-457200">
+              <a:buFont typeface="Arial" panose="020B0604020202020204" pitchFamily="34" charset="0"/>
+              <a:buChar char="•"/>
+            </a:pPr>
+            <a:r>
+              <a:rPr lang="en-US" dirty="0"/>
+              <a:t>For 2022-23, it shows a slight increase in the prices based on past trends and incorporate the sudden decrease form Covid-19.</a:t>
+            </a:r>
           </a:p>
           <a:p>
             <a:endParaRPr lang="en-US" dirty="0"/>
@@ -1681,7 +1746,7 @@
     </p:spTree>
     <p:extLst>
       <p:ext uri="{BB962C8B-B14F-4D97-AF65-F5344CB8AC3E}">
-        <p14:creationId xmlns:p14="http://schemas.microsoft.com/office/powerpoint/2010/main" val="4017738238"/>
+        <p14:creationId xmlns:p14="http://schemas.microsoft.com/office/powerpoint/2010/main" val="3672969067"/>
       </p:ext>
     </p:extLst>
   </p:cSld>
@@ -1851,29 +1916,14 @@
           <a:p>
             <a:r>
               <a:rPr lang="en-US" dirty="0"/>
-              <a:t>This table shows you the coefficient of correlation (R2) &amp; Mean Squared Error (MSE)</a:t>
+              <a:t>The prophet here breaks down the rates by various components with the overall pricing trends, how prices are affected by the holidays, day of week and in different times of the moths.</a:t>
             </a:r>
           </a:p>
           <a:p>
             <a:r>
               <a:rPr lang="en-US" dirty="0"/>
-              <a:t>The r2 tells you how close the data fits to the regression line.  MSE is the squared average difference between the actual &amp; predicted values.</a:t>
-            </a:r>
-          </a:p>
-          <a:p>
-            <a:r>
-              <a:rPr lang="en-US" dirty="0"/>
-              <a:t>Based on the model,  it tells us that the time trends have the strong impact on the price.  The features have a moderate correlation to the price and the clustering have a fairly weak correlation</a:t>
-            </a:r>
-          </a:p>
-          <a:p>
-            <a:endParaRPr lang="en-US" dirty="0"/>
-          </a:p>
-          <a:p>
-            <a:endParaRPr lang="en-US" dirty="0"/>
-          </a:p>
-          <a:p>
-            <a:endParaRPr lang="en-US" dirty="0"/>
+              <a:t>If you look at the first graph, there is an upward trend in prices up to the first part of 2020.  After that there is a slight dip potentially due to Covid-19 as travel demand has decreased significantly due to social distancing.  So after 1 year of the pandemic crisis, the prices slowly goes back up.  </a:t>
+            </a:r>
           </a:p>
           <a:p>
             <a:endParaRPr lang="en-US" dirty="0"/>
@@ -1909,7 +1959,7 @@
     </p:spTree>
     <p:extLst>
       <p:ext uri="{BB962C8B-B14F-4D97-AF65-F5344CB8AC3E}">
-        <p14:creationId xmlns:p14="http://schemas.microsoft.com/office/powerpoint/2010/main" val="3672969067"/>
+        <p14:creationId xmlns:p14="http://schemas.microsoft.com/office/powerpoint/2010/main" val="4017738238"/>
       </p:ext>
     </p:extLst>
   </p:cSld>
@@ -2023,7 +2073,7 @@
     </p:spTree>
     <p:extLst>
       <p:ext uri="{BB962C8B-B14F-4D97-AF65-F5344CB8AC3E}">
-        <p14:creationId xmlns:p14="http://schemas.microsoft.com/office/powerpoint/2010/main" val="2401572066"/>
+        <p14:creationId xmlns:p14="http://schemas.microsoft.com/office/powerpoint/2010/main" val="544332648"/>
       </p:ext>
     </p:extLst>
   </p:cSld>
@@ -2137,7 +2187,7 @@
     </p:spTree>
     <p:extLst>
       <p:ext uri="{BB962C8B-B14F-4D97-AF65-F5344CB8AC3E}">
-        <p14:creationId xmlns:p14="http://schemas.microsoft.com/office/powerpoint/2010/main" val="544332648"/>
+        <p14:creationId xmlns:p14="http://schemas.microsoft.com/office/powerpoint/2010/main" val="2401572066"/>
       </p:ext>
     </p:extLst>
   </p:cSld>
@@ -2903,7 +2953,7 @@
           <a:p>
             <a:r>
               <a:rPr lang="en-US" dirty="0"/>
-              <a:t>Before I go into explaining the modeling process, here are some of our key findings</a:t>
+              <a:t>Before I go into explaining the modeling process, I will explain on some of our key findings.  The different model shows that we cannot just price a unit based on 1 criteria, we need to consider factors like location, the size and the accommodation of the features.  </a:t>
             </a:r>
           </a:p>
           <a:p>
@@ -10895,8 +10945,8 @@
         </p:blipFill>
         <p:spPr>
           <a:xfrm>
-            <a:off x="1037720" y="1851325"/>
-            <a:ext cx="6474114" cy="4310200"/>
+            <a:off x="1231535" y="2022038"/>
+            <a:ext cx="6196589" cy="4125435"/>
           </a:xfrm>
           <a:prstGeom prst="rect">
             <a:avLst/>
@@ -10917,8 +10967,8 @@
         </p:nvSpPr>
         <p:spPr>
           <a:xfrm>
-            <a:off x="6297434" y="1924216"/>
-            <a:ext cx="437321" cy="2671638"/>
+            <a:off x="6247464" y="2114091"/>
+            <a:ext cx="437321" cy="3369503"/>
           </a:xfrm>
           <a:prstGeom prst="rect">
             <a:avLst/>
@@ -10957,10 +11007,10 @@
       </p:sp>
       <p:sp>
         <p:nvSpPr>
-          <p:cNvPr id="3" name="TextBox 2">
-            <a:extLst>
-              <a:ext uri="{FF2B5EF4-FFF2-40B4-BE49-F238E27FC236}">
-                <a16:creationId xmlns:a16="http://schemas.microsoft.com/office/drawing/2014/main" id="{A2F3043E-A0C5-4A9E-9C90-8202325E51B5}"/>
+          <p:cNvPr id="9" name="TextBox 8">
+            <a:extLst>
+              <a:ext uri="{FF2B5EF4-FFF2-40B4-BE49-F238E27FC236}">
+                <a16:creationId xmlns:a16="http://schemas.microsoft.com/office/drawing/2014/main" id="{937D6F92-050C-4888-9B02-E8378744667A}"/>
               </a:ext>
             </a:extLst>
           </p:cNvPr>
@@ -10969,8 +11019,8 @@
         </p:nvSpPr>
         <p:spPr>
           <a:xfrm>
-            <a:off x="7996844" y="2130315"/>
-            <a:ext cx="2313363" cy="1477328"/>
+            <a:off x="8129095" y="2610235"/>
+            <a:ext cx="3356273" cy="2585323"/>
           </a:xfrm>
           <a:prstGeom prst="rect">
             <a:avLst/>
@@ -10983,54 +11033,67 @@
           </a:bodyPr>
           <a:lstStyle/>
           <a:p>
-            <a:pPr marL="342900" indent="-342900">
-              <a:buFont typeface="+mj-lt"/>
-              <a:buAutoNum type="arabicPeriod"/>
+            <a:r>
+              <a:rPr lang="en-US" sz="2400" b="1" dirty="0"/>
+              <a:t>Top 5 Features</a:t>
+            </a:r>
+          </a:p>
+          <a:p>
+            <a:pPr marL="285750" indent="-285750">
+              <a:buFont typeface="Arial" panose="020B0604020202020204" pitchFamily="34" charset="0"/>
+              <a:buChar char="•"/>
             </a:pPr>
             <a:r>
-              <a:rPr lang="en-US" dirty="0"/>
+              <a:rPr lang="en-US" sz="2400" dirty="0"/>
               <a:t>Accommodates</a:t>
             </a:r>
           </a:p>
           <a:p>
-            <a:pPr marL="342900" indent="-342900">
-              <a:buFont typeface="+mj-lt"/>
-              <a:buAutoNum type="arabicPeriod"/>
+            <a:pPr marL="285750" indent="-285750">
+              <a:buFont typeface="Arial" panose="020B0604020202020204" pitchFamily="34" charset="0"/>
+              <a:buChar char="•"/>
             </a:pPr>
             <a:r>
-              <a:rPr lang="en-US" dirty="0"/>
+              <a:rPr lang="en-US" sz="2400" dirty="0"/>
               <a:t>Bedrooms</a:t>
             </a:r>
           </a:p>
           <a:p>
-            <a:pPr marL="342900" indent="-342900">
-              <a:buFont typeface="+mj-lt"/>
-              <a:buAutoNum type="arabicPeriod"/>
+            <a:pPr marL="285750" indent="-285750">
+              <a:buFont typeface="Arial" panose="020B0604020202020204" pitchFamily="34" charset="0"/>
+              <a:buChar char="•"/>
             </a:pPr>
             <a:r>
-              <a:rPr lang="en-US" dirty="0"/>
+              <a:rPr lang="en-US" sz="2400" dirty="0"/>
               <a:t>Beds</a:t>
             </a:r>
           </a:p>
           <a:p>
-            <a:pPr marL="342900" indent="-342900">
-              <a:buFont typeface="+mj-lt"/>
-              <a:buAutoNum type="arabicPeriod"/>
+            <a:pPr marL="285750" indent="-285750">
+              <a:buFont typeface="Arial" panose="020B0604020202020204" pitchFamily="34" charset="0"/>
+              <a:buChar char="•"/>
             </a:pPr>
             <a:r>
-              <a:rPr lang="en-US" dirty="0"/>
-              <a:t>Bathroom</a:t>
-            </a:r>
-          </a:p>
-          <a:p>
-            <a:pPr marL="342900" indent="-342900">
-              <a:buFont typeface="+mj-lt"/>
-              <a:buAutoNum type="arabicPeriod"/>
+              <a:rPr lang="en-US" sz="2400" dirty="0"/>
+              <a:t>Bathrooms</a:t>
+            </a:r>
+          </a:p>
+          <a:p>
+            <a:pPr marL="285750" indent="-285750">
+              <a:buFont typeface="Arial" panose="020B0604020202020204" pitchFamily="34" charset="0"/>
+              <a:buChar char="•"/>
             </a:pPr>
             <a:r>
-              <a:rPr lang="en-US" dirty="0"/>
-              <a:t>Amenities Count</a:t>
-            </a:r>
+              <a:rPr lang="en-US" sz="2400" dirty="0"/>
+              <a:t>Washer</a:t>
+            </a:r>
+          </a:p>
+          <a:p>
+            <a:pPr marL="285750" indent="-285750">
+              <a:buFont typeface="Arial" panose="020B0604020202020204" pitchFamily="34" charset="0"/>
+              <a:buChar char="•"/>
+            </a:pPr>
+            <a:endParaRPr lang="en-CA" dirty="0"/>
           </a:p>
         </p:txBody>
       </p:sp>
@@ -11044,6 +11107,175 @@
   <p:clrMapOvr>
     <a:masterClrMapping/>
   </p:clrMapOvr>
+  <p:timing>
+    <p:tnLst>
+      <p:par>
+        <p:cTn id="1" dur="indefinite" restart="never" nodeType="tmRoot">
+          <p:childTnLst>
+            <p:seq concurrent="1" nextAc="seek">
+              <p:cTn id="2" dur="indefinite" nodeType="mainSeq">
+                <p:childTnLst>
+                  <p:par>
+                    <p:cTn id="3" fill="hold">
+                      <p:stCondLst>
+                        <p:cond delay="indefinite"/>
+                      </p:stCondLst>
+                      <p:childTnLst>
+                        <p:par>
+                          <p:cTn id="4" fill="hold">
+                            <p:stCondLst>
+                              <p:cond delay="0"/>
+                            </p:stCondLst>
+                            <p:childTnLst>
+                              <p:par>
+                                <p:cTn id="5" presetID="1" presetClass="entr" presetSubtype="0" fill="hold" nodeType="clickEffect">
+                                  <p:stCondLst>
+                                    <p:cond delay="0"/>
+                                  </p:stCondLst>
+                                  <p:childTnLst>
+                                    <p:set>
+                                      <p:cBhvr>
+                                        <p:cTn id="6" dur="1" fill="hold">
+                                          <p:stCondLst>
+                                            <p:cond delay="0"/>
+                                          </p:stCondLst>
+                                        </p:cTn>
+                                        <p:tgtEl>
+                                          <p:spTgt spid="5"/>
+                                        </p:tgtEl>
+                                        <p:attrNameLst>
+                                          <p:attrName>style.visibility</p:attrName>
+                                        </p:attrNameLst>
+                                      </p:cBhvr>
+                                      <p:to>
+                                        <p:strVal val="visible"/>
+                                      </p:to>
+                                    </p:set>
+                                  </p:childTnLst>
+                                </p:cTn>
+                              </p:par>
+                            </p:childTnLst>
+                          </p:cTn>
+                        </p:par>
+                      </p:childTnLst>
+                    </p:cTn>
+                  </p:par>
+                  <p:par>
+                    <p:cTn id="7" fill="hold">
+                      <p:stCondLst>
+                        <p:cond delay="indefinite"/>
+                      </p:stCondLst>
+                      <p:childTnLst>
+                        <p:par>
+                          <p:cTn id="8" fill="hold">
+                            <p:stCondLst>
+                              <p:cond delay="0"/>
+                            </p:stCondLst>
+                            <p:childTnLst>
+                              <p:par>
+                                <p:cTn id="9" presetID="1" presetClass="entr" presetSubtype="0" fill="hold" grpId="0" nodeType="clickEffect">
+                                  <p:stCondLst>
+                                    <p:cond delay="0"/>
+                                  </p:stCondLst>
+                                  <p:childTnLst>
+                                    <p:set>
+                                      <p:cBhvr>
+                                        <p:cTn id="10" dur="1" fill="hold">
+                                          <p:stCondLst>
+                                            <p:cond delay="0"/>
+                                          </p:stCondLst>
+                                        </p:cTn>
+                                        <p:tgtEl>
+                                          <p:spTgt spid="7"/>
+                                        </p:tgtEl>
+                                        <p:attrNameLst>
+                                          <p:attrName>style.visibility</p:attrName>
+                                        </p:attrNameLst>
+                                      </p:cBhvr>
+                                      <p:to>
+                                        <p:strVal val="visible"/>
+                                      </p:to>
+                                    </p:set>
+                                  </p:childTnLst>
+                                </p:cTn>
+                              </p:par>
+                            </p:childTnLst>
+                          </p:cTn>
+                        </p:par>
+                      </p:childTnLst>
+                    </p:cTn>
+                  </p:par>
+                  <p:par>
+                    <p:cTn id="11" fill="hold">
+                      <p:stCondLst>
+                        <p:cond delay="indefinite"/>
+                      </p:stCondLst>
+                      <p:childTnLst>
+                        <p:par>
+                          <p:cTn id="12" fill="hold">
+                            <p:stCondLst>
+                              <p:cond delay="0"/>
+                            </p:stCondLst>
+                            <p:childTnLst>
+                              <p:par>
+                                <p:cTn id="13" presetID="1" presetClass="entr" presetSubtype="0" fill="hold" grpId="0" nodeType="clickEffect">
+                                  <p:stCondLst>
+                                    <p:cond delay="0"/>
+                                  </p:stCondLst>
+                                  <p:childTnLst>
+                                    <p:set>
+                                      <p:cBhvr>
+                                        <p:cTn id="14" dur="1" fill="hold">
+                                          <p:stCondLst>
+                                            <p:cond delay="0"/>
+                                          </p:stCondLst>
+                                        </p:cTn>
+                                        <p:tgtEl>
+                                          <p:spTgt spid="9"/>
+                                        </p:tgtEl>
+                                        <p:attrNameLst>
+                                          <p:attrName>style.visibility</p:attrName>
+                                        </p:attrNameLst>
+                                      </p:cBhvr>
+                                      <p:to>
+                                        <p:strVal val="visible"/>
+                                      </p:to>
+                                    </p:set>
+                                  </p:childTnLst>
+                                </p:cTn>
+                              </p:par>
+                            </p:childTnLst>
+                          </p:cTn>
+                        </p:par>
+                      </p:childTnLst>
+                    </p:cTn>
+                  </p:par>
+                </p:childTnLst>
+              </p:cTn>
+              <p:prevCondLst>
+                <p:cond evt="onPrev" delay="0">
+                  <p:tgtEl>
+                    <p:sldTgt/>
+                  </p:tgtEl>
+                </p:cond>
+              </p:prevCondLst>
+              <p:nextCondLst>
+                <p:cond evt="onNext" delay="0">
+                  <p:tgtEl>
+                    <p:sldTgt/>
+                  </p:tgtEl>
+                </p:cond>
+              </p:nextCondLst>
+            </p:seq>
+          </p:childTnLst>
+        </p:cTn>
+      </p:par>
+    </p:tnLst>
+    <p:bldLst>
+      <p:bldP spid="7" grpId="0" animBg="1"/>
+      <p:bldP spid="9" grpId="0"/>
+    </p:bldLst>
+  </p:timing>
 </p:sld>
 </file>
 
@@ -11098,7 +11330,7 @@
                   <a:srgbClr val="EA5E46"/>
                 </a:solidFill>
               </a:rPr>
-              <a:t>Model Results - Features</a:t>
+              <a:t>Model Results – Features Importance</a:t>
             </a:r>
           </a:p>
         </p:txBody>
@@ -11215,7 +11447,7 @@
         </p:blipFill>
         <p:spPr>
           <a:xfrm>
-            <a:off x="6096000" y="1914369"/>
+            <a:off x="5757797" y="2415410"/>
             <a:ext cx="5158438" cy="2959635"/>
           </a:xfrm>
           <a:prstGeom prst="rect">
@@ -11245,7 +11477,7 @@
         </p:blipFill>
         <p:spPr>
           <a:xfrm>
-            <a:off x="773387" y="1952242"/>
+            <a:off x="435184" y="2453283"/>
             <a:ext cx="5234522" cy="2959635"/>
           </a:xfrm>
           <a:prstGeom prst="rect">
@@ -11253,6 +11485,42 @@
           </a:prstGeom>
         </p:spPr>
       </p:pic>
+      <p:sp>
+        <p:nvSpPr>
+          <p:cNvPr id="3" name="TextBox 2">
+            <a:extLst>
+              <a:ext uri="{FF2B5EF4-FFF2-40B4-BE49-F238E27FC236}">
+                <a16:creationId xmlns:a16="http://schemas.microsoft.com/office/drawing/2014/main" id="{6509C95F-3EE0-477E-9CEF-9C06E3B91B50}"/>
+              </a:ext>
+            </a:extLst>
+          </p:cNvPr>
+          <p:cNvSpPr txBox="1"/>
+          <p:nvPr/>
+        </p:nvSpPr>
+        <p:spPr>
+          <a:xfrm>
+            <a:off x="713984" y="5611660"/>
+            <a:ext cx="9557358" cy="369332"/>
+          </a:xfrm>
+          <a:prstGeom prst="rect">
+            <a:avLst/>
+          </a:prstGeom>
+          <a:noFill/>
+        </p:spPr>
+        <p:txBody>
+          <a:bodyPr wrap="square" rtlCol="0">
+            <a:spAutoFit/>
+          </a:bodyPr>
+          <a:lstStyle/>
+          <a:p>
+            <a:r>
+              <a:rPr lang="en-US" dirty="0"/>
+              <a:t>Room Types, location and accommodations are some of the most important features.</a:t>
+            </a:r>
+            <a:endParaRPr lang="en-CA" dirty="0"/>
+          </a:p>
+        </p:txBody>
+      </p:sp>
     </p:spTree>
     <p:extLst>
       <p:ext uri="{BB962C8B-B14F-4D97-AF65-F5344CB8AC3E}">
@@ -11455,6 +11723,42 @@
           </a:prstGeom>
         </p:spPr>
       </p:pic>
+      <p:sp>
+        <p:nvSpPr>
+          <p:cNvPr id="3" name="TextBox 2">
+            <a:extLst>
+              <a:ext uri="{FF2B5EF4-FFF2-40B4-BE49-F238E27FC236}">
+                <a16:creationId xmlns:a16="http://schemas.microsoft.com/office/drawing/2014/main" id="{5CF3346D-03F6-4289-AAAF-32CF6964219B}"/>
+              </a:ext>
+            </a:extLst>
+          </p:cNvPr>
+          <p:cNvSpPr txBox="1"/>
+          <p:nvPr/>
+        </p:nvSpPr>
+        <p:spPr>
+          <a:xfrm>
+            <a:off x="6496334" y="3152633"/>
+            <a:ext cx="3084394" cy="646331"/>
+          </a:xfrm>
+          <a:prstGeom prst="rect">
+            <a:avLst/>
+          </a:prstGeom>
+          <a:noFill/>
+        </p:spPr>
+        <p:txBody>
+          <a:bodyPr wrap="square" rtlCol="0">
+            <a:spAutoFit/>
+          </a:bodyPr>
+          <a:lstStyle/>
+          <a:p>
+            <a:r>
+              <a:rPr lang="en-US" dirty="0"/>
+              <a:t>Fix this slide with legends &amp; description</a:t>
+            </a:r>
+            <a:endParaRPr lang="en-CA" dirty="0"/>
+          </a:p>
+        </p:txBody>
+      </p:sp>
     </p:spTree>
     <p:extLst>
       <p:ext uri="{BB962C8B-B14F-4D97-AF65-F5344CB8AC3E}">
@@ -11519,7 +11823,7 @@
                   <a:srgbClr val="EA5E46"/>
                 </a:solidFill>
               </a:rPr>
-              <a:t>Model Results – Trends &amp; Seasonality</a:t>
+              <a:t>Model Results – Predict the Future</a:t>
             </a:r>
           </a:p>
         </p:txBody>
@@ -11619,7 +11923,7 @@
           <p:cNvPr id="4" name="Picture 3" descr="Chart&#10;&#10;Description automatically generated">
             <a:extLst>
               <a:ext uri="{FF2B5EF4-FFF2-40B4-BE49-F238E27FC236}">
-                <a16:creationId xmlns:a16="http://schemas.microsoft.com/office/drawing/2014/main" id="{7121DC31-8812-4B0A-B617-0282A4548A46}"/>
+                <a16:creationId xmlns:a16="http://schemas.microsoft.com/office/drawing/2014/main" id="{EFD90DCF-FFB1-4890-97D3-C58A8610BA8C}"/>
               </a:ext>
             </a:extLst>
           </p:cNvPr>
@@ -11636,18 +11940,325 @@
         </p:blipFill>
         <p:spPr>
           <a:xfrm>
-            <a:off x="975854" y="1858468"/>
-            <a:ext cx="3523671" cy="4727684"/>
+            <a:off x="2166447" y="1947483"/>
+            <a:ext cx="7716313" cy="4595107"/>
           </a:xfrm>
           <a:prstGeom prst="rect">
             <a:avLst/>
           </a:prstGeom>
         </p:spPr>
       </p:pic>
+      <p:sp>
+        <p:nvSpPr>
+          <p:cNvPr id="5" name="Rectangle 4">
+            <a:extLst>
+              <a:ext uri="{FF2B5EF4-FFF2-40B4-BE49-F238E27FC236}">
+                <a16:creationId xmlns:a16="http://schemas.microsoft.com/office/drawing/2014/main" id="{2E1215A8-7BE0-4356-8BA0-4A64099022D8}"/>
+              </a:ext>
+            </a:extLst>
+          </p:cNvPr>
+          <p:cNvSpPr/>
+          <p:nvPr/>
+        </p:nvSpPr>
+        <p:spPr>
+          <a:xfrm>
+            <a:off x="6003384" y="5582070"/>
+            <a:ext cx="2107513" cy="436680"/>
+          </a:xfrm>
+          <a:prstGeom prst="rect">
+            <a:avLst/>
+          </a:prstGeom>
+          <a:noFill/>
+          <a:ln>
+            <a:noFill/>
+          </a:ln>
+        </p:spPr>
+        <p:style>
+          <a:lnRef idx="2">
+            <a:schemeClr val="accent1">
+              <a:shade val="50000"/>
+            </a:schemeClr>
+          </a:lnRef>
+          <a:fillRef idx="1">
+            <a:schemeClr val="accent1"/>
+          </a:fillRef>
+          <a:effectRef idx="0">
+            <a:schemeClr val="accent1"/>
+          </a:effectRef>
+          <a:fontRef idx="minor">
+            <a:schemeClr val="lt1"/>
+          </a:fontRef>
+        </p:style>
+        <p:txBody>
+          <a:bodyPr rtlCol="0" anchor="ctr"/>
+          <a:lstStyle/>
+          <a:p>
+            <a:pPr algn="ctr"/>
+            <a:r>
+              <a:rPr lang="en-US" sz="1600" b="1" dirty="0">
+                <a:solidFill>
+                  <a:schemeClr val="tx1"/>
+                </a:solidFill>
+              </a:rPr>
+              <a:t>2. Downward Trend</a:t>
+            </a:r>
+            <a:endParaRPr lang="en-CA" sz="1600" b="1" dirty="0">
+              <a:solidFill>
+                <a:schemeClr val="tx1"/>
+              </a:solidFill>
+            </a:endParaRPr>
+          </a:p>
+        </p:txBody>
+      </p:sp>
+      <p:cxnSp>
+        <p:nvCxnSpPr>
+          <p:cNvPr id="10" name="Straight Arrow Connector 9">
+            <a:extLst>
+              <a:ext uri="{FF2B5EF4-FFF2-40B4-BE49-F238E27FC236}">
+                <a16:creationId xmlns:a16="http://schemas.microsoft.com/office/drawing/2014/main" id="{02B51C1E-AFB6-4F36-9667-D4D4FC9DFBD4}"/>
+              </a:ext>
+            </a:extLst>
+          </p:cNvPr>
+          <p:cNvCxnSpPr>
+            <a:cxnSpLocks/>
+          </p:cNvCxnSpPr>
+          <p:nvPr/>
+        </p:nvCxnSpPr>
+        <p:spPr>
+          <a:xfrm flipV="1">
+            <a:off x="2898241" y="4512281"/>
+            <a:ext cx="3432221" cy="909734"/>
+          </a:xfrm>
+          <a:prstGeom prst="straightConnector1">
+            <a:avLst/>
+          </a:prstGeom>
+          <a:ln>
+            <a:tailEnd type="triangle"/>
+          </a:ln>
+        </p:spPr>
+        <p:style>
+          <a:lnRef idx="1">
+            <a:schemeClr val="accent1"/>
+          </a:lnRef>
+          <a:fillRef idx="0">
+            <a:schemeClr val="accent1"/>
+          </a:fillRef>
+          <a:effectRef idx="0">
+            <a:schemeClr val="accent1"/>
+          </a:effectRef>
+          <a:fontRef idx="minor">
+            <a:schemeClr val="tx1"/>
+          </a:fontRef>
+        </p:style>
+      </p:cxnSp>
+      <p:cxnSp>
+        <p:nvCxnSpPr>
+          <p:cNvPr id="13" name="Straight Arrow Connector 12">
+            <a:extLst>
+              <a:ext uri="{FF2B5EF4-FFF2-40B4-BE49-F238E27FC236}">
+                <a16:creationId xmlns:a16="http://schemas.microsoft.com/office/drawing/2014/main" id="{32C4B5B3-31F4-4CB1-9C09-402CEC3528A5}"/>
+              </a:ext>
+            </a:extLst>
+          </p:cNvPr>
+          <p:cNvCxnSpPr>
+            <a:cxnSpLocks/>
+          </p:cNvCxnSpPr>
+          <p:nvPr/>
+        </p:nvCxnSpPr>
+        <p:spPr>
+          <a:xfrm>
+            <a:off x="6459415" y="4516871"/>
+            <a:ext cx="1148862" cy="694458"/>
+          </a:xfrm>
+          <a:prstGeom prst="straightConnector1">
+            <a:avLst/>
+          </a:prstGeom>
+          <a:ln>
+            <a:tailEnd type="triangle"/>
+          </a:ln>
+        </p:spPr>
+        <p:style>
+          <a:lnRef idx="1">
+            <a:schemeClr val="accent1"/>
+          </a:lnRef>
+          <a:fillRef idx="0">
+            <a:schemeClr val="accent1"/>
+          </a:fillRef>
+          <a:effectRef idx="0">
+            <a:schemeClr val="accent1"/>
+          </a:effectRef>
+          <a:fontRef idx="minor">
+            <a:schemeClr val="tx1"/>
+          </a:fontRef>
+        </p:style>
+      </p:cxnSp>
+      <p:cxnSp>
+        <p:nvCxnSpPr>
+          <p:cNvPr id="19" name="Straight Arrow Connector 18">
+            <a:extLst>
+              <a:ext uri="{FF2B5EF4-FFF2-40B4-BE49-F238E27FC236}">
+                <a16:creationId xmlns:a16="http://schemas.microsoft.com/office/drawing/2014/main" id="{FB50FF0B-BB31-4DFF-A8F8-D9B8D6934C60}"/>
+              </a:ext>
+            </a:extLst>
+          </p:cNvPr>
+          <p:cNvCxnSpPr/>
+          <p:nvPr/>
+        </p:nvCxnSpPr>
+        <p:spPr>
+          <a:xfrm flipV="1">
+            <a:off x="7819292" y="5027199"/>
+            <a:ext cx="1688123" cy="99778"/>
+          </a:xfrm>
+          <a:prstGeom prst="straightConnector1">
+            <a:avLst/>
+          </a:prstGeom>
+          <a:ln>
+            <a:tailEnd type="triangle"/>
+          </a:ln>
+        </p:spPr>
+        <p:style>
+          <a:lnRef idx="1">
+            <a:schemeClr val="accent1"/>
+          </a:lnRef>
+          <a:fillRef idx="0">
+            <a:schemeClr val="accent1"/>
+          </a:fillRef>
+          <a:effectRef idx="0">
+            <a:schemeClr val="accent1"/>
+          </a:effectRef>
+          <a:fontRef idx="minor">
+            <a:schemeClr val="tx1"/>
+          </a:fontRef>
+        </p:style>
+      </p:cxnSp>
+      <p:sp>
+        <p:nvSpPr>
+          <p:cNvPr id="21" name="Rectangle 20">
+            <a:extLst>
+              <a:ext uri="{FF2B5EF4-FFF2-40B4-BE49-F238E27FC236}">
+                <a16:creationId xmlns:a16="http://schemas.microsoft.com/office/drawing/2014/main" id="{8E105B1A-73D9-4834-A8DD-F0856EE75673}"/>
+              </a:ext>
+            </a:extLst>
+          </p:cNvPr>
+          <p:cNvSpPr/>
+          <p:nvPr/>
+        </p:nvSpPr>
+        <p:spPr>
+          <a:xfrm>
+            <a:off x="2802231" y="5582070"/>
+            <a:ext cx="2107513" cy="436680"/>
+          </a:xfrm>
+          <a:prstGeom prst="rect">
+            <a:avLst/>
+          </a:prstGeom>
+          <a:noFill/>
+          <a:ln>
+            <a:noFill/>
+          </a:ln>
+        </p:spPr>
+        <p:style>
+          <a:lnRef idx="2">
+            <a:schemeClr val="accent1">
+              <a:shade val="50000"/>
+            </a:schemeClr>
+          </a:lnRef>
+          <a:fillRef idx="1">
+            <a:schemeClr val="accent1"/>
+          </a:fillRef>
+          <a:effectRef idx="0">
+            <a:schemeClr val="accent1"/>
+          </a:effectRef>
+          <a:fontRef idx="minor">
+            <a:schemeClr val="lt1"/>
+          </a:fontRef>
+        </p:style>
+        <p:txBody>
+          <a:bodyPr rtlCol="0" anchor="ctr"/>
+          <a:lstStyle/>
+          <a:p>
+            <a:pPr algn="ctr"/>
+            <a:r>
+              <a:rPr lang="en-US" sz="1600" b="1" dirty="0">
+                <a:solidFill>
+                  <a:schemeClr val="tx1"/>
+                </a:solidFill>
+              </a:rPr>
+              <a:t>1. Upward Trend</a:t>
+            </a:r>
+            <a:endParaRPr lang="en-CA" sz="1600" b="1" dirty="0">
+              <a:solidFill>
+                <a:schemeClr val="tx1"/>
+              </a:solidFill>
+            </a:endParaRPr>
+          </a:p>
+        </p:txBody>
+      </p:sp>
+      <p:sp>
+        <p:nvSpPr>
+          <p:cNvPr id="22" name="Rectangle 21">
+            <a:extLst>
+              <a:ext uri="{FF2B5EF4-FFF2-40B4-BE49-F238E27FC236}">
+                <a16:creationId xmlns:a16="http://schemas.microsoft.com/office/drawing/2014/main" id="{8815FD4B-DBDD-41ED-955E-C24E5DCEAE90}"/>
+              </a:ext>
+            </a:extLst>
+          </p:cNvPr>
+          <p:cNvSpPr/>
+          <p:nvPr/>
+        </p:nvSpPr>
+        <p:spPr>
+          <a:xfrm>
+            <a:off x="7819292" y="5582070"/>
+            <a:ext cx="2107513" cy="436680"/>
+          </a:xfrm>
+          <a:prstGeom prst="rect">
+            <a:avLst/>
+          </a:prstGeom>
+          <a:noFill/>
+          <a:ln>
+            <a:noFill/>
+          </a:ln>
+        </p:spPr>
+        <p:style>
+          <a:lnRef idx="2">
+            <a:schemeClr val="accent1">
+              <a:shade val="50000"/>
+            </a:schemeClr>
+          </a:lnRef>
+          <a:fillRef idx="1">
+            <a:schemeClr val="accent1"/>
+          </a:fillRef>
+          <a:effectRef idx="0">
+            <a:schemeClr val="accent1"/>
+          </a:effectRef>
+          <a:fontRef idx="minor">
+            <a:schemeClr val="lt1"/>
+          </a:fontRef>
+        </p:style>
+        <p:txBody>
+          <a:bodyPr rtlCol="0" anchor="ctr"/>
+          <a:lstStyle/>
+          <a:p>
+            <a:pPr algn="ctr"/>
+            <a:r>
+              <a:rPr lang="en-US" sz="1600" b="1" dirty="0">
+                <a:solidFill>
+                  <a:schemeClr val="tx1"/>
+                </a:solidFill>
+              </a:rPr>
+              <a:t>3.  Slight Increase</a:t>
+            </a:r>
+            <a:endParaRPr lang="en-CA" sz="1600" b="1" dirty="0">
+              <a:solidFill>
+                <a:schemeClr val="tx1"/>
+              </a:solidFill>
+            </a:endParaRPr>
+          </a:p>
+        </p:txBody>
+      </p:sp>
     </p:spTree>
     <p:extLst>
       <p:ext uri="{BB962C8B-B14F-4D97-AF65-F5344CB8AC3E}">
-        <p14:creationId xmlns:p14="http://schemas.microsoft.com/office/powerpoint/2010/main" val="2252165630"/>
+        <p14:creationId xmlns:p14="http://schemas.microsoft.com/office/powerpoint/2010/main" val="745515619"/>
       </p:ext>
     </p:extLst>
   </p:cSld>
@@ -11867,7 +12478,7 @@
                   <a:srgbClr val="EA5E46"/>
                 </a:solidFill>
               </a:rPr>
-              <a:t>Model Results – Predict the Future</a:t>
+              <a:t>Model Results – Trends &amp; Seasonality</a:t>
             </a:r>
           </a:p>
         </p:txBody>
@@ -11967,7 +12578,7 @@
           <p:cNvPr id="4" name="Picture 3" descr="Chart&#10;&#10;Description automatically generated">
             <a:extLst>
               <a:ext uri="{FF2B5EF4-FFF2-40B4-BE49-F238E27FC236}">
-                <a16:creationId xmlns:a16="http://schemas.microsoft.com/office/drawing/2014/main" id="{EFD90DCF-FFB1-4890-97D3-C58A8610BA8C}"/>
+                <a16:creationId xmlns:a16="http://schemas.microsoft.com/office/drawing/2014/main" id="{7121DC31-8812-4B0A-B617-0282A4548A46}"/>
               </a:ext>
             </a:extLst>
           </p:cNvPr>
@@ -11976,26 +12587,104 @@
           </p:cNvPicPr>
           <p:nvPr/>
         </p:nvPicPr>
-        <p:blipFill>
+        <p:blipFill rotWithShape="1">
           <a:blip r:embed="rId4"/>
-          <a:stretch>
-            <a:fillRect/>
-          </a:stretch>
+          <a:srcRect t="24365"/>
+          <a:stretch/>
         </p:blipFill>
         <p:spPr>
           <a:xfrm>
-            <a:off x="2166241" y="2043452"/>
-            <a:ext cx="7137969" cy="4250700"/>
+            <a:off x="975854" y="1918986"/>
+            <a:ext cx="4180733" cy="4242535"/>
           </a:xfrm>
           <a:prstGeom prst="rect">
             <a:avLst/>
           </a:prstGeom>
         </p:spPr>
       </p:pic>
+      <p:sp>
+        <p:nvSpPr>
+          <p:cNvPr id="3" name="TextBox 2">
+            <a:extLst>
+              <a:ext uri="{FF2B5EF4-FFF2-40B4-BE49-F238E27FC236}">
+                <a16:creationId xmlns:a16="http://schemas.microsoft.com/office/drawing/2014/main" id="{039173C1-AFDE-4474-B4EF-1A9AF37BB2F5}"/>
+              </a:ext>
+            </a:extLst>
+          </p:cNvPr>
+          <p:cNvSpPr txBox="1"/>
+          <p:nvPr/>
+        </p:nvSpPr>
+        <p:spPr>
+          <a:xfrm>
+            <a:off x="5735226" y="1891177"/>
+            <a:ext cx="6127844" cy="4401205"/>
+          </a:xfrm>
+          <a:prstGeom prst="rect">
+            <a:avLst/>
+          </a:prstGeom>
+          <a:noFill/>
+        </p:spPr>
+        <p:txBody>
+          <a:bodyPr wrap="square" rtlCol="0">
+            <a:spAutoFit/>
+          </a:bodyPr>
+          <a:lstStyle/>
+          <a:p>
+            <a:pPr marL="457200" indent="-457200">
+              <a:buFont typeface="Arial" panose="020B0604020202020204" pitchFamily="34" charset="0"/>
+              <a:buChar char="•"/>
+            </a:pPr>
+            <a:r>
+              <a:rPr lang="en-CA" sz="2800" dirty="0"/>
+              <a:t>Peak seasons are summer and Christmas.</a:t>
+            </a:r>
+          </a:p>
+          <a:p>
+            <a:pPr marL="457200" indent="-457200">
+              <a:buFont typeface="Arial" panose="020B0604020202020204" pitchFamily="34" charset="0"/>
+              <a:buChar char="•"/>
+            </a:pPr>
+            <a:r>
+              <a:rPr lang="en-CA" sz="2800" dirty="0"/>
+              <a:t>Having a public holiday close to the weekend increase the rates too.</a:t>
+            </a:r>
+          </a:p>
+          <a:p>
+            <a:pPr marL="457200" indent="-457200">
+              <a:buFont typeface="Arial" panose="020B0604020202020204" pitchFamily="34" charset="0"/>
+              <a:buChar char="•"/>
+            </a:pPr>
+            <a:r>
+              <a:rPr lang="en-CA" sz="2800" dirty="0"/>
+              <a:t>Weekends have the highest rates during the week.</a:t>
+            </a:r>
+          </a:p>
+          <a:p>
+            <a:pPr marL="457200" indent="-457200">
+              <a:buFont typeface="Arial" panose="020B0604020202020204" pitchFamily="34" charset="0"/>
+              <a:buChar char="•"/>
+            </a:pPr>
+            <a:r>
+              <a:rPr lang="en-CA" sz="2800" dirty="0"/>
+              <a:t>Rates drop significantly during the coldest months of the year.</a:t>
+            </a:r>
+          </a:p>
+          <a:p>
+            <a:pPr marL="457200" indent="-457200">
+              <a:buFont typeface="Arial" panose="020B0604020202020204" pitchFamily="34" charset="0"/>
+              <a:buChar char="•"/>
+            </a:pPr>
+            <a:endParaRPr lang="en-CA" sz="2800" dirty="0"/>
+          </a:p>
+          <a:p>
+            <a:endParaRPr lang="en-CA" sz="2800" dirty="0"/>
+          </a:p>
+        </p:txBody>
+      </p:sp>
     </p:spTree>
     <p:extLst>
       <p:ext uri="{BB962C8B-B14F-4D97-AF65-F5344CB8AC3E}">
-        <p14:creationId xmlns:p14="http://schemas.microsoft.com/office/powerpoint/2010/main" val="745515619"/>
+        <p14:creationId xmlns:p14="http://schemas.microsoft.com/office/powerpoint/2010/main" val="2252165630"/>
       </p:ext>
     </p:extLst>
   </p:cSld>
@@ -12056,7 +12745,7 @@
                   <a:srgbClr val="EA5E46"/>
                 </a:solidFill>
               </a:rPr>
-              <a:t>Pricing Considerations</a:t>
+              <a:t>Final Price Predictor Model</a:t>
             </a:r>
           </a:p>
         </p:txBody>
@@ -12165,8 +12854,8 @@
         </p:nvSpPr>
         <p:spPr>
           <a:xfrm>
-            <a:off x="1055716" y="2073264"/>
-            <a:ext cx="8537171" cy="3693319"/>
+            <a:off x="872836" y="2228671"/>
+            <a:ext cx="8537171" cy="1754326"/>
           </a:xfrm>
           <a:prstGeom prst="rect">
             <a:avLst/>
@@ -12179,105 +12868,68 @@
           </a:bodyPr>
           <a:lstStyle/>
           <a:p>
-            <a:r>
-              <a:rPr lang="en-CA" b="1" dirty="0"/>
-              <a:t>In Order of Importance</a:t>
-            </a:r>
-          </a:p>
-          <a:p>
             <a:pPr marL="285750" indent="-285750">
               <a:buFont typeface="Arial" panose="020B0604020202020204" pitchFamily="34" charset="0"/>
               <a:buChar char="•"/>
             </a:pPr>
-            <a:endParaRPr lang="en-CA" dirty="0"/>
-          </a:p>
-          <a:p>
-            <a:pPr marL="285750" indent="-285750">
+            <a:r>
+              <a:rPr lang="en-US" dirty="0"/>
+              <a:t>Modified Facebook Prophet Model that predict prices :</a:t>
+            </a:r>
+          </a:p>
+          <a:p>
+            <a:pPr marL="742950" lvl="1" indent="-285750">
               <a:buFont typeface="Arial" panose="020B0604020202020204" pitchFamily="34" charset="0"/>
               <a:buChar char="•"/>
             </a:pPr>
             <a:r>
-              <a:rPr lang="en-CA" dirty="0"/>
-              <a:t>Price the units at different rates during different times of the year.</a:t>
-            </a:r>
-          </a:p>
-          <a:p>
-            <a:pPr marL="285750" indent="-285750">
+              <a:rPr lang="en-US" dirty="0"/>
+              <a:t>From 2017 - 2023</a:t>
+            </a:r>
+          </a:p>
+          <a:p>
+            <a:pPr marL="742950" lvl="1" indent="-285750">
               <a:buFont typeface="Arial" panose="020B0604020202020204" pitchFamily="34" charset="0"/>
               <a:buChar char="•"/>
             </a:pPr>
-            <a:endParaRPr lang="en-CA" dirty="0"/>
-          </a:p>
-          <a:p>
-            <a:pPr marL="285750" indent="-285750">
+            <a:r>
+              <a:rPr lang="en-US" dirty="0"/>
+              <a:t>By Boroughs</a:t>
+            </a:r>
+          </a:p>
+          <a:p>
+            <a:pPr marL="742950" lvl="1" indent="-285750">
               <a:buFont typeface="Arial" panose="020B0604020202020204" pitchFamily="34" charset="0"/>
               <a:buChar char="•"/>
             </a:pPr>
             <a:r>
-              <a:rPr lang="en-CA" dirty="0"/>
-              <a:t>Hosts can determine the pricing range based on the location and the size of their unit.</a:t>
-            </a:r>
-          </a:p>
-          <a:p>
-            <a:pPr marL="285750" indent="-285750">
+              <a:rPr lang="en-US" dirty="0"/>
+              <a:t>By Room Type</a:t>
+            </a:r>
+          </a:p>
+          <a:p>
+            <a:pPr marL="742950" lvl="1" indent="-285750">
               <a:buFont typeface="Arial" panose="020B0604020202020204" pitchFamily="34" charset="0"/>
               <a:buChar char="•"/>
             </a:pPr>
-            <a:endParaRPr lang="en-CA" dirty="0"/>
-          </a:p>
-          <a:p>
-            <a:pPr marL="285750" indent="-285750">
+            <a:endParaRPr lang="en-US" dirty="0"/>
+          </a:p>
+          <a:p>
+            <a:pPr marL="742950" lvl="1" indent="-285750">
               <a:buFont typeface="Arial" panose="020B0604020202020204" pitchFamily="34" charset="0"/>
               <a:buChar char="•"/>
             </a:pPr>
             <a:r>
-              <a:rPr lang="en-CA" dirty="0"/>
-              <a:t>Prices can increase with more bedrooms &amp; bathrooms.</a:t>
-            </a:r>
-          </a:p>
-          <a:p>
-            <a:pPr marL="285750" indent="-285750">
-              <a:buFont typeface="Arial" panose="020B0604020202020204" pitchFamily="34" charset="0"/>
-              <a:buChar char="•"/>
-            </a:pPr>
-            <a:endParaRPr lang="en-CA" dirty="0"/>
-          </a:p>
-          <a:p>
-            <a:pPr marL="285750" indent="-285750">
-              <a:buFont typeface="Arial" panose="020B0604020202020204" pitchFamily="34" charset="0"/>
-              <a:buChar char="•"/>
-            </a:pPr>
-            <a:r>
-              <a:rPr lang="en-CA" dirty="0"/>
-              <a:t>Hosts can charge a bit more by providing more amenities.</a:t>
-            </a:r>
-          </a:p>
-          <a:p>
-            <a:pPr marL="285750" indent="-285750">
-              <a:buFont typeface="Arial" panose="020B0604020202020204" pitchFamily="34" charset="0"/>
-              <a:buChar char="•"/>
-            </a:pPr>
-            <a:endParaRPr lang="en-CA" dirty="0"/>
-          </a:p>
-          <a:p>
-            <a:pPr marL="285750" indent="-285750">
-              <a:buFont typeface="Arial" panose="020B0604020202020204" pitchFamily="34" charset="0"/>
-              <a:buChar char="•"/>
-            </a:pPr>
-            <a:r>
-              <a:rPr lang="en-CA" dirty="0"/>
-              <a:t>Do extensive research on how neighbours price their units considering the room type they have.</a:t>
-            </a:r>
-          </a:p>
-          <a:p>
-            <a:endParaRPr lang="en-CA" dirty="0"/>
+              <a:rPr lang="en-US" dirty="0"/>
+              <a:t>Show Dashboard Image</a:t>
+            </a:r>
           </a:p>
         </p:txBody>
       </p:sp>
     </p:spTree>
     <p:extLst>
       <p:ext uri="{BB962C8B-B14F-4D97-AF65-F5344CB8AC3E}">
-        <p14:creationId xmlns:p14="http://schemas.microsoft.com/office/powerpoint/2010/main" val="1843293363"/>
+        <p14:creationId xmlns:p14="http://schemas.microsoft.com/office/powerpoint/2010/main" val="3921467598"/>
       </p:ext>
     </p:extLst>
   </p:cSld>
@@ -12338,7 +12990,7 @@
                   <a:srgbClr val="EA5E46"/>
                 </a:solidFill>
               </a:rPr>
-              <a:t>Final Price Predictor Model</a:t>
+              <a:t>Pricing Considerations for NYC Airbnb Hosts</a:t>
             </a:r>
           </a:p>
         </p:txBody>
@@ -12407,7 +13059,7 @@
         <p:spPr>
           <a:xfrm>
             <a:off x="975854" y="1684830"/>
-            <a:ext cx="9518745" cy="1"/>
+            <a:ext cx="10685582" cy="1"/>
           </a:xfrm>
           <a:prstGeom prst="line">
             <a:avLst/>
@@ -12447,8 +13099,8 @@
         </p:nvSpPr>
         <p:spPr>
           <a:xfrm>
-            <a:off x="872836" y="2228671"/>
-            <a:ext cx="8537171" cy="1754326"/>
+            <a:off x="1055716" y="2073264"/>
+            <a:ext cx="8537171" cy="3970318"/>
           </a:xfrm>
           <a:prstGeom prst="rect">
             <a:avLst/>
@@ -12466,63 +13118,83 @@
               <a:buChar char="•"/>
             </a:pPr>
             <a:r>
-              <a:rPr lang="en-US" dirty="0"/>
-              <a:t>Modified Facebook Prophet Model that predict prices :</a:t>
-            </a:r>
-          </a:p>
-          <a:p>
-            <a:pPr marL="742950" lvl="1" indent="-285750">
+              <a:rPr lang="en-CA" dirty="0"/>
+              <a:t>Maximize revenue by increasing rates during normal and long weekends, summer months, and holidays like Christmas.</a:t>
+            </a:r>
+          </a:p>
+          <a:p>
+            <a:endParaRPr lang="en-CA" dirty="0"/>
+          </a:p>
+          <a:p>
+            <a:pPr marL="285750" indent="-285750">
               <a:buFont typeface="Arial" panose="020B0604020202020204" pitchFamily="34" charset="0"/>
               <a:buChar char="•"/>
             </a:pPr>
             <a:r>
-              <a:rPr lang="en-US" dirty="0"/>
-              <a:t>From 2017 - 2023</a:t>
-            </a:r>
-          </a:p>
-          <a:p>
-            <a:pPr marL="742950" lvl="1" indent="-285750">
+              <a:rPr lang="en-CA" dirty="0"/>
+              <a:t>Rates in boroughs like Manhattan and Brooklyn have the higher rates as it is the central part of New York City.</a:t>
+            </a:r>
+          </a:p>
+          <a:p>
+            <a:pPr marL="285750" indent="-285750">
               <a:buFont typeface="Arial" panose="020B0604020202020204" pitchFamily="34" charset="0"/>
               <a:buChar char="•"/>
             </a:pPr>
-            <a:r>
-              <a:rPr lang="en-US" dirty="0"/>
-              <a:t>By Boroughs</a:t>
-            </a:r>
-          </a:p>
-          <a:p>
-            <a:pPr marL="742950" lvl="1" indent="-285750">
+            <a:endParaRPr lang="en-CA" dirty="0"/>
+          </a:p>
+          <a:p>
+            <a:pPr marL="285750" indent="-285750">
               <a:buFont typeface="Arial" panose="020B0604020202020204" pitchFamily="34" charset="0"/>
               <a:buChar char="•"/>
             </a:pPr>
             <a:r>
-              <a:rPr lang="en-US" dirty="0"/>
-              <a:t>By Room Type</a:t>
-            </a:r>
-          </a:p>
-          <a:p>
-            <a:pPr marL="742950" lvl="1" indent="-285750">
+              <a:rPr lang="en-CA" dirty="0"/>
+              <a:t>Do extensive research on how neighbours price their units considering the room type they have.</a:t>
+            </a:r>
+          </a:p>
+          <a:p>
+            <a:pPr marL="285750" indent="-285750">
               <a:buFont typeface="Arial" panose="020B0604020202020204" pitchFamily="34" charset="0"/>
               <a:buChar char="•"/>
             </a:pPr>
-            <a:endParaRPr lang="en-US" dirty="0"/>
-          </a:p>
-          <a:p>
-            <a:pPr marL="742950" lvl="1" indent="-285750">
+            <a:endParaRPr lang="en-CA" dirty="0"/>
+          </a:p>
+          <a:p>
+            <a:pPr marL="285750" indent="-285750">
               <a:buFont typeface="Arial" panose="020B0604020202020204" pitchFamily="34" charset="0"/>
               <a:buChar char="•"/>
             </a:pPr>
             <a:r>
-              <a:rPr lang="en-US" dirty="0"/>
-              <a:t>Show Dashboard Image</a:t>
-            </a:r>
+              <a:rPr lang="en-CA" dirty="0"/>
+              <a:t>Prices increase by providing more accommodation features like bedrooms &amp; bathrooms.</a:t>
+            </a:r>
+          </a:p>
+          <a:p>
+            <a:pPr marL="285750" indent="-285750">
+              <a:buFont typeface="Arial" panose="020B0604020202020204" pitchFamily="34" charset="0"/>
+              <a:buChar char="•"/>
+            </a:pPr>
+            <a:endParaRPr lang="en-CA" dirty="0"/>
+          </a:p>
+          <a:p>
+            <a:pPr marL="285750" indent="-285750">
+              <a:buFont typeface="Arial" panose="020B0604020202020204" pitchFamily="34" charset="0"/>
+              <a:buChar char="•"/>
+            </a:pPr>
+            <a:r>
+              <a:rPr lang="en-CA" dirty="0"/>
+              <a:t>Prices do have a slight increase by providing more amenities.</a:t>
+            </a:r>
+          </a:p>
+          <a:p>
+            <a:endParaRPr lang="en-CA" dirty="0"/>
           </a:p>
         </p:txBody>
       </p:sp>
     </p:spTree>
     <p:extLst>
       <p:ext uri="{BB962C8B-B14F-4D97-AF65-F5344CB8AC3E}">
-        <p14:creationId xmlns:p14="http://schemas.microsoft.com/office/powerpoint/2010/main" val="3921467598"/>
+        <p14:creationId xmlns:p14="http://schemas.microsoft.com/office/powerpoint/2010/main" val="1843293363"/>
       </p:ext>
     </p:extLst>
   </p:cSld>
@@ -12712,7 +13384,7 @@
             </a:pPr>
             <a:r>
               <a:rPr lang="en-US" dirty="0"/>
-              <a:t>Use AWS for the ETL to increase processing time</a:t>
+              <a:t>Use AWS for the ETL to increase processing time and memory space</a:t>
             </a:r>
           </a:p>
           <a:p>
@@ -15807,7 +16479,7 @@
         <p:spPr>
           <a:xfrm>
             <a:off x="1055716" y="1899025"/>
-            <a:ext cx="5259115" cy="3693319"/>
+            <a:ext cx="5259115" cy="4247317"/>
           </a:xfrm>
           <a:prstGeom prst="rect">
             <a:avLst/>
@@ -15826,71 +16498,79 @@
             </a:pPr>
             <a:r>
               <a:rPr lang="en-US" dirty="0"/>
-              <a:t>Location, room types, and number of bathrooms of a listing are important features to price a listing.</a:t>
-            </a:r>
-          </a:p>
-          <a:p>
-            <a:pPr marL="742950" lvl="1" indent="-285750">
-              <a:buFont typeface="Arial" panose="020B0604020202020204" pitchFamily="34" charset="0"/>
-              <a:buChar char="•"/>
-            </a:pPr>
-            <a:endParaRPr lang="en-US" dirty="0"/>
+              <a:t>Seasonality and Trends have a big impact on how to price your listings.</a:t>
+            </a:r>
           </a:p>
           <a:p>
             <a:pPr marL="342900" indent="-342900">
               <a:buFont typeface="+mj-lt"/>
               <a:buAutoNum type="arabicPeriod"/>
             </a:pPr>
+            <a:endParaRPr lang="en-US" dirty="0"/>
+          </a:p>
+          <a:p>
+            <a:pPr marL="342900" indent="-342900">
+              <a:buFont typeface="+mj-lt"/>
+              <a:buAutoNum type="arabicPeriod"/>
+            </a:pPr>
             <a:r>
               <a:rPr lang="en-US" dirty="0"/>
-              <a:t>Moderate increase in price as the listing size increases.</a:t>
-            </a:r>
-          </a:p>
-          <a:p>
-            <a:pPr marL="800100" lvl="1" indent="-342900">
-              <a:buFont typeface="Arial" panose="020B0604020202020204" pitchFamily="34" charset="0"/>
-              <a:buChar char="•"/>
+              <a:t>Location, room types, and number of bathrooms of a listing are also important features for pricing.</a:t>
+            </a:r>
+          </a:p>
+          <a:p>
+            <a:pPr marL="342900" indent="-342900">
+              <a:buFont typeface="+mj-lt"/>
+              <a:buAutoNum type="arabicPeriod"/>
             </a:pPr>
             <a:endParaRPr lang="en-US" dirty="0"/>
           </a:p>
           <a:p>
             <a:pPr marL="342900" indent="-342900">
-              <a:buAutoNum type="arabicPeriod" startAt="3"/>
+              <a:buFont typeface="+mj-lt"/>
+              <a:buAutoNum type="arabicPeriod"/>
             </a:pPr>
             <a:r>
               <a:rPr lang="en-US" dirty="0"/>
-              <a:t>Low-Moderate impact in predicting outcome based on local average of a specific area.</a:t>
+              <a:t>Amenities are nice features to add some value in your Airbnb listings.</a:t>
             </a:r>
           </a:p>
           <a:p>
             <a:pPr marL="342900" indent="-342900">
-              <a:buAutoNum type="arabicPeriod" startAt="3"/>
+              <a:buFont typeface="+mj-lt"/>
+              <a:buAutoNum type="arabicPeriod"/>
             </a:pPr>
             <a:endParaRPr lang="en-US" dirty="0"/>
           </a:p>
           <a:p>
             <a:pPr marL="342900" indent="-342900">
-              <a:buAutoNum type="arabicPeriod" startAt="3"/>
+              <a:buFont typeface="+mj-lt"/>
+              <a:buAutoNum type="arabicPeriod"/>
             </a:pPr>
             <a:r>
               <a:rPr lang="en-US" dirty="0"/>
-              <a:t>Prices fluctuate during different times of the year.</a:t>
+              <a:t>Low-Moderate impact in predicting prices based on local average of a specific area.</a:t>
             </a:r>
           </a:p>
           <a:p>
             <a:pPr marL="342900" indent="-342900">
-              <a:buAutoNum type="arabicPeriod" startAt="3"/>
+              <a:buFont typeface="+mj-lt"/>
+              <a:buAutoNum type="arabicPeriod"/>
             </a:pPr>
             <a:endParaRPr lang="en-US" dirty="0"/>
           </a:p>
           <a:p>
             <a:pPr marL="342900" indent="-342900">
-              <a:buAutoNum type="arabicPeriod" startAt="3"/>
+              <a:buFont typeface="+mj-lt"/>
+              <a:buAutoNum type="arabicPeriod"/>
             </a:pPr>
             <a:r>
               <a:rPr lang="en-US" dirty="0"/>
-              <a:t>More uncertainty in the prices for the future.</a:t>
-            </a:r>
+              <a:t>Upward trend in prices for the future.</a:t>
+            </a:r>
+          </a:p>
+          <a:p>
+            <a:endParaRPr lang="en-US" dirty="0"/>
           </a:p>
           <a:p>
             <a:pPr marL="342900" indent="-342900">

--- a/Airbnb Price Predictions (Model).pptx
+++ b/Airbnb Price Predictions (Model).pptx
@@ -868,7 +868,7 @@
           <a:p>
             <a:r>
               <a:rPr lang="en-US" dirty="0"/>
-              <a:t>Various methods like concatenation, filtering, merging, renaming columns and calculating the mean were used in Pandas to get our Final output</a:t>
+              <a:t>Various methods like concatenation, filtering, merging, renaming columns and calculating the mean prices were used in Pandas to get our Final output</a:t>
             </a:r>
           </a:p>
           <a:p>
@@ -1648,7 +1648,7 @@
             </a:pPr>
             <a:r>
               <a:rPr lang="en-US" sz="1200" dirty="0"/>
-              <a:t>Graph shows the overall actual trends &amp; predictions.  The black dots are the actual average daily prices from our datasets. The dark blue lines are the predicted prices and the light blue area are the upper &amp; lower limits of the predicted prices.</a:t>
+              <a:t>Graph shows the overall actual trends &amp; predictions.  The black dots are the actual average daily prices from our datasets. The dark blue lines are the predicted prices, and the light blue area are the upper &amp; lower limits of the predicted prices.</a:t>
             </a:r>
           </a:p>
           <a:p>
@@ -1916,20 +1916,35 @@
           <a:p>
             <a:r>
               <a:rPr lang="en-US" dirty="0"/>
-              <a:t>The prophet here breaks down the rates by various components with the overall pricing trends, how prices are affected by the holidays, day of week and in different times of the moths.</a:t>
-            </a:r>
+              <a:t>The prophet model here breaks down the rates in different time components by holidays, months and day of week.  </a:t>
+            </a:r>
+          </a:p>
+          <a:p>
+            <a:endParaRPr lang="en-US" dirty="0"/>
           </a:p>
           <a:p>
             <a:r>
               <a:rPr lang="en-US" dirty="0"/>
-              <a:t>If you look at the first graph, there is an upward trend in prices up to the first part of 2020.  After that there is a slight dip potentially due to Covid-19 as travel demand has decreased significantly due to social distancing.  So after 1 year of the pandemic crisis, the prices slowly goes back up.  </a:t>
+              <a:t>On the first chart, it shows that the Christmas breaks and long weekends have the highest impact on rates as people likely take vacations during longer breaks from work and school.</a:t>
             </a:r>
           </a:p>
           <a:p>
             <a:endParaRPr lang="en-US" dirty="0"/>
           </a:p>
           <a:p>
+            <a:r>
+              <a:rPr lang="en-US" dirty="0"/>
+              <a:t>With that being said, the weekly chart indicates the highest rates are on Friday &amp; Saturday which falls into the weekend.</a:t>
+            </a:r>
+          </a:p>
+          <a:p>
             <a:endParaRPr lang="en-US" dirty="0"/>
+          </a:p>
+          <a:p>
+            <a:r>
+              <a:rPr lang="en-US" dirty="0"/>
+              <a:t>Finally, it shows that the different months of the year have a big impact on the rates.  The summer months are predominantly higher likely because the weather is nicer and most families travel when their kids do not have schools for the summer.</a:t>
+            </a:r>
           </a:p>
         </p:txBody>
       </p:sp>
@@ -10313,13 +10328,13 @@
           <p:nvPr>
             <p:extLst>
               <p:ext uri="{D42A27DB-BD31-4B8C-83A1-F6EECF244321}">
-                <p14:modId xmlns:p14="http://schemas.microsoft.com/office/powerpoint/2010/main" val="3898527597"/>
+                <p14:modId xmlns:p14="http://schemas.microsoft.com/office/powerpoint/2010/main" val="4265020489"/>
               </p:ext>
             </p:extLst>
           </p:nvPr>
         </p:nvGraphicFramePr>
         <p:xfrm>
-          <a:off x="1080530" y="2330047"/>
+          <a:off x="1571850" y="2569366"/>
           <a:ext cx="8755450" cy="2275002"/>
         </p:xfrm>
         <a:graphic>
@@ -10712,7 +10727,7 @@
         </p:nvSpPr>
         <p:spPr>
           <a:xfrm>
-            <a:off x="1080530" y="4591253"/>
+            <a:off x="1571850" y="4830572"/>
             <a:ext cx="6508515" cy="523220"/>
           </a:xfrm>
           <a:prstGeom prst="rect">
@@ -10774,6 +10789,613 @@
   <p:clrMapOvr>
     <a:masterClrMapping/>
   </p:clrMapOvr>
+  <p:timing>
+    <p:tnLst>
+      <p:par>
+        <p:cTn id="1" dur="indefinite" restart="never" nodeType="tmRoot">
+          <p:childTnLst>
+            <p:seq concurrent="1" nextAc="seek">
+              <p:cTn id="2" dur="indefinite" nodeType="mainSeq">
+                <p:childTnLst>
+                  <p:par>
+                    <p:cTn id="3" fill="hold">
+                      <p:stCondLst>
+                        <p:cond delay="indefinite"/>
+                      </p:stCondLst>
+                      <p:childTnLst>
+                        <p:par>
+                          <p:cTn id="4" fill="hold">
+                            <p:stCondLst>
+                              <p:cond delay="0"/>
+                            </p:stCondLst>
+                            <p:childTnLst>
+                              <p:par>
+                                <p:cTn id="5" presetID="26" presetClass="entr" presetSubtype="0" fill="hold" grpId="0" nodeType="clickEffect">
+                                  <p:stCondLst>
+                                    <p:cond delay="0"/>
+                                  </p:stCondLst>
+                                  <p:childTnLst>
+                                    <p:set>
+                                      <p:cBhvr>
+                                        <p:cTn id="6" dur="1" fill="hold">
+                                          <p:stCondLst>
+                                            <p:cond delay="0"/>
+                                          </p:stCondLst>
+                                        </p:cTn>
+                                        <p:tgtEl>
+                                          <p:spTgt spid="9"/>
+                                        </p:tgtEl>
+                                        <p:attrNameLst>
+                                          <p:attrName>style.visibility</p:attrName>
+                                        </p:attrNameLst>
+                                      </p:cBhvr>
+                                      <p:to>
+                                        <p:strVal val="visible"/>
+                                      </p:to>
+                                    </p:set>
+                                    <p:animEffect transition="in" filter="wipe(down)">
+                                      <p:cBhvr>
+                                        <p:cTn id="7" dur="580">
+                                          <p:stCondLst>
+                                            <p:cond delay="0"/>
+                                          </p:stCondLst>
+                                        </p:cTn>
+                                        <p:tgtEl>
+                                          <p:spTgt spid="9"/>
+                                        </p:tgtEl>
+                                      </p:cBhvr>
+                                    </p:animEffect>
+                                    <p:anim calcmode="lin" valueType="num">
+                                      <p:cBhvr>
+                                        <p:cTn id="8" dur="1822" tmFilter="0,0; 0.14,0.36; 0.43,0.73; 0.71,0.91; 1.0,1.0">
+                                          <p:stCondLst>
+                                            <p:cond delay="0"/>
+                                          </p:stCondLst>
+                                        </p:cTn>
+                                        <p:tgtEl>
+                                          <p:spTgt spid="9"/>
+                                        </p:tgtEl>
+                                        <p:attrNameLst>
+                                          <p:attrName>ppt_x</p:attrName>
+                                        </p:attrNameLst>
+                                      </p:cBhvr>
+                                      <p:tavLst>
+                                        <p:tav tm="0">
+                                          <p:val>
+                                            <p:strVal val="#ppt_x-0.25"/>
+                                          </p:val>
+                                        </p:tav>
+                                        <p:tav tm="100000">
+                                          <p:val>
+                                            <p:strVal val="#ppt_x"/>
+                                          </p:val>
+                                        </p:tav>
+                                      </p:tavLst>
+                                    </p:anim>
+                                    <p:anim calcmode="lin" valueType="num">
+                                      <p:cBhvr>
+                                        <p:cTn id="9" dur="664" tmFilter="0.0,0.0; 0.25,0.07; 0.50,0.2; 0.75,0.467; 1.0,1.0">
+                                          <p:stCondLst>
+                                            <p:cond delay="0"/>
+                                          </p:stCondLst>
+                                        </p:cTn>
+                                        <p:tgtEl>
+                                          <p:spTgt spid="9"/>
+                                        </p:tgtEl>
+                                        <p:attrNameLst>
+                                          <p:attrName>ppt_y</p:attrName>
+                                        </p:attrNameLst>
+                                      </p:cBhvr>
+                                      <p:tavLst>
+                                        <p:tav tm="0" fmla="#ppt_y-sin(pi*$)/3">
+                                          <p:val>
+                                            <p:fltVal val="0.5"/>
+                                          </p:val>
+                                        </p:tav>
+                                        <p:tav tm="100000">
+                                          <p:val>
+                                            <p:fltVal val="1"/>
+                                          </p:val>
+                                        </p:tav>
+                                      </p:tavLst>
+                                    </p:anim>
+                                    <p:anim calcmode="lin" valueType="num">
+                                      <p:cBhvr>
+                                        <p:cTn id="10" dur="664" tmFilter="0, 0; 0.125,0.2665; 0.25,0.4; 0.375,0.465; 0.5,0.5;  0.625,0.535; 0.75,0.6; 0.875,0.7335; 1,1">
+                                          <p:stCondLst>
+                                            <p:cond delay="664"/>
+                                          </p:stCondLst>
+                                        </p:cTn>
+                                        <p:tgtEl>
+                                          <p:spTgt spid="9"/>
+                                        </p:tgtEl>
+                                        <p:attrNameLst>
+                                          <p:attrName>ppt_y</p:attrName>
+                                        </p:attrNameLst>
+                                      </p:cBhvr>
+                                      <p:tavLst>
+                                        <p:tav tm="0" fmla="#ppt_y-sin(pi*$)/9">
+                                          <p:val>
+                                            <p:fltVal val="0"/>
+                                          </p:val>
+                                        </p:tav>
+                                        <p:tav tm="100000">
+                                          <p:val>
+                                            <p:fltVal val="1"/>
+                                          </p:val>
+                                        </p:tav>
+                                      </p:tavLst>
+                                    </p:anim>
+                                    <p:anim calcmode="lin" valueType="num">
+                                      <p:cBhvr>
+                                        <p:cTn id="11" dur="332" tmFilter="0, 0; 0.125,0.2665; 0.25,0.4; 0.375,0.465; 0.5,0.5;  0.625,0.535; 0.75,0.6; 0.875,0.7335; 1,1">
+                                          <p:stCondLst>
+                                            <p:cond delay="1324"/>
+                                          </p:stCondLst>
+                                        </p:cTn>
+                                        <p:tgtEl>
+                                          <p:spTgt spid="9"/>
+                                        </p:tgtEl>
+                                        <p:attrNameLst>
+                                          <p:attrName>ppt_y</p:attrName>
+                                        </p:attrNameLst>
+                                      </p:cBhvr>
+                                      <p:tavLst>
+                                        <p:tav tm="0" fmla="#ppt_y-sin(pi*$)/27">
+                                          <p:val>
+                                            <p:fltVal val="0"/>
+                                          </p:val>
+                                        </p:tav>
+                                        <p:tav tm="100000">
+                                          <p:val>
+                                            <p:fltVal val="1"/>
+                                          </p:val>
+                                        </p:tav>
+                                      </p:tavLst>
+                                    </p:anim>
+                                    <p:anim calcmode="lin" valueType="num">
+                                      <p:cBhvr>
+                                        <p:cTn id="12" dur="164" tmFilter="0, 0; 0.125,0.2665; 0.25,0.4; 0.375,0.465; 0.5,0.5;  0.625,0.535; 0.75,0.6; 0.875,0.7335; 1,1">
+                                          <p:stCondLst>
+                                            <p:cond delay="1656"/>
+                                          </p:stCondLst>
+                                        </p:cTn>
+                                        <p:tgtEl>
+                                          <p:spTgt spid="9"/>
+                                        </p:tgtEl>
+                                        <p:attrNameLst>
+                                          <p:attrName>ppt_y</p:attrName>
+                                        </p:attrNameLst>
+                                      </p:cBhvr>
+                                      <p:tavLst>
+                                        <p:tav tm="0" fmla="#ppt_y-sin(pi*$)/81">
+                                          <p:val>
+                                            <p:fltVal val="0"/>
+                                          </p:val>
+                                        </p:tav>
+                                        <p:tav tm="100000">
+                                          <p:val>
+                                            <p:fltVal val="1"/>
+                                          </p:val>
+                                        </p:tav>
+                                      </p:tavLst>
+                                    </p:anim>
+                                    <p:animScale>
+                                      <p:cBhvr>
+                                        <p:cTn id="13" dur="26">
+                                          <p:stCondLst>
+                                            <p:cond delay="650"/>
+                                          </p:stCondLst>
+                                        </p:cTn>
+                                        <p:tgtEl>
+                                          <p:spTgt spid="9"/>
+                                        </p:tgtEl>
+                                      </p:cBhvr>
+                                      <p:to x="100000" y="60000"/>
+                                    </p:animScale>
+                                    <p:animScale>
+                                      <p:cBhvr>
+                                        <p:cTn id="14" dur="166" decel="50000">
+                                          <p:stCondLst>
+                                            <p:cond delay="676"/>
+                                          </p:stCondLst>
+                                        </p:cTn>
+                                        <p:tgtEl>
+                                          <p:spTgt spid="9"/>
+                                        </p:tgtEl>
+                                      </p:cBhvr>
+                                      <p:to x="100000" y="100000"/>
+                                    </p:animScale>
+                                    <p:animScale>
+                                      <p:cBhvr>
+                                        <p:cTn id="15" dur="26">
+                                          <p:stCondLst>
+                                            <p:cond delay="1312"/>
+                                          </p:stCondLst>
+                                        </p:cTn>
+                                        <p:tgtEl>
+                                          <p:spTgt spid="9"/>
+                                        </p:tgtEl>
+                                      </p:cBhvr>
+                                      <p:to x="100000" y="80000"/>
+                                    </p:animScale>
+                                    <p:animScale>
+                                      <p:cBhvr>
+                                        <p:cTn id="16" dur="166" decel="50000">
+                                          <p:stCondLst>
+                                            <p:cond delay="1338"/>
+                                          </p:stCondLst>
+                                        </p:cTn>
+                                        <p:tgtEl>
+                                          <p:spTgt spid="9"/>
+                                        </p:tgtEl>
+                                      </p:cBhvr>
+                                      <p:to x="100000" y="100000"/>
+                                    </p:animScale>
+                                    <p:animScale>
+                                      <p:cBhvr>
+                                        <p:cTn id="17" dur="26">
+                                          <p:stCondLst>
+                                            <p:cond delay="1642"/>
+                                          </p:stCondLst>
+                                        </p:cTn>
+                                        <p:tgtEl>
+                                          <p:spTgt spid="9"/>
+                                        </p:tgtEl>
+                                      </p:cBhvr>
+                                      <p:to x="100000" y="90000"/>
+                                    </p:animScale>
+                                    <p:animScale>
+                                      <p:cBhvr>
+                                        <p:cTn id="18" dur="166" decel="50000">
+                                          <p:stCondLst>
+                                            <p:cond delay="1668"/>
+                                          </p:stCondLst>
+                                        </p:cTn>
+                                        <p:tgtEl>
+                                          <p:spTgt spid="9"/>
+                                        </p:tgtEl>
+                                      </p:cBhvr>
+                                      <p:to x="100000" y="100000"/>
+                                    </p:animScale>
+                                    <p:animScale>
+                                      <p:cBhvr>
+                                        <p:cTn id="19" dur="26">
+                                          <p:stCondLst>
+                                            <p:cond delay="1808"/>
+                                          </p:stCondLst>
+                                        </p:cTn>
+                                        <p:tgtEl>
+                                          <p:spTgt spid="9"/>
+                                        </p:tgtEl>
+                                      </p:cBhvr>
+                                      <p:to x="100000" y="95000"/>
+                                    </p:animScale>
+                                    <p:animScale>
+                                      <p:cBhvr>
+                                        <p:cTn id="20" dur="166" decel="50000">
+                                          <p:stCondLst>
+                                            <p:cond delay="1834"/>
+                                          </p:stCondLst>
+                                        </p:cTn>
+                                        <p:tgtEl>
+                                          <p:spTgt spid="9"/>
+                                        </p:tgtEl>
+                                      </p:cBhvr>
+                                      <p:to x="100000" y="100000"/>
+                                    </p:animScale>
+                                  </p:childTnLst>
+                                </p:cTn>
+                              </p:par>
+                              <p:par>
+                                <p:cTn id="21" presetID="26" presetClass="entr" presetSubtype="0" fill="hold" nodeType="withEffect">
+                                  <p:stCondLst>
+                                    <p:cond delay="0"/>
+                                  </p:stCondLst>
+                                  <p:childTnLst>
+                                    <p:set>
+                                      <p:cBhvr>
+                                        <p:cTn id="22" dur="1" fill="hold">
+                                          <p:stCondLst>
+                                            <p:cond delay="0"/>
+                                          </p:stCondLst>
+                                        </p:cTn>
+                                        <p:tgtEl>
+                                          <p:spTgt spid="5"/>
+                                        </p:tgtEl>
+                                        <p:attrNameLst>
+                                          <p:attrName>style.visibility</p:attrName>
+                                        </p:attrNameLst>
+                                      </p:cBhvr>
+                                      <p:to>
+                                        <p:strVal val="visible"/>
+                                      </p:to>
+                                    </p:set>
+                                    <p:animEffect transition="in" filter="wipe(down)">
+                                      <p:cBhvr>
+                                        <p:cTn id="23" dur="580">
+                                          <p:stCondLst>
+                                            <p:cond delay="0"/>
+                                          </p:stCondLst>
+                                        </p:cTn>
+                                        <p:tgtEl>
+                                          <p:spTgt spid="5"/>
+                                        </p:tgtEl>
+                                      </p:cBhvr>
+                                    </p:animEffect>
+                                    <p:anim calcmode="lin" valueType="num">
+                                      <p:cBhvr>
+                                        <p:cTn id="24" dur="1822" tmFilter="0,0; 0.14,0.36; 0.43,0.73; 0.71,0.91; 1.0,1.0">
+                                          <p:stCondLst>
+                                            <p:cond delay="0"/>
+                                          </p:stCondLst>
+                                        </p:cTn>
+                                        <p:tgtEl>
+                                          <p:spTgt spid="5"/>
+                                        </p:tgtEl>
+                                        <p:attrNameLst>
+                                          <p:attrName>ppt_x</p:attrName>
+                                        </p:attrNameLst>
+                                      </p:cBhvr>
+                                      <p:tavLst>
+                                        <p:tav tm="0">
+                                          <p:val>
+                                            <p:strVal val="#ppt_x-0.25"/>
+                                          </p:val>
+                                        </p:tav>
+                                        <p:tav tm="100000">
+                                          <p:val>
+                                            <p:strVal val="#ppt_x"/>
+                                          </p:val>
+                                        </p:tav>
+                                      </p:tavLst>
+                                    </p:anim>
+                                    <p:anim calcmode="lin" valueType="num">
+                                      <p:cBhvr>
+                                        <p:cTn id="25" dur="664" tmFilter="0.0,0.0; 0.25,0.07; 0.50,0.2; 0.75,0.467; 1.0,1.0">
+                                          <p:stCondLst>
+                                            <p:cond delay="0"/>
+                                          </p:stCondLst>
+                                        </p:cTn>
+                                        <p:tgtEl>
+                                          <p:spTgt spid="5"/>
+                                        </p:tgtEl>
+                                        <p:attrNameLst>
+                                          <p:attrName>ppt_y</p:attrName>
+                                        </p:attrNameLst>
+                                      </p:cBhvr>
+                                      <p:tavLst>
+                                        <p:tav tm="0" fmla="#ppt_y-sin(pi*$)/3">
+                                          <p:val>
+                                            <p:fltVal val="0.5"/>
+                                          </p:val>
+                                        </p:tav>
+                                        <p:tav tm="100000">
+                                          <p:val>
+                                            <p:fltVal val="1"/>
+                                          </p:val>
+                                        </p:tav>
+                                      </p:tavLst>
+                                    </p:anim>
+                                    <p:anim calcmode="lin" valueType="num">
+                                      <p:cBhvr>
+                                        <p:cTn id="26" dur="664" tmFilter="0, 0; 0.125,0.2665; 0.25,0.4; 0.375,0.465; 0.5,0.5;  0.625,0.535; 0.75,0.6; 0.875,0.7335; 1,1">
+                                          <p:stCondLst>
+                                            <p:cond delay="664"/>
+                                          </p:stCondLst>
+                                        </p:cTn>
+                                        <p:tgtEl>
+                                          <p:spTgt spid="5"/>
+                                        </p:tgtEl>
+                                        <p:attrNameLst>
+                                          <p:attrName>ppt_y</p:attrName>
+                                        </p:attrNameLst>
+                                      </p:cBhvr>
+                                      <p:tavLst>
+                                        <p:tav tm="0" fmla="#ppt_y-sin(pi*$)/9">
+                                          <p:val>
+                                            <p:fltVal val="0"/>
+                                          </p:val>
+                                        </p:tav>
+                                        <p:tav tm="100000">
+                                          <p:val>
+                                            <p:fltVal val="1"/>
+                                          </p:val>
+                                        </p:tav>
+                                      </p:tavLst>
+                                    </p:anim>
+                                    <p:anim calcmode="lin" valueType="num">
+                                      <p:cBhvr>
+                                        <p:cTn id="27" dur="332" tmFilter="0, 0; 0.125,0.2665; 0.25,0.4; 0.375,0.465; 0.5,0.5;  0.625,0.535; 0.75,0.6; 0.875,0.7335; 1,1">
+                                          <p:stCondLst>
+                                            <p:cond delay="1324"/>
+                                          </p:stCondLst>
+                                        </p:cTn>
+                                        <p:tgtEl>
+                                          <p:spTgt spid="5"/>
+                                        </p:tgtEl>
+                                        <p:attrNameLst>
+                                          <p:attrName>ppt_y</p:attrName>
+                                        </p:attrNameLst>
+                                      </p:cBhvr>
+                                      <p:tavLst>
+                                        <p:tav tm="0" fmla="#ppt_y-sin(pi*$)/27">
+                                          <p:val>
+                                            <p:fltVal val="0"/>
+                                          </p:val>
+                                        </p:tav>
+                                        <p:tav tm="100000">
+                                          <p:val>
+                                            <p:fltVal val="1"/>
+                                          </p:val>
+                                        </p:tav>
+                                      </p:tavLst>
+                                    </p:anim>
+                                    <p:anim calcmode="lin" valueType="num">
+                                      <p:cBhvr>
+                                        <p:cTn id="28" dur="164" tmFilter="0, 0; 0.125,0.2665; 0.25,0.4; 0.375,0.465; 0.5,0.5;  0.625,0.535; 0.75,0.6; 0.875,0.7335; 1,1">
+                                          <p:stCondLst>
+                                            <p:cond delay="1656"/>
+                                          </p:stCondLst>
+                                        </p:cTn>
+                                        <p:tgtEl>
+                                          <p:spTgt spid="5"/>
+                                        </p:tgtEl>
+                                        <p:attrNameLst>
+                                          <p:attrName>ppt_y</p:attrName>
+                                        </p:attrNameLst>
+                                      </p:cBhvr>
+                                      <p:tavLst>
+                                        <p:tav tm="0" fmla="#ppt_y-sin(pi*$)/81">
+                                          <p:val>
+                                            <p:fltVal val="0"/>
+                                          </p:val>
+                                        </p:tav>
+                                        <p:tav tm="100000">
+                                          <p:val>
+                                            <p:fltVal val="1"/>
+                                          </p:val>
+                                        </p:tav>
+                                      </p:tavLst>
+                                    </p:anim>
+                                    <p:animScale>
+                                      <p:cBhvr>
+                                        <p:cTn id="29" dur="26">
+                                          <p:stCondLst>
+                                            <p:cond delay="650"/>
+                                          </p:stCondLst>
+                                        </p:cTn>
+                                        <p:tgtEl>
+                                          <p:spTgt spid="5"/>
+                                        </p:tgtEl>
+                                      </p:cBhvr>
+                                      <p:to x="100000" y="60000"/>
+                                    </p:animScale>
+                                    <p:animScale>
+                                      <p:cBhvr>
+                                        <p:cTn id="30" dur="166" decel="50000">
+                                          <p:stCondLst>
+                                            <p:cond delay="676"/>
+                                          </p:stCondLst>
+                                        </p:cTn>
+                                        <p:tgtEl>
+                                          <p:spTgt spid="5"/>
+                                        </p:tgtEl>
+                                      </p:cBhvr>
+                                      <p:to x="100000" y="100000"/>
+                                    </p:animScale>
+                                    <p:animScale>
+                                      <p:cBhvr>
+                                        <p:cTn id="31" dur="26">
+                                          <p:stCondLst>
+                                            <p:cond delay="1312"/>
+                                          </p:stCondLst>
+                                        </p:cTn>
+                                        <p:tgtEl>
+                                          <p:spTgt spid="5"/>
+                                        </p:tgtEl>
+                                      </p:cBhvr>
+                                      <p:to x="100000" y="80000"/>
+                                    </p:animScale>
+                                    <p:animScale>
+                                      <p:cBhvr>
+                                        <p:cTn id="32" dur="166" decel="50000">
+                                          <p:stCondLst>
+                                            <p:cond delay="1338"/>
+                                          </p:stCondLst>
+                                        </p:cTn>
+                                        <p:tgtEl>
+                                          <p:spTgt spid="5"/>
+                                        </p:tgtEl>
+                                      </p:cBhvr>
+                                      <p:to x="100000" y="100000"/>
+                                    </p:animScale>
+                                    <p:animScale>
+                                      <p:cBhvr>
+                                        <p:cTn id="33" dur="26">
+                                          <p:stCondLst>
+                                            <p:cond delay="1642"/>
+                                          </p:stCondLst>
+                                        </p:cTn>
+                                        <p:tgtEl>
+                                          <p:spTgt spid="5"/>
+                                        </p:tgtEl>
+                                      </p:cBhvr>
+                                      <p:to x="100000" y="90000"/>
+                                    </p:animScale>
+                                    <p:animScale>
+                                      <p:cBhvr>
+                                        <p:cTn id="34" dur="166" decel="50000">
+                                          <p:stCondLst>
+                                            <p:cond delay="1668"/>
+                                          </p:stCondLst>
+                                        </p:cTn>
+                                        <p:tgtEl>
+                                          <p:spTgt spid="5"/>
+                                        </p:tgtEl>
+                                      </p:cBhvr>
+                                      <p:to x="100000" y="100000"/>
+                                    </p:animScale>
+                                    <p:animScale>
+                                      <p:cBhvr>
+                                        <p:cTn id="35" dur="26">
+                                          <p:stCondLst>
+                                            <p:cond delay="1808"/>
+                                          </p:stCondLst>
+                                        </p:cTn>
+                                        <p:tgtEl>
+                                          <p:spTgt spid="5"/>
+                                        </p:tgtEl>
+                                      </p:cBhvr>
+                                      <p:to x="100000" y="95000"/>
+                                    </p:animScale>
+                                    <p:animScale>
+                                      <p:cBhvr>
+                                        <p:cTn id="36" dur="166" decel="50000">
+                                          <p:stCondLst>
+                                            <p:cond delay="1834"/>
+                                          </p:stCondLst>
+                                        </p:cTn>
+                                        <p:tgtEl>
+                                          <p:spTgt spid="5"/>
+                                        </p:tgtEl>
+                                      </p:cBhvr>
+                                      <p:to x="100000" y="100000"/>
+                                    </p:animScale>
+                                  </p:childTnLst>
+                                </p:cTn>
+                              </p:par>
+                            </p:childTnLst>
+                          </p:cTn>
+                        </p:par>
+                      </p:childTnLst>
+                    </p:cTn>
+                  </p:par>
+                </p:childTnLst>
+              </p:cTn>
+              <p:prevCondLst>
+                <p:cond evt="onPrev" delay="0">
+                  <p:tgtEl>
+                    <p:sldTgt/>
+                  </p:tgtEl>
+                </p:cond>
+              </p:prevCondLst>
+              <p:nextCondLst>
+                <p:cond evt="onNext" delay="0">
+                  <p:tgtEl>
+                    <p:sldTgt/>
+                  </p:tgtEl>
+                </p:cond>
+              </p:nextCondLst>
+            </p:seq>
+          </p:childTnLst>
+        </p:cTn>
+      </p:par>
+    </p:tnLst>
+    <p:bldLst>
+      <p:bldP spid="9" grpId="0"/>
+    </p:bldLst>
+  </p:timing>
 </p:sld>
 </file>
 
@@ -10945,7 +11567,7 @@
         </p:blipFill>
         <p:spPr>
           <a:xfrm>
-            <a:off x="1231535" y="2022038"/>
+            <a:off x="1407603" y="2133829"/>
             <a:ext cx="6196589" cy="4125435"/>
           </a:xfrm>
           <a:prstGeom prst="rect">
@@ -10967,7 +11589,7 @@
         </p:nvSpPr>
         <p:spPr>
           <a:xfrm>
-            <a:off x="6247464" y="2114091"/>
+            <a:off x="6423532" y="2225882"/>
             <a:ext cx="437321" cy="3369503"/>
           </a:xfrm>
           <a:prstGeom prst="rect">
@@ -11019,7 +11641,7 @@
         </p:nvSpPr>
         <p:spPr>
           <a:xfrm>
-            <a:off x="8129095" y="2610235"/>
+            <a:off x="8305163" y="2722026"/>
             <a:ext cx="3356273" cy="2585323"/>
           </a:xfrm>
           <a:prstGeom prst="rect">
@@ -11531,6 +12153,128 @@
   <p:clrMapOvr>
     <a:masterClrMapping/>
   </p:clrMapOvr>
+  <p:timing>
+    <p:tnLst>
+      <p:par>
+        <p:cTn id="1" dur="indefinite" restart="never" nodeType="tmRoot">
+          <p:childTnLst>
+            <p:seq concurrent="1" nextAc="seek">
+              <p:cTn id="2" dur="indefinite" nodeType="mainSeq">
+                <p:childTnLst>
+                  <p:par>
+                    <p:cTn id="3" fill="hold">
+                      <p:stCondLst>
+                        <p:cond delay="indefinite"/>
+                      </p:stCondLst>
+                      <p:childTnLst>
+                        <p:par>
+                          <p:cTn id="4" fill="hold">
+                            <p:stCondLst>
+                              <p:cond delay="0"/>
+                            </p:stCondLst>
+                            <p:childTnLst>
+                              <p:par>
+                                <p:cTn id="5" presetID="7" presetClass="emph" presetSubtype="2" fill="hold" nodeType="clickEffect">
+                                  <p:stCondLst>
+                                    <p:cond delay="0"/>
+                                  </p:stCondLst>
+                                  <p:childTnLst>
+                                    <p:animClr clrSpc="rgb" dir="cw">
+                                      <p:cBhvr>
+                                        <p:cTn id="6" dur="2000" fill="hold"/>
+                                        <p:tgtEl>
+                                          <p:spTgt spid="8"/>
+                                        </p:tgtEl>
+                                        <p:attrNameLst>
+                                          <p:attrName>stroke.color</p:attrName>
+                                        </p:attrNameLst>
+                                      </p:cBhvr>
+                                      <p:to>
+                                        <a:schemeClr val="accent2"/>
+                                      </p:to>
+                                    </p:animClr>
+                                    <p:set>
+                                      <p:cBhvr>
+                                        <p:cTn id="7" dur="2000" fill="hold"/>
+                                        <p:tgtEl>
+                                          <p:spTgt spid="8"/>
+                                        </p:tgtEl>
+                                        <p:attrNameLst>
+                                          <p:attrName>stroke.on</p:attrName>
+                                        </p:attrNameLst>
+                                      </p:cBhvr>
+                                      <p:to>
+                                        <p:strVal val="true"/>
+                                      </p:to>
+                                    </p:set>
+                                  </p:childTnLst>
+                                </p:cTn>
+                              </p:par>
+                              <p:par>
+                                <p:cTn id="8" presetID="7" presetClass="emph" presetSubtype="2" fill="hold" nodeType="withEffect">
+                                  <p:stCondLst>
+                                    <p:cond delay="0"/>
+                                  </p:stCondLst>
+                                  <p:childTnLst>
+                                    <p:animClr clrSpc="rgb" dir="cw">
+                                      <p:cBhvr>
+                                        <p:cTn id="9" dur="2000" fill="hold"/>
+                                        <p:tgtEl>
+                                          <p:spTgt spid="4"/>
+                                        </p:tgtEl>
+                                        <p:attrNameLst>
+                                          <p:attrName>stroke.color</p:attrName>
+                                        </p:attrNameLst>
+                                      </p:cBhvr>
+                                      <p:to>
+                                        <a:schemeClr val="accent2"/>
+                                      </p:to>
+                                    </p:animClr>
+                                    <p:set>
+                                      <p:cBhvr>
+                                        <p:cTn id="10" dur="2000" fill="hold"/>
+                                        <p:tgtEl>
+                                          <p:spTgt spid="4"/>
+                                        </p:tgtEl>
+                                        <p:attrNameLst>
+                                          <p:attrName>stroke.on</p:attrName>
+                                        </p:attrNameLst>
+                                      </p:cBhvr>
+                                      <p:to>
+                                        <p:strVal val="true"/>
+                                      </p:to>
+                                    </p:set>
+                                  </p:childTnLst>
+                                </p:cTn>
+                              </p:par>
+                            </p:childTnLst>
+                          </p:cTn>
+                        </p:par>
+                      </p:childTnLst>
+                    </p:cTn>
+                  </p:par>
+                </p:childTnLst>
+              </p:cTn>
+              <p:prevCondLst>
+                <p:cond evt="onPrev" delay="0">
+                  <p:tgtEl>
+                    <p:sldTgt/>
+                  </p:tgtEl>
+                </p:cond>
+              </p:prevCondLst>
+              <p:nextCondLst>
+                <p:cond evt="onNext" delay="0">
+                  <p:tgtEl>
+                    <p:sldTgt/>
+                  </p:tgtEl>
+                </p:cond>
+              </p:nextCondLst>
+            </p:seq>
+          </p:childTnLst>
+        </p:cTn>
+      </p:par>
+    </p:tnLst>
+  </p:timing>
 </p:sld>
 </file>
 
@@ -11823,7 +12567,7 @@
                   <a:srgbClr val="EA5E46"/>
                 </a:solidFill>
               </a:rPr>
-              <a:t>Model Results – Predict the Future</a:t>
+              <a:t>Model Results – Trends</a:t>
             </a:r>
           </a:p>
         </p:txBody>
@@ -12033,6 +12777,9 @@
             <a:avLst/>
           </a:prstGeom>
           <a:ln>
+            <a:solidFill>
+              <a:srgbClr val="E9766F"/>
+            </a:solidFill>
             <a:tailEnd type="triangle"/>
           </a:ln>
         </p:spPr>
@@ -12074,6 +12821,9 @@
             <a:avLst/>
           </a:prstGeom>
           <a:ln>
+            <a:solidFill>
+              <a:srgbClr val="E9766F"/>
+            </a:solidFill>
             <a:tailEnd type="triangle"/>
           </a:ln>
         </p:spPr>
@@ -12113,6 +12863,9 @@
             <a:avLst/>
           </a:prstGeom>
           <a:ln>
+            <a:solidFill>
+              <a:srgbClr val="E9766F"/>
+            </a:solidFill>
             <a:tailEnd type="triangle"/>
           </a:ln>
         </p:spPr>
@@ -12265,6 +13018,350 @@
   <p:clrMapOvr>
     <a:masterClrMapping/>
   </p:clrMapOvr>
+  <p:timing>
+    <p:tnLst>
+      <p:par>
+        <p:cTn id="1" dur="indefinite" restart="never" nodeType="tmRoot">
+          <p:childTnLst>
+            <p:seq concurrent="1" nextAc="seek">
+              <p:cTn id="2" dur="indefinite" nodeType="mainSeq">
+                <p:childTnLst>
+                  <p:par>
+                    <p:cTn id="3" fill="hold">
+                      <p:stCondLst>
+                        <p:cond delay="indefinite"/>
+                      </p:stCondLst>
+                      <p:childTnLst>
+                        <p:par>
+                          <p:cTn id="4" fill="hold">
+                            <p:stCondLst>
+                              <p:cond delay="0"/>
+                            </p:stCondLst>
+                            <p:childTnLst>
+                              <p:par>
+                                <p:cTn id="5" presetID="1" presetClass="entr" presetSubtype="0" fill="hold" nodeType="clickEffect">
+                                  <p:stCondLst>
+                                    <p:cond delay="0"/>
+                                  </p:stCondLst>
+                                  <p:childTnLst>
+                                    <p:set>
+                                      <p:cBhvr>
+                                        <p:cTn id="6" dur="1" fill="hold">
+                                          <p:stCondLst>
+                                            <p:cond delay="0"/>
+                                          </p:stCondLst>
+                                        </p:cTn>
+                                        <p:tgtEl>
+                                          <p:spTgt spid="4"/>
+                                        </p:tgtEl>
+                                        <p:attrNameLst>
+                                          <p:attrName>style.visibility</p:attrName>
+                                        </p:attrNameLst>
+                                      </p:cBhvr>
+                                      <p:to>
+                                        <p:strVal val="visible"/>
+                                      </p:to>
+                                    </p:set>
+                                  </p:childTnLst>
+                                </p:cTn>
+                              </p:par>
+                            </p:childTnLst>
+                          </p:cTn>
+                        </p:par>
+                      </p:childTnLst>
+                    </p:cTn>
+                  </p:par>
+                  <p:par>
+                    <p:cTn id="7" fill="hold">
+                      <p:stCondLst>
+                        <p:cond delay="indefinite"/>
+                      </p:stCondLst>
+                      <p:childTnLst>
+                        <p:par>
+                          <p:cTn id="8" fill="hold">
+                            <p:stCondLst>
+                              <p:cond delay="0"/>
+                            </p:stCondLst>
+                            <p:childTnLst>
+                              <p:par>
+                                <p:cTn id="9" presetID="14" presetClass="entr" presetSubtype="10" fill="hold" nodeType="clickEffect">
+                                  <p:stCondLst>
+                                    <p:cond delay="0"/>
+                                  </p:stCondLst>
+                                  <p:childTnLst>
+                                    <p:set>
+                                      <p:cBhvr>
+                                        <p:cTn id="10" dur="1" fill="hold">
+                                          <p:stCondLst>
+                                            <p:cond delay="0"/>
+                                          </p:stCondLst>
+                                        </p:cTn>
+                                        <p:tgtEl>
+                                          <p:spTgt spid="10"/>
+                                        </p:tgtEl>
+                                        <p:attrNameLst>
+                                          <p:attrName>style.visibility</p:attrName>
+                                        </p:attrNameLst>
+                                      </p:cBhvr>
+                                      <p:to>
+                                        <p:strVal val="visible"/>
+                                      </p:to>
+                                    </p:set>
+                                    <p:animEffect transition="in" filter="randombar(horizontal)">
+                                      <p:cBhvr>
+                                        <p:cTn id="11" dur="500"/>
+                                        <p:tgtEl>
+                                          <p:spTgt spid="10"/>
+                                        </p:tgtEl>
+                                      </p:cBhvr>
+                                    </p:animEffect>
+                                  </p:childTnLst>
+                                </p:cTn>
+                              </p:par>
+                              <p:par>
+                                <p:cTn id="12" presetID="14" presetClass="entr" presetSubtype="10" fill="hold" grpId="0" nodeType="withEffect">
+                                  <p:stCondLst>
+                                    <p:cond delay="0"/>
+                                  </p:stCondLst>
+                                  <p:childTnLst>
+                                    <p:set>
+                                      <p:cBhvr>
+                                        <p:cTn id="13" dur="1" fill="hold">
+                                          <p:stCondLst>
+                                            <p:cond delay="0"/>
+                                          </p:stCondLst>
+                                        </p:cTn>
+                                        <p:tgtEl>
+                                          <p:spTgt spid="21"/>
+                                        </p:tgtEl>
+                                        <p:attrNameLst>
+                                          <p:attrName>style.visibility</p:attrName>
+                                        </p:attrNameLst>
+                                      </p:cBhvr>
+                                      <p:to>
+                                        <p:strVal val="visible"/>
+                                      </p:to>
+                                    </p:set>
+                                    <p:animEffect transition="in" filter="randombar(horizontal)">
+                                      <p:cBhvr>
+                                        <p:cTn id="14" dur="500"/>
+                                        <p:tgtEl>
+                                          <p:spTgt spid="21"/>
+                                        </p:tgtEl>
+                                      </p:cBhvr>
+                                    </p:animEffect>
+                                  </p:childTnLst>
+                                </p:cTn>
+                              </p:par>
+                            </p:childTnLst>
+                          </p:cTn>
+                        </p:par>
+                      </p:childTnLst>
+                    </p:cTn>
+                  </p:par>
+                  <p:par>
+                    <p:cTn id="15" fill="hold">
+                      <p:stCondLst>
+                        <p:cond delay="indefinite"/>
+                      </p:stCondLst>
+                      <p:childTnLst>
+                        <p:par>
+                          <p:cTn id="16" fill="hold">
+                            <p:stCondLst>
+                              <p:cond delay="0"/>
+                            </p:stCondLst>
+                            <p:childTnLst>
+                              <p:par>
+                                <p:cTn id="17" presetID="14" presetClass="entr" presetSubtype="10" fill="hold" nodeType="clickEffect">
+                                  <p:stCondLst>
+                                    <p:cond delay="0"/>
+                                  </p:stCondLst>
+                                  <p:childTnLst>
+                                    <p:set>
+                                      <p:cBhvr>
+                                        <p:cTn id="18" dur="1" fill="hold">
+                                          <p:stCondLst>
+                                            <p:cond delay="0"/>
+                                          </p:stCondLst>
+                                        </p:cTn>
+                                        <p:tgtEl>
+                                          <p:spTgt spid="13"/>
+                                        </p:tgtEl>
+                                        <p:attrNameLst>
+                                          <p:attrName>style.visibility</p:attrName>
+                                        </p:attrNameLst>
+                                      </p:cBhvr>
+                                      <p:to>
+                                        <p:strVal val="visible"/>
+                                      </p:to>
+                                    </p:set>
+                                    <p:animEffect transition="in" filter="randombar(horizontal)">
+                                      <p:cBhvr>
+                                        <p:cTn id="19" dur="500"/>
+                                        <p:tgtEl>
+                                          <p:spTgt spid="13"/>
+                                        </p:tgtEl>
+                                      </p:cBhvr>
+                                    </p:animEffect>
+                                  </p:childTnLst>
+                                </p:cTn>
+                              </p:par>
+                              <p:par>
+                                <p:cTn id="20" presetID="14" presetClass="entr" presetSubtype="10" fill="hold" grpId="0" nodeType="withEffect">
+                                  <p:stCondLst>
+                                    <p:cond delay="0"/>
+                                  </p:stCondLst>
+                                  <p:childTnLst>
+                                    <p:set>
+                                      <p:cBhvr>
+                                        <p:cTn id="21" dur="1" fill="hold">
+                                          <p:stCondLst>
+                                            <p:cond delay="0"/>
+                                          </p:stCondLst>
+                                        </p:cTn>
+                                        <p:tgtEl>
+                                          <p:spTgt spid="5"/>
+                                        </p:tgtEl>
+                                        <p:attrNameLst>
+                                          <p:attrName>style.visibility</p:attrName>
+                                        </p:attrNameLst>
+                                      </p:cBhvr>
+                                      <p:to>
+                                        <p:strVal val="visible"/>
+                                      </p:to>
+                                    </p:set>
+                                    <p:animEffect transition="in" filter="randombar(horizontal)">
+                                      <p:cBhvr>
+                                        <p:cTn id="22" dur="500"/>
+                                        <p:tgtEl>
+                                          <p:spTgt spid="5"/>
+                                        </p:tgtEl>
+                                      </p:cBhvr>
+                                    </p:animEffect>
+                                  </p:childTnLst>
+                                </p:cTn>
+                              </p:par>
+                            </p:childTnLst>
+                          </p:cTn>
+                        </p:par>
+                      </p:childTnLst>
+                    </p:cTn>
+                  </p:par>
+                  <p:par>
+                    <p:cTn id="23" fill="hold">
+                      <p:stCondLst>
+                        <p:cond delay="indefinite"/>
+                      </p:stCondLst>
+                      <p:childTnLst>
+                        <p:par>
+                          <p:cTn id="24" fill="hold">
+                            <p:stCondLst>
+                              <p:cond delay="0"/>
+                            </p:stCondLst>
+                            <p:childTnLst>
+                              <p:par>
+                                <p:cTn id="25" presetID="14" presetClass="entr" presetSubtype="10" fill="hold" nodeType="clickEffect">
+                                  <p:stCondLst>
+                                    <p:cond delay="0"/>
+                                  </p:stCondLst>
+                                  <p:childTnLst>
+                                    <p:set>
+                                      <p:cBhvr>
+                                        <p:cTn id="26" dur="1" fill="hold">
+                                          <p:stCondLst>
+                                            <p:cond delay="0"/>
+                                          </p:stCondLst>
+                                        </p:cTn>
+                                        <p:tgtEl>
+                                          <p:spTgt spid="19"/>
+                                        </p:tgtEl>
+                                        <p:attrNameLst>
+                                          <p:attrName>style.visibility</p:attrName>
+                                        </p:attrNameLst>
+                                      </p:cBhvr>
+                                      <p:to>
+                                        <p:strVal val="visible"/>
+                                      </p:to>
+                                    </p:set>
+                                    <p:animEffect transition="in" filter="randombar(horizontal)">
+                                      <p:cBhvr>
+                                        <p:cTn id="27" dur="500"/>
+                                        <p:tgtEl>
+                                          <p:spTgt spid="19"/>
+                                        </p:tgtEl>
+                                      </p:cBhvr>
+                                    </p:animEffect>
+                                  </p:childTnLst>
+                                </p:cTn>
+                              </p:par>
+                              <p:par>
+                                <p:cTn id="28" presetID="14" presetClass="entr" presetSubtype="10" fill="hold" grpId="0" nodeType="withEffect">
+                                  <p:stCondLst>
+                                    <p:cond delay="0"/>
+                                  </p:stCondLst>
+                                  <p:childTnLst>
+                                    <p:set>
+                                      <p:cBhvr>
+                                        <p:cTn id="29" dur="1" fill="hold">
+                                          <p:stCondLst>
+                                            <p:cond delay="0"/>
+                                          </p:stCondLst>
+                                        </p:cTn>
+                                        <p:tgtEl>
+                                          <p:spTgt spid="22"/>
+                                        </p:tgtEl>
+                                        <p:attrNameLst>
+                                          <p:attrName>style.visibility</p:attrName>
+                                        </p:attrNameLst>
+                                      </p:cBhvr>
+                                      <p:to>
+                                        <p:strVal val="visible"/>
+                                      </p:to>
+                                    </p:set>
+                                    <p:animEffect transition="in" filter="randombar(horizontal)">
+                                      <p:cBhvr>
+                                        <p:cTn id="30" dur="500"/>
+                                        <p:tgtEl>
+                                          <p:spTgt spid="22"/>
+                                        </p:tgtEl>
+                                      </p:cBhvr>
+                                    </p:animEffect>
+                                  </p:childTnLst>
+                                </p:cTn>
+                              </p:par>
+                            </p:childTnLst>
+                          </p:cTn>
+                        </p:par>
+                      </p:childTnLst>
+                    </p:cTn>
+                  </p:par>
+                </p:childTnLst>
+              </p:cTn>
+              <p:prevCondLst>
+                <p:cond evt="onPrev" delay="0">
+                  <p:tgtEl>
+                    <p:sldTgt/>
+                  </p:tgtEl>
+                </p:cond>
+              </p:prevCondLst>
+              <p:nextCondLst>
+                <p:cond evt="onNext" delay="0">
+                  <p:tgtEl>
+                    <p:sldTgt/>
+                  </p:tgtEl>
+                </p:cond>
+              </p:nextCondLst>
+            </p:seq>
+          </p:childTnLst>
+        </p:cTn>
+      </p:par>
+    </p:tnLst>
+    <p:bldLst>
+      <p:bldP spid="5" grpId="0"/>
+      <p:bldP spid="21" grpId="0"/>
+      <p:bldP spid="22" grpId="0"/>
+    </p:bldLst>
+  </p:timing>
 </p:sld>
 </file>
 
@@ -12589,13 +13686,13 @@
         </p:nvPicPr>
         <p:blipFill rotWithShape="1">
           <a:blip r:embed="rId4"/>
-          <a:srcRect t="24365"/>
+          <a:srcRect t="24365" b="51703"/>
           <a:stretch/>
         </p:blipFill>
         <p:spPr>
           <a:xfrm>
-            <a:off x="975854" y="1918986"/>
-            <a:ext cx="4180733" cy="4242535"/>
+            <a:off x="1036814" y="1891177"/>
+            <a:ext cx="4180733" cy="1342394"/>
           </a:xfrm>
           <a:prstGeom prst="rect">
             <a:avLst/>
@@ -12616,8 +13713,8 @@
         </p:nvSpPr>
         <p:spPr>
           <a:xfrm>
-            <a:off x="5735226" y="1891177"/>
-            <a:ext cx="6127844" cy="4401205"/>
+            <a:off x="5735226" y="1966134"/>
+            <a:ext cx="5926210" cy="954107"/>
           </a:xfrm>
           <a:prstGeom prst="rect">
             <a:avLst/>
@@ -12636,47 +13733,145 @@
             </a:pPr>
             <a:r>
               <a:rPr lang="en-CA" sz="2800" dirty="0"/>
-              <a:t>Peak seasons are summer and Christmas.</a:t>
-            </a:r>
-          </a:p>
+              <a:t>Peak holiday seasons are Christmas, New Years and Long Weekends.</a:t>
+            </a:r>
+          </a:p>
+        </p:txBody>
+      </p:sp>
+      <p:pic>
+        <p:nvPicPr>
+          <p:cNvPr id="7" name="Picture 6" descr="Chart&#10;&#10;Description automatically generated">
+            <a:extLst>
+              <a:ext uri="{FF2B5EF4-FFF2-40B4-BE49-F238E27FC236}">
+                <a16:creationId xmlns:a16="http://schemas.microsoft.com/office/drawing/2014/main" id="{9A155F25-7EEC-43D0-8475-7A9DE14D6C64}"/>
+              </a:ext>
+            </a:extLst>
+          </p:cNvPr>
+          <p:cNvPicPr>
+            <a:picLocks noChangeAspect="1"/>
+          </p:cNvPicPr>
+          <p:nvPr/>
+        </p:nvPicPr>
+        <p:blipFill rotWithShape="1">
+          <a:blip r:embed="rId4"/>
+          <a:srcRect t="74159"/>
+          <a:stretch/>
+        </p:blipFill>
+        <p:spPr>
+          <a:xfrm>
+            <a:off x="1036814" y="4888499"/>
+            <a:ext cx="4180733" cy="1449457"/>
+          </a:xfrm>
+          <a:prstGeom prst="rect">
+            <a:avLst/>
+          </a:prstGeom>
+        </p:spPr>
+      </p:pic>
+      <p:pic>
+        <p:nvPicPr>
+          <p:cNvPr id="8" name="Picture 7" descr="Chart&#10;&#10;Description automatically generated">
+            <a:extLst>
+              <a:ext uri="{FF2B5EF4-FFF2-40B4-BE49-F238E27FC236}">
+                <a16:creationId xmlns:a16="http://schemas.microsoft.com/office/drawing/2014/main" id="{726A2FF7-2CDE-465F-977F-ED51A3DBC346}"/>
+              </a:ext>
+            </a:extLst>
+          </p:cNvPr>
+          <p:cNvPicPr>
+            <a:picLocks noChangeAspect="1"/>
+          </p:cNvPicPr>
+          <p:nvPr/>
+        </p:nvPicPr>
+        <p:blipFill rotWithShape="1">
+          <a:blip r:embed="rId4"/>
+          <a:srcRect t="49936" r="-3123" b="24599"/>
+          <a:stretch/>
+        </p:blipFill>
+        <p:spPr>
+          <a:xfrm>
+            <a:off x="1036814" y="3407577"/>
+            <a:ext cx="4311293" cy="1428386"/>
+          </a:xfrm>
+          <a:prstGeom prst="rect">
+            <a:avLst/>
+          </a:prstGeom>
+        </p:spPr>
+      </p:pic>
+      <p:sp>
+        <p:nvSpPr>
+          <p:cNvPr id="11" name="TextBox 10">
+            <a:extLst>
+              <a:ext uri="{FF2B5EF4-FFF2-40B4-BE49-F238E27FC236}">
+                <a16:creationId xmlns:a16="http://schemas.microsoft.com/office/drawing/2014/main" id="{95CFB186-DB91-4B5E-A058-BEFB522BB9FE}"/>
+              </a:ext>
+            </a:extLst>
+          </p:cNvPr>
+          <p:cNvSpPr txBox="1"/>
+          <p:nvPr/>
+        </p:nvSpPr>
+        <p:spPr>
+          <a:xfrm>
+            <a:off x="5735226" y="3513242"/>
+            <a:ext cx="5926210" cy="954107"/>
+          </a:xfrm>
+          <a:prstGeom prst="rect">
+            <a:avLst/>
+          </a:prstGeom>
+          <a:noFill/>
+        </p:spPr>
+        <p:txBody>
+          <a:bodyPr wrap="square" rtlCol="0">
+            <a:spAutoFit/>
+          </a:bodyPr>
+          <a:lstStyle/>
           <a:p>
             <a:pPr marL="457200" indent="-457200">
               <a:buFont typeface="Arial" panose="020B0604020202020204" pitchFamily="34" charset="0"/>
               <a:buChar char="•"/>
             </a:pPr>
             <a:r>
-              <a:rPr lang="en-CA" sz="2800" dirty="0"/>
-              <a:t>Having a public holiday close to the weekend increase the rates too.</a:t>
-            </a:r>
-          </a:p>
+              <a:rPr lang="en-US" sz="2800" dirty="0"/>
+              <a:t>High Demands for Airbnb Rentals on the Weekends.</a:t>
+            </a:r>
+            <a:endParaRPr lang="en-CA" sz="2800" dirty="0"/>
+          </a:p>
+        </p:txBody>
+      </p:sp>
+      <p:sp>
+        <p:nvSpPr>
+          <p:cNvPr id="12" name="TextBox 11">
+            <a:extLst>
+              <a:ext uri="{FF2B5EF4-FFF2-40B4-BE49-F238E27FC236}">
+                <a16:creationId xmlns:a16="http://schemas.microsoft.com/office/drawing/2014/main" id="{454E4FEA-C506-49C2-B178-BFE061D854C3}"/>
+              </a:ext>
+            </a:extLst>
+          </p:cNvPr>
+          <p:cNvSpPr txBox="1"/>
+          <p:nvPr/>
+        </p:nvSpPr>
+        <p:spPr>
+          <a:xfrm>
+            <a:off x="5735226" y="5028506"/>
+            <a:ext cx="5926210" cy="954107"/>
+          </a:xfrm>
+          <a:prstGeom prst="rect">
+            <a:avLst/>
+          </a:prstGeom>
+          <a:noFill/>
+        </p:spPr>
+        <p:txBody>
+          <a:bodyPr wrap="square" rtlCol="0">
+            <a:spAutoFit/>
+          </a:bodyPr>
+          <a:lstStyle/>
           <a:p>
             <a:pPr marL="457200" indent="-457200">
               <a:buFont typeface="Arial" panose="020B0604020202020204" pitchFamily="34" charset="0"/>
               <a:buChar char="•"/>
             </a:pPr>
             <a:r>
-              <a:rPr lang="en-CA" sz="2800" dirty="0"/>
-              <a:t>Weekends have the highest rates during the week.</a:t>
-            </a:r>
-          </a:p>
-          <a:p>
-            <a:pPr marL="457200" indent="-457200">
-              <a:buFont typeface="Arial" panose="020B0604020202020204" pitchFamily="34" charset="0"/>
-              <a:buChar char="•"/>
-            </a:pPr>
-            <a:r>
-              <a:rPr lang="en-CA" sz="2800" dirty="0"/>
-              <a:t>Rates drop significantly during the coldest months of the year.</a:t>
-            </a:r>
-          </a:p>
-          <a:p>
-            <a:pPr marL="457200" indent="-457200">
-              <a:buFont typeface="Arial" panose="020B0604020202020204" pitchFamily="34" charset="0"/>
-              <a:buChar char="•"/>
-            </a:pPr>
-            <a:endParaRPr lang="en-CA" sz="2800" dirty="0"/>
-          </a:p>
-          <a:p>
+              <a:rPr lang="en-US" sz="2800" dirty="0"/>
+              <a:t>Summer months tend to have higher rates than winter months.</a:t>
+            </a:r>
             <a:endParaRPr lang="en-CA" sz="2800" dirty="0"/>
           </a:p>
         </p:txBody>
@@ -12691,6 +13886,305 @@
   <p:clrMapOvr>
     <a:masterClrMapping/>
   </p:clrMapOvr>
+  <p:timing>
+    <p:tnLst>
+      <p:par>
+        <p:cTn id="1" dur="indefinite" restart="never" nodeType="tmRoot">
+          <p:childTnLst>
+            <p:seq concurrent="1" nextAc="seek">
+              <p:cTn id="2" dur="indefinite" nodeType="mainSeq">
+                <p:childTnLst>
+                  <p:par>
+                    <p:cTn id="3" fill="hold">
+                      <p:stCondLst>
+                        <p:cond delay="indefinite"/>
+                      </p:stCondLst>
+                      <p:childTnLst>
+                        <p:par>
+                          <p:cTn id="4" fill="hold">
+                            <p:stCondLst>
+                              <p:cond delay="0"/>
+                            </p:stCondLst>
+                            <p:childTnLst>
+                              <p:par>
+                                <p:cTn id="5" presetID="16" presetClass="entr" presetSubtype="21" fill="hold" nodeType="clickEffect">
+                                  <p:stCondLst>
+                                    <p:cond delay="0"/>
+                                  </p:stCondLst>
+                                  <p:childTnLst>
+                                    <p:set>
+                                      <p:cBhvr>
+                                        <p:cTn id="6" dur="1" fill="hold">
+                                          <p:stCondLst>
+                                            <p:cond delay="0"/>
+                                          </p:stCondLst>
+                                        </p:cTn>
+                                        <p:tgtEl>
+                                          <p:spTgt spid="4"/>
+                                        </p:tgtEl>
+                                        <p:attrNameLst>
+                                          <p:attrName>style.visibility</p:attrName>
+                                        </p:attrNameLst>
+                                      </p:cBhvr>
+                                      <p:to>
+                                        <p:strVal val="visible"/>
+                                      </p:to>
+                                    </p:set>
+                                    <p:animEffect transition="in" filter="barn(inVertical)">
+                                      <p:cBhvr>
+                                        <p:cTn id="7" dur="500"/>
+                                        <p:tgtEl>
+                                          <p:spTgt spid="4"/>
+                                        </p:tgtEl>
+                                      </p:cBhvr>
+                                    </p:animEffect>
+                                  </p:childTnLst>
+                                </p:cTn>
+                              </p:par>
+                              <p:par>
+                                <p:cTn id="8" presetID="16" presetClass="entr" presetSubtype="21" fill="hold" grpId="0" nodeType="withEffect">
+                                  <p:stCondLst>
+                                    <p:cond delay="0"/>
+                                  </p:stCondLst>
+                                  <p:childTnLst>
+                                    <p:set>
+                                      <p:cBhvr>
+                                        <p:cTn id="9" dur="1" fill="hold">
+                                          <p:stCondLst>
+                                            <p:cond delay="0"/>
+                                          </p:stCondLst>
+                                        </p:cTn>
+                                        <p:tgtEl>
+                                          <p:spTgt spid="3"/>
+                                        </p:tgtEl>
+                                        <p:attrNameLst>
+                                          <p:attrName>style.visibility</p:attrName>
+                                        </p:attrNameLst>
+                                      </p:cBhvr>
+                                      <p:to>
+                                        <p:strVal val="visible"/>
+                                      </p:to>
+                                    </p:set>
+                                    <p:animEffect transition="in" filter="barn(inVertical)">
+                                      <p:cBhvr>
+                                        <p:cTn id="10" dur="500"/>
+                                        <p:tgtEl>
+                                          <p:spTgt spid="3"/>
+                                        </p:tgtEl>
+                                      </p:cBhvr>
+                                    </p:animEffect>
+                                  </p:childTnLst>
+                                </p:cTn>
+                              </p:par>
+                            </p:childTnLst>
+                          </p:cTn>
+                        </p:par>
+                      </p:childTnLst>
+                    </p:cTn>
+                  </p:par>
+                  <p:par>
+                    <p:cTn id="11" fill="hold">
+                      <p:stCondLst>
+                        <p:cond delay="indefinite"/>
+                      </p:stCondLst>
+                      <p:childTnLst>
+                        <p:par>
+                          <p:cTn id="12" fill="hold">
+                            <p:stCondLst>
+                              <p:cond delay="0"/>
+                            </p:stCondLst>
+                            <p:childTnLst>
+                              <p:par>
+                                <p:cTn id="13" presetID="16" presetClass="entr" presetSubtype="21" fill="hold" nodeType="clickEffect">
+                                  <p:stCondLst>
+                                    <p:cond delay="0"/>
+                                  </p:stCondLst>
+                                  <p:childTnLst>
+                                    <p:set>
+                                      <p:cBhvr>
+                                        <p:cTn id="14" dur="1" fill="hold">
+                                          <p:stCondLst>
+                                            <p:cond delay="0"/>
+                                          </p:stCondLst>
+                                        </p:cTn>
+                                        <p:tgtEl>
+                                          <p:spTgt spid="8"/>
+                                        </p:tgtEl>
+                                        <p:attrNameLst>
+                                          <p:attrName>style.visibility</p:attrName>
+                                        </p:attrNameLst>
+                                      </p:cBhvr>
+                                      <p:to>
+                                        <p:strVal val="visible"/>
+                                      </p:to>
+                                    </p:set>
+                                    <p:animEffect transition="in" filter="barn(inVertical)">
+                                      <p:cBhvr>
+                                        <p:cTn id="15" dur="500"/>
+                                        <p:tgtEl>
+                                          <p:spTgt spid="8"/>
+                                        </p:tgtEl>
+                                      </p:cBhvr>
+                                    </p:animEffect>
+                                  </p:childTnLst>
+                                </p:cTn>
+                              </p:par>
+                              <p:par>
+                                <p:cTn id="16" presetID="16" presetClass="entr" presetSubtype="21" fill="hold" grpId="0" nodeType="withEffect">
+                                  <p:stCondLst>
+                                    <p:cond delay="0"/>
+                                  </p:stCondLst>
+                                  <p:childTnLst>
+                                    <p:set>
+                                      <p:cBhvr>
+                                        <p:cTn id="17" dur="1" fill="hold">
+                                          <p:stCondLst>
+                                            <p:cond delay="0"/>
+                                          </p:stCondLst>
+                                        </p:cTn>
+                                        <p:tgtEl>
+                                          <p:spTgt spid="11"/>
+                                        </p:tgtEl>
+                                        <p:attrNameLst>
+                                          <p:attrName>style.visibility</p:attrName>
+                                        </p:attrNameLst>
+                                      </p:cBhvr>
+                                      <p:to>
+                                        <p:strVal val="visible"/>
+                                      </p:to>
+                                    </p:set>
+                                    <p:animEffect transition="in" filter="barn(inVertical)">
+                                      <p:cBhvr>
+                                        <p:cTn id="18" dur="500"/>
+                                        <p:tgtEl>
+                                          <p:spTgt spid="11"/>
+                                        </p:tgtEl>
+                                      </p:cBhvr>
+                                    </p:animEffect>
+                                  </p:childTnLst>
+                                </p:cTn>
+                              </p:par>
+                            </p:childTnLst>
+                          </p:cTn>
+                        </p:par>
+                      </p:childTnLst>
+                    </p:cTn>
+                  </p:par>
+                  <p:par>
+                    <p:cTn id="19" fill="hold">
+                      <p:stCondLst>
+                        <p:cond delay="indefinite"/>
+                      </p:stCondLst>
+                      <p:childTnLst>
+                        <p:par>
+                          <p:cTn id="20" fill="hold">
+                            <p:stCondLst>
+                              <p:cond delay="0"/>
+                            </p:stCondLst>
+                            <p:childTnLst>
+                              <p:par>
+                                <p:cTn id="21" presetID="16" presetClass="entr" presetSubtype="21" fill="hold" nodeType="clickEffect">
+                                  <p:stCondLst>
+                                    <p:cond delay="0"/>
+                                  </p:stCondLst>
+                                  <p:childTnLst>
+                                    <p:set>
+                                      <p:cBhvr>
+                                        <p:cTn id="22" dur="1" fill="hold">
+                                          <p:stCondLst>
+                                            <p:cond delay="0"/>
+                                          </p:stCondLst>
+                                        </p:cTn>
+                                        <p:tgtEl>
+                                          <p:spTgt spid="7"/>
+                                        </p:tgtEl>
+                                        <p:attrNameLst>
+                                          <p:attrName>style.visibility</p:attrName>
+                                        </p:attrNameLst>
+                                      </p:cBhvr>
+                                      <p:to>
+                                        <p:strVal val="visible"/>
+                                      </p:to>
+                                    </p:set>
+                                    <p:animEffect transition="in" filter="barn(inVertical)">
+                                      <p:cBhvr>
+                                        <p:cTn id="23" dur="500"/>
+                                        <p:tgtEl>
+                                          <p:spTgt spid="7"/>
+                                        </p:tgtEl>
+                                      </p:cBhvr>
+                                    </p:animEffect>
+                                  </p:childTnLst>
+                                </p:cTn>
+                              </p:par>
+                              <p:par>
+                                <p:cTn id="24" presetID="16" presetClass="entr" presetSubtype="21" fill="hold" grpId="0" nodeType="withEffect">
+                                  <p:stCondLst>
+                                    <p:cond delay="0"/>
+                                  </p:stCondLst>
+                                  <p:childTnLst>
+                                    <p:set>
+                                      <p:cBhvr>
+                                        <p:cTn id="25" dur="1" fill="hold">
+                                          <p:stCondLst>
+                                            <p:cond delay="0"/>
+                                          </p:stCondLst>
+                                        </p:cTn>
+                                        <p:tgtEl>
+                                          <p:spTgt spid="12"/>
+                                        </p:tgtEl>
+                                        <p:attrNameLst>
+                                          <p:attrName>style.visibility</p:attrName>
+                                        </p:attrNameLst>
+                                      </p:cBhvr>
+                                      <p:to>
+                                        <p:strVal val="visible"/>
+                                      </p:to>
+                                    </p:set>
+                                    <p:animEffect transition="in" filter="barn(inVertical)">
+                                      <p:cBhvr>
+                                        <p:cTn id="26" dur="500"/>
+                                        <p:tgtEl>
+                                          <p:spTgt spid="12"/>
+                                        </p:tgtEl>
+                                      </p:cBhvr>
+                                    </p:animEffect>
+                                  </p:childTnLst>
+                                </p:cTn>
+                              </p:par>
+                            </p:childTnLst>
+                          </p:cTn>
+                        </p:par>
+                      </p:childTnLst>
+                    </p:cTn>
+                  </p:par>
+                </p:childTnLst>
+              </p:cTn>
+              <p:prevCondLst>
+                <p:cond evt="onPrev" delay="0">
+                  <p:tgtEl>
+                    <p:sldTgt/>
+                  </p:tgtEl>
+                </p:cond>
+              </p:prevCondLst>
+              <p:nextCondLst>
+                <p:cond evt="onNext" delay="0">
+                  <p:tgtEl>
+                    <p:sldTgt/>
+                  </p:tgtEl>
+                </p:cond>
+              </p:nextCondLst>
+            </p:seq>
+          </p:childTnLst>
+        </p:cTn>
+      </p:par>
+    </p:tnLst>
+    <p:bldLst>
+      <p:bldP spid="3" grpId="0"/>
+      <p:bldP spid="11" grpId="0"/>
+      <p:bldP spid="12" grpId="0"/>
+    </p:bldLst>
+  </p:timing>
 </p:sld>
 </file>
 
@@ -13365,7 +14859,7 @@
         <p:spPr>
           <a:xfrm>
             <a:off x="1263535" y="1837113"/>
-            <a:ext cx="8761614" cy="3693319"/>
+            <a:ext cx="8761614" cy="4247317"/>
           </a:xfrm>
           <a:prstGeom prst="rect">
             <a:avLst/>
@@ -13440,6 +14934,23 @@
             <a:r>
               <a:rPr lang="en-US" dirty="0"/>
               <a:t> New York City news info and include in Dashboard</a:t>
+            </a:r>
+          </a:p>
+          <a:p>
+            <a:pPr marL="285750" indent="-285750">
+              <a:buFont typeface="Arial" panose="020B0604020202020204" pitchFamily="34" charset="0"/>
+              <a:buChar char="•"/>
+            </a:pPr>
+            <a:endParaRPr lang="en-US" dirty="0"/>
+          </a:p>
+          <a:p>
+            <a:pPr marL="285750" indent="-285750">
+              <a:buFont typeface="Arial" panose="020B0604020202020204" pitchFamily="34" charset="0"/>
+              <a:buChar char="•"/>
+            </a:pPr>
+            <a:r>
+              <a:rPr lang="en-US" dirty="0"/>
+              <a:t>Look into customer demographics to see types of units they book.</a:t>
             </a:r>
           </a:p>
           <a:p>

--- a/Airbnb Price Predictions (Model).pptx
+++ b/Airbnb Price Predictions (Model).pptx
@@ -2968,10 +2968,45 @@
           <a:p>
             <a:r>
               <a:rPr lang="en-US" dirty="0"/>
-              <a:t>Before I go into explaining the modeling process, I will explain on some of our key findings.  The different model shows that we cannot just price a unit based on 1 criteria, we need to consider factors like location, the size and the accommodation of the features.  </a:t>
-            </a:r>
-          </a:p>
-          <a:p>
+              <a:t>Before I go into explaining the modeling process, I will explain on some of our key findings.  </a:t>
+            </a:r>
+          </a:p>
+          <a:p>
+            <a:endParaRPr lang="en-US" dirty="0"/>
+          </a:p>
+          <a:p>
+            <a:pPr marL="228600" indent="-228600">
+              <a:buAutoNum type="arabicParenR"/>
+            </a:pPr>
+            <a:r>
+              <a:rPr lang="en-US" dirty="0"/>
+              <a:t>First, it is critical to price depending on the time of the year.  Different seasons, holidays, long weekends and day of the week can help the host price their units to maximize revenue.</a:t>
+            </a:r>
+          </a:p>
+          <a:p>
+            <a:pPr marL="228600" indent="-228600">
+              <a:buAutoNum type="arabicParenR"/>
+            </a:pPr>
+            <a:endParaRPr lang="en-US" dirty="0"/>
+          </a:p>
+          <a:p>
+            <a:pPr marL="228600" indent="-228600">
+              <a:buAutoNum type="arabicParenR"/>
+            </a:pPr>
+            <a:r>
+              <a:rPr lang="en-US" dirty="0"/>
+              <a:t>Size of the units and location does matter</a:t>
+            </a:r>
+            <a:r>
+              <a:rPr lang="en-US"/>
+              <a:t>.  </a:t>
+            </a:r>
+            <a:endParaRPr lang="en-US" dirty="0"/>
+          </a:p>
+          <a:p>
+            <a:pPr marL="228600" indent="-228600">
+              <a:buAutoNum type="arabicParenR"/>
+            </a:pPr>
             <a:endParaRPr lang="en-US" dirty="0"/>
           </a:p>
         </p:txBody>
@@ -15925,7 +15960,7 @@
                             </p:stCondLst>
                             <p:childTnLst>
                               <p:par>
-                                <p:cTn id="5" presetID="1" presetClass="entr" presetSubtype="0" fill="hold" nodeType="clickEffect">
+                                <p:cTn id="5" presetID="53" presetClass="entr" presetSubtype="16" fill="hold" nodeType="clickEffect">
                                   <p:stCondLst>
                                     <p:cond delay="0"/>
                                   </p:stCondLst>
@@ -15933,6 +15968,351 @@
                                     <p:set>
                                       <p:cBhvr>
                                         <p:cTn id="6" dur="1" fill="hold">
+                                          <p:stCondLst>
+                                            <p:cond delay="0"/>
+                                          </p:stCondLst>
+                                        </p:cTn>
+                                        <p:tgtEl>
+                                          <p:spTgt spid="4">
+                                            <p:txEl>
+                                              <p:pRg st="0" end="0"/>
+                                            </p:txEl>
+                                          </p:spTgt>
+                                        </p:tgtEl>
+                                        <p:attrNameLst>
+                                          <p:attrName>style.visibility</p:attrName>
+                                        </p:attrNameLst>
+                                      </p:cBhvr>
+                                      <p:to>
+                                        <p:strVal val="visible"/>
+                                      </p:to>
+                                    </p:set>
+                                    <p:anim calcmode="lin" valueType="num">
+                                      <p:cBhvr>
+                                        <p:cTn id="7" dur="500" fill="hold"/>
+                                        <p:tgtEl>
+                                          <p:spTgt spid="4">
+                                            <p:txEl>
+                                              <p:pRg st="0" end="0"/>
+                                            </p:txEl>
+                                          </p:spTgt>
+                                        </p:tgtEl>
+                                        <p:attrNameLst>
+                                          <p:attrName>ppt_w</p:attrName>
+                                        </p:attrNameLst>
+                                      </p:cBhvr>
+                                      <p:tavLst>
+                                        <p:tav tm="0">
+                                          <p:val>
+                                            <p:fltVal val="0"/>
+                                          </p:val>
+                                        </p:tav>
+                                        <p:tav tm="100000">
+                                          <p:val>
+                                            <p:strVal val="#ppt_w"/>
+                                          </p:val>
+                                        </p:tav>
+                                      </p:tavLst>
+                                    </p:anim>
+                                    <p:anim calcmode="lin" valueType="num">
+                                      <p:cBhvr>
+                                        <p:cTn id="8" dur="500" fill="hold"/>
+                                        <p:tgtEl>
+                                          <p:spTgt spid="4">
+                                            <p:txEl>
+                                              <p:pRg st="0" end="0"/>
+                                            </p:txEl>
+                                          </p:spTgt>
+                                        </p:tgtEl>
+                                        <p:attrNameLst>
+                                          <p:attrName>ppt_h</p:attrName>
+                                        </p:attrNameLst>
+                                      </p:cBhvr>
+                                      <p:tavLst>
+                                        <p:tav tm="0">
+                                          <p:val>
+                                            <p:fltVal val="0"/>
+                                          </p:val>
+                                        </p:tav>
+                                        <p:tav tm="100000">
+                                          <p:val>
+                                            <p:strVal val="#ppt_h"/>
+                                          </p:val>
+                                        </p:tav>
+                                      </p:tavLst>
+                                    </p:anim>
+                                    <p:animEffect transition="in" filter="fade">
+                                      <p:cBhvr>
+                                        <p:cTn id="9" dur="500"/>
+                                        <p:tgtEl>
+                                          <p:spTgt spid="4">
+                                            <p:txEl>
+                                              <p:pRg st="0" end="0"/>
+                                            </p:txEl>
+                                          </p:spTgt>
+                                        </p:tgtEl>
+                                      </p:cBhvr>
+                                    </p:animEffect>
+                                  </p:childTnLst>
+                                </p:cTn>
+                              </p:par>
+                            </p:childTnLst>
+                          </p:cTn>
+                        </p:par>
+                      </p:childTnLst>
+                    </p:cTn>
+                  </p:par>
+                  <p:par>
+                    <p:cTn id="10" fill="hold">
+                      <p:stCondLst>
+                        <p:cond delay="indefinite"/>
+                      </p:stCondLst>
+                      <p:childTnLst>
+                        <p:par>
+                          <p:cTn id="11" fill="hold">
+                            <p:stCondLst>
+                              <p:cond delay="0"/>
+                            </p:stCondLst>
+                            <p:childTnLst>
+                              <p:par>
+                                <p:cTn id="12" presetID="53" presetClass="entr" presetSubtype="16" fill="hold" nodeType="clickEffect">
+                                  <p:stCondLst>
+                                    <p:cond delay="0"/>
+                                  </p:stCondLst>
+                                  <p:childTnLst>
+                                    <p:set>
+                                      <p:cBhvr>
+                                        <p:cTn id="13" dur="1" fill="hold">
+                                          <p:stCondLst>
+                                            <p:cond delay="0"/>
+                                          </p:stCondLst>
+                                        </p:cTn>
+                                        <p:tgtEl>
+                                          <p:spTgt spid="4">
+                                            <p:txEl>
+                                              <p:pRg st="2" end="2"/>
+                                            </p:txEl>
+                                          </p:spTgt>
+                                        </p:tgtEl>
+                                        <p:attrNameLst>
+                                          <p:attrName>style.visibility</p:attrName>
+                                        </p:attrNameLst>
+                                      </p:cBhvr>
+                                      <p:to>
+                                        <p:strVal val="visible"/>
+                                      </p:to>
+                                    </p:set>
+                                    <p:anim calcmode="lin" valueType="num">
+                                      <p:cBhvr>
+                                        <p:cTn id="14" dur="500" fill="hold"/>
+                                        <p:tgtEl>
+                                          <p:spTgt spid="4">
+                                            <p:txEl>
+                                              <p:pRg st="2" end="2"/>
+                                            </p:txEl>
+                                          </p:spTgt>
+                                        </p:tgtEl>
+                                        <p:attrNameLst>
+                                          <p:attrName>ppt_w</p:attrName>
+                                        </p:attrNameLst>
+                                      </p:cBhvr>
+                                      <p:tavLst>
+                                        <p:tav tm="0">
+                                          <p:val>
+                                            <p:fltVal val="0"/>
+                                          </p:val>
+                                        </p:tav>
+                                        <p:tav tm="100000">
+                                          <p:val>
+                                            <p:strVal val="#ppt_w"/>
+                                          </p:val>
+                                        </p:tav>
+                                      </p:tavLst>
+                                    </p:anim>
+                                    <p:anim calcmode="lin" valueType="num">
+                                      <p:cBhvr>
+                                        <p:cTn id="15" dur="500" fill="hold"/>
+                                        <p:tgtEl>
+                                          <p:spTgt spid="4">
+                                            <p:txEl>
+                                              <p:pRg st="2" end="2"/>
+                                            </p:txEl>
+                                          </p:spTgt>
+                                        </p:tgtEl>
+                                        <p:attrNameLst>
+                                          <p:attrName>ppt_h</p:attrName>
+                                        </p:attrNameLst>
+                                      </p:cBhvr>
+                                      <p:tavLst>
+                                        <p:tav tm="0">
+                                          <p:val>
+                                            <p:fltVal val="0"/>
+                                          </p:val>
+                                        </p:tav>
+                                        <p:tav tm="100000">
+                                          <p:val>
+                                            <p:strVal val="#ppt_h"/>
+                                          </p:val>
+                                        </p:tav>
+                                      </p:tavLst>
+                                    </p:anim>
+                                    <p:animEffect transition="in" filter="fade">
+                                      <p:cBhvr>
+                                        <p:cTn id="16" dur="500"/>
+                                        <p:tgtEl>
+                                          <p:spTgt spid="4">
+                                            <p:txEl>
+                                              <p:pRg st="2" end="2"/>
+                                            </p:txEl>
+                                          </p:spTgt>
+                                        </p:tgtEl>
+                                      </p:cBhvr>
+                                    </p:animEffect>
+                                  </p:childTnLst>
+                                </p:cTn>
+                              </p:par>
+                            </p:childTnLst>
+                          </p:cTn>
+                        </p:par>
+                      </p:childTnLst>
+                    </p:cTn>
+                  </p:par>
+                  <p:par>
+                    <p:cTn id="17" fill="hold">
+                      <p:stCondLst>
+                        <p:cond delay="indefinite"/>
+                      </p:stCondLst>
+                      <p:childTnLst>
+                        <p:par>
+                          <p:cTn id="18" fill="hold">
+                            <p:stCondLst>
+                              <p:cond delay="0"/>
+                            </p:stCondLst>
+                            <p:childTnLst>
+                              <p:par>
+                                <p:cTn id="19" presetID="53" presetClass="entr" presetSubtype="16" fill="hold" nodeType="clickEffect">
+                                  <p:stCondLst>
+                                    <p:cond delay="0"/>
+                                  </p:stCondLst>
+                                  <p:childTnLst>
+                                    <p:set>
+                                      <p:cBhvr>
+                                        <p:cTn id="20" dur="1" fill="hold">
+                                          <p:stCondLst>
+                                            <p:cond delay="0"/>
+                                          </p:stCondLst>
+                                        </p:cTn>
+                                        <p:tgtEl>
+                                          <p:spTgt spid="4">
+                                            <p:txEl>
+                                              <p:pRg st="4" end="4"/>
+                                            </p:txEl>
+                                          </p:spTgt>
+                                        </p:tgtEl>
+                                        <p:attrNameLst>
+                                          <p:attrName>style.visibility</p:attrName>
+                                        </p:attrNameLst>
+                                      </p:cBhvr>
+                                      <p:to>
+                                        <p:strVal val="visible"/>
+                                      </p:to>
+                                    </p:set>
+                                    <p:anim calcmode="lin" valueType="num">
+                                      <p:cBhvr>
+                                        <p:cTn id="21" dur="500" fill="hold"/>
+                                        <p:tgtEl>
+                                          <p:spTgt spid="4">
+                                            <p:txEl>
+                                              <p:pRg st="4" end="4"/>
+                                            </p:txEl>
+                                          </p:spTgt>
+                                        </p:tgtEl>
+                                        <p:attrNameLst>
+                                          <p:attrName>ppt_w</p:attrName>
+                                        </p:attrNameLst>
+                                      </p:cBhvr>
+                                      <p:tavLst>
+                                        <p:tav tm="0">
+                                          <p:val>
+                                            <p:fltVal val="0"/>
+                                          </p:val>
+                                        </p:tav>
+                                        <p:tav tm="100000">
+                                          <p:val>
+                                            <p:strVal val="#ppt_w"/>
+                                          </p:val>
+                                        </p:tav>
+                                      </p:tavLst>
+                                    </p:anim>
+                                    <p:anim calcmode="lin" valueType="num">
+                                      <p:cBhvr>
+                                        <p:cTn id="22" dur="500" fill="hold"/>
+                                        <p:tgtEl>
+                                          <p:spTgt spid="4">
+                                            <p:txEl>
+                                              <p:pRg st="4" end="4"/>
+                                            </p:txEl>
+                                          </p:spTgt>
+                                        </p:tgtEl>
+                                        <p:attrNameLst>
+                                          <p:attrName>ppt_h</p:attrName>
+                                        </p:attrNameLst>
+                                      </p:cBhvr>
+                                      <p:tavLst>
+                                        <p:tav tm="0">
+                                          <p:val>
+                                            <p:fltVal val="0"/>
+                                          </p:val>
+                                        </p:tav>
+                                        <p:tav tm="100000">
+                                          <p:val>
+                                            <p:strVal val="#ppt_h"/>
+                                          </p:val>
+                                        </p:tav>
+                                      </p:tavLst>
+                                    </p:anim>
+                                    <p:animEffect transition="in" filter="fade">
+                                      <p:cBhvr>
+                                        <p:cTn id="23" dur="500"/>
+                                        <p:tgtEl>
+                                          <p:spTgt spid="4">
+                                            <p:txEl>
+                                              <p:pRg st="4" end="4"/>
+                                            </p:txEl>
+                                          </p:spTgt>
+                                        </p:tgtEl>
+                                      </p:cBhvr>
+                                    </p:animEffect>
+                                  </p:childTnLst>
+                                </p:cTn>
+                              </p:par>
+                            </p:childTnLst>
+                          </p:cTn>
+                        </p:par>
+                      </p:childTnLst>
+                    </p:cTn>
+                  </p:par>
+                  <p:par>
+                    <p:cTn id="24" fill="hold">
+                      <p:stCondLst>
+                        <p:cond delay="indefinite"/>
+                      </p:stCondLst>
+                      <p:childTnLst>
+                        <p:par>
+                          <p:cTn id="25" fill="hold">
+                            <p:stCondLst>
+                              <p:cond delay="0"/>
+                            </p:stCondLst>
+                            <p:childTnLst>
+                              <p:par>
+                                <p:cTn id="26" presetID="53" presetClass="entr" presetSubtype="16" fill="hold" nodeType="clickEffect">
+                                  <p:stCondLst>
+                                    <p:cond delay="0"/>
+                                  </p:stCondLst>
+                                  <p:childTnLst>
+                                    <p:set>
+                                      <p:cBhvr>
+                                        <p:cTn id="27" dur="1" fill="hold">
                                           <p:stCondLst>
                                             <p:cond delay="0"/>
                                           </p:stCondLst>
@@ -15952,6 +16332,72 @@
                                         <p:strVal val="visible"/>
                                       </p:to>
                                     </p:set>
+                                    <p:anim calcmode="lin" valueType="num">
+                                      <p:cBhvr>
+                                        <p:cTn id="28" dur="500" fill="hold"/>
+                                        <p:tgtEl>
+                                          <p:spTgt spid="4">
+                                            <p:txEl>
+                                              <p:pRg st="6" end="6"/>
+                                            </p:txEl>
+                                          </p:spTgt>
+                                        </p:tgtEl>
+                                        <p:attrNameLst>
+                                          <p:attrName>ppt_w</p:attrName>
+                                        </p:attrNameLst>
+                                      </p:cBhvr>
+                                      <p:tavLst>
+                                        <p:tav tm="0">
+                                          <p:val>
+                                            <p:fltVal val="0"/>
+                                          </p:val>
+                                        </p:tav>
+                                        <p:tav tm="100000">
+                                          <p:val>
+                                            <p:strVal val="#ppt_w"/>
+                                          </p:val>
+                                        </p:tav>
+                                      </p:tavLst>
+                                    </p:anim>
+                                    <p:anim calcmode="lin" valueType="num">
+                                      <p:cBhvr>
+                                        <p:cTn id="29" dur="500" fill="hold"/>
+                                        <p:tgtEl>
+                                          <p:spTgt spid="4">
+                                            <p:txEl>
+                                              <p:pRg st="6" end="6"/>
+                                            </p:txEl>
+                                          </p:spTgt>
+                                        </p:tgtEl>
+                                        <p:attrNameLst>
+                                          <p:attrName>ppt_h</p:attrName>
+                                        </p:attrNameLst>
+                                      </p:cBhvr>
+                                      <p:tavLst>
+                                        <p:tav tm="0">
+                                          <p:val>
+                                            <p:fltVal val="0"/>
+                                          </p:val>
+                                        </p:tav>
+                                        <p:tav tm="100000">
+                                          <p:val>
+                                            <p:strVal val="#ppt_h"/>
+                                          </p:val>
+                                        </p:tav>
+                                      </p:tavLst>
+                                    </p:anim>
+                                    <p:animEffect transition="in" filter="fade">
+                                      <p:cBhvr>
+                                        <p:cTn id="30" dur="500"/>
+                                        <p:tgtEl>
+                                          <p:spTgt spid="4">
+                                            <p:txEl>
+                                              <p:pRg st="6" end="6"/>
+                                            </p:txEl>
+                                          </p:spTgt>
+                                        </p:tgtEl>
+                                      </p:cBhvr>
+                                    </p:animEffect>
                                   </p:childTnLst>
                                 </p:cTn>
                               </p:par>
@@ -15962,222 +16408,26 @@
                     </p:cTn>
                   </p:par>
                   <p:par>
-                    <p:cTn id="7" fill="hold">
+                    <p:cTn id="31" fill="hold">
                       <p:stCondLst>
                         <p:cond delay="indefinite"/>
                       </p:stCondLst>
                       <p:childTnLst>
                         <p:par>
-                          <p:cTn id="8" fill="hold">
+                          <p:cTn id="32" fill="hold">
                             <p:stCondLst>
                               <p:cond delay="0"/>
                             </p:stCondLst>
                             <p:childTnLst>
                               <p:par>
-                                <p:cTn id="9" presetID="1" presetClass="entr" presetSubtype="0" fill="hold" nodeType="clickEffect">
+                                <p:cTn id="33" presetID="53" presetClass="entr" presetSubtype="16" fill="hold" nodeType="clickEffect">
                                   <p:stCondLst>
                                     <p:cond delay="0"/>
                                   </p:stCondLst>
                                   <p:childTnLst>
                                     <p:set>
                                       <p:cBhvr>
-                                        <p:cTn id="10" dur="1" fill="hold">
-                                          <p:stCondLst>
-                                            <p:cond delay="0"/>
-                                          </p:stCondLst>
-                                        </p:cTn>
-                                        <p:tgtEl>
-                                          <p:spTgt spid="4">
-                                            <p:txEl>
-                                              <p:pRg st="2" end="2"/>
-                                            </p:txEl>
-                                          </p:spTgt>
-                                        </p:tgtEl>
-                                        <p:attrNameLst>
-                                          <p:attrName>style.visibility</p:attrName>
-                                        </p:attrNameLst>
-                                      </p:cBhvr>
-                                      <p:to>
-                                        <p:strVal val="visible"/>
-                                      </p:to>
-                                    </p:set>
-                                  </p:childTnLst>
-                                </p:cTn>
-                              </p:par>
-                            </p:childTnLst>
-                          </p:cTn>
-                        </p:par>
-                      </p:childTnLst>
-                    </p:cTn>
-                  </p:par>
-                  <p:par>
-                    <p:cTn id="11" fill="hold">
-                      <p:stCondLst>
-                        <p:cond delay="indefinite"/>
-                      </p:stCondLst>
-                      <p:childTnLst>
-                        <p:par>
-                          <p:cTn id="12" fill="hold">
-                            <p:stCondLst>
-                              <p:cond delay="0"/>
-                            </p:stCondLst>
-                            <p:childTnLst>
-                              <p:par>
-                                <p:cTn id="13" presetID="1" presetClass="entr" presetSubtype="0" fill="hold" nodeType="clickEffect">
-                                  <p:stCondLst>
-                                    <p:cond delay="0"/>
-                                  </p:stCondLst>
-                                  <p:childTnLst>
-                                    <p:set>
-                                      <p:cBhvr>
-                                        <p:cTn id="14" dur="1" fill="hold">
-                                          <p:stCondLst>
-                                            <p:cond delay="0"/>
-                                          </p:stCondLst>
-                                        </p:cTn>
-                                        <p:tgtEl>
-                                          <p:spTgt spid="4">
-                                            <p:txEl>
-                                              <p:pRg st="1" end="1"/>
-                                            </p:txEl>
-                                          </p:spTgt>
-                                        </p:tgtEl>
-                                        <p:attrNameLst>
-                                          <p:attrName>style.visibility</p:attrName>
-                                        </p:attrNameLst>
-                                      </p:cBhvr>
-                                      <p:to>
-                                        <p:strVal val="visible"/>
-                                      </p:to>
-                                    </p:set>
-                                  </p:childTnLst>
-                                </p:cTn>
-                              </p:par>
-                            </p:childTnLst>
-                          </p:cTn>
-                        </p:par>
-                      </p:childTnLst>
-                    </p:cTn>
-                  </p:par>
-                  <p:par>
-                    <p:cTn id="15" fill="hold">
-                      <p:stCondLst>
-                        <p:cond delay="indefinite"/>
-                      </p:stCondLst>
-                      <p:childTnLst>
-                        <p:par>
-                          <p:cTn id="16" fill="hold">
-                            <p:stCondLst>
-                              <p:cond delay="0"/>
-                            </p:stCondLst>
-                            <p:childTnLst>
-                              <p:par>
-                                <p:cTn id="17" presetID="1" presetClass="entr" presetSubtype="0" fill="hold" nodeType="clickEffect">
-                                  <p:stCondLst>
-                                    <p:cond delay="0"/>
-                                  </p:stCondLst>
-                                  <p:childTnLst>
-                                    <p:set>
-                                      <p:cBhvr>
-                                        <p:cTn id="18" dur="1" fill="hold">
-                                          <p:stCondLst>
-                                            <p:cond delay="0"/>
-                                          </p:stCondLst>
-                                        </p:cTn>
-                                        <p:tgtEl>
-                                          <p:spTgt spid="4">
-                                            <p:txEl>
-                                              <p:pRg st="0" end="0"/>
-                                            </p:txEl>
-                                          </p:spTgt>
-                                        </p:tgtEl>
-                                        <p:attrNameLst>
-                                          <p:attrName>style.visibility</p:attrName>
-                                        </p:attrNameLst>
-                                      </p:cBhvr>
-                                      <p:to>
-                                        <p:strVal val="visible"/>
-                                      </p:to>
-                                    </p:set>
-                                  </p:childTnLst>
-                                </p:cTn>
-                              </p:par>
-                            </p:childTnLst>
-                          </p:cTn>
-                        </p:par>
-                      </p:childTnLst>
-                    </p:cTn>
-                  </p:par>
-                  <p:par>
-                    <p:cTn id="19" fill="hold">
-                      <p:stCondLst>
-                        <p:cond delay="indefinite"/>
-                      </p:stCondLst>
-                      <p:childTnLst>
-                        <p:par>
-                          <p:cTn id="20" fill="hold">
-                            <p:stCondLst>
-                              <p:cond delay="0"/>
-                            </p:stCondLst>
-                            <p:childTnLst>
-                              <p:par>
-                                <p:cTn id="21" presetID="1" presetClass="entr" presetSubtype="0" fill="hold" nodeType="clickEffect">
-                                  <p:stCondLst>
-                                    <p:cond delay="0"/>
-                                  </p:stCondLst>
-                                  <p:childTnLst>
-                                    <p:set>
-                                      <p:cBhvr>
-                                        <p:cTn id="22" dur="1" fill="hold">
-                                          <p:stCondLst>
-                                            <p:cond delay="0"/>
-                                          </p:stCondLst>
-                                        </p:cTn>
-                                        <p:tgtEl>
-                                          <p:spTgt spid="4">
-                                            <p:txEl>
-                                              <p:pRg st="4" end="4"/>
-                                            </p:txEl>
-                                          </p:spTgt>
-                                        </p:tgtEl>
-                                        <p:attrNameLst>
-                                          <p:attrName>style.visibility</p:attrName>
-                                        </p:attrNameLst>
-                                      </p:cBhvr>
-                                      <p:to>
-                                        <p:strVal val="visible"/>
-                                      </p:to>
-                                    </p:set>
-                                  </p:childTnLst>
-                                </p:cTn>
-                              </p:par>
-                            </p:childTnLst>
-                          </p:cTn>
-                        </p:par>
-                      </p:childTnLst>
-                    </p:cTn>
-                  </p:par>
-                  <p:par>
-                    <p:cTn id="23" fill="hold">
-                      <p:stCondLst>
-                        <p:cond delay="indefinite"/>
-                      </p:stCondLst>
-                      <p:childTnLst>
-                        <p:par>
-                          <p:cTn id="24" fill="hold">
-                            <p:stCondLst>
-                              <p:cond delay="0"/>
-                            </p:stCondLst>
-                            <p:childTnLst>
-                              <p:par>
-                                <p:cTn id="25" presetID="1" presetClass="entr" presetSubtype="0" fill="hold" nodeType="clickEffect">
-                                  <p:stCondLst>
-                                    <p:cond delay="0"/>
-                                  </p:stCondLst>
-                                  <p:childTnLst>
-                                    <p:set>
-                                      <p:cBhvr>
-                                        <p:cTn id="26" dur="1" fill="hold">
+                                        <p:cTn id="34" dur="1" fill="hold">
                                           <p:stCondLst>
                                             <p:cond delay="0"/>
                                           </p:stCondLst>
@@ -16197,6 +16447,72 @@
                                         <p:strVal val="visible"/>
                                       </p:to>
                                     </p:set>
+                                    <p:anim calcmode="lin" valueType="num">
+                                      <p:cBhvr>
+                                        <p:cTn id="35" dur="500" fill="hold"/>
+                                        <p:tgtEl>
+                                          <p:spTgt spid="4">
+                                            <p:txEl>
+                                              <p:pRg st="8" end="8"/>
+                                            </p:txEl>
+                                          </p:spTgt>
+                                        </p:tgtEl>
+                                        <p:attrNameLst>
+                                          <p:attrName>ppt_w</p:attrName>
+                                        </p:attrNameLst>
+                                      </p:cBhvr>
+                                      <p:tavLst>
+                                        <p:tav tm="0">
+                                          <p:val>
+                                            <p:fltVal val="0"/>
+                                          </p:val>
+                                        </p:tav>
+                                        <p:tav tm="100000">
+                                          <p:val>
+                                            <p:strVal val="#ppt_w"/>
+                                          </p:val>
+                                        </p:tav>
+                                      </p:tavLst>
+                                    </p:anim>
+                                    <p:anim calcmode="lin" valueType="num">
+                                      <p:cBhvr>
+                                        <p:cTn id="36" dur="500" fill="hold"/>
+                                        <p:tgtEl>
+                                          <p:spTgt spid="4">
+                                            <p:txEl>
+                                              <p:pRg st="8" end="8"/>
+                                            </p:txEl>
+                                          </p:spTgt>
+                                        </p:tgtEl>
+                                        <p:attrNameLst>
+                                          <p:attrName>ppt_h</p:attrName>
+                                        </p:attrNameLst>
+                                      </p:cBhvr>
+                                      <p:tavLst>
+                                        <p:tav tm="0">
+                                          <p:val>
+                                            <p:fltVal val="0"/>
+                                          </p:val>
+                                        </p:tav>
+                                        <p:tav tm="100000">
+                                          <p:val>
+                                            <p:strVal val="#ppt_h"/>
+                                          </p:val>
+                                        </p:tav>
+                                      </p:tavLst>
+                                    </p:anim>
+                                    <p:animEffect transition="in" filter="fade">
+                                      <p:cBhvr>
+                                        <p:cTn id="37" dur="500"/>
+                                        <p:tgtEl>
+                                          <p:spTgt spid="4">
+                                            <p:txEl>
+                                              <p:pRg st="8" end="8"/>
+                                            </p:txEl>
+                                          </p:spTgt>
+                                        </p:tgtEl>
+                                      </p:cBhvr>
+                                    </p:animEffect>
                                   </p:childTnLst>
                                 </p:cTn>
                               </p:par>
@@ -17990,7 +18306,7 @@
         <p:spPr>
           <a:xfrm>
             <a:off x="1055716" y="1899025"/>
-            <a:ext cx="5259115" cy="4247317"/>
+            <a:ext cx="5259115" cy="4524315"/>
           </a:xfrm>
           <a:prstGeom prst="rect">
             <a:avLst/>
@@ -18026,7 +18342,7 @@
             </a:pPr>
             <a:r>
               <a:rPr lang="en-US" dirty="0"/>
-              <a:t>Location, room types, and number of bathrooms of a listing are also important features for pricing.</a:t>
+              <a:t>Location, Room Type and Accommodation Features are major factors that determine the price.</a:t>
             </a:r>
           </a:p>
           <a:p>
@@ -18131,6 +18447,242 @@
   <p:clrMapOvr>
     <a:masterClrMapping/>
   </p:clrMapOvr>
+  <p:timing>
+    <p:tnLst>
+      <p:par>
+        <p:cTn id="1" dur="indefinite" restart="never" nodeType="tmRoot">
+          <p:childTnLst>
+            <p:seq concurrent="1" nextAc="seek">
+              <p:cTn id="2" dur="indefinite" nodeType="mainSeq">
+                <p:childTnLst>
+                  <p:par>
+                    <p:cTn id="3" fill="hold">
+                      <p:stCondLst>
+                        <p:cond delay="indefinite"/>
+                      </p:stCondLst>
+                      <p:childTnLst>
+                        <p:par>
+                          <p:cTn id="4" fill="hold">
+                            <p:stCondLst>
+                              <p:cond delay="0"/>
+                            </p:stCondLst>
+                            <p:childTnLst>
+                              <p:par>
+                                <p:cTn id="5" presetID="2" presetClass="entr" presetSubtype="8" fill="hold" nodeType="clickEffect">
+                                  <p:stCondLst>
+                                    <p:cond delay="0"/>
+                                  </p:stCondLst>
+                                  <p:childTnLst>
+                                    <p:set>
+                                      <p:cBhvr>
+                                        <p:cTn id="6" dur="1" fill="hold">
+                                          <p:stCondLst>
+                                            <p:cond delay="0"/>
+                                          </p:stCondLst>
+                                        </p:cTn>
+                                        <p:tgtEl>
+                                          <p:spTgt spid="5">
+                                            <p:txEl>
+                                              <p:pRg st="0" end="0"/>
+                                            </p:txEl>
+                                          </p:spTgt>
+                                        </p:tgtEl>
+                                        <p:attrNameLst>
+                                          <p:attrName>style.visibility</p:attrName>
+                                        </p:attrNameLst>
+                                      </p:cBhvr>
+                                      <p:to>
+                                        <p:strVal val="visible"/>
+                                      </p:to>
+                                    </p:set>
+                                    <p:anim calcmode="lin" valueType="num">
+                                      <p:cBhvr additive="base">
+                                        <p:cTn id="7" dur="500" fill="hold"/>
+                                        <p:tgtEl>
+                                          <p:spTgt spid="5">
+                                            <p:txEl>
+                                              <p:pRg st="0" end="0"/>
+                                            </p:txEl>
+                                          </p:spTgt>
+                                        </p:tgtEl>
+                                        <p:attrNameLst>
+                                          <p:attrName>ppt_x</p:attrName>
+                                        </p:attrNameLst>
+                                      </p:cBhvr>
+                                      <p:tavLst>
+                                        <p:tav tm="0">
+                                          <p:val>
+                                            <p:strVal val="0-#ppt_w/2"/>
+                                          </p:val>
+                                        </p:tav>
+                                        <p:tav tm="100000">
+                                          <p:val>
+                                            <p:strVal val="#ppt_x"/>
+                                          </p:val>
+                                        </p:tav>
+                                      </p:tavLst>
+                                    </p:anim>
+                                    <p:anim calcmode="lin" valueType="num">
+                                      <p:cBhvr additive="base">
+                                        <p:cTn id="8" dur="500" fill="hold"/>
+                                        <p:tgtEl>
+                                          <p:spTgt spid="5">
+                                            <p:txEl>
+                                              <p:pRg st="0" end="0"/>
+                                            </p:txEl>
+                                          </p:spTgt>
+                                        </p:tgtEl>
+                                        <p:attrNameLst>
+                                          <p:attrName>ppt_y</p:attrName>
+                                        </p:attrNameLst>
+                                      </p:cBhvr>
+                                      <p:tavLst>
+                                        <p:tav tm="0">
+                                          <p:val>
+                                            <p:strVal val="#ppt_y"/>
+                                          </p:val>
+                                        </p:tav>
+                                        <p:tav tm="100000">
+                                          <p:val>
+                                            <p:strVal val="#ppt_y"/>
+                                          </p:val>
+                                        </p:tav>
+                                      </p:tavLst>
+                                    </p:anim>
+                                  </p:childTnLst>
+                                </p:cTn>
+                              </p:par>
+                            </p:childTnLst>
+                          </p:cTn>
+                        </p:par>
+                      </p:childTnLst>
+                    </p:cTn>
+                  </p:par>
+                  <p:par>
+                    <p:cTn id="9" fill="hold">
+                      <p:stCondLst>
+                        <p:cond delay="indefinite"/>
+                      </p:stCondLst>
+                      <p:childTnLst>
+                        <p:par>
+                          <p:cTn id="10" fill="hold">
+                            <p:stCondLst>
+                              <p:cond delay="0"/>
+                            </p:stCondLst>
+                            <p:childTnLst>
+                              <p:par>
+                                <p:cTn id="11" presetID="2" presetClass="entr" presetSubtype="8" fill="hold" nodeType="clickEffect">
+                                  <p:stCondLst>
+                                    <p:cond delay="0"/>
+                                  </p:stCondLst>
+                                  <p:childTnLst>
+                                    <p:set>
+                                      <p:cBhvr>
+                                        <p:cTn id="12" dur="1" fill="hold">
+                                          <p:stCondLst>
+                                            <p:cond delay="0"/>
+                                          </p:stCondLst>
+                                        </p:cTn>
+                                        <p:tgtEl>
+                                          <p:spTgt spid="5">
+                                            <p:txEl>
+                                              <p:pRg st="2" end="2"/>
+                                            </p:txEl>
+                                          </p:spTgt>
+                                        </p:tgtEl>
+                                        <p:attrNameLst>
+                                          <p:attrName>style.visibility</p:attrName>
+                                        </p:attrNameLst>
+                                      </p:cBhvr>
+                                      <p:to>
+                                        <p:strVal val="visible"/>
+                                      </p:to>
+                                    </p:set>
+                                    <p:anim calcmode="lin" valueType="num">
+                                      <p:cBhvr additive="base">
+                                        <p:cTn id="13" dur="500" fill="hold"/>
+                                        <p:tgtEl>
+                                          <p:spTgt spid="5">
+                                            <p:txEl>
+                                              <p:pRg st="2" end="2"/>
+                                            </p:txEl>
+                                          </p:spTgt>
+                                        </p:tgtEl>
+                                        <p:attrNameLst>
+                                          <p:attrName>ppt_x</p:attrName>
+                                        </p:attrNameLst>
+                                      </p:cBhvr>
+                                      <p:tavLst>
+                                        <p:tav tm="0">
+                                          <p:val>
+                                            <p:strVal val="0-#ppt_w/2"/>
+                                          </p:val>
+                                        </p:tav>
+                                        <p:tav tm="100000">
+                                          <p:val>
+                                            <p:strVal val="#ppt_x"/>
+                                          </p:val>
+                                        </p:tav>
+                                      </p:tavLst>
+                                    </p:anim>
+                                    <p:anim calcmode="lin" valueType="num">
+                                      <p:cBhvr additive="base">
+                                        <p:cTn id="14" dur="500" fill="hold"/>
+                                        <p:tgtEl>
+                                          <p:spTgt spid="5">
+                                            <p:txEl>
+                                              <p:pRg st="2" end="2"/>
+                                            </p:txEl>
+                                          </p:spTgt>
+                                        </p:tgtEl>
+                                        <p:attrNameLst>
+                                          <p:attrName>ppt_y</p:attrName>
+                                        </p:attrNameLst>
+                                      </p:cBhvr>
+                                      <p:tavLst>
+                                        <p:tav tm="0">
+                                          <p:val>
+                                            <p:strVal val="#ppt_y"/>
+                                          </p:val>
+                                        </p:tav>
+                                        <p:tav tm="100000">
+                                          <p:val>
+                                            <p:strVal val="#ppt_y"/>
+                                          </p:val>
+                                        </p:tav>
+                                      </p:tavLst>
+                                    </p:anim>
+                                  </p:childTnLst>
+                                </p:cTn>
+                              </p:par>
+                            </p:childTnLst>
+                          </p:cTn>
+                        </p:par>
+                      </p:childTnLst>
+                    </p:cTn>
+                  </p:par>
+                </p:childTnLst>
+              </p:cTn>
+              <p:prevCondLst>
+                <p:cond evt="onPrev" delay="0">
+                  <p:tgtEl>
+                    <p:sldTgt/>
+                  </p:tgtEl>
+                </p:cond>
+              </p:prevCondLst>
+              <p:nextCondLst>
+                <p:cond evt="onNext" delay="0">
+                  <p:tgtEl>
+                    <p:sldTgt/>
+                  </p:tgtEl>
+                </p:cond>
+              </p:nextCondLst>
+            </p:seq>
+          </p:childTnLst>
+        </p:cTn>
+      </p:par>
+    </p:tnLst>
+  </p:timing>
 </p:sld>
 </file>
 

--- a/Airbnb Price Predictions (Model).pptx
+++ b/Airbnb Price Predictions (Model).pptx
@@ -12,8 +12,8 @@
     <p:sldId id="320" r:id="rId3"/>
     <p:sldId id="321" r:id="rId4"/>
     <p:sldId id="324" r:id="rId5"/>
-    <p:sldId id="309" r:id="rId6"/>
-    <p:sldId id="308" r:id="rId7"/>
+    <p:sldId id="308" r:id="rId6"/>
+    <p:sldId id="309" r:id="rId7"/>
     <p:sldId id="280" r:id="rId8"/>
     <p:sldId id="315" r:id="rId9"/>
     <p:sldId id="296" r:id="rId10"/>
@@ -140,7 +140,7 @@
 
 <file path=ppt/commentAuthors.xml><?xml version="1.0" encoding="utf-8"?>
 <p:cmAuthorLst xmlns:a="http://schemas.openxmlformats.org/drawingml/2006/main" xmlns:r="http://schemas.openxmlformats.org/officeDocument/2006/relationships" xmlns:p="http://schemas.openxmlformats.org/presentationml/2006/main">
-  <p:cmAuthor id="1" name="Cecilia Leung" initials="CL" lastIdx="1" clrIdx="0">
+  <p:cmAuthor id="1" name="Cecilia Leung" initials="CL" lastIdx="2" clrIdx="0">
     <p:extLst>
       <p:ext uri="{19B8F6BF-5375-455C-9EA6-DF929625EA0E}">
         <p15:presenceInfo xmlns:p15="http://schemas.microsoft.com/office/powerpoint/2012/main" userId="57f69c778fdfed97" providerId="Windows Live"/>
@@ -148,6 +148,20 @@
     </p:extLst>
   </p:cmAuthor>
 </p:cmAuthorLst>
+</file>
+
+<file path=ppt/comments/comment1.xml><?xml version="1.0" encoding="utf-8"?>
+<p:cmLst xmlns:a="http://schemas.openxmlformats.org/drawingml/2006/main" xmlns:r="http://schemas.openxmlformats.org/officeDocument/2006/relationships" xmlns:p="http://schemas.openxmlformats.org/presentationml/2006/main">
+  <p:cm authorId="1" dt="2021-03-22T18:22:16.491" idx="2">
+    <p:pos x="10" y="10"/>
+    <p:text/>
+    <p:extLst>
+      <p:ext uri="{C676402C-5697-4E1C-873F-D02D1690AC5C}">
+        <p15:threadingInfo xmlns:p15="http://schemas.microsoft.com/office/powerpoint/2012/main" timeZoneBias="240"/>
+      </p:ext>
+    </p:extLst>
+  </p:cm>
+</p:cmLst>
 </file>
 
 <file path=ppt/notesMasters/notesMaster1.xml><?xml version="1.0" encoding="utf-8"?>
@@ -629,27 +643,19 @@
           <a:p>
             <a:r>
               <a:rPr lang="en-US" dirty="0"/>
-              <a:t>First, we needed to replace the blank fields with the averages for that specific column</a:t>
+              <a:t>For the RF, LGBM, and KNN we first, replaced  the blank fields with the averages for that specific column</a:t>
             </a:r>
           </a:p>
           <a:p>
             <a:r>
               <a:rPr lang="en-US" dirty="0"/>
-              <a:t>Second, we need to put the data by categorize our data by numerical values which was done from our last project for boroughs, </a:t>
-            </a:r>
-            <a:r>
-              <a:rPr lang="en-US" dirty="0" err="1"/>
-              <a:t>neighbourhoods</a:t>
-            </a:r>
+              <a:t>In the next step, we need to put the data and categorize them in numerical values  and majority of this was done from our last project.</a:t>
+            </a:r>
+          </a:p>
+          <a:p>
             <a:r>
               <a:rPr lang="en-US" dirty="0"/>
-              <a:t> &amp; room type.</a:t>
-            </a:r>
-          </a:p>
-          <a:p>
-            <a:r>
-              <a:rPr lang="en-US" dirty="0"/>
-              <a:t>Then we also, vectorize the most important amenities to get a count for each listing.</a:t>
+              <a:t>Finally, for the amenities column, we made a vector array counting the amenities features for each listing.</a:t>
             </a:r>
           </a:p>
           <a:p>
@@ -739,7 +745,7 @@
           <a:p>
             <a:r>
               <a:rPr lang="en-US" dirty="0"/>
-              <a:t>To get the best selection of listings that best represents NYC Airbnb market, 2e filtered out the outliers by only keeping the </a:t>
+              <a:t>To get the best selection of listings that best represents NYC’s Airbnb market, outliers are filtered out by only keeping the </a:t>
             </a:r>
             <a:r>
               <a:rPr lang="en-US" dirty="0" err="1"/>
@@ -747,7 +753,16 @@
             </a:r>
             <a:r>
               <a:rPr lang="en-US" dirty="0"/>
-              <a:t> that  with over 100 listings &amp; the listing prices under $600 so it is more normally distributed.</a:t>
+              <a:t> with over 100 listings &amp; the listing prices that are under $600.</a:t>
+            </a:r>
+          </a:p>
+          <a:p>
+            <a:endParaRPr lang="en-US" dirty="0"/>
+          </a:p>
+          <a:p>
+            <a:r>
+              <a:rPr lang="en-US" dirty="0"/>
+              <a:t>From the right side of the slide, you can tell the data is less skewed.</a:t>
             </a:r>
           </a:p>
         </p:txBody>
@@ -834,7 +849,7 @@
           <a:p>
             <a:r>
               <a:rPr lang="en-US" dirty="0"/>
-              <a:t>The </a:t>
+              <a:t>For the </a:t>
             </a:r>
             <a:r>
               <a:rPr lang="en-US" dirty="0" err="1"/>
@@ -842,7 +857,7 @@
             </a:r>
             <a:r>
               <a:rPr lang="en-US" dirty="0"/>
-              <a:t> prophet runs differently than the other regressor model and another dataset needs to be created.</a:t>
+              <a:t> prophet model, another dataset needs to be created because the model has a different methodology than the previous models/</a:t>
             </a:r>
           </a:p>
           <a:p>
@@ -874,7 +889,7 @@
           <a:p>
             <a:r>
               <a:rPr lang="en-US" dirty="0"/>
-              <a:t>We believe that putting all of this together can help us accurately predict prices based on location, size, trends and seasonality.</a:t>
+              <a:t>We believe that putting all f this together can help us accurately predict prices based on location, size, accommodation features,  trends and seasonality.</a:t>
             </a:r>
           </a:p>
         </p:txBody>
@@ -961,7 +976,7 @@
           <a:p>
             <a:r>
               <a:rPr lang="en-US" dirty="0"/>
-              <a:t>The next step is that we need to select the right features that impact the price.  We collectively agreed that features like location, the room type, # of bedrooms/bathrooms, amenities count review scores, # of reviews are some of the major driving force that impacts what the hosts charge for their Airbnb.</a:t>
+              <a:t>The next step is that we need to select the features that are related to price.  We collectively agreed that features like location, the room type, # of bedrooms/bathrooms, amenities count review scores, # of reviews are some of the major driving force that impacts what the hosts charge for their Airbnb.  Columns like Airbnb listings id are taken out because they do not have any correlation to the price.</a:t>
             </a:r>
           </a:p>
           <a:p>
@@ -979,30 +994,16 @@
           <a:p>
             <a:r>
               <a:rPr lang="en-US" dirty="0"/>
-              <a:t>We must ensure that all x-values need to be scaled to the same unit so that it doesn’t give us the wrong </a:t>
-            </a:r>
-            <a:r>
-              <a:rPr lang="en-US" dirty="0" err="1"/>
-              <a:t>scorres</a:t>
-            </a:r>
+              <a:t>We must ensure that all x-values are scaled to the same unit so that the model won’t produce the wrong scores.</a:t>
+            </a:r>
+          </a:p>
+          <a:p>
+            <a:endParaRPr lang="en-US" dirty="0"/>
+          </a:p>
+          <a:p>
             <a:r>
               <a:rPr lang="en-US" dirty="0"/>
-              <a:t>.</a:t>
-            </a:r>
-          </a:p>
-          <a:p>
-            <a:endParaRPr lang="en-US" dirty="0"/>
-          </a:p>
-          <a:p>
-            <a:r>
-              <a:rPr lang="en-US" dirty="0"/>
-              <a:t>As for the prophet model, we added the holiday feature, borough and room type info form the original default code we have to </a:t>
-            </a:r>
-          </a:p>
-          <a:p>
-            <a:r>
-              <a:rPr lang="en-US" dirty="0"/>
-              <a:t> find the optimal train-test data split and to normalize the X-values so that they are in the same units for the model to produce to correct results.</a:t>
+              <a:t>As for the prophet model, we added the holiday feature, borough and room type info form the original code  so that the model can predict the prices based on these criteria.</a:t>
             </a:r>
           </a:p>
         </p:txBody>
@@ -2674,12 +2675,9 @@
           <a:lstStyle/>
           <a:p>
             <a:r>
-              <a:rPr lang="en-US" dirty="0">
-                <a:sym typeface="Wingdings" panose="05000000000000000000" pitchFamily="2" charset="2"/>
-              </a:rPr>
-              <a:t> Rest of the team to add inputs</a:t>
-            </a:r>
-            <a:endParaRPr lang="en-US" dirty="0"/>
+              <a:rPr lang="en-US" dirty="0"/>
+              <a:t>We already have information on the listings details with the yearly rates in our existing database.  To understand more about rates, we added 3 new tables to see how different factors like monthly, day of week &amp; futures prices can help hosts price their Airbnb units</a:t>
+            </a:r>
           </a:p>
           <a:p>
             <a:endParaRPr lang="en-US" dirty="0"/>
@@ -2712,7 +2710,7 @@
     </p:spTree>
     <p:extLst>
       <p:ext uri="{BB962C8B-B14F-4D97-AF65-F5344CB8AC3E}">
-        <p14:creationId xmlns:p14="http://schemas.microsoft.com/office/powerpoint/2010/main" val="3157092588"/>
+        <p14:creationId xmlns:p14="http://schemas.microsoft.com/office/powerpoint/2010/main" val="74110409"/>
       </p:ext>
     </p:extLst>
   </p:cSld>
@@ -2767,11 +2765,26 @@
           <a:lstStyle/>
           <a:p>
             <a:r>
+              <a:rPr lang="en-US" dirty="0">
+                <a:sym typeface="Wingdings" panose="05000000000000000000" pitchFamily="2" charset="2"/>
+              </a:rPr>
+              <a:t> Rest of the team to add inputs</a:t>
+            </a:r>
+            <a:endParaRPr lang="en-US" dirty="0"/>
+          </a:p>
+          <a:p>
+            <a:pPr marL="228600" indent="-228600">
+              <a:buAutoNum type="arabicParenR"/>
+            </a:pPr>
+            <a:r>
               <a:rPr lang="en-US" dirty="0"/>
-              <a:t>We have the following tables in our existing database.  To strengthen our price model, we added 3 new tables to see how different factors like monthly, day of week &amp; predicted prices can help hosts price their Airbnb units</a:t>
-            </a:r>
-          </a:p>
-          <a:p>
+              <a:t>Adding new information to our database requires extensive research to get the right dataset related </a:t>
+            </a:r>
+          </a:p>
+          <a:p>
+            <a:pPr marL="228600" indent="-228600">
+              <a:buAutoNum type="arabicParenR"/>
+            </a:pPr>
             <a:endParaRPr lang="en-US" dirty="0"/>
           </a:p>
         </p:txBody>
@@ -2802,7 +2815,7 @@
     </p:spTree>
     <p:extLst>
       <p:ext uri="{BB962C8B-B14F-4D97-AF65-F5344CB8AC3E}">
-        <p14:creationId xmlns:p14="http://schemas.microsoft.com/office/powerpoint/2010/main" val="74110409"/>
+        <p14:creationId xmlns:p14="http://schemas.microsoft.com/office/powerpoint/2010/main" val="3157092588"/>
       </p:ext>
     </p:extLst>
   </p:cSld>
@@ -2858,21 +2871,13 @@
           <a:p>
             <a:r>
               <a:rPr lang="en-US" dirty="0"/>
-              <a:t>To cover majority of the factors in pricing a unit, we used the Random Forest &amp; LGBM Regressor methods to determine which features are the most important to price an </a:t>
-            </a:r>
-            <a:r>
-              <a:rPr lang="en-US" dirty="0" err="1"/>
-              <a:t>AirBNB</a:t>
-            </a:r>
+              <a:t>To build an Airbnb Price Predictor application, we used the Random Forest &amp; LGBM Regressor methods to determine which feature is important when price an Airbnb unit.</a:t>
+            </a:r>
+          </a:p>
+          <a:p>
             <a:r>
               <a:rPr lang="en-US" dirty="0"/>
-              <a:t>.</a:t>
-            </a:r>
-          </a:p>
-          <a:p>
-            <a:r>
-              <a:rPr lang="en-US" dirty="0"/>
-              <a:t>We then use the KNN Regressor to see how the price is affected with having listings close to your area.</a:t>
+              <a:t>Then we use the KNN Regressor to see how the price is affected with having listings close to your area.</a:t>
             </a:r>
           </a:p>
           <a:p>
@@ -2968,7 +2973,7 @@
           <a:p>
             <a:r>
               <a:rPr lang="en-US" dirty="0"/>
-              <a:t>Before I go into explaining the modeling process, I will explain on some of our key findings.  </a:t>
+              <a:t>Here are some of the key findings after running all the models.</a:t>
             </a:r>
           </a:p>
           <a:p>
@@ -2980,7 +2985,7 @@
             </a:pPr>
             <a:r>
               <a:rPr lang="en-US" dirty="0"/>
-              <a:t>First, it is critical to price depending on the time of the year.  Different seasons, holidays, long weekends and day of the week can help the host price their units to maximize revenue.</a:t>
+              <a:t>The predictor model shows there will be a slight increase in prices for 2022 to 2023.</a:t>
             </a:r>
           </a:p>
           <a:p>
@@ -2990,17 +2995,194 @@
             <a:endParaRPr lang="en-US" dirty="0"/>
           </a:p>
           <a:p>
+            <a:pPr marL="228600" marR="0" lvl="0" indent="-228600" algn="l" defTabSz="914400" rtl="0" eaLnBrk="1" fontAlgn="auto" latinLnBrk="0" hangingPunct="1">
+              <a:lnSpc>
+                <a:spcPct val="100000"/>
+              </a:lnSpc>
+              <a:spcBef>
+                <a:spcPts val="0"/>
+              </a:spcBef>
+              <a:spcAft>
+                <a:spcPts val="0"/>
+              </a:spcAft>
+              <a:buClrTx/>
+              <a:buSzTx/>
+              <a:buFontTx/>
+              <a:buAutoNum type="arabicParenR"/>
+              <a:tabLst/>
+              <a:defRPr/>
+            </a:pPr>
+            <a:r>
+              <a:rPr lang="en-US" dirty="0"/>
+              <a:t>Centrally located listings and reputable </a:t>
+            </a:r>
+            <a:r>
+              <a:rPr lang="en-US" dirty="0" err="1"/>
+              <a:t>neighbourhoods</a:t>
+            </a:r>
+            <a:r>
+              <a:rPr lang="en-US" dirty="0"/>
+              <a:t> usually sets the tone of your listings.</a:t>
+            </a:r>
+          </a:p>
+          <a:p>
+            <a:pPr marL="228600" marR="0" lvl="0" indent="-228600" algn="l" defTabSz="914400" rtl="0" eaLnBrk="1" fontAlgn="auto" latinLnBrk="0" hangingPunct="1">
+              <a:lnSpc>
+                <a:spcPct val="100000"/>
+              </a:lnSpc>
+              <a:spcBef>
+                <a:spcPts val="0"/>
+              </a:spcBef>
+              <a:spcAft>
+                <a:spcPts val="0"/>
+              </a:spcAft>
+              <a:buClrTx/>
+              <a:buSzTx/>
+              <a:buFontTx/>
+              <a:buAutoNum type="arabicParenR"/>
+              <a:tabLst/>
+              <a:defRPr/>
+            </a:pPr>
+            <a:endParaRPr lang="en-US" dirty="0"/>
+          </a:p>
+          <a:p>
+            <a:pPr marL="228600" marR="0" lvl="0" indent="-228600" algn="l" defTabSz="914400" rtl="0" eaLnBrk="1" fontAlgn="auto" latinLnBrk="0" hangingPunct="1">
+              <a:lnSpc>
+                <a:spcPct val="100000"/>
+              </a:lnSpc>
+              <a:spcBef>
+                <a:spcPts val="0"/>
+              </a:spcBef>
+              <a:spcAft>
+                <a:spcPts val="0"/>
+              </a:spcAft>
+              <a:buClrTx/>
+              <a:buSzTx/>
+              <a:buFontTx/>
+              <a:buAutoNum type="arabicParenR"/>
+              <a:tabLst/>
+              <a:defRPr/>
+            </a:pPr>
+            <a:r>
+              <a:rPr lang="en-US" dirty="0"/>
+              <a:t>However, the host shouldn’t just look at the location and set the average price for the specific area.  There are other important factors that the host should look at.</a:t>
+            </a:r>
+          </a:p>
+          <a:p>
+            <a:pPr marL="0" indent="0">
+              <a:buNone/>
+            </a:pPr>
+            <a:endParaRPr lang="en-US" dirty="0"/>
+          </a:p>
+          <a:p>
+            <a:pPr marL="0" indent="0">
+              <a:buNone/>
+            </a:pPr>
+            <a:r>
+              <a:rPr lang="en-US" dirty="0"/>
+              <a:t>4)  This includes the size of the unit where the bigger the unit and more accommodation features like bedrooms and bathrooms can increase the rates</a:t>
+            </a:r>
+          </a:p>
+          <a:p>
+            <a:pPr marL="0" marR="0" lvl="0" indent="0" algn="l" defTabSz="914400" rtl="0" eaLnBrk="1" fontAlgn="auto" latinLnBrk="0" hangingPunct="1">
+              <a:lnSpc>
+                <a:spcPct val="100000"/>
+              </a:lnSpc>
+              <a:spcBef>
+                <a:spcPts val="0"/>
+              </a:spcBef>
+              <a:spcAft>
+                <a:spcPts val="0"/>
+              </a:spcAft>
+              <a:buClrTx/>
+              <a:buSzTx/>
+              <a:buFontTx/>
+              <a:buNone/>
+              <a:tabLst/>
+              <a:defRPr/>
+            </a:pPr>
+            <a:endParaRPr lang="en-US" dirty="0"/>
+          </a:p>
+          <a:p>
+            <a:pPr marL="228600" marR="0" lvl="0" indent="-228600" algn="l" defTabSz="914400" rtl="0" eaLnBrk="1" fontAlgn="auto" latinLnBrk="0" hangingPunct="1">
+              <a:lnSpc>
+                <a:spcPct val="100000"/>
+              </a:lnSpc>
+              <a:spcBef>
+                <a:spcPts val="0"/>
+              </a:spcBef>
+              <a:spcAft>
+                <a:spcPts val="0"/>
+              </a:spcAft>
+              <a:buClrTx/>
+              <a:buSzTx/>
+              <a:buFontTx/>
+              <a:buAutoNum type="arabicParenR" startAt="5"/>
+              <a:tabLst/>
+              <a:defRPr/>
+            </a:pPr>
+            <a:r>
+              <a:rPr lang="en-US" dirty="0"/>
+              <a:t>Timing is important as the rates can fluctuate at different times of the year.  Different seasons, holidays, long weekends and regular weekends can help the hosts maximize profits.  </a:t>
+            </a:r>
+          </a:p>
+          <a:p>
+            <a:pPr marL="228600" marR="0" lvl="0" indent="-228600" algn="l" defTabSz="914400" rtl="0" eaLnBrk="1" fontAlgn="auto" latinLnBrk="0" hangingPunct="1">
+              <a:lnSpc>
+                <a:spcPct val="100000"/>
+              </a:lnSpc>
+              <a:spcBef>
+                <a:spcPts val="0"/>
+              </a:spcBef>
+              <a:spcAft>
+                <a:spcPts val="0"/>
+              </a:spcAft>
+              <a:buClrTx/>
+              <a:buSzTx/>
+              <a:buFontTx/>
+              <a:buAutoNum type="arabicParenR" startAt="5"/>
+              <a:tabLst/>
+              <a:defRPr/>
+            </a:pPr>
+            <a:endParaRPr lang="en-US" dirty="0"/>
+          </a:p>
+          <a:p>
+            <a:pPr marL="0" indent="0">
+              <a:buNone/>
+            </a:pPr>
+            <a:r>
+              <a:rPr lang="en-US" dirty="0"/>
+              <a:t>6)  Having more amenities in your units may add a bit value in your unit.  But it is not the first thing customers look into when booking an Airbnb </a:t>
+            </a:r>
+          </a:p>
+          <a:p>
+            <a:pPr marL="0" indent="0">
+              <a:buNone/>
+            </a:pPr>
+            <a:endParaRPr lang="en-US" dirty="0"/>
+          </a:p>
+          <a:p>
             <a:pPr marL="228600" indent="-228600">
               <a:buAutoNum type="arabicParenR"/>
             </a:pPr>
-            <a:r>
-              <a:rPr lang="en-US" dirty="0"/>
-              <a:t>Size of the units and location does matter</a:t>
-            </a:r>
-            <a:r>
-              <a:rPr lang="en-US"/>
-              <a:t>.  </a:t>
-            </a:r>
+            <a:endParaRPr lang="en-US" dirty="0"/>
+          </a:p>
+          <a:p>
+            <a:pPr marL="0" indent="0">
+              <a:buNone/>
+            </a:pPr>
+            <a:endParaRPr lang="en-US" dirty="0"/>
+          </a:p>
+          <a:p>
+            <a:pPr marL="228600" indent="-228600">
+              <a:buAutoNum type="arabicParenR"/>
+            </a:pPr>
+            <a:endParaRPr lang="en-US" dirty="0"/>
+          </a:p>
+          <a:p>
+            <a:pPr marL="228600" indent="-228600">
+              <a:buAutoNum type="arabicParenR"/>
+            </a:pPr>
             <a:endParaRPr lang="en-US" dirty="0"/>
           </a:p>
           <a:p>
@@ -3093,7 +3275,7 @@
           <a:p>
             <a:r>
               <a:rPr lang="en-US" dirty="0"/>
-              <a:t>This table provides an overview of what we need to do to try to find the best fit for the model.  The next few slides will provide a breakdown of what we did to transform the data.</a:t>
+              <a:t>This table provides an overview of what we need to do to try to find the best fit for the model.  As you can see on the grey boxes, we need to work with different types of data and find ways to engineer the data to run the models.  The next few slides will provide a breakdown how we get to the final data to run the model.</a:t>
             </a:r>
           </a:p>
           <a:p>
@@ -6556,7 +6738,7 @@
                   <a:srgbClr val="EA5E46"/>
                 </a:solidFill>
               </a:rPr>
-              <a:t>Model Data Transformation - RF, LGBM, KNN</a:t>
+              <a:t>Model Data Transformation - Regressor</a:t>
             </a:r>
           </a:p>
         </p:txBody>
@@ -7438,7 +7620,7 @@
         <p:spPr>
           <a:xfrm>
             <a:off x="975854" y="1684829"/>
-            <a:ext cx="9518745" cy="1"/>
+            <a:ext cx="10885220" cy="1"/>
           </a:xfrm>
           <a:prstGeom prst="line">
             <a:avLst/>
@@ -8331,7 +8513,7 @@
         <p:spPr>
           <a:xfrm>
             <a:off x="975854" y="1684829"/>
-            <a:ext cx="9518745" cy="1"/>
+            <a:ext cx="10232077" cy="1"/>
           </a:xfrm>
           <a:prstGeom prst="line">
             <a:avLst/>
@@ -8371,7 +8553,7 @@
         </p:nvSpPr>
         <p:spPr>
           <a:xfrm>
-            <a:off x="5124697" y="3525217"/>
+            <a:off x="5015219" y="3855409"/>
             <a:ext cx="2161561" cy="2161561"/>
           </a:xfrm>
           <a:custGeom>
@@ -8504,7 +8686,7 @@
         </p:nvGrpSpPr>
         <p:grpSpPr>
           <a:xfrm>
-            <a:off x="6939798" y="2200873"/>
+            <a:off x="6830320" y="2531065"/>
             <a:ext cx="3019322" cy="1642786"/>
             <a:chOff x="6939798" y="2200873"/>
             <a:chExt cx="3019322" cy="1642786"/>
@@ -8805,7 +8987,7 @@
         </p:nvGrpSpPr>
         <p:grpSpPr>
           <a:xfrm>
-            <a:off x="2523110" y="2200874"/>
+            <a:off x="2413632" y="2531066"/>
             <a:ext cx="3212116" cy="1656041"/>
             <a:chOff x="2523110" y="2200874"/>
             <a:chExt cx="3212116" cy="1656041"/>
@@ -9030,7 +9212,25 @@
               </a:pPr>
               <a:r>
                 <a:rPr lang="en-US" sz="2400" b="1" kern="1200" dirty="0"/>
-                <a:t>Listings Masters</a:t>
+                <a:t>Borough</a:t>
+              </a:r>
+            </a:p>
+            <a:p>
+              <a:pPr marL="0" lvl="0" indent="0" algn="ctr" defTabSz="1066800">
+                <a:lnSpc>
+                  <a:spcPct val="90000"/>
+                </a:lnSpc>
+                <a:spcBef>
+                  <a:spcPct val="0"/>
+                </a:spcBef>
+                <a:spcAft>
+                  <a:spcPct val="35000"/>
+                </a:spcAft>
+                <a:buNone/>
+              </a:pPr>
+              <a:r>
+                <a:rPr lang="en-US" sz="2400" b="1" dirty="0"/>
+                <a:t>Room Type</a:t>
               </a:r>
               <a:endParaRPr lang="en-CA" sz="2400" b="1" kern="1200" dirty="0"/>
             </a:p>
@@ -9560,8 +9760,8 @@
         </p:nvSpPr>
         <p:spPr>
           <a:xfrm>
-            <a:off x="1192261" y="2130316"/>
-            <a:ext cx="9085929" cy="4154984"/>
+            <a:off x="5189140" y="2023108"/>
+            <a:ext cx="6027006" cy="4924425"/>
           </a:xfrm>
           <a:prstGeom prst="rect">
             <a:avLst/>
@@ -9575,7 +9775,7 @@
           <a:lstStyle/>
           <a:p>
             <a:r>
-              <a:rPr lang="en-US" sz="2400" dirty="0"/>
+              <a:rPr lang="en-US" sz="2200" b="1" dirty="0"/>
               <a:t>RF, LGBM, KNN Regressors</a:t>
             </a:r>
           </a:p>
@@ -9619,11 +9819,11 @@
             </a:r>
           </a:p>
           <a:p>
-            <a:endParaRPr lang="en-CA" sz="2800" dirty="0"/>
-          </a:p>
-          <a:p>
-            <a:r>
-              <a:rPr lang="en-US" sz="2400" dirty="0"/>
+            <a:endParaRPr lang="en-CA" sz="2200" b="1" dirty="0"/>
+          </a:p>
+          <a:p>
+            <a:r>
+              <a:rPr lang="en-US" sz="2200" b="1" dirty="0"/>
               <a:t>FB Prophet</a:t>
             </a:r>
           </a:p>
@@ -9637,7 +9837,7 @@
             </a:pPr>
             <a:r>
               <a:rPr lang="en-US" sz="2000" dirty="0"/>
-              <a:t>Add the holiday features, borough and room type information to predict prices.</a:t>
+              <a:t>Group the prices based on borough and room type for the predict future prices.</a:t>
             </a:r>
           </a:p>
           <a:p>
@@ -9652,6 +9852,36 @@
           </a:p>
         </p:txBody>
       </p:sp>
+      <p:pic>
+        <p:nvPicPr>
+          <p:cNvPr id="5" name="Picture 4" descr="A picture containing text, electronics, circuit&#10;&#10;Description automatically generated">
+            <a:extLst>
+              <a:ext uri="{FF2B5EF4-FFF2-40B4-BE49-F238E27FC236}">
+                <a16:creationId xmlns:a16="http://schemas.microsoft.com/office/drawing/2014/main" id="{8A91DF74-149D-4136-B237-C20BD1C174BC}"/>
+              </a:ext>
+            </a:extLst>
+          </p:cNvPr>
+          <p:cNvPicPr>
+            <a:picLocks noChangeAspect="1"/>
+          </p:cNvPicPr>
+          <p:nvPr/>
+        </p:nvPicPr>
+        <p:blipFill>
+          <a:blip r:embed="rId4"/>
+          <a:stretch>
+            <a:fillRect/>
+          </a:stretch>
+        </p:blipFill>
+        <p:spPr>
+          <a:xfrm>
+            <a:off x="975854" y="2111542"/>
+            <a:ext cx="3831276" cy="3714491"/>
+          </a:xfrm>
+          <a:prstGeom prst="rect">
+            <a:avLst/>
+          </a:prstGeom>
+        </p:spPr>
+      </p:pic>
     </p:spTree>
     <p:extLst>
       <p:ext uri="{BB962C8B-B14F-4D97-AF65-F5344CB8AC3E}">
@@ -9891,15 +10121,33 @@
                                   </p:childTnLst>
                                 </p:cTn>
                               </p:par>
+                            </p:childTnLst>
+                          </p:cTn>
+                        </p:par>
+                      </p:childTnLst>
+                    </p:cTn>
+                  </p:par>
+                  <p:par>
+                    <p:cTn id="21" fill="hold">
+                      <p:stCondLst>
+                        <p:cond delay="indefinite"/>
+                      </p:stCondLst>
+                      <p:childTnLst>
+                        <p:par>
+                          <p:cTn id="22" fill="hold">
+                            <p:stCondLst>
+                              <p:cond delay="0"/>
+                            </p:stCondLst>
+                            <p:childTnLst>
                               <p:par>
-                                <p:cTn id="21" presetID="1" presetClass="entr" presetSubtype="0" fill="hold" nodeType="withEffect">
+                                <p:cTn id="23" presetID="1" presetClass="entr" presetSubtype="0" fill="hold" nodeType="clickEffect">
                                   <p:stCondLst>
                                     <p:cond delay="0"/>
                                   </p:stCondLst>
                                   <p:childTnLst>
                                     <p:set>
                                       <p:cBhvr>
-                                        <p:cTn id="22" dur="1" fill="hold">
+                                        <p:cTn id="24" dur="1" fill="hold">
                                           <p:stCondLst>
                                             <p:cond delay="0"/>
                                           </p:stCondLst>
@@ -10004,7 +10252,7 @@
                   <a:srgbClr val="EA5E46"/>
                 </a:solidFill>
               </a:rPr>
-              <a:t>Running the Preprocessing</a:t>
+              <a:t>Running the Model</a:t>
             </a:r>
           </a:p>
         </p:txBody>
@@ -10113,8 +10361,8 @@
         </p:nvSpPr>
         <p:spPr>
           <a:xfrm>
-            <a:off x="1192261" y="2130316"/>
-            <a:ext cx="9085929" cy="2954655"/>
+            <a:off x="846719" y="2022038"/>
+            <a:ext cx="5012596" cy="4062651"/>
           </a:xfrm>
           <a:prstGeom prst="rect">
             <a:avLst/>
@@ -10133,7 +10381,20 @@
             </a:pPr>
             <a:r>
               <a:rPr lang="en-US" sz="2400" dirty="0"/>
-              <a:t>Run the model by fitting the X and y data</a:t>
+              <a:t>Fit X and y data in the model.</a:t>
+            </a:r>
+          </a:p>
+          <a:p>
+            <a:endParaRPr lang="en-US" sz="2400" dirty="0"/>
+          </a:p>
+          <a:p>
+            <a:pPr marL="285750" indent="-285750">
+              <a:buFont typeface="Arial" panose="020B0604020202020204" pitchFamily="34" charset="0"/>
+              <a:buChar char="•"/>
+            </a:pPr>
+            <a:r>
+              <a:rPr lang="en-US" sz="2400" dirty="0"/>
+              <a:t>Hyperparameter Tune the Model </a:t>
             </a:r>
           </a:p>
           <a:p>
@@ -10174,21 +10435,40 @@
             <a:endParaRPr lang="en-US" sz="2400" dirty="0"/>
           </a:p>
           <a:p>
-            <a:pPr marL="285750" indent="-285750">
-              <a:buFont typeface="Arial" panose="020B0604020202020204" pitchFamily="34" charset="0"/>
-              <a:buChar char="•"/>
-            </a:pPr>
-            <a:r>
-              <a:rPr lang="en-US" sz="2400" dirty="0"/>
-              <a:t>Hyperparameter Tune the Model </a:t>
-            </a:r>
-            <a:endParaRPr lang="en-US" dirty="0"/>
-          </a:p>
-          <a:p>
             <a:endParaRPr lang="en-US" dirty="0"/>
           </a:p>
         </p:txBody>
       </p:sp>
+      <p:pic>
+        <p:nvPicPr>
+          <p:cNvPr id="8" name="Picture 7" descr="A picture containing stage, blue&#10;&#10;Description automatically generated">
+            <a:extLst>
+              <a:ext uri="{FF2B5EF4-FFF2-40B4-BE49-F238E27FC236}">
+                <a16:creationId xmlns:a16="http://schemas.microsoft.com/office/drawing/2014/main" id="{D1FE0439-8135-497B-A50E-FECFD154EBC9}"/>
+              </a:ext>
+            </a:extLst>
+          </p:cNvPr>
+          <p:cNvPicPr>
+            <a:picLocks noChangeAspect="1"/>
+          </p:cNvPicPr>
+          <p:nvPr/>
+        </p:nvPicPr>
+        <p:blipFill>
+          <a:blip r:embed="rId4"/>
+          <a:stretch>
+            <a:fillRect/>
+          </a:stretch>
+        </p:blipFill>
+        <p:spPr>
+          <a:xfrm>
+            <a:off x="6096000" y="2022038"/>
+            <a:ext cx="4398599" cy="3621116"/>
+          </a:xfrm>
+          <a:prstGeom prst="rect">
+            <a:avLst/>
+          </a:prstGeom>
+        </p:spPr>
+      </p:pic>
     </p:spTree>
     <p:extLst>
       <p:ext uri="{BB962C8B-B14F-4D97-AF65-F5344CB8AC3E}">
@@ -12209,76 +12489,166 @@
                             </p:stCondLst>
                             <p:childTnLst>
                               <p:par>
-                                <p:cTn id="5" presetID="7" presetClass="emph" presetSubtype="2" fill="hold" nodeType="clickEffect">
+                                <p:cTn id="5" presetID="2" presetClass="entr" presetSubtype="8" fill="hold" nodeType="clickEffect">
                                   <p:stCondLst>
                                     <p:cond delay="0"/>
                                   </p:stCondLst>
                                   <p:childTnLst>
-                                    <p:animClr clrSpc="rgb" dir="cw">
+                                    <p:set>
                                       <p:cBhvr>
-                                        <p:cTn id="6" dur="2000" fill="hold"/>
+                                        <p:cTn id="6" dur="1" fill="hold">
+                                          <p:stCondLst>
+                                            <p:cond delay="0"/>
+                                          </p:stCondLst>
+                                        </p:cTn>
                                         <p:tgtEl>
                                           <p:spTgt spid="8"/>
                                         </p:tgtEl>
                                         <p:attrNameLst>
-                                          <p:attrName>stroke.color</p:attrName>
+                                          <p:attrName>style.visibility</p:attrName>
                                         </p:attrNameLst>
                                       </p:cBhvr>
                                       <p:to>
-                                        <a:schemeClr val="accent2"/>
+                                        <p:strVal val="visible"/>
                                       </p:to>
-                                    </p:animClr>
-                                    <p:set>
-                                      <p:cBhvr>
-                                        <p:cTn id="7" dur="2000" fill="hold"/>
+                                    </p:set>
+                                    <p:anim calcmode="lin" valueType="num">
+                                      <p:cBhvr additive="base">
+                                        <p:cTn id="7" dur="500" fill="hold"/>
                                         <p:tgtEl>
                                           <p:spTgt spid="8"/>
                                         </p:tgtEl>
                                         <p:attrNameLst>
-                                          <p:attrName>stroke.on</p:attrName>
+                                          <p:attrName>ppt_x</p:attrName>
                                         </p:attrNameLst>
                                       </p:cBhvr>
-                                      <p:to>
-                                        <p:strVal val="true"/>
-                                      </p:to>
-                                    </p:set>
+                                      <p:tavLst>
+                                        <p:tav tm="0">
+                                          <p:val>
+                                            <p:strVal val="0-#ppt_w/2"/>
+                                          </p:val>
+                                        </p:tav>
+                                        <p:tav tm="100000">
+                                          <p:val>
+                                            <p:strVal val="#ppt_x"/>
+                                          </p:val>
+                                        </p:tav>
+                                      </p:tavLst>
+                                    </p:anim>
+                                    <p:anim calcmode="lin" valueType="num">
+                                      <p:cBhvr additive="base">
+                                        <p:cTn id="8" dur="500" fill="hold"/>
+                                        <p:tgtEl>
+                                          <p:spTgt spid="8"/>
+                                        </p:tgtEl>
+                                        <p:attrNameLst>
+                                          <p:attrName>ppt_y</p:attrName>
+                                        </p:attrNameLst>
+                                      </p:cBhvr>
+                                      <p:tavLst>
+                                        <p:tav tm="0">
+                                          <p:val>
+                                            <p:strVal val="#ppt_y"/>
+                                          </p:val>
+                                        </p:tav>
+                                        <p:tav tm="100000">
+                                          <p:val>
+                                            <p:strVal val="#ppt_y"/>
+                                          </p:val>
+                                        </p:tav>
+                                      </p:tavLst>
+                                    </p:anim>
                                   </p:childTnLst>
                                 </p:cTn>
                               </p:par>
+                            </p:childTnLst>
+                          </p:cTn>
+                        </p:par>
+                      </p:childTnLst>
+                    </p:cTn>
+                  </p:par>
+                  <p:par>
+                    <p:cTn id="9" fill="hold">
+                      <p:stCondLst>
+                        <p:cond delay="indefinite"/>
+                      </p:stCondLst>
+                      <p:childTnLst>
+                        <p:par>
+                          <p:cTn id="10" fill="hold">
+                            <p:stCondLst>
+                              <p:cond delay="0"/>
+                            </p:stCondLst>
+                            <p:childTnLst>
                               <p:par>
-                                <p:cTn id="8" presetID="7" presetClass="emph" presetSubtype="2" fill="hold" nodeType="withEffect">
+                                <p:cTn id="11" presetID="2" presetClass="entr" presetSubtype="2" fill="hold" nodeType="clickEffect">
                                   <p:stCondLst>
                                     <p:cond delay="0"/>
                                   </p:stCondLst>
                                   <p:childTnLst>
-                                    <p:animClr clrSpc="rgb" dir="cw">
+                                    <p:set>
                                       <p:cBhvr>
-                                        <p:cTn id="9" dur="2000" fill="hold"/>
+                                        <p:cTn id="12" dur="1" fill="hold">
+                                          <p:stCondLst>
+                                            <p:cond delay="0"/>
+                                          </p:stCondLst>
+                                        </p:cTn>
                                         <p:tgtEl>
                                           <p:spTgt spid="4"/>
                                         </p:tgtEl>
                                         <p:attrNameLst>
-                                          <p:attrName>stroke.color</p:attrName>
+                                          <p:attrName>style.visibility</p:attrName>
                                         </p:attrNameLst>
                                       </p:cBhvr>
                                       <p:to>
-                                        <a:schemeClr val="accent2"/>
+                                        <p:strVal val="visible"/>
                                       </p:to>
-                                    </p:animClr>
-                                    <p:set>
-                                      <p:cBhvr>
-                                        <p:cTn id="10" dur="2000" fill="hold"/>
+                                    </p:set>
+                                    <p:anim calcmode="lin" valueType="num">
+                                      <p:cBhvr additive="base">
+                                        <p:cTn id="13" dur="500" fill="hold"/>
                                         <p:tgtEl>
                                           <p:spTgt spid="4"/>
                                         </p:tgtEl>
                                         <p:attrNameLst>
-                                          <p:attrName>stroke.on</p:attrName>
+                                          <p:attrName>ppt_x</p:attrName>
                                         </p:attrNameLst>
                                       </p:cBhvr>
-                                      <p:to>
-                                        <p:strVal val="true"/>
-                                      </p:to>
-                                    </p:set>
+                                      <p:tavLst>
+                                        <p:tav tm="0">
+                                          <p:val>
+                                            <p:strVal val="1+#ppt_w/2"/>
+                                          </p:val>
+                                        </p:tav>
+                                        <p:tav tm="100000">
+                                          <p:val>
+                                            <p:strVal val="#ppt_x"/>
+                                          </p:val>
+                                        </p:tav>
+                                      </p:tavLst>
+                                    </p:anim>
+                                    <p:anim calcmode="lin" valueType="num">
+                                      <p:cBhvr additive="base">
+                                        <p:cTn id="14" dur="500" fill="hold"/>
+                                        <p:tgtEl>
+                                          <p:spTgt spid="4"/>
+                                        </p:tgtEl>
+                                        <p:attrNameLst>
+                                          <p:attrName>ppt_y</p:attrName>
+                                        </p:attrNameLst>
+                                      </p:cBhvr>
+                                      <p:tavLst>
+                                        <p:tav tm="0">
+                                          <p:val>
+                                            <p:strVal val="#ppt_y"/>
+                                          </p:val>
+                                        </p:tav>
+                                        <p:tav tm="100000">
+                                          <p:val>
+                                            <p:strVal val="#ppt_y"/>
+                                          </p:val>
+                                        </p:tav>
+                                      </p:tavLst>
+                                    </p:anim>
                                   </p:childTnLst>
                                 </p:cTn>
                               </p:par>
@@ -12502,42 +12872,6 @@
           </a:prstGeom>
         </p:spPr>
       </p:pic>
-      <p:sp>
-        <p:nvSpPr>
-          <p:cNvPr id="3" name="TextBox 2">
-            <a:extLst>
-              <a:ext uri="{FF2B5EF4-FFF2-40B4-BE49-F238E27FC236}">
-                <a16:creationId xmlns:a16="http://schemas.microsoft.com/office/drawing/2014/main" id="{5CF3346D-03F6-4289-AAAF-32CF6964219B}"/>
-              </a:ext>
-            </a:extLst>
-          </p:cNvPr>
-          <p:cNvSpPr txBox="1"/>
-          <p:nvPr/>
-        </p:nvSpPr>
-        <p:spPr>
-          <a:xfrm>
-            <a:off x="6496334" y="3152633"/>
-            <a:ext cx="3084394" cy="646331"/>
-          </a:xfrm>
-          <a:prstGeom prst="rect">
-            <a:avLst/>
-          </a:prstGeom>
-          <a:noFill/>
-        </p:spPr>
-        <p:txBody>
-          <a:bodyPr wrap="square" rtlCol="0">
-            <a:spAutoFit/>
-          </a:bodyPr>
-          <a:lstStyle/>
-          <a:p>
-            <a:r>
-              <a:rPr lang="en-US" dirty="0"/>
-              <a:t>Fix this slide with legends &amp; description</a:t>
-            </a:r>
-            <a:endParaRPr lang="en-CA" dirty="0"/>
-          </a:p>
-        </p:txBody>
-      </p:sp>
     </p:spTree>
     <p:extLst>
       <p:ext uri="{BB962C8B-B14F-4D97-AF65-F5344CB8AC3E}">
@@ -12719,7 +13053,7 @@
         </p:blipFill>
         <p:spPr>
           <a:xfrm>
-            <a:off x="2166447" y="1947483"/>
+            <a:off x="2210492" y="1947483"/>
             <a:ext cx="7716313" cy="4595107"/>
           </a:xfrm>
           <a:prstGeom prst="rect">
@@ -12789,136 +13123,6 @@
           </a:p>
         </p:txBody>
       </p:sp>
-      <p:cxnSp>
-        <p:nvCxnSpPr>
-          <p:cNvPr id="10" name="Straight Arrow Connector 9">
-            <a:extLst>
-              <a:ext uri="{FF2B5EF4-FFF2-40B4-BE49-F238E27FC236}">
-                <a16:creationId xmlns:a16="http://schemas.microsoft.com/office/drawing/2014/main" id="{02B51C1E-AFB6-4F36-9667-D4D4FC9DFBD4}"/>
-              </a:ext>
-            </a:extLst>
-          </p:cNvPr>
-          <p:cNvCxnSpPr>
-            <a:cxnSpLocks/>
-          </p:cNvCxnSpPr>
-          <p:nvPr/>
-        </p:nvCxnSpPr>
-        <p:spPr>
-          <a:xfrm flipV="1">
-            <a:off x="2898241" y="4512281"/>
-            <a:ext cx="3432221" cy="909734"/>
-          </a:xfrm>
-          <a:prstGeom prst="straightConnector1">
-            <a:avLst/>
-          </a:prstGeom>
-          <a:ln>
-            <a:solidFill>
-              <a:srgbClr val="E9766F"/>
-            </a:solidFill>
-            <a:tailEnd type="triangle"/>
-          </a:ln>
-        </p:spPr>
-        <p:style>
-          <a:lnRef idx="1">
-            <a:schemeClr val="accent1"/>
-          </a:lnRef>
-          <a:fillRef idx="0">
-            <a:schemeClr val="accent1"/>
-          </a:fillRef>
-          <a:effectRef idx="0">
-            <a:schemeClr val="accent1"/>
-          </a:effectRef>
-          <a:fontRef idx="minor">
-            <a:schemeClr val="tx1"/>
-          </a:fontRef>
-        </p:style>
-      </p:cxnSp>
-      <p:cxnSp>
-        <p:nvCxnSpPr>
-          <p:cNvPr id="13" name="Straight Arrow Connector 12">
-            <a:extLst>
-              <a:ext uri="{FF2B5EF4-FFF2-40B4-BE49-F238E27FC236}">
-                <a16:creationId xmlns:a16="http://schemas.microsoft.com/office/drawing/2014/main" id="{32C4B5B3-31F4-4CB1-9C09-402CEC3528A5}"/>
-              </a:ext>
-            </a:extLst>
-          </p:cNvPr>
-          <p:cNvCxnSpPr>
-            <a:cxnSpLocks/>
-          </p:cNvCxnSpPr>
-          <p:nvPr/>
-        </p:nvCxnSpPr>
-        <p:spPr>
-          <a:xfrm>
-            <a:off x="6459415" y="4516871"/>
-            <a:ext cx="1148862" cy="694458"/>
-          </a:xfrm>
-          <a:prstGeom prst="straightConnector1">
-            <a:avLst/>
-          </a:prstGeom>
-          <a:ln>
-            <a:solidFill>
-              <a:srgbClr val="E9766F"/>
-            </a:solidFill>
-            <a:tailEnd type="triangle"/>
-          </a:ln>
-        </p:spPr>
-        <p:style>
-          <a:lnRef idx="1">
-            <a:schemeClr val="accent1"/>
-          </a:lnRef>
-          <a:fillRef idx="0">
-            <a:schemeClr val="accent1"/>
-          </a:fillRef>
-          <a:effectRef idx="0">
-            <a:schemeClr val="accent1"/>
-          </a:effectRef>
-          <a:fontRef idx="minor">
-            <a:schemeClr val="tx1"/>
-          </a:fontRef>
-        </p:style>
-      </p:cxnSp>
-      <p:cxnSp>
-        <p:nvCxnSpPr>
-          <p:cNvPr id="19" name="Straight Arrow Connector 18">
-            <a:extLst>
-              <a:ext uri="{FF2B5EF4-FFF2-40B4-BE49-F238E27FC236}">
-                <a16:creationId xmlns:a16="http://schemas.microsoft.com/office/drawing/2014/main" id="{FB50FF0B-BB31-4DFF-A8F8-D9B8D6934C60}"/>
-              </a:ext>
-            </a:extLst>
-          </p:cNvPr>
-          <p:cNvCxnSpPr/>
-          <p:nvPr/>
-        </p:nvCxnSpPr>
-        <p:spPr>
-          <a:xfrm flipV="1">
-            <a:off x="7819292" y="5027199"/>
-            <a:ext cx="1688123" cy="99778"/>
-          </a:xfrm>
-          <a:prstGeom prst="straightConnector1">
-            <a:avLst/>
-          </a:prstGeom>
-          <a:ln>
-            <a:solidFill>
-              <a:srgbClr val="E9766F"/>
-            </a:solidFill>
-            <a:tailEnd type="triangle"/>
-          </a:ln>
-        </p:spPr>
-        <p:style>
-          <a:lnRef idx="1">
-            <a:schemeClr val="accent1"/>
-          </a:lnRef>
-          <a:fillRef idx="0">
-            <a:schemeClr val="accent1"/>
-          </a:fillRef>
-          <a:effectRef idx="0">
-            <a:schemeClr val="accent1"/>
-          </a:effectRef>
-          <a:fontRef idx="minor">
-            <a:schemeClr val="tx1"/>
-          </a:fontRef>
-        </p:style>
-      </p:cxnSp>
       <p:sp>
         <p:nvSpPr>
           <p:cNvPr id="21" name="Rectangle 20">
@@ -12932,9 +13136,9 @@
           <p:nvPr/>
         </p:nvSpPr>
         <p:spPr>
-          <a:xfrm>
-            <a:off x="2802231" y="5582070"/>
-            <a:ext cx="2107513" cy="436680"/>
+          <a:xfrm rot="20408569">
+            <a:off x="3602804" y="5123976"/>
+            <a:ext cx="2148592" cy="467036"/>
           </a:xfrm>
           <a:prstGeom prst="rect">
             <a:avLst/>
@@ -13043,6 +13247,135 @@
           </a:p>
         </p:txBody>
       </p:sp>
+      <p:cxnSp>
+        <p:nvCxnSpPr>
+          <p:cNvPr id="9" name="Straight Connector 8">
+            <a:extLst>
+              <a:ext uri="{FF2B5EF4-FFF2-40B4-BE49-F238E27FC236}">
+                <a16:creationId xmlns:a16="http://schemas.microsoft.com/office/drawing/2014/main" id="{0172F6F4-FECA-429C-99CA-86FF72CF4DDF}"/>
+              </a:ext>
+            </a:extLst>
+          </p:cNvPr>
+          <p:cNvCxnSpPr>
+            <a:cxnSpLocks/>
+          </p:cNvCxnSpPr>
+          <p:nvPr/>
+        </p:nvCxnSpPr>
+        <p:spPr>
+          <a:xfrm flipV="1">
+            <a:off x="3213463" y="4598126"/>
+            <a:ext cx="3252651" cy="862148"/>
+          </a:xfrm>
+          <a:prstGeom prst="line">
+            <a:avLst/>
+          </a:prstGeom>
+          <a:ln>
+            <a:solidFill>
+              <a:srgbClr val="E87572"/>
+            </a:solidFill>
+          </a:ln>
+        </p:spPr>
+        <p:style>
+          <a:lnRef idx="1">
+            <a:schemeClr val="accent1"/>
+          </a:lnRef>
+          <a:fillRef idx="0">
+            <a:schemeClr val="accent1"/>
+          </a:fillRef>
+          <a:effectRef idx="0">
+            <a:schemeClr val="accent1"/>
+          </a:effectRef>
+          <a:fontRef idx="minor">
+            <a:schemeClr val="tx1"/>
+          </a:fontRef>
+        </p:style>
+      </p:cxnSp>
+      <p:cxnSp>
+        <p:nvCxnSpPr>
+          <p:cNvPr id="14" name="Straight Connector 13">
+            <a:extLst>
+              <a:ext uri="{FF2B5EF4-FFF2-40B4-BE49-F238E27FC236}">
+                <a16:creationId xmlns:a16="http://schemas.microsoft.com/office/drawing/2014/main" id="{27FEABED-0D4F-4EDF-9844-022968BC9BE5}"/>
+              </a:ext>
+            </a:extLst>
+          </p:cNvPr>
+          <p:cNvCxnSpPr>
+            <a:cxnSpLocks/>
+          </p:cNvCxnSpPr>
+          <p:nvPr/>
+        </p:nvCxnSpPr>
+        <p:spPr>
+          <a:xfrm>
+            <a:off x="6466114" y="4598126"/>
+            <a:ext cx="1240972" cy="431074"/>
+          </a:xfrm>
+          <a:prstGeom prst="line">
+            <a:avLst/>
+          </a:prstGeom>
+          <a:ln>
+            <a:solidFill>
+              <a:srgbClr val="E87572"/>
+            </a:solidFill>
+          </a:ln>
+        </p:spPr>
+        <p:style>
+          <a:lnRef idx="1">
+            <a:schemeClr val="accent1"/>
+          </a:lnRef>
+          <a:fillRef idx="0">
+            <a:schemeClr val="accent1"/>
+          </a:fillRef>
+          <a:effectRef idx="0">
+            <a:schemeClr val="accent1"/>
+          </a:effectRef>
+          <a:fontRef idx="minor">
+            <a:schemeClr val="tx1"/>
+          </a:fontRef>
+        </p:style>
+      </p:cxnSp>
+      <p:cxnSp>
+        <p:nvCxnSpPr>
+          <p:cNvPr id="18" name="Straight Connector 17">
+            <a:extLst>
+              <a:ext uri="{FF2B5EF4-FFF2-40B4-BE49-F238E27FC236}">
+                <a16:creationId xmlns:a16="http://schemas.microsoft.com/office/drawing/2014/main" id="{BC280AAD-A953-4CA5-9C58-EF28D7976935}"/>
+              </a:ext>
+            </a:extLst>
+          </p:cNvPr>
+          <p:cNvCxnSpPr>
+            <a:cxnSpLocks/>
+          </p:cNvCxnSpPr>
+          <p:nvPr/>
+        </p:nvCxnSpPr>
+        <p:spPr>
+          <a:xfrm flipV="1">
+            <a:off x="7696546" y="4908730"/>
+            <a:ext cx="1813214" cy="120470"/>
+          </a:xfrm>
+          <a:prstGeom prst="line">
+            <a:avLst/>
+          </a:prstGeom>
+          <a:ln>
+            <a:solidFill>
+              <a:srgbClr val="E87572"/>
+            </a:solidFill>
+          </a:ln>
+        </p:spPr>
+        <p:style>
+          <a:lnRef idx="1">
+            <a:schemeClr val="accent1"/>
+          </a:lnRef>
+          <a:fillRef idx="0">
+            <a:schemeClr val="accent1"/>
+          </a:fillRef>
+          <a:effectRef idx="0">
+            <a:schemeClr val="accent1"/>
+          </a:effectRef>
+          <a:fontRef idx="minor">
+            <a:schemeClr val="tx1"/>
+          </a:fontRef>
+        </p:style>
+      </p:cxnSp>
     </p:spTree>
     <p:extLst>
       <p:ext uri="{BB962C8B-B14F-4D97-AF65-F5344CB8AC3E}">
@@ -13100,68 +13433,15 @@
                                   </p:childTnLst>
                                 </p:cTn>
                               </p:par>
-                            </p:childTnLst>
-                          </p:cTn>
-                        </p:par>
-                      </p:childTnLst>
-                    </p:cTn>
-                  </p:par>
-                  <p:par>
-                    <p:cTn id="7" fill="hold">
-                      <p:stCondLst>
-                        <p:cond delay="indefinite"/>
-                      </p:stCondLst>
-                      <p:childTnLst>
-                        <p:par>
-                          <p:cTn id="8" fill="hold">
-                            <p:stCondLst>
-                              <p:cond delay="0"/>
-                            </p:stCondLst>
-                            <p:childTnLst>
                               <p:par>
-                                <p:cTn id="9" presetID="14" presetClass="entr" presetSubtype="10" fill="hold" nodeType="clickEffect">
+                                <p:cTn id="7" presetID="14" presetClass="entr" presetSubtype="10" fill="hold" grpId="0" nodeType="withEffect">
                                   <p:stCondLst>
                                     <p:cond delay="0"/>
                                   </p:stCondLst>
                                   <p:childTnLst>
                                     <p:set>
                                       <p:cBhvr>
-                                        <p:cTn id="10" dur="1" fill="hold">
-                                          <p:stCondLst>
-                                            <p:cond delay="0"/>
-                                          </p:stCondLst>
-                                        </p:cTn>
-                                        <p:tgtEl>
-                                          <p:spTgt spid="10"/>
-                                        </p:tgtEl>
-                                        <p:attrNameLst>
-                                          <p:attrName>style.visibility</p:attrName>
-                                        </p:attrNameLst>
-                                      </p:cBhvr>
-                                      <p:to>
-                                        <p:strVal val="visible"/>
-                                      </p:to>
-                                    </p:set>
-                                    <p:animEffect transition="in" filter="randombar(horizontal)">
-                                      <p:cBhvr>
-                                        <p:cTn id="11" dur="500"/>
-                                        <p:tgtEl>
-                                          <p:spTgt spid="10"/>
-                                        </p:tgtEl>
-                                      </p:cBhvr>
-                                    </p:animEffect>
-                                  </p:childTnLst>
-                                </p:cTn>
-                              </p:par>
-                              <p:par>
-                                <p:cTn id="12" presetID="14" presetClass="entr" presetSubtype="10" fill="hold" grpId="0" nodeType="withEffect">
-                                  <p:stCondLst>
-                                    <p:cond delay="0"/>
-                                  </p:stCondLst>
-                                  <p:childTnLst>
-                                    <p:set>
-                                      <p:cBhvr>
-                                        <p:cTn id="13" dur="1" fill="hold">
+                                        <p:cTn id="8" dur="1" fill="hold">
                                           <p:stCondLst>
                                             <p:cond delay="0"/>
                                           </p:stCondLst>
@@ -13179,7 +13459,7 @@
                                     </p:set>
                                     <p:animEffect transition="in" filter="randombar(horizontal)">
                                       <p:cBhvr>
-                                        <p:cTn id="14" dur="500"/>
+                                        <p:cTn id="9" dur="500"/>
                                         <p:tgtEl>
                                           <p:spTgt spid="21"/>
                                         </p:tgtEl>
@@ -13188,68 +13468,15 @@
                                   </p:childTnLst>
                                 </p:cTn>
                               </p:par>
-                            </p:childTnLst>
-                          </p:cTn>
-                        </p:par>
-                      </p:childTnLst>
-                    </p:cTn>
-                  </p:par>
-                  <p:par>
-                    <p:cTn id="15" fill="hold">
-                      <p:stCondLst>
-                        <p:cond delay="indefinite"/>
-                      </p:stCondLst>
-                      <p:childTnLst>
-                        <p:par>
-                          <p:cTn id="16" fill="hold">
-                            <p:stCondLst>
-                              <p:cond delay="0"/>
-                            </p:stCondLst>
-                            <p:childTnLst>
                               <p:par>
-                                <p:cTn id="17" presetID="14" presetClass="entr" presetSubtype="10" fill="hold" nodeType="clickEffect">
+                                <p:cTn id="10" presetID="14" presetClass="entr" presetSubtype="10" fill="hold" grpId="0" nodeType="withEffect">
                                   <p:stCondLst>
                                     <p:cond delay="0"/>
                                   </p:stCondLst>
                                   <p:childTnLst>
                                     <p:set>
                                       <p:cBhvr>
-                                        <p:cTn id="18" dur="1" fill="hold">
-                                          <p:stCondLst>
-                                            <p:cond delay="0"/>
-                                          </p:stCondLst>
-                                        </p:cTn>
-                                        <p:tgtEl>
-                                          <p:spTgt spid="13"/>
-                                        </p:tgtEl>
-                                        <p:attrNameLst>
-                                          <p:attrName>style.visibility</p:attrName>
-                                        </p:attrNameLst>
-                                      </p:cBhvr>
-                                      <p:to>
-                                        <p:strVal val="visible"/>
-                                      </p:to>
-                                    </p:set>
-                                    <p:animEffect transition="in" filter="randombar(horizontal)">
-                                      <p:cBhvr>
-                                        <p:cTn id="19" dur="500"/>
-                                        <p:tgtEl>
-                                          <p:spTgt spid="13"/>
-                                        </p:tgtEl>
-                                      </p:cBhvr>
-                                    </p:animEffect>
-                                  </p:childTnLst>
-                                </p:cTn>
-                              </p:par>
-                              <p:par>
-                                <p:cTn id="20" presetID="14" presetClass="entr" presetSubtype="10" fill="hold" grpId="0" nodeType="withEffect">
-                                  <p:stCondLst>
-                                    <p:cond delay="0"/>
-                                  </p:stCondLst>
-                                  <p:childTnLst>
-                                    <p:set>
-                                      <p:cBhvr>
-                                        <p:cTn id="21" dur="1" fill="hold">
+                                        <p:cTn id="11" dur="1" fill="hold">
                                           <p:stCondLst>
                                             <p:cond delay="0"/>
                                           </p:stCondLst>
@@ -13267,7 +13494,7 @@
                                     </p:set>
                                     <p:animEffect transition="in" filter="randombar(horizontal)">
                                       <p:cBhvr>
-                                        <p:cTn id="22" dur="500"/>
+                                        <p:cTn id="12" dur="500"/>
                                         <p:tgtEl>
                                           <p:spTgt spid="5"/>
                                         </p:tgtEl>
@@ -13276,68 +13503,15 @@
                                   </p:childTnLst>
                                 </p:cTn>
                               </p:par>
-                            </p:childTnLst>
-                          </p:cTn>
-                        </p:par>
-                      </p:childTnLst>
-                    </p:cTn>
-                  </p:par>
-                  <p:par>
-                    <p:cTn id="23" fill="hold">
-                      <p:stCondLst>
-                        <p:cond delay="indefinite"/>
-                      </p:stCondLst>
-                      <p:childTnLst>
-                        <p:par>
-                          <p:cTn id="24" fill="hold">
-                            <p:stCondLst>
-                              <p:cond delay="0"/>
-                            </p:stCondLst>
-                            <p:childTnLst>
                               <p:par>
-                                <p:cTn id="25" presetID="14" presetClass="entr" presetSubtype="10" fill="hold" nodeType="clickEffect">
+                                <p:cTn id="13" presetID="14" presetClass="entr" presetSubtype="10" fill="hold" grpId="0" nodeType="withEffect">
                                   <p:stCondLst>
                                     <p:cond delay="0"/>
                                   </p:stCondLst>
                                   <p:childTnLst>
                                     <p:set>
                                       <p:cBhvr>
-                                        <p:cTn id="26" dur="1" fill="hold">
-                                          <p:stCondLst>
-                                            <p:cond delay="0"/>
-                                          </p:stCondLst>
-                                        </p:cTn>
-                                        <p:tgtEl>
-                                          <p:spTgt spid="19"/>
-                                        </p:tgtEl>
-                                        <p:attrNameLst>
-                                          <p:attrName>style.visibility</p:attrName>
-                                        </p:attrNameLst>
-                                      </p:cBhvr>
-                                      <p:to>
-                                        <p:strVal val="visible"/>
-                                      </p:to>
-                                    </p:set>
-                                    <p:animEffect transition="in" filter="randombar(horizontal)">
-                                      <p:cBhvr>
-                                        <p:cTn id="27" dur="500"/>
-                                        <p:tgtEl>
-                                          <p:spTgt spid="19"/>
-                                        </p:tgtEl>
-                                      </p:cBhvr>
-                                    </p:animEffect>
-                                  </p:childTnLst>
-                                </p:cTn>
-                              </p:par>
-                              <p:par>
-                                <p:cTn id="28" presetID="14" presetClass="entr" presetSubtype="10" fill="hold" grpId="0" nodeType="withEffect">
-                                  <p:stCondLst>
-                                    <p:cond delay="0"/>
-                                  </p:stCondLst>
-                                  <p:childTnLst>
-                                    <p:set>
-                                      <p:cBhvr>
-                                        <p:cTn id="29" dur="1" fill="hold">
+                                        <p:cTn id="14" dur="1" fill="hold">
                                           <p:stCondLst>
                                             <p:cond delay="0"/>
                                           </p:stCondLst>
@@ -13355,7 +13529,7 @@
                                     </p:set>
                                     <p:animEffect transition="in" filter="randombar(horizontal)">
                                       <p:cBhvr>
-                                        <p:cTn id="30" dur="500"/>
+                                        <p:cTn id="15" dur="500"/>
                                         <p:tgtEl>
                                           <p:spTgt spid="22"/>
                                         </p:tgtEl>
@@ -14628,8 +14802,8 @@
         </p:nvSpPr>
         <p:spPr>
           <a:xfrm>
-            <a:off x="1055716" y="2073264"/>
-            <a:ext cx="8537171" cy="3970318"/>
+            <a:off x="4863103" y="2023108"/>
+            <a:ext cx="6233358" cy="4801314"/>
           </a:xfrm>
           <a:prstGeom prst="rect">
             <a:avLst/>
@@ -14678,7 +14852,7 @@
             </a:pPr>
             <a:r>
               <a:rPr lang="en-CA" dirty="0"/>
-              <a:t>Do extensive research on how neighbours price their units considering the room type they have.</a:t>
+              <a:t>Do extensive research on how neighbours price their units based on the size of the unit.</a:t>
             </a:r>
           </a:p>
           <a:p>
@@ -14716,10 +14890,57 @@
             </a:r>
           </a:p>
           <a:p>
+            <a:pPr marL="285750" indent="-285750">
+              <a:buFont typeface="Arial" panose="020B0604020202020204" pitchFamily="34" charset="0"/>
+              <a:buChar char="•"/>
+            </a:pPr>
+            <a:endParaRPr lang="en-CA" dirty="0"/>
+          </a:p>
+          <a:p>
+            <a:pPr marL="285750" indent="-285750">
+              <a:buFont typeface="Arial" panose="020B0604020202020204" pitchFamily="34" charset="0"/>
+              <a:buChar char="•"/>
+            </a:pPr>
+            <a:r>
+              <a:rPr lang="en-CA" dirty="0"/>
+              <a:t>Beware of major news events or pandemic crisis that may decrease occupancy rates dramatically.</a:t>
+            </a:r>
+          </a:p>
+          <a:p>
             <a:endParaRPr lang="en-CA" dirty="0"/>
           </a:p>
         </p:txBody>
       </p:sp>
+      <p:pic>
+        <p:nvPicPr>
+          <p:cNvPr id="4" name="Picture 3" descr="Icon&#10;&#10;Description automatically generated">
+            <a:extLst>
+              <a:ext uri="{FF2B5EF4-FFF2-40B4-BE49-F238E27FC236}">
+                <a16:creationId xmlns:a16="http://schemas.microsoft.com/office/drawing/2014/main" id="{E911EBA5-101D-4B4B-8A77-A373C2701F41}"/>
+              </a:ext>
+            </a:extLst>
+          </p:cNvPr>
+          <p:cNvPicPr>
+            <a:picLocks noChangeAspect="1"/>
+          </p:cNvPicPr>
+          <p:nvPr/>
+        </p:nvPicPr>
+        <p:blipFill>
+          <a:blip r:embed="rId4"/>
+          <a:stretch>
+            <a:fillRect/>
+          </a:stretch>
+        </p:blipFill>
+        <p:spPr>
+          <a:xfrm>
+            <a:off x="991472" y="2097432"/>
+            <a:ext cx="3578153" cy="3578153"/>
+          </a:xfrm>
+          <a:prstGeom prst="rect">
+            <a:avLst/>
+          </a:prstGeom>
+        </p:spPr>
+      </p:pic>
     </p:spTree>
     <p:extLst>
       <p:ext uri="{BB962C8B-B14F-4D97-AF65-F5344CB8AC3E}">
@@ -14784,7 +15005,7 @@
                   <a:srgbClr val="EA5E46"/>
                 </a:solidFill>
               </a:rPr>
-              <a:t>Next Steps</a:t>
+              <a:t>Looking into the Future</a:t>
             </a:r>
           </a:p>
         </p:txBody>
@@ -14893,8 +15114,8 @@
         </p:nvSpPr>
         <p:spPr>
           <a:xfrm>
-            <a:off x="1263535" y="1837113"/>
-            <a:ext cx="8761614" cy="4247317"/>
+            <a:off x="975854" y="1971224"/>
+            <a:ext cx="5399079" cy="5078313"/>
           </a:xfrm>
           <a:prstGeom prst="rect">
             <a:avLst/>
@@ -15042,6 +15263,36 @@
           </a:p>
         </p:txBody>
       </p:sp>
+      <p:pic>
+        <p:nvPicPr>
+          <p:cNvPr id="8" name="Picture 7" descr="A picture containing silhouette, sunset, clouds&#10;&#10;Description automatically generated">
+            <a:extLst>
+              <a:ext uri="{FF2B5EF4-FFF2-40B4-BE49-F238E27FC236}">
+                <a16:creationId xmlns:a16="http://schemas.microsoft.com/office/drawing/2014/main" id="{26FFD1AC-4CCD-4302-BAE5-C390F3E50703}"/>
+              </a:ext>
+            </a:extLst>
+          </p:cNvPr>
+          <p:cNvPicPr>
+            <a:picLocks noChangeAspect="1"/>
+          </p:cNvPicPr>
+          <p:nvPr/>
+        </p:nvPicPr>
+        <p:blipFill>
+          <a:blip r:embed="rId4"/>
+          <a:stretch>
+            <a:fillRect/>
+          </a:stretch>
+        </p:blipFill>
+        <p:spPr>
+          <a:xfrm>
+            <a:off x="6820223" y="2022038"/>
+            <a:ext cx="4582565" cy="4235060"/>
+          </a:xfrm>
+          <a:prstGeom prst="rect">
+            <a:avLst/>
+          </a:prstGeom>
+        </p:spPr>
+      </p:pic>
     </p:spTree>
     <p:extLst>
       <p:ext uri="{BB962C8B-B14F-4D97-AF65-F5344CB8AC3E}">
@@ -15583,6 +15834,1013 @@
                   <a:srgbClr val="EA5E46"/>
                 </a:solidFill>
               </a:rPr>
+              <a:t>Database Change</a:t>
+            </a:r>
+          </a:p>
+        </p:txBody>
+      </p:sp>
+      <p:pic>
+        <p:nvPicPr>
+          <p:cNvPr id="2050" name="Picture 2" descr="Image result for air bnb logo">
+            <a:extLst>
+              <a:ext uri="{FF2B5EF4-FFF2-40B4-BE49-F238E27FC236}">
+                <a16:creationId xmlns:a16="http://schemas.microsoft.com/office/drawing/2014/main" id="{A162C291-208B-BE48-BF44-7D5CD7EF6151}"/>
+              </a:ext>
+            </a:extLst>
+          </p:cNvPr>
+          <p:cNvPicPr>
+            <a:picLocks noChangeAspect="1" noChangeArrowheads="1"/>
+          </p:cNvPicPr>
+          <p:nvPr/>
+        </p:nvPicPr>
+        <p:blipFill>
+          <a:blip r:embed="rId3">
+            <a:extLst>
+              <a:ext uri="{28A0092B-C50C-407E-A947-70E740481C1C}">
+                <a14:useLocalDpi xmlns:a14="http://schemas.microsoft.com/office/drawing/2010/main" val="0"/>
+              </a:ext>
+            </a:extLst>
+          </a:blip>
+          <a:srcRect/>
+          <a:stretch>
+            <a:fillRect/>
+          </a:stretch>
+        </p:blipFill>
+        <p:spPr bwMode="auto">
+          <a:xfrm>
+            <a:off x="469817" y="108280"/>
+            <a:ext cx="2189605" cy="2022038"/>
+          </a:xfrm>
+          <a:prstGeom prst="rect">
+            <a:avLst/>
+          </a:prstGeom>
+          <a:noFill/>
+          <a:extLst>
+            <a:ext uri="{909E8E84-426E-40DD-AFC4-6F175D3DCCD1}">
+              <a14:hiddenFill xmlns:a14="http://schemas.microsoft.com/office/drawing/2010/main">
+                <a:solidFill>
+                  <a:srgbClr val="FFFFFF"/>
+                </a:solidFill>
+              </a14:hiddenFill>
+            </a:ext>
+          </a:extLst>
+        </p:spPr>
+      </p:pic>
+      <p:cxnSp>
+        <p:nvCxnSpPr>
+          <p:cNvPr id="6" name="Straight Connector 5">
+            <a:extLst>
+              <a:ext uri="{FF2B5EF4-FFF2-40B4-BE49-F238E27FC236}">
+                <a16:creationId xmlns:a16="http://schemas.microsoft.com/office/drawing/2014/main" id="{7D0926DC-6298-B648-9DF9-0D78D09F9FC8}"/>
+              </a:ext>
+            </a:extLst>
+          </p:cNvPr>
+          <p:cNvCxnSpPr>
+            <a:cxnSpLocks/>
+          </p:cNvCxnSpPr>
+          <p:nvPr/>
+        </p:nvCxnSpPr>
+        <p:spPr>
+          <a:xfrm>
+            <a:off x="975854" y="1822090"/>
+            <a:ext cx="9518745" cy="1"/>
+          </a:xfrm>
+          <a:prstGeom prst="line">
+            <a:avLst/>
+          </a:prstGeom>
+          <a:ln w="12700">
+            <a:solidFill>
+              <a:srgbClr val="EA5E46"/>
+            </a:solidFill>
+          </a:ln>
+        </p:spPr>
+        <p:style>
+          <a:lnRef idx="1">
+            <a:schemeClr val="accent2"/>
+          </a:lnRef>
+          <a:fillRef idx="0">
+            <a:schemeClr val="accent2"/>
+          </a:fillRef>
+          <a:effectRef idx="0">
+            <a:schemeClr val="accent2"/>
+          </a:effectRef>
+          <a:fontRef idx="minor">
+            <a:schemeClr val="tx1"/>
+          </a:fontRef>
+        </p:style>
+      </p:cxnSp>
+      <p:sp>
+        <p:nvSpPr>
+          <p:cNvPr id="5" name="Freeform: Shape 4">
+            <a:extLst>
+              <a:ext uri="{FF2B5EF4-FFF2-40B4-BE49-F238E27FC236}">
+                <a16:creationId xmlns:a16="http://schemas.microsoft.com/office/drawing/2014/main" id="{0F5E79D5-6DE8-4064-8485-34A459D016F8}"/>
+              </a:ext>
+            </a:extLst>
+          </p:cNvPr>
+          <p:cNvSpPr/>
+          <p:nvPr/>
+        </p:nvSpPr>
+        <p:spPr>
+          <a:xfrm>
+            <a:off x="2032447" y="2594267"/>
+            <a:ext cx="3936999" cy="3936999"/>
+          </a:xfrm>
+          <a:custGeom>
+            <a:avLst/>
+            <a:gdLst>
+              <a:gd name="connsiteX0" fmla="*/ 0 w 3936999"/>
+              <a:gd name="connsiteY0" fmla="*/ 2559049 h 3936999"/>
+              <a:gd name="connsiteX1" fmla="*/ 984250 w 3936999"/>
+              <a:gd name="connsiteY1" fmla="*/ 2559049 h 3936999"/>
+              <a:gd name="connsiteX2" fmla="*/ 984250 w 3936999"/>
+              <a:gd name="connsiteY2" fmla="*/ 0 h 3936999"/>
+              <a:gd name="connsiteX3" fmla="*/ 2952749 w 3936999"/>
+              <a:gd name="connsiteY3" fmla="*/ 0 h 3936999"/>
+              <a:gd name="connsiteX4" fmla="*/ 2952749 w 3936999"/>
+              <a:gd name="connsiteY4" fmla="*/ 2559049 h 3936999"/>
+              <a:gd name="connsiteX5" fmla="*/ 3936999 w 3936999"/>
+              <a:gd name="connsiteY5" fmla="*/ 2559049 h 3936999"/>
+              <a:gd name="connsiteX6" fmla="*/ 1968500 w 3936999"/>
+              <a:gd name="connsiteY6" fmla="*/ 3936999 h 3936999"/>
+              <a:gd name="connsiteX7" fmla="*/ 0 w 3936999"/>
+              <a:gd name="connsiteY7" fmla="*/ 2559049 h 3936999"/>
+            </a:gdLst>
+            <a:ahLst/>
+            <a:cxnLst>
+              <a:cxn ang="0">
+                <a:pos x="connsiteX0" y="connsiteY0"/>
+              </a:cxn>
+              <a:cxn ang="0">
+                <a:pos x="connsiteX1" y="connsiteY1"/>
+              </a:cxn>
+              <a:cxn ang="0">
+                <a:pos x="connsiteX2" y="connsiteY2"/>
+              </a:cxn>
+              <a:cxn ang="0">
+                <a:pos x="connsiteX3" y="connsiteY3"/>
+              </a:cxn>
+              <a:cxn ang="0">
+                <a:pos x="connsiteX4" y="connsiteY4"/>
+              </a:cxn>
+              <a:cxn ang="0">
+                <a:pos x="connsiteX5" y="connsiteY5"/>
+              </a:cxn>
+              <a:cxn ang="0">
+                <a:pos x="connsiteX6" y="connsiteY6"/>
+              </a:cxn>
+              <a:cxn ang="0">
+                <a:pos x="connsiteX7" y="connsiteY7"/>
+              </a:cxn>
+            </a:cxnLst>
+            <a:rect l="l" t="t" r="r" b="b"/>
+            <a:pathLst>
+              <a:path w="3936999" h="3936999">
+                <a:moveTo>
+                  <a:pt x="2559049" y="3936999"/>
+                </a:moveTo>
+                <a:lnTo>
+                  <a:pt x="2559049" y="2952749"/>
+                </a:lnTo>
+                <a:lnTo>
+                  <a:pt x="0" y="2952749"/>
+                </a:lnTo>
+                <a:lnTo>
+                  <a:pt x="0" y="984250"/>
+                </a:lnTo>
+                <a:lnTo>
+                  <a:pt x="2559049" y="984250"/>
+                </a:lnTo>
+                <a:lnTo>
+                  <a:pt x="2559049" y="0"/>
+                </a:lnTo>
+                <a:lnTo>
+                  <a:pt x="3936999" y="1968499"/>
+                </a:lnTo>
+                <a:lnTo>
+                  <a:pt x="2559049" y="3936999"/>
+                </a:lnTo>
+                <a:close/>
+              </a:path>
+            </a:pathLst>
+          </a:custGeom>
+          <a:solidFill>
+            <a:schemeClr val="bg2">
+              <a:lumMod val="75000"/>
+            </a:schemeClr>
+          </a:solidFill>
+        </p:spPr>
+        <p:style>
+          <a:lnRef idx="2">
+            <a:schemeClr val="lt1">
+              <a:hueOff val="0"/>
+              <a:satOff val="0"/>
+              <a:lumOff val="0"/>
+              <a:alphaOff val="0"/>
+            </a:schemeClr>
+          </a:lnRef>
+          <a:fillRef idx="1">
+            <a:scrgbClr r="0" g="0" b="0"/>
+          </a:fillRef>
+          <a:effectRef idx="0">
+            <a:schemeClr val="accent1">
+              <a:hueOff val="0"/>
+              <a:satOff val="0"/>
+              <a:lumOff val="0"/>
+              <a:alphaOff val="0"/>
+            </a:schemeClr>
+          </a:effectRef>
+          <a:fontRef idx="minor">
+            <a:schemeClr val="lt1"/>
+          </a:fontRef>
+        </p:style>
+        <p:txBody>
+          <a:bodyPr spcFirstLastPara="0" vert="horz" wrap="square" lIns="128017" tIns="1112266" rIns="816990" bIns="1112266" numCol="1" spcCol="1270" anchor="ctr" anchorCtr="0">
+            <a:noAutofit/>
+          </a:bodyPr>
+          <a:lstStyle/>
+          <a:p>
+            <a:pPr marL="0" lvl="0" indent="0" algn="l" defTabSz="800100">
+              <a:lnSpc>
+                <a:spcPct val="90000"/>
+              </a:lnSpc>
+              <a:spcBef>
+                <a:spcPct val="0"/>
+              </a:spcBef>
+              <a:spcAft>
+                <a:spcPct val="35000"/>
+              </a:spcAft>
+              <a:buNone/>
+            </a:pPr>
+            <a:r>
+              <a:rPr lang="en-US" sz="1800" kern="1200" dirty="0"/>
+              <a:t>Listings Masters</a:t>
+            </a:r>
+          </a:p>
+          <a:p>
+            <a:pPr marL="0" lvl="0" indent="0" algn="l" defTabSz="800100">
+              <a:lnSpc>
+                <a:spcPct val="90000"/>
+              </a:lnSpc>
+              <a:spcBef>
+                <a:spcPct val="0"/>
+              </a:spcBef>
+              <a:spcAft>
+                <a:spcPct val="35000"/>
+              </a:spcAft>
+              <a:buNone/>
+            </a:pPr>
+            <a:r>
+              <a:rPr lang="en-US" sz="1800" kern="1200" dirty="0"/>
+              <a:t>Borough ID</a:t>
+            </a:r>
+          </a:p>
+          <a:p>
+            <a:pPr marL="0" lvl="0" indent="0" algn="l" defTabSz="800100">
+              <a:lnSpc>
+                <a:spcPct val="90000"/>
+              </a:lnSpc>
+              <a:spcBef>
+                <a:spcPct val="0"/>
+              </a:spcBef>
+              <a:spcAft>
+                <a:spcPct val="35000"/>
+              </a:spcAft>
+              <a:buNone/>
+            </a:pPr>
+            <a:r>
+              <a:rPr lang="en-US" sz="1800" kern="1200" dirty="0" err="1"/>
+              <a:t>Neighbourhood</a:t>
+            </a:r>
+            <a:r>
+              <a:rPr lang="en-US" sz="1800" kern="1200" dirty="0"/>
+              <a:t> ID</a:t>
+            </a:r>
+          </a:p>
+          <a:p>
+            <a:pPr marL="0" lvl="0" indent="0" algn="l" defTabSz="800100">
+              <a:lnSpc>
+                <a:spcPct val="90000"/>
+              </a:lnSpc>
+              <a:spcBef>
+                <a:spcPct val="0"/>
+              </a:spcBef>
+              <a:spcAft>
+                <a:spcPct val="35000"/>
+              </a:spcAft>
+              <a:buNone/>
+            </a:pPr>
+            <a:r>
+              <a:rPr lang="en-US" sz="1800" kern="1200" dirty="0"/>
+              <a:t>Room Type ID</a:t>
+            </a:r>
+          </a:p>
+          <a:p>
+            <a:pPr marL="0" lvl="0" indent="0" algn="l" defTabSz="800100">
+              <a:lnSpc>
+                <a:spcPct val="90000"/>
+              </a:lnSpc>
+              <a:spcBef>
+                <a:spcPct val="0"/>
+              </a:spcBef>
+              <a:spcAft>
+                <a:spcPct val="35000"/>
+              </a:spcAft>
+              <a:buNone/>
+            </a:pPr>
+            <a:r>
+              <a:rPr lang="en-US" sz="1800" kern="1200" dirty="0"/>
+              <a:t>Yearly Rates</a:t>
+            </a:r>
+            <a:endParaRPr lang="en-CA" sz="1800" kern="1200" dirty="0"/>
+          </a:p>
+        </p:txBody>
+      </p:sp>
+      <p:sp>
+        <p:nvSpPr>
+          <p:cNvPr id="8" name="Freeform: Shape 7">
+            <a:extLst>
+              <a:ext uri="{FF2B5EF4-FFF2-40B4-BE49-F238E27FC236}">
+                <a16:creationId xmlns:a16="http://schemas.microsoft.com/office/drawing/2014/main" id="{8DCB0047-6DA4-4D47-AF82-016DE52DB9EC}"/>
+              </a:ext>
+            </a:extLst>
+          </p:cNvPr>
+          <p:cNvSpPr/>
+          <p:nvPr/>
+        </p:nvSpPr>
+        <p:spPr>
+          <a:xfrm>
+            <a:off x="6222996" y="2623564"/>
+            <a:ext cx="3936999" cy="3936999"/>
+          </a:xfrm>
+          <a:custGeom>
+            <a:avLst/>
+            <a:gdLst>
+              <a:gd name="connsiteX0" fmla="*/ 0 w 3936999"/>
+              <a:gd name="connsiteY0" fmla="*/ 2559049 h 3936999"/>
+              <a:gd name="connsiteX1" fmla="*/ 984250 w 3936999"/>
+              <a:gd name="connsiteY1" fmla="*/ 2559049 h 3936999"/>
+              <a:gd name="connsiteX2" fmla="*/ 984250 w 3936999"/>
+              <a:gd name="connsiteY2" fmla="*/ 0 h 3936999"/>
+              <a:gd name="connsiteX3" fmla="*/ 2952749 w 3936999"/>
+              <a:gd name="connsiteY3" fmla="*/ 0 h 3936999"/>
+              <a:gd name="connsiteX4" fmla="*/ 2952749 w 3936999"/>
+              <a:gd name="connsiteY4" fmla="*/ 2559049 h 3936999"/>
+              <a:gd name="connsiteX5" fmla="*/ 3936999 w 3936999"/>
+              <a:gd name="connsiteY5" fmla="*/ 2559049 h 3936999"/>
+              <a:gd name="connsiteX6" fmla="*/ 1968500 w 3936999"/>
+              <a:gd name="connsiteY6" fmla="*/ 3936999 h 3936999"/>
+              <a:gd name="connsiteX7" fmla="*/ 0 w 3936999"/>
+              <a:gd name="connsiteY7" fmla="*/ 2559049 h 3936999"/>
+            </a:gdLst>
+            <a:ahLst/>
+            <a:cxnLst>
+              <a:cxn ang="0">
+                <a:pos x="connsiteX0" y="connsiteY0"/>
+              </a:cxn>
+              <a:cxn ang="0">
+                <a:pos x="connsiteX1" y="connsiteY1"/>
+              </a:cxn>
+              <a:cxn ang="0">
+                <a:pos x="connsiteX2" y="connsiteY2"/>
+              </a:cxn>
+              <a:cxn ang="0">
+                <a:pos x="connsiteX3" y="connsiteY3"/>
+              </a:cxn>
+              <a:cxn ang="0">
+                <a:pos x="connsiteX4" y="connsiteY4"/>
+              </a:cxn>
+              <a:cxn ang="0">
+                <a:pos x="connsiteX5" y="connsiteY5"/>
+              </a:cxn>
+              <a:cxn ang="0">
+                <a:pos x="connsiteX6" y="connsiteY6"/>
+              </a:cxn>
+              <a:cxn ang="0">
+                <a:pos x="connsiteX7" y="connsiteY7"/>
+              </a:cxn>
+            </a:cxnLst>
+            <a:rect l="l" t="t" r="r" b="b"/>
+            <a:pathLst>
+              <a:path w="3936999" h="3936999">
+                <a:moveTo>
+                  <a:pt x="1377950" y="0"/>
+                </a:moveTo>
+                <a:lnTo>
+                  <a:pt x="1377950" y="984250"/>
+                </a:lnTo>
+                <a:lnTo>
+                  <a:pt x="3936999" y="984250"/>
+                </a:lnTo>
+                <a:lnTo>
+                  <a:pt x="3936999" y="2952749"/>
+                </a:lnTo>
+                <a:lnTo>
+                  <a:pt x="1377950" y="2952749"/>
+                </a:lnTo>
+                <a:lnTo>
+                  <a:pt x="1377950" y="3936999"/>
+                </a:lnTo>
+                <a:lnTo>
+                  <a:pt x="0" y="1968500"/>
+                </a:lnTo>
+                <a:lnTo>
+                  <a:pt x="1377950" y="0"/>
+                </a:lnTo>
+                <a:close/>
+              </a:path>
+            </a:pathLst>
+          </a:custGeom>
+          <a:solidFill>
+            <a:srgbClr val="E87572"/>
+          </a:solidFill>
+          <a:ln>
+            <a:solidFill>
+              <a:srgbClr val="E9766F"/>
+            </a:solidFill>
+          </a:ln>
+        </p:spPr>
+        <p:style>
+          <a:lnRef idx="2">
+            <a:scrgbClr r="0" g="0" b="0"/>
+          </a:lnRef>
+          <a:fillRef idx="1">
+            <a:scrgbClr r="0" g="0" b="0"/>
+          </a:fillRef>
+          <a:effectRef idx="0">
+            <a:schemeClr val="accent1">
+              <a:hueOff val="0"/>
+              <a:satOff val="0"/>
+              <a:lumOff val="0"/>
+              <a:alphaOff val="0"/>
+            </a:schemeClr>
+          </a:effectRef>
+          <a:fontRef idx="minor">
+            <a:schemeClr val="lt1"/>
+          </a:fontRef>
+        </p:style>
+        <p:txBody>
+          <a:bodyPr spcFirstLastPara="0" vert="horz" wrap="square" lIns="816992" tIns="1112266" rIns="128015" bIns="1112266" numCol="1" spcCol="1270" anchor="ctr" anchorCtr="0">
+            <a:noAutofit/>
+          </a:bodyPr>
+          <a:lstStyle/>
+          <a:p>
+            <a:pPr marL="0" lvl="0" indent="0" algn="r" defTabSz="800100">
+              <a:lnSpc>
+                <a:spcPct val="90000"/>
+              </a:lnSpc>
+              <a:spcBef>
+                <a:spcPct val="0"/>
+              </a:spcBef>
+              <a:spcAft>
+                <a:spcPct val="35000"/>
+              </a:spcAft>
+              <a:buNone/>
+            </a:pPr>
+            <a:r>
+              <a:rPr lang="en-US" sz="1800" b="1" kern="1200" dirty="0"/>
+              <a:t>Monthly Rates</a:t>
+            </a:r>
+          </a:p>
+          <a:p>
+            <a:pPr marL="0" lvl="0" indent="0" algn="r" defTabSz="800100">
+              <a:lnSpc>
+                <a:spcPct val="90000"/>
+              </a:lnSpc>
+              <a:spcBef>
+                <a:spcPct val="0"/>
+              </a:spcBef>
+              <a:spcAft>
+                <a:spcPct val="35000"/>
+              </a:spcAft>
+              <a:buNone/>
+            </a:pPr>
+            <a:r>
+              <a:rPr lang="en-US" sz="1800" b="1" kern="1200" dirty="0"/>
+              <a:t>Day of Week Rates</a:t>
+            </a:r>
+          </a:p>
+          <a:p>
+            <a:pPr marL="0" lvl="0" indent="0" algn="r" defTabSz="800100">
+              <a:lnSpc>
+                <a:spcPct val="90000"/>
+              </a:lnSpc>
+              <a:spcBef>
+                <a:spcPct val="0"/>
+              </a:spcBef>
+              <a:spcAft>
+                <a:spcPct val="35000"/>
+              </a:spcAft>
+              <a:buNone/>
+            </a:pPr>
+            <a:r>
+              <a:rPr lang="en-US" sz="1800" b="1" kern="1200" dirty="0"/>
+              <a:t>Predicted Rates </a:t>
+            </a:r>
+            <a:endParaRPr lang="en-CA" sz="1800" b="1" kern="1200" dirty="0"/>
+          </a:p>
+        </p:txBody>
+      </p:sp>
+      <p:sp>
+        <p:nvSpPr>
+          <p:cNvPr id="7" name="TextBox 6">
+            <a:extLst>
+              <a:ext uri="{FF2B5EF4-FFF2-40B4-BE49-F238E27FC236}">
+                <a16:creationId xmlns:a16="http://schemas.microsoft.com/office/drawing/2014/main" id="{CF63465F-BC18-4EF3-8BBF-2C44DF33E3C6}"/>
+              </a:ext>
+            </a:extLst>
+          </p:cNvPr>
+          <p:cNvSpPr txBox="1"/>
+          <p:nvPr/>
+        </p:nvSpPr>
+        <p:spPr>
+          <a:xfrm>
+            <a:off x="1880946" y="2307280"/>
+            <a:ext cx="1556951" cy="461665"/>
+          </a:xfrm>
+          <a:prstGeom prst="rect">
+            <a:avLst/>
+          </a:prstGeom>
+          <a:noFill/>
+        </p:spPr>
+        <p:txBody>
+          <a:bodyPr wrap="square" rtlCol="0">
+            <a:spAutoFit/>
+          </a:bodyPr>
+          <a:lstStyle/>
+          <a:p>
+            <a:r>
+              <a:rPr lang="en-US" sz="2400" b="1" dirty="0"/>
+              <a:t>EXISTING</a:t>
+            </a:r>
+            <a:endParaRPr lang="en-CA" sz="2400" b="1" dirty="0"/>
+          </a:p>
+        </p:txBody>
+      </p:sp>
+      <p:sp>
+        <p:nvSpPr>
+          <p:cNvPr id="12" name="TextBox 11">
+            <a:extLst>
+              <a:ext uri="{FF2B5EF4-FFF2-40B4-BE49-F238E27FC236}">
+                <a16:creationId xmlns:a16="http://schemas.microsoft.com/office/drawing/2014/main" id="{F7D516A4-D57F-43E9-9281-41F4A8C9416F}"/>
+              </a:ext>
+            </a:extLst>
+          </p:cNvPr>
+          <p:cNvSpPr txBox="1"/>
+          <p:nvPr/>
+        </p:nvSpPr>
+        <p:spPr>
+          <a:xfrm>
+            <a:off x="9499221" y="2254420"/>
+            <a:ext cx="995378" cy="461665"/>
+          </a:xfrm>
+          <a:prstGeom prst="rect">
+            <a:avLst/>
+          </a:prstGeom>
+          <a:noFill/>
+        </p:spPr>
+        <p:txBody>
+          <a:bodyPr wrap="square" rtlCol="0">
+            <a:spAutoFit/>
+          </a:bodyPr>
+          <a:lstStyle/>
+          <a:p>
+            <a:r>
+              <a:rPr lang="en-US" sz="2400" b="1" dirty="0"/>
+              <a:t>NEW</a:t>
+            </a:r>
+            <a:endParaRPr lang="en-CA" sz="2400" b="1" dirty="0"/>
+          </a:p>
+        </p:txBody>
+      </p:sp>
+    </p:spTree>
+    <p:extLst>
+      <p:ext uri="{BB962C8B-B14F-4D97-AF65-F5344CB8AC3E}">
+        <p14:creationId xmlns:p14="http://schemas.microsoft.com/office/powerpoint/2010/main" val="2227089696"/>
+      </p:ext>
+    </p:extLst>
+  </p:cSld>
+  <p:clrMapOvr>
+    <a:masterClrMapping/>
+  </p:clrMapOvr>
+  <p:timing>
+    <p:tnLst>
+      <p:par>
+        <p:cTn id="1" dur="indefinite" restart="never" nodeType="tmRoot">
+          <p:childTnLst>
+            <p:seq concurrent="1" nextAc="seek">
+              <p:cTn id="2" dur="indefinite" nodeType="mainSeq">
+                <p:childTnLst>
+                  <p:par>
+                    <p:cTn id="3" fill="hold">
+                      <p:stCondLst>
+                        <p:cond delay="indefinite"/>
+                      </p:stCondLst>
+                      <p:childTnLst>
+                        <p:par>
+                          <p:cTn id="4" fill="hold">
+                            <p:stCondLst>
+                              <p:cond delay="0"/>
+                            </p:stCondLst>
+                            <p:childTnLst>
+                              <p:par>
+                                <p:cTn id="5" presetID="2" presetClass="entr" presetSubtype="8" fill="hold" grpId="0" nodeType="clickEffect">
+                                  <p:stCondLst>
+                                    <p:cond delay="0"/>
+                                  </p:stCondLst>
+                                  <p:childTnLst>
+                                    <p:set>
+                                      <p:cBhvr>
+                                        <p:cTn id="6" dur="1" fill="hold">
+                                          <p:stCondLst>
+                                            <p:cond delay="0"/>
+                                          </p:stCondLst>
+                                        </p:cTn>
+                                        <p:tgtEl>
+                                          <p:spTgt spid="7"/>
+                                        </p:tgtEl>
+                                        <p:attrNameLst>
+                                          <p:attrName>style.visibility</p:attrName>
+                                        </p:attrNameLst>
+                                      </p:cBhvr>
+                                      <p:to>
+                                        <p:strVal val="visible"/>
+                                      </p:to>
+                                    </p:set>
+                                    <p:anim calcmode="lin" valueType="num">
+                                      <p:cBhvr additive="base">
+                                        <p:cTn id="7" dur="500" fill="hold"/>
+                                        <p:tgtEl>
+                                          <p:spTgt spid="7"/>
+                                        </p:tgtEl>
+                                        <p:attrNameLst>
+                                          <p:attrName>ppt_x</p:attrName>
+                                        </p:attrNameLst>
+                                      </p:cBhvr>
+                                      <p:tavLst>
+                                        <p:tav tm="0">
+                                          <p:val>
+                                            <p:strVal val="0-#ppt_w/2"/>
+                                          </p:val>
+                                        </p:tav>
+                                        <p:tav tm="100000">
+                                          <p:val>
+                                            <p:strVal val="#ppt_x"/>
+                                          </p:val>
+                                        </p:tav>
+                                      </p:tavLst>
+                                    </p:anim>
+                                    <p:anim calcmode="lin" valueType="num">
+                                      <p:cBhvr additive="base">
+                                        <p:cTn id="8" dur="500" fill="hold"/>
+                                        <p:tgtEl>
+                                          <p:spTgt spid="7"/>
+                                        </p:tgtEl>
+                                        <p:attrNameLst>
+                                          <p:attrName>ppt_y</p:attrName>
+                                        </p:attrNameLst>
+                                      </p:cBhvr>
+                                      <p:tavLst>
+                                        <p:tav tm="0">
+                                          <p:val>
+                                            <p:strVal val="#ppt_y"/>
+                                          </p:val>
+                                        </p:tav>
+                                        <p:tav tm="100000">
+                                          <p:val>
+                                            <p:strVal val="#ppt_y"/>
+                                          </p:val>
+                                        </p:tav>
+                                      </p:tavLst>
+                                    </p:anim>
+                                  </p:childTnLst>
+                                </p:cTn>
+                              </p:par>
+                              <p:par>
+                                <p:cTn id="9" presetID="2" presetClass="entr" presetSubtype="8" fill="hold" grpId="0" nodeType="withEffect">
+                                  <p:stCondLst>
+                                    <p:cond delay="0"/>
+                                  </p:stCondLst>
+                                  <p:childTnLst>
+                                    <p:set>
+                                      <p:cBhvr>
+                                        <p:cTn id="10" dur="1" fill="hold">
+                                          <p:stCondLst>
+                                            <p:cond delay="0"/>
+                                          </p:stCondLst>
+                                        </p:cTn>
+                                        <p:tgtEl>
+                                          <p:spTgt spid="5"/>
+                                        </p:tgtEl>
+                                        <p:attrNameLst>
+                                          <p:attrName>style.visibility</p:attrName>
+                                        </p:attrNameLst>
+                                      </p:cBhvr>
+                                      <p:to>
+                                        <p:strVal val="visible"/>
+                                      </p:to>
+                                    </p:set>
+                                    <p:anim calcmode="lin" valueType="num">
+                                      <p:cBhvr additive="base">
+                                        <p:cTn id="11" dur="500" fill="hold"/>
+                                        <p:tgtEl>
+                                          <p:spTgt spid="5"/>
+                                        </p:tgtEl>
+                                        <p:attrNameLst>
+                                          <p:attrName>ppt_x</p:attrName>
+                                        </p:attrNameLst>
+                                      </p:cBhvr>
+                                      <p:tavLst>
+                                        <p:tav tm="0">
+                                          <p:val>
+                                            <p:strVal val="0-#ppt_w/2"/>
+                                          </p:val>
+                                        </p:tav>
+                                        <p:tav tm="100000">
+                                          <p:val>
+                                            <p:strVal val="#ppt_x"/>
+                                          </p:val>
+                                        </p:tav>
+                                      </p:tavLst>
+                                    </p:anim>
+                                    <p:anim calcmode="lin" valueType="num">
+                                      <p:cBhvr additive="base">
+                                        <p:cTn id="12" dur="500" fill="hold"/>
+                                        <p:tgtEl>
+                                          <p:spTgt spid="5"/>
+                                        </p:tgtEl>
+                                        <p:attrNameLst>
+                                          <p:attrName>ppt_y</p:attrName>
+                                        </p:attrNameLst>
+                                      </p:cBhvr>
+                                      <p:tavLst>
+                                        <p:tav tm="0">
+                                          <p:val>
+                                            <p:strVal val="#ppt_y"/>
+                                          </p:val>
+                                        </p:tav>
+                                        <p:tav tm="100000">
+                                          <p:val>
+                                            <p:strVal val="#ppt_y"/>
+                                          </p:val>
+                                        </p:tav>
+                                      </p:tavLst>
+                                    </p:anim>
+                                  </p:childTnLst>
+                                </p:cTn>
+                              </p:par>
+                            </p:childTnLst>
+                          </p:cTn>
+                        </p:par>
+                      </p:childTnLst>
+                    </p:cTn>
+                  </p:par>
+                  <p:par>
+                    <p:cTn id="13" fill="hold">
+                      <p:stCondLst>
+                        <p:cond delay="indefinite"/>
+                      </p:stCondLst>
+                      <p:childTnLst>
+                        <p:par>
+                          <p:cTn id="14" fill="hold">
+                            <p:stCondLst>
+                              <p:cond delay="0"/>
+                            </p:stCondLst>
+                            <p:childTnLst>
+                              <p:par>
+                                <p:cTn id="15" presetID="2" presetClass="entr" presetSubtype="2" fill="hold" grpId="0" nodeType="clickEffect">
+                                  <p:stCondLst>
+                                    <p:cond delay="0"/>
+                                  </p:stCondLst>
+                                  <p:childTnLst>
+                                    <p:set>
+                                      <p:cBhvr>
+                                        <p:cTn id="16" dur="1" fill="hold">
+                                          <p:stCondLst>
+                                            <p:cond delay="0"/>
+                                          </p:stCondLst>
+                                        </p:cTn>
+                                        <p:tgtEl>
+                                          <p:spTgt spid="8"/>
+                                        </p:tgtEl>
+                                        <p:attrNameLst>
+                                          <p:attrName>style.visibility</p:attrName>
+                                        </p:attrNameLst>
+                                      </p:cBhvr>
+                                      <p:to>
+                                        <p:strVal val="visible"/>
+                                      </p:to>
+                                    </p:set>
+                                    <p:anim calcmode="lin" valueType="num">
+                                      <p:cBhvr additive="base">
+                                        <p:cTn id="17" dur="500" fill="hold"/>
+                                        <p:tgtEl>
+                                          <p:spTgt spid="8"/>
+                                        </p:tgtEl>
+                                        <p:attrNameLst>
+                                          <p:attrName>ppt_x</p:attrName>
+                                        </p:attrNameLst>
+                                      </p:cBhvr>
+                                      <p:tavLst>
+                                        <p:tav tm="0">
+                                          <p:val>
+                                            <p:strVal val="1+#ppt_w/2"/>
+                                          </p:val>
+                                        </p:tav>
+                                        <p:tav tm="100000">
+                                          <p:val>
+                                            <p:strVal val="#ppt_x"/>
+                                          </p:val>
+                                        </p:tav>
+                                      </p:tavLst>
+                                    </p:anim>
+                                    <p:anim calcmode="lin" valueType="num">
+                                      <p:cBhvr additive="base">
+                                        <p:cTn id="18" dur="500" fill="hold"/>
+                                        <p:tgtEl>
+                                          <p:spTgt spid="8"/>
+                                        </p:tgtEl>
+                                        <p:attrNameLst>
+                                          <p:attrName>ppt_y</p:attrName>
+                                        </p:attrNameLst>
+                                      </p:cBhvr>
+                                      <p:tavLst>
+                                        <p:tav tm="0">
+                                          <p:val>
+                                            <p:strVal val="#ppt_y"/>
+                                          </p:val>
+                                        </p:tav>
+                                        <p:tav tm="100000">
+                                          <p:val>
+                                            <p:strVal val="#ppt_y"/>
+                                          </p:val>
+                                        </p:tav>
+                                      </p:tavLst>
+                                    </p:anim>
+                                  </p:childTnLst>
+                                </p:cTn>
+                              </p:par>
+                              <p:par>
+                                <p:cTn id="19" presetID="2" presetClass="entr" presetSubtype="2" fill="hold" grpId="0" nodeType="withEffect">
+                                  <p:stCondLst>
+                                    <p:cond delay="0"/>
+                                  </p:stCondLst>
+                                  <p:childTnLst>
+                                    <p:set>
+                                      <p:cBhvr>
+                                        <p:cTn id="20" dur="1" fill="hold">
+                                          <p:stCondLst>
+                                            <p:cond delay="0"/>
+                                          </p:stCondLst>
+                                        </p:cTn>
+                                        <p:tgtEl>
+                                          <p:spTgt spid="12"/>
+                                        </p:tgtEl>
+                                        <p:attrNameLst>
+                                          <p:attrName>style.visibility</p:attrName>
+                                        </p:attrNameLst>
+                                      </p:cBhvr>
+                                      <p:to>
+                                        <p:strVal val="visible"/>
+                                      </p:to>
+                                    </p:set>
+                                    <p:anim calcmode="lin" valueType="num">
+                                      <p:cBhvr additive="base">
+                                        <p:cTn id="21" dur="500" fill="hold"/>
+                                        <p:tgtEl>
+                                          <p:spTgt spid="12"/>
+                                        </p:tgtEl>
+                                        <p:attrNameLst>
+                                          <p:attrName>ppt_x</p:attrName>
+                                        </p:attrNameLst>
+                                      </p:cBhvr>
+                                      <p:tavLst>
+                                        <p:tav tm="0">
+                                          <p:val>
+                                            <p:strVal val="1+#ppt_w/2"/>
+                                          </p:val>
+                                        </p:tav>
+                                        <p:tav tm="100000">
+                                          <p:val>
+                                            <p:strVal val="#ppt_x"/>
+                                          </p:val>
+                                        </p:tav>
+                                      </p:tavLst>
+                                    </p:anim>
+                                    <p:anim calcmode="lin" valueType="num">
+                                      <p:cBhvr additive="base">
+                                        <p:cTn id="22" dur="500" fill="hold"/>
+                                        <p:tgtEl>
+                                          <p:spTgt spid="12"/>
+                                        </p:tgtEl>
+                                        <p:attrNameLst>
+                                          <p:attrName>ppt_y</p:attrName>
+                                        </p:attrNameLst>
+                                      </p:cBhvr>
+                                      <p:tavLst>
+                                        <p:tav tm="0">
+                                          <p:val>
+                                            <p:strVal val="#ppt_y"/>
+                                          </p:val>
+                                        </p:tav>
+                                        <p:tav tm="100000">
+                                          <p:val>
+                                            <p:strVal val="#ppt_y"/>
+                                          </p:val>
+                                        </p:tav>
+                                      </p:tavLst>
+                                    </p:anim>
+                                  </p:childTnLst>
+                                </p:cTn>
+                              </p:par>
+                            </p:childTnLst>
+                          </p:cTn>
+                        </p:par>
+                      </p:childTnLst>
+                    </p:cTn>
+                  </p:par>
+                </p:childTnLst>
+              </p:cTn>
+              <p:prevCondLst>
+                <p:cond evt="onPrev" delay="0">
+                  <p:tgtEl>
+                    <p:sldTgt/>
+                  </p:tgtEl>
+                </p:cond>
+              </p:prevCondLst>
+              <p:nextCondLst>
+                <p:cond evt="onNext" delay="0">
+                  <p:tgtEl>
+                    <p:sldTgt/>
+                  </p:tgtEl>
+                </p:cond>
+              </p:nextCondLst>
+            </p:seq>
+          </p:childTnLst>
+        </p:cTn>
+      </p:par>
+    </p:tnLst>
+    <p:bldLst>
+      <p:bldP spid="5" grpId="0" animBg="1"/>
+      <p:bldP spid="8" grpId="0" animBg="1"/>
+      <p:bldP spid="7" grpId="0"/>
+      <p:bldP spid="12" grpId="0"/>
+    </p:bldLst>
+  </p:timing>
+</p:sld>
+</file>
+
+<file path=ppt/slides/slide6.xml><?xml version="1.0" encoding="utf-8"?>
+<p:sld xmlns:a="http://schemas.openxmlformats.org/drawingml/2006/main" xmlns:r="http://schemas.openxmlformats.org/officeDocument/2006/relationships" xmlns:p="http://schemas.openxmlformats.org/presentationml/2006/main">
+  <p:cSld>
+    <p:spTree>
+      <p:nvGrpSpPr>
+        <p:cNvPr id="1" name=""/>
+        <p:cNvGrpSpPr/>
+        <p:nvPr/>
+      </p:nvGrpSpPr>
+      <p:grpSpPr>
+        <a:xfrm>
+          <a:off x="0" y="0"/>
+          <a:ext cx="0" cy="0"/>
+          <a:chOff x="0" y="0"/>
+          <a:chExt cx="0" cy="0"/>
+        </a:xfrm>
+      </p:grpSpPr>
+      <p:sp>
+        <p:nvSpPr>
+          <p:cNvPr id="2" name="Title 1">
+            <a:extLst>
+              <a:ext uri="{FF2B5EF4-FFF2-40B4-BE49-F238E27FC236}">
+                <a16:creationId xmlns:a16="http://schemas.microsoft.com/office/drawing/2014/main" id="{59B8B577-5676-3C4B-A107-E41DB331FD85}"/>
+              </a:ext>
+            </a:extLst>
+          </p:cNvPr>
+          <p:cNvSpPr>
+            <a:spLocks noGrp="1"/>
+          </p:cNvSpPr>
+          <p:nvPr>
+            <p:ph type="title"/>
+          </p:nvPr>
+        </p:nvSpPr>
+        <p:spPr>
+          <a:xfrm>
+            <a:off x="2721982" y="696475"/>
+            <a:ext cx="10515600" cy="1325563"/>
+          </a:xfrm>
+        </p:spPr>
+        <p:txBody>
+          <a:bodyPr>
+            <a:normAutofit/>
+          </a:bodyPr>
+          <a:lstStyle/>
+          <a:p>
+            <a:r>
+              <a:rPr lang="en-US" sz="4000" dirty="0">
+                <a:solidFill>
+                  <a:srgbClr val="EA5E46"/>
+                </a:solidFill>
+              </a:rPr>
               <a:t>Project Challenges</a:t>
             </a:r>
           </a:p>
@@ -15693,7 +16951,7 @@
         <p:spPr>
           <a:xfrm>
             <a:off x="4927054" y="1850531"/>
-            <a:ext cx="6069810" cy="6894195"/>
+            <a:ext cx="6069810" cy="7201972"/>
           </a:xfrm>
           <a:prstGeom prst="rect">
             <a:avLst/>
@@ -15716,18 +16974,19 @@
                 <a:ea typeface="Calibri" panose="020F0502020204030204" pitchFamily="34" charset="0"/>
                 <a:cs typeface="Times New Roman" panose="02020603050405020304" pitchFamily="18" charset="0"/>
               </a:rPr>
-              <a:t>Consolidating new datasets to the existing database.</a:t>
-            </a:r>
-          </a:p>
-          <a:p>
-            <a:r>
-              <a:rPr lang="en-US" sz="2000" dirty="0">
-                <a:latin typeface="Calibri" panose="020F0502020204030204" pitchFamily="34" charset="0"/>
-                <a:ea typeface="Calibri" panose="020F0502020204030204" pitchFamily="34" charset="0"/>
-                <a:cs typeface="Times New Roman" panose="02020603050405020304" pitchFamily="18" charset="0"/>
-              </a:rPr>
-              <a:t> </a:t>
-            </a:r>
+              <a:t>Finding the optimal data to fit in to our existing database.</a:t>
+            </a:r>
+          </a:p>
+          <a:p>
+            <a:pPr marL="285750" indent="-285750">
+              <a:buFont typeface="Arial" panose="020B0604020202020204" pitchFamily="34" charset="0"/>
+              <a:buChar char="•"/>
+            </a:pPr>
+            <a:endParaRPr lang="en-US" sz="2000" dirty="0">
+              <a:latin typeface="Calibri" panose="020F0502020204030204" pitchFamily="34" charset="0"/>
+              <a:ea typeface="Calibri" panose="020F0502020204030204" pitchFamily="34" charset="0"/>
+              <a:cs typeface="Times New Roman" panose="02020603050405020304" pitchFamily="18" charset="0"/>
+            </a:endParaRPr>
           </a:p>
           <a:p>
             <a:pPr marL="285750" indent="-285750">
@@ -16547,1013 +17806,6 @@
 </p:sld>
 </file>
 
-<file path=ppt/slides/slide6.xml><?xml version="1.0" encoding="utf-8"?>
-<p:sld xmlns:a="http://schemas.openxmlformats.org/drawingml/2006/main" xmlns:r="http://schemas.openxmlformats.org/officeDocument/2006/relationships" xmlns:p="http://schemas.openxmlformats.org/presentationml/2006/main">
-  <p:cSld>
-    <p:spTree>
-      <p:nvGrpSpPr>
-        <p:cNvPr id="1" name=""/>
-        <p:cNvGrpSpPr/>
-        <p:nvPr/>
-      </p:nvGrpSpPr>
-      <p:grpSpPr>
-        <a:xfrm>
-          <a:off x="0" y="0"/>
-          <a:ext cx="0" cy="0"/>
-          <a:chOff x="0" y="0"/>
-          <a:chExt cx="0" cy="0"/>
-        </a:xfrm>
-      </p:grpSpPr>
-      <p:sp>
-        <p:nvSpPr>
-          <p:cNvPr id="2" name="Title 1">
-            <a:extLst>
-              <a:ext uri="{FF2B5EF4-FFF2-40B4-BE49-F238E27FC236}">
-                <a16:creationId xmlns:a16="http://schemas.microsoft.com/office/drawing/2014/main" id="{59B8B577-5676-3C4B-A107-E41DB331FD85}"/>
-              </a:ext>
-            </a:extLst>
-          </p:cNvPr>
-          <p:cNvSpPr>
-            <a:spLocks noGrp="1"/>
-          </p:cNvSpPr>
-          <p:nvPr>
-            <p:ph type="title"/>
-          </p:nvPr>
-        </p:nvSpPr>
-        <p:spPr>
-          <a:xfrm>
-            <a:off x="2721982" y="696475"/>
-            <a:ext cx="10515600" cy="1325563"/>
-          </a:xfrm>
-        </p:spPr>
-        <p:txBody>
-          <a:bodyPr>
-            <a:normAutofit/>
-          </a:bodyPr>
-          <a:lstStyle/>
-          <a:p>
-            <a:r>
-              <a:rPr lang="en-US" sz="4000" dirty="0">
-                <a:solidFill>
-                  <a:srgbClr val="EA5E46"/>
-                </a:solidFill>
-              </a:rPr>
-              <a:t>Database Change</a:t>
-            </a:r>
-          </a:p>
-        </p:txBody>
-      </p:sp>
-      <p:pic>
-        <p:nvPicPr>
-          <p:cNvPr id="2050" name="Picture 2" descr="Image result for air bnb logo">
-            <a:extLst>
-              <a:ext uri="{FF2B5EF4-FFF2-40B4-BE49-F238E27FC236}">
-                <a16:creationId xmlns:a16="http://schemas.microsoft.com/office/drawing/2014/main" id="{A162C291-208B-BE48-BF44-7D5CD7EF6151}"/>
-              </a:ext>
-            </a:extLst>
-          </p:cNvPr>
-          <p:cNvPicPr>
-            <a:picLocks noChangeAspect="1" noChangeArrowheads="1"/>
-          </p:cNvPicPr>
-          <p:nvPr/>
-        </p:nvPicPr>
-        <p:blipFill>
-          <a:blip r:embed="rId3">
-            <a:extLst>
-              <a:ext uri="{28A0092B-C50C-407E-A947-70E740481C1C}">
-                <a14:useLocalDpi xmlns:a14="http://schemas.microsoft.com/office/drawing/2010/main" val="0"/>
-              </a:ext>
-            </a:extLst>
-          </a:blip>
-          <a:srcRect/>
-          <a:stretch>
-            <a:fillRect/>
-          </a:stretch>
-        </p:blipFill>
-        <p:spPr bwMode="auto">
-          <a:xfrm>
-            <a:off x="469817" y="108280"/>
-            <a:ext cx="2189605" cy="2022038"/>
-          </a:xfrm>
-          <a:prstGeom prst="rect">
-            <a:avLst/>
-          </a:prstGeom>
-          <a:noFill/>
-          <a:extLst>
-            <a:ext uri="{909E8E84-426E-40DD-AFC4-6F175D3DCCD1}">
-              <a14:hiddenFill xmlns:a14="http://schemas.microsoft.com/office/drawing/2010/main">
-                <a:solidFill>
-                  <a:srgbClr val="FFFFFF"/>
-                </a:solidFill>
-              </a14:hiddenFill>
-            </a:ext>
-          </a:extLst>
-        </p:spPr>
-      </p:pic>
-      <p:cxnSp>
-        <p:nvCxnSpPr>
-          <p:cNvPr id="6" name="Straight Connector 5">
-            <a:extLst>
-              <a:ext uri="{FF2B5EF4-FFF2-40B4-BE49-F238E27FC236}">
-                <a16:creationId xmlns:a16="http://schemas.microsoft.com/office/drawing/2014/main" id="{7D0926DC-6298-B648-9DF9-0D78D09F9FC8}"/>
-              </a:ext>
-            </a:extLst>
-          </p:cNvPr>
-          <p:cNvCxnSpPr>
-            <a:cxnSpLocks/>
-          </p:cNvCxnSpPr>
-          <p:nvPr/>
-        </p:nvCxnSpPr>
-        <p:spPr>
-          <a:xfrm>
-            <a:off x="975854" y="1822090"/>
-            <a:ext cx="9518745" cy="1"/>
-          </a:xfrm>
-          <a:prstGeom prst="line">
-            <a:avLst/>
-          </a:prstGeom>
-          <a:ln w="12700">
-            <a:solidFill>
-              <a:srgbClr val="EA5E46"/>
-            </a:solidFill>
-          </a:ln>
-        </p:spPr>
-        <p:style>
-          <a:lnRef idx="1">
-            <a:schemeClr val="accent2"/>
-          </a:lnRef>
-          <a:fillRef idx="0">
-            <a:schemeClr val="accent2"/>
-          </a:fillRef>
-          <a:effectRef idx="0">
-            <a:schemeClr val="accent2"/>
-          </a:effectRef>
-          <a:fontRef idx="minor">
-            <a:schemeClr val="tx1"/>
-          </a:fontRef>
-        </p:style>
-      </p:cxnSp>
-      <p:sp>
-        <p:nvSpPr>
-          <p:cNvPr id="5" name="Freeform: Shape 4">
-            <a:extLst>
-              <a:ext uri="{FF2B5EF4-FFF2-40B4-BE49-F238E27FC236}">
-                <a16:creationId xmlns:a16="http://schemas.microsoft.com/office/drawing/2014/main" id="{0F5E79D5-6DE8-4064-8485-34A459D016F8}"/>
-              </a:ext>
-            </a:extLst>
-          </p:cNvPr>
-          <p:cNvSpPr/>
-          <p:nvPr/>
-        </p:nvSpPr>
-        <p:spPr>
-          <a:xfrm>
-            <a:off x="2032447" y="2594267"/>
-            <a:ext cx="3936999" cy="3936999"/>
-          </a:xfrm>
-          <a:custGeom>
-            <a:avLst/>
-            <a:gdLst>
-              <a:gd name="connsiteX0" fmla="*/ 0 w 3936999"/>
-              <a:gd name="connsiteY0" fmla="*/ 2559049 h 3936999"/>
-              <a:gd name="connsiteX1" fmla="*/ 984250 w 3936999"/>
-              <a:gd name="connsiteY1" fmla="*/ 2559049 h 3936999"/>
-              <a:gd name="connsiteX2" fmla="*/ 984250 w 3936999"/>
-              <a:gd name="connsiteY2" fmla="*/ 0 h 3936999"/>
-              <a:gd name="connsiteX3" fmla="*/ 2952749 w 3936999"/>
-              <a:gd name="connsiteY3" fmla="*/ 0 h 3936999"/>
-              <a:gd name="connsiteX4" fmla="*/ 2952749 w 3936999"/>
-              <a:gd name="connsiteY4" fmla="*/ 2559049 h 3936999"/>
-              <a:gd name="connsiteX5" fmla="*/ 3936999 w 3936999"/>
-              <a:gd name="connsiteY5" fmla="*/ 2559049 h 3936999"/>
-              <a:gd name="connsiteX6" fmla="*/ 1968500 w 3936999"/>
-              <a:gd name="connsiteY6" fmla="*/ 3936999 h 3936999"/>
-              <a:gd name="connsiteX7" fmla="*/ 0 w 3936999"/>
-              <a:gd name="connsiteY7" fmla="*/ 2559049 h 3936999"/>
-            </a:gdLst>
-            <a:ahLst/>
-            <a:cxnLst>
-              <a:cxn ang="0">
-                <a:pos x="connsiteX0" y="connsiteY0"/>
-              </a:cxn>
-              <a:cxn ang="0">
-                <a:pos x="connsiteX1" y="connsiteY1"/>
-              </a:cxn>
-              <a:cxn ang="0">
-                <a:pos x="connsiteX2" y="connsiteY2"/>
-              </a:cxn>
-              <a:cxn ang="0">
-                <a:pos x="connsiteX3" y="connsiteY3"/>
-              </a:cxn>
-              <a:cxn ang="0">
-                <a:pos x="connsiteX4" y="connsiteY4"/>
-              </a:cxn>
-              <a:cxn ang="0">
-                <a:pos x="connsiteX5" y="connsiteY5"/>
-              </a:cxn>
-              <a:cxn ang="0">
-                <a:pos x="connsiteX6" y="connsiteY6"/>
-              </a:cxn>
-              <a:cxn ang="0">
-                <a:pos x="connsiteX7" y="connsiteY7"/>
-              </a:cxn>
-            </a:cxnLst>
-            <a:rect l="l" t="t" r="r" b="b"/>
-            <a:pathLst>
-              <a:path w="3936999" h="3936999">
-                <a:moveTo>
-                  <a:pt x="2559049" y="3936999"/>
-                </a:moveTo>
-                <a:lnTo>
-                  <a:pt x="2559049" y="2952749"/>
-                </a:lnTo>
-                <a:lnTo>
-                  <a:pt x="0" y="2952749"/>
-                </a:lnTo>
-                <a:lnTo>
-                  <a:pt x="0" y="984250"/>
-                </a:lnTo>
-                <a:lnTo>
-                  <a:pt x="2559049" y="984250"/>
-                </a:lnTo>
-                <a:lnTo>
-                  <a:pt x="2559049" y="0"/>
-                </a:lnTo>
-                <a:lnTo>
-                  <a:pt x="3936999" y="1968499"/>
-                </a:lnTo>
-                <a:lnTo>
-                  <a:pt x="2559049" y="3936999"/>
-                </a:lnTo>
-                <a:close/>
-              </a:path>
-            </a:pathLst>
-          </a:custGeom>
-          <a:solidFill>
-            <a:schemeClr val="bg2">
-              <a:lumMod val="75000"/>
-            </a:schemeClr>
-          </a:solidFill>
-        </p:spPr>
-        <p:style>
-          <a:lnRef idx="2">
-            <a:schemeClr val="lt1">
-              <a:hueOff val="0"/>
-              <a:satOff val="0"/>
-              <a:lumOff val="0"/>
-              <a:alphaOff val="0"/>
-            </a:schemeClr>
-          </a:lnRef>
-          <a:fillRef idx="1">
-            <a:scrgbClr r="0" g="0" b="0"/>
-          </a:fillRef>
-          <a:effectRef idx="0">
-            <a:schemeClr val="accent1">
-              <a:hueOff val="0"/>
-              <a:satOff val="0"/>
-              <a:lumOff val="0"/>
-              <a:alphaOff val="0"/>
-            </a:schemeClr>
-          </a:effectRef>
-          <a:fontRef idx="minor">
-            <a:schemeClr val="lt1"/>
-          </a:fontRef>
-        </p:style>
-        <p:txBody>
-          <a:bodyPr spcFirstLastPara="0" vert="horz" wrap="square" lIns="128017" tIns="1112266" rIns="816990" bIns="1112266" numCol="1" spcCol="1270" anchor="ctr" anchorCtr="0">
-            <a:noAutofit/>
-          </a:bodyPr>
-          <a:lstStyle/>
-          <a:p>
-            <a:pPr marL="0" lvl="0" indent="0" algn="l" defTabSz="800100">
-              <a:lnSpc>
-                <a:spcPct val="90000"/>
-              </a:lnSpc>
-              <a:spcBef>
-                <a:spcPct val="0"/>
-              </a:spcBef>
-              <a:spcAft>
-                <a:spcPct val="35000"/>
-              </a:spcAft>
-              <a:buNone/>
-            </a:pPr>
-            <a:r>
-              <a:rPr lang="en-US" sz="1800" kern="1200" dirty="0"/>
-              <a:t>Listings Masters</a:t>
-            </a:r>
-          </a:p>
-          <a:p>
-            <a:pPr marL="0" lvl="0" indent="0" algn="l" defTabSz="800100">
-              <a:lnSpc>
-                <a:spcPct val="90000"/>
-              </a:lnSpc>
-              <a:spcBef>
-                <a:spcPct val="0"/>
-              </a:spcBef>
-              <a:spcAft>
-                <a:spcPct val="35000"/>
-              </a:spcAft>
-              <a:buNone/>
-            </a:pPr>
-            <a:r>
-              <a:rPr lang="en-US" sz="1800" kern="1200" dirty="0"/>
-              <a:t>Borough ID</a:t>
-            </a:r>
-          </a:p>
-          <a:p>
-            <a:pPr marL="0" lvl="0" indent="0" algn="l" defTabSz="800100">
-              <a:lnSpc>
-                <a:spcPct val="90000"/>
-              </a:lnSpc>
-              <a:spcBef>
-                <a:spcPct val="0"/>
-              </a:spcBef>
-              <a:spcAft>
-                <a:spcPct val="35000"/>
-              </a:spcAft>
-              <a:buNone/>
-            </a:pPr>
-            <a:r>
-              <a:rPr lang="en-US" sz="1800" kern="1200" dirty="0" err="1"/>
-              <a:t>Neighbourhood</a:t>
-            </a:r>
-            <a:r>
-              <a:rPr lang="en-US" sz="1800" kern="1200" dirty="0"/>
-              <a:t> ID</a:t>
-            </a:r>
-          </a:p>
-          <a:p>
-            <a:pPr marL="0" lvl="0" indent="0" algn="l" defTabSz="800100">
-              <a:lnSpc>
-                <a:spcPct val="90000"/>
-              </a:lnSpc>
-              <a:spcBef>
-                <a:spcPct val="0"/>
-              </a:spcBef>
-              <a:spcAft>
-                <a:spcPct val="35000"/>
-              </a:spcAft>
-              <a:buNone/>
-            </a:pPr>
-            <a:r>
-              <a:rPr lang="en-US" sz="1800" kern="1200" dirty="0"/>
-              <a:t>Room Type ID</a:t>
-            </a:r>
-          </a:p>
-          <a:p>
-            <a:pPr marL="0" lvl="0" indent="0" algn="l" defTabSz="800100">
-              <a:lnSpc>
-                <a:spcPct val="90000"/>
-              </a:lnSpc>
-              <a:spcBef>
-                <a:spcPct val="0"/>
-              </a:spcBef>
-              <a:spcAft>
-                <a:spcPct val="35000"/>
-              </a:spcAft>
-              <a:buNone/>
-            </a:pPr>
-            <a:r>
-              <a:rPr lang="en-US" sz="1800" kern="1200" dirty="0"/>
-              <a:t>Yearly Rates</a:t>
-            </a:r>
-            <a:endParaRPr lang="en-CA" sz="1800" kern="1200" dirty="0"/>
-          </a:p>
-        </p:txBody>
-      </p:sp>
-      <p:sp>
-        <p:nvSpPr>
-          <p:cNvPr id="8" name="Freeform: Shape 7">
-            <a:extLst>
-              <a:ext uri="{FF2B5EF4-FFF2-40B4-BE49-F238E27FC236}">
-                <a16:creationId xmlns:a16="http://schemas.microsoft.com/office/drawing/2014/main" id="{8DCB0047-6DA4-4D47-AF82-016DE52DB9EC}"/>
-              </a:ext>
-            </a:extLst>
-          </p:cNvPr>
-          <p:cNvSpPr/>
-          <p:nvPr/>
-        </p:nvSpPr>
-        <p:spPr>
-          <a:xfrm>
-            <a:off x="6222996" y="2623564"/>
-            <a:ext cx="3936999" cy="3936999"/>
-          </a:xfrm>
-          <a:custGeom>
-            <a:avLst/>
-            <a:gdLst>
-              <a:gd name="connsiteX0" fmla="*/ 0 w 3936999"/>
-              <a:gd name="connsiteY0" fmla="*/ 2559049 h 3936999"/>
-              <a:gd name="connsiteX1" fmla="*/ 984250 w 3936999"/>
-              <a:gd name="connsiteY1" fmla="*/ 2559049 h 3936999"/>
-              <a:gd name="connsiteX2" fmla="*/ 984250 w 3936999"/>
-              <a:gd name="connsiteY2" fmla="*/ 0 h 3936999"/>
-              <a:gd name="connsiteX3" fmla="*/ 2952749 w 3936999"/>
-              <a:gd name="connsiteY3" fmla="*/ 0 h 3936999"/>
-              <a:gd name="connsiteX4" fmla="*/ 2952749 w 3936999"/>
-              <a:gd name="connsiteY4" fmla="*/ 2559049 h 3936999"/>
-              <a:gd name="connsiteX5" fmla="*/ 3936999 w 3936999"/>
-              <a:gd name="connsiteY5" fmla="*/ 2559049 h 3936999"/>
-              <a:gd name="connsiteX6" fmla="*/ 1968500 w 3936999"/>
-              <a:gd name="connsiteY6" fmla="*/ 3936999 h 3936999"/>
-              <a:gd name="connsiteX7" fmla="*/ 0 w 3936999"/>
-              <a:gd name="connsiteY7" fmla="*/ 2559049 h 3936999"/>
-            </a:gdLst>
-            <a:ahLst/>
-            <a:cxnLst>
-              <a:cxn ang="0">
-                <a:pos x="connsiteX0" y="connsiteY0"/>
-              </a:cxn>
-              <a:cxn ang="0">
-                <a:pos x="connsiteX1" y="connsiteY1"/>
-              </a:cxn>
-              <a:cxn ang="0">
-                <a:pos x="connsiteX2" y="connsiteY2"/>
-              </a:cxn>
-              <a:cxn ang="0">
-                <a:pos x="connsiteX3" y="connsiteY3"/>
-              </a:cxn>
-              <a:cxn ang="0">
-                <a:pos x="connsiteX4" y="connsiteY4"/>
-              </a:cxn>
-              <a:cxn ang="0">
-                <a:pos x="connsiteX5" y="connsiteY5"/>
-              </a:cxn>
-              <a:cxn ang="0">
-                <a:pos x="connsiteX6" y="connsiteY6"/>
-              </a:cxn>
-              <a:cxn ang="0">
-                <a:pos x="connsiteX7" y="connsiteY7"/>
-              </a:cxn>
-            </a:cxnLst>
-            <a:rect l="l" t="t" r="r" b="b"/>
-            <a:pathLst>
-              <a:path w="3936999" h="3936999">
-                <a:moveTo>
-                  <a:pt x="1377950" y="0"/>
-                </a:moveTo>
-                <a:lnTo>
-                  <a:pt x="1377950" y="984250"/>
-                </a:lnTo>
-                <a:lnTo>
-                  <a:pt x="3936999" y="984250"/>
-                </a:lnTo>
-                <a:lnTo>
-                  <a:pt x="3936999" y="2952749"/>
-                </a:lnTo>
-                <a:lnTo>
-                  <a:pt x="1377950" y="2952749"/>
-                </a:lnTo>
-                <a:lnTo>
-                  <a:pt x="1377950" y="3936999"/>
-                </a:lnTo>
-                <a:lnTo>
-                  <a:pt x="0" y="1968500"/>
-                </a:lnTo>
-                <a:lnTo>
-                  <a:pt x="1377950" y="0"/>
-                </a:lnTo>
-                <a:close/>
-              </a:path>
-            </a:pathLst>
-          </a:custGeom>
-          <a:solidFill>
-            <a:srgbClr val="E87572"/>
-          </a:solidFill>
-          <a:ln>
-            <a:solidFill>
-              <a:srgbClr val="E9766F"/>
-            </a:solidFill>
-          </a:ln>
-        </p:spPr>
-        <p:style>
-          <a:lnRef idx="2">
-            <a:scrgbClr r="0" g="0" b="0"/>
-          </a:lnRef>
-          <a:fillRef idx="1">
-            <a:scrgbClr r="0" g="0" b="0"/>
-          </a:fillRef>
-          <a:effectRef idx="0">
-            <a:schemeClr val="accent1">
-              <a:hueOff val="0"/>
-              <a:satOff val="0"/>
-              <a:lumOff val="0"/>
-              <a:alphaOff val="0"/>
-            </a:schemeClr>
-          </a:effectRef>
-          <a:fontRef idx="minor">
-            <a:schemeClr val="lt1"/>
-          </a:fontRef>
-        </p:style>
-        <p:txBody>
-          <a:bodyPr spcFirstLastPara="0" vert="horz" wrap="square" lIns="816992" tIns="1112266" rIns="128015" bIns="1112266" numCol="1" spcCol="1270" anchor="ctr" anchorCtr="0">
-            <a:noAutofit/>
-          </a:bodyPr>
-          <a:lstStyle/>
-          <a:p>
-            <a:pPr marL="0" lvl="0" indent="0" algn="r" defTabSz="800100">
-              <a:lnSpc>
-                <a:spcPct val="90000"/>
-              </a:lnSpc>
-              <a:spcBef>
-                <a:spcPct val="0"/>
-              </a:spcBef>
-              <a:spcAft>
-                <a:spcPct val="35000"/>
-              </a:spcAft>
-              <a:buNone/>
-            </a:pPr>
-            <a:r>
-              <a:rPr lang="en-US" sz="1800" b="1" kern="1200" dirty="0"/>
-              <a:t>Monthly Rates</a:t>
-            </a:r>
-          </a:p>
-          <a:p>
-            <a:pPr marL="0" lvl="0" indent="0" algn="r" defTabSz="800100">
-              <a:lnSpc>
-                <a:spcPct val="90000"/>
-              </a:lnSpc>
-              <a:spcBef>
-                <a:spcPct val="0"/>
-              </a:spcBef>
-              <a:spcAft>
-                <a:spcPct val="35000"/>
-              </a:spcAft>
-              <a:buNone/>
-            </a:pPr>
-            <a:r>
-              <a:rPr lang="en-US" sz="1800" b="1" kern="1200" dirty="0"/>
-              <a:t>Day of Week Rates</a:t>
-            </a:r>
-          </a:p>
-          <a:p>
-            <a:pPr marL="0" lvl="0" indent="0" algn="r" defTabSz="800100">
-              <a:lnSpc>
-                <a:spcPct val="90000"/>
-              </a:lnSpc>
-              <a:spcBef>
-                <a:spcPct val="0"/>
-              </a:spcBef>
-              <a:spcAft>
-                <a:spcPct val="35000"/>
-              </a:spcAft>
-              <a:buNone/>
-            </a:pPr>
-            <a:r>
-              <a:rPr lang="en-US" sz="1800" b="1" kern="1200" dirty="0"/>
-              <a:t>Predicted Rates </a:t>
-            </a:r>
-            <a:endParaRPr lang="en-CA" sz="1800" b="1" kern="1200" dirty="0"/>
-          </a:p>
-        </p:txBody>
-      </p:sp>
-      <p:sp>
-        <p:nvSpPr>
-          <p:cNvPr id="7" name="TextBox 6">
-            <a:extLst>
-              <a:ext uri="{FF2B5EF4-FFF2-40B4-BE49-F238E27FC236}">
-                <a16:creationId xmlns:a16="http://schemas.microsoft.com/office/drawing/2014/main" id="{CF63465F-BC18-4EF3-8BBF-2C44DF33E3C6}"/>
-              </a:ext>
-            </a:extLst>
-          </p:cNvPr>
-          <p:cNvSpPr txBox="1"/>
-          <p:nvPr/>
-        </p:nvSpPr>
-        <p:spPr>
-          <a:xfrm>
-            <a:off x="1880946" y="2307280"/>
-            <a:ext cx="1556951" cy="461665"/>
-          </a:xfrm>
-          <a:prstGeom prst="rect">
-            <a:avLst/>
-          </a:prstGeom>
-          <a:noFill/>
-        </p:spPr>
-        <p:txBody>
-          <a:bodyPr wrap="square" rtlCol="0">
-            <a:spAutoFit/>
-          </a:bodyPr>
-          <a:lstStyle/>
-          <a:p>
-            <a:r>
-              <a:rPr lang="en-US" sz="2400" b="1" dirty="0"/>
-              <a:t>EXISTING</a:t>
-            </a:r>
-            <a:endParaRPr lang="en-CA" sz="2400" b="1" dirty="0"/>
-          </a:p>
-        </p:txBody>
-      </p:sp>
-      <p:sp>
-        <p:nvSpPr>
-          <p:cNvPr id="12" name="TextBox 11">
-            <a:extLst>
-              <a:ext uri="{FF2B5EF4-FFF2-40B4-BE49-F238E27FC236}">
-                <a16:creationId xmlns:a16="http://schemas.microsoft.com/office/drawing/2014/main" id="{F7D516A4-D57F-43E9-9281-41F4A8C9416F}"/>
-              </a:ext>
-            </a:extLst>
-          </p:cNvPr>
-          <p:cNvSpPr txBox="1"/>
-          <p:nvPr/>
-        </p:nvSpPr>
-        <p:spPr>
-          <a:xfrm>
-            <a:off x="9499221" y="2254420"/>
-            <a:ext cx="995378" cy="461665"/>
-          </a:xfrm>
-          <a:prstGeom prst="rect">
-            <a:avLst/>
-          </a:prstGeom>
-          <a:noFill/>
-        </p:spPr>
-        <p:txBody>
-          <a:bodyPr wrap="square" rtlCol="0">
-            <a:spAutoFit/>
-          </a:bodyPr>
-          <a:lstStyle/>
-          <a:p>
-            <a:r>
-              <a:rPr lang="en-US" sz="2400" b="1" dirty="0"/>
-              <a:t>NEW</a:t>
-            </a:r>
-            <a:endParaRPr lang="en-CA" sz="2400" b="1" dirty="0"/>
-          </a:p>
-        </p:txBody>
-      </p:sp>
-    </p:spTree>
-    <p:extLst>
-      <p:ext uri="{BB962C8B-B14F-4D97-AF65-F5344CB8AC3E}">
-        <p14:creationId xmlns:p14="http://schemas.microsoft.com/office/powerpoint/2010/main" val="2227089696"/>
-      </p:ext>
-    </p:extLst>
-  </p:cSld>
-  <p:clrMapOvr>
-    <a:masterClrMapping/>
-  </p:clrMapOvr>
-  <p:timing>
-    <p:tnLst>
-      <p:par>
-        <p:cTn id="1" dur="indefinite" restart="never" nodeType="tmRoot">
-          <p:childTnLst>
-            <p:seq concurrent="1" nextAc="seek">
-              <p:cTn id="2" dur="indefinite" nodeType="mainSeq">
-                <p:childTnLst>
-                  <p:par>
-                    <p:cTn id="3" fill="hold">
-                      <p:stCondLst>
-                        <p:cond delay="indefinite"/>
-                      </p:stCondLst>
-                      <p:childTnLst>
-                        <p:par>
-                          <p:cTn id="4" fill="hold">
-                            <p:stCondLst>
-                              <p:cond delay="0"/>
-                            </p:stCondLst>
-                            <p:childTnLst>
-                              <p:par>
-                                <p:cTn id="5" presetID="2" presetClass="entr" presetSubtype="8" fill="hold" grpId="0" nodeType="clickEffect">
-                                  <p:stCondLst>
-                                    <p:cond delay="0"/>
-                                  </p:stCondLst>
-                                  <p:childTnLst>
-                                    <p:set>
-                                      <p:cBhvr>
-                                        <p:cTn id="6" dur="1" fill="hold">
-                                          <p:stCondLst>
-                                            <p:cond delay="0"/>
-                                          </p:stCondLst>
-                                        </p:cTn>
-                                        <p:tgtEl>
-                                          <p:spTgt spid="7"/>
-                                        </p:tgtEl>
-                                        <p:attrNameLst>
-                                          <p:attrName>style.visibility</p:attrName>
-                                        </p:attrNameLst>
-                                      </p:cBhvr>
-                                      <p:to>
-                                        <p:strVal val="visible"/>
-                                      </p:to>
-                                    </p:set>
-                                    <p:anim calcmode="lin" valueType="num">
-                                      <p:cBhvr additive="base">
-                                        <p:cTn id="7" dur="500" fill="hold"/>
-                                        <p:tgtEl>
-                                          <p:spTgt spid="7"/>
-                                        </p:tgtEl>
-                                        <p:attrNameLst>
-                                          <p:attrName>ppt_x</p:attrName>
-                                        </p:attrNameLst>
-                                      </p:cBhvr>
-                                      <p:tavLst>
-                                        <p:tav tm="0">
-                                          <p:val>
-                                            <p:strVal val="0-#ppt_w/2"/>
-                                          </p:val>
-                                        </p:tav>
-                                        <p:tav tm="100000">
-                                          <p:val>
-                                            <p:strVal val="#ppt_x"/>
-                                          </p:val>
-                                        </p:tav>
-                                      </p:tavLst>
-                                    </p:anim>
-                                    <p:anim calcmode="lin" valueType="num">
-                                      <p:cBhvr additive="base">
-                                        <p:cTn id="8" dur="500" fill="hold"/>
-                                        <p:tgtEl>
-                                          <p:spTgt spid="7"/>
-                                        </p:tgtEl>
-                                        <p:attrNameLst>
-                                          <p:attrName>ppt_y</p:attrName>
-                                        </p:attrNameLst>
-                                      </p:cBhvr>
-                                      <p:tavLst>
-                                        <p:tav tm="0">
-                                          <p:val>
-                                            <p:strVal val="#ppt_y"/>
-                                          </p:val>
-                                        </p:tav>
-                                        <p:tav tm="100000">
-                                          <p:val>
-                                            <p:strVal val="#ppt_y"/>
-                                          </p:val>
-                                        </p:tav>
-                                      </p:tavLst>
-                                    </p:anim>
-                                  </p:childTnLst>
-                                </p:cTn>
-                              </p:par>
-                              <p:par>
-                                <p:cTn id="9" presetID="2" presetClass="entr" presetSubtype="8" fill="hold" grpId="0" nodeType="withEffect">
-                                  <p:stCondLst>
-                                    <p:cond delay="0"/>
-                                  </p:stCondLst>
-                                  <p:childTnLst>
-                                    <p:set>
-                                      <p:cBhvr>
-                                        <p:cTn id="10" dur="1" fill="hold">
-                                          <p:stCondLst>
-                                            <p:cond delay="0"/>
-                                          </p:stCondLst>
-                                        </p:cTn>
-                                        <p:tgtEl>
-                                          <p:spTgt spid="5"/>
-                                        </p:tgtEl>
-                                        <p:attrNameLst>
-                                          <p:attrName>style.visibility</p:attrName>
-                                        </p:attrNameLst>
-                                      </p:cBhvr>
-                                      <p:to>
-                                        <p:strVal val="visible"/>
-                                      </p:to>
-                                    </p:set>
-                                    <p:anim calcmode="lin" valueType="num">
-                                      <p:cBhvr additive="base">
-                                        <p:cTn id="11" dur="500" fill="hold"/>
-                                        <p:tgtEl>
-                                          <p:spTgt spid="5"/>
-                                        </p:tgtEl>
-                                        <p:attrNameLst>
-                                          <p:attrName>ppt_x</p:attrName>
-                                        </p:attrNameLst>
-                                      </p:cBhvr>
-                                      <p:tavLst>
-                                        <p:tav tm="0">
-                                          <p:val>
-                                            <p:strVal val="0-#ppt_w/2"/>
-                                          </p:val>
-                                        </p:tav>
-                                        <p:tav tm="100000">
-                                          <p:val>
-                                            <p:strVal val="#ppt_x"/>
-                                          </p:val>
-                                        </p:tav>
-                                      </p:tavLst>
-                                    </p:anim>
-                                    <p:anim calcmode="lin" valueType="num">
-                                      <p:cBhvr additive="base">
-                                        <p:cTn id="12" dur="500" fill="hold"/>
-                                        <p:tgtEl>
-                                          <p:spTgt spid="5"/>
-                                        </p:tgtEl>
-                                        <p:attrNameLst>
-                                          <p:attrName>ppt_y</p:attrName>
-                                        </p:attrNameLst>
-                                      </p:cBhvr>
-                                      <p:tavLst>
-                                        <p:tav tm="0">
-                                          <p:val>
-                                            <p:strVal val="#ppt_y"/>
-                                          </p:val>
-                                        </p:tav>
-                                        <p:tav tm="100000">
-                                          <p:val>
-                                            <p:strVal val="#ppt_y"/>
-                                          </p:val>
-                                        </p:tav>
-                                      </p:tavLst>
-                                    </p:anim>
-                                  </p:childTnLst>
-                                </p:cTn>
-                              </p:par>
-                            </p:childTnLst>
-                          </p:cTn>
-                        </p:par>
-                      </p:childTnLst>
-                    </p:cTn>
-                  </p:par>
-                  <p:par>
-                    <p:cTn id="13" fill="hold">
-                      <p:stCondLst>
-                        <p:cond delay="indefinite"/>
-                      </p:stCondLst>
-                      <p:childTnLst>
-                        <p:par>
-                          <p:cTn id="14" fill="hold">
-                            <p:stCondLst>
-                              <p:cond delay="0"/>
-                            </p:stCondLst>
-                            <p:childTnLst>
-                              <p:par>
-                                <p:cTn id="15" presetID="2" presetClass="entr" presetSubtype="2" fill="hold" grpId="0" nodeType="clickEffect">
-                                  <p:stCondLst>
-                                    <p:cond delay="0"/>
-                                  </p:stCondLst>
-                                  <p:childTnLst>
-                                    <p:set>
-                                      <p:cBhvr>
-                                        <p:cTn id="16" dur="1" fill="hold">
-                                          <p:stCondLst>
-                                            <p:cond delay="0"/>
-                                          </p:stCondLst>
-                                        </p:cTn>
-                                        <p:tgtEl>
-                                          <p:spTgt spid="8"/>
-                                        </p:tgtEl>
-                                        <p:attrNameLst>
-                                          <p:attrName>style.visibility</p:attrName>
-                                        </p:attrNameLst>
-                                      </p:cBhvr>
-                                      <p:to>
-                                        <p:strVal val="visible"/>
-                                      </p:to>
-                                    </p:set>
-                                    <p:anim calcmode="lin" valueType="num">
-                                      <p:cBhvr additive="base">
-                                        <p:cTn id="17" dur="500" fill="hold"/>
-                                        <p:tgtEl>
-                                          <p:spTgt spid="8"/>
-                                        </p:tgtEl>
-                                        <p:attrNameLst>
-                                          <p:attrName>ppt_x</p:attrName>
-                                        </p:attrNameLst>
-                                      </p:cBhvr>
-                                      <p:tavLst>
-                                        <p:tav tm="0">
-                                          <p:val>
-                                            <p:strVal val="1+#ppt_w/2"/>
-                                          </p:val>
-                                        </p:tav>
-                                        <p:tav tm="100000">
-                                          <p:val>
-                                            <p:strVal val="#ppt_x"/>
-                                          </p:val>
-                                        </p:tav>
-                                      </p:tavLst>
-                                    </p:anim>
-                                    <p:anim calcmode="lin" valueType="num">
-                                      <p:cBhvr additive="base">
-                                        <p:cTn id="18" dur="500" fill="hold"/>
-                                        <p:tgtEl>
-                                          <p:spTgt spid="8"/>
-                                        </p:tgtEl>
-                                        <p:attrNameLst>
-                                          <p:attrName>ppt_y</p:attrName>
-                                        </p:attrNameLst>
-                                      </p:cBhvr>
-                                      <p:tavLst>
-                                        <p:tav tm="0">
-                                          <p:val>
-                                            <p:strVal val="#ppt_y"/>
-                                          </p:val>
-                                        </p:tav>
-                                        <p:tav tm="100000">
-                                          <p:val>
-                                            <p:strVal val="#ppt_y"/>
-                                          </p:val>
-                                        </p:tav>
-                                      </p:tavLst>
-                                    </p:anim>
-                                  </p:childTnLst>
-                                </p:cTn>
-                              </p:par>
-                              <p:par>
-                                <p:cTn id="19" presetID="2" presetClass="entr" presetSubtype="2" fill="hold" grpId="0" nodeType="withEffect">
-                                  <p:stCondLst>
-                                    <p:cond delay="0"/>
-                                  </p:stCondLst>
-                                  <p:childTnLst>
-                                    <p:set>
-                                      <p:cBhvr>
-                                        <p:cTn id="20" dur="1" fill="hold">
-                                          <p:stCondLst>
-                                            <p:cond delay="0"/>
-                                          </p:stCondLst>
-                                        </p:cTn>
-                                        <p:tgtEl>
-                                          <p:spTgt spid="12"/>
-                                        </p:tgtEl>
-                                        <p:attrNameLst>
-                                          <p:attrName>style.visibility</p:attrName>
-                                        </p:attrNameLst>
-                                      </p:cBhvr>
-                                      <p:to>
-                                        <p:strVal val="visible"/>
-                                      </p:to>
-                                    </p:set>
-                                    <p:anim calcmode="lin" valueType="num">
-                                      <p:cBhvr additive="base">
-                                        <p:cTn id="21" dur="500" fill="hold"/>
-                                        <p:tgtEl>
-                                          <p:spTgt spid="12"/>
-                                        </p:tgtEl>
-                                        <p:attrNameLst>
-                                          <p:attrName>ppt_x</p:attrName>
-                                        </p:attrNameLst>
-                                      </p:cBhvr>
-                                      <p:tavLst>
-                                        <p:tav tm="0">
-                                          <p:val>
-                                            <p:strVal val="1+#ppt_w/2"/>
-                                          </p:val>
-                                        </p:tav>
-                                        <p:tav tm="100000">
-                                          <p:val>
-                                            <p:strVal val="#ppt_x"/>
-                                          </p:val>
-                                        </p:tav>
-                                      </p:tavLst>
-                                    </p:anim>
-                                    <p:anim calcmode="lin" valueType="num">
-                                      <p:cBhvr additive="base">
-                                        <p:cTn id="22" dur="500" fill="hold"/>
-                                        <p:tgtEl>
-                                          <p:spTgt spid="12"/>
-                                        </p:tgtEl>
-                                        <p:attrNameLst>
-                                          <p:attrName>ppt_y</p:attrName>
-                                        </p:attrNameLst>
-                                      </p:cBhvr>
-                                      <p:tavLst>
-                                        <p:tav tm="0">
-                                          <p:val>
-                                            <p:strVal val="#ppt_y"/>
-                                          </p:val>
-                                        </p:tav>
-                                        <p:tav tm="100000">
-                                          <p:val>
-                                            <p:strVal val="#ppt_y"/>
-                                          </p:val>
-                                        </p:tav>
-                                      </p:tavLst>
-                                    </p:anim>
-                                  </p:childTnLst>
-                                </p:cTn>
-                              </p:par>
-                            </p:childTnLst>
-                          </p:cTn>
-                        </p:par>
-                      </p:childTnLst>
-                    </p:cTn>
-                  </p:par>
-                </p:childTnLst>
-              </p:cTn>
-              <p:prevCondLst>
-                <p:cond evt="onPrev" delay="0">
-                  <p:tgtEl>
-                    <p:sldTgt/>
-                  </p:tgtEl>
-                </p:cond>
-              </p:prevCondLst>
-              <p:nextCondLst>
-                <p:cond evt="onNext" delay="0">
-                  <p:tgtEl>
-                    <p:sldTgt/>
-                  </p:tgtEl>
-                </p:cond>
-              </p:nextCondLst>
-            </p:seq>
-          </p:childTnLst>
-        </p:cTn>
-      </p:par>
-    </p:tnLst>
-    <p:bldLst>
-      <p:bldP spid="5" grpId="0" animBg="1"/>
-      <p:bldP spid="8" grpId="0" animBg="1"/>
-      <p:bldP spid="7" grpId="0"/>
-      <p:bldP spid="12" grpId="0"/>
-    </p:bldLst>
-  </p:timing>
-</p:sld>
-</file>
-
 <file path=ppt/slides/slide7.xml><?xml version="1.0" encoding="utf-8"?>
 <p:sld xmlns:a="http://schemas.openxmlformats.org/drawingml/2006/main" xmlns:r="http://schemas.openxmlformats.org/officeDocument/2006/relationships" xmlns:p="http://schemas.openxmlformats.org/presentationml/2006/main">
   <p:cSld>
@@ -18305,8 +18557,8 @@
         </p:nvSpPr>
         <p:spPr>
           <a:xfrm>
-            <a:off x="1055716" y="1899025"/>
-            <a:ext cx="5259115" cy="4524315"/>
+            <a:off x="1055716" y="1684830"/>
+            <a:ext cx="5259115" cy="5078313"/>
           </a:xfrm>
           <a:prstGeom prst="rect">
             <a:avLst/>
@@ -18323,9 +18575,16 @@
               <a:buFont typeface="+mj-lt"/>
               <a:buAutoNum type="arabicPeriod"/>
             </a:pPr>
+            <a:endParaRPr lang="en-US" dirty="0"/>
+          </a:p>
+          <a:p>
+            <a:pPr marL="342900" indent="-342900">
+              <a:buFont typeface="+mj-lt"/>
+              <a:buAutoNum type="arabicPeriod"/>
+            </a:pPr>
             <a:r>
               <a:rPr lang="en-US" dirty="0"/>
-              <a:t>Seasonality and Trends have a big impact on how to price your listings.</a:t>
+              <a:t>Slight upward trend in the future.</a:t>
             </a:r>
           </a:p>
           <a:p>
@@ -18342,7 +18601,7 @@
             </a:pPr>
             <a:r>
               <a:rPr lang="en-US" dirty="0"/>
-              <a:t>Location, Room Type and Accommodation Features are major factors that determine the price.</a:t>
+              <a:t>Location is a key factor that segregates the rates from one area to another.</a:t>
             </a:r>
           </a:p>
           <a:p>
@@ -18359,7 +18618,7 @@
             </a:pPr>
             <a:r>
               <a:rPr lang="en-US" dirty="0"/>
-              <a:t>Amenities are nice features to add some value in your Airbnb listings.</a:t>
+              <a:t>Low-Moderate clustering impact in predicting prices based on local average of a specific area.</a:t>
             </a:r>
           </a:p>
           <a:p>
@@ -18376,7 +18635,7 @@
             </a:pPr>
             <a:r>
               <a:rPr lang="en-US" dirty="0"/>
-              <a:t>Low-Moderate impact in predicting prices based on local average of a specific area.</a:t>
+              <a:t>Room Type and Accommodation Features are major factors that determine the price.</a:t>
             </a:r>
           </a:p>
           <a:p>
@@ -18393,11 +18652,25 @@
             </a:pPr>
             <a:r>
               <a:rPr lang="en-US" dirty="0"/>
-              <a:t>Upward trend in prices for the future.</a:t>
-            </a:r>
-          </a:p>
-          <a:p>
+              <a:t>Seasonality and Trends have a big impact on how to price your listings.</a:t>
+            </a:r>
+          </a:p>
+          <a:p>
+            <a:pPr marL="342900" indent="-342900">
+              <a:buFont typeface="+mj-lt"/>
+              <a:buAutoNum type="arabicPeriod"/>
+            </a:pPr>
             <a:endParaRPr lang="en-US" dirty="0"/>
+          </a:p>
+          <a:p>
+            <a:pPr marL="342900" indent="-342900">
+              <a:buFont typeface="+mj-lt"/>
+              <a:buAutoNum type="arabicPeriod"/>
+            </a:pPr>
+            <a:r>
+              <a:rPr lang="en-US" dirty="0"/>
+              <a:t>Amenities are only nice-to-have features that have a slight impact in your Airbnb listings.</a:t>
+            </a:r>
           </a:p>
           <a:p>
             <a:pPr marL="342900" indent="-342900">
@@ -18429,7 +18702,7 @@
         </p:blipFill>
         <p:spPr>
           <a:xfrm>
-            <a:off x="6893705" y="1831027"/>
+            <a:off x="6893705" y="1945100"/>
             <a:ext cx="3505688" cy="4315313"/>
           </a:xfrm>
           <a:prstGeom prst="rect">
@@ -18483,7 +18756,7 @@
                                         <p:tgtEl>
                                           <p:spTgt spid="5">
                                             <p:txEl>
-                                              <p:pRg st="0" end="0"/>
+                                              <p:pRg st="3" end="3"/>
                                             </p:txEl>
                                           </p:spTgt>
                                         </p:tgtEl>
@@ -18501,7 +18774,7 @@
                                         <p:tgtEl>
                                           <p:spTgt spid="5">
                                             <p:txEl>
-                                              <p:pRg st="0" end="0"/>
+                                              <p:pRg st="3" end="3"/>
                                             </p:txEl>
                                           </p:spTgt>
                                         </p:tgtEl>
@@ -18528,7 +18801,7 @@
                                         <p:tgtEl>
                                           <p:spTgt spid="5">
                                             <p:txEl>
-                                              <p:pRg st="0" end="0"/>
+                                              <p:pRg st="3" end="3"/>
                                             </p:txEl>
                                           </p:spTgt>
                                         </p:tgtEl>
@@ -18586,7 +18859,7 @@
                                         <p:tgtEl>
                                           <p:spTgt spid="5">
                                             <p:txEl>
-                                              <p:pRg st="2" end="2"/>
+                                              <p:pRg st="1" end="1"/>
                                             </p:txEl>
                                           </p:spTgt>
                                         </p:tgtEl>
@@ -18604,7 +18877,7 @@
                                         <p:tgtEl>
                                           <p:spTgt spid="5">
                                             <p:txEl>
-                                              <p:pRg st="2" end="2"/>
+                                              <p:pRg st="1" end="1"/>
                                             </p:txEl>
                                           </p:spTgt>
                                         </p:tgtEl>
@@ -18631,7 +18904,419 @@
                                         <p:tgtEl>
                                           <p:spTgt spid="5">
                                             <p:txEl>
-                                              <p:pRg st="2" end="2"/>
+                                              <p:pRg st="1" end="1"/>
+                                            </p:txEl>
+                                          </p:spTgt>
+                                        </p:tgtEl>
+                                        <p:attrNameLst>
+                                          <p:attrName>ppt_y</p:attrName>
+                                        </p:attrNameLst>
+                                      </p:cBhvr>
+                                      <p:tavLst>
+                                        <p:tav tm="0">
+                                          <p:val>
+                                            <p:strVal val="#ppt_y"/>
+                                          </p:val>
+                                        </p:tav>
+                                        <p:tav tm="100000">
+                                          <p:val>
+                                            <p:strVal val="#ppt_y"/>
+                                          </p:val>
+                                        </p:tav>
+                                      </p:tavLst>
+                                    </p:anim>
+                                  </p:childTnLst>
+                                </p:cTn>
+                              </p:par>
+                            </p:childTnLst>
+                          </p:cTn>
+                        </p:par>
+                      </p:childTnLst>
+                    </p:cTn>
+                  </p:par>
+                  <p:par>
+                    <p:cTn id="15" fill="hold">
+                      <p:stCondLst>
+                        <p:cond delay="indefinite"/>
+                      </p:stCondLst>
+                      <p:childTnLst>
+                        <p:par>
+                          <p:cTn id="16" fill="hold">
+                            <p:stCondLst>
+                              <p:cond delay="0"/>
+                            </p:stCondLst>
+                            <p:childTnLst>
+                              <p:par>
+                                <p:cTn id="17" presetID="2" presetClass="entr" presetSubtype="8" fill="hold" nodeType="clickEffect">
+                                  <p:stCondLst>
+                                    <p:cond delay="0"/>
+                                  </p:stCondLst>
+                                  <p:childTnLst>
+                                    <p:set>
+                                      <p:cBhvr>
+                                        <p:cTn id="18" dur="1" fill="hold">
+                                          <p:stCondLst>
+                                            <p:cond delay="0"/>
+                                          </p:stCondLst>
+                                        </p:cTn>
+                                        <p:tgtEl>
+                                          <p:spTgt spid="5">
+                                            <p:txEl>
+                                              <p:pRg st="5" end="5"/>
+                                            </p:txEl>
+                                          </p:spTgt>
+                                        </p:tgtEl>
+                                        <p:attrNameLst>
+                                          <p:attrName>style.visibility</p:attrName>
+                                        </p:attrNameLst>
+                                      </p:cBhvr>
+                                      <p:to>
+                                        <p:strVal val="visible"/>
+                                      </p:to>
+                                    </p:set>
+                                    <p:anim calcmode="lin" valueType="num">
+                                      <p:cBhvr additive="base">
+                                        <p:cTn id="19" dur="500" fill="hold"/>
+                                        <p:tgtEl>
+                                          <p:spTgt spid="5">
+                                            <p:txEl>
+                                              <p:pRg st="5" end="5"/>
+                                            </p:txEl>
+                                          </p:spTgt>
+                                        </p:tgtEl>
+                                        <p:attrNameLst>
+                                          <p:attrName>ppt_x</p:attrName>
+                                        </p:attrNameLst>
+                                      </p:cBhvr>
+                                      <p:tavLst>
+                                        <p:tav tm="0">
+                                          <p:val>
+                                            <p:strVal val="0-#ppt_w/2"/>
+                                          </p:val>
+                                        </p:tav>
+                                        <p:tav tm="100000">
+                                          <p:val>
+                                            <p:strVal val="#ppt_x"/>
+                                          </p:val>
+                                        </p:tav>
+                                      </p:tavLst>
+                                    </p:anim>
+                                    <p:anim calcmode="lin" valueType="num">
+                                      <p:cBhvr additive="base">
+                                        <p:cTn id="20" dur="500" fill="hold"/>
+                                        <p:tgtEl>
+                                          <p:spTgt spid="5">
+                                            <p:txEl>
+                                              <p:pRg st="5" end="5"/>
+                                            </p:txEl>
+                                          </p:spTgt>
+                                        </p:tgtEl>
+                                        <p:attrNameLst>
+                                          <p:attrName>ppt_y</p:attrName>
+                                        </p:attrNameLst>
+                                      </p:cBhvr>
+                                      <p:tavLst>
+                                        <p:tav tm="0">
+                                          <p:val>
+                                            <p:strVal val="#ppt_y"/>
+                                          </p:val>
+                                        </p:tav>
+                                        <p:tav tm="100000">
+                                          <p:val>
+                                            <p:strVal val="#ppt_y"/>
+                                          </p:val>
+                                        </p:tav>
+                                      </p:tavLst>
+                                    </p:anim>
+                                  </p:childTnLst>
+                                </p:cTn>
+                              </p:par>
+                            </p:childTnLst>
+                          </p:cTn>
+                        </p:par>
+                      </p:childTnLst>
+                    </p:cTn>
+                  </p:par>
+                  <p:par>
+                    <p:cTn id="21" fill="hold">
+                      <p:stCondLst>
+                        <p:cond delay="indefinite"/>
+                      </p:stCondLst>
+                      <p:childTnLst>
+                        <p:par>
+                          <p:cTn id="22" fill="hold">
+                            <p:stCondLst>
+                              <p:cond delay="0"/>
+                            </p:stCondLst>
+                            <p:childTnLst>
+                              <p:par>
+                                <p:cTn id="23" presetID="2" presetClass="entr" presetSubtype="8" fill="hold" nodeType="clickEffect">
+                                  <p:stCondLst>
+                                    <p:cond delay="0"/>
+                                  </p:stCondLst>
+                                  <p:childTnLst>
+                                    <p:set>
+                                      <p:cBhvr>
+                                        <p:cTn id="24" dur="1" fill="hold">
+                                          <p:stCondLst>
+                                            <p:cond delay="0"/>
+                                          </p:stCondLst>
+                                        </p:cTn>
+                                        <p:tgtEl>
+                                          <p:spTgt spid="5">
+                                            <p:txEl>
+                                              <p:pRg st="7" end="7"/>
+                                            </p:txEl>
+                                          </p:spTgt>
+                                        </p:tgtEl>
+                                        <p:attrNameLst>
+                                          <p:attrName>style.visibility</p:attrName>
+                                        </p:attrNameLst>
+                                      </p:cBhvr>
+                                      <p:to>
+                                        <p:strVal val="visible"/>
+                                      </p:to>
+                                    </p:set>
+                                    <p:anim calcmode="lin" valueType="num">
+                                      <p:cBhvr additive="base">
+                                        <p:cTn id="25" dur="500" fill="hold"/>
+                                        <p:tgtEl>
+                                          <p:spTgt spid="5">
+                                            <p:txEl>
+                                              <p:pRg st="7" end="7"/>
+                                            </p:txEl>
+                                          </p:spTgt>
+                                        </p:tgtEl>
+                                        <p:attrNameLst>
+                                          <p:attrName>ppt_x</p:attrName>
+                                        </p:attrNameLst>
+                                      </p:cBhvr>
+                                      <p:tavLst>
+                                        <p:tav tm="0">
+                                          <p:val>
+                                            <p:strVal val="0-#ppt_w/2"/>
+                                          </p:val>
+                                        </p:tav>
+                                        <p:tav tm="100000">
+                                          <p:val>
+                                            <p:strVal val="#ppt_x"/>
+                                          </p:val>
+                                        </p:tav>
+                                      </p:tavLst>
+                                    </p:anim>
+                                    <p:anim calcmode="lin" valueType="num">
+                                      <p:cBhvr additive="base">
+                                        <p:cTn id="26" dur="500" fill="hold"/>
+                                        <p:tgtEl>
+                                          <p:spTgt spid="5">
+                                            <p:txEl>
+                                              <p:pRg st="7" end="7"/>
+                                            </p:txEl>
+                                          </p:spTgt>
+                                        </p:tgtEl>
+                                        <p:attrNameLst>
+                                          <p:attrName>ppt_y</p:attrName>
+                                        </p:attrNameLst>
+                                      </p:cBhvr>
+                                      <p:tavLst>
+                                        <p:tav tm="0">
+                                          <p:val>
+                                            <p:strVal val="#ppt_y"/>
+                                          </p:val>
+                                        </p:tav>
+                                        <p:tav tm="100000">
+                                          <p:val>
+                                            <p:strVal val="#ppt_y"/>
+                                          </p:val>
+                                        </p:tav>
+                                      </p:tavLst>
+                                    </p:anim>
+                                  </p:childTnLst>
+                                </p:cTn>
+                              </p:par>
+                            </p:childTnLst>
+                          </p:cTn>
+                        </p:par>
+                      </p:childTnLst>
+                    </p:cTn>
+                  </p:par>
+                  <p:par>
+                    <p:cTn id="27" fill="hold">
+                      <p:stCondLst>
+                        <p:cond delay="indefinite"/>
+                      </p:stCondLst>
+                      <p:childTnLst>
+                        <p:par>
+                          <p:cTn id="28" fill="hold">
+                            <p:stCondLst>
+                              <p:cond delay="0"/>
+                            </p:stCondLst>
+                            <p:childTnLst>
+                              <p:par>
+                                <p:cTn id="29" presetID="2" presetClass="entr" presetSubtype="8" fill="hold" nodeType="clickEffect">
+                                  <p:stCondLst>
+                                    <p:cond delay="0"/>
+                                  </p:stCondLst>
+                                  <p:childTnLst>
+                                    <p:set>
+                                      <p:cBhvr>
+                                        <p:cTn id="30" dur="1" fill="hold">
+                                          <p:stCondLst>
+                                            <p:cond delay="0"/>
+                                          </p:stCondLst>
+                                        </p:cTn>
+                                        <p:tgtEl>
+                                          <p:spTgt spid="5">
+                                            <p:txEl>
+                                              <p:pRg st="9" end="9"/>
+                                            </p:txEl>
+                                          </p:spTgt>
+                                        </p:tgtEl>
+                                        <p:attrNameLst>
+                                          <p:attrName>style.visibility</p:attrName>
+                                        </p:attrNameLst>
+                                      </p:cBhvr>
+                                      <p:to>
+                                        <p:strVal val="visible"/>
+                                      </p:to>
+                                    </p:set>
+                                    <p:anim calcmode="lin" valueType="num">
+                                      <p:cBhvr additive="base">
+                                        <p:cTn id="31" dur="500" fill="hold"/>
+                                        <p:tgtEl>
+                                          <p:spTgt spid="5">
+                                            <p:txEl>
+                                              <p:pRg st="9" end="9"/>
+                                            </p:txEl>
+                                          </p:spTgt>
+                                        </p:tgtEl>
+                                        <p:attrNameLst>
+                                          <p:attrName>ppt_x</p:attrName>
+                                        </p:attrNameLst>
+                                      </p:cBhvr>
+                                      <p:tavLst>
+                                        <p:tav tm="0">
+                                          <p:val>
+                                            <p:strVal val="0-#ppt_w/2"/>
+                                          </p:val>
+                                        </p:tav>
+                                        <p:tav tm="100000">
+                                          <p:val>
+                                            <p:strVal val="#ppt_x"/>
+                                          </p:val>
+                                        </p:tav>
+                                      </p:tavLst>
+                                    </p:anim>
+                                    <p:anim calcmode="lin" valueType="num">
+                                      <p:cBhvr additive="base">
+                                        <p:cTn id="32" dur="500" fill="hold"/>
+                                        <p:tgtEl>
+                                          <p:spTgt spid="5">
+                                            <p:txEl>
+                                              <p:pRg st="9" end="9"/>
+                                            </p:txEl>
+                                          </p:spTgt>
+                                        </p:tgtEl>
+                                        <p:attrNameLst>
+                                          <p:attrName>ppt_y</p:attrName>
+                                        </p:attrNameLst>
+                                      </p:cBhvr>
+                                      <p:tavLst>
+                                        <p:tav tm="0">
+                                          <p:val>
+                                            <p:strVal val="#ppt_y"/>
+                                          </p:val>
+                                        </p:tav>
+                                        <p:tav tm="100000">
+                                          <p:val>
+                                            <p:strVal val="#ppt_y"/>
+                                          </p:val>
+                                        </p:tav>
+                                      </p:tavLst>
+                                    </p:anim>
+                                  </p:childTnLst>
+                                </p:cTn>
+                              </p:par>
+                            </p:childTnLst>
+                          </p:cTn>
+                        </p:par>
+                      </p:childTnLst>
+                    </p:cTn>
+                  </p:par>
+                  <p:par>
+                    <p:cTn id="33" fill="hold">
+                      <p:stCondLst>
+                        <p:cond delay="indefinite"/>
+                      </p:stCondLst>
+                      <p:childTnLst>
+                        <p:par>
+                          <p:cTn id="34" fill="hold">
+                            <p:stCondLst>
+                              <p:cond delay="0"/>
+                            </p:stCondLst>
+                            <p:childTnLst>
+                              <p:par>
+                                <p:cTn id="35" presetID="2" presetClass="entr" presetSubtype="8" fill="hold" nodeType="clickEffect">
+                                  <p:stCondLst>
+                                    <p:cond delay="0"/>
+                                  </p:stCondLst>
+                                  <p:childTnLst>
+                                    <p:set>
+                                      <p:cBhvr>
+                                        <p:cTn id="36" dur="1" fill="hold">
+                                          <p:stCondLst>
+                                            <p:cond delay="0"/>
+                                          </p:stCondLst>
+                                        </p:cTn>
+                                        <p:tgtEl>
+                                          <p:spTgt spid="5">
+                                            <p:txEl>
+                                              <p:pRg st="11" end="11"/>
+                                            </p:txEl>
+                                          </p:spTgt>
+                                        </p:tgtEl>
+                                        <p:attrNameLst>
+                                          <p:attrName>style.visibility</p:attrName>
+                                        </p:attrNameLst>
+                                      </p:cBhvr>
+                                      <p:to>
+                                        <p:strVal val="visible"/>
+                                      </p:to>
+                                    </p:set>
+                                    <p:anim calcmode="lin" valueType="num">
+                                      <p:cBhvr additive="base">
+                                        <p:cTn id="37" dur="500" fill="hold"/>
+                                        <p:tgtEl>
+                                          <p:spTgt spid="5">
+                                            <p:txEl>
+                                              <p:pRg st="11" end="11"/>
+                                            </p:txEl>
+                                          </p:spTgt>
+                                        </p:tgtEl>
+                                        <p:attrNameLst>
+                                          <p:attrName>ppt_x</p:attrName>
+                                        </p:attrNameLst>
+                                      </p:cBhvr>
+                                      <p:tavLst>
+                                        <p:tav tm="0">
+                                          <p:val>
+                                            <p:strVal val="0-#ppt_w/2"/>
+                                          </p:val>
+                                        </p:tav>
+                                        <p:tav tm="100000">
+                                          <p:val>
+                                            <p:strVal val="#ppt_x"/>
+                                          </p:val>
+                                        </p:tav>
+                                      </p:tavLst>
+                                    </p:anim>
+                                    <p:anim calcmode="lin" valueType="num">
+                                      <p:cBhvr additive="base">
+                                        <p:cTn id="38" dur="500" fill="hold"/>
+                                        <p:tgtEl>
+                                          <p:spTgt spid="5">
+                                            <p:txEl>
+                                              <p:pRg st="11" end="11"/>
                                             </p:txEl>
                                           </p:spTgt>
                                         </p:tgtEl>
@@ -18737,7 +19422,7 @@
                   <a:srgbClr val="EA5E46"/>
                 </a:solidFill>
               </a:rPr>
-              <a:t>Model Data Transformation – RF, LGBM, KNN</a:t>
+              <a:t>Model Data Transformation – Regressors</a:t>
             </a:r>
           </a:p>
         </p:txBody>
@@ -18806,7 +19491,7 @@
         <p:spPr>
           <a:xfrm>
             <a:off x="975854" y="1684829"/>
-            <a:ext cx="9518745" cy="1"/>
+            <a:ext cx="10258203" cy="0"/>
           </a:xfrm>
           <a:prstGeom prst="line">
             <a:avLst/>
@@ -18963,6 +19648,41 @@
                                   </p:childTnLst>
                                 </p:cTn>
                               </p:par>
+                              <p:par>
+                                <p:cTn id="8" presetID="16" presetClass="entr" presetSubtype="21" fill="hold" grpId="0" nodeType="withEffect">
+                                  <p:stCondLst>
+                                    <p:cond delay="0"/>
+                                  </p:stCondLst>
+                                  <p:childTnLst>
+                                    <p:set>
+                                      <p:cBhvr>
+                                        <p:cTn id="9" dur="1" fill="hold">
+                                          <p:stCondLst>
+                                            <p:cond delay="0"/>
+                                          </p:stCondLst>
+                                        </p:cTn>
+                                        <p:tgtEl>
+                                          <p:spTgt spid="3"/>
+                                        </p:tgtEl>
+                                        <p:attrNameLst>
+                                          <p:attrName>style.visibility</p:attrName>
+                                        </p:attrNameLst>
+                                      </p:cBhvr>
+                                      <p:to>
+                                        <p:strVal val="visible"/>
+                                      </p:to>
+                                    </p:set>
+                                    <p:animEffect transition="in" filter="barn(inVertical)">
+                                      <p:cBhvr>
+                                        <p:cTn id="10" dur="500"/>
+                                        <p:tgtEl>
+                                          <p:spTgt spid="3"/>
+                                        </p:tgtEl>
+                                      </p:cBhvr>
+                                    </p:animEffect>
+                                  </p:childTnLst>
+                                </p:cTn>
+                              </p:par>
                             </p:childTnLst>
                           </p:cTn>
                         </p:par>
@@ -18990,6 +19710,9 @@
         </p:cTn>
       </p:par>
     </p:tnLst>
+    <p:bldLst>
+      <p:bldP spid="3" grpId="0"/>
+    </p:bldLst>
   </p:timing>
 </p:sld>
 </file>

--- a/Airbnb Price Predictions (Model).pptx
+++ b/Airbnb Price Predictions (Model).pptx
@@ -1090,14 +1090,25 @@
           <a:p>
             <a:r>
               <a:rPr lang="en-US" dirty="0"/>
-              <a:t>This table shows you the coefficient of correlation (R2) &amp; Mean Squared Error (MSE)</a:t>
+              <a:t>The we fit the X &amp; y data to run the model.  Then we found the coefficient correlation score to see how the data fits in the best fit line.</a:t>
             </a:r>
           </a:p>
           <a:p>
             <a:r>
               <a:rPr lang="en-US" dirty="0"/>
-              <a:t>The r2 tells you how close the data fits to the regression line.  MSE is the squared average difference between the actual &amp; predicted values.</a:t>
-            </a:r>
+              <a:t>Also we calculated the mean squared error, this is just the squared difference of the actual and predicted prices.  If these values did not produce the correct score, we did some </a:t>
+            </a:r>
+            <a:r>
+              <a:rPr lang="en-US" dirty="0" err="1"/>
+              <a:t>hyperparmeter</a:t>
+            </a:r>
+            <a:r>
+              <a:rPr lang="en-US" dirty="0"/>
+              <a:t> tuning to improve the scores of the model.</a:t>
+            </a:r>
+          </a:p>
+          <a:p>
+            <a:endParaRPr lang="en-US" dirty="0"/>
           </a:p>
         </p:txBody>
       </p:sp>
@@ -1183,7 +1194,13 @@
           <a:p>
             <a:r>
               <a:rPr lang="en-US" dirty="0"/>
-              <a:t>This table displays the model r2 &amp; </a:t>
+              <a:t>After we ran the model, it displays the following results.</a:t>
+            </a:r>
+          </a:p>
+          <a:p>
+            <a:r>
+              <a:rPr lang="en-US" dirty="0"/>
+              <a:t>The table shows the r2 &amp; </a:t>
             </a:r>
             <a:r>
               <a:rPr lang="en-US" dirty="0" err="1"/>
@@ -1191,25 +1208,42 @@
             </a:r>
             <a:r>
               <a:rPr lang="en-US" dirty="0"/>
-              <a:t> scores.  I have also listed the factors that the model takes in when predicting prices for the units.  </a:t>
-            </a:r>
+              <a:t> scores for all models.  I have put down which factors the different models look at in brackets.</a:t>
+            </a:r>
+          </a:p>
+          <a:p>
+            <a:endParaRPr lang="en-US" dirty="0"/>
           </a:p>
           <a:p>
             <a:r>
               <a:rPr lang="en-US" dirty="0"/>
-              <a:t>Looking at the results, we cannot solely price your unit based on the average rates of the area as the KNN Regressor Model shows the lowest accuracy scores.</a:t>
-            </a:r>
-          </a:p>
-          <a:p>
+              <a:t>Looking at the results, KNN has the lowest scores in both the correlation and mean squared error.  Probably the model only looks at what the closest </a:t>
+            </a:r>
+            <a:r>
+              <a:rPr lang="en-US" dirty="0" err="1"/>
+              <a:t>neighbour</a:t>
+            </a:r>
             <a:r>
               <a:rPr lang="en-US" dirty="0"/>
-              <a:t>The hosts will need to look deeper into factors like room type, amenities, and other features to scale their rates accordingly.</a:t>
-            </a:r>
+              <a:t> has without looking too much into the different features.</a:t>
+            </a:r>
+          </a:p>
+          <a:p>
+            <a:endParaRPr lang="en-US" dirty="0"/>
           </a:p>
           <a:p>
             <a:r>
               <a:rPr lang="en-US" dirty="0"/>
-              <a:t>Finally, the hosts maximize their revenue by looking at the traveling demands during different times of the year.  For example, rates can be priced higher during the weekends, summer months, and on major holidays like Christmas.</a:t>
+              <a:t>So the hosts will need to look at the room type, amenities, and accommodation features to scale their rates accordingly.</a:t>
+            </a:r>
+          </a:p>
+          <a:p>
+            <a:endParaRPr lang="en-US" dirty="0"/>
+          </a:p>
+          <a:p>
+            <a:r>
+              <a:rPr lang="en-US" dirty="0"/>
+              <a:t>Finally, the hosts can maximize their revenue by looking at the traveling demands during different times of the year.  For example, rates can be priced higher during the weekends, summer months, and on major holidays like Christmas.</a:t>
             </a:r>
           </a:p>
           <a:p>
@@ -1305,19 +1339,19 @@
           <a:p>
             <a:r>
               <a:rPr lang="en-US" dirty="0"/>
-              <a:t>In this slide we look at the price correlation versus the accommodations and amenities. he yellow box based on the newly transformed database for the model.  </a:t>
+              <a:t>In this slide we look at the price correlation versus the accommodations and amenities. the yellow box here shows the price correlation to the accommodations and amenities.</a:t>
             </a:r>
           </a:p>
           <a:p>
             <a:r>
               <a:rPr lang="en-US" dirty="0"/>
-              <a:t>On the right side of the slide, we listed the top 5 features that drive the price. </a:t>
+              <a:t>On the right side of the slide, we listed the top 5 features that have the most impact on the price. </a:t>
             </a:r>
           </a:p>
           <a:p>
             <a:r>
               <a:rPr lang="en-US" dirty="0"/>
-              <a:t>Just by looking figures, the heatmap implies that size and basic accommodations have a moderate impact on the prices.  Having more amenities like washer and air conditioning are nice to have features that can help increase the rates/</a:t>
+              <a:t>Just by looking figures, the heatmap implies that size and basic accommodations have a moderate impact on the prices.  Having more amenities like washer and air conditioning are nice to have features that can help increase the rates.</a:t>
             </a:r>
           </a:p>
           <a:p>
@@ -1417,13 +1451,21 @@
           <a:p>
             <a:r>
               <a:rPr lang="en-US" dirty="0"/>
-              <a:t>In this slide, we ran random forest and LGBM Regressor model and  got the 5 most important features.</a:t>
+              <a:t>After running the random forest and LGBM Regressor models, we got the 5 most important features.</a:t>
             </a:r>
           </a:p>
           <a:p>
             <a:r>
               <a:rPr lang="en-US" dirty="0"/>
-              <a:t>Both models show that the most important features to predict prices includes the room type, the </a:t>
+              <a:t>Both models show that the most important features </a:t>
+            </a:r>
+            <a:r>
+              <a:rPr lang="en-US" dirty="0" err="1"/>
+              <a:t>areroom</a:t>
+            </a:r>
+            <a:r>
+              <a:rPr lang="en-US" dirty="0"/>
+              <a:t> type, the </a:t>
             </a:r>
             <a:r>
               <a:rPr lang="en-US" dirty="0" err="1"/>
@@ -1431,7 +1473,13 @@
             </a:r>
             <a:r>
               <a:rPr lang="en-US" dirty="0"/>
-              <a:t> and the # of bathrooms the unit has.  Once again, size &amp; accommodation requirements are the major forces of determining the prices.  Another implication from this model tells us that where the listing is located is also very important</a:t>
+              <a:t> and the # of bathrooms the unit has.  </a:t>
+            </a:r>
+          </a:p>
+          <a:p>
+            <a:r>
+              <a:rPr lang="en-US" dirty="0"/>
+              <a:t>Once again, size &amp; accommodation requirements are the major forces of determining the prices.  Another implication from this model tells us that where the listing is located is also very important</a:t>
             </a:r>
           </a:p>
           <a:p>
@@ -10394,19 +10442,6 @@
             </a:pPr>
             <a:r>
               <a:rPr lang="en-US" sz="2400" dirty="0"/>
-              <a:t>Hyperparameter Tune the Model </a:t>
-            </a:r>
-          </a:p>
-          <a:p>
-            <a:endParaRPr lang="en-US" sz="2400" dirty="0"/>
-          </a:p>
-          <a:p>
-            <a:pPr marL="285750" indent="-285750">
-              <a:buFont typeface="Arial" panose="020B0604020202020204" pitchFamily="34" charset="0"/>
-              <a:buChar char="•"/>
-            </a:pPr>
-            <a:r>
-              <a:rPr lang="en-US" sz="2400" dirty="0"/>
               <a:t>Determine Coefficient correlation (r^2) </a:t>
             </a:r>
           </a:p>
@@ -10428,10 +10463,19 @@
             </a:r>
           </a:p>
           <a:p>
+            <a:endParaRPr lang="en-US" sz="2400" dirty="0"/>
+          </a:p>
+          <a:p>
             <a:pPr marL="285750" indent="-285750">
               <a:buFont typeface="Arial" panose="020B0604020202020204" pitchFamily="34" charset="0"/>
               <a:buChar char="•"/>
             </a:pPr>
+            <a:r>
+              <a:rPr lang="en-US" sz="2400" dirty="0"/>
+              <a:t>Hyperparameter Tune the Model </a:t>
+            </a:r>
+          </a:p>
+          <a:p>
             <a:endParaRPr lang="en-US" sz="2400" dirty="0"/>
           </a:p>
           <a:p>
@@ -10643,14 +10687,14 @@
           <p:nvPr>
             <p:extLst>
               <p:ext uri="{D42A27DB-BD31-4B8C-83A1-F6EECF244321}">
-                <p14:modId xmlns:p14="http://schemas.microsoft.com/office/powerpoint/2010/main" val="4265020489"/>
+                <p14:modId xmlns:p14="http://schemas.microsoft.com/office/powerpoint/2010/main" val="3435273458"/>
               </p:ext>
             </p:extLst>
           </p:nvPr>
         </p:nvGraphicFramePr>
         <p:xfrm>
           <a:off x="1571850" y="2569366"/>
-          <a:ext cx="8755450" cy="2275002"/>
+          <a:ext cx="8755450" cy="2132343"/>
         </p:xfrm>
         <a:graphic>
           <a:graphicData uri="http://schemas.openxmlformats.org/drawingml/2006/table">
@@ -10803,7 +10847,7 @@
                       <a:pPr algn="ctr"/>
                       <a:r>
                         <a:rPr lang="en-CA" sz="1600" dirty="0"/>
-                        <a:t>(Seasonality Trends)</a:t>
+                        <a:t>(Time)</a:t>
                       </a:r>
                     </a:p>
                   </a:txBody>
@@ -13053,7 +13097,7 @@
         </p:blipFill>
         <p:spPr>
           <a:xfrm>
-            <a:off x="2210492" y="1947483"/>
+            <a:off x="2130216" y="1947483"/>
             <a:ext cx="7716313" cy="4595107"/>
           </a:xfrm>
           <a:prstGeom prst="rect">
@@ -13074,8 +13118,8 @@
           <p:nvPr/>
         </p:nvSpPr>
         <p:spPr>
-          <a:xfrm>
-            <a:off x="6003384" y="5582070"/>
+          <a:xfrm rot="1104963">
+            <a:off x="5939390" y="4756020"/>
             <a:ext cx="2107513" cy="436680"/>
           </a:xfrm>
           <a:prstGeom prst="rect">
@@ -13113,7 +13157,7 @@
                   <a:schemeClr val="tx1"/>
                 </a:solidFill>
               </a:rPr>
-              <a:t>2. Downward Trend</a:t>
+              <a:t>Downward Trend</a:t>
             </a:r>
             <a:endParaRPr lang="en-CA" sz="1600" b="1" dirty="0">
               <a:solidFill>
@@ -13136,8 +13180,8 @@
           <p:nvPr/>
         </p:nvSpPr>
         <p:spPr>
-          <a:xfrm rot="20408569">
-            <a:off x="3602804" y="5123976"/>
+          <a:xfrm rot="20809690">
+            <a:off x="3589173" y="5030201"/>
             <a:ext cx="2148592" cy="467036"/>
           </a:xfrm>
           <a:prstGeom prst="rect">
@@ -13175,7 +13219,7 @@
                   <a:schemeClr val="tx1"/>
                 </a:solidFill>
               </a:rPr>
-              <a:t>1. Upward Trend</a:t>
+              <a:t>Upward Trend</a:t>
             </a:r>
             <a:endParaRPr lang="en-CA" sz="1600" b="1" dirty="0">
               <a:solidFill>
@@ -13198,8 +13242,8 @@
           <p:nvPr/>
         </p:nvSpPr>
         <p:spPr>
-          <a:xfrm>
-            <a:off x="7819292" y="5582070"/>
+          <a:xfrm rot="21402234">
+            <a:off x="7607238" y="5004446"/>
             <a:ext cx="2107513" cy="436680"/>
           </a:xfrm>
           <a:prstGeom prst="rect">
@@ -13237,7 +13281,7 @@
                   <a:schemeClr val="tx1"/>
                 </a:solidFill>
               </a:rPr>
-              <a:t>3.  Slight Increase</a:t>
+              <a:t>Slight Increase</a:t>
             </a:r>
             <a:endParaRPr lang="en-CA" sz="1600" b="1" dirty="0">
               <a:solidFill>
@@ -13407,7 +13451,7 @@
                             </p:stCondLst>
                             <p:childTnLst>
                               <p:par>
-                                <p:cTn id="5" presetID="1" presetClass="entr" presetSubtype="0" fill="hold" nodeType="clickEffect">
+                                <p:cTn id="5" presetID="53" presetClass="entr" presetSubtype="16" fill="hold" grpId="0" nodeType="clickEffect">
                                   <p:stCondLst>
                                     <p:cond delay="0"/>
                                   </p:stCondLst>
@@ -13415,33 +13459,6 @@
                                     <p:set>
                                       <p:cBhvr>
                                         <p:cTn id="6" dur="1" fill="hold">
-                                          <p:stCondLst>
-                                            <p:cond delay="0"/>
-                                          </p:stCondLst>
-                                        </p:cTn>
-                                        <p:tgtEl>
-                                          <p:spTgt spid="4"/>
-                                        </p:tgtEl>
-                                        <p:attrNameLst>
-                                          <p:attrName>style.visibility</p:attrName>
-                                        </p:attrNameLst>
-                                      </p:cBhvr>
-                                      <p:to>
-                                        <p:strVal val="visible"/>
-                                      </p:to>
-                                    </p:set>
-                                  </p:childTnLst>
-                                </p:cTn>
-                              </p:par>
-                              <p:par>
-                                <p:cTn id="7" presetID="14" presetClass="entr" presetSubtype="10" fill="hold" grpId="0" nodeType="withEffect">
-                                  <p:stCondLst>
-                                    <p:cond delay="0"/>
-                                  </p:stCondLst>
-                                  <p:childTnLst>
-                                    <p:set>
-                                      <p:cBhvr>
-                                        <p:cTn id="8" dur="1" fill="hold">
                                           <p:stCondLst>
                                             <p:cond delay="0"/>
                                           </p:stCondLst>
@@ -13457,7 +13474,53 @@
                                         <p:strVal val="visible"/>
                                       </p:to>
                                     </p:set>
-                                    <p:animEffect transition="in" filter="randombar(horizontal)">
+                                    <p:anim calcmode="lin" valueType="num">
+                                      <p:cBhvr>
+                                        <p:cTn id="7" dur="500" fill="hold"/>
+                                        <p:tgtEl>
+                                          <p:spTgt spid="21"/>
+                                        </p:tgtEl>
+                                        <p:attrNameLst>
+                                          <p:attrName>ppt_w</p:attrName>
+                                        </p:attrNameLst>
+                                      </p:cBhvr>
+                                      <p:tavLst>
+                                        <p:tav tm="0">
+                                          <p:val>
+                                            <p:fltVal val="0"/>
+                                          </p:val>
+                                        </p:tav>
+                                        <p:tav tm="100000">
+                                          <p:val>
+                                            <p:strVal val="#ppt_w"/>
+                                          </p:val>
+                                        </p:tav>
+                                      </p:tavLst>
+                                    </p:anim>
+                                    <p:anim calcmode="lin" valueType="num">
+                                      <p:cBhvr>
+                                        <p:cTn id="8" dur="500" fill="hold"/>
+                                        <p:tgtEl>
+                                          <p:spTgt spid="21"/>
+                                        </p:tgtEl>
+                                        <p:attrNameLst>
+                                          <p:attrName>ppt_h</p:attrName>
+                                        </p:attrNameLst>
+                                      </p:cBhvr>
+                                      <p:tavLst>
+                                        <p:tav tm="0">
+                                          <p:val>
+                                            <p:fltVal val="0"/>
+                                          </p:val>
+                                        </p:tav>
+                                        <p:tav tm="100000">
+                                          <p:val>
+                                            <p:strVal val="#ppt_h"/>
+                                          </p:val>
+                                        </p:tav>
+                                      </p:tavLst>
+                                    </p:anim>
+                                    <p:animEffect transition="in" filter="fade">
                                       <p:cBhvr>
                                         <p:cTn id="9" dur="500"/>
                                         <p:tgtEl>
@@ -13468,15 +13531,33 @@
                                   </p:childTnLst>
                                 </p:cTn>
                               </p:par>
+                            </p:childTnLst>
+                          </p:cTn>
+                        </p:par>
+                      </p:childTnLst>
+                    </p:cTn>
+                  </p:par>
+                  <p:par>
+                    <p:cTn id="10" fill="hold">
+                      <p:stCondLst>
+                        <p:cond delay="indefinite"/>
+                      </p:stCondLst>
+                      <p:childTnLst>
+                        <p:par>
+                          <p:cTn id="11" fill="hold">
+                            <p:stCondLst>
+                              <p:cond delay="0"/>
+                            </p:stCondLst>
+                            <p:childTnLst>
                               <p:par>
-                                <p:cTn id="10" presetID="14" presetClass="entr" presetSubtype="10" fill="hold" grpId="0" nodeType="withEffect">
+                                <p:cTn id="12" presetID="53" presetClass="entr" presetSubtype="16" fill="hold" grpId="0" nodeType="clickEffect">
                                   <p:stCondLst>
                                     <p:cond delay="0"/>
                                   </p:stCondLst>
                                   <p:childTnLst>
                                     <p:set>
                                       <p:cBhvr>
-                                        <p:cTn id="11" dur="1" fill="hold">
+                                        <p:cTn id="13" dur="1" fill="hold">
                                           <p:stCondLst>
                                             <p:cond delay="0"/>
                                           </p:stCondLst>
@@ -13492,9 +13573,55 @@
                                         <p:strVal val="visible"/>
                                       </p:to>
                                     </p:set>
-                                    <p:animEffect transition="in" filter="randombar(horizontal)">
+                                    <p:anim calcmode="lin" valueType="num">
                                       <p:cBhvr>
-                                        <p:cTn id="12" dur="500"/>
+                                        <p:cTn id="14" dur="500" fill="hold"/>
+                                        <p:tgtEl>
+                                          <p:spTgt spid="5"/>
+                                        </p:tgtEl>
+                                        <p:attrNameLst>
+                                          <p:attrName>ppt_w</p:attrName>
+                                        </p:attrNameLst>
+                                      </p:cBhvr>
+                                      <p:tavLst>
+                                        <p:tav tm="0">
+                                          <p:val>
+                                            <p:fltVal val="0"/>
+                                          </p:val>
+                                        </p:tav>
+                                        <p:tav tm="100000">
+                                          <p:val>
+                                            <p:strVal val="#ppt_w"/>
+                                          </p:val>
+                                        </p:tav>
+                                      </p:tavLst>
+                                    </p:anim>
+                                    <p:anim calcmode="lin" valueType="num">
+                                      <p:cBhvr>
+                                        <p:cTn id="15" dur="500" fill="hold"/>
+                                        <p:tgtEl>
+                                          <p:spTgt spid="5"/>
+                                        </p:tgtEl>
+                                        <p:attrNameLst>
+                                          <p:attrName>ppt_h</p:attrName>
+                                        </p:attrNameLst>
+                                      </p:cBhvr>
+                                      <p:tavLst>
+                                        <p:tav tm="0">
+                                          <p:val>
+                                            <p:fltVal val="0"/>
+                                          </p:val>
+                                        </p:tav>
+                                        <p:tav tm="100000">
+                                          <p:val>
+                                            <p:strVal val="#ppt_h"/>
+                                          </p:val>
+                                        </p:tav>
+                                      </p:tavLst>
+                                    </p:anim>
+                                    <p:animEffect transition="in" filter="fade">
+                                      <p:cBhvr>
+                                        <p:cTn id="16" dur="500"/>
                                         <p:tgtEl>
                                           <p:spTgt spid="5"/>
                                         </p:tgtEl>
@@ -13503,15 +13630,33 @@
                                   </p:childTnLst>
                                 </p:cTn>
                               </p:par>
+                            </p:childTnLst>
+                          </p:cTn>
+                        </p:par>
+                      </p:childTnLst>
+                    </p:cTn>
+                  </p:par>
+                  <p:par>
+                    <p:cTn id="17" fill="hold">
+                      <p:stCondLst>
+                        <p:cond delay="indefinite"/>
+                      </p:stCondLst>
+                      <p:childTnLst>
+                        <p:par>
+                          <p:cTn id="18" fill="hold">
+                            <p:stCondLst>
+                              <p:cond delay="0"/>
+                            </p:stCondLst>
+                            <p:childTnLst>
                               <p:par>
-                                <p:cTn id="13" presetID="14" presetClass="entr" presetSubtype="10" fill="hold" grpId="0" nodeType="withEffect">
+                                <p:cTn id="19" presetID="53" presetClass="entr" presetSubtype="16" fill="hold" grpId="0" nodeType="clickEffect">
                                   <p:stCondLst>
                                     <p:cond delay="0"/>
                                   </p:stCondLst>
                                   <p:childTnLst>
                                     <p:set>
                                       <p:cBhvr>
-                                        <p:cTn id="14" dur="1" fill="hold">
+                                        <p:cTn id="20" dur="1" fill="hold">
                                           <p:stCondLst>
                                             <p:cond delay="0"/>
                                           </p:stCondLst>
@@ -13527,9 +13672,55 @@
                                         <p:strVal val="visible"/>
                                       </p:to>
                                     </p:set>
-                                    <p:animEffect transition="in" filter="randombar(horizontal)">
+                                    <p:anim calcmode="lin" valueType="num">
                                       <p:cBhvr>
-                                        <p:cTn id="15" dur="500"/>
+                                        <p:cTn id="21" dur="500" fill="hold"/>
+                                        <p:tgtEl>
+                                          <p:spTgt spid="22"/>
+                                        </p:tgtEl>
+                                        <p:attrNameLst>
+                                          <p:attrName>ppt_w</p:attrName>
+                                        </p:attrNameLst>
+                                      </p:cBhvr>
+                                      <p:tavLst>
+                                        <p:tav tm="0">
+                                          <p:val>
+                                            <p:fltVal val="0"/>
+                                          </p:val>
+                                        </p:tav>
+                                        <p:tav tm="100000">
+                                          <p:val>
+                                            <p:strVal val="#ppt_w"/>
+                                          </p:val>
+                                        </p:tav>
+                                      </p:tavLst>
+                                    </p:anim>
+                                    <p:anim calcmode="lin" valueType="num">
+                                      <p:cBhvr>
+                                        <p:cTn id="22" dur="500" fill="hold"/>
+                                        <p:tgtEl>
+                                          <p:spTgt spid="22"/>
+                                        </p:tgtEl>
+                                        <p:attrNameLst>
+                                          <p:attrName>ppt_h</p:attrName>
+                                        </p:attrNameLst>
+                                      </p:cBhvr>
+                                      <p:tavLst>
+                                        <p:tav tm="0">
+                                          <p:val>
+                                            <p:fltVal val="0"/>
+                                          </p:val>
+                                        </p:tav>
+                                        <p:tav tm="100000">
+                                          <p:val>
+                                            <p:strVal val="#ppt_h"/>
+                                          </p:val>
+                                        </p:tav>
+                                      </p:tavLst>
+                                    </p:anim>
+                                    <p:animEffect transition="in" filter="fade">
+                                      <p:cBhvr>
+                                        <p:cTn id="23" dur="500"/>
                                         <p:tgtEl>
                                           <p:spTgt spid="22"/>
                                         </p:tgtEl>

--- a/Airbnb Price Predictions (Model).pptx
+++ b/Airbnb Price Predictions (Model).pptx
@@ -1948,16 +1948,58 @@
           <a:bodyPr/>
           <a:lstStyle/>
           <a:p>
-            <a:endParaRPr lang="en-US" dirty="0"/>
-          </a:p>
-          <a:p>
-            <a:endParaRPr lang="en-US" dirty="0"/>
-          </a:p>
-          <a:p>
-            <a:endParaRPr lang="en-US" dirty="0"/>
-          </a:p>
-          <a:p>
-            <a:endParaRPr lang="en-US" dirty="0"/>
+            <a:pPr marL="0" marR="0" lvl="0" indent="0" algn="l" defTabSz="914400" rtl="0" eaLnBrk="1" fontAlgn="auto" latinLnBrk="0" hangingPunct="1">
+              <a:lnSpc>
+                <a:spcPct val="100000"/>
+              </a:lnSpc>
+              <a:spcBef>
+                <a:spcPts val="0"/>
+              </a:spcBef>
+              <a:spcAft>
+                <a:spcPts val="0"/>
+              </a:spcAft>
+              <a:buClrTx/>
+              <a:buSzTx/>
+              <a:buFontTx/>
+              <a:buNone/>
+              <a:tabLst/>
+              <a:defRPr/>
+            </a:pPr>
+            <a:r>
+              <a:rPr lang="en-US" dirty="0"/>
+              <a:t>There are many things that a host needs to consider when pricing the unit.  </a:t>
+            </a:r>
+          </a:p>
+          <a:p>
+            <a:pPr marL="0" marR="0" lvl="0" indent="0" algn="l" defTabSz="914400" rtl="0" eaLnBrk="1" fontAlgn="auto" latinLnBrk="0" hangingPunct="1">
+              <a:lnSpc>
+                <a:spcPct val="100000"/>
+              </a:lnSpc>
+              <a:spcBef>
+                <a:spcPts val="0"/>
+              </a:spcBef>
+              <a:spcAft>
+                <a:spcPts val="0"/>
+              </a:spcAft>
+              <a:buClrTx/>
+              <a:buSzTx/>
+              <a:buFontTx/>
+              <a:buNone/>
+              <a:tabLst/>
+              <a:defRPr/>
+            </a:pPr>
+            <a:r>
+              <a:rPr lang="en-US" dirty="0"/>
+              <a:t>The centrally located like Manhattan and Brooklyn will have one of the higher rates  because it is close to the transit system, main attractions, and the business centers.  However, the host should not just price their based on this.  They can compare with the </a:t>
+            </a:r>
+            <a:r>
+              <a:rPr lang="en-US" dirty="0" err="1"/>
+              <a:t>neighbouring</a:t>
+            </a:r>
+            <a:r>
+              <a:rPr lang="en-US" dirty="0"/>
+              <a:t> listings based on size instead of just taking the whole average because a hotel room vs a private room can have a huge price range.  Also offering different prices during holidays, summer, and long weekends can help the host make the most out of their Airbnb income.  Also, there is s a positive correlation on how many people the unit accommodates, the # of bedrooms and bathrooms it offers.  Offering more amenities like a washer, heat and A/c provides some help into increasing the listing price.  Even though the probability is low, but events like the pandemic &amp; 911 will have a major impact on the whole economy and the demand to travel will decrease.</a:t>
+            </a:r>
           </a:p>
           <a:p>
             <a:endParaRPr lang="en-US" dirty="0"/>
@@ -2151,26 +2193,8 @@
           <a:p>
             <a:r>
               <a:rPr lang="en-US" dirty="0"/>
-              <a:t>This table shows you the coefficient of correlation (R2) &amp; Mean Squared Error (MSE)</a:t>
-            </a:r>
-          </a:p>
-          <a:p>
-            <a:r>
-              <a:rPr lang="en-US" dirty="0"/>
-              <a:t>The r2 tells you how close the data fits to the regression line.  MSE is the squared average difference between the actual &amp; predicted values.</a:t>
-            </a:r>
-          </a:p>
-          <a:p>
-            <a:r>
-              <a:rPr lang="en-US" dirty="0"/>
-              <a:t>Based on the model,  it tells us that the time trends have the strong impact on the price.  The features have a moderate correlation to the price and the clustering have a fairly weak correlation</a:t>
-            </a:r>
-          </a:p>
-          <a:p>
-            <a:endParaRPr lang="en-US" dirty="0"/>
-          </a:p>
-          <a:p>
-            <a:endParaRPr lang="en-US" dirty="0"/>
+              <a:t>Some of the things we can do for the </a:t>
+            </a:r>
           </a:p>
           <a:p>
             <a:endParaRPr lang="en-US" dirty="0"/>
@@ -11280,10 +11304,10 @@
       </p:pic>
       <p:sp>
         <p:nvSpPr>
-          <p:cNvPr id="3" name="TextBox 2">
+          <p:cNvPr id="5" name="TextBox 4">
             <a:extLst>
               <a:ext uri="{FF2B5EF4-FFF2-40B4-BE49-F238E27FC236}">
-                <a16:creationId xmlns:a16="http://schemas.microsoft.com/office/drawing/2014/main" id="{6509C95F-3EE0-477E-9CEF-9C06E3B91B50}"/>
+                <a16:creationId xmlns:a16="http://schemas.microsoft.com/office/drawing/2014/main" id="{AED6EC35-49CD-4D66-8B90-E01C1AAC9741}"/>
               </a:ext>
             </a:extLst>
           </p:cNvPr>
@@ -11292,8 +11316,8 @@
         </p:nvSpPr>
         <p:spPr>
           <a:xfrm>
-            <a:off x="713984" y="5611660"/>
-            <a:ext cx="9557358" cy="369332"/>
+            <a:off x="1032212" y="5451611"/>
+            <a:ext cx="10127575" cy="830997"/>
           </a:xfrm>
           <a:prstGeom prst="rect">
             <a:avLst/>
@@ -11306,11 +11330,23 @@
           </a:bodyPr>
           <a:lstStyle/>
           <a:p>
-            <a:r>
-              <a:rPr lang="en-US" dirty="0"/>
-              <a:t>Room Types, location and accommodations are some of the most important features.</a:t>
-            </a:r>
-            <a:endParaRPr lang="en-CA" dirty="0"/>
+            <a:pPr marL="285750" indent="-285750">
+              <a:buFont typeface="Arial" panose="020B0604020202020204" pitchFamily="34" charset="0"/>
+              <a:buChar char="•"/>
+            </a:pPr>
+            <a:r>
+              <a:rPr lang="en-US" sz="2400" dirty="0"/>
+              <a:t>Both models have room types, </a:t>
+            </a:r>
+            <a:r>
+              <a:rPr lang="en-US" sz="2400" dirty="0" err="1"/>
+              <a:t>neighbourhoods</a:t>
+            </a:r>
+            <a:r>
+              <a:rPr lang="en-US" sz="2400" dirty="0"/>
+              <a:t> and bathroom as their most important feature</a:t>
+            </a:r>
+            <a:endParaRPr lang="en-CA" sz="2400" dirty="0"/>
           </a:p>
         </p:txBody>
       </p:sp>
@@ -11720,14 +11756,237 @@
         </p:blipFill>
         <p:spPr>
           <a:xfrm>
-            <a:off x="975854" y="2200729"/>
-            <a:ext cx="4916020" cy="3328158"/>
+            <a:off x="2436174" y="2022037"/>
+            <a:ext cx="6433505" cy="4355499"/>
           </a:xfrm>
           <a:prstGeom prst="rect">
             <a:avLst/>
           </a:prstGeom>
         </p:spPr>
       </p:pic>
+      <p:grpSp>
+        <p:nvGrpSpPr>
+          <p:cNvPr id="13" name="Group 12">
+            <a:extLst>
+              <a:ext uri="{FF2B5EF4-FFF2-40B4-BE49-F238E27FC236}">
+                <a16:creationId xmlns:a16="http://schemas.microsoft.com/office/drawing/2014/main" id="{344956B8-6D76-4CE2-AFCD-F5A689527030}"/>
+              </a:ext>
+            </a:extLst>
+          </p:cNvPr>
+          <p:cNvGrpSpPr/>
+          <p:nvPr/>
+        </p:nvGrpSpPr>
+        <p:grpSpPr>
+          <a:xfrm>
+            <a:off x="7428966" y="2336734"/>
+            <a:ext cx="1101632" cy="648603"/>
+            <a:chOff x="7667897" y="2879586"/>
+            <a:chExt cx="1101632" cy="648603"/>
+          </a:xfrm>
+        </p:grpSpPr>
+        <p:sp>
+          <p:nvSpPr>
+            <p:cNvPr id="3" name="Rectangle 2">
+              <a:extLst>
+                <a:ext uri="{FF2B5EF4-FFF2-40B4-BE49-F238E27FC236}">
+                  <a16:creationId xmlns:a16="http://schemas.microsoft.com/office/drawing/2014/main" id="{144B7AB6-DD5F-4BF4-9044-7582425F3DC9}"/>
+                </a:ext>
+              </a:extLst>
+            </p:cNvPr>
+            <p:cNvSpPr/>
+            <p:nvPr/>
+          </p:nvSpPr>
+          <p:spPr>
+            <a:xfrm>
+              <a:off x="7667897" y="2879586"/>
+              <a:ext cx="1092925" cy="549413"/>
+            </a:xfrm>
+            <a:prstGeom prst="rect">
+              <a:avLst/>
+            </a:prstGeom>
+            <a:noFill/>
+            <a:ln>
+              <a:solidFill>
+                <a:schemeClr val="tx1"/>
+              </a:solidFill>
+            </a:ln>
+          </p:spPr>
+          <p:style>
+            <a:lnRef idx="2">
+              <a:schemeClr val="accent1">
+                <a:shade val="50000"/>
+              </a:schemeClr>
+            </a:lnRef>
+            <a:fillRef idx="1">
+              <a:schemeClr val="accent1"/>
+            </a:fillRef>
+            <a:effectRef idx="0">
+              <a:schemeClr val="accent1"/>
+            </a:effectRef>
+            <a:fontRef idx="minor">
+              <a:schemeClr val="lt1"/>
+            </a:fontRef>
+          </p:style>
+          <p:txBody>
+            <a:bodyPr rtlCol="0" anchor="ctr"/>
+            <a:lstStyle/>
+            <a:p>
+              <a:pPr algn="ctr"/>
+              <a:endParaRPr lang="en-CA"/>
+            </a:p>
+          </p:txBody>
+        </p:sp>
+        <p:cxnSp>
+          <p:nvCxnSpPr>
+            <p:cNvPr id="8" name="Straight Connector 7">
+              <a:extLst>
+                <a:ext uri="{FF2B5EF4-FFF2-40B4-BE49-F238E27FC236}">
+                  <a16:creationId xmlns:a16="http://schemas.microsoft.com/office/drawing/2014/main" id="{EF104287-05E2-4FD5-8AF0-AF29C8F66375}"/>
+                </a:ext>
+              </a:extLst>
+            </p:cNvPr>
+            <p:cNvCxnSpPr>
+              <a:cxnSpLocks/>
+            </p:cNvCxnSpPr>
+            <p:nvPr/>
+          </p:nvCxnSpPr>
+          <p:spPr>
+            <a:xfrm>
+              <a:off x="7824651" y="3010392"/>
+              <a:ext cx="222069" cy="0"/>
+            </a:xfrm>
+            <a:prstGeom prst="line">
+              <a:avLst/>
+            </a:prstGeom>
+          </p:spPr>
+          <p:style>
+            <a:lnRef idx="1">
+              <a:schemeClr val="accent1"/>
+            </a:lnRef>
+            <a:fillRef idx="0">
+              <a:schemeClr val="accent1"/>
+            </a:fillRef>
+            <a:effectRef idx="0">
+              <a:schemeClr val="accent1"/>
+            </a:effectRef>
+            <a:fontRef idx="minor">
+              <a:schemeClr val="tx1"/>
+            </a:fontRef>
+          </p:style>
+        </p:cxnSp>
+        <p:cxnSp>
+          <p:nvCxnSpPr>
+            <p:cNvPr id="11" name="Straight Connector 10">
+              <a:extLst>
+                <a:ext uri="{FF2B5EF4-FFF2-40B4-BE49-F238E27FC236}">
+                  <a16:creationId xmlns:a16="http://schemas.microsoft.com/office/drawing/2014/main" id="{DA62CF52-91A4-4395-BE04-E71D8017740B}"/>
+                </a:ext>
+              </a:extLst>
+            </p:cNvPr>
+            <p:cNvCxnSpPr>
+              <a:cxnSpLocks/>
+            </p:cNvCxnSpPr>
+            <p:nvPr/>
+          </p:nvCxnSpPr>
+          <p:spPr>
+            <a:xfrm>
+              <a:off x="7820295" y="3228107"/>
+              <a:ext cx="222069" cy="0"/>
+            </a:xfrm>
+            <a:prstGeom prst="line">
+              <a:avLst/>
+            </a:prstGeom>
+          </p:spPr>
+          <p:style>
+            <a:lnRef idx="1">
+              <a:schemeClr val="accent4"/>
+            </a:lnRef>
+            <a:fillRef idx="0">
+              <a:schemeClr val="accent4"/>
+            </a:fillRef>
+            <a:effectRef idx="0">
+              <a:schemeClr val="accent4"/>
+            </a:effectRef>
+            <a:fontRef idx="minor">
+              <a:schemeClr val="tx1"/>
+            </a:fontRef>
+          </p:style>
+        </p:cxnSp>
+        <p:sp>
+          <p:nvSpPr>
+            <p:cNvPr id="12" name="TextBox 11">
+              <a:extLst>
+                <a:ext uri="{FF2B5EF4-FFF2-40B4-BE49-F238E27FC236}">
+                  <a16:creationId xmlns:a16="http://schemas.microsoft.com/office/drawing/2014/main" id="{FE8965F3-04B9-461B-A3F2-EB602D79D0B6}"/>
+                </a:ext>
+              </a:extLst>
+            </p:cNvPr>
+            <p:cNvSpPr txBox="1"/>
+            <p:nvPr/>
+          </p:nvSpPr>
+          <p:spPr>
+            <a:xfrm>
+              <a:off x="8068489" y="2879587"/>
+              <a:ext cx="692333" cy="261610"/>
+            </a:xfrm>
+            <a:prstGeom prst="rect">
+              <a:avLst/>
+            </a:prstGeom>
+            <a:noFill/>
+          </p:spPr>
+          <p:txBody>
+            <a:bodyPr wrap="square" rtlCol="0">
+              <a:spAutoFit/>
+            </a:bodyPr>
+            <a:lstStyle/>
+            <a:p>
+              <a:r>
+                <a:rPr lang="en-US" sz="1100" dirty="0"/>
+                <a:t>training</a:t>
+              </a:r>
+              <a:endParaRPr lang="en-CA" sz="1100" dirty="0"/>
+            </a:p>
+          </p:txBody>
+        </p:sp>
+        <p:sp>
+          <p:nvSpPr>
+            <p:cNvPr id="14" name="TextBox 13">
+              <a:extLst>
+                <a:ext uri="{FF2B5EF4-FFF2-40B4-BE49-F238E27FC236}">
+                  <a16:creationId xmlns:a16="http://schemas.microsoft.com/office/drawing/2014/main" id="{E931492B-C54F-49B0-9DF3-F0BBBEAFBE3B}"/>
+                </a:ext>
+              </a:extLst>
+            </p:cNvPr>
+            <p:cNvSpPr txBox="1"/>
+            <p:nvPr/>
+          </p:nvSpPr>
+          <p:spPr>
+            <a:xfrm>
+              <a:off x="8077196" y="3097302"/>
+              <a:ext cx="692333" cy="430887"/>
+            </a:xfrm>
+            <a:prstGeom prst="rect">
+              <a:avLst/>
+            </a:prstGeom>
+            <a:noFill/>
+          </p:spPr>
+          <p:txBody>
+            <a:bodyPr wrap="square" rtlCol="0">
+              <a:spAutoFit/>
+            </a:bodyPr>
+            <a:lstStyle/>
+            <a:p>
+              <a:r>
+                <a:rPr lang="en-US" sz="1100" dirty="0"/>
+                <a:t>testing</a:t>
+              </a:r>
+            </a:p>
+            <a:p>
+              <a:endParaRPr lang="en-CA" sz="1100" dirty="0"/>
+            </a:p>
+          </p:txBody>
+        </p:sp>
+      </p:grpSp>
     </p:spTree>
     <p:extLst>
       <p:ext uri="{BB962C8B-B14F-4D97-AF65-F5344CB8AC3E}">
@@ -13451,7 +13710,7 @@
                   <a:srgbClr val="EA5E46"/>
                 </a:solidFill>
               </a:rPr>
-              <a:t>Pricing Considerations for NYC Airbnb Hosts</a:t>
+              <a:t>Recommendations for NYC Airbnb Hosts</a:t>
             </a:r>
           </a:p>
         </p:txBody>
@@ -13560,8 +13819,8 @@
         </p:nvSpPr>
         <p:spPr>
           <a:xfrm>
-            <a:off x="4863103" y="2023108"/>
-            <a:ext cx="6233358" cy="4801314"/>
+            <a:off x="4967170" y="1803108"/>
+            <a:ext cx="6233358" cy="5078313"/>
           </a:xfrm>
           <a:prstGeom prst="rect">
             <a:avLst/>
@@ -13580,20 +13839,7 @@
             </a:pPr>
             <a:r>
               <a:rPr lang="en-CA" dirty="0"/>
-              <a:t>Maximize revenue by increasing rates during normal and long weekends, summer months, and holidays like Christmas.</a:t>
-            </a:r>
-          </a:p>
-          <a:p>
-            <a:endParaRPr lang="en-CA" dirty="0"/>
-          </a:p>
-          <a:p>
-            <a:pPr marL="285750" indent="-285750">
-              <a:buFont typeface="Arial" panose="020B0604020202020204" pitchFamily="34" charset="0"/>
-              <a:buChar char="•"/>
-            </a:pPr>
-            <a:r>
-              <a:rPr lang="en-CA" dirty="0"/>
-              <a:t>Rates in boroughs like Manhattan and Brooklyn have the higher rates as it is the central part of New York City.</a:t>
+              <a:t>Manhattan and Brooklyn have the higher rates as it is the central part of New York City.</a:t>
             </a:r>
           </a:p>
           <a:p>
@@ -13610,7 +13856,7 @@
             </a:pPr>
             <a:r>
               <a:rPr lang="en-CA" dirty="0"/>
-              <a:t>Do extensive research on how neighbours price their units based on the size of the unit.</a:t>
+              <a:t>Benchmark against neighbouring units based on room type and size.</a:t>
             </a:r>
           </a:p>
           <a:p>
@@ -13627,6 +13873,19 @@
             </a:pPr>
             <a:r>
               <a:rPr lang="en-CA" dirty="0"/>
+              <a:t>Maximize revenue by increasing rates during normal and long weekends, summer months, and holidays like Christmas.</a:t>
+            </a:r>
+          </a:p>
+          <a:p>
+            <a:endParaRPr lang="en-CA" dirty="0"/>
+          </a:p>
+          <a:p>
+            <a:pPr marL="285750" indent="-285750">
+              <a:buFont typeface="Arial" panose="020B0604020202020204" pitchFamily="34" charset="0"/>
+              <a:buChar char="•"/>
+            </a:pPr>
+            <a:r>
+              <a:rPr lang="en-CA" dirty="0"/>
               <a:t>Prices increase by providing more accommodation features like bedrooms &amp; bathrooms.</a:t>
             </a:r>
           </a:p>
@@ -13644,7 +13903,7 @@
             </a:pPr>
             <a:r>
               <a:rPr lang="en-CA" dirty="0"/>
-              <a:t>Prices do have a slight increase by providing more amenities.</a:t>
+              <a:t>Providing more amenities provides some help to charge more on the unit.</a:t>
             </a:r>
           </a:p>
           <a:p>
@@ -13661,7 +13920,7 @@
             </a:pPr>
             <a:r>
               <a:rPr lang="en-CA" dirty="0"/>
-              <a:t>Beware of major news events or pandemic crisis that may decrease occupancy rates dramatically.</a:t>
+              <a:t>Unlikely events like the pandemic and terrorist attacks have significant impacts on price decrease.</a:t>
             </a:r>
           </a:p>
           <a:p>
@@ -13692,7 +13951,7 @@
         <p:spPr>
           <a:xfrm>
             <a:off x="991472" y="2097432"/>
-            <a:ext cx="3578153" cy="3578153"/>
+            <a:ext cx="3806974" cy="3806974"/>
           </a:xfrm>
           <a:prstGeom prst="rect">
             <a:avLst/>
@@ -14779,7 +15038,7 @@
                   <a:srgbClr val="EA5E46"/>
                 </a:solidFill>
               </a:rPr>
-              <a:t>Looking into the Future</a:t>
+              <a:t>Next Steps</a:t>
             </a:r>
           </a:p>
         </p:txBody>
@@ -14889,7 +15148,7 @@
         <p:spPr>
           <a:xfrm>
             <a:off x="975854" y="1971224"/>
-            <a:ext cx="5399079" cy="5078313"/>
+            <a:ext cx="5399079" cy="4524315"/>
           </a:xfrm>
           <a:prstGeom prst="rect">
             <a:avLst/>
@@ -14946,24 +15205,7 @@
             </a:pPr>
             <a:r>
               <a:rPr lang="en-US" dirty="0"/>
-              <a:t>Explore other Regressor Models </a:t>
-            </a:r>
-          </a:p>
-          <a:p>
-            <a:endParaRPr lang="en-US" dirty="0"/>
-          </a:p>
-          <a:p>
-            <a:pPr marL="285750" indent="-285750">
-              <a:buFont typeface="Arial" panose="020B0604020202020204" pitchFamily="34" charset="0"/>
-              <a:buChar char="•"/>
-            </a:pPr>
-            <a:r>
-              <a:rPr lang="en-US" dirty="0" err="1"/>
-              <a:t>Webscrape</a:t>
-            </a:r>
-            <a:r>
-              <a:rPr lang="en-US" dirty="0"/>
-              <a:t> New York City news info and include in Dashboard</a:t>
+              <a:t>Search for special events in New York city to predict Airbnb prices.</a:t>
             </a:r>
           </a:p>
           <a:p>

--- a/Airbnb Price Predictions (Model).pptx
+++ b/Airbnb Price Predictions (Model).pptx
@@ -12,25 +12,25 @@
     <p:sldId id="320" r:id="rId3"/>
     <p:sldId id="321" r:id="rId4"/>
     <p:sldId id="315" r:id="rId5"/>
-    <p:sldId id="324" r:id="rId6"/>
-    <p:sldId id="308" r:id="rId7"/>
-    <p:sldId id="296" r:id="rId8"/>
-    <p:sldId id="300" r:id="rId9"/>
-    <p:sldId id="298" r:id="rId10"/>
-    <p:sldId id="307" r:id="rId11"/>
-    <p:sldId id="306" r:id="rId12"/>
-    <p:sldId id="325" r:id="rId13"/>
-    <p:sldId id="280" r:id="rId14"/>
-    <p:sldId id="304" r:id="rId15"/>
-    <p:sldId id="311" r:id="rId16"/>
-    <p:sldId id="310" r:id="rId17"/>
-    <p:sldId id="312" r:id="rId18"/>
-    <p:sldId id="314" r:id="rId19"/>
-    <p:sldId id="313" r:id="rId20"/>
-    <p:sldId id="319" r:id="rId21"/>
-    <p:sldId id="309" r:id="rId22"/>
-    <p:sldId id="316" r:id="rId23"/>
-    <p:sldId id="318" r:id="rId24"/>
+    <p:sldId id="326" r:id="rId6"/>
+    <p:sldId id="324" r:id="rId7"/>
+    <p:sldId id="308" r:id="rId8"/>
+    <p:sldId id="296" r:id="rId9"/>
+    <p:sldId id="300" r:id="rId10"/>
+    <p:sldId id="298" r:id="rId11"/>
+    <p:sldId id="307" r:id="rId12"/>
+    <p:sldId id="306" r:id="rId13"/>
+    <p:sldId id="325" r:id="rId14"/>
+    <p:sldId id="280" r:id="rId15"/>
+    <p:sldId id="304" r:id="rId16"/>
+    <p:sldId id="311" r:id="rId17"/>
+    <p:sldId id="310" r:id="rId18"/>
+    <p:sldId id="312" r:id="rId19"/>
+    <p:sldId id="314" r:id="rId20"/>
+    <p:sldId id="313" r:id="rId21"/>
+    <p:sldId id="319" r:id="rId22"/>
+    <p:sldId id="309" r:id="rId23"/>
+    <p:sldId id="316" r:id="rId24"/>
     <p:sldId id="317" r:id="rId25"/>
   </p:sldIdLst>
   <p:sldSz cx="12192000" cy="6858000"/>
@@ -629,47 +629,24 @@
           <a:p>
             <a:r>
               <a:rPr lang="en-US" dirty="0"/>
-              <a:t>For the </a:t>
+              <a:t>To get the best selection of listings that best represents NYC’s Airbnb market, outliers are filtered out by only keeping the </a:t>
             </a:r>
             <a:r>
               <a:rPr lang="en-US" dirty="0" err="1"/>
-              <a:t>facebook</a:t>
+              <a:t>neighbourhoods</a:t>
             </a:r>
             <a:r>
               <a:rPr lang="en-US" dirty="0"/>
-              <a:t> prophet model, another dataset needs to be created because the model has a different methodology than the previous models/</a:t>
-            </a:r>
+              <a:t> with over 100 listings &amp; the listing prices that are under $600.</a:t>
+            </a:r>
+          </a:p>
+          <a:p>
+            <a:endParaRPr lang="en-US" dirty="0"/>
           </a:p>
           <a:p>
             <a:r>
               <a:rPr lang="en-US" dirty="0"/>
-              <a:t>We used our existing data to find the listings masters data to get the borough and room type.  </a:t>
-            </a:r>
-          </a:p>
-          <a:p>
-            <a:r>
-              <a:rPr lang="en-US" dirty="0"/>
-              <a:t>Then we need to created new datasets to find all the </a:t>
-            </a:r>
-            <a:r>
-              <a:rPr lang="en-US" dirty="0" err="1"/>
-              <a:t>historial</a:t>
-            </a:r>
-            <a:r>
-              <a:rPr lang="en-US" dirty="0"/>
-              <a:t> rates &amp; holiday dates from 2017-2021.  All this information is found on the inside Airbnb &amp; us holiday calendar website. </a:t>
-            </a:r>
-          </a:p>
-          <a:p>
-            <a:r>
-              <a:rPr lang="en-US" dirty="0"/>
-              <a:t>Various methods like concatenation, filtering, merging, renaming columns and calculating the mean prices were used in Pandas to get our Final output</a:t>
-            </a:r>
-          </a:p>
-          <a:p>
-            <a:r>
-              <a:rPr lang="en-US" dirty="0"/>
-              <a:t>We believe that putting all f this together can help us accurately predict prices based on location, size, accommodation features,  trends and seasonality.</a:t>
+              <a:t>From the right side of the slide, you can tell the data is less skewed.</a:t>
             </a:r>
           </a:p>
         </p:txBody>
@@ -700,7 +677,7 @@
     </p:spTree>
     <p:extLst>
       <p:ext uri="{BB962C8B-B14F-4D97-AF65-F5344CB8AC3E}">
-        <p14:creationId xmlns:p14="http://schemas.microsoft.com/office/powerpoint/2010/main" val="3798830468"/>
+        <p14:creationId xmlns:p14="http://schemas.microsoft.com/office/powerpoint/2010/main" val="1272532608"/>
       </p:ext>
     </p:extLst>
   </p:cSld>
@@ -756,34 +733,47 @@
           <a:p>
             <a:r>
               <a:rPr lang="en-US" dirty="0"/>
-              <a:t>The next step is that we need to select the features that are related to price.  We collectively agreed that features like location, the room type, # of bedrooms/bathrooms, amenities count review scores, # of reviews are some of the major driving force that impacts what the hosts charge for their Airbnb.  Columns like Airbnb listings id are taken out because they do not have any correlation to the price.</a:t>
-            </a:r>
-          </a:p>
-          <a:p>
-            <a:endParaRPr lang="en-US" dirty="0"/>
-          </a:p>
-          <a:p>
+              <a:t>For the </a:t>
+            </a:r>
+            <a:r>
+              <a:rPr lang="en-US" dirty="0" err="1"/>
+              <a:t>facebook</a:t>
+            </a:r>
             <a:r>
               <a:rPr lang="en-US" dirty="0"/>
-              <a:t>Then we increased the dataset size by 10% so that more listing simples can be tested to increase the accuracy of the test scores.</a:t>
-            </a:r>
-          </a:p>
-          <a:p>
-            <a:endParaRPr lang="en-US" dirty="0"/>
+              <a:t> prophet model, another dataset needs to be created because the model has a different methodology than the previous models/</a:t>
+            </a:r>
           </a:p>
           <a:p>
             <a:r>
               <a:rPr lang="en-US" dirty="0"/>
-              <a:t>We must ensure that all x-values are scaled to the same unit so that the model won’t produce the wrong scores.</a:t>
-            </a:r>
-          </a:p>
-          <a:p>
-            <a:endParaRPr lang="en-US" dirty="0"/>
+              <a:t>We used our existing data to find the listings masters data to get the borough and room type.  </a:t>
+            </a:r>
           </a:p>
           <a:p>
             <a:r>
               <a:rPr lang="en-US" dirty="0"/>
-              <a:t>As for the prophet model, we added the holiday feature, borough and room type info form the original code  so that the model can predict the prices based on these criteria.</a:t>
+              <a:t>Then we need to created new datasets to find all the </a:t>
+            </a:r>
+            <a:r>
+              <a:rPr lang="en-US" dirty="0" err="1"/>
+              <a:t>historial</a:t>
+            </a:r>
+            <a:r>
+              <a:rPr lang="en-US" dirty="0"/>
+              <a:t> rates &amp; holiday dates from 2017-2021.  All this information is found on the inside Airbnb &amp; us holiday calendar website. </a:t>
+            </a:r>
+          </a:p>
+          <a:p>
+            <a:r>
+              <a:rPr lang="en-US" dirty="0"/>
+              <a:t>Various methods like concatenation, filtering, merging, renaming columns and calculating the mean prices were used in Pandas to get our Final output</a:t>
+            </a:r>
+          </a:p>
+          <a:p>
+            <a:r>
+              <a:rPr lang="en-US" dirty="0"/>
+              <a:t>We believe that putting all f this together can help us accurately predict prices based on location, size, accommodation features,  trends and seasonality.</a:t>
             </a:r>
           </a:p>
         </p:txBody>
@@ -814,7 +804,7 @@
     </p:spTree>
     <p:extLst>
       <p:ext uri="{BB962C8B-B14F-4D97-AF65-F5344CB8AC3E}">
-        <p14:creationId xmlns:p14="http://schemas.microsoft.com/office/powerpoint/2010/main" val="3299870767"/>
+        <p14:creationId xmlns:p14="http://schemas.microsoft.com/office/powerpoint/2010/main" val="3798830468"/>
       </p:ext>
     </p:extLst>
   </p:cSld>
@@ -870,25 +860,35 @@
           <a:p>
             <a:r>
               <a:rPr lang="en-US" dirty="0"/>
-              <a:t>The we fit the X &amp; y data to run the model.  Then we found the coefficient correlation score to see how the data fits in the best fit line.</a:t>
-            </a:r>
+              <a:t>The next step is that we need to select the features that are related to price.  We collectively agreed that features like location, the room type, # of bedrooms/bathrooms, amenities count review scores, # of reviews are some of the major driving force that impacts what the hosts charge for their Airbnb.  Columns like Airbnb listings id are taken out because they do not have any correlation to the price.</a:t>
+            </a:r>
+          </a:p>
+          <a:p>
+            <a:endParaRPr lang="en-US" dirty="0"/>
           </a:p>
           <a:p>
             <a:r>
               <a:rPr lang="en-US" dirty="0"/>
-              <a:t>Also we calculated the mean squared error, this is just the squared difference of the actual and predicted prices.  If these values did not produce the correct score, we did some </a:t>
-            </a:r>
-            <a:r>
-              <a:rPr lang="en-US" dirty="0" err="1"/>
-              <a:t>hyperparmeter</a:t>
-            </a:r>
+              <a:t>Then we increased the dataset size by 10% so that more listing simples can be tested to increase the accuracy of the test scores.</a:t>
+            </a:r>
+          </a:p>
+          <a:p>
+            <a:endParaRPr lang="en-US" dirty="0"/>
+          </a:p>
+          <a:p>
             <a:r>
               <a:rPr lang="en-US" dirty="0"/>
-              <a:t> tuning to improve the scores of the model.</a:t>
+              <a:t>We must ensure that all x-values are scaled to the same unit so that the model won’t produce the wrong scores.</a:t>
             </a:r>
           </a:p>
           <a:p>
             <a:endParaRPr lang="en-US" dirty="0"/>
+          </a:p>
+          <a:p>
+            <a:r>
+              <a:rPr lang="en-US" dirty="0"/>
+              <a:t>As for the prophet model, we added the holiday feature, borough and room type info form the original code  so that the model can predict the prices based on these criteria.</a:t>
+            </a:r>
           </a:p>
         </p:txBody>
       </p:sp>
@@ -918,7 +918,7 @@
     </p:spTree>
     <p:extLst>
       <p:ext uri="{BB962C8B-B14F-4D97-AF65-F5344CB8AC3E}">
-        <p14:creationId xmlns:p14="http://schemas.microsoft.com/office/powerpoint/2010/main" val="2903025816"/>
+        <p14:creationId xmlns:p14="http://schemas.microsoft.com/office/powerpoint/2010/main" val="3299870767"/>
       </p:ext>
     </p:extLst>
   </p:cSld>
@@ -974,19 +974,21 @@
           <a:p>
             <a:r>
               <a:rPr lang="en-US" dirty="0"/>
-              <a:t>To build an Airbnb Price Predictor application, we used the Random Forest &amp; LGBM Regressor methods to determine which feature is important when price an Airbnb unit.</a:t>
+              <a:t>The we fit the X &amp; y data to run the model.  Then we found the coefficient correlation score to see how the data fits in the best fit line.</a:t>
             </a:r>
           </a:p>
           <a:p>
             <a:r>
               <a:rPr lang="en-US" dirty="0"/>
-              <a:t>Then we use the KNN Regressor to see how the price is affected with having listings close to your area.</a:t>
-            </a:r>
-          </a:p>
-          <a:p>
+              <a:t>Also we calculated the mean squared error, this is just the squared difference of the actual and predicted prices.  If these values did not produce the correct score, we did some </a:t>
+            </a:r>
+            <a:r>
+              <a:rPr lang="en-US" dirty="0" err="1"/>
+              <a:t>hyperparmeter</a:t>
+            </a:r>
             <a:r>
               <a:rPr lang="en-US" dirty="0"/>
-              <a:t>Finally, we used the Facebook Prophet to how prices are affected by time &amp; seasonality to predict Airbnb future prices.</a:t>
+              <a:t> tuning to improve the scores of the model.</a:t>
             </a:r>
           </a:p>
           <a:p>
@@ -1020,7 +1022,7 @@
     </p:spTree>
     <p:extLst>
       <p:ext uri="{BB962C8B-B14F-4D97-AF65-F5344CB8AC3E}">
-        <p14:creationId xmlns:p14="http://schemas.microsoft.com/office/powerpoint/2010/main" val="1301000147"/>
+        <p14:creationId xmlns:p14="http://schemas.microsoft.com/office/powerpoint/2010/main" val="2903025816"/>
       </p:ext>
     </p:extLst>
   </p:cSld>
@@ -1076,65 +1078,19 @@
           <a:p>
             <a:r>
               <a:rPr lang="en-US" dirty="0"/>
-              <a:t>After we ran the model, it displays the following results.</a:t>
+              <a:t>To build an Airbnb Price Predictor App, we used the Random Forest &amp; LGBM Regressor methods to determine which features are important when pricing an Airbnb unit.</a:t>
             </a:r>
           </a:p>
           <a:p>
             <a:r>
               <a:rPr lang="en-US" dirty="0"/>
-              <a:t>The table shows the r2 &amp; </a:t>
-            </a:r>
-            <a:r>
-              <a:rPr lang="en-US" dirty="0" err="1"/>
-              <a:t>mse</a:t>
-            </a:r>
+              <a:t>Then we used the KNN Regressor Model to see how the price is affected with having listings close to your area.</a:t>
+            </a:r>
+          </a:p>
+          <a:p>
             <a:r>
               <a:rPr lang="en-US" dirty="0"/>
-              <a:t> scores for all models.  I have put down which factors the different models look at in brackets.</a:t>
-            </a:r>
-          </a:p>
-          <a:p>
-            <a:endParaRPr lang="en-US" dirty="0"/>
-          </a:p>
-          <a:p>
-            <a:r>
-              <a:rPr lang="en-US" dirty="0"/>
-              <a:t>Looking at the results, KNN has the lowest scores in both the correlation and mean squared error.  Probably the model only looks at what the closest </a:t>
-            </a:r>
-            <a:r>
-              <a:rPr lang="en-US" dirty="0" err="1"/>
-              <a:t>neighbour</a:t>
-            </a:r>
-            <a:r>
-              <a:rPr lang="en-US" dirty="0"/>
-              <a:t> has without looking too much into the different features.</a:t>
-            </a:r>
-          </a:p>
-          <a:p>
-            <a:endParaRPr lang="en-US" dirty="0"/>
-          </a:p>
-          <a:p>
-            <a:r>
-              <a:rPr lang="en-US" dirty="0"/>
-              <a:t>So the hosts will need to look at the room type, amenities, and accommodation features to scale their rates accordingly.</a:t>
-            </a:r>
-          </a:p>
-          <a:p>
-            <a:endParaRPr lang="en-US" dirty="0"/>
-          </a:p>
-          <a:p>
-            <a:r>
-              <a:rPr lang="en-US" dirty="0"/>
-              <a:t>Finally, the hosts can maximize their revenue by looking at the traveling demands during different times of the year.  For example, rates can be priced higher during the weekends, summer months, and on major holidays like Christmas.</a:t>
-            </a:r>
-          </a:p>
-          <a:p>
-            <a:endParaRPr lang="en-US" dirty="0"/>
-          </a:p>
-          <a:p>
-            <a:r>
-              <a:rPr lang="en-US" dirty="0"/>
-              <a:t>The next slide will show the result breakdown of the Airbnb pricing model.</a:t>
+              <a:t>Finally, we used the Facebook Prophet Model to see how prices change during different times of the year.</a:t>
             </a:r>
           </a:p>
         </p:txBody>
@@ -1165,7 +1121,7 @@
     </p:spTree>
     <p:extLst>
       <p:ext uri="{BB962C8B-B14F-4D97-AF65-F5344CB8AC3E}">
-        <p14:creationId xmlns:p14="http://schemas.microsoft.com/office/powerpoint/2010/main" val="4084500735"/>
+        <p14:creationId xmlns:p14="http://schemas.microsoft.com/office/powerpoint/2010/main" val="1301000147"/>
       </p:ext>
     </p:extLst>
   </p:cSld>
@@ -1221,33 +1177,66 @@
           <a:p>
             <a:r>
               <a:rPr lang="en-US" dirty="0"/>
-              <a:t>In this slide we look at the price correlation versus the accommodations and amenities. the yellow box here shows the price correlation to the accommodations and amenities.</a:t>
+              <a:t>After we ran the model, it displays the following results.</a:t>
             </a:r>
           </a:p>
           <a:p>
             <a:r>
               <a:rPr lang="en-US" dirty="0"/>
-              <a:t>On the right side of the slide, we listed the top 5 features that have the most impact on the price. </a:t>
-            </a:r>
-          </a:p>
-          <a:p>
+              <a:t>The table shows the r squared &amp; </a:t>
+            </a:r>
+            <a:r>
+              <a:rPr lang="en-US" dirty="0" err="1"/>
+              <a:t>mse</a:t>
+            </a:r>
             <a:r>
               <a:rPr lang="en-US" dirty="0"/>
-              <a:t>Just by looking figures, the heatmap implies that size and basic accommodations have a moderate impact on the prices.  Having more amenities like washer and air conditioning are nice to have features that can help increase the rates.</a:t>
-            </a:r>
-          </a:p>
-          <a:p>
-            <a:r>
-              <a:rPr lang="en-US" b="0" i="0" dirty="0">
-                <a:solidFill>
-                  <a:srgbClr val="292929"/>
-                </a:solidFill>
-                <a:effectLst/>
-                <a:latin typeface="charter"/>
-              </a:rPr>
-              <a:t>  </a:t>
-            </a:r>
+              <a:t> scores for all models.  I have put down which factors the different models look at in brackets.</a:t>
+            </a:r>
+          </a:p>
+          <a:p>
             <a:endParaRPr lang="en-US" dirty="0"/>
+          </a:p>
+          <a:p>
+            <a:r>
+              <a:rPr lang="en-US" dirty="0"/>
+              <a:t>Looking at the results, KNN has the lowest scores in both the correlation and mean squared error.  Probably the model only looks at the price of the closest </a:t>
+            </a:r>
+            <a:r>
+              <a:rPr lang="en-US" dirty="0" err="1"/>
+              <a:t>neighbour</a:t>
+            </a:r>
+            <a:r>
+              <a:rPr lang="en-US" dirty="0"/>
+              <a:t> without looking too much into the other features.</a:t>
+            </a:r>
+          </a:p>
+          <a:p>
+            <a:endParaRPr lang="en-US" dirty="0"/>
+          </a:p>
+          <a:p>
+            <a:r>
+              <a:rPr lang="en-US" dirty="0"/>
+              <a:t>So besides the location,  the hosts will need to look at the room type, amenities, and accommodation features to scale their rates accordingly.</a:t>
+            </a:r>
+          </a:p>
+          <a:p>
+            <a:endParaRPr lang="en-US" dirty="0"/>
+          </a:p>
+          <a:p>
+            <a:r>
+              <a:rPr lang="en-US" dirty="0"/>
+              <a:t>Finally, the hosts can maximize their revenue by looking at the traveling demands during different times of the year.  For example, rates can be priced higher during peak times like weekends, summer months, and on major holidays like Christmas.</a:t>
+            </a:r>
+          </a:p>
+          <a:p>
+            <a:endParaRPr lang="en-US" dirty="0"/>
+          </a:p>
+          <a:p>
+            <a:r>
+              <a:rPr lang="en-US" dirty="0"/>
+              <a:t>The next slide will show the result breakdown of the Airbnb pricing model.</a:t>
+            </a:r>
           </a:p>
         </p:txBody>
       </p:sp>
@@ -1277,7 +1266,7 @@
     </p:spTree>
     <p:extLst>
       <p:ext uri="{BB962C8B-B14F-4D97-AF65-F5344CB8AC3E}">
-        <p14:creationId xmlns:p14="http://schemas.microsoft.com/office/powerpoint/2010/main" val="771449764"/>
+        <p14:creationId xmlns:p14="http://schemas.microsoft.com/office/powerpoint/2010/main" val="4084500735"/>
       </p:ext>
     </p:extLst>
   </p:cSld>
@@ -1333,47 +1322,32 @@
           <a:p>
             <a:r>
               <a:rPr lang="en-US" dirty="0"/>
-              <a:t>After running the random forest and LGBM Regressor models, we got the 5 most important features.</a:t>
+              <a:t>In this slide we look at the price correlation versus the accommodations and amenities. the yellow box here shows the price correlation to the accommodations and amenities.</a:t>
             </a:r>
           </a:p>
           <a:p>
             <a:r>
               <a:rPr lang="en-US" dirty="0"/>
-              <a:t>Both models show that the most important features </a:t>
-            </a:r>
-            <a:r>
-              <a:rPr lang="en-US" dirty="0" err="1"/>
-              <a:t>areroom</a:t>
-            </a:r>
+              <a:t>On the right side of the slide, we listed the top 5 features that have the most impact on the price. </a:t>
+            </a:r>
+          </a:p>
+          <a:p>
             <a:r>
               <a:rPr lang="en-US" dirty="0"/>
-              <a:t> type, the </a:t>
-            </a:r>
-            <a:r>
-              <a:rPr lang="en-US" dirty="0" err="1"/>
-              <a:t>neighbourhood</a:t>
-            </a:r>
-            <a:r>
-              <a:rPr lang="en-US" dirty="0"/>
-              <a:t> and the # of bathrooms the unit has.  </a:t>
-            </a:r>
-          </a:p>
-          <a:p>
-            <a:r>
-              <a:rPr lang="en-US" dirty="0"/>
-              <a:t>Once again, size &amp; accommodation requirements are the major forces of determining the prices.  Another implication from this model tells us that where the listing is located is also very important</a:t>
-            </a:r>
-          </a:p>
-          <a:p>
-            <a:endParaRPr lang="en-US" dirty="0"/>
-          </a:p>
-          <a:p>
-            <a:endParaRPr lang="en-US" dirty="0"/>
-          </a:p>
-          <a:p>
-            <a:endParaRPr lang="en-US" dirty="0"/>
-          </a:p>
-          <a:p>
+              <a:t>Just by looking figures, the heatmap implies that size and basic accommodations have a moderate impact on the prices.  Having more amenities like washer and air conditioning are nice to have features that can help increase the rates.</a:t>
+            </a:r>
+          </a:p>
+          <a:p>
+            <a:r>
+              <a:rPr lang="en-US" b="0" i="0" dirty="0">
+                <a:solidFill>
+                  <a:srgbClr val="292929"/>
+                </a:solidFill>
+                <a:effectLst/>
+                <a:latin typeface="charter"/>
+              </a:rPr>
+              <a:t>  </a:t>
+            </a:r>
             <a:endParaRPr lang="en-US" dirty="0"/>
           </a:p>
         </p:txBody>
@@ -1404,7 +1378,7 @@
     </p:spTree>
     <p:extLst>
       <p:ext uri="{BB962C8B-B14F-4D97-AF65-F5344CB8AC3E}">
-        <p14:creationId xmlns:p14="http://schemas.microsoft.com/office/powerpoint/2010/main" val="1755046140"/>
+        <p14:creationId xmlns:p14="http://schemas.microsoft.com/office/powerpoint/2010/main" val="771449764"/>
       </p:ext>
     </p:extLst>
   </p:cSld>
@@ -1460,24 +1434,21 @@
           <a:p>
             <a:r>
               <a:rPr lang="en-US" dirty="0"/>
-              <a:t>Since location is one of the stronger components based on the RF &amp; LGBM model, we wanted to use the KNN model to determine how effective it is with averaging the price of your model to your nearest </a:t>
+              <a:t>After running the random forest and LGBM Regressor models, we got the 5 most important features.</a:t>
+            </a:r>
+          </a:p>
+          <a:p>
+            <a:r>
+              <a:rPr lang="en-US" dirty="0"/>
+              <a:t>Both models show that the most important features </a:t>
             </a:r>
             <a:r>
               <a:rPr lang="en-US" dirty="0" err="1"/>
-              <a:t>neighbour</a:t>
+              <a:t>areroom</a:t>
             </a:r>
             <a:r>
               <a:rPr lang="en-US" dirty="0"/>
-              <a:t>.  </a:t>
-            </a:r>
-          </a:p>
-          <a:p>
-            <a:endParaRPr lang="en-US" dirty="0"/>
-          </a:p>
-          <a:p>
-            <a:r>
-              <a:rPr lang="en-US" dirty="0"/>
-              <a:t>As you can see in this graph, the model score is quite low.  This may potentially be since NYC is a large city that offers various units in different room types in just one </a:t>
+              <a:t> type, the </a:t>
             </a:r>
             <a:r>
               <a:rPr lang="en-US" dirty="0" err="1"/>
@@ -1485,8 +1456,23 @@
             </a:r>
             <a:r>
               <a:rPr lang="en-US" dirty="0"/>
-              <a:t>.  As you know the price range is quite large between an entire home vs a shared room.  So when the host price their units, they can’t just factor in their location, they need to look also into the accommodation and the size of their units.</a:t>
-            </a:r>
+              <a:t> and the # of bathrooms the unit has.  </a:t>
+            </a:r>
+          </a:p>
+          <a:p>
+            <a:r>
+              <a:rPr lang="en-US" dirty="0"/>
+              <a:t>Once again, size &amp; accommodation requirements are the major forces of determining the prices.  Another implication from this model tells us that where the listing is located is also very important</a:t>
+            </a:r>
+          </a:p>
+          <a:p>
+            <a:endParaRPr lang="en-US" dirty="0"/>
+          </a:p>
+          <a:p>
+            <a:endParaRPr lang="en-US" dirty="0"/>
+          </a:p>
+          <a:p>
+            <a:endParaRPr lang="en-US" dirty="0"/>
           </a:p>
           <a:p>
             <a:endParaRPr lang="en-US" dirty="0"/>
@@ -1519,7 +1505,7 @@
     </p:spTree>
     <p:extLst>
       <p:ext uri="{BB962C8B-B14F-4D97-AF65-F5344CB8AC3E}">
-        <p14:creationId xmlns:p14="http://schemas.microsoft.com/office/powerpoint/2010/main" val="733089083"/>
+        <p14:creationId xmlns:p14="http://schemas.microsoft.com/office/powerpoint/2010/main" val="1755046140"/>
       </p:ext>
     </p:extLst>
   </p:cSld>
@@ -1573,87 +1559,34 @@
           <a:bodyPr/>
           <a:lstStyle/>
           <a:p>
-            <a:pPr marL="457200" indent="-457200">
-              <a:buFont typeface="Arial" panose="020B0604020202020204" pitchFamily="34" charset="0"/>
-              <a:buChar char="•"/>
-            </a:pPr>
-            <a:r>
-              <a:rPr lang="en-US" sz="1200" dirty="0"/>
-              <a:t>Graph shows the overall actual trends &amp; predictions.. The black dots are the actual average daily prices from our datasets. The dark blue lines are the predicted prices, and the light blue area are the upper &amp; lower limits of the predicted prices. </a:t>
-            </a:r>
-          </a:p>
-          <a:p>
-            <a:pPr marL="457200" indent="-457200">
-              <a:buFont typeface="Arial" panose="020B0604020202020204" pitchFamily="34" charset="0"/>
-              <a:buChar char="•"/>
-            </a:pPr>
-            <a:r>
-              <a:rPr lang="en-US" sz="1200" dirty="0"/>
-              <a:t>As you go further in the future, the limits increase as there are more uncertainty factors.</a:t>
-            </a:r>
-          </a:p>
-          <a:p>
-            <a:pPr marL="0" indent="0">
-              <a:buFont typeface="Arial" panose="020B0604020202020204" pitchFamily="34" charset="0"/>
-              <a:buNone/>
-            </a:pPr>
-            <a:r>
-              <a:rPr lang="en-US" sz="1200" dirty="0"/>
-              <a:t>Overall trends of this graphs shows that </a:t>
-            </a:r>
-          </a:p>
-          <a:p>
-            <a:pPr marL="171450" indent="-171450">
-              <a:buFont typeface="Arial" panose="020B0604020202020204" pitchFamily="34" charset="0"/>
-              <a:buChar char="•"/>
-            </a:pPr>
-            <a:r>
-              <a:rPr lang="en-US" sz="1200" dirty="0"/>
-              <a:t>       there is a cyclical movement throughout the year</a:t>
-            </a:r>
-          </a:p>
-          <a:p>
-            <a:pPr marL="457200" indent="-457200">
-              <a:buFont typeface="Arial" panose="020B0604020202020204" pitchFamily="34" charset="0"/>
-              <a:buChar char="•"/>
-            </a:pPr>
-            <a:r>
-              <a:rPr lang="en-US" sz="1200" dirty="0"/>
-              <a:t>Prices has been increasing from 2017 </a:t>
-            </a:r>
             <a:r>
               <a:rPr lang="en-US" dirty="0"/>
-              <a:t>up to the first part of 2020.</a:t>
-            </a:r>
-          </a:p>
-          <a:p>
-            <a:pPr marL="457200" indent="-457200">
-              <a:buFont typeface="Arial" panose="020B0604020202020204" pitchFamily="34" charset="0"/>
-              <a:buChar char="•"/>
-            </a:pPr>
+              <a:t>Since location is one of the stronger components based on the RF &amp; LGBM model, we wanted to use the KNN model to determine how effective it is with averaging the price of your model to your nearest </a:t>
+            </a:r>
+            <a:r>
+              <a:rPr lang="en-US" dirty="0" err="1"/>
+              <a:t>neighbour</a:t>
+            </a:r>
             <a:r>
               <a:rPr lang="en-US" dirty="0"/>
-              <a:t>Downward trend after the second part of 2020 due to Covid-19.</a:t>
-            </a:r>
-          </a:p>
-          <a:p>
-            <a:pPr marL="457200" indent="-457200">
-              <a:buFont typeface="Arial" panose="020B0604020202020204" pitchFamily="34" charset="0"/>
-              <a:buChar char="•"/>
-            </a:pPr>
+              <a:t>.  </a:t>
+            </a:r>
+          </a:p>
+          <a:p>
+            <a:endParaRPr lang="en-US" dirty="0"/>
+          </a:p>
+          <a:p>
             <a:r>
               <a:rPr lang="en-US" dirty="0"/>
-              <a:t>2021 rates is at the lowest as the economy is greatly impacted by the pandemic.</a:t>
-            </a:r>
-          </a:p>
-          <a:p>
-            <a:pPr marL="457200" indent="-457200">
-              <a:buFont typeface="Arial" panose="020B0604020202020204" pitchFamily="34" charset="0"/>
-              <a:buChar char="•"/>
-            </a:pPr>
+              <a:t>As you can see in this graph, the model score is quite low.  This may potentially be since NYC is a large city that offers various units in different room types in just one </a:t>
+            </a:r>
+            <a:r>
+              <a:rPr lang="en-US" dirty="0" err="1"/>
+              <a:t>neighbourhood</a:t>
+            </a:r>
             <a:r>
               <a:rPr lang="en-US" dirty="0"/>
-              <a:t>For 2022-23, it shows a slight increase in the prices based on past trends and incorporate the sudden decrease form Covid-19.</a:t>
+              <a:t>.  As you know the price range is quite large between an entire home vs a shared room.  So when the host price their units, they can’t just factor in their location, they need to look also into the accommodation and the size of their units.</a:t>
             </a:r>
           </a:p>
           <a:p>
@@ -1687,7 +1620,7 @@
     </p:spTree>
     <p:extLst>
       <p:ext uri="{BB962C8B-B14F-4D97-AF65-F5344CB8AC3E}">
-        <p14:creationId xmlns:p14="http://schemas.microsoft.com/office/powerpoint/2010/main" val="3672969067"/>
+        <p14:creationId xmlns:p14="http://schemas.microsoft.com/office/powerpoint/2010/main" val="733089083"/>
       </p:ext>
     </p:extLst>
   </p:cSld>
@@ -1741,37 +1674,91 @@
           <a:bodyPr/>
           <a:lstStyle/>
           <a:p>
+            <a:pPr marL="457200" indent="-457200">
+              <a:buFont typeface="Arial" panose="020B0604020202020204" pitchFamily="34" charset="0"/>
+              <a:buChar char="•"/>
+            </a:pPr>
+            <a:r>
+              <a:rPr lang="en-US" sz="1200" dirty="0"/>
+              <a:t>Graph shows the overall actual trends &amp; predictions.. The black dots are the actual average daily prices from our datasets. The dark blue lines are the predicted prices, and the light blue area are the upper &amp; lower limits of the predicted prices. </a:t>
+            </a:r>
+          </a:p>
+          <a:p>
+            <a:pPr marL="457200" indent="-457200">
+              <a:buFont typeface="Arial" panose="020B0604020202020204" pitchFamily="34" charset="0"/>
+              <a:buChar char="•"/>
+            </a:pPr>
+            <a:r>
+              <a:rPr lang="en-US" sz="1200" dirty="0"/>
+              <a:t>As you go further in the future, the limits increase as there are more uncertainty factors.</a:t>
+            </a:r>
+          </a:p>
+          <a:p>
+            <a:pPr marL="0" indent="0">
+              <a:buFont typeface="Arial" panose="020B0604020202020204" pitchFamily="34" charset="0"/>
+              <a:buNone/>
+            </a:pPr>
+            <a:r>
+              <a:rPr lang="en-US" sz="1200" dirty="0"/>
+              <a:t>Overall trends of this graphs shows that </a:t>
+            </a:r>
+          </a:p>
+          <a:p>
+            <a:pPr marL="171450" indent="-171450">
+              <a:buFont typeface="Arial" panose="020B0604020202020204" pitchFamily="34" charset="0"/>
+              <a:buChar char="•"/>
+            </a:pPr>
+            <a:r>
+              <a:rPr lang="en-US" sz="1200" dirty="0"/>
+              <a:t>       there is a cyclical movement throughout the year</a:t>
+            </a:r>
+          </a:p>
+          <a:p>
+            <a:pPr marL="457200" indent="-457200">
+              <a:buFont typeface="Arial" panose="020B0604020202020204" pitchFamily="34" charset="0"/>
+              <a:buChar char="•"/>
+            </a:pPr>
+            <a:r>
+              <a:rPr lang="en-US" sz="1200" dirty="0"/>
+              <a:t>Prices has been increasing from 2017 </a:t>
+            </a:r>
             <a:r>
               <a:rPr lang="en-US" dirty="0"/>
-              <a:t>The prophet model here breaks down the rates in different time components by holidays, months and day of week.  </a:t>
+              <a:t>up to the first part of 2020.</a:t>
+            </a:r>
+          </a:p>
+          <a:p>
+            <a:pPr marL="457200" indent="-457200">
+              <a:buFont typeface="Arial" panose="020B0604020202020204" pitchFamily="34" charset="0"/>
+              <a:buChar char="•"/>
+            </a:pPr>
+            <a:r>
+              <a:rPr lang="en-US" dirty="0"/>
+              <a:t>Downward trend after the second part of 2020 due to Covid-19.</a:t>
+            </a:r>
+          </a:p>
+          <a:p>
+            <a:pPr marL="457200" indent="-457200">
+              <a:buFont typeface="Arial" panose="020B0604020202020204" pitchFamily="34" charset="0"/>
+              <a:buChar char="•"/>
+            </a:pPr>
+            <a:r>
+              <a:rPr lang="en-US" dirty="0"/>
+              <a:t>2021 rates is at the lowest as the economy is greatly impacted by the pandemic.</a:t>
+            </a:r>
+          </a:p>
+          <a:p>
+            <a:pPr marL="457200" indent="-457200">
+              <a:buFont typeface="Arial" panose="020B0604020202020204" pitchFamily="34" charset="0"/>
+              <a:buChar char="•"/>
+            </a:pPr>
+            <a:r>
+              <a:rPr lang="en-US" dirty="0"/>
+              <a:t>For 2022-23, it shows a slight increase in the prices based on past trends and incorporate the sudden decrease form Covid-19.</a:t>
             </a:r>
           </a:p>
           <a:p>
             <a:endParaRPr lang="en-US" dirty="0"/>
-          </a:p>
-          <a:p>
-            <a:r>
-              <a:rPr lang="en-US" dirty="0"/>
-              <a:t>On the first chart, it shows that the Christmas breaks and long weekends have the highest impact on rates as people likely take vacations during longer breaks from work and school.</a:t>
-            </a:r>
-          </a:p>
-          <a:p>
-            <a:endParaRPr lang="en-US" dirty="0"/>
-          </a:p>
-          <a:p>
-            <a:r>
-              <a:rPr lang="en-US" dirty="0"/>
-              <a:t>With that being said, the weekly chart indicates the highest rates are on Friday &amp; Saturday which falls into the weekend.</a:t>
-            </a:r>
-          </a:p>
-          <a:p>
-            <a:endParaRPr lang="en-US" dirty="0"/>
-          </a:p>
-          <a:p>
-            <a:r>
-              <a:rPr lang="en-US" dirty="0"/>
-              <a:t>Finally, it shows that the different months of the year have a big impact on the rates.  The summer months are predominantly higher likely because the weather is nicer and most families travel when their kids do not have schools for the summer.</a:t>
-            </a:r>
           </a:p>
         </p:txBody>
       </p:sp>
@@ -1801,7 +1788,7 @@
     </p:spTree>
     <p:extLst>
       <p:ext uri="{BB962C8B-B14F-4D97-AF65-F5344CB8AC3E}">
-        <p14:creationId xmlns:p14="http://schemas.microsoft.com/office/powerpoint/2010/main" val="4017738238"/>
+        <p14:creationId xmlns:p14="http://schemas.microsoft.com/office/powerpoint/2010/main" val="3672969067"/>
       </p:ext>
     </p:extLst>
   </p:cSld>
@@ -1948,61 +1935,37 @@
           <a:bodyPr/>
           <a:lstStyle/>
           <a:p>
-            <a:pPr marL="0" marR="0" lvl="0" indent="0" algn="l" defTabSz="914400" rtl="0" eaLnBrk="1" fontAlgn="auto" latinLnBrk="0" hangingPunct="1">
-              <a:lnSpc>
-                <a:spcPct val="100000"/>
-              </a:lnSpc>
-              <a:spcBef>
-                <a:spcPts val="0"/>
-              </a:spcBef>
-              <a:spcAft>
-                <a:spcPts val="0"/>
-              </a:spcAft>
-              <a:buClrTx/>
-              <a:buSzTx/>
-              <a:buFontTx/>
-              <a:buNone/>
-              <a:tabLst/>
-              <a:defRPr/>
-            </a:pPr>
             <a:r>
               <a:rPr lang="en-US" dirty="0"/>
-              <a:t>There are many things that a host needs to consider when pricing the unit.  </a:t>
-            </a:r>
-          </a:p>
-          <a:p>
-            <a:pPr marL="0" marR="0" lvl="0" indent="0" algn="l" defTabSz="914400" rtl="0" eaLnBrk="1" fontAlgn="auto" latinLnBrk="0" hangingPunct="1">
-              <a:lnSpc>
-                <a:spcPct val="100000"/>
-              </a:lnSpc>
-              <a:spcBef>
-                <a:spcPts val="0"/>
-              </a:spcBef>
-              <a:spcAft>
-                <a:spcPts val="0"/>
-              </a:spcAft>
-              <a:buClrTx/>
-              <a:buSzTx/>
-              <a:buFontTx/>
-              <a:buNone/>
-              <a:tabLst/>
-              <a:defRPr/>
-            </a:pPr>
+              <a:t>The prophet model here breaks down the rates in different time components by holidays, months and day of week.  </a:t>
+            </a:r>
+          </a:p>
+          <a:p>
+            <a:endParaRPr lang="en-US" dirty="0"/>
+          </a:p>
+          <a:p>
             <a:r>
               <a:rPr lang="en-US" dirty="0"/>
-              <a:t>The centrally located like Manhattan and Brooklyn will have one of the higher rates  because it is close to the transit system, main attractions, and the business centers.  However, the host should not just price their based on this.  They can compare with the </a:t>
-            </a:r>
-            <a:r>
-              <a:rPr lang="en-US" dirty="0" err="1"/>
-              <a:t>neighbouring</a:t>
-            </a:r>
+              <a:t>On the first chart, it shows that the Christmas breaks and long weekends have the highest impact on rates as people likely take vacations during longer breaks from work and school.</a:t>
+            </a:r>
+          </a:p>
+          <a:p>
+            <a:endParaRPr lang="en-US" dirty="0"/>
+          </a:p>
+          <a:p>
             <a:r>
               <a:rPr lang="en-US" dirty="0"/>
-              <a:t> listings based on size instead of just taking the whole average because a hotel room vs a private room can have a huge price range.  Also offering different prices during holidays, summer, and long weekends can help the host make the most out of their Airbnb income.  Also, there is s a positive correlation on how many people the unit accommodates, the # of bedrooms and bathrooms it offers.  Offering more amenities like a washer, heat and A/c provides some help into increasing the listing price.  Even though the probability is low, but events like the pandemic &amp; 911 will have a major impact on the whole economy and the demand to travel will decrease.</a:t>
+              <a:t>With that being said, the weekly chart indicates the highest rates are on Friday &amp; Saturday which falls into the weekend.</a:t>
             </a:r>
           </a:p>
           <a:p>
             <a:endParaRPr lang="en-US" dirty="0"/>
+          </a:p>
+          <a:p>
+            <a:r>
+              <a:rPr lang="en-US" dirty="0"/>
+              <a:t>Finally, it shows that the different months of the year have a big impact on the rates.  The summer months are predominantly higher likely because the weather is nicer and most families travel when their kids do not have schools for the summer.</a:t>
+            </a:r>
           </a:p>
         </p:txBody>
       </p:sp>
@@ -2032,7 +1995,7 @@
     </p:spTree>
     <p:extLst>
       <p:ext uri="{BB962C8B-B14F-4D97-AF65-F5344CB8AC3E}">
-        <p14:creationId xmlns:p14="http://schemas.microsoft.com/office/powerpoint/2010/main" val="2401572066"/>
+        <p14:creationId xmlns:p14="http://schemas.microsoft.com/office/powerpoint/2010/main" val="4017738238"/>
       </p:ext>
     </p:extLst>
   </p:cSld>
@@ -2086,27 +2049,60 @@
           <a:bodyPr/>
           <a:lstStyle/>
           <a:p>
-            <a:r>
-              <a:rPr lang="en-US" dirty="0">
-                <a:sym typeface="Wingdings" panose="05000000000000000000" pitchFamily="2" charset="2"/>
-              </a:rPr>
-              <a:t> Rest of the team to add inputs</a:t>
-            </a:r>
-            <a:endParaRPr lang="en-US" dirty="0"/>
-          </a:p>
-          <a:p>
-            <a:pPr marL="228600" indent="-228600">
-              <a:buAutoNum type="arabicParenR"/>
+            <a:pPr marL="0" marR="0" lvl="0" indent="0" algn="l" defTabSz="914400" rtl="0" eaLnBrk="1" fontAlgn="auto" latinLnBrk="0" hangingPunct="1">
+              <a:lnSpc>
+                <a:spcPct val="100000"/>
+              </a:lnSpc>
+              <a:spcBef>
+                <a:spcPts val="0"/>
+              </a:spcBef>
+              <a:spcAft>
+                <a:spcPts val="0"/>
+              </a:spcAft>
+              <a:buClrTx/>
+              <a:buSzTx/>
+              <a:buFontTx/>
+              <a:buNone/>
+              <a:tabLst/>
+              <a:defRPr/>
             </a:pPr>
             <a:r>
               <a:rPr lang="en-US" dirty="0"/>
-              <a:t>Adding new information to our database requires extensive research to get the right dataset related </a:t>
-            </a:r>
-          </a:p>
-          <a:p>
-            <a:pPr marL="228600" indent="-228600">
-              <a:buAutoNum type="arabicParenR"/>
+              <a:t>There are many things that a host needs to consider when pricing the unit.  </a:t>
+            </a:r>
+          </a:p>
+          <a:p>
+            <a:pPr marL="0" marR="0" lvl="0" indent="0" algn="l" defTabSz="914400" rtl="0" eaLnBrk="1" fontAlgn="auto" latinLnBrk="0" hangingPunct="1">
+              <a:lnSpc>
+                <a:spcPct val="100000"/>
+              </a:lnSpc>
+              <a:spcBef>
+                <a:spcPts val="0"/>
+              </a:spcBef>
+              <a:spcAft>
+                <a:spcPts val="0"/>
+              </a:spcAft>
+              <a:buClrTx/>
+              <a:buSzTx/>
+              <a:buFontTx/>
+              <a:buNone/>
+              <a:tabLst/>
+              <a:defRPr/>
             </a:pPr>
+            <a:r>
+              <a:rPr lang="en-US" dirty="0"/>
+              <a:t>The centrally located like Manhattan and Brooklyn will have one of the higher rates  because it is close to the transit system, main attractions, and the business centers.  However, the host should not just price their based on this.  They can compare with the </a:t>
+            </a:r>
+            <a:r>
+              <a:rPr lang="en-US" dirty="0" err="1"/>
+              <a:t>neighbouring</a:t>
+            </a:r>
+            <a:r>
+              <a:rPr lang="en-US" dirty="0"/>
+              <a:t> listings based on size instead of just taking the whole average because a hotel room vs a private room can have a huge price range.  Also offering different prices during holidays, summer, and long weekends can help the host make the most out of their Airbnb income.  Also, there is s a positive correlation on how many people the unit accommodates, the # of bedrooms and bathrooms it offers.  Offering more amenities like a washer, heat and A/c provides some help into increasing the listing price.  Even though the probability is low, but events like the pandemic &amp; 911 will have a major impact on the whole economy and the demand to travel will decrease.</a:t>
+            </a:r>
+          </a:p>
+          <a:p>
             <a:endParaRPr lang="en-US" dirty="0"/>
           </a:p>
         </p:txBody>
@@ -2137,7 +2133,7 @@
     </p:spTree>
     <p:extLst>
       <p:ext uri="{BB962C8B-B14F-4D97-AF65-F5344CB8AC3E}">
-        <p14:creationId xmlns:p14="http://schemas.microsoft.com/office/powerpoint/2010/main" val="3157092588"/>
+        <p14:creationId xmlns:p14="http://schemas.microsoft.com/office/powerpoint/2010/main" val="2401572066"/>
       </p:ext>
     </p:extLst>
   </p:cSld>
@@ -2192,17 +2188,70 @@
           <a:lstStyle/>
           <a:p>
             <a:r>
+              <a:rPr lang="en-US" dirty="0">
+                <a:sym typeface="Wingdings" panose="05000000000000000000" pitchFamily="2" charset="2"/>
+              </a:rPr>
+              <a:t> Rest of the team to add inputs</a:t>
+            </a:r>
+            <a:endParaRPr lang="en-US" dirty="0"/>
+          </a:p>
+          <a:p>
+            <a:pPr marL="228600" indent="-228600">
+              <a:buAutoNum type="arabicParenR"/>
+            </a:pPr>
+            <a:r>
               <a:rPr lang="en-US" dirty="0"/>
-              <a:t>Some of the things we can do for the </a:t>
-            </a:r>
-          </a:p>
-          <a:p>
-            <a:endParaRPr lang="en-US" dirty="0"/>
-          </a:p>
-          <a:p>
-            <a:endParaRPr lang="en-US" dirty="0"/>
-          </a:p>
-          <a:p>
+              <a:t>Adding new information to our database requires extensive research.  After getting the data, we need to transform the data and format the data to be consistent all across so we can load it to the database.</a:t>
+            </a:r>
+          </a:p>
+          <a:p>
+            <a:pPr marL="228600" indent="-228600">
+              <a:buAutoNum type="arabicParenR"/>
+            </a:pPr>
+            <a:r>
+              <a:rPr lang="en-US" dirty="0"/>
+              <a:t>Some of these datasets have millions of rows takes up storage space and slows down the computer speed.</a:t>
+            </a:r>
+          </a:p>
+          <a:p>
+            <a:pPr marL="228600" indent="-228600">
+              <a:buAutoNum type="arabicParenR"/>
+            </a:pPr>
+            <a:r>
+              <a:rPr lang="en-US" dirty="0"/>
+              <a:t>When we connected our free version of </a:t>
+            </a:r>
+            <a:r>
+              <a:rPr lang="en-US" dirty="0" err="1"/>
+              <a:t>Postgresql</a:t>
+            </a:r>
+            <a:r>
+              <a:rPr lang="en-US" dirty="0"/>
+              <a:t> to Tableau, it reduced our productivity time as not all of us can go to the file at the same time to work on our dashboard.</a:t>
+            </a:r>
+          </a:p>
+          <a:p>
+            <a:pPr marL="228600" indent="-228600">
+              <a:buAutoNum type="arabicParenR"/>
+            </a:pPr>
+            <a:r>
+              <a:rPr lang="en-US" dirty="0"/>
+              <a:t>Another challenge is selecting the right features to run our models, we had to go through numerous columns in the dataset and run the model many times to determine which feature has the highest importance.</a:t>
+            </a:r>
+          </a:p>
+          <a:p>
+            <a:pPr marL="228600" indent="-228600">
+              <a:buAutoNum type="arabicParenR"/>
+            </a:pPr>
+            <a:r>
+              <a:rPr lang="en-US" dirty="0"/>
+              <a:t>Finally, fine tuning our testing results takes up a lot of time and research to see which combination of parameters provide the best results.</a:t>
+            </a:r>
+          </a:p>
+          <a:p>
+            <a:pPr marL="228600" indent="-228600">
+              <a:buAutoNum type="arabicParenR"/>
+            </a:pPr>
             <a:endParaRPr lang="en-US" dirty="0"/>
           </a:p>
         </p:txBody>
@@ -2233,7 +2282,7 @@
     </p:spTree>
     <p:extLst>
       <p:ext uri="{BB962C8B-B14F-4D97-AF65-F5344CB8AC3E}">
-        <p14:creationId xmlns:p14="http://schemas.microsoft.com/office/powerpoint/2010/main" val="318162139"/>
+        <p14:creationId xmlns:p14="http://schemas.microsoft.com/office/powerpoint/2010/main" val="3157092588"/>
       </p:ext>
     </p:extLst>
   </p:cSld>
@@ -2289,26 +2338,8 @@
           <a:p>
             <a:r>
               <a:rPr lang="en-US" dirty="0"/>
-              <a:t>This table shows you the coefficient of correlation (R2) &amp; Mean Squared Error (MSE)</a:t>
-            </a:r>
-          </a:p>
-          <a:p>
-            <a:r>
-              <a:rPr lang="en-US" dirty="0"/>
-              <a:t>The r2 tells you how close the data fits to the regression line.  MSE is the squared average difference between the actual &amp; predicted values.</a:t>
-            </a:r>
-          </a:p>
-          <a:p>
-            <a:r>
-              <a:rPr lang="en-US" dirty="0"/>
-              <a:t>Based on the model,  it tells us that the time trends have the strong impact on the price.  The features have a moderate correlation to the price and the clustering have a fairly weak correlation</a:t>
-            </a:r>
-          </a:p>
-          <a:p>
-            <a:endParaRPr lang="en-US" dirty="0"/>
-          </a:p>
-          <a:p>
-            <a:endParaRPr lang="en-US" dirty="0"/>
+              <a:t>Some of the things we can do for the </a:t>
+            </a:r>
           </a:p>
           <a:p>
             <a:endParaRPr lang="en-US" dirty="0"/>
@@ -2347,7 +2378,7 @@
     </p:spTree>
     <p:extLst>
       <p:ext uri="{BB962C8B-B14F-4D97-AF65-F5344CB8AC3E}">
-        <p14:creationId xmlns:p14="http://schemas.microsoft.com/office/powerpoint/2010/main" val="544332648"/>
+        <p14:creationId xmlns:p14="http://schemas.microsoft.com/office/powerpoint/2010/main" val="318162139"/>
       </p:ext>
     </p:extLst>
   </p:cSld>
@@ -2922,7 +2953,7 @@
     </p:spTree>
     <p:extLst>
       <p:ext uri="{BB962C8B-B14F-4D97-AF65-F5344CB8AC3E}">
-        <p14:creationId xmlns:p14="http://schemas.microsoft.com/office/powerpoint/2010/main" val="3727893532"/>
+        <p14:creationId xmlns:p14="http://schemas.microsoft.com/office/powerpoint/2010/main" val="2864966310"/>
       </p:ext>
     </p:extLst>
   </p:cSld>
@@ -2976,12 +3007,6 @@
           <a:bodyPr/>
           <a:lstStyle/>
           <a:p>
-            <a:r>
-              <a:rPr lang="en-US" dirty="0"/>
-              <a:t>We already have information on the listings details with the yearly rates in our existing database.  To understand more about rates, we added 3 new tables to see how different factors like monthly, day of week &amp; futures prices can help hosts price their Airbnb units</a:t>
-            </a:r>
-          </a:p>
-          <a:p>
             <a:endParaRPr lang="en-US" dirty="0"/>
           </a:p>
         </p:txBody>
@@ -3012,7 +3037,7 @@
     </p:spTree>
     <p:extLst>
       <p:ext uri="{BB962C8B-B14F-4D97-AF65-F5344CB8AC3E}">
-        <p14:creationId xmlns:p14="http://schemas.microsoft.com/office/powerpoint/2010/main" val="74110409"/>
+        <p14:creationId xmlns:p14="http://schemas.microsoft.com/office/powerpoint/2010/main" val="3727893532"/>
       </p:ext>
     </p:extLst>
   </p:cSld>
@@ -3068,7 +3093,7 @@
           <a:p>
             <a:r>
               <a:rPr lang="en-US" dirty="0"/>
-              <a:t>This table provides an overview of what we need to do to try to find the best fit for the model.  As you can see on the grey boxes, we need to work with different types of data and find ways to engineer the data to run the models.  The next few slides will provide a breakdown how we get to the final data to run the model.</a:t>
+              <a:t>We already have information on the listings details with the yearly rates in our existing database.  To understand more about rates, we added 3 new tables to see how different factors like monthly, day of week &amp; futures prices can help hosts price their Airbnb units</a:t>
             </a:r>
           </a:p>
           <a:p>
@@ -3102,7 +3127,7 @@
     </p:spTree>
     <p:extLst>
       <p:ext uri="{BB962C8B-B14F-4D97-AF65-F5344CB8AC3E}">
-        <p14:creationId xmlns:p14="http://schemas.microsoft.com/office/powerpoint/2010/main" val="582048577"/>
+        <p14:creationId xmlns:p14="http://schemas.microsoft.com/office/powerpoint/2010/main" val="74110409"/>
       </p:ext>
     </p:extLst>
   </p:cSld>
@@ -3158,19 +3183,7 @@
           <a:p>
             <a:r>
               <a:rPr lang="en-US" dirty="0"/>
-              <a:t>For the RF, LGBM, and KNN we replaced  the blank fields with the averages for that specific column</a:t>
-            </a:r>
-          </a:p>
-          <a:p>
-            <a:r>
-              <a:rPr lang="en-US" dirty="0"/>
-              <a:t>In the next step, we need to put the data and categorize them in numerical values  and majority of this was done from our last project.</a:t>
-            </a:r>
-          </a:p>
-          <a:p>
-            <a:r>
-              <a:rPr lang="en-US" dirty="0"/>
-              <a:t>Finally, for the amenities column, we made a vector array counting the amenities features for each listing.</a:t>
+              <a:t>This table provides an overview of what we need to do to try to find the best fit for the model.  As you can see on the grey boxes, we need to work with different types of data and find ways to engineer the data to run the models.  The next few slides will provide a breakdown how we get to the final data to run the model.</a:t>
             </a:r>
           </a:p>
           <a:p>
@@ -3204,7 +3217,7 @@
     </p:spTree>
     <p:extLst>
       <p:ext uri="{BB962C8B-B14F-4D97-AF65-F5344CB8AC3E}">
-        <p14:creationId xmlns:p14="http://schemas.microsoft.com/office/powerpoint/2010/main" val="2102900166"/>
+        <p14:creationId xmlns:p14="http://schemas.microsoft.com/office/powerpoint/2010/main" val="582048577"/>
       </p:ext>
     </p:extLst>
   </p:cSld>
@@ -3260,25 +3273,23 @@
           <a:p>
             <a:r>
               <a:rPr lang="en-US" dirty="0"/>
-              <a:t>To get the best selection of listings that best represents NYC’s Airbnb market, outliers are filtered out by only keeping the </a:t>
-            </a:r>
-            <a:r>
-              <a:rPr lang="en-US" dirty="0" err="1"/>
-              <a:t>neighbourhoods</a:t>
-            </a:r>
+              <a:t>For the RF, LGBM, and KNN we replaced  the blank fields with the averages for that specific column</a:t>
+            </a:r>
+          </a:p>
+          <a:p>
             <a:r>
               <a:rPr lang="en-US" dirty="0"/>
-              <a:t> with over 100 listings &amp; the listing prices that are under $600.</a:t>
+              <a:t>In the next step, we need to put the data and categorize them in numerical values  and majority of this was done from our last project.</a:t>
+            </a:r>
+          </a:p>
+          <a:p>
+            <a:r>
+              <a:rPr lang="en-US" dirty="0"/>
+              <a:t>Finally, for the amenities column, we made a vector array counting the amenities features for each listing.</a:t>
             </a:r>
           </a:p>
           <a:p>
             <a:endParaRPr lang="en-US" dirty="0"/>
-          </a:p>
-          <a:p>
-            <a:r>
-              <a:rPr lang="en-US" dirty="0"/>
-              <a:t>From the right side of the slide, you can tell the data is less skewed.</a:t>
-            </a:r>
           </a:p>
         </p:txBody>
       </p:sp>
@@ -3308,7 +3319,7 @@
     </p:spTree>
     <p:extLst>
       <p:ext uri="{BB962C8B-B14F-4D97-AF65-F5344CB8AC3E}">
-        <p14:creationId xmlns:p14="http://schemas.microsoft.com/office/powerpoint/2010/main" val="1272532608"/>
+        <p14:creationId xmlns:p14="http://schemas.microsoft.com/office/powerpoint/2010/main" val="2102900166"/>
       </p:ext>
     </p:extLst>
   </p:cSld>
@@ -6687,6 +6698,899 @@
 </file>
 
 <file path=ppt/slides/slide10.xml><?xml version="1.0" encoding="utf-8"?>
+<p:sld xmlns:a="http://schemas.openxmlformats.org/drawingml/2006/main" xmlns:r="http://schemas.openxmlformats.org/officeDocument/2006/relationships" xmlns:p="http://schemas.openxmlformats.org/presentationml/2006/main">
+  <p:cSld>
+    <p:spTree>
+      <p:nvGrpSpPr>
+        <p:cNvPr id="1" name=""/>
+        <p:cNvGrpSpPr/>
+        <p:nvPr/>
+      </p:nvGrpSpPr>
+      <p:grpSpPr>
+        <a:xfrm>
+          <a:off x="0" y="0"/>
+          <a:ext cx="0" cy="0"/>
+          <a:chOff x="0" y="0"/>
+          <a:chExt cx="0" cy="0"/>
+        </a:xfrm>
+      </p:grpSpPr>
+      <p:sp>
+        <p:nvSpPr>
+          <p:cNvPr id="2" name="Title 1">
+            <a:extLst>
+              <a:ext uri="{FF2B5EF4-FFF2-40B4-BE49-F238E27FC236}">
+                <a16:creationId xmlns:a16="http://schemas.microsoft.com/office/drawing/2014/main" id="{59B8B577-5676-3C4B-A107-E41DB331FD85}"/>
+              </a:ext>
+            </a:extLst>
+          </p:cNvPr>
+          <p:cNvSpPr>
+            <a:spLocks noGrp="1"/>
+          </p:cNvSpPr>
+          <p:nvPr>
+            <p:ph type="title"/>
+          </p:nvPr>
+        </p:nvSpPr>
+        <p:spPr>
+          <a:xfrm>
+            <a:off x="2721982" y="510856"/>
+            <a:ext cx="10515600" cy="1325563"/>
+          </a:xfrm>
+        </p:spPr>
+        <p:txBody>
+          <a:bodyPr>
+            <a:normAutofit/>
+          </a:bodyPr>
+          <a:lstStyle/>
+          <a:p>
+            <a:r>
+              <a:rPr lang="en-US" sz="4000" dirty="0">
+                <a:solidFill>
+                  <a:srgbClr val="EA5E46"/>
+                </a:solidFill>
+              </a:rPr>
+              <a:t>Model Data Transformation - Regressor</a:t>
+            </a:r>
+          </a:p>
+        </p:txBody>
+      </p:sp>
+      <p:pic>
+        <p:nvPicPr>
+          <p:cNvPr id="2050" name="Picture 2" descr="Image result for air bnb logo">
+            <a:extLst>
+              <a:ext uri="{FF2B5EF4-FFF2-40B4-BE49-F238E27FC236}">
+                <a16:creationId xmlns:a16="http://schemas.microsoft.com/office/drawing/2014/main" id="{A162C291-208B-BE48-BF44-7D5CD7EF6151}"/>
+              </a:ext>
+            </a:extLst>
+          </p:cNvPr>
+          <p:cNvPicPr>
+            <a:picLocks noChangeAspect="1" noChangeArrowheads="1"/>
+          </p:cNvPicPr>
+          <p:nvPr/>
+        </p:nvPicPr>
+        <p:blipFill>
+          <a:blip r:embed="rId3">
+            <a:extLst>
+              <a:ext uri="{28A0092B-C50C-407E-A947-70E740481C1C}">
+                <a14:useLocalDpi xmlns:a14="http://schemas.microsoft.com/office/drawing/2010/main" val="0"/>
+              </a:ext>
+            </a:extLst>
+          </a:blip>
+          <a:srcRect/>
+          <a:stretch>
+            <a:fillRect/>
+          </a:stretch>
+        </p:blipFill>
+        <p:spPr bwMode="auto">
+          <a:xfrm>
+            <a:off x="530564" y="108278"/>
+            <a:ext cx="2189605" cy="2022038"/>
+          </a:xfrm>
+          <a:prstGeom prst="rect">
+            <a:avLst/>
+          </a:prstGeom>
+          <a:noFill/>
+          <a:extLst>
+            <a:ext uri="{909E8E84-426E-40DD-AFC4-6F175D3DCCD1}">
+              <a14:hiddenFill xmlns:a14="http://schemas.microsoft.com/office/drawing/2010/main">
+                <a:solidFill>
+                  <a:srgbClr val="FFFFFF"/>
+                </a:solidFill>
+              </a14:hiddenFill>
+            </a:ext>
+          </a:extLst>
+        </p:spPr>
+      </p:pic>
+      <p:cxnSp>
+        <p:nvCxnSpPr>
+          <p:cNvPr id="6" name="Straight Connector 5">
+            <a:extLst>
+              <a:ext uri="{FF2B5EF4-FFF2-40B4-BE49-F238E27FC236}">
+                <a16:creationId xmlns:a16="http://schemas.microsoft.com/office/drawing/2014/main" id="{7D0926DC-6298-B648-9DF9-0D78D09F9FC8}"/>
+              </a:ext>
+            </a:extLst>
+          </p:cNvPr>
+          <p:cNvCxnSpPr>
+            <a:cxnSpLocks/>
+          </p:cNvCxnSpPr>
+          <p:nvPr/>
+        </p:nvCxnSpPr>
+        <p:spPr>
+          <a:xfrm>
+            <a:off x="975854" y="1684829"/>
+            <a:ext cx="10885220" cy="1"/>
+          </a:xfrm>
+          <a:prstGeom prst="line">
+            <a:avLst/>
+          </a:prstGeom>
+          <a:ln w="12700">
+            <a:solidFill>
+              <a:srgbClr val="EA5E46"/>
+            </a:solidFill>
+          </a:ln>
+        </p:spPr>
+        <p:style>
+          <a:lnRef idx="1">
+            <a:schemeClr val="accent2"/>
+          </a:lnRef>
+          <a:fillRef idx="0">
+            <a:schemeClr val="accent2"/>
+          </a:fillRef>
+          <a:effectRef idx="0">
+            <a:schemeClr val="accent2"/>
+          </a:effectRef>
+          <a:fontRef idx="minor">
+            <a:schemeClr val="tx1"/>
+          </a:fontRef>
+        </p:style>
+      </p:cxnSp>
+      <p:sp>
+        <p:nvSpPr>
+          <p:cNvPr id="3" name="TextBox 2">
+            <a:extLst>
+              <a:ext uri="{FF2B5EF4-FFF2-40B4-BE49-F238E27FC236}">
+                <a16:creationId xmlns:a16="http://schemas.microsoft.com/office/drawing/2014/main" id="{30193E11-24DC-41C6-98FD-B1F7EC80C36D}"/>
+              </a:ext>
+            </a:extLst>
+          </p:cNvPr>
+          <p:cNvSpPr txBox="1"/>
+          <p:nvPr/>
+        </p:nvSpPr>
+        <p:spPr>
+          <a:xfrm>
+            <a:off x="975854" y="1986170"/>
+            <a:ext cx="10052930" cy="369332"/>
+          </a:xfrm>
+          <a:prstGeom prst="rect">
+            <a:avLst/>
+          </a:prstGeom>
+          <a:noFill/>
+        </p:spPr>
+        <p:txBody>
+          <a:bodyPr wrap="square" rtlCol="0">
+            <a:spAutoFit/>
+          </a:bodyPr>
+          <a:lstStyle/>
+          <a:p>
+            <a:r>
+              <a:rPr lang="en-US" dirty="0"/>
+              <a:t>4.  Removing Outliers</a:t>
+            </a:r>
+            <a:endParaRPr lang="en-CA" dirty="0"/>
+          </a:p>
+        </p:txBody>
+      </p:sp>
+      <p:pic>
+        <p:nvPicPr>
+          <p:cNvPr id="24" name="Picture 23" descr="Shape&#10;&#10;Description automatically generated">
+            <a:extLst>
+              <a:ext uri="{FF2B5EF4-FFF2-40B4-BE49-F238E27FC236}">
+                <a16:creationId xmlns:a16="http://schemas.microsoft.com/office/drawing/2014/main" id="{B9BB8CC3-7E67-4727-85D8-D15B7BC3EDDD}"/>
+              </a:ext>
+            </a:extLst>
+          </p:cNvPr>
+          <p:cNvPicPr>
+            <a:picLocks noChangeAspect="1"/>
+          </p:cNvPicPr>
+          <p:nvPr/>
+        </p:nvPicPr>
+        <p:blipFill>
+          <a:blip r:embed="rId4"/>
+          <a:stretch>
+            <a:fillRect/>
+          </a:stretch>
+        </p:blipFill>
+        <p:spPr>
+          <a:xfrm>
+            <a:off x="823359" y="4502499"/>
+            <a:ext cx="3482149" cy="2180569"/>
+          </a:xfrm>
+          <a:prstGeom prst="rect">
+            <a:avLst/>
+          </a:prstGeom>
+        </p:spPr>
+      </p:pic>
+      <p:pic>
+        <p:nvPicPr>
+          <p:cNvPr id="26" name="Picture 25" descr="Chart, histogram&#10;&#10;Description automatically generated">
+            <a:extLst>
+              <a:ext uri="{FF2B5EF4-FFF2-40B4-BE49-F238E27FC236}">
+                <a16:creationId xmlns:a16="http://schemas.microsoft.com/office/drawing/2014/main" id="{A10DB8E1-4FF7-418D-BF81-9DF24A091652}"/>
+              </a:ext>
+            </a:extLst>
+          </p:cNvPr>
+          <p:cNvPicPr>
+            <a:picLocks noChangeAspect="1"/>
+          </p:cNvPicPr>
+          <p:nvPr/>
+        </p:nvPicPr>
+        <p:blipFill>
+          <a:blip r:embed="rId5"/>
+          <a:stretch>
+            <a:fillRect/>
+          </a:stretch>
+        </p:blipFill>
+        <p:spPr>
+          <a:xfrm>
+            <a:off x="7012450" y="2271219"/>
+            <a:ext cx="3482149" cy="2231280"/>
+          </a:xfrm>
+          <a:prstGeom prst="rect">
+            <a:avLst/>
+          </a:prstGeom>
+        </p:spPr>
+      </p:pic>
+      <p:pic>
+        <p:nvPicPr>
+          <p:cNvPr id="28" name="Picture 27" descr="Shape&#10;&#10;Description automatically generated">
+            <a:extLst>
+              <a:ext uri="{FF2B5EF4-FFF2-40B4-BE49-F238E27FC236}">
+                <a16:creationId xmlns:a16="http://schemas.microsoft.com/office/drawing/2014/main" id="{D387D988-FBE0-40B6-BE19-490A1FDF03CB}"/>
+              </a:ext>
+            </a:extLst>
+          </p:cNvPr>
+          <p:cNvPicPr>
+            <a:picLocks noChangeAspect="1"/>
+          </p:cNvPicPr>
+          <p:nvPr/>
+        </p:nvPicPr>
+        <p:blipFill>
+          <a:blip r:embed="rId6"/>
+          <a:stretch>
+            <a:fillRect/>
+          </a:stretch>
+        </p:blipFill>
+        <p:spPr>
+          <a:xfrm>
+            <a:off x="857069" y="2325173"/>
+            <a:ext cx="3504687" cy="2231280"/>
+          </a:xfrm>
+          <a:prstGeom prst="rect">
+            <a:avLst/>
+          </a:prstGeom>
+        </p:spPr>
+      </p:pic>
+      <p:pic>
+        <p:nvPicPr>
+          <p:cNvPr id="30" name="Picture 29" descr="Chart, histogram&#10;&#10;Description automatically generated">
+            <a:extLst>
+              <a:ext uri="{FF2B5EF4-FFF2-40B4-BE49-F238E27FC236}">
+                <a16:creationId xmlns:a16="http://schemas.microsoft.com/office/drawing/2014/main" id="{487734C5-23B7-4D65-9D50-3812F6EB4E95}"/>
+              </a:ext>
+            </a:extLst>
+          </p:cNvPr>
+          <p:cNvPicPr>
+            <a:picLocks noChangeAspect="1"/>
+          </p:cNvPicPr>
+          <p:nvPr/>
+        </p:nvPicPr>
+        <p:blipFill>
+          <a:blip r:embed="rId7"/>
+          <a:stretch>
+            <a:fillRect/>
+          </a:stretch>
+        </p:blipFill>
+        <p:spPr>
+          <a:xfrm>
+            <a:off x="7068698" y="4433379"/>
+            <a:ext cx="3482149" cy="2180569"/>
+          </a:xfrm>
+          <a:prstGeom prst="rect">
+            <a:avLst/>
+          </a:prstGeom>
+        </p:spPr>
+      </p:pic>
+      <p:sp>
+        <p:nvSpPr>
+          <p:cNvPr id="32" name="Arrow: Right 31">
+            <a:extLst>
+              <a:ext uri="{FF2B5EF4-FFF2-40B4-BE49-F238E27FC236}">
+                <a16:creationId xmlns:a16="http://schemas.microsoft.com/office/drawing/2014/main" id="{C96885B1-378A-4AD3-A948-77D3FF6628BA}"/>
+              </a:ext>
+            </a:extLst>
+          </p:cNvPr>
+          <p:cNvSpPr/>
+          <p:nvPr/>
+        </p:nvSpPr>
+        <p:spPr>
+          <a:xfrm>
+            <a:off x="4796364" y="3261382"/>
+            <a:ext cx="1913356" cy="2039668"/>
+          </a:xfrm>
+          <a:prstGeom prst="rightArrow">
+            <a:avLst/>
+          </a:prstGeom>
+          <a:solidFill>
+            <a:schemeClr val="bg2">
+              <a:lumMod val="75000"/>
+            </a:schemeClr>
+          </a:solidFill>
+          <a:ln>
+            <a:solidFill>
+              <a:schemeClr val="bg2">
+                <a:lumMod val="75000"/>
+              </a:schemeClr>
+            </a:solidFill>
+          </a:ln>
+        </p:spPr>
+        <p:style>
+          <a:lnRef idx="2">
+            <a:schemeClr val="accent1">
+              <a:shade val="50000"/>
+            </a:schemeClr>
+          </a:lnRef>
+          <a:fillRef idx="1">
+            <a:schemeClr val="accent1"/>
+          </a:fillRef>
+          <a:effectRef idx="0">
+            <a:schemeClr val="accent1"/>
+          </a:effectRef>
+          <a:fontRef idx="minor">
+            <a:schemeClr val="lt1"/>
+          </a:fontRef>
+        </p:style>
+        <p:txBody>
+          <a:bodyPr rtlCol="0" anchor="ctr"/>
+          <a:lstStyle/>
+          <a:p>
+            <a:r>
+              <a:rPr lang="en-US" sz="1400" b="1" dirty="0"/>
+              <a:t>Filter for:</a:t>
+            </a:r>
+          </a:p>
+          <a:p>
+            <a:r>
+              <a:rPr lang="en-US" sz="1400" b="1" dirty="0"/>
+              <a:t>1.  ≥100 Listings</a:t>
+            </a:r>
+          </a:p>
+          <a:p>
+            <a:r>
+              <a:rPr lang="en-US" sz="1400" b="1" dirty="0"/>
+              <a:t>2.  ≤ $600/night</a:t>
+            </a:r>
+            <a:endParaRPr lang="en-CA" sz="1400" b="1" dirty="0"/>
+          </a:p>
+        </p:txBody>
+      </p:sp>
+    </p:spTree>
+    <p:extLst>
+      <p:ext uri="{BB962C8B-B14F-4D97-AF65-F5344CB8AC3E}">
+        <p14:creationId xmlns:p14="http://schemas.microsoft.com/office/powerpoint/2010/main" val="2577355925"/>
+      </p:ext>
+    </p:extLst>
+  </p:cSld>
+  <p:clrMapOvr>
+    <a:masterClrMapping/>
+  </p:clrMapOvr>
+  <p:timing>
+    <p:tnLst>
+      <p:par>
+        <p:cTn id="1" dur="indefinite" restart="never" nodeType="tmRoot">
+          <p:childTnLst>
+            <p:seq concurrent="1" nextAc="seek">
+              <p:cTn id="2" dur="indefinite" nodeType="mainSeq">
+                <p:childTnLst>
+                  <p:par>
+                    <p:cTn id="3" fill="hold">
+                      <p:stCondLst>
+                        <p:cond delay="indefinite"/>
+                      </p:stCondLst>
+                      <p:childTnLst>
+                        <p:par>
+                          <p:cTn id="4" fill="hold">
+                            <p:stCondLst>
+                              <p:cond delay="0"/>
+                            </p:stCondLst>
+                            <p:childTnLst>
+                              <p:par>
+                                <p:cTn id="5" presetID="6" presetClass="entr" presetSubtype="16" fill="hold" nodeType="clickEffect">
+                                  <p:stCondLst>
+                                    <p:cond delay="0"/>
+                                  </p:stCondLst>
+                                  <p:childTnLst>
+                                    <p:set>
+                                      <p:cBhvr>
+                                        <p:cTn id="6" dur="1" fill="hold">
+                                          <p:stCondLst>
+                                            <p:cond delay="0"/>
+                                          </p:stCondLst>
+                                        </p:cTn>
+                                        <p:tgtEl>
+                                          <p:spTgt spid="28"/>
+                                        </p:tgtEl>
+                                        <p:attrNameLst>
+                                          <p:attrName>style.visibility</p:attrName>
+                                        </p:attrNameLst>
+                                      </p:cBhvr>
+                                      <p:to>
+                                        <p:strVal val="visible"/>
+                                      </p:to>
+                                    </p:set>
+                                    <p:animEffect transition="in" filter="circle(in)">
+                                      <p:cBhvr>
+                                        <p:cTn id="7" dur="2000"/>
+                                        <p:tgtEl>
+                                          <p:spTgt spid="28"/>
+                                        </p:tgtEl>
+                                      </p:cBhvr>
+                                    </p:animEffect>
+                                  </p:childTnLst>
+                                </p:cTn>
+                              </p:par>
+                              <p:par>
+                                <p:cTn id="8" presetID="6" presetClass="entr" presetSubtype="16" fill="hold" nodeType="withEffect">
+                                  <p:stCondLst>
+                                    <p:cond delay="0"/>
+                                  </p:stCondLst>
+                                  <p:childTnLst>
+                                    <p:set>
+                                      <p:cBhvr>
+                                        <p:cTn id="9" dur="1" fill="hold">
+                                          <p:stCondLst>
+                                            <p:cond delay="0"/>
+                                          </p:stCondLst>
+                                        </p:cTn>
+                                        <p:tgtEl>
+                                          <p:spTgt spid="24"/>
+                                        </p:tgtEl>
+                                        <p:attrNameLst>
+                                          <p:attrName>style.visibility</p:attrName>
+                                        </p:attrNameLst>
+                                      </p:cBhvr>
+                                      <p:to>
+                                        <p:strVal val="visible"/>
+                                      </p:to>
+                                    </p:set>
+                                    <p:animEffect transition="in" filter="circle(in)">
+                                      <p:cBhvr>
+                                        <p:cTn id="10" dur="2000"/>
+                                        <p:tgtEl>
+                                          <p:spTgt spid="24"/>
+                                        </p:tgtEl>
+                                      </p:cBhvr>
+                                    </p:animEffect>
+                                  </p:childTnLst>
+                                </p:cTn>
+                              </p:par>
+                            </p:childTnLst>
+                          </p:cTn>
+                        </p:par>
+                      </p:childTnLst>
+                    </p:cTn>
+                  </p:par>
+                  <p:par>
+                    <p:cTn id="11" fill="hold">
+                      <p:stCondLst>
+                        <p:cond delay="indefinite"/>
+                      </p:stCondLst>
+                      <p:childTnLst>
+                        <p:par>
+                          <p:cTn id="12" fill="hold">
+                            <p:stCondLst>
+                              <p:cond delay="0"/>
+                            </p:stCondLst>
+                            <p:childTnLst>
+                              <p:par>
+                                <p:cTn id="13" presetID="26" presetClass="entr" presetSubtype="0" fill="hold" grpId="0" nodeType="clickEffect">
+                                  <p:stCondLst>
+                                    <p:cond delay="0"/>
+                                  </p:stCondLst>
+                                  <p:childTnLst>
+                                    <p:set>
+                                      <p:cBhvr>
+                                        <p:cTn id="14" dur="1" fill="hold">
+                                          <p:stCondLst>
+                                            <p:cond delay="0"/>
+                                          </p:stCondLst>
+                                        </p:cTn>
+                                        <p:tgtEl>
+                                          <p:spTgt spid="32"/>
+                                        </p:tgtEl>
+                                        <p:attrNameLst>
+                                          <p:attrName>style.visibility</p:attrName>
+                                        </p:attrNameLst>
+                                      </p:cBhvr>
+                                      <p:to>
+                                        <p:strVal val="visible"/>
+                                      </p:to>
+                                    </p:set>
+                                    <p:animEffect transition="in" filter="wipe(down)">
+                                      <p:cBhvr>
+                                        <p:cTn id="15" dur="580">
+                                          <p:stCondLst>
+                                            <p:cond delay="0"/>
+                                          </p:stCondLst>
+                                        </p:cTn>
+                                        <p:tgtEl>
+                                          <p:spTgt spid="32"/>
+                                        </p:tgtEl>
+                                      </p:cBhvr>
+                                    </p:animEffect>
+                                    <p:anim calcmode="lin" valueType="num">
+                                      <p:cBhvr>
+                                        <p:cTn id="16" dur="1822" tmFilter="0,0; 0.14,0.36; 0.43,0.73; 0.71,0.91; 1.0,1.0">
+                                          <p:stCondLst>
+                                            <p:cond delay="0"/>
+                                          </p:stCondLst>
+                                        </p:cTn>
+                                        <p:tgtEl>
+                                          <p:spTgt spid="32"/>
+                                        </p:tgtEl>
+                                        <p:attrNameLst>
+                                          <p:attrName>ppt_x</p:attrName>
+                                        </p:attrNameLst>
+                                      </p:cBhvr>
+                                      <p:tavLst>
+                                        <p:tav tm="0">
+                                          <p:val>
+                                            <p:strVal val="#ppt_x-0.25"/>
+                                          </p:val>
+                                        </p:tav>
+                                        <p:tav tm="100000">
+                                          <p:val>
+                                            <p:strVal val="#ppt_x"/>
+                                          </p:val>
+                                        </p:tav>
+                                      </p:tavLst>
+                                    </p:anim>
+                                    <p:anim calcmode="lin" valueType="num">
+                                      <p:cBhvr>
+                                        <p:cTn id="17" dur="664" tmFilter="0.0,0.0; 0.25,0.07; 0.50,0.2; 0.75,0.467; 1.0,1.0">
+                                          <p:stCondLst>
+                                            <p:cond delay="0"/>
+                                          </p:stCondLst>
+                                        </p:cTn>
+                                        <p:tgtEl>
+                                          <p:spTgt spid="32"/>
+                                        </p:tgtEl>
+                                        <p:attrNameLst>
+                                          <p:attrName>ppt_y</p:attrName>
+                                        </p:attrNameLst>
+                                      </p:cBhvr>
+                                      <p:tavLst>
+                                        <p:tav tm="0" fmla="#ppt_y-sin(pi*$)/3">
+                                          <p:val>
+                                            <p:fltVal val="0.5"/>
+                                          </p:val>
+                                        </p:tav>
+                                        <p:tav tm="100000">
+                                          <p:val>
+                                            <p:fltVal val="1"/>
+                                          </p:val>
+                                        </p:tav>
+                                      </p:tavLst>
+                                    </p:anim>
+                                    <p:anim calcmode="lin" valueType="num">
+                                      <p:cBhvr>
+                                        <p:cTn id="18" dur="664" tmFilter="0, 0; 0.125,0.2665; 0.25,0.4; 0.375,0.465; 0.5,0.5;  0.625,0.535; 0.75,0.6; 0.875,0.7335; 1,1">
+                                          <p:stCondLst>
+                                            <p:cond delay="664"/>
+                                          </p:stCondLst>
+                                        </p:cTn>
+                                        <p:tgtEl>
+                                          <p:spTgt spid="32"/>
+                                        </p:tgtEl>
+                                        <p:attrNameLst>
+                                          <p:attrName>ppt_y</p:attrName>
+                                        </p:attrNameLst>
+                                      </p:cBhvr>
+                                      <p:tavLst>
+                                        <p:tav tm="0" fmla="#ppt_y-sin(pi*$)/9">
+                                          <p:val>
+                                            <p:fltVal val="0"/>
+                                          </p:val>
+                                        </p:tav>
+                                        <p:tav tm="100000">
+                                          <p:val>
+                                            <p:fltVal val="1"/>
+                                          </p:val>
+                                        </p:tav>
+                                      </p:tavLst>
+                                    </p:anim>
+                                    <p:anim calcmode="lin" valueType="num">
+                                      <p:cBhvr>
+                                        <p:cTn id="19" dur="332" tmFilter="0, 0; 0.125,0.2665; 0.25,0.4; 0.375,0.465; 0.5,0.5;  0.625,0.535; 0.75,0.6; 0.875,0.7335; 1,1">
+                                          <p:stCondLst>
+                                            <p:cond delay="1324"/>
+                                          </p:stCondLst>
+                                        </p:cTn>
+                                        <p:tgtEl>
+                                          <p:spTgt spid="32"/>
+                                        </p:tgtEl>
+                                        <p:attrNameLst>
+                                          <p:attrName>ppt_y</p:attrName>
+                                        </p:attrNameLst>
+                                      </p:cBhvr>
+                                      <p:tavLst>
+                                        <p:tav tm="0" fmla="#ppt_y-sin(pi*$)/27">
+                                          <p:val>
+                                            <p:fltVal val="0"/>
+                                          </p:val>
+                                        </p:tav>
+                                        <p:tav tm="100000">
+                                          <p:val>
+                                            <p:fltVal val="1"/>
+                                          </p:val>
+                                        </p:tav>
+                                      </p:tavLst>
+                                    </p:anim>
+                                    <p:anim calcmode="lin" valueType="num">
+                                      <p:cBhvr>
+                                        <p:cTn id="20" dur="164" tmFilter="0, 0; 0.125,0.2665; 0.25,0.4; 0.375,0.465; 0.5,0.5;  0.625,0.535; 0.75,0.6; 0.875,0.7335; 1,1">
+                                          <p:stCondLst>
+                                            <p:cond delay="1656"/>
+                                          </p:stCondLst>
+                                        </p:cTn>
+                                        <p:tgtEl>
+                                          <p:spTgt spid="32"/>
+                                        </p:tgtEl>
+                                        <p:attrNameLst>
+                                          <p:attrName>ppt_y</p:attrName>
+                                        </p:attrNameLst>
+                                      </p:cBhvr>
+                                      <p:tavLst>
+                                        <p:tav tm="0" fmla="#ppt_y-sin(pi*$)/81">
+                                          <p:val>
+                                            <p:fltVal val="0"/>
+                                          </p:val>
+                                        </p:tav>
+                                        <p:tav tm="100000">
+                                          <p:val>
+                                            <p:fltVal val="1"/>
+                                          </p:val>
+                                        </p:tav>
+                                      </p:tavLst>
+                                    </p:anim>
+                                    <p:animScale>
+                                      <p:cBhvr>
+                                        <p:cTn id="21" dur="26">
+                                          <p:stCondLst>
+                                            <p:cond delay="650"/>
+                                          </p:stCondLst>
+                                        </p:cTn>
+                                        <p:tgtEl>
+                                          <p:spTgt spid="32"/>
+                                        </p:tgtEl>
+                                      </p:cBhvr>
+                                      <p:to x="100000" y="60000"/>
+                                    </p:animScale>
+                                    <p:animScale>
+                                      <p:cBhvr>
+                                        <p:cTn id="22" dur="166" decel="50000">
+                                          <p:stCondLst>
+                                            <p:cond delay="676"/>
+                                          </p:stCondLst>
+                                        </p:cTn>
+                                        <p:tgtEl>
+                                          <p:spTgt spid="32"/>
+                                        </p:tgtEl>
+                                      </p:cBhvr>
+                                      <p:to x="100000" y="100000"/>
+                                    </p:animScale>
+                                    <p:animScale>
+                                      <p:cBhvr>
+                                        <p:cTn id="23" dur="26">
+                                          <p:stCondLst>
+                                            <p:cond delay="1312"/>
+                                          </p:stCondLst>
+                                        </p:cTn>
+                                        <p:tgtEl>
+                                          <p:spTgt spid="32"/>
+                                        </p:tgtEl>
+                                      </p:cBhvr>
+                                      <p:to x="100000" y="80000"/>
+                                    </p:animScale>
+                                    <p:animScale>
+                                      <p:cBhvr>
+                                        <p:cTn id="24" dur="166" decel="50000">
+                                          <p:stCondLst>
+                                            <p:cond delay="1338"/>
+                                          </p:stCondLst>
+                                        </p:cTn>
+                                        <p:tgtEl>
+                                          <p:spTgt spid="32"/>
+                                        </p:tgtEl>
+                                      </p:cBhvr>
+                                      <p:to x="100000" y="100000"/>
+                                    </p:animScale>
+                                    <p:animScale>
+                                      <p:cBhvr>
+                                        <p:cTn id="25" dur="26">
+                                          <p:stCondLst>
+                                            <p:cond delay="1642"/>
+                                          </p:stCondLst>
+                                        </p:cTn>
+                                        <p:tgtEl>
+                                          <p:spTgt spid="32"/>
+                                        </p:tgtEl>
+                                      </p:cBhvr>
+                                      <p:to x="100000" y="90000"/>
+                                    </p:animScale>
+                                    <p:animScale>
+                                      <p:cBhvr>
+                                        <p:cTn id="26" dur="166" decel="50000">
+                                          <p:stCondLst>
+                                            <p:cond delay="1668"/>
+                                          </p:stCondLst>
+                                        </p:cTn>
+                                        <p:tgtEl>
+                                          <p:spTgt spid="32"/>
+                                        </p:tgtEl>
+                                      </p:cBhvr>
+                                      <p:to x="100000" y="100000"/>
+                                    </p:animScale>
+                                    <p:animScale>
+                                      <p:cBhvr>
+                                        <p:cTn id="27" dur="26">
+                                          <p:stCondLst>
+                                            <p:cond delay="1808"/>
+                                          </p:stCondLst>
+                                        </p:cTn>
+                                        <p:tgtEl>
+                                          <p:spTgt spid="32"/>
+                                        </p:tgtEl>
+                                      </p:cBhvr>
+                                      <p:to x="100000" y="95000"/>
+                                    </p:animScale>
+                                    <p:animScale>
+                                      <p:cBhvr>
+                                        <p:cTn id="28" dur="166" decel="50000">
+                                          <p:stCondLst>
+                                            <p:cond delay="1834"/>
+                                          </p:stCondLst>
+                                        </p:cTn>
+                                        <p:tgtEl>
+                                          <p:spTgt spid="32"/>
+                                        </p:tgtEl>
+                                      </p:cBhvr>
+                                      <p:to x="100000" y="100000"/>
+                                    </p:animScale>
+                                  </p:childTnLst>
+                                </p:cTn>
+                              </p:par>
+                            </p:childTnLst>
+                          </p:cTn>
+                        </p:par>
+                      </p:childTnLst>
+                    </p:cTn>
+                  </p:par>
+                  <p:par>
+                    <p:cTn id="29" fill="hold">
+                      <p:stCondLst>
+                        <p:cond delay="indefinite"/>
+                      </p:stCondLst>
+                      <p:childTnLst>
+                        <p:par>
+                          <p:cTn id="30" fill="hold">
+                            <p:stCondLst>
+                              <p:cond delay="0"/>
+                            </p:stCondLst>
+                            <p:childTnLst>
+                              <p:par>
+                                <p:cTn id="31" presetID="6" presetClass="entr" presetSubtype="16" fill="hold" nodeType="clickEffect">
+                                  <p:stCondLst>
+                                    <p:cond delay="0"/>
+                                  </p:stCondLst>
+                                  <p:childTnLst>
+                                    <p:set>
+                                      <p:cBhvr>
+                                        <p:cTn id="32" dur="1" fill="hold">
+                                          <p:stCondLst>
+                                            <p:cond delay="0"/>
+                                          </p:stCondLst>
+                                        </p:cTn>
+                                        <p:tgtEl>
+                                          <p:spTgt spid="26"/>
+                                        </p:tgtEl>
+                                        <p:attrNameLst>
+                                          <p:attrName>style.visibility</p:attrName>
+                                        </p:attrNameLst>
+                                      </p:cBhvr>
+                                      <p:to>
+                                        <p:strVal val="visible"/>
+                                      </p:to>
+                                    </p:set>
+                                    <p:animEffect transition="in" filter="circle(in)">
+                                      <p:cBhvr>
+                                        <p:cTn id="33" dur="2000"/>
+                                        <p:tgtEl>
+                                          <p:spTgt spid="26"/>
+                                        </p:tgtEl>
+                                      </p:cBhvr>
+                                    </p:animEffect>
+                                  </p:childTnLst>
+                                </p:cTn>
+                              </p:par>
+                              <p:par>
+                                <p:cTn id="34" presetID="6" presetClass="entr" presetSubtype="16" fill="hold" nodeType="withEffect">
+                                  <p:stCondLst>
+                                    <p:cond delay="0"/>
+                                  </p:stCondLst>
+                                  <p:childTnLst>
+                                    <p:set>
+                                      <p:cBhvr>
+                                        <p:cTn id="35" dur="1" fill="hold">
+                                          <p:stCondLst>
+                                            <p:cond delay="0"/>
+                                          </p:stCondLst>
+                                        </p:cTn>
+                                        <p:tgtEl>
+                                          <p:spTgt spid="30"/>
+                                        </p:tgtEl>
+                                        <p:attrNameLst>
+                                          <p:attrName>style.visibility</p:attrName>
+                                        </p:attrNameLst>
+                                      </p:cBhvr>
+                                      <p:to>
+                                        <p:strVal val="visible"/>
+                                      </p:to>
+                                    </p:set>
+                                    <p:animEffect transition="in" filter="circle(in)">
+                                      <p:cBhvr>
+                                        <p:cTn id="36" dur="2000"/>
+                                        <p:tgtEl>
+                                          <p:spTgt spid="30"/>
+                                        </p:tgtEl>
+                                      </p:cBhvr>
+                                    </p:animEffect>
+                                  </p:childTnLst>
+                                </p:cTn>
+                              </p:par>
+                            </p:childTnLst>
+                          </p:cTn>
+                        </p:par>
+                      </p:childTnLst>
+                    </p:cTn>
+                  </p:par>
+                </p:childTnLst>
+              </p:cTn>
+              <p:prevCondLst>
+                <p:cond evt="onPrev" delay="0">
+                  <p:tgtEl>
+                    <p:sldTgt/>
+                  </p:tgtEl>
+                </p:cond>
+              </p:prevCondLst>
+              <p:nextCondLst>
+                <p:cond evt="onNext" delay="0">
+                  <p:tgtEl>
+                    <p:sldTgt/>
+                  </p:tgtEl>
+                </p:cond>
+              </p:nextCondLst>
+            </p:seq>
+          </p:childTnLst>
+        </p:cTn>
+      </p:par>
+    </p:tnLst>
+    <p:bldLst>
+      <p:bldP spid="32" grpId="0" animBg="1"/>
+    </p:bldLst>
+  </p:timing>
+</p:sld>
+</file>
+
+<file path=ppt/slides/slide11.xml><?xml version="1.0" encoding="utf-8"?>
 <p:sld xmlns:a="http://schemas.openxmlformats.org/drawingml/2006/main" xmlns:r="http://schemas.openxmlformats.org/officeDocument/2006/relationships" xmlns:p="http://schemas.openxmlformats.org/presentationml/2006/main">
   <p:cSld>
     <p:spTree>
@@ -7893,7 +8797,7 @@
 </p:sld>
 </file>
 
-<file path=ppt/slides/slide11.xml><?xml version="1.0" encoding="utf-8"?>
+<file path=ppt/slides/slide12.xml><?xml version="1.0" encoding="utf-8"?>
 <p:sld xmlns:a="http://schemas.openxmlformats.org/drawingml/2006/main" xmlns:r="http://schemas.openxmlformats.org/officeDocument/2006/relationships" xmlns:p="http://schemas.openxmlformats.org/presentationml/2006/main">
   <p:cSld>
     <p:spTree>
@@ -8494,7 +9398,7 @@
 </p:sld>
 </file>
 
-<file path=ppt/slides/slide12.xml><?xml version="1.0" encoding="utf-8"?>
+<file path=ppt/slides/slide13.xml><?xml version="1.0" encoding="utf-8"?>
 <p:sld xmlns:a="http://schemas.openxmlformats.org/drawingml/2006/main" xmlns:r="http://schemas.openxmlformats.org/officeDocument/2006/relationships" xmlns:p="http://schemas.openxmlformats.org/presentationml/2006/main">
   <p:cSld>
     <p:spTree>
@@ -8771,7 +9675,7 @@
 </p:sld>
 </file>
 
-<file path=ppt/slides/slide13.xml><?xml version="1.0" encoding="utf-8"?>
+<file path=ppt/slides/slide14.xml><?xml version="1.0" encoding="utf-8"?>
 <p:sld xmlns:a="http://schemas.openxmlformats.org/drawingml/2006/main" xmlns:r="http://schemas.openxmlformats.org/officeDocument/2006/relationships" xmlns:p="http://schemas.openxmlformats.org/presentationml/2006/main">
   <p:cSld>
     <p:spTree>
@@ -9362,7 +10266,7 @@
 </p:sld>
 </file>
 
-<file path=ppt/slides/slide14.xml><?xml version="1.0" encoding="utf-8"?>
+<file path=ppt/slides/slide15.xml><?xml version="1.0" encoding="utf-8"?>
 <p:sld xmlns:a="http://schemas.openxmlformats.org/drawingml/2006/main" xmlns:r="http://schemas.openxmlformats.org/officeDocument/2006/relationships" xmlns:p="http://schemas.openxmlformats.org/presentationml/2006/main">
   <p:cSld>
     <p:spTree>
@@ -10594,7 +11498,7 @@
 </p:sld>
 </file>
 
-<file path=ppt/slides/slide15.xml><?xml version="1.0" encoding="utf-8"?>
+<file path=ppt/slides/slide16.xml><?xml version="1.0" encoding="utf-8"?>
 <p:sld xmlns:a="http://schemas.openxmlformats.org/drawingml/2006/main" xmlns:r="http://schemas.openxmlformats.org/officeDocument/2006/relationships" xmlns:p="http://schemas.openxmlformats.org/presentationml/2006/main">
   <p:cSld>
     <p:spTree>
@@ -11096,7 +12000,7 @@
 </p:sld>
 </file>
 
-<file path=ppt/slides/slide16.xml><?xml version="1.0" encoding="utf-8"?>
+<file path=ppt/slides/slide17.xml><?xml version="1.0" encoding="utf-8"?>
 <p:sld xmlns:a="http://schemas.openxmlformats.org/drawingml/2006/main" xmlns:r="http://schemas.openxmlformats.org/officeDocument/2006/relationships" xmlns:p="http://schemas.openxmlformats.org/presentationml/2006/main">
   <p:cSld>
     <p:spTree>
@@ -11575,7 +12479,7 @@
 </p:sld>
 </file>
 
-<file path=ppt/slides/slide17.xml><?xml version="1.0" encoding="utf-8"?>
+<file path=ppt/slides/slide18.xml><?xml version="1.0" encoding="utf-8"?>
 <p:sld xmlns:a="http://schemas.openxmlformats.org/drawingml/2006/main" xmlns:r="http://schemas.openxmlformats.org/officeDocument/2006/relationships" xmlns:p="http://schemas.openxmlformats.org/presentationml/2006/main">
   <p:cSld>
     <p:spTree>
@@ -12000,7 +12904,7 @@
 </p:sld>
 </file>
 
-<file path=ppt/slides/slide18.xml><?xml version="1.0" encoding="utf-8"?>
+<file path=ppt/slides/slide19.xml><?xml version="1.0" encoding="utf-8"?>
 <p:sld xmlns:a="http://schemas.openxmlformats.org/drawingml/2006/main" xmlns:r="http://schemas.openxmlformats.org/officeDocument/2006/relationships" xmlns:p="http://schemas.openxmlformats.org/presentationml/2006/main">
   <p:cSld>
     <p:spTree>
@@ -12836,7 +13740,166 @@
 </p:sld>
 </file>
 
-<file path=ppt/slides/slide19.xml><?xml version="1.0" encoding="utf-8"?>
+<file path=ppt/slides/slide2.xml><?xml version="1.0" encoding="utf-8"?>
+<p:sld xmlns:a="http://schemas.openxmlformats.org/drawingml/2006/main" xmlns:r="http://schemas.openxmlformats.org/officeDocument/2006/relationships" xmlns:p="http://schemas.openxmlformats.org/presentationml/2006/main">
+  <p:cSld>
+    <p:spTree>
+      <p:nvGrpSpPr>
+        <p:cNvPr id="1" name=""/>
+        <p:cNvGrpSpPr/>
+        <p:nvPr/>
+      </p:nvGrpSpPr>
+      <p:grpSpPr>
+        <a:xfrm>
+          <a:off x="0" y="0"/>
+          <a:ext cx="0" cy="0"/>
+          <a:chOff x="0" y="0"/>
+          <a:chExt cx="0" cy="0"/>
+        </a:xfrm>
+      </p:grpSpPr>
+      <p:sp>
+        <p:nvSpPr>
+          <p:cNvPr id="2" name="Title 1">
+            <a:extLst>
+              <a:ext uri="{FF2B5EF4-FFF2-40B4-BE49-F238E27FC236}">
+                <a16:creationId xmlns:a16="http://schemas.microsoft.com/office/drawing/2014/main" id="{59B8B577-5676-3C4B-A107-E41DB331FD85}"/>
+              </a:ext>
+            </a:extLst>
+          </p:cNvPr>
+          <p:cNvSpPr>
+            <a:spLocks noGrp="1"/>
+          </p:cNvSpPr>
+          <p:nvPr>
+            <p:ph type="title"/>
+          </p:nvPr>
+        </p:nvSpPr>
+        <p:spPr>
+          <a:xfrm>
+            <a:off x="2721982" y="696475"/>
+            <a:ext cx="10515600" cy="1325563"/>
+          </a:xfrm>
+        </p:spPr>
+        <p:txBody>
+          <a:bodyPr>
+            <a:normAutofit/>
+          </a:bodyPr>
+          <a:lstStyle/>
+          <a:p>
+            <a:r>
+              <a:rPr lang="en-US" sz="4000" dirty="0">
+                <a:solidFill>
+                  <a:srgbClr val="EA5E46"/>
+                </a:solidFill>
+              </a:rPr>
+              <a:t>Airbnb Pricing Background</a:t>
+            </a:r>
+          </a:p>
+        </p:txBody>
+      </p:sp>
+      <p:pic>
+        <p:nvPicPr>
+          <p:cNvPr id="2050" name="Picture 2" descr="Image result for air bnb logo">
+            <a:extLst>
+              <a:ext uri="{FF2B5EF4-FFF2-40B4-BE49-F238E27FC236}">
+                <a16:creationId xmlns:a16="http://schemas.microsoft.com/office/drawing/2014/main" id="{A162C291-208B-BE48-BF44-7D5CD7EF6151}"/>
+              </a:ext>
+            </a:extLst>
+          </p:cNvPr>
+          <p:cNvPicPr>
+            <a:picLocks noChangeAspect="1" noChangeArrowheads="1"/>
+          </p:cNvPicPr>
+          <p:nvPr/>
+        </p:nvPicPr>
+        <p:blipFill>
+          <a:blip r:embed="rId3">
+            <a:extLst>
+              <a:ext uri="{28A0092B-C50C-407E-A947-70E740481C1C}">
+                <a14:useLocalDpi xmlns:a14="http://schemas.microsoft.com/office/drawing/2010/main" val="0"/>
+              </a:ext>
+            </a:extLst>
+          </a:blip>
+          <a:srcRect/>
+          <a:stretch>
+            <a:fillRect/>
+          </a:stretch>
+        </p:blipFill>
+        <p:spPr bwMode="auto">
+          <a:xfrm>
+            <a:off x="530564" y="108278"/>
+            <a:ext cx="2189605" cy="2022038"/>
+          </a:xfrm>
+          <a:prstGeom prst="rect">
+            <a:avLst/>
+          </a:prstGeom>
+          <a:noFill/>
+          <a:extLst>
+            <a:ext uri="{909E8E84-426E-40DD-AFC4-6F175D3DCCD1}">
+              <a14:hiddenFill xmlns:a14="http://schemas.microsoft.com/office/drawing/2010/main">
+                <a:solidFill>
+                  <a:srgbClr val="FFFFFF"/>
+                </a:solidFill>
+              </a14:hiddenFill>
+            </a:ext>
+          </a:extLst>
+        </p:spPr>
+      </p:pic>
+      <p:cxnSp>
+        <p:nvCxnSpPr>
+          <p:cNvPr id="6" name="Straight Connector 5">
+            <a:extLst>
+              <a:ext uri="{FF2B5EF4-FFF2-40B4-BE49-F238E27FC236}">
+                <a16:creationId xmlns:a16="http://schemas.microsoft.com/office/drawing/2014/main" id="{7D0926DC-6298-B648-9DF9-0D78D09F9FC8}"/>
+              </a:ext>
+            </a:extLst>
+          </p:cNvPr>
+          <p:cNvCxnSpPr>
+            <a:cxnSpLocks/>
+          </p:cNvCxnSpPr>
+          <p:nvPr/>
+        </p:nvCxnSpPr>
+        <p:spPr>
+          <a:xfrm>
+            <a:off x="975854" y="1684830"/>
+            <a:ext cx="9518745" cy="1"/>
+          </a:xfrm>
+          <a:prstGeom prst="line">
+            <a:avLst/>
+          </a:prstGeom>
+          <a:ln w="12700">
+            <a:solidFill>
+              <a:srgbClr val="EA5E46"/>
+            </a:solidFill>
+          </a:ln>
+        </p:spPr>
+        <p:style>
+          <a:lnRef idx="1">
+            <a:schemeClr val="accent2"/>
+          </a:lnRef>
+          <a:fillRef idx="0">
+            <a:schemeClr val="accent2"/>
+          </a:fillRef>
+          <a:effectRef idx="0">
+            <a:schemeClr val="accent2"/>
+          </a:effectRef>
+          <a:fontRef idx="minor">
+            <a:schemeClr val="tx1"/>
+          </a:fontRef>
+        </p:style>
+      </p:cxnSp>
+    </p:spTree>
+    <p:extLst>
+      <p:ext uri="{BB962C8B-B14F-4D97-AF65-F5344CB8AC3E}">
+        <p14:creationId xmlns:p14="http://schemas.microsoft.com/office/powerpoint/2010/main" val="408311150"/>
+      </p:ext>
+    </p:extLst>
+  </p:cSld>
+  <p:clrMapOvr>
+    <a:masterClrMapping/>
+  </p:clrMapOvr>
+</p:sld>
+</file>
+
+<file path=ppt/slides/slide20.xml><?xml version="1.0" encoding="utf-8"?>
 <p:sld xmlns:a="http://schemas.openxmlformats.org/drawingml/2006/main" xmlns:r="http://schemas.openxmlformats.org/officeDocument/2006/relationships" xmlns:p="http://schemas.openxmlformats.org/presentationml/2006/main">
   <p:cSld>
     <p:spTree>
@@ -13500,166 +14563,7 @@
 </p:sld>
 </file>
 
-<file path=ppt/slides/slide2.xml><?xml version="1.0" encoding="utf-8"?>
-<p:sld xmlns:a="http://schemas.openxmlformats.org/drawingml/2006/main" xmlns:r="http://schemas.openxmlformats.org/officeDocument/2006/relationships" xmlns:p="http://schemas.openxmlformats.org/presentationml/2006/main">
-  <p:cSld>
-    <p:spTree>
-      <p:nvGrpSpPr>
-        <p:cNvPr id="1" name=""/>
-        <p:cNvGrpSpPr/>
-        <p:nvPr/>
-      </p:nvGrpSpPr>
-      <p:grpSpPr>
-        <a:xfrm>
-          <a:off x="0" y="0"/>
-          <a:ext cx="0" cy="0"/>
-          <a:chOff x="0" y="0"/>
-          <a:chExt cx="0" cy="0"/>
-        </a:xfrm>
-      </p:grpSpPr>
-      <p:sp>
-        <p:nvSpPr>
-          <p:cNvPr id="2" name="Title 1">
-            <a:extLst>
-              <a:ext uri="{FF2B5EF4-FFF2-40B4-BE49-F238E27FC236}">
-                <a16:creationId xmlns:a16="http://schemas.microsoft.com/office/drawing/2014/main" id="{59B8B577-5676-3C4B-A107-E41DB331FD85}"/>
-              </a:ext>
-            </a:extLst>
-          </p:cNvPr>
-          <p:cNvSpPr>
-            <a:spLocks noGrp="1"/>
-          </p:cNvSpPr>
-          <p:nvPr>
-            <p:ph type="title"/>
-          </p:nvPr>
-        </p:nvSpPr>
-        <p:spPr>
-          <a:xfrm>
-            <a:off x="2721982" y="696475"/>
-            <a:ext cx="10515600" cy="1325563"/>
-          </a:xfrm>
-        </p:spPr>
-        <p:txBody>
-          <a:bodyPr>
-            <a:normAutofit/>
-          </a:bodyPr>
-          <a:lstStyle/>
-          <a:p>
-            <a:r>
-              <a:rPr lang="en-US" sz="4000" dirty="0">
-                <a:solidFill>
-                  <a:srgbClr val="EA5E46"/>
-                </a:solidFill>
-              </a:rPr>
-              <a:t>Airbnb Pricing Background</a:t>
-            </a:r>
-          </a:p>
-        </p:txBody>
-      </p:sp>
-      <p:pic>
-        <p:nvPicPr>
-          <p:cNvPr id="2050" name="Picture 2" descr="Image result for air bnb logo">
-            <a:extLst>
-              <a:ext uri="{FF2B5EF4-FFF2-40B4-BE49-F238E27FC236}">
-                <a16:creationId xmlns:a16="http://schemas.microsoft.com/office/drawing/2014/main" id="{A162C291-208B-BE48-BF44-7D5CD7EF6151}"/>
-              </a:ext>
-            </a:extLst>
-          </p:cNvPr>
-          <p:cNvPicPr>
-            <a:picLocks noChangeAspect="1" noChangeArrowheads="1"/>
-          </p:cNvPicPr>
-          <p:nvPr/>
-        </p:nvPicPr>
-        <p:blipFill>
-          <a:blip r:embed="rId3">
-            <a:extLst>
-              <a:ext uri="{28A0092B-C50C-407E-A947-70E740481C1C}">
-                <a14:useLocalDpi xmlns:a14="http://schemas.microsoft.com/office/drawing/2010/main" val="0"/>
-              </a:ext>
-            </a:extLst>
-          </a:blip>
-          <a:srcRect/>
-          <a:stretch>
-            <a:fillRect/>
-          </a:stretch>
-        </p:blipFill>
-        <p:spPr bwMode="auto">
-          <a:xfrm>
-            <a:off x="530564" y="108278"/>
-            <a:ext cx="2189605" cy="2022038"/>
-          </a:xfrm>
-          <a:prstGeom prst="rect">
-            <a:avLst/>
-          </a:prstGeom>
-          <a:noFill/>
-          <a:extLst>
-            <a:ext uri="{909E8E84-426E-40DD-AFC4-6F175D3DCCD1}">
-              <a14:hiddenFill xmlns:a14="http://schemas.microsoft.com/office/drawing/2010/main">
-                <a:solidFill>
-                  <a:srgbClr val="FFFFFF"/>
-                </a:solidFill>
-              </a14:hiddenFill>
-            </a:ext>
-          </a:extLst>
-        </p:spPr>
-      </p:pic>
-      <p:cxnSp>
-        <p:nvCxnSpPr>
-          <p:cNvPr id="6" name="Straight Connector 5">
-            <a:extLst>
-              <a:ext uri="{FF2B5EF4-FFF2-40B4-BE49-F238E27FC236}">
-                <a16:creationId xmlns:a16="http://schemas.microsoft.com/office/drawing/2014/main" id="{7D0926DC-6298-B648-9DF9-0D78D09F9FC8}"/>
-              </a:ext>
-            </a:extLst>
-          </p:cNvPr>
-          <p:cNvCxnSpPr>
-            <a:cxnSpLocks/>
-          </p:cNvCxnSpPr>
-          <p:nvPr/>
-        </p:nvCxnSpPr>
-        <p:spPr>
-          <a:xfrm>
-            <a:off x="975854" y="1684830"/>
-            <a:ext cx="9518745" cy="1"/>
-          </a:xfrm>
-          <a:prstGeom prst="line">
-            <a:avLst/>
-          </a:prstGeom>
-          <a:ln w="12700">
-            <a:solidFill>
-              <a:srgbClr val="EA5E46"/>
-            </a:solidFill>
-          </a:ln>
-        </p:spPr>
-        <p:style>
-          <a:lnRef idx="1">
-            <a:schemeClr val="accent2"/>
-          </a:lnRef>
-          <a:fillRef idx="0">
-            <a:schemeClr val="accent2"/>
-          </a:fillRef>
-          <a:effectRef idx="0">
-            <a:schemeClr val="accent2"/>
-          </a:effectRef>
-          <a:fontRef idx="minor">
-            <a:schemeClr val="tx1"/>
-          </a:fontRef>
-        </p:style>
-      </p:cxnSp>
-    </p:spTree>
-    <p:extLst>
-      <p:ext uri="{BB962C8B-B14F-4D97-AF65-F5344CB8AC3E}">
-        <p14:creationId xmlns:p14="http://schemas.microsoft.com/office/powerpoint/2010/main" val="408311150"/>
-      </p:ext>
-    </p:extLst>
-  </p:cSld>
-  <p:clrMapOvr>
-    <a:masterClrMapping/>
-  </p:clrMapOvr>
-</p:sld>
-</file>
-
-<file path=ppt/slides/slide20.xml><?xml version="1.0" encoding="utf-8"?>
+<file path=ppt/slides/slide21.xml><?xml version="1.0" encoding="utf-8"?>
 <p:sld xmlns:a="http://schemas.openxmlformats.org/drawingml/2006/main" xmlns:r="http://schemas.openxmlformats.org/officeDocument/2006/relationships" xmlns:p="http://schemas.openxmlformats.org/presentationml/2006/main">
   <p:cSld>
     <p:spTree>
@@ -13971,7 +14875,7 @@
 </p:sld>
 </file>
 
-<file path=ppt/slides/slide21.xml><?xml version="1.0" encoding="utf-8"?>
+<file path=ppt/slides/slide22.xml><?xml version="1.0" encoding="utf-8"?>
 <p:sld xmlns:a="http://schemas.openxmlformats.org/drawingml/2006/main" xmlns:r="http://schemas.openxmlformats.org/officeDocument/2006/relationships" xmlns:p="http://schemas.openxmlformats.org/presentationml/2006/main">
   <p:cSld>
     <p:spTree>
@@ -14132,7 +15036,7 @@
         <p:spPr>
           <a:xfrm>
             <a:off x="4927054" y="1850531"/>
-            <a:ext cx="6069810" cy="7201972"/>
+            <a:ext cx="6069810" cy="6894195"/>
           </a:xfrm>
           <a:prstGeom prst="rect">
             <a:avLst/>
@@ -14180,7 +15084,7 @@
                 <a:ea typeface="Calibri" panose="020F0502020204030204" pitchFamily="34" charset="0"/>
                 <a:cs typeface="Times New Roman" panose="02020603050405020304" pitchFamily="18" charset="0"/>
               </a:rPr>
-              <a:t>Large datasets slows down the process during the data transformation process.</a:t>
+              <a:t>Large datasets are resource-intensive.</a:t>
             </a:r>
           </a:p>
           <a:p>
@@ -14987,7 +15891,7 @@
 </p:sld>
 </file>
 
-<file path=ppt/slides/slide22.xml><?xml version="1.0" encoding="utf-8"?>
+<file path=ppt/slides/slide23.xml><?xml version="1.0" encoding="utf-8"?>
 <p:sld xmlns:a="http://schemas.openxmlformats.org/drawingml/2006/main" xmlns:r="http://schemas.openxmlformats.org/officeDocument/2006/relationships" xmlns:p="http://schemas.openxmlformats.org/presentationml/2006/main">
   <p:cSld>
     <p:spTree>
@@ -15313,251 +16217,6 @@
     <p:extLst>
       <p:ext uri="{BB962C8B-B14F-4D97-AF65-F5344CB8AC3E}">
         <p14:creationId xmlns:p14="http://schemas.microsoft.com/office/powerpoint/2010/main" val="964012303"/>
-      </p:ext>
-    </p:extLst>
-  </p:cSld>
-  <p:clrMapOvr>
-    <a:masterClrMapping/>
-  </p:clrMapOvr>
-</p:sld>
-</file>
-
-<file path=ppt/slides/slide23.xml><?xml version="1.0" encoding="utf-8"?>
-<p:sld xmlns:a="http://schemas.openxmlformats.org/drawingml/2006/main" xmlns:r="http://schemas.openxmlformats.org/officeDocument/2006/relationships" xmlns:p="http://schemas.openxmlformats.org/presentationml/2006/main">
-  <p:cSld>
-    <p:spTree>
-      <p:nvGrpSpPr>
-        <p:cNvPr id="1" name=""/>
-        <p:cNvGrpSpPr/>
-        <p:nvPr/>
-      </p:nvGrpSpPr>
-      <p:grpSpPr>
-        <a:xfrm>
-          <a:off x="0" y="0"/>
-          <a:ext cx="0" cy="0"/>
-          <a:chOff x="0" y="0"/>
-          <a:chExt cx="0" cy="0"/>
-        </a:xfrm>
-      </p:grpSpPr>
-      <p:sp>
-        <p:nvSpPr>
-          <p:cNvPr id="2" name="Title 1">
-            <a:extLst>
-              <a:ext uri="{FF2B5EF4-FFF2-40B4-BE49-F238E27FC236}">
-                <a16:creationId xmlns:a16="http://schemas.microsoft.com/office/drawing/2014/main" id="{59B8B577-5676-3C4B-A107-E41DB331FD85}"/>
-              </a:ext>
-            </a:extLst>
-          </p:cNvPr>
-          <p:cNvSpPr>
-            <a:spLocks noGrp="1"/>
-          </p:cNvSpPr>
-          <p:nvPr>
-            <p:ph type="title"/>
-          </p:nvPr>
-        </p:nvSpPr>
-        <p:spPr>
-          <a:xfrm>
-            <a:off x="2721982" y="696475"/>
-            <a:ext cx="10515600" cy="1325563"/>
-          </a:xfrm>
-        </p:spPr>
-        <p:txBody>
-          <a:bodyPr>
-            <a:normAutofit/>
-          </a:bodyPr>
-          <a:lstStyle/>
-          <a:p>
-            <a:r>
-              <a:rPr lang="en-US" sz="4000" dirty="0">
-                <a:solidFill>
-                  <a:srgbClr val="EA5E46"/>
-                </a:solidFill>
-              </a:rPr>
-              <a:t>Final output</a:t>
-            </a:r>
-          </a:p>
-        </p:txBody>
-      </p:sp>
-      <p:pic>
-        <p:nvPicPr>
-          <p:cNvPr id="2050" name="Picture 2" descr="Image result for air bnb logo">
-            <a:extLst>
-              <a:ext uri="{FF2B5EF4-FFF2-40B4-BE49-F238E27FC236}">
-                <a16:creationId xmlns:a16="http://schemas.microsoft.com/office/drawing/2014/main" id="{A162C291-208B-BE48-BF44-7D5CD7EF6151}"/>
-              </a:ext>
-            </a:extLst>
-          </p:cNvPr>
-          <p:cNvPicPr>
-            <a:picLocks noChangeAspect="1" noChangeArrowheads="1"/>
-          </p:cNvPicPr>
-          <p:nvPr/>
-        </p:nvPicPr>
-        <p:blipFill>
-          <a:blip r:embed="rId3">
-            <a:extLst>
-              <a:ext uri="{28A0092B-C50C-407E-A947-70E740481C1C}">
-                <a14:useLocalDpi xmlns:a14="http://schemas.microsoft.com/office/drawing/2010/main" val="0"/>
-              </a:ext>
-            </a:extLst>
-          </a:blip>
-          <a:srcRect/>
-          <a:stretch>
-            <a:fillRect/>
-          </a:stretch>
-        </p:blipFill>
-        <p:spPr bwMode="auto">
-          <a:xfrm>
-            <a:off x="530564" y="108278"/>
-            <a:ext cx="2189605" cy="2022038"/>
-          </a:xfrm>
-          <a:prstGeom prst="rect">
-            <a:avLst/>
-          </a:prstGeom>
-          <a:noFill/>
-          <a:extLst>
-            <a:ext uri="{909E8E84-426E-40DD-AFC4-6F175D3DCCD1}">
-              <a14:hiddenFill xmlns:a14="http://schemas.microsoft.com/office/drawing/2010/main">
-                <a:solidFill>
-                  <a:srgbClr val="FFFFFF"/>
-                </a:solidFill>
-              </a14:hiddenFill>
-            </a:ext>
-          </a:extLst>
-        </p:spPr>
-      </p:pic>
-      <p:cxnSp>
-        <p:nvCxnSpPr>
-          <p:cNvPr id="6" name="Straight Connector 5">
-            <a:extLst>
-              <a:ext uri="{FF2B5EF4-FFF2-40B4-BE49-F238E27FC236}">
-                <a16:creationId xmlns:a16="http://schemas.microsoft.com/office/drawing/2014/main" id="{7D0926DC-6298-B648-9DF9-0D78D09F9FC8}"/>
-              </a:ext>
-            </a:extLst>
-          </p:cNvPr>
-          <p:cNvCxnSpPr>
-            <a:cxnSpLocks/>
-          </p:cNvCxnSpPr>
-          <p:nvPr/>
-        </p:nvCxnSpPr>
-        <p:spPr>
-          <a:xfrm>
-            <a:off x="975854" y="1684830"/>
-            <a:ext cx="9518745" cy="1"/>
-          </a:xfrm>
-          <a:prstGeom prst="line">
-            <a:avLst/>
-          </a:prstGeom>
-          <a:ln w="12700">
-            <a:solidFill>
-              <a:srgbClr val="EA5E46"/>
-            </a:solidFill>
-          </a:ln>
-        </p:spPr>
-        <p:style>
-          <a:lnRef idx="1">
-            <a:schemeClr val="accent2"/>
-          </a:lnRef>
-          <a:fillRef idx="0">
-            <a:schemeClr val="accent2"/>
-          </a:fillRef>
-          <a:effectRef idx="0">
-            <a:schemeClr val="accent2"/>
-          </a:effectRef>
-          <a:fontRef idx="minor">
-            <a:schemeClr val="tx1"/>
-          </a:fontRef>
-        </p:style>
-      </p:cxnSp>
-      <p:sp>
-        <p:nvSpPr>
-          <p:cNvPr id="5" name="TextBox 4">
-            <a:extLst>
-              <a:ext uri="{FF2B5EF4-FFF2-40B4-BE49-F238E27FC236}">
-                <a16:creationId xmlns:a16="http://schemas.microsoft.com/office/drawing/2014/main" id="{88997E98-9845-407E-BB5E-5C9DA5A601C7}"/>
-              </a:ext>
-            </a:extLst>
-          </p:cNvPr>
-          <p:cNvSpPr txBox="1"/>
-          <p:nvPr/>
-        </p:nvSpPr>
-        <p:spPr>
-          <a:xfrm>
-            <a:off x="872836" y="2228671"/>
-            <a:ext cx="8537171" cy="1754326"/>
-          </a:xfrm>
-          <a:prstGeom prst="rect">
-            <a:avLst/>
-          </a:prstGeom>
-          <a:noFill/>
-        </p:spPr>
-        <p:txBody>
-          <a:bodyPr wrap="square" rtlCol="0">
-            <a:spAutoFit/>
-          </a:bodyPr>
-          <a:lstStyle/>
-          <a:p>
-            <a:pPr marL="285750" indent="-285750">
-              <a:buFont typeface="Arial" panose="020B0604020202020204" pitchFamily="34" charset="0"/>
-              <a:buChar char="•"/>
-            </a:pPr>
-            <a:r>
-              <a:rPr lang="en-US" dirty="0"/>
-              <a:t>Modified Facebook Prophet Model that predict prices :</a:t>
-            </a:r>
-          </a:p>
-          <a:p>
-            <a:pPr marL="742950" lvl="1" indent="-285750">
-              <a:buFont typeface="Arial" panose="020B0604020202020204" pitchFamily="34" charset="0"/>
-              <a:buChar char="•"/>
-            </a:pPr>
-            <a:r>
-              <a:rPr lang="en-US" dirty="0"/>
-              <a:t>From 2017 - 2023</a:t>
-            </a:r>
-          </a:p>
-          <a:p>
-            <a:pPr marL="742950" lvl="1" indent="-285750">
-              <a:buFont typeface="Arial" panose="020B0604020202020204" pitchFamily="34" charset="0"/>
-              <a:buChar char="•"/>
-            </a:pPr>
-            <a:r>
-              <a:rPr lang="en-US" dirty="0"/>
-              <a:t>By Boroughs</a:t>
-            </a:r>
-          </a:p>
-          <a:p>
-            <a:pPr marL="742950" lvl="1" indent="-285750">
-              <a:buFont typeface="Arial" panose="020B0604020202020204" pitchFamily="34" charset="0"/>
-              <a:buChar char="•"/>
-            </a:pPr>
-            <a:r>
-              <a:rPr lang="en-US" dirty="0"/>
-              <a:t>By Room Type</a:t>
-            </a:r>
-          </a:p>
-          <a:p>
-            <a:pPr marL="742950" lvl="1" indent="-285750">
-              <a:buFont typeface="Arial" panose="020B0604020202020204" pitchFamily="34" charset="0"/>
-              <a:buChar char="•"/>
-            </a:pPr>
-            <a:endParaRPr lang="en-US" dirty="0"/>
-          </a:p>
-          <a:p>
-            <a:pPr marL="742950" lvl="1" indent="-285750">
-              <a:buFont typeface="Arial" panose="020B0604020202020204" pitchFamily="34" charset="0"/>
-              <a:buChar char="•"/>
-            </a:pPr>
-            <a:r>
-              <a:rPr lang="en-US" dirty="0"/>
-              <a:t>Show Dashboard Image</a:t>
-            </a:r>
-          </a:p>
-        </p:txBody>
-      </p:sp>
-    </p:spTree>
-    <p:extLst>
-      <p:ext uri="{BB962C8B-B14F-4D97-AF65-F5344CB8AC3E}">
-        <p14:creationId xmlns:p14="http://schemas.microsoft.com/office/powerpoint/2010/main" val="3921467598"/>
       </p:ext>
     </p:extLst>
   </p:cSld>
@@ -16910,6 +17569,165 @@
                   <a:srgbClr val="EA5E46"/>
                 </a:solidFill>
               </a:rPr>
+              <a:t>Dashboard</a:t>
+            </a:r>
+          </a:p>
+        </p:txBody>
+      </p:sp>
+      <p:pic>
+        <p:nvPicPr>
+          <p:cNvPr id="2050" name="Picture 2" descr="Image result for air bnb logo">
+            <a:extLst>
+              <a:ext uri="{FF2B5EF4-FFF2-40B4-BE49-F238E27FC236}">
+                <a16:creationId xmlns:a16="http://schemas.microsoft.com/office/drawing/2014/main" id="{A162C291-208B-BE48-BF44-7D5CD7EF6151}"/>
+              </a:ext>
+            </a:extLst>
+          </p:cNvPr>
+          <p:cNvPicPr>
+            <a:picLocks noChangeAspect="1" noChangeArrowheads="1"/>
+          </p:cNvPicPr>
+          <p:nvPr/>
+        </p:nvPicPr>
+        <p:blipFill>
+          <a:blip r:embed="rId3">
+            <a:extLst>
+              <a:ext uri="{28A0092B-C50C-407E-A947-70E740481C1C}">
+                <a14:useLocalDpi xmlns:a14="http://schemas.microsoft.com/office/drawing/2010/main" val="0"/>
+              </a:ext>
+            </a:extLst>
+          </a:blip>
+          <a:srcRect/>
+          <a:stretch>
+            <a:fillRect/>
+          </a:stretch>
+        </p:blipFill>
+        <p:spPr bwMode="auto">
+          <a:xfrm>
+            <a:off x="469817" y="108280"/>
+            <a:ext cx="2189605" cy="2022038"/>
+          </a:xfrm>
+          <a:prstGeom prst="rect">
+            <a:avLst/>
+          </a:prstGeom>
+          <a:noFill/>
+          <a:extLst>
+            <a:ext uri="{909E8E84-426E-40DD-AFC4-6F175D3DCCD1}">
+              <a14:hiddenFill xmlns:a14="http://schemas.microsoft.com/office/drawing/2010/main">
+                <a:solidFill>
+                  <a:srgbClr val="FFFFFF"/>
+                </a:solidFill>
+              </a14:hiddenFill>
+            </a:ext>
+          </a:extLst>
+        </p:spPr>
+      </p:pic>
+      <p:cxnSp>
+        <p:nvCxnSpPr>
+          <p:cNvPr id="6" name="Straight Connector 5">
+            <a:extLst>
+              <a:ext uri="{FF2B5EF4-FFF2-40B4-BE49-F238E27FC236}">
+                <a16:creationId xmlns:a16="http://schemas.microsoft.com/office/drawing/2014/main" id="{7D0926DC-6298-B648-9DF9-0D78D09F9FC8}"/>
+              </a:ext>
+            </a:extLst>
+          </p:cNvPr>
+          <p:cNvCxnSpPr>
+            <a:cxnSpLocks/>
+          </p:cNvCxnSpPr>
+          <p:nvPr/>
+        </p:nvCxnSpPr>
+        <p:spPr>
+          <a:xfrm>
+            <a:off x="975854" y="1822090"/>
+            <a:ext cx="9518745" cy="1"/>
+          </a:xfrm>
+          <a:prstGeom prst="line">
+            <a:avLst/>
+          </a:prstGeom>
+          <a:ln w="12700">
+            <a:solidFill>
+              <a:srgbClr val="EA5E46"/>
+            </a:solidFill>
+          </a:ln>
+        </p:spPr>
+        <p:style>
+          <a:lnRef idx="1">
+            <a:schemeClr val="accent2"/>
+          </a:lnRef>
+          <a:fillRef idx="0">
+            <a:schemeClr val="accent2"/>
+          </a:fillRef>
+          <a:effectRef idx="0">
+            <a:schemeClr val="accent2"/>
+          </a:effectRef>
+          <a:fontRef idx="minor">
+            <a:schemeClr val="tx1"/>
+          </a:fontRef>
+        </p:style>
+      </p:cxnSp>
+    </p:spTree>
+    <p:extLst>
+      <p:ext uri="{BB962C8B-B14F-4D97-AF65-F5344CB8AC3E}">
+        <p14:creationId xmlns:p14="http://schemas.microsoft.com/office/powerpoint/2010/main" val="766693250"/>
+      </p:ext>
+    </p:extLst>
+  </p:cSld>
+  <p:clrMapOvr>
+    <a:masterClrMapping/>
+  </p:clrMapOvr>
+</p:sld>
+</file>
+
+<file path=ppt/slides/slide6.xml><?xml version="1.0" encoding="utf-8"?>
+<p:sld xmlns:a="http://schemas.openxmlformats.org/drawingml/2006/main" xmlns:r="http://schemas.openxmlformats.org/officeDocument/2006/relationships" xmlns:p="http://schemas.openxmlformats.org/presentationml/2006/main">
+  <p:cSld>
+    <p:spTree>
+      <p:nvGrpSpPr>
+        <p:cNvPr id="1" name=""/>
+        <p:cNvGrpSpPr/>
+        <p:nvPr/>
+      </p:nvGrpSpPr>
+      <p:grpSpPr>
+        <a:xfrm>
+          <a:off x="0" y="0"/>
+          <a:ext cx="0" cy="0"/>
+          <a:chOff x="0" y="0"/>
+          <a:chExt cx="0" cy="0"/>
+        </a:xfrm>
+      </p:grpSpPr>
+      <p:sp>
+        <p:nvSpPr>
+          <p:cNvPr id="2" name="Title 1">
+            <a:extLst>
+              <a:ext uri="{FF2B5EF4-FFF2-40B4-BE49-F238E27FC236}">
+                <a16:creationId xmlns:a16="http://schemas.microsoft.com/office/drawing/2014/main" id="{59B8B577-5676-3C4B-A107-E41DB331FD85}"/>
+              </a:ext>
+            </a:extLst>
+          </p:cNvPr>
+          <p:cNvSpPr>
+            <a:spLocks noGrp="1"/>
+          </p:cNvSpPr>
+          <p:nvPr>
+            <p:ph type="title"/>
+          </p:nvPr>
+        </p:nvSpPr>
+        <p:spPr>
+          <a:xfrm>
+            <a:off x="2721982" y="696475"/>
+            <a:ext cx="10515600" cy="1325563"/>
+          </a:xfrm>
+        </p:spPr>
+        <p:txBody>
+          <a:bodyPr>
+            <a:normAutofit/>
+          </a:bodyPr>
+          <a:lstStyle/>
+          <a:p>
+            <a:r>
+              <a:rPr lang="en-US" sz="4000" dirty="0">
+                <a:solidFill>
+                  <a:srgbClr val="EA5E46"/>
+                </a:solidFill>
+              </a:rPr>
               <a:t>  Project process</a:t>
             </a:r>
           </a:p>
@@ -17018,7 +17836,7 @@
 </p:sld>
 </file>
 
-<file path=ppt/slides/slide6.xml><?xml version="1.0" encoding="utf-8"?>
+<file path=ppt/slides/slide7.xml><?xml version="1.0" encoding="utf-8"?>
 <p:sld xmlns:a="http://schemas.openxmlformats.org/drawingml/2006/main" xmlns:r="http://schemas.openxmlformats.org/officeDocument/2006/relationships" xmlns:p="http://schemas.openxmlformats.org/presentationml/2006/main">
   <p:cSld>
     <p:spTree>
@@ -18025,7 +18843,7 @@
 </p:sld>
 </file>
 
-<file path=ppt/slides/slide7.xml><?xml version="1.0" encoding="utf-8"?>
+<file path=ppt/slides/slide8.xml><?xml version="1.0" encoding="utf-8"?>
 <p:sld xmlns:a="http://schemas.openxmlformats.org/drawingml/2006/main" xmlns:r="http://schemas.openxmlformats.org/officeDocument/2006/relationships" xmlns:p="http://schemas.openxmlformats.org/presentationml/2006/main">
   <p:cSld>
     <p:spTree>
@@ -18371,7 +19189,7 @@
 </p:sld>
 </file>
 
-<file path=ppt/slides/slide8.xml><?xml version="1.0" encoding="utf-8"?>
+<file path=ppt/slides/slide9.xml><?xml version="1.0" encoding="utf-8"?>
 <p:sld xmlns:a="http://schemas.openxmlformats.org/drawingml/2006/main" xmlns:r="http://schemas.openxmlformats.org/officeDocument/2006/relationships" xmlns:p="http://schemas.openxmlformats.org/presentationml/2006/main">
   <p:cSld>
     <p:spTree>
@@ -19181,899 +19999,6 @@
   <p:clrMapOvr>
     <a:masterClrMapping/>
   </p:clrMapOvr>
-</p:sld>
-</file>
-
-<file path=ppt/slides/slide9.xml><?xml version="1.0" encoding="utf-8"?>
-<p:sld xmlns:a="http://schemas.openxmlformats.org/drawingml/2006/main" xmlns:r="http://schemas.openxmlformats.org/officeDocument/2006/relationships" xmlns:p="http://schemas.openxmlformats.org/presentationml/2006/main">
-  <p:cSld>
-    <p:spTree>
-      <p:nvGrpSpPr>
-        <p:cNvPr id="1" name=""/>
-        <p:cNvGrpSpPr/>
-        <p:nvPr/>
-      </p:nvGrpSpPr>
-      <p:grpSpPr>
-        <a:xfrm>
-          <a:off x="0" y="0"/>
-          <a:ext cx="0" cy="0"/>
-          <a:chOff x="0" y="0"/>
-          <a:chExt cx="0" cy="0"/>
-        </a:xfrm>
-      </p:grpSpPr>
-      <p:sp>
-        <p:nvSpPr>
-          <p:cNvPr id="2" name="Title 1">
-            <a:extLst>
-              <a:ext uri="{FF2B5EF4-FFF2-40B4-BE49-F238E27FC236}">
-                <a16:creationId xmlns:a16="http://schemas.microsoft.com/office/drawing/2014/main" id="{59B8B577-5676-3C4B-A107-E41DB331FD85}"/>
-              </a:ext>
-            </a:extLst>
-          </p:cNvPr>
-          <p:cNvSpPr>
-            <a:spLocks noGrp="1"/>
-          </p:cNvSpPr>
-          <p:nvPr>
-            <p:ph type="title"/>
-          </p:nvPr>
-        </p:nvSpPr>
-        <p:spPr>
-          <a:xfrm>
-            <a:off x="2721982" y="510856"/>
-            <a:ext cx="10515600" cy="1325563"/>
-          </a:xfrm>
-        </p:spPr>
-        <p:txBody>
-          <a:bodyPr>
-            <a:normAutofit/>
-          </a:bodyPr>
-          <a:lstStyle/>
-          <a:p>
-            <a:r>
-              <a:rPr lang="en-US" sz="4000" dirty="0">
-                <a:solidFill>
-                  <a:srgbClr val="EA5E46"/>
-                </a:solidFill>
-              </a:rPr>
-              <a:t>Model Data Transformation - Regressor</a:t>
-            </a:r>
-          </a:p>
-        </p:txBody>
-      </p:sp>
-      <p:pic>
-        <p:nvPicPr>
-          <p:cNvPr id="2050" name="Picture 2" descr="Image result for air bnb logo">
-            <a:extLst>
-              <a:ext uri="{FF2B5EF4-FFF2-40B4-BE49-F238E27FC236}">
-                <a16:creationId xmlns:a16="http://schemas.microsoft.com/office/drawing/2014/main" id="{A162C291-208B-BE48-BF44-7D5CD7EF6151}"/>
-              </a:ext>
-            </a:extLst>
-          </p:cNvPr>
-          <p:cNvPicPr>
-            <a:picLocks noChangeAspect="1" noChangeArrowheads="1"/>
-          </p:cNvPicPr>
-          <p:nvPr/>
-        </p:nvPicPr>
-        <p:blipFill>
-          <a:blip r:embed="rId3">
-            <a:extLst>
-              <a:ext uri="{28A0092B-C50C-407E-A947-70E740481C1C}">
-                <a14:useLocalDpi xmlns:a14="http://schemas.microsoft.com/office/drawing/2010/main" val="0"/>
-              </a:ext>
-            </a:extLst>
-          </a:blip>
-          <a:srcRect/>
-          <a:stretch>
-            <a:fillRect/>
-          </a:stretch>
-        </p:blipFill>
-        <p:spPr bwMode="auto">
-          <a:xfrm>
-            <a:off x="530564" y="108278"/>
-            <a:ext cx="2189605" cy="2022038"/>
-          </a:xfrm>
-          <a:prstGeom prst="rect">
-            <a:avLst/>
-          </a:prstGeom>
-          <a:noFill/>
-          <a:extLst>
-            <a:ext uri="{909E8E84-426E-40DD-AFC4-6F175D3DCCD1}">
-              <a14:hiddenFill xmlns:a14="http://schemas.microsoft.com/office/drawing/2010/main">
-                <a:solidFill>
-                  <a:srgbClr val="FFFFFF"/>
-                </a:solidFill>
-              </a14:hiddenFill>
-            </a:ext>
-          </a:extLst>
-        </p:spPr>
-      </p:pic>
-      <p:cxnSp>
-        <p:nvCxnSpPr>
-          <p:cNvPr id="6" name="Straight Connector 5">
-            <a:extLst>
-              <a:ext uri="{FF2B5EF4-FFF2-40B4-BE49-F238E27FC236}">
-                <a16:creationId xmlns:a16="http://schemas.microsoft.com/office/drawing/2014/main" id="{7D0926DC-6298-B648-9DF9-0D78D09F9FC8}"/>
-              </a:ext>
-            </a:extLst>
-          </p:cNvPr>
-          <p:cNvCxnSpPr>
-            <a:cxnSpLocks/>
-          </p:cNvCxnSpPr>
-          <p:nvPr/>
-        </p:nvCxnSpPr>
-        <p:spPr>
-          <a:xfrm>
-            <a:off x="975854" y="1684829"/>
-            <a:ext cx="10885220" cy="1"/>
-          </a:xfrm>
-          <a:prstGeom prst="line">
-            <a:avLst/>
-          </a:prstGeom>
-          <a:ln w="12700">
-            <a:solidFill>
-              <a:srgbClr val="EA5E46"/>
-            </a:solidFill>
-          </a:ln>
-        </p:spPr>
-        <p:style>
-          <a:lnRef idx="1">
-            <a:schemeClr val="accent2"/>
-          </a:lnRef>
-          <a:fillRef idx="0">
-            <a:schemeClr val="accent2"/>
-          </a:fillRef>
-          <a:effectRef idx="0">
-            <a:schemeClr val="accent2"/>
-          </a:effectRef>
-          <a:fontRef idx="minor">
-            <a:schemeClr val="tx1"/>
-          </a:fontRef>
-        </p:style>
-      </p:cxnSp>
-      <p:sp>
-        <p:nvSpPr>
-          <p:cNvPr id="3" name="TextBox 2">
-            <a:extLst>
-              <a:ext uri="{FF2B5EF4-FFF2-40B4-BE49-F238E27FC236}">
-                <a16:creationId xmlns:a16="http://schemas.microsoft.com/office/drawing/2014/main" id="{30193E11-24DC-41C6-98FD-B1F7EC80C36D}"/>
-              </a:ext>
-            </a:extLst>
-          </p:cNvPr>
-          <p:cNvSpPr txBox="1"/>
-          <p:nvPr/>
-        </p:nvSpPr>
-        <p:spPr>
-          <a:xfrm>
-            <a:off x="975854" y="1986170"/>
-            <a:ext cx="10052930" cy="369332"/>
-          </a:xfrm>
-          <a:prstGeom prst="rect">
-            <a:avLst/>
-          </a:prstGeom>
-          <a:noFill/>
-        </p:spPr>
-        <p:txBody>
-          <a:bodyPr wrap="square" rtlCol="0">
-            <a:spAutoFit/>
-          </a:bodyPr>
-          <a:lstStyle/>
-          <a:p>
-            <a:r>
-              <a:rPr lang="en-US" dirty="0"/>
-              <a:t>4.  Removing Outliers</a:t>
-            </a:r>
-            <a:endParaRPr lang="en-CA" dirty="0"/>
-          </a:p>
-        </p:txBody>
-      </p:sp>
-      <p:pic>
-        <p:nvPicPr>
-          <p:cNvPr id="24" name="Picture 23" descr="Shape&#10;&#10;Description automatically generated">
-            <a:extLst>
-              <a:ext uri="{FF2B5EF4-FFF2-40B4-BE49-F238E27FC236}">
-                <a16:creationId xmlns:a16="http://schemas.microsoft.com/office/drawing/2014/main" id="{B9BB8CC3-7E67-4727-85D8-D15B7BC3EDDD}"/>
-              </a:ext>
-            </a:extLst>
-          </p:cNvPr>
-          <p:cNvPicPr>
-            <a:picLocks noChangeAspect="1"/>
-          </p:cNvPicPr>
-          <p:nvPr/>
-        </p:nvPicPr>
-        <p:blipFill>
-          <a:blip r:embed="rId4"/>
-          <a:stretch>
-            <a:fillRect/>
-          </a:stretch>
-        </p:blipFill>
-        <p:spPr>
-          <a:xfrm>
-            <a:off x="823359" y="4502499"/>
-            <a:ext cx="3482149" cy="2180569"/>
-          </a:xfrm>
-          <a:prstGeom prst="rect">
-            <a:avLst/>
-          </a:prstGeom>
-        </p:spPr>
-      </p:pic>
-      <p:pic>
-        <p:nvPicPr>
-          <p:cNvPr id="26" name="Picture 25" descr="Chart, histogram&#10;&#10;Description automatically generated">
-            <a:extLst>
-              <a:ext uri="{FF2B5EF4-FFF2-40B4-BE49-F238E27FC236}">
-                <a16:creationId xmlns:a16="http://schemas.microsoft.com/office/drawing/2014/main" id="{A10DB8E1-4FF7-418D-BF81-9DF24A091652}"/>
-              </a:ext>
-            </a:extLst>
-          </p:cNvPr>
-          <p:cNvPicPr>
-            <a:picLocks noChangeAspect="1"/>
-          </p:cNvPicPr>
-          <p:nvPr/>
-        </p:nvPicPr>
-        <p:blipFill>
-          <a:blip r:embed="rId5"/>
-          <a:stretch>
-            <a:fillRect/>
-          </a:stretch>
-        </p:blipFill>
-        <p:spPr>
-          <a:xfrm>
-            <a:off x="7012450" y="2271219"/>
-            <a:ext cx="3482149" cy="2231280"/>
-          </a:xfrm>
-          <a:prstGeom prst="rect">
-            <a:avLst/>
-          </a:prstGeom>
-        </p:spPr>
-      </p:pic>
-      <p:pic>
-        <p:nvPicPr>
-          <p:cNvPr id="28" name="Picture 27" descr="Shape&#10;&#10;Description automatically generated">
-            <a:extLst>
-              <a:ext uri="{FF2B5EF4-FFF2-40B4-BE49-F238E27FC236}">
-                <a16:creationId xmlns:a16="http://schemas.microsoft.com/office/drawing/2014/main" id="{D387D988-FBE0-40B6-BE19-490A1FDF03CB}"/>
-              </a:ext>
-            </a:extLst>
-          </p:cNvPr>
-          <p:cNvPicPr>
-            <a:picLocks noChangeAspect="1"/>
-          </p:cNvPicPr>
-          <p:nvPr/>
-        </p:nvPicPr>
-        <p:blipFill>
-          <a:blip r:embed="rId6"/>
-          <a:stretch>
-            <a:fillRect/>
-          </a:stretch>
-        </p:blipFill>
-        <p:spPr>
-          <a:xfrm>
-            <a:off x="857069" y="2325173"/>
-            <a:ext cx="3504687" cy="2231280"/>
-          </a:xfrm>
-          <a:prstGeom prst="rect">
-            <a:avLst/>
-          </a:prstGeom>
-        </p:spPr>
-      </p:pic>
-      <p:pic>
-        <p:nvPicPr>
-          <p:cNvPr id="30" name="Picture 29" descr="Chart, histogram&#10;&#10;Description automatically generated">
-            <a:extLst>
-              <a:ext uri="{FF2B5EF4-FFF2-40B4-BE49-F238E27FC236}">
-                <a16:creationId xmlns:a16="http://schemas.microsoft.com/office/drawing/2014/main" id="{487734C5-23B7-4D65-9D50-3812F6EB4E95}"/>
-              </a:ext>
-            </a:extLst>
-          </p:cNvPr>
-          <p:cNvPicPr>
-            <a:picLocks noChangeAspect="1"/>
-          </p:cNvPicPr>
-          <p:nvPr/>
-        </p:nvPicPr>
-        <p:blipFill>
-          <a:blip r:embed="rId7"/>
-          <a:stretch>
-            <a:fillRect/>
-          </a:stretch>
-        </p:blipFill>
-        <p:spPr>
-          <a:xfrm>
-            <a:off x="7068698" y="4433379"/>
-            <a:ext cx="3482149" cy="2180569"/>
-          </a:xfrm>
-          <a:prstGeom prst="rect">
-            <a:avLst/>
-          </a:prstGeom>
-        </p:spPr>
-      </p:pic>
-      <p:sp>
-        <p:nvSpPr>
-          <p:cNvPr id="32" name="Arrow: Right 31">
-            <a:extLst>
-              <a:ext uri="{FF2B5EF4-FFF2-40B4-BE49-F238E27FC236}">
-                <a16:creationId xmlns:a16="http://schemas.microsoft.com/office/drawing/2014/main" id="{C96885B1-378A-4AD3-A948-77D3FF6628BA}"/>
-              </a:ext>
-            </a:extLst>
-          </p:cNvPr>
-          <p:cNvSpPr/>
-          <p:nvPr/>
-        </p:nvSpPr>
-        <p:spPr>
-          <a:xfrm>
-            <a:off x="4796364" y="3261382"/>
-            <a:ext cx="1913356" cy="2039668"/>
-          </a:xfrm>
-          <a:prstGeom prst="rightArrow">
-            <a:avLst/>
-          </a:prstGeom>
-          <a:solidFill>
-            <a:schemeClr val="bg2">
-              <a:lumMod val="75000"/>
-            </a:schemeClr>
-          </a:solidFill>
-          <a:ln>
-            <a:solidFill>
-              <a:schemeClr val="bg2">
-                <a:lumMod val="75000"/>
-              </a:schemeClr>
-            </a:solidFill>
-          </a:ln>
-        </p:spPr>
-        <p:style>
-          <a:lnRef idx="2">
-            <a:schemeClr val="accent1">
-              <a:shade val="50000"/>
-            </a:schemeClr>
-          </a:lnRef>
-          <a:fillRef idx="1">
-            <a:schemeClr val="accent1"/>
-          </a:fillRef>
-          <a:effectRef idx="0">
-            <a:schemeClr val="accent1"/>
-          </a:effectRef>
-          <a:fontRef idx="minor">
-            <a:schemeClr val="lt1"/>
-          </a:fontRef>
-        </p:style>
-        <p:txBody>
-          <a:bodyPr rtlCol="0" anchor="ctr"/>
-          <a:lstStyle/>
-          <a:p>
-            <a:r>
-              <a:rPr lang="en-US" sz="1400" b="1" dirty="0"/>
-              <a:t>Filter for:</a:t>
-            </a:r>
-          </a:p>
-          <a:p>
-            <a:r>
-              <a:rPr lang="en-US" sz="1400" b="1" dirty="0"/>
-              <a:t>1.  ≥100 Listings</a:t>
-            </a:r>
-          </a:p>
-          <a:p>
-            <a:r>
-              <a:rPr lang="en-US" sz="1400" b="1" dirty="0"/>
-              <a:t>2.  ≤ $600/night</a:t>
-            </a:r>
-            <a:endParaRPr lang="en-CA" sz="1400" b="1" dirty="0"/>
-          </a:p>
-        </p:txBody>
-      </p:sp>
-    </p:spTree>
-    <p:extLst>
-      <p:ext uri="{BB962C8B-B14F-4D97-AF65-F5344CB8AC3E}">
-        <p14:creationId xmlns:p14="http://schemas.microsoft.com/office/powerpoint/2010/main" val="2577355925"/>
-      </p:ext>
-    </p:extLst>
-  </p:cSld>
-  <p:clrMapOvr>
-    <a:masterClrMapping/>
-  </p:clrMapOvr>
-  <p:timing>
-    <p:tnLst>
-      <p:par>
-        <p:cTn id="1" dur="indefinite" restart="never" nodeType="tmRoot">
-          <p:childTnLst>
-            <p:seq concurrent="1" nextAc="seek">
-              <p:cTn id="2" dur="indefinite" nodeType="mainSeq">
-                <p:childTnLst>
-                  <p:par>
-                    <p:cTn id="3" fill="hold">
-                      <p:stCondLst>
-                        <p:cond delay="indefinite"/>
-                      </p:stCondLst>
-                      <p:childTnLst>
-                        <p:par>
-                          <p:cTn id="4" fill="hold">
-                            <p:stCondLst>
-                              <p:cond delay="0"/>
-                            </p:stCondLst>
-                            <p:childTnLst>
-                              <p:par>
-                                <p:cTn id="5" presetID="6" presetClass="entr" presetSubtype="16" fill="hold" nodeType="clickEffect">
-                                  <p:stCondLst>
-                                    <p:cond delay="0"/>
-                                  </p:stCondLst>
-                                  <p:childTnLst>
-                                    <p:set>
-                                      <p:cBhvr>
-                                        <p:cTn id="6" dur="1" fill="hold">
-                                          <p:stCondLst>
-                                            <p:cond delay="0"/>
-                                          </p:stCondLst>
-                                        </p:cTn>
-                                        <p:tgtEl>
-                                          <p:spTgt spid="28"/>
-                                        </p:tgtEl>
-                                        <p:attrNameLst>
-                                          <p:attrName>style.visibility</p:attrName>
-                                        </p:attrNameLst>
-                                      </p:cBhvr>
-                                      <p:to>
-                                        <p:strVal val="visible"/>
-                                      </p:to>
-                                    </p:set>
-                                    <p:animEffect transition="in" filter="circle(in)">
-                                      <p:cBhvr>
-                                        <p:cTn id="7" dur="2000"/>
-                                        <p:tgtEl>
-                                          <p:spTgt spid="28"/>
-                                        </p:tgtEl>
-                                      </p:cBhvr>
-                                    </p:animEffect>
-                                  </p:childTnLst>
-                                </p:cTn>
-                              </p:par>
-                              <p:par>
-                                <p:cTn id="8" presetID="6" presetClass="entr" presetSubtype="16" fill="hold" nodeType="withEffect">
-                                  <p:stCondLst>
-                                    <p:cond delay="0"/>
-                                  </p:stCondLst>
-                                  <p:childTnLst>
-                                    <p:set>
-                                      <p:cBhvr>
-                                        <p:cTn id="9" dur="1" fill="hold">
-                                          <p:stCondLst>
-                                            <p:cond delay="0"/>
-                                          </p:stCondLst>
-                                        </p:cTn>
-                                        <p:tgtEl>
-                                          <p:spTgt spid="24"/>
-                                        </p:tgtEl>
-                                        <p:attrNameLst>
-                                          <p:attrName>style.visibility</p:attrName>
-                                        </p:attrNameLst>
-                                      </p:cBhvr>
-                                      <p:to>
-                                        <p:strVal val="visible"/>
-                                      </p:to>
-                                    </p:set>
-                                    <p:animEffect transition="in" filter="circle(in)">
-                                      <p:cBhvr>
-                                        <p:cTn id="10" dur="2000"/>
-                                        <p:tgtEl>
-                                          <p:spTgt spid="24"/>
-                                        </p:tgtEl>
-                                      </p:cBhvr>
-                                    </p:animEffect>
-                                  </p:childTnLst>
-                                </p:cTn>
-                              </p:par>
-                            </p:childTnLst>
-                          </p:cTn>
-                        </p:par>
-                      </p:childTnLst>
-                    </p:cTn>
-                  </p:par>
-                  <p:par>
-                    <p:cTn id="11" fill="hold">
-                      <p:stCondLst>
-                        <p:cond delay="indefinite"/>
-                      </p:stCondLst>
-                      <p:childTnLst>
-                        <p:par>
-                          <p:cTn id="12" fill="hold">
-                            <p:stCondLst>
-                              <p:cond delay="0"/>
-                            </p:stCondLst>
-                            <p:childTnLst>
-                              <p:par>
-                                <p:cTn id="13" presetID="26" presetClass="entr" presetSubtype="0" fill="hold" grpId="0" nodeType="clickEffect">
-                                  <p:stCondLst>
-                                    <p:cond delay="0"/>
-                                  </p:stCondLst>
-                                  <p:childTnLst>
-                                    <p:set>
-                                      <p:cBhvr>
-                                        <p:cTn id="14" dur="1" fill="hold">
-                                          <p:stCondLst>
-                                            <p:cond delay="0"/>
-                                          </p:stCondLst>
-                                        </p:cTn>
-                                        <p:tgtEl>
-                                          <p:spTgt spid="32"/>
-                                        </p:tgtEl>
-                                        <p:attrNameLst>
-                                          <p:attrName>style.visibility</p:attrName>
-                                        </p:attrNameLst>
-                                      </p:cBhvr>
-                                      <p:to>
-                                        <p:strVal val="visible"/>
-                                      </p:to>
-                                    </p:set>
-                                    <p:animEffect transition="in" filter="wipe(down)">
-                                      <p:cBhvr>
-                                        <p:cTn id="15" dur="580">
-                                          <p:stCondLst>
-                                            <p:cond delay="0"/>
-                                          </p:stCondLst>
-                                        </p:cTn>
-                                        <p:tgtEl>
-                                          <p:spTgt spid="32"/>
-                                        </p:tgtEl>
-                                      </p:cBhvr>
-                                    </p:animEffect>
-                                    <p:anim calcmode="lin" valueType="num">
-                                      <p:cBhvr>
-                                        <p:cTn id="16" dur="1822" tmFilter="0,0; 0.14,0.36; 0.43,0.73; 0.71,0.91; 1.0,1.0">
-                                          <p:stCondLst>
-                                            <p:cond delay="0"/>
-                                          </p:stCondLst>
-                                        </p:cTn>
-                                        <p:tgtEl>
-                                          <p:spTgt spid="32"/>
-                                        </p:tgtEl>
-                                        <p:attrNameLst>
-                                          <p:attrName>ppt_x</p:attrName>
-                                        </p:attrNameLst>
-                                      </p:cBhvr>
-                                      <p:tavLst>
-                                        <p:tav tm="0">
-                                          <p:val>
-                                            <p:strVal val="#ppt_x-0.25"/>
-                                          </p:val>
-                                        </p:tav>
-                                        <p:tav tm="100000">
-                                          <p:val>
-                                            <p:strVal val="#ppt_x"/>
-                                          </p:val>
-                                        </p:tav>
-                                      </p:tavLst>
-                                    </p:anim>
-                                    <p:anim calcmode="lin" valueType="num">
-                                      <p:cBhvr>
-                                        <p:cTn id="17" dur="664" tmFilter="0.0,0.0; 0.25,0.07; 0.50,0.2; 0.75,0.467; 1.0,1.0">
-                                          <p:stCondLst>
-                                            <p:cond delay="0"/>
-                                          </p:stCondLst>
-                                        </p:cTn>
-                                        <p:tgtEl>
-                                          <p:spTgt spid="32"/>
-                                        </p:tgtEl>
-                                        <p:attrNameLst>
-                                          <p:attrName>ppt_y</p:attrName>
-                                        </p:attrNameLst>
-                                      </p:cBhvr>
-                                      <p:tavLst>
-                                        <p:tav tm="0" fmla="#ppt_y-sin(pi*$)/3">
-                                          <p:val>
-                                            <p:fltVal val="0.5"/>
-                                          </p:val>
-                                        </p:tav>
-                                        <p:tav tm="100000">
-                                          <p:val>
-                                            <p:fltVal val="1"/>
-                                          </p:val>
-                                        </p:tav>
-                                      </p:tavLst>
-                                    </p:anim>
-                                    <p:anim calcmode="lin" valueType="num">
-                                      <p:cBhvr>
-                                        <p:cTn id="18" dur="664" tmFilter="0, 0; 0.125,0.2665; 0.25,0.4; 0.375,0.465; 0.5,0.5;  0.625,0.535; 0.75,0.6; 0.875,0.7335; 1,1">
-                                          <p:stCondLst>
-                                            <p:cond delay="664"/>
-                                          </p:stCondLst>
-                                        </p:cTn>
-                                        <p:tgtEl>
-                                          <p:spTgt spid="32"/>
-                                        </p:tgtEl>
-                                        <p:attrNameLst>
-                                          <p:attrName>ppt_y</p:attrName>
-                                        </p:attrNameLst>
-                                      </p:cBhvr>
-                                      <p:tavLst>
-                                        <p:tav tm="0" fmla="#ppt_y-sin(pi*$)/9">
-                                          <p:val>
-                                            <p:fltVal val="0"/>
-                                          </p:val>
-                                        </p:tav>
-                                        <p:tav tm="100000">
-                                          <p:val>
-                                            <p:fltVal val="1"/>
-                                          </p:val>
-                                        </p:tav>
-                                      </p:tavLst>
-                                    </p:anim>
-                                    <p:anim calcmode="lin" valueType="num">
-                                      <p:cBhvr>
-                                        <p:cTn id="19" dur="332" tmFilter="0, 0; 0.125,0.2665; 0.25,0.4; 0.375,0.465; 0.5,0.5;  0.625,0.535; 0.75,0.6; 0.875,0.7335; 1,1">
-                                          <p:stCondLst>
-                                            <p:cond delay="1324"/>
-                                          </p:stCondLst>
-                                        </p:cTn>
-                                        <p:tgtEl>
-                                          <p:spTgt spid="32"/>
-                                        </p:tgtEl>
-                                        <p:attrNameLst>
-                                          <p:attrName>ppt_y</p:attrName>
-                                        </p:attrNameLst>
-                                      </p:cBhvr>
-                                      <p:tavLst>
-                                        <p:tav tm="0" fmla="#ppt_y-sin(pi*$)/27">
-                                          <p:val>
-                                            <p:fltVal val="0"/>
-                                          </p:val>
-                                        </p:tav>
-                                        <p:tav tm="100000">
-                                          <p:val>
-                                            <p:fltVal val="1"/>
-                                          </p:val>
-                                        </p:tav>
-                                      </p:tavLst>
-                                    </p:anim>
-                                    <p:anim calcmode="lin" valueType="num">
-                                      <p:cBhvr>
-                                        <p:cTn id="20" dur="164" tmFilter="0, 0; 0.125,0.2665; 0.25,0.4; 0.375,0.465; 0.5,0.5;  0.625,0.535; 0.75,0.6; 0.875,0.7335; 1,1">
-                                          <p:stCondLst>
-                                            <p:cond delay="1656"/>
-                                          </p:stCondLst>
-                                        </p:cTn>
-                                        <p:tgtEl>
-                                          <p:spTgt spid="32"/>
-                                        </p:tgtEl>
-                                        <p:attrNameLst>
-                                          <p:attrName>ppt_y</p:attrName>
-                                        </p:attrNameLst>
-                                      </p:cBhvr>
-                                      <p:tavLst>
-                                        <p:tav tm="0" fmla="#ppt_y-sin(pi*$)/81">
-                                          <p:val>
-                                            <p:fltVal val="0"/>
-                                          </p:val>
-                                        </p:tav>
-                                        <p:tav tm="100000">
-                                          <p:val>
-                                            <p:fltVal val="1"/>
-                                          </p:val>
-                                        </p:tav>
-                                      </p:tavLst>
-                                    </p:anim>
-                                    <p:animScale>
-                                      <p:cBhvr>
-                                        <p:cTn id="21" dur="26">
-                                          <p:stCondLst>
-                                            <p:cond delay="650"/>
-                                          </p:stCondLst>
-                                        </p:cTn>
-                                        <p:tgtEl>
-                                          <p:spTgt spid="32"/>
-                                        </p:tgtEl>
-                                      </p:cBhvr>
-                                      <p:to x="100000" y="60000"/>
-                                    </p:animScale>
-                                    <p:animScale>
-                                      <p:cBhvr>
-                                        <p:cTn id="22" dur="166" decel="50000">
-                                          <p:stCondLst>
-                                            <p:cond delay="676"/>
-                                          </p:stCondLst>
-                                        </p:cTn>
-                                        <p:tgtEl>
-                                          <p:spTgt spid="32"/>
-                                        </p:tgtEl>
-                                      </p:cBhvr>
-                                      <p:to x="100000" y="100000"/>
-                                    </p:animScale>
-                                    <p:animScale>
-                                      <p:cBhvr>
-                                        <p:cTn id="23" dur="26">
-                                          <p:stCondLst>
-                                            <p:cond delay="1312"/>
-                                          </p:stCondLst>
-                                        </p:cTn>
-                                        <p:tgtEl>
-                                          <p:spTgt spid="32"/>
-                                        </p:tgtEl>
-                                      </p:cBhvr>
-                                      <p:to x="100000" y="80000"/>
-                                    </p:animScale>
-                                    <p:animScale>
-                                      <p:cBhvr>
-                                        <p:cTn id="24" dur="166" decel="50000">
-                                          <p:stCondLst>
-                                            <p:cond delay="1338"/>
-                                          </p:stCondLst>
-                                        </p:cTn>
-                                        <p:tgtEl>
-                                          <p:spTgt spid="32"/>
-                                        </p:tgtEl>
-                                      </p:cBhvr>
-                                      <p:to x="100000" y="100000"/>
-                                    </p:animScale>
-                                    <p:animScale>
-                                      <p:cBhvr>
-                                        <p:cTn id="25" dur="26">
-                                          <p:stCondLst>
-                                            <p:cond delay="1642"/>
-                                          </p:stCondLst>
-                                        </p:cTn>
-                                        <p:tgtEl>
-                                          <p:spTgt spid="32"/>
-                                        </p:tgtEl>
-                                      </p:cBhvr>
-                                      <p:to x="100000" y="90000"/>
-                                    </p:animScale>
-                                    <p:animScale>
-                                      <p:cBhvr>
-                                        <p:cTn id="26" dur="166" decel="50000">
-                                          <p:stCondLst>
-                                            <p:cond delay="1668"/>
-                                          </p:stCondLst>
-                                        </p:cTn>
-                                        <p:tgtEl>
-                                          <p:spTgt spid="32"/>
-                                        </p:tgtEl>
-                                      </p:cBhvr>
-                                      <p:to x="100000" y="100000"/>
-                                    </p:animScale>
-                                    <p:animScale>
-                                      <p:cBhvr>
-                                        <p:cTn id="27" dur="26">
-                                          <p:stCondLst>
-                                            <p:cond delay="1808"/>
-                                          </p:stCondLst>
-                                        </p:cTn>
-                                        <p:tgtEl>
-                                          <p:spTgt spid="32"/>
-                                        </p:tgtEl>
-                                      </p:cBhvr>
-                                      <p:to x="100000" y="95000"/>
-                                    </p:animScale>
-                                    <p:animScale>
-                                      <p:cBhvr>
-                                        <p:cTn id="28" dur="166" decel="50000">
-                                          <p:stCondLst>
-                                            <p:cond delay="1834"/>
-                                          </p:stCondLst>
-                                        </p:cTn>
-                                        <p:tgtEl>
-                                          <p:spTgt spid="32"/>
-                                        </p:tgtEl>
-                                      </p:cBhvr>
-                                      <p:to x="100000" y="100000"/>
-                                    </p:animScale>
-                                  </p:childTnLst>
-                                </p:cTn>
-                              </p:par>
-                            </p:childTnLst>
-                          </p:cTn>
-                        </p:par>
-                      </p:childTnLst>
-                    </p:cTn>
-                  </p:par>
-                  <p:par>
-                    <p:cTn id="29" fill="hold">
-                      <p:stCondLst>
-                        <p:cond delay="indefinite"/>
-                      </p:stCondLst>
-                      <p:childTnLst>
-                        <p:par>
-                          <p:cTn id="30" fill="hold">
-                            <p:stCondLst>
-                              <p:cond delay="0"/>
-                            </p:stCondLst>
-                            <p:childTnLst>
-                              <p:par>
-                                <p:cTn id="31" presetID="6" presetClass="entr" presetSubtype="16" fill="hold" nodeType="clickEffect">
-                                  <p:stCondLst>
-                                    <p:cond delay="0"/>
-                                  </p:stCondLst>
-                                  <p:childTnLst>
-                                    <p:set>
-                                      <p:cBhvr>
-                                        <p:cTn id="32" dur="1" fill="hold">
-                                          <p:stCondLst>
-                                            <p:cond delay="0"/>
-                                          </p:stCondLst>
-                                        </p:cTn>
-                                        <p:tgtEl>
-                                          <p:spTgt spid="26"/>
-                                        </p:tgtEl>
-                                        <p:attrNameLst>
-                                          <p:attrName>style.visibility</p:attrName>
-                                        </p:attrNameLst>
-                                      </p:cBhvr>
-                                      <p:to>
-                                        <p:strVal val="visible"/>
-                                      </p:to>
-                                    </p:set>
-                                    <p:animEffect transition="in" filter="circle(in)">
-                                      <p:cBhvr>
-                                        <p:cTn id="33" dur="2000"/>
-                                        <p:tgtEl>
-                                          <p:spTgt spid="26"/>
-                                        </p:tgtEl>
-                                      </p:cBhvr>
-                                    </p:animEffect>
-                                  </p:childTnLst>
-                                </p:cTn>
-                              </p:par>
-                              <p:par>
-                                <p:cTn id="34" presetID="6" presetClass="entr" presetSubtype="16" fill="hold" nodeType="withEffect">
-                                  <p:stCondLst>
-                                    <p:cond delay="0"/>
-                                  </p:stCondLst>
-                                  <p:childTnLst>
-                                    <p:set>
-                                      <p:cBhvr>
-                                        <p:cTn id="35" dur="1" fill="hold">
-                                          <p:stCondLst>
-                                            <p:cond delay="0"/>
-                                          </p:stCondLst>
-                                        </p:cTn>
-                                        <p:tgtEl>
-                                          <p:spTgt spid="30"/>
-                                        </p:tgtEl>
-                                        <p:attrNameLst>
-                                          <p:attrName>style.visibility</p:attrName>
-                                        </p:attrNameLst>
-                                      </p:cBhvr>
-                                      <p:to>
-                                        <p:strVal val="visible"/>
-                                      </p:to>
-                                    </p:set>
-                                    <p:animEffect transition="in" filter="circle(in)">
-                                      <p:cBhvr>
-                                        <p:cTn id="36" dur="2000"/>
-                                        <p:tgtEl>
-                                          <p:spTgt spid="30"/>
-                                        </p:tgtEl>
-                                      </p:cBhvr>
-                                    </p:animEffect>
-                                  </p:childTnLst>
-                                </p:cTn>
-                              </p:par>
-                            </p:childTnLst>
-                          </p:cTn>
-                        </p:par>
-                      </p:childTnLst>
-                    </p:cTn>
-                  </p:par>
-                </p:childTnLst>
-              </p:cTn>
-              <p:prevCondLst>
-                <p:cond evt="onPrev" delay="0">
-                  <p:tgtEl>
-                    <p:sldTgt/>
-                  </p:tgtEl>
-                </p:cond>
-              </p:prevCondLst>
-              <p:nextCondLst>
-                <p:cond evt="onNext" delay="0">
-                  <p:tgtEl>
-                    <p:sldTgt/>
-                  </p:tgtEl>
-                </p:cond>
-              </p:nextCondLst>
-            </p:seq>
-          </p:childTnLst>
-        </p:cTn>
-      </p:par>
-    </p:tnLst>
-    <p:bldLst>
-      <p:bldP spid="32" grpId="0" animBg="1"/>
-    </p:bldLst>
-  </p:timing>
 </p:sld>
 </file>
 

--- a/Airbnb Price Predictions (Model).pptx
+++ b/Airbnb Price Predictions (Model).pptx
@@ -11,17 +11,17 @@
     <p:sldId id="257" r:id="rId2"/>
     <p:sldId id="320" r:id="rId3"/>
     <p:sldId id="321" r:id="rId4"/>
-    <p:sldId id="315" r:id="rId5"/>
-    <p:sldId id="326" r:id="rId6"/>
-    <p:sldId id="324" r:id="rId7"/>
-    <p:sldId id="308" r:id="rId8"/>
-    <p:sldId id="296" r:id="rId9"/>
-    <p:sldId id="300" r:id="rId10"/>
-    <p:sldId id="298" r:id="rId11"/>
-    <p:sldId id="307" r:id="rId12"/>
-    <p:sldId id="306" r:id="rId13"/>
-    <p:sldId id="325" r:id="rId14"/>
-    <p:sldId id="280" r:id="rId15"/>
+    <p:sldId id="280" r:id="rId5"/>
+    <p:sldId id="315" r:id="rId6"/>
+    <p:sldId id="326" r:id="rId7"/>
+    <p:sldId id="324" r:id="rId8"/>
+    <p:sldId id="308" r:id="rId9"/>
+    <p:sldId id="296" r:id="rId10"/>
+    <p:sldId id="300" r:id="rId11"/>
+    <p:sldId id="298" r:id="rId12"/>
+    <p:sldId id="307" r:id="rId13"/>
+    <p:sldId id="306" r:id="rId14"/>
+    <p:sldId id="325" r:id="rId15"/>
     <p:sldId id="304" r:id="rId16"/>
     <p:sldId id="311" r:id="rId17"/>
     <p:sldId id="310" r:id="rId18"/>
@@ -232,7 +232,7 @@
           <a:p>
             <a:fld id="{4CCFD3AE-9071-224A-B675-15A76FB69B01}" type="datetimeFigureOut">
               <a:rPr lang="en-US" smtClean="0"/>
-              <a:t>3/22/2021</a:t>
+              <a:t>3/23/2021</a:t>
             </a:fld>
             <a:endParaRPr lang="en-US"/>
           </a:p>
@@ -629,25 +629,23 @@
           <a:p>
             <a:r>
               <a:rPr lang="en-US" dirty="0"/>
-              <a:t>To get the best selection of listings that best represents NYC’s Airbnb market, outliers are filtered out by only keeping the </a:t>
-            </a:r>
-            <a:r>
-              <a:rPr lang="en-US" dirty="0" err="1"/>
-              <a:t>neighbourhoods</a:t>
-            </a:r>
+              <a:t>First we replaced  the blank fields with the averages for that specific column</a:t>
+            </a:r>
+          </a:p>
+          <a:p>
             <a:r>
               <a:rPr lang="en-US" dirty="0"/>
-              <a:t> with over 100 listings &amp; the listing prices that are under $600.</a:t>
+              <a:t>In the next step, we need to put the data like the different boroughs and categorize them in numerical values.</a:t>
+            </a:r>
+          </a:p>
+          <a:p>
+            <a:r>
+              <a:rPr lang="en-US" dirty="0"/>
+              <a:t>Finally, for the amenities column, we made a vector array counting the amenities features for each listing.</a:t>
             </a:r>
           </a:p>
           <a:p>
             <a:endParaRPr lang="en-US" dirty="0"/>
-          </a:p>
-          <a:p>
-            <a:r>
-              <a:rPr lang="en-US" dirty="0"/>
-              <a:t>From the right side of the slide, you can tell the data is less skewed.</a:t>
-            </a:r>
           </a:p>
         </p:txBody>
       </p:sp>
@@ -677,7 +675,7 @@
     </p:spTree>
     <p:extLst>
       <p:ext uri="{BB962C8B-B14F-4D97-AF65-F5344CB8AC3E}">
-        <p14:creationId xmlns:p14="http://schemas.microsoft.com/office/powerpoint/2010/main" val="1272532608"/>
+        <p14:creationId xmlns:p14="http://schemas.microsoft.com/office/powerpoint/2010/main" val="2102900166"/>
       </p:ext>
     </p:extLst>
   </p:cSld>
@@ -733,47 +731,24 @@
           <a:p>
             <a:r>
               <a:rPr lang="en-US" dirty="0"/>
-              <a:t>For the </a:t>
+              <a:t>To get the best selection of listings that best represents NYC’s Airbnb market, outliers are filtered out by only keeping the </a:t>
             </a:r>
             <a:r>
               <a:rPr lang="en-US" dirty="0" err="1"/>
-              <a:t>facebook</a:t>
+              <a:t>neighbourhoods</a:t>
             </a:r>
             <a:r>
               <a:rPr lang="en-US" dirty="0"/>
-              <a:t> prophet model, another dataset needs to be created because the model has a different methodology than the previous models/</a:t>
-            </a:r>
+              <a:t> with over 100 listings &amp; the listing prices that are under $600.</a:t>
+            </a:r>
+          </a:p>
+          <a:p>
+            <a:endParaRPr lang="en-US" dirty="0"/>
           </a:p>
           <a:p>
             <a:r>
               <a:rPr lang="en-US" dirty="0"/>
-              <a:t>We used our existing data to find the listings masters data to get the borough and room type.  </a:t>
-            </a:r>
-          </a:p>
-          <a:p>
-            <a:r>
-              <a:rPr lang="en-US" dirty="0"/>
-              <a:t>Then we need to created new datasets to find all the </a:t>
-            </a:r>
-            <a:r>
-              <a:rPr lang="en-US" dirty="0" err="1"/>
-              <a:t>historial</a:t>
-            </a:r>
-            <a:r>
-              <a:rPr lang="en-US" dirty="0"/>
-              <a:t> rates &amp; holiday dates from 2017-2021.  All this information is found on the inside Airbnb &amp; us holiday calendar website. </a:t>
-            </a:r>
-          </a:p>
-          <a:p>
-            <a:r>
-              <a:rPr lang="en-US" dirty="0"/>
-              <a:t>Various methods like concatenation, filtering, merging, renaming columns and calculating the mean prices were used in Pandas to get our Final output</a:t>
-            </a:r>
-          </a:p>
-          <a:p>
-            <a:r>
-              <a:rPr lang="en-US" dirty="0"/>
-              <a:t>We believe that putting all f this together can help us accurately predict prices based on location, size, accommodation features,  trends and seasonality.</a:t>
+              <a:t>From the right side of the slide, you can tell the data is less skewed.</a:t>
             </a:r>
           </a:p>
         </p:txBody>
@@ -804,7 +779,7 @@
     </p:spTree>
     <p:extLst>
       <p:ext uri="{BB962C8B-B14F-4D97-AF65-F5344CB8AC3E}">
-        <p14:creationId xmlns:p14="http://schemas.microsoft.com/office/powerpoint/2010/main" val="3798830468"/>
+        <p14:creationId xmlns:p14="http://schemas.microsoft.com/office/powerpoint/2010/main" val="1272532608"/>
       </p:ext>
     </p:extLst>
   </p:cSld>
@@ -860,34 +835,31 @@
           <a:p>
             <a:r>
               <a:rPr lang="en-US" dirty="0"/>
-              <a:t>The next step is that we need to select the features that are related to price.  We collectively agreed that features like location, the room type, # of bedrooms/bathrooms, amenities count review scores, # of reviews are some of the major driving force that impacts what the hosts charge for their Airbnb.  Columns like Airbnb listings id are taken out because they do not have any correlation to the price.</a:t>
-            </a:r>
-          </a:p>
-          <a:p>
-            <a:endParaRPr lang="en-US" dirty="0"/>
+              <a:t>Another dataset needs to be created because the prophet model runs different then the other regressor models.</a:t>
+            </a:r>
           </a:p>
           <a:p>
             <a:r>
               <a:rPr lang="en-US" dirty="0"/>
-              <a:t>Then we increased the dataset size by 10% so that more listing simples can be tested to increase the accuracy of the test scores.</a:t>
-            </a:r>
-          </a:p>
-          <a:p>
-            <a:endParaRPr lang="en-US" dirty="0"/>
+              <a:t>We used our existing data get the borough and room type.  </a:t>
+            </a:r>
           </a:p>
           <a:p>
             <a:r>
               <a:rPr lang="en-US" dirty="0"/>
-              <a:t>We must ensure that all x-values are scaled to the same unit so that the model won’t produce the wrong scores.</a:t>
-            </a:r>
-          </a:p>
-          <a:p>
-            <a:endParaRPr lang="en-US" dirty="0"/>
+              <a:t>Then we went to the inside Airbnb website to get historical rates and the us time and date website to get dates for the public holidays.  </a:t>
+            </a:r>
           </a:p>
           <a:p>
             <a:r>
               <a:rPr lang="en-US" dirty="0"/>
-              <a:t>As for the prophet model, we added the holiday feature, borough and room type info form the original code  so that the model can predict the prices based on these criteria.</a:t>
+              <a:t>Various methods like concatenation, filtering, merging, renaming columns and calculating the mean prices were used in Pandas to get our Final output</a:t>
+            </a:r>
+          </a:p>
+          <a:p>
+            <a:r>
+              <a:rPr lang="en-US" dirty="0"/>
+              <a:t>We believe that putting all this together can help us accurately predict prices based on location, size, accommodation features,  trends and seasonality.</a:t>
             </a:r>
           </a:p>
         </p:txBody>
@@ -918,7 +890,7 @@
     </p:spTree>
     <p:extLst>
       <p:ext uri="{BB962C8B-B14F-4D97-AF65-F5344CB8AC3E}">
-        <p14:creationId xmlns:p14="http://schemas.microsoft.com/office/powerpoint/2010/main" val="3299870767"/>
+        <p14:creationId xmlns:p14="http://schemas.microsoft.com/office/powerpoint/2010/main" val="3798830468"/>
       </p:ext>
     </p:extLst>
   </p:cSld>
@@ -974,25 +946,35 @@
           <a:p>
             <a:r>
               <a:rPr lang="en-US" dirty="0"/>
-              <a:t>The we fit the X &amp; y data to run the model.  Then we found the coefficient correlation score to see how the data fits in the best fit line.</a:t>
-            </a:r>
+              <a:t>The next step is that we need to select the features that are related to price.  We collectively agreed that features like location, room types, # of bedrooms/bathrooms, amenities count review scores, # of reviews are some of the major driving force that impacts what the hosts charge for their Airbnb.  Columns like Airbnb listings id are taken out because they do not have any correlation to the price.</a:t>
+            </a:r>
+          </a:p>
+          <a:p>
+            <a:endParaRPr lang="en-US" dirty="0"/>
           </a:p>
           <a:p>
             <a:r>
               <a:rPr lang="en-US" dirty="0"/>
-              <a:t>Also we calculated the mean squared error, this is just the squared difference of the actual and predicted prices.  If these values did not produce the correct score, we did some </a:t>
-            </a:r>
-            <a:r>
-              <a:rPr lang="en-US" dirty="0" err="1"/>
-              <a:t>hyperparmeter</a:t>
-            </a:r>
+              <a:t>Then we increased the dataset size by 10% so that more listing simples can be tested to increase the validity of the test scores.</a:t>
+            </a:r>
+          </a:p>
+          <a:p>
+            <a:endParaRPr lang="en-US" dirty="0"/>
+          </a:p>
+          <a:p>
             <a:r>
               <a:rPr lang="en-US" dirty="0"/>
-              <a:t> tuning to improve the scores of the model.</a:t>
+              <a:t>We must ensure that all x-values are scaled to the same unit so that the model scores are correct.</a:t>
             </a:r>
           </a:p>
           <a:p>
             <a:endParaRPr lang="en-US" dirty="0"/>
+          </a:p>
+          <a:p>
+            <a:r>
+              <a:rPr lang="en-US" dirty="0"/>
+              <a:t>As for the prophet model, we added the holiday feature, borough and room type info form the original code  so that the model can predict the prices based on these criteria.</a:t>
+            </a:r>
           </a:p>
         </p:txBody>
       </p:sp>
@@ -1022,7 +1004,7 @@
     </p:spTree>
     <p:extLst>
       <p:ext uri="{BB962C8B-B14F-4D97-AF65-F5344CB8AC3E}">
-        <p14:creationId xmlns:p14="http://schemas.microsoft.com/office/powerpoint/2010/main" val="2903025816"/>
+        <p14:creationId xmlns:p14="http://schemas.microsoft.com/office/powerpoint/2010/main" val="3299870767"/>
       </p:ext>
     </p:extLst>
   </p:cSld>
@@ -1078,20 +1060,25 @@
           <a:p>
             <a:r>
               <a:rPr lang="en-US" dirty="0"/>
-              <a:t>To build an Airbnb Price Predictor App, we used the Random Forest &amp; LGBM Regressor methods to determine which features are important when pricing an Airbnb unit.</a:t>
+              <a:t>After preprocessing the data, we need to  fit the X &amp; y data to run the model.  Getting the coefficient correlation score helps us to see how the data fits in the best fit line.</a:t>
             </a:r>
           </a:p>
           <a:p>
             <a:r>
               <a:rPr lang="en-US" dirty="0"/>
-              <a:t>Then we used the KNN Regressor Model to see how the price is affected with having listings close to your area.</a:t>
-            </a:r>
-          </a:p>
-          <a:p>
+              <a:t>Calculating the mean squared error tells us the squared difference of the actual and predicted values.  To improve the test scores, we use </a:t>
+            </a:r>
+            <a:r>
+              <a:rPr lang="en-US" dirty="0" err="1"/>
+              <a:t>hyperparmeter</a:t>
+            </a:r>
             <a:r>
               <a:rPr lang="en-US" dirty="0"/>
-              <a:t>Finally, we used the Facebook Prophet Model to see how prices change during different times of the year.</a:t>
-            </a:r>
+              <a:t> tuning for our models.</a:t>
+            </a:r>
+          </a:p>
+          <a:p>
+            <a:endParaRPr lang="en-US" dirty="0"/>
           </a:p>
         </p:txBody>
       </p:sp>
@@ -1121,7 +1108,7 @@
     </p:spTree>
     <p:extLst>
       <p:ext uri="{BB962C8B-B14F-4D97-AF65-F5344CB8AC3E}">
-        <p14:creationId xmlns:p14="http://schemas.microsoft.com/office/powerpoint/2010/main" val="1301000147"/>
+        <p14:creationId xmlns:p14="http://schemas.microsoft.com/office/powerpoint/2010/main" val="2903025816"/>
       </p:ext>
     </p:extLst>
   </p:cSld>
@@ -1208,7 +1195,7 @@
             </a:r>
             <a:r>
               <a:rPr lang="en-US" dirty="0"/>
-              <a:t> without looking too much into the other features.</a:t>
+              <a:t>.</a:t>
             </a:r>
           </a:p>
           <a:p>
@@ -1226,7 +1213,7 @@
           <a:p>
             <a:r>
               <a:rPr lang="en-US" dirty="0"/>
-              <a:t>Finally, the hosts can maximize their revenue by looking at the traveling demands during different times of the year.  For example, rates can be priced higher during peak times like weekends, summer months, and on major holidays like Christmas.</a:t>
+              <a:t>And to earn extra profits, host should detect trends in time and seasonality throughout the year.  For example, rates can be priced higher during peak times like weekends, summer months, and on major holidays like Christmas.</a:t>
             </a:r>
           </a:p>
           <a:p>
@@ -1440,15 +1427,7 @@
           <a:p>
             <a:r>
               <a:rPr lang="en-US" dirty="0"/>
-              <a:t>Both models show that the most important features </a:t>
-            </a:r>
-            <a:r>
-              <a:rPr lang="en-US" dirty="0" err="1"/>
-              <a:t>areroom</a:t>
-            </a:r>
-            <a:r>
-              <a:rPr lang="en-US" dirty="0"/>
-              <a:t> type, the </a:t>
+              <a:t>Both models show that the most important features are room types, the </a:t>
             </a:r>
             <a:r>
               <a:rPr lang="en-US" dirty="0" err="1"/>
@@ -1462,7 +1441,7 @@
           <a:p>
             <a:r>
               <a:rPr lang="en-US" dirty="0"/>
-              <a:t>Once again, size &amp; accommodation requirements are the major forces of determining the prices.  Another implication from this model tells us that where the listing is located is also very important</a:t>
+              <a:t>Once again, size &amp; accommodation requirements are the major forces of determining the prices.  Another implication from these models tell us that where the listing is located is also very important</a:t>
             </a:r>
           </a:p>
           <a:p>
@@ -1578,16 +1557,11 @@
           <a:p>
             <a:r>
               <a:rPr lang="en-US" dirty="0"/>
-              <a:t>As you can see in this graph, the model score is quite low.  This may potentially be since NYC is a large city that offers various units in different room types in just one </a:t>
-            </a:r>
-            <a:r>
-              <a:rPr lang="en-US" dirty="0" err="1"/>
-              <a:t>neighbourhood</a:t>
-            </a:r>
-            <a:r>
-              <a:rPr lang="en-US" dirty="0"/>
-              <a:t>.  As you know the price range is quite large between an entire home vs a shared room.  So when the host price their units, they can’t just factor in their location, they need to look also into the accommodation and the size of their units.</a:t>
-            </a:r>
+              <a:t>As you can see in this graph, the model score is quite low.  This may potentially be since NYC is a large city that offers various units in different room types in one specific area.  For example the same street can offer a hotel room and a shared room where the price range differs greatly.  </a:t>
+            </a:r>
+          </a:p>
+          <a:p>
+            <a:endParaRPr lang="en-US" dirty="0"/>
           </a:p>
           <a:p>
             <a:endParaRPr lang="en-US" dirty="0"/>
@@ -1674,6 +1648,21 @@
           <a:bodyPr/>
           <a:lstStyle/>
           <a:p>
+            <a:pPr marL="0" indent="0">
+              <a:buFont typeface="Arial" panose="020B0604020202020204" pitchFamily="34" charset="0"/>
+              <a:buNone/>
+            </a:pPr>
+            <a:r>
+              <a:rPr lang="en-US" sz="1200" dirty="0"/>
+              <a:t>We got the following results from the trend predictions from </a:t>
+            </a:r>
+            <a:r>
+              <a:rPr lang="en-US" sz="1200"/>
+              <a:t>the Prophet Model.</a:t>
+            </a:r>
+            <a:endParaRPr lang="en-US" sz="1200" dirty="0"/>
+          </a:p>
+          <a:p>
             <a:pPr marL="457200" indent="-457200">
               <a:buFont typeface="Arial" panose="020B0604020202020204" pitchFamily="34" charset="0"/>
               <a:buChar char="•"/>
@@ -2623,223 +2612,20 @@
           <a:p>
             <a:r>
               <a:rPr lang="en-US" dirty="0"/>
-              <a:t>Here are some of the key findings after running all the models.</a:t>
-            </a:r>
-          </a:p>
-          <a:p>
-            <a:endParaRPr lang="en-US" dirty="0"/>
-          </a:p>
-          <a:p>
-            <a:pPr marL="228600" indent="-228600">
-              <a:buAutoNum type="arabicParenR"/>
-            </a:pPr>
+              <a:t>To build an Airbnb Price Predictor App, we used the Random Forest &amp; LGBM Regressor methods to determine which features are important when pricing an Airbnb unit.</a:t>
+            </a:r>
+          </a:p>
+          <a:p>
             <a:r>
               <a:rPr lang="en-US" dirty="0"/>
-              <a:t>The predictor model shows there will be a slight increase in prices for 2022 to 2023.</a:t>
-            </a:r>
-          </a:p>
-          <a:p>
-            <a:pPr marL="228600" indent="-228600">
-              <a:buAutoNum type="arabicParenR"/>
-            </a:pPr>
-            <a:endParaRPr lang="en-US" dirty="0"/>
-          </a:p>
-          <a:p>
-            <a:pPr marL="228600" marR="0" lvl="0" indent="-228600" algn="l" defTabSz="914400" rtl="0" eaLnBrk="1" fontAlgn="auto" latinLnBrk="0" hangingPunct="1">
-              <a:lnSpc>
-                <a:spcPct val="100000"/>
-              </a:lnSpc>
-              <a:spcBef>
-                <a:spcPts val="0"/>
-              </a:spcBef>
-              <a:spcAft>
-                <a:spcPts val="0"/>
-              </a:spcAft>
-              <a:buClrTx/>
-              <a:buSzTx/>
-              <a:buFontTx/>
-              <a:buAutoNum type="arabicParenR"/>
-              <a:tabLst/>
-              <a:defRPr/>
-            </a:pPr>
+              <a:t>Then we used the KNN Regressor Model to see how the effectiveness of pricing a unit close by.</a:t>
+            </a:r>
+          </a:p>
+          <a:p>
             <a:r>
               <a:rPr lang="en-US" dirty="0"/>
-              <a:t>Centrally located listings and reputable </a:t>
-            </a:r>
-            <a:r>
-              <a:rPr lang="en-US" dirty="0" err="1"/>
-              <a:t>neighbourhoods</a:t>
-            </a:r>
-            <a:r>
-              <a:rPr lang="en-US" dirty="0"/>
-              <a:t> usually sets the tone of your listings.</a:t>
-            </a:r>
-          </a:p>
-          <a:p>
-            <a:pPr marL="228600" marR="0" lvl="0" indent="-228600" algn="l" defTabSz="914400" rtl="0" eaLnBrk="1" fontAlgn="auto" latinLnBrk="0" hangingPunct="1">
-              <a:lnSpc>
-                <a:spcPct val="100000"/>
-              </a:lnSpc>
-              <a:spcBef>
-                <a:spcPts val="0"/>
-              </a:spcBef>
-              <a:spcAft>
-                <a:spcPts val="0"/>
-              </a:spcAft>
-              <a:buClrTx/>
-              <a:buSzTx/>
-              <a:buFontTx/>
-              <a:buAutoNum type="arabicParenR"/>
-              <a:tabLst/>
-              <a:defRPr/>
-            </a:pPr>
-            <a:endParaRPr lang="en-US" dirty="0"/>
-          </a:p>
-          <a:p>
-            <a:pPr marL="228600" marR="0" lvl="0" indent="-228600" algn="l" defTabSz="914400" rtl="0" eaLnBrk="1" fontAlgn="auto" latinLnBrk="0" hangingPunct="1">
-              <a:lnSpc>
-                <a:spcPct val="100000"/>
-              </a:lnSpc>
-              <a:spcBef>
-                <a:spcPts val="0"/>
-              </a:spcBef>
-              <a:spcAft>
-                <a:spcPts val="0"/>
-              </a:spcAft>
-              <a:buClrTx/>
-              <a:buSzTx/>
-              <a:buFontTx/>
-              <a:buAutoNum type="arabicParenR"/>
-              <a:tabLst/>
-              <a:defRPr/>
-            </a:pPr>
-            <a:r>
-              <a:rPr lang="en-US" dirty="0"/>
-              <a:t>However, the host shouldn’t just look at the location and set the average price for the specific area.  There are other important factors that the host should look at.</a:t>
-            </a:r>
-          </a:p>
-          <a:p>
-            <a:pPr marL="0" indent="0">
-              <a:buNone/>
-            </a:pPr>
-            <a:endParaRPr lang="en-US" dirty="0"/>
-          </a:p>
-          <a:p>
-            <a:pPr marL="0" indent="0">
-              <a:buNone/>
-            </a:pPr>
-            <a:r>
-              <a:rPr lang="en-US" dirty="0"/>
-              <a:t>4)  This includes the size of the unit where the bigger the unit and more accommodation features like bedrooms and bathrooms can increase the rates</a:t>
-            </a:r>
-          </a:p>
-          <a:p>
-            <a:pPr marL="0" marR="0" lvl="0" indent="0" algn="l" defTabSz="914400" rtl="0" eaLnBrk="1" fontAlgn="auto" latinLnBrk="0" hangingPunct="1">
-              <a:lnSpc>
-                <a:spcPct val="100000"/>
-              </a:lnSpc>
-              <a:spcBef>
-                <a:spcPts val="0"/>
-              </a:spcBef>
-              <a:spcAft>
-                <a:spcPts val="0"/>
-              </a:spcAft>
-              <a:buClrTx/>
-              <a:buSzTx/>
-              <a:buFontTx/>
-              <a:buNone/>
-              <a:tabLst/>
-              <a:defRPr/>
-            </a:pPr>
-            <a:endParaRPr lang="en-US" dirty="0"/>
-          </a:p>
-          <a:p>
-            <a:pPr marL="228600" marR="0" lvl="0" indent="-228600" algn="l" defTabSz="914400" rtl="0" eaLnBrk="1" fontAlgn="auto" latinLnBrk="0" hangingPunct="1">
-              <a:lnSpc>
-                <a:spcPct val="100000"/>
-              </a:lnSpc>
-              <a:spcBef>
-                <a:spcPts val="0"/>
-              </a:spcBef>
-              <a:spcAft>
-                <a:spcPts val="0"/>
-              </a:spcAft>
-              <a:buClrTx/>
-              <a:buSzTx/>
-              <a:buFontTx/>
-              <a:buAutoNum type="arabicParenR" startAt="5"/>
-              <a:tabLst/>
-              <a:defRPr/>
-            </a:pPr>
-            <a:r>
-              <a:rPr lang="en-US" dirty="0"/>
-              <a:t>Timing is important as the rates can fluctuate at different times of the year.  Different seasons, holidays, long weekends and regular weekends can help the hosts maximize profits.  </a:t>
-            </a:r>
-          </a:p>
-          <a:p>
-            <a:pPr marL="228600" marR="0" lvl="0" indent="-228600" algn="l" defTabSz="914400" rtl="0" eaLnBrk="1" fontAlgn="auto" latinLnBrk="0" hangingPunct="1">
-              <a:lnSpc>
-                <a:spcPct val="100000"/>
-              </a:lnSpc>
-              <a:spcBef>
-                <a:spcPts val="0"/>
-              </a:spcBef>
-              <a:spcAft>
-                <a:spcPts val="0"/>
-              </a:spcAft>
-              <a:buClrTx/>
-              <a:buSzTx/>
-              <a:buFontTx/>
-              <a:buAutoNum type="arabicParenR" startAt="5"/>
-              <a:tabLst/>
-              <a:defRPr/>
-            </a:pPr>
-            <a:endParaRPr lang="en-US" dirty="0"/>
-          </a:p>
-          <a:p>
-            <a:pPr marL="0" indent="0">
-              <a:buNone/>
-            </a:pPr>
-            <a:r>
-              <a:rPr lang="en-US" dirty="0"/>
-              <a:t>6)  Having more amenities in your units may add a bit value in your unit.  But it is not the first thing customers look into when booking an Airbnb </a:t>
-            </a:r>
-          </a:p>
-          <a:p>
-            <a:pPr marL="0" indent="0">
-              <a:buNone/>
-            </a:pPr>
-            <a:endParaRPr lang="en-US" dirty="0"/>
-          </a:p>
-          <a:p>
-            <a:pPr marL="228600" indent="-228600">
-              <a:buAutoNum type="arabicParenR"/>
-            </a:pPr>
-            <a:endParaRPr lang="en-US" dirty="0"/>
-          </a:p>
-          <a:p>
-            <a:pPr marL="0" indent="0">
-              <a:buNone/>
-            </a:pPr>
-            <a:endParaRPr lang="en-US" dirty="0"/>
-          </a:p>
-          <a:p>
-            <a:pPr marL="228600" indent="-228600">
-              <a:buAutoNum type="arabicParenR"/>
-            </a:pPr>
-            <a:endParaRPr lang="en-US" dirty="0"/>
-          </a:p>
-          <a:p>
-            <a:pPr marL="228600" indent="-228600">
-              <a:buAutoNum type="arabicParenR"/>
-            </a:pPr>
-            <a:endParaRPr lang="en-US" dirty="0"/>
-          </a:p>
-          <a:p>
-            <a:pPr marL="228600" indent="-228600">
-              <a:buAutoNum type="arabicParenR"/>
-            </a:pPr>
-            <a:endParaRPr lang="en-US" dirty="0"/>
+              <a:t>Finally, we used the Facebook Prophet Model to identify price trends at different times of the year. </a:t>
+            </a:r>
           </a:p>
         </p:txBody>
       </p:sp>
@@ -2869,7 +2655,7 @@
     </p:spTree>
     <p:extLst>
       <p:ext uri="{BB962C8B-B14F-4D97-AF65-F5344CB8AC3E}">
-        <p14:creationId xmlns:p14="http://schemas.microsoft.com/office/powerpoint/2010/main" val="3570085010"/>
+        <p14:creationId xmlns:p14="http://schemas.microsoft.com/office/powerpoint/2010/main" val="1301000147"/>
       </p:ext>
     </p:extLst>
   </p:cSld>
@@ -2923,6 +2709,210 @@
           <a:bodyPr/>
           <a:lstStyle/>
           <a:p>
+            <a:r>
+              <a:rPr lang="en-US" dirty="0"/>
+              <a:t>Here are some of the key findings after running the model.</a:t>
+            </a:r>
+          </a:p>
+          <a:p>
+            <a:endParaRPr lang="en-US" dirty="0"/>
+          </a:p>
+          <a:p>
+            <a:pPr marL="228600" indent="-228600">
+              <a:buAutoNum type="arabicParenR"/>
+            </a:pPr>
+            <a:r>
+              <a:rPr lang="en-US" dirty="0"/>
+              <a:t>The predictor model shows there will be a slight price increase for 2022-2023.</a:t>
+            </a:r>
+          </a:p>
+          <a:p>
+            <a:pPr marL="228600" indent="-228600">
+              <a:buAutoNum type="arabicParenR"/>
+            </a:pPr>
+            <a:endParaRPr lang="en-US" dirty="0"/>
+          </a:p>
+          <a:p>
+            <a:pPr marL="228600" marR="0" lvl="0" indent="-228600" algn="l" defTabSz="914400" rtl="0" eaLnBrk="1" fontAlgn="auto" latinLnBrk="0" hangingPunct="1">
+              <a:lnSpc>
+                <a:spcPct val="100000"/>
+              </a:lnSpc>
+              <a:spcBef>
+                <a:spcPts val="0"/>
+              </a:spcBef>
+              <a:spcAft>
+                <a:spcPts val="0"/>
+              </a:spcAft>
+              <a:buClrTx/>
+              <a:buSzTx/>
+              <a:buFontTx/>
+              <a:buAutoNum type="arabicParenR"/>
+              <a:tabLst/>
+              <a:defRPr/>
+            </a:pPr>
+            <a:r>
+              <a:rPr lang="en-US" dirty="0"/>
+              <a:t>Centrally located listings and reputable </a:t>
+            </a:r>
+            <a:r>
+              <a:rPr lang="en-US" dirty="0" err="1"/>
+              <a:t>neighbourhoods</a:t>
+            </a:r>
+            <a:r>
+              <a:rPr lang="en-US" dirty="0"/>
+              <a:t> usually sets the rates apart from one area to anther.</a:t>
+            </a:r>
+          </a:p>
+          <a:p>
+            <a:pPr marL="228600" marR="0" lvl="0" indent="-228600" algn="l" defTabSz="914400" rtl="0" eaLnBrk="1" fontAlgn="auto" latinLnBrk="0" hangingPunct="1">
+              <a:lnSpc>
+                <a:spcPct val="100000"/>
+              </a:lnSpc>
+              <a:spcBef>
+                <a:spcPts val="0"/>
+              </a:spcBef>
+              <a:spcAft>
+                <a:spcPts val="0"/>
+              </a:spcAft>
+              <a:buClrTx/>
+              <a:buSzTx/>
+              <a:buFontTx/>
+              <a:buAutoNum type="arabicParenR"/>
+              <a:tabLst/>
+              <a:defRPr/>
+            </a:pPr>
+            <a:endParaRPr lang="en-US" dirty="0"/>
+          </a:p>
+          <a:p>
+            <a:pPr marL="228600" marR="0" lvl="0" indent="-228600" algn="l" defTabSz="914400" rtl="0" eaLnBrk="1" fontAlgn="auto" latinLnBrk="0" hangingPunct="1">
+              <a:lnSpc>
+                <a:spcPct val="100000"/>
+              </a:lnSpc>
+              <a:spcBef>
+                <a:spcPts val="0"/>
+              </a:spcBef>
+              <a:spcAft>
+                <a:spcPts val="0"/>
+              </a:spcAft>
+              <a:buClrTx/>
+              <a:buSzTx/>
+              <a:buFontTx/>
+              <a:buAutoNum type="arabicParenR"/>
+              <a:tabLst/>
+              <a:defRPr/>
+            </a:pPr>
+            <a:r>
+              <a:rPr lang="en-US" dirty="0"/>
+              <a:t>However, the host shouldn’t just look at the location and set the average price for that specific area.  There are other important factors that the host should look at.</a:t>
+            </a:r>
+          </a:p>
+          <a:p>
+            <a:pPr marL="0" indent="0">
+              <a:buNone/>
+            </a:pPr>
+            <a:endParaRPr lang="en-US" dirty="0"/>
+          </a:p>
+          <a:p>
+            <a:pPr marL="228600" indent="-228600">
+              <a:buAutoNum type="arabicParenR" startAt="4"/>
+            </a:pPr>
+            <a:r>
+              <a:rPr lang="en-US" dirty="0"/>
+              <a:t>This includes the size of the unit where if the hosts provide more bedrooms and bathrooms, the listing price will increase.  </a:t>
+            </a:r>
+          </a:p>
+          <a:p>
+            <a:pPr marL="228600" indent="-228600">
+              <a:buAutoNum type="arabicParenR" startAt="4"/>
+            </a:pPr>
+            <a:endParaRPr lang="en-US" dirty="0"/>
+          </a:p>
+          <a:p>
+            <a:pPr marL="228600" marR="0" lvl="0" indent="-228600" algn="l" defTabSz="914400" rtl="0" eaLnBrk="1" fontAlgn="auto" latinLnBrk="0" hangingPunct="1">
+              <a:lnSpc>
+                <a:spcPct val="100000"/>
+              </a:lnSpc>
+              <a:spcBef>
+                <a:spcPts val="0"/>
+              </a:spcBef>
+              <a:spcAft>
+                <a:spcPts val="0"/>
+              </a:spcAft>
+              <a:buClrTx/>
+              <a:buSzTx/>
+              <a:buFontTx/>
+              <a:buAutoNum type="arabicParenR" startAt="5"/>
+              <a:tabLst/>
+              <a:defRPr/>
+            </a:pPr>
+            <a:r>
+              <a:rPr lang="en-US" dirty="0"/>
+              <a:t>Timing is important as the rates can fluctuate at different times of the year.  Charging more on peak seasons, public holidays, long and regular weekends can help the hosts maximize their  profits.  </a:t>
+            </a:r>
+          </a:p>
+          <a:p>
+            <a:pPr marL="228600" marR="0" lvl="0" indent="-228600" algn="l" defTabSz="914400" rtl="0" eaLnBrk="1" fontAlgn="auto" latinLnBrk="0" hangingPunct="1">
+              <a:lnSpc>
+                <a:spcPct val="100000"/>
+              </a:lnSpc>
+              <a:spcBef>
+                <a:spcPts val="0"/>
+              </a:spcBef>
+              <a:spcAft>
+                <a:spcPts val="0"/>
+              </a:spcAft>
+              <a:buClrTx/>
+              <a:buSzTx/>
+              <a:buFontTx/>
+              <a:buAutoNum type="arabicParenR" startAt="5"/>
+              <a:tabLst/>
+              <a:defRPr/>
+            </a:pPr>
+            <a:endParaRPr lang="en-US" dirty="0"/>
+          </a:p>
+          <a:p>
+            <a:pPr marL="0" indent="0">
+              <a:buNone/>
+            </a:pPr>
+            <a:r>
+              <a:rPr lang="en-US" dirty="0"/>
+              <a:t>6)  Having more amenities in your units may add a bit value in your unit.  But it is not the first thing customers look into when booking an Airbnb </a:t>
+            </a:r>
+          </a:p>
+          <a:p>
+            <a:pPr marL="0" indent="0">
+              <a:buNone/>
+            </a:pPr>
+            <a:endParaRPr lang="en-US" dirty="0"/>
+          </a:p>
+          <a:p>
+            <a:pPr marL="228600" indent="-228600">
+              <a:buAutoNum type="arabicParenR"/>
+            </a:pPr>
+            <a:endParaRPr lang="en-US" dirty="0"/>
+          </a:p>
+          <a:p>
+            <a:pPr marL="0" indent="0">
+              <a:buNone/>
+            </a:pPr>
+            <a:endParaRPr lang="en-US" dirty="0"/>
+          </a:p>
+          <a:p>
+            <a:pPr marL="228600" indent="-228600">
+              <a:buAutoNum type="arabicParenR"/>
+            </a:pPr>
+            <a:endParaRPr lang="en-US" dirty="0"/>
+          </a:p>
+          <a:p>
+            <a:pPr marL="228600" indent="-228600">
+              <a:buAutoNum type="arabicParenR"/>
+            </a:pPr>
+            <a:endParaRPr lang="en-US" dirty="0"/>
+          </a:p>
+          <a:p>
+            <a:pPr marL="228600" indent="-228600">
+              <a:buAutoNum type="arabicParenR"/>
+            </a:pPr>
             <a:endParaRPr lang="en-US" dirty="0"/>
           </a:p>
         </p:txBody>
@@ -2953,7 +2943,7 @@
     </p:spTree>
     <p:extLst>
       <p:ext uri="{BB962C8B-B14F-4D97-AF65-F5344CB8AC3E}">
-        <p14:creationId xmlns:p14="http://schemas.microsoft.com/office/powerpoint/2010/main" val="2864966310"/>
+        <p14:creationId xmlns:p14="http://schemas.microsoft.com/office/powerpoint/2010/main" val="3570085010"/>
       </p:ext>
     </p:extLst>
   </p:cSld>
@@ -3037,7 +3027,7 @@
     </p:spTree>
     <p:extLst>
       <p:ext uri="{BB962C8B-B14F-4D97-AF65-F5344CB8AC3E}">
-        <p14:creationId xmlns:p14="http://schemas.microsoft.com/office/powerpoint/2010/main" val="3727893532"/>
+        <p14:creationId xmlns:p14="http://schemas.microsoft.com/office/powerpoint/2010/main" val="2864966310"/>
       </p:ext>
     </p:extLst>
   </p:cSld>
@@ -3093,10 +3083,20 @@
           <a:p>
             <a:r>
               <a:rPr lang="en-US" dirty="0"/>
-              <a:t>We already have information on the listings details with the yearly rates in our existing database.  To understand more about rates, we added 3 new tables to see how different factors like monthly, day of week &amp; futures prices can help hosts price their Airbnb units</a:t>
-            </a:r>
-          </a:p>
-          <a:p>
+              <a:t>Now we will explain </a:t>
+            </a:r>
+            <a:r>
+              <a:rPr lang="en-US" dirty="0" err="1"/>
+              <a:t>hwo</a:t>
+            </a:r>
+            <a:r>
+              <a:rPr lang="en-US" dirty="0"/>
+              <a:t> we get the final </a:t>
+            </a:r>
+            <a:r>
+              <a:rPr lang="en-US"/>
+              <a:t>resutls</a:t>
+            </a:r>
             <a:endParaRPr lang="en-US" dirty="0"/>
           </a:p>
         </p:txBody>
@@ -3127,7 +3127,7 @@
     </p:spTree>
     <p:extLst>
       <p:ext uri="{BB962C8B-B14F-4D97-AF65-F5344CB8AC3E}">
-        <p14:creationId xmlns:p14="http://schemas.microsoft.com/office/powerpoint/2010/main" val="74110409"/>
+        <p14:creationId xmlns:p14="http://schemas.microsoft.com/office/powerpoint/2010/main" val="3727893532"/>
       </p:ext>
     </p:extLst>
   </p:cSld>
@@ -3183,7 +3183,7 @@
           <a:p>
             <a:r>
               <a:rPr lang="en-US" dirty="0"/>
-              <a:t>This table provides an overview of what we need to do to try to find the best fit for the model.  As you can see on the grey boxes, we need to work with different types of data and find ways to engineer the data to run the models.  The next few slides will provide a breakdown how we get to the final data to run the model.</a:t>
+              <a:t>We already have information on the listings details with the yearly rates in our existing database.  To understand more about rates, we added 3 new tables to see how different factors like monthly, day of week &amp; futures prices can help hosts price their Airbnb units</a:t>
             </a:r>
           </a:p>
           <a:p>
@@ -3217,7 +3217,7 @@
     </p:spTree>
     <p:extLst>
       <p:ext uri="{BB962C8B-B14F-4D97-AF65-F5344CB8AC3E}">
-        <p14:creationId xmlns:p14="http://schemas.microsoft.com/office/powerpoint/2010/main" val="582048577"/>
+        <p14:creationId xmlns:p14="http://schemas.microsoft.com/office/powerpoint/2010/main" val="74110409"/>
       </p:ext>
     </p:extLst>
   </p:cSld>
@@ -3273,19 +3273,7 @@
           <a:p>
             <a:r>
               <a:rPr lang="en-US" dirty="0"/>
-              <a:t>For the RF, LGBM, and KNN we replaced  the blank fields with the averages for that specific column</a:t>
-            </a:r>
-          </a:p>
-          <a:p>
-            <a:r>
-              <a:rPr lang="en-US" dirty="0"/>
-              <a:t>In the next step, we need to put the data and categorize them in numerical values  and majority of this was done from our last project.</a:t>
-            </a:r>
-          </a:p>
-          <a:p>
-            <a:r>
-              <a:rPr lang="en-US" dirty="0"/>
-              <a:t>Finally, for the amenities column, we made a vector array counting the amenities features for each listing.</a:t>
+              <a:t>This table provides an overview of the data transformation process to run the regression models.  As you can see on the grey boxes, we need to work with different types of data.  Then the errors point to the blue boxes indicated that we need to use different data engineering methods .  The next few slides will provide a breakdown how we get to the final data to run the model.</a:t>
             </a:r>
           </a:p>
           <a:p>
@@ -3319,7 +3307,7 @@
     </p:spTree>
     <p:extLst>
       <p:ext uri="{BB962C8B-B14F-4D97-AF65-F5344CB8AC3E}">
-        <p14:creationId xmlns:p14="http://schemas.microsoft.com/office/powerpoint/2010/main" val="2102900166"/>
+        <p14:creationId xmlns:p14="http://schemas.microsoft.com/office/powerpoint/2010/main" val="582048577"/>
       </p:ext>
     </p:extLst>
   </p:cSld>
@@ -3476,7 +3464,7 @@
           <a:p>
             <a:fld id="{F7EC48CD-57E2-ED46-8391-F2D890161E05}" type="datetimeFigureOut">
               <a:rPr lang="en-US" smtClean="0"/>
-              <a:t>3/22/2021</a:t>
+              <a:t>3/23/2021</a:t>
             </a:fld>
             <a:endParaRPr lang="en-US"/>
           </a:p>
@@ -3674,7 +3662,7 @@
           <a:p>
             <a:fld id="{F7EC48CD-57E2-ED46-8391-F2D890161E05}" type="datetimeFigureOut">
               <a:rPr lang="en-US" smtClean="0"/>
-              <a:t>3/22/2021</a:t>
+              <a:t>3/23/2021</a:t>
             </a:fld>
             <a:endParaRPr lang="en-US"/>
           </a:p>
@@ -3882,7 +3870,7 @@
           <a:p>
             <a:fld id="{F7EC48CD-57E2-ED46-8391-F2D890161E05}" type="datetimeFigureOut">
               <a:rPr lang="en-US" smtClean="0"/>
-              <a:t>3/22/2021</a:t>
+              <a:t>3/23/2021</a:t>
             </a:fld>
             <a:endParaRPr lang="en-US"/>
           </a:p>
@@ -4080,7 +4068,7 @@
           <a:p>
             <a:fld id="{F7EC48CD-57E2-ED46-8391-F2D890161E05}" type="datetimeFigureOut">
               <a:rPr lang="en-US" smtClean="0"/>
-              <a:t>3/22/2021</a:t>
+              <a:t>3/23/2021</a:t>
             </a:fld>
             <a:endParaRPr lang="en-US"/>
           </a:p>
@@ -4355,7 +4343,7 @@
           <a:p>
             <a:fld id="{F7EC48CD-57E2-ED46-8391-F2D890161E05}" type="datetimeFigureOut">
               <a:rPr lang="en-US" smtClean="0"/>
-              <a:t>3/22/2021</a:t>
+              <a:t>3/23/2021</a:t>
             </a:fld>
             <a:endParaRPr lang="en-US"/>
           </a:p>
@@ -4620,7 +4608,7 @@
           <a:p>
             <a:fld id="{F7EC48CD-57E2-ED46-8391-F2D890161E05}" type="datetimeFigureOut">
               <a:rPr lang="en-US" smtClean="0"/>
-              <a:t>3/22/2021</a:t>
+              <a:t>3/23/2021</a:t>
             </a:fld>
             <a:endParaRPr lang="en-US"/>
           </a:p>
@@ -5032,7 +5020,7 @@
           <a:p>
             <a:fld id="{F7EC48CD-57E2-ED46-8391-F2D890161E05}" type="datetimeFigureOut">
               <a:rPr lang="en-US" smtClean="0"/>
-              <a:t>3/22/2021</a:t>
+              <a:t>3/23/2021</a:t>
             </a:fld>
             <a:endParaRPr lang="en-US"/>
           </a:p>
@@ -5173,7 +5161,7 @@
           <a:p>
             <a:fld id="{F7EC48CD-57E2-ED46-8391-F2D890161E05}" type="datetimeFigureOut">
               <a:rPr lang="en-US" smtClean="0"/>
-              <a:t>3/22/2021</a:t>
+              <a:t>3/23/2021</a:t>
             </a:fld>
             <a:endParaRPr lang="en-US"/>
           </a:p>
@@ -5286,7 +5274,7 @@
           <a:p>
             <a:fld id="{F7EC48CD-57E2-ED46-8391-F2D890161E05}" type="datetimeFigureOut">
               <a:rPr lang="en-US" smtClean="0"/>
-              <a:t>3/22/2021</a:t>
+              <a:t>3/23/2021</a:t>
             </a:fld>
             <a:endParaRPr lang="en-US"/>
           </a:p>
@@ -5597,7 +5585,7 @@
           <a:p>
             <a:fld id="{F7EC48CD-57E2-ED46-8391-F2D890161E05}" type="datetimeFigureOut">
               <a:rPr lang="en-US" smtClean="0"/>
-              <a:t>3/22/2021</a:t>
+              <a:t>3/23/2021</a:t>
             </a:fld>
             <a:endParaRPr lang="en-US"/>
           </a:p>
@@ -5885,7 +5873,7 @@
           <a:p>
             <a:fld id="{F7EC48CD-57E2-ED46-8391-F2D890161E05}" type="datetimeFigureOut">
               <a:rPr lang="en-US" smtClean="0"/>
-              <a:t>3/22/2021</a:t>
+              <a:t>3/23/2021</a:t>
             </a:fld>
             <a:endParaRPr lang="en-US"/>
           </a:p>
@@ -6126,7 +6114,7 @@
           <a:p>
             <a:fld id="{F7EC48CD-57E2-ED46-8391-F2D890161E05}" type="datetimeFigureOut">
               <a:rPr lang="en-US" smtClean="0"/>
-              <a:t>3/22/2021</a:t>
+              <a:t>3/23/2021</a:t>
             </a:fld>
             <a:endParaRPr lang="en-US"/>
           </a:p>
@@ -6698,6 +6686,819 @@
 </file>
 
 <file path=ppt/slides/slide10.xml><?xml version="1.0" encoding="utf-8"?>
+<p:sld xmlns:a="http://schemas.openxmlformats.org/drawingml/2006/main" xmlns:r="http://schemas.openxmlformats.org/officeDocument/2006/relationships" xmlns:p="http://schemas.openxmlformats.org/presentationml/2006/main">
+  <p:cSld>
+    <p:spTree>
+      <p:nvGrpSpPr>
+        <p:cNvPr id="1" name=""/>
+        <p:cNvGrpSpPr/>
+        <p:nvPr/>
+      </p:nvGrpSpPr>
+      <p:grpSpPr>
+        <a:xfrm>
+          <a:off x="0" y="0"/>
+          <a:ext cx="0" cy="0"/>
+          <a:chOff x="0" y="0"/>
+          <a:chExt cx="0" cy="0"/>
+        </a:xfrm>
+      </p:grpSpPr>
+      <p:sp>
+        <p:nvSpPr>
+          <p:cNvPr id="2" name="Title 1">
+            <a:extLst>
+              <a:ext uri="{FF2B5EF4-FFF2-40B4-BE49-F238E27FC236}">
+                <a16:creationId xmlns:a16="http://schemas.microsoft.com/office/drawing/2014/main" id="{59B8B577-5676-3C4B-A107-E41DB331FD85}"/>
+              </a:ext>
+            </a:extLst>
+          </p:cNvPr>
+          <p:cNvSpPr>
+            <a:spLocks noGrp="1"/>
+          </p:cNvSpPr>
+          <p:nvPr>
+            <p:ph type="title"/>
+          </p:nvPr>
+        </p:nvSpPr>
+        <p:spPr>
+          <a:xfrm>
+            <a:off x="2721982" y="696475"/>
+            <a:ext cx="10515600" cy="1325563"/>
+          </a:xfrm>
+        </p:spPr>
+        <p:txBody>
+          <a:bodyPr>
+            <a:normAutofit/>
+          </a:bodyPr>
+          <a:lstStyle/>
+          <a:p>
+            <a:r>
+              <a:rPr lang="en-US" sz="4000" dirty="0">
+                <a:solidFill>
+                  <a:srgbClr val="EA5E46"/>
+                </a:solidFill>
+              </a:rPr>
+              <a:t>Model Data Transformation - Regressor</a:t>
+            </a:r>
+          </a:p>
+        </p:txBody>
+      </p:sp>
+      <p:pic>
+        <p:nvPicPr>
+          <p:cNvPr id="2050" name="Picture 2" descr="Image result for air bnb logo">
+            <a:extLst>
+              <a:ext uri="{FF2B5EF4-FFF2-40B4-BE49-F238E27FC236}">
+                <a16:creationId xmlns:a16="http://schemas.microsoft.com/office/drawing/2014/main" id="{A162C291-208B-BE48-BF44-7D5CD7EF6151}"/>
+              </a:ext>
+            </a:extLst>
+          </p:cNvPr>
+          <p:cNvPicPr>
+            <a:picLocks noChangeAspect="1" noChangeArrowheads="1"/>
+          </p:cNvPicPr>
+          <p:nvPr/>
+        </p:nvPicPr>
+        <p:blipFill>
+          <a:blip r:embed="rId3">
+            <a:extLst>
+              <a:ext uri="{28A0092B-C50C-407E-A947-70E740481C1C}">
+                <a14:useLocalDpi xmlns:a14="http://schemas.microsoft.com/office/drawing/2010/main" val="0"/>
+              </a:ext>
+            </a:extLst>
+          </a:blip>
+          <a:srcRect/>
+          <a:stretch>
+            <a:fillRect/>
+          </a:stretch>
+        </p:blipFill>
+        <p:spPr bwMode="auto">
+          <a:xfrm>
+            <a:off x="530564" y="108278"/>
+            <a:ext cx="2189605" cy="2022038"/>
+          </a:xfrm>
+          <a:prstGeom prst="rect">
+            <a:avLst/>
+          </a:prstGeom>
+          <a:noFill/>
+          <a:extLst>
+            <a:ext uri="{909E8E84-426E-40DD-AFC4-6F175D3DCCD1}">
+              <a14:hiddenFill xmlns:a14="http://schemas.microsoft.com/office/drawing/2010/main">
+                <a:solidFill>
+                  <a:srgbClr val="FFFFFF"/>
+                </a:solidFill>
+              </a14:hiddenFill>
+            </a:ext>
+          </a:extLst>
+        </p:spPr>
+      </p:pic>
+      <p:cxnSp>
+        <p:nvCxnSpPr>
+          <p:cNvPr id="6" name="Straight Connector 5">
+            <a:extLst>
+              <a:ext uri="{FF2B5EF4-FFF2-40B4-BE49-F238E27FC236}">
+                <a16:creationId xmlns:a16="http://schemas.microsoft.com/office/drawing/2014/main" id="{7D0926DC-6298-B648-9DF9-0D78D09F9FC8}"/>
+              </a:ext>
+            </a:extLst>
+          </p:cNvPr>
+          <p:cNvCxnSpPr>
+            <a:cxnSpLocks/>
+          </p:cNvCxnSpPr>
+          <p:nvPr/>
+        </p:nvCxnSpPr>
+        <p:spPr>
+          <a:xfrm>
+            <a:off x="975854" y="1684829"/>
+            <a:ext cx="9518745" cy="1"/>
+          </a:xfrm>
+          <a:prstGeom prst="line">
+            <a:avLst/>
+          </a:prstGeom>
+          <a:ln w="12700">
+            <a:solidFill>
+              <a:srgbClr val="EA5E46"/>
+            </a:solidFill>
+          </a:ln>
+        </p:spPr>
+        <p:style>
+          <a:lnRef idx="1">
+            <a:schemeClr val="accent2"/>
+          </a:lnRef>
+          <a:fillRef idx="0">
+            <a:schemeClr val="accent2"/>
+          </a:fillRef>
+          <a:effectRef idx="0">
+            <a:schemeClr val="accent2"/>
+          </a:effectRef>
+          <a:fontRef idx="minor">
+            <a:schemeClr val="tx1"/>
+          </a:fontRef>
+        </p:style>
+      </p:cxnSp>
+      <p:sp>
+        <p:nvSpPr>
+          <p:cNvPr id="7" name="TextBox 6">
+            <a:extLst>
+              <a:ext uri="{FF2B5EF4-FFF2-40B4-BE49-F238E27FC236}">
+                <a16:creationId xmlns:a16="http://schemas.microsoft.com/office/drawing/2014/main" id="{1865850F-F88F-4006-B3AA-72BCC3C8DC47}"/>
+              </a:ext>
+            </a:extLst>
+          </p:cNvPr>
+          <p:cNvSpPr txBox="1"/>
+          <p:nvPr/>
+        </p:nvSpPr>
+        <p:spPr>
+          <a:xfrm>
+            <a:off x="957258" y="1935605"/>
+            <a:ext cx="4583645" cy="369332"/>
+          </a:xfrm>
+          <a:prstGeom prst="rect">
+            <a:avLst/>
+          </a:prstGeom>
+          <a:noFill/>
+        </p:spPr>
+        <p:txBody>
+          <a:bodyPr wrap="square" rtlCol="0">
+            <a:spAutoFit/>
+          </a:bodyPr>
+          <a:lstStyle/>
+          <a:p>
+            <a:r>
+              <a:rPr lang="en-US" dirty="0"/>
+              <a:t>1. Imputing Missing Numerical Data</a:t>
+            </a:r>
+            <a:endParaRPr lang="en-CA" dirty="0"/>
+          </a:p>
+        </p:txBody>
+      </p:sp>
+      <p:pic>
+        <p:nvPicPr>
+          <p:cNvPr id="8" name="Picture 7">
+            <a:extLst>
+              <a:ext uri="{FF2B5EF4-FFF2-40B4-BE49-F238E27FC236}">
+                <a16:creationId xmlns:a16="http://schemas.microsoft.com/office/drawing/2014/main" id="{0028919E-1E36-4323-863A-5D6F88EFE6F2}"/>
+              </a:ext>
+            </a:extLst>
+          </p:cNvPr>
+          <p:cNvPicPr>
+            <a:picLocks noChangeAspect="1"/>
+          </p:cNvPicPr>
+          <p:nvPr/>
+        </p:nvPicPr>
+        <p:blipFill>
+          <a:blip r:embed="rId4"/>
+          <a:stretch>
+            <a:fillRect/>
+          </a:stretch>
+        </p:blipFill>
+        <p:spPr>
+          <a:xfrm>
+            <a:off x="1013189" y="2304937"/>
+            <a:ext cx="1152574" cy="959328"/>
+          </a:xfrm>
+          <a:prstGeom prst="rect">
+            <a:avLst/>
+          </a:prstGeom>
+        </p:spPr>
+      </p:pic>
+      <p:sp>
+        <p:nvSpPr>
+          <p:cNvPr id="9" name="Arrow: Right 8">
+            <a:extLst>
+              <a:ext uri="{FF2B5EF4-FFF2-40B4-BE49-F238E27FC236}">
+                <a16:creationId xmlns:a16="http://schemas.microsoft.com/office/drawing/2014/main" id="{DA358ABB-CEBD-4DBB-99CA-634454236DEB}"/>
+              </a:ext>
+            </a:extLst>
+          </p:cNvPr>
+          <p:cNvSpPr/>
+          <p:nvPr/>
+        </p:nvSpPr>
+        <p:spPr>
+          <a:xfrm>
+            <a:off x="2792164" y="2784601"/>
+            <a:ext cx="552893" cy="352089"/>
+          </a:xfrm>
+          <a:prstGeom prst="rightArrow">
+            <a:avLst/>
+          </a:prstGeom>
+          <a:solidFill>
+            <a:schemeClr val="bg2">
+              <a:lumMod val="75000"/>
+            </a:schemeClr>
+          </a:solidFill>
+          <a:ln>
+            <a:solidFill>
+              <a:schemeClr val="bg2">
+                <a:lumMod val="75000"/>
+              </a:schemeClr>
+            </a:solidFill>
+          </a:ln>
+        </p:spPr>
+        <p:style>
+          <a:lnRef idx="2">
+            <a:schemeClr val="accent1">
+              <a:shade val="50000"/>
+            </a:schemeClr>
+          </a:lnRef>
+          <a:fillRef idx="1">
+            <a:schemeClr val="accent1"/>
+          </a:fillRef>
+          <a:effectRef idx="0">
+            <a:schemeClr val="accent1"/>
+          </a:effectRef>
+          <a:fontRef idx="minor">
+            <a:schemeClr val="lt1"/>
+          </a:fontRef>
+        </p:style>
+        <p:txBody>
+          <a:bodyPr rtlCol="0" anchor="ctr"/>
+          <a:lstStyle/>
+          <a:p>
+            <a:pPr algn="ctr"/>
+            <a:endParaRPr lang="en-CA"/>
+          </a:p>
+        </p:txBody>
+      </p:sp>
+      <p:pic>
+        <p:nvPicPr>
+          <p:cNvPr id="10" name="Picture 9">
+            <a:extLst>
+              <a:ext uri="{FF2B5EF4-FFF2-40B4-BE49-F238E27FC236}">
+                <a16:creationId xmlns:a16="http://schemas.microsoft.com/office/drawing/2014/main" id="{9B59E3D0-4537-41D9-90DE-A1ACFAEE402F}"/>
+              </a:ext>
+            </a:extLst>
+          </p:cNvPr>
+          <p:cNvPicPr>
+            <a:picLocks noChangeAspect="1"/>
+          </p:cNvPicPr>
+          <p:nvPr/>
+        </p:nvPicPr>
+        <p:blipFill>
+          <a:blip r:embed="rId5"/>
+          <a:stretch>
+            <a:fillRect/>
+          </a:stretch>
+        </p:blipFill>
+        <p:spPr>
+          <a:xfrm>
+            <a:off x="8199437" y="2612655"/>
+            <a:ext cx="1559822" cy="629402"/>
+          </a:xfrm>
+          <a:prstGeom prst="rect">
+            <a:avLst/>
+          </a:prstGeom>
+        </p:spPr>
+      </p:pic>
+      <p:sp>
+        <p:nvSpPr>
+          <p:cNvPr id="11" name="Rectangle 10">
+            <a:extLst>
+              <a:ext uri="{FF2B5EF4-FFF2-40B4-BE49-F238E27FC236}">
+                <a16:creationId xmlns:a16="http://schemas.microsoft.com/office/drawing/2014/main" id="{2ACC4B44-271A-489E-88BE-398A531DD335}"/>
+              </a:ext>
+            </a:extLst>
+          </p:cNvPr>
+          <p:cNvSpPr/>
+          <p:nvPr/>
+        </p:nvSpPr>
+        <p:spPr>
+          <a:xfrm>
+            <a:off x="9032965" y="2981269"/>
+            <a:ext cx="726294" cy="282997"/>
+          </a:xfrm>
+          <a:prstGeom prst="rect">
+            <a:avLst/>
+          </a:prstGeom>
+          <a:noFill/>
+          <a:ln w="28575">
+            <a:solidFill>
+              <a:srgbClr val="EA6155"/>
+            </a:solidFill>
+          </a:ln>
+        </p:spPr>
+        <p:style>
+          <a:lnRef idx="2">
+            <a:schemeClr val="accent1">
+              <a:shade val="50000"/>
+            </a:schemeClr>
+          </a:lnRef>
+          <a:fillRef idx="1">
+            <a:schemeClr val="accent1"/>
+          </a:fillRef>
+          <a:effectRef idx="0">
+            <a:schemeClr val="accent1"/>
+          </a:effectRef>
+          <a:fontRef idx="minor">
+            <a:schemeClr val="lt1"/>
+          </a:fontRef>
+        </p:style>
+        <p:txBody>
+          <a:bodyPr rtlCol="0" anchor="ctr"/>
+          <a:lstStyle/>
+          <a:p>
+            <a:pPr algn="ctr"/>
+            <a:endParaRPr lang="en-CA"/>
+          </a:p>
+        </p:txBody>
+      </p:sp>
+      <p:sp>
+        <p:nvSpPr>
+          <p:cNvPr id="12" name="Rectangle 11">
+            <a:extLst>
+              <a:ext uri="{FF2B5EF4-FFF2-40B4-BE49-F238E27FC236}">
+                <a16:creationId xmlns:a16="http://schemas.microsoft.com/office/drawing/2014/main" id="{6A223A28-B730-4B94-B885-F9A86FB05512}"/>
+              </a:ext>
+            </a:extLst>
+          </p:cNvPr>
+          <p:cNvSpPr/>
+          <p:nvPr/>
+        </p:nvSpPr>
+        <p:spPr>
+          <a:xfrm>
+            <a:off x="1775966" y="2635886"/>
+            <a:ext cx="389797" cy="628380"/>
+          </a:xfrm>
+          <a:prstGeom prst="rect">
+            <a:avLst/>
+          </a:prstGeom>
+          <a:noFill/>
+          <a:ln w="28575">
+            <a:solidFill>
+              <a:srgbClr val="EA6155"/>
+            </a:solidFill>
+          </a:ln>
+        </p:spPr>
+        <p:style>
+          <a:lnRef idx="2">
+            <a:schemeClr val="accent1">
+              <a:shade val="50000"/>
+            </a:schemeClr>
+          </a:lnRef>
+          <a:fillRef idx="1">
+            <a:schemeClr val="accent1"/>
+          </a:fillRef>
+          <a:effectRef idx="0">
+            <a:schemeClr val="accent1"/>
+          </a:effectRef>
+          <a:fontRef idx="minor">
+            <a:schemeClr val="lt1"/>
+          </a:fontRef>
+        </p:style>
+        <p:txBody>
+          <a:bodyPr rtlCol="0" anchor="ctr"/>
+          <a:lstStyle/>
+          <a:p>
+            <a:pPr algn="ctr"/>
+            <a:endParaRPr lang="en-CA"/>
+          </a:p>
+        </p:txBody>
+      </p:sp>
+      <p:pic>
+        <p:nvPicPr>
+          <p:cNvPr id="13" name="Picture 12">
+            <a:extLst>
+              <a:ext uri="{FF2B5EF4-FFF2-40B4-BE49-F238E27FC236}">
+                <a16:creationId xmlns:a16="http://schemas.microsoft.com/office/drawing/2014/main" id="{1523FCCC-D0DE-4C78-8762-DB4ADA8FEF40}"/>
+              </a:ext>
+            </a:extLst>
+          </p:cNvPr>
+          <p:cNvPicPr>
+            <a:picLocks noChangeAspect="1"/>
+          </p:cNvPicPr>
+          <p:nvPr/>
+        </p:nvPicPr>
+        <p:blipFill>
+          <a:blip r:embed="rId6"/>
+          <a:stretch>
+            <a:fillRect/>
+          </a:stretch>
+        </p:blipFill>
+        <p:spPr>
+          <a:xfrm>
+            <a:off x="3886096" y="2606616"/>
+            <a:ext cx="2572168" cy="628380"/>
+          </a:xfrm>
+          <a:prstGeom prst="rect">
+            <a:avLst/>
+          </a:prstGeom>
+        </p:spPr>
+      </p:pic>
+      <p:sp>
+        <p:nvSpPr>
+          <p:cNvPr id="15" name="Arrow: Right 14">
+            <a:extLst>
+              <a:ext uri="{FF2B5EF4-FFF2-40B4-BE49-F238E27FC236}">
+                <a16:creationId xmlns:a16="http://schemas.microsoft.com/office/drawing/2014/main" id="{404B15BF-25FD-412E-9A04-7F882754FD89}"/>
+              </a:ext>
+            </a:extLst>
+          </p:cNvPr>
+          <p:cNvSpPr/>
+          <p:nvPr/>
+        </p:nvSpPr>
+        <p:spPr>
+          <a:xfrm>
+            <a:off x="7041741" y="2803229"/>
+            <a:ext cx="552893" cy="352089"/>
+          </a:xfrm>
+          <a:prstGeom prst="rightArrow">
+            <a:avLst/>
+          </a:prstGeom>
+          <a:solidFill>
+            <a:schemeClr val="bg2">
+              <a:lumMod val="75000"/>
+            </a:schemeClr>
+          </a:solidFill>
+          <a:ln>
+            <a:solidFill>
+              <a:schemeClr val="bg2">
+                <a:lumMod val="75000"/>
+              </a:schemeClr>
+            </a:solidFill>
+          </a:ln>
+        </p:spPr>
+        <p:style>
+          <a:lnRef idx="2">
+            <a:schemeClr val="accent1">
+              <a:shade val="50000"/>
+            </a:schemeClr>
+          </a:lnRef>
+          <a:fillRef idx="1">
+            <a:schemeClr val="accent1"/>
+          </a:fillRef>
+          <a:effectRef idx="0">
+            <a:schemeClr val="accent1"/>
+          </a:effectRef>
+          <a:fontRef idx="minor">
+            <a:schemeClr val="lt1"/>
+          </a:fontRef>
+        </p:style>
+        <p:txBody>
+          <a:bodyPr rtlCol="0" anchor="ctr"/>
+          <a:lstStyle/>
+          <a:p>
+            <a:pPr algn="ctr"/>
+            <a:endParaRPr lang="en-CA"/>
+          </a:p>
+        </p:txBody>
+      </p:sp>
+      <p:sp>
+        <p:nvSpPr>
+          <p:cNvPr id="16" name="TextBox 15">
+            <a:extLst>
+              <a:ext uri="{FF2B5EF4-FFF2-40B4-BE49-F238E27FC236}">
+                <a16:creationId xmlns:a16="http://schemas.microsoft.com/office/drawing/2014/main" id="{DF7416E9-F43B-4AB6-8689-50D5C4C4BB22}"/>
+              </a:ext>
+            </a:extLst>
+          </p:cNvPr>
+          <p:cNvSpPr txBox="1"/>
+          <p:nvPr/>
+        </p:nvSpPr>
+        <p:spPr>
+          <a:xfrm>
+            <a:off x="975854" y="3503410"/>
+            <a:ext cx="4797517" cy="369332"/>
+          </a:xfrm>
+          <a:prstGeom prst="rect">
+            <a:avLst/>
+          </a:prstGeom>
+          <a:noFill/>
+        </p:spPr>
+        <p:txBody>
+          <a:bodyPr wrap="square" rtlCol="0">
+            <a:spAutoFit/>
+          </a:bodyPr>
+          <a:lstStyle/>
+          <a:p>
+            <a:r>
+              <a:rPr lang="en-US" dirty="0"/>
+              <a:t>2. Encoding Categorical Data</a:t>
+            </a:r>
+            <a:endParaRPr lang="en-CA" dirty="0"/>
+          </a:p>
+        </p:txBody>
+      </p:sp>
+      <p:sp>
+        <p:nvSpPr>
+          <p:cNvPr id="17" name="Arrow: Right 16">
+            <a:extLst>
+              <a:ext uri="{FF2B5EF4-FFF2-40B4-BE49-F238E27FC236}">
+                <a16:creationId xmlns:a16="http://schemas.microsoft.com/office/drawing/2014/main" id="{DC6FBA63-237E-47CE-A963-3821E3F4F252}"/>
+              </a:ext>
+            </a:extLst>
+          </p:cNvPr>
+          <p:cNvSpPr/>
+          <p:nvPr/>
+        </p:nvSpPr>
+        <p:spPr>
+          <a:xfrm>
+            <a:off x="2795027" y="4456461"/>
+            <a:ext cx="552893" cy="352089"/>
+          </a:xfrm>
+          <a:prstGeom prst="rightArrow">
+            <a:avLst/>
+          </a:prstGeom>
+          <a:solidFill>
+            <a:schemeClr val="bg2">
+              <a:lumMod val="75000"/>
+            </a:schemeClr>
+          </a:solidFill>
+          <a:ln>
+            <a:solidFill>
+              <a:schemeClr val="bg2">
+                <a:lumMod val="75000"/>
+              </a:schemeClr>
+            </a:solidFill>
+          </a:ln>
+        </p:spPr>
+        <p:style>
+          <a:lnRef idx="2">
+            <a:schemeClr val="accent1">
+              <a:shade val="50000"/>
+            </a:schemeClr>
+          </a:lnRef>
+          <a:fillRef idx="1">
+            <a:schemeClr val="accent1"/>
+          </a:fillRef>
+          <a:effectRef idx="0">
+            <a:schemeClr val="accent1"/>
+          </a:effectRef>
+          <a:fontRef idx="minor">
+            <a:schemeClr val="lt1"/>
+          </a:fontRef>
+        </p:style>
+        <p:txBody>
+          <a:bodyPr rtlCol="0" anchor="ctr"/>
+          <a:lstStyle/>
+          <a:p>
+            <a:pPr algn="ctr"/>
+            <a:endParaRPr lang="en-CA"/>
+          </a:p>
+        </p:txBody>
+      </p:sp>
+      <p:pic>
+        <p:nvPicPr>
+          <p:cNvPr id="18" name="Picture 17">
+            <a:extLst>
+              <a:ext uri="{FF2B5EF4-FFF2-40B4-BE49-F238E27FC236}">
+                <a16:creationId xmlns:a16="http://schemas.microsoft.com/office/drawing/2014/main" id="{1AE78CD3-F9E1-4165-A46B-4D09B040E6F2}"/>
+              </a:ext>
+            </a:extLst>
+          </p:cNvPr>
+          <p:cNvPicPr>
+            <a:picLocks noChangeAspect="1"/>
+          </p:cNvPicPr>
+          <p:nvPr/>
+        </p:nvPicPr>
+        <p:blipFill>
+          <a:blip r:embed="rId7"/>
+          <a:stretch>
+            <a:fillRect/>
+          </a:stretch>
+        </p:blipFill>
+        <p:spPr>
+          <a:xfrm>
+            <a:off x="1072717" y="4037153"/>
+            <a:ext cx="623138" cy="838615"/>
+          </a:xfrm>
+          <a:prstGeom prst="rect">
+            <a:avLst/>
+          </a:prstGeom>
+        </p:spPr>
+      </p:pic>
+      <p:pic>
+        <p:nvPicPr>
+          <p:cNvPr id="19" name="Picture 18">
+            <a:extLst>
+              <a:ext uri="{FF2B5EF4-FFF2-40B4-BE49-F238E27FC236}">
+                <a16:creationId xmlns:a16="http://schemas.microsoft.com/office/drawing/2014/main" id="{ACD958EF-27E4-413F-B65B-E87C0C4488E7}"/>
+              </a:ext>
+            </a:extLst>
+          </p:cNvPr>
+          <p:cNvPicPr>
+            <a:picLocks noChangeAspect="1"/>
+          </p:cNvPicPr>
+          <p:nvPr/>
+        </p:nvPicPr>
+        <p:blipFill>
+          <a:blip r:embed="rId8"/>
+          <a:stretch>
+            <a:fillRect/>
+          </a:stretch>
+        </p:blipFill>
+        <p:spPr>
+          <a:xfrm>
+            <a:off x="3875236" y="4089028"/>
+            <a:ext cx="688257" cy="901853"/>
+          </a:xfrm>
+          <a:prstGeom prst="rect">
+            <a:avLst/>
+          </a:prstGeom>
+        </p:spPr>
+      </p:pic>
+      <p:sp>
+        <p:nvSpPr>
+          <p:cNvPr id="20" name="TextBox 19">
+            <a:extLst>
+              <a:ext uri="{FF2B5EF4-FFF2-40B4-BE49-F238E27FC236}">
+                <a16:creationId xmlns:a16="http://schemas.microsoft.com/office/drawing/2014/main" id="{402E63BF-3E80-4CD6-BBC0-2D1687E375A9}"/>
+              </a:ext>
+            </a:extLst>
+          </p:cNvPr>
+          <p:cNvSpPr txBox="1"/>
+          <p:nvPr/>
+        </p:nvSpPr>
+        <p:spPr>
+          <a:xfrm>
+            <a:off x="975854" y="5092054"/>
+            <a:ext cx="3418873" cy="369332"/>
+          </a:xfrm>
+          <a:prstGeom prst="rect">
+            <a:avLst/>
+          </a:prstGeom>
+          <a:noFill/>
+        </p:spPr>
+        <p:txBody>
+          <a:bodyPr wrap="square" rtlCol="0">
+            <a:spAutoFit/>
+          </a:bodyPr>
+          <a:lstStyle/>
+          <a:p>
+            <a:r>
+              <a:rPr lang="en-US" dirty="0"/>
+              <a:t>3. Vectorizing Text Data </a:t>
+            </a:r>
+            <a:endParaRPr lang="en-CA" dirty="0"/>
+          </a:p>
+        </p:txBody>
+      </p:sp>
+      <p:sp>
+        <p:nvSpPr>
+          <p:cNvPr id="21" name="Arrow: Right 20">
+            <a:extLst>
+              <a:ext uri="{FF2B5EF4-FFF2-40B4-BE49-F238E27FC236}">
+                <a16:creationId xmlns:a16="http://schemas.microsoft.com/office/drawing/2014/main" id="{79203AC8-B69E-4FB6-A3DD-4706710BD628}"/>
+              </a:ext>
+            </a:extLst>
+          </p:cNvPr>
+          <p:cNvSpPr/>
+          <p:nvPr/>
+        </p:nvSpPr>
+        <p:spPr>
+          <a:xfrm>
+            <a:off x="4703675" y="5748610"/>
+            <a:ext cx="552893" cy="352089"/>
+          </a:xfrm>
+          <a:prstGeom prst="rightArrow">
+            <a:avLst/>
+          </a:prstGeom>
+          <a:solidFill>
+            <a:schemeClr val="bg2">
+              <a:lumMod val="75000"/>
+            </a:schemeClr>
+          </a:solidFill>
+          <a:ln>
+            <a:solidFill>
+              <a:schemeClr val="bg2">
+                <a:lumMod val="75000"/>
+              </a:schemeClr>
+            </a:solidFill>
+          </a:ln>
+        </p:spPr>
+        <p:style>
+          <a:lnRef idx="2">
+            <a:schemeClr val="accent1">
+              <a:shade val="50000"/>
+            </a:schemeClr>
+          </a:lnRef>
+          <a:fillRef idx="1">
+            <a:schemeClr val="accent1"/>
+          </a:fillRef>
+          <a:effectRef idx="0">
+            <a:schemeClr val="accent1"/>
+          </a:effectRef>
+          <a:fontRef idx="minor">
+            <a:schemeClr val="lt1"/>
+          </a:fontRef>
+        </p:style>
+        <p:txBody>
+          <a:bodyPr rtlCol="0" anchor="ctr"/>
+          <a:lstStyle/>
+          <a:p>
+            <a:pPr algn="ctr"/>
+            <a:endParaRPr lang="en-CA"/>
+          </a:p>
+        </p:txBody>
+      </p:sp>
+      <p:pic>
+        <p:nvPicPr>
+          <p:cNvPr id="22" name="Picture 21">
+            <a:extLst>
+              <a:ext uri="{FF2B5EF4-FFF2-40B4-BE49-F238E27FC236}">
+                <a16:creationId xmlns:a16="http://schemas.microsoft.com/office/drawing/2014/main" id="{C3DF3974-8E72-452C-85F3-F1019B6B97ED}"/>
+              </a:ext>
+            </a:extLst>
+          </p:cNvPr>
+          <p:cNvPicPr>
+            <a:picLocks noChangeAspect="1"/>
+          </p:cNvPicPr>
+          <p:nvPr/>
+        </p:nvPicPr>
+        <p:blipFill>
+          <a:blip r:embed="rId9"/>
+          <a:stretch>
+            <a:fillRect/>
+          </a:stretch>
+        </p:blipFill>
+        <p:spPr>
+          <a:xfrm>
+            <a:off x="1073058" y="5748532"/>
+            <a:ext cx="2984212" cy="364587"/>
+          </a:xfrm>
+          <a:prstGeom prst="rect">
+            <a:avLst/>
+          </a:prstGeom>
+        </p:spPr>
+      </p:pic>
+      <p:pic>
+        <p:nvPicPr>
+          <p:cNvPr id="23" name="Picture 22">
+            <a:extLst>
+              <a:ext uri="{FF2B5EF4-FFF2-40B4-BE49-F238E27FC236}">
+                <a16:creationId xmlns:a16="http://schemas.microsoft.com/office/drawing/2014/main" id="{852F8D74-023E-438B-A73A-BDADEDFC73F7}"/>
+              </a:ext>
+            </a:extLst>
+          </p:cNvPr>
+          <p:cNvPicPr>
+            <a:picLocks noChangeAspect="1"/>
+          </p:cNvPicPr>
+          <p:nvPr/>
+        </p:nvPicPr>
+        <p:blipFill>
+          <a:blip r:embed="rId10"/>
+          <a:stretch>
+            <a:fillRect/>
+          </a:stretch>
+        </p:blipFill>
+        <p:spPr>
+          <a:xfrm>
+            <a:off x="5902973" y="5748531"/>
+            <a:ext cx="5736663" cy="364587"/>
+          </a:xfrm>
+          <a:prstGeom prst="rect">
+            <a:avLst/>
+          </a:prstGeom>
+        </p:spPr>
+      </p:pic>
+    </p:spTree>
+    <p:extLst>
+      <p:ext uri="{BB962C8B-B14F-4D97-AF65-F5344CB8AC3E}">
+        <p14:creationId xmlns:p14="http://schemas.microsoft.com/office/powerpoint/2010/main" val="3207546834"/>
+      </p:ext>
+    </p:extLst>
+  </p:cSld>
+  <p:clrMapOvr>
+    <a:masterClrMapping/>
+  </p:clrMapOvr>
+</p:sld>
+</file>
+
+<file path=ppt/slides/slide11.xml><?xml version="1.0" encoding="utf-8"?>
 <p:sld xmlns:a="http://schemas.openxmlformats.org/drawingml/2006/main" xmlns:r="http://schemas.openxmlformats.org/officeDocument/2006/relationships" xmlns:p="http://schemas.openxmlformats.org/presentationml/2006/main">
   <p:cSld>
     <p:spTree>
@@ -7590,7 +8391,7 @@
 </p:sld>
 </file>
 
-<file path=ppt/slides/slide11.xml><?xml version="1.0" encoding="utf-8"?>
+<file path=ppt/slides/slide12.xml><?xml version="1.0" encoding="utf-8"?>
 <p:sld xmlns:a="http://schemas.openxmlformats.org/drawingml/2006/main" xmlns:r="http://schemas.openxmlformats.org/officeDocument/2006/relationships" xmlns:p="http://schemas.openxmlformats.org/presentationml/2006/main">
   <p:cSld>
     <p:spTree>
@@ -8797,7 +9598,7 @@
 </p:sld>
 </file>
 
-<file path=ppt/slides/slide12.xml><?xml version="1.0" encoding="utf-8"?>
+<file path=ppt/slides/slide13.xml><?xml version="1.0" encoding="utf-8"?>
 <p:sld xmlns:a="http://schemas.openxmlformats.org/drawingml/2006/main" xmlns:r="http://schemas.openxmlformats.org/officeDocument/2006/relationships" xmlns:p="http://schemas.openxmlformats.org/presentationml/2006/main">
   <p:cSld>
     <p:spTree>
@@ -9398,7 +10199,7 @@
 </p:sld>
 </file>
 
-<file path=ppt/slides/slide13.xml><?xml version="1.0" encoding="utf-8"?>
+<file path=ppt/slides/slide14.xml><?xml version="1.0" encoding="utf-8"?>
 <p:sld xmlns:a="http://schemas.openxmlformats.org/drawingml/2006/main" xmlns:r="http://schemas.openxmlformats.org/officeDocument/2006/relationships" xmlns:p="http://schemas.openxmlformats.org/presentationml/2006/main">
   <p:cSld>
     <p:spTree>
@@ -9672,597 +10473,6 @@
   <p:clrMapOvr>
     <a:masterClrMapping/>
   </p:clrMapOvr>
-</p:sld>
-</file>
-
-<file path=ppt/slides/slide14.xml><?xml version="1.0" encoding="utf-8"?>
-<p:sld xmlns:a="http://schemas.openxmlformats.org/drawingml/2006/main" xmlns:r="http://schemas.openxmlformats.org/officeDocument/2006/relationships" xmlns:p="http://schemas.openxmlformats.org/presentationml/2006/main">
-  <p:cSld>
-    <p:spTree>
-      <p:nvGrpSpPr>
-        <p:cNvPr id="1" name=""/>
-        <p:cNvGrpSpPr/>
-        <p:nvPr/>
-      </p:nvGrpSpPr>
-      <p:grpSpPr>
-        <a:xfrm>
-          <a:off x="0" y="0"/>
-          <a:ext cx="0" cy="0"/>
-          <a:chOff x="0" y="0"/>
-          <a:chExt cx="0" cy="0"/>
-        </a:xfrm>
-      </p:grpSpPr>
-      <p:sp>
-        <p:nvSpPr>
-          <p:cNvPr id="2" name="Title 1">
-            <a:extLst>
-              <a:ext uri="{FF2B5EF4-FFF2-40B4-BE49-F238E27FC236}">
-                <a16:creationId xmlns:a16="http://schemas.microsoft.com/office/drawing/2014/main" id="{59B8B577-5676-3C4B-A107-E41DB331FD85}"/>
-              </a:ext>
-            </a:extLst>
-          </p:cNvPr>
-          <p:cNvSpPr>
-            <a:spLocks noGrp="1"/>
-          </p:cNvSpPr>
-          <p:nvPr>
-            <p:ph type="title"/>
-          </p:nvPr>
-        </p:nvSpPr>
-        <p:spPr>
-          <a:xfrm>
-            <a:off x="2721982" y="696475"/>
-            <a:ext cx="10515600" cy="1325563"/>
-          </a:xfrm>
-        </p:spPr>
-        <p:txBody>
-          <a:bodyPr>
-            <a:normAutofit/>
-          </a:bodyPr>
-          <a:lstStyle/>
-          <a:p>
-            <a:r>
-              <a:rPr lang="en-US" sz="4000" dirty="0">
-                <a:solidFill>
-                  <a:srgbClr val="EA5E46"/>
-                </a:solidFill>
-              </a:rPr>
-              <a:t>Model Analysis</a:t>
-            </a:r>
-          </a:p>
-        </p:txBody>
-      </p:sp>
-      <p:pic>
-        <p:nvPicPr>
-          <p:cNvPr id="2050" name="Picture 2" descr="Image result for air bnb logo">
-            <a:extLst>
-              <a:ext uri="{FF2B5EF4-FFF2-40B4-BE49-F238E27FC236}">
-                <a16:creationId xmlns:a16="http://schemas.microsoft.com/office/drawing/2014/main" id="{A162C291-208B-BE48-BF44-7D5CD7EF6151}"/>
-              </a:ext>
-            </a:extLst>
-          </p:cNvPr>
-          <p:cNvPicPr>
-            <a:picLocks noChangeAspect="1" noChangeArrowheads="1"/>
-          </p:cNvPicPr>
-          <p:nvPr/>
-        </p:nvPicPr>
-        <p:blipFill>
-          <a:blip r:embed="rId3">
-            <a:extLst>
-              <a:ext uri="{28A0092B-C50C-407E-A947-70E740481C1C}">
-                <a14:useLocalDpi xmlns:a14="http://schemas.microsoft.com/office/drawing/2010/main" val="0"/>
-              </a:ext>
-            </a:extLst>
-          </a:blip>
-          <a:srcRect/>
-          <a:stretch>
-            <a:fillRect/>
-          </a:stretch>
-        </p:blipFill>
-        <p:spPr bwMode="auto">
-          <a:xfrm>
-            <a:off x="530564" y="108278"/>
-            <a:ext cx="2189605" cy="2022038"/>
-          </a:xfrm>
-          <a:prstGeom prst="rect">
-            <a:avLst/>
-          </a:prstGeom>
-          <a:noFill/>
-          <a:extLst>
-            <a:ext uri="{909E8E84-426E-40DD-AFC4-6F175D3DCCD1}">
-              <a14:hiddenFill xmlns:a14="http://schemas.microsoft.com/office/drawing/2010/main">
-                <a:solidFill>
-                  <a:srgbClr val="FFFFFF"/>
-                </a:solidFill>
-              </a14:hiddenFill>
-            </a:ext>
-          </a:extLst>
-        </p:spPr>
-      </p:pic>
-      <p:cxnSp>
-        <p:nvCxnSpPr>
-          <p:cNvPr id="6" name="Straight Connector 5">
-            <a:extLst>
-              <a:ext uri="{FF2B5EF4-FFF2-40B4-BE49-F238E27FC236}">
-                <a16:creationId xmlns:a16="http://schemas.microsoft.com/office/drawing/2014/main" id="{7D0926DC-6298-B648-9DF9-0D78D09F9FC8}"/>
-              </a:ext>
-            </a:extLst>
-          </p:cNvPr>
-          <p:cNvCxnSpPr>
-            <a:cxnSpLocks/>
-          </p:cNvCxnSpPr>
-          <p:nvPr/>
-        </p:nvCxnSpPr>
-        <p:spPr>
-          <a:xfrm>
-            <a:off x="975854" y="1684829"/>
-            <a:ext cx="9518745" cy="1"/>
-          </a:xfrm>
-          <a:prstGeom prst="line">
-            <a:avLst/>
-          </a:prstGeom>
-          <a:ln w="12700">
-            <a:solidFill>
-              <a:srgbClr val="EA5E46"/>
-            </a:solidFill>
-          </a:ln>
-        </p:spPr>
-        <p:style>
-          <a:lnRef idx="1">
-            <a:schemeClr val="accent2"/>
-          </a:lnRef>
-          <a:fillRef idx="0">
-            <a:schemeClr val="accent2"/>
-          </a:fillRef>
-          <a:effectRef idx="0">
-            <a:schemeClr val="accent2"/>
-          </a:effectRef>
-          <a:fontRef idx="minor">
-            <a:schemeClr val="tx1"/>
-          </a:fontRef>
-        </p:style>
-      </p:cxnSp>
-      <p:grpSp>
-        <p:nvGrpSpPr>
-          <p:cNvPr id="4" name="Group 3">
-            <a:extLst>
-              <a:ext uri="{FF2B5EF4-FFF2-40B4-BE49-F238E27FC236}">
-                <a16:creationId xmlns:a16="http://schemas.microsoft.com/office/drawing/2014/main" id="{9B941F75-E90C-488B-AA2B-921C2318D973}"/>
-              </a:ext>
-            </a:extLst>
-          </p:cNvPr>
-          <p:cNvGrpSpPr/>
-          <p:nvPr/>
-        </p:nvGrpSpPr>
-        <p:grpSpPr>
-          <a:xfrm>
-            <a:off x="1453073" y="2884453"/>
-            <a:ext cx="2845864" cy="2645488"/>
-            <a:chOff x="1404492" y="2564906"/>
-            <a:chExt cx="2845864" cy="2645488"/>
-          </a:xfrm>
-        </p:grpSpPr>
-        <p:pic>
-          <p:nvPicPr>
-            <p:cNvPr id="2071" name="Picture 2070">
-              <a:extLst>
-                <a:ext uri="{FF2B5EF4-FFF2-40B4-BE49-F238E27FC236}">
-                  <a16:creationId xmlns:a16="http://schemas.microsoft.com/office/drawing/2014/main" id="{93FFCA0F-EBBD-4B16-B1D9-64DE5B4E1326}"/>
-                </a:ext>
-              </a:extLst>
-            </p:cNvPr>
-            <p:cNvPicPr>
-              <a:picLocks noChangeAspect="1"/>
-            </p:cNvPicPr>
-            <p:nvPr/>
-          </p:nvPicPr>
-          <p:blipFill>
-            <a:blip r:embed="rId4"/>
-            <a:stretch>
-              <a:fillRect/>
-            </a:stretch>
-          </p:blipFill>
-          <p:spPr>
-            <a:xfrm>
-              <a:off x="1418384" y="2564906"/>
-              <a:ext cx="2189605" cy="1657172"/>
-            </a:xfrm>
-            <a:prstGeom prst="rect">
-              <a:avLst/>
-            </a:prstGeom>
-          </p:spPr>
-        </p:pic>
-        <p:sp>
-          <p:nvSpPr>
-            <p:cNvPr id="35" name="TextBox 34">
-              <a:extLst>
-                <a:ext uri="{FF2B5EF4-FFF2-40B4-BE49-F238E27FC236}">
-                  <a16:creationId xmlns:a16="http://schemas.microsoft.com/office/drawing/2014/main" id="{1AE4750C-C8EA-444F-9B83-0A0518E8F8C0}"/>
-                </a:ext>
-              </a:extLst>
-            </p:cNvPr>
-            <p:cNvSpPr txBox="1"/>
-            <p:nvPr/>
-          </p:nvSpPr>
-          <p:spPr>
-            <a:xfrm>
-              <a:off x="1404492" y="4564063"/>
-              <a:ext cx="2845864" cy="646331"/>
-            </a:xfrm>
-            <a:prstGeom prst="rect">
-              <a:avLst/>
-            </a:prstGeom>
-            <a:noFill/>
-          </p:spPr>
-          <p:txBody>
-            <a:bodyPr wrap="square" rtlCol="0">
-              <a:spAutoFit/>
-            </a:bodyPr>
-            <a:lstStyle/>
-            <a:p>
-              <a:r>
-                <a:rPr lang="en-US" dirty="0"/>
-                <a:t>Random Forest </a:t>
-              </a:r>
-            </a:p>
-            <a:p>
-              <a:r>
-                <a:rPr lang="en-US" dirty="0"/>
-                <a:t>LGBM</a:t>
-              </a:r>
-              <a:endParaRPr lang="en-CA" dirty="0"/>
-            </a:p>
-          </p:txBody>
-        </p:sp>
-      </p:grpSp>
-      <p:grpSp>
-        <p:nvGrpSpPr>
-          <p:cNvPr id="7" name="Group 6">
-            <a:extLst>
-              <a:ext uri="{FF2B5EF4-FFF2-40B4-BE49-F238E27FC236}">
-                <a16:creationId xmlns:a16="http://schemas.microsoft.com/office/drawing/2014/main" id="{0FC5296A-CF7F-41B7-A45A-025B6F042A54}"/>
-              </a:ext>
-            </a:extLst>
-          </p:cNvPr>
-          <p:cNvGrpSpPr/>
-          <p:nvPr/>
-        </p:nvGrpSpPr>
-        <p:grpSpPr>
-          <a:xfrm>
-            <a:off x="5304459" y="3000246"/>
-            <a:ext cx="3324836" cy="2281203"/>
-            <a:chOff x="5255878" y="2680699"/>
-            <a:chExt cx="3324836" cy="2281203"/>
-          </a:xfrm>
-        </p:grpSpPr>
-        <p:pic>
-          <p:nvPicPr>
-            <p:cNvPr id="2073" name="Picture 2072">
-              <a:extLst>
-                <a:ext uri="{FF2B5EF4-FFF2-40B4-BE49-F238E27FC236}">
-                  <a16:creationId xmlns:a16="http://schemas.microsoft.com/office/drawing/2014/main" id="{673FC951-30E1-4E11-B7E0-DA9A36525151}"/>
-                </a:ext>
-              </a:extLst>
-            </p:cNvPr>
-            <p:cNvPicPr>
-              <a:picLocks noChangeAspect="1"/>
-            </p:cNvPicPr>
-            <p:nvPr/>
-          </p:nvPicPr>
-          <p:blipFill>
-            <a:blip r:embed="rId5"/>
-            <a:stretch>
-              <a:fillRect/>
-            </a:stretch>
-          </p:blipFill>
-          <p:spPr>
-            <a:xfrm>
-              <a:off x="5255878" y="2680699"/>
-              <a:ext cx="1708027" cy="1550966"/>
-            </a:xfrm>
-            <a:prstGeom prst="rect">
-              <a:avLst/>
-            </a:prstGeom>
-          </p:spPr>
-        </p:pic>
-        <p:sp>
-          <p:nvSpPr>
-            <p:cNvPr id="78" name="TextBox 77">
-              <a:extLst>
-                <a:ext uri="{FF2B5EF4-FFF2-40B4-BE49-F238E27FC236}">
-                  <a16:creationId xmlns:a16="http://schemas.microsoft.com/office/drawing/2014/main" id="{E2C38085-80CC-4B83-9F32-B05BD09C9CB8}"/>
-                </a:ext>
-              </a:extLst>
-            </p:cNvPr>
-            <p:cNvSpPr txBox="1"/>
-            <p:nvPr/>
-          </p:nvSpPr>
-          <p:spPr>
-            <a:xfrm>
-              <a:off x="5734850" y="4592570"/>
-              <a:ext cx="2845864" cy="369332"/>
-            </a:xfrm>
-            <a:prstGeom prst="rect">
-              <a:avLst/>
-            </a:prstGeom>
-            <a:noFill/>
-          </p:spPr>
-          <p:txBody>
-            <a:bodyPr wrap="square" rtlCol="0">
-              <a:spAutoFit/>
-            </a:bodyPr>
-            <a:lstStyle/>
-            <a:p>
-              <a:r>
-                <a:rPr lang="en-US" dirty="0"/>
-                <a:t>KNN	</a:t>
-              </a:r>
-              <a:endParaRPr lang="en-CA" dirty="0"/>
-            </a:p>
-          </p:txBody>
-        </p:sp>
-      </p:grpSp>
-      <p:grpSp>
-        <p:nvGrpSpPr>
-          <p:cNvPr id="5" name="Group 4">
-            <a:extLst>
-              <a:ext uri="{FF2B5EF4-FFF2-40B4-BE49-F238E27FC236}">
-                <a16:creationId xmlns:a16="http://schemas.microsoft.com/office/drawing/2014/main" id="{CF2F19B8-C6DA-44BA-BFBD-7E63DC91250B}"/>
-              </a:ext>
-            </a:extLst>
-          </p:cNvPr>
-          <p:cNvGrpSpPr/>
-          <p:nvPr/>
-        </p:nvGrpSpPr>
-        <p:grpSpPr>
-          <a:xfrm>
-            <a:off x="8376664" y="3125653"/>
-            <a:ext cx="3147076" cy="2156579"/>
-            <a:chOff x="8328083" y="2806106"/>
-            <a:chExt cx="3147076" cy="2156579"/>
-          </a:xfrm>
-        </p:grpSpPr>
-        <p:pic>
-          <p:nvPicPr>
-            <p:cNvPr id="2079" name="Picture 2078">
-              <a:extLst>
-                <a:ext uri="{FF2B5EF4-FFF2-40B4-BE49-F238E27FC236}">
-                  <a16:creationId xmlns:a16="http://schemas.microsoft.com/office/drawing/2014/main" id="{A5CA83BB-0863-4E6B-B621-304CD708D09A}"/>
-                </a:ext>
-              </a:extLst>
-            </p:cNvPr>
-            <p:cNvPicPr>
-              <a:picLocks noChangeAspect="1"/>
-            </p:cNvPicPr>
-            <p:nvPr/>
-          </p:nvPicPr>
-          <p:blipFill>
-            <a:blip r:embed="rId6"/>
-            <a:stretch>
-              <a:fillRect/>
-            </a:stretch>
-          </p:blipFill>
-          <p:spPr>
-            <a:xfrm>
-              <a:off x="8328083" y="2806106"/>
-              <a:ext cx="2378458" cy="1406358"/>
-            </a:xfrm>
-            <a:prstGeom prst="rect">
-              <a:avLst/>
-            </a:prstGeom>
-          </p:spPr>
-        </p:pic>
-        <p:sp>
-          <p:nvSpPr>
-            <p:cNvPr id="79" name="TextBox 78">
-              <a:extLst>
-                <a:ext uri="{FF2B5EF4-FFF2-40B4-BE49-F238E27FC236}">
-                  <a16:creationId xmlns:a16="http://schemas.microsoft.com/office/drawing/2014/main" id="{51610A38-B103-41F1-97A6-2590D50A7EDD}"/>
-                </a:ext>
-              </a:extLst>
-            </p:cNvPr>
-            <p:cNvSpPr txBox="1"/>
-            <p:nvPr/>
-          </p:nvSpPr>
-          <p:spPr>
-            <a:xfrm>
-              <a:off x="8629295" y="4593353"/>
-              <a:ext cx="2845864" cy="369332"/>
-            </a:xfrm>
-            <a:prstGeom prst="rect">
-              <a:avLst/>
-            </a:prstGeom>
-            <a:noFill/>
-          </p:spPr>
-          <p:txBody>
-            <a:bodyPr wrap="square" rtlCol="0">
-              <a:spAutoFit/>
-            </a:bodyPr>
-            <a:lstStyle/>
-            <a:p>
-              <a:r>
-                <a:rPr lang="en-US" dirty="0"/>
-                <a:t>Facebook Prophet 	</a:t>
-              </a:r>
-              <a:endParaRPr lang="en-CA" dirty="0"/>
-            </a:p>
-          </p:txBody>
-        </p:sp>
-      </p:grpSp>
-    </p:spTree>
-    <p:extLst>
-      <p:ext uri="{BB962C8B-B14F-4D97-AF65-F5344CB8AC3E}">
-        <p14:creationId xmlns:p14="http://schemas.microsoft.com/office/powerpoint/2010/main" val="3095852737"/>
-      </p:ext>
-    </p:extLst>
-  </p:cSld>
-  <p:clrMapOvr>
-    <a:masterClrMapping/>
-  </p:clrMapOvr>
-  <p:timing>
-    <p:tnLst>
-      <p:par>
-        <p:cTn id="1" dur="indefinite" restart="never" nodeType="tmRoot">
-          <p:childTnLst>
-            <p:seq concurrent="1" nextAc="seek">
-              <p:cTn id="2" dur="indefinite" nodeType="mainSeq">
-                <p:childTnLst>
-                  <p:par>
-                    <p:cTn id="3" fill="hold">
-                      <p:stCondLst>
-                        <p:cond delay="indefinite"/>
-                      </p:stCondLst>
-                      <p:childTnLst>
-                        <p:par>
-                          <p:cTn id="4" fill="hold">
-                            <p:stCondLst>
-                              <p:cond delay="0"/>
-                            </p:stCondLst>
-                            <p:childTnLst>
-                              <p:par>
-                                <p:cTn id="5" presetID="1" presetClass="entr" presetSubtype="0" fill="hold" nodeType="clickEffect">
-                                  <p:stCondLst>
-                                    <p:cond delay="0"/>
-                                  </p:stCondLst>
-                                  <p:childTnLst>
-                                    <p:set>
-                                      <p:cBhvr>
-                                        <p:cTn id="6" dur="1" fill="hold">
-                                          <p:stCondLst>
-                                            <p:cond delay="0"/>
-                                          </p:stCondLst>
-                                        </p:cTn>
-                                        <p:tgtEl>
-                                          <p:spTgt spid="4"/>
-                                        </p:tgtEl>
-                                        <p:attrNameLst>
-                                          <p:attrName>style.visibility</p:attrName>
-                                        </p:attrNameLst>
-                                      </p:cBhvr>
-                                      <p:to>
-                                        <p:strVal val="visible"/>
-                                      </p:to>
-                                    </p:set>
-                                  </p:childTnLst>
-                                </p:cTn>
-                              </p:par>
-                            </p:childTnLst>
-                          </p:cTn>
-                        </p:par>
-                      </p:childTnLst>
-                    </p:cTn>
-                  </p:par>
-                  <p:par>
-                    <p:cTn id="7" fill="hold">
-                      <p:stCondLst>
-                        <p:cond delay="indefinite"/>
-                      </p:stCondLst>
-                      <p:childTnLst>
-                        <p:par>
-                          <p:cTn id="8" fill="hold">
-                            <p:stCondLst>
-                              <p:cond delay="0"/>
-                            </p:stCondLst>
-                            <p:childTnLst>
-                              <p:par>
-                                <p:cTn id="9" presetID="1" presetClass="entr" presetSubtype="0" fill="hold" nodeType="clickEffect">
-                                  <p:stCondLst>
-                                    <p:cond delay="0"/>
-                                  </p:stCondLst>
-                                  <p:childTnLst>
-                                    <p:set>
-                                      <p:cBhvr>
-                                        <p:cTn id="10" dur="1" fill="hold">
-                                          <p:stCondLst>
-                                            <p:cond delay="0"/>
-                                          </p:stCondLst>
-                                        </p:cTn>
-                                        <p:tgtEl>
-                                          <p:spTgt spid="7"/>
-                                        </p:tgtEl>
-                                        <p:attrNameLst>
-                                          <p:attrName>style.visibility</p:attrName>
-                                        </p:attrNameLst>
-                                      </p:cBhvr>
-                                      <p:to>
-                                        <p:strVal val="visible"/>
-                                      </p:to>
-                                    </p:set>
-                                  </p:childTnLst>
-                                </p:cTn>
-                              </p:par>
-                            </p:childTnLst>
-                          </p:cTn>
-                        </p:par>
-                      </p:childTnLst>
-                    </p:cTn>
-                  </p:par>
-                  <p:par>
-                    <p:cTn id="11" fill="hold">
-                      <p:stCondLst>
-                        <p:cond delay="indefinite"/>
-                      </p:stCondLst>
-                      <p:childTnLst>
-                        <p:par>
-                          <p:cTn id="12" fill="hold">
-                            <p:stCondLst>
-                              <p:cond delay="0"/>
-                            </p:stCondLst>
-                            <p:childTnLst>
-                              <p:par>
-                                <p:cTn id="13" presetID="1" presetClass="entr" presetSubtype="0" fill="hold" nodeType="clickEffect">
-                                  <p:stCondLst>
-                                    <p:cond delay="0"/>
-                                  </p:stCondLst>
-                                  <p:childTnLst>
-                                    <p:set>
-                                      <p:cBhvr>
-                                        <p:cTn id="14" dur="1" fill="hold">
-                                          <p:stCondLst>
-                                            <p:cond delay="0"/>
-                                          </p:stCondLst>
-                                        </p:cTn>
-                                        <p:tgtEl>
-                                          <p:spTgt spid="5"/>
-                                        </p:tgtEl>
-                                        <p:attrNameLst>
-                                          <p:attrName>style.visibility</p:attrName>
-                                        </p:attrNameLst>
-                                      </p:cBhvr>
-                                      <p:to>
-                                        <p:strVal val="visible"/>
-                                      </p:to>
-                                    </p:set>
-                                  </p:childTnLst>
-                                </p:cTn>
-                              </p:par>
-                            </p:childTnLst>
-                          </p:cTn>
-                        </p:par>
-                      </p:childTnLst>
-                    </p:cTn>
-                  </p:par>
-                </p:childTnLst>
-              </p:cTn>
-              <p:prevCondLst>
-                <p:cond evt="onPrev" delay="0">
-                  <p:tgtEl>
-                    <p:sldTgt/>
-                  </p:tgtEl>
-                </p:cond>
-              </p:prevCondLst>
-              <p:nextCondLst>
-                <p:cond evt="onNext" delay="0">
-                  <p:tgtEl>
-                    <p:sldTgt/>
-                  </p:tgtEl>
-                </p:cond>
-              </p:nextCondLst>
-            </p:seq>
-          </p:childTnLst>
-        </p:cTn>
-      </p:par>
-    </p:tnLst>
-  </p:timing>
 </p:sld>
 </file>
 
@@ -16261,8 +16471,8 @@
         </p:nvSpPr>
         <p:spPr>
           <a:xfrm>
-            <a:off x="2721982" y="696475"/>
-            <a:ext cx="10515600" cy="1325563"/>
+            <a:off x="4076229" y="2571405"/>
+            <a:ext cx="10515600" cy="1335013"/>
           </a:xfrm>
         </p:spPr>
         <p:txBody>
@@ -16272,7 +16482,7 @@
           <a:lstStyle/>
           <a:p>
             <a:r>
-              <a:rPr lang="en-US" sz="4000" dirty="0">
+              <a:rPr lang="en-US" sz="5400" b="1" dirty="0">
                 <a:solidFill>
                   <a:srgbClr val="EA5E46"/>
                 </a:solidFill>
@@ -16296,7 +16506,7 @@
           </p:cNvPicPr>
           <p:nvPr/>
         </p:nvPicPr>
-        <p:blipFill>
+        <p:blipFill rotWithShape="1">
           <a:blip r:embed="rId3">
             <a:extLst>
               <a:ext uri="{28A0092B-C50C-407E-A947-70E740481C1C}">
@@ -16304,15 +16514,13 @@
               </a:ext>
             </a:extLst>
           </a:blip>
-          <a:srcRect/>
-          <a:stretch>
-            <a:fillRect/>
-          </a:stretch>
+          <a:srcRect r="25085"/>
+          <a:stretch/>
         </p:blipFill>
         <p:spPr bwMode="auto">
           <a:xfrm>
-            <a:off x="530564" y="108278"/>
-            <a:ext cx="2189605" cy="2022038"/>
+            <a:off x="2213196" y="2220686"/>
+            <a:ext cx="1640347" cy="2036453"/>
           </a:xfrm>
           <a:prstGeom prst="rect">
             <a:avLst/>
@@ -16329,49 +16537,6 @@
           </a:extLst>
         </p:spPr>
       </p:pic>
-      <p:cxnSp>
-        <p:nvCxnSpPr>
-          <p:cNvPr id="6" name="Straight Connector 5">
-            <a:extLst>
-              <a:ext uri="{FF2B5EF4-FFF2-40B4-BE49-F238E27FC236}">
-                <a16:creationId xmlns:a16="http://schemas.microsoft.com/office/drawing/2014/main" id="{7D0926DC-6298-B648-9DF9-0D78D09F9FC8}"/>
-              </a:ext>
-            </a:extLst>
-          </p:cNvPr>
-          <p:cNvCxnSpPr>
-            <a:cxnSpLocks/>
-          </p:cNvCxnSpPr>
-          <p:nvPr/>
-        </p:nvCxnSpPr>
-        <p:spPr>
-          <a:xfrm>
-            <a:off x="975854" y="1684829"/>
-            <a:ext cx="9518745" cy="1"/>
-          </a:xfrm>
-          <a:prstGeom prst="line">
-            <a:avLst/>
-          </a:prstGeom>
-          <a:ln w="12700">
-            <a:solidFill>
-              <a:srgbClr val="EA5E46"/>
-            </a:solidFill>
-          </a:ln>
-        </p:spPr>
-        <p:style>
-          <a:lnRef idx="1">
-            <a:schemeClr val="accent2"/>
-          </a:lnRef>
-          <a:fillRef idx="0">
-            <a:schemeClr val="accent2"/>
-          </a:fillRef>
-          <a:effectRef idx="0">
-            <a:schemeClr val="accent2"/>
-          </a:effectRef>
-          <a:fontRef idx="minor">
-            <a:schemeClr val="tx1"/>
-          </a:fontRef>
-        </p:style>
-      </p:cxnSp>
     </p:spTree>
     <p:extLst>
       <p:ext uri="{BB962C8B-B14F-4D97-AF65-F5344CB8AC3E}">
@@ -16382,6 +16547,613 @@
   <p:clrMapOvr>
     <a:masterClrMapping/>
   </p:clrMapOvr>
+  <p:timing>
+    <p:tnLst>
+      <p:par>
+        <p:cTn id="1" dur="indefinite" restart="never" nodeType="tmRoot">
+          <p:childTnLst>
+            <p:seq concurrent="1" nextAc="seek">
+              <p:cTn id="2" dur="indefinite" nodeType="mainSeq">
+                <p:childTnLst>
+                  <p:par>
+                    <p:cTn id="3" fill="hold">
+                      <p:stCondLst>
+                        <p:cond delay="indefinite"/>
+                      </p:stCondLst>
+                      <p:childTnLst>
+                        <p:par>
+                          <p:cTn id="4" fill="hold">
+                            <p:stCondLst>
+                              <p:cond delay="0"/>
+                            </p:stCondLst>
+                            <p:childTnLst>
+                              <p:par>
+                                <p:cTn id="5" presetID="26" presetClass="entr" presetSubtype="0" fill="hold" nodeType="clickEffect">
+                                  <p:stCondLst>
+                                    <p:cond delay="0"/>
+                                  </p:stCondLst>
+                                  <p:childTnLst>
+                                    <p:set>
+                                      <p:cBhvr>
+                                        <p:cTn id="6" dur="1" fill="hold">
+                                          <p:stCondLst>
+                                            <p:cond delay="0"/>
+                                          </p:stCondLst>
+                                        </p:cTn>
+                                        <p:tgtEl>
+                                          <p:spTgt spid="2050"/>
+                                        </p:tgtEl>
+                                        <p:attrNameLst>
+                                          <p:attrName>style.visibility</p:attrName>
+                                        </p:attrNameLst>
+                                      </p:cBhvr>
+                                      <p:to>
+                                        <p:strVal val="visible"/>
+                                      </p:to>
+                                    </p:set>
+                                    <p:animEffect transition="in" filter="wipe(down)">
+                                      <p:cBhvr>
+                                        <p:cTn id="7" dur="580">
+                                          <p:stCondLst>
+                                            <p:cond delay="0"/>
+                                          </p:stCondLst>
+                                        </p:cTn>
+                                        <p:tgtEl>
+                                          <p:spTgt spid="2050"/>
+                                        </p:tgtEl>
+                                      </p:cBhvr>
+                                    </p:animEffect>
+                                    <p:anim calcmode="lin" valueType="num">
+                                      <p:cBhvr>
+                                        <p:cTn id="8" dur="1822" tmFilter="0,0; 0.14,0.36; 0.43,0.73; 0.71,0.91; 1.0,1.0">
+                                          <p:stCondLst>
+                                            <p:cond delay="0"/>
+                                          </p:stCondLst>
+                                        </p:cTn>
+                                        <p:tgtEl>
+                                          <p:spTgt spid="2050"/>
+                                        </p:tgtEl>
+                                        <p:attrNameLst>
+                                          <p:attrName>ppt_x</p:attrName>
+                                        </p:attrNameLst>
+                                      </p:cBhvr>
+                                      <p:tavLst>
+                                        <p:tav tm="0">
+                                          <p:val>
+                                            <p:strVal val="#ppt_x-0.25"/>
+                                          </p:val>
+                                        </p:tav>
+                                        <p:tav tm="100000">
+                                          <p:val>
+                                            <p:strVal val="#ppt_x"/>
+                                          </p:val>
+                                        </p:tav>
+                                      </p:tavLst>
+                                    </p:anim>
+                                    <p:anim calcmode="lin" valueType="num">
+                                      <p:cBhvr>
+                                        <p:cTn id="9" dur="664" tmFilter="0.0,0.0; 0.25,0.07; 0.50,0.2; 0.75,0.467; 1.0,1.0">
+                                          <p:stCondLst>
+                                            <p:cond delay="0"/>
+                                          </p:stCondLst>
+                                        </p:cTn>
+                                        <p:tgtEl>
+                                          <p:spTgt spid="2050"/>
+                                        </p:tgtEl>
+                                        <p:attrNameLst>
+                                          <p:attrName>ppt_y</p:attrName>
+                                        </p:attrNameLst>
+                                      </p:cBhvr>
+                                      <p:tavLst>
+                                        <p:tav tm="0" fmla="#ppt_y-sin(pi*$)/3">
+                                          <p:val>
+                                            <p:fltVal val="0.5"/>
+                                          </p:val>
+                                        </p:tav>
+                                        <p:tav tm="100000">
+                                          <p:val>
+                                            <p:fltVal val="1"/>
+                                          </p:val>
+                                        </p:tav>
+                                      </p:tavLst>
+                                    </p:anim>
+                                    <p:anim calcmode="lin" valueType="num">
+                                      <p:cBhvr>
+                                        <p:cTn id="10" dur="664" tmFilter="0, 0; 0.125,0.2665; 0.25,0.4; 0.375,0.465; 0.5,0.5;  0.625,0.535; 0.75,0.6; 0.875,0.7335; 1,1">
+                                          <p:stCondLst>
+                                            <p:cond delay="664"/>
+                                          </p:stCondLst>
+                                        </p:cTn>
+                                        <p:tgtEl>
+                                          <p:spTgt spid="2050"/>
+                                        </p:tgtEl>
+                                        <p:attrNameLst>
+                                          <p:attrName>ppt_y</p:attrName>
+                                        </p:attrNameLst>
+                                      </p:cBhvr>
+                                      <p:tavLst>
+                                        <p:tav tm="0" fmla="#ppt_y-sin(pi*$)/9">
+                                          <p:val>
+                                            <p:fltVal val="0"/>
+                                          </p:val>
+                                        </p:tav>
+                                        <p:tav tm="100000">
+                                          <p:val>
+                                            <p:fltVal val="1"/>
+                                          </p:val>
+                                        </p:tav>
+                                      </p:tavLst>
+                                    </p:anim>
+                                    <p:anim calcmode="lin" valueType="num">
+                                      <p:cBhvr>
+                                        <p:cTn id="11" dur="332" tmFilter="0, 0; 0.125,0.2665; 0.25,0.4; 0.375,0.465; 0.5,0.5;  0.625,0.535; 0.75,0.6; 0.875,0.7335; 1,1">
+                                          <p:stCondLst>
+                                            <p:cond delay="1324"/>
+                                          </p:stCondLst>
+                                        </p:cTn>
+                                        <p:tgtEl>
+                                          <p:spTgt spid="2050"/>
+                                        </p:tgtEl>
+                                        <p:attrNameLst>
+                                          <p:attrName>ppt_y</p:attrName>
+                                        </p:attrNameLst>
+                                      </p:cBhvr>
+                                      <p:tavLst>
+                                        <p:tav tm="0" fmla="#ppt_y-sin(pi*$)/27">
+                                          <p:val>
+                                            <p:fltVal val="0"/>
+                                          </p:val>
+                                        </p:tav>
+                                        <p:tav tm="100000">
+                                          <p:val>
+                                            <p:fltVal val="1"/>
+                                          </p:val>
+                                        </p:tav>
+                                      </p:tavLst>
+                                    </p:anim>
+                                    <p:anim calcmode="lin" valueType="num">
+                                      <p:cBhvr>
+                                        <p:cTn id="12" dur="164" tmFilter="0, 0; 0.125,0.2665; 0.25,0.4; 0.375,0.465; 0.5,0.5;  0.625,0.535; 0.75,0.6; 0.875,0.7335; 1,1">
+                                          <p:stCondLst>
+                                            <p:cond delay="1656"/>
+                                          </p:stCondLst>
+                                        </p:cTn>
+                                        <p:tgtEl>
+                                          <p:spTgt spid="2050"/>
+                                        </p:tgtEl>
+                                        <p:attrNameLst>
+                                          <p:attrName>ppt_y</p:attrName>
+                                        </p:attrNameLst>
+                                      </p:cBhvr>
+                                      <p:tavLst>
+                                        <p:tav tm="0" fmla="#ppt_y-sin(pi*$)/81">
+                                          <p:val>
+                                            <p:fltVal val="0"/>
+                                          </p:val>
+                                        </p:tav>
+                                        <p:tav tm="100000">
+                                          <p:val>
+                                            <p:fltVal val="1"/>
+                                          </p:val>
+                                        </p:tav>
+                                      </p:tavLst>
+                                    </p:anim>
+                                    <p:animScale>
+                                      <p:cBhvr>
+                                        <p:cTn id="13" dur="26">
+                                          <p:stCondLst>
+                                            <p:cond delay="650"/>
+                                          </p:stCondLst>
+                                        </p:cTn>
+                                        <p:tgtEl>
+                                          <p:spTgt spid="2050"/>
+                                        </p:tgtEl>
+                                      </p:cBhvr>
+                                      <p:to x="100000" y="60000"/>
+                                    </p:animScale>
+                                    <p:animScale>
+                                      <p:cBhvr>
+                                        <p:cTn id="14" dur="166" decel="50000">
+                                          <p:stCondLst>
+                                            <p:cond delay="676"/>
+                                          </p:stCondLst>
+                                        </p:cTn>
+                                        <p:tgtEl>
+                                          <p:spTgt spid="2050"/>
+                                        </p:tgtEl>
+                                      </p:cBhvr>
+                                      <p:to x="100000" y="100000"/>
+                                    </p:animScale>
+                                    <p:animScale>
+                                      <p:cBhvr>
+                                        <p:cTn id="15" dur="26">
+                                          <p:stCondLst>
+                                            <p:cond delay="1312"/>
+                                          </p:stCondLst>
+                                        </p:cTn>
+                                        <p:tgtEl>
+                                          <p:spTgt spid="2050"/>
+                                        </p:tgtEl>
+                                      </p:cBhvr>
+                                      <p:to x="100000" y="80000"/>
+                                    </p:animScale>
+                                    <p:animScale>
+                                      <p:cBhvr>
+                                        <p:cTn id="16" dur="166" decel="50000">
+                                          <p:stCondLst>
+                                            <p:cond delay="1338"/>
+                                          </p:stCondLst>
+                                        </p:cTn>
+                                        <p:tgtEl>
+                                          <p:spTgt spid="2050"/>
+                                        </p:tgtEl>
+                                      </p:cBhvr>
+                                      <p:to x="100000" y="100000"/>
+                                    </p:animScale>
+                                    <p:animScale>
+                                      <p:cBhvr>
+                                        <p:cTn id="17" dur="26">
+                                          <p:stCondLst>
+                                            <p:cond delay="1642"/>
+                                          </p:stCondLst>
+                                        </p:cTn>
+                                        <p:tgtEl>
+                                          <p:spTgt spid="2050"/>
+                                        </p:tgtEl>
+                                      </p:cBhvr>
+                                      <p:to x="100000" y="90000"/>
+                                    </p:animScale>
+                                    <p:animScale>
+                                      <p:cBhvr>
+                                        <p:cTn id="18" dur="166" decel="50000">
+                                          <p:stCondLst>
+                                            <p:cond delay="1668"/>
+                                          </p:stCondLst>
+                                        </p:cTn>
+                                        <p:tgtEl>
+                                          <p:spTgt spid="2050"/>
+                                        </p:tgtEl>
+                                      </p:cBhvr>
+                                      <p:to x="100000" y="100000"/>
+                                    </p:animScale>
+                                    <p:animScale>
+                                      <p:cBhvr>
+                                        <p:cTn id="19" dur="26">
+                                          <p:stCondLst>
+                                            <p:cond delay="1808"/>
+                                          </p:stCondLst>
+                                        </p:cTn>
+                                        <p:tgtEl>
+                                          <p:spTgt spid="2050"/>
+                                        </p:tgtEl>
+                                      </p:cBhvr>
+                                      <p:to x="100000" y="95000"/>
+                                    </p:animScale>
+                                    <p:animScale>
+                                      <p:cBhvr>
+                                        <p:cTn id="20" dur="166" decel="50000">
+                                          <p:stCondLst>
+                                            <p:cond delay="1834"/>
+                                          </p:stCondLst>
+                                        </p:cTn>
+                                        <p:tgtEl>
+                                          <p:spTgt spid="2050"/>
+                                        </p:tgtEl>
+                                      </p:cBhvr>
+                                      <p:to x="100000" y="100000"/>
+                                    </p:animScale>
+                                  </p:childTnLst>
+                                </p:cTn>
+                              </p:par>
+                              <p:par>
+                                <p:cTn id="21" presetID="26" presetClass="entr" presetSubtype="0" fill="hold" grpId="0" nodeType="withEffect">
+                                  <p:stCondLst>
+                                    <p:cond delay="0"/>
+                                  </p:stCondLst>
+                                  <p:childTnLst>
+                                    <p:set>
+                                      <p:cBhvr>
+                                        <p:cTn id="22" dur="1" fill="hold">
+                                          <p:stCondLst>
+                                            <p:cond delay="0"/>
+                                          </p:stCondLst>
+                                        </p:cTn>
+                                        <p:tgtEl>
+                                          <p:spTgt spid="2"/>
+                                        </p:tgtEl>
+                                        <p:attrNameLst>
+                                          <p:attrName>style.visibility</p:attrName>
+                                        </p:attrNameLst>
+                                      </p:cBhvr>
+                                      <p:to>
+                                        <p:strVal val="visible"/>
+                                      </p:to>
+                                    </p:set>
+                                    <p:animEffect transition="in" filter="wipe(down)">
+                                      <p:cBhvr>
+                                        <p:cTn id="23" dur="580">
+                                          <p:stCondLst>
+                                            <p:cond delay="0"/>
+                                          </p:stCondLst>
+                                        </p:cTn>
+                                        <p:tgtEl>
+                                          <p:spTgt spid="2"/>
+                                        </p:tgtEl>
+                                      </p:cBhvr>
+                                    </p:animEffect>
+                                    <p:anim calcmode="lin" valueType="num">
+                                      <p:cBhvr>
+                                        <p:cTn id="24" dur="1822" tmFilter="0,0; 0.14,0.36; 0.43,0.73; 0.71,0.91; 1.0,1.0">
+                                          <p:stCondLst>
+                                            <p:cond delay="0"/>
+                                          </p:stCondLst>
+                                        </p:cTn>
+                                        <p:tgtEl>
+                                          <p:spTgt spid="2"/>
+                                        </p:tgtEl>
+                                        <p:attrNameLst>
+                                          <p:attrName>ppt_x</p:attrName>
+                                        </p:attrNameLst>
+                                      </p:cBhvr>
+                                      <p:tavLst>
+                                        <p:tav tm="0">
+                                          <p:val>
+                                            <p:strVal val="#ppt_x-0.25"/>
+                                          </p:val>
+                                        </p:tav>
+                                        <p:tav tm="100000">
+                                          <p:val>
+                                            <p:strVal val="#ppt_x"/>
+                                          </p:val>
+                                        </p:tav>
+                                      </p:tavLst>
+                                    </p:anim>
+                                    <p:anim calcmode="lin" valueType="num">
+                                      <p:cBhvr>
+                                        <p:cTn id="25" dur="664" tmFilter="0.0,0.0; 0.25,0.07; 0.50,0.2; 0.75,0.467; 1.0,1.0">
+                                          <p:stCondLst>
+                                            <p:cond delay="0"/>
+                                          </p:stCondLst>
+                                        </p:cTn>
+                                        <p:tgtEl>
+                                          <p:spTgt spid="2"/>
+                                        </p:tgtEl>
+                                        <p:attrNameLst>
+                                          <p:attrName>ppt_y</p:attrName>
+                                        </p:attrNameLst>
+                                      </p:cBhvr>
+                                      <p:tavLst>
+                                        <p:tav tm="0" fmla="#ppt_y-sin(pi*$)/3">
+                                          <p:val>
+                                            <p:fltVal val="0.5"/>
+                                          </p:val>
+                                        </p:tav>
+                                        <p:tav tm="100000">
+                                          <p:val>
+                                            <p:fltVal val="1"/>
+                                          </p:val>
+                                        </p:tav>
+                                      </p:tavLst>
+                                    </p:anim>
+                                    <p:anim calcmode="lin" valueType="num">
+                                      <p:cBhvr>
+                                        <p:cTn id="26" dur="664" tmFilter="0, 0; 0.125,0.2665; 0.25,0.4; 0.375,0.465; 0.5,0.5;  0.625,0.535; 0.75,0.6; 0.875,0.7335; 1,1">
+                                          <p:stCondLst>
+                                            <p:cond delay="664"/>
+                                          </p:stCondLst>
+                                        </p:cTn>
+                                        <p:tgtEl>
+                                          <p:spTgt spid="2"/>
+                                        </p:tgtEl>
+                                        <p:attrNameLst>
+                                          <p:attrName>ppt_y</p:attrName>
+                                        </p:attrNameLst>
+                                      </p:cBhvr>
+                                      <p:tavLst>
+                                        <p:tav tm="0" fmla="#ppt_y-sin(pi*$)/9">
+                                          <p:val>
+                                            <p:fltVal val="0"/>
+                                          </p:val>
+                                        </p:tav>
+                                        <p:tav tm="100000">
+                                          <p:val>
+                                            <p:fltVal val="1"/>
+                                          </p:val>
+                                        </p:tav>
+                                      </p:tavLst>
+                                    </p:anim>
+                                    <p:anim calcmode="lin" valueType="num">
+                                      <p:cBhvr>
+                                        <p:cTn id="27" dur="332" tmFilter="0, 0; 0.125,0.2665; 0.25,0.4; 0.375,0.465; 0.5,0.5;  0.625,0.535; 0.75,0.6; 0.875,0.7335; 1,1">
+                                          <p:stCondLst>
+                                            <p:cond delay="1324"/>
+                                          </p:stCondLst>
+                                        </p:cTn>
+                                        <p:tgtEl>
+                                          <p:spTgt spid="2"/>
+                                        </p:tgtEl>
+                                        <p:attrNameLst>
+                                          <p:attrName>ppt_y</p:attrName>
+                                        </p:attrNameLst>
+                                      </p:cBhvr>
+                                      <p:tavLst>
+                                        <p:tav tm="0" fmla="#ppt_y-sin(pi*$)/27">
+                                          <p:val>
+                                            <p:fltVal val="0"/>
+                                          </p:val>
+                                        </p:tav>
+                                        <p:tav tm="100000">
+                                          <p:val>
+                                            <p:fltVal val="1"/>
+                                          </p:val>
+                                        </p:tav>
+                                      </p:tavLst>
+                                    </p:anim>
+                                    <p:anim calcmode="lin" valueType="num">
+                                      <p:cBhvr>
+                                        <p:cTn id="28" dur="164" tmFilter="0, 0; 0.125,0.2665; 0.25,0.4; 0.375,0.465; 0.5,0.5;  0.625,0.535; 0.75,0.6; 0.875,0.7335; 1,1">
+                                          <p:stCondLst>
+                                            <p:cond delay="1656"/>
+                                          </p:stCondLst>
+                                        </p:cTn>
+                                        <p:tgtEl>
+                                          <p:spTgt spid="2"/>
+                                        </p:tgtEl>
+                                        <p:attrNameLst>
+                                          <p:attrName>ppt_y</p:attrName>
+                                        </p:attrNameLst>
+                                      </p:cBhvr>
+                                      <p:tavLst>
+                                        <p:tav tm="0" fmla="#ppt_y-sin(pi*$)/81">
+                                          <p:val>
+                                            <p:fltVal val="0"/>
+                                          </p:val>
+                                        </p:tav>
+                                        <p:tav tm="100000">
+                                          <p:val>
+                                            <p:fltVal val="1"/>
+                                          </p:val>
+                                        </p:tav>
+                                      </p:tavLst>
+                                    </p:anim>
+                                    <p:animScale>
+                                      <p:cBhvr>
+                                        <p:cTn id="29" dur="26">
+                                          <p:stCondLst>
+                                            <p:cond delay="650"/>
+                                          </p:stCondLst>
+                                        </p:cTn>
+                                        <p:tgtEl>
+                                          <p:spTgt spid="2"/>
+                                        </p:tgtEl>
+                                      </p:cBhvr>
+                                      <p:to x="100000" y="60000"/>
+                                    </p:animScale>
+                                    <p:animScale>
+                                      <p:cBhvr>
+                                        <p:cTn id="30" dur="166" decel="50000">
+                                          <p:stCondLst>
+                                            <p:cond delay="676"/>
+                                          </p:stCondLst>
+                                        </p:cTn>
+                                        <p:tgtEl>
+                                          <p:spTgt spid="2"/>
+                                        </p:tgtEl>
+                                      </p:cBhvr>
+                                      <p:to x="100000" y="100000"/>
+                                    </p:animScale>
+                                    <p:animScale>
+                                      <p:cBhvr>
+                                        <p:cTn id="31" dur="26">
+                                          <p:stCondLst>
+                                            <p:cond delay="1312"/>
+                                          </p:stCondLst>
+                                        </p:cTn>
+                                        <p:tgtEl>
+                                          <p:spTgt spid="2"/>
+                                        </p:tgtEl>
+                                      </p:cBhvr>
+                                      <p:to x="100000" y="80000"/>
+                                    </p:animScale>
+                                    <p:animScale>
+                                      <p:cBhvr>
+                                        <p:cTn id="32" dur="166" decel="50000">
+                                          <p:stCondLst>
+                                            <p:cond delay="1338"/>
+                                          </p:stCondLst>
+                                        </p:cTn>
+                                        <p:tgtEl>
+                                          <p:spTgt spid="2"/>
+                                        </p:tgtEl>
+                                      </p:cBhvr>
+                                      <p:to x="100000" y="100000"/>
+                                    </p:animScale>
+                                    <p:animScale>
+                                      <p:cBhvr>
+                                        <p:cTn id="33" dur="26">
+                                          <p:stCondLst>
+                                            <p:cond delay="1642"/>
+                                          </p:stCondLst>
+                                        </p:cTn>
+                                        <p:tgtEl>
+                                          <p:spTgt spid="2"/>
+                                        </p:tgtEl>
+                                      </p:cBhvr>
+                                      <p:to x="100000" y="90000"/>
+                                    </p:animScale>
+                                    <p:animScale>
+                                      <p:cBhvr>
+                                        <p:cTn id="34" dur="166" decel="50000">
+                                          <p:stCondLst>
+                                            <p:cond delay="1668"/>
+                                          </p:stCondLst>
+                                        </p:cTn>
+                                        <p:tgtEl>
+                                          <p:spTgt spid="2"/>
+                                        </p:tgtEl>
+                                      </p:cBhvr>
+                                      <p:to x="100000" y="100000"/>
+                                    </p:animScale>
+                                    <p:animScale>
+                                      <p:cBhvr>
+                                        <p:cTn id="35" dur="26">
+                                          <p:stCondLst>
+                                            <p:cond delay="1808"/>
+                                          </p:stCondLst>
+                                        </p:cTn>
+                                        <p:tgtEl>
+                                          <p:spTgt spid="2"/>
+                                        </p:tgtEl>
+                                      </p:cBhvr>
+                                      <p:to x="100000" y="95000"/>
+                                    </p:animScale>
+                                    <p:animScale>
+                                      <p:cBhvr>
+                                        <p:cTn id="36" dur="166" decel="50000">
+                                          <p:stCondLst>
+                                            <p:cond delay="1834"/>
+                                          </p:stCondLst>
+                                        </p:cTn>
+                                        <p:tgtEl>
+                                          <p:spTgt spid="2"/>
+                                        </p:tgtEl>
+                                      </p:cBhvr>
+                                      <p:to x="100000" y="100000"/>
+                                    </p:animScale>
+                                  </p:childTnLst>
+                                </p:cTn>
+                              </p:par>
+                            </p:childTnLst>
+                          </p:cTn>
+                        </p:par>
+                      </p:childTnLst>
+                    </p:cTn>
+                  </p:par>
+                </p:childTnLst>
+              </p:cTn>
+              <p:prevCondLst>
+                <p:cond evt="onPrev" delay="0">
+                  <p:tgtEl>
+                    <p:sldTgt/>
+                  </p:tgtEl>
+                </p:cond>
+              </p:prevCondLst>
+              <p:nextCondLst>
+                <p:cond evt="onNext" delay="0">
+                  <p:tgtEl>
+                    <p:sldTgt/>
+                  </p:tgtEl>
+                </p:cond>
+              </p:nextCondLst>
+            </p:seq>
+          </p:childTnLst>
+        </p:cTn>
+      </p:par>
+    </p:tnLst>
+    <p:bldLst>
+      <p:bldP spid="2" grpId="0"/>
+    </p:bldLst>
+  </p:timing>
 </p:sld>
 </file>
 
@@ -16595,6 +17367,597 @@
                   <a:srgbClr val="EA5E46"/>
                 </a:solidFill>
               </a:rPr>
+              <a:t>Price Predictor Models</a:t>
+            </a:r>
+          </a:p>
+        </p:txBody>
+      </p:sp>
+      <p:pic>
+        <p:nvPicPr>
+          <p:cNvPr id="2050" name="Picture 2" descr="Image result for air bnb logo">
+            <a:extLst>
+              <a:ext uri="{FF2B5EF4-FFF2-40B4-BE49-F238E27FC236}">
+                <a16:creationId xmlns:a16="http://schemas.microsoft.com/office/drawing/2014/main" id="{A162C291-208B-BE48-BF44-7D5CD7EF6151}"/>
+              </a:ext>
+            </a:extLst>
+          </p:cNvPr>
+          <p:cNvPicPr>
+            <a:picLocks noChangeAspect="1" noChangeArrowheads="1"/>
+          </p:cNvPicPr>
+          <p:nvPr/>
+        </p:nvPicPr>
+        <p:blipFill>
+          <a:blip r:embed="rId3">
+            <a:extLst>
+              <a:ext uri="{28A0092B-C50C-407E-A947-70E740481C1C}">
+                <a14:useLocalDpi xmlns:a14="http://schemas.microsoft.com/office/drawing/2010/main" val="0"/>
+              </a:ext>
+            </a:extLst>
+          </a:blip>
+          <a:srcRect/>
+          <a:stretch>
+            <a:fillRect/>
+          </a:stretch>
+        </p:blipFill>
+        <p:spPr bwMode="auto">
+          <a:xfrm>
+            <a:off x="530564" y="108278"/>
+            <a:ext cx="2189605" cy="2022038"/>
+          </a:xfrm>
+          <a:prstGeom prst="rect">
+            <a:avLst/>
+          </a:prstGeom>
+          <a:noFill/>
+          <a:extLst>
+            <a:ext uri="{909E8E84-426E-40DD-AFC4-6F175D3DCCD1}">
+              <a14:hiddenFill xmlns:a14="http://schemas.microsoft.com/office/drawing/2010/main">
+                <a:solidFill>
+                  <a:srgbClr val="FFFFFF"/>
+                </a:solidFill>
+              </a14:hiddenFill>
+            </a:ext>
+          </a:extLst>
+        </p:spPr>
+      </p:pic>
+      <p:cxnSp>
+        <p:nvCxnSpPr>
+          <p:cNvPr id="6" name="Straight Connector 5">
+            <a:extLst>
+              <a:ext uri="{FF2B5EF4-FFF2-40B4-BE49-F238E27FC236}">
+                <a16:creationId xmlns:a16="http://schemas.microsoft.com/office/drawing/2014/main" id="{7D0926DC-6298-B648-9DF9-0D78D09F9FC8}"/>
+              </a:ext>
+            </a:extLst>
+          </p:cNvPr>
+          <p:cNvCxnSpPr>
+            <a:cxnSpLocks/>
+          </p:cNvCxnSpPr>
+          <p:nvPr/>
+        </p:nvCxnSpPr>
+        <p:spPr>
+          <a:xfrm>
+            <a:off x="975854" y="1684829"/>
+            <a:ext cx="9518745" cy="1"/>
+          </a:xfrm>
+          <a:prstGeom prst="line">
+            <a:avLst/>
+          </a:prstGeom>
+          <a:ln w="12700">
+            <a:solidFill>
+              <a:srgbClr val="EA5E46"/>
+            </a:solidFill>
+          </a:ln>
+        </p:spPr>
+        <p:style>
+          <a:lnRef idx="1">
+            <a:schemeClr val="accent2"/>
+          </a:lnRef>
+          <a:fillRef idx="0">
+            <a:schemeClr val="accent2"/>
+          </a:fillRef>
+          <a:effectRef idx="0">
+            <a:schemeClr val="accent2"/>
+          </a:effectRef>
+          <a:fontRef idx="minor">
+            <a:schemeClr val="tx1"/>
+          </a:fontRef>
+        </p:style>
+      </p:cxnSp>
+      <p:grpSp>
+        <p:nvGrpSpPr>
+          <p:cNvPr id="4" name="Group 3">
+            <a:extLst>
+              <a:ext uri="{FF2B5EF4-FFF2-40B4-BE49-F238E27FC236}">
+                <a16:creationId xmlns:a16="http://schemas.microsoft.com/office/drawing/2014/main" id="{9B941F75-E90C-488B-AA2B-921C2318D973}"/>
+              </a:ext>
+            </a:extLst>
+          </p:cNvPr>
+          <p:cNvGrpSpPr/>
+          <p:nvPr/>
+        </p:nvGrpSpPr>
+        <p:grpSpPr>
+          <a:xfrm>
+            <a:off x="1453073" y="2884453"/>
+            <a:ext cx="2845864" cy="2645488"/>
+            <a:chOff x="1404492" y="2564906"/>
+            <a:chExt cx="2845864" cy="2645488"/>
+          </a:xfrm>
+        </p:grpSpPr>
+        <p:pic>
+          <p:nvPicPr>
+            <p:cNvPr id="2071" name="Picture 2070">
+              <a:extLst>
+                <a:ext uri="{FF2B5EF4-FFF2-40B4-BE49-F238E27FC236}">
+                  <a16:creationId xmlns:a16="http://schemas.microsoft.com/office/drawing/2014/main" id="{93FFCA0F-EBBD-4B16-B1D9-64DE5B4E1326}"/>
+                </a:ext>
+              </a:extLst>
+            </p:cNvPr>
+            <p:cNvPicPr>
+              <a:picLocks noChangeAspect="1"/>
+            </p:cNvPicPr>
+            <p:nvPr/>
+          </p:nvPicPr>
+          <p:blipFill>
+            <a:blip r:embed="rId4"/>
+            <a:stretch>
+              <a:fillRect/>
+            </a:stretch>
+          </p:blipFill>
+          <p:spPr>
+            <a:xfrm>
+              <a:off x="1418384" y="2564906"/>
+              <a:ext cx="2189605" cy="1657172"/>
+            </a:xfrm>
+            <a:prstGeom prst="rect">
+              <a:avLst/>
+            </a:prstGeom>
+          </p:spPr>
+        </p:pic>
+        <p:sp>
+          <p:nvSpPr>
+            <p:cNvPr id="35" name="TextBox 34">
+              <a:extLst>
+                <a:ext uri="{FF2B5EF4-FFF2-40B4-BE49-F238E27FC236}">
+                  <a16:creationId xmlns:a16="http://schemas.microsoft.com/office/drawing/2014/main" id="{1AE4750C-C8EA-444F-9B83-0A0518E8F8C0}"/>
+                </a:ext>
+              </a:extLst>
+            </p:cNvPr>
+            <p:cNvSpPr txBox="1"/>
+            <p:nvPr/>
+          </p:nvSpPr>
+          <p:spPr>
+            <a:xfrm>
+              <a:off x="1404492" y="4564063"/>
+              <a:ext cx="2845864" cy="646331"/>
+            </a:xfrm>
+            <a:prstGeom prst="rect">
+              <a:avLst/>
+            </a:prstGeom>
+            <a:noFill/>
+          </p:spPr>
+          <p:txBody>
+            <a:bodyPr wrap="square" rtlCol="0">
+              <a:spAutoFit/>
+            </a:bodyPr>
+            <a:lstStyle/>
+            <a:p>
+              <a:r>
+                <a:rPr lang="en-US" dirty="0"/>
+                <a:t>Random Forest </a:t>
+              </a:r>
+            </a:p>
+            <a:p>
+              <a:r>
+                <a:rPr lang="en-US" dirty="0"/>
+                <a:t>LGBM</a:t>
+              </a:r>
+              <a:endParaRPr lang="en-CA" dirty="0"/>
+            </a:p>
+          </p:txBody>
+        </p:sp>
+      </p:grpSp>
+      <p:grpSp>
+        <p:nvGrpSpPr>
+          <p:cNvPr id="7" name="Group 6">
+            <a:extLst>
+              <a:ext uri="{FF2B5EF4-FFF2-40B4-BE49-F238E27FC236}">
+                <a16:creationId xmlns:a16="http://schemas.microsoft.com/office/drawing/2014/main" id="{0FC5296A-CF7F-41B7-A45A-025B6F042A54}"/>
+              </a:ext>
+            </a:extLst>
+          </p:cNvPr>
+          <p:cNvGrpSpPr/>
+          <p:nvPr/>
+        </p:nvGrpSpPr>
+        <p:grpSpPr>
+          <a:xfrm>
+            <a:off x="5304459" y="3000246"/>
+            <a:ext cx="3324836" cy="2281203"/>
+            <a:chOff x="5255878" y="2680699"/>
+            <a:chExt cx="3324836" cy="2281203"/>
+          </a:xfrm>
+        </p:grpSpPr>
+        <p:pic>
+          <p:nvPicPr>
+            <p:cNvPr id="2073" name="Picture 2072">
+              <a:extLst>
+                <a:ext uri="{FF2B5EF4-FFF2-40B4-BE49-F238E27FC236}">
+                  <a16:creationId xmlns:a16="http://schemas.microsoft.com/office/drawing/2014/main" id="{673FC951-30E1-4E11-B7E0-DA9A36525151}"/>
+                </a:ext>
+              </a:extLst>
+            </p:cNvPr>
+            <p:cNvPicPr>
+              <a:picLocks noChangeAspect="1"/>
+            </p:cNvPicPr>
+            <p:nvPr/>
+          </p:nvPicPr>
+          <p:blipFill>
+            <a:blip r:embed="rId5"/>
+            <a:stretch>
+              <a:fillRect/>
+            </a:stretch>
+          </p:blipFill>
+          <p:spPr>
+            <a:xfrm>
+              <a:off x="5255878" y="2680699"/>
+              <a:ext cx="1708027" cy="1550966"/>
+            </a:xfrm>
+            <a:prstGeom prst="rect">
+              <a:avLst/>
+            </a:prstGeom>
+          </p:spPr>
+        </p:pic>
+        <p:sp>
+          <p:nvSpPr>
+            <p:cNvPr id="78" name="TextBox 77">
+              <a:extLst>
+                <a:ext uri="{FF2B5EF4-FFF2-40B4-BE49-F238E27FC236}">
+                  <a16:creationId xmlns:a16="http://schemas.microsoft.com/office/drawing/2014/main" id="{E2C38085-80CC-4B83-9F32-B05BD09C9CB8}"/>
+                </a:ext>
+              </a:extLst>
+            </p:cNvPr>
+            <p:cNvSpPr txBox="1"/>
+            <p:nvPr/>
+          </p:nvSpPr>
+          <p:spPr>
+            <a:xfrm>
+              <a:off x="5734850" y="4592570"/>
+              <a:ext cx="2845864" cy="369332"/>
+            </a:xfrm>
+            <a:prstGeom prst="rect">
+              <a:avLst/>
+            </a:prstGeom>
+            <a:noFill/>
+          </p:spPr>
+          <p:txBody>
+            <a:bodyPr wrap="square" rtlCol="0">
+              <a:spAutoFit/>
+            </a:bodyPr>
+            <a:lstStyle/>
+            <a:p>
+              <a:r>
+                <a:rPr lang="en-US" dirty="0"/>
+                <a:t>KNN	</a:t>
+              </a:r>
+              <a:endParaRPr lang="en-CA" dirty="0"/>
+            </a:p>
+          </p:txBody>
+        </p:sp>
+      </p:grpSp>
+      <p:grpSp>
+        <p:nvGrpSpPr>
+          <p:cNvPr id="5" name="Group 4">
+            <a:extLst>
+              <a:ext uri="{FF2B5EF4-FFF2-40B4-BE49-F238E27FC236}">
+                <a16:creationId xmlns:a16="http://schemas.microsoft.com/office/drawing/2014/main" id="{CF2F19B8-C6DA-44BA-BFBD-7E63DC91250B}"/>
+              </a:ext>
+            </a:extLst>
+          </p:cNvPr>
+          <p:cNvGrpSpPr/>
+          <p:nvPr/>
+        </p:nvGrpSpPr>
+        <p:grpSpPr>
+          <a:xfrm>
+            <a:off x="8376664" y="3125653"/>
+            <a:ext cx="3147076" cy="2156579"/>
+            <a:chOff x="8328083" y="2806106"/>
+            <a:chExt cx="3147076" cy="2156579"/>
+          </a:xfrm>
+        </p:grpSpPr>
+        <p:pic>
+          <p:nvPicPr>
+            <p:cNvPr id="2079" name="Picture 2078">
+              <a:extLst>
+                <a:ext uri="{FF2B5EF4-FFF2-40B4-BE49-F238E27FC236}">
+                  <a16:creationId xmlns:a16="http://schemas.microsoft.com/office/drawing/2014/main" id="{A5CA83BB-0863-4E6B-B621-304CD708D09A}"/>
+                </a:ext>
+              </a:extLst>
+            </p:cNvPr>
+            <p:cNvPicPr>
+              <a:picLocks noChangeAspect="1"/>
+            </p:cNvPicPr>
+            <p:nvPr/>
+          </p:nvPicPr>
+          <p:blipFill>
+            <a:blip r:embed="rId6"/>
+            <a:stretch>
+              <a:fillRect/>
+            </a:stretch>
+          </p:blipFill>
+          <p:spPr>
+            <a:xfrm>
+              <a:off x="8328083" y="2806106"/>
+              <a:ext cx="2378458" cy="1406358"/>
+            </a:xfrm>
+            <a:prstGeom prst="rect">
+              <a:avLst/>
+            </a:prstGeom>
+          </p:spPr>
+        </p:pic>
+        <p:sp>
+          <p:nvSpPr>
+            <p:cNvPr id="79" name="TextBox 78">
+              <a:extLst>
+                <a:ext uri="{FF2B5EF4-FFF2-40B4-BE49-F238E27FC236}">
+                  <a16:creationId xmlns:a16="http://schemas.microsoft.com/office/drawing/2014/main" id="{51610A38-B103-41F1-97A6-2590D50A7EDD}"/>
+                </a:ext>
+              </a:extLst>
+            </p:cNvPr>
+            <p:cNvSpPr txBox="1"/>
+            <p:nvPr/>
+          </p:nvSpPr>
+          <p:spPr>
+            <a:xfrm>
+              <a:off x="8629295" y="4593353"/>
+              <a:ext cx="2845864" cy="369332"/>
+            </a:xfrm>
+            <a:prstGeom prst="rect">
+              <a:avLst/>
+            </a:prstGeom>
+            <a:noFill/>
+          </p:spPr>
+          <p:txBody>
+            <a:bodyPr wrap="square" rtlCol="0">
+              <a:spAutoFit/>
+            </a:bodyPr>
+            <a:lstStyle/>
+            <a:p>
+              <a:r>
+                <a:rPr lang="en-US" dirty="0"/>
+                <a:t>Facebook Prophet 	</a:t>
+              </a:r>
+              <a:endParaRPr lang="en-CA" dirty="0"/>
+            </a:p>
+          </p:txBody>
+        </p:sp>
+      </p:grpSp>
+    </p:spTree>
+    <p:extLst>
+      <p:ext uri="{BB962C8B-B14F-4D97-AF65-F5344CB8AC3E}">
+        <p14:creationId xmlns:p14="http://schemas.microsoft.com/office/powerpoint/2010/main" val="3095852737"/>
+      </p:ext>
+    </p:extLst>
+  </p:cSld>
+  <p:clrMapOvr>
+    <a:masterClrMapping/>
+  </p:clrMapOvr>
+  <p:timing>
+    <p:tnLst>
+      <p:par>
+        <p:cTn id="1" dur="indefinite" restart="never" nodeType="tmRoot">
+          <p:childTnLst>
+            <p:seq concurrent="1" nextAc="seek">
+              <p:cTn id="2" dur="indefinite" nodeType="mainSeq">
+                <p:childTnLst>
+                  <p:par>
+                    <p:cTn id="3" fill="hold">
+                      <p:stCondLst>
+                        <p:cond delay="indefinite"/>
+                      </p:stCondLst>
+                      <p:childTnLst>
+                        <p:par>
+                          <p:cTn id="4" fill="hold">
+                            <p:stCondLst>
+                              <p:cond delay="0"/>
+                            </p:stCondLst>
+                            <p:childTnLst>
+                              <p:par>
+                                <p:cTn id="5" presetID="1" presetClass="entr" presetSubtype="0" fill="hold" nodeType="clickEffect">
+                                  <p:stCondLst>
+                                    <p:cond delay="0"/>
+                                  </p:stCondLst>
+                                  <p:childTnLst>
+                                    <p:set>
+                                      <p:cBhvr>
+                                        <p:cTn id="6" dur="1" fill="hold">
+                                          <p:stCondLst>
+                                            <p:cond delay="0"/>
+                                          </p:stCondLst>
+                                        </p:cTn>
+                                        <p:tgtEl>
+                                          <p:spTgt spid="4"/>
+                                        </p:tgtEl>
+                                        <p:attrNameLst>
+                                          <p:attrName>style.visibility</p:attrName>
+                                        </p:attrNameLst>
+                                      </p:cBhvr>
+                                      <p:to>
+                                        <p:strVal val="visible"/>
+                                      </p:to>
+                                    </p:set>
+                                  </p:childTnLst>
+                                </p:cTn>
+                              </p:par>
+                            </p:childTnLst>
+                          </p:cTn>
+                        </p:par>
+                      </p:childTnLst>
+                    </p:cTn>
+                  </p:par>
+                  <p:par>
+                    <p:cTn id="7" fill="hold">
+                      <p:stCondLst>
+                        <p:cond delay="indefinite"/>
+                      </p:stCondLst>
+                      <p:childTnLst>
+                        <p:par>
+                          <p:cTn id="8" fill="hold">
+                            <p:stCondLst>
+                              <p:cond delay="0"/>
+                            </p:stCondLst>
+                            <p:childTnLst>
+                              <p:par>
+                                <p:cTn id="9" presetID="1" presetClass="entr" presetSubtype="0" fill="hold" nodeType="clickEffect">
+                                  <p:stCondLst>
+                                    <p:cond delay="0"/>
+                                  </p:stCondLst>
+                                  <p:childTnLst>
+                                    <p:set>
+                                      <p:cBhvr>
+                                        <p:cTn id="10" dur="1" fill="hold">
+                                          <p:stCondLst>
+                                            <p:cond delay="0"/>
+                                          </p:stCondLst>
+                                        </p:cTn>
+                                        <p:tgtEl>
+                                          <p:spTgt spid="7"/>
+                                        </p:tgtEl>
+                                        <p:attrNameLst>
+                                          <p:attrName>style.visibility</p:attrName>
+                                        </p:attrNameLst>
+                                      </p:cBhvr>
+                                      <p:to>
+                                        <p:strVal val="visible"/>
+                                      </p:to>
+                                    </p:set>
+                                  </p:childTnLst>
+                                </p:cTn>
+                              </p:par>
+                            </p:childTnLst>
+                          </p:cTn>
+                        </p:par>
+                      </p:childTnLst>
+                    </p:cTn>
+                  </p:par>
+                  <p:par>
+                    <p:cTn id="11" fill="hold">
+                      <p:stCondLst>
+                        <p:cond delay="indefinite"/>
+                      </p:stCondLst>
+                      <p:childTnLst>
+                        <p:par>
+                          <p:cTn id="12" fill="hold">
+                            <p:stCondLst>
+                              <p:cond delay="0"/>
+                            </p:stCondLst>
+                            <p:childTnLst>
+                              <p:par>
+                                <p:cTn id="13" presetID="1" presetClass="entr" presetSubtype="0" fill="hold" nodeType="clickEffect">
+                                  <p:stCondLst>
+                                    <p:cond delay="0"/>
+                                  </p:stCondLst>
+                                  <p:childTnLst>
+                                    <p:set>
+                                      <p:cBhvr>
+                                        <p:cTn id="14" dur="1" fill="hold">
+                                          <p:stCondLst>
+                                            <p:cond delay="0"/>
+                                          </p:stCondLst>
+                                        </p:cTn>
+                                        <p:tgtEl>
+                                          <p:spTgt spid="5"/>
+                                        </p:tgtEl>
+                                        <p:attrNameLst>
+                                          <p:attrName>style.visibility</p:attrName>
+                                        </p:attrNameLst>
+                                      </p:cBhvr>
+                                      <p:to>
+                                        <p:strVal val="visible"/>
+                                      </p:to>
+                                    </p:set>
+                                  </p:childTnLst>
+                                </p:cTn>
+                              </p:par>
+                            </p:childTnLst>
+                          </p:cTn>
+                        </p:par>
+                      </p:childTnLst>
+                    </p:cTn>
+                  </p:par>
+                </p:childTnLst>
+              </p:cTn>
+              <p:prevCondLst>
+                <p:cond evt="onPrev" delay="0">
+                  <p:tgtEl>
+                    <p:sldTgt/>
+                  </p:tgtEl>
+                </p:cond>
+              </p:prevCondLst>
+              <p:nextCondLst>
+                <p:cond evt="onNext" delay="0">
+                  <p:tgtEl>
+                    <p:sldTgt/>
+                  </p:tgtEl>
+                </p:cond>
+              </p:nextCondLst>
+            </p:seq>
+          </p:childTnLst>
+        </p:cTn>
+      </p:par>
+    </p:tnLst>
+  </p:timing>
+</p:sld>
+</file>
+
+<file path=ppt/slides/slide5.xml><?xml version="1.0" encoding="utf-8"?>
+<p:sld xmlns:a="http://schemas.openxmlformats.org/drawingml/2006/main" xmlns:r="http://schemas.openxmlformats.org/officeDocument/2006/relationships" xmlns:p="http://schemas.openxmlformats.org/presentationml/2006/main">
+  <p:cSld>
+    <p:spTree>
+      <p:nvGrpSpPr>
+        <p:cNvPr id="1" name=""/>
+        <p:cNvGrpSpPr/>
+        <p:nvPr/>
+      </p:nvGrpSpPr>
+      <p:grpSpPr>
+        <a:xfrm>
+          <a:off x="0" y="0"/>
+          <a:ext cx="0" cy="0"/>
+          <a:chOff x="0" y="0"/>
+          <a:chExt cx="0" cy="0"/>
+        </a:xfrm>
+      </p:grpSpPr>
+      <p:sp>
+        <p:nvSpPr>
+          <p:cNvPr id="2" name="Title 1">
+            <a:extLst>
+              <a:ext uri="{FF2B5EF4-FFF2-40B4-BE49-F238E27FC236}">
+                <a16:creationId xmlns:a16="http://schemas.microsoft.com/office/drawing/2014/main" id="{59B8B577-5676-3C4B-A107-E41DB331FD85}"/>
+              </a:ext>
+            </a:extLst>
+          </p:cNvPr>
+          <p:cNvSpPr>
+            <a:spLocks noGrp="1"/>
+          </p:cNvSpPr>
+          <p:nvPr>
+            <p:ph type="title"/>
+          </p:nvPr>
+        </p:nvSpPr>
+        <p:spPr>
+          <a:xfrm>
+            <a:off x="2721982" y="696475"/>
+            <a:ext cx="10515600" cy="1325563"/>
+          </a:xfrm>
+        </p:spPr>
+        <p:txBody>
+          <a:bodyPr>
+            <a:normAutofit/>
+          </a:bodyPr>
+          <a:lstStyle/>
+          <a:p>
+            <a:r>
+              <a:rPr lang="en-US" sz="4000" dirty="0">
+                <a:solidFill>
+                  <a:srgbClr val="EA5E46"/>
+                </a:solidFill>
+              </a:rPr>
               <a:t>Model Findings</a:t>
             </a:r>
           </a:p>
@@ -16903,7 +18266,7 @@
                                         <p:tgtEl>
                                           <p:spTgt spid="5">
                                             <p:txEl>
-                                              <p:pRg st="3" end="3"/>
+                                              <p:pRg st="1" end="1"/>
                                             </p:txEl>
                                           </p:spTgt>
                                         </p:tgtEl>
@@ -16921,7 +18284,7 @@
                                         <p:tgtEl>
                                           <p:spTgt spid="5">
                                             <p:txEl>
-                                              <p:pRg st="3" end="3"/>
+                                              <p:pRg st="1" end="1"/>
                                             </p:txEl>
                                           </p:spTgt>
                                         </p:tgtEl>
@@ -16948,7 +18311,7 @@
                                         <p:tgtEl>
                                           <p:spTgt spid="5">
                                             <p:txEl>
-                                              <p:pRg st="3" end="3"/>
+                                              <p:pRg st="1" end="1"/>
                                             </p:txEl>
                                           </p:spTgt>
                                         </p:tgtEl>
@@ -17006,7 +18369,7 @@
                                         <p:tgtEl>
                                           <p:spTgt spid="5">
                                             <p:txEl>
-                                              <p:pRg st="1" end="1"/>
+                                              <p:pRg st="3" end="3"/>
                                             </p:txEl>
                                           </p:spTgt>
                                         </p:tgtEl>
@@ -17024,7 +18387,7 @@
                                         <p:tgtEl>
                                           <p:spTgt spid="5">
                                             <p:txEl>
-                                              <p:pRg st="1" end="1"/>
+                                              <p:pRg st="3" end="3"/>
                                             </p:txEl>
                                           </p:spTgt>
                                         </p:tgtEl>
@@ -17051,7 +18414,7 @@
                                         <p:tgtEl>
                                           <p:spTgt spid="5">
                                             <p:txEl>
-                                              <p:pRg st="1" end="1"/>
+                                              <p:pRg st="3" end="3"/>
                                             </p:txEl>
                                           </p:spTgt>
                                         </p:tgtEl>
@@ -17518,7 +18881,7 @@
 </p:sld>
 </file>
 
-<file path=ppt/slides/slide5.xml><?xml version="1.0" encoding="utf-8"?>
+<file path=ppt/slides/slide6.xml><?xml version="1.0" encoding="utf-8"?>
 <p:sld xmlns:a="http://schemas.openxmlformats.org/drawingml/2006/main" xmlns:r="http://schemas.openxmlformats.org/officeDocument/2006/relationships" xmlns:p="http://schemas.openxmlformats.org/presentationml/2006/main">
   <p:cSld>
     <p:spTree>
@@ -17677,7 +19040,7 @@
 </p:sld>
 </file>
 
-<file path=ppt/slides/slide6.xml><?xml version="1.0" encoding="utf-8"?>
+<file path=ppt/slides/slide7.xml><?xml version="1.0" encoding="utf-8"?>
 <p:sld xmlns:a="http://schemas.openxmlformats.org/drawingml/2006/main" xmlns:r="http://schemas.openxmlformats.org/officeDocument/2006/relationships" xmlns:p="http://schemas.openxmlformats.org/presentationml/2006/main">
   <p:cSld>
     <p:spTree>
@@ -17836,7 +19199,7 @@
 </p:sld>
 </file>
 
-<file path=ppt/slides/slide7.xml><?xml version="1.0" encoding="utf-8"?>
+<file path=ppt/slides/slide8.xml><?xml version="1.0" encoding="utf-8"?>
 <p:sld xmlns:a="http://schemas.openxmlformats.org/drawingml/2006/main" xmlns:r="http://schemas.openxmlformats.org/officeDocument/2006/relationships" xmlns:p="http://schemas.openxmlformats.org/presentationml/2006/main">
   <p:cSld>
     <p:spTree>
@@ -18843,7 +20206,7 @@
 </p:sld>
 </file>
 
-<file path=ppt/slides/slide8.xml><?xml version="1.0" encoding="utf-8"?>
+<file path=ppt/slides/slide9.xml><?xml version="1.0" encoding="utf-8"?>
 <p:sld xmlns:a="http://schemas.openxmlformats.org/drawingml/2006/main" xmlns:r="http://schemas.openxmlformats.org/officeDocument/2006/relationships" xmlns:p="http://schemas.openxmlformats.org/presentationml/2006/main">
   <p:cSld>
     <p:spTree>
@@ -19186,819 +20549,6 @@
       <p:bldP spid="3" grpId="0"/>
     </p:bldLst>
   </p:timing>
-</p:sld>
-</file>
-
-<file path=ppt/slides/slide9.xml><?xml version="1.0" encoding="utf-8"?>
-<p:sld xmlns:a="http://schemas.openxmlformats.org/drawingml/2006/main" xmlns:r="http://schemas.openxmlformats.org/officeDocument/2006/relationships" xmlns:p="http://schemas.openxmlformats.org/presentationml/2006/main">
-  <p:cSld>
-    <p:spTree>
-      <p:nvGrpSpPr>
-        <p:cNvPr id="1" name=""/>
-        <p:cNvGrpSpPr/>
-        <p:nvPr/>
-      </p:nvGrpSpPr>
-      <p:grpSpPr>
-        <a:xfrm>
-          <a:off x="0" y="0"/>
-          <a:ext cx="0" cy="0"/>
-          <a:chOff x="0" y="0"/>
-          <a:chExt cx="0" cy="0"/>
-        </a:xfrm>
-      </p:grpSpPr>
-      <p:sp>
-        <p:nvSpPr>
-          <p:cNvPr id="2" name="Title 1">
-            <a:extLst>
-              <a:ext uri="{FF2B5EF4-FFF2-40B4-BE49-F238E27FC236}">
-                <a16:creationId xmlns:a16="http://schemas.microsoft.com/office/drawing/2014/main" id="{59B8B577-5676-3C4B-A107-E41DB331FD85}"/>
-              </a:ext>
-            </a:extLst>
-          </p:cNvPr>
-          <p:cNvSpPr>
-            <a:spLocks noGrp="1"/>
-          </p:cNvSpPr>
-          <p:nvPr>
-            <p:ph type="title"/>
-          </p:nvPr>
-        </p:nvSpPr>
-        <p:spPr>
-          <a:xfrm>
-            <a:off x="2721982" y="696475"/>
-            <a:ext cx="10515600" cy="1325563"/>
-          </a:xfrm>
-        </p:spPr>
-        <p:txBody>
-          <a:bodyPr>
-            <a:normAutofit/>
-          </a:bodyPr>
-          <a:lstStyle/>
-          <a:p>
-            <a:r>
-              <a:rPr lang="en-US" sz="4000" dirty="0">
-                <a:solidFill>
-                  <a:srgbClr val="EA5E46"/>
-                </a:solidFill>
-              </a:rPr>
-              <a:t>Model Data Transformation - Regressor</a:t>
-            </a:r>
-          </a:p>
-        </p:txBody>
-      </p:sp>
-      <p:pic>
-        <p:nvPicPr>
-          <p:cNvPr id="2050" name="Picture 2" descr="Image result for air bnb logo">
-            <a:extLst>
-              <a:ext uri="{FF2B5EF4-FFF2-40B4-BE49-F238E27FC236}">
-                <a16:creationId xmlns:a16="http://schemas.microsoft.com/office/drawing/2014/main" id="{A162C291-208B-BE48-BF44-7D5CD7EF6151}"/>
-              </a:ext>
-            </a:extLst>
-          </p:cNvPr>
-          <p:cNvPicPr>
-            <a:picLocks noChangeAspect="1" noChangeArrowheads="1"/>
-          </p:cNvPicPr>
-          <p:nvPr/>
-        </p:nvPicPr>
-        <p:blipFill>
-          <a:blip r:embed="rId3">
-            <a:extLst>
-              <a:ext uri="{28A0092B-C50C-407E-A947-70E740481C1C}">
-                <a14:useLocalDpi xmlns:a14="http://schemas.microsoft.com/office/drawing/2010/main" val="0"/>
-              </a:ext>
-            </a:extLst>
-          </a:blip>
-          <a:srcRect/>
-          <a:stretch>
-            <a:fillRect/>
-          </a:stretch>
-        </p:blipFill>
-        <p:spPr bwMode="auto">
-          <a:xfrm>
-            <a:off x="530564" y="108278"/>
-            <a:ext cx="2189605" cy="2022038"/>
-          </a:xfrm>
-          <a:prstGeom prst="rect">
-            <a:avLst/>
-          </a:prstGeom>
-          <a:noFill/>
-          <a:extLst>
-            <a:ext uri="{909E8E84-426E-40DD-AFC4-6F175D3DCCD1}">
-              <a14:hiddenFill xmlns:a14="http://schemas.microsoft.com/office/drawing/2010/main">
-                <a:solidFill>
-                  <a:srgbClr val="FFFFFF"/>
-                </a:solidFill>
-              </a14:hiddenFill>
-            </a:ext>
-          </a:extLst>
-        </p:spPr>
-      </p:pic>
-      <p:cxnSp>
-        <p:nvCxnSpPr>
-          <p:cNvPr id="6" name="Straight Connector 5">
-            <a:extLst>
-              <a:ext uri="{FF2B5EF4-FFF2-40B4-BE49-F238E27FC236}">
-                <a16:creationId xmlns:a16="http://schemas.microsoft.com/office/drawing/2014/main" id="{7D0926DC-6298-B648-9DF9-0D78D09F9FC8}"/>
-              </a:ext>
-            </a:extLst>
-          </p:cNvPr>
-          <p:cNvCxnSpPr>
-            <a:cxnSpLocks/>
-          </p:cNvCxnSpPr>
-          <p:nvPr/>
-        </p:nvCxnSpPr>
-        <p:spPr>
-          <a:xfrm>
-            <a:off x="975854" y="1684829"/>
-            <a:ext cx="9518745" cy="1"/>
-          </a:xfrm>
-          <a:prstGeom prst="line">
-            <a:avLst/>
-          </a:prstGeom>
-          <a:ln w="12700">
-            <a:solidFill>
-              <a:srgbClr val="EA5E46"/>
-            </a:solidFill>
-          </a:ln>
-        </p:spPr>
-        <p:style>
-          <a:lnRef idx="1">
-            <a:schemeClr val="accent2"/>
-          </a:lnRef>
-          <a:fillRef idx="0">
-            <a:schemeClr val="accent2"/>
-          </a:fillRef>
-          <a:effectRef idx="0">
-            <a:schemeClr val="accent2"/>
-          </a:effectRef>
-          <a:fontRef idx="minor">
-            <a:schemeClr val="tx1"/>
-          </a:fontRef>
-        </p:style>
-      </p:cxnSp>
-      <p:sp>
-        <p:nvSpPr>
-          <p:cNvPr id="7" name="TextBox 6">
-            <a:extLst>
-              <a:ext uri="{FF2B5EF4-FFF2-40B4-BE49-F238E27FC236}">
-                <a16:creationId xmlns:a16="http://schemas.microsoft.com/office/drawing/2014/main" id="{1865850F-F88F-4006-B3AA-72BCC3C8DC47}"/>
-              </a:ext>
-            </a:extLst>
-          </p:cNvPr>
-          <p:cNvSpPr txBox="1"/>
-          <p:nvPr/>
-        </p:nvSpPr>
-        <p:spPr>
-          <a:xfrm>
-            <a:off x="957258" y="1935605"/>
-            <a:ext cx="4583645" cy="369332"/>
-          </a:xfrm>
-          <a:prstGeom prst="rect">
-            <a:avLst/>
-          </a:prstGeom>
-          <a:noFill/>
-        </p:spPr>
-        <p:txBody>
-          <a:bodyPr wrap="square" rtlCol="0">
-            <a:spAutoFit/>
-          </a:bodyPr>
-          <a:lstStyle/>
-          <a:p>
-            <a:r>
-              <a:rPr lang="en-US" dirty="0"/>
-              <a:t>1. Imputing Missing Numerical Data</a:t>
-            </a:r>
-            <a:endParaRPr lang="en-CA" dirty="0"/>
-          </a:p>
-        </p:txBody>
-      </p:sp>
-      <p:pic>
-        <p:nvPicPr>
-          <p:cNvPr id="8" name="Picture 7">
-            <a:extLst>
-              <a:ext uri="{FF2B5EF4-FFF2-40B4-BE49-F238E27FC236}">
-                <a16:creationId xmlns:a16="http://schemas.microsoft.com/office/drawing/2014/main" id="{0028919E-1E36-4323-863A-5D6F88EFE6F2}"/>
-              </a:ext>
-            </a:extLst>
-          </p:cNvPr>
-          <p:cNvPicPr>
-            <a:picLocks noChangeAspect="1"/>
-          </p:cNvPicPr>
-          <p:nvPr/>
-        </p:nvPicPr>
-        <p:blipFill>
-          <a:blip r:embed="rId4"/>
-          <a:stretch>
-            <a:fillRect/>
-          </a:stretch>
-        </p:blipFill>
-        <p:spPr>
-          <a:xfrm>
-            <a:off x="1013189" y="2304937"/>
-            <a:ext cx="1152574" cy="959328"/>
-          </a:xfrm>
-          <a:prstGeom prst="rect">
-            <a:avLst/>
-          </a:prstGeom>
-        </p:spPr>
-      </p:pic>
-      <p:sp>
-        <p:nvSpPr>
-          <p:cNvPr id="9" name="Arrow: Right 8">
-            <a:extLst>
-              <a:ext uri="{FF2B5EF4-FFF2-40B4-BE49-F238E27FC236}">
-                <a16:creationId xmlns:a16="http://schemas.microsoft.com/office/drawing/2014/main" id="{DA358ABB-CEBD-4DBB-99CA-634454236DEB}"/>
-              </a:ext>
-            </a:extLst>
-          </p:cNvPr>
-          <p:cNvSpPr/>
-          <p:nvPr/>
-        </p:nvSpPr>
-        <p:spPr>
-          <a:xfrm>
-            <a:off x="2792164" y="2784601"/>
-            <a:ext cx="552893" cy="352089"/>
-          </a:xfrm>
-          <a:prstGeom prst="rightArrow">
-            <a:avLst/>
-          </a:prstGeom>
-          <a:solidFill>
-            <a:schemeClr val="bg2">
-              <a:lumMod val="75000"/>
-            </a:schemeClr>
-          </a:solidFill>
-          <a:ln>
-            <a:solidFill>
-              <a:schemeClr val="bg2">
-                <a:lumMod val="75000"/>
-              </a:schemeClr>
-            </a:solidFill>
-          </a:ln>
-        </p:spPr>
-        <p:style>
-          <a:lnRef idx="2">
-            <a:schemeClr val="accent1">
-              <a:shade val="50000"/>
-            </a:schemeClr>
-          </a:lnRef>
-          <a:fillRef idx="1">
-            <a:schemeClr val="accent1"/>
-          </a:fillRef>
-          <a:effectRef idx="0">
-            <a:schemeClr val="accent1"/>
-          </a:effectRef>
-          <a:fontRef idx="minor">
-            <a:schemeClr val="lt1"/>
-          </a:fontRef>
-        </p:style>
-        <p:txBody>
-          <a:bodyPr rtlCol="0" anchor="ctr"/>
-          <a:lstStyle/>
-          <a:p>
-            <a:pPr algn="ctr"/>
-            <a:endParaRPr lang="en-CA"/>
-          </a:p>
-        </p:txBody>
-      </p:sp>
-      <p:pic>
-        <p:nvPicPr>
-          <p:cNvPr id="10" name="Picture 9">
-            <a:extLst>
-              <a:ext uri="{FF2B5EF4-FFF2-40B4-BE49-F238E27FC236}">
-                <a16:creationId xmlns:a16="http://schemas.microsoft.com/office/drawing/2014/main" id="{9B59E3D0-4537-41D9-90DE-A1ACFAEE402F}"/>
-              </a:ext>
-            </a:extLst>
-          </p:cNvPr>
-          <p:cNvPicPr>
-            <a:picLocks noChangeAspect="1"/>
-          </p:cNvPicPr>
-          <p:nvPr/>
-        </p:nvPicPr>
-        <p:blipFill>
-          <a:blip r:embed="rId5"/>
-          <a:stretch>
-            <a:fillRect/>
-          </a:stretch>
-        </p:blipFill>
-        <p:spPr>
-          <a:xfrm>
-            <a:off x="8199437" y="2612655"/>
-            <a:ext cx="1559822" cy="629402"/>
-          </a:xfrm>
-          <a:prstGeom prst="rect">
-            <a:avLst/>
-          </a:prstGeom>
-        </p:spPr>
-      </p:pic>
-      <p:sp>
-        <p:nvSpPr>
-          <p:cNvPr id="11" name="Rectangle 10">
-            <a:extLst>
-              <a:ext uri="{FF2B5EF4-FFF2-40B4-BE49-F238E27FC236}">
-                <a16:creationId xmlns:a16="http://schemas.microsoft.com/office/drawing/2014/main" id="{2ACC4B44-271A-489E-88BE-398A531DD335}"/>
-              </a:ext>
-            </a:extLst>
-          </p:cNvPr>
-          <p:cNvSpPr/>
-          <p:nvPr/>
-        </p:nvSpPr>
-        <p:spPr>
-          <a:xfrm>
-            <a:off x="9032965" y="2981269"/>
-            <a:ext cx="726294" cy="282997"/>
-          </a:xfrm>
-          <a:prstGeom prst="rect">
-            <a:avLst/>
-          </a:prstGeom>
-          <a:noFill/>
-          <a:ln w="28575">
-            <a:solidFill>
-              <a:srgbClr val="EA6155"/>
-            </a:solidFill>
-          </a:ln>
-        </p:spPr>
-        <p:style>
-          <a:lnRef idx="2">
-            <a:schemeClr val="accent1">
-              <a:shade val="50000"/>
-            </a:schemeClr>
-          </a:lnRef>
-          <a:fillRef idx="1">
-            <a:schemeClr val="accent1"/>
-          </a:fillRef>
-          <a:effectRef idx="0">
-            <a:schemeClr val="accent1"/>
-          </a:effectRef>
-          <a:fontRef idx="minor">
-            <a:schemeClr val="lt1"/>
-          </a:fontRef>
-        </p:style>
-        <p:txBody>
-          <a:bodyPr rtlCol="0" anchor="ctr"/>
-          <a:lstStyle/>
-          <a:p>
-            <a:pPr algn="ctr"/>
-            <a:endParaRPr lang="en-CA"/>
-          </a:p>
-        </p:txBody>
-      </p:sp>
-      <p:sp>
-        <p:nvSpPr>
-          <p:cNvPr id="12" name="Rectangle 11">
-            <a:extLst>
-              <a:ext uri="{FF2B5EF4-FFF2-40B4-BE49-F238E27FC236}">
-                <a16:creationId xmlns:a16="http://schemas.microsoft.com/office/drawing/2014/main" id="{6A223A28-B730-4B94-B885-F9A86FB05512}"/>
-              </a:ext>
-            </a:extLst>
-          </p:cNvPr>
-          <p:cNvSpPr/>
-          <p:nvPr/>
-        </p:nvSpPr>
-        <p:spPr>
-          <a:xfrm>
-            <a:off x="1775966" y="2635886"/>
-            <a:ext cx="389797" cy="628380"/>
-          </a:xfrm>
-          <a:prstGeom prst="rect">
-            <a:avLst/>
-          </a:prstGeom>
-          <a:noFill/>
-          <a:ln w="28575">
-            <a:solidFill>
-              <a:srgbClr val="EA6155"/>
-            </a:solidFill>
-          </a:ln>
-        </p:spPr>
-        <p:style>
-          <a:lnRef idx="2">
-            <a:schemeClr val="accent1">
-              <a:shade val="50000"/>
-            </a:schemeClr>
-          </a:lnRef>
-          <a:fillRef idx="1">
-            <a:schemeClr val="accent1"/>
-          </a:fillRef>
-          <a:effectRef idx="0">
-            <a:schemeClr val="accent1"/>
-          </a:effectRef>
-          <a:fontRef idx="minor">
-            <a:schemeClr val="lt1"/>
-          </a:fontRef>
-        </p:style>
-        <p:txBody>
-          <a:bodyPr rtlCol="0" anchor="ctr"/>
-          <a:lstStyle/>
-          <a:p>
-            <a:pPr algn="ctr"/>
-            <a:endParaRPr lang="en-CA"/>
-          </a:p>
-        </p:txBody>
-      </p:sp>
-      <p:pic>
-        <p:nvPicPr>
-          <p:cNvPr id="13" name="Picture 12">
-            <a:extLst>
-              <a:ext uri="{FF2B5EF4-FFF2-40B4-BE49-F238E27FC236}">
-                <a16:creationId xmlns:a16="http://schemas.microsoft.com/office/drawing/2014/main" id="{1523FCCC-D0DE-4C78-8762-DB4ADA8FEF40}"/>
-              </a:ext>
-            </a:extLst>
-          </p:cNvPr>
-          <p:cNvPicPr>
-            <a:picLocks noChangeAspect="1"/>
-          </p:cNvPicPr>
-          <p:nvPr/>
-        </p:nvPicPr>
-        <p:blipFill>
-          <a:blip r:embed="rId6"/>
-          <a:stretch>
-            <a:fillRect/>
-          </a:stretch>
-        </p:blipFill>
-        <p:spPr>
-          <a:xfrm>
-            <a:off x="3886096" y="2606616"/>
-            <a:ext cx="2572168" cy="628380"/>
-          </a:xfrm>
-          <a:prstGeom prst="rect">
-            <a:avLst/>
-          </a:prstGeom>
-        </p:spPr>
-      </p:pic>
-      <p:sp>
-        <p:nvSpPr>
-          <p:cNvPr id="15" name="Arrow: Right 14">
-            <a:extLst>
-              <a:ext uri="{FF2B5EF4-FFF2-40B4-BE49-F238E27FC236}">
-                <a16:creationId xmlns:a16="http://schemas.microsoft.com/office/drawing/2014/main" id="{404B15BF-25FD-412E-9A04-7F882754FD89}"/>
-              </a:ext>
-            </a:extLst>
-          </p:cNvPr>
-          <p:cNvSpPr/>
-          <p:nvPr/>
-        </p:nvSpPr>
-        <p:spPr>
-          <a:xfrm>
-            <a:off x="7041741" y="2803229"/>
-            <a:ext cx="552893" cy="352089"/>
-          </a:xfrm>
-          <a:prstGeom prst="rightArrow">
-            <a:avLst/>
-          </a:prstGeom>
-          <a:solidFill>
-            <a:schemeClr val="bg2">
-              <a:lumMod val="75000"/>
-            </a:schemeClr>
-          </a:solidFill>
-          <a:ln>
-            <a:solidFill>
-              <a:schemeClr val="bg2">
-                <a:lumMod val="75000"/>
-              </a:schemeClr>
-            </a:solidFill>
-          </a:ln>
-        </p:spPr>
-        <p:style>
-          <a:lnRef idx="2">
-            <a:schemeClr val="accent1">
-              <a:shade val="50000"/>
-            </a:schemeClr>
-          </a:lnRef>
-          <a:fillRef idx="1">
-            <a:schemeClr val="accent1"/>
-          </a:fillRef>
-          <a:effectRef idx="0">
-            <a:schemeClr val="accent1"/>
-          </a:effectRef>
-          <a:fontRef idx="minor">
-            <a:schemeClr val="lt1"/>
-          </a:fontRef>
-        </p:style>
-        <p:txBody>
-          <a:bodyPr rtlCol="0" anchor="ctr"/>
-          <a:lstStyle/>
-          <a:p>
-            <a:pPr algn="ctr"/>
-            <a:endParaRPr lang="en-CA"/>
-          </a:p>
-        </p:txBody>
-      </p:sp>
-      <p:sp>
-        <p:nvSpPr>
-          <p:cNvPr id="16" name="TextBox 15">
-            <a:extLst>
-              <a:ext uri="{FF2B5EF4-FFF2-40B4-BE49-F238E27FC236}">
-                <a16:creationId xmlns:a16="http://schemas.microsoft.com/office/drawing/2014/main" id="{DF7416E9-F43B-4AB6-8689-50D5C4C4BB22}"/>
-              </a:ext>
-            </a:extLst>
-          </p:cNvPr>
-          <p:cNvSpPr txBox="1"/>
-          <p:nvPr/>
-        </p:nvSpPr>
-        <p:spPr>
-          <a:xfrm>
-            <a:off x="975854" y="3503410"/>
-            <a:ext cx="4797517" cy="369332"/>
-          </a:xfrm>
-          <a:prstGeom prst="rect">
-            <a:avLst/>
-          </a:prstGeom>
-          <a:noFill/>
-        </p:spPr>
-        <p:txBody>
-          <a:bodyPr wrap="square" rtlCol="0">
-            <a:spAutoFit/>
-          </a:bodyPr>
-          <a:lstStyle/>
-          <a:p>
-            <a:r>
-              <a:rPr lang="en-US" dirty="0"/>
-              <a:t>2. Encoding Categorical Data</a:t>
-            </a:r>
-            <a:endParaRPr lang="en-CA" dirty="0"/>
-          </a:p>
-        </p:txBody>
-      </p:sp>
-      <p:sp>
-        <p:nvSpPr>
-          <p:cNvPr id="17" name="Arrow: Right 16">
-            <a:extLst>
-              <a:ext uri="{FF2B5EF4-FFF2-40B4-BE49-F238E27FC236}">
-                <a16:creationId xmlns:a16="http://schemas.microsoft.com/office/drawing/2014/main" id="{DC6FBA63-237E-47CE-A963-3821E3F4F252}"/>
-              </a:ext>
-            </a:extLst>
-          </p:cNvPr>
-          <p:cNvSpPr/>
-          <p:nvPr/>
-        </p:nvSpPr>
-        <p:spPr>
-          <a:xfrm>
-            <a:off x="2795027" y="4456461"/>
-            <a:ext cx="552893" cy="352089"/>
-          </a:xfrm>
-          <a:prstGeom prst="rightArrow">
-            <a:avLst/>
-          </a:prstGeom>
-          <a:solidFill>
-            <a:schemeClr val="bg2">
-              <a:lumMod val="75000"/>
-            </a:schemeClr>
-          </a:solidFill>
-          <a:ln>
-            <a:solidFill>
-              <a:schemeClr val="bg2">
-                <a:lumMod val="75000"/>
-              </a:schemeClr>
-            </a:solidFill>
-          </a:ln>
-        </p:spPr>
-        <p:style>
-          <a:lnRef idx="2">
-            <a:schemeClr val="accent1">
-              <a:shade val="50000"/>
-            </a:schemeClr>
-          </a:lnRef>
-          <a:fillRef idx="1">
-            <a:schemeClr val="accent1"/>
-          </a:fillRef>
-          <a:effectRef idx="0">
-            <a:schemeClr val="accent1"/>
-          </a:effectRef>
-          <a:fontRef idx="minor">
-            <a:schemeClr val="lt1"/>
-          </a:fontRef>
-        </p:style>
-        <p:txBody>
-          <a:bodyPr rtlCol="0" anchor="ctr"/>
-          <a:lstStyle/>
-          <a:p>
-            <a:pPr algn="ctr"/>
-            <a:endParaRPr lang="en-CA"/>
-          </a:p>
-        </p:txBody>
-      </p:sp>
-      <p:pic>
-        <p:nvPicPr>
-          <p:cNvPr id="18" name="Picture 17">
-            <a:extLst>
-              <a:ext uri="{FF2B5EF4-FFF2-40B4-BE49-F238E27FC236}">
-                <a16:creationId xmlns:a16="http://schemas.microsoft.com/office/drawing/2014/main" id="{1AE78CD3-F9E1-4165-A46B-4D09B040E6F2}"/>
-              </a:ext>
-            </a:extLst>
-          </p:cNvPr>
-          <p:cNvPicPr>
-            <a:picLocks noChangeAspect="1"/>
-          </p:cNvPicPr>
-          <p:nvPr/>
-        </p:nvPicPr>
-        <p:blipFill>
-          <a:blip r:embed="rId7"/>
-          <a:stretch>
-            <a:fillRect/>
-          </a:stretch>
-        </p:blipFill>
-        <p:spPr>
-          <a:xfrm>
-            <a:off x="1072717" y="4037153"/>
-            <a:ext cx="623138" cy="838615"/>
-          </a:xfrm>
-          <a:prstGeom prst="rect">
-            <a:avLst/>
-          </a:prstGeom>
-        </p:spPr>
-      </p:pic>
-      <p:pic>
-        <p:nvPicPr>
-          <p:cNvPr id="19" name="Picture 18">
-            <a:extLst>
-              <a:ext uri="{FF2B5EF4-FFF2-40B4-BE49-F238E27FC236}">
-                <a16:creationId xmlns:a16="http://schemas.microsoft.com/office/drawing/2014/main" id="{ACD958EF-27E4-413F-B65B-E87C0C4488E7}"/>
-              </a:ext>
-            </a:extLst>
-          </p:cNvPr>
-          <p:cNvPicPr>
-            <a:picLocks noChangeAspect="1"/>
-          </p:cNvPicPr>
-          <p:nvPr/>
-        </p:nvPicPr>
-        <p:blipFill>
-          <a:blip r:embed="rId8"/>
-          <a:stretch>
-            <a:fillRect/>
-          </a:stretch>
-        </p:blipFill>
-        <p:spPr>
-          <a:xfrm>
-            <a:off x="3875236" y="4089028"/>
-            <a:ext cx="688257" cy="901853"/>
-          </a:xfrm>
-          <a:prstGeom prst="rect">
-            <a:avLst/>
-          </a:prstGeom>
-        </p:spPr>
-      </p:pic>
-      <p:sp>
-        <p:nvSpPr>
-          <p:cNvPr id="20" name="TextBox 19">
-            <a:extLst>
-              <a:ext uri="{FF2B5EF4-FFF2-40B4-BE49-F238E27FC236}">
-                <a16:creationId xmlns:a16="http://schemas.microsoft.com/office/drawing/2014/main" id="{402E63BF-3E80-4CD6-BBC0-2D1687E375A9}"/>
-              </a:ext>
-            </a:extLst>
-          </p:cNvPr>
-          <p:cNvSpPr txBox="1"/>
-          <p:nvPr/>
-        </p:nvSpPr>
-        <p:spPr>
-          <a:xfrm>
-            <a:off x="975854" y="5092054"/>
-            <a:ext cx="3418873" cy="369332"/>
-          </a:xfrm>
-          <a:prstGeom prst="rect">
-            <a:avLst/>
-          </a:prstGeom>
-          <a:noFill/>
-        </p:spPr>
-        <p:txBody>
-          <a:bodyPr wrap="square" rtlCol="0">
-            <a:spAutoFit/>
-          </a:bodyPr>
-          <a:lstStyle/>
-          <a:p>
-            <a:r>
-              <a:rPr lang="en-US" dirty="0"/>
-              <a:t>3. Vectorizing Text Data </a:t>
-            </a:r>
-            <a:endParaRPr lang="en-CA" dirty="0"/>
-          </a:p>
-        </p:txBody>
-      </p:sp>
-      <p:sp>
-        <p:nvSpPr>
-          <p:cNvPr id="21" name="Arrow: Right 20">
-            <a:extLst>
-              <a:ext uri="{FF2B5EF4-FFF2-40B4-BE49-F238E27FC236}">
-                <a16:creationId xmlns:a16="http://schemas.microsoft.com/office/drawing/2014/main" id="{79203AC8-B69E-4FB6-A3DD-4706710BD628}"/>
-              </a:ext>
-            </a:extLst>
-          </p:cNvPr>
-          <p:cNvSpPr/>
-          <p:nvPr/>
-        </p:nvSpPr>
-        <p:spPr>
-          <a:xfrm>
-            <a:off x="4703675" y="5748610"/>
-            <a:ext cx="552893" cy="352089"/>
-          </a:xfrm>
-          <a:prstGeom prst="rightArrow">
-            <a:avLst/>
-          </a:prstGeom>
-          <a:solidFill>
-            <a:schemeClr val="bg2">
-              <a:lumMod val="75000"/>
-            </a:schemeClr>
-          </a:solidFill>
-          <a:ln>
-            <a:solidFill>
-              <a:schemeClr val="bg2">
-                <a:lumMod val="75000"/>
-              </a:schemeClr>
-            </a:solidFill>
-          </a:ln>
-        </p:spPr>
-        <p:style>
-          <a:lnRef idx="2">
-            <a:schemeClr val="accent1">
-              <a:shade val="50000"/>
-            </a:schemeClr>
-          </a:lnRef>
-          <a:fillRef idx="1">
-            <a:schemeClr val="accent1"/>
-          </a:fillRef>
-          <a:effectRef idx="0">
-            <a:schemeClr val="accent1"/>
-          </a:effectRef>
-          <a:fontRef idx="minor">
-            <a:schemeClr val="lt1"/>
-          </a:fontRef>
-        </p:style>
-        <p:txBody>
-          <a:bodyPr rtlCol="0" anchor="ctr"/>
-          <a:lstStyle/>
-          <a:p>
-            <a:pPr algn="ctr"/>
-            <a:endParaRPr lang="en-CA"/>
-          </a:p>
-        </p:txBody>
-      </p:sp>
-      <p:pic>
-        <p:nvPicPr>
-          <p:cNvPr id="22" name="Picture 21">
-            <a:extLst>
-              <a:ext uri="{FF2B5EF4-FFF2-40B4-BE49-F238E27FC236}">
-                <a16:creationId xmlns:a16="http://schemas.microsoft.com/office/drawing/2014/main" id="{C3DF3974-8E72-452C-85F3-F1019B6B97ED}"/>
-              </a:ext>
-            </a:extLst>
-          </p:cNvPr>
-          <p:cNvPicPr>
-            <a:picLocks noChangeAspect="1"/>
-          </p:cNvPicPr>
-          <p:nvPr/>
-        </p:nvPicPr>
-        <p:blipFill>
-          <a:blip r:embed="rId9"/>
-          <a:stretch>
-            <a:fillRect/>
-          </a:stretch>
-        </p:blipFill>
-        <p:spPr>
-          <a:xfrm>
-            <a:off x="1073058" y="5748532"/>
-            <a:ext cx="2984212" cy="364587"/>
-          </a:xfrm>
-          <a:prstGeom prst="rect">
-            <a:avLst/>
-          </a:prstGeom>
-        </p:spPr>
-      </p:pic>
-      <p:pic>
-        <p:nvPicPr>
-          <p:cNvPr id="23" name="Picture 22">
-            <a:extLst>
-              <a:ext uri="{FF2B5EF4-FFF2-40B4-BE49-F238E27FC236}">
-                <a16:creationId xmlns:a16="http://schemas.microsoft.com/office/drawing/2014/main" id="{852F8D74-023E-438B-A73A-BDADEDFC73F7}"/>
-              </a:ext>
-            </a:extLst>
-          </p:cNvPr>
-          <p:cNvPicPr>
-            <a:picLocks noChangeAspect="1"/>
-          </p:cNvPicPr>
-          <p:nvPr/>
-        </p:nvPicPr>
-        <p:blipFill>
-          <a:blip r:embed="rId10"/>
-          <a:stretch>
-            <a:fillRect/>
-          </a:stretch>
-        </p:blipFill>
-        <p:spPr>
-          <a:xfrm>
-            <a:off x="5902973" y="5748531"/>
-            <a:ext cx="5736663" cy="364587"/>
-          </a:xfrm>
-          <a:prstGeom prst="rect">
-            <a:avLst/>
-          </a:prstGeom>
-        </p:spPr>
-      </p:pic>
-    </p:spTree>
-    <p:extLst>
-      <p:ext uri="{BB962C8B-B14F-4D97-AF65-F5344CB8AC3E}">
-        <p14:creationId xmlns:p14="http://schemas.microsoft.com/office/powerpoint/2010/main" val="3207546834"/>
-      </p:ext>
-    </p:extLst>
-  </p:cSld>
-  <p:clrMapOvr>
-    <a:masterClrMapping/>
-  </p:clrMapOvr>
 </p:sld>
 </file>
 

--- a/Airbnb Price Predictions (Model).pptx
+++ b/Airbnb Price Predictions (Model).pptx
@@ -232,7 +232,7 @@
           <a:p>
             <a:fld id="{4CCFD3AE-9071-224A-B675-15A76FB69B01}" type="datetimeFigureOut">
               <a:rPr lang="en-US" smtClean="0"/>
-              <a:t>3/23/2021</a:t>
+              <a:t>3/23/21</a:t>
             </a:fld>
             <a:endParaRPr lang="en-US"/>
           </a:p>
@@ -1831,9 +1831,39 @@
           <a:bodyPr/>
           <a:lstStyle/>
           <a:p>
+            <a:r>
+              <a:rPr lang="en-CA" sz="1200" b="0" i="0" u="none" strike="noStrike" kern="1200" dirty="0">
+                <a:solidFill>
+                  <a:schemeClr val="tx1"/>
+                </a:solidFill>
+                <a:effectLst/>
+                <a:latin typeface="+mn-lt"/>
+                <a:ea typeface="+mn-ea"/>
+                <a:cs typeface="+mn-cs"/>
+              </a:rPr>
+              <a:t>-Challenge: price too high and no one will book. Price too low and you’ll be missing out on a lot of potential income.</a:t>
+            </a:r>
+          </a:p>
+          <a:p>
             <a:endParaRPr lang="en-US" dirty="0"/>
           </a:p>
           <a:p>
+            <a:r>
+              <a:rPr lang="en-US" dirty="0"/>
+              <a:t>-</a:t>
+            </a:r>
+            <a:r>
+              <a:rPr lang="en-CA" sz="1200" b="0" i="0" u="none" strike="noStrike" kern="1200" dirty="0">
+                <a:solidFill>
+                  <a:schemeClr val="tx1"/>
+                </a:solidFill>
+                <a:effectLst/>
+                <a:latin typeface="+mn-lt"/>
+                <a:ea typeface="+mn-ea"/>
+                <a:cs typeface="+mn-cs"/>
+              </a:rPr>
+              <a:t>Paid third party pricing software is available, but generally you are required to put in your own expected average nightly price (‘base price’), and the algorithm will vary the daily price around that base price on each day depending on day of the week, seasonality, how far away the date is, and other factors.</a:t>
+            </a:r>
             <a:endParaRPr lang="en-US" dirty="0"/>
           </a:p>
           <a:p>
@@ -3464,7 +3494,7 @@
           <a:p>
             <a:fld id="{F7EC48CD-57E2-ED46-8391-F2D890161E05}" type="datetimeFigureOut">
               <a:rPr lang="en-US" smtClean="0"/>
-              <a:t>3/23/2021</a:t>
+              <a:t>3/23/21</a:t>
             </a:fld>
             <a:endParaRPr lang="en-US"/>
           </a:p>
@@ -3662,7 +3692,7 @@
           <a:p>
             <a:fld id="{F7EC48CD-57E2-ED46-8391-F2D890161E05}" type="datetimeFigureOut">
               <a:rPr lang="en-US" smtClean="0"/>
-              <a:t>3/23/2021</a:t>
+              <a:t>3/23/21</a:t>
             </a:fld>
             <a:endParaRPr lang="en-US"/>
           </a:p>
@@ -3870,7 +3900,7 @@
           <a:p>
             <a:fld id="{F7EC48CD-57E2-ED46-8391-F2D890161E05}" type="datetimeFigureOut">
               <a:rPr lang="en-US" smtClean="0"/>
-              <a:t>3/23/2021</a:t>
+              <a:t>3/23/21</a:t>
             </a:fld>
             <a:endParaRPr lang="en-US"/>
           </a:p>
@@ -4068,7 +4098,7 @@
           <a:p>
             <a:fld id="{F7EC48CD-57E2-ED46-8391-F2D890161E05}" type="datetimeFigureOut">
               <a:rPr lang="en-US" smtClean="0"/>
-              <a:t>3/23/2021</a:t>
+              <a:t>3/23/21</a:t>
             </a:fld>
             <a:endParaRPr lang="en-US"/>
           </a:p>
@@ -4343,7 +4373,7 @@
           <a:p>
             <a:fld id="{F7EC48CD-57E2-ED46-8391-F2D890161E05}" type="datetimeFigureOut">
               <a:rPr lang="en-US" smtClean="0"/>
-              <a:t>3/23/2021</a:t>
+              <a:t>3/23/21</a:t>
             </a:fld>
             <a:endParaRPr lang="en-US"/>
           </a:p>
@@ -4608,7 +4638,7 @@
           <a:p>
             <a:fld id="{F7EC48CD-57E2-ED46-8391-F2D890161E05}" type="datetimeFigureOut">
               <a:rPr lang="en-US" smtClean="0"/>
-              <a:t>3/23/2021</a:t>
+              <a:t>3/23/21</a:t>
             </a:fld>
             <a:endParaRPr lang="en-US"/>
           </a:p>
@@ -5020,7 +5050,7 @@
           <a:p>
             <a:fld id="{F7EC48CD-57E2-ED46-8391-F2D890161E05}" type="datetimeFigureOut">
               <a:rPr lang="en-US" smtClean="0"/>
-              <a:t>3/23/2021</a:t>
+              <a:t>3/23/21</a:t>
             </a:fld>
             <a:endParaRPr lang="en-US"/>
           </a:p>
@@ -5161,7 +5191,7 @@
           <a:p>
             <a:fld id="{F7EC48CD-57E2-ED46-8391-F2D890161E05}" type="datetimeFigureOut">
               <a:rPr lang="en-US" smtClean="0"/>
-              <a:t>3/23/2021</a:t>
+              <a:t>3/23/21</a:t>
             </a:fld>
             <a:endParaRPr lang="en-US"/>
           </a:p>
@@ -5274,7 +5304,7 @@
           <a:p>
             <a:fld id="{F7EC48CD-57E2-ED46-8391-F2D890161E05}" type="datetimeFigureOut">
               <a:rPr lang="en-US" smtClean="0"/>
-              <a:t>3/23/2021</a:t>
+              <a:t>3/23/21</a:t>
             </a:fld>
             <a:endParaRPr lang="en-US"/>
           </a:p>
@@ -5585,7 +5615,7 @@
           <a:p>
             <a:fld id="{F7EC48CD-57E2-ED46-8391-F2D890161E05}" type="datetimeFigureOut">
               <a:rPr lang="en-US" smtClean="0"/>
-              <a:t>3/23/2021</a:t>
+              <a:t>3/23/21</a:t>
             </a:fld>
             <a:endParaRPr lang="en-US"/>
           </a:p>
@@ -5873,7 +5903,7 @@
           <a:p>
             <a:fld id="{F7EC48CD-57E2-ED46-8391-F2D890161E05}" type="datetimeFigureOut">
               <a:rPr lang="en-US" smtClean="0"/>
-              <a:t>3/23/2021</a:t>
+              <a:t>3/23/21</a:t>
             </a:fld>
             <a:endParaRPr lang="en-US"/>
           </a:p>
@@ -6114,7 +6144,7 @@
           <a:p>
             <a:fld id="{F7EC48CD-57E2-ED46-8391-F2D890161E05}" type="datetimeFigureOut">
               <a:rPr lang="en-US" smtClean="0"/>
-              <a:t>3/23/2021</a:t>
+              <a:t>3/23/21</a:t>
             </a:fld>
             <a:endParaRPr lang="en-US"/>
           </a:p>
@@ -13967,6 +13997,63 @@
           <a:chExt cx="0" cy="0"/>
         </a:xfrm>
       </p:grpSpPr>
+      <p:pic>
+        <p:nvPicPr>
+          <p:cNvPr id="1026" name="Picture 2" descr="How to Save Money While You're in a Bootcamp - Skills Fund - Skills Fund:  Revolutionizing Higher Education">
+            <a:extLst>
+              <a:ext uri="{FF2B5EF4-FFF2-40B4-BE49-F238E27FC236}">
+                <a16:creationId xmlns:a16="http://schemas.microsoft.com/office/drawing/2014/main" id="{C2D58251-B4B7-A648-A7CD-29945E074C89}"/>
+              </a:ext>
+            </a:extLst>
+          </p:cNvPr>
+          <p:cNvPicPr>
+            <a:picLocks noChangeAspect="1" noChangeArrowheads="1"/>
+          </p:cNvPicPr>
+          <p:nvPr/>
+        </p:nvPicPr>
+        <p:blipFill>
+          <a:blip r:embed="rId3">
+            <a:alphaModFix amt="85000"/>
+            <a:extLst>
+              <a:ext uri="{28A0092B-C50C-407E-A947-70E740481C1C}">
+                <a14:useLocalDpi xmlns:a14="http://schemas.microsoft.com/office/drawing/2010/main" val="0"/>
+              </a:ext>
+            </a:extLst>
+          </a:blip>
+          <a:srcRect/>
+          <a:stretch>
+            <a:fillRect/>
+          </a:stretch>
+        </p:blipFill>
+        <p:spPr bwMode="auto">
+          <a:xfrm>
+            <a:off x="530565" y="1721720"/>
+            <a:ext cx="10827204" cy="5012327"/>
+          </a:xfrm>
+          <a:prstGeom prst="rect">
+            <a:avLst/>
+          </a:prstGeom>
+          <a:ln>
+            <a:noFill/>
+          </a:ln>
+          <a:effectLst>
+            <a:outerShdw blurRad="292100" dist="139700" dir="2700000" algn="tl" rotWithShape="0">
+              <a:srgbClr val="333333">
+                <a:alpha val="65000"/>
+              </a:srgbClr>
+            </a:outerShdw>
+          </a:effectLst>
+          <a:extLst>
+            <a:ext uri="{909E8E84-426E-40DD-AFC4-6F175D3DCCD1}">
+              <a14:hiddenFill xmlns:a14="http://schemas.microsoft.com/office/drawing/2010/main">
+                <a:solidFill>
+                  <a:srgbClr val="FFFFFF"/>
+                </a:solidFill>
+              </a14:hiddenFill>
+            </a:ext>
+          </a:extLst>
+        </p:spPr>
+      </p:pic>
       <p:sp>
         <p:nvSpPr>
           <p:cNvPr id="2" name="Title 1">
@@ -14020,23 +14107,21 @@
           </p:cNvPicPr>
           <p:nvPr/>
         </p:nvPicPr>
-        <p:blipFill>
-          <a:blip r:embed="rId3">
+        <p:blipFill rotWithShape="1">
+          <a:blip r:embed="rId4">
             <a:extLst>
               <a:ext uri="{28A0092B-C50C-407E-A947-70E740481C1C}">
                 <a14:useLocalDpi xmlns:a14="http://schemas.microsoft.com/office/drawing/2010/main" val="0"/>
               </a:ext>
             </a:extLst>
           </a:blip>
-          <a:srcRect/>
-          <a:stretch>
-            <a:fillRect/>
-          </a:stretch>
+          <a:srcRect r="8891" b="23856"/>
+          <a:stretch/>
         </p:blipFill>
         <p:spPr bwMode="auto">
           <a:xfrm>
-            <a:off x="530564" y="108278"/>
-            <a:ext cx="2189605" cy="2022038"/>
+            <a:off x="530565" y="108278"/>
+            <a:ext cx="1994922" cy="1539663"/>
           </a:xfrm>
           <a:prstGeom prst="rect">
             <a:avLst/>
@@ -14096,6 +14181,121 @@
           </a:fontRef>
         </p:style>
       </p:cxnSp>
+      <p:sp>
+        <p:nvSpPr>
+          <p:cNvPr id="3" name="TextBox 2">
+            <a:extLst>
+              <a:ext uri="{FF2B5EF4-FFF2-40B4-BE49-F238E27FC236}">
+                <a16:creationId xmlns:a16="http://schemas.microsoft.com/office/drawing/2014/main" id="{F933B195-357C-DA4A-9573-C1B47431C7C6}"/>
+              </a:ext>
+            </a:extLst>
+          </p:cNvPr>
+          <p:cNvSpPr txBox="1"/>
+          <p:nvPr/>
+        </p:nvSpPr>
+        <p:spPr>
+          <a:xfrm>
+            <a:off x="834231" y="1518508"/>
+            <a:ext cx="5596660" cy="4247317"/>
+          </a:xfrm>
+          <a:prstGeom prst="rect">
+            <a:avLst/>
+          </a:prstGeom>
+          <a:noFill/>
+        </p:spPr>
+        <p:txBody>
+          <a:bodyPr wrap="square" rtlCol="0">
+            <a:spAutoFit/>
+          </a:bodyPr>
+          <a:lstStyle/>
+          <a:p>
+            <a:endParaRPr lang="en-US" dirty="0">
+              <a:latin typeface="+mj-lt"/>
+            </a:endParaRPr>
+          </a:p>
+          <a:p>
+            <a:pPr marL="285750" indent="-285750">
+              <a:buFont typeface="Arial" panose="020B0604020202020204" pitchFamily="34" charset="0"/>
+              <a:buChar char="•"/>
+            </a:pPr>
+            <a:r>
+              <a:rPr lang="en-US" dirty="0">
+                <a:latin typeface="+mj-lt"/>
+              </a:rPr>
+              <a:t>Airbnb hosts in New York face lots of competition with approx. 37, 000 active listings</a:t>
+            </a:r>
+          </a:p>
+          <a:p>
+            <a:pPr marL="285750" indent="-285750">
+              <a:buFont typeface="Arial" panose="020B0604020202020204" pitchFamily="34" charset="0"/>
+              <a:buChar char="•"/>
+            </a:pPr>
+            <a:endParaRPr lang="en-US" dirty="0">
+              <a:latin typeface="+mj-lt"/>
+            </a:endParaRPr>
+          </a:p>
+          <a:p>
+            <a:pPr marL="285750" indent="-285750">
+              <a:buFont typeface="Arial" panose="020B0604020202020204" pitchFamily="34" charset="0"/>
+              <a:buChar char="•"/>
+            </a:pPr>
+            <a:r>
+              <a:rPr lang="en-US" dirty="0">
+                <a:latin typeface="+mj-lt"/>
+              </a:rPr>
+              <a:t>Currently there are no free services which help hosts price their properties. </a:t>
+            </a:r>
+          </a:p>
+          <a:p>
+            <a:pPr marL="285750" indent="-285750">
+              <a:buFont typeface="Arial" panose="020B0604020202020204" pitchFamily="34" charset="0"/>
+              <a:buChar char="•"/>
+            </a:pPr>
+            <a:endParaRPr lang="en-US" dirty="0">
+              <a:latin typeface="+mj-lt"/>
+            </a:endParaRPr>
+          </a:p>
+          <a:p>
+            <a:pPr marL="285750" indent="-285750">
+              <a:buFont typeface="Arial" panose="020B0604020202020204" pitchFamily="34" charset="0"/>
+              <a:buChar char="•"/>
+            </a:pPr>
+            <a:r>
+              <a:rPr lang="en-US" dirty="0">
+                <a:latin typeface="+mj-lt"/>
+              </a:rPr>
+              <a:t>Challenging task for owner to determine a hosting price that is both affordable and profitable</a:t>
+            </a:r>
+          </a:p>
+          <a:p>
+            <a:endParaRPr lang="en-US" dirty="0">
+              <a:latin typeface="+mj-lt"/>
+            </a:endParaRPr>
+          </a:p>
+          <a:p>
+            <a:pPr marL="285750" indent="-285750">
+              <a:buFont typeface="Arial" panose="020B0604020202020204" pitchFamily="34" charset="0"/>
+              <a:buChar char="•"/>
+            </a:pPr>
+            <a:r>
+              <a:rPr lang="en-US" dirty="0">
+                <a:latin typeface="+mj-lt"/>
+              </a:rPr>
+              <a:t>Guests have limited knowledge of property prices in New York and can also benefit from understanding the pricing dynamics of the Airbnb marketplace </a:t>
+            </a:r>
+          </a:p>
+          <a:p>
+            <a:endParaRPr lang="en-US" dirty="0">
+              <a:latin typeface="+mj-lt"/>
+            </a:endParaRPr>
+          </a:p>
+          <a:p>
+            <a:endParaRPr lang="en-US" dirty="0">
+              <a:latin typeface="+mj-lt"/>
+            </a:endParaRPr>
+          </a:p>
+        </p:txBody>
+      </p:sp>
     </p:spTree>
     <p:extLst>
       <p:ext uri="{BB962C8B-B14F-4D97-AF65-F5344CB8AC3E}">
@@ -17208,7 +17408,7 @@
                   <a:srgbClr val="EA5E46"/>
                 </a:solidFill>
               </a:rPr>
-              <a:t>Exploratory Questions</a:t>
+              <a:t>Objective</a:t>
             </a:r>
           </a:p>
         </p:txBody>
@@ -17303,6 +17503,85 @@
           </a:fontRef>
         </p:style>
       </p:cxnSp>
+      <p:sp>
+        <p:nvSpPr>
+          <p:cNvPr id="3" name="TextBox 2">
+            <a:extLst>
+              <a:ext uri="{FF2B5EF4-FFF2-40B4-BE49-F238E27FC236}">
+                <a16:creationId xmlns:a16="http://schemas.microsoft.com/office/drawing/2014/main" id="{BD82BCEE-EA9A-9B44-8939-A6C9288900EA}"/>
+              </a:ext>
+            </a:extLst>
+          </p:cNvPr>
+          <p:cNvSpPr txBox="1"/>
+          <p:nvPr/>
+        </p:nvSpPr>
+        <p:spPr>
+          <a:xfrm>
+            <a:off x="735979" y="2022036"/>
+            <a:ext cx="10925457" cy="3046988"/>
+          </a:xfrm>
+          <a:prstGeom prst="rect">
+            <a:avLst/>
+          </a:prstGeom>
+          <a:noFill/>
+        </p:spPr>
+        <p:txBody>
+          <a:bodyPr wrap="square" rtlCol="0">
+            <a:spAutoFit/>
+          </a:bodyPr>
+          <a:lstStyle/>
+          <a:p>
+            <a:pPr marL="285750" indent="-285750">
+              <a:buFont typeface="Arial" panose="020B0604020202020204" pitchFamily="34" charset="0"/>
+              <a:buChar char="•"/>
+            </a:pPr>
+            <a:r>
+              <a:rPr lang="en-US" sz="2400" dirty="0">
+                <a:latin typeface="+mj-lt"/>
+              </a:rPr>
+              <a:t>Accurately predict the optimal price for Airbnb properties in NYC according to their listing features and seasonal availability</a:t>
+            </a:r>
+          </a:p>
+          <a:p>
+            <a:endParaRPr lang="en-US" sz="2400" dirty="0">
+              <a:latin typeface="+mj-lt"/>
+            </a:endParaRPr>
+          </a:p>
+          <a:p>
+            <a:pPr marL="285750" indent="-285750">
+              <a:buFont typeface="Arial" panose="020B0604020202020204" pitchFamily="34" charset="0"/>
+              <a:buChar char="•"/>
+            </a:pPr>
+            <a:r>
+              <a:rPr lang="en-US" sz="2400" dirty="0">
+                <a:latin typeface="+mj-lt"/>
+              </a:rPr>
+              <a:t>Analyze 36923 active listings using attributes such as location, room type, amenities, and rating to create the model</a:t>
+            </a:r>
+          </a:p>
+          <a:p>
+            <a:pPr marL="285750" indent="-285750">
+              <a:buFont typeface="Arial" panose="020B0604020202020204" pitchFamily="34" charset="0"/>
+              <a:buChar char="•"/>
+            </a:pPr>
+            <a:endParaRPr lang="en-US" sz="2400" dirty="0">
+              <a:latin typeface="+mj-lt"/>
+            </a:endParaRPr>
+          </a:p>
+          <a:p>
+            <a:pPr marL="285750" indent="-285750">
+              <a:buFont typeface="Arial" panose="020B0604020202020204" pitchFamily="34" charset="0"/>
+              <a:buChar char="•"/>
+            </a:pPr>
+            <a:r>
+              <a:rPr lang="en-US" sz="2400" dirty="0">
+                <a:latin typeface="+mj-lt"/>
+              </a:rPr>
+              <a:t>Aim to help both guest and host understand whether the current listing price is worthy and the best time to book/make a room available on Airbnb</a:t>
+            </a:r>
+          </a:p>
+        </p:txBody>
+      </p:sp>
     </p:spTree>
     <p:extLst>
       <p:ext uri="{BB962C8B-B14F-4D97-AF65-F5344CB8AC3E}">

--- a/Airbnb Price Predictions (Model).pptx
+++ b/Airbnb Price Predictions (Model).pptx
@@ -841,7 +841,7 @@
           <a:p>
             <a:r>
               <a:rPr lang="en-US" dirty="0"/>
-              <a:t>We used our existing data get the borough and room type.  </a:t>
+              <a:t>We used our existing data get the borough and room type</a:t>
             </a:r>
           </a:p>
           <a:p>
@@ -1427,15 +1427,7 @@
           <a:p>
             <a:r>
               <a:rPr lang="en-US" dirty="0"/>
-              <a:t>Both models show that the most important features are room types, the </a:t>
-            </a:r>
-            <a:r>
-              <a:rPr lang="en-US" dirty="0" err="1"/>
-              <a:t>neighbourhood</a:t>
-            </a:r>
-            <a:r>
-              <a:rPr lang="en-US" dirty="0"/>
-              <a:t> and the # of bathrooms the unit has.  </a:t>
+              <a:t>Both models show that the most important features are room types, the neighborhood and the # of bathrooms the unit has.  </a:t>
             </a:r>
           </a:p>
           <a:p>
@@ -10379,7 +10371,7 @@
             </a:pPr>
             <a:r>
               <a:rPr lang="en-US" sz="2400" dirty="0"/>
-              <a:t>Fit X and y data in the model.</a:t>
+              <a:t>Fit X and y data in the model</a:t>
             </a:r>
           </a:p>
           <a:p>
@@ -16294,15 +16286,7 @@
             </a:pPr>
             <a:r>
               <a:rPr lang="en-US" dirty="0"/>
-              <a:t>Add </a:t>
-            </a:r>
-            <a:r>
-              <a:rPr lang="en-US" dirty="0" err="1"/>
-              <a:t>Neighbourhood</a:t>
-            </a:r>
-            <a:r>
-              <a:rPr lang="en-US" dirty="0"/>
-              <a:t> Feature in the Prophet Model</a:t>
+              <a:t>Add Neighborhood Feature in the Prophet Model</a:t>
             </a:r>
           </a:p>
           <a:p>

--- a/Airbnb Price Predictions (Model).pptx
+++ b/Airbnb Price Predictions (Model).pptx
@@ -6563,10 +6563,10 @@
       </p:grpSpPr>
       <p:sp>
         <p:nvSpPr>
-          <p:cNvPr id="13" name="TextBox 12">
+          <p:cNvPr id="20" name="TextBox 19">
             <a:extLst>
               <a:ext uri="{FF2B5EF4-FFF2-40B4-BE49-F238E27FC236}">
-                <a16:creationId xmlns:a16="http://schemas.microsoft.com/office/drawing/2014/main" id="{31ECE876-8EDD-084B-A4A3-59D0BF476534}"/>
+                <a16:creationId xmlns:a16="http://schemas.microsoft.com/office/drawing/2014/main" id="{F14FB99A-DF85-EA42-BC5C-C8B98E98F4D8}"/>
               </a:ext>
             </a:extLst>
           </p:cNvPr>
@@ -6574,9 +6574,9 @@
           <p:nvPr/>
         </p:nvSpPr>
         <p:spPr>
-          <a:xfrm>
-            <a:off x="3588884" y="984325"/>
-            <a:ext cx="8412480" cy="646331"/>
+          <a:xfrm rot="10800000" flipV="1">
+            <a:off x="2326534" y="5474034"/>
+            <a:ext cx="7738946" cy="1200329"/>
           </a:xfrm>
           <a:prstGeom prst="rect">
             <a:avLst/>
@@ -6591,49 +6591,91 @@
           <a:p>
             <a:pPr algn="ctr"/>
             <a:r>
-              <a:rPr lang="en-US" sz="3600" dirty="0">
+              <a:rPr lang="en-US" i="1" dirty="0">
                 <a:latin typeface="+mj-lt"/>
               </a:rPr>
-              <a:t>Airbnb Price Predictions – 03/25/21</a:t>
-            </a:r>
-            <a:endParaRPr lang="en-US" dirty="0"/>
+              <a:t>Kapil </a:t>
+            </a:r>
+            <a:r>
+              <a:rPr lang="en-US" i="1" dirty="0" err="1">
+                <a:latin typeface="+mj-lt"/>
+              </a:rPr>
+              <a:t>Pundhir</a:t>
+            </a:r>
+            <a:r>
+              <a:rPr lang="en-US" i="1" dirty="0">
+                <a:latin typeface="+mj-lt"/>
+              </a:rPr>
+              <a:t>, Hillary </a:t>
+            </a:r>
+            <a:r>
+              <a:rPr lang="en-US" i="1" dirty="0" err="1">
+                <a:latin typeface="+mj-lt"/>
+              </a:rPr>
+              <a:t>Mandich</a:t>
+            </a:r>
+            <a:r>
+              <a:rPr lang="en-US" i="1" dirty="0">
+                <a:latin typeface="+mj-lt"/>
+              </a:rPr>
+              <a:t>, Cecilia Leung, Amaris Hassan, Caitlan </a:t>
+            </a:r>
+            <a:r>
+              <a:rPr lang="en-US" i="1" dirty="0" err="1">
+                <a:latin typeface="+mj-lt"/>
+              </a:rPr>
+              <a:t>Beachey</a:t>
+            </a:r>
+            <a:endParaRPr lang="en-US" i="1" dirty="0">
+              <a:latin typeface="+mj-lt"/>
+            </a:endParaRPr>
+          </a:p>
+          <a:p>
+            <a:endParaRPr lang="en-US" i="1" dirty="0"/>
+          </a:p>
+          <a:p>
+            <a:endParaRPr lang="en-US" i="1" dirty="0"/>
+          </a:p>
+          <a:p>
+            <a:endParaRPr lang="en-US" i="1" dirty="0"/>
           </a:p>
         </p:txBody>
       </p:sp>
       <p:pic>
         <p:nvPicPr>
-          <p:cNvPr id="19" name="Content Placeholder 18">
+          <p:cNvPr id="10" name="Picture 9">
             <a:extLst>
               <a:ext uri="{FF2B5EF4-FFF2-40B4-BE49-F238E27FC236}">
-                <a16:creationId xmlns:a16="http://schemas.microsoft.com/office/drawing/2014/main" id="{C7170052-2AC0-DD47-9864-B904FD1811BD}"/>
+                <a16:creationId xmlns:a16="http://schemas.microsoft.com/office/drawing/2014/main" id="{B8C5A2CB-15F1-CC48-9521-46BCD4DCF226}"/>
               </a:ext>
             </a:extLst>
           </p:cNvPr>
           <p:cNvPicPr>
-            <a:picLocks noGrp="1" noChangeAspect="1"/>
+            <a:picLocks noChangeAspect="1"/>
           </p:cNvPicPr>
-          <p:nvPr>
-            <p:ph idx="1"/>
-          </p:nvPr>
+          <p:nvPr/>
         </p:nvPicPr>
         <p:blipFill rotWithShape="1">
           <a:blip r:embed="rId3"/>
-          <a:srcRect l="26590" t="20798" r="31668" b="40721"/>
+          <a:srcRect r="7095" b="19499"/>
           <a:stretch/>
         </p:blipFill>
         <p:spPr>
           <a:xfrm>
-            <a:off x="46667" y="1010278"/>
-            <a:ext cx="3872497" cy="4181824"/>
+            <a:off x="2387068" y="63416"/>
+            <a:ext cx="7189884" cy="4672426"/>
           </a:xfrm>
+          <a:prstGeom prst="rect">
+            <a:avLst/>
+          </a:prstGeom>
         </p:spPr>
       </p:pic>
       <p:sp>
         <p:nvSpPr>
-          <p:cNvPr id="20" name="TextBox 19">
+          <p:cNvPr id="11" name="TextBox 10">
             <a:extLst>
               <a:ext uri="{FF2B5EF4-FFF2-40B4-BE49-F238E27FC236}">
-                <a16:creationId xmlns:a16="http://schemas.microsoft.com/office/drawing/2014/main" id="{F14FB99A-DF85-EA42-BC5C-C8B98E98F4D8}"/>
+                <a16:creationId xmlns:a16="http://schemas.microsoft.com/office/drawing/2014/main" id="{AE689CC2-7137-DD49-A0E7-81EE8E907007}"/>
               </a:ext>
             </a:extLst>
           </p:cNvPr>
@@ -6642,8 +6684,8 @@
         </p:nvSpPr>
         <p:spPr>
           <a:xfrm>
-            <a:off x="4253326" y="6016017"/>
-            <a:ext cx="7938674" cy="1200329"/>
+            <a:off x="1955179" y="4458371"/>
+            <a:ext cx="9478535" cy="1015663"/>
           </a:xfrm>
           <a:prstGeom prst="rect">
             <a:avLst/>
@@ -6657,51 +6699,14 @@
           <a:lstStyle/>
           <a:p>
             <a:r>
-              <a:rPr lang="en-US" i="1"/>
-              <a:t>Kapil Pundhir, Hillary Mandich, Cecilia Leung, Amaris Hassan, Caitlan Beachey</a:t>
-            </a:r>
-          </a:p>
-          <a:p>
-            <a:endParaRPr lang="en-US" i="1"/>
-          </a:p>
-          <a:p>
-            <a:endParaRPr lang="en-US" i="1"/>
-          </a:p>
-          <a:p>
-            <a:endParaRPr lang="en-US" i="1" dirty="0"/>
+              <a:rPr lang="en-US" sz="6000" dirty="0">
+                <a:latin typeface="+mj-lt"/>
+              </a:rPr>
+              <a:t>AIRBNB PRICE PREDICTION</a:t>
+            </a:r>
           </a:p>
         </p:txBody>
       </p:sp>
-      <p:pic>
-        <p:nvPicPr>
-          <p:cNvPr id="3" name="Picture 2">
-            <a:extLst>
-              <a:ext uri="{FF2B5EF4-FFF2-40B4-BE49-F238E27FC236}">
-                <a16:creationId xmlns:a16="http://schemas.microsoft.com/office/drawing/2014/main" id="{DE1EFA3F-4D39-40BA-A4E2-E29A1EFB9C4E}"/>
-              </a:ext>
-            </a:extLst>
-          </p:cNvPr>
-          <p:cNvPicPr>
-            <a:picLocks noChangeAspect="1"/>
-          </p:cNvPicPr>
-          <p:nvPr/>
-        </p:nvPicPr>
-        <p:blipFill>
-          <a:blip r:embed="rId4"/>
-          <a:stretch>
-            <a:fillRect/>
-          </a:stretch>
-        </p:blipFill>
-        <p:spPr>
-          <a:xfrm>
-            <a:off x="4474670" y="1814945"/>
-            <a:ext cx="5675169" cy="3568971"/>
-          </a:xfrm>
-          <a:prstGeom prst="rect">
-            <a:avLst/>
-          </a:prstGeom>
-        </p:spPr>
-      </p:pic>
     </p:spTree>
     <p:extLst>
       <p:ext uri="{BB962C8B-B14F-4D97-AF65-F5344CB8AC3E}">
@@ -14013,7 +14018,7 @@
         </p:nvPicPr>
         <p:blipFill>
           <a:blip r:embed="rId3">
-            <a:alphaModFix amt="85000"/>
+            <a:alphaModFix amt="35000"/>
             <a:extLst>
               <a:ext uri="{28A0092B-C50C-407E-A947-70E740481C1C}">
                 <a14:useLocalDpi xmlns:a14="http://schemas.microsoft.com/office/drawing/2010/main" val="0"/>
@@ -14027,22 +14032,42 @@
         </p:blipFill>
         <p:spPr bwMode="auto">
           <a:xfrm>
-            <a:off x="530565" y="1721720"/>
-            <a:ext cx="10827204" cy="5012327"/>
+            <a:off x="420914" y="310559"/>
+            <a:ext cx="11169082" cy="6236881"/>
           </a:xfrm>
           <a:prstGeom prst="rect">
             <a:avLst/>
           </a:prstGeom>
-          <a:ln>
-            <a:noFill/>
+          <a:solidFill>
+            <a:srgbClr val="FFFFFF">
+              <a:shade val="85000"/>
+            </a:srgbClr>
+          </a:solidFill>
+          <a:ln w="88900" cap="sq">
+            <a:solidFill>
+              <a:srgbClr val="FFFFFF"/>
+            </a:solidFill>
+            <a:miter lim="800000"/>
           </a:ln>
           <a:effectLst>
-            <a:outerShdw blurRad="292100" dist="139700" dir="2700000" algn="tl" rotWithShape="0">
-              <a:srgbClr val="333333">
-                <a:alpha val="65000"/>
+            <a:outerShdw blurRad="55000" dist="18000" dir="5400000" algn="tl" rotWithShape="0">
+              <a:srgbClr val="000000">
+                <a:alpha val="40000"/>
               </a:srgbClr>
             </a:outerShdw>
           </a:effectLst>
+          <a:scene3d>
+            <a:camera prst="orthographicFront"/>
+            <a:lightRig rig="twoPt" dir="t">
+              <a:rot lat="0" lon="0" rev="7200000"/>
+            </a:lightRig>
+          </a:scene3d>
+          <a:sp3d>
+            <a:bevelT w="25400" h="19050"/>
+            <a:contourClr>
+              <a:srgbClr val="FFFFFF"/>
+            </a:contourClr>
+          </a:sp3d>
           <a:extLst>
             <a:ext uri="{909E8E84-426E-40DD-AFC4-6F175D3DCCD1}">
               <a14:hiddenFill xmlns:a14="http://schemas.microsoft.com/office/drawing/2010/main">
@@ -14072,7 +14097,7 @@
         </p:nvSpPr>
         <p:spPr>
           <a:xfrm>
-            <a:off x="2721982" y="696475"/>
+            <a:off x="929254" y="370578"/>
             <a:ext cx="10515600" cy="1325563"/>
           </a:xfrm>
         </p:spPr>
@@ -14083,104 +14108,15 @@
           <a:lstStyle/>
           <a:p>
             <a:r>
-              <a:rPr lang="en-US" sz="4000" dirty="0">
-                <a:solidFill>
-                  <a:srgbClr val="EA5E46"/>
-                </a:solidFill>
+              <a:rPr lang="en-US" sz="3600" dirty="0">
+                <a:latin typeface="Baloo Bhai" panose="03080902040302020200" pitchFamily="66" charset="77"/>
+                <a:cs typeface="Baloo Bhai" panose="03080902040302020200" pitchFamily="66" charset="77"/>
               </a:rPr>
-              <a:t>Airbnb Pricing Background</a:t>
+              <a:t>How is listing price determined?</a:t>
             </a:r>
           </a:p>
         </p:txBody>
       </p:sp>
-      <p:pic>
-        <p:nvPicPr>
-          <p:cNvPr id="2050" name="Picture 2" descr="Image result for air bnb logo">
-            <a:extLst>
-              <a:ext uri="{FF2B5EF4-FFF2-40B4-BE49-F238E27FC236}">
-                <a16:creationId xmlns:a16="http://schemas.microsoft.com/office/drawing/2014/main" id="{A162C291-208B-BE48-BF44-7D5CD7EF6151}"/>
-              </a:ext>
-            </a:extLst>
-          </p:cNvPr>
-          <p:cNvPicPr>
-            <a:picLocks noChangeAspect="1" noChangeArrowheads="1"/>
-          </p:cNvPicPr>
-          <p:nvPr/>
-        </p:nvPicPr>
-        <p:blipFill rotWithShape="1">
-          <a:blip r:embed="rId4">
-            <a:extLst>
-              <a:ext uri="{28A0092B-C50C-407E-A947-70E740481C1C}">
-                <a14:useLocalDpi xmlns:a14="http://schemas.microsoft.com/office/drawing/2010/main" val="0"/>
-              </a:ext>
-            </a:extLst>
-          </a:blip>
-          <a:srcRect r="8891" b="23856"/>
-          <a:stretch/>
-        </p:blipFill>
-        <p:spPr bwMode="auto">
-          <a:xfrm>
-            <a:off x="530565" y="108278"/>
-            <a:ext cx="1994922" cy="1539663"/>
-          </a:xfrm>
-          <a:prstGeom prst="rect">
-            <a:avLst/>
-          </a:prstGeom>
-          <a:noFill/>
-          <a:extLst>
-            <a:ext uri="{909E8E84-426E-40DD-AFC4-6F175D3DCCD1}">
-              <a14:hiddenFill xmlns:a14="http://schemas.microsoft.com/office/drawing/2010/main">
-                <a:solidFill>
-                  <a:srgbClr val="FFFFFF"/>
-                </a:solidFill>
-              </a14:hiddenFill>
-            </a:ext>
-          </a:extLst>
-        </p:spPr>
-      </p:pic>
-      <p:cxnSp>
-        <p:nvCxnSpPr>
-          <p:cNvPr id="6" name="Straight Connector 5">
-            <a:extLst>
-              <a:ext uri="{FF2B5EF4-FFF2-40B4-BE49-F238E27FC236}">
-                <a16:creationId xmlns:a16="http://schemas.microsoft.com/office/drawing/2014/main" id="{7D0926DC-6298-B648-9DF9-0D78D09F9FC8}"/>
-              </a:ext>
-            </a:extLst>
-          </p:cNvPr>
-          <p:cNvCxnSpPr>
-            <a:cxnSpLocks/>
-          </p:cNvCxnSpPr>
-          <p:nvPr/>
-        </p:nvCxnSpPr>
-        <p:spPr>
-          <a:xfrm>
-            <a:off x="975854" y="1684830"/>
-            <a:ext cx="9518745" cy="1"/>
-          </a:xfrm>
-          <a:prstGeom prst="line">
-            <a:avLst/>
-          </a:prstGeom>
-          <a:ln w="12700">
-            <a:solidFill>
-              <a:srgbClr val="EA5E46"/>
-            </a:solidFill>
-          </a:ln>
-        </p:spPr>
-        <p:style>
-          <a:lnRef idx="1">
-            <a:schemeClr val="accent2"/>
-          </a:lnRef>
-          <a:fillRef idx="0">
-            <a:schemeClr val="accent2"/>
-          </a:fillRef>
-          <a:effectRef idx="0">
-            <a:schemeClr val="accent2"/>
-          </a:effectRef>
-          <a:fontRef idx="minor">
-            <a:schemeClr val="tx1"/>
-          </a:fontRef>
-        </p:style>
-      </p:cxnSp>
       <p:sp>
         <p:nvSpPr>
           <p:cNvPr id="3" name="TextBox 2">
@@ -14195,8 +14131,8 @@
         </p:nvSpPr>
         <p:spPr>
           <a:xfrm>
-            <a:off x="834231" y="1518508"/>
-            <a:ext cx="5596660" cy="4247317"/>
+            <a:off x="602004" y="1306750"/>
+            <a:ext cx="9079025" cy="3693319"/>
           </a:xfrm>
           <a:prstGeom prst="rect">
             <a:avLst/>
@@ -14219,7 +14155,7 @@
               <a:buChar char="•"/>
             </a:pPr>
             <a:r>
-              <a:rPr lang="en-US" dirty="0">
+              <a:rPr lang="en-US" sz="2000" dirty="0">
                 <a:latin typeface="+mj-lt"/>
               </a:rPr>
               <a:t>Airbnb hosts in New York face lots of competition with approx. 37, 000 active listings</a:t>
@@ -14230,7 +14166,7 @@
               <a:buFont typeface="Arial" panose="020B0604020202020204" pitchFamily="34" charset="0"/>
               <a:buChar char="•"/>
             </a:pPr>
-            <a:endParaRPr lang="en-US" dirty="0">
+            <a:endParaRPr lang="en-US" sz="2000" dirty="0">
               <a:latin typeface="+mj-lt"/>
             </a:endParaRPr>
           </a:p>
@@ -14240,7 +14176,7 @@
               <a:buChar char="•"/>
             </a:pPr>
             <a:r>
-              <a:rPr lang="en-US" dirty="0">
+              <a:rPr lang="en-US" sz="2000" dirty="0">
                 <a:latin typeface="+mj-lt"/>
               </a:rPr>
               <a:t>Currently there are no free services which help hosts price their properties. </a:t>
@@ -14251,7 +14187,7 @@
               <a:buFont typeface="Arial" panose="020B0604020202020204" pitchFamily="34" charset="0"/>
               <a:buChar char="•"/>
             </a:pPr>
-            <a:endParaRPr lang="en-US" dirty="0">
+            <a:endParaRPr lang="en-US" sz="2000" dirty="0">
               <a:latin typeface="+mj-lt"/>
             </a:endParaRPr>
           </a:p>
@@ -14261,14 +14197,22 @@
               <a:buChar char="•"/>
             </a:pPr>
             <a:r>
-              <a:rPr lang="en-US" dirty="0">
+              <a:rPr lang="en-US" sz="2000" dirty="0">
                 <a:latin typeface="+mj-lt"/>
               </a:rPr>
-              <a:t>Challenging task for owner to determine a hosting price that is both affordable and profitable</a:t>
-            </a:r>
-          </a:p>
-          <a:p>
-            <a:endParaRPr lang="en-US" dirty="0">
+              <a:t>Challenging task for owner to determine a hosting price that is both </a:t>
+            </a:r>
+          </a:p>
+          <a:p>
+            <a:r>
+              <a:rPr lang="en-US" sz="2000" dirty="0">
+                <a:latin typeface="+mj-lt"/>
+              </a:rPr>
+              <a:t>     affordable and profitable</a:t>
+            </a:r>
+          </a:p>
+          <a:p>
+            <a:endParaRPr lang="en-US" sz="2000" dirty="0">
               <a:latin typeface="+mj-lt"/>
             </a:endParaRPr>
           </a:p>
@@ -14278,7 +14222,7 @@
               <a:buChar char="•"/>
             </a:pPr>
             <a:r>
-              <a:rPr lang="en-US" dirty="0">
+              <a:rPr lang="en-US" sz="2000" dirty="0">
                 <a:latin typeface="+mj-lt"/>
               </a:rPr>
               <a:t>Guests have limited knowledge of property prices in New York and can also benefit from understanding the pricing dynamics of the Airbnb marketplace </a:t>
@@ -17392,7 +17336,7 @@
         </p:nvSpPr>
         <p:spPr>
 